--- a/Programming Made Easy.pptx
+++ b/Programming Made Easy.pptx
@@ -7,6 +7,7 @@
   <p:sldIdLst>
     <p:sldId id="256" r:id="rId2"/>
     <p:sldId id="257" r:id="rId3"/>
+    <p:sldId id="258" r:id="rId4"/>
   </p:sldIdLst>
   <p:sldSz cx="9144000" cy="6858000" type="screen4x3"/>
   <p:notesSz cx="6858000" cy="9144000"/>
@@ -5016,7 +5017,7 @@
             <a:avLst/>
           </a:prstGeom>
           <a:solidFill>
-            <a:schemeClr val="tx2"/>
+            <a:schemeClr val="accent3"/>
           </a:solidFill>
         </p:spPr>
         <p:txBody>
@@ -5172,9 +5173,1335 @@
             </a:lvl9pPr>
           </a:lstStyle>
           <a:p>
+            <a:endParaRPr lang="en-CA" dirty="0"/>
+          </a:p>
+        </p:txBody>
+      </p:sp>
+      <p:pic>
+        <p:nvPicPr>
+          <p:cNvPr id="10" name="Picture 9"/>
+          <p:cNvPicPr>
+            <a:picLocks noChangeAspect="1"/>
+          </p:cNvPicPr>
+          <p:nvPr/>
+        </p:nvPicPr>
+        <p:blipFill>
+          <a:blip r:embed="rId2">
+            <a:extLst>
+              <a:ext uri="{28A0092B-C50C-407E-A947-70E740481C1C}">
+                <a14:useLocalDpi xmlns:a14="http://schemas.microsoft.com/office/drawing/2010/main" val="0"/>
+              </a:ext>
+            </a:extLst>
+          </a:blip>
+          <a:stretch>
+            <a:fillRect/>
+          </a:stretch>
+        </p:blipFill>
+        <p:spPr>
+          <a:xfrm>
+            <a:off x="611560" y="3476569"/>
+            <a:ext cx="2808312" cy="561662"/>
+          </a:xfrm>
+          <a:prstGeom prst="rect">
+            <a:avLst/>
+          </a:prstGeom>
+        </p:spPr>
+      </p:pic>
+      <p:sp>
+        <p:nvSpPr>
+          <p:cNvPr id="11" name="Content Placeholder 1"/>
+          <p:cNvSpPr txBox="1">
+            <a:spLocks/>
+          </p:cNvSpPr>
+          <p:nvPr/>
+        </p:nvSpPr>
+        <p:spPr>
+          <a:xfrm>
+            <a:off x="3724009" y="3149353"/>
+            <a:ext cx="3096344" cy="1368152"/>
+          </a:xfrm>
+          <a:prstGeom prst="rect">
+            <a:avLst/>
+          </a:prstGeom>
+          <a:solidFill>
+            <a:schemeClr val="bg1"/>
+          </a:solidFill>
+        </p:spPr>
+        <p:txBody>
+          <a:bodyPr/>
+          <a:lstStyle>
+            <a:lvl1pPr marL="0" indent="0" algn="l" defTabSz="914400" rtl="0" eaLnBrk="1" latinLnBrk="0" hangingPunct="1">
+              <a:spcBef>
+                <a:spcPct val="20000"/>
+              </a:spcBef>
+              <a:buClr>
+                <a:schemeClr val="tx1"/>
+              </a:buClr>
+              <a:buFontTx/>
+              <a:buNone/>
+              <a:defRPr sz="3200" kern="1200">
+                <a:solidFill>
+                  <a:schemeClr val="bg1"/>
+                </a:solidFill>
+                <a:latin typeface="Segoe UI Light" pitchFamily="34" charset="0"/>
+                <a:ea typeface="Segoe UI" pitchFamily="34" charset="0"/>
+                <a:cs typeface="Segoe UI" pitchFamily="34" charset="0"/>
+              </a:defRPr>
+            </a:lvl1pPr>
+            <a:lvl2pPr marL="254250" indent="0" algn="l" defTabSz="914400" rtl="0" eaLnBrk="1" latinLnBrk="0" hangingPunct="1">
+              <a:spcBef>
+                <a:spcPct val="20000"/>
+              </a:spcBef>
+              <a:buClr>
+                <a:schemeClr val="tx1"/>
+              </a:buClr>
+              <a:buFontTx/>
+              <a:buNone/>
+              <a:defRPr sz="2800" kern="1200">
+                <a:solidFill>
+                  <a:schemeClr val="bg1">
+                    <a:lumMod val="75000"/>
+                  </a:schemeClr>
+                </a:solidFill>
+                <a:latin typeface="Segoe UI Light" pitchFamily="34" charset="0"/>
+                <a:ea typeface="Segoe UI" pitchFamily="34" charset="0"/>
+                <a:cs typeface="Segoe UI" pitchFamily="34" charset="0"/>
+              </a:defRPr>
+            </a:lvl2pPr>
+            <a:lvl3pPr marL="491400" indent="0" algn="l" defTabSz="914400" rtl="0" eaLnBrk="1" latinLnBrk="0" hangingPunct="1">
+              <a:spcBef>
+                <a:spcPct val="20000"/>
+              </a:spcBef>
+              <a:buClr>
+                <a:schemeClr val="tx1"/>
+              </a:buClr>
+              <a:buFontTx/>
+              <a:buNone/>
+              <a:defRPr sz="2400" kern="1200">
+                <a:solidFill>
+                  <a:schemeClr val="bg1">
+                    <a:lumMod val="50000"/>
+                  </a:schemeClr>
+                </a:solidFill>
+                <a:latin typeface="Segoe UI Light" pitchFamily="34" charset="0"/>
+                <a:ea typeface="Segoe UI" pitchFamily="34" charset="0"/>
+                <a:cs typeface="Segoe UI" pitchFamily="34" charset="0"/>
+              </a:defRPr>
+            </a:lvl3pPr>
+            <a:lvl4pPr marL="1600200" indent="-228600" algn="l" defTabSz="914400" rtl="0" eaLnBrk="1" latinLnBrk="0" hangingPunct="1">
+              <a:spcBef>
+                <a:spcPct val="20000"/>
+              </a:spcBef>
+              <a:buFont typeface="Arial" pitchFamily="34" charset="0"/>
+              <a:buChar char="–"/>
+              <a:defRPr sz="2000" kern="1200">
+                <a:solidFill>
+                  <a:schemeClr val="bg1"/>
+                </a:solidFill>
+                <a:latin typeface="Segoe WP" pitchFamily="34" charset="0"/>
+                <a:ea typeface="Segoe UI" pitchFamily="34" charset="0"/>
+                <a:cs typeface="Segoe UI" pitchFamily="34" charset="0"/>
+              </a:defRPr>
+            </a:lvl4pPr>
+            <a:lvl5pPr marL="2057400" indent="-228600" algn="l" defTabSz="914400" rtl="0" eaLnBrk="1" latinLnBrk="0" hangingPunct="1">
+              <a:spcBef>
+                <a:spcPct val="20000"/>
+              </a:spcBef>
+              <a:buFont typeface="Arial" pitchFamily="34" charset="0"/>
+              <a:buChar char="»"/>
+              <a:defRPr sz="2000" kern="1200">
+                <a:solidFill>
+                  <a:schemeClr val="bg1"/>
+                </a:solidFill>
+                <a:latin typeface="Segoe WP" pitchFamily="34" charset="0"/>
+                <a:ea typeface="Segoe UI" pitchFamily="34" charset="0"/>
+                <a:cs typeface="Segoe UI" pitchFamily="34" charset="0"/>
+              </a:defRPr>
+            </a:lvl5pPr>
+            <a:lvl6pPr marL="2514600" indent="-228600" algn="l" defTabSz="914400" rtl="0" eaLnBrk="1" latinLnBrk="0" hangingPunct="1">
+              <a:spcBef>
+                <a:spcPct val="20000"/>
+              </a:spcBef>
+              <a:buFont typeface="Arial" pitchFamily="34" charset="0"/>
+              <a:buChar char="•"/>
+              <a:defRPr sz="2000" kern="1200">
+                <a:solidFill>
+                  <a:schemeClr val="tx1"/>
+                </a:solidFill>
+                <a:latin typeface="+mn-lt"/>
+                <a:ea typeface="+mn-ea"/>
+                <a:cs typeface="+mn-cs"/>
+              </a:defRPr>
+            </a:lvl6pPr>
+            <a:lvl7pPr marL="2971800" indent="-228600" algn="l" defTabSz="914400" rtl="0" eaLnBrk="1" latinLnBrk="0" hangingPunct="1">
+              <a:spcBef>
+                <a:spcPct val="20000"/>
+              </a:spcBef>
+              <a:buFont typeface="Arial" pitchFamily="34" charset="0"/>
+              <a:buChar char="•"/>
+              <a:defRPr sz="2000" kern="1200">
+                <a:solidFill>
+                  <a:schemeClr val="tx1"/>
+                </a:solidFill>
+                <a:latin typeface="+mn-lt"/>
+                <a:ea typeface="+mn-ea"/>
+                <a:cs typeface="+mn-cs"/>
+              </a:defRPr>
+            </a:lvl7pPr>
+            <a:lvl8pPr marL="3429000" indent="-228600" algn="l" defTabSz="914400" rtl="0" eaLnBrk="1" latinLnBrk="0" hangingPunct="1">
+              <a:spcBef>
+                <a:spcPct val="20000"/>
+              </a:spcBef>
+              <a:buFont typeface="Arial" pitchFamily="34" charset="0"/>
+              <a:buChar char="•"/>
+              <a:defRPr sz="2000" kern="1200">
+                <a:solidFill>
+                  <a:schemeClr val="tx1"/>
+                </a:solidFill>
+                <a:latin typeface="+mn-lt"/>
+                <a:ea typeface="+mn-ea"/>
+                <a:cs typeface="+mn-cs"/>
+              </a:defRPr>
+            </a:lvl8pPr>
+            <a:lvl9pPr marL="3886200" indent="-228600" algn="l" defTabSz="914400" rtl="0" eaLnBrk="1" latinLnBrk="0" hangingPunct="1">
+              <a:spcBef>
+                <a:spcPct val="20000"/>
+              </a:spcBef>
+              <a:buFont typeface="Arial" pitchFamily="34" charset="0"/>
+              <a:buChar char="•"/>
+              <a:defRPr sz="2000" kern="1200">
+                <a:solidFill>
+                  <a:schemeClr val="tx1"/>
+                </a:solidFill>
+                <a:latin typeface="+mn-lt"/>
+                <a:ea typeface="+mn-ea"/>
+                <a:cs typeface="+mn-cs"/>
+              </a:defRPr>
+            </a:lvl9pPr>
+          </a:lstStyle>
+          <a:p>
+            <a:endParaRPr lang="en-CA" dirty="0"/>
+          </a:p>
+        </p:txBody>
+      </p:sp>
+      <p:pic>
+        <p:nvPicPr>
+          <p:cNvPr id="1028" name="Picture 4" descr="C:\Users\bwasielak\Documents\WebMuses\Presentation\assets\MCP(rgb).png"/>
+          <p:cNvPicPr>
+            <a:picLocks noChangeAspect="1" noChangeArrowheads="1"/>
+          </p:cNvPicPr>
+          <p:nvPr/>
+        </p:nvPicPr>
+        <p:blipFill>
+          <a:blip r:embed="rId3">
+            <a:extLst>
+              <a:ext uri="{28A0092B-C50C-407E-A947-70E740481C1C}">
+                <a14:useLocalDpi xmlns:a14="http://schemas.microsoft.com/office/drawing/2010/main" val="0"/>
+              </a:ext>
+            </a:extLst>
+          </a:blip>
+          <a:srcRect/>
+          <a:stretch>
+            <a:fillRect/>
+          </a:stretch>
+        </p:blipFill>
+        <p:spPr bwMode="auto">
+          <a:xfrm>
+            <a:off x="4460342" y="3153963"/>
+            <a:ext cx="1524000" cy="762000"/>
+          </a:xfrm>
+          <a:prstGeom prst="rect">
+            <a:avLst/>
+          </a:prstGeom>
+          <a:noFill/>
+          <a:extLst>
+            <a:ext uri="{909E8E84-426E-40DD-AFC4-6F175D3DCCD1}">
+              <a14:hiddenFill xmlns:a14="http://schemas.microsoft.com/office/drawing/2010/main">
+                <a:solidFill>
+                  <a:srgbClr val="FFFFFF"/>
+                </a:solidFill>
+              </a14:hiddenFill>
+            </a:ext>
+          </a:extLst>
+        </p:spPr>
+      </p:pic>
+      <p:pic>
+        <p:nvPicPr>
+          <p:cNvPr id="1030" name="Picture 6" descr="C:\Users\bwasielak\Documents\WebMuses\Presentation\assets\MCTS(rgb)_1098_1103.png"/>
+          <p:cNvPicPr>
+            <a:picLocks noChangeAspect="1" noChangeArrowheads="1"/>
+          </p:cNvPicPr>
+          <p:nvPr/>
+        </p:nvPicPr>
+        <p:blipFill>
+          <a:blip r:embed="rId4">
+            <a:extLst>
+              <a:ext uri="{28A0092B-C50C-407E-A947-70E740481C1C}">
+                <a14:useLocalDpi xmlns:a14="http://schemas.microsoft.com/office/drawing/2010/main" val="0"/>
+              </a:ext>
+            </a:extLst>
+          </a:blip>
+          <a:srcRect/>
+          <a:stretch>
+            <a:fillRect/>
+          </a:stretch>
+        </p:blipFill>
+        <p:spPr bwMode="auto">
+          <a:xfrm>
+            <a:off x="3850120" y="3973089"/>
+            <a:ext cx="2844122" cy="456887"/>
+          </a:xfrm>
+          <a:prstGeom prst="rect">
+            <a:avLst/>
+          </a:prstGeom>
+          <a:noFill/>
+          <a:extLst>
+            <a:ext uri="{909E8E84-426E-40DD-AFC4-6F175D3DCCD1}">
+              <a14:hiddenFill xmlns:a14="http://schemas.microsoft.com/office/drawing/2010/main">
+                <a:solidFill>
+                  <a:srgbClr val="FFFFFF"/>
+                </a:solidFill>
+              </a14:hiddenFill>
+            </a:ext>
+          </a:extLst>
+        </p:spPr>
+      </p:pic>
+      <p:sp>
+        <p:nvSpPr>
+          <p:cNvPr id="18" name="Content Placeholder 1"/>
+          <p:cNvSpPr txBox="1">
+            <a:spLocks/>
+          </p:cNvSpPr>
+          <p:nvPr/>
+        </p:nvSpPr>
+        <p:spPr>
+          <a:xfrm>
+            <a:off x="467544" y="4626029"/>
+            <a:ext cx="3096344" cy="1368152"/>
+          </a:xfrm>
+          <a:prstGeom prst="rect">
+            <a:avLst/>
+          </a:prstGeom>
+          <a:solidFill>
+            <a:srgbClr val="070D55"/>
+          </a:solidFill>
+        </p:spPr>
+        <p:txBody>
+          <a:bodyPr/>
+          <a:lstStyle>
+            <a:lvl1pPr marL="0" indent="0" algn="l" defTabSz="914400" rtl="0" eaLnBrk="1" latinLnBrk="0" hangingPunct="1">
+              <a:spcBef>
+                <a:spcPct val="20000"/>
+              </a:spcBef>
+              <a:buClr>
+                <a:schemeClr val="tx1"/>
+              </a:buClr>
+              <a:buFontTx/>
+              <a:buNone/>
+              <a:defRPr sz="3200" kern="1200">
+                <a:solidFill>
+                  <a:schemeClr val="bg1"/>
+                </a:solidFill>
+                <a:latin typeface="Segoe UI Light" pitchFamily="34" charset="0"/>
+                <a:ea typeface="Segoe UI" pitchFamily="34" charset="0"/>
+                <a:cs typeface="Segoe UI" pitchFamily="34" charset="0"/>
+              </a:defRPr>
+            </a:lvl1pPr>
+            <a:lvl2pPr marL="254250" indent="0" algn="l" defTabSz="914400" rtl="0" eaLnBrk="1" latinLnBrk="0" hangingPunct="1">
+              <a:spcBef>
+                <a:spcPct val="20000"/>
+              </a:spcBef>
+              <a:buClr>
+                <a:schemeClr val="tx1"/>
+              </a:buClr>
+              <a:buFontTx/>
+              <a:buNone/>
+              <a:defRPr sz="2800" kern="1200">
+                <a:solidFill>
+                  <a:schemeClr val="bg1">
+                    <a:lumMod val="75000"/>
+                  </a:schemeClr>
+                </a:solidFill>
+                <a:latin typeface="Segoe UI Light" pitchFamily="34" charset="0"/>
+                <a:ea typeface="Segoe UI" pitchFamily="34" charset="0"/>
+                <a:cs typeface="Segoe UI" pitchFamily="34" charset="0"/>
+              </a:defRPr>
+            </a:lvl2pPr>
+            <a:lvl3pPr marL="491400" indent="0" algn="l" defTabSz="914400" rtl="0" eaLnBrk="1" latinLnBrk="0" hangingPunct="1">
+              <a:spcBef>
+                <a:spcPct val="20000"/>
+              </a:spcBef>
+              <a:buClr>
+                <a:schemeClr val="tx1"/>
+              </a:buClr>
+              <a:buFontTx/>
+              <a:buNone/>
+              <a:defRPr sz="2400" kern="1200">
+                <a:solidFill>
+                  <a:schemeClr val="bg1">
+                    <a:lumMod val="50000"/>
+                  </a:schemeClr>
+                </a:solidFill>
+                <a:latin typeface="Segoe UI Light" pitchFamily="34" charset="0"/>
+                <a:ea typeface="Segoe UI" pitchFamily="34" charset="0"/>
+                <a:cs typeface="Segoe UI" pitchFamily="34" charset="0"/>
+              </a:defRPr>
+            </a:lvl3pPr>
+            <a:lvl4pPr marL="1600200" indent="-228600" algn="l" defTabSz="914400" rtl="0" eaLnBrk="1" latinLnBrk="0" hangingPunct="1">
+              <a:spcBef>
+                <a:spcPct val="20000"/>
+              </a:spcBef>
+              <a:buFont typeface="Arial" pitchFamily="34" charset="0"/>
+              <a:buChar char="–"/>
+              <a:defRPr sz="2000" kern="1200">
+                <a:solidFill>
+                  <a:schemeClr val="bg1"/>
+                </a:solidFill>
+                <a:latin typeface="Segoe WP" pitchFamily="34" charset="0"/>
+                <a:ea typeface="Segoe UI" pitchFamily="34" charset="0"/>
+                <a:cs typeface="Segoe UI" pitchFamily="34" charset="0"/>
+              </a:defRPr>
+            </a:lvl4pPr>
+            <a:lvl5pPr marL="2057400" indent="-228600" algn="l" defTabSz="914400" rtl="0" eaLnBrk="1" latinLnBrk="0" hangingPunct="1">
+              <a:spcBef>
+                <a:spcPct val="20000"/>
+              </a:spcBef>
+              <a:buFont typeface="Arial" pitchFamily="34" charset="0"/>
+              <a:buChar char="»"/>
+              <a:defRPr sz="2000" kern="1200">
+                <a:solidFill>
+                  <a:schemeClr val="bg1"/>
+                </a:solidFill>
+                <a:latin typeface="Segoe WP" pitchFamily="34" charset="0"/>
+                <a:ea typeface="Segoe UI" pitchFamily="34" charset="0"/>
+                <a:cs typeface="Segoe UI" pitchFamily="34" charset="0"/>
+              </a:defRPr>
+            </a:lvl5pPr>
+            <a:lvl6pPr marL="2514600" indent="-228600" algn="l" defTabSz="914400" rtl="0" eaLnBrk="1" latinLnBrk="0" hangingPunct="1">
+              <a:spcBef>
+                <a:spcPct val="20000"/>
+              </a:spcBef>
+              <a:buFont typeface="Arial" pitchFamily="34" charset="0"/>
+              <a:buChar char="•"/>
+              <a:defRPr sz="2000" kern="1200">
+                <a:solidFill>
+                  <a:schemeClr val="tx1"/>
+                </a:solidFill>
+                <a:latin typeface="+mn-lt"/>
+                <a:ea typeface="+mn-ea"/>
+                <a:cs typeface="+mn-cs"/>
+              </a:defRPr>
+            </a:lvl6pPr>
+            <a:lvl7pPr marL="2971800" indent="-228600" algn="l" defTabSz="914400" rtl="0" eaLnBrk="1" latinLnBrk="0" hangingPunct="1">
+              <a:spcBef>
+                <a:spcPct val="20000"/>
+              </a:spcBef>
+              <a:buFont typeface="Arial" pitchFamily="34" charset="0"/>
+              <a:buChar char="•"/>
+              <a:defRPr sz="2000" kern="1200">
+                <a:solidFill>
+                  <a:schemeClr val="tx1"/>
+                </a:solidFill>
+                <a:latin typeface="+mn-lt"/>
+                <a:ea typeface="+mn-ea"/>
+                <a:cs typeface="+mn-cs"/>
+              </a:defRPr>
+            </a:lvl7pPr>
+            <a:lvl8pPr marL="3429000" indent="-228600" algn="l" defTabSz="914400" rtl="0" eaLnBrk="1" latinLnBrk="0" hangingPunct="1">
+              <a:spcBef>
+                <a:spcPct val="20000"/>
+              </a:spcBef>
+              <a:buFont typeface="Arial" pitchFamily="34" charset="0"/>
+              <a:buChar char="•"/>
+              <a:defRPr sz="2000" kern="1200">
+                <a:solidFill>
+                  <a:schemeClr val="tx1"/>
+                </a:solidFill>
+                <a:latin typeface="+mn-lt"/>
+                <a:ea typeface="+mn-ea"/>
+                <a:cs typeface="+mn-cs"/>
+              </a:defRPr>
+            </a:lvl8pPr>
+            <a:lvl9pPr marL="3886200" indent="-228600" algn="l" defTabSz="914400" rtl="0" eaLnBrk="1" latinLnBrk="0" hangingPunct="1">
+              <a:spcBef>
+                <a:spcPct val="20000"/>
+              </a:spcBef>
+              <a:buFont typeface="Arial" pitchFamily="34" charset="0"/>
+              <a:buChar char="•"/>
+              <a:defRPr sz="2000" kern="1200">
+                <a:solidFill>
+                  <a:schemeClr val="tx1"/>
+                </a:solidFill>
+                <a:latin typeface="+mn-lt"/>
+                <a:ea typeface="+mn-ea"/>
+                <a:cs typeface="+mn-cs"/>
+              </a:defRPr>
+            </a:lvl9pPr>
+          </a:lstStyle>
+          <a:p>
+            <a:endParaRPr lang="en-CA" dirty="0"/>
+          </a:p>
+        </p:txBody>
+      </p:sp>
+      <p:pic>
+        <p:nvPicPr>
+          <p:cNvPr id="1031" name="Picture 7" descr="C:\Users\bwasielak\Documents\Pod Jednym Dachem\zdjęcia\logoPJD.png"/>
+          <p:cNvPicPr>
+            <a:picLocks noChangeAspect="1" noChangeArrowheads="1"/>
+          </p:cNvPicPr>
+          <p:nvPr/>
+        </p:nvPicPr>
+        <p:blipFill>
+          <a:blip r:embed="rId5">
+            <a:extLst>
+              <a:ext uri="{28A0092B-C50C-407E-A947-70E740481C1C}">
+                <a14:useLocalDpi xmlns:a14="http://schemas.microsoft.com/office/drawing/2010/main" val="0"/>
+              </a:ext>
+            </a:extLst>
+          </a:blip>
+          <a:srcRect/>
+          <a:stretch>
+            <a:fillRect/>
+          </a:stretch>
+        </p:blipFill>
+        <p:spPr bwMode="auto">
+          <a:xfrm>
+            <a:off x="467544" y="4624373"/>
+            <a:ext cx="1944216" cy="1370257"/>
+          </a:xfrm>
+          <a:prstGeom prst="rect">
+            <a:avLst/>
+          </a:prstGeom>
+          <a:noFill/>
+          <a:extLst>
+            <a:ext uri="{909E8E84-426E-40DD-AFC4-6F175D3DCCD1}">
+              <a14:hiddenFill xmlns:a14="http://schemas.microsoft.com/office/drawing/2010/main">
+                <a:solidFill>
+                  <a:srgbClr val="FFFFFF"/>
+                </a:solidFill>
+              </a14:hiddenFill>
+            </a:ext>
+          </a:extLst>
+        </p:spPr>
+      </p:pic>
+    </p:spTree>
+    <p:extLst>
+      <p:ext uri="{BB962C8B-B14F-4D97-AF65-F5344CB8AC3E}">
+        <p14:creationId xmlns:p14="http://schemas.microsoft.com/office/powerpoint/2010/main" val="2932275863"/>
+      </p:ext>
+    </p:extLst>
+  </p:cSld>
+  <p:clrMapOvr>
+    <a:masterClrMapping/>
+  </p:clrMapOvr>
+  <mc:AlternateContent xmlns:mc="http://schemas.openxmlformats.org/markup-compatibility/2006" xmlns:p14="http://schemas.microsoft.com/office/powerpoint/2010/main">
+    <mc:Choice Requires="p14">
+      <p:transition spd="slow" p14:dur="2000"/>
+    </mc:Choice>
+    <mc:Fallback xmlns="">
+      <p:transition spd="slow"/>
+    </mc:Fallback>
+  </mc:AlternateContent>
+  <p:timing>
+    <p:tnLst>
+      <p:par>
+        <p:cTn id="1" dur="indefinite" restart="never" nodeType="tmRoot"/>
+      </p:par>
+    </p:tnLst>
+  </p:timing>
+</p:sld>
+</file>
+
+<file path=ppt/slides/slide3.xml><?xml version="1.0" encoding="utf-8"?>
+<p:sld xmlns:a="http://schemas.openxmlformats.org/drawingml/2006/main" xmlns:r="http://schemas.openxmlformats.org/officeDocument/2006/relationships" xmlns:p="http://schemas.openxmlformats.org/presentationml/2006/main">
+  <p:cSld>
+    <p:spTree>
+      <p:nvGrpSpPr>
+        <p:cNvPr id="1" name=""/>
+        <p:cNvGrpSpPr/>
+        <p:nvPr/>
+      </p:nvGrpSpPr>
+      <p:grpSpPr>
+        <a:xfrm>
+          <a:off x="0" y="0"/>
+          <a:ext cx="0" cy="0"/>
+          <a:chOff x="0" y="0"/>
+          <a:chExt cx="0" cy="0"/>
+        </a:xfrm>
+      </p:grpSpPr>
+      <p:sp>
+        <p:nvSpPr>
+          <p:cNvPr id="3" name="Title 2"/>
+          <p:cNvSpPr>
+            <a:spLocks noGrp="1"/>
+          </p:cNvSpPr>
+          <p:nvPr>
+            <p:ph type="title"/>
+          </p:nvPr>
+        </p:nvSpPr>
+        <p:spPr/>
+        <p:txBody>
+          <a:bodyPr/>
+          <a:lstStyle/>
+          <a:p>
             <a:r>
-              <a:rPr lang="pl-PL" smtClean="0"/>
-              <a:t>Bartek Wasielak</a:t>
+              <a:rPr lang="pl-PL" dirty="0" smtClean="0"/>
+              <a:t>Agenda</a:t>
+            </a:r>
+            <a:endParaRPr lang="en-CA" dirty="0"/>
+          </a:p>
+        </p:txBody>
+      </p:sp>
+      <p:sp>
+        <p:nvSpPr>
+          <p:cNvPr id="4" name="Content Placeholder 1"/>
+          <p:cNvSpPr>
+            <a:spLocks noGrp="1"/>
+          </p:cNvSpPr>
+          <p:nvPr>
+            <p:ph idx="1"/>
+          </p:nvPr>
+        </p:nvSpPr>
+        <p:spPr>
+          <a:xfrm>
+            <a:off x="467544" y="1628801"/>
+            <a:ext cx="3096344" cy="1368152"/>
+          </a:xfrm>
+          <a:solidFill>
+            <a:schemeClr val="tx2"/>
+          </a:solidFill>
+        </p:spPr>
+        <p:txBody>
+          <a:bodyPr/>
+          <a:lstStyle/>
+          <a:p>
+            <a:r>
+              <a:rPr lang="pl-PL" dirty="0" smtClean="0"/>
+              <a:t>Why do we program?</a:t>
+            </a:r>
+            <a:endParaRPr lang="en-CA" dirty="0"/>
+          </a:p>
+        </p:txBody>
+      </p:sp>
+      <p:sp>
+        <p:nvSpPr>
+          <p:cNvPr id="5" name="Content Placeholder 1"/>
+          <p:cNvSpPr txBox="1">
+            <a:spLocks/>
+          </p:cNvSpPr>
+          <p:nvPr/>
+        </p:nvSpPr>
+        <p:spPr>
+          <a:xfrm>
+            <a:off x="3716288" y="1628800"/>
+            <a:ext cx="3096344" cy="1368152"/>
+          </a:xfrm>
+          <a:prstGeom prst="rect">
+            <a:avLst/>
+          </a:prstGeom>
+          <a:solidFill>
+            <a:schemeClr val="accent2"/>
+          </a:solidFill>
+        </p:spPr>
+        <p:txBody>
+          <a:bodyPr/>
+          <a:lstStyle>
+            <a:lvl1pPr marL="0" indent="0" algn="l" defTabSz="914400" rtl="0" eaLnBrk="1" latinLnBrk="0" hangingPunct="1">
+              <a:spcBef>
+                <a:spcPct val="20000"/>
+              </a:spcBef>
+              <a:buClr>
+                <a:schemeClr val="tx1"/>
+              </a:buClr>
+              <a:buFontTx/>
+              <a:buNone/>
+              <a:defRPr sz="3200" kern="1200">
+                <a:solidFill>
+                  <a:schemeClr val="bg1"/>
+                </a:solidFill>
+                <a:latin typeface="Segoe UI Light" pitchFamily="34" charset="0"/>
+                <a:ea typeface="Segoe UI" pitchFamily="34" charset="0"/>
+                <a:cs typeface="Segoe UI" pitchFamily="34" charset="0"/>
+              </a:defRPr>
+            </a:lvl1pPr>
+            <a:lvl2pPr marL="254250" indent="0" algn="l" defTabSz="914400" rtl="0" eaLnBrk="1" latinLnBrk="0" hangingPunct="1">
+              <a:spcBef>
+                <a:spcPct val="20000"/>
+              </a:spcBef>
+              <a:buClr>
+                <a:schemeClr val="tx1"/>
+              </a:buClr>
+              <a:buFontTx/>
+              <a:buNone/>
+              <a:defRPr sz="2800" kern="1200">
+                <a:solidFill>
+                  <a:schemeClr val="bg1">
+                    <a:lumMod val="75000"/>
+                  </a:schemeClr>
+                </a:solidFill>
+                <a:latin typeface="Segoe UI Light" pitchFamily="34" charset="0"/>
+                <a:ea typeface="Segoe UI" pitchFamily="34" charset="0"/>
+                <a:cs typeface="Segoe UI" pitchFamily="34" charset="0"/>
+              </a:defRPr>
+            </a:lvl2pPr>
+            <a:lvl3pPr marL="491400" indent="0" algn="l" defTabSz="914400" rtl="0" eaLnBrk="1" latinLnBrk="0" hangingPunct="1">
+              <a:spcBef>
+                <a:spcPct val="20000"/>
+              </a:spcBef>
+              <a:buClr>
+                <a:schemeClr val="tx1"/>
+              </a:buClr>
+              <a:buFontTx/>
+              <a:buNone/>
+              <a:defRPr sz="2400" kern="1200">
+                <a:solidFill>
+                  <a:schemeClr val="bg1">
+                    <a:lumMod val="50000"/>
+                  </a:schemeClr>
+                </a:solidFill>
+                <a:latin typeface="Segoe UI Light" pitchFamily="34" charset="0"/>
+                <a:ea typeface="Segoe UI" pitchFamily="34" charset="0"/>
+                <a:cs typeface="Segoe UI" pitchFamily="34" charset="0"/>
+              </a:defRPr>
+            </a:lvl3pPr>
+            <a:lvl4pPr marL="1600200" indent="-228600" algn="l" defTabSz="914400" rtl="0" eaLnBrk="1" latinLnBrk="0" hangingPunct="1">
+              <a:spcBef>
+                <a:spcPct val="20000"/>
+              </a:spcBef>
+              <a:buFont typeface="Arial" pitchFamily="34" charset="0"/>
+              <a:buChar char="–"/>
+              <a:defRPr sz="2000" kern="1200">
+                <a:solidFill>
+                  <a:schemeClr val="bg1"/>
+                </a:solidFill>
+                <a:latin typeface="Segoe WP" pitchFamily="34" charset="0"/>
+                <a:ea typeface="Segoe UI" pitchFamily="34" charset="0"/>
+                <a:cs typeface="Segoe UI" pitchFamily="34" charset="0"/>
+              </a:defRPr>
+            </a:lvl4pPr>
+            <a:lvl5pPr marL="2057400" indent="-228600" algn="l" defTabSz="914400" rtl="0" eaLnBrk="1" latinLnBrk="0" hangingPunct="1">
+              <a:spcBef>
+                <a:spcPct val="20000"/>
+              </a:spcBef>
+              <a:buFont typeface="Arial" pitchFamily="34" charset="0"/>
+              <a:buChar char="»"/>
+              <a:defRPr sz="2000" kern="1200">
+                <a:solidFill>
+                  <a:schemeClr val="bg1"/>
+                </a:solidFill>
+                <a:latin typeface="Segoe WP" pitchFamily="34" charset="0"/>
+                <a:ea typeface="Segoe UI" pitchFamily="34" charset="0"/>
+                <a:cs typeface="Segoe UI" pitchFamily="34" charset="0"/>
+              </a:defRPr>
+            </a:lvl5pPr>
+            <a:lvl6pPr marL="2514600" indent="-228600" algn="l" defTabSz="914400" rtl="0" eaLnBrk="1" latinLnBrk="0" hangingPunct="1">
+              <a:spcBef>
+                <a:spcPct val="20000"/>
+              </a:spcBef>
+              <a:buFont typeface="Arial" pitchFamily="34" charset="0"/>
+              <a:buChar char="•"/>
+              <a:defRPr sz="2000" kern="1200">
+                <a:solidFill>
+                  <a:schemeClr val="tx1"/>
+                </a:solidFill>
+                <a:latin typeface="+mn-lt"/>
+                <a:ea typeface="+mn-ea"/>
+                <a:cs typeface="+mn-cs"/>
+              </a:defRPr>
+            </a:lvl6pPr>
+            <a:lvl7pPr marL="2971800" indent="-228600" algn="l" defTabSz="914400" rtl="0" eaLnBrk="1" latinLnBrk="0" hangingPunct="1">
+              <a:spcBef>
+                <a:spcPct val="20000"/>
+              </a:spcBef>
+              <a:buFont typeface="Arial" pitchFamily="34" charset="0"/>
+              <a:buChar char="•"/>
+              <a:defRPr sz="2000" kern="1200">
+                <a:solidFill>
+                  <a:schemeClr val="tx1"/>
+                </a:solidFill>
+                <a:latin typeface="+mn-lt"/>
+                <a:ea typeface="+mn-ea"/>
+                <a:cs typeface="+mn-cs"/>
+              </a:defRPr>
+            </a:lvl7pPr>
+            <a:lvl8pPr marL="3429000" indent="-228600" algn="l" defTabSz="914400" rtl="0" eaLnBrk="1" latinLnBrk="0" hangingPunct="1">
+              <a:spcBef>
+                <a:spcPct val="20000"/>
+              </a:spcBef>
+              <a:buFont typeface="Arial" pitchFamily="34" charset="0"/>
+              <a:buChar char="•"/>
+              <a:defRPr sz="2000" kern="1200">
+                <a:solidFill>
+                  <a:schemeClr val="tx1"/>
+                </a:solidFill>
+                <a:latin typeface="+mn-lt"/>
+                <a:ea typeface="+mn-ea"/>
+                <a:cs typeface="+mn-cs"/>
+              </a:defRPr>
+            </a:lvl8pPr>
+            <a:lvl9pPr marL="3886200" indent="-228600" algn="l" defTabSz="914400" rtl="0" eaLnBrk="1" latinLnBrk="0" hangingPunct="1">
+              <a:spcBef>
+                <a:spcPct val="20000"/>
+              </a:spcBef>
+              <a:buFont typeface="Arial" pitchFamily="34" charset="0"/>
+              <a:buChar char="•"/>
+              <a:defRPr sz="2000" kern="1200">
+                <a:solidFill>
+                  <a:schemeClr val="tx1"/>
+                </a:solidFill>
+                <a:latin typeface="+mn-lt"/>
+                <a:ea typeface="+mn-ea"/>
+                <a:cs typeface="+mn-cs"/>
+              </a:defRPr>
+            </a:lvl9pPr>
+          </a:lstStyle>
+          <a:p>
+            <a:r>
+              <a:rPr lang="pl-PL" dirty="0" smtClean="0"/>
+              <a:t>Different languages</a:t>
+            </a:r>
+            <a:endParaRPr lang="en-CA" dirty="0"/>
+          </a:p>
+        </p:txBody>
+      </p:sp>
+      <p:sp>
+        <p:nvSpPr>
+          <p:cNvPr id="6" name="Content Placeholder 1"/>
+          <p:cNvSpPr txBox="1">
+            <a:spLocks/>
+          </p:cNvSpPr>
+          <p:nvPr/>
+        </p:nvSpPr>
+        <p:spPr>
+          <a:xfrm>
+            <a:off x="3716288" y="3139010"/>
+            <a:ext cx="3096344" cy="1368152"/>
+          </a:xfrm>
+          <a:prstGeom prst="rect">
+            <a:avLst/>
+          </a:prstGeom>
+          <a:solidFill>
+            <a:schemeClr val="accent1"/>
+          </a:solidFill>
+        </p:spPr>
+        <p:txBody>
+          <a:bodyPr/>
+          <a:lstStyle>
+            <a:lvl1pPr marL="0" indent="0" algn="l" defTabSz="914400" rtl="0" eaLnBrk="1" latinLnBrk="0" hangingPunct="1">
+              <a:spcBef>
+                <a:spcPct val="20000"/>
+              </a:spcBef>
+              <a:buClr>
+                <a:schemeClr val="tx1"/>
+              </a:buClr>
+              <a:buFontTx/>
+              <a:buNone/>
+              <a:defRPr sz="3200" kern="1200">
+                <a:solidFill>
+                  <a:schemeClr val="bg1"/>
+                </a:solidFill>
+                <a:latin typeface="Segoe UI Light" pitchFamily="34" charset="0"/>
+                <a:ea typeface="Segoe UI" pitchFamily="34" charset="0"/>
+                <a:cs typeface="Segoe UI" pitchFamily="34" charset="0"/>
+              </a:defRPr>
+            </a:lvl1pPr>
+            <a:lvl2pPr marL="254250" indent="0" algn="l" defTabSz="914400" rtl="0" eaLnBrk="1" latinLnBrk="0" hangingPunct="1">
+              <a:spcBef>
+                <a:spcPct val="20000"/>
+              </a:spcBef>
+              <a:buClr>
+                <a:schemeClr val="tx1"/>
+              </a:buClr>
+              <a:buFontTx/>
+              <a:buNone/>
+              <a:defRPr sz="2800" kern="1200">
+                <a:solidFill>
+                  <a:schemeClr val="bg1">
+                    <a:lumMod val="75000"/>
+                  </a:schemeClr>
+                </a:solidFill>
+                <a:latin typeface="Segoe UI Light" pitchFamily="34" charset="0"/>
+                <a:ea typeface="Segoe UI" pitchFamily="34" charset="0"/>
+                <a:cs typeface="Segoe UI" pitchFamily="34" charset="0"/>
+              </a:defRPr>
+            </a:lvl2pPr>
+            <a:lvl3pPr marL="491400" indent="0" algn="l" defTabSz="914400" rtl="0" eaLnBrk="1" latinLnBrk="0" hangingPunct="1">
+              <a:spcBef>
+                <a:spcPct val="20000"/>
+              </a:spcBef>
+              <a:buClr>
+                <a:schemeClr val="tx1"/>
+              </a:buClr>
+              <a:buFontTx/>
+              <a:buNone/>
+              <a:defRPr sz="2400" kern="1200">
+                <a:solidFill>
+                  <a:schemeClr val="bg1">
+                    <a:lumMod val="50000"/>
+                  </a:schemeClr>
+                </a:solidFill>
+                <a:latin typeface="Segoe UI Light" pitchFamily="34" charset="0"/>
+                <a:ea typeface="Segoe UI" pitchFamily="34" charset="0"/>
+                <a:cs typeface="Segoe UI" pitchFamily="34" charset="0"/>
+              </a:defRPr>
+            </a:lvl3pPr>
+            <a:lvl4pPr marL="1600200" indent="-228600" algn="l" defTabSz="914400" rtl="0" eaLnBrk="1" latinLnBrk="0" hangingPunct="1">
+              <a:spcBef>
+                <a:spcPct val="20000"/>
+              </a:spcBef>
+              <a:buFont typeface="Arial" pitchFamily="34" charset="0"/>
+              <a:buChar char="–"/>
+              <a:defRPr sz="2000" kern="1200">
+                <a:solidFill>
+                  <a:schemeClr val="bg1"/>
+                </a:solidFill>
+                <a:latin typeface="Segoe WP" pitchFamily="34" charset="0"/>
+                <a:ea typeface="Segoe UI" pitchFamily="34" charset="0"/>
+                <a:cs typeface="Segoe UI" pitchFamily="34" charset="0"/>
+              </a:defRPr>
+            </a:lvl4pPr>
+            <a:lvl5pPr marL="2057400" indent="-228600" algn="l" defTabSz="914400" rtl="0" eaLnBrk="1" latinLnBrk="0" hangingPunct="1">
+              <a:spcBef>
+                <a:spcPct val="20000"/>
+              </a:spcBef>
+              <a:buFont typeface="Arial" pitchFamily="34" charset="0"/>
+              <a:buChar char="»"/>
+              <a:defRPr sz="2000" kern="1200">
+                <a:solidFill>
+                  <a:schemeClr val="bg1"/>
+                </a:solidFill>
+                <a:latin typeface="Segoe WP" pitchFamily="34" charset="0"/>
+                <a:ea typeface="Segoe UI" pitchFamily="34" charset="0"/>
+                <a:cs typeface="Segoe UI" pitchFamily="34" charset="0"/>
+              </a:defRPr>
+            </a:lvl5pPr>
+            <a:lvl6pPr marL="2514600" indent="-228600" algn="l" defTabSz="914400" rtl="0" eaLnBrk="1" latinLnBrk="0" hangingPunct="1">
+              <a:spcBef>
+                <a:spcPct val="20000"/>
+              </a:spcBef>
+              <a:buFont typeface="Arial" pitchFamily="34" charset="0"/>
+              <a:buChar char="•"/>
+              <a:defRPr sz="2000" kern="1200">
+                <a:solidFill>
+                  <a:schemeClr val="tx1"/>
+                </a:solidFill>
+                <a:latin typeface="+mn-lt"/>
+                <a:ea typeface="+mn-ea"/>
+                <a:cs typeface="+mn-cs"/>
+              </a:defRPr>
+            </a:lvl6pPr>
+            <a:lvl7pPr marL="2971800" indent="-228600" algn="l" defTabSz="914400" rtl="0" eaLnBrk="1" latinLnBrk="0" hangingPunct="1">
+              <a:spcBef>
+                <a:spcPct val="20000"/>
+              </a:spcBef>
+              <a:buFont typeface="Arial" pitchFamily="34" charset="0"/>
+              <a:buChar char="•"/>
+              <a:defRPr sz="2000" kern="1200">
+                <a:solidFill>
+                  <a:schemeClr val="tx1"/>
+                </a:solidFill>
+                <a:latin typeface="+mn-lt"/>
+                <a:ea typeface="+mn-ea"/>
+                <a:cs typeface="+mn-cs"/>
+              </a:defRPr>
+            </a:lvl7pPr>
+            <a:lvl8pPr marL="3429000" indent="-228600" algn="l" defTabSz="914400" rtl="0" eaLnBrk="1" latinLnBrk="0" hangingPunct="1">
+              <a:spcBef>
+                <a:spcPct val="20000"/>
+              </a:spcBef>
+              <a:buFont typeface="Arial" pitchFamily="34" charset="0"/>
+              <a:buChar char="•"/>
+              <a:defRPr sz="2000" kern="1200">
+                <a:solidFill>
+                  <a:schemeClr val="tx1"/>
+                </a:solidFill>
+                <a:latin typeface="+mn-lt"/>
+                <a:ea typeface="+mn-ea"/>
+                <a:cs typeface="+mn-cs"/>
+              </a:defRPr>
+            </a:lvl8pPr>
+            <a:lvl9pPr marL="3886200" indent="-228600" algn="l" defTabSz="914400" rtl="0" eaLnBrk="1" latinLnBrk="0" hangingPunct="1">
+              <a:spcBef>
+                <a:spcPct val="20000"/>
+              </a:spcBef>
+              <a:buFont typeface="Arial" pitchFamily="34" charset="0"/>
+              <a:buChar char="•"/>
+              <a:defRPr sz="2000" kern="1200">
+                <a:solidFill>
+                  <a:schemeClr val="tx1"/>
+                </a:solidFill>
+                <a:latin typeface="+mn-lt"/>
+                <a:ea typeface="+mn-ea"/>
+                <a:cs typeface="+mn-cs"/>
+              </a:defRPr>
+            </a:lvl9pPr>
+          </a:lstStyle>
+          <a:p>
+            <a:r>
+              <a:rPr lang="pl-PL" dirty="0" smtClean="0"/>
+              <a:t>Introduction to OOP</a:t>
+            </a:r>
+            <a:endParaRPr lang="en-CA" dirty="0"/>
+          </a:p>
+        </p:txBody>
+      </p:sp>
+      <p:sp>
+        <p:nvSpPr>
+          <p:cNvPr id="7" name="Content Placeholder 1"/>
+          <p:cNvSpPr txBox="1">
+            <a:spLocks/>
+          </p:cNvSpPr>
+          <p:nvPr/>
+        </p:nvSpPr>
+        <p:spPr>
+          <a:xfrm>
+            <a:off x="467544" y="4653136"/>
+            <a:ext cx="3096344" cy="1368152"/>
+          </a:xfrm>
+          <a:prstGeom prst="rect">
+            <a:avLst/>
+          </a:prstGeom>
+          <a:solidFill>
+            <a:schemeClr val="accent4"/>
+          </a:solidFill>
+        </p:spPr>
+        <p:txBody>
+          <a:bodyPr/>
+          <a:lstStyle>
+            <a:lvl1pPr marL="0" indent="0" algn="l" defTabSz="914400" rtl="0" eaLnBrk="1" latinLnBrk="0" hangingPunct="1">
+              <a:spcBef>
+                <a:spcPct val="20000"/>
+              </a:spcBef>
+              <a:buClr>
+                <a:schemeClr val="tx1"/>
+              </a:buClr>
+              <a:buFontTx/>
+              <a:buNone/>
+              <a:defRPr sz="3200" kern="1200">
+                <a:solidFill>
+                  <a:schemeClr val="bg1"/>
+                </a:solidFill>
+                <a:latin typeface="Segoe UI Light" pitchFamily="34" charset="0"/>
+                <a:ea typeface="Segoe UI" pitchFamily="34" charset="0"/>
+                <a:cs typeface="Segoe UI" pitchFamily="34" charset="0"/>
+              </a:defRPr>
+            </a:lvl1pPr>
+            <a:lvl2pPr marL="254250" indent="0" algn="l" defTabSz="914400" rtl="0" eaLnBrk="1" latinLnBrk="0" hangingPunct="1">
+              <a:spcBef>
+                <a:spcPct val="20000"/>
+              </a:spcBef>
+              <a:buClr>
+                <a:schemeClr val="tx1"/>
+              </a:buClr>
+              <a:buFontTx/>
+              <a:buNone/>
+              <a:defRPr sz="2800" kern="1200">
+                <a:solidFill>
+                  <a:schemeClr val="bg1">
+                    <a:lumMod val="75000"/>
+                  </a:schemeClr>
+                </a:solidFill>
+                <a:latin typeface="Segoe UI Light" pitchFamily="34" charset="0"/>
+                <a:ea typeface="Segoe UI" pitchFamily="34" charset="0"/>
+                <a:cs typeface="Segoe UI" pitchFamily="34" charset="0"/>
+              </a:defRPr>
+            </a:lvl2pPr>
+            <a:lvl3pPr marL="491400" indent="0" algn="l" defTabSz="914400" rtl="0" eaLnBrk="1" latinLnBrk="0" hangingPunct="1">
+              <a:spcBef>
+                <a:spcPct val="20000"/>
+              </a:spcBef>
+              <a:buClr>
+                <a:schemeClr val="tx1"/>
+              </a:buClr>
+              <a:buFontTx/>
+              <a:buNone/>
+              <a:defRPr sz="2400" kern="1200">
+                <a:solidFill>
+                  <a:schemeClr val="bg1">
+                    <a:lumMod val="50000"/>
+                  </a:schemeClr>
+                </a:solidFill>
+                <a:latin typeface="Segoe UI Light" pitchFamily="34" charset="0"/>
+                <a:ea typeface="Segoe UI" pitchFamily="34" charset="0"/>
+                <a:cs typeface="Segoe UI" pitchFamily="34" charset="0"/>
+              </a:defRPr>
+            </a:lvl3pPr>
+            <a:lvl4pPr marL="1600200" indent="-228600" algn="l" defTabSz="914400" rtl="0" eaLnBrk="1" latinLnBrk="0" hangingPunct="1">
+              <a:spcBef>
+                <a:spcPct val="20000"/>
+              </a:spcBef>
+              <a:buFont typeface="Arial" pitchFamily="34" charset="0"/>
+              <a:buChar char="–"/>
+              <a:defRPr sz="2000" kern="1200">
+                <a:solidFill>
+                  <a:schemeClr val="bg1"/>
+                </a:solidFill>
+                <a:latin typeface="Segoe WP" pitchFamily="34" charset="0"/>
+                <a:ea typeface="Segoe UI" pitchFamily="34" charset="0"/>
+                <a:cs typeface="Segoe UI" pitchFamily="34" charset="0"/>
+              </a:defRPr>
+            </a:lvl4pPr>
+            <a:lvl5pPr marL="2057400" indent="-228600" algn="l" defTabSz="914400" rtl="0" eaLnBrk="1" latinLnBrk="0" hangingPunct="1">
+              <a:spcBef>
+                <a:spcPct val="20000"/>
+              </a:spcBef>
+              <a:buFont typeface="Arial" pitchFamily="34" charset="0"/>
+              <a:buChar char="»"/>
+              <a:defRPr sz="2000" kern="1200">
+                <a:solidFill>
+                  <a:schemeClr val="bg1"/>
+                </a:solidFill>
+                <a:latin typeface="Segoe WP" pitchFamily="34" charset="0"/>
+                <a:ea typeface="Segoe UI" pitchFamily="34" charset="0"/>
+                <a:cs typeface="Segoe UI" pitchFamily="34" charset="0"/>
+              </a:defRPr>
+            </a:lvl5pPr>
+            <a:lvl6pPr marL="2514600" indent="-228600" algn="l" defTabSz="914400" rtl="0" eaLnBrk="1" latinLnBrk="0" hangingPunct="1">
+              <a:spcBef>
+                <a:spcPct val="20000"/>
+              </a:spcBef>
+              <a:buFont typeface="Arial" pitchFamily="34" charset="0"/>
+              <a:buChar char="•"/>
+              <a:defRPr sz="2000" kern="1200">
+                <a:solidFill>
+                  <a:schemeClr val="tx1"/>
+                </a:solidFill>
+                <a:latin typeface="+mn-lt"/>
+                <a:ea typeface="+mn-ea"/>
+                <a:cs typeface="+mn-cs"/>
+              </a:defRPr>
+            </a:lvl6pPr>
+            <a:lvl7pPr marL="2971800" indent="-228600" algn="l" defTabSz="914400" rtl="0" eaLnBrk="1" latinLnBrk="0" hangingPunct="1">
+              <a:spcBef>
+                <a:spcPct val="20000"/>
+              </a:spcBef>
+              <a:buFont typeface="Arial" pitchFamily="34" charset="0"/>
+              <a:buChar char="•"/>
+              <a:defRPr sz="2000" kern="1200">
+                <a:solidFill>
+                  <a:schemeClr val="tx1"/>
+                </a:solidFill>
+                <a:latin typeface="+mn-lt"/>
+                <a:ea typeface="+mn-ea"/>
+                <a:cs typeface="+mn-cs"/>
+              </a:defRPr>
+            </a:lvl7pPr>
+            <a:lvl8pPr marL="3429000" indent="-228600" algn="l" defTabSz="914400" rtl="0" eaLnBrk="1" latinLnBrk="0" hangingPunct="1">
+              <a:spcBef>
+                <a:spcPct val="20000"/>
+              </a:spcBef>
+              <a:buFont typeface="Arial" pitchFamily="34" charset="0"/>
+              <a:buChar char="•"/>
+              <a:defRPr sz="2000" kern="1200">
+                <a:solidFill>
+                  <a:schemeClr val="tx1"/>
+                </a:solidFill>
+                <a:latin typeface="+mn-lt"/>
+                <a:ea typeface="+mn-ea"/>
+                <a:cs typeface="+mn-cs"/>
+              </a:defRPr>
+            </a:lvl8pPr>
+            <a:lvl9pPr marL="3886200" indent="-228600" algn="l" defTabSz="914400" rtl="0" eaLnBrk="1" latinLnBrk="0" hangingPunct="1">
+              <a:spcBef>
+                <a:spcPct val="20000"/>
+              </a:spcBef>
+              <a:buFont typeface="Arial" pitchFamily="34" charset="0"/>
+              <a:buChar char="•"/>
+              <a:defRPr sz="2000" kern="1200">
+                <a:solidFill>
+                  <a:schemeClr val="tx1"/>
+                </a:solidFill>
+                <a:latin typeface="+mn-lt"/>
+                <a:ea typeface="+mn-ea"/>
+                <a:cs typeface="+mn-cs"/>
+              </a:defRPr>
+            </a:lvl9pPr>
+          </a:lstStyle>
+          <a:p>
+            <a:r>
+              <a:rPr lang="pl-PL" dirty="0" smtClean="0"/>
+              <a:t>Hands On Lab</a:t>
+            </a:r>
+            <a:endParaRPr lang="en-CA" dirty="0"/>
+          </a:p>
+        </p:txBody>
+      </p:sp>
+      <p:sp>
+        <p:nvSpPr>
+          <p:cNvPr id="8" name="Content Placeholder 1"/>
+          <p:cNvSpPr txBox="1">
+            <a:spLocks/>
+          </p:cNvSpPr>
+          <p:nvPr/>
+        </p:nvSpPr>
+        <p:spPr>
+          <a:xfrm>
+            <a:off x="467544" y="3139010"/>
+            <a:ext cx="3096344" cy="1368152"/>
+          </a:xfrm>
+          <a:prstGeom prst="rect">
+            <a:avLst/>
+          </a:prstGeom>
+          <a:solidFill>
+            <a:schemeClr val="accent3"/>
+          </a:solidFill>
+        </p:spPr>
+        <p:txBody>
+          <a:bodyPr/>
+          <a:lstStyle>
+            <a:lvl1pPr marL="0" indent="0" algn="l" defTabSz="914400" rtl="0" eaLnBrk="1" latinLnBrk="0" hangingPunct="1">
+              <a:spcBef>
+                <a:spcPct val="20000"/>
+              </a:spcBef>
+              <a:buClr>
+                <a:schemeClr val="tx1"/>
+              </a:buClr>
+              <a:buFontTx/>
+              <a:buNone/>
+              <a:defRPr sz="3200" kern="1200">
+                <a:solidFill>
+                  <a:schemeClr val="bg1"/>
+                </a:solidFill>
+                <a:latin typeface="Segoe UI Light" pitchFamily="34" charset="0"/>
+                <a:ea typeface="Segoe UI" pitchFamily="34" charset="0"/>
+                <a:cs typeface="Segoe UI" pitchFamily="34" charset="0"/>
+              </a:defRPr>
+            </a:lvl1pPr>
+            <a:lvl2pPr marL="254250" indent="0" algn="l" defTabSz="914400" rtl="0" eaLnBrk="1" latinLnBrk="0" hangingPunct="1">
+              <a:spcBef>
+                <a:spcPct val="20000"/>
+              </a:spcBef>
+              <a:buClr>
+                <a:schemeClr val="tx1"/>
+              </a:buClr>
+              <a:buFontTx/>
+              <a:buNone/>
+              <a:defRPr sz="2800" kern="1200">
+                <a:solidFill>
+                  <a:schemeClr val="bg1">
+                    <a:lumMod val="75000"/>
+                  </a:schemeClr>
+                </a:solidFill>
+                <a:latin typeface="Segoe UI Light" pitchFamily="34" charset="0"/>
+                <a:ea typeface="Segoe UI" pitchFamily="34" charset="0"/>
+                <a:cs typeface="Segoe UI" pitchFamily="34" charset="0"/>
+              </a:defRPr>
+            </a:lvl2pPr>
+            <a:lvl3pPr marL="491400" indent="0" algn="l" defTabSz="914400" rtl="0" eaLnBrk="1" latinLnBrk="0" hangingPunct="1">
+              <a:spcBef>
+                <a:spcPct val="20000"/>
+              </a:spcBef>
+              <a:buClr>
+                <a:schemeClr val="tx1"/>
+              </a:buClr>
+              <a:buFontTx/>
+              <a:buNone/>
+              <a:defRPr sz="2400" kern="1200">
+                <a:solidFill>
+                  <a:schemeClr val="bg1">
+                    <a:lumMod val="50000"/>
+                  </a:schemeClr>
+                </a:solidFill>
+                <a:latin typeface="Segoe UI Light" pitchFamily="34" charset="0"/>
+                <a:ea typeface="Segoe UI" pitchFamily="34" charset="0"/>
+                <a:cs typeface="Segoe UI" pitchFamily="34" charset="0"/>
+              </a:defRPr>
+            </a:lvl3pPr>
+            <a:lvl4pPr marL="1600200" indent="-228600" algn="l" defTabSz="914400" rtl="0" eaLnBrk="1" latinLnBrk="0" hangingPunct="1">
+              <a:spcBef>
+                <a:spcPct val="20000"/>
+              </a:spcBef>
+              <a:buFont typeface="Arial" pitchFamily="34" charset="0"/>
+              <a:buChar char="–"/>
+              <a:defRPr sz="2000" kern="1200">
+                <a:solidFill>
+                  <a:schemeClr val="bg1"/>
+                </a:solidFill>
+                <a:latin typeface="Segoe WP" pitchFamily="34" charset="0"/>
+                <a:ea typeface="Segoe UI" pitchFamily="34" charset="0"/>
+                <a:cs typeface="Segoe UI" pitchFamily="34" charset="0"/>
+              </a:defRPr>
+            </a:lvl4pPr>
+            <a:lvl5pPr marL="2057400" indent="-228600" algn="l" defTabSz="914400" rtl="0" eaLnBrk="1" latinLnBrk="0" hangingPunct="1">
+              <a:spcBef>
+                <a:spcPct val="20000"/>
+              </a:spcBef>
+              <a:buFont typeface="Arial" pitchFamily="34" charset="0"/>
+              <a:buChar char="»"/>
+              <a:defRPr sz="2000" kern="1200">
+                <a:solidFill>
+                  <a:schemeClr val="bg1"/>
+                </a:solidFill>
+                <a:latin typeface="Segoe WP" pitchFamily="34" charset="0"/>
+                <a:ea typeface="Segoe UI" pitchFamily="34" charset="0"/>
+                <a:cs typeface="Segoe UI" pitchFamily="34" charset="0"/>
+              </a:defRPr>
+            </a:lvl5pPr>
+            <a:lvl6pPr marL="2514600" indent="-228600" algn="l" defTabSz="914400" rtl="0" eaLnBrk="1" latinLnBrk="0" hangingPunct="1">
+              <a:spcBef>
+                <a:spcPct val="20000"/>
+              </a:spcBef>
+              <a:buFont typeface="Arial" pitchFamily="34" charset="0"/>
+              <a:buChar char="•"/>
+              <a:defRPr sz="2000" kern="1200">
+                <a:solidFill>
+                  <a:schemeClr val="tx1"/>
+                </a:solidFill>
+                <a:latin typeface="+mn-lt"/>
+                <a:ea typeface="+mn-ea"/>
+                <a:cs typeface="+mn-cs"/>
+              </a:defRPr>
+            </a:lvl6pPr>
+            <a:lvl7pPr marL="2971800" indent="-228600" algn="l" defTabSz="914400" rtl="0" eaLnBrk="1" latinLnBrk="0" hangingPunct="1">
+              <a:spcBef>
+                <a:spcPct val="20000"/>
+              </a:spcBef>
+              <a:buFont typeface="Arial" pitchFamily="34" charset="0"/>
+              <a:buChar char="•"/>
+              <a:defRPr sz="2000" kern="1200">
+                <a:solidFill>
+                  <a:schemeClr val="tx1"/>
+                </a:solidFill>
+                <a:latin typeface="+mn-lt"/>
+                <a:ea typeface="+mn-ea"/>
+                <a:cs typeface="+mn-cs"/>
+              </a:defRPr>
+            </a:lvl7pPr>
+            <a:lvl8pPr marL="3429000" indent="-228600" algn="l" defTabSz="914400" rtl="0" eaLnBrk="1" latinLnBrk="0" hangingPunct="1">
+              <a:spcBef>
+                <a:spcPct val="20000"/>
+              </a:spcBef>
+              <a:buFont typeface="Arial" pitchFamily="34" charset="0"/>
+              <a:buChar char="•"/>
+              <a:defRPr sz="2000" kern="1200">
+                <a:solidFill>
+                  <a:schemeClr val="tx1"/>
+                </a:solidFill>
+                <a:latin typeface="+mn-lt"/>
+                <a:ea typeface="+mn-ea"/>
+                <a:cs typeface="+mn-cs"/>
+              </a:defRPr>
+            </a:lvl8pPr>
+            <a:lvl9pPr marL="3886200" indent="-228600" algn="l" defTabSz="914400" rtl="0" eaLnBrk="1" latinLnBrk="0" hangingPunct="1">
+              <a:spcBef>
+                <a:spcPct val="20000"/>
+              </a:spcBef>
+              <a:buFont typeface="Arial" pitchFamily="34" charset="0"/>
+              <a:buChar char="•"/>
+              <a:defRPr sz="2000" kern="1200">
+                <a:solidFill>
+                  <a:schemeClr val="tx1"/>
+                </a:solidFill>
+                <a:latin typeface="+mn-lt"/>
+                <a:ea typeface="+mn-ea"/>
+                <a:cs typeface="+mn-cs"/>
+              </a:defRPr>
+            </a:lvl9pPr>
+          </a:lstStyle>
+          <a:p>
+            <a:r>
+              <a:rPr lang="pl-PL" dirty="0" smtClean="0"/>
+              <a:t>How does the Internet work?</a:t>
             </a:r>
             <a:endParaRPr lang="en-CA" dirty="0"/>
           </a:p>
@@ -5183,7 +6510,7 @@
     </p:spTree>
     <p:extLst>
       <p:ext uri="{BB962C8B-B14F-4D97-AF65-F5344CB8AC3E}">
-        <p14:creationId xmlns:p14="http://schemas.microsoft.com/office/powerpoint/2010/main" val="2932275863"/>
+        <p14:creationId xmlns:p14="http://schemas.microsoft.com/office/powerpoint/2010/main" val="976054763"/>
       </p:ext>
     </p:extLst>
   </p:cSld>

--- a/Programming Made Easy.pptx
+++ b/Programming Made Easy.pptx
@@ -4168,7 +4168,7 @@
           <a:p>
             <a:fld id="{450045EB-F0A2-405F-866B-BCD425706225}" type="datetimeFigureOut">
               <a:rPr lang="en-CA" smtClean="0"/>
-              <a:t>31/08/2012</a:t>
+              <a:t>04/09/2012</a:t>
             </a:fld>
             <a:endParaRPr lang="en-CA"/>
           </a:p>
@@ -4749,7 +4749,7 @@
 </file>
 
 <file path=ppt/slides/slide2.xml><?xml version="1.0" encoding="utf-8"?>
-<p:sld xmlns:a="http://schemas.openxmlformats.org/drawingml/2006/main" xmlns:r="http://schemas.openxmlformats.org/officeDocument/2006/relationships" xmlns:p="http://schemas.openxmlformats.org/presentationml/2006/main">
+<p:sld xmlns:a="http://schemas.openxmlformats.org/drawingml/2006/main" xmlns:r="http://schemas.openxmlformats.org/officeDocument/2006/relationships" xmlns:p="http://schemas.openxmlformats.org/presentationml/2006/main" showMasterPhAnim="0">
   <p:cSld>
     <p:spTree>
       <p:nvGrpSpPr>
@@ -4765,37 +4765,6 @@
           <a:chExt cx="0" cy="0"/>
         </a:xfrm>
       </p:grpSpPr>
-      <p:sp>
-        <p:nvSpPr>
-          <p:cNvPr id="2" name="Content Placeholder 1"/>
-          <p:cNvSpPr>
-            <a:spLocks noGrp="1"/>
-          </p:cNvSpPr>
-          <p:nvPr>
-            <p:ph idx="1"/>
-          </p:nvPr>
-        </p:nvSpPr>
-        <p:spPr>
-          <a:xfrm>
-            <a:off x="467544" y="1628801"/>
-            <a:ext cx="3096344" cy="1368152"/>
-          </a:xfrm>
-          <a:solidFill>
-            <a:schemeClr val="tx2"/>
-          </a:solidFill>
-        </p:spPr>
-        <p:txBody>
-          <a:bodyPr/>
-          <a:lstStyle/>
-          <a:p>
-            <a:r>
-              <a:rPr lang="pl-PL" dirty="0" smtClean="0"/>
-              <a:t>Bartek Wasielak</a:t>
-            </a:r>
-            <a:endParaRPr lang="en-CA" dirty="0"/>
-          </a:p>
-        </p:txBody>
-      </p:sp>
       <p:sp>
         <p:nvSpPr>
           <p:cNvPr id="3" name="Title 2"/>
@@ -4829,7 +4798,7 @@
         </p:nvSpPr>
         <p:spPr>
           <a:xfrm>
-            <a:off x="3716288" y="1628800"/>
+            <a:off x="3716288" y="1660507"/>
             <a:ext cx="3096344" cy="1368152"/>
           </a:xfrm>
           <a:prstGeom prst="rect">
@@ -5000,9 +4969,738 @@
           </a:p>
         </p:txBody>
       </p:sp>
+      <p:grpSp>
+        <p:nvGrpSpPr>
+          <p:cNvPr id="4" name="Group 3"/>
+          <p:cNvGrpSpPr/>
+          <p:nvPr/>
+        </p:nvGrpSpPr>
+        <p:grpSpPr>
+          <a:xfrm>
+            <a:off x="467544" y="3149353"/>
+            <a:ext cx="3096344" cy="1368152"/>
+            <a:chOff x="467544" y="3149353"/>
+            <a:chExt cx="3096344" cy="1368152"/>
+          </a:xfrm>
+        </p:grpSpPr>
+        <p:sp>
+          <p:nvSpPr>
+            <p:cNvPr id="9" name="Content Placeholder 1"/>
+            <p:cNvSpPr txBox="1">
+              <a:spLocks/>
+            </p:cNvSpPr>
+            <p:nvPr/>
+          </p:nvSpPr>
+          <p:spPr>
+            <a:xfrm>
+              <a:off x="467544" y="3149353"/>
+              <a:ext cx="3096344" cy="1368152"/>
+            </a:xfrm>
+            <a:prstGeom prst="rect">
+              <a:avLst/>
+            </a:prstGeom>
+            <a:solidFill>
+              <a:schemeClr val="accent3"/>
+            </a:solidFill>
+          </p:spPr>
+          <p:txBody>
+            <a:bodyPr/>
+            <a:lstStyle>
+              <a:lvl1pPr marL="0" indent="0" algn="l" defTabSz="914400" rtl="0" eaLnBrk="1" latinLnBrk="0" hangingPunct="1">
+                <a:spcBef>
+                  <a:spcPct val="20000"/>
+                </a:spcBef>
+                <a:buClr>
+                  <a:schemeClr val="tx1"/>
+                </a:buClr>
+                <a:buFontTx/>
+                <a:buNone/>
+                <a:defRPr sz="3200" kern="1200">
+                  <a:solidFill>
+                    <a:schemeClr val="bg1"/>
+                  </a:solidFill>
+                  <a:latin typeface="Segoe UI Light" pitchFamily="34" charset="0"/>
+                  <a:ea typeface="Segoe UI" pitchFamily="34" charset="0"/>
+                  <a:cs typeface="Segoe UI" pitchFamily="34" charset="0"/>
+                </a:defRPr>
+              </a:lvl1pPr>
+              <a:lvl2pPr marL="254250" indent="0" algn="l" defTabSz="914400" rtl="0" eaLnBrk="1" latinLnBrk="0" hangingPunct="1">
+                <a:spcBef>
+                  <a:spcPct val="20000"/>
+                </a:spcBef>
+                <a:buClr>
+                  <a:schemeClr val="tx1"/>
+                </a:buClr>
+                <a:buFontTx/>
+                <a:buNone/>
+                <a:defRPr sz="2800" kern="1200">
+                  <a:solidFill>
+                    <a:schemeClr val="bg1">
+                      <a:lumMod val="75000"/>
+                    </a:schemeClr>
+                  </a:solidFill>
+                  <a:latin typeface="Segoe UI Light" pitchFamily="34" charset="0"/>
+                  <a:ea typeface="Segoe UI" pitchFamily="34" charset="0"/>
+                  <a:cs typeface="Segoe UI" pitchFamily="34" charset="0"/>
+                </a:defRPr>
+              </a:lvl2pPr>
+              <a:lvl3pPr marL="491400" indent="0" algn="l" defTabSz="914400" rtl="0" eaLnBrk="1" latinLnBrk="0" hangingPunct="1">
+                <a:spcBef>
+                  <a:spcPct val="20000"/>
+                </a:spcBef>
+                <a:buClr>
+                  <a:schemeClr val="tx1"/>
+                </a:buClr>
+                <a:buFontTx/>
+                <a:buNone/>
+                <a:defRPr sz="2400" kern="1200">
+                  <a:solidFill>
+                    <a:schemeClr val="bg1">
+                      <a:lumMod val="50000"/>
+                    </a:schemeClr>
+                  </a:solidFill>
+                  <a:latin typeface="Segoe UI Light" pitchFamily="34" charset="0"/>
+                  <a:ea typeface="Segoe UI" pitchFamily="34" charset="0"/>
+                  <a:cs typeface="Segoe UI" pitchFamily="34" charset="0"/>
+                </a:defRPr>
+              </a:lvl3pPr>
+              <a:lvl4pPr marL="1600200" indent="-228600" algn="l" defTabSz="914400" rtl="0" eaLnBrk="1" latinLnBrk="0" hangingPunct="1">
+                <a:spcBef>
+                  <a:spcPct val="20000"/>
+                </a:spcBef>
+                <a:buFont typeface="Arial" pitchFamily="34" charset="0"/>
+                <a:buChar char="–"/>
+                <a:defRPr sz="2000" kern="1200">
+                  <a:solidFill>
+                    <a:schemeClr val="bg1"/>
+                  </a:solidFill>
+                  <a:latin typeface="Segoe WP" pitchFamily="34" charset="0"/>
+                  <a:ea typeface="Segoe UI" pitchFamily="34" charset="0"/>
+                  <a:cs typeface="Segoe UI" pitchFamily="34" charset="0"/>
+                </a:defRPr>
+              </a:lvl4pPr>
+              <a:lvl5pPr marL="2057400" indent="-228600" algn="l" defTabSz="914400" rtl="0" eaLnBrk="1" latinLnBrk="0" hangingPunct="1">
+                <a:spcBef>
+                  <a:spcPct val="20000"/>
+                </a:spcBef>
+                <a:buFont typeface="Arial" pitchFamily="34" charset="0"/>
+                <a:buChar char="»"/>
+                <a:defRPr sz="2000" kern="1200">
+                  <a:solidFill>
+                    <a:schemeClr val="bg1"/>
+                  </a:solidFill>
+                  <a:latin typeface="Segoe WP" pitchFamily="34" charset="0"/>
+                  <a:ea typeface="Segoe UI" pitchFamily="34" charset="0"/>
+                  <a:cs typeface="Segoe UI" pitchFamily="34" charset="0"/>
+                </a:defRPr>
+              </a:lvl5pPr>
+              <a:lvl6pPr marL="2514600" indent="-228600" algn="l" defTabSz="914400" rtl="0" eaLnBrk="1" latinLnBrk="0" hangingPunct="1">
+                <a:spcBef>
+                  <a:spcPct val="20000"/>
+                </a:spcBef>
+                <a:buFont typeface="Arial" pitchFamily="34" charset="0"/>
+                <a:buChar char="•"/>
+                <a:defRPr sz="2000" kern="1200">
+                  <a:solidFill>
+                    <a:schemeClr val="tx1"/>
+                  </a:solidFill>
+                  <a:latin typeface="+mn-lt"/>
+                  <a:ea typeface="+mn-ea"/>
+                  <a:cs typeface="+mn-cs"/>
+                </a:defRPr>
+              </a:lvl6pPr>
+              <a:lvl7pPr marL="2971800" indent="-228600" algn="l" defTabSz="914400" rtl="0" eaLnBrk="1" latinLnBrk="0" hangingPunct="1">
+                <a:spcBef>
+                  <a:spcPct val="20000"/>
+                </a:spcBef>
+                <a:buFont typeface="Arial" pitchFamily="34" charset="0"/>
+                <a:buChar char="•"/>
+                <a:defRPr sz="2000" kern="1200">
+                  <a:solidFill>
+                    <a:schemeClr val="tx1"/>
+                  </a:solidFill>
+                  <a:latin typeface="+mn-lt"/>
+                  <a:ea typeface="+mn-ea"/>
+                  <a:cs typeface="+mn-cs"/>
+                </a:defRPr>
+              </a:lvl7pPr>
+              <a:lvl8pPr marL="3429000" indent="-228600" algn="l" defTabSz="914400" rtl="0" eaLnBrk="1" latinLnBrk="0" hangingPunct="1">
+                <a:spcBef>
+                  <a:spcPct val="20000"/>
+                </a:spcBef>
+                <a:buFont typeface="Arial" pitchFamily="34" charset="0"/>
+                <a:buChar char="•"/>
+                <a:defRPr sz="2000" kern="1200">
+                  <a:solidFill>
+                    <a:schemeClr val="tx1"/>
+                  </a:solidFill>
+                  <a:latin typeface="+mn-lt"/>
+                  <a:ea typeface="+mn-ea"/>
+                  <a:cs typeface="+mn-cs"/>
+                </a:defRPr>
+              </a:lvl8pPr>
+              <a:lvl9pPr marL="3886200" indent="-228600" algn="l" defTabSz="914400" rtl="0" eaLnBrk="1" latinLnBrk="0" hangingPunct="1">
+                <a:spcBef>
+                  <a:spcPct val="20000"/>
+                </a:spcBef>
+                <a:buFont typeface="Arial" pitchFamily="34" charset="0"/>
+                <a:buChar char="•"/>
+                <a:defRPr sz="2000" kern="1200">
+                  <a:solidFill>
+                    <a:schemeClr val="tx1"/>
+                  </a:solidFill>
+                  <a:latin typeface="+mn-lt"/>
+                  <a:ea typeface="+mn-ea"/>
+                  <a:cs typeface="+mn-cs"/>
+                </a:defRPr>
+              </a:lvl9pPr>
+            </a:lstStyle>
+            <a:p>
+              <a:endParaRPr lang="en-CA" dirty="0"/>
+            </a:p>
+          </p:txBody>
+        </p:sp>
+        <p:pic>
+          <p:nvPicPr>
+            <p:cNvPr id="10" name="Picture 9"/>
+            <p:cNvPicPr>
+              <a:picLocks noChangeAspect="1"/>
+            </p:cNvPicPr>
+            <p:nvPr/>
+          </p:nvPicPr>
+          <p:blipFill>
+            <a:blip r:embed="rId2">
+              <a:extLst>
+                <a:ext uri="{28A0092B-C50C-407E-A947-70E740481C1C}">
+                  <a14:useLocalDpi xmlns:a14="http://schemas.microsoft.com/office/drawing/2010/main" val="0"/>
+                </a:ext>
+              </a:extLst>
+            </a:blip>
+            <a:stretch>
+              <a:fillRect/>
+            </a:stretch>
+          </p:blipFill>
+          <p:spPr>
+            <a:xfrm>
+              <a:off x="611560" y="3476569"/>
+              <a:ext cx="2808312" cy="561662"/>
+            </a:xfrm>
+            <a:prstGeom prst="rect">
+              <a:avLst/>
+            </a:prstGeom>
+          </p:spPr>
+        </p:pic>
+      </p:grpSp>
+      <p:grpSp>
+        <p:nvGrpSpPr>
+          <p:cNvPr id="5" name="Group 4"/>
+          <p:cNvGrpSpPr/>
+          <p:nvPr/>
+        </p:nvGrpSpPr>
+        <p:grpSpPr>
+          <a:xfrm>
+            <a:off x="3724009" y="3149353"/>
+            <a:ext cx="3096344" cy="1368152"/>
+            <a:chOff x="3724009" y="3149353"/>
+            <a:chExt cx="3096344" cy="1368152"/>
+          </a:xfrm>
+        </p:grpSpPr>
+        <p:sp>
+          <p:nvSpPr>
+            <p:cNvPr id="11" name="Content Placeholder 1"/>
+            <p:cNvSpPr txBox="1">
+              <a:spLocks/>
+            </p:cNvSpPr>
+            <p:nvPr/>
+          </p:nvSpPr>
+          <p:spPr>
+            <a:xfrm>
+              <a:off x="3724009" y="3149353"/>
+              <a:ext cx="3096344" cy="1368152"/>
+            </a:xfrm>
+            <a:prstGeom prst="rect">
+              <a:avLst/>
+            </a:prstGeom>
+            <a:solidFill>
+              <a:schemeClr val="bg1"/>
+            </a:solidFill>
+          </p:spPr>
+          <p:txBody>
+            <a:bodyPr/>
+            <a:lstStyle>
+              <a:lvl1pPr marL="0" indent="0" algn="l" defTabSz="914400" rtl="0" eaLnBrk="1" latinLnBrk="0" hangingPunct="1">
+                <a:spcBef>
+                  <a:spcPct val="20000"/>
+                </a:spcBef>
+                <a:buClr>
+                  <a:schemeClr val="tx1"/>
+                </a:buClr>
+                <a:buFontTx/>
+                <a:buNone/>
+                <a:defRPr sz="3200" kern="1200">
+                  <a:solidFill>
+                    <a:schemeClr val="bg1"/>
+                  </a:solidFill>
+                  <a:latin typeface="Segoe UI Light" pitchFamily="34" charset="0"/>
+                  <a:ea typeface="Segoe UI" pitchFamily="34" charset="0"/>
+                  <a:cs typeface="Segoe UI" pitchFamily="34" charset="0"/>
+                </a:defRPr>
+              </a:lvl1pPr>
+              <a:lvl2pPr marL="254250" indent="0" algn="l" defTabSz="914400" rtl="0" eaLnBrk="1" latinLnBrk="0" hangingPunct="1">
+                <a:spcBef>
+                  <a:spcPct val="20000"/>
+                </a:spcBef>
+                <a:buClr>
+                  <a:schemeClr val="tx1"/>
+                </a:buClr>
+                <a:buFontTx/>
+                <a:buNone/>
+                <a:defRPr sz="2800" kern="1200">
+                  <a:solidFill>
+                    <a:schemeClr val="bg1">
+                      <a:lumMod val="75000"/>
+                    </a:schemeClr>
+                  </a:solidFill>
+                  <a:latin typeface="Segoe UI Light" pitchFamily="34" charset="0"/>
+                  <a:ea typeface="Segoe UI" pitchFamily="34" charset="0"/>
+                  <a:cs typeface="Segoe UI" pitchFamily="34" charset="0"/>
+                </a:defRPr>
+              </a:lvl2pPr>
+              <a:lvl3pPr marL="491400" indent="0" algn="l" defTabSz="914400" rtl="0" eaLnBrk="1" latinLnBrk="0" hangingPunct="1">
+                <a:spcBef>
+                  <a:spcPct val="20000"/>
+                </a:spcBef>
+                <a:buClr>
+                  <a:schemeClr val="tx1"/>
+                </a:buClr>
+                <a:buFontTx/>
+                <a:buNone/>
+                <a:defRPr sz="2400" kern="1200">
+                  <a:solidFill>
+                    <a:schemeClr val="bg1">
+                      <a:lumMod val="50000"/>
+                    </a:schemeClr>
+                  </a:solidFill>
+                  <a:latin typeface="Segoe UI Light" pitchFamily="34" charset="0"/>
+                  <a:ea typeface="Segoe UI" pitchFamily="34" charset="0"/>
+                  <a:cs typeface="Segoe UI" pitchFamily="34" charset="0"/>
+                </a:defRPr>
+              </a:lvl3pPr>
+              <a:lvl4pPr marL="1600200" indent="-228600" algn="l" defTabSz="914400" rtl="0" eaLnBrk="1" latinLnBrk="0" hangingPunct="1">
+                <a:spcBef>
+                  <a:spcPct val="20000"/>
+                </a:spcBef>
+                <a:buFont typeface="Arial" pitchFamily="34" charset="0"/>
+                <a:buChar char="–"/>
+                <a:defRPr sz="2000" kern="1200">
+                  <a:solidFill>
+                    <a:schemeClr val="bg1"/>
+                  </a:solidFill>
+                  <a:latin typeface="Segoe WP" pitchFamily="34" charset="0"/>
+                  <a:ea typeface="Segoe UI" pitchFamily="34" charset="0"/>
+                  <a:cs typeface="Segoe UI" pitchFamily="34" charset="0"/>
+                </a:defRPr>
+              </a:lvl4pPr>
+              <a:lvl5pPr marL="2057400" indent="-228600" algn="l" defTabSz="914400" rtl="0" eaLnBrk="1" latinLnBrk="0" hangingPunct="1">
+                <a:spcBef>
+                  <a:spcPct val="20000"/>
+                </a:spcBef>
+                <a:buFont typeface="Arial" pitchFamily="34" charset="0"/>
+                <a:buChar char="»"/>
+                <a:defRPr sz="2000" kern="1200">
+                  <a:solidFill>
+                    <a:schemeClr val="bg1"/>
+                  </a:solidFill>
+                  <a:latin typeface="Segoe WP" pitchFamily="34" charset="0"/>
+                  <a:ea typeface="Segoe UI" pitchFamily="34" charset="0"/>
+                  <a:cs typeface="Segoe UI" pitchFamily="34" charset="0"/>
+                </a:defRPr>
+              </a:lvl5pPr>
+              <a:lvl6pPr marL="2514600" indent="-228600" algn="l" defTabSz="914400" rtl="0" eaLnBrk="1" latinLnBrk="0" hangingPunct="1">
+                <a:spcBef>
+                  <a:spcPct val="20000"/>
+                </a:spcBef>
+                <a:buFont typeface="Arial" pitchFamily="34" charset="0"/>
+                <a:buChar char="•"/>
+                <a:defRPr sz="2000" kern="1200">
+                  <a:solidFill>
+                    <a:schemeClr val="tx1"/>
+                  </a:solidFill>
+                  <a:latin typeface="+mn-lt"/>
+                  <a:ea typeface="+mn-ea"/>
+                  <a:cs typeface="+mn-cs"/>
+                </a:defRPr>
+              </a:lvl6pPr>
+              <a:lvl7pPr marL="2971800" indent="-228600" algn="l" defTabSz="914400" rtl="0" eaLnBrk="1" latinLnBrk="0" hangingPunct="1">
+                <a:spcBef>
+                  <a:spcPct val="20000"/>
+                </a:spcBef>
+                <a:buFont typeface="Arial" pitchFamily="34" charset="0"/>
+                <a:buChar char="•"/>
+                <a:defRPr sz="2000" kern="1200">
+                  <a:solidFill>
+                    <a:schemeClr val="tx1"/>
+                  </a:solidFill>
+                  <a:latin typeface="+mn-lt"/>
+                  <a:ea typeface="+mn-ea"/>
+                  <a:cs typeface="+mn-cs"/>
+                </a:defRPr>
+              </a:lvl7pPr>
+              <a:lvl8pPr marL="3429000" indent="-228600" algn="l" defTabSz="914400" rtl="0" eaLnBrk="1" latinLnBrk="0" hangingPunct="1">
+                <a:spcBef>
+                  <a:spcPct val="20000"/>
+                </a:spcBef>
+                <a:buFont typeface="Arial" pitchFamily="34" charset="0"/>
+                <a:buChar char="•"/>
+                <a:defRPr sz="2000" kern="1200">
+                  <a:solidFill>
+                    <a:schemeClr val="tx1"/>
+                  </a:solidFill>
+                  <a:latin typeface="+mn-lt"/>
+                  <a:ea typeface="+mn-ea"/>
+                  <a:cs typeface="+mn-cs"/>
+                </a:defRPr>
+              </a:lvl8pPr>
+              <a:lvl9pPr marL="3886200" indent="-228600" algn="l" defTabSz="914400" rtl="0" eaLnBrk="1" latinLnBrk="0" hangingPunct="1">
+                <a:spcBef>
+                  <a:spcPct val="20000"/>
+                </a:spcBef>
+                <a:buFont typeface="Arial" pitchFamily="34" charset="0"/>
+                <a:buChar char="•"/>
+                <a:defRPr sz="2000" kern="1200">
+                  <a:solidFill>
+                    <a:schemeClr val="tx1"/>
+                  </a:solidFill>
+                  <a:latin typeface="+mn-lt"/>
+                  <a:ea typeface="+mn-ea"/>
+                  <a:cs typeface="+mn-cs"/>
+                </a:defRPr>
+              </a:lvl9pPr>
+            </a:lstStyle>
+            <a:p>
+              <a:endParaRPr lang="en-CA" dirty="0"/>
+            </a:p>
+          </p:txBody>
+        </p:sp>
+        <p:pic>
+          <p:nvPicPr>
+            <p:cNvPr id="1028" name="Picture 4" descr="C:\Users\bwasielak\Documents\WebMuses\Presentation\assets\MCP(rgb).png"/>
+            <p:cNvPicPr>
+              <a:picLocks noChangeAspect="1" noChangeArrowheads="1"/>
+            </p:cNvPicPr>
+            <p:nvPr/>
+          </p:nvPicPr>
+          <p:blipFill>
+            <a:blip r:embed="rId3">
+              <a:extLst>
+                <a:ext uri="{28A0092B-C50C-407E-A947-70E740481C1C}">
+                  <a14:useLocalDpi xmlns:a14="http://schemas.microsoft.com/office/drawing/2010/main" val="0"/>
+                </a:ext>
+              </a:extLst>
+            </a:blip>
+            <a:srcRect/>
+            <a:stretch>
+              <a:fillRect/>
+            </a:stretch>
+          </p:blipFill>
+          <p:spPr bwMode="auto">
+            <a:xfrm>
+              <a:off x="4460342" y="3153963"/>
+              <a:ext cx="1524000" cy="762000"/>
+            </a:xfrm>
+            <a:prstGeom prst="rect">
+              <a:avLst/>
+            </a:prstGeom>
+            <a:noFill/>
+            <a:extLst>
+              <a:ext uri="{909E8E84-426E-40DD-AFC4-6F175D3DCCD1}">
+                <a14:hiddenFill xmlns:a14="http://schemas.microsoft.com/office/drawing/2010/main">
+                  <a:solidFill>
+                    <a:srgbClr val="FFFFFF"/>
+                  </a:solidFill>
+                </a14:hiddenFill>
+              </a:ext>
+            </a:extLst>
+          </p:spPr>
+        </p:pic>
+        <p:pic>
+          <p:nvPicPr>
+            <p:cNvPr id="1030" name="Picture 6" descr="C:\Users\bwasielak\Documents\WebMuses\Presentation\assets\MCTS(rgb)_1098_1103.png"/>
+            <p:cNvPicPr>
+              <a:picLocks noChangeAspect="1" noChangeArrowheads="1"/>
+            </p:cNvPicPr>
+            <p:nvPr/>
+          </p:nvPicPr>
+          <p:blipFill>
+            <a:blip r:embed="rId4">
+              <a:extLst>
+                <a:ext uri="{28A0092B-C50C-407E-A947-70E740481C1C}">
+                  <a14:useLocalDpi xmlns:a14="http://schemas.microsoft.com/office/drawing/2010/main" val="0"/>
+                </a:ext>
+              </a:extLst>
+            </a:blip>
+            <a:srcRect/>
+            <a:stretch>
+              <a:fillRect/>
+            </a:stretch>
+          </p:blipFill>
+          <p:spPr bwMode="auto">
+            <a:xfrm>
+              <a:off x="3850120" y="3973089"/>
+              <a:ext cx="2844122" cy="456887"/>
+            </a:xfrm>
+            <a:prstGeom prst="rect">
+              <a:avLst/>
+            </a:prstGeom>
+            <a:noFill/>
+            <a:extLst>
+              <a:ext uri="{909E8E84-426E-40DD-AFC4-6F175D3DCCD1}">
+                <a14:hiddenFill xmlns:a14="http://schemas.microsoft.com/office/drawing/2010/main">
+                  <a:solidFill>
+                    <a:srgbClr val="FFFFFF"/>
+                  </a:solidFill>
+                </a14:hiddenFill>
+              </a:ext>
+            </a:extLst>
+          </p:spPr>
+        </p:pic>
+      </p:grpSp>
+      <p:grpSp>
+        <p:nvGrpSpPr>
+          <p:cNvPr id="6" name="Group 5"/>
+          <p:cNvGrpSpPr/>
+          <p:nvPr/>
+        </p:nvGrpSpPr>
+        <p:grpSpPr>
+          <a:xfrm>
+            <a:off x="467544" y="4624373"/>
+            <a:ext cx="3096344" cy="1370257"/>
+            <a:chOff x="467544" y="4624373"/>
+            <a:chExt cx="3096344" cy="1370257"/>
+          </a:xfrm>
+        </p:grpSpPr>
+        <p:sp>
+          <p:nvSpPr>
+            <p:cNvPr id="18" name="Content Placeholder 1"/>
+            <p:cNvSpPr txBox="1">
+              <a:spLocks/>
+            </p:cNvSpPr>
+            <p:nvPr/>
+          </p:nvSpPr>
+          <p:spPr>
+            <a:xfrm>
+              <a:off x="467544" y="4626029"/>
+              <a:ext cx="3096344" cy="1368152"/>
+            </a:xfrm>
+            <a:prstGeom prst="rect">
+              <a:avLst/>
+            </a:prstGeom>
+            <a:solidFill>
+              <a:srgbClr val="070D55"/>
+            </a:solidFill>
+          </p:spPr>
+          <p:txBody>
+            <a:bodyPr/>
+            <a:lstStyle>
+              <a:lvl1pPr marL="0" indent="0" algn="l" defTabSz="914400" rtl="0" eaLnBrk="1" latinLnBrk="0" hangingPunct="1">
+                <a:spcBef>
+                  <a:spcPct val="20000"/>
+                </a:spcBef>
+                <a:buClr>
+                  <a:schemeClr val="tx1"/>
+                </a:buClr>
+                <a:buFontTx/>
+                <a:buNone/>
+                <a:defRPr sz="3200" kern="1200">
+                  <a:solidFill>
+                    <a:schemeClr val="bg1"/>
+                  </a:solidFill>
+                  <a:latin typeface="Segoe UI Light" pitchFamily="34" charset="0"/>
+                  <a:ea typeface="Segoe UI" pitchFamily="34" charset="0"/>
+                  <a:cs typeface="Segoe UI" pitchFamily="34" charset="0"/>
+                </a:defRPr>
+              </a:lvl1pPr>
+              <a:lvl2pPr marL="254250" indent="0" algn="l" defTabSz="914400" rtl="0" eaLnBrk="1" latinLnBrk="0" hangingPunct="1">
+                <a:spcBef>
+                  <a:spcPct val="20000"/>
+                </a:spcBef>
+                <a:buClr>
+                  <a:schemeClr val="tx1"/>
+                </a:buClr>
+                <a:buFontTx/>
+                <a:buNone/>
+                <a:defRPr sz="2800" kern="1200">
+                  <a:solidFill>
+                    <a:schemeClr val="bg1">
+                      <a:lumMod val="75000"/>
+                    </a:schemeClr>
+                  </a:solidFill>
+                  <a:latin typeface="Segoe UI Light" pitchFamily="34" charset="0"/>
+                  <a:ea typeface="Segoe UI" pitchFamily="34" charset="0"/>
+                  <a:cs typeface="Segoe UI" pitchFamily="34" charset="0"/>
+                </a:defRPr>
+              </a:lvl2pPr>
+              <a:lvl3pPr marL="491400" indent="0" algn="l" defTabSz="914400" rtl="0" eaLnBrk="1" latinLnBrk="0" hangingPunct="1">
+                <a:spcBef>
+                  <a:spcPct val="20000"/>
+                </a:spcBef>
+                <a:buClr>
+                  <a:schemeClr val="tx1"/>
+                </a:buClr>
+                <a:buFontTx/>
+                <a:buNone/>
+                <a:defRPr sz="2400" kern="1200">
+                  <a:solidFill>
+                    <a:schemeClr val="bg1">
+                      <a:lumMod val="50000"/>
+                    </a:schemeClr>
+                  </a:solidFill>
+                  <a:latin typeface="Segoe UI Light" pitchFamily="34" charset="0"/>
+                  <a:ea typeface="Segoe UI" pitchFamily="34" charset="0"/>
+                  <a:cs typeface="Segoe UI" pitchFamily="34" charset="0"/>
+                </a:defRPr>
+              </a:lvl3pPr>
+              <a:lvl4pPr marL="1600200" indent="-228600" algn="l" defTabSz="914400" rtl="0" eaLnBrk="1" latinLnBrk="0" hangingPunct="1">
+                <a:spcBef>
+                  <a:spcPct val="20000"/>
+                </a:spcBef>
+                <a:buFont typeface="Arial" pitchFamily="34" charset="0"/>
+                <a:buChar char="–"/>
+                <a:defRPr sz="2000" kern="1200">
+                  <a:solidFill>
+                    <a:schemeClr val="bg1"/>
+                  </a:solidFill>
+                  <a:latin typeface="Segoe WP" pitchFamily="34" charset="0"/>
+                  <a:ea typeface="Segoe UI" pitchFamily="34" charset="0"/>
+                  <a:cs typeface="Segoe UI" pitchFamily="34" charset="0"/>
+                </a:defRPr>
+              </a:lvl4pPr>
+              <a:lvl5pPr marL="2057400" indent="-228600" algn="l" defTabSz="914400" rtl="0" eaLnBrk="1" latinLnBrk="0" hangingPunct="1">
+                <a:spcBef>
+                  <a:spcPct val="20000"/>
+                </a:spcBef>
+                <a:buFont typeface="Arial" pitchFamily="34" charset="0"/>
+                <a:buChar char="»"/>
+                <a:defRPr sz="2000" kern="1200">
+                  <a:solidFill>
+                    <a:schemeClr val="bg1"/>
+                  </a:solidFill>
+                  <a:latin typeface="Segoe WP" pitchFamily="34" charset="0"/>
+                  <a:ea typeface="Segoe UI" pitchFamily="34" charset="0"/>
+                  <a:cs typeface="Segoe UI" pitchFamily="34" charset="0"/>
+                </a:defRPr>
+              </a:lvl5pPr>
+              <a:lvl6pPr marL="2514600" indent="-228600" algn="l" defTabSz="914400" rtl="0" eaLnBrk="1" latinLnBrk="0" hangingPunct="1">
+                <a:spcBef>
+                  <a:spcPct val="20000"/>
+                </a:spcBef>
+                <a:buFont typeface="Arial" pitchFamily="34" charset="0"/>
+                <a:buChar char="•"/>
+                <a:defRPr sz="2000" kern="1200">
+                  <a:solidFill>
+                    <a:schemeClr val="tx1"/>
+                  </a:solidFill>
+                  <a:latin typeface="+mn-lt"/>
+                  <a:ea typeface="+mn-ea"/>
+                  <a:cs typeface="+mn-cs"/>
+                </a:defRPr>
+              </a:lvl6pPr>
+              <a:lvl7pPr marL="2971800" indent="-228600" algn="l" defTabSz="914400" rtl="0" eaLnBrk="1" latinLnBrk="0" hangingPunct="1">
+                <a:spcBef>
+                  <a:spcPct val="20000"/>
+                </a:spcBef>
+                <a:buFont typeface="Arial" pitchFamily="34" charset="0"/>
+                <a:buChar char="•"/>
+                <a:defRPr sz="2000" kern="1200">
+                  <a:solidFill>
+                    <a:schemeClr val="tx1"/>
+                  </a:solidFill>
+                  <a:latin typeface="+mn-lt"/>
+                  <a:ea typeface="+mn-ea"/>
+                  <a:cs typeface="+mn-cs"/>
+                </a:defRPr>
+              </a:lvl7pPr>
+              <a:lvl8pPr marL="3429000" indent="-228600" algn="l" defTabSz="914400" rtl="0" eaLnBrk="1" latinLnBrk="0" hangingPunct="1">
+                <a:spcBef>
+                  <a:spcPct val="20000"/>
+                </a:spcBef>
+                <a:buFont typeface="Arial" pitchFamily="34" charset="0"/>
+                <a:buChar char="•"/>
+                <a:defRPr sz="2000" kern="1200">
+                  <a:solidFill>
+                    <a:schemeClr val="tx1"/>
+                  </a:solidFill>
+                  <a:latin typeface="+mn-lt"/>
+                  <a:ea typeface="+mn-ea"/>
+                  <a:cs typeface="+mn-cs"/>
+                </a:defRPr>
+              </a:lvl8pPr>
+              <a:lvl9pPr marL="3886200" indent="-228600" algn="l" defTabSz="914400" rtl="0" eaLnBrk="1" latinLnBrk="0" hangingPunct="1">
+                <a:spcBef>
+                  <a:spcPct val="20000"/>
+                </a:spcBef>
+                <a:buFont typeface="Arial" pitchFamily="34" charset="0"/>
+                <a:buChar char="•"/>
+                <a:defRPr sz="2000" kern="1200">
+                  <a:solidFill>
+                    <a:schemeClr val="tx1"/>
+                  </a:solidFill>
+                  <a:latin typeface="+mn-lt"/>
+                  <a:ea typeface="+mn-ea"/>
+                  <a:cs typeface="+mn-cs"/>
+                </a:defRPr>
+              </a:lvl9pPr>
+            </a:lstStyle>
+            <a:p>
+              <a:endParaRPr lang="en-CA" dirty="0"/>
+            </a:p>
+          </p:txBody>
+        </p:sp>
+        <p:pic>
+          <p:nvPicPr>
+            <p:cNvPr id="1031" name="Picture 7" descr="C:\Users\bwasielak\Documents\Pod Jednym Dachem\zdjęcia\logoPJD.png"/>
+            <p:cNvPicPr>
+              <a:picLocks noChangeAspect="1" noChangeArrowheads="1"/>
+            </p:cNvPicPr>
+            <p:nvPr/>
+          </p:nvPicPr>
+          <p:blipFill>
+            <a:blip r:embed="rId5">
+              <a:extLst>
+                <a:ext uri="{28A0092B-C50C-407E-A947-70E740481C1C}">
+                  <a14:useLocalDpi xmlns:a14="http://schemas.microsoft.com/office/drawing/2010/main" val="0"/>
+                </a:ext>
+              </a:extLst>
+            </a:blip>
+            <a:srcRect/>
+            <a:stretch>
+              <a:fillRect/>
+            </a:stretch>
+          </p:blipFill>
+          <p:spPr bwMode="auto">
+            <a:xfrm>
+              <a:off x="467544" y="4624373"/>
+              <a:ext cx="1944216" cy="1370257"/>
+            </a:xfrm>
+            <a:prstGeom prst="rect">
+              <a:avLst/>
+            </a:prstGeom>
+            <a:noFill/>
+            <a:extLst>
+              <a:ext uri="{909E8E84-426E-40DD-AFC4-6F175D3DCCD1}">
+                <a14:hiddenFill xmlns:a14="http://schemas.microsoft.com/office/drawing/2010/main">
+                  <a:solidFill>
+                    <a:srgbClr val="FFFFFF"/>
+                  </a:solidFill>
+                </a14:hiddenFill>
+              </a:ext>
+            </a:extLst>
+          </p:spPr>
+        </p:pic>
+      </p:grpSp>
       <p:sp>
         <p:nvSpPr>
-          <p:cNvPr id="9" name="Content Placeholder 1"/>
+          <p:cNvPr id="16" name="Content Placeholder 1"/>
           <p:cNvSpPr txBox="1">
             <a:spLocks/>
           </p:cNvSpPr>
@@ -5010,14 +5708,14 @@
         </p:nvSpPr>
         <p:spPr>
           <a:xfrm>
-            <a:off x="467544" y="3149353"/>
+            <a:off x="467544" y="1660507"/>
             <a:ext cx="3096344" cy="1368152"/>
           </a:xfrm>
           <a:prstGeom prst="rect">
             <a:avLst/>
           </a:prstGeom>
           <a:solidFill>
-            <a:schemeClr val="accent3"/>
+            <a:schemeClr val="tx2"/>
           </a:solidFill>
         </p:spPr>
         <p:txBody>
@@ -5173,517 +5871,14 @@
             </a:lvl9pPr>
           </a:lstStyle>
           <a:p>
+            <a:r>
+              <a:rPr lang="pl-PL" dirty="0" smtClean="0"/>
+              <a:t>Bartek Wasielak</a:t>
+            </a:r>
             <a:endParaRPr lang="en-CA" dirty="0"/>
           </a:p>
         </p:txBody>
       </p:sp>
-      <p:pic>
-        <p:nvPicPr>
-          <p:cNvPr id="10" name="Picture 9"/>
-          <p:cNvPicPr>
-            <a:picLocks noChangeAspect="1"/>
-          </p:cNvPicPr>
-          <p:nvPr/>
-        </p:nvPicPr>
-        <p:blipFill>
-          <a:blip r:embed="rId2">
-            <a:extLst>
-              <a:ext uri="{28A0092B-C50C-407E-A947-70E740481C1C}">
-                <a14:useLocalDpi xmlns:a14="http://schemas.microsoft.com/office/drawing/2010/main" val="0"/>
-              </a:ext>
-            </a:extLst>
-          </a:blip>
-          <a:stretch>
-            <a:fillRect/>
-          </a:stretch>
-        </p:blipFill>
-        <p:spPr>
-          <a:xfrm>
-            <a:off x="611560" y="3476569"/>
-            <a:ext cx="2808312" cy="561662"/>
-          </a:xfrm>
-          <a:prstGeom prst="rect">
-            <a:avLst/>
-          </a:prstGeom>
-        </p:spPr>
-      </p:pic>
-      <p:sp>
-        <p:nvSpPr>
-          <p:cNvPr id="11" name="Content Placeholder 1"/>
-          <p:cNvSpPr txBox="1">
-            <a:spLocks/>
-          </p:cNvSpPr>
-          <p:nvPr/>
-        </p:nvSpPr>
-        <p:spPr>
-          <a:xfrm>
-            <a:off x="3724009" y="3149353"/>
-            <a:ext cx="3096344" cy="1368152"/>
-          </a:xfrm>
-          <a:prstGeom prst="rect">
-            <a:avLst/>
-          </a:prstGeom>
-          <a:solidFill>
-            <a:schemeClr val="bg1"/>
-          </a:solidFill>
-        </p:spPr>
-        <p:txBody>
-          <a:bodyPr/>
-          <a:lstStyle>
-            <a:lvl1pPr marL="0" indent="0" algn="l" defTabSz="914400" rtl="0" eaLnBrk="1" latinLnBrk="0" hangingPunct="1">
-              <a:spcBef>
-                <a:spcPct val="20000"/>
-              </a:spcBef>
-              <a:buClr>
-                <a:schemeClr val="tx1"/>
-              </a:buClr>
-              <a:buFontTx/>
-              <a:buNone/>
-              <a:defRPr sz="3200" kern="1200">
-                <a:solidFill>
-                  <a:schemeClr val="bg1"/>
-                </a:solidFill>
-                <a:latin typeface="Segoe UI Light" pitchFamily="34" charset="0"/>
-                <a:ea typeface="Segoe UI" pitchFamily="34" charset="0"/>
-                <a:cs typeface="Segoe UI" pitchFamily="34" charset="0"/>
-              </a:defRPr>
-            </a:lvl1pPr>
-            <a:lvl2pPr marL="254250" indent="0" algn="l" defTabSz="914400" rtl="0" eaLnBrk="1" latinLnBrk="0" hangingPunct="1">
-              <a:spcBef>
-                <a:spcPct val="20000"/>
-              </a:spcBef>
-              <a:buClr>
-                <a:schemeClr val="tx1"/>
-              </a:buClr>
-              <a:buFontTx/>
-              <a:buNone/>
-              <a:defRPr sz="2800" kern="1200">
-                <a:solidFill>
-                  <a:schemeClr val="bg1">
-                    <a:lumMod val="75000"/>
-                  </a:schemeClr>
-                </a:solidFill>
-                <a:latin typeface="Segoe UI Light" pitchFamily="34" charset="0"/>
-                <a:ea typeface="Segoe UI" pitchFamily="34" charset="0"/>
-                <a:cs typeface="Segoe UI" pitchFamily="34" charset="0"/>
-              </a:defRPr>
-            </a:lvl2pPr>
-            <a:lvl3pPr marL="491400" indent="0" algn="l" defTabSz="914400" rtl="0" eaLnBrk="1" latinLnBrk="0" hangingPunct="1">
-              <a:spcBef>
-                <a:spcPct val="20000"/>
-              </a:spcBef>
-              <a:buClr>
-                <a:schemeClr val="tx1"/>
-              </a:buClr>
-              <a:buFontTx/>
-              <a:buNone/>
-              <a:defRPr sz="2400" kern="1200">
-                <a:solidFill>
-                  <a:schemeClr val="bg1">
-                    <a:lumMod val="50000"/>
-                  </a:schemeClr>
-                </a:solidFill>
-                <a:latin typeface="Segoe UI Light" pitchFamily="34" charset="0"/>
-                <a:ea typeface="Segoe UI" pitchFamily="34" charset="0"/>
-                <a:cs typeface="Segoe UI" pitchFamily="34" charset="0"/>
-              </a:defRPr>
-            </a:lvl3pPr>
-            <a:lvl4pPr marL="1600200" indent="-228600" algn="l" defTabSz="914400" rtl="0" eaLnBrk="1" latinLnBrk="0" hangingPunct="1">
-              <a:spcBef>
-                <a:spcPct val="20000"/>
-              </a:spcBef>
-              <a:buFont typeface="Arial" pitchFamily="34" charset="0"/>
-              <a:buChar char="–"/>
-              <a:defRPr sz="2000" kern="1200">
-                <a:solidFill>
-                  <a:schemeClr val="bg1"/>
-                </a:solidFill>
-                <a:latin typeface="Segoe WP" pitchFamily="34" charset="0"/>
-                <a:ea typeface="Segoe UI" pitchFamily="34" charset="0"/>
-                <a:cs typeface="Segoe UI" pitchFamily="34" charset="0"/>
-              </a:defRPr>
-            </a:lvl4pPr>
-            <a:lvl5pPr marL="2057400" indent="-228600" algn="l" defTabSz="914400" rtl="0" eaLnBrk="1" latinLnBrk="0" hangingPunct="1">
-              <a:spcBef>
-                <a:spcPct val="20000"/>
-              </a:spcBef>
-              <a:buFont typeface="Arial" pitchFamily="34" charset="0"/>
-              <a:buChar char="»"/>
-              <a:defRPr sz="2000" kern="1200">
-                <a:solidFill>
-                  <a:schemeClr val="bg1"/>
-                </a:solidFill>
-                <a:latin typeface="Segoe WP" pitchFamily="34" charset="0"/>
-                <a:ea typeface="Segoe UI" pitchFamily="34" charset="0"/>
-                <a:cs typeface="Segoe UI" pitchFamily="34" charset="0"/>
-              </a:defRPr>
-            </a:lvl5pPr>
-            <a:lvl6pPr marL="2514600" indent="-228600" algn="l" defTabSz="914400" rtl="0" eaLnBrk="1" latinLnBrk="0" hangingPunct="1">
-              <a:spcBef>
-                <a:spcPct val="20000"/>
-              </a:spcBef>
-              <a:buFont typeface="Arial" pitchFamily="34" charset="0"/>
-              <a:buChar char="•"/>
-              <a:defRPr sz="2000" kern="1200">
-                <a:solidFill>
-                  <a:schemeClr val="tx1"/>
-                </a:solidFill>
-                <a:latin typeface="+mn-lt"/>
-                <a:ea typeface="+mn-ea"/>
-                <a:cs typeface="+mn-cs"/>
-              </a:defRPr>
-            </a:lvl6pPr>
-            <a:lvl7pPr marL="2971800" indent="-228600" algn="l" defTabSz="914400" rtl="0" eaLnBrk="1" latinLnBrk="0" hangingPunct="1">
-              <a:spcBef>
-                <a:spcPct val="20000"/>
-              </a:spcBef>
-              <a:buFont typeface="Arial" pitchFamily="34" charset="0"/>
-              <a:buChar char="•"/>
-              <a:defRPr sz="2000" kern="1200">
-                <a:solidFill>
-                  <a:schemeClr val="tx1"/>
-                </a:solidFill>
-                <a:latin typeface="+mn-lt"/>
-                <a:ea typeface="+mn-ea"/>
-                <a:cs typeface="+mn-cs"/>
-              </a:defRPr>
-            </a:lvl7pPr>
-            <a:lvl8pPr marL="3429000" indent="-228600" algn="l" defTabSz="914400" rtl="0" eaLnBrk="1" latinLnBrk="0" hangingPunct="1">
-              <a:spcBef>
-                <a:spcPct val="20000"/>
-              </a:spcBef>
-              <a:buFont typeface="Arial" pitchFamily="34" charset="0"/>
-              <a:buChar char="•"/>
-              <a:defRPr sz="2000" kern="1200">
-                <a:solidFill>
-                  <a:schemeClr val="tx1"/>
-                </a:solidFill>
-                <a:latin typeface="+mn-lt"/>
-                <a:ea typeface="+mn-ea"/>
-                <a:cs typeface="+mn-cs"/>
-              </a:defRPr>
-            </a:lvl8pPr>
-            <a:lvl9pPr marL="3886200" indent="-228600" algn="l" defTabSz="914400" rtl="0" eaLnBrk="1" latinLnBrk="0" hangingPunct="1">
-              <a:spcBef>
-                <a:spcPct val="20000"/>
-              </a:spcBef>
-              <a:buFont typeface="Arial" pitchFamily="34" charset="0"/>
-              <a:buChar char="•"/>
-              <a:defRPr sz="2000" kern="1200">
-                <a:solidFill>
-                  <a:schemeClr val="tx1"/>
-                </a:solidFill>
-                <a:latin typeface="+mn-lt"/>
-                <a:ea typeface="+mn-ea"/>
-                <a:cs typeface="+mn-cs"/>
-              </a:defRPr>
-            </a:lvl9pPr>
-          </a:lstStyle>
-          <a:p>
-            <a:endParaRPr lang="en-CA" dirty="0"/>
-          </a:p>
-        </p:txBody>
-      </p:sp>
-      <p:pic>
-        <p:nvPicPr>
-          <p:cNvPr id="1028" name="Picture 4" descr="C:\Users\bwasielak\Documents\WebMuses\Presentation\assets\MCP(rgb).png"/>
-          <p:cNvPicPr>
-            <a:picLocks noChangeAspect="1" noChangeArrowheads="1"/>
-          </p:cNvPicPr>
-          <p:nvPr/>
-        </p:nvPicPr>
-        <p:blipFill>
-          <a:blip r:embed="rId3">
-            <a:extLst>
-              <a:ext uri="{28A0092B-C50C-407E-A947-70E740481C1C}">
-                <a14:useLocalDpi xmlns:a14="http://schemas.microsoft.com/office/drawing/2010/main" val="0"/>
-              </a:ext>
-            </a:extLst>
-          </a:blip>
-          <a:srcRect/>
-          <a:stretch>
-            <a:fillRect/>
-          </a:stretch>
-        </p:blipFill>
-        <p:spPr bwMode="auto">
-          <a:xfrm>
-            <a:off x="4460342" y="3153963"/>
-            <a:ext cx="1524000" cy="762000"/>
-          </a:xfrm>
-          <a:prstGeom prst="rect">
-            <a:avLst/>
-          </a:prstGeom>
-          <a:noFill/>
-          <a:extLst>
-            <a:ext uri="{909E8E84-426E-40DD-AFC4-6F175D3DCCD1}">
-              <a14:hiddenFill xmlns:a14="http://schemas.microsoft.com/office/drawing/2010/main">
-                <a:solidFill>
-                  <a:srgbClr val="FFFFFF"/>
-                </a:solidFill>
-              </a14:hiddenFill>
-            </a:ext>
-          </a:extLst>
-        </p:spPr>
-      </p:pic>
-      <p:pic>
-        <p:nvPicPr>
-          <p:cNvPr id="1030" name="Picture 6" descr="C:\Users\bwasielak\Documents\WebMuses\Presentation\assets\MCTS(rgb)_1098_1103.png"/>
-          <p:cNvPicPr>
-            <a:picLocks noChangeAspect="1" noChangeArrowheads="1"/>
-          </p:cNvPicPr>
-          <p:nvPr/>
-        </p:nvPicPr>
-        <p:blipFill>
-          <a:blip r:embed="rId4">
-            <a:extLst>
-              <a:ext uri="{28A0092B-C50C-407E-A947-70E740481C1C}">
-                <a14:useLocalDpi xmlns:a14="http://schemas.microsoft.com/office/drawing/2010/main" val="0"/>
-              </a:ext>
-            </a:extLst>
-          </a:blip>
-          <a:srcRect/>
-          <a:stretch>
-            <a:fillRect/>
-          </a:stretch>
-        </p:blipFill>
-        <p:spPr bwMode="auto">
-          <a:xfrm>
-            <a:off x="3850120" y="3973089"/>
-            <a:ext cx="2844122" cy="456887"/>
-          </a:xfrm>
-          <a:prstGeom prst="rect">
-            <a:avLst/>
-          </a:prstGeom>
-          <a:noFill/>
-          <a:extLst>
-            <a:ext uri="{909E8E84-426E-40DD-AFC4-6F175D3DCCD1}">
-              <a14:hiddenFill xmlns:a14="http://schemas.microsoft.com/office/drawing/2010/main">
-                <a:solidFill>
-                  <a:srgbClr val="FFFFFF"/>
-                </a:solidFill>
-              </a14:hiddenFill>
-            </a:ext>
-          </a:extLst>
-        </p:spPr>
-      </p:pic>
-      <p:sp>
-        <p:nvSpPr>
-          <p:cNvPr id="18" name="Content Placeholder 1"/>
-          <p:cNvSpPr txBox="1">
-            <a:spLocks/>
-          </p:cNvSpPr>
-          <p:nvPr/>
-        </p:nvSpPr>
-        <p:spPr>
-          <a:xfrm>
-            <a:off x="467544" y="4626029"/>
-            <a:ext cx="3096344" cy="1368152"/>
-          </a:xfrm>
-          <a:prstGeom prst="rect">
-            <a:avLst/>
-          </a:prstGeom>
-          <a:solidFill>
-            <a:srgbClr val="070D55"/>
-          </a:solidFill>
-        </p:spPr>
-        <p:txBody>
-          <a:bodyPr/>
-          <a:lstStyle>
-            <a:lvl1pPr marL="0" indent="0" algn="l" defTabSz="914400" rtl="0" eaLnBrk="1" latinLnBrk="0" hangingPunct="1">
-              <a:spcBef>
-                <a:spcPct val="20000"/>
-              </a:spcBef>
-              <a:buClr>
-                <a:schemeClr val="tx1"/>
-              </a:buClr>
-              <a:buFontTx/>
-              <a:buNone/>
-              <a:defRPr sz="3200" kern="1200">
-                <a:solidFill>
-                  <a:schemeClr val="bg1"/>
-                </a:solidFill>
-                <a:latin typeface="Segoe UI Light" pitchFamily="34" charset="0"/>
-                <a:ea typeface="Segoe UI" pitchFamily="34" charset="0"/>
-                <a:cs typeface="Segoe UI" pitchFamily="34" charset="0"/>
-              </a:defRPr>
-            </a:lvl1pPr>
-            <a:lvl2pPr marL="254250" indent="0" algn="l" defTabSz="914400" rtl="0" eaLnBrk="1" latinLnBrk="0" hangingPunct="1">
-              <a:spcBef>
-                <a:spcPct val="20000"/>
-              </a:spcBef>
-              <a:buClr>
-                <a:schemeClr val="tx1"/>
-              </a:buClr>
-              <a:buFontTx/>
-              <a:buNone/>
-              <a:defRPr sz="2800" kern="1200">
-                <a:solidFill>
-                  <a:schemeClr val="bg1">
-                    <a:lumMod val="75000"/>
-                  </a:schemeClr>
-                </a:solidFill>
-                <a:latin typeface="Segoe UI Light" pitchFamily="34" charset="0"/>
-                <a:ea typeface="Segoe UI" pitchFamily="34" charset="0"/>
-                <a:cs typeface="Segoe UI" pitchFamily="34" charset="0"/>
-              </a:defRPr>
-            </a:lvl2pPr>
-            <a:lvl3pPr marL="491400" indent="0" algn="l" defTabSz="914400" rtl="0" eaLnBrk="1" latinLnBrk="0" hangingPunct="1">
-              <a:spcBef>
-                <a:spcPct val="20000"/>
-              </a:spcBef>
-              <a:buClr>
-                <a:schemeClr val="tx1"/>
-              </a:buClr>
-              <a:buFontTx/>
-              <a:buNone/>
-              <a:defRPr sz="2400" kern="1200">
-                <a:solidFill>
-                  <a:schemeClr val="bg1">
-                    <a:lumMod val="50000"/>
-                  </a:schemeClr>
-                </a:solidFill>
-                <a:latin typeface="Segoe UI Light" pitchFamily="34" charset="0"/>
-                <a:ea typeface="Segoe UI" pitchFamily="34" charset="0"/>
-                <a:cs typeface="Segoe UI" pitchFamily="34" charset="0"/>
-              </a:defRPr>
-            </a:lvl3pPr>
-            <a:lvl4pPr marL="1600200" indent="-228600" algn="l" defTabSz="914400" rtl="0" eaLnBrk="1" latinLnBrk="0" hangingPunct="1">
-              <a:spcBef>
-                <a:spcPct val="20000"/>
-              </a:spcBef>
-              <a:buFont typeface="Arial" pitchFamily="34" charset="0"/>
-              <a:buChar char="–"/>
-              <a:defRPr sz="2000" kern="1200">
-                <a:solidFill>
-                  <a:schemeClr val="bg1"/>
-                </a:solidFill>
-                <a:latin typeface="Segoe WP" pitchFamily="34" charset="0"/>
-                <a:ea typeface="Segoe UI" pitchFamily="34" charset="0"/>
-                <a:cs typeface="Segoe UI" pitchFamily="34" charset="0"/>
-              </a:defRPr>
-            </a:lvl4pPr>
-            <a:lvl5pPr marL="2057400" indent="-228600" algn="l" defTabSz="914400" rtl="0" eaLnBrk="1" latinLnBrk="0" hangingPunct="1">
-              <a:spcBef>
-                <a:spcPct val="20000"/>
-              </a:spcBef>
-              <a:buFont typeface="Arial" pitchFamily="34" charset="0"/>
-              <a:buChar char="»"/>
-              <a:defRPr sz="2000" kern="1200">
-                <a:solidFill>
-                  <a:schemeClr val="bg1"/>
-                </a:solidFill>
-                <a:latin typeface="Segoe WP" pitchFamily="34" charset="0"/>
-                <a:ea typeface="Segoe UI" pitchFamily="34" charset="0"/>
-                <a:cs typeface="Segoe UI" pitchFamily="34" charset="0"/>
-              </a:defRPr>
-            </a:lvl5pPr>
-            <a:lvl6pPr marL="2514600" indent="-228600" algn="l" defTabSz="914400" rtl="0" eaLnBrk="1" latinLnBrk="0" hangingPunct="1">
-              <a:spcBef>
-                <a:spcPct val="20000"/>
-              </a:spcBef>
-              <a:buFont typeface="Arial" pitchFamily="34" charset="0"/>
-              <a:buChar char="•"/>
-              <a:defRPr sz="2000" kern="1200">
-                <a:solidFill>
-                  <a:schemeClr val="tx1"/>
-                </a:solidFill>
-                <a:latin typeface="+mn-lt"/>
-                <a:ea typeface="+mn-ea"/>
-                <a:cs typeface="+mn-cs"/>
-              </a:defRPr>
-            </a:lvl6pPr>
-            <a:lvl7pPr marL="2971800" indent="-228600" algn="l" defTabSz="914400" rtl="0" eaLnBrk="1" latinLnBrk="0" hangingPunct="1">
-              <a:spcBef>
-                <a:spcPct val="20000"/>
-              </a:spcBef>
-              <a:buFont typeface="Arial" pitchFamily="34" charset="0"/>
-              <a:buChar char="•"/>
-              <a:defRPr sz="2000" kern="1200">
-                <a:solidFill>
-                  <a:schemeClr val="tx1"/>
-                </a:solidFill>
-                <a:latin typeface="+mn-lt"/>
-                <a:ea typeface="+mn-ea"/>
-                <a:cs typeface="+mn-cs"/>
-              </a:defRPr>
-            </a:lvl7pPr>
-            <a:lvl8pPr marL="3429000" indent="-228600" algn="l" defTabSz="914400" rtl="0" eaLnBrk="1" latinLnBrk="0" hangingPunct="1">
-              <a:spcBef>
-                <a:spcPct val="20000"/>
-              </a:spcBef>
-              <a:buFont typeface="Arial" pitchFamily="34" charset="0"/>
-              <a:buChar char="•"/>
-              <a:defRPr sz="2000" kern="1200">
-                <a:solidFill>
-                  <a:schemeClr val="tx1"/>
-                </a:solidFill>
-                <a:latin typeface="+mn-lt"/>
-                <a:ea typeface="+mn-ea"/>
-                <a:cs typeface="+mn-cs"/>
-              </a:defRPr>
-            </a:lvl8pPr>
-            <a:lvl9pPr marL="3886200" indent="-228600" algn="l" defTabSz="914400" rtl="0" eaLnBrk="1" latinLnBrk="0" hangingPunct="1">
-              <a:spcBef>
-                <a:spcPct val="20000"/>
-              </a:spcBef>
-              <a:buFont typeface="Arial" pitchFamily="34" charset="0"/>
-              <a:buChar char="•"/>
-              <a:defRPr sz="2000" kern="1200">
-                <a:solidFill>
-                  <a:schemeClr val="tx1"/>
-                </a:solidFill>
-                <a:latin typeface="+mn-lt"/>
-                <a:ea typeface="+mn-ea"/>
-                <a:cs typeface="+mn-cs"/>
-              </a:defRPr>
-            </a:lvl9pPr>
-          </a:lstStyle>
-          <a:p>
-            <a:endParaRPr lang="en-CA" dirty="0"/>
-          </a:p>
-        </p:txBody>
-      </p:sp>
-      <p:pic>
-        <p:nvPicPr>
-          <p:cNvPr id="1031" name="Picture 7" descr="C:\Users\bwasielak\Documents\Pod Jednym Dachem\zdjęcia\logoPJD.png"/>
-          <p:cNvPicPr>
-            <a:picLocks noChangeAspect="1" noChangeArrowheads="1"/>
-          </p:cNvPicPr>
-          <p:nvPr/>
-        </p:nvPicPr>
-        <p:blipFill>
-          <a:blip r:embed="rId5">
-            <a:extLst>
-              <a:ext uri="{28A0092B-C50C-407E-A947-70E740481C1C}">
-                <a14:useLocalDpi xmlns:a14="http://schemas.microsoft.com/office/drawing/2010/main" val="0"/>
-              </a:ext>
-            </a:extLst>
-          </a:blip>
-          <a:srcRect/>
-          <a:stretch>
-            <a:fillRect/>
-          </a:stretch>
-        </p:blipFill>
-        <p:spPr bwMode="auto">
-          <a:xfrm>
-            <a:off x="467544" y="4624373"/>
-            <a:ext cx="1944216" cy="1370257"/>
-          </a:xfrm>
-          <a:prstGeom prst="rect">
-            <a:avLst/>
-          </a:prstGeom>
-          <a:noFill/>
-          <a:extLst>
-            <a:ext uri="{909E8E84-426E-40DD-AFC4-6F175D3DCCD1}">
-              <a14:hiddenFill xmlns:a14="http://schemas.microsoft.com/office/drawing/2010/main">
-                <a:solidFill>
-                  <a:srgbClr val="FFFFFF"/>
-                </a:solidFill>
-              </a14:hiddenFill>
-            </a:ext>
-          </a:extLst>
-        </p:spPr>
-      </p:pic>
     </p:spTree>
     <p:extLst>
       <p:ext uri="{BB962C8B-B14F-4D97-AF65-F5344CB8AC3E}">
@@ -5705,9 +5900,448 @@
   <p:timing>
     <p:tnLst>
       <p:par>
-        <p:cTn id="1" dur="indefinite" restart="never" nodeType="tmRoot"/>
+        <p:cTn id="1" dur="indefinite" restart="never" nodeType="tmRoot">
+          <p:childTnLst>
+            <p:seq concurrent="1" nextAc="seek">
+              <p:cTn id="2" dur="indefinite" nodeType="mainSeq">
+                <p:childTnLst>
+                  <p:par>
+                    <p:cTn id="3" fill="hold">
+                      <p:stCondLst>
+                        <p:cond delay="indefinite"/>
+                        <p:cond evt="onBegin" delay="0">
+                          <p:tn val="2"/>
+                        </p:cond>
+                      </p:stCondLst>
+                      <p:childTnLst>
+                        <p:par>
+                          <p:cTn id="4" fill="hold">
+                            <p:stCondLst>
+                              <p:cond delay="0"/>
+                            </p:stCondLst>
+                            <p:childTnLst>
+                              <p:par>
+                                <p:cTn id="5" presetID="42" presetClass="path" presetSubtype="0" accel="50000" decel="50000" fill="hold" grpId="0" nodeType="withEffect">
+                                  <p:stCondLst>
+                                    <p:cond delay="0"/>
+                                  </p:stCondLst>
+                                  <p:childTnLst>
+                                    <p:animMotion origin="layout" path="M 0.02361 0.00625 L 3.05556E-6 0.00625 " pathEditMode="relative" rAng="0" ptsTypes="AA">
+                                      <p:cBhvr>
+                                        <p:cTn id="6" dur="1700" fill="hold"/>
+                                        <p:tgtEl>
+                                          <p:spTgt spid="3"/>
+                                        </p:tgtEl>
+                                        <p:attrNameLst>
+                                          <p:attrName>ppt_x</p:attrName>
+                                          <p:attrName>ppt_y</p:attrName>
+                                        </p:attrNameLst>
+                                      </p:cBhvr>
+                                      <p:rCtr x="-1181" y="0"/>
+                                    </p:animMotion>
+                                  </p:childTnLst>
+                                </p:cTn>
+                              </p:par>
+                              <p:par>
+                                <p:cTn id="7" presetID="10" presetClass="entr" presetSubtype="0" fill="hold" grpId="1" nodeType="withEffect">
+                                  <p:stCondLst>
+                                    <p:cond delay="0"/>
+                                  </p:stCondLst>
+                                  <p:childTnLst>
+                                    <p:set>
+                                      <p:cBhvr>
+                                        <p:cTn id="8" dur="1" fill="hold">
+                                          <p:stCondLst>
+                                            <p:cond delay="0"/>
+                                          </p:stCondLst>
+                                        </p:cTn>
+                                        <p:tgtEl>
+                                          <p:spTgt spid="3"/>
+                                        </p:tgtEl>
+                                        <p:attrNameLst>
+                                          <p:attrName>style.visibility</p:attrName>
+                                        </p:attrNameLst>
+                                      </p:cBhvr>
+                                      <p:to>
+                                        <p:strVal val="visible"/>
+                                      </p:to>
+                                    </p:set>
+                                    <p:animEffect transition="in" filter="fade">
+                                      <p:cBhvr>
+                                        <p:cTn id="9" dur="900"/>
+                                        <p:tgtEl>
+                                          <p:spTgt spid="3"/>
+                                        </p:tgtEl>
+                                      </p:cBhvr>
+                                    </p:animEffect>
+                                  </p:childTnLst>
+                                </p:cTn>
+                              </p:par>
+                            </p:childTnLst>
+                          </p:cTn>
+                        </p:par>
+                        <p:par>
+                          <p:cTn id="10" fill="hold">
+                            <p:stCondLst>
+                              <p:cond delay="1700"/>
+                            </p:stCondLst>
+                            <p:childTnLst>
+                              <p:par>
+                                <p:cTn id="11" presetID="10" presetClass="entr" presetSubtype="0" fill="hold" grpId="0" nodeType="afterEffect">
+                                  <p:stCondLst>
+                                    <p:cond delay="0"/>
+                                  </p:stCondLst>
+                                  <p:childTnLst>
+                                    <p:set>
+                                      <p:cBhvr>
+                                        <p:cTn id="12" dur="1" fill="hold">
+                                          <p:stCondLst>
+                                            <p:cond delay="0"/>
+                                          </p:stCondLst>
+                                        </p:cTn>
+                                        <p:tgtEl>
+                                          <p:spTgt spid="16"/>
+                                        </p:tgtEl>
+                                        <p:attrNameLst>
+                                          <p:attrName>style.visibility</p:attrName>
+                                        </p:attrNameLst>
+                                      </p:cBhvr>
+                                      <p:to>
+                                        <p:strVal val="visible"/>
+                                      </p:to>
+                                    </p:set>
+                                    <p:animEffect transition="in" filter="fade">
+                                      <p:cBhvr>
+                                        <p:cTn id="13" dur="500"/>
+                                        <p:tgtEl>
+                                          <p:spTgt spid="16"/>
+                                        </p:tgtEl>
+                                      </p:cBhvr>
+                                    </p:animEffect>
+                                  </p:childTnLst>
+                                </p:cTn>
+                              </p:par>
+                              <p:par>
+                                <p:cTn id="14" presetID="35" presetClass="path" presetSubtype="0" accel="50000" decel="50000" fill="hold" grpId="1" nodeType="withEffect">
+                                  <p:stCondLst>
+                                    <p:cond delay="0"/>
+                                  </p:stCondLst>
+                                  <p:childTnLst>
+                                    <p:animMotion origin="layout" path="M 3.88889E-6 -8.83646E-7 L 0.04323 0.00069 " pathEditMode="relative" rAng="0" ptsTypes="AA">
+                                      <p:cBhvr>
+                                        <p:cTn id="15" dur="2000" spd="-100000" fill="hold"/>
+                                        <p:tgtEl>
+                                          <p:spTgt spid="16"/>
+                                        </p:tgtEl>
+                                        <p:attrNameLst>
+                                          <p:attrName>ppt_x</p:attrName>
+                                          <p:attrName>ppt_y</p:attrName>
+                                        </p:attrNameLst>
+                                      </p:cBhvr>
+                                      <p:rCtr x="2153" y="23"/>
+                                    </p:animMotion>
+                                  </p:childTnLst>
+                                </p:cTn>
+                              </p:par>
+                            </p:childTnLst>
+                          </p:cTn>
+                        </p:par>
+                        <p:par>
+                          <p:cTn id="16" fill="hold">
+                            <p:stCondLst>
+                              <p:cond delay="3700"/>
+                            </p:stCondLst>
+                            <p:childTnLst>
+                              <p:par>
+                                <p:cTn id="17" presetID="10" presetClass="entr" presetSubtype="0" fill="hold" grpId="0" nodeType="afterEffect">
+                                  <p:stCondLst>
+                                    <p:cond delay="0"/>
+                                  </p:stCondLst>
+                                  <p:childTnLst>
+                                    <p:set>
+                                      <p:cBhvr>
+                                        <p:cTn id="18" dur="1" fill="hold">
+                                          <p:stCondLst>
+                                            <p:cond delay="0"/>
+                                          </p:stCondLst>
+                                        </p:cTn>
+                                        <p:tgtEl>
+                                          <p:spTgt spid="8"/>
+                                        </p:tgtEl>
+                                        <p:attrNameLst>
+                                          <p:attrName>style.visibility</p:attrName>
+                                        </p:attrNameLst>
+                                      </p:cBhvr>
+                                      <p:to>
+                                        <p:strVal val="visible"/>
+                                      </p:to>
+                                    </p:set>
+                                    <p:animEffect transition="in" filter="fade">
+                                      <p:cBhvr>
+                                        <p:cTn id="19" dur="500"/>
+                                        <p:tgtEl>
+                                          <p:spTgt spid="8"/>
+                                        </p:tgtEl>
+                                      </p:cBhvr>
+                                    </p:animEffect>
+                                  </p:childTnLst>
+                                </p:cTn>
+                              </p:par>
+                              <p:par>
+                                <p:cTn id="20" presetID="35" presetClass="path" presetSubtype="0" accel="50000" decel="50000" fill="hold" grpId="1" nodeType="withEffect">
+                                  <p:stCondLst>
+                                    <p:cond delay="0"/>
+                                  </p:stCondLst>
+                                  <p:childTnLst>
+                                    <p:animMotion origin="layout" path="M 3.88889E-6 -8.83646E-7 L 0.04323 0.00069 " pathEditMode="relative" rAng="0" ptsTypes="AA">
+                                      <p:cBhvr>
+                                        <p:cTn id="21" dur="2000" spd="-100000" fill="hold"/>
+                                        <p:tgtEl>
+                                          <p:spTgt spid="8"/>
+                                        </p:tgtEl>
+                                        <p:attrNameLst>
+                                          <p:attrName>ppt_x</p:attrName>
+                                          <p:attrName>ppt_y</p:attrName>
+                                        </p:attrNameLst>
+                                      </p:cBhvr>
+                                      <p:rCtr x="2153" y="23"/>
+                                    </p:animMotion>
+                                  </p:childTnLst>
+                                </p:cTn>
+                              </p:par>
+                            </p:childTnLst>
+                          </p:cTn>
+                        </p:par>
+                        <p:par>
+                          <p:cTn id="22" fill="hold">
+                            <p:stCondLst>
+                              <p:cond delay="5700"/>
+                            </p:stCondLst>
+                            <p:childTnLst>
+                              <p:par>
+                                <p:cTn id="23" presetID="10" presetClass="entr" presetSubtype="0" fill="hold" nodeType="afterEffect">
+                                  <p:stCondLst>
+                                    <p:cond delay="0"/>
+                                  </p:stCondLst>
+                                  <p:childTnLst>
+                                    <p:set>
+                                      <p:cBhvr>
+                                        <p:cTn id="24" dur="1" fill="hold">
+                                          <p:stCondLst>
+                                            <p:cond delay="0"/>
+                                          </p:stCondLst>
+                                        </p:cTn>
+                                        <p:tgtEl>
+                                          <p:spTgt spid="4"/>
+                                        </p:tgtEl>
+                                        <p:attrNameLst>
+                                          <p:attrName>style.visibility</p:attrName>
+                                        </p:attrNameLst>
+                                      </p:cBhvr>
+                                      <p:to>
+                                        <p:strVal val="visible"/>
+                                      </p:to>
+                                    </p:set>
+                                    <p:animEffect transition="in" filter="fade">
+                                      <p:cBhvr>
+                                        <p:cTn id="25" dur="500"/>
+                                        <p:tgtEl>
+                                          <p:spTgt spid="4"/>
+                                        </p:tgtEl>
+                                      </p:cBhvr>
+                                    </p:animEffect>
+                                  </p:childTnLst>
+                                </p:cTn>
+                              </p:par>
+                              <p:par>
+                                <p:cTn id="26" presetID="35" presetClass="path" presetSubtype="0" accel="50000" decel="50000" fill="hold" nodeType="withEffect">
+                                  <p:stCondLst>
+                                    <p:cond delay="0"/>
+                                  </p:stCondLst>
+                                  <p:childTnLst>
+                                    <p:animMotion origin="layout" path="M 3.88889E-6 -8.83646E-7 L 0.04323 0.00069 " pathEditMode="relative" rAng="0" ptsTypes="AA">
+                                      <p:cBhvr>
+                                        <p:cTn id="27" dur="2000" spd="-100000" fill="hold"/>
+                                        <p:tgtEl>
+                                          <p:spTgt spid="4"/>
+                                        </p:tgtEl>
+                                        <p:attrNameLst>
+                                          <p:attrName>ppt_x</p:attrName>
+                                          <p:attrName>ppt_y</p:attrName>
+                                        </p:attrNameLst>
+                                      </p:cBhvr>
+                                      <p:rCtr x="2153" y="23"/>
+                                    </p:animMotion>
+                                  </p:childTnLst>
+                                </p:cTn>
+                              </p:par>
+                            </p:childTnLst>
+                          </p:cTn>
+                        </p:par>
+                        <p:par>
+                          <p:cTn id="28" fill="hold">
+                            <p:stCondLst>
+                              <p:cond delay="7700"/>
+                            </p:stCondLst>
+                            <p:childTnLst>
+                              <p:par>
+                                <p:cTn id="29" presetID="10" presetClass="entr" presetSubtype="0" fill="hold" nodeType="afterEffect">
+                                  <p:stCondLst>
+                                    <p:cond delay="0"/>
+                                  </p:stCondLst>
+                                  <p:childTnLst>
+                                    <p:set>
+                                      <p:cBhvr>
+                                        <p:cTn id="30" dur="1" fill="hold">
+                                          <p:stCondLst>
+                                            <p:cond delay="0"/>
+                                          </p:stCondLst>
+                                        </p:cTn>
+                                        <p:tgtEl>
+                                          <p:spTgt spid="5"/>
+                                        </p:tgtEl>
+                                        <p:attrNameLst>
+                                          <p:attrName>style.visibility</p:attrName>
+                                        </p:attrNameLst>
+                                      </p:cBhvr>
+                                      <p:to>
+                                        <p:strVal val="visible"/>
+                                      </p:to>
+                                    </p:set>
+                                    <p:animEffect transition="in" filter="fade">
+                                      <p:cBhvr>
+                                        <p:cTn id="31" dur="500"/>
+                                        <p:tgtEl>
+                                          <p:spTgt spid="5"/>
+                                        </p:tgtEl>
+                                      </p:cBhvr>
+                                    </p:animEffect>
+                                  </p:childTnLst>
+                                </p:cTn>
+                              </p:par>
+                              <p:par>
+                                <p:cTn id="32" presetID="35" presetClass="path" presetSubtype="0" accel="50000" decel="50000" fill="hold" nodeType="withEffect">
+                                  <p:stCondLst>
+                                    <p:cond delay="0"/>
+                                  </p:stCondLst>
+                                  <p:childTnLst>
+                                    <p:animMotion origin="layout" path="M 3.88889E-6 -8.83646E-7 L 0.04323 0.00069 " pathEditMode="relative" rAng="0" ptsTypes="AA">
+                                      <p:cBhvr>
+                                        <p:cTn id="33" dur="2000" spd="-100000" fill="hold"/>
+                                        <p:tgtEl>
+                                          <p:spTgt spid="5"/>
+                                        </p:tgtEl>
+                                        <p:attrNameLst>
+                                          <p:attrName>ppt_x</p:attrName>
+                                          <p:attrName>ppt_y</p:attrName>
+                                        </p:attrNameLst>
+                                      </p:cBhvr>
+                                      <p:rCtr x="2153" y="23"/>
+                                    </p:animMotion>
+                                  </p:childTnLst>
+                                </p:cTn>
+                              </p:par>
+                            </p:childTnLst>
+                          </p:cTn>
+                        </p:par>
+                        <p:par>
+                          <p:cTn id="34" fill="hold">
+                            <p:stCondLst>
+                              <p:cond delay="9700"/>
+                            </p:stCondLst>
+                            <p:childTnLst>
+                              <p:par>
+                                <p:cTn id="35" presetID="10" presetClass="entr" presetSubtype="0" fill="hold" nodeType="afterEffect">
+                                  <p:stCondLst>
+                                    <p:cond delay="0"/>
+                                  </p:stCondLst>
+                                  <p:childTnLst>
+                                    <p:set>
+                                      <p:cBhvr>
+                                        <p:cTn id="36" dur="1" fill="hold">
+                                          <p:stCondLst>
+                                            <p:cond delay="0"/>
+                                          </p:stCondLst>
+                                        </p:cTn>
+                                        <p:tgtEl>
+                                          <p:spTgt spid="6"/>
+                                        </p:tgtEl>
+                                        <p:attrNameLst>
+                                          <p:attrName>style.visibility</p:attrName>
+                                        </p:attrNameLst>
+                                      </p:cBhvr>
+                                      <p:to>
+                                        <p:strVal val="visible"/>
+                                      </p:to>
+                                    </p:set>
+                                    <p:animEffect transition="in" filter="fade">
+                                      <p:cBhvr>
+                                        <p:cTn id="37" dur="500"/>
+                                        <p:tgtEl>
+                                          <p:spTgt spid="6"/>
+                                        </p:tgtEl>
+                                      </p:cBhvr>
+                                    </p:animEffect>
+                                  </p:childTnLst>
+                                </p:cTn>
+                              </p:par>
+                              <p:par>
+                                <p:cTn id="38" presetID="35" presetClass="path" presetSubtype="0" accel="50000" decel="50000" fill="hold" nodeType="withEffect">
+                                  <p:stCondLst>
+                                    <p:cond delay="0"/>
+                                  </p:stCondLst>
+                                  <p:childTnLst>
+                                    <p:animMotion origin="layout" path="M 3.88889E-6 -8.83646E-7 L 0.04323 0.00069 " pathEditMode="relative" rAng="0" ptsTypes="AA">
+                                      <p:cBhvr>
+                                        <p:cTn id="39" dur="2000" spd="-100000" fill="hold"/>
+                                        <p:tgtEl>
+                                          <p:spTgt spid="6"/>
+                                        </p:tgtEl>
+                                        <p:attrNameLst>
+                                          <p:attrName>ppt_x</p:attrName>
+                                          <p:attrName>ppt_y</p:attrName>
+                                        </p:attrNameLst>
+                                      </p:cBhvr>
+                                      <p:rCtr x="2153" y="23"/>
+                                    </p:animMotion>
+                                  </p:childTnLst>
+                                </p:cTn>
+                              </p:par>
+                            </p:childTnLst>
+                          </p:cTn>
+                        </p:par>
+                      </p:childTnLst>
+                    </p:cTn>
+                  </p:par>
+                </p:childTnLst>
+              </p:cTn>
+              <p:prevCondLst>
+                <p:cond evt="onPrev" delay="0">
+                  <p:tgtEl>
+                    <p:sldTgt/>
+                  </p:tgtEl>
+                </p:cond>
+              </p:prevCondLst>
+              <p:nextCondLst>
+                <p:cond evt="onNext" delay="0">
+                  <p:tgtEl>
+                    <p:sldTgt/>
+                  </p:tgtEl>
+                </p:cond>
+              </p:nextCondLst>
+            </p:seq>
+          </p:childTnLst>
+        </p:cTn>
       </p:par>
     </p:tnLst>
+    <p:bldLst>
+      <p:bldP spid="3" grpId="0"/>
+      <p:bldP spid="3" grpId="1"/>
+      <p:bldP spid="8" grpId="0" animBg="1"/>
+      <p:bldP spid="8" grpId="1" animBg="1"/>
+      <p:bldP spid="16" grpId="0" animBg="1"/>
+      <p:bldP spid="16" grpId="1" animBg="1"/>
+    </p:bldLst>
   </p:timing>
 </p:sld>
 </file>

--- a/Programming Made Easy.pptx
+++ b/Programming Made Easy.pptx
@@ -7,7 +7,7 @@
   <p:sldIdLst>
     <p:sldId id="256" r:id="rId2"/>
     <p:sldId id="257" r:id="rId3"/>
-    <p:sldId id="258" r:id="rId4"/>
+    <p:sldId id="259" r:id="rId4"/>
   </p:sldIdLst>
   <p:sldSz cx="9144000" cy="6858000" type="screen4x3"/>
   <p:notesSz cx="6858000" cy="9144000"/>
@@ -569,21 +569,21 @@
           <a:p>
             <a:pPr lvl="0"/>
             <a:r>
-              <a:rPr lang="en-US" smtClean="0"/>
+              <a:rPr lang="en-US" dirty="0" smtClean="0"/>
               <a:t>Click to edit Master text styles</a:t>
             </a:r>
           </a:p>
           <a:p>
             <a:pPr lvl="1"/>
             <a:r>
-              <a:rPr lang="en-US" smtClean="0"/>
+              <a:rPr lang="en-US" dirty="0" smtClean="0"/>
               <a:t>Second level</a:t>
             </a:r>
           </a:p>
           <a:p>
             <a:pPr lvl="2"/>
             <a:r>
-              <a:rPr lang="en-US" smtClean="0"/>
+              <a:rPr lang="en-US" dirty="0" smtClean="0"/>
               <a:t>Third level</a:t>
             </a:r>
           </a:p>
@@ -680,7 +680,7 @@
           </a:lstStyle>
           <a:p>
             <a:r>
-              <a:rPr lang="en-US" smtClean="0"/>
+              <a:rPr lang="en-US" dirty="0" smtClean="0"/>
               <a:t>Click to edit Master title style</a:t>
             </a:r>
             <a:endParaRPr lang="en-GB" dirty="0"/>
@@ -1231,6 +1231,1610 @@
 </file>
 
 <file path=ppt/slideLayouts/slideLayout3.xml><?xml version="1.0" encoding="utf-8"?>
+<p:sldLayout xmlns:a="http://schemas.openxmlformats.org/drawingml/2006/main" xmlns:r="http://schemas.openxmlformats.org/officeDocument/2006/relationships" xmlns:p="http://schemas.openxmlformats.org/presentationml/2006/main" preserve="1" userDrawn="1">
+  <p:cSld name="Tiles">
+    <p:spTree>
+      <p:nvGrpSpPr>
+        <p:cNvPr id="1" name=""/>
+        <p:cNvGrpSpPr/>
+        <p:nvPr/>
+      </p:nvGrpSpPr>
+      <p:grpSpPr>
+        <a:xfrm>
+          <a:off x="0" y="0"/>
+          <a:ext cx="0" cy="0"/>
+          <a:chOff x="0" y="0"/>
+          <a:chExt cx="0" cy="0"/>
+        </a:xfrm>
+      </p:grpSpPr>
+      <p:sp>
+        <p:nvSpPr>
+          <p:cNvPr id="6" name="Rectangle 5"/>
+          <p:cNvSpPr/>
+          <p:nvPr/>
+        </p:nvSpPr>
+        <p:spPr>
+          <a:xfrm>
+            <a:off x="0" y="260648"/>
+            <a:ext cx="179512" cy="792088"/>
+          </a:xfrm>
+          <a:prstGeom prst="rect">
+            <a:avLst/>
+          </a:prstGeom>
+          <a:gradFill>
+            <a:gsLst>
+              <a:gs pos="0">
+                <a:srgbClr val="51B7FB">
+                  <a:lumMod val="69000"/>
+                  <a:lumOff val="31000"/>
+                </a:srgbClr>
+              </a:gs>
+              <a:gs pos="100000">
+                <a:srgbClr val="0597FA">
+                  <a:lumMod val="80000"/>
+                </a:srgbClr>
+              </a:gs>
+            </a:gsLst>
+            <a:lin ang="5400000" scaled="0"/>
+          </a:gradFill>
+          <a:ln>
+            <a:noFill/>
+          </a:ln>
+        </p:spPr>
+        <p:style>
+          <a:lnRef idx="2">
+            <a:schemeClr val="accent1">
+              <a:shade val="50000"/>
+            </a:schemeClr>
+          </a:lnRef>
+          <a:fillRef idx="1">
+            <a:schemeClr val="accent1"/>
+          </a:fillRef>
+          <a:effectRef idx="0">
+            <a:schemeClr val="accent1"/>
+          </a:effectRef>
+          <a:fontRef idx="minor">
+            <a:schemeClr val="lt1"/>
+          </a:fontRef>
+        </p:style>
+        <p:txBody>
+          <a:bodyPr rtlCol="0" anchor="ctr"/>
+          <a:lstStyle/>
+          <a:p>
+            <a:pPr algn="ctr"/>
+            <a:endParaRPr lang="en-GB">
+              <a:latin typeface="Segoe WP" pitchFamily="34" charset="0"/>
+            </a:endParaRPr>
+          </a:p>
+        </p:txBody>
+      </p:sp>
+      <p:sp>
+        <p:nvSpPr>
+          <p:cNvPr id="7" name="Title 1"/>
+          <p:cNvSpPr>
+            <a:spLocks noGrp="1"/>
+          </p:cNvSpPr>
+          <p:nvPr>
+            <p:ph type="title"/>
+          </p:nvPr>
+        </p:nvSpPr>
+        <p:spPr>
+          <a:xfrm>
+            <a:off x="323528" y="260648"/>
+            <a:ext cx="6480720" cy="778098"/>
+          </a:xfrm>
+          <a:prstGeom prst="rect">
+            <a:avLst/>
+          </a:prstGeom>
+        </p:spPr>
+        <p:txBody>
+          <a:bodyPr anchor="ctr"/>
+          <a:lstStyle>
+            <a:lvl1pPr>
+              <a:defRPr>
+                <a:latin typeface="Segoe UI Light" pitchFamily="34" charset="0"/>
+              </a:defRPr>
+            </a:lvl1pPr>
+          </a:lstStyle>
+          <a:p>
+            <a:r>
+              <a:rPr lang="en-US" dirty="0" smtClean="0"/>
+              <a:t>Click to edit Master title style</a:t>
+            </a:r>
+            <a:endParaRPr lang="en-GB" dirty="0"/>
+          </a:p>
+        </p:txBody>
+      </p:sp>
+      <p:sp>
+        <p:nvSpPr>
+          <p:cNvPr id="4" name="Text 1"/>
+          <p:cNvSpPr>
+            <a:spLocks noGrp="1"/>
+          </p:cNvSpPr>
+          <p:nvPr>
+            <p:ph sz="quarter" idx="10"/>
+          </p:nvPr>
+        </p:nvSpPr>
+        <p:spPr>
+          <a:xfrm>
+            <a:off x="323528" y="1628800"/>
+            <a:ext cx="3095625" cy="1368425"/>
+          </a:xfrm>
+          <a:prstGeom prst="rect">
+            <a:avLst/>
+          </a:prstGeom>
+          <a:solidFill>
+            <a:schemeClr val="accent1"/>
+          </a:solidFill>
+        </p:spPr>
+        <p:txBody>
+          <a:bodyPr/>
+          <a:lstStyle>
+            <a:lvl1pPr marL="0" indent="0">
+              <a:buNone/>
+              <a:defRPr lang="en-US" sz="3200" kern="1200" dirty="0" smtClean="0">
+                <a:solidFill>
+                  <a:schemeClr val="bg1"/>
+                </a:solidFill>
+                <a:latin typeface="Segoe UI Light" pitchFamily="34" charset="0"/>
+                <a:ea typeface="Segoe UI" pitchFamily="34" charset="0"/>
+                <a:cs typeface="Segoe UI" pitchFamily="34" charset="0"/>
+              </a:defRPr>
+            </a:lvl1pPr>
+            <a:lvl2pPr>
+              <a:defRPr lang="en-US" sz="3200" kern="1200" dirty="0" smtClean="0">
+                <a:solidFill>
+                  <a:schemeClr val="bg1"/>
+                </a:solidFill>
+                <a:latin typeface="Segoe UI Light" pitchFamily="34" charset="0"/>
+                <a:ea typeface="Segoe UI" pitchFamily="34" charset="0"/>
+                <a:cs typeface="Segoe UI" pitchFamily="34" charset="0"/>
+              </a:defRPr>
+            </a:lvl2pPr>
+            <a:lvl3pPr>
+              <a:defRPr lang="en-US" sz="3200" kern="1200" dirty="0" smtClean="0">
+                <a:solidFill>
+                  <a:schemeClr val="bg1"/>
+                </a:solidFill>
+                <a:latin typeface="Segoe UI Light" pitchFamily="34" charset="0"/>
+                <a:ea typeface="Segoe UI" pitchFamily="34" charset="0"/>
+                <a:cs typeface="Segoe UI" pitchFamily="34" charset="0"/>
+              </a:defRPr>
+            </a:lvl3pPr>
+            <a:lvl4pPr>
+              <a:defRPr lang="en-US" sz="3200" kern="1200" dirty="0" smtClean="0">
+                <a:solidFill>
+                  <a:schemeClr val="bg1"/>
+                </a:solidFill>
+                <a:latin typeface="Segoe UI Light" pitchFamily="34" charset="0"/>
+                <a:ea typeface="Segoe UI" pitchFamily="34" charset="0"/>
+                <a:cs typeface="Segoe UI" pitchFamily="34" charset="0"/>
+              </a:defRPr>
+            </a:lvl4pPr>
+            <a:lvl5pPr>
+              <a:defRPr lang="en-CA" sz="3200" kern="1200" dirty="0">
+                <a:solidFill>
+                  <a:schemeClr val="bg1"/>
+                </a:solidFill>
+                <a:latin typeface="Segoe UI Light" pitchFamily="34" charset="0"/>
+                <a:ea typeface="Segoe UI" pitchFamily="34" charset="0"/>
+                <a:cs typeface="Segoe UI" pitchFamily="34" charset="0"/>
+              </a:defRPr>
+            </a:lvl5pPr>
+          </a:lstStyle>
+          <a:p>
+            <a:pPr lvl="0"/>
+            <a:r>
+              <a:rPr lang="en-US" dirty="0" smtClean="0"/>
+              <a:t>Click to edit Master text styles</a:t>
+            </a:r>
+            <a:endParaRPr lang="en-CA" dirty="0"/>
+          </a:p>
+        </p:txBody>
+      </p:sp>
+      <p:sp>
+        <p:nvSpPr>
+          <p:cNvPr id="9" name="Text 2"/>
+          <p:cNvSpPr>
+            <a:spLocks noGrp="1"/>
+          </p:cNvSpPr>
+          <p:nvPr>
+            <p:ph sz="quarter" idx="11"/>
+          </p:nvPr>
+        </p:nvSpPr>
+        <p:spPr>
+          <a:xfrm>
+            <a:off x="3563888" y="1628800"/>
+            <a:ext cx="3095625" cy="1368425"/>
+          </a:xfrm>
+          <a:prstGeom prst="rect">
+            <a:avLst/>
+          </a:prstGeom>
+          <a:solidFill>
+            <a:schemeClr val="accent2"/>
+          </a:solidFill>
+        </p:spPr>
+        <p:txBody>
+          <a:bodyPr/>
+          <a:lstStyle>
+            <a:lvl1pPr marL="0" indent="0">
+              <a:buNone/>
+              <a:defRPr lang="en-US" sz="3200" kern="1200" dirty="0" smtClean="0">
+                <a:solidFill>
+                  <a:schemeClr val="bg1"/>
+                </a:solidFill>
+                <a:latin typeface="Segoe UI Light" pitchFamily="34" charset="0"/>
+                <a:ea typeface="Segoe UI" pitchFamily="34" charset="0"/>
+                <a:cs typeface="Segoe UI" pitchFamily="34" charset="0"/>
+              </a:defRPr>
+            </a:lvl1pPr>
+            <a:lvl2pPr>
+              <a:defRPr lang="en-US" sz="3200" kern="1200" dirty="0" smtClean="0">
+                <a:solidFill>
+                  <a:schemeClr val="bg1"/>
+                </a:solidFill>
+                <a:latin typeface="Segoe UI Light" pitchFamily="34" charset="0"/>
+                <a:ea typeface="Segoe UI" pitchFamily="34" charset="0"/>
+                <a:cs typeface="Segoe UI" pitchFamily="34" charset="0"/>
+              </a:defRPr>
+            </a:lvl2pPr>
+            <a:lvl3pPr>
+              <a:defRPr lang="en-US" sz="3200" kern="1200" dirty="0" smtClean="0">
+                <a:solidFill>
+                  <a:schemeClr val="bg1"/>
+                </a:solidFill>
+                <a:latin typeface="Segoe UI Light" pitchFamily="34" charset="0"/>
+                <a:ea typeface="Segoe UI" pitchFamily="34" charset="0"/>
+                <a:cs typeface="Segoe UI" pitchFamily="34" charset="0"/>
+              </a:defRPr>
+            </a:lvl3pPr>
+            <a:lvl4pPr>
+              <a:defRPr lang="en-US" sz="3200" kern="1200" dirty="0" smtClean="0">
+                <a:solidFill>
+                  <a:schemeClr val="bg1"/>
+                </a:solidFill>
+                <a:latin typeface="Segoe UI Light" pitchFamily="34" charset="0"/>
+                <a:ea typeface="Segoe UI" pitchFamily="34" charset="0"/>
+                <a:cs typeface="Segoe UI" pitchFamily="34" charset="0"/>
+              </a:defRPr>
+            </a:lvl4pPr>
+            <a:lvl5pPr>
+              <a:defRPr lang="en-CA" sz="3200" kern="1200" dirty="0">
+                <a:solidFill>
+                  <a:schemeClr val="bg1"/>
+                </a:solidFill>
+                <a:latin typeface="Segoe UI Light" pitchFamily="34" charset="0"/>
+                <a:ea typeface="Segoe UI" pitchFamily="34" charset="0"/>
+                <a:cs typeface="Segoe UI" pitchFamily="34" charset="0"/>
+              </a:defRPr>
+            </a:lvl5pPr>
+          </a:lstStyle>
+          <a:p>
+            <a:pPr lvl="0"/>
+            <a:r>
+              <a:rPr lang="en-US" dirty="0" smtClean="0"/>
+              <a:t>Click to edit Master text styles</a:t>
+            </a:r>
+            <a:endParaRPr lang="en-CA" dirty="0"/>
+          </a:p>
+        </p:txBody>
+      </p:sp>
+      <p:sp>
+        <p:nvSpPr>
+          <p:cNvPr id="10" name="Text 3"/>
+          <p:cNvSpPr>
+            <a:spLocks noGrp="1"/>
+          </p:cNvSpPr>
+          <p:nvPr>
+            <p:ph sz="quarter" idx="12"/>
+          </p:nvPr>
+        </p:nvSpPr>
+        <p:spPr>
+          <a:xfrm>
+            <a:off x="323528" y="3140968"/>
+            <a:ext cx="3095625" cy="1368425"/>
+          </a:xfrm>
+          <a:prstGeom prst="rect">
+            <a:avLst/>
+          </a:prstGeom>
+          <a:solidFill>
+            <a:schemeClr val="accent3"/>
+          </a:solidFill>
+        </p:spPr>
+        <p:txBody>
+          <a:bodyPr/>
+          <a:lstStyle>
+            <a:lvl1pPr marL="0" indent="0">
+              <a:buNone/>
+              <a:defRPr lang="en-US" sz="3200" kern="1200" dirty="0" smtClean="0">
+                <a:solidFill>
+                  <a:schemeClr val="bg1"/>
+                </a:solidFill>
+                <a:latin typeface="Segoe UI Light" pitchFamily="34" charset="0"/>
+                <a:ea typeface="Segoe UI" pitchFamily="34" charset="0"/>
+                <a:cs typeface="Segoe UI" pitchFamily="34" charset="0"/>
+              </a:defRPr>
+            </a:lvl1pPr>
+            <a:lvl2pPr>
+              <a:defRPr lang="en-US" sz="3200" kern="1200" dirty="0" smtClean="0">
+                <a:solidFill>
+                  <a:schemeClr val="bg1"/>
+                </a:solidFill>
+                <a:latin typeface="Segoe UI Light" pitchFamily="34" charset="0"/>
+                <a:ea typeface="Segoe UI" pitchFamily="34" charset="0"/>
+                <a:cs typeface="Segoe UI" pitchFamily="34" charset="0"/>
+              </a:defRPr>
+            </a:lvl2pPr>
+            <a:lvl3pPr>
+              <a:defRPr lang="en-US" sz="3200" kern="1200" dirty="0" smtClean="0">
+                <a:solidFill>
+                  <a:schemeClr val="bg1"/>
+                </a:solidFill>
+                <a:latin typeface="Segoe UI Light" pitchFamily="34" charset="0"/>
+                <a:ea typeface="Segoe UI" pitchFamily="34" charset="0"/>
+                <a:cs typeface="Segoe UI" pitchFamily="34" charset="0"/>
+              </a:defRPr>
+            </a:lvl3pPr>
+            <a:lvl4pPr>
+              <a:defRPr lang="en-US" sz="3200" kern="1200" dirty="0" smtClean="0">
+                <a:solidFill>
+                  <a:schemeClr val="bg1"/>
+                </a:solidFill>
+                <a:latin typeface="Segoe UI Light" pitchFamily="34" charset="0"/>
+                <a:ea typeface="Segoe UI" pitchFamily="34" charset="0"/>
+                <a:cs typeface="Segoe UI" pitchFamily="34" charset="0"/>
+              </a:defRPr>
+            </a:lvl4pPr>
+            <a:lvl5pPr>
+              <a:defRPr lang="en-CA" sz="3200" kern="1200" dirty="0">
+                <a:solidFill>
+                  <a:schemeClr val="bg1"/>
+                </a:solidFill>
+                <a:latin typeface="Segoe UI Light" pitchFamily="34" charset="0"/>
+                <a:ea typeface="Segoe UI" pitchFamily="34" charset="0"/>
+                <a:cs typeface="Segoe UI" pitchFamily="34" charset="0"/>
+              </a:defRPr>
+            </a:lvl5pPr>
+          </a:lstStyle>
+          <a:p>
+            <a:pPr lvl="0"/>
+            <a:r>
+              <a:rPr lang="en-US" dirty="0" smtClean="0"/>
+              <a:t>Click to edit Master text styles</a:t>
+            </a:r>
+            <a:endParaRPr lang="en-CA" dirty="0"/>
+          </a:p>
+        </p:txBody>
+      </p:sp>
+      <p:sp>
+        <p:nvSpPr>
+          <p:cNvPr id="11" name="Text 5"/>
+          <p:cNvSpPr>
+            <a:spLocks noGrp="1"/>
+          </p:cNvSpPr>
+          <p:nvPr>
+            <p:ph sz="quarter" idx="13"/>
+          </p:nvPr>
+        </p:nvSpPr>
+        <p:spPr>
+          <a:xfrm>
+            <a:off x="323528" y="4653136"/>
+            <a:ext cx="3095625" cy="1368425"/>
+          </a:xfrm>
+          <a:prstGeom prst="rect">
+            <a:avLst/>
+          </a:prstGeom>
+          <a:solidFill>
+            <a:schemeClr val="accent5"/>
+          </a:solidFill>
+        </p:spPr>
+        <p:txBody>
+          <a:bodyPr/>
+          <a:lstStyle>
+            <a:lvl1pPr marL="0" indent="0">
+              <a:buNone/>
+              <a:defRPr lang="en-US" sz="3200" kern="1200" dirty="0" smtClean="0">
+                <a:solidFill>
+                  <a:schemeClr val="bg1"/>
+                </a:solidFill>
+                <a:latin typeface="Segoe UI Light" pitchFamily="34" charset="0"/>
+                <a:ea typeface="Segoe UI" pitchFamily="34" charset="0"/>
+                <a:cs typeface="Segoe UI" pitchFamily="34" charset="0"/>
+              </a:defRPr>
+            </a:lvl1pPr>
+            <a:lvl2pPr>
+              <a:defRPr lang="en-US" sz="3200" kern="1200" dirty="0" smtClean="0">
+                <a:solidFill>
+                  <a:schemeClr val="bg1"/>
+                </a:solidFill>
+                <a:latin typeface="Segoe UI Light" pitchFamily="34" charset="0"/>
+                <a:ea typeface="Segoe UI" pitchFamily="34" charset="0"/>
+                <a:cs typeface="Segoe UI" pitchFamily="34" charset="0"/>
+              </a:defRPr>
+            </a:lvl2pPr>
+            <a:lvl3pPr>
+              <a:defRPr lang="en-US" sz="3200" kern="1200" dirty="0" smtClean="0">
+                <a:solidFill>
+                  <a:schemeClr val="bg1"/>
+                </a:solidFill>
+                <a:latin typeface="Segoe UI Light" pitchFamily="34" charset="0"/>
+                <a:ea typeface="Segoe UI" pitchFamily="34" charset="0"/>
+                <a:cs typeface="Segoe UI" pitchFamily="34" charset="0"/>
+              </a:defRPr>
+            </a:lvl3pPr>
+            <a:lvl4pPr>
+              <a:defRPr lang="en-US" sz="3200" kern="1200" dirty="0" smtClean="0">
+                <a:solidFill>
+                  <a:schemeClr val="bg1"/>
+                </a:solidFill>
+                <a:latin typeface="Segoe UI Light" pitchFamily="34" charset="0"/>
+                <a:ea typeface="Segoe UI" pitchFamily="34" charset="0"/>
+                <a:cs typeface="Segoe UI" pitchFamily="34" charset="0"/>
+              </a:defRPr>
+            </a:lvl4pPr>
+            <a:lvl5pPr>
+              <a:defRPr lang="en-CA" sz="3200" kern="1200" dirty="0">
+                <a:solidFill>
+                  <a:schemeClr val="bg1"/>
+                </a:solidFill>
+                <a:latin typeface="Segoe UI Light" pitchFamily="34" charset="0"/>
+                <a:ea typeface="Segoe UI" pitchFamily="34" charset="0"/>
+                <a:cs typeface="Segoe UI" pitchFamily="34" charset="0"/>
+              </a:defRPr>
+            </a:lvl5pPr>
+          </a:lstStyle>
+          <a:p>
+            <a:pPr lvl="0"/>
+            <a:r>
+              <a:rPr lang="en-US" dirty="0" smtClean="0"/>
+              <a:t>Click to edit Master text styles</a:t>
+            </a:r>
+            <a:endParaRPr lang="en-CA" dirty="0"/>
+          </a:p>
+        </p:txBody>
+      </p:sp>
+      <p:sp>
+        <p:nvSpPr>
+          <p:cNvPr id="12" name="Text 6"/>
+          <p:cNvSpPr>
+            <a:spLocks noGrp="1"/>
+          </p:cNvSpPr>
+          <p:nvPr>
+            <p:ph sz="quarter" idx="14"/>
+          </p:nvPr>
+        </p:nvSpPr>
+        <p:spPr>
+          <a:xfrm>
+            <a:off x="3563888" y="4653136"/>
+            <a:ext cx="3095625" cy="1368425"/>
+          </a:xfrm>
+          <a:prstGeom prst="rect">
+            <a:avLst/>
+          </a:prstGeom>
+          <a:solidFill>
+            <a:schemeClr val="accent6"/>
+          </a:solidFill>
+        </p:spPr>
+        <p:txBody>
+          <a:bodyPr/>
+          <a:lstStyle>
+            <a:lvl1pPr marL="0" indent="0">
+              <a:buNone/>
+              <a:defRPr lang="en-US" sz="3200" kern="1200" dirty="0" smtClean="0">
+                <a:solidFill>
+                  <a:schemeClr val="bg1"/>
+                </a:solidFill>
+                <a:latin typeface="Segoe UI Light" pitchFamily="34" charset="0"/>
+                <a:ea typeface="Segoe UI" pitchFamily="34" charset="0"/>
+                <a:cs typeface="Segoe UI" pitchFamily="34" charset="0"/>
+              </a:defRPr>
+            </a:lvl1pPr>
+            <a:lvl2pPr>
+              <a:defRPr lang="en-US" sz="3200" kern="1200" dirty="0" smtClean="0">
+                <a:solidFill>
+                  <a:schemeClr val="bg1"/>
+                </a:solidFill>
+                <a:latin typeface="Segoe UI Light" pitchFamily="34" charset="0"/>
+                <a:ea typeface="Segoe UI" pitchFamily="34" charset="0"/>
+                <a:cs typeface="Segoe UI" pitchFamily="34" charset="0"/>
+              </a:defRPr>
+            </a:lvl2pPr>
+            <a:lvl3pPr>
+              <a:defRPr lang="en-US" sz="3200" kern="1200" dirty="0" smtClean="0">
+                <a:solidFill>
+                  <a:schemeClr val="bg1"/>
+                </a:solidFill>
+                <a:latin typeface="Segoe UI Light" pitchFamily="34" charset="0"/>
+                <a:ea typeface="Segoe UI" pitchFamily="34" charset="0"/>
+                <a:cs typeface="Segoe UI" pitchFamily="34" charset="0"/>
+              </a:defRPr>
+            </a:lvl3pPr>
+            <a:lvl4pPr>
+              <a:defRPr lang="en-US" sz="3200" kern="1200" dirty="0" smtClean="0">
+                <a:solidFill>
+                  <a:schemeClr val="bg1"/>
+                </a:solidFill>
+                <a:latin typeface="Segoe UI Light" pitchFamily="34" charset="0"/>
+                <a:ea typeface="Segoe UI" pitchFamily="34" charset="0"/>
+                <a:cs typeface="Segoe UI" pitchFamily="34" charset="0"/>
+              </a:defRPr>
+            </a:lvl4pPr>
+            <a:lvl5pPr>
+              <a:defRPr lang="en-CA" sz="3200" kern="1200" dirty="0">
+                <a:solidFill>
+                  <a:schemeClr val="bg1"/>
+                </a:solidFill>
+                <a:latin typeface="Segoe UI Light" pitchFamily="34" charset="0"/>
+                <a:ea typeface="Segoe UI" pitchFamily="34" charset="0"/>
+                <a:cs typeface="Segoe UI" pitchFamily="34" charset="0"/>
+              </a:defRPr>
+            </a:lvl5pPr>
+          </a:lstStyle>
+          <a:p>
+            <a:pPr lvl="0"/>
+            <a:r>
+              <a:rPr lang="en-US" dirty="0" smtClean="0"/>
+              <a:t>Click to edit Master text styles</a:t>
+            </a:r>
+            <a:endParaRPr lang="en-CA" dirty="0"/>
+          </a:p>
+        </p:txBody>
+      </p:sp>
+      <p:sp>
+        <p:nvSpPr>
+          <p:cNvPr id="13" name="Text 4"/>
+          <p:cNvSpPr>
+            <a:spLocks noGrp="1"/>
+          </p:cNvSpPr>
+          <p:nvPr>
+            <p:ph sz="quarter" idx="15"/>
+          </p:nvPr>
+        </p:nvSpPr>
+        <p:spPr>
+          <a:xfrm>
+            <a:off x="3563888" y="3140968"/>
+            <a:ext cx="3095625" cy="1368425"/>
+          </a:xfrm>
+          <a:prstGeom prst="rect">
+            <a:avLst/>
+          </a:prstGeom>
+          <a:solidFill>
+            <a:schemeClr val="accent4"/>
+          </a:solidFill>
+        </p:spPr>
+        <p:txBody>
+          <a:bodyPr/>
+          <a:lstStyle>
+            <a:lvl1pPr marL="0" indent="0">
+              <a:buNone/>
+              <a:defRPr lang="en-US" sz="3200" kern="1200" dirty="0" smtClean="0">
+                <a:solidFill>
+                  <a:schemeClr val="bg1"/>
+                </a:solidFill>
+                <a:latin typeface="Segoe UI Light" pitchFamily="34" charset="0"/>
+                <a:ea typeface="Segoe UI" pitchFamily="34" charset="0"/>
+                <a:cs typeface="Segoe UI" pitchFamily="34" charset="0"/>
+              </a:defRPr>
+            </a:lvl1pPr>
+            <a:lvl2pPr>
+              <a:defRPr lang="en-US" sz="3200" kern="1200" dirty="0" smtClean="0">
+                <a:solidFill>
+                  <a:schemeClr val="bg1"/>
+                </a:solidFill>
+                <a:latin typeface="Segoe UI Light" pitchFamily="34" charset="0"/>
+                <a:ea typeface="Segoe UI" pitchFamily="34" charset="0"/>
+                <a:cs typeface="Segoe UI" pitchFamily="34" charset="0"/>
+              </a:defRPr>
+            </a:lvl2pPr>
+            <a:lvl3pPr>
+              <a:defRPr lang="en-US" sz="3200" kern="1200" dirty="0" smtClean="0">
+                <a:solidFill>
+                  <a:schemeClr val="bg1"/>
+                </a:solidFill>
+                <a:latin typeface="Segoe UI Light" pitchFamily="34" charset="0"/>
+                <a:ea typeface="Segoe UI" pitchFamily="34" charset="0"/>
+                <a:cs typeface="Segoe UI" pitchFamily="34" charset="0"/>
+              </a:defRPr>
+            </a:lvl3pPr>
+            <a:lvl4pPr>
+              <a:defRPr lang="en-US" sz="3200" kern="1200" dirty="0" smtClean="0">
+                <a:solidFill>
+                  <a:schemeClr val="bg1"/>
+                </a:solidFill>
+                <a:latin typeface="Segoe UI Light" pitchFamily="34" charset="0"/>
+                <a:ea typeface="Segoe UI" pitchFamily="34" charset="0"/>
+                <a:cs typeface="Segoe UI" pitchFamily="34" charset="0"/>
+              </a:defRPr>
+            </a:lvl4pPr>
+            <a:lvl5pPr>
+              <a:defRPr lang="en-CA" sz="3200" kern="1200" dirty="0">
+                <a:solidFill>
+                  <a:schemeClr val="bg1"/>
+                </a:solidFill>
+                <a:latin typeface="Segoe UI Light" pitchFamily="34" charset="0"/>
+                <a:ea typeface="Segoe UI" pitchFamily="34" charset="0"/>
+                <a:cs typeface="Segoe UI" pitchFamily="34" charset="0"/>
+              </a:defRPr>
+            </a:lvl5pPr>
+          </a:lstStyle>
+          <a:p>
+            <a:pPr lvl="0"/>
+            <a:r>
+              <a:rPr lang="en-US" dirty="0" smtClean="0"/>
+              <a:t>Click to edit Master text styles</a:t>
+            </a:r>
+            <a:endParaRPr lang="en-CA" dirty="0"/>
+          </a:p>
+        </p:txBody>
+      </p:sp>
+    </p:spTree>
+    <p:extLst>
+      <p:ext uri="{BB962C8B-B14F-4D97-AF65-F5344CB8AC3E}">
+        <p14:creationId xmlns:p14="http://schemas.microsoft.com/office/powerpoint/2010/main" val="2080198706"/>
+      </p:ext>
+    </p:extLst>
+  </p:cSld>
+  <p:clrMapOvr>
+    <a:masterClrMapping/>
+  </p:clrMapOvr>
+  <mc:AlternateContent xmlns:mc="http://schemas.openxmlformats.org/markup-compatibility/2006" xmlns:p14="http://schemas.microsoft.com/office/powerpoint/2010/main">
+    <mc:Choice Requires="p14">
+      <p:transition spd="slow" p14:dur="2000"/>
+    </mc:Choice>
+    <mc:Fallback xmlns="">
+      <p:transition spd="slow"/>
+    </mc:Fallback>
+  </mc:AlternateContent>
+  <p:timing>
+    <p:tnLst>
+      <p:par>
+        <p:cTn id="1" dur="indefinite" restart="never" nodeType="tmRoot">
+          <p:childTnLst>
+            <p:seq concurrent="1" nextAc="seek">
+              <p:cTn id="2" dur="indefinite" nodeType="mainSeq">
+                <p:childTnLst>
+                  <p:par>
+                    <p:cTn id="3" fill="hold">
+                      <p:stCondLst>
+                        <p:cond delay="indefinite"/>
+                        <p:cond evt="onBegin" delay="0">
+                          <p:tn val="2"/>
+                        </p:cond>
+                      </p:stCondLst>
+                      <p:childTnLst>
+                        <p:par>
+                          <p:cTn id="4" fill="hold">
+                            <p:stCondLst>
+                              <p:cond delay="0"/>
+                            </p:stCondLst>
+                            <p:childTnLst>
+                              <p:par>
+                                <p:cTn id="5" presetID="42" presetClass="path" presetSubtype="0" accel="50000" decel="50000" fill="hold" grpId="0" nodeType="withEffect">
+                                  <p:stCondLst>
+                                    <p:cond delay="0"/>
+                                  </p:stCondLst>
+                                  <p:childTnLst>
+                                    <p:animMotion origin="layout" path="M 0.02361 0.00625 L 3.05556E-6 0.00625 " pathEditMode="relative" rAng="0" ptsTypes="AA">
+                                      <p:cBhvr>
+                                        <p:cTn id="6" dur="1700" fill="hold"/>
+                                        <p:tgtEl>
+                                          <p:spTgt spid="7"/>
+                                        </p:tgtEl>
+                                        <p:attrNameLst>
+                                          <p:attrName>ppt_x</p:attrName>
+                                          <p:attrName>ppt_y</p:attrName>
+                                        </p:attrNameLst>
+                                      </p:cBhvr>
+                                      <p:rCtr x="-1181" y="0"/>
+                                    </p:animMotion>
+                                  </p:childTnLst>
+                                </p:cTn>
+                              </p:par>
+                              <p:par>
+                                <p:cTn id="7" presetID="10" presetClass="entr" presetSubtype="0" fill="hold" grpId="1" nodeType="withEffect">
+                                  <p:stCondLst>
+                                    <p:cond delay="0"/>
+                                  </p:stCondLst>
+                                  <p:childTnLst>
+                                    <p:set>
+                                      <p:cBhvr>
+                                        <p:cTn id="8" dur="1" fill="hold">
+                                          <p:stCondLst>
+                                            <p:cond delay="0"/>
+                                          </p:stCondLst>
+                                        </p:cTn>
+                                        <p:tgtEl>
+                                          <p:spTgt spid="7"/>
+                                        </p:tgtEl>
+                                        <p:attrNameLst>
+                                          <p:attrName>style.visibility</p:attrName>
+                                        </p:attrNameLst>
+                                      </p:cBhvr>
+                                      <p:to>
+                                        <p:strVal val="visible"/>
+                                      </p:to>
+                                    </p:set>
+                                    <p:animEffect transition="in" filter="fade">
+                                      <p:cBhvr>
+                                        <p:cTn id="9" dur="900"/>
+                                        <p:tgtEl>
+                                          <p:spTgt spid="7"/>
+                                        </p:tgtEl>
+                                      </p:cBhvr>
+                                    </p:animEffect>
+                                  </p:childTnLst>
+                                </p:cTn>
+                              </p:par>
+                            </p:childTnLst>
+                          </p:cTn>
+                        </p:par>
+                        <p:par>
+                          <p:cTn id="10" fill="hold">
+                            <p:stCondLst>
+                              <p:cond delay="1700"/>
+                            </p:stCondLst>
+                            <p:childTnLst>
+                              <p:par>
+                                <p:cTn id="11" presetID="10" presetClass="entr" presetSubtype="0" fill="hold" grpId="0" nodeType="afterEffect">
+                                  <p:stCondLst>
+                                    <p:cond delay="0"/>
+                                  </p:stCondLst>
+                                  <p:childTnLst>
+                                    <p:set>
+                                      <p:cBhvr>
+                                        <p:cTn id="12" dur="1" fill="hold">
+                                          <p:stCondLst>
+                                            <p:cond delay="0"/>
+                                          </p:stCondLst>
+                                        </p:cTn>
+                                        <p:tgtEl>
+                                          <p:spTgt spid="4"/>
+                                        </p:tgtEl>
+                                        <p:attrNameLst>
+                                          <p:attrName>style.visibility</p:attrName>
+                                        </p:attrNameLst>
+                                      </p:cBhvr>
+                                      <p:to>
+                                        <p:strVal val="visible"/>
+                                      </p:to>
+                                    </p:set>
+                                    <p:animEffect transition="in" filter="fade">
+                                      <p:cBhvr>
+                                        <p:cTn id="13" dur="500"/>
+                                        <p:tgtEl>
+                                          <p:spTgt spid="4"/>
+                                        </p:tgtEl>
+                                      </p:cBhvr>
+                                    </p:animEffect>
+                                  </p:childTnLst>
+                                </p:cTn>
+                              </p:par>
+                              <p:par>
+                                <p:cTn id="14" presetID="35" presetClass="path" presetSubtype="0" accel="50000" decel="50000" fill="hold" grpId="1" nodeType="withEffect">
+                                  <p:stCondLst>
+                                    <p:cond delay="0"/>
+                                  </p:stCondLst>
+                                  <p:childTnLst>
+                                    <p:animMotion origin="layout" path="M 3.88889E-6 -8.83646E-7 L 0.04323 0.00069 " pathEditMode="relative" rAng="0" ptsTypes="AA">
+                                      <p:cBhvr>
+                                        <p:cTn id="15" dur="2000" spd="-100000" fill="hold"/>
+                                        <p:tgtEl>
+                                          <p:spTgt spid="4"/>
+                                        </p:tgtEl>
+                                        <p:attrNameLst>
+                                          <p:attrName>ppt_x</p:attrName>
+                                          <p:attrName>ppt_y</p:attrName>
+                                        </p:attrNameLst>
+                                      </p:cBhvr>
+                                      <p:rCtr x="2153" y="23"/>
+                                    </p:animMotion>
+                                  </p:childTnLst>
+                                </p:cTn>
+                              </p:par>
+                            </p:childTnLst>
+                          </p:cTn>
+                        </p:par>
+                        <p:par>
+                          <p:cTn id="16" fill="hold">
+                            <p:stCondLst>
+                              <p:cond delay="3700"/>
+                            </p:stCondLst>
+                            <p:childTnLst>
+                              <p:par>
+                                <p:cTn id="17" presetID="10" presetClass="entr" presetSubtype="0" fill="hold" grpId="0" nodeType="afterEffect">
+                                  <p:stCondLst>
+                                    <p:cond delay="0"/>
+                                  </p:stCondLst>
+                                  <p:childTnLst>
+                                    <p:set>
+                                      <p:cBhvr>
+                                        <p:cTn id="18" dur="1" fill="hold">
+                                          <p:stCondLst>
+                                            <p:cond delay="0"/>
+                                          </p:stCondLst>
+                                        </p:cTn>
+                                        <p:tgtEl>
+                                          <p:spTgt spid="9"/>
+                                        </p:tgtEl>
+                                        <p:attrNameLst>
+                                          <p:attrName>style.visibility</p:attrName>
+                                        </p:attrNameLst>
+                                      </p:cBhvr>
+                                      <p:to>
+                                        <p:strVal val="visible"/>
+                                      </p:to>
+                                    </p:set>
+                                    <p:animEffect transition="in" filter="fade">
+                                      <p:cBhvr>
+                                        <p:cTn id="19" dur="500"/>
+                                        <p:tgtEl>
+                                          <p:spTgt spid="9"/>
+                                        </p:tgtEl>
+                                      </p:cBhvr>
+                                    </p:animEffect>
+                                  </p:childTnLst>
+                                </p:cTn>
+                              </p:par>
+                              <p:par>
+                                <p:cTn id="20" presetID="35" presetClass="path" presetSubtype="0" accel="50000" decel="50000" fill="hold" grpId="1" nodeType="withEffect">
+                                  <p:stCondLst>
+                                    <p:cond delay="0"/>
+                                  </p:stCondLst>
+                                  <p:childTnLst>
+                                    <p:animMotion origin="layout" path="M 3.88889E-6 -8.83646E-7 L 0.04323 0.00069 " pathEditMode="relative" rAng="0" ptsTypes="AA">
+                                      <p:cBhvr>
+                                        <p:cTn id="21" dur="2000" spd="-100000" fill="hold"/>
+                                        <p:tgtEl>
+                                          <p:spTgt spid="9"/>
+                                        </p:tgtEl>
+                                        <p:attrNameLst>
+                                          <p:attrName>ppt_x</p:attrName>
+                                          <p:attrName>ppt_y</p:attrName>
+                                        </p:attrNameLst>
+                                      </p:cBhvr>
+                                      <p:rCtr x="2153" y="23"/>
+                                    </p:animMotion>
+                                  </p:childTnLst>
+                                </p:cTn>
+                              </p:par>
+                            </p:childTnLst>
+                          </p:cTn>
+                        </p:par>
+                        <p:par>
+                          <p:cTn id="22" fill="hold">
+                            <p:stCondLst>
+                              <p:cond delay="5700"/>
+                            </p:stCondLst>
+                            <p:childTnLst>
+                              <p:par>
+                                <p:cTn id="23" presetID="10" presetClass="entr" presetSubtype="0" fill="hold" grpId="0" nodeType="afterEffect">
+                                  <p:stCondLst>
+                                    <p:cond delay="0"/>
+                                  </p:stCondLst>
+                                  <p:childTnLst>
+                                    <p:set>
+                                      <p:cBhvr>
+                                        <p:cTn id="24" dur="1" fill="hold">
+                                          <p:stCondLst>
+                                            <p:cond delay="0"/>
+                                          </p:stCondLst>
+                                        </p:cTn>
+                                        <p:tgtEl>
+                                          <p:spTgt spid="10"/>
+                                        </p:tgtEl>
+                                        <p:attrNameLst>
+                                          <p:attrName>style.visibility</p:attrName>
+                                        </p:attrNameLst>
+                                      </p:cBhvr>
+                                      <p:to>
+                                        <p:strVal val="visible"/>
+                                      </p:to>
+                                    </p:set>
+                                    <p:animEffect transition="in" filter="fade">
+                                      <p:cBhvr>
+                                        <p:cTn id="25" dur="500"/>
+                                        <p:tgtEl>
+                                          <p:spTgt spid="10"/>
+                                        </p:tgtEl>
+                                      </p:cBhvr>
+                                    </p:animEffect>
+                                  </p:childTnLst>
+                                </p:cTn>
+                              </p:par>
+                              <p:par>
+                                <p:cTn id="26" presetID="35" presetClass="path" presetSubtype="0" accel="50000" decel="50000" fill="hold" grpId="1" nodeType="withEffect">
+                                  <p:stCondLst>
+                                    <p:cond delay="0"/>
+                                  </p:stCondLst>
+                                  <p:childTnLst>
+                                    <p:animMotion origin="layout" path="M 3.88889E-6 -8.83646E-7 L 0.04323 0.00069 " pathEditMode="relative" rAng="0" ptsTypes="AA">
+                                      <p:cBhvr>
+                                        <p:cTn id="27" dur="2000" spd="-100000" fill="hold"/>
+                                        <p:tgtEl>
+                                          <p:spTgt spid="10"/>
+                                        </p:tgtEl>
+                                        <p:attrNameLst>
+                                          <p:attrName>ppt_x</p:attrName>
+                                          <p:attrName>ppt_y</p:attrName>
+                                        </p:attrNameLst>
+                                      </p:cBhvr>
+                                      <p:rCtr x="2153" y="23"/>
+                                    </p:animMotion>
+                                  </p:childTnLst>
+                                </p:cTn>
+                              </p:par>
+                            </p:childTnLst>
+                          </p:cTn>
+                        </p:par>
+                        <p:par>
+                          <p:cTn id="28" fill="hold">
+                            <p:stCondLst>
+                              <p:cond delay="7700"/>
+                            </p:stCondLst>
+                            <p:childTnLst>
+                              <p:par>
+                                <p:cTn id="29" presetID="10" presetClass="entr" presetSubtype="0" fill="hold" grpId="0" nodeType="afterEffect">
+                                  <p:stCondLst>
+                                    <p:cond delay="0"/>
+                                  </p:stCondLst>
+                                  <p:childTnLst>
+                                    <p:set>
+                                      <p:cBhvr>
+                                        <p:cTn id="30" dur="1" fill="hold">
+                                          <p:stCondLst>
+                                            <p:cond delay="0"/>
+                                          </p:stCondLst>
+                                        </p:cTn>
+                                        <p:tgtEl>
+                                          <p:spTgt spid="13"/>
+                                        </p:tgtEl>
+                                        <p:attrNameLst>
+                                          <p:attrName>style.visibility</p:attrName>
+                                        </p:attrNameLst>
+                                      </p:cBhvr>
+                                      <p:to>
+                                        <p:strVal val="visible"/>
+                                      </p:to>
+                                    </p:set>
+                                    <p:animEffect transition="in" filter="fade">
+                                      <p:cBhvr>
+                                        <p:cTn id="31" dur="500"/>
+                                        <p:tgtEl>
+                                          <p:spTgt spid="13"/>
+                                        </p:tgtEl>
+                                      </p:cBhvr>
+                                    </p:animEffect>
+                                  </p:childTnLst>
+                                </p:cTn>
+                              </p:par>
+                              <p:par>
+                                <p:cTn id="32" presetID="35" presetClass="path" presetSubtype="0" accel="50000" decel="50000" fill="hold" grpId="1" nodeType="withEffect">
+                                  <p:stCondLst>
+                                    <p:cond delay="0"/>
+                                  </p:stCondLst>
+                                  <p:childTnLst>
+                                    <p:animMotion origin="layout" path="M 3.88889E-6 -8.83646E-7 L 0.04323 0.00069 " pathEditMode="relative" rAng="0" ptsTypes="AA">
+                                      <p:cBhvr>
+                                        <p:cTn id="33" dur="2000" spd="-100000" fill="hold"/>
+                                        <p:tgtEl>
+                                          <p:spTgt spid="13"/>
+                                        </p:tgtEl>
+                                        <p:attrNameLst>
+                                          <p:attrName>ppt_x</p:attrName>
+                                          <p:attrName>ppt_y</p:attrName>
+                                        </p:attrNameLst>
+                                      </p:cBhvr>
+                                      <p:rCtr x="2153" y="23"/>
+                                    </p:animMotion>
+                                  </p:childTnLst>
+                                </p:cTn>
+                              </p:par>
+                            </p:childTnLst>
+                          </p:cTn>
+                        </p:par>
+                        <p:par>
+                          <p:cTn id="34" fill="hold">
+                            <p:stCondLst>
+                              <p:cond delay="9700"/>
+                            </p:stCondLst>
+                            <p:childTnLst>
+                              <p:par>
+                                <p:cTn id="35" presetID="10" presetClass="entr" presetSubtype="0" fill="hold" grpId="0" nodeType="afterEffect">
+                                  <p:stCondLst>
+                                    <p:cond delay="0"/>
+                                  </p:stCondLst>
+                                  <p:childTnLst>
+                                    <p:set>
+                                      <p:cBhvr>
+                                        <p:cTn id="36" dur="1" fill="hold">
+                                          <p:stCondLst>
+                                            <p:cond delay="0"/>
+                                          </p:stCondLst>
+                                        </p:cTn>
+                                        <p:tgtEl>
+                                          <p:spTgt spid="11"/>
+                                        </p:tgtEl>
+                                        <p:attrNameLst>
+                                          <p:attrName>style.visibility</p:attrName>
+                                        </p:attrNameLst>
+                                      </p:cBhvr>
+                                      <p:to>
+                                        <p:strVal val="visible"/>
+                                      </p:to>
+                                    </p:set>
+                                    <p:animEffect transition="in" filter="fade">
+                                      <p:cBhvr>
+                                        <p:cTn id="37" dur="500"/>
+                                        <p:tgtEl>
+                                          <p:spTgt spid="11"/>
+                                        </p:tgtEl>
+                                      </p:cBhvr>
+                                    </p:animEffect>
+                                  </p:childTnLst>
+                                </p:cTn>
+                              </p:par>
+                              <p:par>
+                                <p:cTn id="38" presetID="35" presetClass="path" presetSubtype="0" accel="50000" decel="50000" fill="hold" grpId="1" nodeType="withEffect">
+                                  <p:stCondLst>
+                                    <p:cond delay="0"/>
+                                  </p:stCondLst>
+                                  <p:childTnLst>
+                                    <p:animMotion origin="layout" path="M 3.88889E-6 -8.83646E-7 L 0.04323 0.00069 " pathEditMode="relative" rAng="0" ptsTypes="AA">
+                                      <p:cBhvr>
+                                        <p:cTn id="39" dur="2000" spd="-100000" fill="hold"/>
+                                        <p:tgtEl>
+                                          <p:spTgt spid="11"/>
+                                        </p:tgtEl>
+                                        <p:attrNameLst>
+                                          <p:attrName>ppt_x</p:attrName>
+                                          <p:attrName>ppt_y</p:attrName>
+                                        </p:attrNameLst>
+                                      </p:cBhvr>
+                                      <p:rCtr x="2153" y="23"/>
+                                    </p:animMotion>
+                                  </p:childTnLst>
+                                </p:cTn>
+                              </p:par>
+                            </p:childTnLst>
+                          </p:cTn>
+                        </p:par>
+                        <p:par>
+                          <p:cTn id="40" fill="hold">
+                            <p:stCondLst>
+                              <p:cond delay="11700"/>
+                            </p:stCondLst>
+                            <p:childTnLst>
+                              <p:par>
+                                <p:cTn id="41" presetID="10" presetClass="entr" presetSubtype="0" fill="hold" grpId="0" nodeType="afterEffect">
+                                  <p:stCondLst>
+                                    <p:cond delay="0"/>
+                                  </p:stCondLst>
+                                  <p:childTnLst>
+                                    <p:set>
+                                      <p:cBhvr>
+                                        <p:cTn id="42" dur="1" fill="hold">
+                                          <p:stCondLst>
+                                            <p:cond delay="0"/>
+                                          </p:stCondLst>
+                                        </p:cTn>
+                                        <p:tgtEl>
+                                          <p:spTgt spid="12"/>
+                                        </p:tgtEl>
+                                        <p:attrNameLst>
+                                          <p:attrName>style.visibility</p:attrName>
+                                        </p:attrNameLst>
+                                      </p:cBhvr>
+                                      <p:to>
+                                        <p:strVal val="visible"/>
+                                      </p:to>
+                                    </p:set>
+                                    <p:animEffect transition="in" filter="fade">
+                                      <p:cBhvr>
+                                        <p:cTn id="43" dur="500"/>
+                                        <p:tgtEl>
+                                          <p:spTgt spid="12"/>
+                                        </p:tgtEl>
+                                      </p:cBhvr>
+                                    </p:animEffect>
+                                  </p:childTnLst>
+                                </p:cTn>
+                              </p:par>
+                              <p:par>
+                                <p:cTn id="44" presetID="35" presetClass="path" presetSubtype="0" accel="50000" decel="50000" fill="hold" grpId="1" nodeType="withEffect">
+                                  <p:stCondLst>
+                                    <p:cond delay="0"/>
+                                  </p:stCondLst>
+                                  <p:childTnLst>
+                                    <p:animMotion origin="layout" path="M 3.88889E-6 -8.83646E-7 L 0.04323 0.00069 " pathEditMode="relative" rAng="0" ptsTypes="AA">
+                                      <p:cBhvr>
+                                        <p:cTn id="45" dur="2000" spd="-100000" fill="hold"/>
+                                        <p:tgtEl>
+                                          <p:spTgt spid="12"/>
+                                        </p:tgtEl>
+                                        <p:attrNameLst>
+                                          <p:attrName>ppt_x</p:attrName>
+                                          <p:attrName>ppt_y</p:attrName>
+                                        </p:attrNameLst>
+                                      </p:cBhvr>
+                                      <p:rCtr x="2153" y="23"/>
+                                    </p:animMotion>
+                                  </p:childTnLst>
+                                </p:cTn>
+                              </p:par>
+                            </p:childTnLst>
+                          </p:cTn>
+                        </p:par>
+                      </p:childTnLst>
+                    </p:cTn>
+                  </p:par>
+                </p:childTnLst>
+              </p:cTn>
+              <p:prevCondLst>
+                <p:cond evt="onPrev" delay="0">
+                  <p:tgtEl>
+                    <p:sldTgt/>
+                  </p:tgtEl>
+                </p:cond>
+              </p:prevCondLst>
+              <p:nextCondLst>
+                <p:cond evt="onNext" delay="0">
+                  <p:tgtEl>
+                    <p:sldTgt/>
+                  </p:tgtEl>
+                </p:cond>
+              </p:nextCondLst>
+            </p:seq>
+          </p:childTnLst>
+        </p:cTn>
+      </p:par>
+    </p:tnLst>
+    <p:bldLst>
+      <p:bldP spid="7" grpId="0"/>
+      <p:bldP spid="7" grpId="1"/>
+      <p:bldP spid="4" grpId="0" animBg="1">
+        <p:tmplLst>
+          <p:tmpl>
+            <p:tnLst>
+              <p:par>
+                <p:cTn presetID="10" presetClass="entr" presetSubtype="0" fill="hold" nodeType="afterEffect">
+                  <p:stCondLst>
+                    <p:cond delay="0"/>
+                  </p:stCondLst>
+                  <p:childTnLst>
+                    <p:set>
+                      <p:cBhvr>
+                        <p:cTn dur="1" fill="hold">
+                          <p:stCondLst>
+                            <p:cond delay="0"/>
+                          </p:stCondLst>
+                        </p:cTn>
+                        <p:tgtEl>
+                          <p:spTgt spid="4"/>
+                        </p:tgtEl>
+                        <p:attrNameLst>
+                          <p:attrName>style.visibility</p:attrName>
+                        </p:attrNameLst>
+                      </p:cBhvr>
+                      <p:to>
+                        <p:strVal val="visible"/>
+                      </p:to>
+                    </p:set>
+                    <p:animEffect transition="in" filter="fade">
+                      <p:cBhvr>
+                        <p:cTn dur="500"/>
+                        <p:tgtEl>
+                          <p:spTgt spid="4"/>
+                        </p:tgtEl>
+                      </p:cBhvr>
+                    </p:animEffect>
+                  </p:childTnLst>
+                </p:cTn>
+              </p:par>
+            </p:tnLst>
+          </p:tmpl>
+        </p:tmplLst>
+      </p:bldP>
+      <p:bldP spid="4" grpId="1" animBg="1">
+        <p:tmplLst>
+          <p:tmpl>
+            <p:tnLst>
+              <p:par>
+                <p:cTn presetID="35" presetClass="path" presetSubtype="0" accel="50000" decel="50000" fill="hold" nodeType="withEffect">
+                  <p:stCondLst>
+                    <p:cond delay="0"/>
+                  </p:stCondLst>
+                  <p:childTnLst>
+                    <p:animMotion origin="layout" path="M 3.88889E-6 -8.83646E-7 L 0.04323 0.00069 " pathEditMode="relative" rAng="0" ptsTypes="AA">
+                      <p:cBhvr>
+                        <p:cTn dur="2000" spd="-100000" fill="hold"/>
+                        <p:tgtEl>
+                          <p:spTgt spid="4"/>
+                        </p:tgtEl>
+                        <p:attrNameLst>
+                          <p:attrName>ppt_x</p:attrName>
+                          <p:attrName>ppt_y</p:attrName>
+                        </p:attrNameLst>
+                      </p:cBhvr>
+                      <p:rCtr x="2153" y="23"/>
+                    </p:animMotion>
+                  </p:childTnLst>
+                </p:cTn>
+              </p:par>
+            </p:tnLst>
+          </p:tmpl>
+        </p:tmplLst>
+      </p:bldP>
+      <p:bldP spid="9" grpId="0" animBg="1">
+        <p:tmplLst>
+          <p:tmpl>
+            <p:tnLst>
+              <p:par>
+                <p:cTn presetID="10" presetClass="entr" presetSubtype="0" fill="hold" nodeType="afterEffect">
+                  <p:stCondLst>
+                    <p:cond delay="0"/>
+                  </p:stCondLst>
+                  <p:childTnLst>
+                    <p:set>
+                      <p:cBhvr>
+                        <p:cTn dur="1" fill="hold">
+                          <p:stCondLst>
+                            <p:cond delay="0"/>
+                          </p:stCondLst>
+                        </p:cTn>
+                        <p:tgtEl>
+                          <p:spTgt spid="9"/>
+                        </p:tgtEl>
+                        <p:attrNameLst>
+                          <p:attrName>style.visibility</p:attrName>
+                        </p:attrNameLst>
+                      </p:cBhvr>
+                      <p:to>
+                        <p:strVal val="visible"/>
+                      </p:to>
+                    </p:set>
+                    <p:animEffect transition="in" filter="fade">
+                      <p:cBhvr>
+                        <p:cTn dur="500"/>
+                        <p:tgtEl>
+                          <p:spTgt spid="9"/>
+                        </p:tgtEl>
+                      </p:cBhvr>
+                    </p:animEffect>
+                  </p:childTnLst>
+                </p:cTn>
+              </p:par>
+            </p:tnLst>
+          </p:tmpl>
+        </p:tmplLst>
+      </p:bldP>
+      <p:bldP spid="9" grpId="1" animBg="1">
+        <p:tmplLst>
+          <p:tmpl>
+            <p:tnLst>
+              <p:par>
+                <p:cTn presetID="35" presetClass="path" presetSubtype="0" accel="50000" decel="50000" fill="hold" nodeType="withEffect">
+                  <p:stCondLst>
+                    <p:cond delay="0"/>
+                  </p:stCondLst>
+                  <p:childTnLst>
+                    <p:animMotion origin="layout" path="M 3.88889E-6 -8.83646E-7 L 0.04323 0.00069 " pathEditMode="relative" rAng="0" ptsTypes="AA">
+                      <p:cBhvr>
+                        <p:cTn dur="2000" spd="-100000" fill="hold"/>
+                        <p:tgtEl>
+                          <p:spTgt spid="9"/>
+                        </p:tgtEl>
+                        <p:attrNameLst>
+                          <p:attrName>ppt_x</p:attrName>
+                          <p:attrName>ppt_y</p:attrName>
+                        </p:attrNameLst>
+                      </p:cBhvr>
+                      <p:rCtr x="2153" y="23"/>
+                    </p:animMotion>
+                  </p:childTnLst>
+                </p:cTn>
+              </p:par>
+            </p:tnLst>
+          </p:tmpl>
+        </p:tmplLst>
+      </p:bldP>
+      <p:bldP spid="10" grpId="0" animBg="1">
+        <p:tmplLst>
+          <p:tmpl>
+            <p:tnLst>
+              <p:par>
+                <p:cTn presetID="10" presetClass="entr" presetSubtype="0" fill="hold" nodeType="afterEffect">
+                  <p:stCondLst>
+                    <p:cond delay="0"/>
+                  </p:stCondLst>
+                  <p:childTnLst>
+                    <p:set>
+                      <p:cBhvr>
+                        <p:cTn dur="1" fill="hold">
+                          <p:stCondLst>
+                            <p:cond delay="0"/>
+                          </p:stCondLst>
+                        </p:cTn>
+                        <p:tgtEl>
+                          <p:spTgt spid="10"/>
+                        </p:tgtEl>
+                        <p:attrNameLst>
+                          <p:attrName>style.visibility</p:attrName>
+                        </p:attrNameLst>
+                      </p:cBhvr>
+                      <p:to>
+                        <p:strVal val="visible"/>
+                      </p:to>
+                    </p:set>
+                    <p:animEffect transition="in" filter="fade">
+                      <p:cBhvr>
+                        <p:cTn dur="500"/>
+                        <p:tgtEl>
+                          <p:spTgt spid="10"/>
+                        </p:tgtEl>
+                      </p:cBhvr>
+                    </p:animEffect>
+                  </p:childTnLst>
+                </p:cTn>
+              </p:par>
+            </p:tnLst>
+          </p:tmpl>
+        </p:tmplLst>
+      </p:bldP>
+      <p:bldP spid="10" grpId="1" animBg="1">
+        <p:tmplLst>
+          <p:tmpl>
+            <p:tnLst>
+              <p:par>
+                <p:cTn presetID="35" presetClass="path" presetSubtype="0" accel="50000" decel="50000" fill="hold" nodeType="withEffect">
+                  <p:stCondLst>
+                    <p:cond delay="0"/>
+                  </p:stCondLst>
+                  <p:childTnLst>
+                    <p:animMotion origin="layout" path="M 3.88889E-6 -8.83646E-7 L 0.04323 0.00069 " pathEditMode="relative" rAng="0" ptsTypes="AA">
+                      <p:cBhvr>
+                        <p:cTn dur="2000" spd="-100000" fill="hold"/>
+                        <p:tgtEl>
+                          <p:spTgt spid="10"/>
+                        </p:tgtEl>
+                        <p:attrNameLst>
+                          <p:attrName>ppt_x</p:attrName>
+                          <p:attrName>ppt_y</p:attrName>
+                        </p:attrNameLst>
+                      </p:cBhvr>
+                      <p:rCtr x="2153" y="23"/>
+                    </p:animMotion>
+                  </p:childTnLst>
+                </p:cTn>
+              </p:par>
+            </p:tnLst>
+          </p:tmpl>
+        </p:tmplLst>
+      </p:bldP>
+      <p:bldP spid="11" grpId="0" animBg="1">
+        <p:tmplLst>
+          <p:tmpl>
+            <p:tnLst>
+              <p:par>
+                <p:cTn presetID="10" presetClass="entr" presetSubtype="0" fill="hold" nodeType="afterEffect">
+                  <p:stCondLst>
+                    <p:cond delay="0"/>
+                  </p:stCondLst>
+                  <p:childTnLst>
+                    <p:set>
+                      <p:cBhvr>
+                        <p:cTn dur="1" fill="hold">
+                          <p:stCondLst>
+                            <p:cond delay="0"/>
+                          </p:stCondLst>
+                        </p:cTn>
+                        <p:tgtEl>
+                          <p:spTgt spid="11"/>
+                        </p:tgtEl>
+                        <p:attrNameLst>
+                          <p:attrName>style.visibility</p:attrName>
+                        </p:attrNameLst>
+                      </p:cBhvr>
+                      <p:to>
+                        <p:strVal val="visible"/>
+                      </p:to>
+                    </p:set>
+                    <p:animEffect transition="in" filter="fade">
+                      <p:cBhvr>
+                        <p:cTn dur="500"/>
+                        <p:tgtEl>
+                          <p:spTgt spid="11"/>
+                        </p:tgtEl>
+                      </p:cBhvr>
+                    </p:animEffect>
+                  </p:childTnLst>
+                </p:cTn>
+              </p:par>
+            </p:tnLst>
+          </p:tmpl>
+        </p:tmplLst>
+      </p:bldP>
+      <p:bldP spid="11" grpId="1" animBg="1">
+        <p:tmplLst>
+          <p:tmpl>
+            <p:tnLst>
+              <p:par>
+                <p:cTn presetID="35" presetClass="path" presetSubtype="0" accel="50000" decel="50000" fill="hold" nodeType="withEffect">
+                  <p:stCondLst>
+                    <p:cond delay="0"/>
+                  </p:stCondLst>
+                  <p:childTnLst>
+                    <p:animMotion origin="layout" path="M 3.88889E-6 -8.83646E-7 L 0.04323 0.00069 " pathEditMode="relative" rAng="0" ptsTypes="AA">
+                      <p:cBhvr>
+                        <p:cTn dur="2000" spd="-100000" fill="hold"/>
+                        <p:tgtEl>
+                          <p:spTgt spid="11"/>
+                        </p:tgtEl>
+                        <p:attrNameLst>
+                          <p:attrName>ppt_x</p:attrName>
+                          <p:attrName>ppt_y</p:attrName>
+                        </p:attrNameLst>
+                      </p:cBhvr>
+                      <p:rCtr x="2153" y="23"/>
+                    </p:animMotion>
+                  </p:childTnLst>
+                </p:cTn>
+              </p:par>
+            </p:tnLst>
+          </p:tmpl>
+        </p:tmplLst>
+      </p:bldP>
+      <p:bldP spid="12" grpId="0" animBg="1">
+        <p:tmplLst>
+          <p:tmpl>
+            <p:tnLst>
+              <p:par>
+                <p:cTn presetID="10" presetClass="entr" presetSubtype="0" fill="hold" nodeType="afterEffect">
+                  <p:stCondLst>
+                    <p:cond delay="0"/>
+                  </p:stCondLst>
+                  <p:childTnLst>
+                    <p:set>
+                      <p:cBhvr>
+                        <p:cTn dur="1" fill="hold">
+                          <p:stCondLst>
+                            <p:cond delay="0"/>
+                          </p:stCondLst>
+                        </p:cTn>
+                        <p:tgtEl>
+                          <p:spTgt spid="12"/>
+                        </p:tgtEl>
+                        <p:attrNameLst>
+                          <p:attrName>style.visibility</p:attrName>
+                        </p:attrNameLst>
+                      </p:cBhvr>
+                      <p:to>
+                        <p:strVal val="visible"/>
+                      </p:to>
+                    </p:set>
+                    <p:animEffect transition="in" filter="fade">
+                      <p:cBhvr>
+                        <p:cTn dur="500"/>
+                        <p:tgtEl>
+                          <p:spTgt spid="12"/>
+                        </p:tgtEl>
+                      </p:cBhvr>
+                    </p:animEffect>
+                  </p:childTnLst>
+                </p:cTn>
+              </p:par>
+            </p:tnLst>
+          </p:tmpl>
+        </p:tmplLst>
+      </p:bldP>
+      <p:bldP spid="12" grpId="1" animBg="1">
+        <p:tmplLst>
+          <p:tmpl>
+            <p:tnLst>
+              <p:par>
+                <p:cTn presetID="35" presetClass="path" presetSubtype="0" accel="50000" decel="50000" fill="hold" nodeType="withEffect">
+                  <p:stCondLst>
+                    <p:cond delay="0"/>
+                  </p:stCondLst>
+                  <p:childTnLst>
+                    <p:animMotion origin="layout" path="M 3.88889E-6 -8.83646E-7 L 0.04323 0.00069 " pathEditMode="relative" rAng="0" ptsTypes="AA">
+                      <p:cBhvr>
+                        <p:cTn dur="2000" spd="-100000" fill="hold"/>
+                        <p:tgtEl>
+                          <p:spTgt spid="12"/>
+                        </p:tgtEl>
+                        <p:attrNameLst>
+                          <p:attrName>ppt_x</p:attrName>
+                          <p:attrName>ppt_y</p:attrName>
+                        </p:attrNameLst>
+                      </p:cBhvr>
+                      <p:rCtr x="2153" y="23"/>
+                    </p:animMotion>
+                  </p:childTnLst>
+                </p:cTn>
+              </p:par>
+            </p:tnLst>
+          </p:tmpl>
+        </p:tmplLst>
+      </p:bldP>
+      <p:bldP spid="13" grpId="0" animBg="1">
+        <p:tmplLst>
+          <p:tmpl>
+            <p:tnLst>
+              <p:par>
+                <p:cTn presetID="10" presetClass="entr" presetSubtype="0" fill="hold" nodeType="afterEffect">
+                  <p:stCondLst>
+                    <p:cond delay="0"/>
+                  </p:stCondLst>
+                  <p:childTnLst>
+                    <p:set>
+                      <p:cBhvr>
+                        <p:cTn dur="1" fill="hold">
+                          <p:stCondLst>
+                            <p:cond delay="0"/>
+                          </p:stCondLst>
+                        </p:cTn>
+                        <p:tgtEl>
+                          <p:spTgt spid="13"/>
+                        </p:tgtEl>
+                        <p:attrNameLst>
+                          <p:attrName>style.visibility</p:attrName>
+                        </p:attrNameLst>
+                      </p:cBhvr>
+                      <p:to>
+                        <p:strVal val="visible"/>
+                      </p:to>
+                    </p:set>
+                    <p:animEffect transition="in" filter="fade">
+                      <p:cBhvr>
+                        <p:cTn dur="500"/>
+                        <p:tgtEl>
+                          <p:spTgt spid="13"/>
+                        </p:tgtEl>
+                      </p:cBhvr>
+                    </p:animEffect>
+                  </p:childTnLst>
+                </p:cTn>
+              </p:par>
+            </p:tnLst>
+          </p:tmpl>
+        </p:tmplLst>
+      </p:bldP>
+      <p:bldP spid="13" grpId="1" animBg="1">
+        <p:tmplLst>
+          <p:tmpl>
+            <p:tnLst>
+              <p:par>
+                <p:cTn presetID="35" presetClass="path" presetSubtype="0" accel="50000" decel="50000" fill="hold" nodeType="withEffect">
+                  <p:stCondLst>
+                    <p:cond delay="0"/>
+                  </p:stCondLst>
+                  <p:childTnLst>
+                    <p:animMotion origin="layout" path="M 3.88889E-6 -8.83646E-7 L 0.04323 0.00069 " pathEditMode="relative" rAng="0" ptsTypes="AA">
+                      <p:cBhvr>
+                        <p:cTn dur="2000" spd="-100000" fill="hold"/>
+                        <p:tgtEl>
+                          <p:spTgt spid="13"/>
+                        </p:tgtEl>
+                        <p:attrNameLst>
+                          <p:attrName>ppt_x</p:attrName>
+                          <p:attrName>ppt_y</p:attrName>
+                        </p:attrNameLst>
+                      </p:cBhvr>
+                      <p:rCtr x="2153" y="23"/>
+                    </p:animMotion>
+                  </p:childTnLst>
+                </p:cTn>
+              </p:par>
+            </p:tnLst>
+          </p:tmpl>
+        </p:tmplLst>
+      </p:bldP>
+    </p:bldLst>
+  </p:timing>
+</p:sldLayout>
+</file>
+
+<file path=ppt/slideLayouts/slideLayout4.xml><?xml version="1.0" encoding="utf-8"?>
 <p:sldLayout xmlns:a="http://schemas.openxmlformats.org/drawingml/2006/main" xmlns:r="http://schemas.openxmlformats.org/officeDocument/2006/relationships" xmlns:p="http://schemas.openxmlformats.org/presentationml/2006/main" preserve="1">
   <p:cSld name="Title Content and 2 Objects">
     <p:spTree>
@@ -1277,7 +2881,7 @@
           </a:lstStyle>
           <a:p>
             <a:r>
-              <a:rPr lang="en-US" smtClean="0"/>
+              <a:rPr lang="en-US" dirty="0" smtClean="0"/>
               <a:t>Click to edit Master title style</a:t>
             </a:r>
             <a:endParaRPr lang="en-GB" dirty="0"/>
@@ -1429,21 +3033,21 @@
           <a:p>
             <a:pPr lvl="0"/>
             <a:r>
-              <a:rPr lang="en-US" smtClean="0"/>
+              <a:rPr lang="en-US" dirty="0" smtClean="0"/>
               <a:t>Click to edit Master text styles</a:t>
             </a:r>
           </a:p>
           <a:p>
             <a:pPr lvl="1"/>
             <a:r>
-              <a:rPr lang="en-US" smtClean="0"/>
+              <a:rPr lang="en-US" dirty="0" smtClean="0"/>
               <a:t>Second level</a:t>
             </a:r>
           </a:p>
           <a:p>
             <a:pPr lvl="2"/>
             <a:r>
-              <a:rPr lang="en-US" smtClean="0"/>
+              <a:rPr lang="en-US" dirty="0" smtClean="0"/>
               <a:t>Third level</a:t>
             </a:r>
           </a:p>
@@ -2476,7 +4080,7 @@
 </p:sldLayout>
 </file>
 
-<file path=ppt/slideLayouts/slideLayout4.xml><?xml version="1.0" encoding="utf-8"?>
+<file path=ppt/slideLayouts/slideLayout5.xml><?xml version="1.0" encoding="utf-8"?>
 <p:sldLayout xmlns:a="http://schemas.openxmlformats.org/drawingml/2006/main" xmlns:r="http://schemas.openxmlformats.org/officeDocument/2006/relationships" xmlns:p="http://schemas.openxmlformats.org/presentationml/2006/main" preserve="1">
   <p:cSld name="Title Content and 3 Objects">
     <p:spTree>
@@ -3973,7 +5577,7 @@
 </p:sldLayout>
 </file>
 
-<file path=ppt/slideLayouts/slideLayout5.xml><?xml version="1.0" encoding="utf-8"?>
+<file path=ppt/slideLayouts/slideLayout6.xml><?xml version="1.0" encoding="utf-8"?>
 <p:sldLayout xmlns:a="http://schemas.openxmlformats.org/drawingml/2006/main" xmlns:r="http://schemas.openxmlformats.org/officeDocument/2006/relationships" xmlns:p="http://schemas.openxmlformats.org/presentationml/2006/main" type="title">
   <p:cSld name="Title Slide">
     <p:spTree>
@@ -4168,7 +5772,7 @@
           <a:p>
             <a:fld id="{450045EB-F0A2-405F-866B-BCD425706225}" type="datetimeFigureOut">
               <a:rPr lang="en-CA" smtClean="0"/>
-              <a:t>04/09/2012</a:t>
+              <a:t>05/09/2012</a:t>
             </a:fld>
             <a:endParaRPr lang="en-CA"/>
           </a:p>
@@ -4242,6 +5846,422 @@
   <p:clrMapOvr>
     <a:masterClrMapping/>
   </p:clrMapOvr>
+  <p:timing>
+    <p:tnLst>
+      <p:par>
+        <p:cTn id="1" dur="indefinite" restart="never" nodeType="tmRoot"/>
+      </p:par>
+    </p:tnLst>
+  </p:timing>
+</p:sldLayout>
+</file>
+
+<file path=ppt/slideLayouts/slideLayout7.xml><?xml version="1.0" encoding="utf-8"?>
+<p:sldLayout xmlns:a="http://schemas.openxmlformats.org/drawingml/2006/main" xmlns:r="http://schemas.openxmlformats.org/officeDocument/2006/relationships" xmlns:p="http://schemas.openxmlformats.org/presentationml/2006/main" preserve="1" userDrawn="1">
+  <p:cSld name="Custom Layout">
+    <p:spTree>
+      <p:nvGrpSpPr>
+        <p:cNvPr id="1" name=""/>
+        <p:cNvGrpSpPr/>
+        <p:nvPr/>
+      </p:nvGrpSpPr>
+      <p:grpSpPr>
+        <a:xfrm>
+          <a:off x="0" y="0"/>
+          <a:ext cx="0" cy="0"/>
+          <a:chOff x="0" y="0"/>
+          <a:chExt cx="0" cy="0"/>
+        </a:xfrm>
+      </p:grpSpPr>
+      <p:sp>
+        <p:nvSpPr>
+          <p:cNvPr id="2" name="Title 1"/>
+          <p:cNvSpPr>
+            <a:spLocks noGrp="1"/>
+          </p:cNvSpPr>
+          <p:nvPr>
+            <p:ph type="title"/>
+          </p:nvPr>
+        </p:nvSpPr>
+        <p:spPr>
+          <a:xfrm>
+            <a:off x="457200" y="274638"/>
+            <a:ext cx="8229600" cy="1143000"/>
+          </a:xfrm>
+          <a:prstGeom prst="rect">
+            <a:avLst/>
+          </a:prstGeom>
+        </p:spPr>
+        <p:txBody>
+          <a:bodyPr/>
+          <a:lstStyle>
+            <a:lvl1pPr>
+              <a:defRPr lang="en-CA" sz="3200" kern="1200" dirty="0">
+                <a:solidFill>
+                  <a:schemeClr val="bg1"/>
+                </a:solidFill>
+                <a:latin typeface="Segoe UI Light" pitchFamily="34" charset="0"/>
+                <a:ea typeface="Segoe UI" pitchFamily="34" charset="0"/>
+                <a:cs typeface="Segoe UI" pitchFamily="34" charset="0"/>
+              </a:defRPr>
+            </a:lvl1pPr>
+          </a:lstStyle>
+          <a:p>
+            <a:r>
+              <a:rPr lang="en-US" dirty="0" smtClean="0"/>
+              <a:t>Click to edit Master title style</a:t>
+            </a:r>
+            <a:endParaRPr lang="en-CA" dirty="0"/>
+          </a:p>
+        </p:txBody>
+      </p:sp>
+      <p:sp>
+        <p:nvSpPr>
+          <p:cNvPr id="3" name="Content Placeholder 1"/>
+          <p:cNvSpPr txBox="1">
+            <a:spLocks/>
+          </p:cNvSpPr>
+          <p:nvPr userDrawn="1"/>
+        </p:nvSpPr>
+        <p:spPr>
+          <a:xfrm>
+            <a:off x="539552" y="1628800"/>
+            <a:ext cx="3096344" cy="1368152"/>
+          </a:xfrm>
+          <a:prstGeom prst="rect">
+            <a:avLst/>
+          </a:prstGeom>
+          <a:solidFill>
+            <a:schemeClr val="accent2"/>
+          </a:solidFill>
+        </p:spPr>
+        <p:txBody>
+          <a:bodyPr/>
+          <a:lstStyle>
+            <a:lvl1pPr marL="0" indent="0" algn="l" defTabSz="914400" rtl="0" eaLnBrk="1" latinLnBrk="0" hangingPunct="1">
+              <a:spcBef>
+                <a:spcPct val="20000"/>
+              </a:spcBef>
+              <a:buClr>
+                <a:schemeClr val="tx1"/>
+              </a:buClr>
+              <a:buFontTx/>
+              <a:buNone/>
+              <a:defRPr sz="3200" kern="1200">
+                <a:solidFill>
+                  <a:schemeClr val="bg1"/>
+                </a:solidFill>
+                <a:latin typeface="Segoe UI Light" pitchFamily="34" charset="0"/>
+                <a:ea typeface="Segoe UI" pitchFamily="34" charset="0"/>
+                <a:cs typeface="Segoe UI" pitchFamily="34" charset="0"/>
+              </a:defRPr>
+            </a:lvl1pPr>
+            <a:lvl2pPr marL="254250" indent="0" algn="l" defTabSz="914400" rtl="0" eaLnBrk="1" latinLnBrk="0" hangingPunct="1">
+              <a:spcBef>
+                <a:spcPct val="20000"/>
+              </a:spcBef>
+              <a:buClr>
+                <a:schemeClr val="tx1"/>
+              </a:buClr>
+              <a:buFontTx/>
+              <a:buNone/>
+              <a:defRPr sz="2800" kern="1200">
+                <a:solidFill>
+                  <a:schemeClr val="bg1">
+                    <a:lumMod val="75000"/>
+                  </a:schemeClr>
+                </a:solidFill>
+                <a:latin typeface="Segoe UI Light" pitchFamily="34" charset="0"/>
+                <a:ea typeface="Segoe UI" pitchFamily="34" charset="0"/>
+                <a:cs typeface="Segoe UI" pitchFamily="34" charset="0"/>
+              </a:defRPr>
+            </a:lvl2pPr>
+            <a:lvl3pPr marL="491400" indent="0" algn="l" defTabSz="914400" rtl="0" eaLnBrk="1" latinLnBrk="0" hangingPunct="1">
+              <a:spcBef>
+                <a:spcPct val="20000"/>
+              </a:spcBef>
+              <a:buClr>
+                <a:schemeClr val="tx1"/>
+              </a:buClr>
+              <a:buFontTx/>
+              <a:buNone/>
+              <a:defRPr sz="2400" kern="1200">
+                <a:solidFill>
+                  <a:schemeClr val="bg1">
+                    <a:lumMod val="50000"/>
+                  </a:schemeClr>
+                </a:solidFill>
+                <a:latin typeface="Segoe UI Light" pitchFamily="34" charset="0"/>
+                <a:ea typeface="Segoe UI" pitchFamily="34" charset="0"/>
+                <a:cs typeface="Segoe UI" pitchFamily="34" charset="0"/>
+              </a:defRPr>
+            </a:lvl3pPr>
+            <a:lvl4pPr marL="1600200" indent="-228600" algn="l" defTabSz="914400" rtl="0" eaLnBrk="1" latinLnBrk="0" hangingPunct="1">
+              <a:spcBef>
+                <a:spcPct val="20000"/>
+              </a:spcBef>
+              <a:buFont typeface="Arial" pitchFamily="34" charset="0"/>
+              <a:buChar char="–"/>
+              <a:defRPr sz="2000" kern="1200">
+                <a:solidFill>
+                  <a:schemeClr val="bg1"/>
+                </a:solidFill>
+                <a:latin typeface="Segoe WP" pitchFamily="34" charset="0"/>
+                <a:ea typeface="Segoe UI" pitchFamily="34" charset="0"/>
+                <a:cs typeface="Segoe UI" pitchFamily="34" charset="0"/>
+              </a:defRPr>
+            </a:lvl4pPr>
+            <a:lvl5pPr marL="2057400" indent="-228600" algn="l" defTabSz="914400" rtl="0" eaLnBrk="1" latinLnBrk="0" hangingPunct="1">
+              <a:spcBef>
+                <a:spcPct val="20000"/>
+              </a:spcBef>
+              <a:buFont typeface="Arial" pitchFamily="34" charset="0"/>
+              <a:buChar char="»"/>
+              <a:defRPr sz="2000" kern="1200">
+                <a:solidFill>
+                  <a:schemeClr val="bg1"/>
+                </a:solidFill>
+                <a:latin typeface="Segoe WP" pitchFamily="34" charset="0"/>
+                <a:ea typeface="Segoe UI" pitchFamily="34" charset="0"/>
+                <a:cs typeface="Segoe UI" pitchFamily="34" charset="0"/>
+              </a:defRPr>
+            </a:lvl5pPr>
+            <a:lvl6pPr marL="2514600" indent="-228600" algn="l" defTabSz="914400" rtl="0" eaLnBrk="1" latinLnBrk="0" hangingPunct="1">
+              <a:spcBef>
+                <a:spcPct val="20000"/>
+              </a:spcBef>
+              <a:buFont typeface="Arial" pitchFamily="34" charset="0"/>
+              <a:buChar char="•"/>
+              <a:defRPr sz="2000" kern="1200">
+                <a:solidFill>
+                  <a:schemeClr val="tx1"/>
+                </a:solidFill>
+                <a:latin typeface="+mn-lt"/>
+                <a:ea typeface="+mn-ea"/>
+                <a:cs typeface="+mn-cs"/>
+              </a:defRPr>
+            </a:lvl6pPr>
+            <a:lvl7pPr marL="2971800" indent="-228600" algn="l" defTabSz="914400" rtl="0" eaLnBrk="1" latinLnBrk="0" hangingPunct="1">
+              <a:spcBef>
+                <a:spcPct val="20000"/>
+              </a:spcBef>
+              <a:buFont typeface="Arial" pitchFamily="34" charset="0"/>
+              <a:buChar char="•"/>
+              <a:defRPr sz="2000" kern="1200">
+                <a:solidFill>
+                  <a:schemeClr val="tx1"/>
+                </a:solidFill>
+                <a:latin typeface="+mn-lt"/>
+                <a:ea typeface="+mn-ea"/>
+                <a:cs typeface="+mn-cs"/>
+              </a:defRPr>
+            </a:lvl7pPr>
+            <a:lvl8pPr marL="3429000" indent="-228600" algn="l" defTabSz="914400" rtl="0" eaLnBrk="1" latinLnBrk="0" hangingPunct="1">
+              <a:spcBef>
+                <a:spcPct val="20000"/>
+              </a:spcBef>
+              <a:buFont typeface="Arial" pitchFamily="34" charset="0"/>
+              <a:buChar char="•"/>
+              <a:defRPr sz="2000" kern="1200">
+                <a:solidFill>
+                  <a:schemeClr val="tx1"/>
+                </a:solidFill>
+                <a:latin typeface="+mn-lt"/>
+                <a:ea typeface="+mn-ea"/>
+                <a:cs typeface="+mn-cs"/>
+              </a:defRPr>
+            </a:lvl8pPr>
+            <a:lvl9pPr marL="3886200" indent="-228600" algn="l" defTabSz="914400" rtl="0" eaLnBrk="1" latinLnBrk="0" hangingPunct="1">
+              <a:spcBef>
+                <a:spcPct val="20000"/>
+              </a:spcBef>
+              <a:buFont typeface="Arial" pitchFamily="34" charset="0"/>
+              <a:buChar char="•"/>
+              <a:defRPr sz="2000" kern="1200">
+                <a:solidFill>
+                  <a:schemeClr val="tx1"/>
+                </a:solidFill>
+                <a:latin typeface="+mn-lt"/>
+                <a:ea typeface="+mn-ea"/>
+                <a:cs typeface="+mn-cs"/>
+              </a:defRPr>
+            </a:lvl9pPr>
+          </a:lstStyle>
+          <a:p>
+            <a:endParaRPr lang="en-CA" dirty="0"/>
+          </a:p>
+        </p:txBody>
+      </p:sp>
+      <p:sp>
+        <p:nvSpPr>
+          <p:cNvPr id="5" name="Text Placeholder 4"/>
+          <p:cNvSpPr>
+            <a:spLocks noGrp="1"/>
+          </p:cNvSpPr>
+          <p:nvPr>
+            <p:ph type="body" sz="quarter" idx="10"/>
+          </p:nvPr>
+        </p:nvSpPr>
+        <p:spPr>
+          <a:xfrm>
+            <a:off x="539750" y="1628775"/>
+            <a:ext cx="3095625" cy="1368425"/>
+          </a:xfrm>
+          <a:prstGeom prst="rect">
+            <a:avLst/>
+          </a:prstGeom>
+        </p:spPr>
+        <p:txBody>
+          <a:bodyPr/>
+          <a:lstStyle>
+            <a:lvl1pPr marL="0" indent="0">
+              <a:buNone/>
+              <a:defRPr lang="en-CA" sz="3200" kern="1200" dirty="0">
+                <a:solidFill>
+                  <a:schemeClr val="bg1"/>
+                </a:solidFill>
+                <a:latin typeface="Segoe UI Light" pitchFamily="34" charset="0"/>
+                <a:ea typeface="Segoe UI" pitchFamily="34" charset="0"/>
+                <a:cs typeface="Segoe UI" pitchFamily="34" charset="0"/>
+              </a:defRPr>
+            </a:lvl1pPr>
+          </a:lstStyle>
+          <a:p>
+            <a:pPr lvl="0"/>
+            <a:endParaRPr lang="en-CA" dirty="0"/>
+          </a:p>
+        </p:txBody>
+      </p:sp>
+    </p:spTree>
+    <p:extLst>
+      <p:ext uri="{BB962C8B-B14F-4D97-AF65-F5344CB8AC3E}">
+        <p14:creationId xmlns:p14="http://schemas.microsoft.com/office/powerpoint/2010/main" val="1176788601"/>
+      </p:ext>
+    </p:extLst>
+  </p:cSld>
+  <p:clrMapOvr>
+    <a:masterClrMapping/>
+  </p:clrMapOvr>
+  <mc:AlternateContent xmlns:mc="http://schemas.openxmlformats.org/markup-compatibility/2006" xmlns:p14="http://schemas.microsoft.com/office/powerpoint/2010/main">
+    <mc:Choice Requires="p14">
+      <p:transition spd="slow" p14:dur="2000"/>
+    </mc:Choice>
+    <mc:Fallback xmlns="">
+      <p:transition spd="slow"/>
+    </mc:Fallback>
+  </mc:AlternateContent>
+  <p:timing>
+    <p:tnLst>
+      <p:par>
+        <p:cTn id="1" dur="indefinite" restart="never" nodeType="tmRoot">
+          <p:childTnLst>
+            <p:seq concurrent="1" nextAc="seek">
+              <p:cTn id="2" dur="indefinite" nodeType="mainSeq">
+                <p:childTnLst>
+                  <p:par>
+                    <p:cTn id="3" fill="hold">
+                      <p:stCondLst>
+                        <p:cond delay="indefinite"/>
+                        <p:cond evt="onBegin" delay="0">
+                          <p:tn val="2"/>
+                        </p:cond>
+                      </p:stCondLst>
+                      <p:childTnLst>
+                        <p:par>
+                          <p:cTn id="4" fill="hold">
+                            <p:stCondLst>
+                              <p:cond delay="0"/>
+                            </p:stCondLst>
+                            <p:childTnLst>
+                              <p:par>
+                                <p:cTn id="5" presetID="10" presetClass="entr" presetSubtype="0" fill="hold" grpId="0" nodeType="afterEffect">
+                                  <p:stCondLst>
+                                    <p:cond delay="0"/>
+                                  </p:stCondLst>
+                                  <p:childTnLst>
+                                    <p:set>
+                                      <p:cBhvr>
+                                        <p:cTn id="6" dur="1" fill="hold">
+                                          <p:stCondLst>
+                                            <p:cond delay="0"/>
+                                          </p:stCondLst>
+                                        </p:cTn>
+                                        <p:tgtEl>
+                                          <p:spTgt spid="3"/>
+                                        </p:tgtEl>
+                                        <p:attrNameLst>
+                                          <p:attrName>style.visibility</p:attrName>
+                                        </p:attrNameLst>
+                                      </p:cBhvr>
+                                      <p:to>
+                                        <p:strVal val="visible"/>
+                                      </p:to>
+                                    </p:set>
+                                    <p:animEffect transition="in" filter="fade">
+                                      <p:cBhvr>
+                                        <p:cTn id="7" dur="500"/>
+                                        <p:tgtEl>
+                                          <p:spTgt spid="3"/>
+                                        </p:tgtEl>
+                                      </p:cBhvr>
+                                    </p:animEffect>
+                                  </p:childTnLst>
+                                </p:cTn>
+                              </p:par>
+                              <p:par>
+                                <p:cTn id="8" presetID="35" presetClass="path" presetSubtype="0" accel="50000" decel="50000" fill="hold" grpId="1" nodeType="withEffect">
+                                  <p:stCondLst>
+                                    <p:cond delay="0"/>
+                                  </p:stCondLst>
+                                  <p:childTnLst>
+                                    <p:animMotion origin="layout" path="M 3.88889E-6 -8.83646E-7 L 0.04323 0.00069 " pathEditMode="relative" rAng="0" ptsTypes="AA">
+                                      <p:cBhvr>
+                                        <p:cTn id="9" dur="2000" spd="-100000" fill="hold"/>
+                                        <p:tgtEl>
+                                          <p:spTgt spid="3"/>
+                                        </p:tgtEl>
+                                        <p:attrNameLst>
+                                          <p:attrName>ppt_x</p:attrName>
+                                          <p:attrName>ppt_y</p:attrName>
+                                        </p:attrNameLst>
+                                      </p:cBhvr>
+                                      <p:rCtr x="2153" y="23"/>
+                                    </p:animMotion>
+                                  </p:childTnLst>
+                                </p:cTn>
+                              </p:par>
+                            </p:childTnLst>
+                          </p:cTn>
+                        </p:par>
+                      </p:childTnLst>
+                    </p:cTn>
+                  </p:par>
+                </p:childTnLst>
+              </p:cTn>
+              <p:prevCondLst>
+                <p:cond evt="onPrev" delay="0">
+                  <p:tgtEl>
+                    <p:sldTgt/>
+                  </p:tgtEl>
+                </p:cond>
+              </p:prevCondLst>
+              <p:nextCondLst>
+                <p:cond evt="onNext" delay="0">
+                  <p:tgtEl>
+                    <p:sldTgt/>
+                  </p:tgtEl>
+                </p:cond>
+              </p:nextCondLst>
+            </p:seq>
+          </p:childTnLst>
+        </p:cTn>
+      </p:par>
+    </p:tnLst>
+    <p:bldLst>
+      <p:bldP spid="3" grpId="0" animBg="1"/>
+      <p:bldP spid="3" grpId="1" animBg="1"/>
+    </p:bldLst>
+  </p:timing>
 </p:sldLayout>
 </file>
 
@@ -4279,7 +6299,7 @@
           <p:nvPr/>
         </p:nvPicPr>
         <p:blipFill>
-          <a:blip r:embed="rId7">
+          <a:blip r:embed="rId9">
             <a:extLst>
               <a:ext uri="{28A0092B-C50C-407E-A947-70E740481C1C}">
                 <a14:useLocalDpi xmlns:a14="http://schemas.microsoft.com/office/drawing/2010/main" val="0"/>
@@ -4393,9 +6413,11 @@
   <p:sldLayoutIdLst>
     <p:sldLayoutId id="2147483661" r:id="rId1"/>
     <p:sldLayoutId id="2147483662" r:id="rId2"/>
-    <p:sldLayoutId id="2147483663" r:id="rId3"/>
-    <p:sldLayoutId id="2147483664" r:id="rId4"/>
-    <p:sldLayoutId id="2147483665" r:id="rId5"/>
+    <p:sldLayoutId id="2147483667" r:id="rId3"/>
+    <p:sldLayoutId id="2147483663" r:id="rId4"/>
+    <p:sldLayoutId id="2147483664" r:id="rId5"/>
+    <p:sldLayoutId id="2147483665" r:id="rId6"/>
+    <p:sldLayoutId id="2147483666" r:id="rId7"/>
   </p:sldLayoutIdLst>
   <mc:AlternateContent xmlns:mc="http://schemas.openxmlformats.org/markup-compatibility/2006" xmlns:p14="http://schemas.microsoft.com/office/powerpoint/2010/main">
     <mc:Choice Requires="p14">
@@ -6365,7 +8387,7 @@
       </p:grpSpPr>
       <p:sp>
         <p:nvSpPr>
-          <p:cNvPr id="3" name="Title 2"/>
+          <p:cNvPr id="2" name="Title 1"/>
           <p:cNvSpPr>
             <a:spLocks noGrp="1"/>
           </p:cNvSpPr>
@@ -6388,23 +8410,15 @@
       </p:sp>
       <p:sp>
         <p:nvSpPr>
-          <p:cNvPr id="4" name="Content Placeholder 1"/>
+          <p:cNvPr id="3" name="Content Placeholder 2"/>
           <p:cNvSpPr>
             <a:spLocks noGrp="1"/>
           </p:cNvSpPr>
           <p:nvPr>
-            <p:ph idx="1"/>
+            <p:ph sz="quarter" idx="10"/>
           </p:nvPr>
         </p:nvSpPr>
-        <p:spPr>
-          <a:xfrm>
-            <a:off x="467544" y="1628801"/>
-            <a:ext cx="3096344" cy="1368152"/>
-          </a:xfrm>
-          <a:solidFill>
-            <a:schemeClr val="tx2"/>
-          </a:solidFill>
-        </p:spPr>
+        <p:spPr/>
         <p:txBody>
           <a:bodyPr/>
           <a:lstStyle/>
@@ -6419,180 +8433,22 @@
       </p:sp>
       <p:sp>
         <p:nvSpPr>
-          <p:cNvPr id="5" name="Content Placeholder 1"/>
-          <p:cNvSpPr txBox="1">
-            <a:spLocks/>
+          <p:cNvPr id="4" name="Content Placeholder 3"/>
+          <p:cNvSpPr>
+            <a:spLocks noGrp="1"/>
           </p:cNvSpPr>
-          <p:nvPr/>
+          <p:nvPr>
+            <p:ph sz="quarter" idx="11"/>
+          </p:nvPr>
         </p:nvSpPr>
-        <p:spPr>
-          <a:xfrm>
-            <a:off x="3716288" y="1628800"/>
-            <a:ext cx="3096344" cy="1368152"/>
-          </a:xfrm>
-          <a:prstGeom prst="rect">
-            <a:avLst/>
-          </a:prstGeom>
-          <a:solidFill>
-            <a:schemeClr val="accent2"/>
-          </a:solidFill>
-        </p:spPr>
+        <p:spPr/>
         <p:txBody>
           <a:bodyPr/>
-          <a:lstStyle>
-            <a:lvl1pPr marL="0" indent="0" algn="l" defTabSz="914400" rtl="0" eaLnBrk="1" latinLnBrk="0" hangingPunct="1">
-              <a:spcBef>
-                <a:spcPct val="20000"/>
-              </a:spcBef>
-              <a:buClr>
-                <a:schemeClr val="tx1"/>
-              </a:buClr>
-              <a:buFontTx/>
-              <a:buNone/>
-              <a:defRPr sz="3200" kern="1200">
-                <a:solidFill>
-                  <a:schemeClr val="bg1"/>
-                </a:solidFill>
-                <a:latin typeface="Segoe UI Light" pitchFamily="34" charset="0"/>
-                <a:ea typeface="Segoe UI" pitchFamily="34" charset="0"/>
-                <a:cs typeface="Segoe UI" pitchFamily="34" charset="0"/>
-              </a:defRPr>
-            </a:lvl1pPr>
-            <a:lvl2pPr marL="254250" indent="0" algn="l" defTabSz="914400" rtl="0" eaLnBrk="1" latinLnBrk="0" hangingPunct="1">
-              <a:spcBef>
-                <a:spcPct val="20000"/>
-              </a:spcBef>
-              <a:buClr>
-                <a:schemeClr val="tx1"/>
-              </a:buClr>
-              <a:buFontTx/>
-              <a:buNone/>
-              <a:defRPr sz="2800" kern="1200">
-                <a:solidFill>
-                  <a:schemeClr val="bg1">
-                    <a:lumMod val="75000"/>
-                  </a:schemeClr>
-                </a:solidFill>
-                <a:latin typeface="Segoe UI Light" pitchFamily="34" charset="0"/>
-                <a:ea typeface="Segoe UI" pitchFamily="34" charset="0"/>
-                <a:cs typeface="Segoe UI" pitchFamily="34" charset="0"/>
-              </a:defRPr>
-            </a:lvl2pPr>
-            <a:lvl3pPr marL="491400" indent="0" algn="l" defTabSz="914400" rtl="0" eaLnBrk="1" latinLnBrk="0" hangingPunct="1">
-              <a:spcBef>
-                <a:spcPct val="20000"/>
-              </a:spcBef>
-              <a:buClr>
-                <a:schemeClr val="tx1"/>
-              </a:buClr>
-              <a:buFontTx/>
-              <a:buNone/>
-              <a:defRPr sz="2400" kern="1200">
-                <a:solidFill>
-                  <a:schemeClr val="bg1">
-                    <a:lumMod val="50000"/>
-                  </a:schemeClr>
-                </a:solidFill>
-                <a:latin typeface="Segoe UI Light" pitchFamily="34" charset="0"/>
-                <a:ea typeface="Segoe UI" pitchFamily="34" charset="0"/>
-                <a:cs typeface="Segoe UI" pitchFamily="34" charset="0"/>
-              </a:defRPr>
-            </a:lvl3pPr>
-            <a:lvl4pPr marL="1600200" indent="-228600" algn="l" defTabSz="914400" rtl="0" eaLnBrk="1" latinLnBrk="0" hangingPunct="1">
-              <a:spcBef>
-                <a:spcPct val="20000"/>
-              </a:spcBef>
-              <a:buFont typeface="Arial" pitchFamily="34" charset="0"/>
-              <a:buChar char="–"/>
-              <a:defRPr sz="2000" kern="1200">
-                <a:solidFill>
-                  <a:schemeClr val="bg1"/>
-                </a:solidFill>
-                <a:latin typeface="Segoe WP" pitchFamily="34" charset="0"/>
-                <a:ea typeface="Segoe UI" pitchFamily="34" charset="0"/>
-                <a:cs typeface="Segoe UI" pitchFamily="34" charset="0"/>
-              </a:defRPr>
-            </a:lvl4pPr>
-            <a:lvl5pPr marL="2057400" indent="-228600" algn="l" defTabSz="914400" rtl="0" eaLnBrk="1" latinLnBrk="0" hangingPunct="1">
-              <a:spcBef>
-                <a:spcPct val="20000"/>
-              </a:spcBef>
-              <a:buFont typeface="Arial" pitchFamily="34" charset="0"/>
-              <a:buChar char="»"/>
-              <a:defRPr sz="2000" kern="1200">
-                <a:solidFill>
-                  <a:schemeClr val="bg1"/>
-                </a:solidFill>
-                <a:latin typeface="Segoe WP" pitchFamily="34" charset="0"/>
-                <a:ea typeface="Segoe UI" pitchFamily="34" charset="0"/>
-                <a:cs typeface="Segoe UI" pitchFamily="34" charset="0"/>
-              </a:defRPr>
-            </a:lvl5pPr>
-            <a:lvl6pPr marL="2514600" indent="-228600" algn="l" defTabSz="914400" rtl="0" eaLnBrk="1" latinLnBrk="0" hangingPunct="1">
-              <a:spcBef>
-                <a:spcPct val="20000"/>
-              </a:spcBef>
-              <a:buFont typeface="Arial" pitchFamily="34" charset="0"/>
-              <a:buChar char="•"/>
-              <a:defRPr sz="2000" kern="1200">
-                <a:solidFill>
-                  <a:schemeClr val="tx1"/>
-                </a:solidFill>
-                <a:latin typeface="+mn-lt"/>
-                <a:ea typeface="+mn-ea"/>
-                <a:cs typeface="+mn-cs"/>
-              </a:defRPr>
-            </a:lvl6pPr>
-            <a:lvl7pPr marL="2971800" indent="-228600" algn="l" defTabSz="914400" rtl="0" eaLnBrk="1" latinLnBrk="0" hangingPunct="1">
-              <a:spcBef>
-                <a:spcPct val="20000"/>
-              </a:spcBef>
-              <a:buFont typeface="Arial" pitchFamily="34" charset="0"/>
-              <a:buChar char="•"/>
-              <a:defRPr sz="2000" kern="1200">
-                <a:solidFill>
-                  <a:schemeClr val="tx1"/>
-                </a:solidFill>
-                <a:latin typeface="+mn-lt"/>
-                <a:ea typeface="+mn-ea"/>
-                <a:cs typeface="+mn-cs"/>
-              </a:defRPr>
-            </a:lvl7pPr>
-            <a:lvl8pPr marL="3429000" indent="-228600" algn="l" defTabSz="914400" rtl="0" eaLnBrk="1" latinLnBrk="0" hangingPunct="1">
-              <a:spcBef>
-                <a:spcPct val="20000"/>
-              </a:spcBef>
-              <a:buFont typeface="Arial" pitchFamily="34" charset="0"/>
-              <a:buChar char="•"/>
-              <a:defRPr sz="2000" kern="1200">
-                <a:solidFill>
-                  <a:schemeClr val="tx1"/>
-                </a:solidFill>
-                <a:latin typeface="+mn-lt"/>
-                <a:ea typeface="+mn-ea"/>
-                <a:cs typeface="+mn-cs"/>
-              </a:defRPr>
-            </a:lvl8pPr>
-            <a:lvl9pPr marL="3886200" indent="-228600" algn="l" defTabSz="914400" rtl="0" eaLnBrk="1" latinLnBrk="0" hangingPunct="1">
-              <a:spcBef>
-                <a:spcPct val="20000"/>
-              </a:spcBef>
-              <a:buFont typeface="Arial" pitchFamily="34" charset="0"/>
-              <a:buChar char="•"/>
-              <a:defRPr sz="2000" kern="1200">
-                <a:solidFill>
-                  <a:schemeClr val="tx1"/>
-                </a:solidFill>
-                <a:latin typeface="+mn-lt"/>
-                <a:ea typeface="+mn-ea"/>
-                <a:cs typeface="+mn-cs"/>
-              </a:defRPr>
-            </a:lvl9pPr>
-          </a:lstStyle>
+          <a:lstStyle/>
           <a:p>
             <a:r>
               <a:rPr lang="pl-PL" dirty="0" smtClean="0"/>
-              <a:t>Different languages</a:t>
+              <a:t>Different techs and languages</a:t>
             </a:r>
             <a:endParaRPr lang="en-CA" dirty="0"/>
           </a:p>
@@ -6600,180 +8456,22 @@
       </p:sp>
       <p:sp>
         <p:nvSpPr>
-          <p:cNvPr id="6" name="Content Placeholder 1"/>
-          <p:cNvSpPr txBox="1">
-            <a:spLocks/>
+          <p:cNvPr id="5" name="Content Placeholder 4"/>
+          <p:cNvSpPr>
+            <a:spLocks noGrp="1"/>
           </p:cNvSpPr>
-          <p:nvPr/>
+          <p:nvPr>
+            <p:ph sz="quarter" idx="12"/>
+          </p:nvPr>
         </p:nvSpPr>
-        <p:spPr>
-          <a:xfrm>
-            <a:off x="3716288" y="3139010"/>
-            <a:ext cx="3096344" cy="1368152"/>
-          </a:xfrm>
-          <a:prstGeom prst="rect">
-            <a:avLst/>
-          </a:prstGeom>
-          <a:solidFill>
-            <a:schemeClr val="accent1"/>
-          </a:solidFill>
-        </p:spPr>
+        <p:spPr/>
         <p:txBody>
           <a:bodyPr/>
-          <a:lstStyle>
-            <a:lvl1pPr marL="0" indent="0" algn="l" defTabSz="914400" rtl="0" eaLnBrk="1" latinLnBrk="0" hangingPunct="1">
-              <a:spcBef>
-                <a:spcPct val="20000"/>
-              </a:spcBef>
-              <a:buClr>
-                <a:schemeClr val="tx1"/>
-              </a:buClr>
-              <a:buFontTx/>
-              <a:buNone/>
-              <a:defRPr sz="3200" kern="1200">
-                <a:solidFill>
-                  <a:schemeClr val="bg1"/>
-                </a:solidFill>
-                <a:latin typeface="Segoe UI Light" pitchFamily="34" charset="0"/>
-                <a:ea typeface="Segoe UI" pitchFamily="34" charset="0"/>
-                <a:cs typeface="Segoe UI" pitchFamily="34" charset="0"/>
-              </a:defRPr>
-            </a:lvl1pPr>
-            <a:lvl2pPr marL="254250" indent="0" algn="l" defTabSz="914400" rtl="0" eaLnBrk="1" latinLnBrk="0" hangingPunct="1">
-              <a:spcBef>
-                <a:spcPct val="20000"/>
-              </a:spcBef>
-              <a:buClr>
-                <a:schemeClr val="tx1"/>
-              </a:buClr>
-              <a:buFontTx/>
-              <a:buNone/>
-              <a:defRPr sz="2800" kern="1200">
-                <a:solidFill>
-                  <a:schemeClr val="bg1">
-                    <a:lumMod val="75000"/>
-                  </a:schemeClr>
-                </a:solidFill>
-                <a:latin typeface="Segoe UI Light" pitchFamily="34" charset="0"/>
-                <a:ea typeface="Segoe UI" pitchFamily="34" charset="0"/>
-                <a:cs typeface="Segoe UI" pitchFamily="34" charset="0"/>
-              </a:defRPr>
-            </a:lvl2pPr>
-            <a:lvl3pPr marL="491400" indent="0" algn="l" defTabSz="914400" rtl="0" eaLnBrk="1" latinLnBrk="0" hangingPunct="1">
-              <a:spcBef>
-                <a:spcPct val="20000"/>
-              </a:spcBef>
-              <a:buClr>
-                <a:schemeClr val="tx1"/>
-              </a:buClr>
-              <a:buFontTx/>
-              <a:buNone/>
-              <a:defRPr sz="2400" kern="1200">
-                <a:solidFill>
-                  <a:schemeClr val="bg1">
-                    <a:lumMod val="50000"/>
-                  </a:schemeClr>
-                </a:solidFill>
-                <a:latin typeface="Segoe UI Light" pitchFamily="34" charset="0"/>
-                <a:ea typeface="Segoe UI" pitchFamily="34" charset="0"/>
-                <a:cs typeface="Segoe UI" pitchFamily="34" charset="0"/>
-              </a:defRPr>
-            </a:lvl3pPr>
-            <a:lvl4pPr marL="1600200" indent="-228600" algn="l" defTabSz="914400" rtl="0" eaLnBrk="1" latinLnBrk="0" hangingPunct="1">
-              <a:spcBef>
-                <a:spcPct val="20000"/>
-              </a:spcBef>
-              <a:buFont typeface="Arial" pitchFamily="34" charset="0"/>
-              <a:buChar char="–"/>
-              <a:defRPr sz="2000" kern="1200">
-                <a:solidFill>
-                  <a:schemeClr val="bg1"/>
-                </a:solidFill>
-                <a:latin typeface="Segoe WP" pitchFamily="34" charset="0"/>
-                <a:ea typeface="Segoe UI" pitchFamily="34" charset="0"/>
-                <a:cs typeface="Segoe UI" pitchFamily="34" charset="0"/>
-              </a:defRPr>
-            </a:lvl4pPr>
-            <a:lvl5pPr marL="2057400" indent="-228600" algn="l" defTabSz="914400" rtl="0" eaLnBrk="1" latinLnBrk="0" hangingPunct="1">
-              <a:spcBef>
-                <a:spcPct val="20000"/>
-              </a:spcBef>
-              <a:buFont typeface="Arial" pitchFamily="34" charset="0"/>
-              <a:buChar char="»"/>
-              <a:defRPr sz="2000" kern="1200">
-                <a:solidFill>
-                  <a:schemeClr val="bg1"/>
-                </a:solidFill>
-                <a:latin typeface="Segoe WP" pitchFamily="34" charset="0"/>
-                <a:ea typeface="Segoe UI" pitchFamily="34" charset="0"/>
-                <a:cs typeface="Segoe UI" pitchFamily="34" charset="0"/>
-              </a:defRPr>
-            </a:lvl5pPr>
-            <a:lvl6pPr marL="2514600" indent="-228600" algn="l" defTabSz="914400" rtl="0" eaLnBrk="1" latinLnBrk="0" hangingPunct="1">
-              <a:spcBef>
-                <a:spcPct val="20000"/>
-              </a:spcBef>
-              <a:buFont typeface="Arial" pitchFamily="34" charset="0"/>
-              <a:buChar char="•"/>
-              <a:defRPr sz="2000" kern="1200">
-                <a:solidFill>
-                  <a:schemeClr val="tx1"/>
-                </a:solidFill>
-                <a:latin typeface="+mn-lt"/>
-                <a:ea typeface="+mn-ea"/>
-                <a:cs typeface="+mn-cs"/>
-              </a:defRPr>
-            </a:lvl6pPr>
-            <a:lvl7pPr marL="2971800" indent="-228600" algn="l" defTabSz="914400" rtl="0" eaLnBrk="1" latinLnBrk="0" hangingPunct="1">
-              <a:spcBef>
-                <a:spcPct val="20000"/>
-              </a:spcBef>
-              <a:buFont typeface="Arial" pitchFamily="34" charset="0"/>
-              <a:buChar char="•"/>
-              <a:defRPr sz="2000" kern="1200">
-                <a:solidFill>
-                  <a:schemeClr val="tx1"/>
-                </a:solidFill>
-                <a:latin typeface="+mn-lt"/>
-                <a:ea typeface="+mn-ea"/>
-                <a:cs typeface="+mn-cs"/>
-              </a:defRPr>
-            </a:lvl7pPr>
-            <a:lvl8pPr marL="3429000" indent="-228600" algn="l" defTabSz="914400" rtl="0" eaLnBrk="1" latinLnBrk="0" hangingPunct="1">
-              <a:spcBef>
-                <a:spcPct val="20000"/>
-              </a:spcBef>
-              <a:buFont typeface="Arial" pitchFamily="34" charset="0"/>
-              <a:buChar char="•"/>
-              <a:defRPr sz="2000" kern="1200">
-                <a:solidFill>
-                  <a:schemeClr val="tx1"/>
-                </a:solidFill>
-                <a:latin typeface="+mn-lt"/>
-                <a:ea typeface="+mn-ea"/>
-                <a:cs typeface="+mn-cs"/>
-              </a:defRPr>
-            </a:lvl8pPr>
-            <a:lvl9pPr marL="3886200" indent="-228600" algn="l" defTabSz="914400" rtl="0" eaLnBrk="1" latinLnBrk="0" hangingPunct="1">
-              <a:spcBef>
-                <a:spcPct val="20000"/>
-              </a:spcBef>
-              <a:buFont typeface="Arial" pitchFamily="34" charset="0"/>
-              <a:buChar char="•"/>
-              <a:defRPr sz="2000" kern="1200">
-                <a:solidFill>
-                  <a:schemeClr val="tx1"/>
-                </a:solidFill>
-                <a:latin typeface="+mn-lt"/>
-                <a:ea typeface="+mn-ea"/>
-                <a:cs typeface="+mn-cs"/>
-              </a:defRPr>
-            </a:lvl9pPr>
-          </a:lstStyle>
+          <a:lstStyle/>
           <a:p>
             <a:r>
               <a:rPr lang="pl-PL" dirty="0" smtClean="0"/>
-              <a:t>Introduction to OOP</a:t>
+              <a:t>Programming for the Web</a:t>
             </a:r>
             <a:endParaRPr lang="en-CA" dirty="0"/>
           </a:p>
@@ -6781,176 +8479,18 @@
       </p:sp>
       <p:sp>
         <p:nvSpPr>
-          <p:cNvPr id="7" name="Content Placeholder 1"/>
-          <p:cNvSpPr txBox="1">
-            <a:spLocks/>
+          <p:cNvPr id="6" name="Content Placeholder 5"/>
+          <p:cNvSpPr>
+            <a:spLocks noGrp="1"/>
           </p:cNvSpPr>
-          <p:nvPr/>
+          <p:nvPr>
+            <p:ph sz="quarter" idx="13"/>
+          </p:nvPr>
         </p:nvSpPr>
-        <p:spPr>
-          <a:xfrm>
-            <a:off x="467544" y="4653136"/>
-            <a:ext cx="3096344" cy="1368152"/>
-          </a:xfrm>
-          <a:prstGeom prst="rect">
-            <a:avLst/>
-          </a:prstGeom>
-          <a:solidFill>
-            <a:schemeClr val="accent4"/>
-          </a:solidFill>
-        </p:spPr>
+        <p:spPr/>
         <p:txBody>
           <a:bodyPr/>
-          <a:lstStyle>
-            <a:lvl1pPr marL="0" indent="0" algn="l" defTabSz="914400" rtl="0" eaLnBrk="1" latinLnBrk="0" hangingPunct="1">
-              <a:spcBef>
-                <a:spcPct val="20000"/>
-              </a:spcBef>
-              <a:buClr>
-                <a:schemeClr val="tx1"/>
-              </a:buClr>
-              <a:buFontTx/>
-              <a:buNone/>
-              <a:defRPr sz="3200" kern="1200">
-                <a:solidFill>
-                  <a:schemeClr val="bg1"/>
-                </a:solidFill>
-                <a:latin typeface="Segoe UI Light" pitchFamily="34" charset="0"/>
-                <a:ea typeface="Segoe UI" pitchFamily="34" charset="0"/>
-                <a:cs typeface="Segoe UI" pitchFamily="34" charset="0"/>
-              </a:defRPr>
-            </a:lvl1pPr>
-            <a:lvl2pPr marL="254250" indent="0" algn="l" defTabSz="914400" rtl="0" eaLnBrk="1" latinLnBrk="0" hangingPunct="1">
-              <a:spcBef>
-                <a:spcPct val="20000"/>
-              </a:spcBef>
-              <a:buClr>
-                <a:schemeClr val="tx1"/>
-              </a:buClr>
-              <a:buFontTx/>
-              <a:buNone/>
-              <a:defRPr sz="2800" kern="1200">
-                <a:solidFill>
-                  <a:schemeClr val="bg1">
-                    <a:lumMod val="75000"/>
-                  </a:schemeClr>
-                </a:solidFill>
-                <a:latin typeface="Segoe UI Light" pitchFamily="34" charset="0"/>
-                <a:ea typeface="Segoe UI" pitchFamily="34" charset="0"/>
-                <a:cs typeface="Segoe UI" pitchFamily="34" charset="0"/>
-              </a:defRPr>
-            </a:lvl2pPr>
-            <a:lvl3pPr marL="491400" indent="0" algn="l" defTabSz="914400" rtl="0" eaLnBrk="1" latinLnBrk="0" hangingPunct="1">
-              <a:spcBef>
-                <a:spcPct val="20000"/>
-              </a:spcBef>
-              <a:buClr>
-                <a:schemeClr val="tx1"/>
-              </a:buClr>
-              <a:buFontTx/>
-              <a:buNone/>
-              <a:defRPr sz="2400" kern="1200">
-                <a:solidFill>
-                  <a:schemeClr val="bg1">
-                    <a:lumMod val="50000"/>
-                  </a:schemeClr>
-                </a:solidFill>
-                <a:latin typeface="Segoe UI Light" pitchFamily="34" charset="0"/>
-                <a:ea typeface="Segoe UI" pitchFamily="34" charset="0"/>
-                <a:cs typeface="Segoe UI" pitchFamily="34" charset="0"/>
-              </a:defRPr>
-            </a:lvl3pPr>
-            <a:lvl4pPr marL="1600200" indent="-228600" algn="l" defTabSz="914400" rtl="0" eaLnBrk="1" latinLnBrk="0" hangingPunct="1">
-              <a:spcBef>
-                <a:spcPct val="20000"/>
-              </a:spcBef>
-              <a:buFont typeface="Arial" pitchFamily="34" charset="0"/>
-              <a:buChar char="–"/>
-              <a:defRPr sz="2000" kern="1200">
-                <a:solidFill>
-                  <a:schemeClr val="bg1"/>
-                </a:solidFill>
-                <a:latin typeface="Segoe WP" pitchFamily="34" charset="0"/>
-                <a:ea typeface="Segoe UI" pitchFamily="34" charset="0"/>
-                <a:cs typeface="Segoe UI" pitchFamily="34" charset="0"/>
-              </a:defRPr>
-            </a:lvl4pPr>
-            <a:lvl5pPr marL="2057400" indent="-228600" algn="l" defTabSz="914400" rtl="0" eaLnBrk="1" latinLnBrk="0" hangingPunct="1">
-              <a:spcBef>
-                <a:spcPct val="20000"/>
-              </a:spcBef>
-              <a:buFont typeface="Arial" pitchFamily="34" charset="0"/>
-              <a:buChar char="»"/>
-              <a:defRPr sz="2000" kern="1200">
-                <a:solidFill>
-                  <a:schemeClr val="bg1"/>
-                </a:solidFill>
-                <a:latin typeface="Segoe WP" pitchFamily="34" charset="0"/>
-                <a:ea typeface="Segoe UI" pitchFamily="34" charset="0"/>
-                <a:cs typeface="Segoe UI" pitchFamily="34" charset="0"/>
-              </a:defRPr>
-            </a:lvl5pPr>
-            <a:lvl6pPr marL="2514600" indent="-228600" algn="l" defTabSz="914400" rtl="0" eaLnBrk="1" latinLnBrk="0" hangingPunct="1">
-              <a:spcBef>
-                <a:spcPct val="20000"/>
-              </a:spcBef>
-              <a:buFont typeface="Arial" pitchFamily="34" charset="0"/>
-              <a:buChar char="•"/>
-              <a:defRPr sz="2000" kern="1200">
-                <a:solidFill>
-                  <a:schemeClr val="tx1"/>
-                </a:solidFill>
-                <a:latin typeface="+mn-lt"/>
-                <a:ea typeface="+mn-ea"/>
-                <a:cs typeface="+mn-cs"/>
-              </a:defRPr>
-            </a:lvl6pPr>
-            <a:lvl7pPr marL="2971800" indent="-228600" algn="l" defTabSz="914400" rtl="0" eaLnBrk="1" latinLnBrk="0" hangingPunct="1">
-              <a:spcBef>
-                <a:spcPct val="20000"/>
-              </a:spcBef>
-              <a:buFont typeface="Arial" pitchFamily="34" charset="0"/>
-              <a:buChar char="•"/>
-              <a:defRPr sz="2000" kern="1200">
-                <a:solidFill>
-                  <a:schemeClr val="tx1"/>
-                </a:solidFill>
-                <a:latin typeface="+mn-lt"/>
-                <a:ea typeface="+mn-ea"/>
-                <a:cs typeface="+mn-cs"/>
-              </a:defRPr>
-            </a:lvl7pPr>
-            <a:lvl8pPr marL="3429000" indent="-228600" algn="l" defTabSz="914400" rtl="0" eaLnBrk="1" latinLnBrk="0" hangingPunct="1">
-              <a:spcBef>
-                <a:spcPct val="20000"/>
-              </a:spcBef>
-              <a:buFont typeface="Arial" pitchFamily="34" charset="0"/>
-              <a:buChar char="•"/>
-              <a:defRPr sz="2000" kern="1200">
-                <a:solidFill>
-                  <a:schemeClr val="tx1"/>
-                </a:solidFill>
-                <a:latin typeface="+mn-lt"/>
-                <a:ea typeface="+mn-ea"/>
-                <a:cs typeface="+mn-cs"/>
-              </a:defRPr>
-            </a:lvl8pPr>
-            <a:lvl9pPr marL="3886200" indent="-228600" algn="l" defTabSz="914400" rtl="0" eaLnBrk="1" latinLnBrk="0" hangingPunct="1">
-              <a:spcBef>
-                <a:spcPct val="20000"/>
-              </a:spcBef>
-              <a:buFont typeface="Arial" pitchFamily="34" charset="0"/>
-              <a:buChar char="•"/>
-              <a:defRPr sz="2000" kern="1200">
-                <a:solidFill>
-                  <a:schemeClr val="tx1"/>
-                </a:solidFill>
-                <a:latin typeface="+mn-lt"/>
-                <a:ea typeface="+mn-ea"/>
-                <a:cs typeface="+mn-cs"/>
-              </a:defRPr>
-            </a:lvl9pPr>
-          </a:lstStyle>
+          <a:lstStyle/>
           <a:p>
             <a:r>
               <a:rPr lang="pl-PL" dirty="0" smtClean="0"/>
@@ -6962,180 +8502,22 @@
       </p:sp>
       <p:sp>
         <p:nvSpPr>
-          <p:cNvPr id="8" name="Content Placeholder 1"/>
-          <p:cNvSpPr txBox="1">
-            <a:spLocks/>
+          <p:cNvPr id="8" name="Content Placeholder 7"/>
+          <p:cNvSpPr>
+            <a:spLocks noGrp="1"/>
           </p:cNvSpPr>
-          <p:nvPr/>
+          <p:nvPr>
+            <p:ph sz="quarter" idx="15"/>
+          </p:nvPr>
         </p:nvSpPr>
-        <p:spPr>
-          <a:xfrm>
-            <a:off x="467544" y="3139010"/>
-            <a:ext cx="3096344" cy="1368152"/>
-          </a:xfrm>
-          <a:prstGeom prst="rect">
-            <a:avLst/>
-          </a:prstGeom>
-          <a:solidFill>
-            <a:schemeClr val="accent3"/>
-          </a:solidFill>
-        </p:spPr>
+        <p:spPr/>
         <p:txBody>
           <a:bodyPr/>
-          <a:lstStyle>
-            <a:lvl1pPr marL="0" indent="0" algn="l" defTabSz="914400" rtl="0" eaLnBrk="1" latinLnBrk="0" hangingPunct="1">
-              <a:spcBef>
-                <a:spcPct val="20000"/>
-              </a:spcBef>
-              <a:buClr>
-                <a:schemeClr val="tx1"/>
-              </a:buClr>
-              <a:buFontTx/>
-              <a:buNone/>
-              <a:defRPr sz="3200" kern="1200">
-                <a:solidFill>
-                  <a:schemeClr val="bg1"/>
-                </a:solidFill>
-                <a:latin typeface="Segoe UI Light" pitchFamily="34" charset="0"/>
-                <a:ea typeface="Segoe UI" pitchFamily="34" charset="0"/>
-                <a:cs typeface="Segoe UI" pitchFamily="34" charset="0"/>
-              </a:defRPr>
-            </a:lvl1pPr>
-            <a:lvl2pPr marL="254250" indent="0" algn="l" defTabSz="914400" rtl="0" eaLnBrk="1" latinLnBrk="0" hangingPunct="1">
-              <a:spcBef>
-                <a:spcPct val="20000"/>
-              </a:spcBef>
-              <a:buClr>
-                <a:schemeClr val="tx1"/>
-              </a:buClr>
-              <a:buFontTx/>
-              <a:buNone/>
-              <a:defRPr sz="2800" kern="1200">
-                <a:solidFill>
-                  <a:schemeClr val="bg1">
-                    <a:lumMod val="75000"/>
-                  </a:schemeClr>
-                </a:solidFill>
-                <a:latin typeface="Segoe UI Light" pitchFamily="34" charset="0"/>
-                <a:ea typeface="Segoe UI" pitchFamily="34" charset="0"/>
-                <a:cs typeface="Segoe UI" pitchFamily="34" charset="0"/>
-              </a:defRPr>
-            </a:lvl2pPr>
-            <a:lvl3pPr marL="491400" indent="0" algn="l" defTabSz="914400" rtl="0" eaLnBrk="1" latinLnBrk="0" hangingPunct="1">
-              <a:spcBef>
-                <a:spcPct val="20000"/>
-              </a:spcBef>
-              <a:buClr>
-                <a:schemeClr val="tx1"/>
-              </a:buClr>
-              <a:buFontTx/>
-              <a:buNone/>
-              <a:defRPr sz="2400" kern="1200">
-                <a:solidFill>
-                  <a:schemeClr val="bg1">
-                    <a:lumMod val="50000"/>
-                  </a:schemeClr>
-                </a:solidFill>
-                <a:latin typeface="Segoe UI Light" pitchFamily="34" charset="0"/>
-                <a:ea typeface="Segoe UI" pitchFamily="34" charset="0"/>
-                <a:cs typeface="Segoe UI" pitchFamily="34" charset="0"/>
-              </a:defRPr>
-            </a:lvl3pPr>
-            <a:lvl4pPr marL="1600200" indent="-228600" algn="l" defTabSz="914400" rtl="0" eaLnBrk="1" latinLnBrk="0" hangingPunct="1">
-              <a:spcBef>
-                <a:spcPct val="20000"/>
-              </a:spcBef>
-              <a:buFont typeface="Arial" pitchFamily="34" charset="0"/>
-              <a:buChar char="–"/>
-              <a:defRPr sz="2000" kern="1200">
-                <a:solidFill>
-                  <a:schemeClr val="bg1"/>
-                </a:solidFill>
-                <a:latin typeface="Segoe WP" pitchFamily="34" charset="0"/>
-                <a:ea typeface="Segoe UI" pitchFamily="34" charset="0"/>
-                <a:cs typeface="Segoe UI" pitchFamily="34" charset="0"/>
-              </a:defRPr>
-            </a:lvl4pPr>
-            <a:lvl5pPr marL="2057400" indent="-228600" algn="l" defTabSz="914400" rtl="0" eaLnBrk="1" latinLnBrk="0" hangingPunct="1">
-              <a:spcBef>
-                <a:spcPct val="20000"/>
-              </a:spcBef>
-              <a:buFont typeface="Arial" pitchFamily="34" charset="0"/>
-              <a:buChar char="»"/>
-              <a:defRPr sz="2000" kern="1200">
-                <a:solidFill>
-                  <a:schemeClr val="bg1"/>
-                </a:solidFill>
-                <a:latin typeface="Segoe WP" pitchFamily="34" charset="0"/>
-                <a:ea typeface="Segoe UI" pitchFamily="34" charset="0"/>
-                <a:cs typeface="Segoe UI" pitchFamily="34" charset="0"/>
-              </a:defRPr>
-            </a:lvl5pPr>
-            <a:lvl6pPr marL="2514600" indent="-228600" algn="l" defTabSz="914400" rtl="0" eaLnBrk="1" latinLnBrk="0" hangingPunct="1">
-              <a:spcBef>
-                <a:spcPct val="20000"/>
-              </a:spcBef>
-              <a:buFont typeface="Arial" pitchFamily="34" charset="0"/>
-              <a:buChar char="•"/>
-              <a:defRPr sz="2000" kern="1200">
-                <a:solidFill>
-                  <a:schemeClr val="tx1"/>
-                </a:solidFill>
-                <a:latin typeface="+mn-lt"/>
-                <a:ea typeface="+mn-ea"/>
-                <a:cs typeface="+mn-cs"/>
-              </a:defRPr>
-            </a:lvl6pPr>
-            <a:lvl7pPr marL="2971800" indent="-228600" algn="l" defTabSz="914400" rtl="0" eaLnBrk="1" latinLnBrk="0" hangingPunct="1">
-              <a:spcBef>
-                <a:spcPct val="20000"/>
-              </a:spcBef>
-              <a:buFont typeface="Arial" pitchFamily="34" charset="0"/>
-              <a:buChar char="•"/>
-              <a:defRPr sz="2000" kern="1200">
-                <a:solidFill>
-                  <a:schemeClr val="tx1"/>
-                </a:solidFill>
-                <a:latin typeface="+mn-lt"/>
-                <a:ea typeface="+mn-ea"/>
-                <a:cs typeface="+mn-cs"/>
-              </a:defRPr>
-            </a:lvl7pPr>
-            <a:lvl8pPr marL="3429000" indent="-228600" algn="l" defTabSz="914400" rtl="0" eaLnBrk="1" latinLnBrk="0" hangingPunct="1">
-              <a:spcBef>
-                <a:spcPct val="20000"/>
-              </a:spcBef>
-              <a:buFont typeface="Arial" pitchFamily="34" charset="0"/>
-              <a:buChar char="•"/>
-              <a:defRPr sz="2000" kern="1200">
-                <a:solidFill>
-                  <a:schemeClr val="tx1"/>
-                </a:solidFill>
-                <a:latin typeface="+mn-lt"/>
-                <a:ea typeface="+mn-ea"/>
-                <a:cs typeface="+mn-cs"/>
-              </a:defRPr>
-            </a:lvl8pPr>
-            <a:lvl9pPr marL="3886200" indent="-228600" algn="l" defTabSz="914400" rtl="0" eaLnBrk="1" latinLnBrk="0" hangingPunct="1">
-              <a:spcBef>
-                <a:spcPct val="20000"/>
-              </a:spcBef>
-              <a:buFont typeface="Arial" pitchFamily="34" charset="0"/>
-              <a:buChar char="•"/>
-              <a:defRPr sz="2000" kern="1200">
-                <a:solidFill>
-                  <a:schemeClr val="tx1"/>
-                </a:solidFill>
-                <a:latin typeface="+mn-lt"/>
-                <a:ea typeface="+mn-ea"/>
-                <a:cs typeface="+mn-cs"/>
-              </a:defRPr>
-            </a:lvl9pPr>
-          </a:lstStyle>
+          <a:lstStyle/>
           <a:p>
             <a:r>
               <a:rPr lang="pl-PL" dirty="0" smtClean="0"/>
-              <a:t>How does the Internet work?</a:t>
+              <a:t>Introduction to OOP</a:t>
             </a:r>
             <a:endParaRPr lang="en-CA" dirty="0"/>
           </a:p>
@@ -7144,7 +8526,7 @@
     </p:spTree>
     <p:extLst>
       <p:ext uri="{BB962C8B-B14F-4D97-AF65-F5344CB8AC3E}">
-        <p14:creationId xmlns:p14="http://schemas.microsoft.com/office/powerpoint/2010/main" val="976054763"/>
+        <p14:creationId xmlns:p14="http://schemas.microsoft.com/office/powerpoint/2010/main" val="1702833156"/>
       </p:ext>
     </p:extLst>
   </p:cSld>

--- a/Programming Made Easy.pptx
+++ b/Programming Made Easy.pptx
@@ -4,10 +4,26 @@
   <p:sldMasterIdLst>
     <p:sldMasterId id="2147483660" r:id="rId1"/>
   </p:sldMasterIdLst>
+  <p:notesMasterIdLst>
+    <p:notesMasterId r:id="rId18"/>
+  </p:notesMasterIdLst>
   <p:sldIdLst>
     <p:sldId id="256" r:id="rId2"/>
     <p:sldId id="257" r:id="rId3"/>
     <p:sldId id="259" r:id="rId4"/>
+    <p:sldId id="260" r:id="rId5"/>
+    <p:sldId id="261" r:id="rId6"/>
+    <p:sldId id="262" r:id="rId7"/>
+    <p:sldId id="263" r:id="rId8"/>
+    <p:sldId id="264" r:id="rId9"/>
+    <p:sldId id="265" r:id="rId10"/>
+    <p:sldId id="266" r:id="rId11"/>
+    <p:sldId id="267" r:id="rId12"/>
+    <p:sldId id="268" r:id="rId13"/>
+    <p:sldId id="269" r:id="rId14"/>
+    <p:sldId id="270" r:id="rId15"/>
+    <p:sldId id="271" r:id="rId16"/>
+    <p:sldId id="273" r:id="rId17"/>
   </p:sldIdLst>
   <p:sldSz cx="9144000" cy="6858000" type="screen4x3"/>
   <p:notesSz cx="6858000" cy="9144000"/>
@@ -107,6 +123,4018 @@
     </a:lvl9pPr>
   </p:defaultTextStyle>
 </p:presentation>
+</file>
+
+<file path=ppt/diagrams/colors1.xml><?xml version="1.0" encoding="utf-8"?>
+<dgm:colorsDef xmlns:dgm="http://schemas.openxmlformats.org/drawingml/2006/diagram" xmlns:a="http://schemas.openxmlformats.org/drawingml/2006/main" uniqueId="urn:microsoft.com/office/officeart/2005/8/colors/accent1_2">
+  <dgm:title val=""/>
+  <dgm:desc val=""/>
+  <dgm:catLst>
+    <dgm:cat type="accent1" pri="11200"/>
+  </dgm:catLst>
+  <dgm:styleLbl name="node0">
+    <dgm:fillClrLst meth="repeat">
+      <a:schemeClr val="accent1"/>
+    </dgm:fillClrLst>
+    <dgm:linClrLst meth="repeat">
+      <a:schemeClr val="lt1"/>
+    </dgm:linClrLst>
+    <dgm:effectClrLst/>
+    <dgm:txLinClrLst/>
+    <dgm:txFillClrLst/>
+    <dgm:txEffectClrLst/>
+  </dgm:styleLbl>
+  <dgm:styleLbl name="alignNode1">
+    <dgm:fillClrLst meth="repeat">
+      <a:schemeClr val="accent1"/>
+    </dgm:fillClrLst>
+    <dgm:linClrLst meth="repeat">
+      <a:schemeClr val="accent1"/>
+    </dgm:linClrLst>
+    <dgm:effectClrLst/>
+    <dgm:txLinClrLst/>
+    <dgm:txFillClrLst/>
+    <dgm:txEffectClrLst/>
+  </dgm:styleLbl>
+  <dgm:styleLbl name="node1">
+    <dgm:fillClrLst meth="repeat">
+      <a:schemeClr val="accent1"/>
+    </dgm:fillClrLst>
+    <dgm:linClrLst meth="repeat">
+      <a:schemeClr val="lt1"/>
+    </dgm:linClrLst>
+    <dgm:effectClrLst/>
+    <dgm:txLinClrLst/>
+    <dgm:txFillClrLst/>
+    <dgm:txEffectClrLst/>
+  </dgm:styleLbl>
+  <dgm:styleLbl name="lnNode1">
+    <dgm:fillClrLst meth="repeat">
+      <a:schemeClr val="accent1"/>
+    </dgm:fillClrLst>
+    <dgm:linClrLst meth="repeat">
+      <a:schemeClr val="lt1"/>
+    </dgm:linClrLst>
+    <dgm:effectClrLst/>
+    <dgm:txLinClrLst/>
+    <dgm:txFillClrLst/>
+    <dgm:txEffectClrLst/>
+  </dgm:styleLbl>
+  <dgm:styleLbl name="vennNode1">
+    <dgm:fillClrLst meth="repeat">
+      <a:schemeClr val="accent1">
+        <a:alpha val="50000"/>
+      </a:schemeClr>
+    </dgm:fillClrLst>
+    <dgm:linClrLst meth="repeat">
+      <a:schemeClr val="lt1"/>
+    </dgm:linClrLst>
+    <dgm:effectClrLst/>
+    <dgm:txLinClrLst/>
+    <dgm:txFillClrLst/>
+    <dgm:txEffectClrLst/>
+  </dgm:styleLbl>
+  <dgm:styleLbl name="node2">
+    <dgm:fillClrLst meth="repeat">
+      <a:schemeClr val="accent1"/>
+    </dgm:fillClrLst>
+    <dgm:linClrLst meth="repeat">
+      <a:schemeClr val="lt1"/>
+    </dgm:linClrLst>
+    <dgm:effectClrLst/>
+    <dgm:txLinClrLst/>
+    <dgm:txFillClrLst/>
+    <dgm:txEffectClrLst/>
+  </dgm:styleLbl>
+  <dgm:styleLbl name="node3">
+    <dgm:fillClrLst meth="repeat">
+      <a:schemeClr val="accent1"/>
+    </dgm:fillClrLst>
+    <dgm:linClrLst meth="repeat">
+      <a:schemeClr val="lt1"/>
+    </dgm:linClrLst>
+    <dgm:effectClrLst/>
+    <dgm:txLinClrLst/>
+    <dgm:txFillClrLst/>
+    <dgm:txEffectClrLst/>
+  </dgm:styleLbl>
+  <dgm:styleLbl name="node4">
+    <dgm:fillClrLst meth="repeat">
+      <a:schemeClr val="accent1"/>
+    </dgm:fillClrLst>
+    <dgm:linClrLst meth="repeat">
+      <a:schemeClr val="lt1"/>
+    </dgm:linClrLst>
+    <dgm:effectClrLst/>
+    <dgm:txLinClrLst/>
+    <dgm:txFillClrLst/>
+    <dgm:txEffectClrLst/>
+  </dgm:styleLbl>
+  <dgm:styleLbl name="fgImgPlace1">
+    <dgm:fillClrLst meth="repeat">
+      <a:schemeClr val="accent1">
+        <a:tint val="50000"/>
+      </a:schemeClr>
+    </dgm:fillClrLst>
+    <dgm:linClrLst meth="repeat">
+      <a:schemeClr val="lt1"/>
+    </dgm:linClrLst>
+    <dgm:effectClrLst/>
+    <dgm:txLinClrLst/>
+    <dgm:txFillClrLst meth="repeat">
+      <a:schemeClr val="lt1"/>
+    </dgm:txFillClrLst>
+    <dgm:txEffectClrLst/>
+  </dgm:styleLbl>
+  <dgm:styleLbl name="alignImgPlace1">
+    <dgm:fillClrLst meth="repeat">
+      <a:schemeClr val="accent1">
+        <a:tint val="50000"/>
+      </a:schemeClr>
+    </dgm:fillClrLst>
+    <dgm:linClrLst meth="repeat">
+      <a:schemeClr val="lt1"/>
+    </dgm:linClrLst>
+    <dgm:effectClrLst/>
+    <dgm:txLinClrLst/>
+    <dgm:txFillClrLst meth="repeat">
+      <a:schemeClr val="lt1"/>
+    </dgm:txFillClrLst>
+    <dgm:txEffectClrLst/>
+  </dgm:styleLbl>
+  <dgm:styleLbl name="bgImgPlace1">
+    <dgm:fillClrLst meth="repeat">
+      <a:schemeClr val="accent1">
+        <a:tint val="50000"/>
+      </a:schemeClr>
+    </dgm:fillClrLst>
+    <dgm:linClrLst meth="repeat">
+      <a:schemeClr val="lt1"/>
+    </dgm:linClrLst>
+    <dgm:effectClrLst/>
+    <dgm:txLinClrLst/>
+    <dgm:txFillClrLst meth="repeat">
+      <a:schemeClr val="lt1"/>
+    </dgm:txFillClrLst>
+    <dgm:txEffectClrLst/>
+  </dgm:styleLbl>
+  <dgm:styleLbl name="sibTrans2D1">
+    <dgm:fillClrLst meth="repeat">
+      <a:schemeClr val="accent1">
+        <a:tint val="60000"/>
+      </a:schemeClr>
+    </dgm:fillClrLst>
+    <dgm:linClrLst meth="repeat">
+      <a:schemeClr val="accent1">
+        <a:tint val="60000"/>
+      </a:schemeClr>
+    </dgm:linClrLst>
+    <dgm:effectClrLst/>
+    <dgm:txLinClrLst/>
+    <dgm:txFillClrLst/>
+    <dgm:txEffectClrLst/>
+  </dgm:styleLbl>
+  <dgm:styleLbl name="fgSibTrans2D1">
+    <dgm:fillClrLst meth="repeat">
+      <a:schemeClr val="accent1">
+        <a:tint val="60000"/>
+      </a:schemeClr>
+    </dgm:fillClrLst>
+    <dgm:linClrLst meth="repeat">
+      <a:schemeClr val="accent1">
+        <a:tint val="60000"/>
+      </a:schemeClr>
+    </dgm:linClrLst>
+    <dgm:effectClrLst/>
+    <dgm:txLinClrLst/>
+    <dgm:txFillClrLst/>
+    <dgm:txEffectClrLst/>
+  </dgm:styleLbl>
+  <dgm:styleLbl name="bgSibTrans2D1">
+    <dgm:fillClrLst meth="repeat">
+      <a:schemeClr val="accent1">
+        <a:tint val="60000"/>
+      </a:schemeClr>
+    </dgm:fillClrLst>
+    <dgm:linClrLst meth="repeat">
+      <a:schemeClr val="accent1">
+        <a:tint val="60000"/>
+      </a:schemeClr>
+    </dgm:linClrLst>
+    <dgm:effectClrLst/>
+    <dgm:txLinClrLst/>
+    <dgm:txFillClrLst/>
+    <dgm:txEffectClrLst/>
+  </dgm:styleLbl>
+  <dgm:styleLbl name="sibTrans1D1">
+    <dgm:fillClrLst meth="repeat">
+      <a:schemeClr val="accent1"/>
+    </dgm:fillClrLst>
+    <dgm:linClrLst meth="repeat">
+      <a:schemeClr val="accent1"/>
+    </dgm:linClrLst>
+    <dgm:effectClrLst/>
+    <dgm:txLinClrLst/>
+    <dgm:txFillClrLst meth="repeat">
+      <a:schemeClr val="tx1"/>
+    </dgm:txFillClrLst>
+    <dgm:txEffectClrLst/>
+  </dgm:styleLbl>
+  <dgm:styleLbl name="callout">
+    <dgm:fillClrLst meth="repeat">
+      <a:schemeClr val="accent1"/>
+    </dgm:fillClrLst>
+    <dgm:linClrLst meth="repeat">
+      <a:schemeClr val="accent1">
+        <a:tint val="50000"/>
+      </a:schemeClr>
+    </dgm:linClrLst>
+    <dgm:effectClrLst/>
+    <dgm:txLinClrLst/>
+    <dgm:txFillClrLst meth="repeat">
+      <a:schemeClr val="tx1"/>
+    </dgm:txFillClrLst>
+    <dgm:txEffectClrLst/>
+  </dgm:styleLbl>
+  <dgm:styleLbl name="asst0">
+    <dgm:fillClrLst meth="repeat">
+      <a:schemeClr val="accent1"/>
+    </dgm:fillClrLst>
+    <dgm:linClrLst meth="repeat">
+      <a:schemeClr val="lt1"/>
+    </dgm:linClrLst>
+    <dgm:effectClrLst/>
+    <dgm:txLinClrLst/>
+    <dgm:txFillClrLst/>
+    <dgm:txEffectClrLst/>
+  </dgm:styleLbl>
+  <dgm:styleLbl name="asst1">
+    <dgm:fillClrLst meth="repeat">
+      <a:schemeClr val="accent1"/>
+    </dgm:fillClrLst>
+    <dgm:linClrLst meth="repeat">
+      <a:schemeClr val="lt1"/>
+    </dgm:linClrLst>
+    <dgm:effectClrLst/>
+    <dgm:txLinClrLst/>
+    <dgm:txFillClrLst/>
+    <dgm:txEffectClrLst/>
+  </dgm:styleLbl>
+  <dgm:styleLbl name="asst2">
+    <dgm:fillClrLst meth="repeat">
+      <a:schemeClr val="accent1"/>
+    </dgm:fillClrLst>
+    <dgm:linClrLst meth="repeat">
+      <a:schemeClr val="lt1"/>
+    </dgm:linClrLst>
+    <dgm:effectClrLst/>
+    <dgm:txLinClrLst/>
+    <dgm:txFillClrLst/>
+    <dgm:txEffectClrLst/>
+  </dgm:styleLbl>
+  <dgm:styleLbl name="asst3">
+    <dgm:fillClrLst meth="repeat">
+      <a:schemeClr val="accent1"/>
+    </dgm:fillClrLst>
+    <dgm:linClrLst meth="repeat">
+      <a:schemeClr val="lt1"/>
+    </dgm:linClrLst>
+    <dgm:effectClrLst/>
+    <dgm:txLinClrLst/>
+    <dgm:txFillClrLst/>
+    <dgm:txEffectClrLst/>
+  </dgm:styleLbl>
+  <dgm:styleLbl name="asst4">
+    <dgm:fillClrLst meth="repeat">
+      <a:schemeClr val="accent1"/>
+    </dgm:fillClrLst>
+    <dgm:linClrLst meth="repeat">
+      <a:schemeClr val="lt1"/>
+    </dgm:linClrLst>
+    <dgm:effectClrLst/>
+    <dgm:txLinClrLst/>
+    <dgm:txFillClrLst/>
+    <dgm:txEffectClrLst/>
+  </dgm:styleLbl>
+  <dgm:styleLbl name="parChTrans2D1">
+    <dgm:fillClrLst meth="repeat">
+      <a:schemeClr val="accent1">
+        <a:tint val="60000"/>
+      </a:schemeClr>
+    </dgm:fillClrLst>
+    <dgm:linClrLst meth="repeat">
+      <a:schemeClr val="accent1">
+        <a:tint val="60000"/>
+      </a:schemeClr>
+    </dgm:linClrLst>
+    <dgm:effectClrLst/>
+    <dgm:txLinClrLst/>
+    <dgm:txFillClrLst meth="repeat">
+      <a:schemeClr val="lt1"/>
+    </dgm:txFillClrLst>
+    <dgm:txEffectClrLst/>
+  </dgm:styleLbl>
+  <dgm:styleLbl name="parChTrans2D2">
+    <dgm:fillClrLst meth="repeat">
+      <a:schemeClr val="accent1"/>
+    </dgm:fillClrLst>
+    <dgm:linClrLst meth="repeat">
+      <a:schemeClr val="accent1"/>
+    </dgm:linClrLst>
+    <dgm:effectClrLst/>
+    <dgm:txLinClrLst/>
+    <dgm:txFillClrLst meth="repeat">
+      <a:schemeClr val="lt1"/>
+    </dgm:txFillClrLst>
+    <dgm:txEffectClrLst/>
+  </dgm:styleLbl>
+  <dgm:styleLbl name="parChTrans2D3">
+    <dgm:fillClrLst meth="repeat">
+      <a:schemeClr val="accent1"/>
+    </dgm:fillClrLst>
+    <dgm:linClrLst meth="repeat">
+      <a:schemeClr val="accent1"/>
+    </dgm:linClrLst>
+    <dgm:effectClrLst/>
+    <dgm:txLinClrLst/>
+    <dgm:txFillClrLst meth="repeat">
+      <a:schemeClr val="lt1"/>
+    </dgm:txFillClrLst>
+    <dgm:txEffectClrLst/>
+  </dgm:styleLbl>
+  <dgm:styleLbl name="parChTrans2D4">
+    <dgm:fillClrLst meth="repeat">
+      <a:schemeClr val="accent1"/>
+    </dgm:fillClrLst>
+    <dgm:linClrLst meth="repeat">
+      <a:schemeClr val="accent1"/>
+    </dgm:linClrLst>
+    <dgm:effectClrLst/>
+    <dgm:txLinClrLst/>
+    <dgm:txFillClrLst meth="repeat">
+      <a:schemeClr val="lt1"/>
+    </dgm:txFillClrLst>
+    <dgm:txEffectClrLst/>
+  </dgm:styleLbl>
+  <dgm:styleLbl name="parChTrans1D1">
+    <dgm:fillClrLst meth="repeat">
+      <a:schemeClr val="accent1"/>
+    </dgm:fillClrLst>
+    <dgm:linClrLst meth="repeat">
+      <a:schemeClr val="accent1">
+        <a:shade val="60000"/>
+      </a:schemeClr>
+    </dgm:linClrLst>
+    <dgm:effectClrLst/>
+    <dgm:txLinClrLst/>
+    <dgm:txFillClrLst meth="repeat">
+      <a:schemeClr val="tx1"/>
+    </dgm:txFillClrLst>
+    <dgm:txEffectClrLst/>
+  </dgm:styleLbl>
+  <dgm:styleLbl name="parChTrans1D2">
+    <dgm:fillClrLst meth="repeat">
+      <a:schemeClr val="accent1"/>
+    </dgm:fillClrLst>
+    <dgm:linClrLst meth="repeat">
+      <a:schemeClr val="accent1">
+        <a:shade val="60000"/>
+      </a:schemeClr>
+    </dgm:linClrLst>
+    <dgm:effectClrLst/>
+    <dgm:txLinClrLst/>
+    <dgm:txFillClrLst meth="repeat">
+      <a:schemeClr val="tx1"/>
+    </dgm:txFillClrLst>
+    <dgm:txEffectClrLst/>
+  </dgm:styleLbl>
+  <dgm:styleLbl name="parChTrans1D3">
+    <dgm:fillClrLst meth="repeat">
+      <a:schemeClr val="accent1"/>
+    </dgm:fillClrLst>
+    <dgm:linClrLst meth="repeat">
+      <a:schemeClr val="accent1">
+        <a:shade val="80000"/>
+      </a:schemeClr>
+    </dgm:linClrLst>
+    <dgm:effectClrLst/>
+    <dgm:txLinClrLst/>
+    <dgm:txFillClrLst meth="repeat">
+      <a:schemeClr val="tx1"/>
+    </dgm:txFillClrLst>
+    <dgm:txEffectClrLst/>
+  </dgm:styleLbl>
+  <dgm:styleLbl name="parChTrans1D4">
+    <dgm:fillClrLst meth="repeat">
+      <a:schemeClr val="accent1"/>
+    </dgm:fillClrLst>
+    <dgm:linClrLst meth="repeat">
+      <a:schemeClr val="accent1">
+        <a:shade val="80000"/>
+      </a:schemeClr>
+    </dgm:linClrLst>
+    <dgm:effectClrLst/>
+    <dgm:txLinClrLst/>
+    <dgm:txFillClrLst meth="repeat">
+      <a:schemeClr val="tx1"/>
+    </dgm:txFillClrLst>
+    <dgm:txEffectClrLst/>
+  </dgm:styleLbl>
+  <dgm:styleLbl name="fgAcc1">
+    <dgm:fillClrLst meth="repeat">
+      <a:schemeClr val="lt1">
+        <a:alpha val="90000"/>
+      </a:schemeClr>
+    </dgm:fillClrLst>
+    <dgm:linClrLst meth="repeat">
+      <a:schemeClr val="accent1"/>
+    </dgm:linClrLst>
+    <dgm:effectClrLst/>
+    <dgm:txLinClrLst/>
+    <dgm:txFillClrLst meth="repeat">
+      <a:schemeClr val="dk1"/>
+    </dgm:txFillClrLst>
+    <dgm:txEffectClrLst/>
+  </dgm:styleLbl>
+  <dgm:styleLbl name="conFgAcc1">
+    <dgm:fillClrLst meth="repeat">
+      <a:schemeClr val="lt1">
+        <a:alpha val="90000"/>
+      </a:schemeClr>
+    </dgm:fillClrLst>
+    <dgm:linClrLst meth="repeat">
+      <a:schemeClr val="accent1"/>
+    </dgm:linClrLst>
+    <dgm:effectClrLst/>
+    <dgm:txLinClrLst/>
+    <dgm:txFillClrLst meth="repeat">
+      <a:schemeClr val="dk1"/>
+    </dgm:txFillClrLst>
+    <dgm:txEffectClrLst/>
+  </dgm:styleLbl>
+  <dgm:styleLbl name="alignAcc1">
+    <dgm:fillClrLst meth="repeat">
+      <a:schemeClr val="lt1">
+        <a:alpha val="90000"/>
+      </a:schemeClr>
+    </dgm:fillClrLst>
+    <dgm:linClrLst meth="repeat">
+      <a:schemeClr val="accent1"/>
+    </dgm:linClrLst>
+    <dgm:effectClrLst/>
+    <dgm:txLinClrLst/>
+    <dgm:txFillClrLst meth="repeat">
+      <a:schemeClr val="dk1"/>
+    </dgm:txFillClrLst>
+    <dgm:txEffectClrLst/>
+  </dgm:styleLbl>
+  <dgm:styleLbl name="trAlignAcc1">
+    <dgm:fillClrLst meth="repeat">
+      <a:schemeClr val="lt1">
+        <a:alpha val="40000"/>
+      </a:schemeClr>
+    </dgm:fillClrLst>
+    <dgm:linClrLst meth="repeat">
+      <a:schemeClr val="accent1"/>
+    </dgm:linClrLst>
+    <dgm:effectClrLst/>
+    <dgm:txLinClrLst/>
+    <dgm:txFillClrLst meth="repeat">
+      <a:schemeClr val="dk1"/>
+    </dgm:txFillClrLst>
+    <dgm:txEffectClrLst/>
+  </dgm:styleLbl>
+  <dgm:styleLbl name="bgAcc1">
+    <dgm:fillClrLst meth="repeat">
+      <a:schemeClr val="lt1">
+        <a:alpha val="90000"/>
+      </a:schemeClr>
+    </dgm:fillClrLst>
+    <dgm:linClrLst meth="repeat">
+      <a:schemeClr val="accent1"/>
+    </dgm:linClrLst>
+    <dgm:effectClrLst/>
+    <dgm:txLinClrLst/>
+    <dgm:txFillClrLst meth="repeat">
+      <a:schemeClr val="dk1"/>
+    </dgm:txFillClrLst>
+    <dgm:txEffectClrLst/>
+  </dgm:styleLbl>
+  <dgm:styleLbl name="solidFgAcc1">
+    <dgm:fillClrLst meth="repeat">
+      <a:schemeClr val="lt1"/>
+    </dgm:fillClrLst>
+    <dgm:linClrLst meth="repeat">
+      <a:schemeClr val="accent1"/>
+    </dgm:linClrLst>
+    <dgm:effectClrLst/>
+    <dgm:txLinClrLst/>
+    <dgm:txFillClrLst meth="repeat">
+      <a:schemeClr val="dk1"/>
+    </dgm:txFillClrLst>
+    <dgm:txEffectClrLst/>
+  </dgm:styleLbl>
+  <dgm:styleLbl name="solidAlignAcc1">
+    <dgm:fillClrLst meth="repeat">
+      <a:schemeClr val="lt1"/>
+    </dgm:fillClrLst>
+    <dgm:linClrLst meth="repeat">
+      <a:schemeClr val="accent1"/>
+    </dgm:linClrLst>
+    <dgm:effectClrLst/>
+    <dgm:txLinClrLst/>
+    <dgm:txFillClrLst meth="repeat">
+      <a:schemeClr val="dk1"/>
+    </dgm:txFillClrLst>
+    <dgm:txEffectClrLst/>
+  </dgm:styleLbl>
+  <dgm:styleLbl name="solidBgAcc1">
+    <dgm:fillClrLst meth="repeat">
+      <a:schemeClr val="lt1"/>
+    </dgm:fillClrLst>
+    <dgm:linClrLst meth="repeat">
+      <a:schemeClr val="accent1"/>
+    </dgm:linClrLst>
+    <dgm:effectClrLst/>
+    <dgm:txLinClrLst/>
+    <dgm:txFillClrLst meth="repeat">
+      <a:schemeClr val="dk1"/>
+    </dgm:txFillClrLst>
+    <dgm:txEffectClrLst/>
+  </dgm:styleLbl>
+  <dgm:styleLbl name="fgAccFollowNode1">
+    <dgm:fillClrLst meth="repeat">
+      <a:schemeClr val="accent1">
+        <a:alpha val="90000"/>
+        <a:tint val="40000"/>
+      </a:schemeClr>
+    </dgm:fillClrLst>
+    <dgm:linClrLst meth="repeat">
+      <a:schemeClr val="accent1">
+        <a:alpha val="90000"/>
+        <a:tint val="40000"/>
+      </a:schemeClr>
+    </dgm:linClrLst>
+    <dgm:effectClrLst/>
+    <dgm:txLinClrLst/>
+    <dgm:txFillClrLst meth="repeat">
+      <a:schemeClr val="dk1"/>
+    </dgm:txFillClrLst>
+    <dgm:txEffectClrLst/>
+  </dgm:styleLbl>
+  <dgm:styleLbl name="alignAccFollowNode1">
+    <dgm:fillClrLst meth="repeat">
+      <a:schemeClr val="accent1">
+        <a:alpha val="90000"/>
+        <a:tint val="40000"/>
+      </a:schemeClr>
+    </dgm:fillClrLst>
+    <dgm:linClrLst meth="repeat">
+      <a:schemeClr val="accent1">
+        <a:alpha val="90000"/>
+        <a:tint val="40000"/>
+      </a:schemeClr>
+    </dgm:linClrLst>
+    <dgm:effectClrLst/>
+    <dgm:txLinClrLst/>
+    <dgm:txFillClrLst meth="repeat">
+      <a:schemeClr val="dk1"/>
+    </dgm:txFillClrLst>
+    <dgm:txEffectClrLst/>
+  </dgm:styleLbl>
+  <dgm:styleLbl name="bgAccFollowNode1">
+    <dgm:fillClrLst meth="repeat">
+      <a:schemeClr val="accent1">
+        <a:alpha val="90000"/>
+        <a:tint val="40000"/>
+      </a:schemeClr>
+    </dgm:fillClrLst>
+    <dgm:linClrLst meth="repeat">
+      <a:schemeClr val="accent1">
+        <a:alpha val="90000"/>
+        <a:tint val="40000"/>
+      </a:schemeClr>
+    </dgm:linClrLst>
+    <dgm:effectClrLst/>
+    <dgm:txLinClrLst/>
+    <dgm:txFillClrLst meth="repeat">
+      <a:schemeClr val="dk1"/>
+    </dgm:txFillClrLst>
+    <dgm:txEffectClrLst/>
+  </dgm:styleLbl>
+  <dgm:styleLbl name="fgAcc0">
+    <dgm:fillClrLst meth="repeat">
+      <a:schemeClr val="lt1">
+        <a:alpha val="90000"/>
+      </a:schemeClr>
+    </dgm:fillClrLst>
+    <dgm:linClrLst meth="repeat">
+      <a:schemeClr val="accent1"/>
+    </dgm:linClrLst>
+    <dgm:effectClrLst/>
+    <dgm:txLinClrLst/>
+    <dgm:txFillClrLst meth="repeat">
+      <a:schemeClr val="dk1"/>
+    </dgm:txFillClrLst>
+    <dgm:txEffectClrLst/>
+  </dgm:styleLbl>
+  <dgm:styleLbl name="fgAcc2">
+    <dgm:fillClrLst meth="repeat">
+      <a:schemeClr val="lt1">
+        <a:alpha val="90000"/>
+      </a:schemeClr>
+    </dgm:fillClrLst>
+    <dgm:linClrLst meth="repeat">
+      <a:schemeClr val="accent1"/>
+    </dgm:linClrLst>
+    <dgm:effectClrLst/>
+    <dgm:txLinClrLst/>
+    <dgm:txFillClrLst meth="repeat">
+      <a:schemeClr val="dk1"/>
+    </dgm:txFillClrLst>
+    <dgm:txEffectClrLst/>
+  </dgm:styleLbl>
+  <dgm:styleLbl name="fgAcc3">
+    <dgm:fillClrLst meth="repeat">
+      <a:schemeClr val="lt1">
+        <a:alpha val="90000"/>
+      </a:schemeClr>
+    </dgm:fillClrLst>
+    <dgm:linClrLst meth="repeat">
+      <a:schemeClr val="accent1"/>
+    </dgm:linClrLst>
+    <dgm:effectClrLst/>
+    <dgm:txLinClrLst/>
+    <dgm:txFillClrLst meth="repeat">
+      <a:schemeClr val="dk1"/>
+    </dgm:txFillClrLst>
+    <dgm:txEffectClrLst/>
+  </dgm:styleLbl>
+  <dgm:styleLbl name="fgAcc4">
+    <dgm:fillClrLst meth="repeat">
+      <a:schemeClr val="lt1">
+        <a:alpha val="90000"/>
+      </a:schemeClr>
+    </dgm:fillClrLst>
+    <dgm:linClrLst meth="repeat">
+      <a:schemeClr val="accent1"/>
+    </dgm:linClrLst>
+    <dgm:effectClrLst/>
+    <dgm:txLinClrLst/>
+    <dgm:txFillClrLst meth="repeat">
+      <a:schemeClr val="dk1"/>
+    </dgm:txFillClrLst>
+    <dgm:txEffectClrLst/>
+  </dgm:styleLbl>
+  <dgm:styleLbl name="bgShp">
+    <dgm:fillClrLst meth="repeat">
+      <a:schemeClr val="accent1">
+        <a:tint val="40000"/>
+      </a:schemeClr>
+    </dgm:fillClrLst>
+    <dgm:linClrLst meth="repeat">
+      <a:schemeClr val="accent1"/>
+    </dgm:linClrLst>
+    <dgm:effectClrLst/>
+    <dgm:txLinClrLst/>
+    <dgm:txFillClrLst meth="repeat">
+      <a:schemeClr val="dk1"/>
+    </dgm:txFillClrLst>
+    <dgm:txEffectClrLst/>
+  </dgm:styleLbl>
+  <dgm:styleLbl name="dkBgShp">
+    <dgm:fillClrLst meth="repeat">
+      <a:schemeClr val="accent1">
+        <a:shade val="80000"/>
+      </a:schemeClr>
+    </dgm:fillClrLst>
+    <dgm:linClrLst meth="repeat">
+      <a:schemeClr val="accent1"/>
+    </dgm:linClrLst>
+    <dgm:effectClrLst/>
+    <dgm:txLinClrLst/>
+    <dgm:txFillClrLst meth="repeat">
+      <a:schemeClr val="lt1"/>
+    </dgm:txFillClrLst>
+    <dgm:txEffectClrLst/>
+  </dgm:styleLbl>
+  <dgm:styleLbl name="trBgShp">
+    <dgm:fillClrLst meth="repeat">
+      <a:schemeClr val="accent1">
+        <a:tint val="50000"/>
+        <a:alpha val="40000"/>
+      </a:schemeClr>
+    </dgm:fillClrLst>
+    <dgm:linClrLst meth="repeat">
+      <a:schemeClr val="accent1"/>
+    </dgm:linClrLst>
+    <dgm:effectClrLst/>
+    <dgm:txLinClrLst/>
+    <dgm:txFillClrLst meth="repeat">
+      <a:schemeClr val="lt1"/>
+    </dgm:txFillClrLst>
+    <dgm:txEffectClrLst/>
+  </dgm:styleLbl>
+  <dgm:styleLbl name="fgShp">
+    <dgm:fillClrLst meth="repeat">
+      <a:schemeClr val="accent1">
+        <a:tint val="60000"/>
+      </a:schemeClr>
+    </dgm:fillClrLst>
+    <dgm:linClrLst meth="repeat">
+      <a:schemeClr val="lt1"/>
+    </dgm:linClrLst>
+    <dgm:effectClrLst/>
+    <dgm:txLinClrLst/>
+    <dgm:txFillClrLst meth="repeat">
+      <a:schemeClr val="dk1"/>
+    </dgm:txFillClrLst>
+    <dgm:txEffectClrLst/>
+  </dgm:styleLbl>
+  <dgm:styleLbl name="revTx">
+    <dgm:fillClrLst meth="repeat">
+      <a:schemeClr val="lt1">
+        <a:alpha val="0"/>
+      </a:schemeClr>
+    </dgm:fillClrLst>
+    <dgm:linClrLst meth="repeat">
+      <a:schemeClr val="dk1">
+        <a:alpha val="0"/>
+      </a:schemeClr>
+    </dgm:linClrLst>
+    <dgm:effectClrLst/>
+    <dgm:txLinClrLst/>
+    <dgm:txFillClrLst meth="repeat">
+      <a:schemeClr val="tx1"/>
+    </dgm:txFillClrLst>
+    <dgm:txEffectClrLst/>
+  </dgm:styleLbl>
+</dgm:colorsDef>
+</file>
+
+<file path=ppt/diagrams/data1.xml><?xml version="1.0" encoding="utf-8"?>
+<dgm:dataModel xmlns:dgm="http://schemas.openxmlformats.org/drawingml/2006/diagram" xmlns:a="http://schemas.openxmlformats.org/drawingml/2006/main">
+  <dgm:ptLst>
+    <dgm:pt modelId="{E81CF95B-531A-44BB-A7F8-B9E5AA8700D3}" type="doc">
+      <dgm:prSet loTypeId="urn:microsoft.com/office/officeart/2005/8/layout/process5" loCatId="process" qsTypeId="urn:microsoft.com/office/officeart/2005/8/quickstyle/simple1" qsCatId="simple" csTypeId="urn:microsoft.com/office/officeart/2005/8/colors/accent1_2" csCatId="accent1" phldr="1"/>
+      <dgm:spPr/>
+      <dgm:t>
+        <a:bodyPr/>
+        <a:lstStyle/>
+        <a:p>
+          <a:endParaRPr lang="en-CA"/>
+        </a:p>
+      </dgm:t>
+    </dgm:pt>
+    <dgm:pt modelId="{E4A4D157-203A-4305-937E-7FA38981CCFD}">
+      <dgm:prSet phldrT="[Text]"/>
+      <dgm:spPr/>
+      <dgm:t>
+        <a:bodyPr/>
+        <a:lstStyle/>
+        <a:p>
+          <a:r>
+            <a:rPr lang="pl-PL" dirty="0" smtClean="0"/>
+            <a:t>User types an address in a browser</a:t>
+          </a:r>
+          <a:endParaRPr lang="en-CA" dirty="0"/>
+        </a:p>
+      </dgm:t>
+    </dgm:pt>
+    <dgm:pt modelId="{3F2ED1CC-283D-43C9-8EF3-319093FB5020}" type="parTrans" cxnId="{9E4DB42D-226A-42AC-82C9-B82FD3E179A5}">
+      <dgm:prSet/>
+      <dgm:spPr/>
+      <dgm:t>
+        <a:bodyPr/>
+        <a:lstStyle/>
+        <a:p>
+          <a:endParaRPr lang="en-CA"/>
+        </a:p>
+      </dgm:t>
+    </dgm:pt>
+    <dgm:pt modelId="{75AB053C-BC49-4F8E-ADE1-7B789215BE55}" type="sibTrans" cxnId="{9E4DB42D-226A-42AC-82C9-B82FD3E179A5}">
+      <dgm:prSet/>
+      <dgm:spPr/>
+      <dgm:t>
+        <a:bodyPr/>
+        <a:lstStyle/>
+        <a:p>
+          <a:endParaRPr lang="en-CA"/>
+        </a:p>
+      </dgm:t>
+    </dgm:pt>
+    <dgm:pt modelId="{C099C04B-7C10-4D4D-B42F-0DC2C5FE0532}">
+      <dgm:prSet phldrT="[Text]"/>
+      <dgm:spPr/>
+      <dgm:t>
+        <a:bodyPr/>
+        <a:lstStyle/>
+        <a:p>
+          <a:r>
+            <a:rPr lang="pl-PL" dirty="0" smtClean="0"/>
+            <a:t>The browser contacts a right server</a:t>
+          </a:r>
+          <a:endParaRPr lang="en-CA" dirty="0"/>
+        </a:p>
+      </dgm:t>
+    </dgm:pt>
+    <dgm:pt modelId="{39116BB3-A3BF-4C45-AF63-61E0E05C6B85}" type="parTrans" cxnId="{58B638A9-3C26-4EE4-B1CA-4F0CD7DCB1A3}">
+      <dgm:prSet/>
+      <dgm:spPr/>
+      <dgm:t>
+        <a:bodyPr/>
+        <a:lstStyle/>
+        <a:p>
+          <a:endParaRPr lang="en-CA"/>
+        </a:p>
+      </dgm:t>
+    </dgm:pt>
+    <dgm:pt modelId="{C64478D1-ECA7-4C88-B50B-AD3FF886DB54}" type="sibTrans" cxnId="{58B638A9-3C26-4EE4-B1CA-4F0CD7DCB1A3}">
+      <dgm:prSet/>
+      <dgm:spPr/>
+      <dgm:t>
+        <a:bodyPr/>
+        <a:lstStyle/>
+        <a:p>
+          <a:endParaRPr lang="en-CA"/>
+        </a:p>
+      </dgm:t>
+    </dgm:pt>
+    <dgm:pt modelId="{420A1D8D-50F5-41B3-91EA-AC875BCEB00F}">
+      <dgm:prSet phldrT="[Text]"/>
+      <dgm:spPr/>
+      <dgm:t>
+        <a:bodyPr/>
+        <a:lstStyle/>
+        <a:p>
+          <a:r>
+            <a:rPr lang="pl-PL" dirty="0" smtClean="0"/>
+            <a:t>The server recognizes the request</a:t>
+          </a:r>
+          <a:endParaRPr lang="en-CA" dirty="0"/>
+        </a:p>
+      </dgm:t>
+    </dgm:pt>
+    <dgm:pt modelId="{844A627F-43C7-4C0C-B5F9-4EA2684F5578}" type="parTrans" cxnId="{C01F4461-EC5B-4AE3-B7F9-0A9D194622DC}">
+      <dgm:prSet/>
+      <dgm:spPr/>
+      <dgm:t>
+        <a:bodyPr/>
+        <a:lstStyle/>
+        <a:p>
+          <a:endParaRPr lang="en-CA"/>
+        </a:p>
+      </dgm:t>
+    </dgm:pt>
+    <dgm:pt modelId="{BD090A83-E8EE-461C-9947-97554A966FB8}" type="sibTrans" cxnId="{C01F4461-EC5B-4AE3-B7F9-0A9D194622DC}">
+      <dgm:prSet/>
+      <dgm:spPr/>
+      <dgm:t>
+        <a:bodyPr/>
+        <a:lstStyle/>
+        <a:p>
+          <a:endParaRPr lang="en-CA"/>
+        </a:p>
+      </dgm:t>
+    </dgm:pt>
+    <dgm:pt modelId="{68FEEAA9-9E70-4A86-B26E-862B55B4783A}">
+      <dgm:prSet phldrT="[Text]"/>
+      <dgm:spPr/>
+      <dgm:t>
+        <a:bodyPr/>
+        <a:lstStyle/>
+        <a:p>
+          <a:r>
+            <a:rPr lang="pl-PL" dirty="0" smtClean="0"/>
+            <a:t>The server finds a program bound to the address</a:t>
+          </a:r>
+          <a:endParaRPr lang="en-CA" dirty="0"/>
+        </a:p>
+      </dgm:t>
+    </dgm:pt>
+    <dgm:pt modelId="{889D7DB5-ADD3-4744-8445-4DD510AF1487}" type="parTrans" cxnId="{CC7494D6-1270-40E2-A562-7C09BB436E0F}">
+      <dgm:prSet/>
+      <dgm:spPr/>
+      <dgm:t>
+        <a:bodyPr/>
+        <a:lstStyle/>
+        <a:p>
+          <a:endParaRPr lang="en-CA"/>
+        </a:p>
+      </dgm:t>
+    </dgm:pt>
+    <dgm:pt modelId="{7193EA06-F4C8-4F06-B0CD-80A85F2738BC}" type="sibTrans" cxnId="{CC7494D6-1270-40E2-A562-7C09BB436E0F}">
+      <dgm:prSet/>
+      <dgm:spPr/>
+      <dgm:t>
+        <a:bodyPr/>
+        <a:lstStyle/>
+        <a:p>
+          <a:endParaRPr lang="en-CA"/>
+        </a:p>
+      </dgm:t>
+    </dgm:pt>
+    <dgm:pt modelId="{FCD98BC2-3CE0-4B37-B6C5-01FC577BA2A3}">
+      <dgm:prSet phldrT="[Text]"/>
+      <dgm:spPr>
+        <a:solidFill>
+          <a:schemeClr val="accent2"/>
+        </a:solidFill>
+      </dgm:spPr>
+      <dgm:t>
+        <a:bodyPr/>
+        <a:lstStyle/>
+        <a:p>
+          <a:r>
+            <a:rPr lang="pl-PL" dirty="0" smtClean="0"/>
+            <a:t>The program executes and returns an HTML document</a:t>
+          </a:r>
+          <a:endParaRPr lang="en-CA" dirty="0"/>
+        </a:p>
+      </dgm:t>
+    </dgm:pt>
+    <dgm:pt modelId="{73363205-656E-4727-BAF6-137396DE6CD0}" type="parTrans" cxnId="{C7341F1D-82C8-4E5F-93EA-87261C7C7A5B}">
+      <dgm:prSet/>
+      <dgm:spPr/>
+      <dgm:t>
+        <a:bodyPr/>
+        <a:lstStyle/>
+        <a:p>
+          <a:endParaRPr lang="en-CA"/>
+        </a:p>
+      </dgm:t>
+    </dgm:pt>
+    <dgm:pt modelId="{C62A679D-B932-4EDE-9D9D-CCFBE79DBE31}" type="sibTrans" cxnId="{C7341F1D-82C8-4E5F-93EA-87261C7C7A5B}">
+      <dgm:prSet/>
+      <dgm:spPr/>
+      <dgm:t>
+        <a:bodyPr/>
+        <a:lstStyle/>
+        <a:p>
+          <a:endParaRPr lang="en-CA"/>
+        </a:p>
+      </dgm:t>
+    </dgm:pt>
+    <dgm:pt modelId="{812EE3A9-CE86-4B1D-A77E-3E1690F9F96E}">
+      <dgm:prSet phldrT="[Text]"/>
+      <dgm:spPr/>
+      <dgm:t>
+        <a:bodyPr/>
+        <a:lstStyle/>
+        <a:p>
+          <a:r>
+            <a:rPr lang="pl-PL" dirty="0" smtClean="0"/>
+            <a:t>The browser downloads the document</a:t>
+          </a:r>
+          <a:endParaRPr lang="en-CA" dirty="0"/>
+        </a:p>
+      </dgm:t>
+    </dgm:pt>
+    <dgm:pt modelId="{598B2C0B-A990-46F4-A33D-AD8979F4576C}" type="parTrans" cxnId="{FB30E914-A950-438F-A06E-9414EFC767A8}">
+      <dgm:prSet/>
+      <dgm:spPr/>
+      <dgm:t>
+        <a:bodyPr/>
+        <a:lstStyle/>
+        <a:p>
+          <a:endParaRPr lang="en-CA"/>
+        </a:p>
+      </dgm:t>
+    </dgm:pt>
+    <dgm:pt modelId="{5E3B1937-C6F7-4B1A-92B2-DC434A284F99}" type="sibTrans" cxnId="{FB30E914-A950-438F-A06E-9414EFC767A8}">
+      <dgm:prSet/>
+      <dgm:spPr/>
+      <dgm:t>
+        <a:bodyPr/>
+        <a:lstStyle/>
+        <a:p>
+          <a:endParaRPr lang="en-CA"/>
+        </a:p>
+      </dgm:t>
+    </dgm:pt>
+    <dgm:pt modelId="{F1C7688F-841A-4202-8675-D9F72F06BEC8}">
+      <dgm:prSet phldrT="[Text]"/>
+      <dgm:spPr>
+        <a:solidFill>
+          <a:schemeClr val="accent2"/>
+        </a:solidFill>
+      </dgm:spPr>
+      <dgm:t>
+        <a:bodyPr/>
+        <a:lstStyle/>
+        <a:p>
+          <a:r>
+            <a:rPr lang="pl-PL" dirty="0" smtClean="0"/>
+            <a:t>The browser executes all the code attached to the documents</a:t>
+          </a:r>
+          <a:endParaRPr lang="en-CA" dirty="0"/>
+        </a:p>
+      </dgm:t>
+    </dgm:pt>
+    <dgm:pt modelId="{22C5C15C-6203-4640-B795-63EC2EAC94A1}" type="parTrans" cxnId="{AFFB2DC0-7E53-42D6-A357-E38095EF7E7E}">
+      <dgm:prSet/>
+      <dgm:spPr/>
+      <dgm:t>
+        <a:bodyPr/>
+        <a:lstStyle/>
+        <a:p>
+          <a:endParaRPr lang="en-CA"/>
+        </a:p>
+      </dgm:t>
+    </dgm:pt>
+    <dgm:pt modelId="{761CE98E-7B25-4624-9A4A-E53F776D8622}" type="sibTrans" cxnId="{AFFB2DC0-7E53-42D6-A357-E38095EF7E7E}">
+      <dgm:prSet/>
+      <dgm:spPr/>
+      <dgm:t>
+        <a:bodyPr/>
+        <a:lstStyle/>
+        <a:p>
+          <a:endParaRPr lang="en-CA"/>
+        </a:p>
+      </dgm:t>
+    </dgm:pt>
+    <dgm:pt modelId="{891AA688-3C58-405D-BA89-C076C9455C42}" type="pres">
+      <dgm:prSet presAssocID="{E81CF95B-531A-44BB-A7F8-B9E5AA8700D3}" presName="diagram" presStyleCnt="0">
+        <dgm:presLayoutVars>
+          <dgm:dir/>
+          <dgm:resizeHandles val="exact"/>
+        </dgm:presLayoutVars>
+      </dgm:prSet>
+      <dgm:spPr/>
+    </dgm:pt>
+    <dgm:pt modelId="{DCB29E81-A59A-4B6D-BA07-41605D9225B2}" type="pres">
+      <dgm:prSet presAssocID="{E4A4D157-203A-4305-937E-7FA38981CCFD}" presName="node" presStyleLbl="node1" presStyleIdx="0" presStyleCnt="7">
+        <dgm:presLayoutVars>
+          <dgm:bulletEnabled val="1"/>
+        </dgm:presLayoutVars>
+      </dgm:prSet>
+      <dgm:spPr/>
+    </dgm:pt>
+    <dgm:pt modelId="{9B8A471A-7A82-4B4B-B68B-215264F3E000}" type="pres">
+      <dgm:prSet presAssocID="{75AB053C-BC49-4F8E-ADE1-7B789215BE55}" presName="sibTrans" presStyleLbl="sibTrans2D1" presStyleIdx="0" presStyleCnt="6"/>
+      <dgm:spPr/>
+    </dgm:pt>
+    <dgm:pt modelId="{458587D2-F709-445F-9C08-410BABB7C5AE}" type="pres">
+      <dgm:prSet presAssocID="{75AB053C-BC49-4F8E-ADE1-7B789215BE55}" presName="connectorText" presStyleLbl="sibTrans2D1" presStyleIdx="0" presStyleCnt="6"/>
+      <dgm:spPr/>
+    </dgm:pt>
+    <dgm:pt modelId="{C467C268-25B0-4BC1-A5BF-3B68D1AE95EE}" type="pres">
+      <dgm:prSet presAssocID="{C099C04B-7C10-4D4D-B42F-0DC2C5FE0532}" presName="node" presStyleLbl="node1" presStyleIdx="1" presStyleCnt="7">
+        <dgm:presLayoutVars>
+          <dgm:bulletEnabled val="1"/>
+        </dgm:presLayoutVars>
+      </dgm:prSet>
+      <dgm:spPr/>
+    </dgm:pt>
+    <dgm:pt modelId="{C30D676A-8E69-4F70-A46D-6651B2C07ED2}" type="pres">
+      <dgm:prSet presAssocID="{C64478D1-ECA7-4C88-B50B-AD3FF886DB54}" presName="sibTrans" presStyleLbl="sibTrans2D1" presStyleIdx="1" presStyleCnt="6"/>
+      <dgm:spPr/>
+    </dgm:pt>
+    <dgm:pt modelId="{BA7597EC-C6F8-4EA3-A2CF-9E9AE0796D9A}" type="pres">
+      <dgm:prSet presAssocID="{C64478D1-ECA7-4C88-B50B-AD3FF886DB54}" presName="connectorText" presStyleLbl="sibTrans2D1" presStyleIdx="1" presStyleCnt="6"/>
+      <dgm:spPr/>
+    </dgm:pt>
+    <dgm:pt modelId="{EC74E0A0-BA94-43BD-A26D-6F856D898C92}" type="pres">
+      <dgm:prSet presAssocID="{420A1D8D-50F5-41B3-91EA-AC875BCEB00F}" presName="node" presStyleLbl="node1" presStyleIdx="2" presStyleCnt="7">
+        <dgm:presLayoutVars>
+          <dgm:bulletEnabled val="1"/>
+        </dgm:presLayoutVars>
+      </dgm:prSet>
+      <dgm:spPr/>
+    </dgm:pt>
+    <dgm:pt modelId="{F72AE6EF-1BF3-4CF9-AE79-663AFF17237C}" type="pres">
+      <dgm:prSet presAssocID="{BD090A83-E8EE-461C-9947-97554A966FB8}" presName="sibTrans" presStyleLbl="sibTrans2D1" presStyleIdx="2" presStyleCnt="6"/>
+      <dgm:spPr/>
+    </dgm:pt>
+    <dgm:pt modelId="{B2600AD0-E947-498C-8471-9494B2A7AA31}" type="pres">
+      <dgm:prSet presAssocID="{BD090A83-E8EE-461C-9947-97554A966FB8}" presName="connectorText" presStyleLbl="sibTrans2D1" presStyleIdx="2" presStyleCnt="6"/>
+      <dgm:spPr/>
+    </dgm:pt>
+    <dgm:pt modelId="{9B033134-2ECD-4474-9E00-0F212BE493AE}" type="pres">
+      <dgm:prSet presAssocID="{68FEEAA9-9E70-4A86-B26E-862B55B4783A}" presName="node" presStyleLbl="node1" presStyleIdx="3" presStyleCnt="7">
+        <dgm:presLayoutVars>
+          <dgm:bulletEnabled val="1"/>
+        </dgm:presLayoutVars>
+      </dgm:prSet>
+      <dgm:spPr/>
+    </dgm:pt>
+    <dgm:pt modelId="{8ECB1BFC-E720-4B13-A6F5-39366ABFD7B7}" type="pres">
+      <dgm:prSet presAssocID="{7193EA06-F4C8-4F06-B0CD-80A85F2738BC}" presName="sibTrans" presStyleLbl="sibTrans2D1" presStyleIdx="3" presStyleCnt="6"/>
+      <dgm:spPr/>
+    </dgm:pt>
+    <dgm:pt modelId="{5474E4C2-69CD-41FF-BCDA-AA9E3573D0E0}" type="pres">
+      <dgm:prSet presAssocID="{7193EA06-F4C8-4F06-B0CD-80A85F2738BC}" presName="connectorText" presStyleLbl="sibTrans2D1" presStyleIdx="3" presStyleCnt="6"/>
+      <dgm:spPr/>
+    </dgm:pt>
+    <dgm:pt modelId="{B92875FC-2553-45FA-840C-85167EC7540E}" type="pres">
+      <dgm:prSet presAssocID="{FCD98BC2-3CE0-4B37-B6C5-01FC577BA2A3}" presName="node" presStyleLbl="node1" presStyleIdx="4" presStyleCnt="7">
+        <dgm:presLayoutVars>
+          <dgm:bulletEnabled val="1"/>
+        </dgm:presLayoutVars>
+      </dgm:prSet>
+      <dgm:spPr/>
+    </dgm:pt>
+    <dgm:pt modelId="{0B155A41-750A-4B8A-87B2-1A847CD8BFC4}" type="pres">
+      <dgm:prSet presAssocID="{C62A679D-B932-4EDE-9D9D-CCFBE79DBE31}" presName="sibTrans" presStyleLbl="sibTrans2D1" presStyleIdx="4" presStyleCnt="6"/>
+      <dgm:spPr/>
+    </dgm:pt>
+    <dgm:pt modelId="{767524B7-E35A-407C-B990-C58FE1C0E866}" type="pres">
+      <dgm:prSet presAssocID="{C62A679D-B932-4EDE-9D9D-CCFBE79DBE31}" presName="connectorText" presStyleLbl="sibTrans2D1" presStyleIdx="4" presStyleCnt="6"/>
+      <dgm:spPr/>
+    </dgm:pt>
+    <dgm:pt modelId="{EADD79D6-3357-4B29-ADE7-838185515F82}" type="pres">
+      <dgm:prSet presAssocID="{812EE3A9-CE86-4B1D-A77E-3E1690F9F96E}" presName="node" presStyleLbl="node1" presStyleIdx="5" presStyleCnt="7">
+        <dgm:presLayoutVars>
+          <dgm:bulletEnabled val="1"/>
+        </dgm:presLayoutVars>
+      </dgm:prSet>
+      <dgm:spPr/>
+    </dgm:pt>
+    <dgm:pt modelId="{36A9ADF9-4278-47BA-8E79-91B6C5E5838B}" type="pres">
+      <dgm:prSet presAssocID="{5E3B1937-C6F7-4B1A-92B2-DC434A284F99}" presName="sibTrans" presStyleLbl="sibTrans2D1" presStyleIdx="5" presStyleCnt="6"/>
+      <dgm:spPr/>
+    </dgm:pt>
+    <dgm:pt modelId="{A7687EAF-9952-4155-8586-6EC97C0A810C}" type="pres">
+      <dgm:prSet presAssocID="{5E3B1937-C6F7-4B1A-92B2-DC434A284F99}" presName="connectorText" presStyleLbl="sibTrans2D1" presStyleIdx="5" presStyleCnt="6"/>
+      <dgm:spPr/>
+    </dgm:pt>
+    <dgm:pt modelId="{8E2AAF9F-7038-4F42-A312-7850B716D04E}" type="pres">
+      <dgm:prSet presAssocID="{F1C7688F-841A-4202-8675-D9F72F06BEC8}" presName="node" presStyleLbl="node1" presStyleIdx="6" presStyleCnt="7">
+        <dgm:presLayoutVars>
+          <dgm:bulletEnabled val="1"/>
+        </dgm:presLayoutVars>
+      </dgm:prSet>
+      <dgm:spPr/>
+    </dgm:pt>
+  </dgm:ptLst>
+  <dgm:cxnLst>
+    <dgm:cxn modelId="{9DF1FCA3-8846-4AE5-B464-737B7D163654}" type="presOf" srcId="{7193EA06-F4C8-4F06-B0CD-80A85F2738BC}" destId="{8ECB1BFC-E720-4B13-A6F5-39366ABFD7B7}" srcOrd="0" destOrd="0" presId="urn:microsoft.com/office/officeart/2005/8/layout/process5"/>
+    <dgm:cxn modelId="{04A0EA7D-74C5-40E1-B0DD-9B0E4031BEDE}" type="presOf" srcId="{F1C7688F-841A-4202-8675-D9F72F06BEC8}" destId="{8E2AAF9F-7038-4F42-A312-7850B716D04E}" srcOrd="0" destOrd="0" presId="urn:microsoft.com/office/officeart/2005/8/layout/process5"/>
+    <dgm:cxn modelId="{81626EB6-201F-4028-8E2A-F4547D7ECDF3}" type="presOf" srcId="{C64478D1-ECA7-4C88-B50B-AD3FF886DB54}" destId="{C30D676A-8E69-4F70-A46D-6651B2C07ED2}" srcOrd="0" destOrd="0" presId="urn:microsoft.com/office/officeart/2005/8/layout/process5"/>
+    <dgm:cxn modelId="{66D0438E-671D-409D-B1AC-EE07D43BBE16}" type="presOf" srcId="{C099C04B-7C10-4D4D-B42F-0DC2C5FE0532}" destId="{C467C268-25B0-4BC1-A5BF-3B68D1AE95EE}" srcOrd="0" destOrd="0" presId="urn:microsoft.com/office/officeart/2005/8/layout/process5"/>
+    <dgm:cxn modelId="{4559845A-86ED-4E73-A1F9-9203FC082D3C}" type="presOf" srcId="{5E3B1937-C6F7-4B1A-92B2-DC434A284F99}" destId="{A7687EAF-9952-4155-8586-6EC97C0A810C}" srcOrd="1" destOrd="0" presId="urn:microsoft.com/office/officeart/2005/8/layout/process5"/>
+    <dgm:cxn modelId="{CC7494D6-1270-40E2-A562-7C09BB436E0F}" srcId="{E81CF95B-531A-44BB-A7F8-B9E5AA8700D3}" destId="{68FEEAA9-9E70-4A86-B26E-862B55B4783A}" srcOrd="3" destOrd="0" parTransId="{889D7DB5-ADD3-4744-8445-4DD510AF1487}" sibTransId="{7193EA06-F4C8-4F06-B0CD-80A85F2738BC}"/>
+    <dgm:cxn modelId="{CC21F4AD-0C9C-4F06-AB78-C66F9E4E2497}" type="presOf" srcId="{C62A679D-B932-4EDE-9D9D-CCFBE79DBE31}" destId="{0B155A41-750A-4B8A-87B2-1A847CD8BFC4}" srcOrd="0" destOrd="0" presId="urn:microsoft.com/office/officeart/2005/8/layout/process5"/>
+    <dgm:cxn modelId="{00A67234-F65E-4B35-BA67-598A7AA04591}" type="presOf" srcId="{E4A4D157-203A-4305-937E-7FA38981CCFD}" destId="{DCB29E81-A59A-4B6D-BA07-41605D9225B2}" srcOrd="0" destOrd="0" presId="urn:microsoft.com/office/officeart/2005/8/layout/process5"/>
+    <dgm:cxn modelId="{2FCCD012-172B-4943-A534-94A61619F220}" type="presOf" srcId="{68FEEAA9-9E70-4A86-B26E-862B55B4783A}" destId="{9B033134-2ECD-4474-9E00-0F212BE493AE}" srcOrd="0" destOrd="0" presId="urn:microsoft.com/office/officeart/2005/8/layout/process5"/>
+    <dgm:cxn modelId="{D583D288-8E2E-4FF0-906A-2ED592A26CCA}" type="presOf" srcId="{BD090A83-E8EE-461C-9947-97554A966FB8}" destId="{F72AE6EF-1BF3-4CF9-AE79-663AFF17237C}" srcOrd="0" destOrd="0" presId="urn:microsoft.com/office/officeart/2005/8/layout/process5"/>
+    <dgm:cxn modelId="{ACDBB25B-497F-4EAD-BD44-81DFD0CA1C7A}" type="presOf" srcId="{75AB053C-BC49-4F8E-ADE1-7B789215BE55}" destId="{9B8A471A-7A82-4B4B-B68B-215264F3E000}" srcOrd="0" destOrd="0" presId="urn:microsoft.com/office/officeart/2005/8/layout/process5"/>
+    <dgm:cxn modelId="{58B638A9-3C26-4EE4-B1CA-4F0CD7DCB1A3}" srcId="{E81CF95B-531A-44BB-A7F8-B9E5AA8700D3}" destId="{C099C04B-7C10-4D4D-B42F-0DC2C5FE0532}" srcOrd="1" destOrd="0" parTransId="{39116BB3-A3BF-4C45-AF63-61E0E05C6B85}" sibTransId="{C64478D1-ECA7-4C88-B50B-AD3FF886DB54}"/>
+    <dgm:cxn modelId="{AFFB2DC0-7E53-42D6-A357-E38095EF7E7E}" srcId="{E81CF95B-531A-44BB-A7F8-B9E5AA8700D3}" destId="{F1C7688F-841A-4202-8675-D9F72F06BEC8}" srcOrd="6" destOrd="0" parTransId="{22C5C15C-6203-4640-B795-63EC2EAC94A1}" sibTransId="{761CE98E-7B25-4624-9A4A-E53F776D8622}"/>
+    <dgm:cxn modelId="{C7341F1D-82C8-4E5F-93EA-87261C7C7A5B}" srcId="{E81CF95B-531A-44BB-A7F8-B9E5AA8700D3}" destId="{FCD98BC2-3CE0-4B37-B6C5-01FC577BA2A3}" srcOrd="4" destOrd="0" parTransId="{73363205-656E-4727-BAF6-137396DE6CD0}" sibTransId="{C62A679D-B932-4EDE-9D9D-CCFBE79DBE31}"/>
+    <dgm:cxn modelId="{A0BE30D9-4967-4A44-A3F2-51D0AB66151C}" type="presOf" srcId="{BD090A83-E8EE-461C-9947-97554A966FB8}" destId="{B2600AD0-E947-498C-8471-9494B2A7AA31}" srcOrd="1" destOrd="0" presId="urn:microsoft.com/office/officeart/2005/8/layout/process5"/>
+    <dgm:cxn modelId="{6E375500-44AD-45BE-9030-C6406EB773F0}" type="presOf" srcId="{FCD98BC2-3CE0-4B37-B6C5-01FC577BA2A3}" destId="{B92875FC-2553-45FA-840C-85167EC7540E}" srcOrd="0" destOrd="0" presId="urn:microsoft.com/office/officeart/2005/8/layout/process5"/>
+    <dgm:cxn modelId="{3A855BBE-A4ED-4906-9690-481A9877A0D8}" type="presOf" srcId="{420A1D8D-50F5-41B3-91EA-AC875BCEB00F}" destId="{EC74E0A0-BA94-43BD-A26D-6F856D898C92}" srcOrd="0" destOrd="0" presId="urn:microsoft.com/office/officeart/2005/8/layout/process5"/>
+    <dgm:cxn modelId="{3D934102-3693-4F27-A318-4B4E5E82F0B2}" type="presOf" srcId="{7193EA06-F4C8-4F06-B0CD-80A85F2738BC}" destId="{5474E4C2-69CD-41FF-BCDA-AA9E3573D0E0}" srcOrd="1" destOrd="0" presId="urn:microsoft.com/office/officeart/2005/8/layout/process5"/>
+    <dgm:cxn modelId="{9E4DB42D-226A-42AC-82C9-B82FD3E179A5}" srcId="{E81CF95B-531A-44BB-A7F8-B9E5AA8700D3}" destId="{E4A4D157-203A-4305-937E-7FA38981CCFD}" srcOrd="0" destOrd="0" parTransId="{3F2ED1CC-283D-43C9-8EF3-319093FB5020}" sibTransId="{75AB053C-BC49-4F8E-ADE1-7B789215BE55}"/>
+    <dgm:cxn modelId="{29F35F16-63C7-4600-90BF-D668CEFD5B4F}" type="presOf" srcId="{812EE3A9-CE86-4B1D-A77E-3E1690F9F96E}" destId="{EADD79D6-3357-4B29-ADE7-838185515F82}" srcOrd="0" destOrd="0" presId="urn:microsoft.com/office/officeart/2005/8/layout/process5"/>
+    <dgm:cxn modelId="{81777B3A-9312-4E35-8B9B-AA8C89CA4F0E}" type="presOf" srcId="{C62A679D-B932-4EDE-9D9D-CCFBE79DBE31}" destId="{767524B7-E35A-407C-B990-C58FE1C0E866}" srcOrd="1" destOrd="0" presId="urn:microsoft.com/office/officeart/2005/8/layout/process5"/>
+    <dgm:cxn modelId="{FB30E914-A950-438F-A06E-9414EFC767A8}" srcId="{E81CF95B-531A-44BB-A7F8-B9E5AA8700D3}" destId="{812EE3A9-CE86-4B1D-A77E-3E1690F9F96E}" srcOrd="5" destOrd="0" parTransId="{598B2C0B-A990-46F4-A33D-AD8979F4576C}" sibTransId="{5E3B1937-C6F7-4B1A-92B2-DC434A284F99}"/>
+    <dgm:cxn modelId="{C01F4461-EC5B-4AE3-B7F9-0A9D194622DC}" srcId="{E81CF95B-531A-44BB-A7F8-B9E5AA8700D3}" destId="{420A1D8D-50F5-41B3-91EA-AC875BCEB00F}" srcOrd="2" destOrd="0" parTransId="{844A627F-43C7-4C0C-B5F9-4EA2684F5578}" sibTransId="{BD090A83-E8EE-461C-9947-97554A966FB8}"/>
+    <dgm:cxn modelId="{F1C5F155-C624-4A6B-8C32-E72EF83CB1D7}" type="presOf" srcId="{5E3B1937-C6F7-4B1A-92B2-DC434A284F99}" destId="{36A9ADF9-4278-47BA-8E79-91B6C5E5838B}" srcOrd="0" destOrd="0" presId="urn:microsoft.com/office/officeart/2005/8/layout/process5"/>
+    <dgm:cxn modelId="{04015FBB-3801-49C7-BBEB-A28CCBD65A24}" type="presOf" srcId="{75AB053C-BC49-4F8E-ADE1-7B789215BE55}" destId="{458587D2-F709-445F-9C08-410BABB7C5AE}" srcOrd="1" destOrd="0" presId="urn:microsoft.com/office/officeart/2005/8/layout/process5"/>
+    <dgm:cxn modelId="{F5894E5A-B2A1-405F-9CEF-2EB132C549E9}" type="presOf" srcId="{C64478D1-ECA7-4C88-B50B-AD3FF886DB54}" destId="{BA7597EC-C6F8-4EA3-A2CF-9E9AE0796D9A}" srcOrd="1" destOrd="0" presId="urn:microsoft.com/office/officeart/2005/8/layout/process5"/>
+    <dgm:cxn modelId="{C0244E39-A3AA-4CEE-8CF2-A7C2E134E5CA}" type="presOf" srcId="{E81CF95B-531A-44BB-A7F8-B9E5AA8700D3}" destId="{891AA688-3C58-405D-BA89-C076C9455C42}" srcOrd="0" destOrd="0" presId="urn:microsoft.com/office/officeart/2005/8/layout/process5"/>
+    <dgm:cxn modelId="{C638885C-647F-4A2C-8590-7A665F77A10B}" type="presParOf" srcId="{891AA688-3C58-405D-BA89-C076C9455C42}" destId="{DCB29E81-A59A-4B6D-BA07-41605D9225B2}" srcOrd="0" destOrd="0" presId="urn:microsoft.com/office/officeart/2005/8/layout/process5"/>
+    <dgm:cxn modelId="{5B7EC5A4-59C6-49D0-B6C4-5D5D44860B47}" type="presParOf" srcId="{891AA688-3C58-405D-BA89-C076C9455C42}" destId="{9B8A471A-7A82-4B4B-B68B-215264F3E000}" srcOrd="1" destOrd="0" presId="urn:microsoft.com/office/officeart/2005/8/layout/process5"/>
+    <dgm:cxn modelId="{79D4AD12-FFC8-4A06-92A8-576B0F6DAC32}" type="presParOf" srcId="{9B8A471A-7A82-4B4B-B68B-215264F3E000}" destId="{458587D2-F709-445F-9C08-410BABB7C5AE}" srcOrd="0" destOrd="0" presId="urn:microsoft.com/office/officeart/2005/8/layout/process5"/>
+    <dgm:cxn modelId="{AE058D5B-A6C7-4F70-9970-2C9DA57111F2}" type="presParOf" srcId="{891AA688-3C58-405D-BA89-C076C9455C42}" destId="{C467C268-25B0-4BC1-A5BF-3B68D1AE95EE}" srcOrd="2" destOrd="0" presId="urn:microsoft.com/office/officeart/2005/8/layout/process5"/>
+    <dgm:cxn modelId="{EF9F8938-C709-4F6E-9EEA-6C993EA1BC71}" type="presParOf" srcId="{891AA688-3C58-405D-BA89-C076C9455C42}" destId="{C30D676A-8E69-4F70-A46D-6651B2C07ED2}" srcOrd="3" destOrd="0" presId="urn:microsoft.com/office/officeart/2005/8/layout/process5"/>
+    <dgm:cxn modelId="{0C087092-A92A-4902-845F-3F6AE3B59E00}" type="presParOf" srcId="{C30D676A-8E69-4F70-A46D-6651B2C07ED2}" destId="{BA7597EC-C6F8-4EA3-A2CF-9E9AE0796D9A}" srcOrd="0" destOrd="0" presId="urn:microsoft.com/office/officeart/2005/8/layout/process5"/>
+    <dgm:cxn modelId="{9B57A9B1-CDA0-40FB-BBD4-F82BFBB05D6C}" type="presParOf" srcId="{891AA688-3C58-405D-BA89-C076C9455C42}" destId="{EC74E0A0-BA94-43BD-A26D-6F856D898C92}" srcOrd="4" destOrd="0" presId="urn:microsoft.com/office/officeart/2005/8/layout/process5"/>
+    <dgm:cxn modelId="{FC508D26-8B77-489B-9F92-118F15A3C5B9}" type="presParOf" srcId="{891AA688-3C58-405D-BA89-C076C9455C42}" destId="{F72AE6EF-1BF3-4CF9-AE79-663AFF17237C}" srcOrd="5" destOrd="0" presId="urn:microsoft.com/office/officeart/2005/8/layout/process5"/>
+    <dgm:cxn modelId="{C5D5BAD2-A3CE-497B-B0A3-A73960165AEF}" type="presParOf" srcId="{F72AE6EF-1BF3-4CF9-AE79-663AFF17237C}" destId="{B2600AD0-E947-498C-8471-9494B2A7AA31}" srcOrd="0" destOrd="0" presId="urn:microsoft.com/office/officeart/2005/8/layout/process5"/>
+    <dgm:cxn modelId="{DFD59DB6-7A1C-4152-BC3A-8EAB5905ED12}" type="presParOf" srcId="{891AA688-3C58-405D-BA89-C076C9455C42}" destId="{9B033134-2ECD-4474-9E00-0F212BE493AE}" srcOrd="6" destOrd="0" presId="urn:microsoft.com/office/officeart/2005/8/layout/process5"/>
+    <dgm:cxn modelId="{5C8593BF-2F60-4275-9C4F-2E43BDF0D92B}" type="presParOf" srcId="{891AA688-3C58-405D-BA89-C076C9455C42}" destId="{8ECB1BFC-E720-4B13-A6F5-39366ABFD7B7}" srcOrd="7" destOrd="0" presId="urn:microsoft.com/office/officeart/2005/8/layout/process5"/>
+    <dgm:cxn modelId="{1C0166E9-8EC5-4BAE-9623-850D58EDDBB9}" type="presParOf" srcId="{8ECB1BFC-E720-4B13-A6F5-39366ABFD7B7}" destId="{5474E4C2-69CD-41FF-BCDA-AA9E3573D0E0}" srcOrd="0" destOrd="0" presId="urn:microsoft.com/office/officeart/2005/8/layout/process5"/>
+    <dgm:cxn modelId="{9EF1D040-D8E6-445F-B468-F03A6DC34D17}" type="presParOf" srcId="{891AA688-3C58-405D-BA89-C076C9455C42}" destId="{B92875FC-2553-45FA-840C-85167EC7540E}" srcOrd="8" destOrd="0" presId="urn:microsoft.com/office/officeart/2005/8/layout/process5"/>
+    <dgm:cxn modelId="{FB0C28D2-EFD0-45EF-A25D-A4A3F879A798}" type="presParOf" srcId="{891AA688-3C58-405D-BA89-C076C9455C42}" destId="{0B155A41-750A-4B8A-87B2-1A847CD8BFC4}" srcOrd="9" destOrd="0" presId="urn:microsoft.com/office/officeart/2005/8/layout/process5"/>
+    <dgm:cxn modelId="{117F5211-3D7E-4801-A992-1684B662C853}" type="presParOf" srcId="{0B155A41-750A-4B8A-87B2-1A847CD8BFC4}" destId="{767524B7-E35A-407C-B990-C58FE1C0E866}" srcOrd="0" destOrd="0" presId="urn:microsoft.com/office/officeart/2005/8/layout/process5"/>
+    <dgm:cxn modelId="{98522F47-7474-4A90-9101-F805D176CDAF}" type="presParOf" srcId="{891AA688-3C58-405D-BA89-C076C9455C42}" destId="{EADD79D6-3357-4B29-ADE7-838185515F82}" srcOrd="10" destOrd="0" presId="urn:microsoft.com/office/officeart/2005/8/layout/process5"/>
+    <dgm:cxn modelId="{AAEAD3E7-4B09-4C41-9B8A-4B7E9A461342}" type="presParOf" srcId="{891AA688-3C58-405D-BA89-C076C9455C42}" destId="{36A9ADF9-4278-47BA-8E79-91B6C5E5838B}" srcOrd="11" destOrd="0" presId="urn:microsoft.com/office/officeart/2005/8/layout/process5"/>
+    <dgm:cxn modelId="{C26EAC22-B5C6-419D-97C4-FE7B32D8894F}" type="presParOf" srcId="{36A9ADF9-4278-47BA-8E79-91B6C5E5838B}" destId="{A7687EAF-9952-4155-8586-6EC97C0A810C}" srcOrd="0" destOrd="0" presId="urn:microsoft.com/office/officeart/2005/8/layout/process5"/>
+    <dgm:cxn modelId="{14F05C84-CAC0-4E0A-90DB-5C93B30B3A4E}" type="presParOf" srcId="{891AA688-3C58-405D-BA89-C076C9455C42}" destId="{8E2AAF9F-7038-4F42-A312-7850B716D04E}" srcOrd="12" destOrd="0" presId="urn:microsoft.com/office/officeart/2005/8/layout/process5"/>
+  </dgm:cxnLst>
+  <dgm:bg/>
+  <dgm:whole/>
+  <dgm:extLst>
+    <a:ext uri="http://schemas.microsoft.com/office/drawing/2008/diagram">
+      <dsp:dataModelExt xmlns:dsp="http://schemas.microsoft.com/office/drawing/2008/diagram" relId="rId6" minVer="http://schemas.openxmlformats.org/drawingml/2006/diagram"/>
+    </a:ext>
+  </dgm:extLst>
+</dgm:dataModel>
+</file>
+
+<file path=ppt/diagrams/drawing1.xml><?xml version="1.0" encoding="utf-8"?>
+<dsp:drawing xmlns:dgm="http://schemas.openxmlformats.org/drawingml/2006/diagram" xmlns:dsp="http://schemas.microsoft.com/office/drawing/2008/diagram" xmlns:a="http://schemas.openxmlformats.org/drawingml/2006/main">
+  <dsp:spTree>
+    <dsp:nvGrpSpPr>
+      <dsp:cNvPr id="0" name=""/>
+      <dsp:cNvGrpSpPr/>
+    </dsp:nvGrpSpPr>
+    <dsp:grpSpPr/>
+    <dsp:sp modelId="{DCB29E81-A59A-4B6D-BA07-41605D9225B2}">
+      <dsp:nvSpPr>
+        <dsp:cNvPr id="0" name=""/>
+        <dsp:cNvSpPr/>
+      </dsp:nvSpPr>
+      <dsp:spPr>
+        <a:xfrm>
+          <a:off x="808895" y="1047"/>
+          <a:ext cx="1739949" cy="1043969"/>
+        </a:xfrm>
+        <a:prstGeom prst="roundRect">
+          <a:avLst>
+            <a:gd name="adj" fmla="val 10000"/>
+          </a:avLst>
+        </a:prstGeom>
+        <a:solidFill>
+          <a:schemeClr val="accent1">
+            <a:hueOff val="0"/>
+            <a:satOff val="0"/>
+            <a:lumOff val="0"/>
+            <a:alphaOff val="0"/>
+          </a:schemeClr>
+        </a:solidFill>
+        <a:ln w="25400" cap="flat" cmpd="sng" algn="ctr">
+          <a:solidFill>
+            <a:schemeClr val="lt1">
+              <a:hueOff val="0"/>
+              <a:satOff val="0"/>
+              <a:lumOff val="0"/>
+              <a:alphaOff val="0"/>
+            </a:schemeClr>
+          </a:solidFill>
+          <a:prstDash val="solid"/>
+        </a:ln>
+        <a:effectLst/>
+      </dsp:spPr>
+      <dsp:style>
+        <a:lnRef idx="2">
+          <a:scrgbClr r="0" g="0" b="0"/>
+        </a:lnRef>
+        <a:fillRef idx="1">
+          <a:scrgbClr r="0" g="0" b="0"/>
+        </a:fillRef>
+        <a:effectRef idx="0">
+          <a:scrgbClr r="0" g="0" b="0"/>
+        </a:effectRef>
+        <a:fontRef idx="minor">
+          <a:schemeClr val="lt1"/>
+        </a:fontRef>
+      </dsp:style>
+      <dsp:txBody>
+        <a:bodyPr spcFirstLastPara="0" vert="horz" wrap="square" lIns="57150" tIns="57150" rIns="57150" bIns="57150" numCol="1" spcCol="1270" anchor="ctr" anchorCtr="0">
+          <a:noAutofit/>
+        </a:bodyPr>
+        <a:lstStyle/>
+        <a:p>
+          <a:pPr lvl="0" algn="ctr" defTabSz="666750">
+            <a:lnSpc>
+              <a:spcPct val="90000"/>
+            </a:lnSpc>
+            <a:spcBef>
+              <a:spcPct val="0"/>
+            </a:spcBef>
+            <a:spcAft>
+              <a:spcPct val="35000"/>
+            </a:spcAft>
+          </a:pPr>
+          <a:r>
+            <a:rPr lang="pl-PL" sz="1500" kern="1200" dirty="0" smtClean="0"/>
+            <a:t>User types an address in a browser</a:t>
+          </a:r>
+          <a:endParaRPr lang="en-CA" sz="1500" kern="1200" dirty="0"/>
+        </a:p>
+      </dsp:txBody>
+      <dsp:txXfrm>
+        <a:off x="839472" y="31624"/>
+        <a:ext cx="1678795" cy="982815"/>
+      </dsp:txXfrm>
+    </dsp:sp>
+    <dsp:sp modelId="{9B8A471A-7A82-4B4B-B68B-215264F3E000}">
+      <dsp:nvSpPr>
+        <dsp:cNvPr id="0" name=""/>
+        <dsp:cNvSpPr/>
+      </dsp:nvSpPr>
+      <dsp:spPr>
+        <a:xfrm>
+          <a:off x="2701960" y="307278"/>
+          <a:ext cx="368869" cy="431507"/>
+        </a:xfrm>
+        <a:prstGeom prst="rightArrow">
+          <a:avLst>
+            <a:gd name="adj1" fmla="val 60000"/>
+            <a:gd name="adj2" fmla="val 50000"/>
+          </a:avLst>
+        </a:prstGeom>
+        <a:solidFill>
+          <a:schemeClr val="accent1">
+            <a:tint val="60000"/>
+            <a:hueOff val="0"/>
+            <a:satOff val="0"/>
+            <a:lumOff val="0"/>
+            <a:alphaOff val="0"/>
+          </a:schemeClr>
+        </a:solidFill>
+        <a:ln>
+          <a:noFill/>
+        </a:ln>
+        <a:effectLst/>
+      </dsp:spPr>
+      <dsp:style>
+        <a:lnRef idx="0">
+          <a:scrgbClr r="0" g="0" b="0"/>
+        </a:lnRef>
+        <a:fillRef idx="1">
+          <a:scrgbClr r="0" g="0" b="0"/>
+        </a:fillRef>
+        <a:effectRef idx="0">
+          <a:scrgbClr r="0" g="0" b="0"/>
+        </a:effectRef>
+        <a:fontRef idx="minor">
+          <a:schemeClr val="lt1"/>
+        </a:fontRef>
+      </dsp:style>
+      <dsp:txBody>
+        <a:bodyPr spcFirstLastPara="0" vert="horz" wrap="square" lIns="0" tIns="0" rIns="0" bIns="0" numCol="1" spcCol="1270" anchor="ctr" anchorCtr="0">
+          <a:noAutofit/>
+        </a:bodyPr>
+        <a:lstStyle/>
+        <a:p>
+          <a:pPr lvl="0" algn="ctr" defTabSz="533400">
+            <a:lnSpc>
+              <a:spcPct val="90000"/>
+            </a:lnSpc>
+            <a:spcBef>
+              <a:spcPct val="0"/>
+            </a:spcBef>
+            <a:spcAft>
+              <a:spcPct val="35000"/>
+            </a:spcAft>
+          </a:pPr>
+          <a:endParaRPr lang="en-CA" sz="1200" kern="1200"/>
+        </a:p>
+      </dsp:txBody>
+      <dsp:txXfrm>
+        <a:off x="2701960" y="393579"/>
+        <a:ext cx="258208" cy="258905"/>
+      </dsp:txXfrm>
+    </dsp:sp>
+    <dsp:sp modelId="{C467C268-25B0-4BC1-A5BF-3B68D1AE95EE}">
+      <dsp:nvSpPr>
+        <dsp:cNvPr id="0" name=""/>
+        <dsp:cNvSpPr/>
+      </dsp:nvSpPr>
+      <dsp:spPr>
+        <a:xfrm>
+          <a:off x="3244825" y="1047"/>
+          <a:ext cx="1739949" cy="1043969"/>
+        </a:xfrm>
+        <a:prstGeom prst="roundRect">
+          <a:avLst>
+            <a:gd name="adj" fmla="val 10000"/>
+          </a:avLst>
+        </a:prstGeom>
+        <a:solidFill>
+          <a:schemeClr val="accent1">
+            <a:hueOff val="0"/>
+            <a:satOff val="0"/>
+            <a:lumOff val="0"/>
+            <a:alphaOff val="0"/>
+          </a:schemeClr>
+        </a:solidFill>
+        <a:ln w="25400" cap="flat" cmpd="sng" algn="ctr">
+          <a:solidFill>
+            <a:schemeClr val="lt1">
+              <a:hueOff val="0"/>
+              <a:satOff val="0"/>
+              <a:lumOff val="0"/>
+              <a:alphaOff val="0"/>
+            </a:schemeClr>
+          </a:solidFill>
+          <a:prstDash val="solid"/>
+        </a:ln>
+        <a:effectLst/>
+      </dsp:spPr>
+      <dsp:style>
+        <a:lnRef idx="2">
+          <a:scrgbClr r="0" g="0" b="0"/>
+        </a:lnRef>
+        <a:fillRef idx="1">
+          <a:scrgbClr r="0" g="0" b="0"/>
+        </a:fillRef>
+        <a:effectRef idx="0">
+          <a:scrgbClr r="0" g="0" b="0"/>
+        </a:effectRef>
+        <a:fontRef idx="minor">
+          <a:schemeClr val="lt1"/>
+        </a:fontRef>
+      </dsp:style>
+      <dsp:txBody>
+        <a:bodyPr spcFirstLastPara="0" vert="horz" wrap="square" lIns="57150" tIns="57150" rIns="57150" bIns="57150" numCol="1" spcCol="1270" anchor="ctr" anchorCtr="0">
+          <a:noAutofit/>
+        </a:bodyPr>
+        <a:lstStyle/>
+        <a:p>
+          <a:pPr lvl="0" algn="ctr" defTabSz="666750">
+            <a:lnSpc>
+              <a:spcPct val="90000"/>
+            </a:lnSpc>
+            <a:spcBef>
+              <a:spcPct val="0"/>
+            </a:spcBef>
+            <a:spcAft>
+              <a:spcPct val="35000"/>
+            </a:spcAft>
+          </a:pPr>
+          <a:r>
+            <a:rPr lang="pl-PL" sz="1500" kern="1200" dirty="0" smtClean="0"/>
+            <a:t>The browser contacts a right server</a:t>
+          </a:r>
+          <a:endParaRPr lang="en-CA" sz="1500" kern="1200" dirty="0"/>
+        </a:p>
+      </dsp:txBody>
+      <dsp:txXfrm>
+        <a:off x="3275402" y="31624"/>
+        <a:ext cx="1678795" cy="982815"/>
+      </dsp:txXfrm>
+    </dsp:sp>
+    <dsp:sp modelId="{C30D676A-8E69-4F70-A46D-6651B2C07ED2}">
+      <dsp:nvSpPr>
+        <dsp:cNvPr id="0" name=""/>
+        <dsp:cNvSpPr/>
+      </dsp:nvSpPr>
+      <dsp:spPr>
+        <a:xfrm>
+          <a:off x="5137890" y="307278"/>
+          <a:ext cx="368869" cy="431507"/>
+        </a:xfrm>
+        <a:prstGeom prst="rightArrow">
+          <a:avLst>
+            <a:gd name="adj1" fmla="val 60000"/>
+            <a:gd name="adj2" fmla="val 50000"/>
+          </a:avLst>
+        </a:prstGeom>
+        <a:solidFill>
+          <a:schemeClr val="accent1">
+            <a:tint val="60000"/>
+            <a:hueOff val="0"/>
+            <a:satOff val="0"/>
+            <a:lumOff val="0"/>
+            <a:alphaOff val="0"/>
+          </a:schemeClr>
+        </a:solidFill>
+        <a:ln>
+          <a:noFill/>
+        </a:ln>
+        <a:effectLst/>
+      </dsp:spPr>
+      <dsp:style>
+        <a:lnRef idx="0">
+          <a:scrgbClr r="0" g="0" b="0"/>
+        </a:lnRef>
+        <a:fillRef idx="1">
+          <a:scrgbClr r="0" g="0" b="0"/>
+        </a:fillRef>
+        <a:effectRef idx="0">
+          <a:scrgbClr r="0" g="0" b="0"/>
+        </a:effectRef>
+        <a:fontRef idx="minor">
+          <a:schemeClr val="lt1"/>
+        </a:fontRef>
+      </dsp:style>
+      <dsp:txBody>
+        <a:bodyPr spcFirstLastPara="0" vert="horz" wrap="square" lIns="0" tIns="0" rIns="0" bIns="0" numCol="1" spcCol="1270" anchor="ctr" anchorCtr="0">
+          <a:noAutofit/>
+        </a:bodyPr>
+        <a:lstStyle/>
+        <a:p>
+          <a:pPr lvl="0" algn="ctr" defTabSz="533400">
+            <a:lnSpc>
+              <a:spcPct val="90000"/>
+            </a:lnSpc>
+            <a:spcBef>
+              <a:spcPct val="0"/>
+            </a:spcBef>
+            <a:spcAft>
+              <a:spcPct val="35000"/>
+            </a:spcAft>
+          </a:pPr>
+          <a:endParaRPr lang="en-CA" sz="1200" kern="1200"/>
+        </a:p>
+      </dsp:txBody>
+      <dsp:txXfrm>
+        <a:off x="5137890" y="393579"/>
+        <a:ext cx="258208" cy="258905"/>
+      </dsp:txXfrm>
+    </dsp:sp>
+    <dsp:sp modelId="{EC74E0A0-BA94-43BD-A26D-6F856D898C92}">
+      <dsp:nvSpPr>
+        <dsp:cNvPr id="0" name=""/>
+        <dsp:cNvSpPr/>
+      </dsp:nvSpPr>
+      <dsp:spPr>
+        <a:xfrm>
+          <a:off x="5680754" y="1047"/>
+          <a:ext cx="1739949" cy="1043969"/>
+        </a:xfrm>
+        <a:prstGeom prst="roundRect">
+          <a:avLst>
+            <a:gd name="adj" fmla="val 10000"/>
+          </a:avLst>
+        </a:prstGeom>
+        <a:solidFill>
+          <a:schemeClr val="accent1">
+            <a:hueOff val="0"/>
+            <a:satOff val="0"/>
+            <a:lumOff val="0"/>
+            <a:alphaOff val="0"/>
+          </a:schemeClr>
+        </a:solidFill>
+        <a:ln w="25400" cap="flat" cmpd="sng" algn="ctr">
+          <a:solidFill>
+            <a:schemeClr val="lt1">
+              <a:hueOff val="0"/>
+              <a:satOff val="0"/>
+              <a:lumOff val="0"/>
+              <a:alphaOff val="0"/>
+            </a:schemeClr>
+          </a:solidFill>
+          <a:prstDash val="solid"/>
+        </a:ln>
+        <a:effectLst/>
+      </dsp:spPr>
+      <dsp:style>
+        <a:lnRef idx="2">
+          <a:scrgbClr r="0" g="0" b="0"/>
+        </a:lnRef>
+        <a:fillRef idx="1">
+          <a:scrgbClr r="0" g="0" b="0"/>
+        </a:fillRef>
+        <a:effectRef idx="0">
+          <a:scrgbClr r="0" g="0" b="0"/>
+        </a:effectRef>
+        <a:fontRef idx="minor">
+          <a:schemeClr val="lt1"/>
+        </a:fontRef>
+      </dsp:style>
+      <dsp:txBody>
+        <a:bodyPr spcFirstLastPara="0" vert="horz" wrap="square" lIns="57150" tIns="57150" rIns="57150" bIns="57150" numCol="1" spcCol="1270" anchor="ctr" anchorCtr="0">
+          <a:noAutofit/>
+        </a:bodyPr>
+        <a:lstStyle/>
+        <a:p>
+          <a:pPr lvl="0" algn="ctr" defTabSz="666750">
+            <a:lnSpc>
+              <a:spcPct val="90000"/>
+            </a:lnSpc>
+            <a:spcBef>
+              <a:spcPct val="0"/>
+            </a:spcBef>
+            <a:spcAft>
+              <a:spcPct val="35000"/>
+            </a:spcAft>
+          </a:pPr>
+          <a:r>
+            <a:rPr lang="pl-PL" sz="1500" kern="1200" dirty="0" smtClean="0"/>
+            <a:t>The server recognizes the request</a:t>
+          </a:r>
+          <a:endParaRPr lang="en-CA" sz="1500" kern="1200" dirty="0"/>
+        </a:p>
+      </dsp:txBody>
+      <dsp:txXfrm>
+        <a:off x="5711331" y="31624"/>
+        <a:ext cx="1678795" cy="982815"/>
+      </dsp:txXfrm>
+    </dsp:sp>
+    <dsp:sp modelId="{F72AE6EF-1BF3-4CF9-AE79-663AFF17237C}">
+      <dsp:nvSpPr>
+        <dsp:cNvPr id="0" name=""/>
+        <dsp:cNvSpPr/>
+      </dsp:nvSpPr>
+      <dsp:spPr>
+        <a:xfrm rot="5400000">
+          <a:off x="6366294" y="1166813"/>
+          <a:ext cx="368869" cy="431507"/>
+        </a:xfrm>
+        <a:prstGeom prst="rightArrow">
+          <a:avLst>
+            <a:gd name="adj1" fmla="val 60000"/>
+            <a:gd name="adj2" fmla="val 50000"/>
+          </a:avLst>
+        </a:prstGeom>
+        <a:solidFill>
+          <a:schemeClr val="accent1">
+            <a:tint val="60000"/>
+            <a:hueOff val="0"/>
+            <a:satOff val="0"/>
+            <a:lumOff val="0"/>
+            <a:alphaOff val="0"/>
+          </a:schemeClr>
+        </a:solidFill>
+        <a:ln>
+          <a:noFill/>
+        </a:ln>
+        <a:effectLst/>
+      </dsp:spPr>
+      <dsp:style>
+        <a:lnRef idx="0">
+          <a:scrgbClr r="0" g="0" b="0"/>
+        </a:lnRef>
+        <a:fillRef idx="1">
+          <a:scrgbClr r="0" g="0" b="0"/>
+        </a:fillRef>
+        <a:effectRef idx="0">
+          <a:scrgbClr r="0" g="0" b="0"/>
+        </a:effectRef>
+        <a:fontRef idx="minor">
+          <a:schemeClr val="lt1"/>
+        </a:fontRef>
+      </dsp:style>
+      <dsp:txBody>
+        <a:bodyPr spcFirstLastPara="0" vert="horz" wrap="square" lIns="0" tIns="0" rIns="0" bIns="0" numCol="1" spcCol="1270" anchor="ctr" anchorCtr="0">
+          <a:noAutofit/>
+        </a:bodyPr>
+        <a:lstStyle/>
+        <a:p>
+          <a:pPr lvl="0" algn="ctr" defTabSz="533400">
+            <a:lnSpc>
+              <a:spcPct val="90000"/>
+            </a:lnSpc>
+            <a:spcBef>
+              <a:spcPct val="0"/>
+            </a:spcBef>
+            <a:spcAft>
+              <a:spcPct val="35000"/>
+            </a:spcAft>
+          </a:pPr>
+          <a:endParaRPr lang="en-CA" sz="1200" kern="1200"/>
+        </a:p>
+      </dsp:txBody>
+      <dsp:txXfrm rot="-5400000">
+        <a:off x="6421277" y="1198132"/>
+        <a:ext cx="258905" cy="258208"/>
+      </dsp:txXfrm>
+    </dsp:sp>
+    <dsp:sp modelId="{9B033134-2ECD-4474-9E00-0F212BE493AE}">
+      <dsp:nvSpPr>
+        <dsp:cNvPr id="0" name=""/>
+        <dsp:cNvSpPr/>
+      </dsp:nvSpPr>
+      <dsp:spPr>
+        <a:xfrm>
+          <a:off x="5680754" y="1740996"/>
+          <a:ext cx="1739949" cy="1043969"/>
+        </a:xfrm>
+        <a:prstGeom prst="roundRect">
+          <a:avLst>
+            <a:gd name="adj" fmla="val 10000"/>
+          </a:avLst>
+        </a:prstGeom>
+        <a:solidFill>
+          <a:schemeClr val="accent1">
+            <a:hueOff val="0"/>
+            <a:satOff val="0"/>
+            <a:lumOff val="0"/>
+            <a:alphaOff val="0"/>
+          </a:schemeClr>
+        </a:solidFill>
+        <a:ln w="25400" cap="flat" cmpd="sng" algn="ctr">
+          <a:solidFill>
+            <a:schemeClr val="lt1">
+              <a:hueOff val="0"/>
+              <a:satOff val="0"/>
+              <a:lumOff val="0"/>
+              <a:alphaOff val="0"/>
+            </a:schemeClr>
+          </a:solidFill>
+          <a:prstDash val="solid"/>
+        </a:ln>
+        <a:effectLst/>
+      </dsp:spPr>
+      <dsp:style>
+        <a:lnRef idx="2">
+          <a:scrgbClr r="0" g="0" b="0"/>
+        </a:lnRef>
+        <a:fillRef idx="1">
+          <a:scrgbClr r="0" g="0" b="0"/>
+        </a:fillRef>
+        <a:effectRef idx="0">
+          <a:scrgbClr r="0" g="0" b="0"/>
+        </a:effectRef>
+        <a:fontRef idx="minor">
+          <a:schemeClr val="lt1"/>
+        </a:fontRef>
+      </dsp:style>
+      <dsp:txBody>
+        <a:bodyPr spcFirstLastPara="0" vert="horz" wrap="square" lIns="57150" tIns="57150" rIns="57150" bIns="57150" numCol="1" spcCol="1270" anchor="ctr" anchorCtr="0">
+          <a:noAutofit/>
+        </a:bodyPr>
+        <a:lstStyle/>
+        <a:p>
+          <a:pPr lvl="0" algn="ctr" defTabSz="666750">
+            <a:lnSpc>
+              <a:spcPct val="90000"/>
+            </a:lnSpc>
+            <a:spcBef>
+              <a:spcPct val="0"/>
+            </a:spcBef>
+            <a:spcAft>
+              <a:spcPct val="35000"/>
+            </a:spcAft>
+          </a:pPr>
+          <a:r>
+            <a:rPr lang="pl-PL" sz="1500" kern="1200" dirty="0" smtClean="0"/>
+            <a:t>The server finds a program bound to the address</a:t>
+          </a:r>
+          <a:endParaRPr lang="en-CA" sz="1500" kern="1200" dirty="0"/>
+        </a:p>
+      </dsp:txBody>
+      <dsp:txXfrm>
+        <a:off x="5711331" y="1771573"/>
+        <a:ext cx="1678795" cy="982815"/>
+      </dsp:txXfrm>
+    </dsp:sp>
+    <dsp:sp modelId="{8ECB1BFC-E720-4B13-A6F5-39366ABFD7B7}">
+      <dsp:nvSpPr>
+        <dsp:cNvPr id="0" name=""/>
+        <dsp:cNvSpPr/>
+      </dsp:nvSpPr>
+      <dsp:spPr>
+        <a:xfrm rot="10800000">
+          <a:off x="5158769" y="2047227"/>
+          <a:ext cx="368869" cy="431507"/>
+        </a:xfrm>
+        <a:prstGeom prst="rightArrow">
+          <a:avLst>
+            <a:gd name="adj1" fmla="val 60000"/>
+            <a:gd name="adj2" fmla="val 50000"/>
+          </a:avLst>
+        </a:prstGeom>
+        <a:solidFill>
+          <a:schemeClr val="accent1">
+            <a:tint val="60000"/>
+            <a:hueOff val="0"/>
+            <a:satOff val="0"/>
+            <a:lumOff val="0"/>
+            <a:alphaOff val="0"/>
+          </a:schemeClr>
+        </a:solidFill>
+        <a:ln>
+          <a:noFill/>
+        </a:ln>
+        <a:effectLst/>
+      </dsp:spPr>
+      <dsp:style>
+        <a:lnRef idx="0">
+          <a:scrgbClr r="0" g="0" b="0"/>
+        </a:lnRef>
+        <a:fillRef idx="1">
+          <a:scrgbClr r="0" g="0" b="0"/>
+        </a:fillRef>
+        <a:effectRef idx="0">
+          <a:scrgbClr r="0" g="0" b="0"/>
+        </a:effectRef>
+        <a:fontRef idx="minor">
+          <a:schemeClr val="lt1"/>
+        </a:fontRef>
+      </dsp:style>
+      <dsp:txBody>
+        <a:bodyPr spcFirstLastPara="0" vert="horz" wrap="square" lIns="0" tIns="0" rIns="0" bIns="0" numCol="1" spcCol="1270" anchor="ctr" anchorCtr="0">
+          <a:noAutofit/>
+        </a:bodyPr>
+        <a:lstStyle/>
+        <a:p>
+          <a:pPr lvl="0" algn="ctr" defTabSz="533400">
+            <a:lnSpc>
+              <a:spcPct val="90000"/>
+            </a:lnSpc>
+            <a:spcBef>
+              <a:spcPct val="0"/>
+            </a:spcBef>
+            <a:spcAft>
+              <a:spcPct val="35000"/>
+            </a:spcAft>
+          </a:pPr>
+          <a:endParaRPr lang="en-CA" sz="1200" kern="1200"/>
+        </a:p>
+      </dsp:txBody>
+      <dsp:txXfrm rot="10800000">
+        <a:off x="5269430" y="2133528"/>
+        <a:ext cx="258208" cy="258905"/>
+      </dsp:txXfrm>
+    </dsp:sp>
+    <dsp:sp modelId="{B92875FC-2553-45FA-840C-85167EC7540E}">
+      <dsp:nvSpPr>
+        <dsp:cNvPr id="0" name=""/>
+        <dsp:cNvSpPr/>
+      </dsp:nvSpPr>
+      <dsp:spPr>
+        <a:xfrm>
+          <a:off x="3244825" y="1740996"/>
+          <a:ext cx="1739949" cy="1043969"/>
+        </a:xfrm>
+        <a:prstGeom prst="roundRect">
+          <a:avLst>
+            <a:gd name="adj" fmla="val 10000"/>
+          </a:avLst>
+        </a:prstGeom>
+        <a:solidFill>
+          <a:schemeClr val="accent2"/>
+        </a:solidFill>
+        <a:ln w="25400" cap="flat" cmpd="sng" algn="ctr">
+          <a:solidFill>
+            <a:schemeClr val="lt1">
+              <a:hueOff val="0"/>
+              <a:satOff val="0"/>
+              <a:lumOff val="0"/>
+              <a:alphaOff val="0"/>
+            </a:schemeClr>
+          </a:solidFill>
+          <a:prstDash val="solid"/>
+        </a:ln>
+        <a:effectLst/>
+      </dsp:spPr>
+      <dsp:style>
+        <a:lnRef idx="2">
+          <a:scrgbClr r="0" g="0" b="0"/>
+        </a:lnRef>
+        <a:fillRef idx="1">
+          <a:scrgbClr r="0" g="0" b="0"/>
+        </a:fillRef>
+        <a:effectRef idx="0">
+          <a:scrgbClr r="0" g="0" b="0"/>
+        </a:effectRef>
+        <a:fontRef idx="minor">
+          <a:schemeClr val="lt1"/>
+        </a:fontRef>
+      </dsp:style>
+      <dsp:txBody>
+        <a:bodyPr spcFirstLastPara="0" vert="horz" wrap="square" lIns="57150" tIns="57150" rIns="57150" bIns="57150" numCol="1" spcCol="1270" anchor="ctr" anchorCtr="0">
+          <a:noAutofit/>
+        </a:bodyPr>
+        <a:lstStyle/>
+        <a:p>
+          <a:pPr lvl="0" algn="ctr" defTabSz="666750">
+            <a:lnSpc>
+              <a:spcPct val="90000"/>
+            </a:lnSpc>
+            <a:spcBef>
+              <a:spcPct val="0"/>
+            </a:spcBef>
+            <a:spcAft>
+              <a:spcPct val="35000"/>
+            </a:spcAft>
+          </a:pPr>
+          <a:r>
+            <a:rPr lang="pl-PL" sz="1500" kern="1200" dirty="0" smtClean="0"/>
+            <a:t>The program executes and returns an HTML document</a:t>
+          </a:r>
+          <a:endParaRPr lang="en-CA" sz="1500" kern="1200" dirty="0"/>
+        </a:p>
+      </dsp:txBody>
+      <dsp:txXfrm>
+        <a:off x="3275402" y="1771573"/>
+        <a:ext cx="1678795" cy="982815"/>
+      </dsp:txXfrm>
+    </dsp:sp>
+    <dsp:sp modelId="{0B155A41-750A-4B8A-87B2-1A847CD8BFC4}">
+      <dsp:nvSpPr>
+        <dsp:cNvPr id="0" name=""/>
+        <dsp:cNvSpPr/>
+      </dsp:nvSpPr>
+      <dsp:spPr>
+        <a:xfrm rot="10800000">
+          <a:off x="2722840" y="2047227"/>
+          <a:ext cx="368869" cy="431507"/>
+        </a:xfrm>
+        <a:prstGeom prst="rightArrow">
+          <a:avLst>
+            <a:gd name="adj1" fmla="val 60000"/>
+            <a:gd name="adj2" fmla="val 50000"/>
+          </a:avLst>
+        </a:prstGeom>
+        <a:solidFill>
+          <a:schemeClr val="accent1">
+            <a:tint val="60000"/>
+            <a:hueOff val="0"/>
+            <a:satOff val="0"/>
+            <a:lumOff val="0"/>
+            <a:alphaOff val="0"/>
+          </a:schemeClr>
+        </a:solidFill>
+        <a:ln>
+          <a:noFill/>
+        </a:ln>
+        <a:effectLst/>
+      </dsp:spPr>
+      <dsp:style>
+        <a:lnRef idx="0">
+          <a:scrgbClr r="0" g="0" b="0"/>
+        </a:lnRef>
+        <a:fillRef idx="1">
+          <a:scrgbClr r="0" g="0" b="0"/>
+        </a:fillRef>
+        <a:effectRef idx="0">
+          <a:scrgbClr r="0" g="0" b="0"/>
+        </a:effectRef>
+        <a:fontRef idx="minor">
+          <a:schemeClr val="lt1"/>
+        </a:fontRef>
+      </dsp:style>
+      <dsp:txBody>
+        <a:bodyPr spcFirstLastPara="0" vert="horz" wrap="square" lIns="0" tIns="0" rIns="0" bIns="0" numCol="1" spcCol="1270" anchor="ctr" anchorCtr="0">
+          <a:noAutofit/>
+        </a:bodyPr>
+        <a:lstStyle/>
+        <a:p>
+          <a:pPr lvl="0" algn="ctr" defTabSz="533400">
+            <a:lnSpc>
+              <a:spcPct val="90000"/>
+            </a:lnSpc>
+            <a:spcBef>
+              <a:spcPct val="0"/>
+            </a:spcBef>
+            <a:spcAft>
+              <a:spcPct val="35000"/>
+            </a:spcAft>
+          </a:pPr>
+          <a:endParaRPr lang="en-CA" sz="1200" kern="1200"/>
+        </a:p>
+      </dsp:txBody>
+      <dsp:txXfrm rot="10800000">
+        <a:off x="2833501" y="2133528"/>
+        <a:ext cx="258208" cy="258905"/>
+      </dsp:txXfrm>
+    </dsp:sp>
+    <dsp:sp modelId="{EADD79D6-3357-4B29-ADE7-838185515F82}">
+      <dsp:nvSpPr>
+        <dsp:cNvPr id="0" name=""/>
+        <dsp:cNvSpPr/>
+      </dsp:nvSpPr>
+      <dsp:spPr>
+        <a:xfrm>
+          <a:off x="808895" y="1740996"/>
+          <a:ext cx="1739949" cy="1043969"/>
+        </a:xfrm>
+        <a:prstGeom prst="roundRect">
+          <a:avLst>
+            <a:gd name="adj" fmla="val 10000"/>
+          </a:avLst>
+        </a:prstGeom>
+        <a:solidFill>
+          <a:schemeClr val="accent1">
+            <a:hueOff val="0"/>
+            <a:satOff val="0"/>
+            <a:lumOff val="0"/>
+            <a:alphaOff val="0"/>
+          </a:schemeClr>
+        </a:solidFill>
+        <a:ln w="25400" cap="flat" cmpd="sng" algn="ctr">
+          <a:solidFill>
+            <a:schemeClr val="lt1">
+              <a:hueOff val="0"/>
+              <a:satOff val="0"/>
+              <a:lumOff val="0"/>
+              <a:alphaOff val="0"/>
+            </a:schemeClr>
+          </a:solidFill>
+          <a:prstDash val="solid"/>
+        </a:ln>
+        <a:effectLst/>
+      </dsp:spPr>
+      <dsp:style>
+        <a:lnRef idx="2">
+          <a:scrgbClr r="0" g="0" b="0"/>
+        </a:lnRef>
+        <a:fillRef idx="1">
+          <a:scrgbClr r="0" g="0" b="0"/>
+        </a:fillRef>
+        <a:effectRef idx="0">
+          <a:scrgbClr r="0" g="0" b="0"/>
+        </a:effectRef>
+        <a:fontRef idx="minor">
+          <a:schemeClr val="lt1"/>
+        </a:fontRef>
+      </dsp:style>
+      <dsp:txBody>
+        <a:bodyPr spcFirstLastPara="0" vert="horz" wrap="square" lIns="57150" tIns="57150" rIns="57150" bIns="57150" numCol="1" spcCol="1270" anchor="ctr" anchorCtr="0">
+          <a:noAutofit/>
+        </a:bodyPr>
+        <a:lstStyle/>
+        <a:p>
+          <a:pPr lvl="0" algn="ctr" defTabSz="666750">
+            <a:lnSpc>
+              <a:spcPct val="90000"/>
+            </a:lnSpc>
+            <a:spcBef>
+              <a:spcPct val="0"/>
+            </a:spcBef>
+            <a:spcAft>
+              <a:spcPct val="35000"/>
+            </a:spcAft>
+          </a:pPr>
+          <a:r>
+            <a:rPr lang="pl-PL" sz="1500" kern="1200" dirty="0" smtClean="0"/>
+            <a:t>The browser downloads the document</a:t>
+          </a:r>
+          <a:endParaRPr lang="en-CA" sz="1500" kern="1200" dirty="0"/>
+        </a:p>
+      </dsp:txBody>
+      <dsp:txXfrm>
+        <a:off x="839472" y="1771573"/>
+        <a:ext cx="1678795" cy="982815"/>
+      </dsp:txXfrm>
+    </dsp:sp>
+    <dsp:sp modelId="{36A9ADF9-4278-47BA-8E79-91B6C5E5838B}">
+      <dsp:nvSpPr>
+        <dsp:cNvPr id="0" name=""/>
+        <dsp:cNvSpPr/>
+      </dsp:nvSpPr>
+      <dsp:spPr>
+        <a:xfrm rot="5400000">
+          <a:off x="1494435" y="2906762"/>
+          <a:ext cx="368869" cy="431507"/>
+        </a:xfrm>
+        <a:prstGeom prst="rightArrow">
+          <a:avLst>
+            <a:gd name="adj1" fmla="val 60000"/>
+            <a:gd name="adj2" fmla="val 50000"/>
+          </a:avLst>
+        </a:prstGeom>
+        <a:solidFill>
+          <a:schemeClr val="accent1">
+            <a:tint val="60000"/>
+            <a:hueOff val="0"/>
+            <a:satOff val="0"/>
+            <a:lumOff val="0"/>
+            <a:alphaOff val="0"/>
+          </a:schemeClr>
+        </a:solidFill>
+        <a:ln>
+          <a:noFill/>
+        </a:ln>
+        <a:effectLst/>
+      </dsp:spPr>
+      <dsp:style>
+        <a:lnRef idx="0">
+          <a:scrgbClr r="0" g="0" b="0"/>
+        </a:lnRef>
+        <a:fillRef idx="1">
+          <a:scrgbClr r="0" g="0" b="0"/>
+        </a:fillRef>
+        <a:effectRef idx="0">
+          <a:scrgbClr r="0" g="0" b="0"/>
+        </a:effectRef>
+        <a:fontRef idx="minor">
+          <a:schemeClr val="lt1"/>
+        </a:fontRef>
+      </dsp:style>
+      <dsp:txBody>
+        <a:bodyPr spcFirstLastPara="0" vert="horz" wrap="square" lIns="0" tIns="0" rIns="0" bIns="0" numCol="1" spcCol="1270" anchor="ctr" anchorCtr="0">
+          <a:noAutofit/>
+        </a:bodyPr>
+        <a:lstStyle/>
+        <a:p>
+          <a:pPr lvl="0" algn="ctr" defTabSz="533400">
+            <a:lnSpc>
+              <a:spcPct val="90000"/>
+            </a:lnSpc>
+            <a:spcBef>
+              <a:spcPct val="0"/>
+            </a:spcBef>
+            <a:spcAft>
+              <a:spcPct val="35000"/>
+            </a:spcAft>
+          </a:pPr>
+          <a:endParaRPr lang="en-CA" sz="1200" kern="1200"/>
+        </a:p>
+      </dsp:txBody>
+      <dsp:txXfrm rot="-5400000">
+        <a:off x="1549418" y="2938081"/>
+        <a:ext cx="258905" cy="258208"/>
+      </dsp:txXfrm>
+    </dsp:sp>
+    <dsp:sp modelId="{8E2AAF9F-7038-4F42-A312-7850B716D04E}">
+      <dsp:nvSpPr>
+        <dsp:cNvPr id="0" name=""/>
+        <dsp:cNvSpPr/>
+      </dsp:nvSpPr>
+      <dsp:spPr>
+        <a:xfrm>
+          <a:off x="808895" y="3480946"/>
+          <a:ext cx="1739949" cy="1043969"/>
+        </a:xfrm>
+        <a:prstGeom prst="roundRect">
+          <a:avLst>
+            <a:gd name="adj" fmla="val 10000"/>
+          </a:avLst>
+        </a:prstGeom>
+        <a:solidFill>
+          <a:schemeClr val="accent2"/>
+        </a:solidFill>
+        <a:ln w="25400" cap="flat" cmpd="sng" algn="ctr">
+          <a:solidFill>
+            <a:schemeClr val="lt1">
+              <a:hueOff val="0"/>
+              <a:satOff val="0"/>
+              <a:lumOff val="0"/>
+              <a:alphaOff val="0"/>
+            </a:schemeClr>
+          </a:solidFill>
+          <a:prstDash val="solid"/>
+        </a:ln>
+        <a:effectLst/>
+      </dsp:spPr>
+      <dsp:style>
+        <a:lnRef idx="2">
+          <a:scrgbClr r="0" g="0" b="0"/>
+        </a:lnRef>
+        <a:fillRef idx="1">
+          <a:scrgbClr r="0" g="0" b="0"/>
+        </a:fillRef>
+        <a:effectRef idx="0">
+          <a:scrgbClr r="0" g="0" b="0"/>
+        </a:effectRef>
+        <a:fontRef idx="minor">
+          <a:schemeClr val="lt1"/>
+        </a:fontRef>
+      </dsp:style>
+      <dsp:txBody>
+        <a:bodyPr spcFirstLastPara="0" vert="horz" wrap="square" lIns="57150" tIns="57150" rIns="57150" bIns="57150" numCol="1" spcCol="1270" anchor="ctr" anchorCtr="0">
+          <a:noAutofit/>
+        </a:bodyPr>
+        <a:lstStyle/>
+        <a:p>
+          <a:pPr lvl="0" algn="ctr" defTabSz="666750">
+            <a:lnSpc>
+              <a:spcPct val="90000"/>
+            </a:lnSpc>
+            <a:spcBef>
+              <a:spcPct val="0"/>
+            </a:spcBef>
+            <a:spcAft>
+              <a:spcPct val="35000"/>
+            </a:spcAft>
+          </a:pPr>
+          <a:r>
+            <a:rPr lang="pl-PL" sz="1500" kern="1200" dirty="0" smtClean="0"/>
+            <a:t>The browser executes all the code attached to the documents</a:t>
+          </a:r>
+          <a:endParaRPr lang="en-CA" sz="1500" kern="1200" dirty="0"/>
+        </a:p>
+      </dsp:txBody>
+      <dsp:txXfrm>
+        <a:off x="839472" y="3511523"/>
+        <a:ext cx="1678795" cy="982815"/>
+      </dsp:txXfrm>
+    </dsp:sp>
+  </dsp:spTree>
+</dsp:drawing>
+</file>
+
+<file path=ppt/diagrams/layout1.xml><?xml version="1.0" encoding="utf-8"?>
+<dgm:layoutDef xmlns:dgm="http://schemas.openxmlformats.org/drawingml/2006/diagram" xmlns:a="http://schemas.openxmlformats.org/drawingml/2006/main" uniqueId="urn:microsoft.com/office/officeart/2005/8/layout/process5">
+  <dgm:title val=""/>
+  <dgm:desc val=""/>
+  <dgm:catLst>
+    <dgm:cat type="process" pri="17000"/>
+  </dgm:catLst>
+  <dgm:sampData>
+    <dgm:dataModel>
+      <dgm:ptLst>
+        <dgm:pt modelId="0" type="doc"/>
+        <dgm:pt modelId="1">
+          <dgm:prSet phldr="1"/>
+        </dgm:pt>
+        <dgm:pt modelId="2">
+          <dgm:prSet phldr="1"/>
+        </dgm:pt>
+        <dgm:pt modelId="3">
+          <dgm:prSet phldr="1"/>
+        </dgm:pt>
+        <dgm:pt modelId="4">
+          <dgm:prSet phldr="1"/>
+        </dgm:pt>
+        <dgm:pt modelId="5">
+          <dgm:prSet phldr="1"/>
+        </dgm:pt>
+      </dgm:ptLst>
+      <dgm:cxnLst>
+        <dgm:cxn modelId="7" srcId="0" destId="1" srcOrd="0" destOrd="0"/>
+        <dgm:cxn modelId="8" srcId="0" destId="2" srcOrd="1" destOrd="0"/>
+        <dgm:cxn modelId="9" srcId="0" destId="3" srcOrd="2" destOrd="0"/>
+        <dgm:cxn modelId="10" srcId="0" destId="4" srcOrd="3" destOrd="0"/>
+        <dgm:cxn modelId="11" srcId="0" destId="5" srcOrd="4" destOrd="0"/>
+      </dgm:cxnLst>
+      <dgm:bg/>
+      <dgm:whole/>
+    </dgm:dataModel>
+  </dgm:sampData>
+  <dgm:styleData>
+    <dgm:dataModel>
+      <dgm:ptLst>
+        <dgm:pt modelId="0" type="doc"/>
+        <dgm:pt modelId="1"/>
+        <dgm:pt modelId="2"/>
+      </dgm:ptLst>
+      <dgm:cxnLst>
+        <dgm:cxn modelId="3" srcId="0" destId="1" srcOrd="0" destOrd="0"/>
+        <dgm:cxn modelId="4" srcId="0" destId="2" srcOrd="1" destOrd="0"/>
+      </dgm:cxnLst>
+      <dgm:bg/>
+      <dgm:whole/>
+    </dgm:dataModel>
+  </dgm:styleData>
+  <dgm:clrData>
+    <dgm:dataModel>
+      <dgm:ptLst>
+        <dgm:pt modelId="0" type="doc"/>
+        <dgm:pt modelId="1"/>
+        <dgm:pt modelId="2"/>
+        <dgm:pt modelId="3"/>
+        <dgm:pt modelId="4"/>
+      </dgm:ptLst>
+      <dgm:cxnLst>
+        <dgm:cxn modelId="5" srcId="0" destId="1" srcOrd="0" destOrd="0"/>
+        <dgm:cxn modelId="6" srcId="0" destId="2" srcOrd="1" destOrd="0"/>
+        <dgm:cxn modelId="7" srcId="0" destId="3" srcOrd="2" destOrd="0"/>
+        <dgm:cxn modelId="8" srcId="0" destId="4" srcOrd="3" destOrd="0"/>
+      </dgm:cxnLst>
+      <dgm:bg/>
+      <dgm:whole/>
+    </dgm:dataModel>
+  </dgm:clrData>
+  <dgm:layoutNode name="diagram">
+    <dgm:varLst>
+      <dgm:dir/>
+      <dgm:resizeHandles val="exact"/>
+    </dgm:varLst>
+    <dgm:choose name="Name0">
+      <dgm:if name="Name1" axis="self" func="var" arg="dir" op="equ" val="norm">
+        <dgm:alg type="snake">
+          <dgm:param type="grDir" val="tL"/>
+          <dgm:param type="flowDir" val="row"/>
+          <dgm:param type="contDir" val="revDir"/>
+          <dgm:param type="bkpt" val="endCnv"/>
+        </dgm:alg>
+      </dgm:if>
+      <dgm:else name="Name2">
+        <dgm:alg type="snake">
+          <dgm:param type="grDir" val="tR"/>
+          <dgm:param type="flowDir" val="row"/>
+          <dgm:param type="contDir" val="revDir"/>
+          <dgm:param type="bkpt" val="endCnv"/>
+        </dgm:alg>
+      </dgm:else>
+    </dgm:choose>
+    <dgm:shape xmlns:r="http://schemas.openxmlformats.org/officeDocument/2006/relationships" r:blip="">
+      <dgm:adjLst/>
+    </dgm:shape>
+    <dgm:presOf/>
+    <dgm:constrLst>
+      <dgm:constr type="w" for="ch" ptType="node" refType="w"/>
+      <dgm:constr type="w" for="ch" forName="sibTrans" refType="w" refFor="ch" refPtType="node" op="equ" fact="0.4"/>
+      <dgm:constr type="sp" refType="w" refFor="ch" refForName="sibTrans" op="equ"/>
+      <dgm:constr type="primFontSz" for="ch" ptType="node" op="equ" val="65"/>
+      <dgm:constr type="primFontSz" for="des" forName="connectorText" op="equ" val="55"/>
+      <dgm:constr type="primFontSz" for="des" forName="connectorText" refType="primFontSz" refFor="ch" refPtType="node" op="lte" fact="0.8"/>
+    </dgm:constrLst>
+    <dgm:ruleLst/>
+    <dgm:forEach name="nodesForEach" axis="ch" ptType="node">
+      <dgm:layoutNode name="node">
+        <dgm:varLst>
+          <dgm:bulletEnabled val="1"/>
+        </dgm:varLst>
+        <dgm:alg type="tx"/>
+        <dgm:shape xmlns:r="http://schemas.openxmlformats.org/officeDocument/2006/relationships" type="roundRect" r:blip="">
+          <dgm:adjLst>
+            <dgm:adj idx="1" val="0.1"/>
+          </dgm:adjLst>
+        </dgm:shape>
+        <dgm:presOf axis="desOrSelf" ptType="node"/>
+        <dgm:constrLst>
+          <dgm:constr type="h" refType="w" fact="0.6"/>
+          <dgm:constr type="tMarg" refType="primFontSz" fact="0.3"/>
+          <dgm:constr type="bMarg" refType="primFontSz" fact="0.3"/>
+          <dgm:constr type="lMarg" refType="primFontSz" fact="0.3"/>
+          <dgm:constr type="rMarg" refType="primFontSz" fact="0.3"/>
+        </dgm:constrLst>
+        <dgm:ruleLst>
+          <dgm:rule type="primFontSz" val="5" fact="NaN" max="NaN"/>
+        </dgm:ruleLst>
+      </dgm:layoutNode>
+      <dgm:forEach name="sibTransForEach" axis="followSib" ptType="sibTrans" cnt="1">
+        <dgm:layoutNode name="sibTrans">
+          <dgm:alg type="conn">
+            <dgm:param type="begPts" val="auto"/>
+            <dgm:param type="endPts" val="auto"/>
+          </dgm:alg>
+          <dgm:shape xmlns:r="http://schemas.openxmlformats.org/officeDocument/2006/relationships" type="conn" r:blip="">
+            <dgm:adjLst/>
+          </dgm:shape>
+          <dgm:presOf axis="self"/>
+          <dgm:constrLst>
+            <dgm:constr type="h" refType="w" fact="0.62"/>
+            <dgm:constr type="connDist"/>
+          </dgm:constrLst>
+          <dgm:ruleLst/>
+          <dgm:layoutNode name="connectorText">
+            <dgm:alg type="tx">
+              <dgm:param type="autoTxRot" val="upr"/>
+            </dgm:alg>
+            <dgm:shape xmlns:r="http://schemas.openxmlformats.org/officeDocument/2006/relationships" type="conn" r:blip="" hideGeom="1">
+              <dgm:adjLst/>
+            </dgm:shape>
+            <dgm:presOf axis="self"/>
+            <dgm:constrLst>
+              <dgm:constr type="lMarg"/>
+              <dgm:constr type="rMarg"/>
+              <dgm:constr type="tMarg"/>
+              <dgm:constr type="bMarg"/>
+            </dgm:constrLst>
+            <dgm:ruleLst>
+              <dgm:rule type="primFontSz" val="5" fact="NaN" max="NaN"/>
+            </dgm:ruleLst>
+          </dgm:layoutNode>
+        </dgm:layoutNode>
+      </dgm:forEach>
+    </dgm:forEach>
+  </dgm:layoutNode>
+</dgm:layoutDef>
+</file>
+
+<file path=ppt/diagrams/quickStyle1.xml><?xml version="1.0" encoding="utf-8"?>
+<dgm:styleDef xmlns:dgm="http://schemas.openxmlformats.org/drawingml/2006/diagram" xmlns:a="http://schemas.openxmlformats.org/drawingml/2006/main" uniqueId="urn:microsoft.com/office/officeart/2005/8/quickstyle/simple1">
+  <dgm:title val=""/>
+  <dgm:desc val=""/>
+  <dgm:catLst>
+    <dgm:cat type="simple" pri="10100"/>
+  </dgm:catLst>
+  <dgm:scene3d>
+    <a:camera prst="orthographicFront"/>
+    <a:lightRig rig="threePt" dir="t"/>
+  </dgm:scene3d>
+  <dgm:styleLbl name="node0">
+    <dgm:scene3d>
+      <a:camera prst="orthographicFront"/>
+      <a:lightRig rig="threePt" dir="t"/>
+    </dgm:scene3d>
+    <dgm:sp3d/>
+    <dgm:txPr/>
+    <dgm:style>
+      <a:lnRef idx="2">
+        <a:scrgbClr r="0" g="0" b="0"/>
+      </a:lnRef>
+      <a:fillRef idx="1">
+        <a:scrgbClr r="0" g="0" b="0"/>
+      </a:fillRef>
+      <a:effectRef idx="0">
+        <a:scrgbClr r="0" g="0" b="0"/>
+      </a:effectRef>
+      <a:fontRef idx="minor">
+        <a:schemeClr val="lt1"/>
+      </a:fontRef>
+    </dgm:style>
+  </dgm:styleLbl>
+  <dgm:styleLbl name="lnNode1">
+    <dgm:scene3d>
+      <a:camera prst="orthographicFront"/>
+      <a:lightRig rig="threePt" dir="t"/>
+    </dgm:scene3d>
+    <dgm:sp3d/>
+    <dgm:txPr/>
+    <dgm:style>
+      <a:lnRef idx="2">
+        <a:scrgbClr r="0" g="0" b="0"/>
+      </a:lnRef>
+      <a:fillRef idx="1">
+        <a:scrgbClr r="0" g="0" b="0"/>
+      </a:fillRef>
+      <a:effectRef idx="0">
+        <a:scrgbClr r="0" g="0" b="0"/>
+      </a:effectRef>
+      <a:fontRef idx="minor">
+        <a:schemeClr val="lt1"/>
+      </a:fontRef>
+    </dgm:style>
+  </dgm:styleLbl>
+  <dgm:styleLbl name="vennNode1">
+    <dgm:scene3d>
+      <a:camera prst="orthographicFront"/>
+      <a:lightRig rig="threePt" dir="t"/>
+    </dgm:scene3d>
+    <dgm:sp3d/>
+    <dgm:txPr/>
+    <dgm:style>
+      <a:lnRef idx="2">
+        <a:scrgbClr r="0" g="0" b="0"/>
+      </a:lnRef>
+      <a:fillRef idx="1">
+        <a:scrgbClr r="0" g="0" b="0"/>
+      </a:fillRef>
+      <a:effectRef idx="0">
+        <a:scrgbClr r="0" g="0" b="0"/>
+      </a:effectRef>
+      <a:fontRef idx="minor">
+        <a:schemeClr val="tx1"/>
+      </a:fontRef>
+    </dgm:style>
+  </dgm:styleLbl>
+  <dgm:styleLbl name="alignNode1">
+    <dgm:scene3d>
+      <a:camera prst="orthographicFront"/>
+      <a:lightRig rig="threePt" dir="t"/>
+    </dgm:scene3d>
+    <dgm:sp3d/>
+    <dgm:txPr/>
+    <dgm:style>
+      <a:lnRef idx="2">
+        <a:scrgbClr r="0" g="0" b="0"/>
+      </a:lnRef>
+      <a:fillRef idx="1">
+        <a:scrgbClr r="0" g="0" b="0"/>
+      </a:fillRef>
+      <a:effectRef idx="0">
+        <a:scrgbClr r="0" g="0" b="0"/>
+      </a:effectRef>
+      <a:fontRef idx="minor">
+        <a:schemeClr val="lt1"/>
+      </a:fontRef>
+    </dgm:style>
+  </dgm:styleLbl>
+  <dgm:styleLbl name="node1">
+    <dgm:scene3d>
+      <a:camera prst="orthographicFront"/>
+      <a:lightRig rig="threePt" dir="t"/>
+    </dgm:scene3d>
+    <dgm:sp3d/>
+    <dgm:txPr/>
+    <dgm:style>
+      <a:lnRef idx="2">
+        <a:scrgbClr r="0" g="0" b="0"/>
+      </a:lnRef>
+      <a:fillRef idx="1">
+        <a:scrgbClr r="0" g="0" b="0"/>
+      </a:fillRef>
+      <a:effectRef idx="0">
+        <a:scrgbClr r="0" g="0" b="0"/>
+      </a:effectRef>
+      <a:fontRef idx="minor">
+        <a:schemeClr val="lt1"/>
+      </a:fontRef>
+    </dgm:style>
+  </dgm:styleLbl>
+  <dgm:styleLbl name="node2">
+    <dgm:scene3d>
+      <a:camera prst="orthographicFront"/>
+      <a:lightRig rig="threePt" dir="t"/>
+    </dgm:scene3d>
+    <dgm:sp3d/>
+    <dgm:txPr/>
+    <dgm:style>
+      <a:lnRef idx="2">
+        <a:scrgbClr r="0" g="0" b="0"/>
+      </a:lnRef>
+      <a:fillRef idx="1">
+        <a:scrgbClr r="0" g="0" b="0"/>
+      </a:fillRef>
+      <a:effectRef idx="0">
+        <a:scrgbClr r="0" g="0" b="0"/>
+      </a:effectRef>
+      <a:fontRef idx="minor">
+        <a:schemeClr val="lt1"/>
+      </a:fontRef>
+    </dgm:style>
+  </dgm:styleLbl>
+  <dgm:styleLbl name="node3">
+    <dgm:scene3d>
+      <a:camera prst="orthographicFront"/>
+      <a:lightRig rig="threePt" dir="t"/>
+    </dgm:scene3d>
+    <dgm:sp3d/>
+    <dgm:txPr/>
+    <dgm:style>
+      <a:lnRef idx="2">
+        <a:scrgbClr r="0" g="0" b="0"/>
+      </a:lnRef>
+      <a:fillRef idx="1">
+        <a:scrgbClr r="0" g="0" b="0"/>
+      </a:fillRef>
+      <a:effectRef idx="0">
+        <a:scrgbClr r="0" g="0" b="0"/>
+      </a:effectRef>
+      <a:fontRef idx="minor">
+        <a:schemeClr val="lt1"/>
+      </a:fontRef>
+    </dgm:style>
+  </dgm:styleLbl>
+  <dgm:styleLbl name="node4">
+    <dgm:scene3d>
+      <a:camera prst="orthographicFront"/>
+      <a:lightRig rig="threePt" dir="t"/>
+    </dgm:scene3d>
+    <dgm:sp3d/>
+    <dgm:txPr/>
+    <dgm:style>
+      <a:lnRef idx="2">
+        <a:scrgbClr r="0" g="0" b="0"/>
+      </a:lnRef>
+      <a:fillRef idx="1">
+        <a:scrgbClr r="0" g="0" b="0"/>
+      </a:fillRef>
+      <a:effectRef idx="0">
+        <a:scrgbClr r="0" g="0" b="0"/>
+      </a:effectRef>
+      <a:fontRef idx="minor">
+        <a:schemeClr val="lt1"/>
+      </a:fontRef>
+    </dgm:style>
+  </dgm:styleLbl>
+  <dgm:styleLbl name="fgImgPlace1">
+    <dgm:scene3d>
+      <a:camera prst="orthographicFront"/>
+      <a:lightRig rig="threePt" dir="t"/>
+    </dgm:scene3d>
+    <dgm:sp3d/>
+    <dgm:txPr/>
+    <dgm:style>
+      <a:lnRef idx="2">
+        <a:scrgbClr r="0" g="0" b="0"/>
+      </a:lnRef>
+      <a:fillRef idx="1">
+        <a:scrgbClr r="0" g="0" b="0"/>
+      </a:fillRef>
+      <a:effectRef idx="0">
+        <a:scrgbClr r="0" g="0" b="0"/>
+      </a:effectRef>
+      <a:fontRef idx="minor"/>
+    </dgm:style>
+  </dgm:styleLbl>
+  <dgm:styleLbl name="alignImgPlace1">
+    <dgm:scene3d>
+      <a:camera prst="orthographicFront"/>
+      <a:lightRig rig="threePt" dir="t"/>
+    </dgm:scene3d>
+    <dgm:sp3d/>
+    <dgm:txPr/>
+    <dgm:style>
+      <a:lnRef idx="2">
+        <a:scrgbClr r="0" g="0" b="0"/>
+      </a:lnRef>
+      <a:fillRef idx="1">
+        <a:scrgbClr r="0" g="0" b="0"/>
+      </a:fillRef>
+      <a:effectRef idx="0">
+        <a:scrgbClr r="0" g="0" b="0"/>
+      </a:effectRef>
+      <a:fontRef idx="minor"/>
+    </dgm:style>
+  </dgm:styleLbl>
+  <dgm:styleLbl name="bgImgPlace1">
+    <dgm:scene3d>
+      <a:camera prst="orthographicFront"/>
+      <a:lightRig rig="threePt" dir="t"/>
+    </dgm:scene3d>
+    <dgm:sp3d/>
+    <dgm:txPr/>
+    <dgm:style>
+      <a:lnRef idx="2">
+        <a:scrgbClr r="0" g="0" b="0"/>
+      </a:lnRef>
+      <a:fillRef idx="1">
+        <a:scrgbClr r="0" g="0" b="0"/>
+      </a:fillRef>
+      <a:effectRef idx="0">
+        <a:scrgbClr r="0" g="0" b="0"/>
+      </a:effectRef>
+      <a:fontRef idx="minor"/>
+    </dgm:style>
+  </dgm:styleLbl>
+  <dgm:styleLbl name="sibTrans2D1">
+    <dgm:scene3d>
+      <a:camera prst="orthographicFront"/>
+      <a:lightRig rig="threePt" dir="t"/>
+    </dgm:scene3d>
+    <dgm:sp3d/>
+    <dgm:txPr/>
+    <dgm:style>
+      <a:lnRef idx="0">
+        <a:scrgbClr r="0" g="0" b="0"/>
+      </a:lnRef>
+      <a:fillRef idx="1">
+        <a:scrgbClr r="0" g="0" b="0"/>
+      </a:fillRef>
+      <a:effectRef idx="0">
+        <a:scrgbClr r="0" g="0" b="0"/>
+      </a:effectRef>
+      <a:fontRef idx="minor">
+        <a:schemeClr val="lt1"/>
+      </a:fontRef>
+    </dgm:style>
+  </dgm:styleLbl>
+  <dgm:styleLbl name="fgSibTrans2D1">
+    <dgm:scene3d>
+      <a:camera prst="orthographicFront"/>
+      <a:lightRig rig="threePt" dir="t"/>
+    </dgm:scene3d>
+    <dgm:sp3d/>
+    <dgm:txPr/>
+    <dgm:style>
+      <a:lnRef idx="0">
+        <a:scrgbClr r="0" g="0" b="0"/>
+      </a:lnRef>
+      <a:fillRef idx="1">
+        <a:scrgbClr r="0" g="0" b="0"/>
+      </a:fillRef>
+      <a:effectRef idx="0">
+        <a:scrgbClr r="0" g="0" b="0"/>
+      </a:effectRef>
+      <a:fontRef idx="minor">
+        <a:schemeClr val="lt1"/>
+      </a:fontRef>
+    </dgm:style>
+  </dgm:styleLbl>
+  <dgm:styleLbl name="bgSibTrans2D1">
+    <dgm:scene3d>
+      <a:camera prst="orthographicFront"/>
+      <a:lightRig rig="threePt" dir="t"/>
+    </dgm:scene3d>
+    <dgm:sp3d/>
+    <dgm:txPr/>
+    <dgm:style>
+      <a:lnRef idx="0">
+        <a:scrgbClr r="0" g="0" b="0"/>
+      </a:lnRef>
+      <a:fillRef idx="1">
+        <a:scrgbClr r="0" g="0" b="0"/>
+      </a:fillRef>
+      <a:effectRef idx="0">
+        <a:scrgbClr r="0" g="0" b="0"/>
+      </a:effectRef>
+      <a:fontRef idx="minor">
+        <a:schemeClr val="lt1"/>
+      </a:fontRef>
+    </dgm:style>
+  </dgm:styleLbl>
+  <dgm:styleLbl name="sibTrans1D1">
+    <dgm:scene3d>
+      <a:camera prst="orthographicFront"/>
+      <a:lightRig rig="threePt" dir="t"/>
+    </dgm:scene3d>
+    <dgm:sp3d/>
+    <dgm:txPr/>
+    <dgm:style>
+      <a:lnRef idx="1">
+        <a:scrgbClr r="0" g="0" b="0"/>
+      </a:lnRef>
+      <a:fillRef idx="0">
+        <a:scrgbClr r="0" g="0" b="0"/>
+      </a:fillRef>
+      <a:effectRef idx="0">
+        <a:scrgbClr r="0" g="0" b="0"/>
+      </a:effectRef>
+      <a:fontRef idx="minor"/>
+    </dgm:style>
+  </dgm:styleLbl>
+  <dgm:styleLbl name="callout">
+    <dgm:scene3d>
+      <a:camera prst="orthographicFront"/>
+      <a:lightRig rig="threePt" dir="t"/>
+    </dgm:scene3d>
+    <dgm:sp3d/>
+    <dgm:txPr/>
+    <dgm:style>
+      <a:lnRef idx="2">
+        <a:scrgbClr r="0" g="0" b="0"/>
+      </a:lnRef>
+      <a:fillRef idx="1">
+        <a:scrgbClr r="0" g="0" b="0"/>
+      </a:fillRef>
+      <a:effectRef idx="0">
+        <a:scrgbClr r="0" g="0" b="0"/>
+      </a:effectRef>
+      <a:fontRef idx="minor"/>
+    </dgm:style>
+  </dgm:styleLbl>
+  <dgm:styleLbl name="asst0">
+    <dgm:scene3d>
+      <a:camera prst="orthographicFront"/>
+      <a:lightRig rig="threePt" dir="t"/>
+    </dgm:scene3d>
+    <dgm:sp3d/>
+    <dgm:txPr/>
+    <dgm:style>
+      <a:lnRef idx="2">
+        <a:scrgbClr r="0" g="0" b="0"/>
+      </a:lnRef>
+      <a:fillRef idx="1">
+        <a:scrgbClr r="0" g="0" b="0"/>
+      </a:fillRef>
+      <a:effectRef idx="0">
+        <a:scrgbClr r="0" g="0" b="0"/>
+      </a:effectRef>
+      <a:fontRef idx="minor">
+        <a:schemeClr val="lt1"/>
+      </a:fontRef>
+    </dgm:style>
+  </dgm:styleLbl>
+  <dgm:styleLbl name="asst1">
+    <dgm:scene3d>
+      <a:camera prst="orthographicFront"/>
+      <a:lightRig rig="threePt" dir="t"/>
+    </dgm:scene3d>
+    <dgm:sp3d/>
+    <dgm:txPr/>
+    <dgm:style>
+      <a:lnRef idx="2">
+        <a:scrgbClr r="0" g="0" b="0"/>
+      </a:lnRef>
+      <a:fillRef idx="1">
+        <a:scrgbClr r="0" g="0" b="0"/>
+      </a:fillRef>
+      <a:effectRef idx="0">
+        <a:scrgbClr r="0" g="0" b="0"/>
+      </a:effectRef>
+      <a:fontRef idx="minor">
+        <a:schemeClr val="lt1"/>
+      </a:fontRef>
+    </dgm:style>
+  </dgm:styleLbl>
+  <dgm:styleLbl name="asst2">
+    <dgm:scene3d>
+      <a:camera prst="orthographicFront"/>
+      <a:lightRig rig="threePt" dir="t"/>
+    </dgm:scene3d>
+    <dgm:sp3d/>
+    <dgm:txPr/>
+    <dgm:style>
+      <a:lnRef idx="2">
+        <a:scrgbClr r="0" g="0" b="0"/>
+      </a:lnRef>
+      <a:fillRef idx="1">
+        <a:scrgbClr r="0" g="0" b="0"/>
+      </a:fillRef>
+      <a:effectRef idx="0">
+        <a:scrgbClr r="0" g="0" b="0"/>
+      </a:effectRef>
+      <a:fontRef idx="minor">
+        <a:schemeClr val="lt1"/>
+      </a:fontRef>
+    </dgm:style>
+  </dgm:styleLbl>
+  <dgm:styleLbl name="asst3">
+    <dgm:scene3d>
+      <a:camera prst="orthographicFront"/>
+      <a:lightRig rig="threePt" dir="t"/>
+    </dgm:scene3d>
+    <dgm:sp3d/>
+    <dgm:txPr/>
+    <dgm:style>
+      <a:lnRef idx="2">
+        <a:scrgbClr r="0" g="0" b="0"/>
+      </a:lnRef>
+      <a:fillRef idx="1">
+        <a:scrgbClr r="0" g="0" b="0"/>
+      </a:fillRef>
+      <a:effectRef idx="0">
+        <a:scrgbClr r="0" g="0" b="0"/>
+      </a:effectRef>
+      <a:fontRef idx="minor">
+        <a:schemeClr val="lt1"/>
+      </a:fontRef>
+    </dgm:style>
+  </dgm:styleLbl>
+  <dgm:styleLbl name="asst4">
+    <dgm:scene3d>
+      <a:camera prst="orthographicFront"/>
+      <a:lightRig rig="threePt" dir="t"/>
+    </dgm:scene3d>
+    <dgm:sp3d/>
+    <dgm:txPr/>
+    <dgm:style>
+      <a:lnRef idx="2">
+        <a:scrgbClr r="0" g="0" b="0"/>
+      </a:lnRef>
+      <a:fillRef idx="1">
+        <a:scrgbClr r="0" g="0" b="0"/>
+      </a:fillRef>
+      <a:effectRef idx="0">
+        <a:scrgbClr r="0" g="0" b="0"/>
+      </a:effectRef>
+      <a:fontRef idx="minor">
+        <a:schemeClr val="lt1"/>
+      </a:fontRef>
+    </dgm:style>
+  </dgm:styleLbl>
+  <dgm:styleLbl name="parChTrans2D1">
+    <dgm:scene3d>
+      <a:camera prst="orthographicFront"/>
+      <a:lightRig rig="threePt" dir="t"/>
+    </dgm:scene3d>
+    <dgm:sp3d/>
+    <dgm:txPr/>
+    <dgm:style>
+      <a:lnRef idx="2">
+        <a:scrgbClr r="0" g="0" b="0"/>
+      </a:lnRef>
+      <a:fillRef idx="1">
+        <a:scrgbClr r="0" g="0" b="0"/>
+      </a:fillRef>
+      <a:effectRef idx="0">
+        <a:scrgbClr r="0" g="0" b="0"/>
+      </a:effectRef>
+      <a:fontRef idx="minor">
+        <a:schemeClr val="lt1"/>
+      </a:fontRef>
+    </dgm:style>
+  </dgm:styleLbl>
+  <dgm:styleLbl name="parChTrans2D2">
+    <dgm:scene3d>
+      <a:camera prst="orthographicFront"/>
+      <a:lightRig rig="threePt" dir="t"/>
+    </dgm:scene3d>
+    <dgm:sp3d/>
+    <dgm:txPr/>
+    <dgm:style>
+      <a:lnRef idx="2">
+        <a:scrgbClr r="0" g="0" b="0"/>
+      </a:lnRef>
+      <a:fillRef idx="1">
+        <a:scrgbClr r="0" g="0" b="0"/>
+      </a:fillRef>
+      <a:effectRef idx="0">
+        <a:scrgbClr r="0" g="0" b="0"/>
+      </a:effectRef>
+      <a:fontRef idx="minor">
+        <a:schemeClr val="lt1"/>
+      </a:fontRef>
+    </dgm:style>
+  </dgm:styleLbl>
+  <dgm:styleLbl name="parChTrans2D3">
+    <dgm:scene3d>
+      <a:camera prst="orthographicFront"/>
+      <a:lightRig rig="threePt" dir="t"/>
+    </dgm:scene3d>
+    <dgm:sp3d/>
+    <dgm:txPr/>
+    <dgm:style>
+      <a:lnRef idx="2">
+        <a:scrgbClr r="0" g="0" b="0"/>
+      </a:lnRef>
+      <a:fillRef idx="1">
+        <a:scrgbClr r="0" g="0" b="0"/>
+      </a:fillRef>
+      <a:effectRef idx="0">
+        <a:scrgbClr r="0" g="0" b="0"/>
+      </a:effectRef>
+      <a:fontRef idx="minor">
+        <a:schemeClr val="lt1"/>
+      </a:fontRef>
+    </dgm:style>
+  </dgm:styleLbl>
+  <dgm:styleLbl name="parChTrans2D4">
+    <dgm:scene3d>
+      <a:camera prst="orthographicFront"/>
+      <a:lightRig rig="threePt" dir="t"/>
+    </dgm:scene3d>
+    <dgm:sp3d/>
+    <dgm:txPr/>
+    <dgm:style>
+      <a:lnRef idx="2">
+        <a:scrgbClr r="0" g="0" b="0"/>
+      </a:lnRef>
+      <a:fillRef idx="1">
+        <a:scrgbClr r="0" g="0" b="0"/>
+      </a:fillRef>
+      <a:effectRef idx="0">
+        <a:scrgbClr r="0" g="0" b="0"/>
+      </a:effectRef>
+      <a:fontRef idx="minor">
+        <a:schemeClr val="lt1"/>
+      </a:fontRef>
+    </dgm:style>
+  </dgm:styleLbl>
+  <dgm:styleLbl name="parChTrans1D1">
+    <dgm:scene3d>
+      <a:camera prst="orthographicFront"/>
+      <a:lightRig rig="threePt" dir="t"/>
+    </dgm:scene3d>
+    <dgm:sp3d/>
+    <dgm:txPr/>
+    <dgm:style>
+      <a:lnRef idx="2">
+        <a:scrgbClr r="0" g="0" b="0"/>
+      </a:lnRef>
+      <a:fillRef idx="0">
+        <a:scrgbClr r="0" g="0" b="0"/>
+      </a:fillRef>
+      <a:effectRef idx="0">
+        <a:scrgbClr r="0" g="0" b="0"/>
+      </a:effectRef>
+      <a:fontRef idx="minor"/>
+    </dgm:style>
+  </dgm:styleLbl>
+  <dgm:styleLbl name="parChTrans1D2">
+    <dgm:scene3d>
+      <a:camera prst="orthographicFront"/>
+      <a:lightRig rig="threePt" dir="t"/>
+    </dgm:scene3d>
+    <dgm:sp3d/>
+    <dgm:txPr/>
+    <dgm:style>
+      <a:lnRef idx="2">
+        <a:scrgbClr r="0" g="0" b="0"/>
+      </a:lnRef>
+      <a:fillRef idx="0">
+        <a:scrgbClr r="0" g="0" b="0"/>
+      </a:fillRef>
+      <a:effectRef idx="0">
+        <a:scrgbClr r="0" g="0" b="0"/>
+      </a:effectRef>
+      <a:fontRef idx="minor"/>
+    </dgm:style>
+  </dgm:styleLbl>
+  <dgm:styleLbl name="parChTrans1D3">
+    <dgm:scene3d>
+      <a:camera prst="orthographicFront"/>
+      <a:lightRig rig="threePt" dir="t"/>
+    </dgm:scene3d>
+    <dgm:sp3d/>
+    <dgm:txPr/>
+    <dgm:style>
+      <a:lnRef idx="2">
+        <a:scrgbClr r="0" g="0" b="0"/>
+      </a:lnRef>
+      <a:fillRef idx="0">
+        <a:scrgbClr r="0" g="0" b="0"/>
+      </a:fillRef>
+      <a:effectRef idx="0">
+        <a:scrgbClr r="0" g="0" b="0"/>
+      </a:effectRef>
+      <a:fontRef idx="minor"/>
+    </dgm:style>
+  </dgm:styleLbl>
+  <dgm:styleLbl name="parChTrans1D4">
+    <dgm:scene3d>
+      <a:camera prst="orthographicFront"/>
+      <a:lightRig rig="threePt" dir="t"/>
+    </dgm:scene3d>
+    <dgm:sp3d/>
+    <dgm:txPr/>
+    <dgm:style>
+      <a:lnRef idx="2">
+        <a:scrgbClr r="0" g="0" b="0"/>
+      </a:lnRef>
+      <a:fillRef idx="0">
+        <a:scrgbClr r="0" g="0" b="0"/>
+      </a:fillRef>
+      <a:effectRef idx="0">
+        <a:scrgbClr r="0" g="0" b="0"/>
+      </a:effectRef>
+      <a:fontRef idx="minor"/>
+    </dgm:style>
+  </dgm:styleLbl>
+  <dgm:styleLbl name="fgAcc1">
+    <dgm:scene3d>
+      <a:camera prst="orthographicFront"/>
+      <a:lightRig rig="threePt" dir="t"/>
+    </dgm:scene3d>
+    <dgm:sp3d/>
+    <dgm:txPr/>
+    <dgm:style>
+      <a:lnRef idx="2">
+        <a:scrgbClr r="0" g="0" b="0"/>
+      </a:lnRef>
+      <a:fillRef idx="1">
+        <a:scrgbClr r="0" g="0" b="0"/>
+      </a:fillRef>
+      <a:effectRef idx="0">
+        <a:scrgbClr r="0" g="0" b="0"/>
+      </a:effectRef>
+      <a:fontRef idx="minor"/>
+    </dgm:style>
+  </dgm:styleLbl>
+  <dgm:styleLbl name="conFgAcc1">
+    <dgm:scene3d>
+      <a:camera prst="orthographicFront"/>
+      <a:lightRig rig="threePt" dir="t"/>
+    </dgm:scene3d>
+    <dgm:sp3d/>
+    <dgm:txPr/>
+    <dgm:style>
+      <a:lnRef idx="2">
+        <a:scrgbClr r="0" g="0" b="0"/>
+      </a:lnRef>
+      <a:fillRef idx="1">
+        <a:scrgbClr r="0" g="0" b="0"/>
+      </a:fillRef>
+      <a:effectRef idx="0">
+        <a:scrgbClr r="0" g="0" b="0"/>
+      </a:effectRef>
+      <a:fontRef idx="minor"/>
+    </dgm:style>
+  </dgm:styleLbl>
+  <dgm:styleLbl name="alignAcc1">
+    <dgm:scene3d>
+      <a:camera prst="orthographicFront"/>
+      <a:lightRig rig="threePt" dir="t"/>
+    </dgm:scene3d>
+    <dgm:sp3d/>
+    <dgm:txPr/>
+    <dgm:style>
+      <a:lnRef idx="2">
+        <a:scrgbClr r="0" g="0" b="0"/>
+      </a:lnRef>
+      <a:fillRef idx="1">
+        <a:scrgbClr r="0" g="0" b="0"/>
+      </a:fillRef>
+      <a:effectRef idx="0">
+        <a:scrgbClr r="0" g="0" b="0"/>
+      </a:effectRef>
+      <a:fontRef idx="minor"/>
+    </dgm:style>
+  </dgm:styleLbl>
+  <dgm:styleLbl name="trAlignAcc1">
+    <dgm:scene3d>
+      <a:camera prst="orthographicFront"/>
+      <a:lightRig rig="threePt" dir="t"/>
+    </dgm:scene3d>
+    <dgm:sp3d/>
+    <dgm:txPr/>
+    <dgm:style>
+      <a:lnRef idx="1">
+        <a:scrgbClr r="0" g="0" b="0"/>
+      </a:lnRef>
+      <a:fillRef idx="1">
+        <a:scrgbClr r="0" g="0" b="0"/>
+      </a:fillRef>
+      <a:effectRef idx="0">
+        <a:scrgbClr r="0" g="0" b="0"/>
+      </a:effectRef>
+      <a:fontRef idx="minor"/>
+    </dgm:style>
+  </dgm:styleLbl>
+  <dgm:styleLbl name="bgAcc1">
+    <dgm:scene3d>
+      <a:camera prst="orthographicFront"/>
+      <a:lightRig rig="threePt" dir="t"/>
+    </dgm:scene3d>
+    <dgm:sp3d/>
+    <dgm:txPr/>
+    <dgm:style>
+      <a:lnRef idx="2">
+        <a:scrgbClr r="0" g="0" b="0"/>
+      </a:lnRef>
+      <a:fillRef idx="1">
+        <a:scrgbClr r="0" g="0" b="0"/>
+      </a:fillRef>
+      <a:effectRef idx="0">
+        <a:scrgbClr r="0" g="0" b="0"/>
+      </a:effectRef>
+      <a:fontRef idx="minor"/>
+    </dgm:style>
+  </dgm:styleLbl>
+  <dgm:styleLbl name="solidFgAcc1">
+    <dgm:scene3d>
+      <a:camera prst="orthographicFront"/>
+      <a:lightRig rig="threePt" dir="t"/>
+    </dgm:scene3d>
+    <dgm:sp3d/>
+    <dgm:txPr/>
+    <dgm:style>
+      <a:lnRef idx="2">
+        <a:scrgbClr r="0" g="0" b="0"/>
+      </a:lnRef>
+      <a:fillRef idx="1">
+        <a:scrgbClr r="0" g="0" b="0"/>
+      </a:fillRef>
+      <a:effectRef idx="0">
+        <a:scrgbClr r="0" g="0" b="0"/>
+      </a:effectRef>
+      <a:fontRef idx="minor"/>
+    </dgm:style>
+  </dgm:styleLbl>
+  <dgm:styleLbl name="solidAlignAcc1">
+    <dgm:scene3d>
+      <a:camera prst="orthographicFront"/>
+      <a:lightRig rig="threePt" dir="t"/>
+    </dgm:scene3d>
+    <dgm:sp3d/>
+    <dgm:txPr/>
+    <dgm:style>
+      <a:lnRef idx="2">
+        <a:scrgbClr r="0" g="0" b="0"/>
+      </a:lnRef>
+      <a:fillRef idx="1">
+        <a:scrgbClr r="0" g="0" b="0"/>
+      </a:fillRef>
+      <a:effectRef idx="0">
+        <a:scrgbClr r="0" g="0" b="0"/>
+      </a:effectRef>
+      <a:fontRef idx="minor"/>
+    </dgm:style>
+  </dgm:styleLbl>
+  <dgm:styleLbl name="solidBgAcc1">
+    <dgm:scene3d>
+      <a:camera prst="orthographicFront"/>
+      <a:lightRig rig="threePt" dir="t"/>
+    </dgm:scene3d>
+    <dgm:sp3d/>
+    <dgm:txPr/>
+    <dgm:style>
+      <a:lnRef idx="2">
+        <a:scrgbClr r="0" g="0" b="0"/>
+      </a:lnRef>
+      <a:fillRef idx="1">
+        <a:scrgbClr r="0" g="0" b="0"/>
+      </a:fillRef>
+      <a:effectRef idx="0">
+        <a:scrgbClr r="0" g="0" b="0"/>
+      </a:effectRef>
+      <a:fontRef idx="minor"/>
+    </dgm:style>
+  </dgm:styleLbl>
+  <dgm:styleLbl name="fgAccFollowNode1">
+    <dgm:scene3d>
+      <a:camera prst="orthographicFront"/>
+      <a:lightRig rig="threePt" dir="t"/>
+    </dgm:scene3d>
+    <dgm:sp3d/>
+    <dgm:txPr/>
+    <dgm:style>
+      <a:lnRef idx="2">
+        <a:scrgbClr r="0" g="0" b="0"/>
+      </a:lnRef>
+      <a:fillRef idx="1">
+        <a:scrgbClr r="0" g="0" b="0"/>
+      </a:fillRef>
+      <a:effectRef idx="0">
+        <a:scrgbClr r="0" g="0" b="0"/>
+      </a:effectRef>
+      <a:fontRef idx="minor"/>
+    </dgm:style>
+  </dgm:styleLbl>
+  <dgm:styleLbl name="alignAccFollowNode1">
+    <dgm:scene3d>
+      <a:camera prst="orthographicFront"/>
+      <a:lightRig rig="threePt" dir="t"/>
+    </dgm:scene3d>
+    <dgm:sp3d/>
+    <dgm:txPr/>
+    <dgm:style>
+      <a:lnRef idx="2">
+        <a:scrgbClr r="0" g="0" b="0"/>
+      </a:lnRef>
+      <a:fillRef idx="1">
+        <a:scrgbClr r="0" g="0" b="0"/>
+      </a:fillRef>
+      <a:effectRef idx="0">
+        <a:scrgbClr r="0" g="0" b="0"/>
+      </a:effectRef>
+      <a:fontRef idx="minor"/>
+    </dgm:style>
+  </dgm:styleLbl>
+  <dgm:styleLbl name="bgAccFollowNode1">
+    <dgm:scene3d>
+      <a:camera prst="orthographicFront"/>
+      <a:lightRig rig="threePt" dir="t"/>
+    </dgm:scene3d>
+    <dgm:sp3d/>
+    <dgm:txPr/>
+    <dgm:style>
+      <a:lnRef idx="2">
+        <a:scrgbClr r="0" g="0" b="0"/>
+      </a:lnRef>
+      <a:fillRef idx="1">
+        <a:scrgbClr r="0" g="0" b="0"/>
+      </a:fillRef>
+      <a:effectRef idx="0">
+        <a:scrgbClr r="0" g="0" b="0"/>
+      </a:effectRef>
+      <a:fontRef idx="minor"/>
+    </dgm:style>
+  </dgm:styleLbl>
+  <dgm:styleLbl name="fgAcc0">
+    <dgm:scene3d>
+      <a:camera prst="orthographicFront"/>
+      <a:lightRig rig="threePt" dir="t"/>
+    </dgm:scene3d>
+    <dgm:sp3d/>
+    <dgm:txPr/>
+    <dgm:style>
+      <a:lnRef idx="2">
+        <a:scrgbClr r="0" g="0" b="0"/>
+      </a:lnRef>
+      <a:fillRef idx="1">
+        <a:scrgbClr r="0" g="0" b="0"/>
+      </a:fillRef>
+      <a:effectRef idx="0">
+        <a:scrgbClr r="0" g="0" b="0"/>
+      </a:effectRef>
+      <a:fontRef idx="minor"/>
+    </dgm:style>
+  </dgm:styleLbl>
+  <dgm:styleLbl name="fgAcc2">
+    <dgm:scene3d>
+      <a:camera prst="orthographicFront"/>
+      <a:lightRig rig="threePt" dir="t"/>
+    </dgm:scene3d>
+    <dgm:sp3d/>
+    <dgm:txPr/>
+    <dgm:style>
+      <a:lnRef idx="2">
+        <a:scrgbClr r="0" g="0" b="0"/>
+      </a:lnRef>
+      <a:fillRef idx="1">
+        <a:scrgbClr r="0" g="0" b="0"/>
+      </a:fillRef>
+      <a:effectRef idx="0">
+        <a:scrgbClr r="0" g="0" b="0"/>
+      </a:effectRef>
+      <a:fontRef idx="minor"/>
+    </dgm:style>
+  </dgm:styleLbl>
+  <dgm:styleLbl name="fgAcc3">
+    <dgm:scene3d>
+      <a:camera prst="orthographicFront"/>
+      <a:lightRig rig="threePt" dir="t"/>
+    </dgm:scene3d>
+    <dgm:sp3d/>
+    <dgm:txPr/>
+    <dgm:style>
+      <a:lnRef idx="2">
+        <a:scrgbClr r="0" g="0" b="0"/>
+      </a:lnRef>
+      <a:fillRef idx="1">
+        <a:scrgbClr r="0" g="0" b="0"/>
+      </a:fillRef>
+      <a:effectRef idx="0">
+        <a:scrgbClr r="0" g="0" b="0"/>
+      </a:effectRef>
+      <a:fontRef idx="minor"/>
+    </dgm:style>
+  </dgm:styleLbl>
+  <dgm:styleLbl name="fgAcc4">
+    <dgm:scene3d>
+      <a:camera prst="orthographicFront"/>
+      <a:lightRig rig="threePt" dir="t"/>
+    </dgm:scene3d>
+    <dgm:sp3d/>
+    <dgm:txPr/>
+    <dgm:style>
+      <a:lnRef idx="2">
+        <a:scrgbClr r="0" g="0" b="0"/>
+      </a:lnRef>
+      <a:fillRef idx="1">
+        <a:scrgbClr r="0" g="0" b="0"/>
+      </a:fillRef>
+      <a:effectRef idx="0">
+        <a:scrgbClr r="0" g="0" b="0"/>
+      </a:effectRef>
+      <a:fontRef idx="minor"/>
+    </dgm:style>
+  </dgm:styleLbl>
+  <dgm:styleLbl name="bgShp">
+    <dgm:scene3d>
+      <a:camera prst="orthographicFront"/>
+      <a:lightRig rig="threePt" dir="t"/>
+    </dgm:scene3d>
+    <dgm:sp3d/>
+    <dgm:txPr/>
+    <dgm:style>
+      <a:lnRef idx="0">
+        <a:scrgbClr r="0" g="0" b="0"/>
+      </a:lnRef>
+      <a:fillRef idx="1">
+        <a:scrgbClr r="0" g="0" b="0"/>
+      </a:fillRef>
+      <a:effectRef idx="0">
+        <a:scrgbClr r="0" g="0" b="0"/>
+      </a:effectRef>
+      <a:fontRef idx="minor"/>
+    </dgm:style>
+  </dgm:styleLbl>
+  <dgm:styleLbl name="dkBgShp">
+    <dgm:scene3d>
+      <a:camera prst="orthographicFront"/>
+      <a:lightRig rig="threePt" dir="t"/>
+    </dgm:scene3d>
+    <dgm:sp3d/>
+    <dgm:txPr/>
+    <dgm:style>
+      <a:lnRef idx="0">
+        <a:scrgbClr r="0" g="0" b="0"/>
+      </a:lnRef>
+      <a:fillRef idx="1">
+        <a:scrgbClr r="0" g="0" b="0"/>
+      </a:fillRef>
+      <a:effectRef idx="0">
+        <a:scrgbClr r="0" g="0" b="0"/>
+      </a:effectRef>
+      <a:fontRef idx="minor"/>
+    </dgm:style>
+  </dgm:styleLbl>
+  <dgm:styleLbl name="trBgShp">
+    <dgm:scene3d>
+      <a:camera prst="orthographicFront"/>
+      <a:lightRig rig="threePt" dir="t"/>
+    </dgm:scene3d>
+    <dgm:sp3d/>
+    <dgm:txPr/>
+    <dgm:style>
+      <a:lnRef idx="0">
+        <a:scrgbClr r="0" g="0" b="0"/>
+      </a:lnRef>
+      <a:fillRef idx="1">
+        <a:scrgbClr r="0" g="0" b="0"/>
+      </a:fillRef>
+      <a:effectRef idx="0">
+        <a:scrgbClr r="0" g="0" b="0"/>
+      </a:effectRef>
+      <a:fontRef idx="minor"/>
+    </dgm:style>
+  </dgm:styleLbl>
+  <dgm:styleLbl name="fgShp">
+    <dgm:scene3d>
+      <a:camera prst="orthographicFront"/>
+      <a:lightRig rig="threePt" dir="t"/>
+    </dgm:scene3d>
+    <dgm:sp3d/>
+    <dgm:txPr/>
+    <dgm:style>
+      <a:lnRef idx="2">
+        <a:scrgbClr r="0" g="0" b="0"/>
+      </a:lnRef>
+      <a:fillRef idx="1">
+        <a:scrgbClr r="0" g="0" b="0"/>
+      </a:fillRef>
+      <a:effectRef idx="0">
+        <a:scrgbClr r="0" g="0" b="0"/>
+      </a:effectRef>
+      <a:fontRef idx="minor"/>
+    </dgm:style>
+  </dgm:styleLbl>
+  <dgm:styleLbl name="revTx">
+    <dgm:scene3d>
+      <a:camera prst="orthographicFront"/>
+      <a:lightRig rig="threePt" dir="t"/>
+    </dgm:scene3d>
+    <dgm:sp3d/>
+    <dgm:txPr/>
+    <dgm:style>
+      <a:lnRef idx="0">
+        <a:scrgbClr r="0" g="0" b="0"/>
+      </a:lnRef>
+      <a:fillRef idx="0">
+        <a:scrgbClr r="0" g="0" b="0"/>
+      </a:fillRef>
+      <a:effectRef idx="0">
+        <a:scrgbClr r="0" g="0" b="0"/>
+      </a:effectRef>
+      <a:fontRef idx="minor"/>
+    </dgm:style>
+  </dgm:styleLbl>
+</dgm:styleDef>
+</file>
+
+<file path=ppt/notesMasters/notesMaster1.xml><?xml version="1.0" encoding="utf-8"?>
+<p:notesMaster xmlns:a="http://schemas.openxmlformats.org/drawingml/2006/main" xmlns:r="http://schemas.openxmlformats.org/officeDocument/2006/relationships" xmlns:p="http://schemas.openxmlformats.org/presentationml/2006/main">
+  <p:cSld>
+    <p:bg>
+      <p:bgRef idx="1001">
+        <a:schemeClr val="bg1"/>
+      </p:bgRef>
+    </p:bg>
+    <p:spTree>
+      <p:nvGrpSpPr>
+        <p:cNvPr id="1" name=""/>
+        <p:cNvGrpSpPr/>
+        <p:nvPr/>
+      </p:nvGrpSpPr>
+      <p:grpSpPr>
+        <a:xfrm>
+          <a:off x="0" y="0"/>
+          <a:ext cx="0" cy="0"/>
+          <a:chOff x="0" y="0"/>
+          <a:chExt cx="0" cy="0"/>
+        </a:xfrm>
+      </p:grpSpPr>
+      <p:sp>
+        <p:nvSpPr>
+          <p:cNvPr id="2" name="Header Placeholder 1"/>
+          <p:cNvSpPr>
+            <a:spLocks noGrp="1"/>
+          </p:cNvSpPr>
+          <p:nvPr>
+            <p:ph type="hdr" sz="quarter"/>
+          </p:nvPr>
+        </p:nvSpPr>
+        <p:spPr>
+          <a:xfrm>
+            <a:off x="0" y="0"/>
+            <a:ext cx="2971800" cy="457200"/>
+          </a:xfrm>
+          <a:prstGeom prst="rect">
+            <a:avLst/>
+          </a:prstGeom>
+        </p:spPr>
+        <p:txBody>
+          <a:bodyPr vert="horz" lIns="91440" tIns="45720" rIns="91440" bIns="45720" rtlCol="0"/>
+          <a:lstStyle>
+            <a:lvl1pPr algn="l">
+              <a:defRPr sz="1200"/>
+            </a:lvl1pPr>
+          </a:lstStyle>
+          <a:p>
+            <a:endParaRPr lang="en-CA"/>
+          </a:p>
+        </p:txBody>
+      </p:sp>
+      <p:sp>
+        <p:nvSpPr>
+          <p:cNvPr id="3" name="Date Placeholder 2"/>
+          <p:cNvSpPr>
+            <a:spLocks noGrp="1"/>
+          </p:cNvSpPr>
+          <p:nvPr>
+            <p:ph type="dt" idx="1"/>
+          </p:nvPr>
+        </p:nvSpPr>
+        <p:spPr>
+          <a:xfrm>
+            <a:off x="3884613" y="0"/>
+            <a:ext cx="2971800" cy="457200"/>
+          </a:xfrm>
+          <a:prstGeom prst="rect">
+            <a:avLst/>
+          </a:prstGeom>
+        </p:spPr>
+        <p:txBody>
+          <a:bodyPr vert="horz" lIns="91440" tIns="45720" rIns="91440" bIns="45720" rtlCol="0"/>
+          <a:lstStyle>
+            <a:lvl1pPr algn="r">
+              <a:defRPr sz="1200"/>
+            </a:lvl1pPr>
+          </a:lstStyle>
+          <a:p>
+            <a:fld id="{9D3FBBFE-677F-4CC0-BF92-950C0F009223}" type="datetimeFigureOut">
+              <a:rPr lang="en-CA" smtClean="0"/>
+              <a:t>16/09/2012</a:t>
+            </a:fld>
+            <a:endParaRPr lang="en-CA"/>
+          </a:p>
+        </p:txBody>
+      </p:sp>
+      <p:sp>
+        <p:nvSpPr>
+          <p:cNvPr id="4" name="Slide Image Placeholder 3"/>
+          <p:cNvSpPr>
+            <a:spLocks noGrp="1" noRot="1" noChangeAspect="1"/>
+          </p:cNvSpPr>
+          <p:nvPr>
+            <p:ph type="sldImg" idx="2"/>
+          </p:nvPr>
+        </p:nvSpPr>
+        <p:spPr>
+          <a:xfrm>
+            <a:off x="1143000" y="685800"/>
+            <a:ext cx="4572000" cy="3429000"/>
+          </a:xfrm>
+          <a:prstGeom prst="rect">
+            <a:avLst/>
+          </a:prstGeom>
+          <a:noFill/>
+          <a:ln w="12700">
+            <a:solidFill>
+              <a:prstClr val="black"/>
+            </a:solidFill>
+          </a:ln>
+        </p:spPr>
+        <p:txBody>
+          <a:bodyPr vert="horz" lIns="91440" tIns="45720" rIns="91440" bIns="45720" rtlCol="0" anchor="ctr"/>
+          <a:lstStyle/>
+          <a:p>
+            <a:endParaRPr lang="en-CA"/>
+          </a:p>
+        </p:txBody>
+      </p:sp>
+      <p:sp>
+        <p:nvSpPr>
+          <p:cNvPr id="5" name="Notes Placeholder 4"/>
+          <p:cNvSpPr>
+            <a:spLocks noGrp="1"/>
+          </p:cNvSpPr>
+          <p:nvPr>
+            <p:ph type="body" sz="quarter" idx="3"/>
+          </p:nvPr>
+        </p:nvSpPr>
+        <p:spPr>
+          <a:xfrm>
+            <a:off x="685800" y="4343400"/>
+            <a:ext cx="5486400" cy="4114800"/>
+          </a:xfrm>
+          <a:prstGeom prst="rect">
+            <a:avLst/>
+          </a:prstGeom>
+        </p:spPr>
+        <p:txBody>
+          <a:bodyPr vert="horz" lIns="91440" tIns="45720" rIns="91440" bIns="45720" rtlCol="0"/>
+          <a:lstStyle/>
+          <a:p>
+            <a:pPr lvl="0"/>
+            <a:r>
+              <a:rPr lang="en-US" smtClean="0"/>
+              <a:t>Click to edit Master text styles</a:t>
+            </a:r>
+          </a:p>
+          <a:p>
+            <a:pPr lvl="1"/>
+            <a:r>
+              <a:rPr lang="en-US" smtClean="0"/>
+              <a:t>Second level</a:t>
+            </a:r>
+          </a:p>
+          <a:p>
+            <a:pPr lvl="2"/>
+            <a:r>
+              <a:rPr lang="en-US" smtClean="0"/>
+              <a:t>Third level</a:t>
+            </a:r>
+          </a:p>
+          <a:p>
+            <a:pPr lvl="3"/>
+            <a:r>
+              <a:rPr lang="en-US" smtClean="0"/>
+              <a:t>Fourth level</a:t>
+            </a:r>
+          </a:p>
+          <a:p>
+            <a:pPr lvl="4"/>
+            <a:r>
+              <a:rPr lang="en-US" smtClean="0"/>
+              <a:t>Fifth level</a:t>
+            </a:r>
+            <a:endParaRPr lang="en-CA"/>
+          </a:p>
+        </p:txBody>
+      </p:sp>
+      <p:sp>
+        <p:nvSpPr>
+          <p:cNvPr id="6" name="Footer Placeholder 5"/>
+          <p:cNvSpPr>
+            <a:spLocks noGrp="1"/>
+          </p:cNvSpPr>
+          <p:nvPr>
+            <p:ph type="ftr" sz="quarter" idx="4"/>
+          </p:nvPr>
+        </p:nvSpPr>
+        <p:spPr>
+          <a:xfrm>
+            <a:off x="0" y="8685213"/>
+            <a:ext cx="2971800" cy="457200"/>
+          </a:xfrm>
+          <a:prstGeom prst="rect">
+            <a:avLst/>
+          </a:prstGeom>
+        </p:spPr>
+        <p:txBody>
+          <a:bodyPr vert="horz" lIns="91440" tIns="45720" rIns="91440" bIns="45720" rtlCol="0" anchor="b"/>
+          <a:lstStyle>
+            <a:lvl1pPr algn="l">
+              <a:defRPr sz="1200"/>
+            </a:lvl1pPr>
+          </a:lstStyle>
+          <a:p>
+            <a:endParaRPr lang="en-CA"/>
+          </a:p>
+        </p:txBody>
+      </p:sp>
+      <p:sp>
+        <p:nvSpPr>
+          <p:cNvPr id="7" name="Slide Number Placeholder 6"/>
+          <p:cNvSpPr>
+            <a:spLocks noGrp="1"/>
+          </p:cNvSpPr>
+          <p:nvPr>
+            <p:ph type="sldNum" sz="quarter" idx="5"/>
+          </p:nvPr>
+        </p:nvSpPr>
+        <p:spPr>
+          <a:xfrm>
+            <a:off x="3884613" y="8685213"/>
+            <a:ext cx="2971800" cy="457200"/>
+          </a:xfrm>
+          <a:prstGeom prst="rect">
+            <a:avLst/>
+          </a:prstGeom>
+        </p:spPr>
+        <p:txBody>
+          <a:bodyPr vert="horz" lIns="91440" tIns="45720" rIns="91440" bIns="45720" rtlCol="0" anchor="b"/>
+          <a:lstStyle>
+            <a:lvl1pPr algn="r">
+              <a:defRPr sz="1200"/>
+            </a:lvl1pPr>
+          </a:lstStyle>
+          <a:p>
+            <a:fld id="{F036235D-DA40-4917-9347-5AA27D26558A}" type="slidenum">
+              <a:rPr lang="en-CA" smtClean="0"/>
+              <a:t>‹#›</a:t>
+            </a:fld>
+            <a:endParaRPr lang="en-CA"/>
+          </a:p>
+        </p:txBody>
+      </p:sp>
+    </p:spTree>
+    <p:extLst>
+      <p:ext uri="{BB962C8B-B14F-4D97-AF65-F5344CB8AC3E}">
+        <p14:creationId xmlns:p14="http://schemas.microsoft.com/office/powerpoint/2010/main" val="2719641165"/>
+      </p:ext>
+    </p:extLst>
+  </p:cSld>
+  <p:clrMap bg1="lt1" tx1="dk1" bg2="lt2" tx2="dk2" accent1="accent1" accent2="accent2" accent3="accent3" accent4="accent4" accent5="accent5" accent6="accent6" hlink="hlink" folHlink="folHlink"/>
+  <p:notesStyle>
+    <a:lvl1pPr marL="0" algn="l" defTabSz="914400" rtl="0" eaLnBrk="1" latinLnBrk="0" hangingPunct="1">
+      <a:defRPr sz="1200" kern="1200">
+        <a:solidFill>
+          <a:schemeClr val="tx1"/>
+        </a:solidFill>
+        <a:latin typeface="+mn-lt"/>
+        <a:ea typeface="+mn-ea"/>
+        <a:cs typeface="+mn-cs"/>
+      </a:defRPr>
+    </a:lvl1pPr>
+    <a:lvl2pPr marL="457200" algn="l" defTabSz="914400" rtl="0" eaLnBrk="1" latinLnBrk="0" hangingPunct="1">
+      <a:defRPr sz="1200" kern="1200">
+        <a:solidFill>
+          <a:schemeClr val="tx1"/>
+        </a:solidFill>
+        <a:latin typeface="+mn-lt"/>
+        <a:ea typeface="+mn-ea"/>
+        <a:cs typeface="+mn-cs"/>
+      </a:defRPr>
+    </a:lvl2pPr>
+    <a:lvl3pPr marL="914400" algn="l" defTabSz="914400" rtl="0" eaLnBrk="1" latinLnBrk="0" hangingPunct="1">
+      <a:defRPr sz="1200" kern="1200">
+        <a:solidFill>
+          <a:schemeClr val="tx1"/>
+        </a:solidFill>
+        <a:latin typeface="+mn-lt"/>
+        <a:ea typeface="+mn-ea"/>
+        <a:cs typeface="+mn-cs"/>
+      </a:defRPr>
+    </a:lvl3pPr>
+    <a:lvl4pPr marL="1371600" algn="l" defTabSz="914400" rtl="0" eaLnBrk="1" latinLnBrk="0" hangingPunct="1">
+      <a:defRPr sz="1200" kern="1200">
+        <a:solidFill>
+          <a:schemeClr val="tx1"/>
+        </a:solidFill>
+        <a:latin typeface="+mn-lt"/>
+        <a:ea typeface="+mn-ea"/>
+        <a:cs typeface="+mn-cs"/>
+      </a:defRPr>
+    </a:lvl4pPr>
+    <a:lvl5pPr marL="1828800" algn="l" defTabSz="914400" rtl="0" eaLnBrk="1" latinLnBrk="0" hangingPunct="1">
+      <a:defRPr sz="1200" kern="1200">
+        <a:solidFill>
+          <a:schemeClr val="tx1"/>
+        </a:solidFill>
+        <a:latin typeface="+mn-lt"/>
+        <a:ea typeface="+mn-ea"/>
+        <a:cs typeface="+mn-cs"/>
+      </a:defRPr>
+    </a:lvl5pPr>
+    <a:lvl6pPr marL="2286000" algn="l" defTabSz="914400" rtl="0" eaLnBrk="1" latinLnBrk="0" hangingPunct="1">
+      <a:defRPr sz="1200" kern="1200">
+        <a:solidFill>
+          <a:schemeClr val="tx1"/>
+        </a:solidFill>
+        <a:latin typeface="+mn-lt"/>
+        <a:ea typeface="+mn-ea"/>
+        <a:cs typeface="+mn-cs"/>
+      </a:defRPr>
+    </a:lvl6pPr>
+    <a:lvl7pPr marL="2743200" algn="l" defTabSz="914400" rtl="0" eaLnBrk="1" latinLnBrk="0" hangingPunct="1">
+      <a:defRPr sz="1200" kern="1200">
+        <a:solidFill>
+          <a:schemeClr val="tx1"/>
+        </a:solidFill>
+        <a:latin typeface="+mn-lt"/>
+        <a:ea typeface="+mn-ea"/>
+        <a:cs typeface="+mn-cs"/>
+      </a:defRPr>
+    </a:lvl7pPr>
+    <a:lvl8pPr marL="3200400" algn="l" defTabSz="914400" rtl="0" eaLnBrk="1" latinLnBrk="0" hangingPunct="1">
+      <a:defRPr sz="1200" kern="1200">
+        <a:solidFill>
+          <a:schemeClr val="tx1"/>
+        </a:solidFill>
+        <a:latin typeface="+mn-lt"/>
+        <a:ea typeface="+mn-ea"/>
+        <a:cs typeface="+mn-cs"/>
+      </a:defRPr>
+    </a:lvl8pPr>
+    <a:lvl9pPr marL="3657600" algn="l" defTabSz="914400" rtl="0" eaLnBrk="1" latinLnBrk="0" hangingPunct="1">
+      <a:defRPr sz="1200" kern="1200">
+        <a:solidFill>
+          <a:schemeClr val="tx1"/>
+        </a:solidFill>
+        <a:latin typeface="+mn-lt"/>
+        <a:ea typeface="+mn-ea"/>
+        <a:cs typeface="+mn-cs"/>
+      </a:defRPr>
+    </a:lvl9pPr>
+  </p:notesStyle>
+</p:notesMaster>
+</file>
+
+<file path=ppt/notesSlides/notesSlide1.xml><?xml version="1.0" encoding="utf-8"?>
+<p:notes xmlns:a="http://schemas.openxmlformats.org/drawingml/2006/main" xmlns:r="http://schemas.openxmlformats.org/officeDocument/2006/relationships" xmlns:p="http://schemas.openxmlformats.org/presentationml/2006/main">
+  <p:cSld>
+    <p:spTree>
+      <p:nvGrpSpPr>
+        <p:cNvPr id="1" name=""/>
+        <p:cNvGrpSpPr/>
+        <p:nvPr/>
+      </p:nvGrpSpPr>
+      <p:grpSpPr>
+        <a:xfrm>
+          <a:off x="0" y="0"/>
+          <a:ext cx="0" cy="0"/>
+          <a:chOff x="0" y="0"/>
+          <a:chExt cx="0" cy="0"/>
+        </a:xfrm>
+      </p:grpSpPr>
+      <p:sp>
+        <p:nvSpPr>
+          <p:cNvPr id="2" name="Slide Image Placeholder 1"/>
+          <p:cNvSpPr>
+            <a:spLocks noGrp="1" noRot="1" noChangeAspect="1"/>
+          </p:cNvSpPr>
+          <p:nvPr>
+            <p:ph type="sldImg"/>
+          </p:nvPr>
+        </p:nvSpPr>
+        <p:spPr/>
+      </p:sp>
+      <p:sp>
+        <p:nvSpPr>
+          <p:cNvPr id="3" name="Notes Placeholder 2"/>
+          <p:cNvSpPr>
+            <a:spLocks noGrp="1"/>
+          </p:cNvSpPr>
+          <p:nvPr>
+            <p:ph type="body" idx="1"/>
+          </p:nvPr>
+        </p:nvSpPr>
+        <p:spPr/>
+        <p:txBody>
+          <a:bodyPr/>
+          <a:lstStyle/>
+          <a:p>
+            <a:r>
+              <a:rPr lang="pl-PL" dirty="0" smtClean="0"/>
+              <a:t>An</a:t>
+            </a:r>
+            <a:r>
+              <a:rPr lang="pl-PL" baseline="0" dirty="0" smtClean="0"/>
+              <a:t> application for my wife for time tracking – there was no simple free time tracking app</a:t>
+            </a:r>
+            <a:endParaRPr lang="en-CA" dirty="0"/>
+          </a:p>
+        </p:txBody>
+      </p:sp>
+      <p:sp>
+        <p:nvSpPr>
+          <p:cNvPr id="4" name="Slide Number Placeholder 3"/>
+          <p:cNvSpPr>
+            <a:spLocks noGrp="1"/>
+          </p:cNvSpPr>
+          <p:nvPr>
+            <p:ph type="sldNum" sz="quarter" idx="10"/>
+          </p:nvPr>
+        </p:nvSpPr>
+        <p:spPr/>
+        <p:txBody>
+          <a:bodyPr/>
+          <a:lstStyle/>
+          <a:p>
+            <a:fld id="{F036235D-DA40-4917-9347-5AA27D26558A}" type="slidenum">
+              <a:rPr lang="en-CA" smtClean="0"/>
+              <a:t>5</a:t>
+            </a:fld>
+            <a:endParaRPr lang="en-CA"/>
+          </a:p>
+        </p:txBody>
+      </p:sp>
+    </p:spTree>
+    <p:extLst>
+      <p:ext uri="{BB962C8B-B14F-4D97-AF65-F5344CB8AC3E}">
+        <p14:creationId xmlns:p14="http://schemas.microsoft.com/office/powerpoint/2010/main" val="1925869474"/>
+      </p:ext>
+    </p:extLst>
+  </p:cSld>
+  <p:clrMapOvr>
+    <a:masterClrMapping/>
+  </p:clrMapOvr>
+</p:notes>
+</file>
+
+<file path=ppt/notesSlides/notesSlide2.xml><?xml version="1.0" encoding="utf-8"?>
+<p:notes xmlns:a="http://schemas.openxmlformats.org/drawingml/2006/main" xmlns:r="http://schemas.openxmlformats.org/officeDocument/2006/relationships" xmlns:p="http://schemas.openxmlformats.org/presentationml/2006/main">
+  <p:cSld>
+    <p:spTree>
+      <p:nvGrpSpPr>
+        <p:cNvPr id="1" name=""/>
+        <p:cNvGrpSpPr/>
+        <p:nvPr/>
+      </p:nvGrpSpPr>
+      <p:grpSpPr>
+        <a:xfrm>
+          <a:off x="0" y="0"/>
+          <a:ext cx="0" cy="0"/>
+          <a:chOff x="0" y="0"/>
+          <a:chExt cx="0" cy="0"/>
+        </a:xfrm>
+      </p:grpSpPr>
+      <p:sp>
+        <p:nvSpPr>
+          <p:cNvPr id="2" name="Slide Image Placeholder 1"/>
+          <p:cNvSpPr>
+            <a:spLocks noGrp="1" noRot="1" noChangeAspect="1"/>
+          </p:cNvSpPr>
+          <p:nvPr>
+            <p:ph type="sldImg"/>
+          </p:nvPr>
+        </p:nvSpPr>
+        <p:spPr/>
+      </p:sp>
+      <p:sp>
+        <p:nvSpPr>
+          <p:cNvPr id="3" name="Notes Placeholder 2"/>
+          <p:cNvSpPr>
+            <a:spLocks noGrp="1"/>
+          </p:cNvSpPr>
+          <p:nvPr>
+            <p:ph type="body" idx="1"/>
+          </p:nvPr>
+        </p:nvSpPr>
+        <p:spPr/>
+        <p:txBody>
+          <a:bodyPr/>
+          <a:lstStyle/>
+          <a:p>
+            <a:r>
+              <a:rPr lang="pl-PL" dirty="0" smtClean="0"/>
+              <a:t>Desktop apps are usually</a:t>
+            </a:r>
+            <a:r>
+              <a:rPr lang="pl-PL" baseline="0" dirty="0" smtClean="0"/>
+              <a:t> specific for a particular platform (operating system). Sometimes they can be OS agnostic. Usually not so robust as native ones.</a:t>
+            </a:r>
+          </a:p>
+          <a:p>
+            <a:r>
+              <a:rPr lang="pl-PL" baseline="0" dirty="0" smtClean="0"/>
+              <a:t>Explain what native means.</a:t>
+            </a:r>
+          </a:p>
+          <a:p>
+            <a:r>
+              <a:rPr lang="pl-PL" baseline="0" dirty="0" smtClean="0"/>
+              <a:t>Web application – works on a server side, presented to a user by a browser. Usually OS and browser agnostic. Sometimes use technology that requires specific OS/browser. Example: Flash doesn’t work on iOS. Silverlight has no official and current implementation for Linux (works on Windows and Mac only)</a:t>
+            </a:r>
+            <a:endParaRPr lang="en-CA" dirty="0"/>
+          </a:p>
+        </p:txBody>
+      </p:sp>
+      <p:sp>
+        <p:nvSpPr>
+          <p:cNvPr id="4" name="Slide Number Placeholder 3"/>
+          <p:cNvSpPr>
+            <a:spLocks noGrp="1"/>
+          </p:cNvSpPr>
+          <p:nvPr>
+            <p:ph type="sldNum" sz="quarter" idx="10"/>
+          </p:nvPr>
+        </p:nvSpPr>
+        <p:spPr/>
+        <p:txBody>
+          <a:bodyPr/>
+          <a:lstStyle/>
+          <a:p>
+            <a:fld id="{F036235D-DA40-4917-9347-5AA27D26558A}" type="slidenum">
+              <a:rPr lang="en-CA" smtClean="0"/>
+              <a:t>6</a:t>
+            </a:fld>
+            <a:endParaRPr lang="en-CA"/>
+          </a:p>
+        </p:txBody>
+      </p:sp>
+    </p:spTree>
+    <p:extLst>
+      <p:ext uri="{BB962C8B-B14F-4D97-AF65-F5344CB8AC3E}">
+        <p14:creationId xmlns:p14="http://schemas.microsoft.com/office/powerpoint/2010/main" val="1697928017"/>
+      </p:ext>
+    </p:extLst>
+  </p:cSld>
+  <p:clrMapOvr>
+    <a:masterClrMapping/>
+  </p:clrMapOvr>
+</p:notes>
+</file>
+
+<file path=ppt/notesSlides/notesSlide3.xml><?xml version="1.0" encoding="utf-8"?>
+<p:notes xmlns:a="http://schemas.openxmlformats.org/drawingml/2006/main" xmlns:r="http://schemas.openxmlformats.org/officeDocument/2006/relationships" xmlns:p="http://schemas.openxmlformats.org/presentationml/2006/main">
+  <p:cSld>
+    <p:spTree>
+      <p:nvGrpSpPr>
+        <p:cNvPr id="1" name=""/>
+        <p:cNvGrpSpPr/>
+        <p:nvPr/>
+      </p:nvGrpSpPr>
+      <p:grpSpPr>
+        <a:xfrm>
+          <a:off x="0" y="0"/>
+          <a:ext cx="0" cy="0"/>
+          <a:chOff x="0" y="0"/>
+          <a:chExt cx="0" cy="0"/>
+        </a:xfrm>
+      </p:grpSpPr>
+      <p:sp>
+        <p:nvSpPr>
+          <p:cNvPr id="2" name="Slide Image Placeholder 1"/>
+          <p:cNvSpPr>
+            <a:spLocks noGrp="1" noRot="1" noChangeAspect="1"/>
+          </p:cNvSpPr>
+          <p:nvPr>
+            <p:ph type="sldImg"/>
+          </p:nvPr>
+        </p:nvSpPr>
+        <p:spPr/>
+      </p:sp>
+      <p:sp>
+        <p:nvSpPr>
+          <p:cNvPr id="3" name="Notes Placeholder 2"/>
+          <p:cNvSpPr>
+            <a:spLocks noGrp="1"/>
+          </p:cNvSpPr>
+          <p:nvPr>
+            <p:ph type="body" idx="1"/>
+          </p:nvPr>
+        </p:nvSpPr>
+        <p:spPr/>
+        <p:txBody>
+          <a:bodyPr/>
+          <a:lstStyle/>
+          <a:p>
+            <a:r>
+              <a:rPr lang="pl-PL" dirty="0" smtClean="0"/>
+              <a:t>Often</a:t>
+            </a:r>
+            <a:r>
+              <a:rPr lang="pl-PL" baseline="0" dirty="0" smtClean="0"/>
+              <a:t> used in the Web</a:t>
+            </a:r>
+            <a:endParaRPr lang="en-CA" dirty="0"/>
+          </a:p>
+        </p:txBody>
+      </p:sp>
+      <p:sp>
+        <p:nvSpPr>
+          <p:cNvPr id="4" name="Slide Number Placeholder 3"/>
+          <p:cNvSpPr>
+            <a:spLocks noGrp="1"/>
+          </p:cNvSpPr>
+          <p:nvPr>
+            <p:ph type="sldNum" sz="quarter" idx="10"/>
+          </p:nvPr>
+        </p:nvSpPr>
+        <p:spPr/>
+        <p:txBody>
+          <a:bodyPr/>
+          <a:lstStyle/>
+          <a:p>
+            <a:fld id="{F036235D-DA40-4917-9347-5AA27D26558A}" type="slidenum">
+              <a:rPr lang="en-CA" smtClean="0"/>
+              <a:t>12</a:t>
+            </a:fld>
+            <a:endParaRPr lang="en-CA"/>
+          </a:p>
+        </p:txBody>
+      </p:sp>
+    </p:spTree>
+    <p:extLst>
+      <p:ext uri="{BB962C8B-B14F-4D97-AF65-F5344CB8AC3E}">
+        <p14:creationId xmlns:p14="http://schemas.microsoft.com/office/powerpoint/2010/main" val="2945381652"/>
+      </p:ext>
+    </p:extLst>
+  </p:cSld>
+  <p:clrMapOvr>
+    <a:masterClrMapping/>
+  </p:clrMapOvr>
+</p:notes>
 </file>
 
 <file path=ppt/slideLayouts/slideLayout1.xml><?xml version="1.0" encoding="utf-8"?>
@@ -5772,7 +9800,7 @@
           <a:p>
             <a:fld id="{450045EB-F0A2-405F-866B-BCD425706225}" type="datetimeFigureOut">
               <a:rPr lang="en-CA" smtClean="0"/>
-              <a:t>05/09/2012</a:t>
+              <a:t>16/09/2012</a:t>
             </a:fld>
             <a:endParaRPr lang="en-CA"/>
           </a:p>
@@ -6760,6 +10788,1070 @@
   <p:clrMapOvr>
     <a:masterClrMapping/>
   </p:clrMapOvr>
+  <p:timing>
+    <p:tnLst>
+      <p:par>
+        <p:cTn id="1" dur="indefinite" restart="never" nodeType="tmRoot"/>
+      </p:par>
+    </p:tnLst>
+  </p:timing>
+</p:sld>
+</file>
+
+<file path=ppt/slides/slide10.xml><?xml version="1.0" encoding="utf-8"?>
+<p:sld xmlns:a="http://schemas.openxmlformats.org/drawingml/2006/main" xmlns:r="http://schemas.openxmlformats.org/officeDocument/2006/relationships" xmlns:p="http://schemas.openxmlformats.org/presentationml/2006/main">
+  <p:cSld>
+    <p:spTree>
+      <p:nvGrpSpPr>
+        <p:cNvPr id="1" name=""/>
+        <p:cNvGrpSpPr/>
+        <p:nvPr/>
+      </p:nvGrpSpPr>
+      <p:grpSpPr>
+        <a:xfrm>
+          <a:off x="0" y="0"/>
+          <a:ext cx="0" cy="0"/>
+          <a:chOff x="0" y="0"/>
+          <a:chExt cx="0" cy="0"/>
+        </a:xfrm>
+      </p:grpSpPr>
+      <p:sp>
+        <p:nvSpPr>
+          <p:cNvPr id="2" name="Title 1"/>
+          <p:cNvSpPr>
+            <a:spLocks noGrp="1"/>
+          </p:cNvSpPr>
+          <p:nvPr>
+            <p:ph type="title"/>
+          </p:nvPr>
+        </p:nvSpPr>
+        <p:spPr/>
+        <p:txBody>
+          <a:bodyPr/>
+          <a:lstStyle/>
+          <a:p>
+            <a:r>
+              <a:rPr lang="pl-PL" dirty="0" smtClean="0"/>
+              <a:t>Compiling</a:t>
+            </a:r>
+            <a:endParaRPr lang="en-CA" dirty="0"/>
+          </a:p>
+        </p:txBody>
+      </p:sp>
+      <p:sp>
+        <p:nvSpPr>
+          <p:cNvPr id="3" name="Content Placeholder 2"/>
+          <p:cNvSpPr>
+            <a:spLocks noGrp="1"/>
+          </p:cNvSpPr>
+          <p:nvPr>
+            <p:ph sz="quarter" idx="10"/>
+          </p:nvPr>
+        </p:nvSpPr>
+        <p:spPr/>
+        <p:txBody>
+          <a:bodyPr/>
+          <a:lstStyle/>
+          <a:p>
+            <a:r>
+              <a:rPr lang="pl-PL" dirty="0" smtClean="0"/>
+              <a:t>Maximum robustness</a:t>
+            </a:r>
+            <a:endParaRPr lang="en-CA" dirty="0"/>
+          </a:p>
+        </p:txBody>
+      </p:sp>
+      <p:sp>
+        <p:nvSpPr>
+          <p:cNvPr id="4" name="Content Placeholder 3"/>
+          <p:cNvSpPr>
+            <a:spLocks noGrp="1"/>
+          </p:cNvSpPr>
+          <p:nvPr>
+            <p:ph sz="quarter" idx="11"/>
+          </p:nvPr>
+        </p:nvSpPr>
+        <p:spPr/>
+        <p:txBody>
+          <a:bodyPr/>
+          <a:lstStyle/>
+          <a:p>
+            <a:r>
+              <a:rPr lang="pl-PL" sz="2800" dirty="0" smtClean="0"/>
+              <a:t>Need to compile against every CPU</a:t>
+            </a:r>
+            <a:endParaRPr lang="en-CA" sz="2800" dirty="0"/>
+          </a:p>
+        </p:txBody>
+      </p:sp>
+      <p:sp>
+        <p:nvSpPr>
+          <p:cNvPr id="5" name="Content Placeholder 4"/>
+          <p:cNvSpPr>
+            <a:spLocks noGrp="1"/>
+          </p:cNvSpPr>
+          <p:nvPr>
+            <p:ph sz="quarter" idx="12"/>
+          </p:nvPr>
+        </p:nvSpPr>
+        <p:spPr/>
+        <p:txBody>
+          <a:bodyPr/>
+          <a:lstStyle/>
+          <a:p>
+            <a:endParaRPr lang="en-CA"/>
+          </a:p>
+        </p:txBody>
+      </p:sp>
+      <p:sp>
+        <p:nvSpPr>
+          <p:cNvPr id="6" name="Content Placeholder 5"/>
+          <p:cNvSpPr>
+            <a:spLocks noGrp="1"/>
+          </p:cNvSpPr>
+          <p:nvPr>
+            <p:ph sz="quarter" idx="13"/>
+          </p:nvPr>
+        </p:nvSpPr>
+        <p:spPr/>
+        <p:txBody>
+          <a:bodyPr/>
+          <a:lstStyle/>
+          <a:p>
+            <a:endParaRPr lang="en-CA"/>
+          </a:p>
+        </p:txBody>
+      </p:sp>
+      <p:sp>
+        <p:nvSpPr>
+          <p:cNvPr id="7" name="Content Placeholder 6"/>
+          <p:cNvSpPr>
+            <a:spLocks noGrp="1"/>
+          </p:cNvSpPr>
+          <p:nvPr>
+            <p:ph sz="quarter" idx="14"/>
+          </p:nvPr>
+        </p:nvSpPr>
+        <p:spPr/>
+        <p:txBody>
+          <a:bodyPr/>
+          <a:lstStyle/>
+          <a:p>
+            <a:endParaRPr lang="en-CA"/>
+          </a:p>
+        </p:txBody>
+      </p:sp>
+      <p:sp>
+        <p:nvSpPr>
+          <p:cNvPr id="8" name="Content Placeholder 7"/>
+          <p:cNvSpPr>
+            <a:spLocks noGrp="1"/>
+          </p:cNvSpPr>
+          <p:nvPr>
+            <p:ph sz="quarter" idx="15"/>
+          </p:nvPr>
+        </p:nvSpPr>
+        <p:spPr/>
+        <p:txBody>
+          <a:bodyPr/>
+          <a:lstStyle/>
+          <a:p>
+            <a:endParaRPr lang="en-CA"/>
+          </a:p>
+        </p:txBody>
+      </p:sp>
+    </p:spTree>
+    <p:extLst>
+      <p:ext uri="{BB962C8B-B14F-4D97-AF65-F5344CB8AC3E}">
+        <p14:creationId xmlns:p14="http://schemas.microsoft.com/office/powerpoint/2010/main" val="2218388963"/>
+      </p:ext>
+    </p:extLst>
+  </p:cSld>
+  <p:clrMapOvr>
+    <a:masterClrMapping/>
+  </p:clrMapOvr>
+  <mc:AlternateContent xmlns:mc="http://schemas.openxmlformats.org/markup-compatibility/2006" xmlns:p14="http://schemas.microsoft.com/office/powerpoint/2010/main">
+    <mc:Choice Requires="p14">
+      <p:transition spd="slow" p14:dur="2000"/>
+    </mc:Choice>
+    <mc:Fallback xmlns="">
+      <p:transition spd="slow"/>
+    </mc:Fallback>
+  </mc:AlternateContent>
+  <p:timing>
+    <p:tnLst>
+      <p:par>
+        <p:cTn id="1" dur="indefinite" restart="never" nodeType="tmRoot"/>
+      </p:par>
+    </p:tnLst>
+  </p:timing>
+</p:sld>
+</file>
+
+<file path=ppt/slides/slide11.xml><?xml version="1.0" encoding="utf-8"?>
+<p:sld xmlns:a="http://schemas.openxmlformats.org/drawingml/2006/main" xmlns:r="http://schemas.openxmlformats.org/officeDocument/2006/relationships" xmlns:p="http://schemas.openxmlformats.org/presentationml/2006/main">
+  <p:cSld>
+    <p:spTree>
+      <p:nvGrpSpPr>
+        <p:cNvPr id="1" name=""/>
+        <p:cNvGrpSpPr/>
+        <p:nvPr/>
+      </p:nvGrpSpPr>
+      <p:grpSpPr>
+        <a:xfrm>
+          <a:off x="0" y="0"/>
+          <a:ext cx="0" cy="0"/>
+          <a:chOff x="0" y="0"/>
+          <a:chExt cx="0" cy="0"/>
+        </a:xfrm>
+      </p:grpSpPr>
+      <p:sp>
+        <p:nvSpPr>
+          <p:cNvPr id="2" name="Content Placeholder 1"/>
+          <p:cNvSpPr>
+            <a:spLocks noGrp="1"/>
+          </p:cNvSpPr>
+          <p:nvPr>
+            <p:ph idx="1"/>
+          </p:nvPr>
+        </p:nvSpPr>
+        <p:spPr/>
+        <p:txBody>
+          <a:bodyPr/>
+          <a:lstStyle/>
+          <a:p>
+            <a:endParaRPr lang="en-CA"/>
+          </a:p>
+        </p:txBody>
+      </p:sp>
+      <p:sp>
+        <p:nvSpPr>
+          <p:cNvPr id="3" name="Title 2"/>
+          <p:cNvSpPr>
+            <a:spLocks noGrp="1"/>
+          </p:cNvSpPr>
+          <p:nvPr>
+            <p:ph type="title"/>
+          </p:nvPr>
+        </p:nvSpPr>
+        <p:spPr/>
+        <p:txBody>
+          <a:bodyPr/>
+          <a:lstStyle/>
+          <a:p>
+            <a:r>
+              <a:rPr lang="pl-PL" dirty="0" smtClean="0"/>
+              <a:t>Interpretation</a:t>
+            </a:r>
+            <a:endParaRPr lang="en-CA" dirty="0"/>
+          </a:p>
+        </p:txBody>
+      </p:sp>
+      <p:pic>
+        <p:nvPicPr>
+          <p:cNvPr id="2050" name="Picture 2"/>
+          <p:cNvPicPr>
+            <a:picLocks noChangeAspect="1" noChangeArrowheads="1"/>
+          </p:cNvPicPr>
+          <p:nvPr/>
+        </p:nvPicPr>
+        <p:blipFill>
+          <a:blip r:embed="rId2">
+            <a:extLst>
+              <a:ext uri="{28A0092B-C50C-407E-A947-70E740481C1C}">
+                <a14:useLocalDpi xmlns:a14="http://schemas.microsoft.com/office/drawing/2010/main" val="0"/>
+              </a:ext>
+            </a:extLst>
+          </a:blip>
+          <a:srcRect/>
+          <a:stretch>
+            <a:fillRect/>
+          </a:stretch>
+        </p:blipFill>
+        <p:spPr bwMode="auto">
+          <a:xfrm>
+            <a:off x="2771800" y="260648"/>
+            <a:ext cx="5480050" cy="5949950"/>
+          </a:xfrm>
+          <a:prstGeom prst="rect">
+            <a:avLst/>
+          </a:prstGeom>
+          <a:noFill/>
+          <a:ln>
+            <a:noFill/>
+          </a:ln>
+          <a:effectLst/>
+          <a:extLst>
+            <a:ext uri="{909E8E84-426E-40DD-AFC4-6F175D3DCCD1}">
+              <a14:hiddenFill xmlns:a14="http://schemas.microsoft.com/office/drawing/2010/main">
+                <a:solidFill>
+                  <a:schemeClr val="accent1"/>
+                </a:solidFill>
+              </a14:hiddenFill>
+            </a:ext>
+            <a:ext uri="{91240B29-F687-4F45-9708-019B960494DF}">
+              <a14:hiddenLine xmlns:a14="http://schemas.microsoft.com/office/drawing/2010/main" w="9525">
+                <a:solidFill>
+                  <a:schemeClr val="tx1"/>
+                </a:solidFill>
+                <a:miter lim="800000"/>
+                <a:headEnd/>
+                <a:tailEnd/>
+              </a14:hiddenLine>
+            </a:ext>
+            <a:ext uri="{AF507438-7753-43E0-B8FC-AC1667EBCBE1}">
+              <a14:hiddenEffects xmlns:a14="http://schemas.microsoft.com/office/drawing/2010/main">
+                <a:effectLst>
+                  <a:outerShdw dist="35921" dir="2700000" algn="ctr" rotWithShape="0">
+                    <a:schemeClr val="bg2"/>
+                  </a:outerShdw>
+                </a:effectLst>
+              </a14:hiddenEffects>
+            </a:ext>
+          </a:extLst>
+        </p:spPr>
+      </p:pic>
+    </p:spTree>
+    <p:extLst>
+      <p:ext uri="{BB962C8B-B14F-4D97-AF65-F5344CB8AC3E}">
+        <p14:creationId xmlns:p14="http://schemas.microsoft.com/office/powerpoint/2010/main" val="3453233015"/>
+      </p:ext>
+    </p:extLst>
+  </p:cSld>
+  <p:clrMapOvr>
+    <a:masterClrMapping/>
+  </p:clrMapOvr>
+  <mc:AlternateContent xmlns:mc="http://schemas.openxmlformats.org/markup-compatibility/2006" xmlns:p14="http://schemas.microsoft.com/office/powerpoint/2010/main">
+    <mc:Choice Requires="p14">
+      <p:transition spd="slow" p14:dur="2000"/>
+    </mc:Choice>
+    <mc:Fallback xmlns="">
+      <p:transition spd="slow"/>
+    </mc:Fallback>
+  </mc:AlternateContent>
+  <p:timing>
+    <p:tnLst>
+      <p:par>
+        <p:cTn id="1" dur="indefinite" restart="never" nodeType="tmRoot"/>
+      </p:par>
+    </p:tnLst>
+  </p:timing>
+</p:sld>
+</file>
+
+<file path=ppt/slides/slide12.xml><?xml version="1.0" encoding="utf-8"?>
+<p:sld xmlns:a="http://schemas.openxmlformats.org/drawingml/2006/main" xmlns:r="http://schemas.openxmlformats.org/officeDocument/2006/relationships" xmlns:p="http://schemas.openxmlformats.org/presentationml/2006/main">
+  <p:cSld>
+    <p:spTree>
+      <p:nvGrpSpPr>
+        <p:cNvPr id="1" name=""/>
+        <p:cNvGrpSpPr/>
+        <p:nvPr/>
+      </p:nvGrpSpPr>
+      <p:grpSpPr>
+        <a:xfrm>
+          <a:off x="0" y="0"/>
+          <a:ext cx="0" cy="0"/>
+          <a:chOff x="0" y="0"/>
+          <a:chExt cx="0" cy="0"/>
+        </a:xfrm>
+      </p:grpSpPr>
+      <p:sp>
+        <p:nvSpPr>
+          <p:cNvPr id="2" name="Title 1"/>
+          <p:cNvSpPr>
+            <a:spLocks noGrp="1"/>
+          </p:cNvSpPr>
+          <p:nvPr>
+            <p:ph type="title"/>
+          </p:nvPr>
+        </p:nvSpPr>
+        <p:spPr/>
+        <p:txBody>
+          <a:bodyPr/>
+          <a:lstStyle/>
+          <a:p>
+            <a:r>
+              <a:rPr lang="pl-PL" dirty="0" smtClean="0"/>
+              <a:t>Interpretation</a:t>
+            </a:r>
+            <a:endParaRPr lang="en-CA" dirty="0"/>
+          </a:p>
+        </p:txBody>
+      </p:sp>
+      <p:sp>
+        <p:nvSpPr>
+          <p:cNvPr id="3" name="Content Placeholder 2"/>
+          <p:cNvSpPr>
+            <a:spLocks noGrp="1"/>
+          </p:cNvSpPr>
+          <p:nvPr>
+            <p:ph sz="quarter" idx="10"/>
+          </p:nvPr>
+        </p:nvSpPr>
+        <p:spPr/>
+        <p:txBody>
+          <a:bodyPr/>
+          <a:lstStyle/>
+          <a:p>
+            <a:r>
+              <a:rPr lang="pl-PL" dirty="0" smtClean="0"/>
+              <a:t>Poor efficiency</a:t>
+            </a:r>
+            <a:endParaRPr lang="en-CA" dirty="0"/>
+          </a:p>
+        </p:txBody>
+      </p:sp>
+      <p:sp>
+        <p:nvSpPr>
+          <p:cNvPr id="4" name="Content Placeholder 3"/>
+          <p:cNvSpPr>
+            <a:spLocks noGrp="1"/>
+          </p:cNvSpPr>
+          <p:nvPr>
+            <p:ph sz="quarter" idx="11"/>
+          </p:nvPr>
+        </p:nvSpPr>
+        <p:spPr/>
+        <p:txBody>
+          <a:bodyPr/>
+          <a:lstStyle/>
+          <a:p>
+            <a:r>
+              <a:rPr lang="pl-PL" sz="2800" dirty="0" smtClean="0"/>
+              <a:t>Need to have an interpreter for every OS/CPU</a:t>
+            </a:r>
+            <a:endParaRPr lang="en-CA" sz="2800" dirty="0"/>
+          </a:p>
+        </p:txBody>
+      </p:sp>
+      <p:sp>
+        <p:nvSpPr>
+          <p:cNvPr id="5" name="Content Placeholder 4"/>
+          <p:cNvSpPr>
+            <a:spLocks noGrp="1"/>
+          </p:cNvSpPr>
+          <p:nvPr>
+            <p:ph sz="quarter" idx="12"/>
+          </p:nvPr>
+        </p:nvSpPr>
+        <p:spPr/>
+        <p:txBody>
+          <a:bodyPr/>
+          <a:lstStyle/>
+          <a:p>
+            <a:r>
+              <a:rPr lang="pl-PL" dirty="0" smtClean="0"/>
+              <a:t>Everyone can see the code</a:t>
+            </a:r>
+            <a:endParaRPr lang="en-CA" dirty="0"/>
+          </a:p>
+        </p:txBody>
+      </p:sp>
+      <p:sp>
+        <p:nvSpPr>
+          <p:cNvPr id="6" name="Content Placeholder 5"/>
+          <p:cNvSpPr>
+            <a:spLocks noGrp="1"/>
+          </p:cNvSpPr>
+          <p:nvPr>
+            <p:ph sz="quarter" idx="13"/>
+          </p:nvPr>
+        </p:nvSpPr>
+        <p:spPr/>
+        <p:txBody>
+          <a:bodyPr/>
+          <a:lstStyle/>
+          <a:p>
+            <a:endParaRPr lang="en-CA"/>
+          </a:p>
+        </p:txBody>
+      </p:sp>
+      <p:sp>
+        <p:nvSpPr>
+          <p:cNvPr id="7" name="Content Placeholder 6"/>
+          <p:cNvSpPr>
+            <a:spLocks noGrp="1"/>
+          </p:cNvSpPr>
+          <p:nvPr>
+            <p:ph sz="quarter" idx="14"/>
+          </p:nvPr>
+        </p:nvSpPr>
+        <p:spPr/>
+        <p:txBody>
+          <a:bodyPr/>
+          <a:lstStyle/>
+          <a:p>
+            <a:endParaRPr lang="en-CA"/>
+          </a:p>
+        </p:txBody>
+      </p:sp>
+      <p:sp>
+        <p:nvSpPr>
+          <p:cNvPr id="8" name="Content Placeholder 7"/>
+          <p:cNvSpPr>
+            <a:spLocks noGrp="1"/>
+          </p:cNvSpPr>
+          <p:nvPr>
+            <p:ph sz="quarter" idx="15"/>
+          </p:nvPr>
+        </p:nvSpPr>
+        <p:spPr/>
+        <p:txBody>
+          <a:bodyPr/>
+          <a:lstStyle/>
+          <a:p>
+            <a:r>
+              <a:rPr lang="pl-PL" dirty="0" smtClean="0"/>
+              <a:t>No need to recompile</a:t>
+            </a:r>
+            <a:endParaRPr lang="en-CA" dirty="0"/>
+          </a:p>
+        </p:txBody>
+      </p:sp>
+    </p:spTree>
+    <p:extLst>
+      <p:ext uri="{BB962C8B-B14F-4D97-AF65-F5344CB8AC3E}">
+        <p14:creationId xmlns:p14="http://schemas.microsoft.com/office/powerpoint/2010/main" val="1303240382"/>
+      </p:ext>
+    </p:extLst>
+  </p:cSld>
+  <p:clrMapOvr>
+    <a:masterClrMapping/>
+  </p:clrMapOvr>
+  <mc:AlternateContent xmlns:mc="http://schemas.openxmlformats.org/markup-compatibility/2006" xmlns:p14="http://schemas.microsoft.com/office/powerpoint/2010/main">
+    <mc:Choice Requires="p14">
+      <p:transition spd="slow" p14:dur="2000"/>
+    </mc:Choice>
+    <mc:Fallback xmlns="">
+      <p:transition spd="slow"/>
+    </mc:Fallback>
+  </mc:AlternateContent>
+  <p:timing>
+    <p:tnLst>
+      <p:par>
+        <p:cTn id="1" dur="indefinite" restart="never" nodeType="tmRoot"/>
+      </p:par>
+    </p:tnLst>
+  </p:timing>
+</p:sld>
+</file>
+
+<file path=ppt/slides/slide13.xml><?xml version="1.0" encoding="utf-8"?>
+<p:sld xmlns:a="http://schemas.openxmlformats.org/drawingml/2006/main" xmlns:r="http://schemas.openxmlformats.org/officeDocument/2006/relationships" xmlns:p="http://schemas.openxmlformats.org/presentationml/2006/main">
+  <p:cSld>
+    <p:spTree>
+      <p:nvGrpSpPr>
+        <p:cNvPr id="1" name=""/>
+        <p:cNvGrpSpPr/>
+        <p:nvPr/>
+      </p:nvGrpSpPr>
+      <p:grpSpPr>
+        <a:xfrm>
+          <a:off x="0" y="0"/>
+          <a:ext cx="0" cy="0"/>
+          <a:chOff x="0" y="0"/>
+          <a:chExt cx="0" cy="0"/>
+        </a:xfrm>
+      </p:grpSpPr>
+      <p:sp>
+        <p:nvSpPr>
+          <p:cNvPr id="2" name="Content Placeholder 1"/>
+          <p:cNvSpPr>
+            <a:spLocks noGrp="1"/>
+          </p:cNvSpPr>
+          <p:nvPr>
+            <p:ph idx="1"/>
+          </p:nvPr>
+        </p:nvSpPr>
+        <p:spPr/>
+        <p:txBody>
+          <a:bodyPr/>
+          <a:lstStyle/>
+          <a:p>
+            <a:endParaRPr lang="en-CA"/>
+          </a:p>
+        </p:txBody>
+      </p:sp>
+      <p:sp>
+        <p:nvSpPr>
+          <p:cNvPr id="3" name="Title 2"/>
+          <p:cNvSpPr>
+            <a:spLocks noGrp="1"/>
+          </p:cNvSpPr>
+          <p:nvPr>
+            <p:ph type="title"/>
+          </p:nvPr>
+        </p:nvSpPr>
+        <p:spPr/>
+        <p:txBody>
+          <a:bodyPr/>
+          <a:lstStyle/>
+          <a:p>
+            <a:r>
+              <a:rPr lang="pl-PL" dirty="0" smtClean="0"/>
+              <a:t>Virtual machine</a:t>
+            </a:r>
+            <a:endParaRPr lang="en-CA" dirty="0"/>
+          </a:p>
+        </p:txBody>
+      </p:sp>
+      <p:pic>
+        <p:nvPicPr>
+          <p:cNvPr id="3074" name="Picture 2"/>
+          <p:cNvPicPr>
+            <a:picLocks noChangeAspect="1" noChangeArrowheads="1"/>
+          </p:cNvPicPr>
+          <p:nvPr/>
+        </p:nvPicPr>
+        <p:blipFill>
+          <a:blip r:embed="rId2">
+            <a:extLst>
+              <a:ext uri="{28A0092B-C50C-407E-A947-70E740481C1C}">
+                <a14:useLocalDpi xmlns:a14="http://schemas.microsoft.com/office/drawing/2010/main" val="0"/>
+              </a:ext>
+            </a:extLst>
+          </a:blip>
+          <a:srcRect/>
+          <a:stretch>
+            <a:fillRect/>
+          </a:stretch>
+        </p:blipFill>
+        <p:spPr bwMode="auto">
+          <a:xfrm>
+            <a:off x="3203848" y="375775"/>
+            <a:ext cx="5251450" cy="6089650"/>
+          </a:xfrm>
+          <a:prstGeom prst="rect">
+            <a:avLst/>
+          </a:prstGeom>
+          <a:noFill/>
+          <a:ln>
+            <a:noFill/>
+          </a:ln>
+          <a:effectLst/>
+          <a:extLst>
+            <a:ext uri="{909E8E84-426E-40DD-AFC4-6F175D3DCCD1}">
+              <a14:hiddenFill xmlns:a14="http://schemas.microsoft.com/office/drawing/2010/main">
+                <a:solidFill>
+                  <a:schemeClr val="accent1"/>
+                </a:solidFill>
+              </a14:hiddenFill>
+            </a:ext>
+            <a:ext uri="{91240B29-F687-4F45-9708-019B960494DF}">
+              <a14:hiddenLine xmlns:a14="http://schemas.microsoft.com/office/drawing/2010/main" w="9525">
+                <a:solidFill>
+                  <a:schemeClr val="tx1"/>
+                </a:solidFill>
+                <a:miter lim="800000"/>
+                <a:headEnd/>
+                <a:tailEnd/>
+              </a14:hiddenLine>
+            </a:ext>
+            <a:ext uri="{AF507438-7753-43E0-B8FC-AC1667EBCBE1}">
+              <a14:hiddenEffects xmlns:a14="http://schemas.microsoft.com/office/drawing/2010/main">
+                <a:effectLst>
+                  <a:outerShdw dist="35921" dir="2700000" algn="ctr" rotWithShape="0">
+                    <a:schemeClr val="bg2"/>
+                  </a:outerShdw>
+                </a:effectLst>
+              </a14:hiddenEffects>
+            </a:ext>
+          </a:extLst>
+        </p:spPr>
+      </p:pic>
+    </p:spTree>
+    <p:extLst>
+      <p:ext uri="{BB962C8B-B14F-4D97-AF65-F5344CB8AC3E}">
+        <p14:creationId xmlns:p14="http://schemas.microsoft.com/office/powerpoint/2010/main" val="2196679366"/>
+      </p:ext>
+    </p:extLst>
+  </p:cSld>
+  <p:clrMapOvr>
+    <a:masterClrMapping/>
+  </p:clrMapOvr>
+  <mc:AlternateContent xmlns:mc="http://schemas.openxmlformats.org/markup-compatibility/2006" xmlns:p14="http://schemas.microsoft.com/office/powerpoint/2010/main">
+    <mc:Choice Requires="p14">
+      <p:transition spd="slow" p14:dur="2000"/>
+    </mc:Choice>
+    <mc:Fallback xmlns="">
+      <p:transition spd="slow"/>
+    </mc:Fallback>
+  </mc:AlternateContent>
+  <p:timing>
+    <p:tnLst>
+      <p:par>
+        <p:cTn id="1" dur="indefinite" restart="never" nodeType="tmRoot"/>
+      </p:par>
+    </p:tnLst>
+  </p:timing>
+</p:sld>
+</file>
+
+<file path=ppt/slides/slide14.xml><?xml version="1.0" encoding="utf-8"?>
+<p:sld xmlns:a="http://schemas.openxmlformats.org/drawingml/2006/main" xmlns:r="http://schemas.openxmlformats.org/officeDocument/2006/relationships" xmlns:p="http://schemas.openxmlformats.org/presentationml/2006/main">
+  <p:cSld>
+    <p:spTree>
+      <p:nvGrpSpPr>
+        <p:cNvPr id="1" name=""/>
+        <p:cNvGrpSpPr/>
+        <p:nvPr/>
+      </p:nvGrpSpPr>
+      <p:grpSpPr>
+        <a:xfrm>
+          <a:off x="0" y="0"/>
+          <a:ext cx="0" cy="0"/>
+          <a:chOff x="0" y="0"/>
+          <a:chExt cx="0" cy="0"/>
+        </a:xfrm>
+      </p:grpSpPr>
+      <p:sp>
+        <p:nvSpPr>
+          <p:cNvPr id="2" name="Title 1"/>
+          <p:cNvSpPr>
+            <a:spLocks noGrp="1"/>
+          </p:cNvSpPr>
+          <p:nvPr>
+            <p:ph type="title"/>
+          </p:nvPr>
+        </p:nvSpPr>
+        <p:spPr/>
+        <p:txBody>
+          <a:bodyPr/>
+          <a:lstStyle/>
+          <a:p>
+            <a:r>
+              <a:rPr lang="pl-PL" dirty="0" smtClean="0"/>
+              <a:t>Virtual machine</a:t>
+            </a:r>
+            <a:endParaRPr lang="en-CA" dirty="0"/>
+          </a:p>
+        </p:txBody>
+      </p:sp>
+      <p:sp>
+        <p:nvSpPr>
+          <p:cNvPr id="3" name="Content Placeholder 2"/>
+          <p:cNvSpPr>
+            <a:spLocks noGrp="1"/>
+          </p:cNvSpPr>
+          <p:nvPr>
+            <p:ph sz="quarter" idx="10"/>
+          </p:nvPr>
+        </p:nvSpPr>
+        <p:spPr/>
+        <p:txBody>
+          <a:bodyPr/>
+          <a:lstStyle/>
+          <a:p>
+            <a:r>
+              <a:rPr lang="pl-PL" dirty="0" smtClean="0"/>
+              <a:t>Medium efficiency</a:t>
+            </a:r>
+            <a:endParaRPr lang="en-CA" dirty="0"/>
+          </a:p>
+        </p:txBody>
+      </p:sp>
+      <p:sp>
+        <p:nvSpPr>
+          <p:cNvPr id="4" name="Content Placeholder 3"/>
+          <p:cNvSpPr>
+            <a:spLocks noGrp="1"/>
+          </p:cNvSpPr>
+          <p:nvPr>
+            <p:ph sz="quarter" idx="11"/>
+          </p:nvPr>
+        </p:nvSpPr>
+        <p:spPr/>
+        <p:txBody>
+          <a:bodyPr/>
+          <a:lstStyle/>
+          <a:p>
+            <a:r>
+              <a:rPr lang="pl-PL" dirty="0" smtClean="0"/>
+              <a:t>Compile once – to bytecode</a:t>
+            </a:r>
+            <a:endParaRPr lang="en-CA" dirty="0"/>
+          </a:p>
+        </p:txBody>
+      </p:sp>
+      <p:sp>
+        <p:nvSpPr>
+          <p:cNvPr id="5" name="Content Placeholder 4"/>
+          <p:cNvSpPr>
+            <a:spLocks noGrp="1"/>
+          </p:cNvSpPr>
+          <p:nvPr>
+            <p:ph sz="quarter" idx="12"/>
+          </p:nvPr>
+        </p:nvSpPr>
+        <p:spPr/>
+        <p:txBody>
+          <a:bodyPr/>
+          <a:lstStyle/>
+          <a:p>
+            <a:r>
+              <a:rPr lang="pl-PL" sz="2800" dirty="0" smtClean="0"/>
+              <a:t>Need to have a VM for every OS/CPU</a:t>
+            </a:r>
+            <a:endParaRPr lang="en-CA" sz="2800" dirty="0"/>
+          </a:p>
+        </p:txBody>
+      </p:sp>
+      <p:sp>
+        <p:nvSpPr>
+          <p:cNvPr id="6" name="Content Placeholder 5"/>
+          <p:cNvSpPr>
+            <a:spLocks noGrp="1"/>
+          </p:cNvSpPr>
+          <p:nvPr>
+            <p:ph sz="quarter" idx="13"/>
+          </p:nvPr>
+        </p:nvSpPr>
+        <p:spPr/>
+        <p:txBody>
+          <a:bodyPr/>
+          <a:lstStyle/>
+          <a:p>
+            <a:endParaRPr lang="en-CA"/>
+          </a:p>
+        </p:txBody>
+      </p:sp>
+      <p:sp>
+        <p:nvSpPr>
+          <p:cNvPr id="7" name="Content Placeholder 6"/>
+          <p:cNvSpPr>
+            <a:spLocks noGrp="1"/>
+          </p:cNvSpPr>
+          <p:nvPr>
+            <p:ph sz="quarter" idx="14"/>
+          </p:nvPr>
+        </p:nvSpPr>
+        <p:spPr/>
+        <p:txBody>
+          <a:bodyPr/>
+          <a:lstStyle/>
+          <a:p>
+            <a:endParaRPr lang="en-CA"/>
+          </a:p>
+        </p:txBody>
+      </p:sp>
+      <p:sp>
+        <p:nvSpPr>
+          <p:cNvPr id="8" name="Content Placeholder 7"/>
+          <p:cNvSpPr>
+            <a:spLocks noGrp="1"/>
+          </p:cNvSpPr>
+          <p:nvPr>
+            <p:ph sz="quarter" idx="15"/>
+          </p:nvPr>
+        </p:nvSpPr>
+        <p:spPr/>
+        <p:txBody>
+          <a:bodyPr/>
+          <a:lstStyle/>
+          <a:p>
+            <a:endParaRPr lang="en-CA"/>
+          </a:p>
+        </p:txBody>
+      </p:sp>
+    </p:spTree>
+    <p:extLst>
+      <p:ext uri="{BB962C8B-B14F-4D97-AF65-F5344CB8AC3E}">
+        <p14:creationId xmlns:p14="http://schemas.microsoft.com/office/powerpoint/2010/main" val="3500397157"/>
+      </p:ext>
+    </p:extLst>
+  </p:cSld>
+  <p:clrMapOvr>
+    <a:masterClrMapping/>
+  </p:clrMapOvr>
+  <mc:AlternateContent xmlns:mc="http://schemas.openxmlformats.org/markup-compatibility/2006" xmlns:p14="http://schemas.microsoft.com/office/powerpoint/2010/main">
+    <mc:Choice Requires="p14">
+      <p:transition spd="slow" p14:dur="2000"/>
+    </mc:Choice>
+    <mc:Fallback xmlns="">
+      <p:transition spd="slow"/>
+    </mc:Fallback>
+  </mc:AlternateContent>
+  <p:timing>
+    <p:tnLst>
+      <p:par>
+        <p:cTn id="1" dur="indefinite" restart="never" nodeType="tmRoot"/>
+      </p:par>
+    </p:tnLst>
+  </p:timing>
+</p:sld>
+</file>
+
+<file path=ppt/slides/slide15.xml><?xml version="1.0" encoding="utf-8"?>
+<p:sld xmlns:a="http://schemas.openxmlformats.org/drawingml/2006/main" xmlns:r="http://schemas.openxmlformats.org/officeDocument/2006/relationships" xmlns:p="http://schemas.openxmlformats.org/presentationml/2006/main">
+  <p:cSld>
+    <p:spTree>
+      <p:nvGrpSpPr>
+        <p:cNvPr id="1" name=""/>
+        <p:cNvGrpSpPr/>
+        <p:nvPr/>
+      </p:nvGrpSpPr>
+      <p:grpSpPr>
+        <a:xfrm>
+          <a:off x="0" y="0"/>
+          <a:ext cx="0" cy="0"/>
+          <a:chOff x="0" y="0"/>
+          <a:chExt cx="0" cy="0"/>
+        </a:xfrm>
+      </p:grpSpPr>
+      <p:sp>
+        <p:nvSpPr>
+          <p:cNvPr id="2" name="Content Placeholder 1"/>
+          <p:cNvSpPr>
+            <a:spLocks noGrp="1"/>
+          </p:cNvSpPr>
+          <p:nvPr>
+            <p:ph idx="1"/>
+          </p:nvPr>
+        </p:nvSpPr>
+        <p:spPr/>
+        <p:txBody>
+          <a:bodyPr/>
+          <a:lstStyle/>
+          <a:p>
+            <a:endParaRPr lang="en-CA"/>
+          </a:p>
+        </p:txBody>
+      </p:sp>
+      <p:sp>
+        <p:nvSpPr>
+          <p:cNvPr id="3" name="Title 2"/>
+          <p:cNvSpPr>
+            <a:spLocks noGrp="1"/>
+          </p:cNvSpPr>
+          <p:nvPr>
+            <p:ph type="title"/>
+          </p:nvPr>
+        </p:nvSpPr>
+        <p:spPr/>
+        <p:txBody>
+          <a:bodyPr/>
+          <a:lstStyle/>
+          <a:p>
+            <a:r>
+              <a:rPr lang="pl-PL" dirty="0" smtClean="0"/>
+              <a:t>The Web</a:t>
+            </a:r>
+            <a:endParaRPr lang="en-CA" dirty="0"/>
+          </a:p>
+        </p:txBody>
+      </p:sp>
+    </p:spTree>
+    <p:extLst>
+      <p:ext uri="{BB962C8B-B14F-4D97-AF65-F5344CB8AC3E}">
+        <p14:creationId xmlns:p14="http://schemas.microsoft.com/office/powerpoint/2010/main" val="3171373418"/>
+      </p:ext>
+    </p:extLst>
+  </p:cSld>
+  <p:clrMapOvr>
+    <a:masterClrMapping/>
+  </p:clrMapOvr>
+  <mc:AlternateContent xmlns:mc="http://schemas.openxmlformats.org/markup-compatibility/2006" xmlns:p14="http://schemas.microsoft.com/office/powerpoint/2010/main">
+    <mc:Choice Requires="p14">
+      <p:transition spd="slow" p14:dur="2000"/>
+    </mc:Choice>
+    <mc:Fallback xmlns="">
+      <p:transition spd="slow"/>
+    </mc:Fallback>
+  </mc:AlternateContent>
+  <p:timing>
+    <p:tnLst>
+      <p:par>
+        <p:cTn id="1" dur="indefinite" restart="never" nodeType="tmRoot"/>
+      </p:par>
+    </p:tnLst>
+  </p:timing>
+</p:sld>
+</file>
+
+<file path=ppt/slides/slide16.xml><?xml version="1.0" encoding="utf-8"?>
+<p:sld xmlns:a="http://schemas.openxmlformats.org/drawingml/2006/main" xmlns:r="http://schemas.openxmlformats.org/officeDocument/2006/relationships" xmlns:p="http://schemas.openxmlformats.org/presentationml/2006/main">
+  <p:cSld>
+    <p:spTree>
+      <p:nvGrpSpPr>
+        <p:cNvPr id="1" name=""/>
+        <p:cNvGrpSpPr/>
+        <p:nvPr/>
+      </p:nvGrpSpPr>
+      <p:grpSpPr>
+        <a:xfrm>
+          <a:off x="0" y="0"/>
+          <a:ext cx="0" cy="0"/>
+          <a:chOff x="0" y="0"/>
+          <a:chExt cx="0" cy="0"/>
+        </a:xfrm>
+      </p:grpSpPr>
+      <p:graphicFrame>
+        <p:nvGraphicFramePr>
+          <p:cNvPr id="4" name="Content Placeholder 3"/>
+          <p:cNvGraphicFramePr>
+            <a:graphicFrameLocks noGrp="1"/>
+          </p:cNvGraphicFramePr>
+          <p:nvPr>
+            <p:ph idx="1"/>
+            <p:extLst>
+              <p:ext uri="{D42A27DB-BD31-4B8C-83A1-F6EECF244321}">
+                <p14:modId xmlns:p14="http://schemas.microsoft.com/office/powerpoint/2010/main" val="1990084663"/>
+              </p:ext>
+            </p:extLst>
+          </p:nvPr>
+        </p:nvGraphicFramePr>
+        <p:xfrm>
+          <a:off x="468313" y="1628775"/>
+          <a:ext cx="8229600" cy="4525963"/>
+        </p:xfrm>
+        <a:graphic>
+          <a:graphicData uri="http://schemas.openxmlformats.org/drawingml/2006/diagram">
+            <dgm:relIds xmlns:dgm="http://schemas.openxmlformats.org/drawingml/2006/diagram" xmlns:r="http://schemas.openxmlformats.org/officeDocument/2006/relationships" r:dm="rId2" r:lo="rId3" r:qs="rId4" r:cs="rId5"/>
+          </a:graphicData>
+        </a:graphic>
+      </p:graphicFrame>
+      <p:sp>
+        <p:nvSpPr>
+          <p:cNvPr id="3" name="Title 2"/>
+          <p:cNvSpPr>
+            <a:spLocks noGrp="1"/>
+          </p:cNvSpPr>
+          <p:nvPr>
+            <p:ph type="title"/>
+          </p:nvPr>
+        </p:nvSpPr>
+        <p:spPr/>
+        <p:txBody>
+          <a:bodyPr/>
+          <a:lstStyle/>
+          <a:p>
+            <a:r>
+              <a:rPr lang="pl-PL" dirty="0" smtClean="0"/>
+              <a:t>Web request</a:t>
+            </a:r>
+            <a:endParaRPr lang="en-CA" dirty="0"/>
+          </a:p>
+        </p:txBody>
+      </p:sp>
+    </p:spTree>
+    <p:extLst>
+      <p:ext uri="{BB962C8B-B14F-4D97-AF65-F5344CB8AC3E}">
+        <p14:creationId xmlns:p14="http://schemas.microsoft.com/office/powerpoint/2010/main" val="4277795857"/>
+      </p:ext>
+    </p:extLst>
+  </p:cSld>
+  <p:clrMapOvr>
+    <a:masterClrMapping/>
+  </p:clrMapOvr>
+  <mc:AlternateContent xmlns:mc="http://schemas.openxmlformats.org/markup-compatibility/2006" xmlns:p14="http://schemas.microsoft.com/office/powerpoint/2010/main">
+    <mc:Choice Requires="p14">
+      <p:transition spd="slow" p14:dur="2000"/>
+    </mc:Choice>
+    <mc:Fallback xmlns="">
+      <p:transition spd="slow"/>
+    </mc:Fallback>
+  </mc:AlternateContent>
   <p:timing>
     <p:tnLst>
       <p:par>
@@ -8425,7 +13517,7 @@
           <a:p>
             <a:r>
               <a:rPr lang="pl-PL" dirty="0" smtClean="0"/>
-              <a:t>Why do we program?</a:t>
+              <a:t>Programming in general</a:t>
             </a:r>
             <a:endParaRPr lang="en-CA" dirty="0"/>
           </a:p>
@@ -8527,6 +13619,925 @@
     <p:extLst>
       <p:ext uri="{BB962C8B-B14F-4D97-AF65-F5344CB8AC3E}">
         <p14:creationId xmlns:p14="http://schemas.microsoft.com/office/powerpoint/2010/main" val="1702833156"/>
+      </p:ext>
+    </p:extLst>
+  </p:cSld>
+  <p:clrMapOvr>
+    <a:masterClrMapping/>
+  </p:clrMapOvr>
+  <mc:AlternateContent xmlns:mc="http://schemas.openxmlformats.org/markup-compatibility/2006" xmlns:p14="http://schemas.microsoft.com/office/powerpoint/2010/main">
+    <mc:Choice Requires="p14">
+      <p:transition spd="slow" p14:dur="2000"/>
+    </mc:Choice>
+    <mc:Fallback xmlns="">
+      <p:transition spd="slow"/>
+    </mc:Fallback>
+  </mc:AlternateContent>
+  <p:timing>
+    <p:tnLst>
+      <p:par>
+        <p:cTn id="1" dur="indefinite" restart="never" nodeType="tmRoot"/>
+      </p:par>
+    </p:tnLst>
+  </p:timing>
+</p:sld>
+</file>
+
+<file path=ppt/slides/slide4.xml><?xml version="1.0" encoding="utf-8"?>
+<p:sld xmlns:a="http://schemas.openxmlformats.org/drawingml/2006/main" xmlns:r="http://schemas.openxmlformats.org/officeDocument/2006/relationships" xmlns:p="http://schemas.openxmlformats.org/presentationml/2006/main">
+  <p:cSld>
+    <p:spTree>
+      <p:nvGrpSpPr>
+        <p:cNvPr id="1" name=""/>
+        <p:cNvGrpSpPr/>
+        <p:nvPr/>
+      </p:nvGrpSpPr>
+      <p:grpSpPr>
+        <a:xfrm>
+          <a:off x="0" y="0"/>
+          <a:ext cx="0" cy="0"/>
+          <a:chOff x="0" y="0"/>
+          <a:chExt cx="0" cy="0"/>
+        </a:xfrm>
+      </p:grpSpPr>
+      <p:sp>
+        <p:nvSpPr>
+          <p:cNvPr id="2" name="Content Placeholder 1"/>
+          <p:cNvSpPr>
+            <a:spLocks noGrp="1"/>
+          </p:cNvSpPr>
+          <p:nvPr>
+            <p:ph idx="1"/>
+          </p:nvPr>
+        </p:nvSpPr>
+        <p:spPr/>
+        <p:txBody>
+          <a:bodyPr/>
+          <a:lstStyle/>
+          <a:p>
+            <a:endParaRPr lang="en-CA"/>
+          </a:p>
+        </p:txBody>
+      </p:sp>
+      <p:sp>
+        <p:nvSpPr>
+          <p:cNvPr id="3" name="Title 2"/>
+          <p:cNvSpPr>
+            <a:spLocks noGrp="1"/>
+          </p:cNvSpPr>
+          <p:nvPr>
+            <p:ph type="title"/>
+          </p:nvPr>
+        </p:nvSpPr>
+        <p:spPr/>
+        <p:txBody>
+          <a:bodyPr/>
+          <a:lstStyle/>
+          <a:p>
+            <a:r>
+              <a:rPr lang="pl-PL" dirty="0" smtClean="0"/>
+              <a:t>Programming in general</a:t>
+            </a:r>
+            <a:endParaRPr lang="en-CA" dirty="0"/>
+          </a:p>
+        </p:txBody>
+      </p:sp>
+    </p:spTree>
+    <p:extLst>
+      <p:ext uri="{BB962C8B-B14F-4D97-AF65-F5344CB8AC3E}">
+        <p14:creationId xmlns:p14="http://schemas.microsoft.com/office/powerpoint/2010/main" val="2208567433"/>
+      </p:ext>
+    </p:extLst>
+  </p:cSld>
+  <p:clrMapOvr>
+    <a:masterClrMapping/>
+  </p:clrMapOvr>
+  <mc:AlternateContent xmlns:mc="http://schemas.openxmlformats.org/markup-compatibility/2006" xmlns:p14="http://schemas.microsoft.com/office/powerpoint/2010/main">
+    <mc:Choice Requires="p14">
+      <p:transition spd="slow" p14:dur="2000"/>
+    </mc:Choice>
+    <mc:Fallback xmlns="">
+      <p:transition spd="slow"/>
+    </mc:Fallback>
+  </mc:AlternateContent>
+  <p:timing>
+    <p:tnLst>
+      <p:par>
+        <p:cTn id="1" dur="indefinite" restart="never" nodeType="tmRoot"/>
+      </p:par>
+    </p:tnLst>
+  </p:timing>
+</p:sld>
+</file>
+
+<file path=ppt/slides/slide5.xml><?xml version="1.0" encoding="utf-8"?>
+<p:sld xmlns:a="http://schemas.openxmlformats.org/drawingml/2006/main" xmlns:r="http://schemas.openxmlformats.org/officeDocument/2006/relationships" xmlns:p="http://schemas.openxmlformats.org/presentationml/2006/main">
+  <p:cSld>
+    <p:spTree>
+      <p:nvGrpSpPr>
+        <p:cNvPr id="1" name=""/>
+        <p:cNvGrpSpPr/>
+        <p:nvPr/>
+      </p:nvGrpSpPr>
+      <p:grpSpPr>
+        <a:xfrm>
+          <a:off x="0" y="0"/>
+          <a:ext cx="0" cy="0"/>
+          <a:chOff x="0" y="0"/>
+          <a:chExt cx="0" cy="0"/>
+        </a:xfrm>
+      </p:grpSpPr>
+      <p:sp>
+        <p:nvSpPr>
+          <p:cNvPr id="2" name="Title 1"/>
+          <p:cNvSpPr>
+            <a:spLocks noGrp="1"/>
+          </p:cNvSpPr>
+          <p:nvPr>
+            <p:ph type="title"/>
+          </p:nvPr>
+        </p:nvSpPr>
+        <p:spPr/>
+        <p:txBody>
+          <a:bodyPr/>
+          <a:lstStyle/>
+          <a:p>
+            <a:r>
+              <a:rPr lang="pl-PL" dirty="0" smtClean="0"/>
+              <a:t>What can we achieve?</a:t>
+            </a:r>
+            <a:endParaRPr lang="en-CA" dirty="0"/>
+          </a:p>
+        </p:txBody>
+      </p:sp>
+      <p:sp>
+        <p:nvSpPr>
+          <p:cNvPr id="3" name="Content Placeholder 2"/>
+          <p:cNvSpPr>
+            <a:spLocks noGrp="1"/>
+          </p:cNvSpPr>
+          <p:nvPr>
+            <p:ph sz="quarter" idx="10"/>
+          </p:nvPr>
+        </p:nvSpPr>
+        <p:spPr/>
+        <p:txBody>
+          <a:bodyPr/>
+          <a:lstStyle/>
+          <a:p>
+            <a:r>
+              <a:rPr lang="pl-PL" dirty="0" smtClean="0"/>
+              <a:t>Build application no-one’s built</a:t>
+            </a:r>
+            <a:endParaRPr lang="en-CA" dirty="0"/>
+          </a:p>
+        </p:txBody>
+      </p:sp>
+      <p:sp>
+        <p:nvSpPr>
+          <p:cNvPr id="4" name="Content Placeholder 3"/>
+          <p:cNvSpPr>
+            <a:spLocks noGrp="1"/>
+          </p:cNvSpPr>
+          <p:nvPr>
+            <p:ph sz="quarter" idx="11"/>
+          </p:nvPr>
+        </p:nvSpPr>
+        <p:spPr/>
+        <p:txBody>
+          <a:bodyPr/>
+          <a:lstStyle/>
+          <a:p>
+            <a:r>
+              <a:rPr lang="pl-PL" dirty="0" smtClean="0"/>
+              <a:t>Modify existing app’s behaviour</a:t>
+            </a:r>
+            <a:endParaRPr lang="en-CA" dirty="0"/>
+          </a:p>
+        </p:txBody>
+      </p:sp>
+      <p:sp>
+        <p:nvSpPr>
+          <p:cNvPr id="5" name="Content Placeholder 4"/>
+          <p:cNvSpPr>
+            <a:spLocks noGrp="1"/>
+          </p:cNvSpPr>
+          <p:nvPr>
+            <p:ph sz="quarter" idx="12"/>
+          </p:nvPr>
+        </p:nvSpPr>
+        <p:spPr/>
+        <p:txBody>
+          <a:bodyPr/>
+          <a:lstStyle/>
+          <a:p>
+            <a:r>
+              <a:rPr lang="pl-PL" dirty="0" smtClean="0"/>
+              <a:t>Consume any data</a:t>
+            </a:r>
+            <a:endParaRPr lang="en-CA" dirty="0"/>
+          </a:p>
+        </p:txBody>
+      </p:sp>
+      <p:sp>
+        <p:nvSpPr>
+          <p:cNvPr id="6" name="Content Placeholder 5"/>
+          <p:cNvSpPr>
+            <a:spLocks noGrp="1"/>
+          </p:cNvSpPr>
+          <p:nvPr>
+            <p:ph sz="quarter" idx="13"/>
+          </p:nvPr>
+        </p:nvSpPr>
+        <p:spPr/>
+        <p:txBody>
+          <a:bodyPr/>
+          <a:lstStyle/>
+          <a:p>
+            <a:r>
+              <a:rPr lang="pl-PL" dirty="0" smtClean="0"/>
+              <a:t>Fun!</a:t>
+            </a:r>
+            <a:endParaRPr lang="en-CA" dirty="0"/>
+          </a:p>
+        </p:txBody>
+      </p:sp>
+      <p:sp>
+        <p:nvSpPr>
+          <p:cNvPr id="7" name="Content Placeholder 6"/>
+          <p:cNvSpPr>
+            <a:spLocks noGrp="1"/>
+          </p:cNvSpPr>
+          <p:nvPr>
+            <p:ph sz="quarter" idx="14"/>
+          </p:nvPr>
+        </p:nvSpPr>
+        <p:spPr/>
+        <p:txBody>
+          <a:bodyPr/>
+          <a:lstStyle/>
+          <a:p>
+            <a:endParaRPr lang="en-CA"/>
+          </a:p>
+        </p:txBody>
+      </p:sp>
+      <p:sp>
+        <p:nvSpPr>
+          <p:cNvPr id="8" name="Content Placeholder 7"/>
+          <p:cNvSpPr>
+            <a:spLocks noGrp="1"/>
+          </p:cNvSpPr>
+          <p:nvPr>
+            <p:ph sz="quarter" idx="15"/>
+          </p:nvPr>
+        </p:nvSpPr>
+        <p:spPr/>
+        <p:txBody>
+          <a:bodyPr/>
+          <a:lstStyle/>
+          <a:p>
+            <a:r>
+              <a:rPr lang="pl-PL" dirty="0" smtClean="0"/>
+              <a:t>Make your life easier</a:t>
+            </a:r>
+            <a:endParaRPr lang="en-CA" dirty="0"/>
+          </a:p>
+        </p:txBody>
+      </p:sp>
+    </p:spTree>
+    <p:extLst>
+      <p:ext uri="{BB962C8B-B14F-4D97-AF65-F5344CB8AC3E}">
+        <p14:creationId xmlns:p14="http://schemas.microsoft.com/office/powerpoint/2010/main" val="2941189170"/>
+      </p:ext>
+    </p:extLst>
+  </p:cSld>
+  <p:clrMapOvr>
+    <a:masterClrMapping/>
+  </p:clrMapOvr>
+  <mc:AlternateContent xmlns:mc="http://schemas.openxmlformats.org/markup-compatibility/2006" xmlns:p14="http://schemas.microsoft.com/office/powerpoint/2010/main">
+    <mc:Choice Requires="p14">
+      <p:transition spd="slow" p14:dur="2000"/>
+    </mc:Choice>
+    <mc:Fallback xmlns="">
+      <p:transition spd="slow"/>
+    </mc:Fallback>
+  </mc:AlternateContent>
+  <p:timing>
+    <p:tnLst>
+      <p:par>
+        <p:cTn id="1" dur="indefinite" restart="never" nodeType="tmRoot"/>
+      </p:par>
+    </p:tnLst>
+  </p:timing>
+</p:sld>
+</file>
+
+<file path=ppt/slides/slide6.xml><?xml version="1.0" encoding="utf-8"?>
+<p:sld xmlns:a="http://schemas.openxmlformats.org/drawingml/2006/main" xmlns:r="http://schemas.openxmlformats.org/officeDocument/2006/relationships" xmlns:p="http://schemas.openxmlformats.org/presentationml/2006/main">
+  <p:cSld>
+    <p:spTree>
+      <p:nvGrpSpPr>
+        <p:cNvPr id="1" name=""/>
+        <p:cNvGrpSpPr/>
+        <p:nvPr/>
+      </p:nvGrpSpPr>
+      <p:grpSpPr>
+        <a:xfrm>
+          <a:off x="0" y="0"/>
+          <a:ext cx="0" cy="0"/>
+          <a:chOff x="0" y="0"/>
+          <a:chExt cx="0" cy="0"/>
+        </a:xfrm>
+      </p:grpSpPr>
+      <p:sp>
+        <p:nvSpPr>
+          <p:cNvPr id="2" name="Title 1"/>
+          <p:cNvSpPr>
+            <a:spLocks noGrp="1"/>
+          </p:cNvSpPr>
+          <p:nvPr>
+            <p:ph type="title"/>
+          </p:nvPr>
+        </p:nvSpPr>
+        <p:spPr/>
+        <p:txBody>
+          <a:bodyPr/>
+          <a:lstStyle/>
+          <a:p>
+            <a:r>
+              <a:rPr lang="pl-PL" dirty="0" smtClean="0"/>
+              <a:t>Different kind of applications</a:t>
+            </a:r>
+            <a:endParaRPr lang="en-CA" dirty="0"/>
+          </a:p>
+        </p:txBody>
+      </p:sp>
+      <p:sp>
+        <p:nvSpPr>
+          <p:cNvPr id="3" name="Content Placeholder 2"/>
+          <p:cNvSpPr>
+            <a:spLocks noGrp="1"/>
+          </p:cNvSpPr>
+          <p:nvPr>
+            <p:ph sz="quarter" idx="10"/>
+          </p:nvPr>
+        </p:nvSpPr>
+        <p:spPr/>
+        <p:txBody>
+          <a:bodyPr/>
+          <a:lstStyle/>
+          <a:p>
+            <a:r>
+              <a:rPr lang="pl-PL" dirty="0" smtClean="0"/>
+              <a:t>Desktop applications</a:t>
+            </a:r>
+            <a:endParaRPr lang="en-CA" dirty="0"/>
+          </a:p>
+        </p:txBody>
+      </p:sp>
+      <p:sp>
+        <p:nvSpPr>
+          <p:cNvPr id="4" name="Content Placeholder 3"/>
+          <p:cNvSpPr>
+            <a:spLocks noGrp="1"/>
+          </p:cNvSpPr>
+          <p:nvPr>
+            <p:ph sz="quarter" idx="11"/>
+          </p:nvPr>
+        </p:nvSpPr>
+        <p:spPr/>
+        <p:txBody>
+          <a:bodyPr/>
+          <a:lstStyle/>
+          <a:p>
+            <a:r>
+              <a:rPr lang="pl-PL" dirty="0" smtClean="0"/>
+              <a:t>Web applications</a:t>
+            </a:r>
+            <a:endParaRPr lang="en-CA" dirty="0"/>
+          </a:p>
+        </p:txBody>
+      </p:sp>
+      <p:sp>
+        <p:nvSpPr>
+          <p:cNvPr id="5" name="Content Placeholder 4"/>
+          <p:cNvSpPr>
+            <a:spLocks noGrp="1"/>
+          </p:cNvSpPr>
+          <p:nvPr>
+            <p:ph sz="quarter" idx="12"/>
+          </p:nvPr>
+        </p:nvSpPr>
+        <p:spPr/>
+        <p:txBody>
+          <a:bodyPr/>
+          <a:lstStyle/>
+          <a:p>
+            <a:r>
+              <a:rPr lang="pl-PL" dirty="0" smtClean="0"/>
+              <a:t>Mobile applications</a:t>
+            </a:r>
+            <a:endParaRPr lang="en-CA" dirty="0"/>
+          </a:p>
+        </p:txBody>
+      </p:sp>
+      <p:sp>
+        <p:nvSpPr>
+          <p:cNvPr id="6" name="Content Placeholder 5"/>
+          <p:cNvSpPr>
+            <a:spLocks noGrp="1"/>
+          </p:cNvSpPr>
+          <p:nvPr>
+            <p:ph sz="quarter" idx="13"/>
+          </p:nvPr>
+        </p:nvSpPr>
+        <p:spPr/>
+        <p:txBody>
+          <a:bodyPr/>
+          <a:lstStyle/>
+          <a:p>
+            <a:endParaRPr lang="en-CA"/>
+          </a:p>
+        </p:txBody>
+      </p:sp>
+      <p:sp>
+        <p:nvSpPr>
+          <p:cNvPr id="7" name="Content Placeholder 6"/>
+          <p:cNvSpPr>
+            <a:spLocks noGrp="1"/>
+          </p:cNvSpPr>
+          <p:nvPr>
+            <p:ph sz="quarter" idx="14"/>
+          </p:nvPr>
+        </p:nvSpPr>
+        <p:spPr/>
+        <p:txBody>
+          <a:bodyPr/>
+          <a:lstStyle/>
+          <a:p>
+            <a:endParaRPr lang="en-CA"/>
+          </a:p>
+        </p:txBody>
+      </p:sp>
+      <p:sp>
+        <p:nvSpPr>
+          <p:cNvPr id="8" name="Content Placeholder 7"/>
+          <p:cNvSpPr>
+            <a:spLocks noGrp="1"/>
+          </p:cNvSpPr>
+          <p:nvPr>
+            <p:ph sz="quarter" idx="15"/>
+          </p:nvPr>
+        </p:nvSpPr>
+        <p:spPr/>
+        <p:txBody>
+          <a:bodyPr/>
+          <a:lstStyle/>
+          <a:p>
+            <a:r>
+              <a:rPr lang="pl-PL" dirty="0" smtClean="0"/>
+              <a:t>Embedded applications</a:t>
+            </a:r>
+            <a:endParaRPr lang="en-CA" dirty="0"/>
+          </a:p>
+        </p:txBody>
+      </p:sp>
+    </p:spTree>
+    <p:extLst>
+      <p:ext uri="{BB962C8B-B14F-4D97-AF65-F5344CB8AC3E}">
+        <p14:creationId xmlns:p14="http://schemas.microsoft.com/office/powerpoint/2010/main" val="2580214785"/>
+      </p:ext>
+    </p:extLst>
+  </p:cSld>
+  <p:clrMapOvr>
+    <a:masterClrMapping/>
+  </p:clrMapOvr>
+  <mc:AlternateContent xmlns:mc="http://schemas.openxmlformats.org/markup-compatibility/2006" xmlns:p14="http://schemas.microsoft.com/office/powerpoint/2010/main">
+    <mc:Choice Requires="p14">
+      <p:transition spd="slow" p14:dur="2000"/>
+    </mc:Choice>
+    <mc:Fallback xmlns="">
+      <p:transition spd="slow"/>
+    </mc:Fallback>
+  </mc:AlternateContent>
+  <p:timing>
+    <p:tnLst>
+      <p:par>
+        <p:cTn id="1" dur="indefinite" restart="never" nodeType="tmRoot"/>
+      </p:par>
+    </p:tnLst>
+  </p:timing>
+</p:sld>
+</file>
+
+<file path=ppt/slides/slide7.xml><?xml version="1.0" encoding="utf-8"?>
+<p:sld xmlns:a="http://schemas.openxmlformats.org/drawingml/2006/main" xmlns:r="http://schemas.openxmlformats.org/officeDocument/2006/relationships" xmlns:p="http://schemas.openxmlformats.org/presentationml/2006/main">
+  <p:cSld>
+    <p:spTree>
+      <p:nvGrpSpPr>
+        <p:cNvPr id="1" name=""/>
+        <p:cNvGrpSpPr/>
+        <p:nvPr/>
+      </p:nvGrpSpPr>
+      <p:grpSpPr>
+        <a:xfrm>
+          <a:off x="0" y="0"/>
+          <a:ext cx="0" cy="0"/>
+          <a:chOff x="0" y="0"/>
+          <a:chExt cx="0" cy="0"/>
+        </a:xfrm>
+      </p:grpSpPr>
+      <p:sp>
+        <p:nvSpPr>
+          <p:cNvPr id="2" name="Content Placeholder 1"/>
+          <p:cNvSpPr>
+            <a:spLocks noGrp="1"/>
+          </p:cNvSpPr>
+          <p:nvPr>
+            <p:ph idx="1"/>
+          </p:nvPr>
+        </p:nvSpPr>
+        <p:spPr/>
+        <p:txBody>
+          <a:bodyPr/>
+          <a:lstStyle/>
+          <a:p>
+            <a:endParaRPr lang="en-CA"/>
+          </a:p>
+        </p:txBody>
+      </p:sp>
+      <p:sp>
+        <p:nvSpPr>
+          <p:cNvPr id="3" name="Title 2"/>
+          <p:cNvSpPr>
+            <a:spLocks noGrp="1"/>
+          </p:cNvSpPr>
+          <p:nvPr>
+            <p:ph type="title"/>
+          </p:nvPr>
+        </p:nvSpPr>
+        <p:spPr/>
+        <p:txBody>
+          <a:bodyPr/>
+          <a:lstStyle/>
+          <a:p>
+            <a:r>
+              <a:rPr lang="pl-PL" dirty="0" smtClean="0"/>
+              <a:t>Technologies and languages</a:t>
+            </a:r>
+            <a:endParaRPr lang="en-CA" dirty="0"/>
+          </a:p>
+        </p:txBody>
+      </p:sp>
+    </p:spTree>
+    <p:extLst>
+      <p:ext uri="{BB962C8B-B14F-4D97-AF65-F5344CB8AC3E}">
+        <p14:creationId xmlns:p14="http://schemas.microsoft.com/office/powerpoint/2010/main" val="710407706"/>
+      </p:ext>
+    </p:extLst>
+  </p:cSld>
+  <p:clrMapOvr>
+    <a:masterClrMapping/>
+  </p:clrMapOvr>
+  <mc:AlternateContent xmlns:mc="http://schemas.openxmlformats.org/markup-compatibility/2006" xmlns:p14="http://schemas.microsoft.com/office/powerpoint/2010/main">
+    <mc:Choice Requires="p14">
+      <p:transition spd="slow" p14:dur="2000"/>
+    </mc:Choice>
+    <mc:Fallback xmlns="">
+      <p:transition spd="slow"/>
+    </mc:Fallback>
+  </mc:AlternateContent>
+  <p:timing>
+    <p:tnLst>
+      <p:par>
+        <p:cTn id="1" dur="indefinite" restart="never" nodeType="tmRoot"/>
+      </p:par>
+    </p:tnLst>
+  </p:timing>
+</p:sld>
+</file>
+
+<file path=ppt/slides/slide8.xml><?xml version="1.0" encoding="utf-8"?>
+<p:sld xmlns:a="http://schemas.openxmlformats.org/drawingml/2006/main" xmlns:r="http://schemas.openxmlformats.org/officeDocument/2006/relationships" xmlns:p="http://schemas.openxmlformats.org/presentationml/2006/main">
+  <p:cSld>
+    <p:spTree>
+      <p:nvGrpSpPr>
+        <p:cNvPr id="1" name=""/>
+        <p:cNvGrpSpPr/>
+        <p:nvPr/>
+      </p:nvGrpSpPr>
+      <p:grpSpPr>
+        <a:xfrm>
+          <a:off x="0" y="0"/>
+          <a:ext cx="0" cy="0"/>
+          <a:chOff x="0" y="0"/>
+          <a:chExt cx="0" cy="0"/>
+        </a:xfrm>
+      </p:grpSpPr>
+      <p:sp>
+        <p:nvSpPr>
+          <p:cNvPr id="2" name="Title 1"/>
+          <p:cNvSpPr>
+            <a:spLocks noGrp="1"/>
+          </p:cNvSpPr>
+          <p:nvPr>
+            <p:ph type="title"/>
+          </p:nvPr>
+        </p:nvSpPr>
+        <p:spPr/>
+        <p:txBody>
+          <a:bodyPr/>
+          <a:lstStyle/>
+          <a:p>
+            <a:r>
+              <a:rPr lang="pl-PL" dirty="0" smtClean="0"/>
+              <a:t>What does a computer do?</a:t>
+            </a:r>
+            <a:endParaRPr lang="en-CA" dirty="0"/>
+          </a:p>
+        </p:txBody>
+      </p:sp>
+      <p:sp>
+        <p:nvSpPr>
+          <p:cNvPr id="3" name="Content Placeholder 2"/>
+          <p:cNvSpPr>
+            <a:spLocks noGrp="1"/>
+          </p:cNvSpPr>
+          <p:nvPr>
+            <p:ph sz="quarter" idx="10"/>
+          </p:nvPr>
+        </p:nvSpPr>
+        <p:spPr/>
+        <p:txBody>
+          <a:bodyPr/>
+          <a:lstStyle/>
+          <a:p>
+            <a:r>
+              <a:rPr lang="pl-PL" sz="2800" dirty="0" smtClean="0"/>
+              <a:t>Computer programs are text documents</a:t>
+            </a:r>
+            <a:endParaRPr lang="en-CA" sz="2800" dirty="0"/>
+          </a:p>
+        </p:txBody>
+      </p:sp>
+      <p:sp>
+        <p:nvSpPr>
+          <p:cNvPr id="4" name="Content Placeholder 3"/>
+          <p:cNvSpPr>
+            <a:spLocks noGrp="1"/>
+          </p:cNvSpPr>
+          <p:nvPr>
+            <p:ph sz="quarter" idx="11"/>
+          </p:nvPr>
+        </p:nvSpPr>
+        <p:spPr/>
+        <p:txBody>
+          <a:bodyPr/>
+          <a:lstStyle/>
+          <a:p>
+            <a:r>
+              <a:rPr lang="pl-PL" sz="2800" dirty="0" smtClean="0"/>
+              <a:t>Programs are executed by a processor (CPU)</a:t>
+            </a:r>
+            <a:endParaRPr lang="en-CA" sz="2800" dirty="0"/>
+          </a:p>
+        </p:txBody>
+      </p:sp>
+      <p:sp>
+        <p:nvSpPr>
+          <p:cNvPr id="5" name="Content Placeholder 4"/>
+          <p:cNvSpPr>
+            <a:spLocks noGrp="1"/>
+          </p:cNvSpPr>
+          <p:nvPr>
+            <p:ph sz="quarter" idx="12"/>
+          </p:nvPr>
+        </p:nvSpPr>
+        <p:spPr/>
+        <p:txBody>
+          <a:bodyPr/>
+          <a:lstStyle/>
+          <a:p>
+            <a:r>
+              <a:rPr lang="pl-PL" dirty="0" smtClean="0"/>
+              <a:t>CPU doesn’t execute text</a:t>
+            </a:r>
+            <a:endParaRPr lang="en-CA" dirty="0"/>
+          </a:p>
+        </p:txBody>
+      </p:sp>
+      <p:sp>
+        <p:nvSpPr>
+          <p:cNvPr id="6" name="Content Placeholder 5"/>
+          <p:cNvSpPr>
+            <a:spLocks noGrp="1"/>
+          </p:cNvSpPr>
+          <p:nvPr>
+            <p:ph sz="quarter" idx="13"/>
+          </p:nvPr>
+        </p:nvSpPr>
+        <p:spPr/>
+        <p:txBody>
+          <a:bodyPr/>
+          <a:lstStyle/>
+          <a:p>
+            <a:endParaRPr lang="en-CA"/>
+          </a:p>
+        </p:txBody>
+      </p:sp>
+      <p:sp>
+        <p:nvSpPr>
+          <p:cNvPr id="7" name="Content Placeholder 6"/>
+          <p:cNvSpPr>
+            <a:spLocks noGrp="1"/>
+          </p:cNvSpPr>
+          <p:nvPr>
+            <p:ph sz="quarter" idx="14"/>
+          </p:nvPr>
+        </p:nvSpPr>
+        <p:spPr/>
+        <p:txBody>
+          <a:bodyPr/>
+          <a:lstStyle/>
+          <a:p>
+            <a:endParaRPr lang="en-CA"/>
+          </a:p>
+        </p:txBody>
+      </p:sp>
+      <p:sp>
+        <p:nvSpPr>
+          <p:cNvPr id="8" name="Content Placeholder 7"/>
+          <p:cNvSpPr>
+            <a:spLocks noGrp="1"/>
+          </p:cNvSpPr>
+          <p:nvPr>
+            <p:ph sz="quarter" idx="15"/>
+          </p:nvPr>
+        </p:nvSpPr>
+        <p:spPr/>
+        <p:txBody>
+          <a:bodyPr/>
+          <a:lstStyle/>
+          <a:p>
+            <a:endParaRPr lang="en-CA" dirty="0"/>
+          </a:p>
+        </p:txBody>
+      </p:sp>
+    </p:spTree>
+    <p:extLst>
+      <p:ext uri="{BB962C8B-B14F-4D97-AF65-F5344CB8AC3E}">
+        <p14:creationId xmlns:p14="http://schemas.microsoft.com/office/powerpoint/2010/main" val="4038324478"/>
+      </p:ext>
+    </p:extLst>
+  </p:cSld>
+  <p:clrMapOvr>
+    <a:masterClrMapping/>
+  </p:clrMapOvr>
+  <mc:AlternateContent xmlns:mc="http://schemas.openxmlformats.org/markup-compatibility/2006" xmlns:p14="http://schemas.microsoft.com/office/powerpoint/2010/main">
+    <mc:Choice Requires="p14">
+      <p:transition spd="slow" p14:dur="2000"/>
+    </mc:Choice>
+    <mc:Fallback xmlns="">
+      <p:transition spd="slow"/>
+    </mc:Fallback>
+  </mc:AlternateContent>
+  <p:timing>
+    <p:tnLst>
+      <p:par>
+        <p:cTn id="1" dur="indefinite" restart="never" nodeType="tmRoot"/>
+      </p:par>
+    </p:tnLst>
+  </p:timing>
+</p:sld>
+</file>
+
+<file path=ppt/slides/slide9.xml><?xml version="1.0" encoding="utf-8"?>
+<p:sld xmlns:a="http://schemas.openxmlformats.org/drawingml/2006/main" xmlns:r="http://schemas.openxmlformats.org/officeDocument/2006/relationships" xmlns:p="http://schemas.openxmlformats.org/presentationml/2006/main">
+  <p:cSld>
+    <p:spTree>
+      <p:nvGrpSpPr>
+        <p:cNvPr id="1" name=""/>
+        <p:cNvGrpSpPr/>
+        <p:nvPr/>
+      </p:nvGrpSpPr>
+      <p:grpSpPr>
+        <a:xfrm>
+          <a:off x="0" y="0"/>
+          <a:ext cx="0" cy="0"/>
+          <a:chOff x="0" y="0"/>
+          <a:chExt cx="0" cy="0"/>
+        </a:xfrm>
+      </p:grpSpPr>
+      <p:sp>
+        <p:nvSpPr>
+          <p:cNvPr id="2" name="Content Placeholder 1"/>
+          <p:cNvSpPr>
+            <a:spLocks noGrp="1"/>
+          </p:cNvSpPr>
+          <p:nvPr>
+            <p:ph idx="1"/>
+          </p:nvPr>
+        </p:nvSpPr>
+        <p:spPr/>
+        <p:txBody>
+          <a:bodyPr/>
+          <a:lstStyle/>
+          <a:p>
+            <a:endParaRPr lang="en-CA" dirty="0"/>
+          </a:p>
+        </p:txBody>
+      </p:sp>
+      <p:sp>
+        <p:nvSpPr>
+          <p:cNvPr id="3" name="Title 2"/>
+          <p:cNvSpPr>
+            <a:spLocks noGrp="1"/>
+          </p:cNvSpPr>
+          <p:nvPr>
+            <p:ph type="title"/>
+          </p:nvPr>
+        </p:nvSpPr>
+        <p:spPr/>
+        <p:txBody>
+          <a:bodyPr/>
+          <a:lstStyle/>
+          <a:p>
+            <a:r>
+              <a:rPr lang="pl-PL" dirty="0" smtClean="0"/>
+              <a:t>Compiling</a:t>
+            </a:r>
+            <a:endParaRPr lang="en-CA" dirty="0"/>
+          </a:p>
+        </p:txBody>
+      </p:sp>
+      <p:pic>
+        <p:nvPicPr>
+          <p:cNvPr id="1028" name="Picture 4"/>
+          <p:cNvPicPr>
+            <a:picLocks noChangeAspect="1" noChangeArrowheads="1"/>
+          </p:cNvPicPr>
+          <p:nvPr/>
+        </p:nvPicPr>
+        <p:blipFill>
+          <a:blip r:embed="rId2">
+            <a:extLst>
+              <a:ext uri="{28A0092B-C50C-407E-A947-70E740481C1C}">
+                <a14:useLocalDpi xmlns:a14="http://schemas.microsoft.com/office/drawing/2010/main" val="0"/>
+              </a:ext>
+            </a:extLst>
+          </a:blip>
+          <a:srcRect/>
+          <a:stretch>
+            <a:fillRect/>
+          </a:stretch>
+        </p:blipFill>
+        <p:spPr bwMode="auto">
+          <a:xfrm>
+            <a:off x="2267744" y="404664"/>
+            <a:ext cx="5283200" cy="5867400"/>
+          </a:xfrm>
+          <a:prstGeom prst="rect">
+            <a:avLst/>
+          </a:prstGeom>
+          <a:noFill/>
+          <a:ln>
+            <a:noFill/>
+          </a:ln>
+          <a:effectLst/>
+          <a:extLst>
+            <a:ext uri="{909E8E84-426E-40DD-AFC4-6F175D3DCCD1}">
+              <a14:hiddenFill xmlns:a14="http://schemas.microsoft.com/office/drawing/2010/main">
+                <a:solidFill>
+                  <a:schemeClr val="accent1"/>
+                </a:solidFill>
+              </a14:hiddenFill>
+            </a:ext>
+            <a:ext uri="{91240B29-F687-4F45-9708-019B960494DF}">
+              <a14:hiddenLine xmlns:a14="http://schemas.microsoft.com/office/drawing/2010/main" w="9525">
+                <a:solidFill>
+                  <a:schemeClr val="tx1"/>
+                </a:solidFill>
+                <a:miter lim="800000"/>
+                <a:headEnd/>
+                <a:tailEnd/>
+              </a14:hiddenLine>
+            </a:ext>
+            <a:ext uri="{AF507438-7753-43E0-B8FC-AC1667EBCBE1}">
+              <a14:hiddenEffects xmlns:a14="http://schemas.microsoft.com/office/drawing/2010/main">
+                <a:effectLst>
+                  <a:outerShdw dist="35921" dir="2700000" algn="ctr" rotWithShape="0">
+                    <a:schemeClr val="bg2"/>
+                  </a:outerShdw>
+                </a:effectLst>
+              </a14:hiddenEffects>
+            </a:ext>
+          </a:extLst>
+        </p:spPr>
+      </p:pic>
+    </p:spTree>
+    <p:extLst>
+      <p:ext uri="{BB962C8B-B14F-4D97-AF65-F5344CB8AC3E}">
+        <p14:creationId xmlns:p14="http://schemas.microsoft.com/office/powerpoint/2010/main" val="3995626755"/>
       </p:ext>
     </p:extLst>
   </p:cSld>
@@ -8834,4 +14845,289 @@
   <a:objectDefaults/>
   <a:extraClrSchemeLst/>
 </a:theme>
+</file>
+
+<file path=ppt/theme/theme2.xml><?xml version="1.0" encoding="utf-8"?>
+<a:theme xmlns:a="http://schemas.openxmlformats.org/drawingml/2006/main" name="Office Theme">
+  <a:themeElements>
+    <a:clrScheme name="Office">
+      <a:dk1>
+        <a:sysClr val="windowText" lastClr="000000"/>
+      </a:dk1>
+      <a:lt1>
+        <a:sysClr val="window" lastClr="FFFFFF"/>
+      </a:lt1>
+      <a:dk2>
+        <a:srgbClr val="1F497D"/>
+      </a:dk2>
+      <a:lt2>
+        <a:srgbClr val="EEECE1"/>
+      </a:lt2>
+      <a:accent1>
+        <a:srgbClr val="4F81BD"/>
+      </a:accent1>
+      <a:accent2>
+        <a:srgbClr val="C0504D"/>
+      </a:accent2>
+      <a:accent3>
+        <a:srgbClr val="9BBB59"/>
+      </a:accent3>
+      <a:accent4>
+        <a:srgbClr val="8064A2"/>
+      </a:accent4>
+      <a:accent5>
+        <a:srgbClr val="4BACC6"/>
+      </a:accent5>
+      <a:accent6>
+        <a:srgbClr val="F79646"/>
+      </a:accent6>
+      <a:hlink>
+        <a:srgbClr val="0000FF"/>
+      </a:hlink>
+      <a:folHlink>
+        <a:srgbClr val="800080"/>
+      </a:folHlink>
+    </a:clrScheme>
+    <a:fontScheme name="Office">
+      <a:majorFont>
+        <a:latin typeface="Calibri"/>
+        <a:ea typeface=""/>
+        <a:cs typeface=""/>
+        <a:font script="Jpan" typeface="ＭＳ Ｐゴシック"/>
+        <a:font script="Hang" typeface="맑은 고딕"/>
+        <a:font script="Hans" typeface="宋体"/>
+        <a:font script="Hant" typeface="新細明體"/>
+        <a:font script="Arab" typeface="Times New Roman"/>
+        <a:font script="Hebr" typeface="Times New Roman"/>
+        <a:font script="Thai" typeface="Angsana New"/>
+        <a:font script="Ethi" typeface="Nyala"/>
+        <a:font script="Beng" typeface="Vrinda"/>
+        <a:font script="Gujr" typeface="Shruti"/>
+        <a:font script="Khmr" typeface="MoolBoran"/>
+        <a:font script="Knda" typeface="Tunga"/>
+        <a:font script="Guru" typeface="Raavi"/>
+        <a:font script="Cans" typeface="Euphemia"/>
+        <a:font script="Cher" typeface="Plantagenet Cherokee"/>
+        <a:font script="Yiii" typeface="Microsoft Yi Baiti"/>
+        <a:font script="Tibt" typeface="Microsoft Himalaya"/>
+        <a:font script="Thaa" typeface="MV Boli"/>
+        <a:font script="Deva" typeface="Mangal"/>
+        <a:font script="Telu" typeface="Gautami"/>
+        <a:font script="Taml" typeface="Latha"/>
+        <a:font script="Syrc" typeface="Estrangelo Edessa"/>
+        <a:font script="Orya" typeface="Kalinga"/>
+        <a:font script="Mlym" typeface="Kartika"/>
+        <a:font script="Laoo" typeface="DokChampa"/>
+        <a:font script="Sinh" typeface="Iskoola Pota"/>
+        <a:font script="Mong" typeface="Mongolian Baiti"/>
+        <a:font script="Viet" typeface="Times New Roman"/>
+        <a:font script="Uigh" typeface="Microsoft Uighur"/>
+        <a:font script="Geor" typeface="Sylfaen"/>
+      </a:majorFont>
+      <a:minorFont>
+        <a:latin typeface="Calibri"/>
+        <a:ea typeface=""/>
+        <a:cs typeface=""/>
+        <a:font script="Jpan" typeface="ＭＳ Ｐゴシック"/>
+        <a:font script="Hang" typeface="맑은 고딕"/>
+        <a:font script="Hans" typeface="宋体"/>
+        <a:font script="Hant" typeface="新細明體"/>
+        <a:font script="Arab" typeface="Arial"/>
+        <a:font script="Hebr" typeface="Arial"/>
+        <a:font script="Thai" typeface="Cordia New"/>
+        <a:font script="Ethi" typeface="Nyala"/>
+        <a:font script="Beng" typeface="Vrinda"/>
+        <a:font script="Gujr" typeface="Shruti"/>
+        <a:font script="Khmr" typeface="DaunPenh"/>
+        <a:font script="Knda" typeface="Tunga"/>
+        <a:font script="Guru" typeface="Raavi"/>
+        <a:font script="Cans" typeface="Euphemia"/>
+        <a:font script="Cher" typeface="Plantagenet Cherokee"/>
+        <a:font script="Yiii" typeface="Microsoft Yi Baiti"/>
+        <a:font script="Tibt" typeface="Microsoft Himalaya"/>
+        <a:font script="Thaa" typeface="MV Boli"/>
+        <a:font script="Deva" typeface="Mangal"/>
+        <a:font script="Telu" typeface="Gautami"/>
+        <a:font script="Taml" typeface="Latha"/>
+        <a:font script="Syrc" typeface="Estrangelo Edessa"/>
+        <a:font script="Orya" typeface="Kalinga"/>
+        <a:font script="Mlym" typeface="Kartika"/>
+        <a:font script="Laoo" typeface="DokChampa"/>
+        <a:font script="Sinh" typeface="Iskoola Pota"/>
+        <a:font script="Mong" typeface="Mongolian Baiti"/>
+        <a:font script="Viet" typeface="Arial"/>
+        <a:font script="Uigh" typeface="Microsoft Uighur"/>
+        <a:font script="Geor" typeface="Sylfaen"/>
+      </a:minorFont>
+    </a:fontScheme>
+    <a:fmtScheme name="Office">
+      <a:fillStyleLst>
+        <a:solidFill>
+          <a:schemeClr val="phClr"/>
+        </a:solidFill>
+        <a:gradFill rotWithShape="1">
+          <a:gsLst>
+            <a:gs pos="0">
+              <a:schemeClr val="phClr">
+                <a:tint val="50000"/>
+                <a:satMod val="300000"/>
+              </a:schemeClr>
+            </a:gs>
+            <a:gs pos="35000">
+              <a:schemeClr val="phClr">
+                <a:tint val="37000"/>
+                <a:satMod val="300000"/>
+              </a:schemeClr>
+            </a:gs>
+            <a:gs pos="100000">
+              <a:schemeClr val="phClr">
+                <a:tint val="15000"/>
+                <a:satMod val="350000"/>
+              </a:schemeClr>
+            </a:gs>
+          </a:gsLst>
+          <a:lin ang="16200000" scaled="1"/>
+        </a:gradFill>
+        <a:gradFill rotWithShape="1">
+          <a:gsLst>
+            <a:gs pos="0">
+              <a:schemeClr val="phClr">
+                <a:shade val="51000"/>
+                <a:satMod val="130000"/>
+              </a:schemeClr>
+            </a:gs>
+            <a:gs pos="80000">
+              <a:schemeClr val="phClr">
+                <a:shade val="93000"/>
+                <a:satMod val="130000"/>
+              </a:schemeClr>
+            </a:gs>
+            <a:gs pos="100000">
+              <a:schemeClr val="phClr">
+                <a:shade val="94000"/>
+                <a:satMod val="135000"/>
+              </a:schemeClr>
+            </a:gs>
+          </a:gsLst>
+          <a:lin ang="16200000" scaled="0"/>
+        </a:gradFill>
+      </a:fillStyleLst>
+      <a:lnStyleLst>
+        <a:ln w="9525" cap="flat" cmpd="sng" algn="ctr">
+          <a:solidFill>
+            <a:schemeClr val="phClr">
+              <a:shade val="95000"/>
+              <a:satMod val="105000"/>
+            </a:schemeClr>
+          </a:solidFill>
+          <a:prstDash val="solid"/>
+        </a:ln>
+        <a:ln w="25400" cap="flat" cmpd="sng" algn="ctr">
+          <a:solidFill>
+            <a:schemeClr val="phClr"/>
+          </a:solidFill>
+          <a:prstDash val="solid"/>
+        </a:ln>
+        <a:ln w="38100" cap="flat" cmpd="sng" algn="ctr">
+          <a:solidFill>
+            <a:schemeClr val="phClr"/>
+          </a:solidFill>
+          <a:prstDash val="solid"/>
+        </a:ln>
+      </a:lnStyleLst>
+      <a:effectStyleLst>
+        <a:effectStyle>
+          <a:effectLst>
+            <a:outerShdw blurRad="40000" dist="20000" dir="5400000" rotWithShape="0">
+              <a:srgbClr val="000000">
+                <a:alpha val="38000"/>
+              </a:srgbClr>
+            </a:outerShdw>
+          </a:effectLst>
+        </a:effectStyle>
+        <a:effectStyle>
+          <a:effectLst>
+            <a:outerShdw blurRad="40000" dist="23000" dir="5400000" rotWithShape="0">
+              <a:srgbClr val="000000">
+                <a:alpha val="35000"/>
+              </a:srgbClr>
+            </a:outerShdw>
+          </a:effectLst>
+        </a:effectStyle>
+        <a:effectStyle>
+          <a:effectLst>
+            <a:outerShdw blurRad="40000" dist="23000" dir="5400000" rotWithShape="0">
+              <a:srgbClr val="000000">
+                <a:alpha val="35000"/>
+              </a:srgbClr>
+            </a:outerShdw>
+          </a:effectLst>
+          <a:scene3d>
+            <a:camera prst="orthographicFront">
+              <a:rot lat="0" lon="0" rev="0"/>
+            </a:camera>
+            <a:lightRig rig="threePt" dir="t">
+              <a:rot lat="0" lon="0" rev="1200000"/>
+            </a:lightRig>
+          </a:scene3d>
+          <a:sp3d>
+            <a:bevelT w="63500" h="25400"/>
+          </a:sp3d>
+        </a:effectStyle>
+      </a:effectStyleLst>
+      <a:bgFillStyleLst>
+        <a:solidFill>
+          <a:schemeClr val="phClr"/>
+        </a:solidFill>
+        <a:gradFill rotWithShape="1">
+          <a:gsLst>
+            <a:gs pos="0">
+              <a:schemeClr val="phClr">
+                <a:tint val="40000"/>
+                <a:satMod val="350000"/>
+              </a:schemeClr>
+            </a:gs>
+            <a:gs pos="40000">
+              <a:schemeClr val="phClr">
+                <a:tint val="45000"/>
+                <a:shade val="99000"/>
+                <a:satMod val="350000"/>
+              </a:schemeClr>
+            </a:gs>
+            <a:gs pos="100000">
+              <a:schemeClr val="phClr">
+                <a:shade val="20000"/>
+                <a:satMod val="255000"/>
+              </a:schemeClr>
+            </a:gs>
+          </a:gsLst>
+          <a:path path="circle">
+            <a:fillToRect l="50000" t="-80000" r="50000" b="180000"/>
+          </a:path>
+        </a:gradFill>
+        <a:gradFill rotWithShape="1">
+          <a:gsLst>
+            <a:gs pos="0">
+              <a:schemeClr val="phClr">
+                <a:tint val="80000"/>
+                <a:satMod val="300000"/>
+              </a:schemeClr>
+            </a:gs>
+            <a:gs pos="100000">
+              <a:schemeClr val="phClr">
+                <a:shade val="30000"/>
+                <a:satMod val="200000"/>
+              </a:schemeClr>
+            </a:gs>
+          </a:gsLst>
+          <a:path path="circle">
+            <a:fillToRect l="50000" t="50000" r="50000" b="50000"/>
+          </a:path>
+        </a:gradFill>
+      </a:bgFillStyleLst>
+    </a:fmtScheme>
+  </a:themeElements>
+  <a:objectDefaults/>
+  <a:extraClrSchemeLst/>
+</a:theme>
 </file>
--- a/Programming Made Easy.pptx
+++ b/Programming Made Easy.pptx
@@ -5,7 +5,7 @@
     <p:sldMasterId id="2147483660" r:id="rId1"/>
   </p:sldMasterIdLst>
   <p:notesMasterIdLst>
-    <p:notesMasterId r:id="rId18"/>
+    <p:notesMasterId r:id="rId19"/>
   </p:notesMasterIdLst>
   <p:sldIdLst>
     <p:sldId id="256" r:id="rId2"/>
@@ -22,8 +22,9 @@
     <p:sldId id="268" r:id="rId13"/>
     <p:sldId id="269" r:id="rId14"/>
     <p:sldId id="270" r:id="rId15"/>
-    <p:sldId id="271" r:id="rId16"/>
-    <p:sldId id="273" r:id="rId17"/>
+    <p:sldId id="273" r:id="rId16"/>
+    <p:sldId id="274" r:id="rId17"/>
+    <p:sldId id="275" r:id="rId18"/>
   </p:sldIdLst>
   <p:sldSz cx="9144000" cy="6858000" type="screen4x3"/>
   <p:notesSz cx="6858000" cy="9144000"/>
@@ -4004,6 +4005,20 @@
             <a:r>
               <a:rPr lang="pl-PL" baseline="0" dirty="0" smtClean="0"/>
               <a:t>Web application – works on a server side, presented to a user by a browser. Usually OS and browser agnostic. Sometimes use technology that requires specific OS/browser. Example: Flash doesn’t work on iOS. Silverlight has no official and current implementation for Linux (works on Windows and Mac only)</a:t>
+            </a:r>
+          </a:p>
+          <a:p>
+            <a:r>
+              <a:rPr lang="pl-PL" dirty="0" smtClean="0"/>
+              <a:t>Embedded applications – robotic rovers, washing</a:t>
+            </a:r>
+            <a:r>
+              <a:rPr lang="pl-PL" baseline="0" dirty="0" smtClean="0"/>
+              <a:t> machines, </a:t>
+            </a:r>
+            <a:r>
+              <a:rPr lang="pl-PL" baseline="0" smtClean="0"/>
+              <a:t>home a</a:t>
             </a:r>
             <a:endParaRPr lang="en-CA" dirty="0"/>
           </a:p>
@@ -11699,93 +11714,6 @@
           <a:chExt cx="0" cy="0"/>
         </a:xfrm>
       </p:grpSpPr>
-      <p:sp>
-        <p:nvSpPr>
-          <p:cNvPr id="2" name="Content Placeholder 1"/>
-          <p:cNvSpPr>
-            <a:spLocks noGrp="1"/>
-          </p:cNvSpPr>
-          <p:nvPr>
-            <p:ph idx="1"/>
-          </p:nvPr>
-        </p:nvSpPr>
-        <p:spPr/>
-        <p:txBody>
-          <a:bodyPr/>
-          <a:lstStyle/>
-          <a:p>
-            <a:endParaRPr lang="en-CA"/>
-          </a:p>
-        </p:txBody>
-      </p:sp>
-      <p:sp>
-        <p:nvSpPr>
-          <p:cNvPr id="3" name="Title 2"/>
-          <p:cNvSpPr>
-            <a:spLocks noGrp="1"/>
-          </p:cNvSpPr>
-          <p:nvPr>
-            <p:ph type="title"/>
-          </p:nvPr>
-        </p:nvSpPr>
-        <p:spPr/>
-        <p:txBody>
-          <a:bodyPr/>
-          <a:lstStyle/>
-          <a:p>
-            <a:r>
-              <a:rPr lang="pl-PL" dirty="0" smtClean="0"/>
-              <a:t>The Web</a:t>
-            </a:r>
-            <a:endParaRPr lang="en-CA" dirty="0"/>
-          </a:p>
-        </p:txBody>
-      </p:sp>
-    </p:spTree>
-    <p:extLst>
-      <p:ext uri="{BB962C8B-B14F-4D97-AF65-F5344CB8AC3E}">
-        <p14:creationId xmlns:p14="http://schemas.microsoft.com/office/powerpoint/2010/main" val="3171373418"/>
-      </p:ext>
-    </p:extLst>
-  </p:cSld>
-  <p:clrMapOvr>
-    <a:masterClrMapping/>
-  </p:clrMapOvr>
-  <mc:AlternateContent xmlns:mc="http://schemas.openxmlformats.org/markup-compatibility/2006" xmlns:p14="http://schemas.microsoft.com/office/powerpoint/2010/main">
-    <mc:Choice Requires="p14">
-      <p:transition spd="slow" p14:dur="2000"/>
-    </mc:Choice>
-    <mc:Fallback xmlns="">
-      <p:transition spd="slow"/>
-    </mc:Fallback>
-  </mc:AlternateContent>
-  <p:timing>
-    <p:tnLst>
-      <p:par>
-        <p:cTn id="1" dur="indefinite" restart="never" nodeType="tmRoot"/>
-      </p:par>
-    </p:tnLst>
-  </p:timing>
-</p:sld>
-</file>
-
-<file path=ppt/slides/slide16.xml><?xml version="1.0" encoding="utf-8"?>
-<p:sld xmlns:a="http://schemas.openxmlformats.org/drawingml/2006/main" xmlns:r="http://schemas.openxmlformats.org/officeDocument/2006/relationships" xmlns:p="http://schemas.openxmlformats.org/presentationml/2006/main">
-  <p:cSld>
-    <p:spTree>
-      <p:nvGrpSpPr>
-        <p:cNvPr id="1" name=""/>
-        <p:cNvGrpSpPr/>
-        <p:nvPr/>
-      </p:nvGrpSpPr>
-      <p:grpSpPr>
-        <a:xfrm>
-          <a:off x="0" y="0"/>
-          <a:ext cx="0" cy="0"/>
-          <a:chOff x="0" y="0"/>
-          <a:chExt cx="0" cy="0"/>
-        </a:xfrm>
-      </p:grpSpPr>
       <p:graphicFrame>
         <p:nvGraphicFramePr>
           <p:cNvPr id="4" name="Content Placeholder 3"/>
@@ -11828,7 +11756,7 @@
           <a:p>
             <a:r>
               <a:rPr lang="pl-PL" dirty="0" smtClean="0"/>
-              <a:t>Web request</a:t>
+              <a:t>The web - Web request</a:t>
             </a:r>
             <a:endParaRPr lang="en-CA" dirty="0"/>
           </a:p>
@@ -11856,6 +11784,1537 @@
     <p:tnLst>
       <p:par>
         <p:cTn id="1" dur="indefinite" restart="never" nodeType="tmRoot"/>
+      </p:par>
+    </p:tnLst>
+  </p:timing>
+</p:sld>
+</file>
+
+<file path=ppt/slides/slide16.xml><?xml version="1.0" encoding="utf-8"?>
+<p:sld xmlns:a="http://schemas.openxmlformats.org/drawingml/2006/main" xmlns:r="http://schemas.openxmlformats.org/officeDocument/2006/relationships" xmlns:p="http://schemas.openxmlformats.org/presentationml/2006/main">
+  <p:cSld>
+    <p:spTree>
+      <p:nvGrpSpPr>
+        <p:cNvPr id="1" name=""/>
+        <p:cNvGrpSpPr/>
+        <p:nvPr/>
+      </p:nvGrpSpPr>
+      <p:grpSpPr>
+        <a:xfrm>
+          <a:off x="0" y="0"/>
+          <a:ext cx="0" cy="0"/>
+          <a:chOff x="0" y="0"/>
+          <a:chExt cx="0" cy="0"/>
+        </a:xfrm>
+      </p:grpSpPr>
+      <p:sp>
+        <p:nvSpPr>
+          <p:cNvPr id="3" name="Title 2"/>
+          <p:cNvSpPr>
+            <a:spLocks noGrp="1"/>
+          </p:cNvSpPr>
+          <p:nvPr>
+            <p:ph type="title"/>
+          </p:nvPr>
+        </p:nvSpPr>
+        <p:spPr/>
+        <p:txBody>
+          <a:bodyPr/>
+          <a:lstStyle/>
+          <a:p>
+            <a:r>
+              <a:rPr lang="pl-PL" dirty="0" smtClean="0"/>
+              <a:t>Object Oriented Programming</a:t>
+            </a:r>
+            <a:endParaRPr lang="en-CA" dirty="0"/>
+          </a:p>
+        </p:txBody>
+      </p:sp>
+      <p:sp>
+        <p:nvSpPr>
+          <p:cNvPr id="4" name="Content Placeholder 3"/>
+          <p:cNvSpPr>
+            <a:spLocks noGrp="1"/>
+          </p:cNvSpPr>
+          <p:nvPr>
+            <p:ph sz="quarter" idx="10"/>
+          </p:nvPr>
+        </p:nvSpPr>
+        <p:spPr/>
+        <p:txBody>
+          <a:bodyPr/>
+          <a:lstStyle/>
+          <a:p>
+            <a:r>
+              <a:rPr lang="pl-PL" dirty="0" smtClean="0"/>
+              <a:t>Programming paradigm</a:t>
+            </a:r>
+            <a:endParaRPr lang="en-CA" dirty="0"/>
+          </a:p>
+        </p:txBody>
+      </p:sp>
+      <p:sp>
+        <p:nvSpPr>
+          <p:cNvPr id="5" name="Content Placeholder 4"/>
+          <p:cNvSpPr>
+            <a:spLocks noGrp="1"/>
+          </p:cNvSpPr>
+          <p:nvPr>
+            <p:ph sz="quarter" idx="11"/>
+          </p:nvPr>
+        </p:nvSpPr>
+        <p:spPr/>
+        <p:txBody>
+          <a:bodyPr/>
+          <a:lstStyle/>
+          <a:p>
+            <a:r>
+              <a:rPr lang="pl-PL" dirty="0" smtClean="0"/>
+              <a:t>Using objects</a:t>
+            </a:r>
+            <a:endParaRPr lang="en-CA" dirty="0"/>
+          </a:p>
+        </p:txBody>
+      </p:sp>
+      <p:sp>
+        <p:nvSpPr>
+          <p:cNvPr id="6" name="Content Placeholder 5"/>
+          <p:cNvSpPr>
+            <a:spLocks noGrp="1"/>
+          </p:cNvSpPr>
+          <p:nvPr>
+            <p:ph sz="quarter" idx="12"/>
+          </p:nvPr>
+        </p:nvSpPr>
+        <p:spPr/>
+        <p:txBody>
+          <a:bodyPr/>
+          <a:lstStyle/>
+          <a:p>
+            <a:r>
+              <a:rPr lang="pl-PL" sz="2800" dirty="0" smtClean="0"/>
+              <a:t>Each object is an instance of a class</a:t>
+            </a:r>
+            <a:endParaRPr lang="en-CA" sz="2800" dirty="0"/>
+          </a:p>
+        </p:txBody>
+      </p:sp>
+      <p:sp>
+        <p:nvSpPr>
+          <p:cNvPr id="7" name="Content Placeholder 6"/>
+          <p:cNvSpPr>
+            <a:spLocks noGrp="1"/>
+          </p:cNvSpPr>
+          <p:nvPr>
+            <p:ph sz="quarter" idx="13"/>
+          </p:nvPr>
+        </p:nvSpPr>
+        <p:spPr/>
+        <p:txBody>
+          <a:bodyPr/>
+          <a:lstStyle/>
+          <a:p>
+            <a:endParaRPr lang="en-CA"/>
+          </a:p>
+        </p:txBody>
+      </p:sp>
+      <p:sp>
+        <p:nvSpPr>
+          <p:cNvPr id="8" name="Content Placeholder 7"/>
+          <p:cNvSpPr>
+            <a:spLocks noGrp="1"/>
+          </p:cNvSpPr>
+          <p:nvPr>
+            <p:ph sz="quarter" idx="14"/>
+          </p:nvPr>
+        </p:nvSpPr>
+        <p:spPr/>
+        <p:txBody>
+          <a:bodyPr/>
+          <a:lstStyle/>
+          <a:p>
+            <a:endParaRPr lang="en-CA"/>
+          </a:p>
+        </p:txBody>
+      </p:sp>
+      <p:sp>
+        <p:nvSpPr>
+          <p:cNvPr id="9" name="Content Placeholder 8"/>
+          <p:cNvSpPr>
+            <a:spLocks noGrp="1"/>
+          </p:cNvSpPr>
+          <p:nvPr>
+            <p:ph sz="quarter" idx="15"/>
+          </p:nvPr>
+        </p:nvSpPr>
+        <p:spPr/>
+        <p:txBody>
+          <a:bodyPr/>
+          <a:lstStyle/>
+          <a:p>
+            <a:r>
+              <a:rPr lang="pl-PL" sz="2800" dirty="0" smtClean="0"/>
+              <a:t>Each class has fields and methods</a:t>
+            </a:r>
+            <a:endParaRPr lang="en-CA" sz="2800" dirty="0"/>
+          </a:p>
+        </p:txBody>
+      </p:sp>
+    </p:spTree>
+    <p:extLst>
+      <p:ext uri="{BB962C8B-B14F-4D97-AF65-F5344CB8AC3E}">
+        <p14:creationId xmlns:p14="http://schemas.microsoft.com/office/powerpoint/2010/main" val="2805885200"/>
+      </p:ext>
+    </p:extLst>
+  </p:cSld>
+  <p:clrMapOvr>
+    <a:masterClrMapping/>
+  </p:clrMapOvr>
+  <mc:AlternateContent xmlns:mc="http://schemas.openxmlformats.org/markup-compatibility/2006" xmlns:p14="http://schemas.microsoft.com/office/powerpoint/2010/main">
+    <mc:Choice Requires="p14">
+      <p:transition spd="slow" p14:dur="2000"/>
+    </mc:Choice>
+    <mc:Fallback xmlns="">
+      <p:transition spd="slow"/>
+    </mc:Fallback>
+  </mc:AlternateContent>
+  <p:timing>
+    <p:tnLst>
+      <p:par>
+        <p:cTn id="1" dur="indefinite" restart="never" nodeType="tmRoot"/>
+      </p:par>
+    </p:tnLst>
+  </p:timing>
+</p:sld>
+</file>
+
+<file path=ppt/slides/slide17.xml><?xml version="1.0" encoding="utf-8"?>
+<p:sld xmlns:a="http://schemas.openxmlformats.org/drawingml/2006/main" xmlns:r="http://schemas.openxmlformats.org/officeDocument/2006/relationships" xmlns:p="http://schemas.openxmlformats.org/presentationml/2006/main">
+  <p:cSld>
+    <p:spTree>
+      <p:nvGrpSpPr>
+        <p:cNvPr id="1" name=""/>
+        <p:cNvGrpSpPr/>
+        <p:nvPr/>
+      </p:nvGrpSpPr>
+      <p:grpSpPr>
+        <a:xfrm>
+          <a:off x="0" y="0"/>
+          <a:ext cx="0" cy="0"/>
+          <a:chOff x="0" y="0"/>
+          <a:chExt cx="0" cy="0"/>
+        </a:xfrm>
+      </p:grpSpPr>
+      <p:sp>
+        <p:nvSpPr>
+          <p:cNvPr id="3" name="Title 2"/>
+          <p:cNvSpPr>
+            <a:spLocks noGrp="1"/>
+          </p:cNvSpPr>
+          <p:nvPr>
+            <p:ph type="title"/>
+          </p:nvPr>
+        </p:nvSpPr>
+        <p:spPr/>
+        <p:txBody>
+          <a:bodyPr/>
+          <a:lstStyle/>
+          <a:p>
+            <a:r>
+              <a:rPr lang="pl-PL" dirty="0" smtClean="0"/>
+              <a:t>Object Oriented Programming</a:t>
+            </a:r>
+            <a:endParaRPr lang="en-CA" dirty="0"/>
+          </a:p>
+        </p:txBody>
+      </p:sp>
+      <p:pic>
+        <p:nvPicPr>
+          <p:cNvPr id="4101" name="Picture 5"/>
+          <p:cNvPicPr>
+            <a:picLocks noChangeAspect="1" noChangeArrowheads="1"/>
+          </p:cNvPicPr>
+          <p:nvPr/>
+        </p:nvPicPr>
+        <p:blipFill>
+          <a:blip r:embed="rId2">
+            <a:extLst>
+              <a:ext uri="{28A0092B-C50C-407E-A947-70E740481C1C}">
+                <a14:useLocalDpi xmlns:a14="http://schemas.microsoft.com/office/drawing/2010/main" val="0"/>
+              </a:ext>
+            </a:extLst>
+          </a:blip>
+          <a:srcRect/>
+          <a:stretch>
+            <a:fillRect/>
+          </a:stretch>
+        </p:blipFill>
+        <p:spPr bwMode="auto">
+          <a:xfrm>
+            <a:off x="666622" y="2118715"/>
+            <a:ext cx="2165987" cy="1612457"/>
+          </a:xfrm>
+          <a:prstGeom prst="rect">
+            <a:avLst/>
+          </a:prstGeom>
+          <a:noFill/>
+          <a:ln>
+            <a:noFill/>
+          </a:ln>
+          <a:effectLst/>
+          <a:extLst>
+            <a:ext uri="{909E8E84-426E-40DD-AFC4-6F175D3DCCD1}">
+              <a14:hiddenFill xmlns:a14="http://schemas.microsoft.com/office/drawing/2010/main">
+                <a:solidFill>
+                  <a:schemeClr val="accent1"/>
+                </a:solidFill>
+              </a14:hiddenFill>
+            </a:ext>
+            <a:ext uri="{91240B29-F687-4F45-9708-019B960494DF}">
+              <a14:hiddenLine xmlns:a14="http://schemas.microsoft.com/office/drawing/2010/main" w="9525">
+                <a:solidFill>
+                  <a:schemeClr val="tx1"/>
+                </a:solidFill>
+                <a:miter lim="800000"/>
+                <a:headEnd/>
+                <a:tailEnd/>
+              </a14:hiddenLine>
+            </a:ext>
+            <a:ext uri="{AF507438-7753-43E0-B8FC-AC1667EBCBE1}">
+              <a14:hiddenEffects xmlns:a14="http://schemas.microsoft.com/office/drawing/2010/main">
+                <a:effectLst>
+                  <a:outerShdw dist="35921" dir="2700000" algn="ctr" rotWithShape="0">
+                    <a:schemeClr val="bg2"/>
+                  </a:outerShdw>
+                </a:effectLst>
+              </a14:hiddenEffects>
+            </a:ext>
+          </a:extLst>
+        </p:spPr>
+      </p:pic>
+      <p:pic>
+        <p:nvPicPr>
+          <p:cNvPr id="4104" name="Picture 8"/>
+          <p:cNvPicPr>
+            <a:picLocks noChangeAspect="1" noChangeArrowheads="1"/>
+          </p:cNvPicPr>
+          <p:nvPr/>
+        </p:nvPicPr>
+        <p:blipFill>
+          <a:blip r:embed="rId3">
+            <a:extLst>
+              <a:ext uri="{28A0092B-C50C-407E-A947-70E740481C1C}">
+                <a14:useLocalDpi xmlns:a14="http://schemas.microsoft.com/office/drawing/2010/main" val="0"/>
+              </a:ext>
+            </a:extLst>
+          </a:blip>
+          <a:srcRect/>
+          <a:stretch>
+            <a:fillRect/>
+          </a:stretch>
+        </p:blipFill>
+        <p:spPr bwMode="auto">
+          <a:xfrm>
+            <a:off x="663901" y="2107643"/>
+            <a:ext cx="8375357" cy="1650795"/>
+          </a:xfrm>
+          <a:prstGeom prst="rect">
+            <a:avLst/>
+          </a:prstGeom>
+          <a:noFill/>
+          <a:ln>
+            <a:noFill/>
+          </a:ln>
+          <a:effectLst/>
+          <a:extLst>
+            <a:ext uri="{909E8E84-426E-40DD-AFC4-6F175D3DCCD1}">
+              <a14:hiddenFill xmlns:a14="http://schemas.microsoft.com/office/drawing/2010/main">
+                <a:solidFill>
+                  <a:schemeClr val="accent1"/>
+                </a:solidFill>
+              </a14:hiddenFill>
+            </a:ext>
+            <a:ext uri="{91240B29-F687-4F45-9708-019B960494DF}">
+              <a14:hiddenLine xmlns:a14="http://schemas.microsoft.com/office/drawing/2010/main" w="9525">
+                <a:solidFill>
+                  <a:schemeClr val="tx1"/>
+                </a:solidFill>
+                <a:miter lim="800000"/>
+                <a:headEnd/>
+                <a:tailEnd/>
+              </a14:hiddenLine>
+            </a:ext>
+            <a:ext uri="{AF507438-7753-43E0-B8FC-AC1667EBCBE1}">
+              <a14:hiddenEffects xmlns:a14="http://schemas.microsoft.com/office/drawing/2010/main">
+                <a:effectLst>
+                  <a:outerShdw dist="35921" dir="2700000" algn="ctr" rotWithShape="0">
+                    <a:schemeClr val="bg2"/>
+                  </a:outerShdw>
+                </a:effectLst>
+              </a14:hiddenEffects>
+            </a:ext>
+          </a:extLst>
+        </p:spPr>
+      </p:pic>
+      <p:pic>
+        <p:nvPicPr>
+          <p:cNvPr id="4105" name="Picture 9"/>
+          <p:cNvPicPr>
+            <a:picLocks noChangeAspect="1" noChangeArrowheads="1"/>
+          </p:cNvPicPr>
+          <p:nvPr/>
+        </p:nvPicPr>
+        <p:blipFill>
+          <a:blip r:embed="rId4">
+            <a:extLst>
+              <a:ext uri="{28A0092B-C50C-407E-A947-70E740481C1C}">
+                <a14:useLocalDpi xmlns:a14="http://schemas.microsoft.com/office/drawing/2010/main" val="0"/>
+              </a:ext>
+            </a:extLst>
+          </a:blip>
+          <a:srcRect/>
+          <a:stretch>
+            <a:fillRect/>
+          </a:stretch>
+        </p:blipFill>
+        <p:spPr bwMode="auto">
+          <a:xfrm>
+            <a:off x="663901" y="2119831"/>
+            <a:ext cx="7493659" cy="3882853"/>
+          </a:xfrm>
+          <a:prstGeom prst="rect">
+            <a:avLst/>
+          </a:prstGeom>
+          <a:noFill/>
+          <a:ln>
+            <a:noFill/>
+          </a:ln>
+          <a:effectLst/>
+          <a:extLst>
+            <a:ext uri="{909E8E84-426E-40DD-AFC4-6F175D3DCCD1}">
+              <a14:hiddenFill xmlns:a14="http://schemas.microsoft.com/office/drawing/2010/main">
+                <a:solidFill>
+                  <a:schemeClr val="accent1"/>
+                </a:solidFill>
+              </a14:hiddenFill>
+            </a:ext>
+            <a:ext uri="{91240B29-F687-4F45-9708-019B960494DF}">
+              <a14:hiddenLine xmlns:a14="http://schemas.microsoft.com/office/drawing/2010/main" w="9525">
+                <a:solidFill>
+                  <a:schemeClr val="tx1"/>
+                </a:solidFill>
+                <a:miter lim="800000"/>
+                <a:headEnd/>
+                <a:tailEnd/>
+              </a14:hiddenLine>
+            </a:ext>
+            <a:ext uri="{AF507438-7753-43E0-B8FC-AC1667EBCBE1}">
+              <a14:hiddenEffects xmlns:a14="http://schemas.microsoft.com/office/drawing/2010/main">
+                <a:effectLst>
+                  <a:outerShdw dist="35921" dir="2700000" algn="ctr" rotWithShape="0">
+                    <a:schemeClr val="bg2"/>
+                  </a:outerShdw>
+                </a:effectLst>
+              </a14:hiddenEffects>
+            </a:ext>
+          </a:extLst>
+        </p:spPr>
+      </p:pic>
+      <p:pic>
+        <p:nvPicPr>
+          <p:cNvPr id="4106" name="Picture 10"/>
+          <p:cNvPicPr>
+            <a:picLocks noChangeAspect="1" noChangeArrowheads="1"/>
+          </p:cNvPicPr>
+          <p:nvPr/>
+        </p:nvPicPr>
+        <p:blipFill>
+          <a:blip r:embed="rId5">
+            <a:extLst>
+              <a:ext uri="{28A0092B-C50C-407E-A947-70E740481C1C}">
+                <a14:useLocalDpi xmlns:a14="http://schemas.microsoft.com/office/drawing/2010/main" val="0"/>
+              </a:ext>
+            </a:extLst>
+          </a:blip>
+          <a:srcRect/>
+          <a:stretch>
+            <a:fillRect/>
+          </a:stretch>
+        </p:blipFill>
+        <p:spPr bwMode="auto">
+          <a:xfrm>
+            <a:off x="251520" y="2119831"/>
+            <a:ext cx="8683212" cy="3895041"/>
+          </a:xfrm>
+          <a:prstGeom prst="rect">
+            <a:avLst/>
+          </a:prstGeom>
+          <a:noFill/>
+          <a:ln>
+            <a:noFill/>
+          </a:ln>
+          <a:effectLst/>
+          <a:extLst>
+            <a:ext uri="{909E8E84-426E-40DD-AFC4-6F175D3DCCD1}">
+              <a14:hiddenFill xmlns:a14="http://schemas.microsoft.com/office/drawing/2010/main">
+                <a:solidFill>
+                  <a:schemeClr val="accent1"/>
+                </a:solidFill>
+              </a14:hiddenFill>
+            </a:ext>
+            <a:ext uri="{91240B29-F687-4F45-9708-019B960494DF}">
+              <a14:hiddenLine xmlns:a14="http://schemas.microsoft.com/office/drawing/2010/main" w="9525">
+                <a:solidFill>
+                  <a:schemeClr val="tx1"/>
+                </a:solidFill>
+                <a:miter lim="800000"/>
+                <a:headEnd/>
+                <a:tailEnd/>
+              </a14:hiddenLine>
+            </a:ext>
+            <a:ext uri="{AF507438-7753-43E0-B8FC-AC1667EBCBE1}">
+              <a14:hiddenEffects xmlns:a14="http://schemas.microsoft.com/office/drawing/2010/main">
+                <a:effectLst>
+                  <a:outerShdw dist="35921" dir="2700000" algn="ctr" rotWithShape="0">
+                    <a:schemeClr val="bg2"/>
+                  </a:outerShdw>
+                </a:effectLst>
+              </a14:hiddenEffects>
+            </a:ext>
+          </a:extLst>
+        </p:spPr>
+      </p:pic>
+      <p:pic>
+        <p:nvPicPr>
+          <p:cNvPr id="4107" name="Picture 11"/>
+          <p:cNvPicPr>
+            <a:picLocks noChangeAspect="1" noChangeArrowheads="1"/>
+          </p:cNvPicPr>
+          <p:nvPr/>
+        </p:nvPicPr>
+        <p:blipFill>
+          <a:blip r:embed="rId6">
+            <a:extLst>
+              <a:ext uri="{28A0092B-C50C-407E-A947-70E740481C1C}">
+                <a14:useLocalDpi xmlns:a14="http://schemas.microsoft.com/office/drawing/2010/main" val="0"/>
+              </a:ext>
+            </a:extLst>
+          </a:blip>
+          <a:srcRect/>
+          <a:stretch>
+            <a:fillRect/>
+          </a:stretch>
+        </p:blipFill>
+        <p:spPr bwMode="auto">
+          <a:xfrm>
+            <a:off x="251520" y="2143912"/>
+            <a:ext cx="8620704" cy="3373319"/>
+          </a:xfrm>
+          <a:prstGeom prst="rect">
+            <a:avLst/>
+          </a:prstGeom>
+          <a:noFill/>
+          <a:ln>
+            <a:noFill/>
+          </a:ln>
+          <a:effectLst/>
+          <a:extLst>
+            <a:ext uri="{909E8E84-426E-40DD-AFC4-6F175D3DCCD1}">
+              <a14:hiddenFill xmlns:a14="http://schemas.microsoft.com/office/drawing/2010/main">
+                <a:solidFill>
+                  <a:schemeClr val="accent1"/>
+                </a:solidFill>
+              </a14:hiddenFill>
+            </a:ext>
+            <a:ext uri="{91240B29-F687-4F45-9708-019B960494DF}">
+              <a14:hiddenLine xmlns:a14="http://schemas.microsoft.com/office/drawing/2010/main" w="9525">
+                <a:solidFill>
+                  <a:schemeClr val="tx1"/>
+                </a:solidFill>
+                <a:miter lim="800000"/>
+                <a:headEnd/>
+                <a:tailEnd/>
+              </a14:hiddenLine>
+            </a:ext>
+            <a:ext uri="{AF507438-7753-43E0-B8FC-AC1667EBCBE1}">
+              <a14:hiddenEffects xmlns:a14="http://schemas.microsoft.com/office/drawing/2010/main">
+                <a:effectLst>
+                  <a:outerShdw dist="35921" dir="2700000" algn="ctr" rotWithShape="0">
+                    <a:schemeClr val="bg2"/>
+                  </a:outerShdw>
+                </a:effectLst>
+              </a14:hiddenEffects>
+            </a:ext>
+          </a:extLst>
+        </p:spPr>
+      </p:pic>
+      <p:pic>
+        <p:nvPicPr>
+          <p:cNvPr id="4109" name="Picture 13"/>
+          <p:cNvPicPr>
+            <a:picLocks noChangeAspect="1" noChangeArrowheads="1"/>
+          </p:cNvPicPr>
+          <p:nvPr/>
+        </p:nvPicPr>
+        <p:blipFill>
+          <a:blip r:embed="rId7">
+            <a:extLst>
+              <a:ext uri="{28A0092B-C50C-407E-A947-70E740481C1C}">
+                <a14:useLocalDpi xmlns:a14="http://schemas.microsoft.com/office/drawing/2010/main" val="0"/>
+              </a:ext>
+            </a:extLst>
+          </a:blip>
+          <a:srcRect/>
+          <a:stretch>
+            <a:fillRect/>
+          </a:stretch>
+        </p:blipFill>
+        <p:spPr bwMode="auto">
+          <a:xfrm>
+            <a:off x="231660" y="2143912"/>
+            <a:ext cx="8708595" cy="3858772"/>
+          </a:xfrm>
+          <a:prstGeom prst="rect">
+            <a:avLst/>
+          </a:prstGeom>
+          <a:noFill/>
+          <a:ln>
+            <a:noFill/>
+          </a:ln>
+          <a:effectLst/>
+          <a:extLst>
+            <a:ext uri="{909E8E84-426E-40DD-AFC4-6F175D3DCCD1}">
+              <a14:hiddenFill xmlns:a14="http://schemas.microsoft.com/office/drawing/2010/main">
+                <a:solidFill>
+                  <a:schemeClr val="accent1"/>
+                </a:solidFill>
+              </a14:hiddenFill>
+            </a:ext>
+            <a:ext uri="{91240B29-F687-4F45-9708-019B960494DF}">
+              <a14:hiddenLine xmlns:a14="http://schemas.microsoft.com/office/drawing/2010/main" w="9525">
+                <a:solidFill>
+                  <a:schemeClr val="tx1"/>
+                </a:solidFill>
+                <a:miter lim="800000"/>
+                <a:headEnd/>
+                <a:tailEnd/>
+              </a14:hiddenLine>
+            </a:ext>
+            <a:ext uri="{AF507438-7753-43E0-B8FC-AC1667EBCBE1}">
+              <a14:hiddenEffects xmlns:a14="http://schemas.microsoft.com/office/drawing/2010/main">
+                <a:effectLst>
+                  <a:outerShdw dist="35921" dir="2700000" algn="ctr" rotWithShape="0">
+                    <a:schemeClr val="bg2"/>
+                  </a:outerShdw>
+                </a:effectLst>
+              </a14:hiddenEffects>
+            </a:ext>
+          </a:extLst>
+        </p:spPr>
+      </p:pic>
+    </p:spTree>
+    <p:extLst>
+      <p:ext uri="{BB962C8B-B14F-4D97-AF65-F5344CB8AC3E}">
+        <p14:creationId xmlns:p14="http://schemas.microsoft.com/office/powerpoint/2010/main" val="1567495271"/>
+      </p:ext>
+    </p:extLst>
+  </p:cSld>
+  <p:clrMapOvr>
+    <a:masterClrMapping/>
+  </p:clrMapOvr>
+  <mc:AlternateContent xmlns:mc="http://schemas.openxmlformats.org/markup-compatibility/2006" xmlns:p14="http://schemas.microsoft.com/office/powerpoint/2010/main">
+    <mc:Choice Requires="p14">
+      <p:transition spd="slow" p14:dur="2000"/>
+    </mc:Choice>
+    <mc:Fallback xmlns="">
+      <p:transition spd="slow"/>
+    </mc:Fallback>
+  </mc:AlternateContent>
+  <p:timing>
+    <p:tnLst>
+      <p:par>
+        <p:cTn id="1" dur="indefinite" restart="never" nodeType="tmRoot">
+          <p:childTnLst>
+            <p:seq concurrent="1" nextAc="seek">
+              <p:cTn id="2" dur="indefinite" nodeType="mainSeq">
+                <p:childTnLst>
+                  <p:par>
+                    <p:cTn id="3" fill="hold">
+                      <p:stCondLst>
+                        <p:cond delay="indefinite"/>
+                        <p:cond evt="onBegin" delay="0">
+                          <p:tn val="2"/>
+                        </p:cond>
+                      </p:stCondLst>
+                      <p:childTnLst>
+                        <p:par>
+                          <p:cTn id="4" fill="hold">
+                            <p:stCondLst>
+                              <p:cond delay="0"/>
+                            </p:stCondLst>
+                            <p:childTnLst>
+                              <p:par>
+                                <p:cTn id="5" presetID="10" presetClass="entr" presetSubtype="0" fill="hold" nodeType="afterEffect">
+                                  <p:stCondLst>
+                                    <p:cond delay="0"/>
+                                  </p:stCondLst>
+                                  <p:childTnLst>
+                                    <p:set>
+                                      <p:cBhvr>
+                                        <p:cTn id="6" dur="1" fill="hold">
+                                          <p:stCondLst>
+                                            <p:cond delay="0"/>
+                                          </p:stCondLst>
+                                        </p:cTn>
+                                        <p:tgtEl>
+                                          <p:spTgt spid="4101"/>
+                                        </p:tgtEl>
+                                        <p:attrNameLst>
+                                          <p:attrName>style.visibility</p:attrName>
+                                        </p:attrNameLst>
+                                      </p:cBhvr>
+                                      <p:to>
+                                        <p:strVal val="visible"/>
+                                      </p:to>
+                                    </p:set>
+                                    <p:animEffect transition="in" filter="fade">
+                                      <p:cBhvr>
+                                        <p:cTn id="7" dur="500"/>
+                                        <p:tgtEl>
+                                          <p:spTgt spid="4101"/>
+                                        </p:tgtEl>
+                                      </p:cBhvr>
+                                    </p:animEffect>
+                                  </p:childTnLst>
+                                </p:cTn>
+                              </p:par>
+                              <p:par>
+                                <p:cTn id="8" presetID="35" presetClass="path" presetSubtype="0" accel="50000" decel="50000" fill="hold" nodeType="withEffect">
+                                  <p:stCondLst>
+                                    <p:cond delay="0"/>
+                                  </p:stCondLst>
+                                  <p:childTnLst>
+                                    <p:animMotion origin="layout" path="M 0.04809 1.11111E-6 L -3.88889E-6 1.11111E-6 " pathEditMode="relative" rAng="0" ptsTypes="AA">
+                                      <p:cBhvr>
+                                        <p:cTn id="9" dur="2000" fill="hold"/>
+                                        <p:tgtEl>
+                                          <p:spTgt spid="4101"/>
+                                        </p:tgtEl>
+                                        <p:attrNameLst>
+                                          <p:attrName>ppt_x</p:attrName>
+                                          <p:attrName>ppt_y</p:attrName>
+                                        </p:attrNameLst>
+                                      </p:cBhvr>
+                                      <p:rCtr x="-2413" y="0"/>
+                                    </p:animMotion>
+                                  </p:childTnLst>
+                                </p:cTn>
+                              </p:par>
+                            </p:childTnLst>
+                          </p:cTn>
+                        </p:par>
+                      </p:childTnLst>
+                    </p:cTn>
+                  </p:par>
+                  <p:par>
+                    <p:cTn id="10" fill="hold">
+                      <p:stCondLst>
+                        <p:cond delay="indefinite"/>
+                      </p:stCondLst>
+                      <p:childTnLst>
+                        <p:par>
+                          <p:cTn id="11" fill="hold">
+                            <p:stCondLst>
+                              <p:cond delay="0"/>
+                            </p:stCondLst>
+                            <p:childTnLst>
+                              <p:par>
+                                <p:cTn id="12" presetID="10" presetClass="exit" presetSubtype="0" fill="hold" nodeType="clickEffect">
+                                  <p:stCondLst>
+                                    <p:cond delay="500"/>
+                                  </p:stCondLst>
+                                  <p:childTnLst>
+                                    <p:animEffect transition="out" filter="fade">
+                                      <p:cBhvr>
+                                        <p:cTn id="13" dur="500"/>
+                                        <p:tgtEl>
+                                          <p:spTgt spid="4101"/>
+                                        </p:tgtEl>
+                                      </p:cBhvr>
+                                    </p:animEffect>
+                                    <p:set>
+                                      <p:cBhvr>
+                                        <p:cTn id="14" dur="1" fill="hold">
+                                          <p:stCondLst>
+                                            <p:cond delay="499"/>
+                                          </p:stCondLst>
+                                        </p:cTn>
+                                        <p:tgtEl>
+                                          <p:spTgt spid="4101"/>
+                                        </p:tgtEl>
+                                        <p:attrNameLst>
+                                          <p:attrName>style.visibility</p:attrName>
+                                        </p:attrNameLst>
+                                      </p:cBhvr>
+                                      <p:to>
+                                        <p:strVal val="hidden"/>
+                                      </p:to>
+                                    </p:set>
+                                  </p:childTnLst>
+                                </p:cTn>
+                              </p:par>
+                              <p:par>
+                                <p:cTn id="15" presetID="35" presetClass="path" presetSubtype="0" accel="50000" decel="50000" fill="hold" nodeType="withEffect">
+                                  <p:stCondLst>
+                                    <p:cond delay="0"/>
+                                  </p:stCondLst>
+                                  <p:childTnLst>
+                                    <p:animMotion origin="layout" path="M -3.88889E-6 1.11111E-6 L -0.04635 1.11111E-6 " pathEditMode="relative" rAng="0" ptsTypes="AA">
+                                      <p:cBhvr>
+                                        <p:cTn id="16" dur="2000" fill="hold"/>
+                                        <p:tgtEl>
+                                          <p:spTgt spid="4101"/>
+                                        </p:tgtEl>
+                                        <p:attrNameLst>
+                                          <p:attrName>ppt_x</p:attrName>
+                                          <p:attrName>ppt_y</p:attrName>
+                                        </p:attrNameLst>
+                                      </p:cBhvr>
+                                      <p:rCtr x="-2326" y="0"/>
+                                    </p:animMotion>
+                                  </p:childTnLst>
+                                </p:cTn>
+                              </p:par>
+                            </p:childTnLst>
+                          </p:cTn>
+                        </p:par>
+                        <p:par>
+                          <p:cTn id="17" fill="hold">
+                            <p:stCondLst>
+                              <p:cond delay="2000"/>
+                            </p:stCondLst>
+                            <p:childTnLst>
+                              <p:par>
+                                <p:cTn id="18" presetID="10" presetClass="entr" presetSubtype="0" fill="hold" nodeType="afterEffect">
+                                  <p:stCondLst>
+                                    <p:cond delay="0"/>
+                                  </p:stCondLst>
+                                  <p:childTnLst>
+                                    <p:set>
+                                      <p:cBhvr>
+                                        <p:cTn id="19" dur="1" fill="hold">
+                                          <p:stCondLst>
+                                            <p:cond delay="0"/>
+                                          </p:stCondLst>
+                                        </p:cTn>
+                                        <p:tgtEl>
+                                          <p:spTgt spid="4104"/>
+                                        </p:tgtEl>
+                                        <p:attrNameLst>
+                                          <p:attrName>style.visibility</p:attrName>
+                                        </p:attrNameLst>
+                                      </p:cBhvr>
+                                      <p:to>
+                                        <p:strVal val="visible"/>
+                                      </p:to>
+                                    </p:set>
+                                    <p:animEffect transition="in" filter="fade">
+                                      <p:cBhvr>
+                                        <p:cTn id="20" dur="500"/>
+                                        <p:tgtEl>
+                                          <p:spTgt spid="4104"/>
+                                        </p:tgtEl>
+                                      </p:cBhvr>
+                                    </p:animEffect>
+                                  </p:childTnLst>
+                                </p:cTn>
+                              </p:par>
+                              <p:par>
+                                <p:cTn id="21" presetID="35" presetClass="path" presetSubtype="0" accel="50000" decel="50000" fill="hold" nodeType="withEffect">
+                                  <p:stCondLst>
+                                    <p:cond delay="0"/>
+                                  </p:stCondLst>
+                                  <p:childTnLst>
+                                    <p:animMotion origin="layout" path="M 0.04809 1.11111E-6 L -3.88889E-6 1.11111E-6 " pathEditMode="relative" rAng="0" ptsTypes="AA">
+                                      <p:cBhvr>
+                                        <p:cTn id="22" dur="2000" fill="hold"/>
+                                        <p:tgtEl>
+                                          <p:spTgt spid="4104"/>
+                                        </p:tgtEl>
+                                        <p:attrNameLst>
+                                          <p:attrName>ppt_x</p:attrName>
+                                          <p:attrName>ppt_y</p:attrName>
+                                        </p:attrNameLst>
+                                      </p:cBhvr>
+                                      <p:rCtr x="-2413" y="0"/>
+                                    </p:animMotion>
+                                  </p:childTnLst>
+                                </p:cTn>
+                              </p:par>
+                            </p:childTnLst>
+                          </p:cTn>
+                        </p:par>
+                      </p:childTnLst>
+                    </p:cTn>
+                  </p:par>
+                  <p:par>
+                    <p:cTn id="23" fill="hold">
+                      <p:stCondLst>
+                        <p:cond delay="indefinite"/>
+                      </p:stCondLst>
+                      <p:childTnLst>
+                        <p:par>
+                          <p:cTn id="24" fill="hold">
+                            <p:stCondLst>
+                              <p:cond delay="0"/>
+                            </p:stCondLst>
+                            <p:childTnLst>
+                              <p:par>
+                                <p:cTn id="25" presetID="10" presetClass="exit" presetSubtype="0" fill="hold" nodeType="clickEffect">
+                                  <p:stCondLst>
+                                    <p:cond delay="500"/>
+                                  </p:stCondLst>
+                                  <p:childTnLst>
+                                    <p:animEffect transition="out" filter="fade">
+                                      <p:cBhvr>
+                                        <p:cTn id="26" dur="500"/>
+                                        <p:tgtEl>
+                                          <p:spTgt spid="4104"/>
+                                        </p:tgtEl>
+                                      </p:cBhvr>
+                                    </p:animEffect>
+                                    <p:set>
+                                      <p:cBhvr>
+                                        <p:cTn id="27" dur="1" fill="hold">
+                                          <p:stCondLst>
+                                            <p:cond delay="499"/>
+                                          </p:stCondLst>
+                                        </p:cTn>
+                                        <p:tgtEl>
+                                          <p:spTgt spid="4104"/>
+                                        </p:tgtEl>
+                                        <p:attrNameLst>
+                                          <p:attrName>style.visibility</p:attrName>
+                                        </p:attrNameLst>
+                                      </p:cBhvr>
+                                      <p:to>
+                                        <p:strVal val="hidden"/>
+                                      </p:to>
+                                    </p:set>
+                                  </p:childTnLst>
+                                </p:cTn>
+                              </p:par>
+                              <p:par>
+                                <p:cTn id="28" presetID="35" presetClass="path" presetSubtype="0" accel="50000" decel="50000" fill="hold" nodeType="withEffect">
+                                  <p:stCondLst>
+                                    <p:cond delay="0"/>
+                                  </p:stCondLst>
+                                  <p:childTnLst>
+                                    <p:animMotion origin="layout" path="M -3.88889E-6 1.11111E-6 L -0.04635 1.11111E-6 " pathEditMode="relative" rAng="0" ptsTypes="AA">
+                                      <p:cBhvr>
+                                        <p:cTn id="29" dur="2000" fill="hold"/>
+                                        <p:tgtEl>
+                                          <p:spTgt spid="4104"/>
+                                        </p:tgtEl>
+                                        <p:attrNameLst>
+                                          <p:attrName>ppt_x</p:attrName>
+                                          <p:attrName>ppt_y</p:attrName>
+                                        </p:attrNameLst>
+                                      </p:cBhvr>
+                                      <p:rCtr x="-2326" y="0"/>
+                                    </p:animMotion>
+                                  </p:childTnLst>
+                                </p:cTn>
+                              </p:par>
+                            </p:childTnLst>
+                          </p:cTn>
+                        </p:par>
+                        <p:par>
+                          <p:cTn id="30" fill="hold">
+                            <p:stCondLst>
+                              <p:cond delay="2000"/>
+                            </p:stCondLst>
+                            <p:childTnLst>
+                              <p:par>
+                                <p:cTn id="31" presetID="10" presetClass="entr" presetSubtype="0" fill="hold" nodeType="afterEffect">
+                                  <p:stCondLst>
+                                    <p:cond delay="0"/>
+                                  </p:stCondLst>
+                                  <p:childTnLst>
+                                    <p:set>
+                                      <p:cBhvr>
+                                        <p:cTn id="32" dur="1" fill="hold">
+                                          <p:stCondLst>
+                                            <p:cond delay="0"/>
+                                          </p:stCondLst>
+                                        </p:cTn>
+                                        <p:tgtEl>
+                                          <p:spTgt spid="4105"/>
+                                        </p:tgtEl>
+                                        <p:attrNameLst>
+                                          <p:attrName>style.visibility</p:attrName>
+                                        </p:attrNameLst>
+                                      </p:cBhvr>
+                                      <p:to>
+                                        <p:strVal val="visible"/>
+                                      </p:to>
+                                    </p:set>
+                                    <p:animEffect transition="in" filter="fade">
+                                      <p:cBhvr>
+                                        <p:cTn id="33" dur="500"/>
+                                        <p:tgtEl>
+                                          <p:spTgt spid="4105"/>
+                                        </p:tgtEl>
+                                      </p:cBhvr>
+                                    </p:animEffect>
+                                  </p:childTnLst>
+                                </p:cTn>
+                              </p:par>
+                              <p:par>
+                                <p:cTn id="34" presetID="35" presetClass="path" presetSubtype="0" accel="50000" decel="50000" fill="hold" nodeType="withEffect">
+                                  <p:stCondLst>
+                                    <p:cond delay="0"/>
+                                  </p:stCondLst>
+                                  <p:childTnLst>
+                                    <p:animMotion origin="layout" path="M 0.04809 1.11111E-6 L -3.88889E-6 1.11111E-6 " pathEditMode="relative" rAng="0" ptsTypes="AA">
+                                      <p:cBhvr>
+                                        <p:cTn id="35" dur="2000" fill="hold"/>
+                                        <p:tgtEl>
+                                          <p:spTgt spid="4105"/>
+                                        </p:tgtEl>
+                                        <p:attrNameLst>
+                                          <p:attrName>ppt_x</p:attrName>
+                                          <p:attrName>ppt_y</p:attrName>
+                                        </p:attrNameLst>
+                                      </p:cBhvr>
+                                      <p:rCtr x="-2413" y="0"/>
+                                    </p:animMotion>
+                                  </p:childTnLst>
+                                </p:cTn>
+                              </p:par>
+                            </p:childTnLst>
+                          </p:cTn>
+                        </p:par>
+                      </p:childTnLst>
+                    </p:cTn>
+                  </p:par>
+                  <p:par>
+                    <p:cTn id="36" fill="hold">
+                      <p:stCondLst>
+                        <p:cond delay="indefinite"/>
+                      </p:stCondLst>
+                      <p:childTnLst>
+                        <p:par>
+                          <p:cTn id="37" fill="hold">
+                            <p:stCondLst>
+                              <p:cond delay="0"/>
+                            </p:stCondLst>
+                            <p:childTnLst>
+                              <p:par>
+                                <p:cTn id="38" presetID="10" presetClass="exit" presetSubtype="0" fill="hold" nodeType="clickEffect">
+                                  <p:stCondLst>
+                                    <p:cond delay="500"/>
+                                  </p:stCondLst>
+                                  <p:childTnLst>
+                                    <p:animEffect transition="out" filter="fade">
+                                      <p:cBhvr>
+                                        <p:cTn id="39" dur="500"/>
+                                        <p:tgtEl>
+                                          <p:spTgt spid="4105"/>
+                                        </p:tgtEl>
+                                      </p:cBhvr>
+                                    </p:animEffect>
+                                    <p:set>
+                                      <p:cBhvr>
+                                        <p:cTn id="40" dur="1" fill="hold">
+                                          <p:stCondLst>
+                                            <p:cond delay="499"/>
+                                          </p:stCondLst>
+                                        </p:cTn>
+                                        <p:tgtEl>
+                                          <p:spTgt spid="4105"/>
+                                        </p:tgtEl>
+                                        <p:attrNameLst>
+                                          <p:attrName>style.visibility</p:attrName>
+                                        </p:attrNameLst>
+                                      </p:cBhvr>
+                                      <p:to>
+                                        <p:strVal val="hidden"/>
+                                      </p:to>
+                                    </p:set>
+                                  </p:childTnLst>
+                                </p:cTn>
+                              </p:par>
+                              <p:par>
+                                <p:cTn id="41" presetID="35" presetClass="path" presetSubtype="0" accel="50000" decel="50000" fill="hold" nodeType="withEffect">
+                                  <p:stCondLst>
+                                    <p:cond delay="0"/>
+                                  </p:stCondLst>
+                                  <p:childTnLst>
+                                    <p:animMotion origin="layout" path="M -3.88889E-6 1.11111E-6 L -0.04635 1.11111E-6 " pathEditMode="relative" rAng="0" ptsTypes="AA">
+                                      <p:cBhvr>
+                                        <p:cTn id="42" dur="2000" fill="hold"/>
+                                        <p:tgtEl>
+                                          <p:spTgt spid="4105"/>
+                                        </p:tgtEl>
+                                        <p:attrNameLst>
+                                          <p:attrName>ppt_x</p:attrName>
+                                          <p:attrName>ppt_y</p:attrName>
+                                        </p:attrNameLst>
+                                      </p:cBhvr>
+                                      <p:rCtr x="-2326" y="0"/>
+                                    </p:animMotion>
+                                  </p:childTnLst>
+                                </p:cTn>
+                              </p:par>
+                            </p:childTnLst>
+                          </p:cTn>
+                        </p:par>
+                        <p:par>
+                          <p:cTn id="43" fill="hold">
+                            <p:stCondLst>
+                              <p:cond delay="2000"/>
+                            </p:stCondLst>
+                            <p:childTnLst>
+                              <p:par>
+                                <p:cTn id="44" presetID="10" presetClass="entr" presetSubtype="0" fill="hold" nodeType="afterEffect">
+                                  <p:stCondLst>
+                                    <p:cond delay="0"/>
+                                  </p:stCondLst>
+                                  <p:childTnLst>
+                                    <p:set>
+                                      <p:cBhvr>
+                                        <p:cTn id="45" dur="1" fill="hold">
+                                          <p:stCondLst>
+                                            <p:cond delay="0"/>
+                                          </p:stCondLst>
+                                        </p:cTn>
+                                        <p:tgtEl>
+                                          <p:spTgt spid="4106"/>
+                                        </p:tgtEl>
+                                        <p:attrNameLst>
+                                          <p:attrName>style.visibility</p:attrName>
+                                        </p:attrNameLst>
+                                      </p:cBhvr>
+                                      <p:to>
+                                        <p:strVal val="visible"/>
+                                      </p:to>
+                                    </p:set>
+                                    <p:animEffect transition="in" filter="fade">
+                                      <p:cBhvr>
+                                        <p:cTn id="46" dur="500"/>
+                                        <p:tgtEl>
+                                          <p:spTgt spid="4106"/>
+                                        </p:tgtEl>
+                                      </p:cBhvr>
+                                    </p:animEffect>
+                                  </p:childTnLst>
+                                </p:cTn>
+                              </p:par>
+                              <p:par>
+                                <p:cTn id="47" presetID="35" presetClass="path" presetSubtype="0" accel="50000" decel="50000" fill="hold" nodeType="withEffect">
+                                  <p:stCondLst>
+                                    <p:cond delay="0"/>
+                                  </p:stCondLst>
+                                  <p:childTnLst>
+                                    <p:animMotion origin="layout" path="M 0.04809 1.11111E-6 L -3.88889E-6 1.11111E-6 " pathEditMode="relative" rAng="0" ptsTypes="AA">
+                                      <p:cBhvr>
+                                        <p:cTn id="48" dur="2000" fill="hold"/>
+                                        <p:tgtEl>
+                                          <p:spTgt spid="4106"/>
+                                        </p:tgtEl>
+                                        <p:attrNameLst>
+                                          <p:attrName>ppt_x</p:attrName>
+                                          <p:attrName>ppt_y</p:attrName>
+                                        </p:attrNameLst>
+                                      </p:cBhvr>
+                                      <p:rCtr x="-2413" y="0"/>
+                                    </p:animMotion>
+                                  </p:childTnLst>
+                                </p:cTn>
+                              </p:par>
+                            </p:childTnLst>
+                          </p:cTn>
+                        </p:par>
+                      </p:childTnLst>
+                    </p:cTn>
+                  </p:par>
+                  <p:par>
+                    <p:cTn id="49" fill="hold">
+                      <p:stCondLst>
+                        <p:cond delay="indefinite"/>
+                      </p:stCondLst>
+                      <p:childTnLst>
+                        <p:par>
+                          <p:cTn id="50" fill="hold">
+                            <p:stCondLst>
+                              <p:cond delay="0"/>
+                            </p:stCondLst>
+                            <p:childTnLst>
+                              <p:par>
+                                <p:cTn id="51" presetID="10" presetClass="exit" presetSubtype="0" fill="hold" nodeType="clickEffect">
+                                  <p:stCondLst>
+                                    <p:cond delay="500"/>
+                                  </p:stCondLst>
+                                  <p:childTnLst>
+                                    <p:animEffect transition="out" filter="fade">
+                                      <p:cBhvr>
+                                        <p:cTn id="52" dur="500"/>
+                                        <p:tgtEl>
+                                          <p:spTgt spid="4106"/>
+                                        </p:tgtEl>
+                                      </p:cBhvr>
+                                    </p:animEffect>
+                                    <p:set>
+                                      <p:cBhvr>
+                                        <p:cTn id="53" dur="1" fill="hold">
+                                          <p:stCondLst>
+                                            <p:cond delay="499"/>
+                                          </p:stCondLst>
+                                        </p:cTn>
+                                        <p:tgtEl>
+                                          <p:spTgt spid="4106"/>
+                                        </p:tgtEl>
+                                        <p:attrNameLst>
+                                          <p:attrName>style.visibility</p:attrName>
+                                        </p:attrNameLst>
+                                      </p:cBhvr>
+                                      <p:to>
+                                        <p:strVal val="hidden"/>
+                                      </p:to>
+                                    </p:set>
+                                  </p:childTnLst>
+                                </p:cTn>
+                              </p:par>
+                              <p:par>
+                                <p:cTn id="54" presetID="35" presetClass="path" presetSubtype="0" accel="50000" decel="50000" fill="hold" nodeType="withEffect">
+                                  <p:stCondLst>
+                                    <p:cond delay="0"/>
+                                  </p:stCondLst>
+                                  <p:childTnLst>
+                                    <p:animMotion origin="layout" path="M -3.88889E-6 1.11111E-6 L -0.04635 1.11111E-6 " pathEditMode="relative" rAng="0" ptsTypes="AA">
+                                      <p:cBhvr>
+                                        <p:cTn id="55" dur="2000" fill="hold"/>
+                                        <p:tgtEl>
+                                          <p:spTgt spid="4106"/>
+                                        </p:tgtEl>
+                                        <p:attrNameLst>
+                                          <p:attrName>ppt_x</p:attrName>
+                                          <p:attrName>ppt_y</p:attrName>
+                                        </p:attrNameLst>
+                                      </p:cBhvr>
+                                      <p:rCtr x="-2326" y="0"/>
+                                    </p:animMotion>
+                                  </p:childTnLst>
+                                </p:cTn>
+                              </p:par>
+                            </p:childTnLst>
+                          </p:cTn>
+                        </p:par>
+                        <p:par>
+                          <p:cTn id="56" fill="hold">
+                            <p:stCondLst>
+                              <p:cond delay="2000"/>
+                            </p:stCondLst>
+                            <p:childTnLst>
+                              <p:par>
+                                <p:cTn id="57" presetID="10" presetClass="entr" presetSubtype="0" fill="hold" nodeType="afterEffect">
+                                  <p:stCondLst>
+                                    <p:cond delay="0"/>
+                                  </p:stCondLst>
+                                  <p:childTnLst>
+                                    <p:set>
+                                      <p:cBhvr>
+                                        <p:cTn id="58" dur="1" fill="hold">
+                                          <p:stCondLst>
+                                            <p:cond delay="0"/>
+                                          </p:stCondLst>
+                                        </p:cTn>
+                                        <p:tgtEl>
+                                          <p:spTgt spid="4107"/>
+                                        </p:tgtEl>
+                                        <p:attrNameLst>
+                                          <p:attrName>style.visibility</p:attrName>
+                                        </p:attrNameLst>
+                                      </p:cBhvr>
+                                      <p:to>
+                                        <p:strVal val="visible"/>
+                                      </p:to>
+                                    </p:set>
+                                    <p:animEffect transition="in" filter="fade">
+                                      <p:cBhvr>
+                                        <p:cTn id="59" dur="500"/>
+                                        <p:tgtEl>
+                                          <p:spTgt spid="4107"/>
+                                        </p:tgtEl>
+                                      </p:cBhvr>
+                                    </p:animEffect>
+                                  </p:childTnLst>
+                                </p:cTn>
+                              </p:par>
+                              <p:par>
+                                <p:cTn id="60" presetID="35" presetClass="path" presetSubtype="0" accel="50000" decel="50000" fill="hold" nodeType="withEffect">
+                                  <p:stCondLst>
+                                    <p:cond delay="0"/>
+                                  </p:stCondLst>
+                                  <p:childTnLst>
+                                    <p:animMotion origin="layout" path="M 0.04809 1.11111E-6 L -3.88889E-6 1.11111E-6 " pathEditMode="relative" rAng="0" ptsTypes="AA">
+                                      <p:cBhvr>
+                                        <p:cTn id="61" dur="2000" fill="hold"/>
+                                        <p:tgtEl>
+                                          <p:spTgt spid="4107"/>
+                                        </p:tgtEl>
+                                        <p:attrNameLst>
+                                          <p:attrName>ppt_x</p:attrName>
+                                          <p:attrName>ppt_y</p:attrName>
+                                        </p:attrNameLst>
+                                      </p:cBhvr>
+                                      <p:rCtr x="-2413" y="0"/>
+                                    </p:animMotion>
+                                  </p:childTnLst>
+                                </p:cTn>
+                              </p:par>
+                            </p:childTnLst>
+                          </p:cTn>
+                        </p:par>
+                      </p:childTnLst>
+                    </p:cTn>
+                  </p:par>
+                  <p:par>
+                    <p:cTn id="62" fill="hold">
+                      <p:stCondLst>
+                        <p:cond delay="indefinite"/>
+                      </p:stCondLst>
+                      <p:childTnLst>
+                        <p:par>
+                          <p:cTn id="63" fill="hold">
+                            <p:stCondLst>
+                              <p:cond delay="0"/>
+                            </p:stCondLst>
+                            <p:childTnLst>
+                              <p:par>
+                                <p:cTn id="64" presetID="10" presetClass="exit" presetSubtype="0" fill="hold" nodeType="clickEffect">
+                                  <p:stCondLst>
+                                    <p:cond delay="500"/>
+                                  </p:stCondLst>
+                                  <p:childTnLst>
+                                    <p:animEffect transition="out" filter="fade">
+                                      <p:cBhvr>
+                                        <p:cTn id="65" dur="500"/>
+                                        <p:tgtEl>
+                                          <p:spTgt spid="4107"/>
+                                        </p:tgtEl>
+                                      </p:cBhvr>
+                                    </p:animEffect>
+                                    <p:set>
+                                      <p:cBhvr>
+                                        <p:cTn id="66" dur="1" fill="hold">
+                                          <p:stCondLst>
+                                            <p:cond delay="499"/>
+                                          </p:stCondLst>
+                                        </p:cTn>
+                                        <p:tgtEl>
+                                          <p:spTgt spid="4107"/>
+                                        </p:tgtEl>
+                                        <p:attrNameLst>
+                                          <p:attrName>style.visibility</p:attrName>
+                                        </p:attrNameLst>
+                                      </p:cBhvr>
+                                      <p:to>
+                                        <p:strVal val="hidden"/>
+                                      </p:to>
+                                    </p:set>
+                                  </p:childTnLst>
+                                </p:cTn>
+                              </p:par>
+                              <p:par>
+                                <p:cTn id="67" presetID="35" presetClass="path" presetSubtype="0" accel="50000" decel="50000" fill="hold" nodeType="withEffect">
+                                  <p:stCondLst>
+                                    <p:cond delay="0"/>
+                                  </p:stCondLst>
+                                  <p:childTnLst>
+                                    <p:animMotion origin="layout" path="M -3.88889E-6 1.11111E-6 L -0.04635 1.11111E-6 " pathEditMode="relative" rAng="0" ptsTypes="AA">
+                                      <p:cBhvr>
+                                        <p:cTn id="68" dur="2000" fill="hold"/>
+                                        <p:tgtEl>
+                                          <p:spTgt spid="4107"/>
+                                        </p:tgtEl>
+                                        <p:attrNameLst>
+                                          <p:attrName>ppt_x</p:attrName>
+                                          <p:attrName>ppt_y</p:attrName>
+                                        </p:attrNameLst>
+                                      </p:cBhvr>
+                                      <p:rCtr x="-2326" y="0"/>
+                                    </p:animMotion>
+                                  </p:childTnLst>
+                                </p:cTn>
+                              </p:par>
+                            </p:childTnLst>
+                          </p:cTn>
+                        </p:par>
+                        <p:par>
+                          <p:cTn id="69" fill="hold">
+                            <p:stCondLst>
+                              <p:cond delay="2000"/>
+                            </p:stCondLst>
+                            <p:childTnLst>
+                              <p:par>
+                                <p:cTn id="70" presetID="10" presetClass="entr" presetSubtype="0" fill="hold" nodeType="afterEffect">
+                                  <p:stCondLst>
+                                    <p:cond delay="0"/>
+                                  </p:stCondLst>
+                                  <p:childTnLst>
+                                    <p:set>
+                                      <p:cBhvr>
+                                        <p:cTn id="71" dur="1" fill="hold">
+                                          <p:stCondLst>
+                                            <p:cond delay="0"/>
+                                          </p:stCondLst>
+                                        </p:cTn>
+                                        <p:tgtEl>
+                                          <p:spTgt spid="4109"/>
+                                        </p:tgtEl>
+                                        <p:attrNameLst>
+                                          <p:attrName>style.visibility</p:attrName>
+                                        </p:attrNameLst>
+                                      </p:cBhvr>
+                                      <p:to>
+                                        <p:strVal val="visible"/>
+                                      </p:to>
+                                    </p:set>
+                                    <p:animEffect transition="in" filter="fade">
+                                      <p:cBhvr>
+                                        <p:cTn id="72" dur="500"/>
+                                        <p:tgtEl>
+                                          <p:spTgt spid="4109"/>
+                                        </p:tgtEl>
+                                      </p:cBhvr>
+                                    </p:animEffect>
+                                  </p:childTnLst>
+                                </p:cTn>
+                              </p:par>
+                              <p:par>
+                                <p:cTn id="73" presetID="35" presetClass="path" presetSubtype="0" accel="50000" decel="50000" fill="hold" nodeType="withEffect">
+                                  <p:stCondLst>
+                                    <p:cond delay="0"/>
+                                  </p:stCondLst>
+                                  <p:childTnLst>
+                                    <p:animMotion origin="layout" path="M 0.04809 1.11111E-6 L -3.88889E-6 1.11111E-6 " pathEditMode="relative" rAng="0" ptsTypes="AA">
+                                      <p:cBhvr>
+                                        <p:cTn id="74" dur="2000" fill="hold"/>
+                                        <p:tgtEl>
+                                          <p:spTgt spid="4109"/>
+                                        </p:tgtEl>
+                                        <p:attrNameLst>
+                                          <p:attrName>ppt_x</p:attrName>
+                                          <p:attrName>ppt_y</p:attrName>
+                                        </p:attrNameLst>
+                                      </p:cBhvr>
+                                      <p:rCtr x="-2413" y="0"/>
+                                    </p:animMotion>
+                                  </p:childTnLst>
+                                </p:cTn>
+                              </p:par>
+                            </p:childTnLst>
+                          </p:cTn>
+                        </p:par>
+                      </p:childTnLst>
+                    </p:cTn>
+                  </p:par>
+                  <p:par>
+                    <p:cTn id="75" fill="hold">
+                      <p:stCondLst>
+                        <p:cond delay="indefinite"/>
+                      </p:stCondLst>
+                      <p:childTnLst>
+                        <p:par>
+                          <p:cTn id="76" fill="hold">
+                            <p:stCondLst>
+                              <p:cond delay="0"/>
+                            </p:stCondLst>
+                            <p:childTnLst>
+                              <p:par>
+                                <p:cTn id="77" presetID="10" presetClass="exit" presetSubtype="0" fill="hold" nodeType="clickEffect">
+                                  <p:stCondLst>
+                                    <p:cond delay="500"/>
+                                  </p:stCondLst>
+                                  <p:childTnLst>
+                                    <p:animEffect transition="out" filter="fade">
+                                      <p:cBhvr>
+                                        <p:cTn id="78" dur="500"/>
+                                        <p:tgtEl>
+                                          <p:spTgt spid="4109"/>
+                                        </p:tgtEl>
+                                      </p:cBhvr>
+                                    </p:animEffect>
+                                    <p:set>
+                                      <p:cBhvr>
+                                        <p:cTn id="79" dur="1" fill="hold">
+                                          <p:stCondLst>
+                                            <p:cond delay="499"/>
+                                          </p:stCondLst>
+                                        </p:cTn>
+                                        <p:tgtEl>
+                                          <p:spTgt spid="4109"/>
+                                        </p:tgtEl>
+                                        <p:attrNameLst>
+                                          <p:attrName>style.visibility</p:attrName>
+                                        </p:attrNameLst>
+                                      </p:cBhvr>
+                                      <p:to>
+                                        <p:strVal val="hidden"/>
+                                      </p:to>
+                                    </p:set>
+                                  </p:childTnLst>
+                                </p:cTn>
+                              </p:par>
+                              <p:par>
+                                <p:cTn id="80" presetID="35" presetClass="path" presetSubtype="0" accel="50000" decel="50000" fill="hold" nodeType="withEffect">
+                                  <p:stCondLst>
+                                    <p:cond delay="0"/>
+                                  </p:stCondLst>
+                                  <p:childTnLst>
+                                    <p:animMotion origin="layout" path="M -3.88889E-6 1.11111E-6 L -0.04635 1.11111E-6 " pathEditMode="relative" rAng="0" ptsTypes="AA">
+                                      <p:cBhvr>
+                                        <p:cTn id="81" dur="2000" fill="hold"/>
+                                        <p:tgtEl>
+                                          <p:spTgt spid="4109"/>
+                                        </p:tgtEl>
+                                        <p:attrNameLst>
+                                          <p:attrName>ppt_x</p:attrName>
+                                          <p:attrName>ppt_y</p:attrName>
+                                        </p:attrNameLst>
+                                      </p:cBhvr>
+                                      <p:rCtr x="-2326" y="0"/>
+                                    </p:animMotion>
+                                  </p:childTnLst>
+                                </p:cTn>
+                              </p:par>
+                            </p:childTnLst>
+                          </p:cTn>
+                        </p:par>
+                      </p:childTnLst>
+                    </p:cTn>
+                  </p:par>
+                </p:childTnLst>
+              </p:cTn>
+              <p:prevCondLst>
+                <p:cond evt="onPrev" delay="0">
+                  <p:tgtEl>
+                    <p:sldTgt/>
+                  </p:tgtEl>
+                </p:cond>
+              </p:prevCondLst>
+              <p:nextCondLst>
+                <p:cond evt="onNext" delay="0">
+                  <p:tgtEl>
+                    <p:sldTgt/>
+                  </p:tgtEl>
+                </p:cond>
+              </p:nextCondLst>
+            </p:seq>
+          </p:childTnLst>
+        </p:cTn>
       </p:par>
     </p:tnLst>
   </p:timing>

--- a/Programming Made Easy.pptx
+++ b/Programming Made Easy.pptx
@@ -5,7 +5,7 @@
     <p:sldMasterId id="2147483660" r:id="rId1"/>
   </p:sldMasterIdLst>
   <p:notesMasterIdLst>
-    <p:notesMasterId r:id="rId19"/>
+    <p:notesMasterId r:id="rId31"/>
   </p:notesMasterIdLst>
   <p:sldIdLst>
     <p:sldId id="256" r:id="rId2"/>
@@ -25,6 +25,18 @@
     <p:sldId id="273" r:id="rId16"/>
     <p:sldId id="274" r:id="rId17"/>
     <p:sldId id="275" r:id="rId18"/>
+    <p:sldId id="276" r:id="rId19"/>
+    <p:sldId id="277" r:id="rId20"/>
+    <p:sldId id="278" r:id="rId21"/>
+    <p:sldId id="279" r:id="rId22"/>
+    <p:sldId id="281" r:id="rId23"/>
+    <p:sldId id="282" r:id="rId24"/>
+    <p:sldId id="280" r:id="rId25"/>
+    <p:sldId id="283" r:id="rId26"/>
+    <p:sldId id="284" r:id="rId27"/>
+    <p:sldId id="285" r:id="rId28"/>
+    <p:sldId id="286" r:id="rId29"/>
+    <p:sldId id="287" r:id="rId30"/>
   </p:sldIdLst>
   <p:sldSz cx="9144000" cy="6858000" type="screen4x3"/>
   <p:notesSz cx="6858000" cy="9144000"/>
@@ -1162,6 +1174,13 @@
         </dgm:presLayoutVars>
       </dgm:prSet>
       <dgm:spPr/>
+      <dgm:t>
+        <a:bodyPr/>
+        <a:lstStyle/>
+        <a:p>
+          <a:endParaRPr lang="en-CA"/>
+        </a:p>
+      </dgm:t>
     </dgm:pt>
     <dgm:pt modelId="{DCB29E81-A59A-4B6D-BA07-41605D9225B2}" type="pres">
       <dgm:prSet presAssocID="{E4A4D157-203A-4305-937E-7FA38981CCFD}" presName="node" presStyleLbl="node1" presStyleIdx="0" presStyleCnt="7">
@@ -1170,14 +1189,35 @@
         </dgm:presLayoutVars>
       </dgm:prSet>
       <dgm:spPr/>
+      <dgm:t>
+        <a:bodyPr/>
+        <a:lstStyle/>
+        <a:p>
+          <a:endParaRPr lang="en-CA"/>
+        </a:p>
+      </dgm:t>
     </dgm:pt>
     <dgm:pt modelId="{9B8A471A-7A82-4B4B-B68B-215264F3E000}" type="pres">
       <dgm:prSet presAssocID="{75AB053C-BC49-4F8E-ADE1-7B789215BE55}" presName="sibTrans" presStyleLbl="sibTrans2D1" presStyleIdx="0" presStyleCnt="6"/>
       <dgm:spPr/>
+      <dgm:t>
+        <a:bodyPr/>
+        <a:lstStyle/>
+        <a:p>
+          <a:endParaRPr lang="en-CA"/>
+        </a:p>
+      </dgm:t>
     </dgm:pt>
     <dgm:pt modelId="{458587D2-F709-445F-9C08-410BABB7C5AE}" type="pres">
       <dgm:prSet presAssocID="{75AB053C-BC49-4F8E-ADE1-7B789215BE55}" presName="connectorText" presStyleLbl="sibTrans2D1" presStyleIdx="0" presStyleCnt="6"/>
       <dgm:spPr/>
+      <dgm:t>
+        <a:bodyPr/>
+        <a:lstStyle/>
+        <a:p>
+          <a:endParaRPr lang="en-CA"/>
+        </a:p>
+      </dgm:t>
     </dgm:pt>
     <dgm:pt modelId="{C467C268-25B0-4BC1-A5BF-3B68D1AE95EE}" type="pres">
       <dgm:prSet presAssocID="{C099C04B-7C10-4D4D-B42F-0DC2C5FE0532}" presName="node" presStyleLbl="node1" presStyleIdx="1" presStyleCnt="7">
@@ -1186,14 +1226,35 @@
         </dgm:presLayoutVars>
       </dgm:prSet>
       <dgm:spPr/>
+      <dgm:t>
+        <a:bodyPr/>
+        <a:lstStyle/>
+        <a:p>
+          <a:endParaRPr lang="en-CA"/>
+        </a:p>
+      </dgm:t>
     </dgm:pt>
     <dgm:pt modelId="{C30D676A-8E69-4F70-A46D-6651B2C07ED2}" type="pres">
       <dgm:prSet presAssocID="{C64478D1-ECA7-4C88-B50B-AD3FF886DB54}" presName="sibTrans" presStyleLbl="sibTrans2D1" presStyleIdx="1" presStyleCnt="6"/>
       <dgm:spPr/>
+      <dgm:t>
+        <a:bodyPr/>
+        <a:lstStyle/>
+        <a:p>
+          <a:endParaRPr lang="en-CA"/>
+        </a:p>
+      </dgm:t>
     </dgm:pt>
     <dgm:pt modelId="{BA7597EC-C6F8-4EA3-A2CF-9E9AE0796D9A}" type="pres">
       <dgm:prSet presAssocID="{C64478D1-ECA7-4C88-B50B-AD3FF886DB54}" presName="connectorText" presStyleLbl="sibTrans2D1" presStyleIdx="1" presStyleCnt="6"/>
       <dgm:spPr/>
+      <dgm:t>
+        <a:bodyPr/>
+        <a:lstStyle/>
+        <a:p>
+          <a:endParaRPr lang="en-CA"/>
+        </a:p>
+      </dgm:t>
     </dgm:pt>
     <dgm:pt modelId="{EC74E0A0-BA94-43BD-A26D-6F856D898C92}" type="pres">
       <dgm:prSet presAssocID="{420A1D8D-50F5-41B3-91EA-AC875BCEB00F}" presName="node" presStyleLbl="node1" presStyleIdx="2" presStyleCnt="7">
@@ -1202,14 +1263,35 @@
         </dgm:presLayoutVars>
       </dgm:prSet>
       <dgm:spPr/>
+      <dgm:t>
+        <a:bodyPr/>
+        <a:lstStyle/>
+        <a:p>
+          <a:endParaRPr lang="en-CA"/>
+        </a:p>
+      </dgm:t>
     </dgm:pt>
     <dgm:pt modelId="{F72AE6EF-1BF3-4CF9-AE79-663AFF17237C}" type="pres">
       <dgm:prSet presAssocID="{BD090A83-E8EE-461C-9947-97554A966FB8}" presName="sibTrans" presStyleLbl="sibTrans2D1" presStyleIdx="2" presStyleCnt="6"/>
       <dgm:spPr/>
+      <dgm:t>
+        <a:bodyPr/>
+        <a:lstStyle/>
+        <a:p>
+          <a:endParaRPr lang="en-CA"/>
+        </a:p>
+      </dgm:t>
     </dgm:pt>
     <dgm:pt modelId="{B2600AD0-E947-498C-8471-9494B2A7AA31}" type="pres">
       <dgm:prSet presAssocID="{BD090A83-E8EE-461C-9947-97554A966FB8}" presName="connectorText" presStyleLbl="sibTrans2D1" presStyleIdx="2" presStyleCnt="6"/>
       <dgm:spPr/>
+      <dgm:t>
+        <a:bodyPr/>
+        <a:lstStyle/>
+        <a:p>
+          <a:endParaRPr lang="en-CA"/>
+        </a:p>
+      </dgm:t>
     </dgm:pt>
     <dgm:pt modelId="{9B033134-2ECD-4474-9E00-0F212BE493AE}" type="pres">
       <dgm:prSet presAssocID="{68FEEAA9-9E70-4A86-B26E-862B55B4783A}" presName="node" presStyleLbl="node1" presStyleIdx="3" presStyleCnt="7">
@@ -1218,14 +1300,35 @@
         </dgm:presLayoutVars>
       </dgm:prSet>
       <dgm:spPr/>
+      <dgm:t>
+        <a:bodyPr/>
+        <a:lstStyle/>
+        <a:p>
+          <a:endParaRPr lang="en-CA"/>
+        </a:p>
+      </dgm:t>
     </dgm:pt>
     <dgm:pt modelId="{8ECB1BFC-E720-4B13-A6F5-39366ABFD7B7}" type="pres">
       <dgm:prSet presAssocID="{7193EA06-F4C8-4F06-B0CD-80A85F2738BC}" presName="sibTrans" presStyleLbl="sibTrans2D1" presStyleIdx="3" presStyleCnt="6"/>
       <dgm:spPr/>
+      <dgm:t>
+        <a:bodyPr/>
+        <a:lstStyle/>
+        <a:p>
+          <a:endParaRPr lang="en-CA"/>
+        </a:p>
+      </dgm:t>
     </dgm:pt>
     <dgm:pt modelId="{5474E4C2-69CD-41FF-BCDA-AA9E3573D0E0}" type="pres">
       <dgm:prSet presAssocID="{7193EA06-F4C8-4F06-B0CD-80A85F2738BC}" presName="connectorText" presStyleLbl="sibTrans2D1" presStyleIdx="3" presStyleCnt="6"/>
       <dgm:spPr/>
+      <dgm:t>
+        <a:bodyPr/>
+        <a:lstStyle/>
+        <a:p>
+          <a:endParaRPr lang="en-CA"/>
+        </a:p>
+      </dgm:t>
     </dgm:pt>
     <dgm:pt modelId="{B92875FC-2553-45FA-840C-85167EC7540E}" type="pres">
       <dgm:prSet presAssocID="{FCD98BC2-3CE0-4B37-B6C5-01FC577BA2A3}" presName="node" presStyleLbl="node1" presStyleIdx="4" presStyleCnt="7">
@@ -1234,14 +1337,35 @@
         </dgm:presLayoutVars>
       </dgm:prSet>
       <dgm:spPr/>
+      <dgm:t>
+        <a:bodyPr/>
+        <a:lstStyle/>
+        <a:p>
+          <a:endParaRPr lang="en-CA"/>
+        </a:p>
+      </dgm:t>
     </dgm:pt>
     <dgm:pt modelId="{0B155A41-750A-4B8A-87B2-1A847CD8BFC4}" type="pres">
       <dgm:prSet presAssocID="{C62A679D-B932-4EDE-9D9D-CCFBE79DBE31}" presName="sibTrans" presStyleLbl="sibTrans2D1" presStyleIdx="4" presStyleCnt="6"/>
       <dgm:spPr/>
+      <dgm:t>
+        <a:bodyPr/>
+        <a:lstStyle/>
+        <a:p>
+          <a:endParaRPr lang="en-CA"/>
+        </a:p>
+      </dgm:t>
     </dgm:pt>
     <dgm:pt modelId="{767524B7-E35A-407C-B990-C58FE1C0E866}" type="pres">
       <dgm:prSet presAssocID="{C62A679D-B932-4EDE-9D9D-CCFBE79DBE31}" presName="connectorText" presStyleLbl="sibTrans2D1" presStyleIdx="4" presStyleCnt="6"/>
       <dgm:spPr/>
+      <dgm:t>
+        <a:bodyPr/>
+        <a:lstStyle/>
+        <a:p>
+          <a:endParaRPr lang="en-CA"/>
+        </a:p>
+      </dgm:t>
     </dgm:pt>
     <dgm:pt modelId="{EADD79D6-3357-4B29-ADE7-838185515F82}" type="pres">
       <dgm:prSet presAssocID="{812EE3A9-CE86-4B1D-A77E-3E1690F9F96E}" presName="node" presStyleLbl="node1" presStyleIdx="5" presStyleCnt="7">
@@ -1250,14 +1374,35 @@
         </dgm:presLayoutVars>
       </dgm:prSet>
       <dgm:spPr/>
+      <dgm:t>
+        <a:bodyPr/>
+        <a:lstStyle/>
+        <a:p>
+          <a:endParaRPr lang="en-CA"/>
+        </a:p>
+      </dgm:t>
     </dgm:pt>
     <dgm:pt modelId="{36A9ADF9-4278-47BA-8E79-91B6C5E5838B}" type="pres">
       <dgm:prSet presAssocID="{5E3B1937-C6F7-4B1A-92B2-DC434A284F99}" presName="sibTrans" presStyleLbl="sibTrans2D1" presStyleIdx="5" presStyleCnt="6"/>
       <dgm:spPr/>
+      <dgm:t>
+        <a:bodyPr/>
+        <a:lstStyle/>
+        <a:p>
+          <a:endParaRPr lang="en-CA"/>
+        </a:p>
+      </dgm:t>
     </dgm:pt>
     <dgm:pt modelId="{A7687EAF-9952-4155-8586-6EC97C0A810C}" type="pres">
       <dgm:prSet presAssocID="{5E3B1937-C6F7-4B1A-92B2-DC434A284F99}" presName="connectorText" presStyleLbl="sibTrans2D1" presStyleIdx="5" presStyleCnt="6"/>
       <dgm:spPr/>
+      <dgm:t>
+        <a:bodyPr/>
+        <a:lstStyle/>
+        <a:p>
+          <a:endParaRPr lang="en-CA"/>
+        </a:p>
+      </dgm:t>
     </dgm:pt>
     <dgm:pt modelId="{8E2AAF9F-7038-4F42-A312-7850B716D04E}" type="pres">
       <dgm:prSet presAssocID="{F1C7688F-841A-4202-8675-D9F72F06BEC8}" presName="node" presStyleLbl="node1" presStyleIdx="6" presStyleCnt="7">
@@ -1266,36 +1411,43 @@
         </dgm:presLayoutVars>
       </dgm:prSet>
       <dgm:spPr/>
+      <dgm:t>
+        <a:bodyPr/>
+        <a:lstStyle/>
+        <a:p>
+          <a:endParaRPr lang="en-CA"/>
+        </a:p>
+      </dgm:t>
     </dgm:pt>
   </dgm:ptLst>
   <dgm:cxnLst>
+    <dgm:cxn modelId="{CC7494D6-1270-40E2-A562-7C09BB436E0F}" srcId="{E81CF95B-531A-44BB-A7F8-B9E5AA8700D3}" destId="{68FEEAA9-9E70-4A86-B26E-862B55B4783A}" srcOrd="3" destOrd="0" parTransId="{889D7DB5-ADD3-4744-8445-4DD510AF1487}" sibTransId="{7193EA06-F4C8-4F06-B0CD-80A85F2738BC}"/>
+    <dgm:cxn modelId="{2FCCD012-172B-4943-A534-94A61619F220}" type="presOf" srcId="{68FEEAA9-9E70-4A86-B26E-862B55B4783A}" destId="{9B033134-2ECD-4474-9E00-0F212BE493AE}" srcOrd="0" destOrd="0" presId="urn:microsoft.com/office/officeart/2005/8/layout/process5"/>
+    <dgm:cxn modelId="{CC21F4AD-0C9C-4F06-AB78-C66F9E4E2497}" type="presOf" srcId="{C62A679D-B932-4EDE-9D9D-CCFBE79DBE31}" destId="{0B155A41-750A-4B8A-87B2-1A847CD8BFC4}" srcOrd="0" destOrd="0" presId="urn:microsoft.com/office/officeart/2005/8/layout/process5"/>
+    <dgm:cxn modelId="{4559845A-86ED-4E73-A1F9-9203FC082D3C}" type="presOf" srcId="{5E3B1937-C6F7-4B1A-92B2-DC434A284F99}" destId="{A7687EAF-9952-4155-8586-6EC97C0A810C}" srcOrd="1" destOrd="0" presId="urn:microsoft.com/office/officeart/2005/8/layout/process5"/>
+    <dgm:cxn modelId="{F1C5F155-C624-4A6B-8C32-E72EF83CB1D7}" type="presOf" srcId="{5E3B1937-C6F7-4B1A-92B2-DC434A284F99}" destId="{36A9ADF9-4278-47BA-8E79-91B6C5E5838B}" srcOrd="0" destOrd="0" presId="urn:microsoft.com/office/officeart/2005/8/layout/process5"/>
     <dgm:cxn modelId="{9DF1FCA3-8846-4AE5-B464-737B7D163654}" type="presOf" srcId="{7193EA06-F4C8-4F06-B0CD-80A85F2738BC}" destId="{8ECB1BFC-E720-4B13-A6F5-39366ABFD7B7}" srcOrd="0" destOrd="0" presId="urn:microsoft.com/office/officeart/2005/8/layout/process5"/>
+    <dgm:cxn modelId="{C0244E39-A3AA-4CEE-8CF2-A7C2E134E5CA}" type="presOf" srcId="{E81CF95B-531A-44BB-A7F8-B9E5AA8700D3}" destId="{891AA688-3C58-405D-BA89-C076C9455C42}" srcOrd="0" destOrd="0" presId="urn:microsoft.com/office/officeart/2005/8/layout/process5"/>
+    <dgm:cxn modelId="{3D934102-3693-4F27-A318-4B4E5E82F0B2}" type="presOf" srcId="{7193EA06-F4C8-4F06-B0CD-80A85F2738BC}" destId="{5474E4C2-69CD-41FF-BCDA-AA9E3573D0E0}" srcOrd="1" destOrd="0" presId="urn:microsoft.com/office/officeart/2005/8/layout/process5"/>
+    <dgm:cxn modelId="{F5894E5A-B2A1-405F-9CEF-2EB132C549E9}" type="presOf" srcId="{C64478D1-ECA7-4C88-B50B-AD3FF886DB54}" destId="{BA7597EC-C6F8-4EA3-A2CF-9E9AE0796D9A}" srcOrd="1" destOrd="0" presId="urn:microsoft.com/office/officeart/2005/8/layout/process5"/>
+    <dgm:cxn modelId="{FB30E914-A950-438F-A06E-9414EFC767A8}" srcId="{E81CF95B-531A-44BB-A7F8-B9E5AA8700D3}" destId="{812EE3A9-CE86-4B1D-A77E-3E1690F9F96E}" srcOrd="5" destOrd="0" parTransId="{598B2C0B-A990-46F4-A33D-AD8979F4576C}" sibTransId="{5E3B1937-C6F7-4B1A-92B2-DC434A284F99}"/>
+    <dgm:cxn modelId="{04015FBB-3801-49C7-BBEB-A28CCBD65A24}" type="presOf" srcId="{75AB053C-BC49-4F8E-ADE1-7B789215BE55}" destId="{458587D2-F709-445F-9C08-410BABB7C5AE}" srcOrd="1" destOrd="0" presId="urn:microsoft.com/office/officeart/2005/8/layout/process5"/>
     <dgm:cxn modelId="{04A0EA7D-74C5-40E1-B0DD-9B0E4031BEDE}" type="presOf" srcId="{F1C7688F-841A-4202-8675-D9F72F06BEC8}" destId="{8E2AAF9F-7038-4F42-A312-7850B716D04E}" srcOrd="0" destOrd="0" presId="urn:microsoft.com/office/officeart/2005/8/layout/process5"/>
+    <dgm:cxn modelId="{AFFB2DC0-7E53-42D6-A357-E38095EF7E7E}" srcId="{E81CF95B-531A-44BB-A7F8-B9E5AA8700D3}" destId="{F1C7688F-841A-4202-8675-D9F72F06BEC8}" srcOrd="6" destOrd="0" parTransId="{22C5C15C-6203-4640-B795-63EC2EAC94A1}" sibTransId="{761CE98E-7B25-4624-9A4A-E53F776D8622}"/>
+    <dgm:cxn modelId="{29F35F16-63C7-4600-90BF-D668CEFD5B4F}" type="presOf" srcId="{812EE3A9-CE86-4B1D-A77E-3E1690F9F96E}" destId="{EADD79D6-3357-4B29-ADE7-838185515F82}" srcOrd="0" destOrd="0" presId="urn:microsoft.com/office/officeart/2005/8/layout/process5"/>
+    <dgm:cxn modelId="{D583D288-8E2E-4FF0-906A-2ED592A26CCA}" type="presOf" srcId="{BD090A83-E8EE-461C-9947-97554A966FB8}" destId="{F72AE6EF-1BF3-4CF9-AE79-663AFF17237C}" srcOrd="0" destOrd="0" presId="urn:microsoft.com/office/officeart/2005/8/layout/process5"/>
+    <dgm:cxn modelId="{6E375500-44AD-45BE-9030-C6406EB773F0}" type="presOf" srcId="{FCD98BC2-3CE0-4B37-B6C5-01FC577BA2A3}" destId="{B92875FC-2553-45FA-840C-85167EC7540E}" srcOrd="0" destOrd="0" presId="urn:microsoft.com/office/officeart/2005/8/layout/process5"/>
+    <dgm:cxn modelId="{66D0438E-671D-409D-B1AC-EE07D43BBE16}" type="presOf" srcId="{C099C04B-7C10-4D4D-B42F-0DC2C5FE0532}" destId="{C467C268-25B0-4BC1-A5BF-3B68D1AE95EE}" srcOrd="0" destOrd="0" presId="urn:microsoft.com/office/officeart/2005/8/layout/process5"/>
     <dgm:cxn modelId="{81626EB6-201F-4028-8E2A-F4547D7ECDF3}" type="presOf" srcId="{C64478D1-ECA7-4C88-B50B-AD3FF886DB54}" destId="{C30D676A-8E69-4F70-A46D-6651B2C07ED2}" srcOrd="0" destOrd="0" presId="urn:microsoft.com/office/officeart/2005/8/layout/process5"/>
-    <dgm:cxn modelId="{66D0438E-671D-409D-B1AC-EE07D43BBE16}" type="presOf" srcId="{C099C04B-7C10-4D4D-B42F-0DC2C5FE0532}" destId="{C467C268-25B0-4BC1-A5BF-3B68D1AE95EE}" srcOrd="0" destOrd="0" presId="urn:microsoft.com/office/officeart/2005/8/layout/process5"/>
-    <dgm:cxn modelId="{4559845A-86ED-4E73-A1F9-9203FC082D3C}" type="presOf" srcId="{5E3B1937-C6F7-4B1A-92B2-DC434A284F99}" destId="{A7687EAF-9952-4155-8586-6EC97C0A810C}" srcOrd="1" destOrd="0" presId="urn:microsoft.com/office/officeart/2005/8/layout/process5"/>
-    <dgm:cxn modelId="{CC7494D6-1270-40E2-A562-7C09BB436E0F}" srcId="{E81CF95B-531A-44BB-A7F8-B9E5AA8700D3}" destId="{68FEEAA9-9E70-4A86-B26E-862B55B4783A}" srcOrd="3" destOrd="0" parTransId="{889D7DB5-ADD3-4744-8445-4DD510AF1487}" sibTransId="{7193EA06-F4C8-4F06-B0CD-80A85F2738BC}"/>
-    <dgm:cxn modelId="{CC21F4AD-0C9C-4F06-AB78-C66F9E4E2497}" type="presOf" srcId="{C62A679D-B932-4EDE-9D9D-CCFBE79DBE31}" destId="{0B155A41-750A-4B8A-87B2-1A847CD8BFC4}" srcOrd="0" destOrd="0" presId="urn:microsoft.com/office/officeart/2005/8/layout/process5"/>
+    <dgm:cxn modelId="{C01F4461-EC5B-4AE3-B7F9-0A9D194622DC}" srcId="{E81CF95B-531A-44BB-A7F8-B9E5AA8700D3}" destId="{420A1D8D-50F5-41B3-91EA-AC875BCEB00F}" srcOrd="2" destOrd="0" parTransId="{844A627F-43C7-4C0C-B5F9-4EA2684F5578}" sibTransId="{BD090A83-E8EE-461C-9947-97554A966FB8}"/>
+    <dgm:cxn modelId="{81777B3A-9312-4E35-8B9B-AA8C89CA4F0E}" type="presOf" srcId="{C62A679D-B932-4EDE-9D9D-CCFBE79DBE31}" destId="{767524B7-E35A-407C-B990-C58FE1C0E866}" srcOrd="1" destOrd="0" presId="urn:microsoft.com/office/officeart/2005/8/layout/process5"/>
     <dgm:cxn modelId="{00A67234-F65E-4B35-BA67-598A7AA04591}" type="presOf" srcId="{E4A4D157-203A-4305-937E-7FA38981CCFD}" destId="{DCB29E81-A59A-4B6D-BA07-41605D9225B2}" srcOrd="0" destOrd="0" presId="urn:microsoft.com/office/officeart/2005/8/layout/process5"/>
-    <dgm:cxn modelId="{2FCCD012-172B-4943-A534-94A61619F220}" type="presOf" srcId="{68FEEAA9-9E70-4A86-B26E-862B55B4783A}" destId="{9B033134-2ECD-4474-9E00-0F212BE493AE}" srcOrd="0" destOrd="0" presId="urn:microsoft.com/office/officeart/2005/8/layout/process5"/>
-    <dgm:cxn modelId="{D583D288-8E2E-4FF0-906A-2ED592A26CCA}" type="presOf" srcId="{BD090A83-E8EE-461C-9947-97554A966FB8}" destId="{F72AE6EF-1BF3-4CF9-AE79-663AFF17237C}" srcOrd="0" destOrd="0" presId="urn:microsoft.com/office/officeart/2005/8/layout/process5"/>
+    <dgm:cxn modelId="{3A855BBE-A4ED-4906-9690-481A9877A0D8}" type="presOf" srcId="{420A1D8D-50F5-41B3-91EA-AC875BCEB00F}" destId="{EC74E0A0-BA94-43BD-A26D-6F856D898C92}" srcOrd="0" destOrd="0" presId="urn:microsoft.com/office/officeart/2005/8/layout/process5"/>
     <dgm:cxn modelId="{ACDBB25B-497F-4EAD-BD44-81DFD0CA1C7A}" type="presOf" srcId="{75AB053C-BC49-4F8E-ADE1-7B789215BE55}" destId="{9B8A471A-7A82-4B4B-B68B-215264F3E000}" srcOrd="0" destOrd="0" presId="urn:microsoft.com/office/officeart/2005/8/layout/process5"/>
+    <dgm:cxn modelId="{A0BE30D9-4967-4A44-A3F2-51D0AB66151C}" type="presOf" srcId="{BD090A83-E8EE-461C-9947-97554A966FB8}" destId="{B2600AD0-E947-498C-8471-9494B2A7AA31}" srcOrd="1" destOrd="0" presId="urn:microsoft.com/office/officeart/2005/8/layout/process5"/>
     <dgm:cxn modelId="{58B638A9-3C26-4EE4-B1CA-4F0CD7DCB1A3}" srcId="{E81CF95B-531A-44BB-A7F8-B9E5AA8700D3}" destId="{C099C04B-7C10-4D4D-B42F-0DC2C5FE0532}" srcOrd="1" destOrd="0" parTransId="{39116BB3-A3BF-4C45-AF63-61E0E05C6B85}" sibTransId="{C64478D1-ECA7-4C88-B50B-AD3FF886DB54}"/>
-    <dgm:cxn modelId="{AFFB2DC0-7E53-42D6-A357-E38095EF7E7E}" srcId="{E81CF95B-531A-44BB-A7F8-B9E5AA8700D3}" destId="{F1C7688F-841A-4202-8675-D9F72F06BEC8}" srcOrd="6" destOrd="0" parTransId="{22C5C15C-6203-4640-B795-63EC2EAC94A1}" sibTransId="{761CE98E-7B25-4624-9A4A-E53F776D8622}"/>
     <dgm:cxn modelId="{C7341F1D-82C8-4E5F-93EA-87261C7C7A5B}" srcId="{E81CF95B-531A-44BB-A7F8-B9E5AA8700D3}" destId="{FCD98BC2-3CE0-4B37-B6C5-01FC577BA2A3}" srcOrd="4" destOrd="0" parTransId="{73363205-656E-4727-BAF6-137396DE6CD0}" sibTransId="{C62A679D-B932-4EDE-9D9D-CCFBE79DBE31}"/>
-    <dgm:cxn modelId="{A0BE30D9-4967-4A44-A3F2-51D0AB66151C}" type="presOf" srcId="{BD090A83-E8EE-461C-9947-97554A966FB8}" destId="{B2600AD0-E947-498C-8471-9494B2A7AA31}" srcOrd="1" destOrd="0" presId="urn:microsoft.com/office/officeart/2005/8/layout/process5"/>
-    <dgm:cxn modelId="{6E375500-44AD-45BE-9030-C6406EB773F0}" type="presOf" srcId="{FCD98BC2-3CE0-4B37-B6C5-01FC577BA2A3}" destId="{B92875FC-2553-45FA-840C-85167EC7540E}" srcOrd="0" destOrd="0" presId="urn:microsoft.com/office/officeart/2005/8/layout/process5"/>
-    <dgm:cxn modelId="{3A855BBE-A4ED-4906-9690-481A9877A0D8}" type="presOf" srcId="{420A1D8D-50F5-41B3-91EA-AC875BCEB00F}" destId="{EC74E0A0-BA94-43BD-A26D-6F856D898C92}" srcOrd="0" destOrd="0" presId="urn:microsoft.com/office/officeart/2005/8/layout/process5"/>
-    <dgm:cxn modelId="{3D934102-3693-4F27-A318-4B4E5E82F0B2}" type="presOf" srcId="{7193EA06-F4C8-4F06-B0CD-80A85F2738BC}" destId="{5474E4C2-69CD-41FF-BCDA-AA9E3573D0E0}" srcOrd="1" destOrd="0" presId="urn:microsoft.com/office/officeart/2005/8/layout/process5"/>
     <dgm:cxn modelId="{9E4DB42D-226A-42AC-82C9-B82FD3E179A5}" srcId="{E81CF95B-531A-44BB-A7F8-B9E5AA8700D3}" destId="{E4A4D157-203A-4305-937E-7FA38981CCFD}" srcOrd="0" destOrd="0" parTransId="{3F2ED1CC-283D-43C9-8EF3-319093FB5020}" sibTransId="{75AB053C-BC49-4F8E-ADE1-7B789215BE55}"/>
-    <dgm:cxn modelId="{29F35F16-63C7-4600-90BF-D668CEFD5B4F}" type="presOf" srcId="{812EE3A9-CE86-4B1D-A77E-3E1690F9F96E}" destId="{EADD79D6-3357-4B29-ADE7-838185515F82}" srcOrd="0" destOrd="0" presId="urn:microsoft.com/office/officeart/2005/8/layout/process5"/>
-    <dgm:cxn modelId="{81777B3A-9312-4E35-8B9B-AA8C89CA4F0E}" type="presOf" srcId="{C62A679D-B932-4EDE-9D9D-CCFBE79DBE31}" destId="{767524B7-E35A-407C-B990-C58FE1C0E866}" srcOrd="1" destOrd="0" presId="urn:microsoft.com/office/officeart/2005/8/layout/process5"/>
-    <dgm:cxn modelId="{FB30E914-A950-438F-A06E-9414EFC767A8}" srcId="{E81CF95B-531A-44BB-A7F8-B9E5AA8700D3}" destId="{812EE3A9-CE86-4B1D-A77E-3E1690F9F96E}" srcOrd="5" destOrd="0" parTransId="{598B2C0B-A990-46F4-A33D-AD8979F4576C}" sibTransId="{5E3B1937-C6F7-4B1A-92B2-DC434A284F99}"/>
-    <dgm:cxn modelId="{C01F4461-EC5B-4AE3-B7F9-0A9D194622DC}" srcId="{E81CF95B-531A-44BB-A7F8-B9E5AA8700D3}" destId="{420A1D8D-50F5-41B3-91EA-AC875BCEB00F}" srcOrd="2" destOrd="0" parTransId="{844A627F-43C7-4C0C-B5F9-4EA2684F5578}" sibTransId="{BD090A83-E8EE-461C-9947-97554A966FB8}"/>
-    <dgm:cxn modelId="{F1C5F155-C624-4A6B-8C32-E72EF83CB1D7}" type="presOf" srcId="{5E3B1937-C6F7-4B1A-92B2-DC434A284F99}" destId="{36A9ADF9-4278-47BA-8E79-91B6C5E5838B}" srcOrd="0" destOrd="0" presId="urn:microsoft.com/office/officeart/2005/8/layout/process5"/>
-    <dgm:cxn modelId="{04015FBB-3801-49C7-BBEB-A28CCBD65A24}" type="presOf" srcId="{75AB053C-BC49-4F8E-ADE1-7B789215BE55}" destId="{458587D2-F709-445F-9C08-410BABB7C5AE}" srcOrd="1" destOrd="0" presId="urn:microsoft.com/office/officeart/2005/8/layout/process5"/>
-    <dgm:cxn modelId="{F5894E5A-B2A1-405F-9CEF-2EB132C549E9}" type="presOf" srcId="{C64478D1-ECA7-4C88-B50B-AD3FF886DB54}" destId="{BA7597EC-C6F8-4EA3-A2CF-9E9AE0796D9A}" srcOrd="1" destOrd="0" presId="urn:microsoft.com/office/officeart/2005/8/layout/process5"/>
-    <dgm:cxn modelId="{C0244E39-A3AA-4CEE-8CF2-A7C2E134E5CA}" type="presOf" srcId="{E81CF95B-531A-44BB-A7F8-B9E5AA8700D3}" destId="{891AA688-3C58-405D-BA89-C076C9455C42}" srcOrd="0" destOrd="0" presId="urn:microsoft.com/office/officeart/2005/8/layout/process5"/>
     <dgm:cxn modelId="{C638885C-647F-4A2C-8590-7A665F77A10B}" type="presParOf" srcId="{891AA688-3C58-405D-BA89-C076C9455C42}" destId="{DCB29E81-A59A-4B6D-BA07-41605D9225B2}" srcOrd="0" destOrd="0" presId="urn:microsoft.com/office/officeart/2005/8/layout/process5"/>
     <dgm:cxn modelId="{5B7EC5A4-59C6-49D0-B6C4-5D5D44860B47}" type="presParOf" srcId="{891AA688-3C58-405D-BA89-C076C9455C42}" destId="{9B8A471A-7A82-4B4B-B68B-215264F3E000}" srcOrd="1" destOrd="0" presId="urn:microsoft.com/office/officeart/2005/8/layout/process5"/>
     <dgm:cxn modelId="{79D4AD12-FFC8-4A06-92A8-576B0F6DAC32}" type="presParOf" srcId="{9B8A471A-7A82-4B4B-B68B-215264F3E000}" destId="{458587D2-F709-445F-9C08-410BABB7C5AE}" srcOrd="0" destOrd="0" presId="urn:microsoft.com/office/officeart/2005/8/layout/process5"/>
@@ -3582,7 +3734,7 @@
           <a:p>
             <a:fld id="{9D3FBBFE-677F-4CC0-BF92-950C0F009223}" type="datetimeFigureOut">
               <a:rPr lang="en-CA" smtClean="0"/>
-              <a:t>16/09/2012</a:t>
+              <a:t>06/10/2012</a:t>
             </a:fld>
             <a:endParaRPr lang="en-CA"/>
           </a:p>
@@ -4143,6 +4295,402 @@
     <p:extLst>
       <p:ext uri="{BB962C8B-B14F-4D97-AF65-F5344CB8AC3E}">
         <p14:creationId xmlns:p14="http://schemas.microsoft.com/office/powerpoint/2010/main" val="2945381652"/>
+      </p:ext>
+    </p:extLst>
+  </p:cSld>
+  <p:clrMapOvr>
+    <a:masterClrMapping/>
+  </p:clrMapOvr>
+</p:notes>
+</file>
+
+<file path=ppt/notesSlides/notesSlide4.xml><?xml version="1.0" encoding="utf-8"?>
+<p:notes xmlns:a="http://schemas.openxmlformats.org/drawingml/2006/main" xmlns:r="http://schemas.openxmlformats.org/officeDocument/2006/relationships" xmlns:p="http://schemas.openxmlformats.org/presentationml/2006/main">
+  <p:cSld>
+    <p:spTree>
+      <p:nvGrpSpPr>
+        <p:cNvPr id="1" name=""/>
+        <p:cNvGrpSpPr/>
+        <p:nvPr/>
+      </p:nvGrpSpPr>
+      <p:grpSpPr>
+        <a:xfrm>
+          <a:off x="0" y="0"/>
+          <a:ext cx="0" cy="0"/>
+          <a:chOff x="0" y="0"/>
+          <a:chExt cx="0" cy="0"/>
+        </a:xfrm>
+      </p:grpSpPr>
+      <p:sp>
+        <p:nvSpPr>
+          <p:cNvPr id="2" name="Slide Image Placeholder 1"/>
+          <p:cNvSpPr>
+            <a:spLocks noGrp="1" noRot="1" noChangeAspect="1"/>
+          </p:cNvSpPr>
+          <p:nvPr>
+            <p:ph type="sldImg"/>
+          </p:nvPr>
+        </p:nvSpPr>
+        <p:spPr/>
+      </p:sp>
+      <p:sp>
+        <p:nvSpPr>
+          <p:cNvPr id="3" name="Notes Placeholder 2"/>
+          <p:cNvSpPr>
+            <a:spLocks noGrp="1"/>
+          </p:cNvSpPr>
+          <p:nvPr>
+            <p:ph type="body" idx="1"/>
+          </p:nvPr>
+        </p:nvSpPr>
+        <p:spPr/>
+        <p:txBody>
+          <a:bodyPr/>
+          <a:lstStyle/>
+          <a:p>
+            <a:r>
+              <a:rPr lang="pl-PL" dirty="0" smtClean="0"/>
+              <a:t>Objects</a:t>
+            </a:r>
+            <a:r>
+              <a:rPr lang="pl-PL" baseline="0" dirty="0" smtClean="0"/>
+              <a:t> – encapsulate state and expose behaviour</a:t>
+            </a:r>
+            <a:endParaRPr lang="en-CA" dirty="0"/>
+          </a:p>
+        </p:txBody>
+      </p:sp>
+      <p:sp>
+        <p:nvSpPr>
+          <p:cNvPr id="4" name="Slide Number Placeholder 3"/>
+          <p:cNvSpPr>
+            <a:spLocks noGrp="1"/>
+          </p:cNvSpPr>
+          <p:nvPr>
+            <p:ph type="sldNum" sz="quarter" idx="10"/>
+          </p:nvPr>
+        </p:nvSpPr>
+        <p:spPr/>
+        <p:txBody>
+          <a:bodyPr/>
+          <a:lstStyle/>
+          <a:p>
+            <a:fld id="{F036235D-DA40-4917-9347-5AA27D26558A}" type="slidenum">
+              <a:rPr lang="en-CA" smtClean="0"/>
+              <a:t>16</a:t>
+            </a:fld>
+            <a:endParaRPr lang="en-CA"/>
+          </a:p>
+        </p:txBody>
+      </p:sp>
+    </p:spTree>
+    <p:extLst>
+      <p:ext uri="{BB962C8B-B14F-4D97-AF65-F5344CB8AC3E}">
+        <p14:creationId xmlns:p14="http://schemas.microsoft.com/office/powerpoint/2010/main" val="1103758951"/>
+      </p:ext>
+    </p:extLst>
+  </p:cSld>
+  <p:clrMapOvr>
+    <a:masterClrMapping/>
+  </p:clrMapOvr>
+</p:notes>
+</file>
+
+<file path=ppt/notesSlides/notesSlide5.xml><?xml version="1.0" encoding="utf-8"?>
+<p:notes xmlns:a="http://schemas.openxmlformats.org/drawingml/2006/main" xmlns:r="http://schemas.openxmlformats.org/officeDocument/2006/relationships" xmlns:p="http://schemas.openxmlformats.org/presentationml/2006/main">
+  <p:cSld>
+    <p:spTree>
+      <p:nvGrpSpPr>
+        <p:cNvPr id="1" name=""/>
+        <p:cNvGrpSpPr/>
+        <p:nvPr/>
+      </p:nvGrpSpPr>
+      <p:grpSpPr>
+        <a:xfrm>
+          <a:off x="0" y="0"/>
+          <a:ext cx="0" cy="0"/>
+          <a:chOff x="0" y="0"/>
+          <a:chExt cx="0" cy="0"/>
+        </a:xfrm>
+      </p:grpSpPr>
+      <p:sp>
+        <p:nvSpPr>
+          <p:cNvPr id="2" name="Slide Image Placeholder 1"/>
+          <p:cNvSpPr>
+            <a:spLocks noGrp="1" noRot="1" noChangeAspect="1"/>
+          </p:cNvSpPr>
+          <p:nvPr>
+            <p:ph type="sldImg"/>
+          </p:nvPr>
+        </p:nvSpPr>
+        <p:spPr/>
+      </p:sp>
+      <p:sp>
+        <p:nvSpPr>
+          <p:cNvPr id="3" name="Notes Placeholder 2"/>
+          <p:cNvSpPr>
+            <a:spLocks noGrp="1"/>
+          </p:cNvSpPr>
+          <p:nvPr>
+            <p:ph type="body" idx="1"/>
+          </p:nvPr>
+        </p:nvSpPr>
+        <p:spPr/>
+        <p:txBody>
+          <a:bodyPr/>
+          <a:lstStyle/>
+          <a:p>
+            <a:r>
+              <a:rPr lang="pl-PL" dirty="0" smtClean="0"/>
+              <a:t>15 no wifi</a:t>
+            </a:r>
+          </a:p>
+          <a:p>
+            <a:r>
+              <a:rPr lang="pl-PL" dirty="0" smtClean="0"/>
+              <a:t>16 wifi</a:t>
+            </a:r>
+            <a:endParaRPr lang="en-CA" dirty="0"/>
+          </a:p>
+        </p:txBody>
+      </p:sp>
+      <p:sp>
+        <p:nvSpPr>
+          <p:cNvPr id="4" name="Slide Number Placeholder 3"/>
+          <p:cNvSpPr>
+            <a:spLocks noGrp="1"/>
+          </p:cNvSpPr>
+          <p:nvPr>
+            <p:ph type="sldNum" sz="quarter" idx="10"/>
+          </p:nvPr>
+        </p:nvSpPr>
+        <p:spPr/>
+        <p:txBody>
+          <a:bodyPr/>
+          <a:lstStyle/>
+          <a:p>
+            <a:fld id="{F036235D-DA40-4917-9347-5AA27D26558A}" type="slidenum">
+              <a:rPr lang="en-CA" smtClean="0"/>
+              <a:t>27</a:t>
+            </a:fld>
+            <a:endParaRPr lang="en-CA"/>
+          </a:p>
+        </p:txBody>
+      </p:sp>
+    </p:spTree>
+    <p:extLst>
+      <p:ext uri="{BB962C8B-B14F-4D97-AF65-F5344CB8AC3E}">
+        <p14:creationId xmlns:p14="http://schemas.microsoft.com/office/powerpoint/2010/main" val="2681861613"/>
+      </p:ext>
+    </p:extLst>
+  </p:cSld>
+  <p:clrMapOvr>
+    <a:masterClrMapping/>
+  </p:clrMapOvr>
+</p:notes>
+</file>
+
+<file path=ppt/notesSlides/notesSlide6.xml><?xml version="1.0" encoding="utf-8"?>
+<p:notes xmlns:a="http://schemas.openxmlformats.org/drawingml/2006/main" xmlns:r="http://schemas.openxmlformats.org/officeDocument/2006/relationships" xmlns:p="http://schemas.openxmlformats.org/presentationml/2006/main">
+  <p:cSld>
+    <p:spTree>
+      <p:nvGrpSpPr>
+        <p:cNvPr id="1" name=""/>
+        <p:cNvGrpSpPr/>
+        <p:nvPr/>
+      </p:nvGrpSpPr>
+      <p:grpSpPr>
+        <a:xfrm>
+          <a:off x="0" y="0"/>
+          <a:ext cx="0" cy="0"/>
+          <a:chOff x="0" y="0"/>
+          <a:chExt cx="0" cy="0"/>
+        </a:xfrm>
+      </p:grpSpPr>
+      <p:sp>
+        <p:nvSpPr>
+          <p:cNvPr id="2" name="Slide Image Placeholder 1"/>
+          <p:cNvSpPr>
+            <a:spLocks noGrp="1" noRot="1" noChangeAspect="1"/>
+          </p:cNvSpPr>
+          <p:nvPr>
+            <p:ph type="sldImg"/>
+          </p:nvPr>
+        </p:nvSpPr>
+        <p:spPr/>
+      </p:sp>
+      <p:sp>
+        <p:nvSpPr>
+          <p:cNvPr id="3" name="Notes Placeholder 2"/>
+          <p:cNvSpPr>
+            <a:spLocks noGrp="1"/>
+          </p:cNvSpPr>
+          <p:nvPr>
+            <p:ph type="body" idx="1"/>
+          </p:nvPr>
+        </p:nvSpPr>
+        <p:spPr/>
+        <p:txBody>
+          <a:bodyPr/>
+          <a:lstStyle/>
+          <a:p>
+            <a:r>
+              <a:rPr lang="pl-PL" dirty="0" smtClean="0"/>
+              <a:t>#10 big</a:t>
+            </a:r>
+            <a:r>
+              <a:rPr lang="pl-PL" baseline="0" dirty="0" smtClean="0"/>
+              <a:t> </a:t>
+            </a:r>
+            <a:r>
+              <a:rPr lang="pl-PL" dirty="0" smtClean="0"/>
+              <a:t>(20)</a:t>
+            </a:r>
+          </a:p>
+          <a:p>
+            <a:endParaRPr lang="en-CA" dirty="0"/>
+          </a:p>
+        </p:txBody>
+      </p:sp>
+      <p:sp>
+        <p:nvSpPr>
+          <p:cNvPr id="4" name="Slide Number Placeholder 3"/>
+          <p:cNvSpPr>
+            <a:spLocks noGrp="1"/>
+          </p:cNvSpPr>
+          <p:nvPr>
+            <p:ph type="sldNum" sz="quarter" idx="10"/>
+          </p:nvPr>
+        </p:nvSpPr>
+        <p:spPr/>
+        <p:txBody>
+          <a:bodyPr/>
+          <a:lstStyle/>
+          <a:p>
+            <a:fld id="{F036235D-DA40-4917-9347-5AA27D26558A}" type="slidenum">
+              <a:rPr lang="en-CA" smtClean="0"/>
+              <a:t>28</a:t>
+            </a:fld>
+            <a:endParaRPr lang="en-CA"/>
+          </a:p>
+        </p:txBody>
+      </p:sp>
+    </p:spTree>
+    <p:extLst>
+      <p:ext uri="{BB962C8B-B14F-4D97-AF65-F5344CB8AC3E}">
+        <p14:creationId xmlns:p14="http://schemas.microsoft.com/office/powerpoint/2010/main" val="4202824239"/>
+      </p:ext>
+    </p:extLst>
+  </p:cSld>
+  <p:clrMapOvr>
+    <a:masterClrMapping/>
+  </p:clrMapOvr>
+</p:notes>
+</file>
+
+<file path=ppt/notesSlides/notesSlide7.xml><?xml version="1.0" encoding="utf-8"?>
+<p:notes xmlns:a="http://schemas.openxmlformats.org/drawingml/2006/main" xmlns:r="http://schemas.openxmlformats.org/officeDocument/2006/relationships" xmlns:p="http://schemas.openxmlformats.org/presentationml/2006/main">
+  <p:cSld>
+    <p:spTree>
+      <p:nvGrpSpPr>
+        <p:cNvPr id="1" name=""/>
+        <p:cNvGrpSpPr/>
+        <p:nvPr/>
+      </p:nvGrpSpPr>
+      <p:grpSpPr>
+        <a:xfrm>
+          <a:off x="0" y="0"/>
+          <a:ext cx="0" cy="0"/>
+          <a:chOff x="0" y="0"/>
+          <a:chExt cx="0" cy="0"/>
+        </a:xfrm>
+      </p:grpSpPr>
+      <p:sp>
+        <p:nvSpPr>
+          <p:cNvPr id="2" name="Slide Image Placeholder 1"/>
+          <p:cNvSpPr>
+            <a:spLocks noGrp="1" noRot="1" noChangeAspect="1"/>
+          </p:cNvSpPr>
+          <p:nvPr>
+            <p:ph type="sldImg"/>
+          </p:nvPr>
+        </p:nvSpPr>
+        <p:spPr/>
+      </p:sp>
+      <p:sp>
+        <p:nvSpPr>
+          <p:cNvPr id="3" name="Notes Placeholder 2"/>
+          <p:cNvSpPr>
+            <a:spLocks noGrp="1"/>
+          </p:cNvSpPr>
+          <p:nvPr>
+            <p:ph type="body" idx="1"/>
+          </p:nvPr>
+        </p:nvSpPr>
+        <p:spPr/>
+        <p:txBody>
+          <a:bodyPr/>
+          <a:lstStyle/>
+          <a:p>
+            <a:r>
+              <a:rPr lang="pl-PL" dirty="0" smtClean="0"/>
+              <a:t>10003 – 25,</a:t>
+            </a:r>
+            <a:r>
+              <a:rPr lang="pl-PL" baseline="0" dirty="0" smtClean="0"/>
+              <a:t> true</a:t>
+            </a:r>
+          </a:p>
+          <a:p>
+            <a:r>
+              <a:rPr lang="pl-PL" baseline="0" dirty="0" smtClean="0"/>
+              <a:t>10129 – 25, false</a:t>
+            </a:r>
+          </a:p>
+          <a:p>
+            <a:r>
+              <a:rPr lang="pl-PL" baseline="0" dirty="0" smtClean="0"/>
+              <a:t>15 – Miami</a:t>
+            </a:r>
+          </a:p>
+          <a:p>
+            <a:r>
+              <a:rPr lang="pl-PL" baseline="0" dirty="0" smtClean="0"/>
+              <a:t>250 – Weston</a:t>
+            </a:r>
+          </a:p>
+          <a:p>
+            <a:endParaRPr lang="en-CA" dirty="0"/>
+          </a:p>
+        </p:txBody>
+      </p:sp>
+      <p:sp>
+        <p:nvSpPr>
+          <p:cNvPr id="4" name="Slide Number Placeholder 3"/>
+          <p:cNvSpPr>
+            <a:spLocks noGrp="1"/>
+          </p:cNvSpPr>
+          <p:nvPr>
+            <p:ph type="sldNum" sz="quarter" idx="10"/>
+          </p:nvPr>
+        </p:nvSpPr>
+        <p:spPr/>
+        <p:txBody>
+          <a:bodyPr/>
+          <a:lstStyle/>
+          <a:p>
+            <a:fld id="{F036235D-DA40-4917-9347-5AA27D26558A}" type="slidenum">
+              <a:rPr lang="en-CA" smtClean="0"/>
+              <a:t>29</a:t>
+            </a:fld>
+            <a:endParaRPr lang="en-CA"/>
+          </a:p>
+        </p:txBody>
+      </p:sp>
+    </p:spTree>
+    <p:extLst>
+      <p:ext uri="{BB962C8B-B14F-4D97-AF65-F5344CB8AC3E}">
+        <p14:creationId xmlns:p14="http://schemas.microsoft.com/office/powerpoint/2010/main" val="3031098486"/>
       </p:ext>
     </p:extLst>
   </p:cSld>
@@ -9815,7 +10363,7 @@
           <a:p>
             <a:fld id="{450045EB-F0A2-405F-866B-BCD425706225}" type="datetimeFigureOut">
               <a:rPr lang="en-CA" smtClean="0"/>
-              <a:t>16/09/2012</a:t>
+              <a:t>06/10/2012</a:t>
             </a:fld>
             <a:endParaRPr lang="en-CA"/>
           </a:p>
@@ -10814,7 +11362,7 @@
 </file>
 
 <file path=ppt/slides/slide10.xml><?xml version="1.0" encoding="utf-8"?>
-<p:sld xmlns:a="http://schemas.openxmlformats.org/drawingml/2006/main" xmlns:r="http://schemas.openxmlformats.org/officeDocument/2006/relationships" xmlns:p="http://schemas.openxmlformats.org/presentationml/2006/main">
+<p:sld xmlns:a="http://schemas.openxmlformats.org/drawingml/2006/main" xmlns:r="http://schemas.openxmlformats.org/officeDocument/2006/relationships" xmlns:p="http://schemas.openxmlformats.org/presentationml/2006/main" show="0">
   <p:cSld>
     <p:spTree>
       <p:nvGrpSpPr>
@@ -10985,11 +11533,11 @@
   <p:clrMapOvr>
     <a:masterClrMapping/>
   </p:clrMapOvr>
-  <mc:AlternateContent xmlns:mc="http://schemas.openxmlformats.org/markup-compatibility/2006" xmlns:p14="http://schemas.microsoft.com/office/powerpoint/2010/main">
-    <mc:Choice Requires="p14">
+  <mc:AlternateContent xmlns:mc="http://schemas.openxmlformats.org/markup-compatibility/2006">
+    <mc:Choice xmlns:p14="http://schemas.microsoft.com/office/powerpoint/2010/main" Requires="p14">
       <p:transition spd="slow" p14:dur="2000"/>
     </mc:Choice>
-    <mc:Fallback xmlns="">
+    <mc:Fallback>
       <p:transition spd="slow"/>
     </mc:Fallback>
   </mc:AlternateContent>
@@ -11004,7 +11552,7 @@
 </file>
 
 <file path=ppt/slides/slide11.xml><?xml version="1.0" encoding="utf-8"?>
-<p:sld xmlns:a="http://schemas.openxmlformats.org/drawingml/2006/main" xmlns:r="http://schemas.openxmlformats.org/officeDocument/2006/relationships" xmlns:p="http://schemas.openxmlformats.org/presentationml/2006/main">
+<p:sld xmlns:a="http://schemas.openxmlformats.org/drawingml/2006/main" xmlns:r="http://schemas.openxmlformats.org/officeDocument/2006/relationships" xmlns:p="http://schemas.openxmlformats.org/presentationml/2006/main" show="0">
   <p:cSld>
     <p:spTree>
       <p:nvGrpSpPr>
@@ -11136,11 +11684,11 @@
   <p:clrMapOvr>
     <a:masterClrMapping/>
   </p:clrMapOvr>
-  <mc:AlternateContent xmlns:mc="http://schemas.openxmlformats.org/markup-compatibility/2006" xmlns:p14="http://schemas.microsoft.com/office/powerpoint/2010/main">
-    <mc:Choice Requires="p14">
+  <mc:AlternateContent xmlns:mc="http://schemas.openxmlformats.org/markup-compatibility/2006">
+    <mc:Choice xmlns:p14="http://schemas.microsoft.com/office/powerpoint/2010/main" Requires="p14">
       <p:transition spd="slow" p14:dur="2000"/>
     </mc:Choice>
-    <mc:Fallback xmlns="">
+    <mc:Fallback>
       <p:transition spd="slow"/>
     </mc:Fallback>
   </mc:AlternateContent>
@@ -11155,7 +11703,7 @@
 </file>
 
 <file path=ppt/slides/slide12.xml><?xml version="1.0" encoding="utf-8"?>
-<p:sld xmlns:a="http://schemas.openxmlformats.org/drawingml/2006/main" xmlns:r="http://schemas.openxmlformats.org/officeDocument/2006/relationships" xmlns:p="http://schemas.openxmlformats.org/presentationml/2006/main">
+<p:sld xmlns:a="http://schemas.openxmlformats.org/drawingml/2006/main" xmlns:r="http://schemas.openxmlformats.org/officeDocument/2006/relationships" xmlns:p="http://schemas.openxmlformats.org/presentationml/2006/main" show="0">
   <p:cSld>
     <p:spTree>
       <p:nvGrpSpPr>
@@ -11334,11 +11882,11 @@
   <p:clrMapOvr>
     <a:masterClrMapping/>
   </p:clrMapOvr>
-  <mc:AlternateContent xmlns:mc="http://schemas.openxmlformats.org/markup-compatibility/2006" xmlns:p14="http://schemas.microsoft.com/office/powerpoint/2010/main">
-    <mc:Choice Requires="p14">
+  <mc:AlternateContent xmlns:mc="http://schemas.openxmlformats.org/markup-compatibility/2006">
+    <mc:Choice xmlns:p14="http://schemas.microsoft.com/office/powerpoint/2010/main" Requires="p14">
       <p:transition spd="slow" p14:dur="2000"/>
     </mc:Choice>
-    <mc:Fallback xmlns="">
+    <mc:Fallback>
       <p:transition spd="slow"/>
     </mc:Fallback>
   </mc:AlternateContent>
@@ -11353,7 +11901,7 @@
 </file>
 
 <file path=ppt/slides/slide13.xml><?xml version="1.0" encoding="utf-8"?>
-<p:sld xmlns:a="http://schemas.openxmlformats.org/drawingml/2006/main" xmlns:r="http://schemas.openxmlformats.org/officeDocument/2006/relationships" xmlns:p="http://schemas.openxmlformats.org/presentationml/2006/main">
+<p:sld xmlns:a="http://schemas.openxmlformats.org/drawingml/2006/main" xmlns:r="http://schemas.openxmlformats.org/officeDocument/2006/relationships" xmlns:p="http://schemas.openxmlformats.org/presentationml/2006/main" show="0">
   <p:cSld>
     <p:spTree>
       <p:nvGrpSpPr>
@@ -11485,11 +12033,11 @@
   <p:clrMapOvr>
     <a:masterClrMapping/>
   </p:clrMapOvr>
-  <mc:AlternateContent xmlns:mc="http://schemas.openxmlformats.org/markup-compatibility/2006" xmlns:p14="http://schemas.microsoft.com/office/powerpoint/2010/main">
-    <mc:Choice Requires="p14">
+  <mc:AlternateContent xmlns:mc="http://schemas.openxmlformats.org/markup-compatibility/2006">
+    <mc:Choice xmlns:p14="http://schemas.microsoft.com/office/powerpoint/2010/main" Requires="p14">
       <p:transition spd="slow" p14:dur="2000"/>
     </mc:Choice>
-    <mc:Fallback xmlns="">
+    <mc:Fallback>
       <p:transition spd="slow"/>
     </mc:Fallback>
   </mc:AlternateContent>
@@ -11504,7 +12052,7 @@
 </file>
 
 <file path=ppt/slides/slide14.xml><?xml version="1.0" encoding="utf-8"?>
-<p:sld xmlns:a="http://schemas.openxmlformats.org/drawingml/2006/main" xmlns:r="http://schemas.openxmlformats.org/officeDocument/2006/relationships" xmlns:p="http://schemas.openxmlformats.org/presentationml/2006/main">
+<p:sld xmlns:a="http://schemas.openxmlformats.org/drawingml/2006/main" xmlns:r="http://schemas.openxmlformats.org/officeDocument/2006/relationships" xmlns:p="http://schemas.openxmlformats.org/presentationml/2006/main" show="0">
   <p:cSld>
     <p:spTree>
       <p:nvGrpSpPr>
@@ -11679,11 +12227,11 @@
   <p:clrMapOvr>
     <a:masterClrMapping/>
   </p:clrMapOvr>
-  <mc:AlternateContent xmlns:mc="http://schemas.openxmlformats.org/markup-compatibility/2006" xmlns:p14="http://schemas.microsoft.com/office/powerpoint/2010/main">
-    <mc:Choice Requires="p14">
+  <mc:AlternateContent xmlns:mc="http://schemas.openxmlformats.org/markup-compatibility/2006">
+    <mc:Choice xmlns:p14="http://schemas.microsoft.com/office/powerpoint/2010/main" Requires="p14">
       <p:transition spd="slow" p14:dur="2000"/>
     </mc:Choice>
-    <mc:Fallback xmlns="">
+    <mc:Fallback>
       <p:transition spd="slow"/>
     </mc:Fallback>
   </mc:AlternateContent>
@@ -13321,6 +13869,279 @@
 </p:sld>
 </file>
 
+<file path=ppt/slides/slide18.xml><?xml version="1.0" encoding="utf-8"?>
+<p:sld xmlns:a="http://schemas.openxmlformats.org/drawingml/2006/main" xmlns:r="http://schemas.openxmlformats.org/officeDocument/2006/relationships" xmlns:p="http://schemas.openxmlformats.org/presentationml/2006/main">
+  <p:cSld>
+    <p:spTree>
+      <p:nvGrpSpPr>
+        <p:cNvPr id="1" name=""/>
+        <p:cNvGrpSpPr/>
+        <p:nvPr/>
+      </p:nvGrpSpPr>
+      <p:grpSpPr>
+        <a:xfrm>
+          <a:off x="0" y="0"/>
+          <a:ext cx="0" cy="0"/>
+          <a:chOff x="0" y="0"/>
+          <a:chExt cx="0" cy="0"/>
+        </a:xfrm>
+      </p:grpSpPr>
+      <p:sp>
+        <p:nvSpPr>
+          <p:cNvPr id="2" name="Content Placeholder 1"/>
+          <p:cNvSpPr>
+            <a:spLocks noGrp="1"/>
+          </p:cNvSpPr>
+          <p:nvPr>
+            <p:ph idx="1"/>
+          </p:nvPr>
+        </p:nvSpPr>
+        <p:spPr/>
+        <p:txBody>
+          <a:bodyPr/>
+          <a:lstStyle/>
+          <a:p>
+            <a:endParaRPr lang="en-CA"/>
+          </a:p>
+        </p:txBody>
+      </p:sp>
+      <p:sp>
+        <p:nvSpPr>
+          <p:cNvPr id="3" name="Title 2"/>
+          <p:cNvSpPr>
+            <a:spLocks noGrp="1"/>
+          </p:cNvSpPr>
+          <p:nvPr>
+            <p:ph type="title"/>
+          </p:nvPr>
+        </p:nvSpPr>
+        <p:spPr/>
+        <p:txBody>
+          <a:bodyPr/>
+          <a:lstStyle/>
+          <a:p>
+            <a:r>
+              <a:rPr lang="pl-PL" dirty="0" smtClean="0"/>
+              <a:t>Let’s get our hands dirty!</a:t>
+            </a:r>
+            <a:endParaRPr lang="en-CA" dirty="0"/>
+          </a:p>
+        </p:txBody>
+      </p:sp>
+    </p:spTree>
+    <p:extLst>
+      <p:ext uri="{BB962C8B-B14F-4D97-AF65-F5344CB8AC3E}">
+        <p14:creationId xmlns:p14="http://schemas.microsoft.com/office/powerpoint/2010/main" val="2904853408"/>
+      </p:ext>
+    </p:extLst>
+  </p:cSld>
+  <p:clrMapOvr>
+    <a:masterClrMapping/>
+  </p:clrMapOvr>
+  <mc:AlternateContent xmlns:mc="http://schemas.openxmlformats.org/markup-compatibility/2006" xmlns:p14="http://schemas.microsoft.com/office/powerpoint/2010/main">
+    <mc:Choice Requires="p14">
+      <p:transition spd="slow" p14:dur="2000"/>
+    </mc:Choice>
+    <mc:Fallback xmlns="">
+      <p:transition spd="slow"/>
+    </mc:Fallback>
+  </mc:AlternateContent>
+  <p:timing>
+    <p:tnLst>
+      <p:par>
+        <p:cTn id="1" dur="indefinite" restart="never" nodeType="tmRoot"/>
+      </p:par>
+    </p:tnLst>
+  </p:timing>
+</p:sld>
+</file>
+
+<file path=ppt/slides/slide19.xml><?xml version="1.0" encoding="utf-8"?>
+<p:sld xmlns:a="http://schemas.openxmlformats.org/drawingml/2006/main" xmlns:r="http://schemas.openxmlformats.org/officeDocument/2006/relationships" xmlns:p="http://schemas.openxmlformats.org/presentationml/2006/main">
+  <p:cSld>
+    <p:spTree>
+      <p:nvGrpSpPr>
+        <p:cNvPr id="1" name=""/>
+        <p:cNvGrpSpPr/>
+        <p:nvPr/>
+      </p:nvGrpSpPr>
+      <p:grpSpPr>
+        <a:xfrm>
+          <a:off x="0" y="0"/>
+          <a:ext cx="0" cy="0"/>
+          <a:chOff x="0" y="0"/>
+          <a:chExt cx="0" cy="0"/>
+        </a:xfrm>
+      </p:grpSpPr>
+      <p:sp>
+        <p:nvSpPr>
+          <p:cNvPr id="2" name="Title 1"/>
+          <p:cNvSpPr>
+            <a:spLocks noGrp="1"/>
+          </p:cNvSpPr>
+          <p:nvPr>
+            <p:ph type="title"/>
+          </p:nvPr>
+        </p:nvSpPr>
+        <p:spPr/>
+        <p:txBody>
+          <a:bodyPr/>
+          <a:lstStyle/>
+          <a:p>
+            <a:r>
+              <a:rPr lang="pl-PL" dirty="0" smtClean="0"/>
+              <a:t>Establish a project</a:t>
+            </a:r>
+            <a:endParaRPr lang="en-CA" dirty="0"/>
+          </a:p>
+        </p:txBody>
+      </p:sp>
+      <p:sp>
+        <p:nvSpPr>
+          <p:cNvPr id="3" name="Content Placeholder 2"/>
+          <p:cNvSpPr>
+            <a:spLocks noGrp="1"/>
+          </p:cNvSpPr>
+          <p:nvPr>
+            <p:ph sz="quarter" idx="10"/>
+          </p:nvPr>
+        </p:nvSpPr>
+        <p:spPr/>
+        <p:txBody>
+          <a:bodyPr/>
+          <a:lstStyle/>
+          <a:p>
+            <a:r>
+              <a:rPr lang="pl-PL" dirty="0" smtClean="0"/>
+              <a:t>Login to coderun.com</a:t>
+            </a:r>
+            <a:endParaRPr lang="en-CA" dirty="0"/>
+          </a:p>
+        </p:txBody>
+      </p:sp>
+      <p:sp>
+        <p:nvSpPr>
+          <p:cNvPr id="4" name="Content Placeholder 3"/>
+          <p:cNvSpPr>
+            <a:spLocks noGrp="1"/>
+          </p:cNvSpPr>
+          <p:nvPr>
+            <p:ph sz="quarter" idx="11"/>
+          </p:nvPr>
+        </p:nvSpPr>
+        <p:spPr/>
+        <p:txBody>
+          <a:bodyPr/>
+          <a:lstStyle/>
+          <a:p>
+            <a:endParaRPr lang="en-CA" dirty="0"/>
+          </a:p>
+        </p:txBody>
+      </p:sp>
+      <p:sp>
+        <p:nvSpPr>
+          <p:cNvPr id="5" name="Content Placeholder 4"/>
+          <p:cNvSpPr>
+            <a:spLocks noGrp="1"/>
+          </p:cNvSpPr>
+          <p:nvPr>
+            <p:ph sz="quarter" idx="12"/>
+          </p:nvPr>
+        </p:nvSpPr>
+        <p:spPr/>
+        <p:txBody>
+          <a:bodyPr/>
+          <a:lstStyle/>
+          <a:p>
+            <a:endParaRPr lang="en-CA"/>
+          </a:p>
+        </p:txBody>
+      </p:sp>
+      <p:sp>
+        <p:nvSpPr>
+          <p:cNvPr id="6" name="Content Placeholder 5"/>
+          <p:cNvSpPr>
+            <a:spLocks noGrp="1"/>
+          </p:cNvSpPr>
+          <p:nvPr>
+            <p:ph sz="quarter" idx="13"/>
+          </p:nvPr>
+        </p:nvSpPr>
+        <p:spPr/>
+        <p:txBody>
+          <a:bodyPr/>
+          <a:lstStyle/>
+          <a:p>
+            <a:endParaRPr lang="en-CA"/>
+          </a:p>
+        </p:txBody>
+      </p:sp>
+      <p:sp>
+        <p:nvSpPr>
+          <p:cNvPr id="7" name="Content Placeholder 6"/>
+          <p:cNvSpPr>
+            <a:spLocks noGrp="1"/>
+          </p:cNvSpPr>
+          <p:nvPr>
+            <p:ph sz="quarter" idx="14"/>
+          </p:nvPr>
+        </p:nvSpPr>
+        <p:spPr/>
+        <p:txBody>
+          <a:bodyPr/>
+          <a:lstStyle/>
+          <a:p>
+            <a:endParaRPr lang="en-CA"/>
+          </a:p>
+        </p:txBody>
+      </p:sp>
+      <p:sp>
+        <p:nvSpPr>
+          <p:cNvPr id="8" name="Content Placeholder 7"/>
+          <p:cNvSpPr>
+            <a:spLocks noGrp="1"/>
+          </p:cNvSpPr>
+          <p:nvPr>
+            <p:ph sz="quarter" idx="15"/>
+          </p:nvPr>
+        </p:nvSpPr>
+        <p:spPr/>
+        <p:txBody>
+          <a:bodyPr/>
+          <a:lstStyle/>
+          <a:p>
+            <a:endParaRPr lang="en-CA"/>
+          </a:p>
+        </p:txBody>
+      </p:sp>
+    </p:spTree>
+    <p:extLst>
+      <p:ext uri="{BB962C8B-B14F-4D97-AF65-F5344CB8AC3E}">
+        <p14:creationId xmlns:p14="http://schemas.microsoft.com/office/powerpoint/2010/main" val="2959301131"/>
+      </p:ext>
+    </p:extLst>
+  </p:cSld>
+  <p:clrMapOvr>
+    <a:masterClrMapping/>
+  </p:clrMapOvr>
+  <mc:AlternateContent xmlns:mc="http://schemas.openxmlformats.org/markup-compatibility/2006" xmlns:p14="http://schemas.microsoft.com/office/powerpoint/2010/main">
+    <mc:Choice Requires="p14">
+      <p:transition spd="slow" p14:dur="2000"/>
+    </mc:Choice>
+    <mc:Fallback xmlns="">
+      <p:transition spd="slow"/>
+    </mc:Fallback>
+  </mc:AlternateContent>
+  <p:timing>
+    <p:tnLst>
+      <p:par>
+        <p:cTn id="1" dur="indefinite" restart="never" nodeType="tmRoot"/>
+      </p:par>
+    </p:tnLst>
+  </p:timing>
+</p:sld>
+</file>
+
 <file path=ppt/slides/slide2.xml><?xml version="1.0" encoding="utf-8"?>
 <p:sld xmlns:a="http://schemas.openxmlformats.org/drawingml/2006/main" xmlns:r="http://schemas.openxmlformats.org/officeDocument/2006/relationships" xmlns:p="http://schemas.openxmlformats.org/presentationml/2006/main" showMasterPhAnim="0">
   <p:cSld>
@@ -14919,6 +15740,3017 @@
 </p:sld>
 </file>
 
+<file path=ppt/slides/slide20.xml><?xml version="1.0" encoding="utf-8"?>
+<p:sld xmlns:a="http://schemas.openxmlformats.org/drawingml/2006/main" xmlns:r="http://schemas.openxmlformats.org/officeDocument/2006/relationships" xmlns:p="http://schemas.openxmlformats.org/presentationml/2006/main">
+  <p:cSld>
+    <p:spTree>
+      <p:nvGrpSpPr>
+        <p:cNvPr id="1" name=""/>
+        <p:cNvGrpSpPr/>
+        <p:nvPr/>
+      </p:nvGrpSpPr>
+      <p:grpSpPr>
+        <a:xfrm>
+          <a:off x="0" y="0"/>
+          <a:ext cx="0" cy="0"/>
+          <a:chOff x="0" y="0"/>
+          <a:chExt cx="0" cy="0"/>
+        </a:xfrm>
+      </p:grpSpPr>
+      <p:sp>
+        <p:nvSpPr>
+          <p:cNvPr id="2" name="Title 1"/>
+          <p:cNvSpPr>
+            <a:spLocks noGrp="1"/>
+          </p:cNvSpPr>
+          <p:nvPr>
+            <p:ph type="title"/>
+          </p:nvPr>
+        </p:nvSpPr>
+        <p:spPr/>
+        <p:txBody>
+          <a:bodyPr/>
+          <a:lstStyle/>
+          <a:p>
+            <a:r>
+              <a:rPr lang="pl-PL" dirty="0" smtClean="0"/>
+              <a:t>Task 0 – run an empty project</a:t>
+            </a:r>
+            <a:endParaRPr lang="en-CA" dirty="0"/>
+          </a:p>
+        </p:txBody>
+      </p:sp>
+      <p:sp>
+        <p:nvSpPr>
+          <p:cNvPr id="3" name="Content Placeholder 2"/>
+          <p:cNvSpPr>
+            <a:spLocks noGrp="1"/>
+          </p:cNvSpPr>
+          <p:nvPr>
+            <p:ph sz="quarter" idx="10"/>
+          </p:nvPr>
+        </p:nvSpPr>
+        <p:spPr/>
+        <p:txBody>
+          <a:bodyPr/>
+          <a:lstStyle/>
+          <a:p>
+            <a:r>
+              <a:rPr lang="pl-PL" dirty="0" smtClean="0"/>
+              <a:t>Compile</a:t>
+            </a:r>
+            <a:endParaRPr lang="en-CA" dirty="0"/>
+          </a:p>
+        </p:txBody>
+      </p:sp>
+      <p:sp>
+        <p:nvSpPr>
+          <p:cNvPr id="4" name="Content Placeholder 3"/>
+          <p:cNvSpPr>
+            <a:spLocks noGrp="1"/>
+          </p:cNvSpPr>
+          <p:nvPr>
+            <p:ph sz="quarter" idx="11"/>
+          </p:nvPr>
+        </p:nvSpPr>
+        <p:spPr/>
+        <p:txBody>
+          <a:bodyPr/>
+          <a:lstStyle/>
+          <a:p>
+            <a:r>
+              <a:rPr lang="pl-PL" dirty="0" smtClean="0"/>
+              <a:t>Run</a:t>
+            </a:r>
+            <a:endParaRPr lang="en-CA" dirty="0"/>
+          </a:p>
+        </p:txBody>
+      </p:sp>
+      <p:sp>
+        <p:nvSpPr>
+          <p:cNvPr id="5" name="Content Placeholder 4"/>
+          <p:cNvSpPr>
+            <a:spLocks noGrp="1"/>
+          </p:cNvSpPr>
+          <p:nvPr>
+            <p:ph sz="quarter" idx="12"/>
+          </p:nvPr>
+        </p:nvSpPr>
+        <p:spPr/>
+        <p:txBody>
+          <a:bodyPr/>
+          <a:lstStyle/>
+          <a:p>
+            <a:r>
+              <a:rPr lang="pl-PL" dirty="0" smtClean="0"/>
+              <a:t>Verify</a:t>
+            </a:r>
+            <a:endParaRPr lang="en-CA" dirty="0"/>
+          </a:p>
+        </p:txBody>
+      </p:sp>
+      <p:sp>
+        <p:nvSpPr>
+          <p:cNvPr id="6" name="Content Placeholder 5"/>
+          <p:cNvSpPr>
+            <a:spLocks noGrp="1"/>
+          </p:cNvSpPr>
+          <p:nvPr>
+            <p:ph sz="quarter" idx="13"/>
+          </p:nvPr>
+        </p:nvSpPr>
+        <p:spPr/>
+        <p:txBody>
+          <a:bodyPr/>
+          <a:lstStyle/>
+          <a:p>
+            <a:endParaRPr lang="en-CA"/>
+          </a:p>
+        </p:txBody>
+      </p:sp>
+      <p:sp>
+        <p:nvSpPr>
+          <p:cNvPr id="7" name="Content Placeholder 6"/>
+          <p:cNvSpPr>
+            <a:spLocks noGrp="1"/>
+          </p:cNvSpPr>
+          <p:nvPr>
+            <p:ph sz="quarter" idx="14"/>
+          </p:nvPr>
+        </p:nvSpPr>
+        <p:spPr/>
+        <p:txBody>
+          <a:bodyPr/>
+          <a:lstStyle/>
+          <a:p>
+            <a:endParaRPr lang="en-CA"/>
+          </a:p>
+        </p:txBody>
+      </p:sp>
+      <p:sp>
+        <p:nvSpPr>
+          <p:cNvPr id="8" name="Content Placeholder 7"/>
+          <p:cNvSpPr>
+            <a:spLocks noGrp="1"/>
+          </p:cNvSpPr>
+          <p:nvPr>
+            <p:ph sz="quarter" idx="15"/>
+          </p:nvPr>
+        </p:nvSpPr>
+        <p:spPr/>
+        <p:txBody>
+          <a:bodyPr/>
+          <a:lstStyle/>
+          <a:p>
+            <a:endParaRPr lang="en-CA"/>
+          </a:p>
+        </p:txBody>
+      </p:sp>
+    </p:spTree>
+    <p:extLst>
+      <p:ext uri="{BB962C8B-B14F-4D97-AF65-F5344CB8AC3E}">
+        <p14:creationId xmlns:p14="http://schemas.microsoft.com/office/powerpoint/2010/main" val="3929691703"/>
+      </p:ext>
+    </p:extLst>
+  </p:cSld>
+  <p:clrMapOvr>
+    <a:masterClrMapping/>
+  </p:clrMapOvr>
+  <mc:AlternateContent xmlns:mc="http://schemas.openxmlformats.org/markup-compatibility/2006" xmlns:p14="http://schemas.microsoft.com/office/powerpoint/2010/main">
+    <mc:Choice Requires="p14">
+      <p:transition spd="slow" p14:dur="2000"/>
+    </mc:Choice>
+    <mc:Fallback xmlns="">
+      <p:transition spd="slow"/>
+    </mc:Fallback>
+  </mc:AlternateContent>
+  <p:timing>
+    <p:tnLst>
+      <p:par>
+        <p:cTn id="1" dur="indefinite" restart="never" nodeType="tmRoot"/>
+      </p:par>
+    </p:tnLst>
+  </p:timing>
+</p:sld>
+</file>
+
+<file path=ppt/slides/slide21.xml><?xml version="1.0" encoding="utf-8"?>
+<p:sld xmlns:a="http://schemas.openxmlformats.org/drawingml/2006/main" xmlns:r="http://schemas.openxmlformats.org/officeDocument/2006/relationships" xmlns:p="http://schemas.openxmlformats.org/presentationml/2006/main">
+  <p:cSld>
+    <p:spTree>
+      <p:nvGrpSpPr>
+        <p:cNvPr id="1" name=""/>
+        <p:cNvGrpSpPr/>
+        <p:nvPr/>
+      </p:nvGrpSpPr>
+      <p:grpSpPr>
+        <a:xfrm>
+          <a:off x="0" y="0"/>
+          <a:ext cx="0" cy="0"/>
+          <a:chOff x="0" y="0"/>
+          <a:chExt cx="0" cy="0"/>
+        </a:xfrm>
+      </p:grpSpPr>
+      <p:sp>
+        <p:nvSpPr>
+          <p:cNvPr id="2" name="Title 1"/>
+          <p:cNvSpPr>
+            <a:spLocks noGrp="1"/>
+          </p:cNvSpPr>
+          <p:nvPr>
+            <p:ph type="title"/>
+          </p:nvPr>
+        </p:nvSpPr>
+        <p:spPr/>
+        <p:txBody>
+          <a:bodyPr/>
+          <a:lstStyle/>
+          <a:p>
+            <a:r>
+              <a:rPr lang="pl-PL" dirty="0" smtClean="0"/>
+              <a:t>Task 0.1 – change a header</a:t>
+            </a:r>
+            <a:endParaRPr lang="en-CA" dirty="0"/>
+          </a:p>
+        </p:txBody>
+      </p:sp>
+      <p:sp>
+        <p:nvSpPr>
+          <p:cNvPr id="3" name="Content Placeholder 2"/>
+          <p:cNvSpPr>
+            <a:spLocks noGrp="1"/>
+          </p:cNvSpPr>
+          <p:nvPr>
+            <p:ph sz="quarter" idx="10"/>
+          </p:nvPr>
+        </p:nvSpPr>
+        <p:spPr/>
+        <p:txBody>
+          <a:bodyPr/>
+          <a:lstStyle/>
+          <a:p>
+            <a:r>
+              <a:rPr lang="pl-PL" dirty="0" smtClean="0"/>
+              <a:t>Open HomeController</a:t>
+            </a:r>
+            <a:endParaRPr lang="en-CA" dirty="0"/>
+          </a:p>
+        </p:txBody>
+      </p:sp>
+      <p:sp>
+        <p:nvSpPr>
+          <p:cNvPr id="4" name="Content Placeholder 3"/>
+          <p:cNvSpPr>
+            <a:spLocks noGrp="1"/>
+          </p:cNvSpPr>
+          <p:nvPr>
+            <p:ph sz="quarter" idx="11"/>
+          </p:nvPr>
+        </p:nvSpPr>
+        <p:spPr/>
+        <p:txBody>
+          <a:bodyPr/>
+          <a:lstStyle/>
+          <a:p>
+            <a:r>
+              <a:rPr lang="pl-PL" dirty="0" smtClean="0"/>
+              <a:t>Change text in Index method</a:t>
+            </a:r>
+            <a:endParaRPr lang="en-CA" dirty="0"/>
+          </a:p>
+        </p:txBody>
+      </p:sp>
+      <p:sp>
+        <p:nvSpPr>
+          <p:cNvPr id="5" name="Content Placeholder 4"/>
+          <p:cNvSpPr>
+            <a:spLocks noGrp="1"/>
+          </p:cNvSpPr>
+          <p:nvPr>
+            <p:ph sz="quarter" idx="12"/>
+          </p:nvPr>
+        </p:nvSpPr>
+        <p:spPr/>
+        <p:txBody>
+          <a:bodyPr/>
+          <a:lstStyle/>
+          <a:p>
+            <a:r>
+              <a:rPr lang="pl-PL" dirty="0" smtClean="0"/>
+              <a:t>Compile</a:t>
+            </a:r>
+            <a:endParaRPr lang="en-CA" dirty="0"/>
+          </a:p>
+        </p:txBody>
+      </p:sp>
+      <p:sp>
+        <p:nvSpPr>
+          <p:cNvPr id="6" name="Content Placeholder 5"/>
+          <p:cNvSpPr>
+            <a:spLocks noGrp="1"/>
+          </p:cNvSpPr>
+          <p:nvPr>
+            <p:ph sz="quarter" idx="13"/>
+          </p:nvPr>
+        </p:nvSpPr>
+        <p:spPr/>
+        <p:txBody>
+          <a:bodyPr/>
+          <a:lstStyle/>
+          <a:p>
+            <a:r>
+              <a:rPr lang="pl-PL" dirty="0" smtClean="0"/>
+              <a:t>Verify</a:t>
+            </a:r>
+            <a:endParaRPr lang="en-CA" dirty="0"/>
+          </a:p>
+        </p:txBody>
+      </p:sp>
+      <p:sp>
+        <p:nvSpPr>
+          <p:cNvPr id="7" name="Content Placeholder 6"/>
+          <p:cNvSpPr>
+            <a:spLocks noGrp="1"/>
+          </p:cNvSpPr>
+          <p:nvPr>
+            <p:ph sz="quarter" idx="14"/>
+          </p:nvPr>
+        </p:nvSpPr>
+        <p:spPr/>
+        <p:txBody>
+          <a:bodyPr/>
+          <a:lstStyle/>
+          <a:p>
+            <a:endParaRPr lang="en-CA"/>
+          </a:p>
+        </p:txBody>
+      </p:sp>
+      <p:sp>
+        <p:nvSpPr>
+          <p:cNvPr id="8" name="Content Placeholder 7"/>
+          <p:cNvSpPr>
+            <a:spLocks noGrp="1"/>
+          </p:cNvSpPr>
+          <p:nvPr>
+            <p:ph sz="quarter" idx="15"/>
+          </p:nvPr>
+        </p:nvSpPr>
+        <p:spPr/>
+        <p:txBody>
+          <a:bodyPr/>
+          <a:lstStyle/>
+          <a:p>
+            <a:r>
+              <a:rPr lang="pl-PL" dirty="0" smtClean="0"/>
+              <a:t>Run</a:t>
+            </a:r>
+            <a:endParaRPr lang="en-CA" dirty="0"/>
+          </a:p>
+        </p:txBody>
+      </p:sp>
+    </p:spTree>
+    <p:extLst>
+      <p:ext uri="{BB962C8B-B14F-4D97-AF65-F5344CB8AC3E}">
+        <p14:creationId xmlns:p14="http://schemas.microsoft.com/office/powerpoint/2010/main" val="2790318224"/>
+      </p:ext>
+    </p:extLst>
+  </p:cSld>
+  <p:clrMapOvr>
+    <a:masterClrMapping/>
+  </p:clrMapOvr>
+  <mc:AlternateContent xmlns:mc="http://schemas.openxmlformats.org/markup-compatibility/2006" xmlns:p14="http://schemas.microsoft.com/office/powerpoint/2010/main">
+    <mc:Choice Requires="p14">
+      <p:transition spd="slow" p14:dur="2000"/>
+    </mc:Choice>
+    <mc:Fallback xmlns="">
+      <p:transition spd="slow"/>
+    </mc:Fallback>
+  </mc:AlternateContent>
+  <p:timing>
+    <p:tnLst>
+      <p:par>
+        <p:cTn id="1" dur="indefinite" restart="never" nodeType="tmRoot"/>
+      </p:par>
+    </p:tnLst>
+  </p:timing>
+</p:sld>
+</file>
+
+<file path=ppt/slides/slide22.xml><?xml version="1.0" encoding="utf-8"?>
+<p:sld xmlns:a="http://schemas.openxmlformats.org/drawingml/2006/main" xmlns:r="http://schemas.openxmlformats.org/officeDocument/2006/relationships" xmlns:p="http://schemas.openxmlformats.org/presentationml/2006/main">
+  <p:cSld>
+    <p:spTree>
+      <p:nvGrpSpPr>
+        <p:cNvPr id="1" name=""/>
+        <p:cNvGrpSpPr/>
+        <p:nvPr/>
+      </p:nvGrpSpPr>
+      <p:grpSpPr>
+        <a:xfrm>
+          <a:off x="0" y="0"/>
+          <a:ext cx="0" cy="0"/>
+          <a:chOff x="0" y="0"/>
+          <a:chExt cx="0" cy="0"/>
+        </a:xfrm>
+      </p:grpSpPr>
+      <p:sp>
+        <p:nvSpPr>
+          <p:cNvPr id="2" name="Title 1"/>
+          <p:cNvSpPr>
+            <a:spLocks noGrp="1"/>
+          </p:cNvSpPr>
+          <p:nvPr>
+            <p:ph type="title"/>
+          </p:nvPr>
+        </p:nvSpPr>
+        <p:spPr/>
+        <p:txBody>
+          <a:bodyPr/>
+          <a:lstStyle/>
+          <a:p>
+            <a:r>
+              <a:rPr lang="pl-PL" dirty="0" smtClean="0"/>
+              <a:t>Task 0.2 – prepare a text control</a:t>
+            </a:r>
+            <a:endParaRPr lang="en-CA" dirty="0"/>
+          </a:p>
+        </p:txBody>
+      </p:sp>
+      <p:sp>
+        <p:nvSpPr>
+          <p:cNvPr id="3" name="Content Placeholder 2"/>
+          <p:cNvSpPr>
+            <a:spLocks noGrp="1"/>
+          </p:cNvSpPr>
+          <p:nvPr>
+            <p:ph sz="quarter" idx="10"/>
+          </p:nvPr>
+        </p:nvSpPr>
+        <p:spPr/>
+        <p:txBody>
+          <a:bodyPr/>
+          <a:lstStyle/>
+          <a:p>
+            <a:r>
+              <a:rPr lang="pl-PL" dirty="0" smtClean="0"/>
+              <a:t>Open Index.cshtml</a:t>
+            </a:r>
+            <a:endParaRPr lang="en-CA" dirty="0"/>
+          </a:p>
+        </p:txBody>
+      </p:sp>
+      <p:sp>
+        <p:nvSpPr>
+          <p:cNvPr id="4" name="Content Placeholder 3"/>
+          <p:cNvSpPr>
+            <a:spLocks noGrp="1"/>
+          </p:cNvSpPr>
+          <p:nvPr>
+            <p:ph sz="quarter" idx="11"/>
+          </p:nvPr>
+        </p:nvSpPr>
+        <p:spPr/>
+        <p:txBody>
+          <a:bodyPr/>
+          <a:lstStyle/>
+          <a:p>
+            <a:r>
+              <a:rPr lang="pl-PL" dirty="0" smtClean="0"/>
+              <a:t>Add </a:t>
+            </a:r>
+            <a:r>
+              <a:rPr lang="en-CA" dirty="0"/>
+              <a:t>@</a:t>
+            </a:r>
+            <a:r>
+              <a:rPr lang="en-CA" dirty="0" err="1" smtClean="0"/>
+              <a:t>ViewBag.Text</a:t>
+            </a:r>
+            <a:endParaRPr lang="en-CA" dirty="0"/>
+          </a:p>
+        </p:txBody>
+      </p:sp>
+      <p:sp>
+        <p:nvSpPr>
+          <p:cNvPr id="5" name="Content Placeholder 4"/>
+          <p:cNvSpPr>
+            <a:spLocks noGrp="1"/>
+          </p:cNvSpPr>
+          <p:nvPr>
+            <p:ph sz="quarter" idx="12"/>
+          </p:nvPr>
+        </p:nvSpPr>
+        <p:spPr/>
+        <p:txBody>
+          <a:bodyPr/>
+          <a:lstStyle/>
+          <a:p>
+            <a:r>
+              <a:rPr lang="pl-PL" dirty="0" smtClean="0"/>
+              <a:t>Open HomeController</a:t>
+            </a:r>
+            <a:endParaRPr lang="en-CA" dirty="0"/>
+          </a:p>
+        </p:txBody>
+      </p:sp>
+      <p:sp>
+        <p:nvSpPr>
+          <p:cNvPr id="6" name="Content Placeholder 5"/>
+          <p:cNvSpPr>
+            <a:spLocks noGrp="1"/>
+          </p:cNvSpPr>
+          <p:nvPr>
+            <p:ph sz="quarter" idx="13"/>
+          </p:nvPr>
+        </p:nvSpPr>
+        <p:spPr/>
+        <p:txBody>
+          <a:bodyPr/>
+          <a:lstStyle/>
+          <a:p>
+            <a:r>
+              <a:rPr lang="pl-PL" dirty="0" smtClean="0"/>
+              <a:t>Assign some text to ViewBag.Text</a:t>
+            </a:r>
+            <a:endParaRPr lang="en-CA" dirty="0"/>
+          </a:p>
+        </p:txBody>
+      </p:sp>
+      <p:sp>
+        <p:nvSpPr>
+          <p:cNvPr id="7" name="Content Placeholder 6"/>
+          <p:cNvSpPr>
+            <a:spLocks noGrp="1"/>
+          </p:cNvSpPr>
+          <p:nvPr>
+            <p:ph sz="quarter" idx="14"/>
+          </p:nvPr>
+        </p:nvSpPr>
+        <p:spPr/>
+        <p:txBody>
+          <a:bodyPr/>
+          <a:lstStyle/>
+          <a:p>
+            <a:r>
+              <a:rPr lang="pl-PL" dirty="0" smtClean="0"/>
+              <a:t>Compile, run, verify</a:t>
+            </a:r>
+            <a:endParaRPr lang="en-CA" dirty="0"/>
+          </a:p>
+        </p:txBody>
+      </p:sp>
+      <p:sp>
+        <p:nvSpPr>
+          <p:cNvPr id="8" name="Content Placeholder 7"/>
+          <p:cNvSpPr>
+            <a:spLocks noGrp="1"/>
+          </p:cNvSpPr>
+          <p:nvPr>
+            <p:ph sz="quarter" idx="15"/>
+          </p:nvPr>
+        </p:nvSpPr>
+        <p:spPr/>
+        <p:txBody>
+          <a:bodyPr/>
+          <a:lstStyle/>
+          <a:p>
+            <a:r>
+              <a:rPr lang="pl-PL" dirty="0" smtClean="0"/>
+              <a:t>Find Index method</a:t>
+            </a:r>
+            <a:endParaRPr lang="en-CA" dirty="0"/>
+          </a:p>
+        </p:txBody>
+      </p:sp>
+    </p:spTree>
+    <p:extLst>
+      <p:ext uri="{BB962C8B-B14F-4D97-AF65-F5344CB8AC3E}">
+        <p14:creationId xmlns:p14="http://schemas.microsoft.com/office/powerpoint/2010/main" val="2949502460"/>
+      </p:ext>
+    </p:extLst>
+  </p:cSld>
+  <p:clrMapOvr>
+    <a:masterClrMapping/>
+  </p:clrMapOvr>
+  <mc:AlternateContent xmlns:mc="http://schemas.openxmlformats.org/markup-compatibility/2006" xmlns:p14="http://schemas.microsoft.com/office/powerpoint/2010/main">
+    <mc:Choice Requires="p14">
+      <p:transition spd="slow" p14:dur="2000"/>
+    </mc:Choice>
+    <mc:Fallback xmlns="">
+      <p:transition spd="slow"/>
+    </mc:Fallback>
+  </mc:AlternateContent>
+  <p:timing>
+    <p:tnLst>
+      <p:par>
+        <p:cTn id="1" dur="indefinite" restart="never" nodeType="tmRoot"/>
+      </p:par>
+    </p:tnLst>
+  </p:timing>
+</p:sld>
+</file>
+
+<file path=ppt/slides/slide23.xml><?xml version="1.0" encoding="utf-8"?>
+<p:sld xmlns:a="http://schemas.openxmlformats.org/drawingml/2006/main" xmlns:r="http://schemas.openxmlformats.org/officeDocument/2006/relationships" xmlns:p="http://schemas.openxmlformats.org/presentationml/2006/main">
+  <p:cSld>
+    <p:spTree>
+      <p:nvGrpSpPr>
+        <p:cNvPr id="1" name=""/>
+        <p:cNvGrpSpPr/>
+        <p:nvPr/>
+      </p:nvGrpSpPr>
+      <p:grpSpPr>
+        <a:xfrm>
+          <a:off x="0" y="0"/>
+          <a:ext cx="0" cy="0"/>
+          <a:chOff x="0" y="0"/>
+          <a:chExt cx="0" cy="0"/>
+        </a:xfrm>
+      </p:grpSpPr>
+      <p:sp>
+        <p:nvSpPr>
+          <p:cNvPr id="2" name="Title 1"/>
+          <p:cNvSpPr>
+            <a:spLocks noGrp="1"/>
+          </p:cNvSpPr>
+          <p:nvPr>
+            <p:ph type="title"/>
+          </p:nvPr>
+        </p:nvSpPr>
+        <p:spPr>
+          <a:xfrm>
+            <a:off x="323528" y="260648"/>
+            <a:ext cx="7056784" cy="778098"/>
+          </a:xfrm>
+        </p:spPr>
+        <p:txBody>
+          <a:bodyPr/>
+          <a:lstStyle/>
+          <a:p>
+            <a:r>
+              <a:rPr lang="pl-PL" dirty="0" smtClean="0"/>
+              <a:t>Task 0.3 – prepare a text control cont’d</a:t>
+            </a:r>
+            <a:endParaRPr lang="en-CA" dirty="0"/>
+          </a:p>
+        </p:txBody>
+      </p:sp>
+      <p:sp>
+        <p:nvSpPr>
+          <p:cNvPr id="3" name="Content Placeholder 2"/>
+          <p:cNvSpPr>
+            <a:spLocks noGrp="1"/>
+          </p:cNvSpPr>
+          <p:nvPr>
+            <p:ph sz="quarter" idx="10"/>
+          </p:nvPr>
+        </p:nvSpPr>
+        <p:spPr/>
+        <p:txBody>
+          <a:bodyPr/>
+          <a:lstStyle/>
+          <a:p>
+            <a:r>
+              <a:rPr lang="pl-PL" sz="2400" dirty="0" smtClean="0"/>
+              <a:t>Surround @ViewBag.Text with a &lt;div&gt; with an id</a:t>
+            </a:r>
+            <a:endParaRPr lang="en-CA" sz="2400" dirty="0"/>
+          </a:p>
+        </p:txBody>
+      </p:sp>
+      <p:sp>
+        <p:nvSpPr>
+          <p:cNvPr id="4" name="Content Placeholder 3"/>
+          <p:cNvSpPr>
+            <a:spLocks noGrp="1"/>
+          </p:cNvSpPr>
+          <p:nvPr>
+            <p:ph sz="quarter" idx="11"/>
+          </p:nvPr>
+        </p:nvSpPr>
+        <p:spPr/>
+        <p:txBody>
+          <a:bodyPr/>
+          <a:lstStyle/>
+          <a:p>
+            <a:r>
+              <a:rPr lang="pl-PL" sz="2800" dirty="0" smtClean="0"/>
+              <a:t>Open Content/themes/</a:t>
+            </a:r>
+          </a:p>
+          <a:p>
+            <a:r>
+              <a:rPr lang="pl-PL" sz="2800" dirty="0" smtClean="0"/>
+              <a:t>Site.css</a:t>
+            </a:r>
+            <a:endParaRPr lang="en-CA" sz="2800" dirty="0"/>
+          </a:p>
+        </p:txBody>
+      </p:sp>
+      <p:sp>
+        <p:nvSpPr>
+          <p:cNvPr id="5" name="Content Placeholder 4"/>
+          <p:cNvSpPr>
+            <a:spLocks noGrp="1"/>
+          </p:cNvSpPr>
+          <p:nvPr>
+            <p:ph sz="quarter" idx="12"/>
+          </p:nvPr>
+        </p:nvSpPr>
+        <p:spPr/>
+        <p:txBody>
+          <a:bodyPr/>
+          <a:lstStyle/>
+          <a:p>
+            <a:r>
+              <a:rPr lang="pl-PL" sz="2800" dirty="0" smtClean="0"/>
+              <a:t>Add a border to div’s id (#customText)</a:t>
+            </a:r>
+            <a:endParaRPr lang="en-CA" sz="2800" dirty="0"/>
+          </a:p>
+        </p:txBody>
+      </p:sp>
+      <p:sp>
+        <p:nvSpPr>
+          <p:cNvPr id="6" name="Content Placeholder 5"/>
+          <p:cNvSpPr>
+            <a:spLocks noGrp="1"/>
+          </p:cNvSpPr>
+          <p:nvPr>
+            <p:ph sz="quarter" idx="13"/>
+          </p:nvPr>
+        </p:nvSpPr>
+        <p:spPr/>
+        <p:txBody>
+          <a:bodyPr/>
+          <a:lstStyle/>
+          <a:p>
+            <a:endParaRPr lang="en-CA"/>
+          </a:p>
+        </p:txBody>
+      </p:sp>
+      <p:sp>
+        <p:nvSpPr>
+          <p:cNvPr id="7" name="Content Placeholder 6"/>
+          <p:cNvSpPr>
+            <a:spLocks noGrp="1"/>
+          </p:cNvSpPr>
+          <p:nvPr>
+            <p:ph sz="quarter" idx="14"/>
+          </p:nvPr>
+        </p:nvSpPr>
+        <p:spPr/>
+        <p:txBody>
+          <a:bodyPr/>
+          <a:lstStyle/>
+          <a:p>
+            <a:endParaRPr lang="en-CA"/>
+          </a:p>
+        </p:txBody>
+      </p:sp>
+      <p:sp>
+        <p:nvSpPr>
+          <p:cNvPr id="8" name="Content Placeholder 7"/>
+          <p:cNvSpPr>
+            <a:spLocks noGrp="1"/>
+          </p:cNvSpPr>
+          <p:nvPr>
+            <p:ph sz="quarter" idx="15"/>
+          </p:nvPr>
+        </p:nvSpPr>
+        <p:spPr/>
+        <p:txBody>
+          <a:bodyPr/>
+          <a:lstStyle/>
+          <a:p>
+            <a:endParaRPr lang="en-CA" dirty="0"/>
+          </a:p>
+        </p:txBody>
+      </p:sp>
+    </p:spTree>
+    <p:extLst>
+      <p:ext uri="{BB962C8B-B14F-4D97-AF65-F5344CB8AC3E}">
+        <p14:creationId xmlns:p14="http://schemas.microsoft.com/office/powerpoint/2010/main" val="1635710852"/>
+      </p:ext>
+    </p:extLst>
+  </p:cSld>
+  <p:clrMapOvr>
+    <a:masterClrMapping/>
+  </p:clrMapOvr>
+  <mc:AlternateContent xmlns:mc="http://schemas.openxmlformats.org/markup-compatibility/2006" xmlns:p14="http://schemas.microsoft.com/office/powerpoint/2010/main">
+    <mc:Choice Requires="p14">
+      <p:transition spd="slow" p14:dur="2000"/>
+    </mc:Choice>
+    <mc:Fallback xmlns="">
+      <p:transition spd="slow"/>
+    </mc:Fallback>
+  </mc:AlternateContent>
+  <p:timing>
+    <p:tnLst>
+      <p:par>
+        <p:cTn id="1" dur="indefinite" restart="never" nodeType="tmRoot"/>
+      </p:par>
+    </p:tnLst>
+  </p:timing>
+</p:sld>
+</file>
+
+<file path=ppt/slides/slide24.xml><?xml version="1.0" encoding="utf-8"?>
+<p:sld xmlns:a="http://schemas.openxmlformats.org/drawingml/2006/main" xmlns:r="http://schemas.openxmlformats.org/officeDocument/2006/relationships" xmlns:p="http://schemas.openxmlformats.org/presentationml/2006/main">
+  <p:cSld>
+    <p:spTree>
+      <p:nvGrpSpPr>
+        <p:cNvPr id="1" name=""/>
+        <p:cNvGrpSpPr/>
+        <p:nvPr/>
+      </p:nvGrpSpPr>
+      <p:grpSpPr>
+        <a:xfrm>
+          <a:off x="0" y="0"/>
+          <a:ext cx="0" cy="0"/>
+          <a:chOff x="0" y="0"/>
+          <a:chExt cx="0" cy="0"/>
+        </a:xfrm>
+      </p:grpSpPr>
+      <p:sp>
+        <p:nvSpPr>
+          <p:cNvPr id="2" name="Title 1"/>
+          <p:cNvSpPr>
+            <a:spLocks noGrp="1"/>
+          </p:cNvSpPr>
+          <p:nvPr>
+            <p:ph type="title"/>
+          </p:nvPr>
+        </p:nvSpPr>
+        <p:spPr/>
+        <p:txBody>
+          <a:bodyPr/>
+          <a:lstStyle/>
+          <a:p>
+            <a:r>
+              <a:rPr lang="pl-PL" dirty="0" smtClean="0"/>
+              <a:t>Task 1 – Display a record</a:t>
+            </a:r>
+            <a:endParaRPr lang="en-CA" dirty="0"/>
+          </a:p>
+        </p:txBody>
+      </p:sp>
+      <p:sp>
+        <p:nvSpPr>
+          <p:cNvPr id="3" name="Content Placeholder 2"/>
+          <p:cNvSpPr>
+            <a:spLocks noGrp="1"/>
+          </p:cNvSpPr>
+          <p:nvPr>
+            <p:ph sz="quarter" idx="10"/>
+          </p:nvPr>
+        </p:nvSpPr>
+        <p:spPr/>
+        <p:txBody>
+          <a:bodyPr/>
+          <a:lstStyle/>
+          <a:p>
+            <a:r>
+              <a:rPr lang="pl-PL" dirty="0" smtClean="0"/>
+              <a:t>Modify Index method</a:t>
+            </a:r>
+            <a:endParaRPr lang="en-CA" dirty="0"/>
+          </a:p>
+        </p:txBody>
+      </p:sp>
+      <p:sp>
+        <p:nvSpPr>
+          <p:cNvPr id="4" name="Content Placeholder 3"/>
+          <p:cNvSpPr>
+            <a:spLocks noGrp="1"/>
+          </p:cNvSpPr>
+          <p:nvPr>
+            <p:ph sz="quarter" idx="11"/>
+          </p:nvPr>
+        </p:nvSpPr>
+        <p:spPr/>
+        <p:txBody>
+          <a:bodyPr/>
+          <a:lstStyle/>
+          <a:p>
+            <a:r>
+              <a:rPr lang="pl-PL" sz="2800" dirty="0" smtClean="0"/>
+              <a:t>Create an instance of BsdsAccess</a:t>
+            </a:r>
+            <a:endParaRPr lang="en-CA" sz="2800" dirty="0"/>
+          </a:p>
+        </p:txBody>
+      </p:sp>
+      <p:sp>
+        <p:nvSpPr>
+          <p:cNvPr id="5" name="Content Placeholder 4"/>
+          <p:cNvSpPr>
+            <a:spLocks noGrp="1"/>
+          </p:cNvSpPr>
+          <p:nvPr>
+            <p:ph sz="quarter" idx="12"/>
+          </p:nvPr>
+        </p:nvSpPr>
+        <p:spPr/>
+        <p:txBody>
+          <a:bodyPr/>
+          <a:lstStyle/>
+          <a:p>
+            <a:r>
+              <a:rPr lang="pl-PL" sz="2800" dirty="0" smtClean="0"/>
+              <a:t>Call GetCoffeeShopById method</a:t>
+            </a:r>
+            <a:endParaRPr lang="en-CA" sz="2800" dirty="0"/>
+          </a:p>
+        </p:txBody>
+      </p:sp>
+      <p:sp>
+        <p:nvSpPr>
+          <p:cNvPr id="6" name="Content Placeholder 5"/>
+          <p:cNvSpPr>
+            <a:spLocks noGrp="1"/>
+          </p:cNvSpPr>
+          <p:nvPr>
+            <p:ph sz="quarter" idx="13"/>
+          </p:nvPr>
+        </p:nvSpPr>
+        <p:spPr/>
+        <p:txBody>
+          <a:bodyPr/>
+          <a:lstStyle/>
+          <a:p>
+            <a:endParaRPr lang="en-CA"/>
+          </a:p>
+        </p:txBody>
+      </p:sp>
+      <p:sp>
+        <p:nvSpPr>
+          <p:cNvPr id="7" name="Content Placeholder 6"/>
+          <p:cNvSpPr>
+            <a:spLocks noGrp="1"/>
+          </p:cNvSpPr>
+          <p:nvPr>
+            <p:ph sz="quarter" idx="14"/>
+          </p:nvPr>
+        </p:nvSpPr>
+        <p:spPr/>
+        <p:txBody>
+          <a:bodyPr/>
+          <a:lstStyle/>
+          <a:p>
+            <a:endParaRPr lang="en-CA"/>
+          </a:p>
+        </p:txBody>
+      </p:sp>
+      <p:sp>
+        <p:nvSpPr>
+          <p:cNvPr id="8" name="Content Placeholder 7"/>
+          <p:cNvSpPr>
+            <a:spLocks noGrp="1"/>
+          </p:cNvSpPr>
+          <p:nvPr>
+            <p:ph sz="quarter" idx="15"/>
+          </p:nvPr>
+        </p:nvSpPr>
+        <p:spPr/>
+        <p:txBody>
+          <a:bodyPr/>
+          <a:lstStyle/>
+          <a:p>
+            <a:r>
+              <a:rPr lang="pl-PL" sz="2800" dirty="0" smtClean="0"/>
+              <a:t>Display this shop’s DisplayName</a:t>
+            </a:r>
+            <a:endParaRPr lang="en-CA" sz="2800" dirty="0"/>
+          </a:p>
+        </p:txBody>
+      </p:sp>
+      <p:pic>
+        <p:nvPicPr>
+          <p:cNvPr id="1026" name="Picture 2"/>
+          <p:cNvPicPr>
+            <a:picLocks noChangeAspect="1" noChangeArrowheads="1"/>
+          </p:cNvPicPr>
+          <p:nvPr/>
+        </p:nvPicPr>
+        <p:blipFill>
+          <a:blip r:embed="rId2">
+            <a:extLst>
+              <a:ext uri="{28A0092B-C50C-407E-A947-70E740481C1C}">
+                <a14:useLocalDpi xmlns:a14="http://schemas.microsoft.com/office/drawing/2010/main" val="0"/>
+              </a:ext>
+            </a:extLst>
+          </a:blip>
+          <a:srcRect/>
+          <a:stretch>
+            <a:fillRect/>
+          </a:stretch>
+        </p:blipFill>
+        <p:spPr bwMode="auto">
+          <a:xfrm>
+            <a:off x="323528" y="4653136"/>
+            <a:ext cx="8523738" cy="1440160"/>
+          </a:xfrm>
+          <a:prstGeom prst="rect">
+            <a:avLst/>
+          </a:prstGeom>
+          <a:noFill/>
+          <a:ln>
+            <a:noFill/>
+          </a:ln>
+          <a:effectLst/>
+          <a:extLst>
+            <a:ext uri="{909E8E84-426E-40DD-AFC4-6F175D3DCCD1}">
+              <a14:hiddenFill xmlns:a14="http://schemas.microsoft.com/office/drawing/2010/main">
+                <a:solidFill>
+                  <a:schemeClr val="accent1"/>
+                </a:solidFill>
+              </a14:hiddenFill>
+            </a:ext>
+            <a:ext uri="{91240B29-F687-4F45-9708-019B960494DF}">
+              <a14:hiddenLine xmlns:a14="http://schemas.microsoft.com/office/drawing/2010/main" w="9525">
+                <a:solidFill>
+                  <a:schemeClr val="tx1"/>
+                </a:solidFill>
+                <a:miter lim="800000"/>
+                <a:headEnd/>
+                <a:tailEnd/>
+              </a14:hiddenLine>
+            </a:ext>
+            <a:ext uri="{AF507438-7753-43E0-B8FC-AC1667EBCBE1}">
+              <a14:hiddenEffects xmlns:a14="http://schemas.microsoft.com/office/drawing/2010/main">
+                <a:effectLst>
+                  <a:outerShdw dist="35921" dir="2700000" algn="ctr" rotWithShape="0">
+                    <a:schemeClr val="bg2"/>
+                  </a:outerShdw>
+                </a:effectLst>
+              </a14:hiddenEffects>
+            </a:ext>
+          </a:extLst>
+        </p:spPr>
+      </p:pic>
+    </p:spTree>
+    <p:extLst>
+      <p:ext uri="{BB962C8B-B14F-4D97-AF65-F5344CB8AC3E}">
+        <p14:creationId xmlns:p14="http://schemas.microsoft.com/office/powerpoint/2010/main" val="3883718296"/>
+      </p:ext>
+    </p:extLst>
+  </p:cSld>
+  <p:clrMapOvr>
+    <a:masterClrMapping/>
+  </p:clrMapOvr>
+  <mc:AlternateContent xmlns:mc="http://schemas.openxmlformats.org/markup-compatibility/2006" xmlns:p14="http://schemas.microsoft.com/office/powerpoint/2010/main">
+    <mc:Choice Requires="p14">
+      <p:transition spd="slow" p14:dur="2000"/>
+    </mc:Choice>
+    <mc:Fallback xmlns="">
+      <p:transition spd="slow"/>
+    </mc:Fallback>
+  </mc:AlternateContent>
+  <p:timing>
+    <p:tnLst>
+      <p:par>
+        <p:cTn id="1" dur="indefinite" restart="never" nodeType="tmRoot">
+          <p:childTnLst>
+            <p:seq concurrent="1" nextAc="seek">
+              <p:cTn id="2" dur="indefinite" nodeType="mainSeq">
+                <p:childTnLst>
+                  <p:par>
+                    <p:cTn id="3" fill="hold">
+                      <p:stCondLst>
+                        <p:cond delay="indefinite"/>
+                      </p:stCondLst>
+                      <p:childTnLst>
+                        <p:par>
+                          <p:cTn id="4" fill="hold">
+                            <p:stCondLst>
+                              <p:cond delay="0"/>
+                            </p:stCondLst>
+                            <p:childTnLst>
+                              <p:par>
+                                <p:cTn id="5" presetID="10" presetClass="entr" presetSubtype="0" fill="hold" nodeType="clickEffect">
+                                  <p:stCondLst>
+                                    <p:cond delay="0"/>
+                                  </p:stCondLst>
+                                  <p:childTnLst>
+                                    <p:set>
+                                      <p:cBhvr>
+                                        <p:cTn id="6" dur="1" fill="hold">
+                                          <p:stCondLst>
+                                            <p:cond delay="0"/>
+                                          </p:stCondLst>
+                                        </p:cTn>
+                                        <p:tgtEl>
+                                          <p:spTgt spid="1026"/>
+                                        </p:tgtEl>
+                                        <p:attrNameLst>
+                                          <p:attrName>style.visibility</p:attrName>
+                                        </p:attrNameLst>
+                                      </p:cBhvr>
+                                      <p:to>
+                                        <p:strVal val="visible"/>
+                                      </p:to>
+                                    </p:set>
+                                    <p:animEffect transition="in" filter="fade">
+                                      <p:cBhvr>
+                                        <p:cTn id="7" dur="500"/>
+                                        <p:tgtEl>
+                                          <p:spTgt spid="1026"/>
+                                        </p:tgtEl>
+                                      </p:cBhvr>
+                                    </p:animEffect>
+                                  </p:childTnLst>
+                                </p:cTn>
+                              </p:par>
+                              <p:par>
+                                <p:cTn id="8" presetID="35" presetClass="path" presetSubtype="0" accel="50000" decel="50000" fill="hold" nodeType="withEffect">
+                                  <p:stCondLst>
+                                    <p:cond delay="0"/>
+                                  </p:stCondLst>
+                                  <p:childTnLst>
+                                    <p:animMotion origin="layout" path="M 0.04809 1.11111E-6 L -3.88889E-6 1.11111E-6 " pathEditMode="relative" rAng="0" ptsTypes="AA">
+                                      <p:cBhvr>
+                                        <p:cTn id="9" dur="2000" fill="hold"/>
+                                        <p:tgtEl>
+                                          <p:spTgt spid="1026"/>
+                                        </p:tgtEl>
+                                        <p:attrNameLst>
+                                          <p:attrName>ppt_x</p:attrName>
+                                          <p:attrName>ppt_y</p:attrName>
+                                        </p:attrNameLst>
+                                      </p:cBhvr>
+                                      <p:rCtr x="-2413" y="0"/>
+                                    </p:animMotion>
+                                  </p:childTnLst>
+                                </p:cTn>
+                              </p:par>
+                            </p:childTnLst>
+                          </p:cTn>
+                        </p:par>
+                      </p:childTnLst>
+                    </p:cTn>
+                  </p:par>
+                </p:childTnLst>
+              </p:cTn>
+              <p:prevCondLst>
+                <p:cond evt="onPrev" delay="0">
+                  <p:tgtEl>
+                    <p:sldTgt/>
+                  </p:tgtEl>
+                </p:cond>
+              </p:prevCondLst>
+              <p:nextCondLst>
+                <p:cond evt="onNext" delay="0">
+                  <p:tgtEl>
+                    <p:sldTgt/>
+                  </p:tgtEl>
+                </p:cond>
+              </p:nextCondLst>
+            </p:seq>
+          </p:childTnLst>
+        </p:cTn>
+      </p:par>
+    </p:tnLst>
+  </p:timing>
+</p:sld>
+</file>
+
+<file path=ppt/slides/slide25.xml><?xml version="1.0" encoding="utf-8"?>
+<p:sld xmlns:a="http://schemas.openxmlformats.org/drawingml/2006/main" xmlns:r="http://schemas.openxmlformats.org/officeDocument/2006/relationships" xmlns:p="http://schemas.openxmlformats.org/presentationml/2006/main">
+  <p:cSld>
+    <p:spTree>
+      <p:nvGrpSpPr>
+        <p:cNvPr id="1" name=""/>
+        <p:cNvGrpSpPr/>
+        <p:nvPr/>
+      </p:nvGrpSpPr>
+      <p:grpSpPr>
+        <a:xfrm>
+          <a:off x="0" y="0"/>
+          <a:ext cx="0" cy="0"/>
+          <a:chOff x="0" y="0"/>
+          <a:chExt cx="0" cy="0"/>
+        </a:xfrm>
+      </p:grpSpPr>
+      <p:sp>
+        <p:nvSpPr>
+          <p:cNvPr id="2" name="Title 1"/>
+          <p:cNvSpPr>
+            <a:spLocks noGrp="1"/>
+          </p:cNvSpPr>
+          <p:nvPr>
+            <p:ph type="title"/>
+          </p:nvPr>
+        </p:nvSpPr>
+        <p:spPr>
+          <a:xfrm>
+            <a:off x="323528" y="260648"/>
+            <a:ext cx="6984776" cy="778098"/>
+          </a:xfrm>
+        </p:spPr>
+        <p:txBody>
+          <a:bodyPr/>
+          <a:lstStyle/>
+          <a:p>
+            <a:r>
+              <a:rPr lang="pl-PL" dirty="0" smtClean="0"/>
+              <a:t>Task 2 – Display a record of a given id</a:t>
+            </a:r>
+            <a:endParaRPr lang="en-CA" dirty="0"/>
+          </a:p>
+        </p:txBody>
+      </p:sp>
+      <p:sp>
+        <p:nvSpPr>
+          <p:cNvPr id="3" name="Content Placeholder 2"/>
+          <p:cNvSpPr>
+            <a:spLocks noGrp="1"/>
+          </p:cNvSpPr>
+          <p:nvPr>
+            <p:ph sz="quarter" idx="10"/>
+          </p:nvPr>
+        </p:nvSpPr>
+        <p:spPr/>
+        <p:txBody>
+          <a:bodyPr/>
+          <a:lstStyle/>
+          <a:p>
+            <a:r>
+              <a:rPr lang="pl-PL" dirty="0" smtClean="0"/>
+              <a:t>Copy entire Index method</a:t>
+            </a:r>
+            <a:endParaRPr lang="en-CA" dirty="0"/>
+          </a:p>
+        </p:txBody>
+      </p:sp>
+      <p:sp>
+        <p:nvSpPr>
+          <p:cNvPr id="4" name="Content Placeholder 3"/>
+          <p:cNvSpPr>
+            <a:spLocks noGrp="1"/>
+          </p:cNvSpPr>
+          <p:nvPr>
+            <p:ph sz="quarter" idx="11"/>
+          </p:nvPr>
+        </p:nvSpPr>
+        <p:spPr/>
+        <p:txBody>
+          <a:bodyPr/>
+          <a:lstStyle/>
+          <a:p>
+            <a:r>
+              <a:rPr lang="pl-PL" dirty="0" smtClean="0"/>
+              <a:t>Rename it IndexId</a:t>
+            </a:r>
+            <a:endParaRPr lang="en-CA" dirty="0"/>
+          </a:p>
+        </p:txBody>
+      </p:sp>
+      <p:sp>
+        <p:nvSpPr>
+          <p:cNvPr id="5" name="Content Placeholder 4"/>
+          <p:cNvSpPr>
+            <a:spLocks noGrp="1"/>
+          </p:cNvSpPr>
+          <p:nvPr>
+            <p:ph sz="quarter" idx="12"/>
+          </p:nvPr>
+        </p:nvSpPr>
+        <p:spPr/>
+        <p:txBody>
+          <a:bodyPr/>
+          <a:lstStyle/>
+          <a:p>
+            <a:r>
+              <a:rPr lang="pl-PL" dirty="0" smtClean="0"/>
+              <a:t>Add a parameter of type int</a:t>
+            </a:r>
+            <a:endParaRPr lang="en-CA" dirty="0"/>
+          </a:p>
+        </p:txBody>
+      </p:sp>
+      <p:sp>
+        <p:nvSpPr>
+          <p:cNvPr id="6" name="Content Placeholder 5"/>
+          <p:cNvSpPr>
+            <a:spLocks noGrp="1"/>
+          </p:cNvSpPr>
+          <p:nvPr>
+            <p:ph sz="quarter" idx="13"/>
+          </p:nvPr>
+        </p:nvSpPr>
+        <p:spPr/>
+        <p:txBody>
+          <a:bodyPr/>
+          <a:lstStyle/>
+          <a:p>
+            <a:r>
+              <a:rPr lang="pl-PL" dirty="0" smtClean="0"/>
+              <a:t>Use a parameter</a:t>
+            </a:r>
+            <a:endParaRPr lang="en-CA" dirty="0"/>
+          </a:p>
+        </p:txBody>
+      </p:sp>
+      <p:sp>
+        <p:nvSpPr>
+          <p:cNvPr id="7" name="Content Placeholder 6"/>
+          <p:cNvSpPr>
+            <a:spLocks noGrp="1"/>
+          </p:cNvSpPr>
+          <p:nvPr>
+            <p:ph sz="quarter" idx="14"/>
+          </p:nvPr>
+        </p:nvSpPr>
+        <p:spPr/>
+        <p:txBody>
+          <a:bodyPr/>
+          <a:lstStyle/>
+          <a:p>
+            <a:endParaRPr lang="en-CA"/>
+          </a:p>
+        </p:txBody>
+      </p:sp>
+      <p:sp>
+        <p:nvSpPr>
+          <p:cNvPr id="8" name="Content Placeholder 7"/>
+          <p:cNvSpPr>
+            <a:spLocks noGrp="1"/>
+          </p:cNvSpPr>
+          <p:nvPr>
+            <p:ph sz="quarter" idx="15"/>
+          </p:nvPr>
+        </p:nvSpPr>
+        <p:spPr/>
+        <p:txBody>
+          <a:bodyPr/>
+          <a:lstStyle/>
+          <a:p>
+            <a:r>
+              <a:rPr lang="pl-PL" dirty="0" smtClean="0"/>
+              <a:t>Change return: </a:t>
+            </a:r>
+            <a:r>
+              <a:rPr lang="en-CA" dirty="0"/>
+              <a:t>View("Index</a:t>
+            </a:r>
+            <a:r>
+              <a:rPr lang="en-CA" dirty="0" smtClean="0"/>
+              <a:t>")</a:t>
+            </a:r>
+            <a:endParaRPr lang="en-CA" dirty="0"/>
+          </a:p>
+        </p:txBody>
+      </p:sp>
+      <p:pic>
+        <p:nvPicPr>
+          <p:cNvPr id="2050" name="Picture 2"/>
+          <p:cNvPicPr>
+            <a:picLocks noChangeAspect="1" noChangeArrowheads="1"/>
+          </p:cNvPicPr>
+          <p:nvPr/>
+        </p:nvPicPr>
+        <p:blipFill>
+          <a:blip r:embed="rId2">
+            <a:extLst>
+              <a:ext uri="{28A0092B-C50C-407E-A947-70E740481C1C}">
+                <a14:useLocalDpi xmlns:a14="http://schemas.microsoft.com/office/drawing/2010/main" val="0"/>
+              </a:ext>
+            </a:extLst>
+          </a:blip>
+          <a:srcRect/>
+          <a:stretch>
+            <a:fillRect/>
+          </a:stretch>
+        </p:blipFill>
+        <p:spPr bwMode="auto">
+          <a:xfrm>
+            <a:off x="323528" y="2636912"/>
+            <a:ext cx="6768752" cy="3384376"/>
+          </a:xfrm>
+          <a:prstGeom prst="rect">
+            <a:avLst/>
+          </a:prstGeom>
+          <a:noFill/>
+          <a:ln>
+            <a:noFill/>
+          </a:ln>
+          <a:effectLst/>
+          <a:extLst>
+            <a:ext uri="{909E8E84-426E-40DD-AFC4-6F175D3DCCD1}">
+              <a14:hiddenFill xmlns:a14="http://schemas.microsoft.com/office/drawing/2010/main">
+                <a:solidFill>
+                  <a:schemeClr val="accent1"/>
+                </a:solidFill>
+              </a14:hiddenFill>
+            </a:ext>
+            <a:ext uri="{91240B29-F687-4F45-9708-019B960494DF}">
+              <a14:hiddenLine xmlns:a14="http://schemas.microsoft.com/office/drawing/2010/main" w="9525">
+                <a:solidFill>
+                  <a:schemeClr val="tx1"/>
+                </a:solidFill>
+                <a:miter lim="800000"/>
+                <a:headEnd/>
+                <a:tailEnd/>
+              </a14:hiddenLine>
+            </a:ext>
+            <a:ext uri="{AF507438-7753-43E0-B8FC-AC1667EBCBE1}">
+              <a14:hiddenEffects xmlns:a14="http://schemas.microsoft.com/office/drawing/2010/main">
+                <a:effectLst>
+                  <a:outerShdw dist="35921" dir="2700000" algn="ctr" rotWithShape="0">
+                    <a:schemeClr val="bg2"/>
+                  </a:outerShdw>
+                </a:effectLst>
+              </a14:hiddenEffects>
+            </a:ext>
+          </a:extLst>
+        </p:spPr>
+      </p:pic>
+    </p:spTree>
+    <p:extLst>
+      <p:ext uri="{BB962C8B-B14F-4D97-AF65-F5344CB8AC3E}">
+        <p14:creationId xmlns:p14="http://schemas.microsoft.com/office/powerpoint/2010/main" val="3450646828"/>
+      </p:ext>
+    </p:extLst>
+  </p:cSld>
+  <p:clrMapOvr>
+    <a:masterClrMapping/>
+  </p:clrMapOvr>
+  <mc:AlternateContent xmlns:mc="http://schemas.openxmlformats.org/markup-compatibility/2006" xmlns:p14="http://schemas.microsoft.com/office/powerpoint/2010/main">
+    <mc:Choice Requires="p14">
+      <p:transition spd="slow" p14:dur="2000"/>
+    </mc:Choice>
+    <mc:Fallback xmlns="">
+      <p:transition spd="slow"/>
+    </mc:Fallback>
+  </mc:AlternateContent>
+  <p:timing>
+    <p:tnLst>
+      <p:par>
+        <p:cTn id="1" dur="indefinite" restart="never" nodeType="tmRoot">
+          <p:childTnLst>
+            <p:seq concurrent="1" nextAc="seek">
+              <p:cTn id="2" dur="indefinite" nodeType="mainSeq">
+                <p:childTnLst>
+                  <p:par>
+                    <p:cTn id="3" fill="hold">
+                      <p:stCondLst>
+                        <p:cond delay="indefinite"/>
+                      </p:stCondLst>
+                      <p:childTnLst>
+                        <p:par>
+                          <p:cTn id="4" fill="hold">
+                            <p:stCondLst>
+                              <p:cond delay="0"/>
+                            </p:stCondLst>
+                            <p:childTnLst>
+                              <p:par>
+                                <p:cTn id="5" presetID="10" presetClass="entr" presetSubtype="0" fill="hold" nodeType="clickEffect">
+                                  <p:stCondLst>
+                                    <p:cond delay="0"/>
+                                  </p:stCondLst>
+                                  <p:childTnLst>
+                                    <p:set>
+                                      <p:cBhvr>
+                                        <p:cTn id="6" dur="1" fill="hold">
+                                          <p:stCondLst>
+                                            <p:cond delay="0"/>
+                                          </p:stCondLst>
+                                        </p:cTn>
+                                        <p:tgtEl>
+                                          <p:spTgt spid="2050"/>
+                                        </p:tgtEl>
+                                        <p:attrNameLst>
+                                          <p:attrName>style.visibility</p:attrName>
+                                        </p:attrNameLst>
+                                      </p:cBhvr>
+                                      <p:to>
+                                        <p:strVal val="visible"/>
+                                      </p:to>
+                                    </p:set>
+                                    <p:animEffect transition="in" filter="fade">
+                                      <p:cBhvr>
+                                        <p:cTn id="7" dur="500"/>
+                                        <p:tgtEl>
+                                          <p:spTgt spid="2050"/>
+                                        </p:tgtEl>
+                                      </p:cBhvr>
+                                    </p:animEffect>
+                                  </p:childTnLst>
+                                </p:cTn>
+                              </p:par>
+                              <p:par>
+                                <p:cTn id="8" presetID="35" presetClass="path" presetSubtype="0" accel="50000" decel="50000" fill="hold" nodeType="withEffect">
+                                  <p:stCondLst>
+                                    <p:cond delay="0"/>
+                                  </p:stCondLst>
+                                  <p:childTnLst>
+                                    <p:animMotion origin="layout" path="M 0.04809 1.11111E-6 L -3.88889E-6 1.11111E-6 " pathEditMode="relative" rAng="0" ptsTypes="AA">
+                                      <p:cBhvr>
+                                        <p:cTn id="9" dur="2000" fill="hold"/>
+                                        <p:tgtEl>
+                                          <p:spTgt spid="2050"/>
+                                        </p:tgtEl>
+                                        <p:attrNameLst>
+                                          <p:attrName>ppt_x</p:attrName>
+                                          <p:attrName>ppt_y</p:attrName>
+                                        </p:attrNameLst>
+                                      </p:cBhvr>
+                                      <p:rCtr x="-2413" y="0"/>
+                                    </p:animMotion>
+                                  </p:childTnLst>
+                                </p:cTn>
+                              </p:par>
+                            </p:childTnLst>
+                          </p:cTn>
+                        </p:par>
+                      </p:childTnLst>
+                    </p:cTn>
+                  </p:par>
+                </p:childTnLst>
+              </p:cTn>
+              <p:prevCondLst>
+                <p:cond evt="onPrev" delay="0">
+                  <p:tgtEl>
+                    <p:sldTgt/>
+                  </p:tgtEl>
+                </p:cond>
+              </p:prevCondLst>
+              <p:nextCondLst>
+                <p:cond evt="onNext" delay="0">
+                  <p:tgtEl>
+                    <p:sldTgt/>
+                  </p:tgtEl>
+                </p:cond>
+              </p:nextCondLst>
+            </p:seq>
+          </p:childTnLst>
+        </p:cTn>
+      </p:par>
+    </p:tnLst>
+  </p:timing>
+</p:sld>
+</file>
+
+<file path=ppt/slides/slide26.xml><?xml version="1.0" encoding="utf-8"?>
+<p:sld xmlns:a="http://schemas.openxmlformats.org/drawingml/2006/main" xmlns:r="http://schemas.openxmlformats.org/officeDocument/2006/relationships" xmlns:p="http://schemas.openxmlformats.org/presentationml/2006/main">
+  <p:cSld>
+    <p:spTree>
+      <p:nvGrpSpPr>
+        <p:cNvPr id="1" name=""/>
+        <p:cNvGrpSpPr/>
+        <p:nvPr/>
+      </p:nvGrpSpPr>
+      <p:grpSpPr>
+        <a:xfrm>
+          <a:off x="0" y="0"/>
+          <a:ext cx="0" cy="0"/>
+          <a:chOff x="0" y="0"/>
+          <a:chExt cx="0" cy="0"/>
+        </a:xfrm>
+      </p:grpSpPr>
+      <p:sp>
+        <p:nvSpPr>
+          <p:cNvPr id="2" name="Title 1"/>
+          <p:cNvSpPr>
+            <a:spLocks noGrp="1"/>
+          </p:cNvSpPr>
+          <p:nvPr>
+            <p:ph type="title"/>
+          </p:nvPr>
+        </p:nvSpPr>
+        <p:spPr/>
+        <p:txBody>
+          <a:bodyPr/>
+          <a:lstStyle/>
+          <a:p>
+            <a:r>
+              <a:rPr lang="pl-PL" dirty="0" smtClean="0"/>
+              <a:t>Task 2.1 – Extract a method</a:t>
+            </a:r>
+            <a:endParaRPr lang="en-CA" dirty="0"/>
+          </a:p>
+        </p:txBody>
+      </p:sp>
+      <p:sp>
+        <p:nvSpPr>
+          <p:cNvPr id="3" name="Content Placeholder 2"/>
+          <p:cNvSpPr>
+            <a:spLocks noGrp="1"/>
+          </p:cNvSpPr>
+          <p:nvPr>
+            <p:ph sz="quarter" idx="10"/>
+          </p:nvPr>
+        </p:nvSpPr>
+        <p:spPr/>
+        <p:txBody>
+          <a:bodyPr/>
+          <a:lstStyle/>
+          <a:p>
+            <a:r>
+              <a:rPr lang="pl-PL" dirty="0" smtClean="0"/>
+              <a:t>First refactoring!</a:t>
+            </a:r>
+            <a:endParaRPr lang="en-CA" dirty="0"/>
+          </a:p>
+        </p:txBody>
+      </p:sp>
+      <p:sp>
+        <p:nvSpPr>
+          <p:cNvPr id="4" name="Content Placeholder 3"/>
+          <p:cNvSpPr>
+            <a:spLocks noGrp="1"/>
+          </p:cNvSpPr>
+          <p:nvPr>
+            <p:ph sz="quarter" idx="11"/>
+          </p:nvPr>
+        </p:nvSpPr>
+        <p:spPr/>
+        <p:txBody>
+          <a:bodyPr/>
+          <a:lstStyle/>
+          <a:p>
+            <a:r>
+              <a:rPr lang="pl-PL" dirty="0" smtClean="0"/>
+              <a:t>Create new method</a:t>
+            </a:r>
+            <a:endParaRPr lang="en-CA" dirty="0"/>
+          </a:p>
+        </p:txBody>
+      </p:sp>
+      <p:sp>
+        <p:nvSpPr>
+          <p:cNvPr id="5" name="Content Placeholder 4"/>
+          <p:cNvSpPr>
+            <a:spLocks noGrp="1"/>
+          </p:cNvSpPr>
+          <p:nvPr>
+            <p:ph sz="quarter" idx="12"/>
+          </p:nvPr>
+        </p:nvSpPr>
+        <p:spPr/>
+        <p:txBody>
+          <a:bodyPr/>
+          <a:lstStyle/>
+          <a:p>
+            <a:r>
+              <a:rPr lang="pl-PL" dirty="0" smtClean="0"/>
+              <a:t>Add a parameter of type int</a:t>
+            </a:r>
+            <a:endParaRPr lang="en-CA" dirty="0"/>
+          </a:p>
+        </p:txBody>
+      </p:sp>
+      <p:sp>
+        <p:nvSpPr>
+          <p:cNvPr id="6" name="Content Placeholder 5"/>
+          <p:cNvSpPr>
+            <a:spLocks noGrp="1"/>
+          </p:cNvSpPr>
+          <p:nvPr>
+            <p:ph sz="quarter" idx="13"/>
+          </p:nvPr>
+        </p:nvSpPr>
+        <p:spPr/>
+        <p:txBody>
+          <a:bodyPr/>
+          <a:lstStyle/>
+          <a:p>
+            <a:r>
+              <a:rPr lang="pl-PL" dirty="0" smtClean="0"/>
+              <a:t>Add a return statement</a:t>
+            </a:r>
+            <a:endParaRPr lang="en-CA" dirty="0"/>
+          </a:p>
+        </p:txBody>
+      </p:sp>
+      <p:sp>
+        <p:nvSpPr>
+          <p:cNvPr id="7" name="Content Placeholder 6"/>
+          <p:cNvSpPr>
+            <a:spLocks noGrp="1"/>
+          </p:cNvSpPr>
+          <p:nvPr>
+            <p:ph sz="quarter" idx="14"/>
+          </p:nvPr>
+        </p:nvSpPr>
+        <p:spPr/>
+        <p:txBody>
+          <a:bodyPr/>
+          <a:lstStyle/>
+          <a:p>
+            <a:r>
+              <a:rPr lang="pl-PL" dirty="0" smtClean="0"/>
+              <a:t>Use your new method!</a:t>
+            </a:r>
+            <a:endParaRPr lang="en-CA" dirty="0"/>
+          </a:p>
+        </p:txBody>
+      </p:sp>
+      <p:sp>
+        <p:nvSpPr>
+          <p:cNvPr id="8" name="Content Placeholder 7"/>
+          <p:cNvSpPr>
+            <a:spLocks noGrp="1"/>
+          </p:cNvSpPr>
+          <p:nvPr>
+            <p:ph sz="quarter" idx="15"/>
+          </p:nvPr>
+        </p:nvSpPr>
+        <p:spPr/>
+        <p:txBody>
+          <a:bodyPr/>
+          <a:lstStyle/>
+          <a:p>
+            <a:r>
+              <a:rPr lang="pl-PL" dirty="0" smtClean="0"/>
+              <a:t>Copy three common lines</a:t>
+            </a:r>
+            <a:endParaRPr lang="en-CA" dirty="0"/>
+          </a:p>
+        </p:txBody>
+      </p:sp>
+      <p:pic>
+        <p:nvPicPr>
+          <p:cNvPr id="3074" name="Picture 2"/>
+          <p:cNvPicPr>
+            <a:picLocks noChangeAspect="1" noChangeArrowheads="1"/>
+          </p:cNvPicPr>
+          <p:nvPr/>
+        </p:nvPicPr>
+        <p:blipFill>
+          <a:blip r:embed="rId2">
+            <a:extLst>
+              <a:ext uri="{28A0092B-C50C-407E-A947-70E740481C1C}">
+                <a14:useLocalDpi xmlns:a14="http://schemas.microsoft.com/office/drawing/2010/main" val="0"/>
+              </a:ext>
+            </a:extLst>
+          </a:blip>
+          <a:srcRect/>
+          <a:stretch>
+            <a:fillRect/>
+          </a:stretch>
+        </p:blipFill>
+        <p:spPr bwMode="auto">
+          <a:xfrm>
+            <a:off x="323528" y="1124744"/>
+            <a:ext cx="6336704" cy="5576300"/>
+          </a:xfrm>
+          <a:prstGeom prst="rect">
+            <a:avLst/>
+          </a:prstGeom>
+          <a:noFill/>
+          <a:ln>
+            <a:noFill/>
+          </a:ln>
+          <a:effectLst/>
+          <a:extLst>
+            <a:ext uri="{909E8E84-426E-40DD-AFC4-6F175D3DCCD1}">
+              <a14:hiddenFill xmlns:a14="http://schemas.microsoft.com/office/drawing/2010/main">
+                <a:solidFill>
+                  <a:schemeClr val="accent1"/>
+                </a:solidFill>
+              </a14:hiddenFill>
+            </a:ext>
+            <a:ext uri="{91240B29-F687-4F45-9708-019B960494DF}">
+              <a14:hiddenLine xmlns:a14="http://schemas.microsoft.com/office/drawing/2010/main" w="9525">
+                <a:solidFill>
+                  <a:schemeClr val="tx1"/>
+                </a:solidFill>
+                <a:miter lim="800000"/>
+                <a:headEnd/>
+                <a:tailEnd/>
+              </a14:hiddenLine>
+            </a:ext>
+            <a:ext uri="{AF507438-7753-43E0-B8FC-AC1667EBCBE1}">
+              <a14:hiddenEffects xmlns:a14="http://schemas.microsoft.com/office/drawing/2010/main">
+                <a:effectLst>
+                  <a:outerShdw dist="35921" dir="2700000" algn="ctr" rotWithShape="0">
+                    <a:schemeClr val="bg2"/>
+                  </a:outerShdw>
+                </a:effectLst>
+              </a14:hiddenEffects>
+            </a:ext>
+          </a:extLst>
+        </p:spPr>
+      </p:pic>
+    </p:spTree>
+    <p:extLst>
+      <p:ext uri="{BB962C8B-B14F-4D97-AF65-F5344CB8AC3E}">
+        <p14:creationId xmlns:p14="http://schemas.microsoft.com/office/powerpoint/2010/main" val="2736300671"/>
+      </p:ext>
+    </p:extLst>
+  </p:cSld>
+  <p:clrMapOvr>
+    <a:masterClrMapping/>
+  </p:clrMapOvr>
+  <mc:AlternateContent xmlns:mc="http://schemas.openxmlformats.org/markup-compatibility/2006" xmlns:p14="http://schemas.microsoft.com/office/powerpoint/2010/main">
+    <mc:Choice Requires="p14">
+      <p:transition spd="slow" p14:dur="2000"/>
+    </mc:Choice>
+    <mc:Fallback xmlns="">
+      <p:transition spd="slow"/>
+    </mc:Fallback>
+  </mc:AlternateContent>
+  <p:timing>
+    <p:tnLst>
+      <p:par>
+        <p:cTn id="1" dur="indefinite" restart="never" nodeType="tmRoot">
+          <p:childTnLst>
+            <p:seq concurrent="1" nextAc="seek">
+              <p:cTn id="2" dur="indefinite" nodeType="mainSeq">
+                <p:childTnLst>
+                  <p:par>
+                    <p:cTn id="3" fill="hold">
+                      <p:stCondLst>
+                        <p:cond delay="indefinite"/>
+                      </p:stCondLst>
+                      <p:childTnLst>
+                        <p:par>
+                          <p:cTn id="4" fill="hold">
+                            <p:stCondLst>
+                              <p:cond delay="0"/>
+                            </p:stCondLst>
+                            <p:childTnLst>
+                              <p:par>
+                                <p:cTn id="5" presetID="10" presetClass="entr" presetSubtype="0" fill="hold" nodeType="clickEffect">
+                                  <p:stCondLst>
+                                    <p:cond delay="0"/>
+                                  </p:stCondLst>
+                                  <p:childTnLst>
+                                    <p:set>
+                                      <p:cBhvr>
+                                        <p:cTn id="6" dur="1" fill="hold">
+                                          <p:stCondLst>
+                                            <p:cond delay="0"/>
+                                          </p:stCondLst>
+                                        </p:cTn>
+                                        <p:tgtEl>
+                                          <p:spTgt spid="3074"/>
+                                        </p:tgtEl>
+                                        <p:attrNameLst>
+                                          <p:attrName>style.visibility</p:attrName>
+                                        </p:attrNameLst>
+                                      </p:cBhvr>
+                                      <p:to>
+                                        <p:strVal val="visible"/>
+                                      </p:to>
+                                    </p:set>
+                                    <p:animEffect transition="in" filter="fade">
+                                      <p:cBhvr>
+                                        <p:cTn id="7" dur="500"/>
+                                        <p:tgtEl>
+                                          <p:spTgt spid="3074"/>
+                                        </p:tgtEl>
+                                      </p:cBhvr>
+                                    </p:animEffect>
+                                  </p:childTnLst>
+                                </p:cTn>
+                              </p:par>
+                              <p:par>
+                                <p:cTn id="8" presetID="35" presetClass="path" presetSubtype="0" accel="50000" decel="50000" fill="hold" nodeType="withEffect">
+                                  <p:stCondLst>
+                                    <p:cond delay="0"/>
+                                  </p:stCondLst>
+                                  <p:childTnLst>
+                                    <p:animMotion origin="layout" path="M 0.04809 1.11111E-6 L -3.88889E-6 1.11111E-6 " pathEditMode="relative" rAng="0" ptsTypes="AA">
+                                      <p:cBhvr>
+                                        <p:cTn id="9" dur="2000" fill="hold"/>
+                                        <p:tgtEl>
+                                          <p:spTgt spid="3074"/>
+                                        </p:tgtEl>
+                                        <p:attrNameLst>
+                                          <p:attrName>ppt_x</p:attrName>
+                                          <p:attrName>ppt_y</p:attrName>
+                                        </p:attrNameLst>
+                                      </p:cBhvr>
+                                      <p:rCtr x="-2413" y="0"/>
+                                    </p:animMotion>
+                                  </p:childTnLst>
+                                </p:cTn>
+                              </p:par>
+                            </p:childTnLst>
+                          </p:cTn>
+                        </p:par>
+                      </p:childTnLst>
+                    </p:cTn>
+                  </p:par>
+                </p:childTnLst>
+              </p:cTn>
+              <p:prevCondLst>
+                <p:cond evt="onPrev" delay="0">
+                  <p:tgtEl>
+                    <p:sldTgt/>
+                  </p:tgtEl>
+                </p:cond>
+              </p:prevCondLst>
+              <p:nextCondLst>
+                <p:cond evt="onNext" delay="0">
+                  <p:tgtEl>
+                    <p:sldTgt/>
+                  </p:tgtEl>
+                </p:cond>
+              </p:nextCondLst>
+            </p:seq>
+          </p:childTnLst>
+        </p:cTn>
+      </p:par>
+    </p:tnLst>
+  </p:timing>
+</p:sld>
+</file>
+
+<file path=ppt/slides/slide27.xml><?xml version="1.0" encoding="utf-8"?>
+<p:sld xmlns:a="http://schemas.openxmlformats.org/drawingml/2006/main" xmlns:r="http://schemas.openxmlformats.org/officeDocument/2006/relationships" xmlns:p="http://schemas.openxmlformats.org/presentationml/2006/main">
+  <p:cSld>
+    <p:spTree>
+      <p:nvGrpSpPr>
+        <p:cNvPr id="1" name=""/>
+        <p:cNvGrpSpPr/>
+        <p:nvPr/>
+      </p:nvGrpSpPr>
+      <p:grpSpPr>
+        <a:xfrm>
+          <a:off x="0" y="0"/>
+          <a:ext cx="0" cy="0"/>
+          <a:chOff x="0" y="0"/>
+          <a:chExt cx="0" cy="0"/>
+        </a:xfrm>
+      </p:grpSpPr>
+      <p:sp>
+        <p:nvSpPr>
+          <p:cNvPr id="2" name="Title 1"/>
+          <p:cNvSpPr>
+            <a:spLocks noGrp="1"/>
+          </p:cNvSpPr>
+          <p:nvPr>
+            <p:ph type="title"/>
+          </p:nvPr>
+        </p:nvSpPr>
+        <p:spPr/>
+        <p:txBody>
+          <a:bodyPr/>
+          <a:lstStyle/>
+          <a:p>
+            <a:r>
+              <a:rPr lang="pl-PL" dirty="0" smtClean="0"/>
+              <a:t>Task 3 – displaying more data</a:t>
+            </a:r>
+            <a:endParaRPr lang="en-CA" dirty="0"/>
+          </a:p>
+        </p:txBody>
+      </p:sp>
+      <p:sp>
+        <p:nvSpPr>
+          <p:cNvPr id="3" name="Content Placeholder 2"/>
+          <p:cNvSpPr>
+            <a:spLocks noGrp="1"/>
+          </p:cNvSpPr>
+          <p:nvPr>
+            <p:ph sz="quarter" idx="10"/>
+          </p:nvPr>
+        </p:nvSpPr>
+        <p:spPr/>
+        <p:txBody>
+          <a:bodyPr/>
+          <a:lstStyle/>
+          <a:p>
+            <a:r>
+              <a:rPr lang="pl-PL" dirty="0" smtClean="0"/>
+              <a:t>Write another helper method</a:t>
+            </a:r>
+            <a:endParaRPr lang="en-CA" dirty="0"/>
+          </a:p>
+        </p:txBody>
+      </p:sp>
+      <p:sp>
+        <p:nvSpPr>
+          <p:cNvPr id="4" name="Content Placeholder 3"/>
+          <p:cNvSpPr>
+            <a:spLocks noGrp="1"/>
+          </p:cNvSpPr>
+          <p:nvPr>
+            <p:ph sz="quarter" idx="11"/>
+          </p:nvPr>
+        </p:nvSpPr>
+        <p:spPr/>
+        <p:txBody>
+          <a:bodyPr/>
+          <a:lstStyle/>
+          <a:p>
+            <a:r>
+              <a:rPr lang="pl-PL" dirty="0" smtClean="0"/>
+              <a:t>Check if there is a wifi connection</a:t>
+            </a:r>
+            <a:endParaRPr lang="en-CA" dirty="0"/>
+          </a:p>
+        </p:txBody>
+      </p:sp>
+      <p:sp>
+        <p:nvSpPr>
+          <p:cNvPr id="5" name="Content Placeholder 4"/>
+          <p:cNvSpPr>
+            <a:spLocks noGrp="1"/>
+          </p:cNvSpPr>
+          <p:nvPr>
+            <p:ph sz="quarter" idx="12"/>
+          </p:nvPr>
+        </p:nvSpPr>
+        <p:spPr/>
+        <p:txBody>
+          <a:bodyPr/>
+          <a:lstStyle/>
+          <a:p>
+            <a:r>
+              <a:rPr lang="pl-PL" dirty="0" smtClean="0"/>
+              <a:t>Write another controllrer action</a:t>
+            </a:r>
+            <a:endParaRPr lang="en-CA" dirty="0"/>
+          </a:p>
+        </p:txBody>
+      </p:sp>
+      <p:sp>
+        <p:nvSpPr>
+          <p:cNvPr id="6" name="Content Placeholder 5"/>
+          <p:cNvSpPr>
+            <a:spLocks noGrp="1"/>
+          </p:cNvSpPr>
+          <p:nvPr>
+            <p:ph sz="quarter" idx="13"/>
+          </p:nvPr>
+        </p:nvSpPr>
+        <p:spPr/>
+        <p:txBody>
+          <a:bodyPr/>
+          <a:lstStyle/>
+          <a:p>
+            <a:endParaRPr lang="en-CA"/>
+          </a:p>
+        </p:txBody>
+      </p:sp>
+      <p:sp>
+        <p:nvSpPr>
+          <p:cNvPr id="7" name="Content Placeholder 6"/>
+          <p:cNvSpPr>
+            <a:spLocks noGrp="1"/>
+          </p:cNvSpPr>
+          <p:nvPr>
+            <p:ph sz="quarter" idx="14"/>
+          </p:nvPr>
+        </p:nvSpPr>
+        <p:spPr/>
+        <p:txBody>
+          <a:bodyPr/>
+          <a:lstStyle/>
+          <a:p>
+            <a:endParaRPr lang="en-CA"/>
+          </a:p>
+        </p:txBody>
+      </p:sp>
+      <p:sp>
+        <p:nvSpPr>
+          <p:cNvPr id="8" name="Content Placeholder 7"/>
+          <p:cNvSpPr>
+            <a:spLocks noGrp="1"/>
+          </p:cNvSpPr>
+          <p:nvPr>
+            <p:ph sz="quarter" idx="15"/>
+          </p:nvPr>
+        </p:nvSpPr>
+        <p:spPr/>
+        <p:txBody>
+          <a:bodyPr/>
+          <a:lstStyle/>
+          <a:p>
+            <a:r>
+              <a:rPr lang="pl-PL" dirty="0" smtClean="0"/>
+              <a:t>Wire it up</a:t>
+            </a:r>
+            <a:endParaRPr lang="en-CA" dirty="0"/>
+          </a:p>
+        </p:txBody>
+      </p:sp>
+      <p:pic>
+        <p:nvPicPr>
+          <p:cNvPr id="4098" name="Picture 2"/>
+          <p:cNvPicPr>
+            <a:picLocks noChangeAspect="1" noChangeArrowheads="1"/>
+          </p:cNvPicPr>
+          <p:nvPr/>
+        </p:nvPicPr>
+        <p:blipFill>
+          <a:blip r:embed="rId3">
+            <a:extLst>
+              <a:ext uri="{28A0092B-C50C-407E-A947-70E740481C1C}">
+                <a14:useLocalDpi xmlns:a14="http://schemas.microsoft.com/office/drawing/2010/main" val="0"/>
+              </a:ext>
+            </a:extLst>
+          </a:blip>
+          <a:srcRect/>
+          <a:stretch>
+            <a:fillRect/>
+          </a:stretch>
+        </p:blipFill>
+        <p:spPr bwMode="auto">
+          <a:xfrm>
+            <a:off x="323528" y="1628799"/>
+            <a:ext cx="7200800" cy="4404885"/>
+          </a:xfrm>
+          <a:prstGeom prst="rect">
+            <a:avLst/>
+          </a:prstGeom>
+          <a:noFill/>
+          <a:ln>
+            <a:noFill/>
+          </a:ln>
+          <a:effectLst/>
+          <a:extLst>
+            <a:ext uri="{909E8E84-426E-40DD-AFC4-6F175D3DCCD1}">
+              <a14:hiddenFill xmlns:a14="http://schemas.microsoft.com/office/drawing/2010/main">
+                <a:solidFill>
+                  <a:schemeClr val="accent1"/>
+                </a:solidFill>
+              </a14:hiddenFill>
+            </a:ext>
+            <a:ext uri="{91240B29-F687-4F45-9708-019B960494DF}">
+              <a14:hiddenLine xmlns:a14="http://schemas.microsoft.com/office/drawing/2010/main" w="9525">
+                <a:solidFill>
+                  <a:schemeClr val="tx1"/>
+                </a:solidFill>
+                <a:miter lim="800000"/>
+                <a:headEnd/>
+                <a:tailEnd/>
+              </a14:hiddenLine>
+            </a:ext>
+            <a:ext uri="{AF507438-7753-43E0-B8FC-AC1667EBCBE1}">
+              <a14:hiddenEffects xmlns:a14="http://schemas.microsoft.com/office/drawing/2010/main">
+                <a:effectLst>
+                  <a:outerShdw dist="35921" dir="2700000" algn="ctr" rotWithShape="0">
+                    <a:schemeClr val="bg2"/>
+                  </a:outerShdw>
+                </a:effectLst>
+              </a14:hiddenEffects>
+            </a:ext>
+          </a:extLst>
+        </p:spPr>
+      </p:pic>
+    </p:spTree>
+    <p:extLst>
+      <p:ext uri="{BB962C8B-B14F-4D97-AF65-F5344CB8AC3E}">
+        <p14:creationId xmlns:p14="http://schemas.microsoft.com/office/powerpoint/2010/main" val="546967442"/>
+      </p:ext>
+    </p:extLst>
+  </p:cSld>
+  <p:clrMapOvr>
+    <a:masterClrMapping/>
+  </p:clrMapOvr>
+  <mc:AlternateContent xmlns:mc="http://schemas.openxmlformats.org/markup-compatibility/2006" xmlns:p14="http://schemas.microsoft.com/office/powerpoint/2010/main">
+    <mc:Choice Requires="p14">
+      <p:transition spd="slow" p14:dur="2000"/>
+    </mc:Choice>
+    <mc:Fallback xmlns="">
+      <p:transition spd="slow"/>
+    </mc:Fallback>
+  </mc:AlternateContent>
+  <p:timing>
+    <p:tnLst>
+      <p:par>
+        <p:cTn id="1" dur="indefinite" restart="never" nodeType="tmRoot">
+          <p:childTnLst>
+            <p:seq concurrent="1" nextAc="seek">
+              <p:cTn id="2" dur="indefinite" nodeType="mainSeq">
+                <p:childTnLst>
+                  <p:par>
+                    <p:cTn id="3" fill="hold">
+                      <p:stCondLst>
+                        <p:cond delay="indefinite"/>
+                      </p:stCondLst>
+                      <p:childTnLst>
+                        <p:par>
+                          <p:cTn id="4" fill="hold">
+                            <p:stCondLst>
+                              <p:cond delay="0"/>
+                            </p:stCondLst>
+                            <p:childTnLst>
+                              <p:par>
+                                <p:cTn id="5" presetID="10" presetClass="entr" presetSubtype="0" fill="hold" nodeType="clickEffect">
+                                  <p:stCondLst>
+                                    <p:cond delay="0"/>
+                                  </p:stCondLst>
+                                  <p:childTnLst>
+                                    <p:set>
+                                      <p:cBhvr>
+                                        <p:cTn id="6" dur="1" fill="hold">
+                                          <p:stCondLst>
+                                            <p:cond delay="0"/>
+                                          </p:stCondLst>
+                                        </p:cTn>
+                                        <p:tgtEl>
+                                          <p:spTgt spid="4098"/>
+                                        </p:tgtEl>
+                                        <p:attrNameLst>
+                                          <p:attrName>style.visibility</p:attrName>
+                                        </p:attrNameLst>
+                                      </p:cBhvr>
+                                      <p:to>
+                                        <p:strVal val="visible"/>
+                                      </p:to>
+                                    </p:set>
+                                    <p:animEffect transition="in" filter="fade">
+                                      <p:cBhvr>
+                                        <p:cTn id="7" dur="500"/>
+                                        <p:tgtEl>
+                                          <p:spTgt spid="4098"/>
+                                        </p:tgtEl>
+                                      </p:cBhvr>
+                                    </p:animEffect>
+                                  </p:childTnLst>
+                                </p:cTn>
+                              </p:par>
+                              <p:par>
+                                <p:cTn id="8" presetID="35" presetClass="path" presetSubtype="0" accel="50000" decel="50000" fill="hold" nodeType="withEffect">
+                                  <p:stCondLst>
+                                    <p:cond delay="0"/>
+                                  </p:stCondLst>
+                                  <p:childTnLst>
+                                    <p:animMotion origin="layout" path="M 0.04809 1.11111E-6 L -3.88889E-6 1.11111E-6 " pathEditMode="relative" rAng="0" ptsTypes="AA">
+                                      <p:cBhvr>
+                                        <p:cTn id="9" dur="2000" fill="hold"/>
+                                        <p:tgtEl>
+                                          <p:spTgt spid="4098"/>
+                                        </p:tgtEl>
+                                        <p:attrNameLst>
+                                          <p:attrName>ppt_x</p:attrName>
+                                          <p:attrName>ppt_y</p:attrName>
+                                        </p:attrNameLst>
+                                      </p:cBhvr>
+                                      <p:rCtr x="-2413" y="0"/>
+                                    </p:animMotion>
+                                  </p:childTnLst>
+                                </p:cTn>
+                              </p:par>
+                            </p:childTnLst>
+                          </p:cTn>
+                        </p:par>
+                      </p:childTnLst>
+                    </p:cTn>
+                  </p:par>
+                </p:childTnLst>
+              </p:cTn>
+              <p:prevCondLst>
+                <p:cond evt="onPrev" delay="0">
+                  <p:tgtEl>
+                    <p:sldTgt/>
+                  </p:tgtEl>
+                </p:cond>
+              </p:prevCondLst>
+              <p:nextCondLst>
+                <p:cond evt="onNext" delay="0">
+                  <p:tgtEl>
+                    <p:sldTgt/>
+                  </p:tgtEl>
+                </p:cond>
+              </p:nextCondLst>
+            </p:seq>
+          </p:childTnLst>
+        </p:cTn>
+      </p:par>
+    </p:tnLst>
+  </p:timing>
+</p:sld>
+</file>
+
+<file path=ppt/slides/slide28.xml><?xml version="1.0" encoding="utf-8"?>
+<p:sld xmlns:a="http://schemas.openxmlformats.org/drawingml/2006/main" xmlns:r="http://schemas.openxmlformats.org/officeDocument/2006/relationships" xmlns:p="http://schemas.openxmlformats.org/presentationml/2006/main">
+  <p:cSld>
+    <p:spTree>
+      <p:nvGrpSpPr>
+        <p:cNvPr id="1" name=""/>
+        <p:cNvGrpSpPr/>
+        <p:nvPr/>
+      </p:nvGrpSpPr>
+      <p:grpSpPr>
+        <a:xfrm>
+          <a:off x="0" y="0"/>
+          <a:ext cx="0" cy="0"/>
+          <a:chOff x="0" y="0"/>
+          <a:chExt cx="0" cy="0"/>
+        </a:xfrm>
+      </p:grpSpPr>
+      <p:sp>
+        <p:nvSpPr>
+          <p:cNvPr id="2" name="Title 1"/>
+          <p:cNvSpPr>
+            <a:spLocks noGrp="1"/>
+          </p:cNvSpPr>
+          <p:nvPr>
+            <p:ph type="title"/>
+          </p:nvPr>
+        </p:nvSpPr>
+        <p:spPr/>
+        <p:txBody>
+          <a:bodyPr/>
+          <a:lstStyle/>
+          <a:p>
+            <a:r>
+              <a:rPr lang="pl-PL" dirty="0" smtClean="0"/>
+              <a:t>Task 3.1 – add more conditions!</a:t>
+            </a:r>
+            <a:endParaRPr lang="en-CA" dirty="0"/>
+          </a:p>
+        </p:txBody>
+      </p:sp>
+      <p:sp>
+        <p:nvSpPr>
+          <p:cNvPr id="3" name="Content Placeholder 2"/>
+          <p:cNvSpPr>
+            <a:spLocks noGrp="1"/>
+          </p:cNvSpPr>
+          <p:nvPr>
+            <p:ph sz="quarter" idx="10"/>
+          </p:nvPr>
+        </p:nvSpPr>
+        <p:spPr/>
+        <p:txBody>
+          <a:bodyPr/>
+          <a:lstStyle/>
+          <a:p>
+            <a:r>
+              <a:rPr lang="pl-PL" dirty="0" smtClean="0"/>
+              <a:t>Check </a:t>
+            </a:r>
+            <a:r>
+              <a:rPr lang="en-CA" dirty="0" err="1" smtClean="0"/>
+              <a:t>SeatingCapacity</a:t>
+            </a:r>
+            <a:r>
+              <a:rPr lang="en-CA" dirty="0"/>
+              <a:t> </a:t>
+            </a:r>
+          </a:p>
+        </p:txBody>
+      </p:sp>
+      <p:sp>
+        <p:nvSpPr>
+          <p:cNvPr id="4" name="Content Placeholder 3"/>
+          <p:cNvSpPr>
+            <a:spLocks noGrp="1"/>
+          </p:cNvSpPr>
+          <p:nvPr>
+            <p:ph sz="quarter" idx="11"/>
+          </p:nvPr>
+        </p:nvSpPr>
+        <p:spPr/>
+        <p:txBody>
+          <a:bodyPr/>
+          <a:lstStyle/>
+          <a:p>
+            <a:r>
+              <a:rPr lang="pl-PL" sz="2800" dirty="0" smtClean="0"/>
+              <a:t>Small (&lt;10), medium (10-20), big (&gt;20)</a:t>
+            </a:r>
+            <a:endParaRPr lang="en-CA" sz="2800" dirty="0"/>
+          </a:p>
+        </p:txBody>
+      </p:sp>
+      <p:sp>
+        <p:nvSpPr>
+          <p:cNvPr id="5" name="Content Placeholder 4"/>
+          <p:cNvSpPr>
+            <a:spLocks noGrp="1"/>
+          </p:cNvSpPr>
+          <p:nvPr>
+            <p:ph sz="quarter" idx="12"/>
+          </p:nvPr>
+        </p:nvSpPr>
+        <p:spPr/>
+        <p:txBody>
+          <a:bodyPr/>
+          <a:lstStyle/>
+          <a:p>
+            <a:endParaRPr lang="en-CA" dirty="0"/>
+          </a:p>
+        </p:txBody>
+      </p:sp>
+      <p:sp>
+        <p:nvSpPr>
+          <p:cNvPr id="6" name="Content Placeholder 5"/>
+          <p:cNvSpPr>
+            <a:spLocks noGrp="1"/>
+          </p:cNvSpPr>
+          <p:nvPr>
+            <p:ph sz="quarter" idx="13"/>
+          </p:nvPr>
+        </p:nvSpPr>
+        <p:spPr/>
+        <p:txBody>
+          <a:bodyPr/>
+          <a:lstStyle/>
+          <a:p>
+            <a:endParaRPr lang="en-CA"/>
+          </a:p>
+        </p:txBody>
+      </p:sp>
+      <p:sp>
+        <p:nvSpPr>
+          <p:cNvPr id="7" name="Content Placeholder 6"/>
+          <p:cNvSpPr>
+            <a:spLocks noGrp="1"/>
+          </p:cNvSpPr>
+          <p:nvPr>
+            <p:ph sz="quarter" idx="14"/>
+          </p:nvPr>
+        </p:nvSpPr>
+        <p:spPr/>
+        <p:txBody>
+          <a:bodyPr/>
+          <a:lstStyle/>
+          <a:p>
+            <a:endParaRPr lang="en-CA"/>
+          </a:p>
+        </p:txBody>
+      </p:sp>
+      <p:sp>
+        <p:nvSpPr>
+          <p:cNvPr id="8" name="Content Placeholder 7"/>
+          <p:cNvSpPr>
+            <a:spLocks noGrp="1"/>
+          </p:cNvSpPr>
+          <p:nvPr>
+            <p:ph sz="quarter" idx="15"/>
+          </p:nvPr>
+        </p:nvSpPr>
+        <p:spPr/>
+        <p:txBody>
+          <a:bodyPr/>
+          <a:lstStyle/>
+          <a:p>
+            <a:endParaRPr lang="en-CA"/>
+          </a:p>
+        </p:txBody>
+      </p:sp>
+      <p:pic>
+        <p:nvPicPr>
+          <p:cNvPr id="5122" name="Picture 2"/>
+          <p:cNvPicPr>
+            <a:picLocks noChangeAspect="1" noChangeArrowheads="1"/>
+          </p:cNvPicPr>
+          <p:nvPr/>
+        </p:nvPicPr>
+        <p:blipFill>
+          <a:blip r:embed="rId3">
+            <a:extLst>
+              <a:ext uri="{28A0092B-C50C-407E-A947-70E740481C1C}">
+                <a14:useLocalDpi xmlns:a14="http://schemas.microsoft.com/office/drawing/2010/main" val="0"/>
+              </a:ext>
+            </a:extLst>
+          </a:blip>
+          <a:srcRect/>
+          <a:stretch>
+            <a:fillRect/>
+          </a:stretch>
+        </p:blipFill>
+        <p:spPr bwMode="auto">
+          <a:xfrm>
+            <a:off x="323528" y="3068960"/>
+            <a:ext cx="6449176" cy="3268588"/>
+          </a:xfrm>
+          <a:prstGeom prst="rect">
+            <a:avLst/>
+          </a:prstGeom>
+          <a:noFill/>
+          <a:ln>
+            <a:noFill/>
+          </a:ln>
+          <a:effectLst/>
+          <a:extLst>
+            <a:ext uri="{909E8E84-426E-40DD-AFC4-6F175D3DCCD1}">
+              <a14:hiddenFill xmlns:a14="http://schemas.microsoft.com/office/drawing/2010/main">
+                <a:solidFill>
+                  <a:schemeClr val="accent1"/>
+                </a:solidFill>
+              </a14:hiddenFill>
+            </a:ext>
+            <a:ext uri="{91240B29-F687-4F45-9708-019B960494DF}">
+              <a14:hiddenLine xmlns:a14="http://schemas.microsoft.com/office/drawing/2010/main" w="9525">
+                <a:solidFill>
+                  <a:schemeClr val="tx1"/>
+                </a:solidFill>
+                <a:miter lim="800000"/>
+                <a:headEnd/>
+                <a:tailEnd/>
+              </a14:hiddenLine>
+            </a:ext>
+            <a:ext uri="{AF507438-7753-43E0-B8FC-AC1667EBCBE1}">
+              <a14:hiddenEffects xmlns:a14="http://schemas.microsoft.com/office/drawing/2010/main">
+                <a:effectLst>
+                  <a:outerShdw dist="35921" dir="2700000" algn="ctr" rotWithShape="0">
+                    <a:schemeClr val="bg2"/>
+                  </a:outerShdw>
+                </a:effectLst>
+              </a14:hiddenEffects>
+            </a:ext>
+          </a:extLst>
+        </p:spPr>
+      </p:pic>
+    </p:spTree>
+    <p:extLst>
+      <p:ext uri="{BB962C8B-B14F-4D97-AF65-F5344CB8AC3E}">
+        <p14:creationId xmlns:p14="http://schemas.microsoft.com/office/powerpoint/2010/main" val="1123447060"/>
+      </p:ext>
+    </p:extLst>
+  </p:cSld>
+  <p:clrMapOvr>
+    <a:masterClrMapping/>
+  </p:clrMapOvr>
+  <mc:AlternateContent xmlns:mc="http://schemas.openxmlformats.org/markup-compatibility/2006" xmlns:p14="http://schemas.microsoft.com/office/powerpoint/2010/main">
+    <mc:Choice Requires="p14">
+      <p:transition spd="slow" p14:dur="2000"/>
+    </mc:Choice>
+    <mc:Fallback xmlns="">
+      <p:transition spd="slow"/>
+    </mc:Fallback>
+  </mc:AlternateContent>
+  <p:timing>
+    <p:tnLst>
+      <p:par>
+        <p:cTn id="1" dur="indefinite" restart="never" nodeType="tmRoot">
+          <p:childTnLst>
+            <p:seq concurrent="1" nextAc="seek">
+              <p:cTn id="2" dur="indefinite" nodeType="mainSeq">
+                <p:childTnLst>
+                  <p:par>
+                    <p:cTn id="3" fill="hold">
+                      <p:stCondLst>
+                        <p:cond delay="indefinite"/>
+                      </p:stCondLst>
+                      <p:childTnLst>
+                        <p:par>
+                          <p:cTn id="4" fill="hold">
+                            <p:stCondLst>
+                              <p:cond delay="0"/>
+                            </p:stCondLst>
+                            <p:childTnLst>
+                              <p:par>
+                                <p:cTn id="5" presetID="10" presetClass="entr" presetSubtype="0" fill="hold" nodeType="clickEffect">
+                                  <p:stCondLst>
+                                    <p:cond delay="0"/>
+                                  </p:stCondLst>
+                                  <p:childTnLst>
+                                    <p:set>
+                                      <p:cBhvr>
+                                        <p:cTn id="6" dur="1" fill="hold">
+                                          <p:stCondLst>
+                                            <p:cond delay="0"/>
+                                          </p:stCondLst>
+                                        </p:cTn>
+                                        <p:tgtEl>
+                                          <p:spTgt spid="5122"/>
+                                        </p:tgtEl>
+                                        <p:attrNameLst>
+                                          <p:attrName>style.visibility</p:attrName>
+                                        </p:attrNameLst>
+                                      </p:cBhvr>
+                                      <p:to>
+                                        <p:strVal val="visible"/>
+                                      </p:to>
+                                    </p:set>
+                                    <p:animEffect transition="in" filter="fade">
+                                      <p:cBhvr>
+                                        <p:cTn id="7" dur="500"/>
+                                        <p:tgtEl>
+                                          <p:spTgt spid="5122"/>
+                                        </p:tgtEl>
+                                      </p:cBhvr>
+                                    </p:animEffect>
+                                  </p:childTnLst>
+                                </p:cTn>
+                              </p:par>
+                              <p:par>
+                                <p:cTn id="8" presetID="35" presetClass="path" presetSubtype="0" accel="50000" decel="50000" fill="hold" nodeType="withEffect">
+                                  <p:stCondLst>
+                                    <p:cond delay="0"/>
+                                  </p:stCondLst>
+                                  <p:childTnLst>
+                                    <p:animMotion origin="layout" path="M 0.04809 1.11111E-6 L -3.88889E-6 1.11111E-6 " pathEditMode="relative" rAng="0" ptsTypes="AA">
+                                      <p:cBhvr>
+                                        <p:cTn id="9" dur="2000" fill="hold"/>
+                                        <p:tgtEl>
+                                          <p:spTgt spid="5122"/>
+                                        </p:tgtEl>
+                                        <p:attrNameLst>
+                                          <p:attrName>ppt_x</p:attrName>
+                                          <p:attrName>ppt_y</p:attrName>
+                                        </p:attrNameLst>
+                                      </p:cBhvr>
+                                      <p:rCtr x="-2413" y="0"/>
+                                    </p:animMotion>
+                                  </p:childTnLst>
+                                </p:cTn>
+                              </p:par>
+                            </p:childTnLst>
+                          </p:cTn>
+                        </p:par>
+                      </p:childTnLst>
+                    </p:cTn>
+                  </p:par>
+                </p:childTnLst>
+              </p:cTn>
+              <p:prevCondLst>
+                <p:cond evt="onPrev" delay="0">
+                  <p:tgtEl>
+                    <p:sldTgt/>
+                  </p:tgtEl>
+                </p:cond>
+              </p:prevCondLst>
+              <p:nextCondLst>
+                <p:cond evt="onNext" delay="0">
+                  <p:tgtEl>
+                    <p:sldTgt/>
+                  </p:tgtEl>
+                </p:cond>
+              </p:nextCondLst>
+            </p:seq>
+          </p:childTnLst>
+        </p:cTn>
+      </p:par>
+    </p:tnLst>
+  </p:timing>
+</p:sld>
+</file>
+
+<file path=ppt/slides/slide29.xml><?xml version="1.0" encoding="utf-8"?>
+<p:sld xmlns:a="http://schemas.openxmlformats.org/drawingml/2006/main" xmlns:r="http://schemas.openxmlformats.org/officeDocument/2006/relationships" xmlns:p="http://schemas.openxmlformats.org/presentationml/2006/main">
+  <p:cSld>
+    <p:spTree>
+      <p:nvGrpSpPr>
+        <p:cNvPr id="1" name=""/>
+        <p:cNvGrpSpPr/>
+        <p:nvPr/>
+      </p:nvGrpSpPr>
+      <p:grpSpPr>
+        <a:xfrm>
+          <a:off x="0" y="0"/>
+          <a:ext cx="0" cy="0"/>
+          <a:chOff x="0" y="0"/>
+          <a:chExt cx="0" cy="0"/>
+        </a:xfrm>
+      </p:grpSpPr>
+      <p:sp>
+        <p:nvSpPr>
+          <p:cNvPr id="2" name="Title 1"/>
+          <p:cNvSpPr>
+            <a:spLocks noGrp="1"/>
+          </p:cNvSpPr>
+          <p:nvPr>
+            <p:ph type="title"/>
+          </p:nvPr>
+        </p:nvSpPr>
+        <p:spPr/>
+        <p:txBody>
+          <a:bodyPr/>
+          <a:lstStyle/>
+          <a:p>
+            <a:r>
+              <a:rPr lang="pl-PL" dirty="0" smtClean="0"/>
+              <a:t>Task 3.2 – Join conditions</a:t>
+            </a:r>
+            <a:endParaRPr lang="en-CA" dirty="0"/>
+          </a:p>
+        </p:txBody>
+      </p:sp>
+      <p:sp>
+        <p:nvSpPr>
+          <p:cNvPr id="3" name="Content Placeholder 2"/>
+          <p:cNvSpPr>
+            <a:spLocks noGrp="1"/>
+          </p:cNvSpPr>
+          <p:nvPr>
+            <p:ph sz="quarter" idx="10"/>
+          </p:nvPr>
+        </p:nvSpPr>
+        <p:spPr/>
+        <p:txBody>
+          <a:bodyPr/>
+          <a:lstStyle/>
+          <a:p>
+            <a:r>
+              <a:rPr lang="pl-PL" sz="2800" dirty="0" smtClean="0"/>
+              <a:t>Looking for a big shop accepting coffee cards</a:t>
+            </a:r>
+            <a:endParaRPr lang="en-CA" sz="2800" dirty="0"/>
+          </a:p>
+        </p:txBody>
+      </p:sp>
+      <p:sp>
+        <p:nvSpPr>
+          <p:cNvPr id="4" name="Content Placeholder 3"/>
+          <p:cNvSpPr>
+            <a:spLocks noGrp="1"/>
+          </p:cNvSpPr>
+          <p:nvPr>
+            <p:ph sz="quarter" idx="11"/>
+          </p:nvPr>
+        </p:nvSpPr>
+        <p:spPr/>
+        <p:txBody>
+          <a:bodyPr/>
+          <a:lstStyle/>
+          <a:p>
+            <a:r>
+              <a:rPr lang="pl-PL" sz="2800" dirty="0" smtClean="0"/>
+              <a:t>&amp;&amp; - means AND</a:t>
+            </a:r>
+          </a:p>
+          <a:p>
+            <a:r>
+              <a:rPr lang="pl-PL" sz="2800" dirty="0" smtClean="0"/>
+              <a:t>|| - means OR</a:t>
+            </a:r>
+            <a:endParaRPr lang="en-CA" sz="2800" dirty="0"/>
+          </a:p>
+        </p:txBody>
+      </p:sp>
+      <p:sp>
+        <p:nvSpPr>
+          <p:cNvPr id="5" name="Content Placeholder 4"/>
+          <p:cNvSpPr>
+            <a:spLocks noGrp="1"/>
+          </p:cNvSpPr>
+          <p:nvPr>
+            <p:ph sz="quarter" idx="12"/>
+          </p:nvPr>
+        </p:nvSpPr>
+        <p:spPr/>
+        <p:txBody>
+          <a:bodyPr/>
+          <a:lstStyle/>
+          <a:p>
+            <a:r>
+              <a:rPr lang="pl-PL" dirty="0" smtClean="0"/>
+              <a:t>Try other conditions</a:t>
+            </a:r>
+            <a:endParaRPr lang="en-CA" dirty="0"/>
+          </a:p>
+        </p:txBody>
+      </p:sp>
+      <p:sp>
+        <p:nvSpPr>
+          <p:cNvPr id="6" name="Content Placeholder 5"/>
+          <p:cNvSpPr>
+            <a:spLocks noGrp="1"/>
+          </p:cNvSpPr>
+          <p:nvPr>
+            <p:ph sz="quarter" idx="13"/>
+          </p:nvPr>
+        </p:nvSpPr>
+        <p:spPr/>
+        <p:txBody>
+          <a:bodyPr/>
+          <a:lstStyle/>
+          <a:p>
+            <a:endParaRPr lang="en-CA"/>
+          </a:p>
+        </p:txBody>
+      </p:sp>
+      <p:sp>
+        <p:nvSpPr>
+          <p:cNvPr id="7" name="Content Placeholder 6"/>
+          <p:cNvSpPr>
+            <a:spLocks noGrp="1"/>
+          </p:cNvSpPr>
+          <p:nvPr>
+            <p:ph sz="quarter" idx="14"/>
+          </p:nvPr>
+        </p:nvSpPr>
+        <p:spPr/>
+        <p:txBody>
+          <a:bodyPr/>
+          <a:lstStyle/>
+          <a:p>
+            <a:endParaRPr lang="en-CA"/>
+          </a:p>
+        </p:txBody>
+      </p:sp>
+      <p:sp>
+        <p:nvSpPr>
+          <p:cNvPr id="8" name="Content Placeholder 7"/>
+          <p:cNvSpPr>
+            <a:spLocks noGrp="1"/>
+          </p:cNvSpPr>
+          <p:nvPr>
+            <p:ph sz="quarter" idx="15"/>
+          </p:nvPr>
+        </p:nvSpPr>
+        <p:spPr/>
+        <p:txBody>
+          <a:bodyPr/>
+          <a:lstStyle/>
+          <a:p>
+            <a:r>
+              <a:rPr lang="pl-PL" dirty="0" smtClean="0"/>
+              <a:t>For string </a:t>
+            </a:r>
+          </a:p>
+          <a:p>
+            <a:r>
+              <a:rPr lang="pl-PL" sz="2000" dirty="0" smtClean="0"/>
+              <a:t>PrimaryCity == „Miami”</a:t>
+            </a:r>
+            <a:endParaRPr lang="en-CA" sz="2000" dirty="0"/>
+          </a:p>
+        </p:txBody>
+      </p:sp>
+      <p:pic>
+        <p:nvPicPr>
+          <p:cNvPr id="6146" name="Picture 2"/>
+          <p:cNvPicPr>
+            <a:picLocks noChangeAspect="1" noChangeArrowheads="1"/>
+          </p:cNvPicPr>
+          <p:nvPr/>
+        </p:nvPicPr>
+        <p:blipFill>
+          <a:blip r:embed="rId3">
+            <a:extLst>
+              <a:ext uri="{28A0092B-C50C-407E-A947-70E740481C1C}">
+                <a14:useLocalDpi xmlns:a14="http://schemas.microsoft.com/office/drawing/2010/main" val="0"/>
+              </a:ext>
+            </a:extLst>
+          </a:blip>
+          <a:srcRect/>
+          <a:stretch>
+            <a:fillRect/>
+          </a:stretch>
+        </p:blipFill>
+        <p:spPr bwMode="auto">
+          <a:xfrm>
+            <a:off x="323528" y="4653136"/>
+            <a:ext cx="8382758" cy="1423789"/>
+          </a:xfrm>
+          <a:prstGeom prst="rect">
+            <a:avLst/>
+          </a:prstGeom>
+          <a:noFill/>
+          <a:ln>
+            <a:noFill/>
+          </a:ln>
+          <a:effectLst/>
+          <a:extLst>
+            <a:ext uri="{909E8E84-426E-40DD-AFC4-6F175D3DCCD1}">
+              <a14:hiddenFill xmlns:a14="http://schemas.microsoft.com/office/drawing/2010/main">
+                <a:solidFill>
+                  <a:schemeClr val="accent1"/>
+                </a:solidFill>
+              </a14:hiddenFill>
+            </a:ext>
+            <a:ext uri="{91240B29-F687-4F45-9708-019B960494DF}">
+              <a14:hiddenLine xmlns:a14="http://schemas.microsoft.com/office/drawing/2010/main" w="9525">
+                <a:solidFill>
+                  <a:schemeClr val="tx1"/>
+                </a:solidFill>
+                <a:miter lim="800000"/>
+                <a:headEnd/>
+                <a:tailEnd/>
+              </a14:hiddenLine>
+            </a:ext>
+            <a:ext uri="{AF507438-7753-43E0-B8FC-AC1667EBCBE1}">
+              <a14:hiddenEffects xmlns:a14="http://schemas.microsoft.com/office/drawing/2010/main">
+                <a:effectLst>
+                  <a:outerShdw dist="35921" dir="2700000" algn="ctr" rotWithShape="0">
+                    <a:schemeClr val="bg2"/>
+                  </a:outerShdw>
+                </a:effectLst>
+              </a14:hiddenEffects>
+            </a:ext>
+          </a:extLst>
+        </p:spPr>
+      </p:pic>
+    </p:spTree>
+    <p:extLst>
+      <p:ext uri="{BB962C8B-B14F-4D97-AF65-F5344CB8AC3E}">
+        <p14:creationId xmlns:p14="http://schemas.microsoft.com/office/powerpoint/2010/main" val="3842628004"/>
+      </p:ext>
+    </p:extLst>
+  </p:cSld>
+  <p:clrMapOvr>
+    <a:masterClrMapping/>
+  </p:clrMapOvr>
+  <mc:AlternateContent xmlns:mc="http://schemas.openxmlformats.org/markup-compatibility/2006" xmlns:p14="http://schemas.microsoft.com/office/powerpoint/2010/main">
+    <mc:Choice Requires="p14">
+      <p:transition spd="slow" p14:dur="2000"/>
+    </mc:Choice>
+    <mc:Fallback xmlns="">
+      <p:transition spd="slow"/>
+    </mc:Fallback>
+  </mc:AlternateContent>
+  <p:timing>
+    <p:tnLst>
+      <p:par>
+        <p:cTn id="1" dur="indefinite" restart="never" nodeType="tmRoot">
+          <p:childTnLst>
+            <p:seq concurrent="1" nextAc="seek">
+              <p:cTn id="2" dur="indefinite" nodeType="mainSeq">
+                <p:childTnLst>
+                  <p:par>
+                    <p:cTn id="3" fill="hold">
+                      <p:stCondLst>
+                        <p:cond delay="indefinite"/>
+                      </p:stCondLst>
+                      <p:childTnLst>
+                        <p:par>
+                          <p:cTn id="4" fill="hold">
+                            <p:stCondLst>
+                              <p:cond delay="0"/>
+                            </p:stCondLst>
+                            <p:childTnLst>
+                              <p:par>
+                                <p:cTn id="5" presetID="10" presetClass="entr" presetSubtype="0" fill="hold" nodeType="clickEffect">
+                                  <p:stCondLst>
+                                    <p:cond delay="0"/>
+                                  </p:stCondLst>
+                                  <p:childTnLst>
+                                    <p:set>
+                                      <p:cBhvr>
+                                        <p:cTn id="6" dur="1" fill="hold">
+                                          <p:stCondLst>
+                                            <p:cond delay="0"/>
+                                          </p:stCondLst>
+                                        </p:cTn>
+                                        <p:tgtEl>
+                                          <p:spTgt spid="6146"/>
+                                        </p:tgtEl>
+                                        <p:attrNameLst>
+                                          <p:attrName>style.visibility</p:attrName>
+                                        </p:attrNameLst>
+                                      </p:cBhvr>
+                                      <p:to>
+                                        <p:strVal val="visible"/>
+                                      </p:to>
+                                    </p:set>
+                                    <p:animEffect transition="in" filter="fade">
+                                      <p:cBhvr>
+                                        <p:cTn id="7" dur="500"/>
+                                        <p:tgtEl>
+                                          <p:spTgt spid="6146"/>
+                                        </p:tgtEl>
+                                      </p:cBhvr>
+                                    </p:animEffect>
+                                  </p:childTnLst>
+                                </p:cTn>
+                              </p:par>
+                              <p:par>
+                                <p:cTn id="8" presetID="35" presetClass="path" presetSubtype="0" accel="50000" decel="50000" fill="hold" nodeType="withEffect">
+                                  <p:stCondLst>
+                                    <p:cond delay="0"/>
+                                  </p:stCondLst>
+                                  <p:childTnLst>
+                                    <p:animMotion origin="layout" path="M 0.04809 1.11111E-6 L -3.88889E-6 1.11111E-6 " pathEditMode="relative" rAng="0" ptsTypes="AA">
+                                      <p:cBhvr>
+                                        <p:cTn id="9" dur="2000" fill="hold"/>
+                                        <p:tgtEl>
+                                          <p:spTgt spid="6146"/>
+                                        </p:tgtEl>
+                                        <p:attrNameLst>
+                                          <p:attrName>ppt_x</p:attrName>
+                                          <p:attrName>ppt_y</p:attrName>
+                                        </p:attrNameLst>
+                                      </p:cBhvr>
+                                      <p:rCtr x="-2413" y="0"/>
+                                    </p:animMotion>
+                                  </p:childTnLst>
+                                </p:cTn>
+                              </p:par>
+                            </p:childTnLst>
+                          </p:cTn>
+                        </p:par>
+                      </p:childTnLst>
+                    </p:cTn>
+                  </p:par>
+                </p:childTnLst>
+              </p:cTn>
+              <p:prevCondLst>
+                <p:cond evt="onPrev" delay="0">
+                  <p:tgtEl>
+                    <p:sldTgt/>
+                  </p:tgtEl>
+                </p:cond>
+              </p:prevCondLst>
+              <p:nextCondLst>
+                <p:cond evt="onNext" delay="0">
+                  <p:tgtEl>
+                    <p:sldTgt/>
+                  </p:tgtEl>
+                </p:cond>
+              </p:nextCondLst>
+            </p:seq>
+          </p:childTnLst>
+        </p:cTn>
+      </p:par>
+    </p:tnLst>
+  </p:timing>
+</p:sld>
+</file>
+
 <file path=ppt/slides/slide3.xml><?xml version="1.0" encoding="utf-8"?>
 <p:sld xmlns:a="http://schemas.openxmlformats.org/drawingml/2006/main" xmlns:r="http://schemas.openxmlformats.org/officeDocument/2006/relationships" xmlns:p="http://schemas.openxmlformats.org/presentationml/2006/main">
   <p:cSld>
@@ -15336,7 +19168,7 @@
           <a:bodyPr/>
           <a:lstStyle/>
           <a:p>
-            <a:endParaRPr lang="en-CA"/>
+            <a:endParaRPr lang="en-CA" dirty="0"/>
           </a:p>
         </p:txBody>
       </p:sp>

--- a/Programming Made Easy.pptx
+++ b/Programming Made Easy.pptx
@@ -5,7 +5,7 @@
     <p:sldMasterId id="2147483660" r:id="rId1"/>
   </p:sldMasterIdLst>
   <p:notesMasterIdLst>
-    <p:notesMasterId r:id="rId31"/>
+    <p:notesMasterId r:id="rId40"/>
   </p:notesMasterIdLst>
   <p:sldIdLst>
     <p:sldId id="256" r:id="rId2"/>
@@ -27,16 +27,25 @@
     <p:sldId id="275" r:id="rId18"/>
     <p:sldId id="276" r:id="rId19"/>
     <p:sldId id="277" r:id="rId20"/>
-    <p:sldId id="278" r:id="rId21"/>
-    <p:sldId id="279" r:id="rId22"/>
-    <p:sldId id="281" r:id="rId23"/>
-    <p:sldId id="282" r:id="rId24"/>
-    <p:sldId id="280" r:id="rId25"/>
-    <p:sldId id="283" r:id="rId26"/>
-    <p:sldId id="284" r:id="rId27"/>
-    <p:sldId id="285" r:id="rId28"/>
-    <p:sldId id="286" r:id="rId29"/>
-    <p:sldId id="287" r:id="rId30"/>
+    <p:sldId id="296" r:id="rId21"/>
+    <p:sldId id="278" r:id="rId22"/>
+    <p:sldId id="279" r:id="rId23"/>
+    <p:sldId id="281" r:id="rId24"/>
+    <p:sldId id="282" r:id="rId25"/>
+    <p:sldId id="280" r:id="rId26"/>
+    <p:sldId id="283" r:id="rId27"/>
+    <p:sldId id="284" r:id="rId28"/>
+    <p:sldId id="285" r:id="rId29"/>
+    <p:sldId id="286" r:id="rId30"/>
+    <p:sldId id="287" r:id="rId31"/>
+    <p:sldId id="288" r:id="rId32"/>
+    <p:sldId id="289" r:id="rId33"/>
+    <p:sldId id="290" r:id="rId34"/>
+    <p:sldId id="291" r:id="rId35"/>
+    <p:sldId id="292" r:id="rId36"/>
+    <p:sldId id="293" r:id="rId37"/>
+    <p:sldId id="294" r:id="rId38"/>
+    <p:sldId id="295" r:id="rId39"/>
   </p:sldIdLst>
   <p:sldSz cx="9144000" cy="6858000" type="screen4x3"/>
   <p:notesSz cx="6858000" cy="9144000"/>
@@ -4471,7 +4480,7 @@
           <a:p>
             <a:fld id="{F036235D-DA40-4917-9347-5AA27D26558A}" type="slidenum">
               <a:rPr lang="en-CA" smtClean="0"/>
-              <a:t>27</a:t>
+              <a:t>28</a:t>
             </a:fld>
             <a:endParaRPr lang="en-CA"/>
           </a:p>
@@ -4569,7 +4578,7 @@
           <a:p>
             <a:fld id="{F036235D-DA40-4917-9347-5AA27D26558A}" type="slidenum">
               <a:rPr lang="en-CA" smtClean="0"/>
-              <a:t>28</a:t>
+              <a:t>29</a:t>
             </a:fld>
             <a:endParaRPr lang="en-CA"/>
           </a:p>
@@ -4681,7 +4690,7 @@
           <a:p>
             <a:fld id="{F036235D-DA40-4917-9347-5AA27D26558A}" type="slidenum">
               <a:rPr lang="en-CA" smtClean="0"/>
-              <a:t>29</a:t>
+              <a:t>30</a:t>
             </a:fld>
             <a:endParaRPr lang="en-CA"/>
           </a:p>
@@ -15759,7 +15768,7 @@
       </p:grpSpPr>
       <p:sp>
         <p:nvSpPr>
-          <p:cNvPr id="2" name="Title 1"/>
+          <p:cNvPr id="3" name="Title 2"/>
           <p:cNvSpPr>
             <a:spLocks noGrp="1"/>
           </p:cNvSpPr>
@@ -15774,134 +15783,227 @@
           <a:p>
             <a:r>
               <a:rPr lang="pl-PL" dirty="0" smtClean="0"/>
-              <a:t>Task 0 – run an empty project</a:t>
+              <a:t>Architecture</a:t>
             </a:r>
             <a:endParaRPr lang="en-CA" dirty="0"/>
           </a:p>
         </p:txBody>
       </p:sp>
-      <p:sp>
-        <p:nvSpPr>
-          <p:cNvPr id="3" name="Content Placeholder 2"/>
-          <p:cNvSpPr>
-            <a:spLocks noGrp="1"/>
-          </p:cNvSpPr>
-          <p:nvPr>
-            <p:ph sz="quarter" idx="10"/>
-          </p:nvPr>
-        </p:nvSpPr>
-        <p:spPr/>
-        <p:txBody>
-          <a:bodyPr/>
+      <p:pic>
+        <p:nvPicPr>
+          <p:cNvPr id="15371" name="Picture 11" descr="C:\Users\bwasielak\Documents\WebMuses\Presentation\assets\dbcloud.png"/>
+          <p:cNvPicPr>
+            <a:picLocks noChangeAspect="1" noChangeArrowheads="1"/>
+          </p:cNvPicPr>
+          <p:nvPr/>
+        </p:nvPicPr>
+        <p:blipFill>
+          <a:blip r:embed="rId2">
+            <a:extLst>
+              <a:ext uri="{28A0092B-C50C-407E-A947-70E740481C1C}">
+                <a14:useLocalDpi xmlns:a14="http://schemas.microsoft.com/office/drawing/2010/main" val="0"/>
+              </a:ext>
+            </a:extLst>
+          </a:blip>
+          <a:srcRect/>
+          <a:stretch>
+            <a:fillRect/>
+          </a:stretch>
+        </p:blipFill>
+        <p:spPr bwMode="auto">
+          <a:xfrm>
+            <a:off x="251521" y="1196752"/>
+            <a:ext cx="2376264" cy="1967164"/>
+          </a:xfrm>
+          <a:prstGeom prst="rect">
+            <a:avLst/>
+          </a:prstGeom>
+          <a:noFill/>
+          <a:extLst>
+            <a:ext uri="{909E8E84-426E-40DD-AFC4-6F175D3DCCD1}">
+              <a14:hiddenFill xmlns:a14="http://schemas.microsoft.com/office/drawing/2010/main">
+                <a:solidFill>
+                  <a:srgbClr val="FFFFFF"/>
+                </a:solidFill>
+              </a14:hiddenFill>
+            </a:ext>
+          </a:extLst>
+        </p:spPr>
+      </p:pic>
+      <p:pic>
+        <p:nvPicPr>
+          <p:cNvPr id="15372" name="Picture 12" descr="C:\Users\bwasielak\Documents\WebMuses\Presentation\assets\api.png"/>
+          <p:cNvPicPr>
+            <a:picLocks noChangeAspect="1" noChangeArrowheads="1"/>
+          </p:cNvPicPr>
+          <p:nvPr/>
+        </p:nvPicPr>
+        <p:blipFill>
+          <a:blip r:embed="rId3">
+            <a:extLst>
+              <a:ext uri="{28A0092B-C50C-407E-A947-70E740481C1C}">
+                <a14:useLocalDpi xmlns:a14="http://schemas.microsoft.com/office/drawing/2010/main" val="0"/>
+              </a:ext>
+            </a:extLst>
+          </a:blip>
+          <a:srcRect/>
+          <a:stretch>
+            <a:fillRect/>
+          </a:stretch>
+        </p:blipFill>
+        <p:spPr bwMode="auto">
+          <a:xfrm>
+            <a:off x="4139952" y="1418334"/>
+            <a:ext cx="2143125" cy="1524000"/>
+          </a:xfrm>
+          <a:prstGeom prst="rect">
+            <a:avLst/>
+          </a:prstGeom>
+          <a:noFill/>
+          <a:extLst>
+            <a:ext uri="{909E8E84-426E-40DD-AFC4-6F175D3DCCD1}">
+              <a14:hiddenFill xmlns:a14="http://schemas.microsoft.com/office/drawing/2010/main">
+                <a:solidFill>
+                  <a:srgbClr val="FFFFFF"/>
+                </a:solidFill>
+              </a14:hiddenFill>
+            </a:ext>
+          </a:extLst>
+        </p:spPr>
+      </p:pic>
+      <p:pic>
+        <p:nvPicPr>
+          <p:cNvPr id="15373" name="Picture 13" descr="C:\Users\bwasielak\Documents\WebMuses\Presentation\assets\controller.png"/>
+          <p:cNvPicPr>
+            <a:picLocks noChangeAspect="1" noChangeArrowheads="1"/>
+          </p:cNvPicPr>
+          <p:nvPr/>
+        </p:nvPicPr>
+        <p:blipFill>
+          <a:blip r:embed="rId4">
+            <a:extLst>
+              <a:ext uri="{28A0092B-C50C-407E-A947-70E740481C1C}">
+                <a14:useLocalDpi xmlns:a14="http://schemas.microsoft.com/office/drawing/2010/main" val="0"/>
+              </a:ext>
+            </a:extLst>
+          </a:blip>
+          <a:srcRect/>
+          <a:stretch>
+            <a:fillRect/>
+          </a:stretch>
+        </p:blipFill>
+        <p:spPr bwMode="auto">
+          <a:xfrm>
+            <a:off x="3992314" y="3790703"/>
+            <a:ext cx="2438400" cy="2438400"/>
+          </a:xfrm>
+          <a:prstGeom prst="rect">
+            <a:avLst/>
+          </a:prstGeom>
+          <a:noFill/>
+          <a:extLst>
+            <a:ext uri="{909E8E84-426E-40DD-AFC4-6F175D3DCCD1}">
+              <a14:hiddenFill xmlns:a14="http://schemas.microsoft.com/office/drawing/2010/main">
+                <a:solidFill>
+                  <a:srgbClr val="FFFFFF"/>
+                </a:solidFill>
+              </a14:hiddenFill>
+            </a:ext>
+          </a:extLst>
+        </p:spPr>
+      </p:pic>
+      <p:sp>
+        <p:nvSpPr>
+          <p:cNvPr id="6" name="Right Arrow 5"/>
+          <p:cNvSpPr/>
+          <p:nvPr/>
+        </p:nvSpPr>
+        <p:spPr>
+          <a:xfrm>
+            <a:off x="2627784" y="1938018"/>
+            <a:ext cx="1512167" cy="484632"/>
+          </a:xfrm>
+          <a:prstGeom prst="rightArrow">
+            <a:avLst/>
+          </a:prstGeom>
+          <a:solidFill>
+            <a:srgbClr val="1467A9"/>
+          </a:solidFill>
+          <a:ln>
+            <a:solidFill>
+              <a:srgbClr val="1467A9"/>
+            </a:solidFill>
+          </a:ln>
+        </p:spPr>
+        <p:style>
+          <a:lnRef idx="2">
+            <a:schemeClr val="accent1">
+              <a:shade val="50000"/>
+            </a:schemeClr>
+          </a:lnRef>
+          <a:fillRef idx="1">
+            <a:schemeClr val="accent1"/>
+          </a:fillRef>
+          <a:effectRef idx="0">
+            <a:schemeClr val="accent1"/>
+          </a:effectRef>
+          <a:fontRef idx="minor">
+            <a:schemeClr val="lt1"/>
+          </a:fontRef>
+        </p:style>
+        <p:txBody>
+          <a:bodyPr rtlCol="0" anchor="ctr"/>
           <a:lstStyle/>
           <a:p>
-            <a:r>
-              <a:rPr lang="pl-PL" dirty="0" smtClean="0"/>
-              <a:t>Compile</a:t>
-            </a:r>
-            <a:endParaRPr lang="en-CA" dirty="0"/>
-          </a:p>
-        </p:txBody>
-      </p:sp>
-      <p:sp>
-        <p:nvSpPr>
-          <p:cNvPr id="4" name="Content Placeholder 3"/>
-          <p:cNvSpPr>
-            <a:spLocks noGrp="1"/>
-          </p:cNvSpPr>
-          <p:nvPr>
-            <p:ph sz="quarter" idx="11"/>
-          </p:nvPr>
-        </p:nvSpPr>
-        <p:spPr/>
-        <p:txBody>
-          <a:bodyPr/>
+            <a:pPr algn="ctr"/>
+            <a:endParaRPr lang="en-CA"/>
+          </a:p>
+        </p:txBody>
+      </p:sp>
+      <p:sp>
+        <p:nvSpPr>
+          <p:cNvPr id="7" name="Down Arrow 6"/>
+          <p:cNvSpPr/>
+          <p:nvPr/>
+        </p:nvSpPr>
+        <p:spPr>
+          <a:xfrm>
+            <a:off x="4969198" y="2780928"/>
+            <a:ext cx="484632" cy="1152128"/>
+          </a:xfrm>
+          <a:prstGeom prst="downArrow">
+            <a:avLst/>
+          </a:prstGeom>
+          <a:solidFill>
+            <a:srgbClr val="1467A9"/>
+          </a:solidFill>
+          <a:ln>
+            <a:solidFill>
+              <a:srgbClr val="1467A9"/>
+            </a:solidFill>
+          </a:ln>
+        </p:spPr>
+        <p:style>
+          <a:lnRef idx="2">
+            <a:schemeClr val="accent1">
+              <a:shade val="50000"/>
+            </a:schemeClr>
+          </a:lnRef>
+          <a:fillRef idx="1">
+            <a:schemeClr val="accent1"/>
+          </a:fillRef>
+          <a:effectRef idx="0">
+            <a:schemeClr val="accent1"/>
+          </a:effectRef>
+          <a:fontRef idx="minor">
+            <a:schemeClr val="lt1"/>
+          </a:fontRef>
+        </p:style>
+        <p:txBody>
+          <a:bodyPr rtlCol="0" anchor="ctr"/>
           <a:lstStyle/>
           <a:p>
-            <a:r>
-              <a:rPr lang="pl-PL" dirty="0" smtClean="0"/>
-              <a:t>Run</a:t>
-            </a:r>
-            <a:endParaRPr lang="en-CA" dirty="0"/>
-          </a:p>
-        </p:txBody>
-      </p:sp>
-      <p:sp>
-        <p:nvSpPr>
-          <p:cNvPr id="5" name="Content Placeholder 4"/>
-          <p:cNvSpPr>
-            <a:spLocks noGrp="1"/>
-          </p:cNvSpPr>
-          <p:nvPr>
-            <p:ph sz="quarter" idx="12"/>
-          </p:nvPr>
-        </p:nvSpPr>
-        <p:spPr/>
-        <p:txBody>
-          <a:bodyPr/>
-          <a:lstStyle/>
-          <a:p>
-            <a:r>
-              <a:rPr lang="pl-PL" dirty="0" smtClean="0"/>
-              <a:t>Verify</a:t>
-            </a:r>
-            <a:endParaRPr lang="en-CA" dirty="0"/>
-          </a:p>
-        </p:txBody>
-      </p:sp>
-      <p:sp>
-        <p:nvSpPr>
-          <p:cNvPr id="6" name="Content Placeholder 5"/>
-          <p:cNvSpPr>
-            <a:spLocks noGrp="1"/>
-          </p:cNvSpPr>
-          <p:nvPr>
-            <p:ph sz="quarter" idx="13"/>
-          </p:nvPr>
-        </p:nvSpPr>
-        <p:spPr/>
-        <p:txBody>
-          <a:bodyPr/>
-          <a:lstStyle/>
-          <a:p>
-            <a:endParaRPr lang="en-CA"/>
-          </a:p>
-        </p:txBody>
-      </p:sp>
-      <p:sp>
-        <p:nvSpPr>
-          <p:cNvPr id="7" name="Content Placeholder 6"/>
-          <p:cNvSpPr>
-            <a:spLocks noGrp="1"/>
-          </p:cNvSpPr>
-          <p:nvPr>
-            <p:ph sz="quarter" idx="14"/>
-          </p:nvPr>
-        </p:nvSpPr>
-        <p:spPr/>
-        <p:txBody>
-          <a:bodyPr/>
-          <a:lstStyle/>
-          <a:p>
-            <a:endParaRPr lang="en-CA"/>
-          </a:p>
-        </p:txBody>
-      </p:sp>
-      <p:sp>
-        <p:nvSpPr>
-          <p:cNvPr id="8" name="Content Placeholder 7"/>
-          <p:cNvSpPr>
-            <a:spLocks noGrp="1"/>
-          </p:cNvSpPr>
-          <p:nvPr>
-            <p:ph sz="quarter" idx="15"/>
-          </p:nvPr>
-        </p:nvSpPr>
-        <p:spPr/>
-        <p:txBody>
-          <a:bodyPr/>
-          <a:lstStyle/>
-          <a:p>
+            <a:pPr algn="ctr"/>
             <a:endParaRPr lang="en-CA"/>
           </a:p>
         </p:txBody>
@@ -15909,7 +16011,7 @@
     </p:spTree>
     <p:extLst>
       <p:ext uri="{BB962C8B-B14F-4D97-AF65-F5344CB8AC3E}">
-        <p14:creationId xmlns:p14="http://schemas.microsoft.com/office/powerpoint/2010/main" val="3929691703"/>
+        <p14:creationId xmlns:p14="http://schemas.microsoft.com/office/powerpoint/2010/main" val="2121802638"/>
       </p:ext>
     </p:extLst>
   </p:cSld>
@@ -15927,9 +16029,349 @@
   <p:timing>
     <p:tnLst>
       <p:par>
-        <p:cTn id="1" dur="indefinite" restart="never" nodeType="tmRoot"/>
+        <p:cTn id="1" dur="indefinite" restart="never" nodeType="tmRoot">
+          <p:childTnLst>
+            <p:seq concurrent="1" nextAc="seek">
+              <p:cTn id="2" dur="indefinite" nodeType="mainSeq">
+                <p:childTnLst>
+                  <p:par>
+                    <p:cTn id="3" fill="hold">
+                      <p:stCondLst>
+                        <p:cond delay="indefinite"/>
+                      </p:stCondLst>
+                      <p:childTnLst>
+                        <p:par>
+                          <p:cTn id="4" fill="hold">
+                            <p:stCondLst>
+                              <p:cond delay="0"/>
+                            </p:stCondLst>
+                            <p:childTnLst>
+                              <p:par>
+                                <p:cTn id="5" presetID="10" presetClass="entr" presetSubtype="0" fill="hold" nodeType="clickEffect">
+                                  <p:stCondLst>
+                                    <p:cond delay="0"/>
+                                  </p:stCondLst>
+                                  <p:childTnLst>
+                                    <p:set>
+                                      <p:cBhvr>
+                                        <p:cTn id="6" dur="1" fill="hold">
+                                          <p:stCondLst>
+                                            <p:cond delay="0"/>
+                                          </p:stCondLst>
+                                        </p:cTn>
+                                        <p:tgtEl>
+                                          <p:spTgt spid="15371"/>
+                                        </p:tgtEl>
+                                        <p:attrNameLst>
+                                          <p:attrName>style.visibility</p:attrName>
+                                        </p:attrNameLst>
+                                      </p:cBhvr>
+                                      <p:to>
+                                        <p:strVal val="visible"/>
+                                      </p:to>
+                                    </p:set>
+                                    <p:animEffect transition="in" filter="fade">
+                                      <p:cBhvr>
+                                        <p:cTn id="7" dur="500"/>
+                                        <p:tgtEl>
+                                          <p:spTgt spid="15371"/>
+                                        </p:tgtEl>
+                                      </p:cBhvr>
+                                    </p:animEffect>
+                                  </p:childTnLst>
+                                </p:cTn>
+                              </p:par>
+                              <p:par>
+                                <p:cTn id="8" presetID="35" presetClass="path" presetSubtype="0" accel="50000" decel="50000" fill="hold" nodeType="withEffect">
+                                  <p:stCondLst>
+                                    <p:cond delay="0"/>
+                                  </p:stCondLst>
+                                  <p:childTnLst>
+                                    <p:animMotion origin="layout" path="M 0.04809 1.11111E-6 L -3.88889E-6 1.11111E-6 " pathEditMode="relative" rAng="0" ptsTypes="AA">
+                                      <p:cBhvr>
+                                        <p:cTn id="9" dur="2000" fill="hold"/>
+                                        <p:tgtEl>
+                                          <p:spTgt spid="15371"/>
+                                        </p:tgtEl>
+                                        <p:attrNameLst>
+                                          <p:attrName>ppt_x</p:attrName>
+                                          <p:attrName>ppt_y</p:attrName>
+                                        </p:attrNameLst>
+                                      </p:cBhvr>
+                                      <p:rCtr x="-2413" y="0"/>
+                                    </p:animMotion>
+                                  </p:childTnLst>
+                                </p:cTn>
+                              </p:par>
+                            </p:childTnLst>
+                          </p:cTn>
+                        </p:par>
+                      </p:childTnLst>
+                    </p:cTn>
+                  </p:par>
+                  <p:par>
+                    <p:cTn id="10" fill="hold">
+                      <p:stCondLst>
+                        <p:cond delay="indefinite"/>
+                      </p:stCondLst>
+                      <p:childTnLst>
+                        <p:par>
+                          <p:cTn id="11" fill="hold">
+                            <p:stCondLst>
+                              <p:cond delay="0"/>
+                            </p:stCondLst>
+                            <p:childTnLst>
+                              <p:par>
+                                <p:cTn id="12" presetID="10" presetClass="entr" presetSubtype="0" fill="hold" nodeType="clickEffect">
+                                  <p:stCondLst>
+                                    <p:cond delay="0"/>
+                                  </p:stCondLst>
+                                  <p:childTnLst>
+                                    <p:set>
+                                      <p:cBhvr>
+                                        <p:cTn id="13" dur="1" fill="hold">
+                                          <p:stCondLst>
+                                            <p:cond delay="0"/>
+                                          </p:stCondLst>
+                                        </p:cTn>
+                                        <p:tgtEl>
+                                          <p:spTgt spid="15372"/>
+                                        </p:tgtEl>
+                                        <p:attrNameLst>
+                                          <p:attrName>style.visibility</p:attrName>
+                                        </p:attrNameLst>
+                                      </p:cBhvr>
+                                      <p:to>
+                                        <p:strVal val="visible"/>
+                                      </p:to>
+                                    </p:set>
+                                    <p:animEffect transition="in" filter="fade">
+                                      <p:cBhvr>
+                                        <p:cTn id="14" dur="500"/>
+                                        <p:tgtEl>
+                                          <p:spTgt spid="15372"/>
+                                        </p:tgtEl>
+                                      </p:cBhvr>
+                                    </p:animEffect>
+                                  </p:childTnLst>
+                                </p:cTn>
+                              </p:par>
+                              <p:par>
+                                <p:cTn id="15" presetID="35" presetClass="path" presetSubtype="0" accel="50000" decel="50000" fill="hold" nodeType="withEffect">
+                                  <p:stCondLst>
+                                    <p:cond delay="0"/>
+                                  </p:stCondLst>
+                                  <p:childTnLst>
+                                    <p:animMotion origin="layout" path="M 0.04809 1.11111E-6 L -3.88889E-6 1.11111E-6 " pathEditMode="relative" rAng="0" ptsTypes="AA">
+                                      <p:cBhvr>
+                                        <p:cTn id="16" dur="2000" fill="hold"/>
+                                        <p:tgtEl>
+                                          <p:spTgt spid="15372"/>
+                                        </p:tgtEl>
+                                        <p:attrNameLst>
+                                          <p:attrName>ppt_x</p:attrName>
+                                          <p:attrName>ppt_y</p:attrName>
+                                        </p:attrNameLst>
+                                      </p:cBhvr>
+                                      <p:rCtr x="-2413" y="0"/>
+                                    </p:animMotion>
+                                  </p:childTnLst>
+                                </p:cTn>
+                              </p:par>
+                            </p:childTnLst>
+                          </p:cTn>
+                        </p:par>
+                        <p:par>
+                          <p:cTn id="17" fill="hold">
+                            <p:stCondLst>
+                              <p:cond delay="2000"/>
+                            </p:stCondLst>
+                            <p:childTnLst>
+                              <p:par>
+                                <p:cTn id="18" presetID="10" presetClass="entr" presetSubtype="0" fill="hold" grpId="0" nodeType="afterEffect">
+                                  <p:stCondLst>
+                                    <p:cond delay="0"/>
+                                  </p:stCondLst>
+                                  <p:childTnLst>
+                                    <p:set>
+                                      <p:cBhvr>
+                                        <p:cTn id="19" dur="1" fill="hold">
+                                          <p:stCondLst>
+                                            <p:cond delay="0"/>
+                                          </p:stCondLst>
+                                        </p:cTn>
+                                        <p:tgtEl>
+                                          <p:spTgt spid="6"/>
+                                        </p:tgtEl>
+                                        <p:attrNameLst>
+                                          <p:attrName>style.visibility</p:attrName>
+                                        </p:attrNameLst>
+                                      </p:cBhvr>
+                                      <p:to>
+                                        <p:strVal val="visible"/>
+                                      </p:to>
+                                    </p:set>
+                                    <p:animEffect transition="in" filter="fade">
+                                      <p:cBhvr>
+                                        <p:cTn id="20" dur="500"/>
+                                        <p:tgtEl>
+                                          <p:spTgt spid="6"/>
+                                        </p:tgtEl>
+                                      </p:cBhvr>
+                                    </p:animEffect>
+                                  </p:childTnLst>
+                                </p:cTn>
+                              </p:par>
+                            </p:childTnLst>
+                          </p:cTn>
+                        </p:par>
+                      </p:childTnLst>
+                    </p:cTn>
+                  </p:par>
+                  <p:par>
+                    <p:cTn id="21" fill="hold">
+                      <p:stCondLst>
+                        <p:cond delay="indefinite"/>
+                      </p:stCondLst>
+                      <p:childTnLst>
+                        <p:par>
+                          <p:cTn id="22" fill="hold">
+                            <p:stCondLst>
+                              <p:cond delay="0"/>
+                            </p:stCondLst>
+                            <p:childTnLst>
+                              <p:par>
+                                <p:cTn id="23" presetID="10" presetClass="entr" presetSubtype="0" fill="hold" nodeType="clickEffect">
+                                  <p:stCondLst>
+                                    <p:cond delay="0"/>
+                                  </p:stCondLst>
+                                  <p:childTnLst>
+                                    <p:set>
+                                      <p:cBhvr>
+                                        <p:cTn id="24" dur="1" fill="hold">
+                                          <p:stCondLst>
+                                            <p:cond delay="0"/>
+                                          </p:stCondLst>
+                                        </p:cTn>
+                                        <p:tgtEl>
+                                          <p:spTgt spid="15373"/>
+                                        </p:tgtEl>
+                                        <p:attrNameLst>
+                                          <p:attrName>style.visibility</p:attrName>
+                                        </p:attrNameLst>
+                                      </p:cBhvr>
+                                      <p:to>
+                                        <p:strVal val="visible"/>
+                                      </p:to>
+                                    </p:set>
+                                    <p:animEffect transition="in" filter="fade">
+                                      <p:cBhvr>
+                                        <p:cTn id="25" dur="500"/>
+                                        <p:tgtEl>
+                                          <p:spTgt spid="15373"/>
+                                        </p:tgtEl>
+                                      </p:cBhvr>
+                                    </p:animEffect>
+                                  </p:childTnLst>
+                                </p:cTn>
+                              </p:par>
+                              <p:par>
+                                <p:cTn id="26" presetID="35" presetClass="path" presetSubtype="0" accel="50000" decel="50000" fill="hold" nodeType="withEffect">
+                                  <p:stCondLst>
+                                    <p:cond delay="0"/>
+                                  </p:stCondLst>
+                                  <p:childTnLst>
+                                    <p:animMotion origin="layout" path="M 0.04809 1.11111E-6 L -3.88889E-6 1.11111E-6 " pathEditMode="relative" rAng="0" ptsTypes="AA">
+                                      <p:cBhvr>
+                                        <p:cTn id="27" dur="2000" fill="hold"/>
+                                        <p:tgtEl>
+                                          <p:spTgt spid="15373"/>
+                                        </p:tgtEl>
+                                        <p:attrNameLst>
+                                          <p:attrName>ppt_x</p:attrName>
+                                          <p:attrName>ppt_y</p:attrName>
+                                        </p:attrNameLst>
+                                      </p:cBhvr>
+                                      <p:rCtr x="-2413" y="0"/>
+                                    </p:animMotion>
+                                  </p:childTnLst>
+                                </p:cTn>
+                              </p:par>
+                            </p:childTnLst>
+                          </p:cTn>
+                        </p:par>
+                        <p:par>
+                          <p:cTn id="28" fill="hold">
+                            <p:stCondLst>
+                              <p:cond delay="2000"/>
+                            </p:stCondLst>
+                            <p:childTnLst>
+                              <p:par>
+                                <p:cTn id="29" presetID="10" presetClass="entr" presetSubtype="0" fill="hold" grpId="0" nodeType="afterEffect">
+                                  <p:stCondLst>
+                                    <p:cond delay="0"/>
+                                  </p:stCondLst>
+                                  <p:childTnLst>
+                                    <p:set>
+                                      <p:cBhvr>
+                                        <p:cTn id="30" dur="1" fill="hold">
+                                          <p:stCondLst>
+                                            <p:cond delay="0"/>
+                                          </p:stCondLst>
+                                        </p:cTn>
+                                        <p:tgtEl>
+                                          <p:spTgt spid="7"/>
+                                        </p:tgtEl>
+                                        <p:attrNameLst>
+                                          <p:attrName>style.visibility</p:attrName>
+                                        </p:attrNameLst>
+                                      </p:cBhvr>
+                                      <p:to>
+                                        <p:strVal val="visible"/>
+                                      </p:to>
+                                    </p:set>
+                                    <p:animEffect transition="in" filter="fade">
+                                      <p:cBhvr>
+                                        <p:cTn id="31" dur="500"/>
+                                        <p:tgtEl>
+                                          <p:spTgt spid="7"/>
+                                        </p:tgtEl>
+                                      </p:cBhvr>
+                                    </p:animEffect>
+                                  </p:childTnLst>
+                                </p:cTn>
+                              </p:par>
+                            </p:childTnLst>
+                          </p:cTn>
+                        </p:par>
+                      </p:childTnLst>
+                    </p:cTn>
+                  </p:par>
+                </p:childTnLst>
+              </p:cTn>
+              <p:prevCondLst>
+                <p:cond evt="onPrev" delay="0">
+                  <p:tgtEl>
+                    <p:sldTgt/>
+                  </p:tgtEl>
+                </p:cond>
+              </p:prevCondLst>
+              <p:nextCondLst>
+                <p:cond evt="onNext" delay="0">
+                  <p:tgtEl>
+                    <p:sldTgt/>
+                  </p:tgtEl>
+                </p:cond>
+              </p:nextCondLst>
+            </p:seq>
+          </p:childTnLst>
+        </p:cTn>
       </p:par>
     </p:tnLst>
+    <p:bldLst>
+      <p:bldP spid="6" grpId="0" animBg="1"/>
+      <p:bldP spid="7" grpId="0" animBg="1"/>
+    </p:bldLst>
   </p:timing>
 </p:sld>
 </file>
@@ -15968,7 +16410,7 @@
           <a:p>
             <a:r>
               <a:rPr lang="pl-PL" dirty="0" smtClean="0"/>
-              <a:t>Task 0.1 – change a header</a:t>
+              <a:t>Task 0 – run an empty project</a:t>
             </a:r>
             <a:endParaRPr lang="en-CA" dirty="0"/>
           </a:p>
@@ -15982,52 +16424,6 @@
           </p:cNvSpPr>
           <p:nvPr>
             <p:ph sz="quarter" idx="10"/>
-          </p:nvPr>
-        </p:nvSpPr>
-        <p:spPr/>
-        <p:txBody>
-          <a:bodyPr/>
-          <a:lstStyle/>
-          <a:p>
-            <a:r>
-              <a:rPr lang="pl-PL" dirty="0" smtClean="0"/>
-              <a:t>Open HomeController</a:t>
-            </a:r>
-            <a:endParaRPr lang="en-CA" dirty="0"/>
-          </a:p>
-        </p:txBody>
-      </p:sp>
-      <p:sp>
-        <p:nvSpPr>
-          <p:cNvPr id="4" name="Content Placeholder 3"/>
-          <p:cNvSpPr>
-            <a:spLocks noGrp="1"/>
-          </p:cNvSpPr>
-          <p:nvPr>
-            <p:ph sz="quarter" idx="11"/>
-          </p:nvPr>
-        </p:nvSpPr>
-        <p:spPr/>
-        <p:txBody>
-          <a:bodyPr/>
-          <a:lstStyle/>
-          <a:p>
-            <a:r>
-              <a:rPr lang="pl-PL" dirty="0" smtClean="0"/>
-              <a:t>Change text in Index method</a:t>
-            </a:r>
-            <a:endParaRPr lang="en-CA" dirty="0"/>
-          </a:p>
-        </p:txBody>
-      </p:sp>
-      <p:sp>
-        <p:nvSpPr>
-          <p:cNvPr id="5" name="Content Placeholder 4"/>
-          <p:cNvSpPr>
-            <a:spLocks noGrp="1"/>
-          </p:cNvSpPr>
-          <p:nvPr>
-            <p:ph sz="quarter" idx="12"/>
           </p:nvPr>
         </p:nvSpPr>
         <p:spPr/>
@@ -16045,12 +16441,35 @@
       </p:sp>
       <p:sp>
         <p:nvSpPr>
-          <p:cNvPr id="6" name="Content Placeholder 5"/>
+          <p:cNvPr id="4" name="Content Placeholder 3"/>
           <p:cNvSpPr>
             <a:spLocks noGrp="1"/>
           </p:cNvSpPr>
           <p:nvPr>
-            <p:ph sz="quarter" idx="13"/>
+            <p:ph sz="quarter" idx="11"/>
+          </p:nvPr>
+        </p:nvSpPr>
+        <p:spPr/>
+        <p:txBody>
+          <a:bodyPr/>
+          <a:lstStyle/>
+          <a:p>
+            <a:r>
+              <a:rPr lang="pl-PL" dirty="0" smtClean="0"/>
+              <a:t>Run</a:t>
+            </a:r>
+            <a:endParaRPr lang="en-CA" dirty="0"/>
+          </a:p>
+        </p:txBody>
+      </p:sp>
+      <p:sp>
+        <p:nvSpPr>
+          <p:cNvPr id="5" name="Content Placeholder 4"/>
+          <p:cNvSpPr>
+            <a:spLocks noGrp="1"/>
+          </p:cNvSpPr>
+          <p:nvPr>
+            <p:ph sz="quarter" idx="12"/>
           </p:nvPr>
         </p:nvSpPr>
         <p:spPr/>
@@ -16068,12 +16487,12 @@
       </p:sp>
       <p:sp>
         <p:nvSpPr>
-          <p:cNvPr id="7" name="Content Placeholder 6"/>
+          <p:cNvPr id="6" name="Content Placeholder 5"/>
           <p:cNvSpPr>
             <a:spLocks noGrp="1"/>
           </p:cNvSpPr>
           <p:nvPr>
-            <p:ph sz="quarter" idx="14"/>
+            <p:ph sz="quarter" idx="13"/>
           </p:nvPr>
         </p:nvSpPr>
         <p:spPr/>
@@ -16087,12 +16506,12 @@
       </p:sp>
       <p:sp>
         <p:nvSpPr>
-          <p:cNvPr id="8" name="Content Placeholder 7"/>
+          <p:cNvPr id="7" name="Content Placeholder 6"/>
           <p:cNvSpPr>
             <a:spLocks noGrp="1"/>
           </p:cNvSpPr>
           <p:nvPr>
-            <p:ph sz="quarter" idx="15"/>
+            <p:ph sz="quarter" idx="14"/>
           </p:nvPr>
         </p:nvSpPr>
         <p:spPr/>
@@ -16100,18 +16519,33 @@
           <a:bodyPr/>
           <a:lstStyle/>
           <a:p>
-            <a:r>
-              <a:rPr lang="pl-PL" dirty="0" smtClean="0"/>
-              <a:t>Run</a:t>
-            </a:r>
-            <a:endParaRPr lang="en-CA" dirty="0"/>
+            <a:endParaRPr lang="en-CA"/>
+          </a:p>
+        </p:txBody>
+      </p:sp>
+      <p:sp>
+        <p:nvSpPr>
+          <p:cNvPr id="8" name="Content Placeholder 7"/>
+          <p:cNvSpPr>
+            <a:spLocks noGrp="1"/>
+          </p:cNvSpPr>
+          <p:nvPr>
+            <p:ph sz="quarter" idx="15"/>
+          </p:nvPr>
+        </p:nvSpPr>
+        <p:spPr/>
+        <p:txBody>
+          <a:bodyPr/>
+          <a:lstStyle/>
+          <a:p>
+            <a:endParaRPr lang="en-CA"/>
           </a:p>
         </p:txBody>
       </p:sp>
     </p:spTree>
     <p:extLst>
       <p:ext uri="{BB962C8B-B14F-4D97-AF65-F5344CB8AC3E}">
-        <p14:creationId xmlns:p14="http://schemas.microsoft.com/office/powerpoint/2010/main" val="2790318224"/>
+        <p14:creationId xmlns:p14="http://schemas.microsoft.com/office/powerpoint/2010/main" val="3929691703"/>
       </p:ext>
     </p:extLst>
   </p:cSld>
@@ -16170,7 +16604,7 @@
           <a:p>
             <a:r>
               <a:rPr lang="pl-PL" dirty="0" smtClean="0"/>
-              <a:t>Task 0.2 – prepare a text control</a:t>
+              <a:t>Task 0.1 – change a header</a:t>
             </a:r>
             <a:endParaRPr lang="en-CA" dirty="0"/>
           </a:p>
@@ -16184,60 +16618,6 @@
           </p:cNvSpPr>
           <p:nvPr>
             <p:ph sz="quarter" idx="10"/>
-          </p:nvPr>
-        </p:nvSpPr>
-        <p:spPr/>
-        <p:txBody>
-          <a:bodyPr/>
-          <a:lstStyle/>
-          <a:p>
-            <a:r>
-              <a:rPr lang="pl-PL" dirty="0" smtClean="0"/>
-              <a:t>Open Index.cshtml</a:t>
-            </a:r>
-            <a:endParaRPr lang="en-CA" dirty="0"/>
-          </a:p>
-        </p:txBody>
-      </p:sp>
-      <p:sp>
-        <p:nvSpPr>
-          <p:cNvPr id="4" name="Content Placeholder 3"/>
-          <p:cNvSpPr>
-            <a:spLocks noGrp="1"/>
-          </p:cNvSpPr>
-          <p:nvPr>
-            <p:ph sz="quarter" idx="11"/>
-          </p:nvPr>
-        </p:nvSpPr>
-        <p:spPr/>
-        <p:txBody>
-          <a:bodyPr/>
-          <a:lstStyle/>
-          <a:p>
-            <a:r>
-              <a:rPr lang="pl-PL" dirty="0" smtClean="0"/>
-              <a:t>Add </a:t>
-            </a:r>
-            <a:r>
-              <a:rPr lang="en-CA" dirty="0"/>
-              <a:t>@</a:t>
-            </a:r>
-            <a:r>
-              <a:rPr lang="en-CA" dirty="0" err="1" smtClean="0"/>
-              <a:t>ViewBag.Text</a:t>
-            </a:r>
-            <a:endParaRPr lang="en-CA" dirty="0"/>
-          </a:p>
-        </p:txBody>
-      </p:sp>
-      <p:sp>
-        <p:nvSpPr>
-          <p:cNvPr id="5" name="Content Placeholder 4"/>
-          <p:cNvSpPr>
-            <a:spLocks noGrp="1"/>
-          </p:cNvSpPr>
-          <p:nvPr>
-            <p:ph sz="quarter" idx="12"/>
           </p:nvPr>
         </p:nvSpPr>
         <p:spPr/>
@@ -16255,12 +16635,12 @@
       </p:sp>
       <p:sp>
         <p:nvSpPr>
-          <p:cNvPr id="6" name="Content Placeholder 5"/>
+          <p:cNvPr id="4" name="Content Placeholder 3"/>
           <p:cNvSpPr>
             <a:spLocks noGrp="1"/>
           </p:cNvSpPr>
           <p:nvPr>
-            <p:ph sz="quarter" idx="13"/>
+            <p:ph sz="quarter" idx="11"/>
           </p:nvPr>
         </p:nvSpPr>
         <p:spPr/>
@@ -16270,7 +16650,7 @@
           <a:p>
             <a:r>
               <a:rPr lang="pl-PL" dirty="0" smtClean="0"/>
-              <a:t>Assign some text to ViewBag.Text</a:t>
+              <a:t>Change text in Index method</a:t>
             </a:r>
             <a:endParaRPr lang="en-CA" dirty="0"/>
           </a:p>
@@ -16278,12 +16658,12 @@
       </p:sp>
       <p:sp>
         <p:nvSpPr>
-          <p:cNvPr id="7" name="Content Placeholder 6"/>
+          <p:cNvPr id="5" name="Content Placeholder 4"/>
           <p:cNvSpPr>
             <a:spLocks noGrp="1"/>
           </p:cNvSpPr>
           <p:nvPr>
-            <p:ph sz="quarter" idx="14"/>
+            <p:ph sz="quarter" idx="12"/>
           </p:nvPr>
         </p:nvSpPr>
         <p:spPr/>
@@ -16293,7 +16673,7 @@
           <a:p>
             <a:r>
               <a:rPr lang="pl-PL" dirty="0" smtClean="0"/>
-              <a:t>Compile, run, verify</a:t>
+              <a:t>Compile</a:t>
             </a:r>
             <a:endParaRPr lang="en-CA" dirty="0"/>
           </a:p>
@@ -16301,12 +16681,12 @@
       </p:sp>
       <p:sp>
         <p:nvSpPr>
-          <p:cNvPr id="8" name="Content Placeholder 7"/>
+          <p:cNvPr id="6" name="Content Placeholder 5"/>
           <p:cNvSpPr>
             <a:spLocks noGrp="1"/>
           </p:cNvSpPr>
           <p:nvPr>
-            <p:ph sz="quarter" idx="15"/>
+            <p:ph sz="quarter" idx="13"/>
           </p:nvPr>
         </p:nvSpPr>
         <p:spPr/>
@@ -16316,7 +16696,49 @@
           <a:p>
             <a:r>
               <a:rPr lang="pl-PL" dirty="0" smtClean="0"/>
-              <a:t>Find Index method</a:t>
+              <a:t>Verify</a:t>
+            </a:r>
+            <a:endParaRPr lang="en-CA" dirty="0"/>
+          </a:p>
+        </p:txBody>
+      </p:sp>
+      <p:sp>
+        <p:nvSpPr>
+          <p:cNvPr id="7" name="Content Placeholder 6"/>
+          <p:cNvSpPr>
+            <a:spLocks noGrp="1"/>
+          </p:cNvSpPr>
+          <p:nvPr>
+            <p:ph sz="quarter" idx="14"/>
+          </p:nvPr>
+        </p:nvSpPr>
+        <p:spPr/>
+        <p:txBody>
+          <a:bodyPr/>
+          <a:lstStyle/>
+          <a:p>
+            <a:endParaRPr lang="en-CA"/>
+          </a:p>
+        </p:txBody>
+      </p:sp>
+      <p:sp>
+        <p:nvSpPr>
+          <p:cNvPr id="8" name="Content Placeholder 7"/>
+          <p:cNvSpPr>
+            <a:spLocks noGrp="1"/>
+          </p:cNvSpPr>
+          <p:nvPr>
+            <p:ph sz="quarter" idx="15"/>
+          </p:nvPr>
+        </p:nvSpPr>
+        <p:spPr/>
+        <p:txBody>
+          <a:bodyPr/>
+          <a:lstStyle/>
+          <a:p>
+            <a:r>
+              <a:rPr lang="pl-PL" dirty="0" smtClean="0"/>
+              <a:t>Run</a:t>
             </a:r>
             <a:endParaRPr lang="en-CA" dirty="0"/>
           </a:p>
@@ -16325,7 +16747,7 @@
     </p:spTree>
     <p:extLst>
       <p:ext uri="{BB962C8B-B14F-4D97-AF65-F5344CB8AC3E}">
-        <p14:creationId xmlns:p14="http://schemas.microsoft.com/office/powerpoint/2010/main" val="2949502460"/>
+        <p14:creationId xmlns:p14="http://schemas.microsoft.com/office/powerpoint/2010/main" val="2790318224"/>
       </p:ext>
     </p:extLst>
   </p:cSld>
@@ -16377,6 +16799,220 @@
             <p:ph type="title"/>
           </p:nvPr>
         </p:nvSpPr>
+        <p:spPr/>
+        <p:txBody>
+          <a:bodyPr/>
+          <a:lstStyle/>
+          <a:p>
+            <a:r>
+              <a:rPr lang="pl-PL" dirty="0" smtClean="0"/>
+              <a:t>Task 0.2 – prepare a text control</a:t>
+            </a:r>
+            <a:endParaRPr lang="en-CA" dirty="0"/>
+          </a:p>
+        </p:txBody>
+      </p:sp>
+      <p:sp>
+        <p:nvSpPr>
+          <p:cNvPr id="3" name="Content Placeholder 2"/>
+          <p:cNvSpPr>
+            <a:spLocks noGrp="1"/>
+          </p:cNvSpPr>
+          <p:nvPr>
+            <p:ph sz="quarter" idx="10"/>
+          </p:nvPr>
+        </p:nvSpPr>
+        <p:spPr/>
+        <p:txBody>
+          <a:bodyPr/>
+          <a:lstStyle/>
+          <a:p>
+            <a:r>
+              <a:rPr lang="pl-PL" dirty="0" smtClean="0"/>
+              <a:t>Open Index.cshtml</a:t>
+            </a:r>
+            <a:endParaRPr lang="en-CA" dirty="0"/>
+          </a:p>
+        </p:txBody>
+      </p:sp>
+      <p:sp>
+        <p:nvSpPr>
+          <p:cNvPr id="4" name="Content Placeholder 3"/>
+          <p:cNvSpPr>
+            <a:spLocks noGrp="1"/>
+          </p:cNvSpPr>
+          <p:nvPr>
+            <p:ph sz="quarter" idx="11"/>
+          </p:nvPr>
+        </p:nvSpPr>
+        <p:spPr/>
+        <p:txBody>
+          <a:bodyPr/>
+          <a:lstStyle/>
+          <a:p>
+            <a:r>
+              <a:rPr lang="pl-PL" dirty="0" smtClean="0"/>
+              <a:t>Add </a:t>
+            </a:r>
+            <a:r>
+              <a:rPr lang="en-CA" dirty="0"/>
+              <a:t>@</a:t>
+            </a:r>
+            <a:r>
+              <a:rPr lang="en-CA" dirty="0" err="1" smtClean="0"/>
+              <a:t>ViewBag.Text</a:t>
+            </a:r>
+            <a:endParaRPr lang="en-CA" dirty="0"/>
+          </a:p>
+        </p:txBody>
+      </p:sp>
+      <p:sp>
+        <p:nvSpPr>
+          <p:cNvPr id="5" name="Content Placeholder 4"/>
+          <p:cNvSpPr>
+            <a:spLocks noGrp="1"/>
+          </p:cNvSpPr>
+          <p:nvPr>
+            <p:ph sz="quarter" idx="12"/>
+          </p:nvPr>
+        </p:nvSpPr>
+        <p:spPr/>
+        <p:txBody>
+          <a:bodyPr/>
+          <a:lstStyle/>
+          <a:p>
+            <a:r>
+              <a:rPr lang="pl-PL" dirty="0" smtClean="0"/>
+              <a:t>Open HomeController</a:t>
+            </a:r>
+            <a:endParaRPr lang="en-CA" dirty="0"/>
+          </a:p>
+        </p:txBody>
+      </p:sp>
+      <p:sp>
+        <p:nvSpPr>
+          <p:cNvPr id="6" name="Content Placeholder 5"/>
+          <p:cNvSpPr>
+            <a:spLocks noGrp="1"/>
+          </p:cNvSpPr>
+          <p:nvPr>
+            <p:ph sz="quarter" idx="13"/>
+          </p:nvPr>
+        </p:nvSpPr>
+        <p:spPr/>
+        <p:txBody>
+          <a:bodyPr/>
+          <a:lstStyle/>
+          <a:p>
+            <a:r>
+              <a:rPr lang="pl-PL" dirty="0" smtClean="0"/>
+              <a:t>Assign some text to ViewBag.Text</a:t>
+            </a:r>
+            <a:endParaRPr lang="en-CA" dirty="0"/>
+          </a:p>
+        </p:txBody>
+      </p:sp>
+      <p:sp>
+        <p:nvSpPr>
+          <p:cNvPr id="7" name="Content Placeholder 6"/>
+          <p:cNvSpPr>
+            <a:spLocks noGrp="1"/>
+          </p:cNvSpPr>
+          <p:nvPr>
+            <p:ph sz="quarter" idx="14"/>
+          </p:nvPr>
+        </p:nvSpPr>
+        <p:spPr/>
+        <p:txBody>
+          <a:bodyPr/>
+          <a:lstStyle/>
+          <a:p>
+            <a:r>
+              <a:rPr lang="pl-PL" dirty="0" smtClean="0"/>
+              <a:t>Compile, run, verify</a:t>
+            </a:r>
+            <a:endParaRPr lang="en-CA" dirty="0"/>
+          </a:p>
+        </p:txBody>
+      </p:sp>
+      <p:sp>
+        <p:nvSpPr>
+          <p:cNvPr id="8" name="Content Placeholder 7"/>
+          <p:cNvSpPr>
+            <a:spLocks noGrp="1"/>
+          </p:cNvSpPr>
+          <p:nvPr>
+            <p:ph sz="quarter" idx="15"/>
+          </p:nvPr>
+        </p:nvSpPr>
+        <p:spPr/>
+        <p:txBody>
+          <a:bodyPr/>
+          <a:lstStyle/>
+          <a:p>
+            <a:r>
+              <a:rPr lang="pl-PL" dirty="0" smtClean="0"/>
+              <a:t>Find Index method</a:t>
+            </a:r>
+            <a:endParaRPr lang="en-CA" dirty="0"/>
+          </a:p>
+        </p:txBody>
+      </p:sp>
+    </p:spTree>
+    <p:extLst>
+      <p:ext uri="{BB962C8B-B14F-4D97-AF65-F5344CB8AC3E}">
+        <p14:creationId xmlns:p14="http://schemas.microsoft.com/office/powerpoint/2010/main" val="2949502460"/>
+      </p:ext>
+    </p:extLst>
+  </p:cSld>
+  <p:clrMapOvr>
+    <a:masterClrMapping/>
+  </p:clrMapOvr>
+  <mc:AlternateContent xmlns:mc="http://schemas.openxmlformats.org/markup-compatibility/2006" xmlns:p14="http://schemas.microsoft.com/office/powerpoint/2010/main">
+    <mc:Choice Requires="p14">
+      <p:transition spd="slow" p14:dur="2000"/>
+    </mc:Choice>
+    <mc:Fallback xmlns="">
+      <p:transition spd="slow"/>
+    </mc:Fallback>
+  </mc:AlternateContent>
+  <p:timing>
+    <p:tnLst>
+      <p:par>
+        <p:cTn id="1" dur="indefinite" restart="never" nodeType="tmRoot"/>
+      </p:par>
+    </p:tnLst>
+  </p:timing>
+</p:sld>
+</file>
+
+<file path=ppt/slides/slide24.xml><?xml version="1.0" encoding="utf-8"?>
+<p:sld xmlns:a="http://schemas.openxmlformats.org/drawingml/2006/main" xmlns:r="http://schemas.openxmlformats.org/officeDocument/2006/relationships" xmlns:p="http://schemas.openxmlformats.org/presentationml/2006/main">
+  <p:cSld>
+    <p:spTree>
+      <p:nvGrpSpPr>
+        <p:cNvPr id="1" name=""/>
+        <p:cNvGrpSpPr/>
+        <p:nvPr/>
+      </p:nvGrpSpPr>
+      <p:grpSpPr>
+        <a:xfrm>
+          <a:off x="0" y="0"/>
+          <a:ext cx="0" cy="0"/>
+          <a:chOff x="0" y="0"/>
+          <a:chExt cx="0" cy="0"/>
+        </a:xfrm>
+      </p:grpSpPr>
+      <p:sp>
+        <p:nvSpPr>
+          <p:cNvPr id="2" name="Title 1"/>
+          <p:cNvSpPr>
+            <a:spLocks noGrp="1"/>
+          </p:cNvSpPr>
+          <p:nvPr>
+            <p:ph type="title"/>
+          </p:nvPr>
+        </p:nvSpPr>
         <p:spPr>
           <a:xfrm>
             <a:off x="323528" y="260648"/>
@@ -16555,7 +17191,7 @@
 </p:sld>
 </file>
 
-<file path=ppt/slides/slide24.xml><?xml version="1.0" encoding="utf-8"?>
+<file path=ppt/slides/slide25.xml><?xml version="1.0" encoding="utf-8"?>
 <p:sld xmlns:a="http://schemas.openxmlformats.org/drawingml/2006/main" xmlns:r="http://schemas.openxmlformats.org/officeDocument/2006/relationships" xmlns:p="http://schemas.openxmlformats.org/presentationml/2006/main">
   <p:cSld>
     <p:spTree>
@@ -16915,7 +17551,7 @@
 </p:sld>
 </file>
 
-<file path=ppt/slides/slide25.xml><?xml version="1.0" encoding="utf-8"?>
+<file path=ppt/slides/slide26.xml><?xml version="1.0" encoding="utf-8"?>
 <p:sld xmlns:a="http://schemas.openxmlformats.org/drawingml/2006/main" xmlns:r="http://schemas.openxmlformats.org/officeDocument/2006/relationships" xmlns:p="http://schemas.openxmlformats.org/presentationml/2006/main">
   <p:cSld>
     <p:spTree>
@@ -17292,7 +17928,7 @@
 </p:sld>
 </file>
 
-<file path=ppt/slides/slide26.xml><?xml version="1.0" encoding="utf-8"?>
+<file path=ppt/slides/slide27.xml><?xml version="1.0" encoding="utf-8"?>
 <p:sld xmlns:a="http://schemas.openxmlformats.org/drawingml/2006/main" xmlns:r="http://schemas.openxmlformats.org/officeDocument/2006/relationships" xmlns:p="http://schemas.openxmlformats.org/presentationml/2006/main">
   <p:cSld>
     <p:spTree>
@@ -17660,7 +18296,7 @@
 </p:sld>
 </file>
 
-<file path=ppt/slides/slide27.xml><?xml version="1.0" encoding="utf-8"?>
+<file path=ppt/slides/slide28.xml><?xml version="1.0" encoding="utf-8"?>
 <p:sld xmlns:a="http://schemas.openxmlformats.org/drawingml/2006/main" xmlns:r="http://schemas.openxmlformats.org/officeDocument/2006/relationships" xmlns:p="http://schemas.openxmlformats.org/presentationml/2006/main">
   <p:cSld>
     <p:spTree>
@@ -17763,7 +18399,7 @@
           <a:p>
             <a:r>
               <a:rPr lang="pl-PL" dirty="0" smtClean="0"/>
-              <a:t>Write another controllrer action</a:t>
+              <a:t>Write another controller action</a:t>
             </a:r>
             <a:endParaRPr lang="en-CA" dirty="0"/>
           </a:p>
@@ -17853,8 +18489,136 @@
         </p:blipFill>
         <p:spPr bwMode="auto">
           <a:xfrm>
-            <a:off x="323528" y="1628799"/>
+            <a:off x="251520" y="1628800"/>
             <a:ext cx="7200800" cy="4404885"/>
+          </a:xfrm>
+          <a:prstGeom prst="rect">
+            <a:avLst/>
+          </a:prstGeom>
+          <a:noFill/>
+          <a:ln>
+            <a:noFill/>
+          </a:ln>
+          <a:effectLst/>
+          <a:extLst>
+            <a:ext uri="{909E8E84-426E-40DD-AFC4-6F175D3DCCD1}">
+              <a14:hiddenFill xmlns:a14="http://schemas.microsoft.com/office/drawing/2010/main">
+                <a:solidFill>
+                  <a:schemeClr val="accent1"/>
+                </a:solidFill>
+              </a14:hiddenFill>
+            </a:ext>
+            <a:ext uri="{91240B29-F687-4F45-9708-019B960494DF}">
+              <a14:hiddenLine xmlns:a14="http://schemas.microsoft.com/office/drawing/2010/main" w="9525">
+                <a:solidFill>
+                  <a:schemeClr val="tx1"/>
+                </a:solidFill>
+                <a:miter lim="800000"/>
+                <a:headEnd/>
+                <a:tailEnd/>
+              </a14:hiddenLine>
+            </a:ext>
+            <a:ext uri="{AF507438-7753-43E0-B8FC-AC1667EBCBE1}">
+              <a14:hiddenEffects xmlns:a14="http://schemas.microsoft.com/office/drawing/2010/main">
+                <a:effectLst>
+                  <a:outerShdw dist="35921" dir="2700000" algn="ctr" rotWithShape="0">
+                    <a:schemeClr val="bg2"/>
+                  </a:outerShdw>
+                </a:effectLst>
+              </a14:hiddenEffects>
+            </a:ext>
+          </a:extLst>
+        </p:spPr>
+      </p:pic>
+      <p:pic>
+        <p:nvPicPr>
+          <p:cNvPr id="4099" name="Picture 3"/>
+          <p:cNvPicPr>
+            <a:picLocks noChangeAspect="1" noChangeArrowheads="1"/>
+          </p:cNvPicPr>
+          <p:nvPr/>
+        </p:nvPicPr>
+        <p:blipFill>
+          <a:blip r:embed="rId4">
+            <a:extLst>
+              <a:ext uri="{28A0092B-C50C-407E-A947-70E740481C1C}">
+                <a14:useLocalDpi xmlns:a14="http://schemas.microsoft.com/office/drawing/2010/main" val="0"/>
+              </a:ext>
+            </a:extLst>
+          </a:blip>
+          <a:srcRect/>
+          <a:stretch>
+            <a:fillRect/>
+          </a:stretch>
+        </p:blipFill>
+        <p:spPr bwMode="auto">
+          <a:xfrm>
+            <a:off x="249529" y="2866349"/>
+            <a:ext cx="2969865" cy="3144563"/>
+          </a:xfrm>
+          <a:prstGeom prst="rect">
+            <a:avLst/>
+          </a:prstGeom>
+          <a:noFill/>
+          <a:ln>
+            <a:noFill/>
+          </a:ln>
+          <a:effectLst/>
+          <a:extLst>
+            <a:ext uri="{909E8E84-426E-40DD-AFC4-6F175D3DCCD1}">
+              <a14:hiddenFill xmlns:a14="http://schemas.microsoft.com/office/drawing/2010/main">
+                <a:solidFill>
+                  <a:schemeClr val="accent1"/>
+                </a:solidFill>
+              </a14:hiddenFill>
+            </a:ext>
+            <a:ext uri="{91240B29-F687-4F45-9708-019B960494DF}">
+              <a14:hiddenLine xmlns:a14="http://schemas.microsoft.com/office/drawing/2010/main" w="9525">
+                <a:solidFill>
+                  <a:schemeClr val="tx1"/>
+                </a:solidFill>
+                <a:miter lim="800000"/>
+                <a:headEnd/>
+                <a:tailEnd/>
+              </a14:hiddenLine>
+            </a:ext>
+            <a:ext uri="{AF507438-7753-43E0-B8FC-AC1667EBCBE1}">
+              <a14:hiddenEffects xmlns:a14="http://schemas.microsoft.com/office/drawing/2010/main">
+                <a:effectLst>
+                  <a:outerShdw dist="35921" dir="2700000" algn="ctr" rotWithShape="0">
+                    <a:schemeClr val="bg2"/>
+                  </a:outerShdw>
+                </a:effectLst>
+              </a14:hiddenEffects>
+            </a:ext>
+          </a:extLst>
+        </p:spPr>
+      </p:pic>
+      <p:pic>
+        <p:nvPicPr>
+          <p:cNvPr id="4100" name="Picture 4"/>
+          <p:cNvPicPr>
+            <a:picLocks noChangeAspect="1" noChangeArrowheads="1"/>
+          </p:cNvPicPr>
+          <p:nvPr/>
+        </p:nvPicPr>
+        <p:blipFill>
+          <a:blip r:embed="rId5">
+            <a:extLst>
+              <a:ext uri="{28A0092B-C50C-407E-A947-70E740481C1C}">
+                <a14:useLocalDpi xmlns:a14="http://schemas.microsoft.com/office/drawing/2010/main" val="0"/>
+              </a:ext>
+            </a:extLst>
+          </a:blip>
+          <a:srcRect/>
+          <a:stretch>
+            <a:fillRect/>
+          </a:stretch>
+        </p:blipFill>
+        <p:spPr bwMode="auto">
+          <a:xfrm>
+            <a:off x="3405188" y="2190749"/>
+            <a:ext cx="3543076" cy="3759999"/>
           </a:xfrm>
           <a:prstGeom prst="rect">
             <a:avLst/>
@@ -17946,7 +18710,7 @@
                                           </p:stCondLst>
                                         </p:cTn>
                                         <p:tgtEl>
-                                          <p:spTgt spid="4098"/>
+                                          <p:spTgt spid="4099"/>
                                         </p:tgtEl>
                                         <p:attrNameLst>
                                           <p:attrName>style.visibility</p:attrName>
@@ -17960,7 +18724,7 @@
                                       <p:cBhvr>
                                         <p:cTn id="7" dur="500"/>
                                         <p:tgtEl>
-                                          <p:spTgt spid="4098"/>
+                                          <p:spTgt spid="4099"/>
                                         </p:tgtEl>
                                       </p:cBhvr>
                                     </p:animEffect>
@@ -17976,6 +18740,279 @@
                                     <p:animMotion origin="layout" path="M 0.04809 1.11111E-6 L -3.88889E-6 1.11111E-6 " pathEditMode="relative" rAng="0" ptsTypes="AA">
                                       <p:cBhvr>
                                         <p:cTn id="9" dur="2000" fill="hold"/>
+                                        <p:tgtEl>
+                                          <p:spTgt spid="4099"/>
+                                        </p:tgtEl>
+                                        <p:attrNameLst>
+                                          <p:attrName>ppt_x</p:attrName>
+                                          <p:attrName>ppt_y</p:attrName>
+                                        </p:attrNameLst>
+                                      </p:cBhvr>
+                                      <p:rCtr x="-2413" y="0"/>
+                                    </p:animMotion>
+                                  </p:childTnLst>
+                                </p:cTn>
+                              </p:par>
+                            </p:childTnLst>
+                          </p:cTn>
+                        </p:par>
+                      </p:childTnLst>
+                    </p:cTn>
+                  </p:par>
+                  <p:par>
+                    <p:cTn id="10" fill="hold">
+                      <p:stCondLst>
+                        <p:cond delay="indefinite"/>
+                      </p:stCondLst>
+                      <p:childTnLst>
+                        <p:par>
+                          <p:cTn id="11" fill="hold">
+                            <p:stCondLst>
+                              <p:cond delay="0"/>
+                            </p:stCondLst>
+                            <p:childTnLst>
+                              <p:par>
+                                <p:cTn id="12" presetID="10" presetClass="entr" presetSubtype="0" fill="hold" nodeType="clickEffect">
+                                  <p:stCondLst>
+                                    <p:cond delay="0"/>
+                                  </p:stCondLst>
+                                  <p:childTnLst>
+                                    <p:set>
+                                      <p:cBhvr>
+                                        <p:cTn id="13" dur="1" fill="hold">
+                                          <p:stCondLst>
+                                            <p:cond delay="0"/>
+                                          </p:stCondLst>
+                                        </p:cTn>
+                                        <p:tgtEl>
+                                          <p:spTgt spid="4100"/>
+                                        </p:tgtEl>
+                                        <p:attrNameLst>
+                                          <p:attrName>style.visibility</p:attrName>
+                                        </p:attrNameLst>
+                                      </p:cBhvr>
+                                      <p:to>
+                                        <p:strVal val="visible"/>
+                                      </p:to>
+                                    </p:set>
+                                    <p:animEffect transition="in" filter="fade">
+                                      <p:cBhvr>
+                                        <p:cTn id="14" dur="500"/>
+                                        <p:tgtEl>
+                                          <p:spTgt spid="4100"/>
+                                        </p:tgtEl>
+                                      </p:cBhvr>
+                                    </p:animEffect>
+                                  </p:childTnLst>
+                                </p:cTn>
+                              </p:par>
+                              <p:par>
+                                <p:cTn id="15" presetID="35" presetClass="path" presetSubtype="0" accel="50000" decel="50000" fill="hold" nodeType="withEffect">
+                                  <p:stCondLst>
+                                    <p:cond delay="0"/>
+                                  </p:stCondLst>
+                                  <p:childTnLst>
+                                    <p:animMotion origin="layout" path="M 0.04809 1.11111E-6 L -3.88889E-6 1.11111E-6 " pathEditMode="relative" rAng="0" ptsTypes="AA">
+                                      <p:cBhvr>
+                                        <p:cTn id="16" dur="2000" fill="hold"/>
+                                        <p:tgtEl>
+                                          <p:spTgt spid="4100"/>
+                                        </p:tgtEl>
+                                        <p:attrNameLst>
+                                          <p:attrName>ppt_x</p:attrName>
+                                          <p:attrName>ppt_y</p:attrName>
+                                        </p:attrNameLst>
+                                      </p:cBhvr>
+                                      <p:rCtr x="-2413" y="0"/>
+                                    </p:animMotion>
+                                  </p:childTnLst>
+                                </p:cTn>
+                              </p:par>
+                            </p:childTnLst>
+                          </p:cTn>
+                        </p:par>
+                      </p:childTnLst>
+                    </p:cTn>
+                  </p:par>
+                  <p:par>
+                    <p:cTn id="17" fill="hold">
+                      <p:stCondLst>
+                        <p:cond delay="indefinite"/>
+                      </p:stCondLst>
+                      <p:childTnLst>
+                        <p:par>
+                          <p:cTn id="18" fill="hold">
+                            <p:stCondLst>
+                              <p:cond delay="0"/>
+                            </p:stCondLst>
+                            <p:childTnLst>
+                              <p:par>
+                                <p:cTn id="19" presetID="35" presetClass="path" presetSubtype="0" accel="50000" decel="50000" fill="hold" nodeType="clickEffect">
+                                  <p:stCondLst>
+                                    <p:cond delay="0"/>
+                                  </p:stCondLst>
+                                  <p:childTnLst>
+                                    <p:animMotion origin="layout" path="M -3.33333E-6 -2.22222E-6 L -0.05191 -0.00023 " pathEditMode="relative" rAng="0" ptsTypes="AA">
+                                      <p:cBhvr>
+                                        <p:cTn id="20" dur="2000" fill="hold"/>
+                                        <p:tgtEl>
+                                          <p:spTgt spid="4099"/>
+                                        </p:tgtEl>
+                                        <p:attrNameLst>
+                                          <p:attrName>ppt_x</p:attrName>
+                                          <p:attrName>ppt_y</p:attrName>
+                                        </p:attrNameLst>
+                                      </p:cBhvr>
+                                      <p:rCtr x="-2604" y="-23"/>
+                                    </p:animMotion>
+                                  </p:childTnLst>
+                                </p:cTn>
+                              </p:par>
+                              <p:par>
+                                <p:cTn id="21" presetID="35" presetClass="path" presetSubtype="0" accel="50000" decel="50000" fill="hold" nodeType="withEffect">
+                                  <p:stCondLst>
+                                    <p:cond delay="0"/>
+                                  </p:stCondLst>
+                                  <p:childTnLst>
+                                    <p:animMotion origin="layout" path="M 4.16667E-6 1.48148E-6 L -0.06615 0.00092 " pathEditMode="relative" rAng="0" ptsTypes="AA">
+                                      <p:cBhvr>
+                                        <p:cTn id="22" dur="2000" fill="hold"/>
+                                        <p:tgtEl>
+                                          <p:spTgt spid="4100"/>
+                                        </p:tgtEl>
+                                        <p:attrNameLst>
+                                          <p:attrName>ppt_x</p:attrName>
+                                          <p:attrName>ppt_y</p:attrName>
+                                        </p:attrNameLst>
+                                      </p:cBhvr>
+                                      <p:rCtr x="-3316" y="46"/>
+                                    </p:animMotion>
+                                  </p:childTnLst>
+                                </p:cTn>
+                              </p:par>
+                              <p:par>
+                                <p:cTn id="23" presetID="10" presetClass="exit" presetSubtype="0" fill="hold" nodeType="withEffect">
+                                  <p:stCondLst>
+                                    <p:cond delay="500"/>
+                                  </p:stCondLst>
+                                  <p:childTnLst>
+                                    <p:animEffect transition="out" filter="fade">
+                                      <p:cBhvr>
+                                        <p:cTn id="24" dur="500"/>
+                                        <p:tgtEl>
+                                          <p:spTgt spid="4099"/>
+                                        </p:tgtEl>
+                                      </p:cBhvr>
+                                    </p:animEffect>
+                                    <p:set>
+                                      <p:cBhvr>
+                                        <p:cTn id="25" dur="1" fill="hold">
+                                          <p:stCondLst>
+                                            <p:cond delay="499"/>
+                                          </p:stCondLst>
+                                        </p:cTn>
+                                        <p:tgtEl>
+                                          <p:spTgt spid="4099"/>
+                                        </p:tgtEl>
+                                        <p:attrNameLst>
+                                          <p:attrName>style.visibility</p:attrName>
+                                        </p:attrNameLst>
+                                      </p:cBhvr>
+                                      <p:to>
+                                        <p:strVal val="hidden"/>
+                                      </p:to>
+                                    </p:set>
+                                  </p:childTnLst>
+                                </p:cTn>
+                              </p:par>
+                              <p:par>
+                                <p:cTn id="26" presetID="10" presetClass="exit" presetSubtype="0" fill="hold" nodeType="withEffect">
+                                  <p:stCondLst>
+                                    <p:cond delay="500"/>
+                                  </p:stCondLst>
+                                  <p:childTnLst>
+                                    <p:animEffect transition="out" filter="fade">
+                                      <p:cBhvr>
+                                        <p:cTn id="27" dur="500"/>
+                                        <p:tgtEl>
+                                          <p:spTgt spid="4100"/>
+                                        </p:tgtEl>
+                                      </p:cBhvr>
+                                    </p:animEffect>
+                                    <p:set>
+                                      <p:cBhvr>
+                                        <p:cTn id="28" dur="1" fill="hold">
+                                          <p:stCondLst>
+                                            <p:cond delay="499"/>
+                                          </p:stCondLst>
+                                        </p:cTn>
+                                        <p:tgtEl>
+                                          <p:spTgt spid="4100"/>
+                                        </p:tgtEl>
+                                        <p:attrNameLst>
+                                          <p:attrName>style.visibility</p:attrName>
+                                        </p:attrNameLst>
+                                      </p:cBhvr>
+                                      <p:to>
+                                        <p:strVal val="hidden"/>
+                                      </p:to>
+                                    </p:set>
+                                  </p:childTnLst>
+                                </p:cTn>
+                              </p:par>
+                            </p:childTnLst>
+                          </p:cTn>
+                        </p:par>
+                        <p:par>
+                          <p:cTn id="29" fill="hold">
+                            <p:stCondLst>
+                              <p:cond delay="2000"/>
+                            </p:stCondLst>
+                            <p:childTnLst>
+                              <p:par>
+                                <p:cTn id="30" presetID="10" presetClass="entr" presetSubtype="0" fill="hold" nodeType="afterEffect">
+                                  <p:stCondLst>
+                                    <p:cond delay="0"/>
+                                  </p:stCondLst>
+                                  <p:childTnLst>
+                                    <p:set>
+                                      <p:cBhvr>
+                                        <p:cTn id="31" dur="1" fill="hold">
+                                          <p:stCondLst>
+                                            <p:cond delay="0"/>
+                                          </p:stCondLst>
+                                        </p:cTn>
+                                        <p:tgtEl>
+                                          <p:spTgt spid="4098"/>
+                                        </p:tgtEl>
+                                        <p:attrNameLst>
+                                          <p:attrName>style.visibility</p:attrName>
+                                        </p:attrNameLst>
+                                      </p:cBhvr>
+                                      <p:to>
+                                        <p:strVal val="visible"/>
+                                      </p:to>
+                                    </p:set>
+                                    <p:animEffect transition="in" filter="fade">
+                                      <p:cBhvr>
+                                        <p:cTn id="32" dur="500"/>
+                                        <p:tgtEl>
+                                          <p:spTgt spid="4098"/>
+                                        </p:tgtEl>
+                                      </p:cBhvr>
+                                    </p:animEffect>
+                                  </p:childTnLst>
+                                </p:cTn>
+                              </p:par>
+                              <p:par>
+                                <p:cTn id="33" presetID="35" presetClass="path" presetSubtype="0" accel="50000" decel="50000" fill="hold" nodeType="withEffect">
+                                  <p:stCondLst>
+                                    <p:cond delay="0"/>
+                                  </p:stCondLst>
+                                  <p:childTnLst>
+                                    <p:animMotion origin="layout" path="M 0.04809 1.11111E-6 L -3.88889E-6 1.11111E-6 " pathEditMode="relative" rAng="0" ptsTypes="AA">
+                                      <p:cBhvr>
+                                        <p:cTn id="34" dur="2000" fill="hold"/>
                                         <p:tgtEl>
                                           <p:spTgt spid="4098"/>
                                         </p:tgtEl>
@@ -18020,7 +19057,7 @@
 </p:sld>
 </file>
 
-<file path=ppt/slides/slide28.xml><?xml version="1.0" encoding="utf-8"?>
+<file path=ppt/slides/slide29.xml><?xml version="1.0" encoding="utf-8"?>
 <p:sld xmlns:a="http://schemas.openxmlformats.org/drawingml/2006/main" xmlns:r="http://schemas.openxmlformats.org/officeDocument/2006/relationships" xmlns:p="http://schemas.openxmlformats.org/presentationml/2006/main">
   <p:cSld>
     <p:spTree>
@@ -18379,7 +19416,190 @@
 </p:sld>
 </file>
 
-<file path=ppt/slides/slide29.xml><?xml version="1.0" encoding="utf-8"?>
+<file path=ppt/slides/slide3.xml><?xml version="1.0" encoding="utf-8"?>
+<p:sld xmlns:a="http://schemas.openxmlformats.org/drawingml/2006/main" xmlns:r="http://schemas.openxmlformats.org/officeDocument/2006/relationships" xmlns:p="http://schemas.openxmlformats.org/presentationml/2006/main">
+  <p:cSld>
+    <p:spTree>
+      <p:nvGrpSpPr>
+        <p:cNvPr id="1" name=""/>
+        <p:cNvGrpSpPr/>
+        <p:nvPr/>
+      </p:nvGrpSpPr>
+      <p:grpSpPr>
+        <a:xfrm>
+          <a:off x="0" y="0"/>
+          <a:ext cx="0" cy="0"/>
+          <a:chOff x="0" y="0"/>
+          <a:chExt cx="0" cy="0"/>
+        </a:xfrm>
+      </p:grpSpPr>
+      <p:sp>
+        <p:nvSpPr>
+          <p:cNvPr id="2" name="Title 1"/>
+          <p:cNvSpPr>
+            <a:spLocks noGrp="1"/>
+          </p:cNvSpPr>
+          <p:nvPr>
+            <p:ph type="title"/>
+          </p:nvPr>
+        </p:nvSpPr>
+        <p:spPr/>
+        <p:txBody>
+          <a:bodyPr/>
+          <a:lstStyle/>
+          <a:p>
+            <a:r>
+              <a:rPr lang="pl-PL" dirty="0" smtClean="0"/>
+              <a:t>Agenda</a:t>
+            </a:r>
+            <a:endParaRPr lang="en-CA" dirty="0"/>
+          </a:p>
+        </p:txBody>
+      </p:sp>
+      <p:sp>
+        <p:nvSpPr>
+          <p:cNvPr id="3" name="Content Placeholder 2"/>
+          <p:cNvSpPr>
+            <a:spLocks noGrp="1"/>
+          </p:cNvSpPr>
+          <p:nvPr>
+            <p:ph sz="quarter" idx="10"/>
+          </p:nvPr>
+        </p:nvSpPr>
+        <p:spPr/>
+        <p:txBody>
+          <a:bodyPr/>
+          <a:lstStyle/>
+          <a:p>
+            <a:r>
+              <a:rPr lang="pl-PL" dirty="0" smtClean="0"/>
+              <a:t>Programming in general</a:t>
+            </a:r>
+            <a:endParaRPr lang="en-CA" dirty="0"/>
+          </a:p>
+        </p:txBody>
+      </p:sp>
+      <p:sp>
+        <p:nvSpPr>
+          <p:cNvPr id="4" name="Content Placeholder 3"/>
+          <p:cNvSpPr>
+            <a:spLocks noGrp="1"/>
+          </p:cNvSpPr>
+          <p:nvPr>
+            <p:ph sz="quarter" idx="11"/>
+          </p:nvPr>
+        </p:nvSpPr>
+        <p:spPr/>
+        <p:txBody>
+          <a:bodyPr/>
+          <a:lstStyle/>
+          <a:p>
+            <a:r>
+              <a:rPr lang="pl-PL" dirty="0" smtClean="0"/>
+              <a:t>Different techs and languages</a:t>
+            </a:r>
+            <a:endParaRPr lang="en-CA" dirty="0"/>
+          </a:p>
+        </p:txBody>
+      </p:sp>
+      <p:sp>
+        <p:nvSpPr>
+          <p:cNvPr id="5" name="Content Placeholder 4"/>
+          <p:cNvSpPr>
+            <a:spLocks noGrp="1"/>
+          </p:cNvSpPr>
+          <p:nvPr>
+            <p:ph sz="quarter" idx="12"/>
+          </p:nvPr>
+        </p:nvSpPr>
+        <p:spPr/>
+        <p:txBody>
+          <a:bodyPr/>
+          <a:lstStyle/>
+          <a:p>
+            <a:r>
+              <a:rPr lang="pl-PL" dirty="0" smtClean="0"/>
+              <a:t>Programming for the Web</a:t>
+            </a:r>
+            <a:endParaRPr lang="en-CA" dirty="0"/>
+          </a:p>
+        </p:txBody>
+      </p:sp>
+      <p:sp>
+        <p:nvSpPr>
+          <p:cNvPr id="6" name="Content Placeholder 5"/>
+          <p:cNvSpPr>
+            <a:spLocks noGrp="1"/>
+          </p:cNvSpPr>
+          <p:nvPr>
+            <p:ph sz="quarter" idx="13"/>
+          </p:nvPr>
+        </p:nvSpPr>
+        <p:spPr/>
+        <p:txBody>
+          <a:bodyPr/>
+          <a:lstStyle/>
+          <a:p>
+            <a:r>
+              <a:rPr lang="pl-PL" dirty="0" smtClean="0"/>
+              <a:t>Hands On Lab</a:t>
+            </a:r>
+            <a:endParaRPr lang="en-CA" dirty="0"/>
+          </a:p>
+        </p:txBody>
+      </p:sp>
+      <p:sp>
+        <p:nvSpPr>
+          <p:cNvPr id="8" name="Content Placeholder 7"/>
+          <p:cNvSpPr>
+            <a:spLocks noGrp="1"/>
+          </p:cNvSpPr>
+          <p:nvPr>
+            <p:ph sz="quarter" idx="15"/>
+          </p:nvPr>
+        </p:nvSpPr>
+        <p:spPr/>
+        <p:txBody>
+          <a:bodyPr/>
+          <a:lstStyle/>
+          <a:p>
+            <a:r>
+              <a:rPr lang="pl-PL" dirty="0" smtClean="0"/>
+              <a:t>Introduction to OOP</a:t>
+            </a:r>
+            <a:endParaRPr lang="en-CA" dirty="0"/>
+          </a:p>
+        </p:txBody>
+      </p:sp>
+    </p:spTree>
+    <p:extLst>
+      <p:ext uri="{BB962C8B-B14F-4D97-AF65-F5344CB8AC3E}">
+        <p14:creationId xmlns:p14="http://schemas.microsoft.com/office/powerpoint/2010/main" val="1702833156"/>
+      </p:ext>
+    </p:extLst>
+  </p:cSld>
+  <p:clrMapOvr>
+    <a:masterClrMapping/>
+  </p:clrMapOvr>
+  <mc:AlternateContent xmlns:mc="http://schemas.openxmlformats.org/markup-compatibility/2006" xmlns:p14="http://schemas.microsoft.com/office/powerpoint/2010/main">
+    <mc:Choice Requires="p14">
+      <p:transition spd="slow" p14:dur="2000"/>
+    </mc:Choice>
+    <mc:Fallback xmlns="">
+      <p:transition spd="slow"/>
+    </mc:Fallback>
+  </mc:AlternateContent>
+  <p:timing>
+    <p:tnLst>
+      <p:par>
+        <p:cTn id="1" dur="indefinite" restart="never" nodeType="tmRoot"/>
+      </p:par>
+    </p:tnLst>
+  </p:timing>
+</p:sld>
+</file>
+
+<file path=ppt/slides/slide30.xml><?xml version="1.0" encoding="utf-8"?>
 <p:sld xmlns:a="http://schemas.openxmlformats.org/drawingml/2006/main" xmlns:r="http://schemas.openxmlformats.org/officeDocument/2006/relationships" xmlns:p="http://schemas.openxmlformats.org/presentationml/2006/main">
   <p:cSld>
     <p:spTree>
@@ -18751,7 +19971,7 @@
 </p:sld>
 </file>
 
-<file path=ppt/slides/slide3.xml><?xml version="1.0" encoding="utf-8"?>
+<file path=ppt/slides/slide31.xml><?xml version="1.0" encoding="utf-8"?>
 <p:sld xmlns:a="http://schemas.openxmlformats.org/drawingml/2006/main" xmlns:r="http://schemas.openxmlformats.org/officeDocument/2006/relationships" xmlns:p="http://schemas.openxmlformats.org/presentationml/2006/main">
   <p:cSld>
     <p:spTree>
@@ -18785,7 +20005,7 @@
           <a:p>
             <a:r>
               <a:rPr lang="pl-PL" dirty="0" smtClean="0"/>
-              <a:t>Agenda</a:t>
+              <a:t>Task 4 – Read multiple records</a:t>
             </a:r>
             <a:endParaRPr lang="en-CA" dirty="0"/>
           </a:p>
@@ -18808,7 +20028,7 @@
           <a:p>
             <a:r>
               <a:rPr lang="pl-PL" dirty="0" smtClean="0"/>
-              <a:t>Programming in general</a:t>
+              <a:t>Create another controller action</a:t>
             </a:r>
             <a:endParaRPr lang="en-CA" dirty="0"/>
           </a:p>
@@ -18830,8 +20050,75 @@
           <a:lstStyle/>
           <a:p>
             <a:r>
+              <a:rPr lang="pl-PL" sz="2800" dirty="0" smtClean="0"/>
+              <a:t>Search for NY: </a:t>
+            </a:r>
+            <a:r>
+              <a:rPr lang="el-GR" sz="2800" dirty="0" smtClean="0">
+                <a:cs typeface="Times New Roman"/>
+              </a:rPr>
+              <a:t>φ</a:t>
+            </a:r>
+            <a:r>
+              <a:rPr lang="pl-PL" sz="2800" dirty="0" smtClean="0">
+                <a:cs typeface="Times New Roman"/>
+              </a:rPr>
+              <a:t>=40.75, </a:t>
+            </a:r>
+            <a:r>
+              <a:rPr lang="el-GR" sz="2800" dirty="0" smtClean="0">
+                <a:cs typeface="Times New Roman"/>
+              </a:rPr>
+              <a:t>λ</a:t>
+            </a:r>
+            <a:r>
+              <a:rPr lang="pl-PL" sz="2800" dirty="0" smtClean="0">
+                <a:cs typeface="Times New Roman"/>
+              </a:rPr>
+              <a:t>=</a:t>
+            </a:r>
+            <a:r>
+              <a:rPr lang="pl-PL" sz="2800" dirty="0" smtClean="0">
+                <a:ea typeface="Segoe UI"/>
+                <a:cs typeface="Segoe UI"/>
+              </a:rPr>
+              <a:t>-74</a:t>
+            </a:r>
+          </a:p>
+          <a:p>
+            <a:r>
+              <a:rPr lang="pl-PL" sz="2800" dirty="0" smtClean="0">
+                <a:ea typeface="Segoe UI"/>
+                <a:cs typeface="Segoe UI"/>
+              </a:rPr>
+              <a:t>r=1 [km]</a:t>
+            </a:r>
+            <a:r>
+              <a:rPr lang="pl-PL" sz="2800" dirty="0" smtClean="0"/>
+              <a:t> </a:t>
+            </a:r>
+            <a:endParaRPr lang="en-CA" sz="2800" dirty="0"/>
+          </a:p>
+        </p:txBody>
+      </p:sp>
+      <p:sp>
+        <p:nvSpPr>
+          <p:cNvPr id="5" name="Content Placeholder 4"/>
+          <p:cNvSpPr>
+            <a:spLocks noGrp="1"/>
+          </p:cNvSpPr>
+          <p:nvPr>
+            <p:ph sz="quarter" idx="12"/>
+          </p:nvPr>
+        </p:nvSpPr>
+        <p:spPr/>
+        <p:txBody>
+          <a:bodyPr/>
+          <a:lstStyle/>
+          <a:p>
+            <a:r>
               <a:rPr lang="pl-PL" dirty="0" smtClean="0"/>
-              <a:t>Different techs and languages</a:t>
+              <a:t>Print a number of shops</a:t>
             </a:r>
             <a:endParaRPr lang="en-CA" dirty="0"/>
           </a:p>
@@ -18839,12 +20126,12 @@
       </p:sp>
       <p:sp>
         <p:nvSpPr>
-          <p:cNvPr id="5" name="Content Placeholder 4"/>
+          <p:cNvPr id="6" name="Content Placeholder 5"/>
           <p:cNvSpPr>
             <a:spLocks noGrp="1"/>
           </p:cNvSpPr>
           <p:nvPr>
-            <p:ph sz="quarter" idx="12"/>
+            <p:ph sz="quarter" idx="13"/>
           </p:nvPr>
         </p:nvSpPr>
         <p:spPr/>
@@ -18852,64 +20139,120 @@
           <a:bodyPr/>
           <a:lstStyle/>
           <a:p>
+            <a:endParaRPr lang="en-CA"/>
+          </a:p>
+        </p:txBody>
+      </p:sp>
+      <p:sp>
+        <p:nvSpPr>
+          <p:cNvPr id="7" name="Content Placeholder 6"/>
+          <p:cNvSpPr>
+            <a:spLocks noGrp="1"/>
+          </p:cNvSpPr>
+          <p:nvPr>
+            <p:ph sz="quarter" idx="14"/>
+          </p:nvPr>
+        </p:nvSpPr>
+        <p:spPr/>
+        <p:txBody>
+          <a:bodyPr/>
+          <a:lstStyle/>
+          <a:p>
+            <a:endParaRPr lang="en-CA"/>
+          </a:p>
+        </p:txBody>
+      </p:sp>
+      <p:sp>
+        <p:nvSpPr>
+          <p:cNvPr id="8" name="Content Placeholder 7"/>
+          <p:cNvSpPr>
+            <a:spLocks noGrp="1"/>
+          </p:cNvSpPr>
+          <p:nvPr>
+            <p:ph sz="quarter" idx="15"/>
+          </p:nvPr>
+        </p:nvSpPr>
+        <p:spPr/>
+        <p:txBody>
+          <a:bodyPr/>
+          <a:lstStyle/>
+          <a:p>
             <a:r>
               <a:rPr lang="pl-PL" dirty="0" smtClean="0"/>
-              <a:t>Programming for the Web</a:t>
+              <a:t>Use array’s method Length</a:t>
             </a:r>
             <a:endParaRPr lang="en-CA" dirty="0"/>
           </a:p>
         </p:txBody>
       </p:sp>
-      <p:sp>
-        <p:nvSpPr>
-          <p:cNvPr id="6" name="Content Placeholder 5"/>
-          <p:cNvSpPr>
-            <a:spLocks noGrp="1"/>
-          </p:cNvSpPr>
-          <p:nvPr>
-            <p:ph sz="quarter" idx="13"/>
-          </p:nvPr>
-        </p:nvSpPr>
-        <p:spPr/>
-        <p:txBody>
-          <a:bodyPr/>
-          <a:lstStyle/>
-          <a:p>
-            <a:r>
-              <a:rPr lang="pl-PL" dirty="0" smtClean="0"/>
-              <a:t>Hands On Lab</a:t>
-            </a:r>
-            <a:endParaRPr lang="en-CA" dirty="0"/>
-          </a:p>
-        </p:txBody>
-      </p:sp>
-      <p:sp>
-        <p:nvSpPr>
-          <p:cNvPr id="8" name="Content Placeholder 7"/>
-          <p:cNvSpPr>
-            <a:spLocks noGrp="1"/>
-          </p:cNvSpPr>
-          <p:nvPr>
-            <p:ph sz="quarter" idx="15"/>
-          </p:nvPr>
-        </p:nvSpPr>
-        <p:spPr/>
-        <p:txBody>
-          <a:bodyPr/>
-          <a:lstStyle/>
-          <a:p>
-            <a:r>
-              <a:rPr lang="pl-PL" dirty="0" smtClean="0"/>
-              <a:t>Introduction to OOP</a:t>
-            </a:r>
-            <a:endParaRPr lang="en-CA" dirty="0"/>
-          </a:p>
-        </p:txBody>
-      </p:sp>
+      <p:pic>
+        <p:nvPicPr>
+          <p:cNvPr id="7171" name="Picture 3"/>
+          <p:cNvPicPr>
+            <a:picLocks noChangeAspect="1" noChangeArrowheads="1"/>
+          </p:cNvPicPr>
+          <p:nvPr/>
+        </p:nvPicPr>
+        <p:blipFill>
+          <a:blip r:embed="rId2">
+            <a:extLst>
+              <a:ext uri="{28A0092B-C50C-407E-A947-70E740481C1C}">
+                <a14:useLocalDpi xmlns:a14="http://schemas.microsoft.com/office/drawing/2010/main" val="0"/>
+              </a:ext>
+            </a:extLst>
+          </a:blip>
+          <a:srcRect/>
+          <a:stretch>
+            <a:fillRect/>
+          </a:stretch>
+        </p:blipFill>
+        <p:spPr bwMode="auto">
+          <a:xfrm>
+            <a:off x="323527" y="4509120"/>
+            <a:ext cx="7451191" cy="2088232"/>
+          </a:xfrm>
+          <a:prstGeom prst="rect">
+            <a:avLst/>
+          </a:prstGeom>
+          <a:noFill/>
+          <a:ln>
+            <a:noFill/>
+          </a:ln>
+          <a:effectLst/>
+          <a:extLst>
+            <a:ext uri="{909E8E84-426E-40DD-AFC4-6F175D3DCCD1}">
+              <a14:hiddenFill xmlns:a14="http://schemas.microsoft.com/office/drawing/2010/main">
+                <a:solidFill>
+                  <a:schemeClr val="accent1"/>
+                </a:solidFill>
+              </a14:hiddenFill>
+            </a:ext>
+            <a:ext uri="{91240B29-F687-4F45-9708-019B960494DF}">
+              <a14:hiddenLine xmlns:a14="http://schemas.microsoft.com/office/drawing/2010/main" w="9525">
+                <a:solidFill>
+                  <a:schemeClr val="tx1"/>
+                </a:solidFill>
+                <a:miter lim="800000"/>
+                <a:headEnd/>
+                <a:tailEnd/>
+              </a14:hiddenLine>
+            </a:ext>
+            <a:ext uri="{AF507438-7753-43E0-B8FC-AC1667EBCBE1}">
+              <a14:hiddenEffects xmlns:a14="http://schemas.microsoft.com/office/drawing/2010/main">
+                <a:effectLst>
+                  <a:outerShdw dist="35921" dir="2700000" algn="ctr" rotWithShape="0">
+                    <a:schemeClr val="bg2"/>
+                  </a:outerShdw>
+                </a:effectLst>
+              </a14:hiddenEffects>
+            </a:ext>
+          </a:extLst>
+        </p:spPr>
+      </p:pic>
     </p:spTree>
     <p:extLst>
       <p:ext uri="{BB962C8B-B14F-4D97-AF65-F5344CB8AC3E}">
-        <p14:creationId xmlns:p14="http://schemas.microsoft.com/office/powerpoint/2010/main" val="1702833156"/>
+        <p14:creationId xmlns:p14="http://schemas.microsoft.com/office/powerpoint/2010/main" val="1057795443"/>
       </p:ext>
     </p:extLst>
   </p:cSld>
@@ -18927,7 +20270,3512 @@
   <p:timing>
     <p:tnLst>
       <p:par>
-        <p:cTn id="1" dur="indefinite" restart="never" nodeType="tmRoot"/>
+        <p:cTn id="1" dur="indefinite" restart="never" nodeType="tmRoot">
+          <p:childTnLst>
+            <p:seq concurrent="1" nextAc="seek">
+              <p:cTn id="2" dur="indefinite" nodeType="mainSeq">
+                <p:childTnLst>
+                  <p:par>
+                    <p:cTn id="3" fill="hold">
+                      <p:stCondLst>
+                        <p:cond delay="indefinite"/>
+                      </p:stCondLst>
+                      <p:childTnLst>
+                        <p:par>
+                          <p:cTn id="4" fill="hold">
+                            <p:stCondLst>
+                              <p:cond delay="0"/>
+                            </p:stCondLst>
+                            <p:childTnLst>
+                              <p:par>
+                                <p:cTn id="5" presetID="10" presetClass="entr" presetSubtype="0" fill="hold" nodeType="clickEffect">
+                                  <p:stCondLst>
+                                    <p:cond delay="0"/>
+                                  </p:stCondLst>
+                                  <p:childTnLst>
+                                    <p:set>
+                                      <p:cBhvr>
+                                        <p:cTn id="6" dur="1" fill="hold">
+                                          <p:stCondLst>
+                                            <p:cond delay="0"/>
+                                          </p:stCondLst>
+                                        </p:cTn>
+                                        <p:tgtEl>
+                                          <p:spTgt spid="7171"/>
+                                        </p:tgtEl>
+                                        <p:attrNameLst>
+                                          <p:attrName>style.visibility</p:attrName>
+                                        </p:attrNameLst>
+                                      </p:cBhvr>
+                                      <p:to>
+                                        <p:strVal val="visible"/>
+                                      </p:to>
+                                    </p:set>
+                                    <p:animEffect transition="in" filter="fade">
+                                      <p:cBhvr>
+                                        <p:cTn id="7" dur="500"/>
+                                        <p:tgtEl>
+                                          <p:spTgt spid="7171"/>
+                                        </p:tgtEl>
+                                      </p:cBhvr>
+                                    </p:animEffect>
+                                  </p:childTnLst>
+                                </p:cTn>
+                              </p:par>
+                              <p:par>
+                                <p:cTn id="8" presetID="35" presetClass="path" presetSubtype="0" accel="50000" decel="50000" fill="hold" nodeType="withEffect">
+                                  <p:stCondLst>
+                                    <p:cond delay="0"/>
+                                  </p:stCondLst>
+                                  <p:childTnLst>
+                                    <p:animMotion origin="layout" path="M 0.04809 1.11111E-6 L -3.88889E-6 1.11111E-6 " pathEditMode="relative" rAng="0" ptsTypes="AA">
+                                      <p:cBhvr>
+                                        <p:cTn id="9" dur="2000" fill="hold"/>
+                                        <p:tgtEl>
+                                          <p:spTgt spid="7171"/>
+                                        </p:tgtEl>
+                                        <p:attrNameLst>
+                                          <p:attrName>ppt_x</p:attrName>
+                                          <p:attrName>ppt_y</p:attrName>
+                                        </p:attrNameLst>
+                                      </p:cBhvr>
+                                      <p:rCtr x="-2413" y="0"/>
+                                    </p:animMotion>
+                                  </p:childTnLst>
+                                </p:cTn>
+                              </p:par>
+                            </p:childTnLst>
+                          </p:cTn>
+                        </p:par>
+                      </p:childTnLst>
+                    </p:cTn>
+                  </p:par>
+                </p:childTnLst>
+              </p:cTn>
+              <p:prevCondLst>
+                <p:cond evt="onPrev" delay="0">
+                  <p:tgtEl>
+                    <p:sldTgt/>
+                  </p:tgtEl>
+                </p:cond>
+              </p:prevCondLst>
+              <p:nextCondLst>
+                <p:cond evt="onNext" delay="0">
+                  <p:tgtEl>
+                    <p:sldTgt/>
+                  </p:tgtEl>
+                </p:cond>
+              </p:nextCondLst>
+            </p:seq>
+          </p:childTnLst>
+        </p:cTn>
+      </p:par>
+    </p:tnLst>
+  </p:timing>
+</p:sld>
+</file>
+
+<file path=ppt/slides/slide32.xml><?xml version="1.0" encoding="utf-8"?>
+<p:sld xmlns:a="http://schemas.openxmlformats.org/drawingml/2006/main" xmlns:r="http://schemas.openxmlformats.org/officeDocument/2006/relationships" xmlns:p="http://schemas.openxmlformats.org/presentationml/2006/main">
+  <p:cSld>
+    <p:spTree>
+      <p:nvGrpSpPr>
+        <p:cNvPr id="1" name=""/>
+        <p:cNvGrpSpPr/>
+        <p:nvPr/>
+      </p:nvGrpSpPr>
+      <p:grpSpPr>
+        <a:xfrm>
+          <a:off x="0" y="0"/>
+          <a:ext cx="0" cy="0"/>
+          <a:chOff x="0" y="0"/>
+          <a:chExt cx="0" cy="0"/>
+        </a:xfrm>
+      </p:grpSpPr>
+      <p:sp>
+        <p:nvSpPr>
+          <p:cNvPr id="2" name="Title 1"/>
+          <p:cNvSpPr>
+            <a:spLocks noGrp="1"/>
+          </p:cNvSpPr>
+          <p:nvPr>
+            <p:ph type="title"/>
+          </p:nvPr>
+        </p:nvSpPr>
+        <p:spPr/>
+        <p:txBody>
+          <a:bodyPr/>
+          <a:lstStyle/>
+          <a:p>
+            <a:r>
+              <a:rPr lang="pl-PL" dirty="0" smtClean="0"/>
+              <a:t>Task 4.1 – Involve a user</a:t>
+            </a:r>
+            <a:endParaRPr lang="en-CA" dirty="0"/>
+          </a:p>
+        </p:txBody>
+      </p:sp>
+      <p:sp>
+        <p:nvSpPr>
+          <p:cNvPr id="3" name="Content Placeholder 2"/>
+          <p:cNvSpPr>
+            <a:spLocks noGrp="1"/>
+          </p:cNvSpPr>
+          <p:nvPr>
+            <p:ph sz="quarter" idx="10"/>
+          </p:nvPr>
+        </p:nvSpPr>
+        <p:spPr/>
+        <p:txBody>
+          <a:bodyPr/>
+          <a:lstStyle/>
+          <a:p>
+            <a:r>
+              <a:rPr lang="pl-PL" dirty="0" smtClean="0"/>
+              <a:t>Modify your controller action</a:t>
+            </a:r>
+            <a:endParaRPr lang="en-CA" dirty="0"/>
+          </a:p>
+        </p:txBody>
+      </p:sp>
+      <p:sp>
+        <p:nvSpPr>
+          <p:cNvPr id="4" name="Content Placeholder 3"/>
+          <p:cNvSpPr>
+            <a:spLocks noGrp="1"/>
+          </p:cNvSpPr>
+          <p:nvPr>
+            <p:ph sz="quarter" idx="11"/>
+          </p:nvPr>
+        </p:nvSpPr>
+        <p:spPr/>
+        <p:txBody>
+          <a:bodyPr/>
+          <a:lstStyle/>
+          <a:p>
+            <a:r>
+              <a:rPr lang="pl-PL" sz="2800" dirty="0" smtClean="0"/>
+              <a:t>Enable taking parameters from users</a:t>
+            </a:r>
+            <a:endParaRPr lang="en-CA" sz="2800" dirty="0"/>
+          </a:p>
+        </p:txBody>
+      </p:sp>
+      <p:sp>
+        <p:nvSpPr>
+          <p:cNvPr id="5" name="Content Placeholder 4"/>
+          <p:cNvSpPr>
+            <a:spLocks noGrp="1"/>
+          </p:cNvSpPr>
+          <p:nvPr>
+            <p:ph sz="quarter" idx="12"/>
+          </p:nvPr>
+        </p:nvSpPr>
+        <p:spPr/>
+        <p:txBody>
+          <a:bodyPr/>
+          <a:lstStyle/>
+          <a:p>
+            <a:r>
+              <a:rPr lang="pl-PL" dirty="0" smtClean="0"/>
+              <a:t>Add parameters to the method</a:t>
+            </a:r>
+            <a:endParaRPr lang="en-CA" dirty="0"/>
+          </a:p>
+        </p:txBody>
+      </p:sp>
+      <p:sp>
+        <p:nvSpPr>
+          <p:cNvPr id="6" name="Content Placeholder 5"/>
+          <p:cNvSpPr>
+            <a:spLocks noGrp="1"/>
+          </p:cNvSpPr>
+          <p:nvPr>
+            <p:ph sz="quarter" idx="13"/>
+          </p:nvPr>
+        </p:nvSpPr>
+        <p:spPr/>
+        <p:txBody>
+          <a:bodyPr/>
+          <a:lstStyle/>
+          <a:p>
+            <a:endParaRPr lang="en-CA"/>
+          </a:p>
+        </p:txBody>
+      </p:sp>
+      <p:sp>
+        <p:nvSpPr>
+          <p:cNvPr id="7" name="Content Placeholder 6"/>
+          <p:cNvSpPr>
+            <a:spLocks noGrp="1"/>
+          </p:cNvSpPr>
+          <p:nvPr>
+            <p:ph sz="quarter" idx="14"/>
+          </p:nvPr>
+        </p:nvSpPr>
+        <p:spPr/>
+        <p:txBody>
+          <a:bodyPr/>
+          <a:lstStyle/>
+          <a:p>
+            <a:endParaRPr lang="en-CA"/>
+          </a:p>
+        </p:txBody>
+      </p:sp>
+      <p:sp>
+        <p:nvSpPr>
+          <p:cNvPr id="8" name="Content Placeholder 7"/>
+          <p:cNvSpPr>
+            <a:spLocks noGrp="1"/>
+          </p:cNvSpPr>
+          <p:nvPr>
+            <p:ph sz="quarter" idx="15"/>
+          </p:nvPr>
+        </p:nvSpPr>
+        <p:spPr/>
+        <p:txBody>
+          <a:bodyPr/>
+          <a:lstStyle/>
+          <a:p>
+            <a:r>
+              <a:rPr lang="pl-PL" sz="2400" dirty="0" smtClean="0"/>
+              <a:t>Call it with .../IndexMulti/?lat=...</a:t>
+            </a:r>
+          </a:p>
+          <a:p>
+            <a:r>
+              <a:rPr lang="pl-PL" sz="2400" dirty="0" smtClean="0"/>
+              <a:t>&amp;lon=...&amp;r=...</a:t>
+            </a:r>
+          </a:p>
+        </p:txBody>
+      </p:sp>
+      <p:pic>
+        <p:nvPicPr>
+          <p:cNvPr id="8195" name="Picture 3"/>
+          <p:cNvPicPr>
+            <a:picLocks noChangeAspect="1" noChangeArrowheads="1"/>
+          </p:cNvPicPr>
+          <p:nvPr/>
+        </p:nvPicPr>
+        <p:blipFill>
+          <a:blip r:embed="rId2">
+            <a:extLst>
+              <a:ext uri="{28A0092B-C50C-407E-A947-70E740481C1C}">
+                <a14:useLocalDpi xmlns:a14="http://schemas.microsoft.com/office/drawing/2010/main" val="0"/>
+              </a:ext>
+            </a:extLst>
+          </a:blip>
+          <a:srcRect/>
+          <a:stretch>
+            <a:fillRect/>
+          </a:stretch>
+        </p:blipFill>
+        <p:spPr bwMode="auto">
+          <a:xfrm>
+            <a:off x="323528" y="4581128"/>
+            <a:ext cx="7179156" cy="2016224"/>
+          </a:xfrm>
+          <a:prstGeom prst="rect">
+            <a:avLst/>
+          </a:prstGeom>
+          <a:noFill/>
+          <a:ln>
+            <a:noFill/>
+          </a:ln>
+          <a:effectLst/>
+          <a:extLst>
+            <a:ext uri="{909E8E84-426E-40DD-AFC4-6F175D3DCCD1}">
+              <a14:hiddenFill xmlns:a14="http://schemas.microsoft.com/office/drawing/2010/main">
+                <a:solidFill>
+                  <a:schemeClr val="accent1"/>
+                </a:solidFill>
+              </a14:hiddenFill>
+            </a:ext>
+            <a:ext uri="{91240B29-F687-4F45-9708-019B960494DF}">
+              <a14:hiddenLine xmlns:a14="http://schemas.microsoft.com/office/drawing/2010/main" w="9525">
+                <a:solidFill>
+                  <a:schemeClr val="tx1"/>
+                </a:solidFill>
+                <a:miter lim="800000"/>
+                <a:headEnd/>
+                <a:tailEnd/>
+              </a14:hiddenLine>
+            </a:ext>
+            <a:ext uri="{AF507438-7753-43E0-B8FC-AC1667EBCBE1}">
+              <a14:hiddenEffects xmlns:a14="http://schemas.microsoft.com/office/drawing/2010/main">
+                <a:effectLst>
+                  <a:outerShdw dist="35921" dir="2700000" algn="ctr" rotWithShape="0">
+                    <a:schemeClr val="bg2"/>
+                  </a:outerShdw>
+                </a:effectLst>
+              </a14:hiddenEffects>
+            </a:ext>
+          </a:extLst>
+        </p:spPr>
+      </p:pic>
+    </p:spTree>
+    <p:extLst>
+      <p:ext uri="{BB962C8B-B14F-4D97-AF65-F5344CB8AC3E}">
+        <p14:creationId xmlns:p14="http://schemas.microsoft.com/office/powerpoint/2010/main" val="3505318974"/>
+      </p:ext>
+    </p:extLst>
+  </p:cSld>
+  <p:clrMapOvr>
+    <a:masterClrMapping/>
+  </p:clrMapOvr>
+  <mc:AlternateContent xmlns:mc="http://schemas.openxmlformats.org/markup-compatibility/2006" xmlns:p14="http://schemas.microsoft.com/office/powerpoint/2010/main">
+    <mc:Choice Requires="p14">
+      <p:transition spd="slow" p14:dur="2000"/>
+    </mc:Choice>
+    <mc:Fallback xmlns="">
+      <p:transition spd="slow"/>
+    </mc:Fallback>
+  </mc:AlternateContent>
+  <p:timing>
+    <p:tnLst>
+      <p:par>
+        <p:cTn id="1" dur="indefinite" restart="never" nodeType="tmRoot">
+          <p:childTnLst>
+            <p:seq concurrent="1" nextAc="seek">
+              <p:cTn id="2" dur="indefinite" nodeType="mainSeq">
+                <p:childTnLst>
+                  <p:par>
+                    <p:cTn id="3" fill="hold">
+                      <p:stCondLst>
+                        <p:cond delay="indefinite"/>
+                      </p:stCondLst>
+                      <p:childTnLst>
+                        <p:par>
+                          <p:cTn id="4" fill="hold">
+                            <p:stCondLst>
+                              <p:cond delay="0"/>
+                            </p:stCondLst>
+                            <p:childTnLst>
+                              <p:par>
+                                <p:cTn id="5" presetID="10" presetClass="entr" presetSubtype="0" fill="hold" nodeType="clickEffect">
+                                  <p:stCondLst>
+                                    <p:cond delay="0"/>
+                                  </p:stCondLst>
+                                  <p:childTnLst>
+                                    <p:set>
+                                      <p:cBhvr>
+                                        <p:cTn id="6" dur="1" fill="hold">
+                                          <p:stCondLst>
+                                            <p:cond delay="0"/>
+                                          </p:stCondLst>
+                                        </p:cTn>
+                                        <p:tgtEl>
+                                          <p:spTgt spid="8195"/>
+                                        </p:tgtEl>
+                                        <p:attrNameLst>
+                                          <p:attrName>style.visibility</p:attrName>
+                                        </p:attrNameLst>
+                                      </p:cBhvr>
+                                      <p:to>
+                                        <p:strVal val="visible"/>
+                                      </p:to>
+                                    </p:set>
+                                    <p:animEffect transition="in" filter="fade">
+                                      <p:cBhvr>
+                                        <p:cTn id="7" dur="500"/>
+                                        <p:tgtEl>
+                                          <p:spTgt spid="8195"/>
+                                        </p:tgtEl>
+                                      </p:cBhvr>
+                                    </p:animEffect>
+                                  </p:childTnLst>
+                                </p:cTn>
+                              </p:par>
+                              <p:par>
+                                <p:cTn id="8" presetID="35" presetClass="path" presetSubtype="0" accel="50000" decel="50000" fill="hold" nodeType="withEffect">
+                                  <p:stCondLst>
+                                    <p:cond delay="0"/>
+                                  </p:stCondLst>
+                                  <p:childTnLst>
+                                    <p:animMotion origin="layout" path="M 0.04809 1.11111E-6 L -3.88889E-6 1.11111E-6 " pathEditMode="relative" rAng="0" ptsTypes="AA">
+                                      <p:cBhvr>
+                                        <p:cTn id="9" dur="2000" fill="hold"/>
+                                        <p:tgtEl>
+                                          <p:spTgt spid="8195"/>
+                                        </p:tgtEl>
+                                        <p:attrNameLst>
+                                          <p:attrName>ppt_x</p:attrName>
+                                          <p:attrName>ppt_y</p:attrName>
+                                        </p:attrNameLst>
+                                      </p:cBhvr>
+                                      <p:rCtr x="-2413" y="0"/>
+                                    </p:animMotion>
+                                  </p:childTnLst>
+                                </p:cTn>
+                              </p:par>
+                            </p:childTnLst>
+                          </p:cTn>
+                        </p:par>
+                      </p:childTnLst>
+                    </p:cTn>
+                  </p:par>
+                </p:childTnLst>
+              </p:cTn>
+              <p:prevCondLst>
+                <p:cond evt="onPrev" delay="0">
+                  <p:tgtEl>
+                    <p:sldTgt/>
+                  </p:tgtEl>
+                </p:cond>
+              </p:prevCondLst>
+              <p:nextCondLst>
+                <p:cond evt="onNext" delay="0">
+                  <p:tgtEl>
+                    <p:sldTgt/>
+                  </p:tgtEl>
+                </p:cond>
+              </p:nextCondLst>
+            </p:seq>
+          </p:childTnLst>
+        </p:cTn>
+      </p:par>
+    </p:tnLst>
+  </p:timing>
+</p:sld>
+</file>
+
+<file path=ppt/slides/slide33.xml><?xml version="1.0" encoding="utf-8"?>
+<p:sld xmlns:a="http://schemas.openxmlformats.org/drawingml/2006/main" xmlns:r="http://schemas.openxmlformats.org/officeDocument/2006/relationships" xmlns:p="http://schemas.openxmlformats.org/presentationml/2006/main">
+  <p:cSld>
+    <p:spTree>
+      <p:nvGrpSpPr>
+        <p:cNvPr id="1" name=""/>
+        <p:cNvGrpSpPr/>
+        <p:nvPr/>
+      </p:nvGrpSpPr>
+      <p:grpSpPr>
+        <a:xfrm>
+          <a:off x="0" y="0"/>
+          <a:ext cx="0" cy="0"/>
+          <a:chOff x="0" y="0"/>
+          <a:chExt cx="0" cy="0"/>
+        </a:xfrm>
+      </p:grpSpPr>
+      <p:sp>
+        <p:nvSpPr>
+          <p:cNvPr id="2" name="Title 1"/>
+          <p:cNvSpPr>
+            <a:spLocks noGrp="1"/>
+          </p:cNvSpPr>
+          <p:nvPr>
+            <p:ph type="title"/>
+          </p:nvPr>
+        </p:nvSpPr>
+        <p:spPr>
+          <a:xfrm>
+            <a:off x="323528" y="260648"/>
+            <a:ext cx="7200800" cy="778098"/>
+          </a:xfrm>
+        </p:spPr>
+        <p:txBody>
+          <a:bodyPr/>
+          <a:lstStyle/>
+          <a:p>
+            <a:r>
+              <a:rPr lang="pl-PL" dirty="0" smtClean="0"/>
+              <a:t>Task 4.2 – Prepare to print all the records</a:t>
+            </a:r>
+            <a:endParaRPr lang="en-CA" dirty="0"/>
+          </a:p>
+        </p:txBody>
+      </p:sp>
+      <p:sp>
+        <p:nvSpPr>
+          <p:cNvPr id="3" name="Content Placeholder 2"/>
+          <p:cNvSpPr>
+            <a:spLocks noGrp="1"/>
+          </p:cNvSpPr>
+          <p:nvPr>
+            <p:ph sz="quarter" idx="10"/>
+          </p:nvPr>
+        </p:nvSpPr>
+        <p:spPr/>
+        <p:txBody>
+          <a:bodyPr/>
+          <a:lstStyle/>
+          <a:p>
+            <a:r>
+              <a:rPr lang="pl-PL" dirty="0" smtClean="0"/>
+              <a:t>Add a new folder: Helpers</a:t>
+            </a:r>
+            <a:endParaRPr lang="en-CA" dirty="0"/>
+          </a:p>
+        </p:txBody>
+      </p:sp>
+      <p:sp>
+        <p:nvSpPr>
+          <p:cNvPr id="4" name="Content Placeholder 3"/>
+          <p:cNvSpPr>
+            <a:spLocks noGrp="1"/>
+          </p:cNvSpPr>
+          <p:nvPr>
+            <p:ph sz="quarter" idx="11"/>
+          </p:nvPr>
+        </p:nvSpPr>
+        <p:spPr/>
+        <p:txBody>
+          <a:bodyPr/>
+          <a:lstStyle/>
+          <a:p>
+            <a:r>
+              <a:rPr lang="pl-PL" sz="2800" dirty="0" smtClean="0"/>
+              <a:t>Create a new class: PrinterHelper</a:t>
+            </a:r>
+            <a:endParaRPr lang="en-CA" sz="2800" dirty="0"/>
+          </a:p>
+        </p:txBody>
+      </p:sp>
+      <p:sp>
+        <p:nvSpPr>
+          <p:cNvPr id="5" name="Content Placeholder 4"/>
+          <p:cNvSpPr>
+            <a:spLocks noGrp="1"/>
+          </p:cNvSpPr>
+          <p:nvPr>
+            <p:ph sz="quarter" idx="12"/>
+          </p:nvPr>
+        </p:nvSpPr>
+        <p:spPr/>
+        <p:txBody>
+          <a:bodyPr/>
+          <a:lstStyle/>
+          <a:p>
+            <a:r>
+              <a:rPr lang="pl-PL" dirty="0" smtClean="0"/>
+              <a:t>Use StringBuilder</a:t>
+            </a:r>
+            <a:endParaRPr lang="en-CA" dirty="0"/>
+          </a:p>
+        </p:txBody>
+      </p:sp>
+      <p:sp>
+        <p:nvSpPr>
+          <p:cNvPr id="6" name="Content Placeholder 5"/>
+          <p:cNvSpPr>
+            <a:spLocks noGrp="1"/>
+          </p:cNvSpPr>
+          <p:nvPr>
+            <p:ph sz="quarter" idx="13"/>
+          </p:nvPr>
+        </p:nvSpPr>
+        <p:spPr/>
+        <p:txBody>
+          <a:bodyPr/>
+          <a:lstStyle/>
+          <a:p>
+            <a:endParaRPr lang="en-CA"/>
+          </a:p>
+        </p:txBody>
+      </p:sp>
+      <p:sp>
+        <p:nvSpPr>
+          <p:cNvPr id="7" name="Content Placeholder 6"/>
+          <p:cNvSpPr>
+            <a:spLocks noGrp="1"/>
+          </p:cNvSpPr>
+          <p:nvPr>
+            <p:ph sz="quarter" idx="14"/>
+          </p:nvPr>
+        </p:nvSpPr>
+        <p:spPr/>
+        <p:txBody>
+          <a:bodyPr/>
+          <a:lstStyle/>
+          <a:p>
+            <a:endParaRPr lang="en-CA"/>
+          </a:p>
+        </p:txBody>
+      </p:sp>
+      <p:sp>
+        <p:nvSpPr>
+          <p:cNvPr id="8" name="Content Placeholder 7"/>
+          <p:cNvSpPr>
+            <a:spLocks noGrp="1"/>
+          </p:cNvSpPr>
+          <p:nvPr>
+            <p:ph sz="quarter" idx="15"/>
+          </p:nvPr>
+        </p:nvSpPr>
+        <p:spPr/>
+        <p:txBody>
+          <a:bodyPr/>
+          <a:lstStyle/>
+          <a:p>
+            <a:r>
+              <a:rPr lang="pl-PL" dirty="0" smtClean="0"/>
+              <a:t>Move counting logic there</a:t>
+            </a:r>
+            <a:endParaRPr lang="en-CA" dirty="0"/>
+          </a:p>
+        </p:txBody>
+      </p:sp>
+      <p:pic>
+        <p:nvPicPr>
+          <p:cNvPr id="9219" name="Picture 3"/>
+          <p:cNvPicPr>
+            <a:picLocks noChangeAspect="1" noChangeArrowheads="1"/>
+          </p:cNvPicPr>
+          <p:nvPr/>
+        </p:nvPicPr>
+        <p:blipFill>
+          <a:blip r:embed="rId2">
+            <a:extLst>
+              <a:ext uri="{28A0092B-C50C-407E-A947-70E740481C1C}">
+                <a14:useLocalDpi xmlns:a14="http://schemas.microsoft.com/office/drawing/2010/main" val="0"/>
+              </a:ext>
+            </a:extLst>
+          </a:blip>
+          <a:srcRect/>
+          <a:stretch>
+            <a:fillRect/>
+          </a:stretch>
+        </p:blipFill>
+        <p:spPr bwMode="auto">
+          <a:xfrm>
+            <a:off x="324542" y="4625264"/>
+            <a:ext cx="8135890" cy="1008112"/>
+          </a:xfrm>
+          <a:prstGeom prst="rect">
+            <a:avLst/>
+          </a:prstGeom>
+          <a:noFill/>
+          <a:ln>
+            <a:noFill/>
+          </a:ln>
+          <a:effectLst/>
+          <a:extLst>
+            <a:ext uri="{909E8E84-426E-40DD-AFC4-6F175D3DCCD1}">
+              <a14:hiddenFill xmlns:a14="http://schemas.microsoft.com/office/drawing/2010/main">
+                <a:solidFill>
+                  <a:schemeClr val="accent1"/>
+                </a:solidFill>
+              </a14:hiddenFill>
+            </a:ext>
+            <a:ext uri="{91240B29-F687-4F45-9708-019B960494DF}">
+              <a14:hiddenLine xmlns:a14="http://schemas.microsoft.com/office/drawing/2010/main" w="9525">
+                <a:solidFill>
+                  <a:schemeClr val="tx1"/>
+                </a:solidFill>
+                <a:miter lim="800000"/>
+                <a:headEnd/>
+                <a:tailEnd/>
+              </a14:hiddenLine>
+            </a:ext>
+            <a:ext uri="{AF507438-7753-43E0-B8FC-AC1667EBCBE1}">
+              <a14:hiddenEffects xmlns:a14="http://schemas.microsoft.com/office/drawing/2010/main">
+                <a:effectLst>
+                  <a:outerShdw dist="35921" dir="2700000" algn="ctr" rotWithShape="0">
+                    <a:schemeClr val="bg2"/>
+                  </a:outerShdw>
+                </a:effectLst>
+              </a14:hiddenEffects>
+            </a:ext>
+          </a:extLst>
+        </p:spPr>
+      </p:pic>
+      <p:pic>
+        <p:nvPicPr>
+          <p:cNvPr id="9220" name="Picture 4"/>
+          <p:cNvPicPr>
+            <a:picLocks noChangeAspect="1" noChangeArrowheads="1"/>
+          </p:cNvPicPr>
+          <p:nvPr/>
+        </p:nvPicPr>
+        <p:blipFill>
+          <a:blip r:embed="rId3">
+            <a:extLst>
+              <a:ext uri="{28A0092B-C50C-407E-A947-70E740481C1C}">
+                <a14:useLocalDpi xmlns:a14="http://schemas.microsoft.com/office/drawing/2010/main" val="0"/>
+              </a:ext>
+            </a:extLst>
+          </a:blip>
+          <a:srcRect/>
+          <a:stretch>
+            <a:fillRect/>
+          </a:stretch>
+        </p:blipFill>
+        <p:spPr bwMode="auto">
+          <a:xfrm>
+            <a:off x="324542" y="1590675"/>
+            <a:ext cx="7424645" cy="2918445"/>
+          </a:xfrm>
+          <a:prstGeom prst="rect">
+            <a:avLst/>
+          </a:prstGeom>
+          <a:noFill/>
+          <a:ln>
+            <a:noFill/>
+          </a:ln>
+          <a:effectLst/>
+          <a:extLst>
+            <a:ext uri="{909E8E84-426E-40DD-AFC4-6F175D3DCCD1}">
+              <a14:hiddenFill xmlns:a14="http://schemas.microsoft.com/office/drawing/2010/main">
+                <a:solidFill>
+                  <a:schemeClr val="accent1"/>
+                </a:solidFill>
+              </a14:hiddenFill>
+            </a:ext>
+            <a:ext uri="{91240B29-F687-4F45-9708-019B960494DF}">
+              <a14:hiddenLine xmlns:a14="http://schemas.microsoft.com/office/drawing/2010/main" w="9525">
+                <a:solidFill>
+                  <a:schemeClr val="tx1"/>
+                </a:solidFill>
+                <a:miter lim="800000"/>
+                <a:headEnd/>
+                <a:tailEnd/>
+              </a14:hiddenLine>
+            </a:ext>
+            <a:ext uri="{AF507438-7753-43E0-B8FC-AC1667EBCBE1}">
+              <a14:hiddenEffects xmlns:a14="http://schemas.microsoft.com/office/drawing/2010/main">
+                <a:effectLst>
+                  <a:outerShdw dist="35921" dir="2700000" algn="ctr" rotWithShape="0">
+                    <a:schemeClr val="bg2"/>
+                  </a:outerShdw>
+                </a:effectLst>
+              </a14:hiddenEffects>
+            </a:ext>
+          </a:extLst>
+        </p:spPr>
+      </p:pic>
+    </p:spTree>
+    <p:extLst>
+      <p:ext uri="{BB962C8B-B14F-4D97-AF65-F5344CB8AC3E}">
+        <p14:creationId xmlns:p14="http://schemas.microsoft.com/office/powerpoint/2010/main" val="2707382067"/>
+      </p:ext>
+    </p:extLst>
+  </p:cSld>
+  <p:clrMapOvr>
+    <a:masterClrMapping/>
+  </p:clrMapOvr>
+  <mc:AlternateContent xmlns:mc="http://schemas.openxmlformats.org/markup-compatibility/2006" xmlns:p14="http://schemas.microsoft.com/office/powerpoint/2010/main">
+    <mc:Choice Requires="p14">
+      <p:transition spd="slow" p14:dur="2000"/>
+    </mc:Choice>
+    <mc:Fallback xmlns="">
+      <p:transition spd="slow"/>
+    </mc:Fallback>
+  </mc:AlternateContent>
+  <p:timing>
+    <p:tnLst>
+      <p:par>
+        <p:cTn id="1" dur="indefinite" restart="never" nodeType="tmRoot">
+          <p:childTnLst>
+            <p:seq concurrent="1" nextAc="seek">
+              <p:cTn id="2" dur="indefinite" nodeType="mainSeq">
+                <p:childTnLst>
+                  <p:par>
+                    <p:cTn id="3" fill="hold">
+                      <p:stCondLst>
+                        <p:cond delay="indefinite"/>
+                      </p:stCondLst>
+                      <p:childTnLst>
+                        <p:par>
+                          <p:cTn id="4" fill="hold">
+                            <p:stCondLst>
+                              <p:cond delay="0"/>
+                            </p:stCondLst>
+                            <p:childTnLst>
+                              <p:par>
+                                <p:cTn id="5" presetID="10" presetClass="entr" presetSubtype="0" fill="hold" nodeType="clickEffect">
+                                  <p:stCondLst>
+                                    <p:cond delay="0"/>
+                                  </p:stCondLst>
+                                  <p:childTnLst>
+                                    <p:set>
+                                      <p:cBhvr>
+                                        <p:cTn id="6" dur="1" fill="hold">
+                                          <p:stCondLst>
+                                            <p:cond delay="0"/>
+                                          </p:stCondLst>
+                                        </p:cTn>
+                                        <p:tgtEl>
+                                          <p:spTgt spid="9220"/>
+                                        </p:tgtEl>
+                                        <p:attrNameLst>
+                                          <p:attrName>style.visibility</p:attrName>
+                                        </p:attrNameLst>
+                                      </p:cBhvr>
+                                      <p:to>
+                                        <p:strVal val="visible"/>
+                                      </p:to>
+                                    </p:set>
+                                    <p:animEffect transition="in" filter="fade">
+                                      <p:cBhvr>
+                                        <p:cTn id="7" dur="500"/>
+                                        <p:tgtEl>
+                                          <p:spTgt spid="9220"/>
+                                        </p:tgtEl>
+                                      </p:cBhvr>
+                                    </p:animEffect>
+                                  </p:childTnLst>
+                                </p:cTn>
+                              </p:par>
+                              <p:par>
+                                <p:cTn id="8" presetID="35" presetClass="path" presetSubtype="0" accel="50000" decel="50000" fill="hold" nodeType="withEffect">
+                                  <p:stCondLst>
+                                    <p:cond delay="0"/>
+                                  </p:stCondLst>
+                                  <p:childTnLst>
+                                    <p:animMotion origin="layout" path="M 0.04809 1.11111E-6 L -3.88889E-6 1.11111E-6 " pathEditMode="relative" rAng="0" ptsTypes="AA">
+                                      <p:cBhvr>
+                                        <p:cTn id="9" dur="2000" fill="hold"/>
+                                        <p:tgtEl>
+                                          <p:spTgt spid="9220"/>
+                                        </p:tgtEl>
+                                        <p:attrNameLst>
+                                          <p:attrName>ppt_x</p:attrName>
+                                          <p:attrName>ppt_y</p:attrName>
+                                        </p:attrNameLst>
+                                      </p:cBhvr>
+                                      <p:rCtr x="-2413" y="0"/>
+                                    </p:animMotion>
+                                  </p:childTnLst>
+                                </p:cTn>
+                              </p:par>
+                            </p:childTnLst>
+                          </p:cTn>
+                        </p:par>
+                        <p:par>
+                          <p:cTn id="10" fill="hold">
+                            <p:stCondLst>
+                              <p:cond delay="2000"/>
+                            </p:stCondLst>
+                            <p:childTnLst>
+                              <p:par>
+                                <p:cTn id="11" presetID="10" presetClass="entr" presetSubtype="0" fill="hold" nodeType="afterEffect">
+                                  <p:stCondLst>
+                                    <p:cond delay="0"/>
+                                  </p:stCondLst>
+                                  <p:childTnLst>
+                                    <p:set>
+                                      <p:cBhvr>
+                                        <p:cTn id="12" dur="1" fill="hold">
+                                          <p:stCondLst>
+                                            <p:cond delay="0"/>
+                                          </p:stCondLst>
+                                        </p:cTn>
+                                        <p:tgtEl>
+                                          <p:spTgt spid="9219"/>
+                                        </p:tgtEl>
+                                        <p:attrNameLst>
+                                          <p:attrName>style.visibility</p:attrName>
+                                        </p:attrNameLst>
+                                      </p:cBhvr>
+                                      <p:to>
+                                        <p:strVal val="visible"/>
+                                      </p:to>
+                                    </p:set>
+                                    <p:animEffect transition="in" filter="fade">
+                                      <p:cBhvr>
+                                        <p:cTn id="13" dur="500"/>
+                                        <p:tgtEl>
+                                          <p:spTgt spid="9219"/>
+                                        </p:tgtEl>
+                                      </p:cBhvr>
+                                    </p:animEffect>
+                                  </p:childTnLst>
+                                </p:cTn>
+                              </p:par>
+                              <p:par>
+                                <p:cTn id="14" presetID="35" presetClass="path" presetSubtype="0" accel="50000" decel="50000" fill="hold" nodeType="withEffect">
+                                  <p:stCondLst>
+                                    <p:cond delay="0"/>
+                                  </p:stCondLst>
+                                  <p:childTnLst>
+                                    <p:animMotion origin="layout" path="M 0.04809 1.11111E-6 L -3.88889E-6 1.11111E-6 " pathEditMode="relative" rAng="0" ptsTypes="AA">
+                                      <p:cBhvr>
+                                        <p:cTn id="15" dur="2000" fill="hold"/>
+                                        <p:tgtEl>
+                                          <p:spTgt spid="9219"/>
+                                        </p:tgtEl>
+                                        <p:attrNameLst>
+                                          <p:attrName>ppt_x</p:attrName>
+                                          <p:attrName>ppt_y</p:attrName>
+                                        </p:attrNameLst>
+                                      </p:cBhvr>
+                                      <p:rCtr x="-2413" y="0"/>
+                                    </p:animMotion>
+                                  </p:childTnLst>
+                                </p:cTn>
+                              </p:par>
+                            </p:childTnLst>
+                          </p:cTn>
+                        </p:par>
+                      </p:childTnLst>
+                    </p:cTn>
+                  </p:par>
+                </p:childTnLst>
+              </p:cTn>
+              <p:prevCondLst>
+                <p:cond evt="onPrev" delay="0">
+                  <p:tgtEl>
+                    <p:sldTgt/>
+                  </p:tgtEl>
+                </p:cond>
+              </p:prevCondLst>
+              <p:nextCondLst>
+                <p:cond evt="onNext" delay="0">
+                  <p:tgtEl>
+                    <p:sldTgt/>
+                  </p:tgtEl>
+                </p:cond>
+              </p:nextCondLst>
+            </p:seq>
+          </p:childTnLst>
+        </p:cTn>
+      </p:par>
+    </p:tnLst>
+  </p:timing>
+</p:sld>
+</file>
+
+<file path=ppt/slides/slide34.xml><?xml version="1.0" encoding="utf-8"?>
+<p:sld xmlns:a="http://schemas.openxmlformats.org/drawingml/2006/main" xmlns:r="http://schemas.openxmlformats.org/officeDocument/2006/relationships" xmlns:p="http://schemas.openxmlformats.org/presentationml/2006/main">
+  <p:cSld>
+    <p:spTree>
+      <p:nvGrpSpPr>
+        <p:cNvPr id="1" name=""/>
+        <p:cNvGrpSpPr/>
+        <p:nvPr/>
+      </p:nvGrpSpPr>
+      <p:grpSpPr>
+        <a:xfrm>
+          <a:off x="0" y="0"/>
+          <a:ext cx="0" cy="0"/>
+          <a:chOff x="0" y="0"/>
+          <a:chExt cx="0" cy="0"/>
+        </a:xfrm>
+      </p:grpSpPr>
+      <p:sp>
+        <p:nvSpPr>
+          <p:cNvPr id="2" name="Title 1"/>
+          <p:cNvSpPr>
+            <a:spLocks noGrp="1"/>
+          </p:cNvSpPr>
+          <p:nvPr>
+            <p:ph type="title"/>
+          </p:nvPr>
+        </p:nvSpPr>
+        <p:spPr/>
+        <p:txBody>
+          <a:bodyPr/>
+          <a:lstStyle/>
+          <a:p>
+            <a:r>
+              <a:rPr lang="pl-PL" dirty="0" smtClean="0"/>
+              <a:t>Task 4.3 – Print all the records</a:t>
+            </a:r>
+            <a:endParaRPr lang="en-CA" dirty="0"/>
+          </a:p>
+        </p:txBody>
+      </p:sp>
+      <p:sp>
+        <p:nvSpPr>
+          <p:cNvPr id="3" name="Content Placeholder 2"/>
+          <p:cNvSpPr>
+            <a:spLocks noGrp="1"/>
+          </p:cNvSpPr>
+          <p:nvPr>
+            <p:ph sz="quarter" idx="10"/>
+          </p:nvPr>
+        </p:nvSpPr>
+        <p:spPr/>
+        <p:txBody>
+          <a:bodyPr/>
+          <a:lstStyle/>
+          <a:p>
+            <a:r>
+              <a:rPr lang="pl-PL" sz="2400" dirty="0" smtClean="0"/>
+              <a:t>Change in the view: </a:t>
+            </a:r>
+            <a:r>
+              <a:rPr lang="en-CA" sz="2000" dirty="0"/>
+              <a:t>@Html.Raw(ViewBag.Text</a:t>
+            </a:r>
+            <a:r>
+              <a:rPr lang="en-CA" sz="2000" dirty="0"/>
+              <a:t>)</a:t>
+            </a:r>
+          </a:p>
+        </p:txBody>
+      </p:sp>
+      <p:sp>
+        <p:nvSpPr>
+          <p:cNvPr id="4" name="Content Placeholder 3"/>
+          <p:cNvSpPr>
+            <a:spLocks noGrp="1"/>
+          </p:cNvSpPr>
+          <p:nvPr>
+            <p:ph sz="quarter" idx="11"/>
+          </p:nvPr>
+        </p:nvSpPr>
+        <p:spPr/>
+        <p:txBody>
+          <a:bodyPr/>
+          <a:lstStyle/>
+          <a:p>
+            <a:r>
+              <a:rPr lang="pl-PL" dirty="0" smtClean="0"/>
+              <a:t>Iterate through the shops</a:t>
+            </a:r>
+            <a:endParaRPr lang="en-CA" dirty="0"/>
+          </a:p>
+        </p:txBody>
+      </p:sp>
+      <p:sp>
+        <p:nvSpPr>
+          <p:cNvPr id="5" name="Content Placeholder 4"/>
+          <p:cNvSpPr>
+            <a:spLocks noGrp="1"/>
+          </p:cNvSpPr>
+          <p:nvPr>
+            <p:ph sz="quarter" idx="12"/>
+          </p:nvPr>
+        </p:nvSpPr>
+        <p:spPr/>
+        <p:txBody>
+          <a:bodyPr/>
+          <a:lstStyle/>
+          <a:p>
+            <a:r>
+              <a:rPr lang="pl-PL" sz="2200" dirty="0" smtClean="0"/>
+              <a:t>Foreach – goes through every member of a collection</a:t>
+            </a:r>
+            <a:endParaRPr lang="en-CA" sz="2200" dirty="0"/>
+          </a:p>
+        </p:txBody>
+      </p:sp>
+      <p:sp>
+        <p:nvSpPr>
+          <p:cNvPr id="6" name="Content Placeholder 5"/>
+          <p:cNvSpPr>
+            <a:spLocks noGrp="1"/>
+          </p:cNvSpPr>
+          <p:nvPr>
+            <p:ph sz="quarter" idx="13"/>
+          </p:nvPr>
+        </p:nvSpPr>
+        <p:spPr/>
+        <p:txBody>
+          <a:bodyPr/>
+          <a:lstStyle/>
+          <a:p>
+            <a:r>
+              <a:rPr lang="pl-PL" sz="2800" dirty="0" smtClean="0"/>
+              <a:t>Use &lt;table&gt;, &lt;tr&gt;, &lt;th&gt; and &lt;td&gt;</a:t>
+            </a:r>
+            <a:endParaRPr lang="en-CA" sz="2800" dirty="0"/>
+          </a:p>
+        </p:txBody>
+      </p:sp>
+      <p:sp>
+        <p:nvSpPr>
+          <p:cNvPr id="7" name="Content Placeholder 6"/>
+          <p:cNvSpPr>
+            <a:spLocks noGrp="1"/>
+          </p:cNvSpPr>
+          <p:nvPr>
+            <p:ph sz="quarter" idx="14"/>
+          </p:nvPr>
+        </p:nvSpPr>
+        <p:spPr/>
+        <p:txBody>
+          <a:bodyPr/>
+          <a:lstStyle/>
+          <a:p>
+            <a:endParaRPr lang="en-CA" dirty="0"/>
+          </a:p>
+        </p:txBody>
+      </p:sp>
+      <p:sp>
+        <p:nvSpPr>
+          <p:cNvPr id="8" name="Content Placeholder 7"/>
+          <p:cNvSpPr>
+            <a:spLocks noGrp="1"/>
+          </p:cNvSpPr>
+          <p:nvPr>
+            <p:ph sz="quarter" idx="15"/>
+          </p:nvPr>
+        </p:nvSpPr>
+        <p:spPr/>
+        <p:txBody>
+          <a:bodyPr/>
+          <a:lstStyle/>
+          <a:p>
+            <a:r>
+              <a:rPr lang="pl-PL" dirty="0" smtClean="0"/>
+              <a:t>Construct HTML’s table</a:t>
+            </a:r>
+            <a:endParaRPr lang="en-CA" dirty="0"/>
+          </a:p>
+        </p:txBody>
+      </p:sp>
+      <p:pic>
+        <p:nvPicPr>
+          <p:cNvPr id="10242" name="Picture 2"/>
+          <p:cNvPicPr>
+            <a:picLocks noChangeAspect="1" noChangeArrowheads="1"/>
+          </p:cNvPicPr>
+          <p:nvPr/>
+        </p:nvPicPr>
+        <p:blipFill>
+          <a:blip r:embed="rId2">
+            <a:extLst>
+              <a:ext uri="{28A0092B-C50C-407E-A947-70E740481C1C}">
+                <a14:useLocalDpi xmlns:a14="http://schemas.microsoft.com/office/drawing/2010/main" val="0"/>
+              </a:ext>
+            </a:extLst>
+          </a:blip>
+          <a:srcRect/>
+          <a:stretch>
+            <a:fillRect/>
+          </a:stretch>
+        </p:blipFill>
+        <p:spPr bwMode="auto">
+          <a:xfrm>
+            <a:off x="323528" y="4581128"/>
+            <a:ext cx="8399122" cy="1584176"/>
+          </a:xfrm>
+          <a:prstGeom prst="rect">
+            <a:avLst/>
+          </a:prstGeom>
+          <a:noFill/>
+          <a:ln>
+            <a:noFill/>
+          </a:ln>
+          <a:effectLst/>
+          <a:extLst>
+            <a:ext uri="{909E8E84-426E-40DD-AFC4-6F175D3DCCD1}">
+              <a14:hiddenFill xmlns:a14="http://schemas.microsoft.com/office/drawing/2010/main">
+                <a:solidFill>
+                  <a:schemeClr val="accent1"/>
+                </a:solidFill>
+              </a14:hiddenFill>
+            </a:ext>
+            <a:ext uri="{91240B29-F687-4F45-9708-019B960494DF}">
+              <a14:hiddenLine xmlns:a14="http://schemas.microsoft.com/office/drawing/2010/main" w="9525">
+                <a:solidFill>
+                  <a:schemeClr val="tx1"/>
+                </a:solidFill>
+                <a:miter lim="800000"/>
+                <a:headEnd/>
+                <a:tailEnd/>
+              </a14:hiddenLine>
+            </a:ext>
+            <a:ext uri="{AF507438-7753-43E0-B8FC-AC1667EBCBE1}">
+              <a14:hiddenEffects xmlns:a14="http://schemas.microsoft.com/office/drawing/2010/main">
+                <a:effectLst>
+                  <a:outerShdw dist="35921" dir="2700000" algn="ctr" rotWithShape="0">
+                    <a:schemeClr val="bg2"/>
+                  </a:outerShdw>
+                </a:effectLst>
+              </a14:hiddenEffects>
+            </a:ext>
+          </a:extLst>
+        </p:spPr>
+      </p:pic>
+      <p:pic>
+        <p:nvPicPr>
+          <p:cNvPr id="10243" name="Picture 3"/>
+          <p:cNvPicPr>
+            <a:picLocks noChangeAspect="1" noChangeArrowheads="1"/>
+          </p:cNvPicPr>
+          <p:nvPr/>
+        </p:nvPicPr>
+        <p:blipFill>
+          <a:blip r:embed="rId3">
+            <a:extLst>
+              <a:ext uri="{28A0092B-C50C-407E-A947-70E740481C1C}">
+                <a14:useLocalDpi xmlns:a14="http://schemas.microsoft.com/office/drawing/2010/main" val="0"/>
+              </a:ext>
+            </a:extLst>
+          </a:blip>
+          <a:srcRect/>
+          <a:stretch>
+            <a:fillRect/>
+          </a:stretch>
+        </p:blipFill>
+        <p:spPr bwMode="auto">
+          <a:xfrm>
+            <a:off x="323528" y="1628800"/>
+            <a:ext cx="7290810" cy="1728192"/>
+          </a:xfrm>
+          <a:prstGeom prst="rect">
+            <a:avLst/>
+          </a:prstGeom>
+          <a:noFill/>
+          <a:ln>
+            <a:noFill/>
+          </a:ln>
+          <a:effectLst/>
+          <a:extLst>
+            <a:ext uri="{909E8E84-426E-40DD-AFC4-6F175D3DCCD1}">
+              <a14:hiddenFill xmlns:a14="http://schemas.microsoft.com/office/drawing/2010/main">
+                <a:solidFill>
+                  <a:schemeClr val="accent1"/>
+                </a:solidFill>
+              </a14:hiddenFill>
+            </a:ext>
+            <a:ext uri="{91240B29-F687-4F45-9708-019B960494DF}">
+              <a14:hiddenLine xmlns:a14="http://schemas.microsoft.com/office/drawing/2010/main" w="9525">
+                <a:solidFill>
+                  <a:schemeClr val="tx1"/>
+                </a:solidFill>
+                <a:miter lim="800000"/>
+                <a:headEnd/>
+                <a:tailEnd/>
+              </a14:hiddenLine>
+            </a:ext>
+            <a:ext uri="{AF507438-7753-43E0-B8FC-AC1667EBCBE1}">
+              <a14:hiddenEffects xmlns:a14="http://schemas.microsoft.com/office/drawing/2010/main">
+                <a:effectLst>
+                  <a:outerShdw dist="35921" dir="2700000" algn="ctr" rotWithShape="0">
+                    <a:schemeClr val="bg2"/>
+                  </a:outerShdw>
+                </a:effectLst>
+              </a14:hiddenEffects>
+            </a:ext>
+          </a:extLst>
+        </p:spPr>
+      </p:pic>
+    </p:spTree>
+    <p:extLst>
+      <p:ext uri="{BB962C8B-B14F-4D97-AF65-F5344CB8AC3E}">
+        <p14:creationId xmlns:p14="http://schemas.microsoft.com/office/powerpoint/2010/main" val="134627284"/>
+      </p:ext>
+    </p:extLst>
+  </p:cSld>
+  <p:clrMapOvr>
+    <a:masterClrMapping/>
+  </p:clrMapOvr>
+  <mc:AlternateContent xmlns:mc="http://schemas.openxmlformats.org/markup-compatibility/2006" xmlns:p14="http://schemas.microsoft.com/office/powerpoint/2010/main">
+    <mc:Choice Requires="p14">
+      <p:transition spd="slow" p14:dur="2000"/>
+    </mc:Choice>
+    <mc:Fallback xmlns="">
+      <p:transition spd="slow"/>
+    </mc:Fallback>
+  </mc:AlternateContent>
+  <p:timing>
+    <p:tnLst>
+      <p:par>
+        <p:cTn id="1" dur="indefinite" restart="never" nodeType="tmRoot">
+          <p:childTnLst>
+            <p:seq concurrent="1" nextAc="seek">
+              <p:cTn id="2" dur="indefinite" nodeType="mainSeq">
+                <p:childTnLst>
+                  <p:par>
+                    <p:cTn id="3" fill="hold">
+                      <p:stCondLst>
+                        <p:cond delay="indefinite"/>
+                      </p:stCondLst>
+                      <p:childTnLst>
+                        <p:par>
+                          <p:cTn id="4" fill="hold">
+                            <p:stCondLst>
+                              <p:cond delay="0"/>
+                            </p:stCondLst>
+                            <p:childTnLst>
+                              <p:par>
+                                <p:cTn id="5" presetID="10" presetClass="entr" presetSubtype="0" fill="hold" nodeType="clickEffect">
+                                  <p:stCondLst>
+                                    <p:cond delay="0"/>
+                                  </p:stCondLst>
+                                  <p:childTnLst>
+                                    <p:set>
+                                      <p:cBhvr>
+                                        <p:cTn id="6" dur="1" fill="hold">
+                                          <p:stCondLst>
+                                            <p:cond delay="0"/>
+                                          </p:stCondLst>
+                                        </p:cTn>
+                                        <p:tgtEl>
+                                          <p:spTgt spid="10243"/>
+                                        </p:tgtEl>
+                                        <p:attrNameLst>
+                                          <p:attrName>style.visibility</p:attrName>
+                                        </p:attrNameLst>
+                                      </p:cBhvr>
+                                      <p:to>
+                                        <p:strVal val="visible"/>
+                                      </p:to>
+                                    </p:set>
+                                    <p:animEffect transition="in" filter="fade">
+                                      <p:cBhvr>
+                                        <p:cTn id="7" dur="500"/>
+                                        <p:tgtEl>
+                                          <p:spTgt spid="10243"/>
+                                        </p:tgtEl>
+                                      </p:cBhvr>
+                                    </p:animEffect>
+                                  </p:childTnLst>
+                                </p:cTn>
+                              </p:par>
+                              <p:par>
+                                <p:cTn id="8" presetID="35" presetClass="path" presetSubtype="0" accel="50000" decel="50000" fill="hold" nodeType="withEffect">
+                                  <p:stCondLst>
+                                    <p:cond delay="0"/>
+                                  </p:stCondLst>
+                                  <p:childTnLst>
+                                    <p:animMotion origin="layout" path="M 0.04809 1.11111E-6 L -3.88889E-6 1.11111E-6 " pathEditMode="relative" rAng="0" ptsTypes="AA">
+                                      <p:cBhvr>
+                                        <p:cTn id="9" dur="2000" fill="hold"/>
+                                        <p:tgtEl>
+                                          <p:spTgt spid="10243"/>
+                                        </p:tgtEl>
+                                        <p:attrNameLst>
+                                          <p:attrName>ppt_x</p:attrName>
+                                          <p:attrName>ppt_y</p:attrName>
+                                        </p:attrNameLst>
+                                      </p:cBhvr>
+                                      <p:rCtr x="-2413" y="0"/>
+                                    </p:animMotion>
+                                  </p:childTnLst>
+                                </p:cTn>
+                              </p:par>
+                            </p:childTnLst>
+                          </p:cTn>
+                        </p:par>
+                      </p:childTnLst>
+                    </p:cTn>
+                  </p:par>
+                  <p:par>
+                    <p:cTn id="10" fill="hold">
+                      <p:stCondLst>
+                        <p:cond delay="indefinite"/>
+                      </p:stCondLst>
+                      <p:childTnLst>
+                        <p:par>
+                          <p:cTn id="11" fill="hold">
+                            <p:stCondLst>
+                              <p:cond delay="0"/>
+                            </p:stCondLst>
+                            <p:childTnLst>
+                              <p:par>
+                                <p:cTn id="12" presetID="10" presetClass="entr" presetSubtype="0" fill="hold" nodeType="clickEffect">
+                                  <p:stCondLst>
+                                    <p:cond delay="0"/>
+                                  </p:stCondLst>
+                                  <p:childTnLst>
+                                    <p:set>
+                                      <p:cBhvr>
+                                        <p:cTn id="13" dur="1" fill="hold">
+                                          <p:stCondLst>
+                                            <p:cond delay="0"/>
+                                          </p:stCondLst>
+                                        </p:cTn>
+                                        <p:tgtEl>
+                                          <p:spTgt spid="10242"/>
+                                        </p:tgtEl>
+                                        <p:attrNameLst>
+                                          <p:attrName>style.visibility</p:attrName>
+                                        </p:attrNameLst>
+                                      </p:cBhvr>
+                                      <p:to>
+                                        <p:strVal val="visible"/>
+                                      </p:to>
+                                    </p:set>
+                                    <p:animEffect transition="in" filter="fade">
+                                      <p:cBhvr>
+                                        <p:cTn id="14" dur="500"/>
+                                        <p:tgtEl>
+                                          <p:spTgt spid="10242"/>
+                                        </p:tgtEl>
+                                      </p:cBhvr>
+                                    </p:animEffect>
+                                  </p:childTnLst>
+                                </p:cTn>
+                              </p:par>
+                              <p:par>
+                                <p:cTn id="15" presetID="35" presetClass="path" presetSubtype="0" accel="50000" decel="50000" fill="hold" nodeType="withEffect">
+                                  <p:stCondLst>
+                                    <p:cond delay="0"/>
+                                  </p:stCondLst>
+                                  <p:childTnLst>
+                                    <p:animMotion origin="layout" path="M 0.04809 1.11111E-6 L -3.88889E-6 1.11111E-6 " pathEditMode="relative" rAng="0" ptsTypes="AA">
+                                      <p:cBhvr>
+                                        <p:cTn id="16" dur="2000" fill="hold"/>
+                                        <p:tgtEl>
+                                          <p:spTgt spid="10242"/>
+                                        </p:tgtEl>
+                                        <p:attrNameLst>
+                                          <p:attrName>ppt_x</p:attrName>
+                                          <p:attrName>ppt_y</p:attrName>
+                                        </p:attrNameLst>
+                                      </p:cBhvr>
+                                      <p:rCtr x="-2413" y="0"/>
+                                    </p:animMotion>
+                                  </p:childTnLst>
+                                </p:cTn>
+                              </p:par>
+                            </p:childTnLst>
+                          </p:cTn>
+                        </p:par>
+                      </p:childTnLst>
+                    </p:cTn>
+                  </p:par>
+                </p:childTnLst>
+              </p:cTn>
+              <p:prevCondLst>
+                <p:cond evt="onPrev" delay="0">
+                  <p:tgtEl>
+                    <p:sldTgt/>
+                  </p:tgtEl>
+                </p:cond>
+              </p:prevCondLst>
+              <p:nextCondLst>
+                <p:cond evt="onNext" delay="0">
+                  <p:tgtEl>
+                    <p:sldTgt/>
+                  </p:tgtEl>
+                </p:cond>
+              </p:nextCondLst>
+            </p:seq>
+          </p:childTnLst>
+        </p:cTn>
+      </p:par>
+    </p:tnLst>
+  </p:timing>
+</p:sld>
+</file>
+
+<file path=ppt/slides/slide35.xml><?xml version="1.0" encoding="utf-8"?>
+<p:sld xmlns:a="http://schemas.openxmlformats.org/drawingml/2006/main" xmlns:r="http://schemas.openxmlformats.org/officeDocument/2006/relationships" xmlns:p="http://schemas.openxmlformats.org/presentationml/2006/main">
+  <p:cSld>
+    <p:spTree>
+      <p:nvGrpSpPr>
+        <p:cNvPr id="1" name=""/>
+        <p:cNvGrpSpPr/>
+        <p:nvPr/>
+      </p:nvGrpSpPr>
+      <p:grpSpPr>
+        <a:xfrm>
+          <a:off x="0" y="0"/>
+          <a:ext cx="0" cy="0"/>
+          <a:chOff x="0" y="0"/>
+          <a:chExt cx="0" cy="0"/>
+        </a:xfrm>
+      </p:grpSpPr>
+      <p:sp>
+        <p:nvSpPr>
+          <p:cNvPr id="2" name="Title 1"/>
+          <p:cNvSpPr>
+            <a:spLocks noGrp="1"/>
+          </p:cNvSpPr>
+          <p:nvPr>
+            <p:ph type="title"/>
+          </p:nvPr>
+        </p:nvSpPr>
+        <p:spPr>
+          <a:xfrm>
+            <a:off x="323528" y="260648"/>
+            <a:ext cx="6912768" cy="778098"/>
+          </a:xfrm>
+        </p:spPr>
+        <p:txBody>
+          <a:bodyPr/>
+          <a:lstStyle/>
+          <a:p>
+            <a:r>
+              <a:rPr lang="pl-PL" dirty="0" smtClean="0"/>
+              <a:t>Task 4.4 – Add conditional formatting</a:t>
+            </a:r>
+            <a:endParaRPr lang="en-CA" dirty="0"/>
+          </a:p>
+        </p:txBody>
+      </p:sp>
+      <p:sp>
+        <p:nvSpPr>
+          <p:cNvPr id="3" name="Content Placeholder 2"/>
+          <p:cNvSpPr>
+            <a:spLocks noGrp="1"/>
+          </p:cNvSpPr>
+          <p:nvPr>
+            <p:ph sz="quarter" idx="10"/>
+          </p:nvPr>
+        </p:nvSpPr>
+        <p:spPr/>
+        <p:txBody>
+          <a:bodyPr/>
+          <a:lstStyle/>
+          <a:p>
+            <a:r>
+              <a:rPr lang="pl-PL" dirty="0" smtClean="0"/>
+              <a:t>Check if wifi is available</a:t>
+            </a:r>
+            <a:endParaRPr lang="en-CA" dirty="0"/>
+          </a:p>
+        </p:txBody>
+      </p:sp>
+      <p:sp>
+        <p:nvSpPr>
+          <p:cNvPr id="4" name="Content Placeholder 3"/>
+          <p:cNvSpPr>
+            <a:spLocks noGrp="1"/>
+          </p:cNvSpPr>
+          <p:nvPr>
+            <p:ph sz="quarter" idx="11"/>
+          </p:nvPr>
+        </p:nvSpPr>
+        <p:spPr/>
+        <p:txBody>
+          <a:bodyPr/>
+          <a:lstStyle/>
+          <a:p>
+            <a:r>
+              <a:rPr lang="pl-PL" dirty="0" smtClean="0"/>
+              <a:t>Set background colour for rows</a:t>
+            </a:r>
+            <a:endParaRPr lang="en-CA" dirty="0"/>
+          </a:p>
+        </p:txBody>
+      </p:sp>
+      <p:sp>
+        <p:nvSpPr>
+          <p:cNvPr id="5" name="Content Placeholder 4"/>
+          <p:cNvSpPr>
+            <a:spLocks noGrp="1"/>
+          </p:cNvSpPr>
+          <p:nvPr>
+            <p:ph sz="quarter" idx="12"/>
+          </p:nvPr>
+        </p:nvSpPr>
+        <p:spPr/>
+        <p:txBody>
+          <a:bodyPr/>
+          <a:lstStyle/>
+          <a:p>
+            <a:endParaRPr lang="en-CA"/>
+          </a:p>
+        </p:txBody>
+      </p:sp>
+      <p:sp>
+        <p:nvSpPr>
+          <p:cNvPr id="6" name="Content Placeholder 5"/>
+          <p:cNvSpPr>
+            <a:spLocks noGrp="1"/>
+          </p:cNvSpPr>
+          <p:nvPr>
+            <p:ph sz="quarter" idx="13"/>
+          </p:nvPr>
+        </p:nvSpPr>
+        <p:spPr/>
+        <p:txBody>
+          <a:bodyPr/>
+          <a:lstStyle/>
+          <a:p>
+            <a:endParaRPr lang="en-CA"/>
+          </a:p>
+        </p:txBody>
+      </p:sp>
+      <p:sp>
+        <p:nvSpPr>
+          <p:cNvPr id="7" name="Content Placeholder 6"/>
+          <p:cNvSpPr>
+            <a:spLocks noGrp="1"/>
+          </p:cNvSpPr>
+          <p:nvPr>
+            <p:ph sz="quarter" idx="14"/>
+          </p:nvPr>
+        </p:nvSpPr>
+        <p:spPr/>
+        <p:txBody>
+          <a:bodyPr/>
+          <a:lstStyle/>
+          <a:p>
+            <a:endParaRPr lang="en-CA"/>
+          </a:p>
+        </p:txBody>
+      </p:sp>
+      <p:sp>
+        <p:nvSpPr>
+          <p:cNvPr id="8" name="Content Placeholder 7"/>
+          <p:cNvSpPr>
+            <a:spLocks noGrp="1"/>
+          </p:cNvSpPr>
+          <p:nvPr>
+            <p:ph sz="quarter" idx="15"/>
+          </p:nvPr>
+        </p:nvSpPr>
+        <p:spPr/>
+        <p:txBody>
+          <a:bodyPr/>
+          <a:lstStyle/>
+          <a:p>
+            <a:endParaRPr lang="en-CA"/>
+          </a:p>
+        </p:txBody>
+      </p:sp>
+      <p:pic>
+        <p:nvPicPr>
+          <p:cNvPr id="11266" name="Picture 2"/>
+          <p:cNvPicPr>
+            <a:picLocks noChangeAspect="1" noChangeArrowheads="1"/>
+          </p:cNvPicPr>
+          <p:nvPr/>
+        </p:nvPicPr>
+        <p:blipFill>
+          <a:blip r:embed="rId2">
+            <a:extLst>
+              <a:ext uri="{28A0092B-C50C-407E-A947-70E740481C1C}">
+                <a14:useLocalDpi xmlns:a14="http://schemas.microsoft.com/office/drawing/2010/main" val="0"/>
+              </a:ext>
+            </a:extLst>
+          </a:blip>
+          <a:srcRect/>
+          <a:stretch>
+            <a:fillRect/>
+          </a:stretch>
+        </p:blipFill>
+        <p:spPr bwMode="auto">
+          <a:xfrm>
+            <a:off x="323528" y="3068960"/>
+            <a:ext cx="7639524" cy="3240360"/>
+          </a:xfrm>
+          <a:prstGeom prst="rect">
+            <a:avLst/>
+          </a:prstGeom>
+          <a:noFill/>
+          <a:ln>
+            <a:noFill/>
+          </a:ln>
+          <a:effectLst/>
+          <a:extLst>
+            <a:ext uri="{909E8E84-426E-40DD-AFC4-6F175D3DCCD1}">
+              <a14:hiddenFill xmlns:a14="http://schemas.microsoft.com/office/drawing/2010/main">
+                <a:solidFill>
+                  <a:schemeClr val="accent1"/>
+                </a:solidFill>
+              </a14:hiddenFill>
+            </a:ext>
+            <a:ext uri="{91240B29-F687-4F45-9708-019B960494DF}">
+              <a14:hiddenLine xmlns:a14="http://schemas.microsoft.com/office/drawing/2010/main" w="9525">
+                <a:solidFill>
+                  <a:schemeClr val="tx1"/>
+                </a:solidFill>
+                <a:miter lim="800000"/>
+                <a:headEnd/>
+                <a:tailEnd/>
+              </a14:hiddenLine>
+            </a:ext>
+            <a:ext uri="{AF507438-7753-43E0-B8FC-AC1667EBCBE1}">
+              <a14:hiddenEffects xmlns:a14="http://schemas.microsoft.com/office/drawing/2010/main">
+                <a:effectLst>
+                  <a:outerShdw dist="35921" dir="2700000" algn="ctr" rotWithShape="0">
+                    <a:schemeClr val="bg2"/>
+                  </a:outerShdw>
+                </a:effectLst>
+              </a14:hiddenEffects>
+            </a:ext>
+          </a:extLst>
+        </p:spPr>
+      </p:pic>
+    </p:spTree>
+    <p:extLst>
+      <p:ext uri="{BB962C8B-B14F-4D97-AF65-F5344CB8AC3E}">
+        <p14:creationId xmlns:p14="http://schemas.microsoft.com/office/powerpoint/2010/main" val="968077331"/>
+      </p:ext>
+    </p:extLst>
+  </p:cSld>
+  <p:clrMapOvr>
+    <a:masterClrMapping/>
+  </p:clrMapOvr>
+  <mc:AlternateContent xmlns:mc="http://schemas.openxmlformats.org/markup-compatibility/2006" xmlns:p14="http://schemas.microsoft.com/office/powerpoint/2010/main">
+    <mc:Choice Requires="p14">
+      <p:transition spd="slow" p14:dur="2000"/>
+    </mc:Choice>
+    <mc:Fallback xmlns="">
+      <p:transition spd="slow"/>
+    </mc:Fallback>
+  </mc:AlternateContent>
+  <p:timing>
+    <p:tnLst>
+      <p:par>
+        <p:cTn id="1" dur="indefinite" restart="never" nodeType="tmRoot">
+          <p:childTnLst>
+            <p:seq concurrent="1" nextAc="seek">
+              <p:cTn id="2" dur="indefinite" nodeType="mainSeq">
+                <p:childTnLst>
+                  <p:par>
+                    <p:cTn id="3" fill="hold">
+                      <p:stCondLst>
+                        <p:cond delay="indefinite"/>
+                      </p:stCondLst>
+                      <p:childTnLst>
+                        <p:par>
+                          <p:cTn id="4" fill="hold">
+                            <p:stCondLst>
+                              <p:cond delay="0"/>
+                            </p:stCondLst>
+                            <p:childTnLst>
+                              <p:par>
+                                <p:cTn id="5" presetID="10" presetClass="entr" presetSubtype="0" fill="hold" nodeType="clickEffect">
+                                  <p:stCondLst>
+                                    <p:cond delay="0"/>
+                                  </p:stCondLst>
+                                  <p:childTnLst>
+                                    <p:set>
+                                      <p:cBhvr>
+                                        <p:cTn id="6" dur="1" fill="hold">
+                                          <p:stCondLst>
+                                            <p:cond delay="0"/>
+                                          </p:stCondLst>
+                                        </p:cTn>
+                                        <p:tgtEl>
+                                          <p:spTgt spid="11266"/>
+                                        </p:tgtEl>
+                                        <p:attrNameLst>
+                                          <p:attrName>style.visibility</p:attrName>
+                                        </p:attrNameLst>
+                                      </p:cBhvr>
+                                      <p:to>
+                                        <p:strVal val="visible"/>
+                                      </p:to>
+                                    </p:set>
+                                    <p:animEffect transition="in" filter="fade">
+                                      <p:cBhvr>
+                                        <p:cTn id="7" dur="500"/>
+                                        <p:tgtEl>
+                                          <p:spTgt spid="11266"/>
+                                        </p:tgtEl>
+                                      </p:cBhvr>
+                                    </p:animEffect>
+                                  </p:childTnLst>
+                                </p:cTn>
+                              </p:par>
+                              <p:par>
+                                <p:cTn id="8" presetID="35" presetClass="path" presetSubtype="0" accel="50000" decel="50000" fill="hold" nodeType="withEffect">
+                                  <p:stCondLst>
+                                    <p:cond delay="0"/>
+                                  </p:stCondLst>
+                                  <p:childTnLst>
+                                    <p:animMotion origin="layout" path="M 0.04809 1.11111E-6 L -3.88889E-6 1.11111E-6 " pathEditMode="relative" rAng="0" ptsTypes="AA">
+                                      <p:cBhvr>
+                                        <p:cTn id="9" dur="2000" fill="hold"/>
+                                        <p:tgtEl>
+                                          <p:spTgt spid="11266"/>
+                                        </p:tgtEl>
+                                        <p:attrNameLst>
+                                          <p:attrName>ppt_x</p:attrName>
+                                          <p:attrName>ppt_y</p:attrName>
+                                        </p:attrNameLst>
+                                      </p:cBhvr>
+                                      <p:rCtr x="-2413" y="0"/>
+                                    </p:animMotion>
+                                  </p:childTnLst>
+                                </p:cTn>
+                              </p:par>
+                            </p:childTnLst>
+                          </p:cTn>
+                        </p:par>
+                      </p:childTnLst>
+                    </p:cTn>
+                  </p:par>
+                </p:childTnLst>
+              </p:cTn>
+              <p:prevCondLst>
+                <p:cond evt="onPrev" delay="0">
+                  <p:tgtEl>
+                    <p:sldTgt/>
+                  </p:tgtEl>
+                </p:cond>
+              </p:prevCondLst>
+              <p:nextCondLst>
+                <p:cond evt="onNext" delay="0">
+                  <p:tgtEl>
+                    <p:sldTgt/>
+                  </p:tgtEl>
+                </p:cond>
+              </p:nextCondLst>
+            </p:seq>
+          </p:childTnLst>
+        </p:cTn>
+      </p:par>
+    </p:tnLst>
+  </p:timing>
+</p:sld>
+</file>
+
+<file path=ppt/slides/slide36.xml><?xml version="1.0" encoding="utf-8"?>
+<p:sld xmlns:a="http://schemas.openxmlformats.org/drawingml/2006/main" xmlns:r="http://schemas.openxmlformats.org/officeDocument/2006/relationships" xmlns:p="http://schemas.openxmlformats.org/presentationml/2006/main">
+  <p:cSld>
+    <p:spTree>
+      <p:nvGrpSpPr>
+        <p:cNvPr id="1" name=""/>
+        <p:cNvGrpSpPr/>
+        <p:nvPr/>
+      </p:nvGrpSpPr>
+      <p:grpSpPr>
+        <a:xfrm>
+          <a:off x="0" y="0"/>
+          <a:ext cx="0" cy="0"/>
+          <a:chOff x="0" y="0"/>
+          <a:chExt cx="0" cy="0"/>
+        </a:xfrm>
+      </p:grpSpPr>
+      <p:sp>
+        <p:nvSpPr>
+          <p:cNvPr id="2" name="Title 1"/>
+          <p:cNvSpPr>
+            <a:spLocks noGrp="1"/>
+          </p:cNvSpPr>
+          <p:nvPr>
+            <p:ph type="title"/>
+          </p:nvPr>
+        </p:nvSpPr>
+        <p:spPr>
+          <a:xfrm>
+            <a:off x="323528" y="260648"/>
+            <a:ext cx="8208912" cy="778098"/>
+          </a:xfrm>
+        </p:spPr>
+        <p:txBody>
+          <a:bodyPr/>
+          <a:lstStyle/>
+          <a:p>
+            <a:r>
+              <a:rPr lang="pl-PL" dirty="0" smtClean="0"/>
+              <a:t>Task 4.5 – More conditional formatting – switch </a:t>
+            </a:r>
+            <a:endParaRPr lang="en-CA" dirty="0"/>
+          </a:p>
+        </p:txBody>
+      </p:sp>
+      <p:sp>
+        <p:nvSpPr>
+          <p:cNvPr id="3" name="Content Placeholder 2"/>
+          <p:cNvSpPr>
+            <a:spLocks noGrp="1"/>
+          </p:cNvSpPr>
+          <p:nvPr>
+            <p:ph sz="quarter" idx="10"/>
+          </p:nvPr>
+        </p:nvSpPr>
+        <p:spPr/>
+        <p:txBody>
+          <a:bodyPr/>
+          <a:lstStyle/>
+          <a:p>
+            <a:r>
+              <a:rPr lang="pl-PL" sz="2800" dirty="0" smtClean="0"/>
+              <a:t>Set colour based on shop’s opening time</a:t>
+            </a:r>
+            <a:endParaRPr lang="en-CA" sz="2800" dirty="0"/>
+          </a:p>
+        </p:txBody>
+      </p:sp>
+      <p:sp>
+        <p:nvSpPr>
+          <p:cNvPr id="4" name="Content Placeholder 3"/>
+          <p:cNvSpPr>
+            <a:spLocks noGrp="1"/>
+          </p:cNvSpPr>
+          <p:nvPr>
+            <p:ph sz="quarter" idx="11"/>
+          </p:nvPr>
+        </p:nvSpPr>
+        <p:spPr/>
+        <p:txBody>
+          <a:bodyPr/>
+          <a:lstStyle/>
+          <a:p>
+            <a:r>
+              <a:rPr lang="pl-PL" sz="2000" dirty="0" smtClean="0"/>
+              <a:t>Switch replaces multiple if’s with condition on the same variable</a:t>
+            </a:r>
+            <a:endParaRPr lang="en-CA" sz="2000" dirty="0"/>
+          </a:p>
+        </p:txBody>
+      </p:sp>
+      <p:sp>
+        <p:nvSpPr>
+          <p:cNvPr id="5" name="Content Placeholder 4"/>
+          <p:cNvSpPr>
+            <a:spLocks noGrp="1"/>
+          </p:cNvSpPr>
+          <p:nvPr>
+            <p:ph sz="quarter" idx="12"/>
+          </p:nvPr>
+        </p:nvSpPr>
+        <p:spPr/>
+        <p:txBody>
+          <a:bodyPr/>
+          <a:lstStyle/>
+          <a:p>
+            <a:endParaRPr lang="en-CA" dirty="0"/>
+          </a:p>
+        </p:txBody>
+      </p:sp>
+      <p:sp>
+        <p:nvSpPr>
+          <p:cNvPr id="6" name="Content Placeholder 5"/>
+          <p:cNvSpPr>
+            <a:spLocks noGrp="1"/>
+          </p:cNvSpPr>
+          <p:nvPr>
+            <p:ph sz="quarter" idx="13"/>
+          </p:nvPr>
+        </p:nvSpPr>
+        <p:spPr/>
+        <p:txBody>
+          <a:bodyPr/>
+          <a:lstStyle/>
+          <a:p>
+            <a:endParaRPr lang="en-CA"/>
+          </a:p>
+        </p:txBody>
+      </p:sp>
+      <p:sp>
+        <p:nvSpPr>
+          <p:cNvPr id="7" name="Content Placeholder 6"/>
+          <p:cNvSpPr>
+            <a:spLocks noGrp="1"/>
+          </p:cNvSpPr>
+          <p:nvPr>
+            <p:ph sz="quarter" idx="14"/>
+          </p:nvPr>
+        </p:nvSpPr>
+        <p:spPr/>
+        <p:txBody>
+          <a:bodyPr/>
+          <a:lstStyle/>
+          <a:p>
+            <a:endParaRPr lang="en-CA"/>
+          </a:p>
+        </p:txBody>
+      </p:sp>
+      <p:sp>
+        <p:nvSpPr>
+          <p:cNvPr id="8" name="Content Placeholder 7"/>
+          <p:cNvSpPr>
+            <a:spLocks noGrp="1"/>
+          </p:cNvSpPr>
+          <p:nvPr>
+            <p:ph sz="quarter" idx="15"/>
+          </p:nvPr>
+        </p:nvSpPr>
+        <p:spPr/>
+        <p:txBody>
+          <a:bodyPr/>
+          <a:lstStyle/>
+          <a:p>
+            <a:endParaRPr lang="en-CA"/>
+          </a:p>
+        </p:txBody>
+      </p:sp>
+      <p:pic>
+        <p:nvPicPr>
+          <p:cNvPr id="12290" name="Picture 2"/>
+          <p:cNvPicPr>
+            <a:picLocks noChangeAspect="1" noChangeArrowheads="1"/>
+          </p:cNvPicPr>
+          <p:nvPr/>
+        </p:nvPicPr>
+        <p:blipFill>
+          <a:blip r:embed="rId2">
+            <a:extLst>
+              <a:ext uri="{28A0092B-C50C-407E-A947-70E740481C1C}">
+                <a14:useLocalDpi xmlns:a14="http://schemas.microsoft.com/office/drawing/2010/main" val="0"/>
+              </a:ext>
+            </a:extLst>
+          </a:blip>
+          <a:srcRect/>
+          <a:stretch>
+            <a:fillRect/>
+          </a:stretch>
+        </p:blipFill>
+        <p:spPr bwMode="auto">
+          <a:xfrm>
+            <a:off x="323528" y="1628800"/>
+            <a:ext cx="3332385" cy="3765162"/>
+          </a:xfrm>
+          <a:prstGeom prst="rect">
+            <a:avLst/>
+          </a:prstGeom>
+          <a:noFill/>
+          <a:ln>
+            <a:noFill/>
+          </a:ln>
+          <a:effectLst/>
+          <a:extLst>
+            <a:ext uri="{909E8E84-426E-40DD-AFC4-6F175D3DCCD1}">
+              <a14:hiddenFill xmlns:a14="http://schemas.microsoft.com/office/drawing/2010/main">
+                <a:solidFill>
+                  <a:schemeClr val="accent1"/>
+                </a:solidFill>
+              </a14:hiddenFill>
+            </a:ext>
+            <a:ext uri="{91240B29-F687-4F45-9708-019B960494DF}">
+              <a14:hiddenLine xmlns:a14="http://schemas.microsoft.com/office/drawing/2010/main" w="9525">
+                <a:solidFill>
+                  <a:schemeClr val="tx1"/>
+                </a:solidFill>
+                <a:miter lim="800000"/>
+                <a:headEnd/>
+                <a:tailEnd/>
+              </a14:hiddenLine>
+            </a:ext>
+            <a:ext uri="{AF507438-7753-43E0-B8FC-AC1667EBCBE1}">
+              <a14:hiddenEffects xmlns:a14="http://schemas.microsoft.com/office/drawing/2010/main">
+                <a:effectLst>
+                  <a:outerShdw dist="35921" dir="2700000" algn="ctr" rotWithShape="0">
+                    <a:schemeClr val="bg2"/>
+                  </a:outerShdw>
+                </a:effectLst>
+              </a14:hiddenEffects>
+            </a:ext>
+          </a:extLst>
+        </p:spPr>
+      </p:pic>
+      <p:pic>
+        <p:nvPicPr>
+          <p:cNvPr id="12291" name="Picture 3"/>
+          <p:cNvPicPr>
+            <a:picLocks noChangeAspect="1" noChangeArrowheads="1"/>
+          </p:cNvPicPr>
+          <p:nvPr/>
+        </p:nvPicPr>
+        <p:blipFill>
+          <a:blip r:embed="rId3">
+            <a:extLst>
+              <a:ext uri="{28A0092B-C50C-407E-A947-70E740481C1C}">
+                <a14:useLocalDpi xmlns:a14="http://schemas.microsoft.com/office/drawing/2010/main" val="0"/>
+              </a:ext>
+            </a:extLst>
+          </a:blip>
+          <a:srcRect/>
+          <a:stretch>
+            <a:fillRect/>
+          </a:stretch>
+        </p:blipFill>
+        <p:spPr bwMode="auto">
+          <a:xfrm>
+            <a:off x="323528" y="1645746"/>
+            <a:ext cx="4608512" cy="4654482"/>
+          </a:xfrm>
+          <a:prstGeom prst="rect">
+            <a:avLst/>
+          </a:prstGeom>
+          <a:noFill/>
+          <a:ln>
+            <a:noFill/>
+          </a:ln>
+          <a:effectLst/>
+          <a:extLst>
+            <a:ext uri="{909E8E84-426E-40DD-AFC4-6F175D3DCCD1}">
+              <a14:hiddenFill xmlns:a14="http://schemas.microsoft.com/office/drawing/2010/main">
+                <a:solidFill>
+                  <a:schemeClr val="accent1"/>
+                </a:solidFill>
+              </a14:hiddenFill>
+            </a:ext>
+            <a:ext uri="{91240B29-F687-4F45-9708-019B960494DF}">
+              <a14:hiddenLine xmlns:a14="http://schemas.microsoft.com/office/drawing/2010/main" w="9525">
+                <a:solidFill>
+                  <a:schemeClr val="tx1"/>
+                </a:solidFill>
+                <a:miter lim="800000"/>
+                <a:headEnd/>
+                <a:tailEnd/>
+              </a14:hiddenLine>
+            </a:ext>
+            <a:ext uri="{AF507438-7753-43E0-B8FC-AC1667EBCBE1}">
+              <a14:hiddenEffects xmlns:a14="http://schemas.microsoft.com/office/drawing/2010/main">
+                <a:effectLst>
+                  <a:outerShdw dist="35921" dir="2700000" algn="ctr" rotWithShape="0">
+                    <a:schemeClr val="bg2"/>
+                  </a:outerShdw>
+                </a:effectLst>
+              </a14:hiddenEffects>
+            </a:ext>
+          </a:extLst>
+        </p:spPr>
+      </p:pic>
+    </p:spTree>
+    <p:extLst>
+      <p:ext uri="{BB962C8B-B14F-4D97-AF65-F5344CB8AC3E}">
+        <p14:creationId xmlns:p14="http://schemas.microsoft.com/office/powerpoint/2010/main" val="2254608790"/>
+      </p:ext>
+    </p:extLst>
+  </p:cSld>
+  <p:clrMapOvr>
+    <a:masterClrMapping/>
+  </p:clrMapOvr>
+  <mc:AlternateContent xmlns:mc="http://schemas.openxmlformats.org/markup-compatibility/2006" xmlns:p14="http://schemas.microsoft.com/office/powerpoint/2010/main">
+    <mc:Choice Requires="p14">
+      <p:transition spd="slow" p14:dur="2000"/>
+    </mc:Choice>
+    <mc:Fallback xmlns="">
+      <p:transition spd="slow"/>
+    </mc:Fallback>
+  </mc:AlternateContent>
+  <p:timing>
+    <p:tnLst>
+      <p:par>
+        <p:cTn id="1" dur="indefinite" restart="never" nodeType="tmRoot">
+          <p:childTnLst>
+            <p:seq concurrent="1" nextAc="seek">
+              <p:cTn id="2" dur="indefinite" nodeType="mainSeq">
+                <p:childTnLst>
+                  <p:par>
+                    <p:cTn id="3" fill="hold">
+                      <p:stCondLst>
+                        <p:cond delay="indefinite"/>
+                      </p:stCondLst>
+                      <p:childTnLst>
+                        <p:par>
+                          <p:cTn id="4" fill="hold">
+                            <p:stCondLst>
+                              <p:cond delay="0"/>
+                            </p:stCondLst>
+                            <p:childTnLst>
+                              <p:par>
+                                <p:cTn id="5" presetID="10" presetClass="entr" presetSubtype="0" fill="hold" nodeType="clickEffect">
+                                  <p:stCondLst>
+                                    <p:cond delay="0"/>
+                                  </p:stCondLst>
+                                  <p:childTnLst>
+                                    <p:set>
+                                      <p:cBhvr>
+                                        <p:cTn id="6" dur="1" fill="hold">
+                                          <p:stCondLst>
+                                            <p:cond delay="0"/>
+                                          </p:stCondLst>
+                                        </p:cTn>
+                                        <p:tgtEl>
+                                          <p:spTgt spid="12290"/>
+                                        </p:tgtEl>
+                                        <p:attrNameLst>
+                                          <p:attrName>style.visibility</p:attrName>
+                                        </p:attrNameLst>
+                                      </p:cBhvr>
+                                      <p:to>
+                                        <p:strVal val="visible"/>
+                                      </p:to>
+                                    </p:set>
+                                    <p:animEffect transition="in" filter="fade">
+                                      <p:cBhvr>
+                                        <p:cTn id="7" dur="500"/>
+                                        <p:tgtEl>
+                                          <p:spTgt spid="12290"/>
+                                        </p:tgtEl>
+                                      </p:cBhvr>
+                                    </p:animEffect>
+                                  </p:childTnLst>
+                                </p:cTn>
+                              </p:par>
+                              <p:par>
+                                <p:cTn id="8" presetID="35" presetClass="path" presetSubtype="0" accel="50000" decel="50000" fill="hold" nodeType="withEffect">
+                                  <p:stCondLst>
+                                    <p:cond delay="0"/>
+                                  </p:stCondLst>
+                                  <p:childTnLst>
+                                    <p:animMotion origin="layout" path="M 0.04809 1.11111E-6 L -3.88889E-6 1.11111E-6 " pathEditMode="relative" rAng="0" ptsTypes="AA">
+                                      <p:cBhvr>
+                                        <p:cTn id="9" dur="2000" fill="hold"/>
+                                        <p:tgtEl>
+                                          <p:spTgt spid="12290"/>
+                                        </p:tgtEl>
+                                        <p:attrNameLst>
+                                          <p:attrName>ppt_x</p:attrName>
+                                          <p:attrName>ppt_y</p:attrName>
+                                        </p:attrNameLst>
+                                      </p:cBhvr>
+                                      <p:rCtr x="-2413" y="0"/>
+                                    </p:animMotion>
+                                  </p:childTnLst>
+                                </p:cTn>
+                              </p:par>
+                            </p:childTnLst>
+                          </p:cTn>
+                        </p:par>
+                      </p:childTnLst>
+                    </p:cTn>
+                  </p:par>
+                  <p:par>
+                    <p:cTn id="10" fill="hold">
+                      <p:stCondLst>
+                        <p:cond delay="indefinite"/>
+                      </p:stCondLst>
+                      <p:childTnLst>
+                        <p:par>
+                          <p:cTn id="11" fill="hold">
+                            <p:stCondLst>
+                              <p:cond delay="0"/>
+                            </p:stCondLst>
+                            <p:childTnLst>
+                              <p:par>
+                                <p:cTn id="12" presetID="35" presetClass="path" presetSubtype="0" accel="50000" decel="50000" fill="hold" nodeType="clickEffect">
+                                  <p:stCondLst>
+                                    <p:cond delay="0"/>
+                                  </p:stCondLst>
+                                  <p:childTnLst>
+                                    <p:animMotion origin="layout" path="M -3.33333E-6 -2.22222E-6 L -0.05191 -0.00023 " pathEditMode="relative" rAng="0" ptsTypes="AA">
+                                      <p:cBhvr>
+                                        <p:cTn id="13" dur="2000" fill="hold"/>
+                                        <p:tgtEl>
+                                          <p:spTgt spid="12290"/>
+                                        </p:tgtEl>
+                                        <p:attrNameLst>
+                                          <p:attrName>ppt_x</p:attrName>
+                                          <p:attrName>ppt_y</p:attrName>
+                                        </p:attrNameLst>
+                                      </p:cBhvr>
+                                      <p:rCtr x="-2604" y="-23"/>
+                                    </p:animMotion>
+                                  </p:childTnLst>
+                                </p:cTn>
+                              </p:par>
+                              <p:par>
+                                <p:cTn id="14" presetID="10" presetClass="exit" presetSubtype="0" fill="hold" nodeType="withEffect">
+                                  <p:stCondLst>
+                                    <p:cond delay="500"/>
+                                  </p:stCondLst>
+                                  <p:childTnLst>
+                                    <p:animEffect transition="out" filter="fade">
+                                      <p:cBhvr>
+                                        <p:cTn id="15" dur="500"/>
+                                        <p:tgtEl>
+                                          <p:spTgt spid="12290"/>
+                                        </p:tgtEl>
+                                      </p:cBhvr>
+                                    </p:animEffect>
+                                    <p:set>
+                                      <p:cBhvr>
+                                        <p:cTn id="16" dur="1" fill="hold">
+                                          <p:stCondLst>
+                                            <p:cond delay="499"/>
+                                          </p:stCondLst>
+                                        </p:cTn>
+                                        <p:tgtEl>
+                                          <p:spTgt spid="12290"/>
+                                        </p:tgtEl>
+                                        <p:attrNameLst>
+                                          <p:attrName>style.visibility</p:attrName>
+                                        </p:attrNameLst>
+                                      </p:cBhvr>
+                                      <p:to>
+                                        <p:strVal val="hidden"/>
+                                      </p:to>
+                                    </p:set>
+                                  </p:childTnLst>
+                                </p:cTn>
+                              </p:par>
+                            </p:childTnLst>
+                          </p:cTn>
+                        </p:par>
+                        <p:par>
+                          <p:cTn id="17" fill="hold">
+                            <p:stCondLst>
+                              <p:cond delay="2000"/>
+                            </p:stCondLst>
+                            <p:childTnLst>
+                              <p:par>
+                                <p:cTn id="18" presetID="10" presetClass="entr" presetSubtype="0" fill="hold" nodeType="afterEffect">
+                                  <p:stCondLst>
+                                    <p:cond delay="0"/>
+                                  </p:stCondLst>
+                                  <p:childTnLst>
+                                    <p:set>
+                                      <p:cBhvr>
+                                        <p:cTn id="19" dur="1" fill="hold">
+                                          <p:stCondLst>
+                                            <p:cond delay="0"/>
+                                          </p:stCondLst>
+                                        </p:cTn>
+                                        <p:tgtEl>
+                                          <p:spTgt spid="12291"/>
+                                        </p:tgtEl>
+                                        <p:attrNameLst>
+                                          <p:attrName>style.visibility</p:attrName>
+                                        </p:attrNameLst>
+                                      </p:cBhvr>
+                                      <p:to>
+                                        <p:strVal val="visible"/>
+                                      </p:to>
+                                    </p:set>
+                                    <p:animEffect transition="in" filter="fade">
+                                      <p:cBhvr>
+                                        <p:cTn id="20" dur="500"/>
+                                        <p:tgtEl>
+                                          <p:spTgt spid="12291"/>
+                                        </p:tgtEl>
+                                      </p:cBhvr>
+                                    </p:animEffect>
+                                  </p:childTnLst>
+                                </p:cTn>
+                              </p:par>
+                              <p:par>
+                                <p:cTn id="21" presetID="35" presetClass="path" presetSubtype="0" accel="50000" decel="50000" fill="hold" nodeType="withEffect">
+                                  <p:stCondLst>
+                                    <p:cond delay="0"/>
+                                  </p:stCondLst>
+                                  <p:childTnLst>
+                                    <p:animMotion origin="layout" path="M 0.04809 1.11111E-6 L -3.88889E-6 1.11111E-6 " pathEditMode="relative" rAng="0" ptsTypes="AA">
+                                      <p:cBhvr>
+                                        <p:cTn id="22" dur="2000" fill="hold"/>
+                                        <p:tgtEl>
+                                          <p:spTgt spid="12291"/>
+                                        </p:tgtEl>
+                                        <p:attrNameLst>
+                                          <p:attrName>ppt_x</p:attrName>
+                                          <p:attrName>ppt_y</p:attrName>
+                                        </p:attrNameLst>
+                                      </p:cBhvr>
+                                      <p:rCtr x="-2413" y="0"/>
+                                    </p:animMotion>
+                                  </p:childTnLst>
+                                </p:cTn>
+                              </p:par>
+                            </p:childTnLst>
+                          </p:cTn>
+                        </p:par>
+                      </p:childTnLst>
+                    </p:cTn>
+                  </p:par>
+                </p:childTnLst>
+              </p:cTn>
+              <p:prevCondLst>
+                <p:cond evt="onPrev" delay="0">
+                  <p:tgtEl>
+                    <p:sldTgt/>
+                  </p:tgtEl>
+                </p:cond>
+              </p:prevCondLst>
+              <p:nextCondLst>
+                <p:cond evt="onNext" delay="0">
+                  <p:tgtEl>
+                    <p:sldTgt/>
+                  </p:tgtEl>
+                </p:cond>
+              </p:nextCondLst>
+            </p:seq>
+          </p:childTnLst>
+        </p:cTn>
+      </p:par>
+    </p:tnLst>
+  </p:timing>
+</p:sld>
+</file>
+
+<file path=ppt/slides/slide37.xml><?xml version="1.0" encoding="utf-8"?>
+<p:sld xmlns:a="http://schemas.openxmlformats.org/drawingml/2006/main" xmlns:r="http://schemas.openxmlformats.org/officeDocument/2006/relationships" xmlns:p="http://schemas.openxmlformats.org/presentationml/2006/main">
+  <p:cSld>
+    <p:spTree>
+      <p:nvGrpSpPr>
+        <p:cNvPr id="1" name=""/>
+        <p:cNvGrpSpPr/>
+        <p:nvPr/>
+      </p:nvGrpSpPr>
+      <p:grpSpPr>
+        <a:xfrm>
+          <a:off x="0" y="0"/>
+          <a:ext cx="0" cy="0"/>
+          <a:chOff x="0" y="0"/>
+          <a:chExt cx="0" cy="0"/>
+        </a:xfrm>
+      </p:grpSpPr>
+      <p:sp>
+        <p:nvSpPr>
+          <p:cNvPr id="2" name="Title 1"/>
+          <p:cNvSpPr>
+            <a:spLocks noGrp="1"/>
+          </p:cNvSpPr>
+          <p:nvPr>
+            <p:ph type="title"/>
+          </p:nvPr>
+        </p:nvSpPr>
+        <p:spPr/>
+        <p:txBody>
+          <a:bodyPr/>
+          <a:lstStyle/>
+          <a:p>
+            <a:r>
+              <a:rPr lang="pl-PL" dirty="0" smtClean="0"/>
+              <a:t>Task 5 – Play with collections</a:t>
+            </a:r>
+            <a:endParaRPr lang="en-CA" dirty="0"/>
+          </a:p>
+        </p:txBody>
+      </p:sp>
+      <p:sp>
+        <p:nvSpPr>
+          <p:cNvPr id="3" name="Content Placeholder 2"/>
+          <p:cNvSpPr>
+            <a:spLocks noGrp="1"/>
+          </p:cNvSpPr>
+          <p:nvPr>
+            <p:ph sz="quarter" idx="10"/>
+          </p:nvPr>
+        </p:nvSpPr>
+        <p:spPr/>
+        <p:txBody>
+          <a:bodyPr/>
+          <a:lstStyle/>
+          <a:p>
+            <a:r>
+              <a:rPr lang="pl-PL" dirty="0" smtClean="0"/>
+              <a:t>Display shop’s # on the page</a:t>
+            </a:r>
+            <a:endParaRPr lang="en-CA" dirty="0"/>
+          </a:p>
+        </p:txBody>
+      </p:sp>
+      <p:sp>
+        <p:nvSpPr>
+          <p:cNvPr id="4" name="Content Placeholder 3"/>
+          <p:cNvSpPr>
+            <a:spLocks noGrp="1"/>
+          </p:cNvSpPr>
+          <p:nvPr>
+            <p:ph sz="quarter" idx="11"/>
+          </p:nvPr>
+        </p:nvSpPr>
+        <p:spPr/>
+        <p:txBody>
+          <a:bodyPr/>
+          <a:lstStyle/>
+          <a:p>
+            <a:r>
+              <a:rPr lang="pl-PL" sz="2800" dirty="0" smtClean="0"/>
+              <a:t>Need to use  for instead of foreach</a:t>
+            </a:r>
+            <a:endParaRPr lang="en-CA" sz="2800" dirty="0"/>
+          </a:p>
+        </p:txBody>
+      </p:sp>
+      <p:sp>
+        <p:nvSpPr>
+          <p:cNvPr id="5" name="Content Placeholder 4"/>
+          <p:cNvSpPr>
+            <a:spLocks noGrp="1"/>
+          </p:cNvSpPr>
+          <p:nvPr>
+            <p:ph sz="quarter" idx="12"/>
+          </p:nvPr>
+        </p:nvSpPr>
+        <p:spPr/>
+        <p:txBody>
+          <a:bodyPr/>
+          <a:lstStyle/>
+          <a:p>
+            <a:endParaRPr lang="en-CA" dirty="0"/>
+          </a:p>
+        </p:txBody>
+      </p:sp>
+      <p:sp>
+        <p:nvSpPr>
+          <p:cNvPr id="6" name="Content Placeholder 5"/>
+          <p:cNvSpPr>
+            <a:spLocks noGrp="1"/>
+          </p:cNvSpPr>
+          <p:nvPr>
+            <p:ph sz="quarter" idx="13"/>
+          </p:nvPr>
+        </p:nvSpPr>
+        <p:spPr/>
+        <p:txBody>
+          <a:bodyPr/>
+          <a:lstStyle/>
+          <a:p>
+            <a:endParaRPr lang="en-CA"/>
+          </a:p>
+        </p:txBody>
+      </p:sp>
+      <p:sp>
+        <p:nvSpPr>
+          <p:cNvPr id="7" name="Content Placeholder 6"/>
+          <p:cNvSpPr>
+            <a:spLocks noGrp="1"/>
+          </p:cNvSpPr>
+          <p:nvPr>
+            <p:ph sz="quarter" idx="14"/>
+          </p:nvPr>
+        </p:nvSpPr>
+        <p:spPr/>
+        <p:txBody>
+          <a:bodyPr/>
+          <a:lstStyle/>
+          <a:p>
+            <a:endParaRPr lang="en-CA"/>
+          </a:p>
+        </p:txBody>
+      </p:sp>
+      <p:sp>
+        <p:nvSpPr>
+          <p:cNvPr id="8" name="Content Placeholder 7"/>
+          <p:cNvSpPr>
+            <a:spLocks noGrp="1"/>
+          </p:cNvSpPr>
+          <p:nvPr>
+            <p:ph sz="quarter" idx="15"/>
+          </p:nvPr>
+        </p:nvSpPr>
+        <p:spPr/>
+        <p:txBody>
+          <a:bodyPr/>
+          <a:lstStyle/>
+          <a:p>
+            <a:endParaRPr lang="en-CA"/>
+          </a:p>
+        </p:txBody>
+      </p:sp>
+      <p:pic>
+        <p:nvPicPr>
+          <p:cNvPr id="13314" name="Picture 2"/>
+          <p:cNvPicPr>
+            <a:picLocks noChangeAspect="1" noChangeArrowheads="1"/>
+          </p:cNvPicPr>
+          <p:nvPr/>
+        </p:nvPicPr>
+        <p:blipFill>
+          <a:blip r:embed="rId2">
+            <a:extLst>
+              <a:ext uri="{28A0092B-C50C-407E-A947-70E740481C1C}">
+                <a14:useLocalDpi xmlns:a14="http://schemas.microsoft.com/office/drawing/2010/main" val="0"/>
+              </a:ext>
+            </a:extLst>
+          </a:blip>
+          <a:srcRect/>
+          <a:stretch>
+            <a:fillRect/>
+          </a:stretch>
+        </p:blipFill>
+        <p:spPr bwMode="auto">
+          <a:xfrm>
+            <a:off x="323528" y="3068960"/>
+            <a:ext cx="5601745" cy="1321296"/>
+          </a:xfrm>
+          <a:prstGeom prst="rect">
+            <a:avLst/>
+          </a:prstGeom>
+          <a:noFill/>
+          <a:ln>
+            <a:noFill/>
+          </a:ln>
+          <a:effectLst/>
+          <a:extLst>
+            <a:ext uri="{909E8E84-426E-40DD-AFC4-6F175D3DCCD1}">
+              <a14:hiddenFill xmlns:a14="http://schemas.microsoft.com/office/drawing/2010/main">
+                <a:solidFill>
+                  <a:schemeClr val="accent1"/>
+                </a:solidFill>
+              </a14:hiddenFill>
+            </a:ext>
+            <a:ext uri="{91240B29-F687-4F45-9708-019B960494DF}">
+              <a14:hiddenLine xmlns:a14="http://schemas.microsoft.com/office/drawing/2010/main" w="9525">
+                <a:solidFill>
+                  <a:schemeClr val="tx1"/>
+                </a:solidFill>
+                <a:miter lim="800000"/>
+                <a:headEnd/>
+                <a:tailEnd/>
+              </a14:hiddenLine>
+            </a:ext>
+            <a:ext uri="{AF507438-7753-43E0-B8FC-AC1667EBCBE1}">
+              <a14:hiddenEffects xmlns:a14="http://schemas.microsoft.com/office/drawing/2010/main">
+                <a:effectLst>
+                  <a:outerShdw dist="35921" dir="2700000" algn="ctr" rotWithShape="0">
+                    <a:schemeClr val="bg2"/>
+                  </a:outerShdw>
+                </a:effectLst>
+              </a14:hiddenEffects>
+            </a:ext>
+          </a:extLst>
+        </p:spPr>
+      </p:pic>
+      <p:pic>
+        <p:nvPicPr>
+          <p:cNvPr id="13315" name="Picture 3"/>
+          <p:cNvPicPr>
+            <a:picLocks noChangeAspect="1" noChangeArrowheads="1"/>
+          </p:cNvPicPr>
+          <p:nvPr/>
+        </p:nvPicPr>
+        <p:blipFill>
+          <a:blip r:embed="rId3">
+            <a:extLst>
+              <a:ext uri="{28A0092B-C50C-407E-A947-70E740481C1C}">
+                <a14:useLocalDpi xmlns:a14="http://schemas.microsoft.com/office/drawing/2010/main" val="0"/>
+              </a:ext>
+            </a:extLst>
+          </a:blip>
+          <a:srcRect/>
+          <a:stretch>
+            <a:fillRect/>
+          </a:stretch>
+        </p:blipFill>
+        <p:spPr bwMode="auto">
+          <a:xfrm>
+            <a:off x="312068" y="3068960"/>
+            <a:ext cx="8161631" cy="2312462"/>
+          </a:xfrm>
+          <a:prstGeom prst="rect">
+            <a:avLst/>
+          </a:prstGeom>
+          <a:noFill/>
+          <a:ln>
+            <a:noFill/>
+          </a:ln>
+          <a:effectLst/>
+          <a:extLst>
+            <a:ext uri="{909E8E84-426E-40DD-AFC4-6F175D3DCCD1}">
+              <a14:hiddenFill xmlns:a14="http://schemas.microsoft.com/office/drawing/2010/main">
+                <a:solidFill>
+                  <a:schemeClr val="accent1"/>
+                </a:solidFill>
+              </a14:hiddenFill>
+            </a:ext>
+            <a:ext uri="{91240B29-F687-4F45-9708-019B960494DF}">
+              <a14:hiddenLine xmlns:a14="http://schemas.microsoft.com/office/drawing/2010/main" w="9525">
+                <a:solidFill>
+                  <a:schemeClr val="tx1"/>
+                </a:solidFill>
+                <a:miter lim="800000"/>
+                <a:headEnd/>
+                <a:tailEnd/>
+              </a14:hiddenLine>
+            </a:ext>
+            <a:ext uri="{AF507438-7753-43E0-B8FC-AC1667EBCBE1}">
+              <a14:hiddenEffects xmlns:a14="http://schemas.microsoft.com/office/drawing/2010/main">
+                <a:effectLst>
+                  <a:outerShdw dist="35921" dir="2700000" algn="ctr" rotWithShape="0">
+                    <a:schemeClr val="bg2"/>
+                  </a:outerShdw>
+                </a:effectLst>
+              </a14:hiddenEffects>
+            </a:ext>
+          </a:extLst>
+        </p:spPr>
+      </p:pic>
+    </p:spTree>
+    <p:extLst>
+      <p:ext uri="{BB962C8B-B14F-4D97-AF65-F5344CB8AC3E}">
+        <p14:creationId xmlns:p14="http://schemas.microsoft.com/office/powerpoint/2010/main" val="260886226"/>
+      </p:ext>
+    </p:extLst>
+  </p:cSld>
+  <p:clrMapOvr>
+    <a:masterClrMapping/>
+  </p:clrMapOvr>
+  <mc:AlternateContent xmlns:mc="http://schemas.openxmlformats.org/markup-compatibility/2006" xmlns:p14="http://schemas.microsoft.com/office/powerpoint/2010/main">
+    <mc:Choice Requires="p14">
+      <p:transition spd="slow" p14:dur="2000"/>
+    </mc:Choice>
+    <mc:Fallback xmlns="">
+      <p:transition spd="slow"/>
+    </mc:Fallback>
+  </mc:AlternateContent>
+  <p:timing>
+    <p:tnLst>
+      <p:par>
+        <p:cTn id="1" dur="indefinite" restart="never" nodeType="tmRoot">
+          <p:childTnLst>
+            <p:seq concurrent="1" nextAc="seek">
+              <p:cTn id="2" dur="indefinite" nodeType="mainSeq">
+                <p:childTnLst>
+                  <p:par>
+                    <p:cTn id="3" fill="hold">
+                      <p:stCondLst>
+                        <p:cond delay="indefinite"/>
+                      </p:stCondLst>
+                      <p:childTnLst>
+                        <p:par>
+                          <p:cTn id="4" fill="hold">
+                            <p:stCondLst>
+                              <p:cond delay="0"/>
+                            </p:stCondLst>
+                            <p:childTnLst>
+                              <p:par>
+                                <p:cTn id="5" presetID="10" presetClass="entr" presetSubtype="0" fill="hold" nodeType="clickEffect">
+                                  <p:stCondLst>
+                                    <p:cond delay="0"/>
+                                  </p:stCondLst>
+                                  <p:childTnLst>
+                                    <p:set>
+                                      <p:cBhvr>
+                                        <p:cTn id="6" dur="1" fill="hold">
+                                          <p:stCondLst>
+                                            <p:cond delay="0"/>
+                                          </p:stCondLst>
+                                        </p:cTn>
+                                        <p:tgtEl>
+                                          <p:spTgt spid="13314"/>
+                                        </p:tgtEl>
+                                        <p:attrNameLst>
+                                          <p:attrName>style.visibility</p:attrName>
+                                        </p:attrNameLst>
+                                      </p:cBhvr>
+                                      <p:to>
+                                        <p:strVal val="visible"/>
+                                      </p:to>
+                                    </p:set>
+                                    <p:animEffect transition="in" filter="fade">
+                                      <p:cBhvr>
+                                        <p:cTn id="7" dur="500"/>
+                                        <p:tgtEl>
+                                          <p:spTgt spid="13314"/>
+                                        </p:tgtEl>
+                                      </p:cBhvr>
+                                    </p:animEffect>
+                                  </p:childTnLst>
+                                </p:cTn>
+                              </p:par>
+                              <p:par>
+                                <p:cTn id="8" presetID="35" presetClass="path" presetSubtype="0" accel="50000" decel="50000" fill="hold" nodeType="withEffect">
+                                  <p:stCondLst>
+                                    <p:cond delay="0"/>
+                                  </p:stCondLst>
+                                  <p:childTnLst>
+                                    <p:animMotion origin="layout" path="M 0.04809 1.11111E-6 L -3.88889E-6 1.11111E-6 " pathEditMode="relative" rAng="0" ptsTypes="AA">
+                                      <p:cBhvr>
+                                        <p:cTn id="9" dur="2000" fill="hold"/>
+                                        <p:tgtEl>
+                                          <p:spTgt spid="13314"/>
+                                        </p:tgtEl>
+                                        <p:attrNameLst>
+                                          <p:attrName>ppt_x</p:attrName>
+                                          <p:attrName>ppt_y</p:attrName>
+                                        </p:attrNameLst>
+                                      </p:cBhvr>
+                                      <p:rCtr x="-2413" y="0"/>
+                                    </p:animMotion>
+                                  </p:childTnLst>
+                                </p:cTn>
+                              </p:par>
+                            </p:childTnLst>
+                          </p:cTn>
+                        </p:par>
+                      </p:childTnLst>
+                    </p:cTn>
+                  </p:par>
+                  <p:par>
+                    <p:cTn id="10" fill="hold">
+                      <p:stCondLst>
+                        <p:cond delay="indefinite"/>
+                      </p:stCondLst>
+                      <p:childTnLst>
+                        <p:par>
+                          <p:cTn id="11" fill="hold">
+                            <p:stCondLst>
+                              <p:cond delay="0"/>
+                            </p:stCondLst>
+                            <p:childTnLst>
+                              <p:par>
+                                <p:cTn id="12" presetID="35" presetClass="path" presetSubtype="0" accel="50000" decel="50000" fill="hold" nodeType="clickEffect">
+                                  <p:stCondLst>
+                                    <p:cond delay="0"/>
+                                  </p:stCondLst>
+                                  <p:childTnLst>
+                                    <p:animMotion origin="layout" path="M -3.33333E-6 -2.22222E-6 L -0.05191 -0.00023 " pathEditMode="relative" rAng="0" ptsTypes="AA">
+                                      <p:cBhvr>
+                                        <p:cTn id="13" dur="2000" fill="hold"/>
+                                        <p:tgtEl>
+                                          <p:spTgt spid="13314"/>
+                                        </p:tgtEl>
+                                        <p:attrNameLst>
+                                          <p:attrName>ppt_x</p:attrName>
+                                          <p:attrName>ppt_y</p:attrName>
+                                        </p:attrNameLst>
+                                      </p:cBhvr>
+                                      <p:rCtr x="-2604" y="-23"/>
+                                    </p:animMotion>
+                                  </p:childTnLst>
+                                </p:cTn>
+                              </p:par>
+                              <p:par>
+                                <p:cTn id="14" presetID="10" presetClass="exit" presetSubtype="0" fill="hold" nodeType="withEffect">
+                                  <p:stCondLst>
+                                    <p:cond delay="500"/>
+                                  </p:stCondLst>
+                                  <p:childTnLst>
+                                    <p:animEffect transition="out" filter="fade">
+                                      <p:cBhvr>
+                                        <p:cTn id="15" dur="500"/>
+                                        <p:tgtEl>
+                                          <p:spTgt spid="13314"/>
+                                        </p:tgtEl>
+                                      </p:cBhvr>
+                                    </p:animEffect>
+                                    <p:set>
+                                      <p:cBhvr>
+                                        <p:cTn id="16" dur="1" fill="hold">
+                                          <p:stCondLst>
+                                            <p:cond delay="499"/>
+                                          </p:stCondLst>
+                                        </p:cTn>
+                                        <p:tgtEl>
+                                          <p:spTgt spid="13314"/>
+                                        </p:tgtEl>
+                                        <p:attrNameLst>
+                                          <p:attrName>style.visibility</p:attrName>
+                                        </p:attrNameLst>
+                                      </p:cBhvr>
+                                      <p:to>
+                                        <p:strVal val="hidden"/>
+                                      </p:to>
+                                    </p:set>
+                                  </p:childTnLst>
+                                </p:cTn>
+                              </p:par>
+                            </p:childTnLst>
+                          </p:cTn>
+                        </p:par>
+                        <p:par>
+                          <p:cTn id="17" fill="hold">
+                            <p:stCondLst>
+                              <p:cond delay="2000"/>
+                            </p:stCondLst>
+                            <p:childTnLst>
+                              <p:par>
+                                <p:cTn id="18" presetID="10" presetClass="entr" presetSubtype="0" fill="hold" nodeType="afterEffect">
+                                  <p:stCondLst>
+                                    <p:cond delay="0"/>
+                                  </p:stCondLst>
+                                  <p:childTnLst>
+                                    <p:set>
+                                      <p:cBhvr>
+                                        <p:cTn id="19" dur="1" fill="hold">
+                                          <p:stCondLst>
+                                            <p:cond delay="0"/>
+                                          </p:stCondLst>
+                                        </p:cTn>
+                                        <p:tgtEl>
+                                          <p:spTgt spid="13315"/>
+                                        </p:tgtEl>
+                                        <p:attrNameLst>
+                                          <p:attrName>style.visibility</p:attrName>
+                                        </p:attrNameLst>
+                                      </p:cBhvr>
+                                      <p:to>
+                                        <p:strVal val="visible"/>
+                                      </p:to>
+                                    </p:set>
+                                    <p:animEffect transition="in" filter="fade">
+                                      <p:cBhvr>
+                                        <p:cTn id="20" dur="500"/>
+                                        <p:tgtEl>
+                                          <p:spTgt spid="13315"/>
+                                        </p:tgtEl>
+                                      </p:cBhvr>
+                                    </p:animEffect>
+                                  </p:childTnLst>
+                                </p:cTn>
+                              </p:par>
+                              <p:par>
+                                <p:cTn id="21" presetID="35" presetClass="path" presetSubtype="0" accel="50000" decel="50000" fill="hold" nodeType="withEffect">
+                                  <p:stCondLst>
+                                    <p:cond delay="0"/>
+                                  </p:stCondLst>
+                                  <p:childTnLst>
+                                    <p:animMotion origin="layout" path="M 0.04809 1.11111E-6 L -3.88889E-6 1.11111E-6 " pathEditMode="relative" rAng="0" ptsTypes="AA">
+                                      <p:cBhvr>
+                                        <p:cTn id="22" dur="2000" fill="hold"/>
+                                        <p:tgtEl>
+                                          <p:spTgt spid="13315"/>
+                                        </p:tgtEl>
+                                        <p:attrNameLst>
+                                          <p:attrName>ppt_x</p:attrName>
+                                          <p:attrName>ppt_y</p:attrName>
+                                        </p:attrNameLst>
+                                      </p:cBhvr>
+                                      <p:rCtr x="-2413" y="0"/>
+                                    </p:animMotion>
+                                  </p:childTnLst>
+                                </p:cTn>
+                              </p:par>
+                            </p:childTnLst>
+                          </p:cTn>
+                        </p:par>
+                      </p:childTnLst>
+                    </p:cTn>
+                  </p:par>
+                </p:childTnLst>
+              </p:cTn>
+              <p:prevCondLst>
+                <p:cond evt="onPrev" delay="0">
+                  <p:tgtEl>
+                    <p:sldTgt/>
+                  </p:tgtEl>
+                </p:cond>
+              </p:prevCondLst>
+              <p:nextCondLst>
+                <p:cond evt="onNext" delay="0">
+                  <p:tgtEl>
+                    <p:sldTgt/>
+                  </p:tgtEl>
+                </p:cond>
+              </p:nextCondLst>
+            </p:seq>
+          </p:childTnLst>
+        </p:cTn>
+      </p:par>
+    </p:tnLst>
+  </p:timing>
+</p:sld>
+</file>
+
+<file path=ppt/slides/slide38.xml><?xml version="1.0" encoding="utf-8"?>
+<p:sld xmlns:a="http://schemas.openxmlformats.org/drawingml/2006/main" xmlns:r="http://schemas.openxmlformats.org/officeDocument/2006/relationships" xmlns:p="http://schemas.openxmlformats.org/presentationml/2006/main">
+  <p:cSld>
+    <p:spTree>
+      <p:nvGrpSpPr>
+        <p:cNvPr id="1" name=""/>
+        <p:cNvGrpSpPr/>
+        <p:nvPr/>
+      </p:nvGrpSpPr>
+      <p:grpSpPr>
+        <a:xfrm>
+          <a:off x="0" y="0"/>
+          <a:ext cx="0" cy="0"/>
+          <a:chOff x="0" y="0"/>
+          <a:chExt cx="0" cy="0"/>
+        </a:xfrm>
+      </p:grpSpPr>
+      <p:sp>
+        <p:nvSpPr>
+          <p:cNvPr id="2" name="Title 1"/>
+          <p:cNvSpPr>
+            <a:spLocks noGrp="1"/>
+          </p:cNvSpPr>
+          <p:nvPr>
+            <p:ph type="title"/>
+          </p:nvPr>
+        </p:nvSpPr>
+        <p:spPr/>
+        <p:txBody>
+          <a:bodyPr/>
+          <a:lstStyle/>
+          <a:p>
+            <a:r>
+              <a:rPr lang="pl-PL" dirty="0" smtClean="0"/>
+              <a:t>Task 5.1 – Display only some shops</a:t>
+            </a:r>
+            <a:endParaRPr lang="en-CA" dirty="0"/>
+          </a:p>
+        </p:txBody>
+      </p:sp>
+      <p:sp>
+        <p:nvSpPr>
+          <p:cNvPr id="3" name="Content Placeholder 2"/>
+          <p:cNvSpPr>
+            <a:spLocks noGrp="1"/>
+          </p:cNvSpPr>
+          <p:nvPr>
+            <p:ph sz="quarter" idx="10"/>
+          </p:nvPr>
+        </p:nvSpPr>
+        <p:spPr/>
+        <p:txBody>
+          <a:bodyPr/>
+          <a:lstStyle/>
+          <a:p>
+            <a:r>
+              <a:rPr lang="pl-PL" sz="2800" dirty="0" smtClean="0"/>
+              <a:t>Display shops opening at 8am only</a:t>
+            </a:r>
+            <a:endParaRPr lang="en-CA" sz="2800" dirty="0"/>
+          </a:p>
+        </p:txBody>
+      </p:sp>
+      <p:sp>
+        <p:nvSpPr>
+          <p:cNvPr id="4" name="Content Placeholder 3"/>
+          <p:cNvSpPr>
+            <a:spLocks noGrp="1"/>
+          </p:cNvSpPr>
+          <p:nvPr>
+            <p:ph sz="quarter" idx="11"/>
+          </p:nvPr>
+        </p:nvSpPr>
+        <p:spPr/>
+        <p:txBody>
+          <a:bodyPr/>
+          <a:lstStyle/>
+          <a:p>
+            <a:r>
+              <a:rPr lang="pl-PL" sz="2800" dirty="0" smtClean="0"/>
+              <a:t>Need to pass a smaller collection</a:t>
+            </a:r>
+            <a:endParaRPr lang="en-CA" sz="2800" dirty="0"/>
+          </a:p>
+        </p:txBody>
+      </p:sp>
+      <p:sp>
+        <p:nvSpPr>
+          <p:cNvPr id="5" name="Content Placeholder 4"/>
+          <p:cNvSpPr>
+            <a:spLocks noGrp="1"/>
+          </p:cNvSpPr>
+          <p:nvPr>
+            <p:ph sz="quarter" idx="12"/>
+          </p:nvPr>
+        </p:nvSpPr>
+        <p:spPr/>
+        <p:txBody>
+          <a:bodyPr/>
+          <a:lstStyle/>
+          <a:p>
+            <a:r>
+              <a:rPr lang="pl-PL" dirty="0" smtClean="0"/>
+              <a:t>First – use arrays</a:t>
+            </a:r>
+            <a:endParaRPr lang="en-CA" dirty="0"/>
+          </a:p>
+        </p:txBody>
+      </p:sp>
+      <p:sp>
+        <p:nvSpPr>
+          <p:cNvPr id="6" name="Content Placeholder 5"/>
+          <p:cNvSpPr>
+            <a:spLocks noGrp="1"/>
+          </p:cNvSpPr>
+          <p:nvPr>
+            <p:ph sz="quarter" idx="13"/>
+          </p:nvPr>
+        </p:nvSpPr>
+        <p:spPr/>
+        <p:txBody>
+          <a:bodyPr/>
+          <a:lstStyle/>
+          <a:p>
+            <a:endParaRPr lang="en-CA"/>
+          </a:p>
+        </p:txBody>
+      </p:sp>
+      <p:sp>
+        <p:nvSpPr>
+          <p:cNvPr id="7" name="Content Placeholder 6"/>
+          <p:cNvSpPr>
+            <a:spLocks noGrp="1"/>
+          </p:cNvSpPr>
+          <p:nvPr>
+            <p:ph sz="quarter" idx="14"/>
+          </p:nvPr>
+        </p:nvSpPr>
+        <p:spPr/>
+        <p:txBody>
+          <a:bodyPr/>
+          <a:lstStyle/>
+          <a:p>
+            <a:endParaRPr lang="en-CA"/>
+          </a:p>
+        </p:txBody>
+      </p:sp>
+      <p:sp>
+        <p:nvSpPr>
+          <p:cNvPr id="8" name="Content Placeholder 7"/>
+          <p:cNvSpPr>
+            <a:spLocks noGrp="1"/>
+          </p:cNvSpPr>
+          <p:nvPr>
+            <p:ph sz="quarter" idx="15"/>
+          </p:nvPr>
+        </p:nvSpPr>
+        <p:spPr/>
+        <p:txBody>
+          <a:bodyPr/>
+          <a:lstStyle/>
+          <a:p>
+            <a:endParaRPr lang="en-CA"/>
+          </a:p>
+        </p:txBody>
+      </p:sp>
+      <p:pic>
+        <p:nvPicPr>
+          <p:cNvPr id="14339" name="Picture 3"/>
+          <p:cNvPicPr>
+            <a:picLocks noChangeAspect="1" noChangeArrowheads="1"/>
+          </p:cNvPicPr>
+          <p:nvPr/>
+        </p:nvPicPr>
+        <p:blipFill>
+          <a:blip r:embed="rId2">
+            <a:extLst>
+              <a:ext uri="{28A0092B-C50C-407E-A947-70E740481C1C}">
+                <a14:useLocalDpi xmlns:a14="http://schemas.microsoft.com/office/drawing/2010/main" val="0"/>
+              </a:ext>
+            </a:extLst>
+          </a:blip>
+          <a:srcRect/>
+          <a:stretch>
+            <a:fillRect/>
+          </a:stretch>
+        </p:blipFill>
+        <p:spPr bwMode="auto">
+          <a:xfrm>
+            <a:off x="323529" y="4521890"/>
+            <a:ext cx="8640960" cy="1373176"/>
+          </a:xfrm>
+          <a:prstGeom prst="rect">
+            <a:avLst/>
+          </a:prstGeom>
+          <a:noFill/>
+          <a:ln>
+            <a:noFill/>
+          </a:ln>
+          <a:effectLst/>
+          <a:extLst>
+            <a:ext uri="{909E8E84-426E-40DD-AFC4-6F175D3DCCD1}">
+              <a14:hiddenFill xmlns:a14="http://schemas.microsoft.com/office/drawing/2010/main">
+                <a:solidFill>
+                  <a:schemeClr val="accent1"/>
+                </a:solidFill>
+              </a14:hiddenFill>
+            </a:ext>
+            <a:ext uri="{91240B29-F687-4F45-9708-019B960494DF}">
+              <a14:hiddenLine xmlns:a14="http://schemas.microsoft.com/office/drawing/2010/main" w="9525">
+                <a:solidFill>
+                  <a:schemeClr val="tx1"/>
+                </a:solidFill>
+                <a:miter lim="800000"/>
+                <a:headEnd/>
+                <a:tailEnd/>
+              </a14:hiddenLine>
+            </a:ext>
+            <a:ext uri="{AF507438-7753-43E0-B8FC-AC1667EBCBE1}">
+              <a14:hiddenEffects xmlns:a14="http://schemas.microsoft.com/office/drawing/2010/main">
+                <a:effectLst>
+                  <a:outerShdw dist="35921" dir="2700000" algn="ctr" rotWithShape="0">
+                    <a:schemeClr val="bg2"/>
+                  </a:outerShdw>
+                </a:effectLst>
+              </a14:hiddenEffects>
+            </a:ext>
+          </a:extLst>
+        </p:spPr>
+      </p:pic>
+      <p:pic>
+        <p:nvPicPr>
+          <p:cNvPr id="14340" name="Picture 4"/>
+          <p:cNvPicPr>
+            <a:picLocks noChangeAspect="1" noChangeArrowheads="1"/>
+          </p:cNvPicPr>
+          <p:nvPr/>
+        </p:nvPicPr>
+        <p:blipFill>
+          <a:blip r:embed="rId3">
+            <a:extLst>
+              <a:ext uri="{28A0092B-C50C-407E-A947-70E740481C1C}">
+                <a14:useLocalDpi xmlns:a14="http://schemas.microsoft.com/office/drawing/2010/main" val="0"/>
+              </a:ext>
+            </a:extLst>
+          </a:blip>
+          <a:srcRect/>
+          <a:stretch>
+            <a:fillRect/>
+          </a:stretch>
+        </p:blipFill>
+        <p:spPr bwMode="auto">
+          <a:xfrm>
+            <a:off x="323529" y="3140968"/>
+            <a:ext cx="7246672" cy="2952348"/>
+          </a:xfrm>
+          <a:prstGeom prst="rect">
+            <a:avLst/>
+          </a:prstGeom>
+          <a:noFill/>
+          <a:ln>
+            <a:noFill/>
+          </a:ln>
+          <a:effectLst/>
+          <a:extLst>
+            <a:ext uri="{909E8E84-426E-40DD-AFC4-6F175D3DCCD1}">
+              <a14:hiddenFill xmlns:a14="http://schemas.microsoft.com/office/drawing/2010/main">
+                <a:solidFill>
+                  <a:schemeClr val="accent1"/>
+                </a:solidFill>
+              </a14:hiddenFill>
+            </a:ext>
+            <a:ext uri="{91240B29-F687-4F45-9708-019B960494DF}">
+              <a14:hiddenLine xmlns:a14="http://schemas.microsoft.com/office/drawing/2010/main" w="9525">
+                <a:solidFill>
+                  <a:schemeClr val="tx1"/>
+                </a:solidFill>
+                <a:miter lim="800000"/>
+                <a:headEnd/>
+                <a:tailEnd/>
+              </a14:hiddenLine>
+            </a:ext>
+            <a:ext uri="{AF507438-7753-43E0-B8FC-AC1667EBCBE1}">
+              <a14:hiddenEffects xmlns:a14="http://schemas.microsoft.com/office/drawing/2010/main">
+                <a:effectLst>
+                  <a:outerShdw dist="35921" dir="2700000" algn="ctr" rotWithShape="0">
+                    <a:schemeClr val="bg2"/>
+                  </a:outerShdw>
+                </a:effectLst>
+              </a14:hiddenEffects>
+            </a:ext>
+          </a:extLst>
+        </p:spPr>
+      </p:pic>
+    </p:spTree>
+    <p:extLst>
+      <p:ext uri="{BB962C8B-B14F-4D97-AF65-F5344CB8AC3E}">
+        <p14:creationId xmlns:p14="http://schemas.microsoft.com/office/powerpoint/2010/main" val="1928899501"/>
+      </p:ext>
+    </p:extLst>
+  </p:cSld>
+  <p:clrMapOvr>
+    <a:masterClrMapping/>
+  </p:clrMapOvr>
+  <mc:AlternateContent xmlns:mc="http://schemas.openxmlformats.org/markup-compatibility/2006" xmlns:p14="http://schemas.microsoft.com/office/powerpoint/2010/main">
+    <mc:Choice Requires="p14">
+      <p:transition spd="slow" p14:dur="2000"/>
+    </mc:Choice>
+    <mc:Fallback xmlns="">
+      <p:transition spd="slow"/>
+    </mc:Fallback>
+  </mc:AlternateContent>
+  <p:timing>
+    <p:tnLst>
+      <p:par>
+        <p:cTn id="1" dur="indefinite" restart="never" nodeType="tmRoot">
+          <p:childTnLst>
+            <p:seq concurrent="1" nextAc="seek">
+              <p:cTn id="2" dur="indefinite" nodeType="mainSeq">
+                <p:childTnLst>
+                  <p:par>
+                    <p:cTn id="3" fill="hold">
+                      <p:stCondLst>
+                        <p:cond delay="indefinite"/>
+                      </p:stCondLst>
+                      <p:childTnLst>
+                        <p:par>
+                          <p:cTn id="4" fill="hold">
+                            <p:stCondLst>
+                              <p:cond delay="0"/>
+                            </p:stCondLst>
+                            <p:childTnLst>
+                              <p:par>
+                                <p:cTn id="5" presetID="10" presetClass="entr" presetSubtype="0" fill="hold" nodeType="clickEffect">
+                                  <p:stCondLst>
+                                    <p:cond delay="0"/>
+                                  </p:stCondLst>
+                                  <p:childTnLst>
+                                    <p:set>
+                                      <p:cBhvr>
+                                        <p:cTn id="6" dur="1" fill="hold">
+                                          <p:stCondLst>
+                                            <p:cond delay="0"/>
+                                          </p:stCondLst>
+                                        </p:cTn>
+                                        <p:tgtEl>
+                                          <p:spTgt spid="14339"/>
+                                        </p:tgtEl>
+                                        <p:attrNameLst>
+                                          <p:attrName>style.visibility</p:attrName>
+                                        </p:attrNameLst>
+                                      </p:cBhvr>
+                                      <p:to>
+                                        <p:strVal val="visible"/>
+                                      </p:to>
+                                    </p:set>
+                                    <p:animEffect transition="in" filter="fade">
+                                      <p:cBhvr>
+                                        <p:cTn id="7" dur="500"/>
+                                        <p:tgtEl>
+                                          <p:spTgt spid="14339"/>
+                                        </p:tgtEl>
+                                      </p:cBhvr>
+                                    </p:animEffect>
+                                  </p:childTnLst>
+                                </p:cTn>
+                              </p:par>
+                              <p:par>
+                                <p:cTn id="8" presetID="35" presetClass="path" presetSubtype="0" accel="50000" decel="50000" fill="hold" nodeType="withEffect">
+                                  <p:stCondLst>
+                                    <p:cond delay="0"/>
+                                  </p:stCondLst>
+                                  <p:childTnLst>
+                                    <p:animMotion origin="layout" path="M 0.04809 1.11111E-6 L -3.88889E-6 1.11111E-6 " pathEditMode="relative" rAng="0" ptsTypes="AA">
+                                      <p:cBhvr>
+                                        <p:cTn id="9" dur="2000" fill="hold"/>
+                                        <p:tgtEl>
+                                          <p:spTgt spid="14339"/>
+                                        </p:tgtEl>
+                                        <p:attrNameLst>
+                                          <p:attrName>ppt_x</p:attrName>
+                                          <p:attrName>ppt_y</p:attrName>
+                                        </p:attrNameLst>
+                                      </p:cBhvr>
+                                      <p:rCtr x="-2413" y="0"/>
+                                    </p:animMotion>
+                                  </p:childTnLst>
+                                </p:cTn>
+                              </p:par>
+                            </p:childTnLst>
+                          </p:cTn>
+                        </p:par>
+                      </p:childTnLst>
+                    </p:cTn>
+                  </p:par>
+                  <p:par>
+                    <p:cTn id="10" fill="hold">
+                      <p:stCondLst>
+                        <p:cond delay="indefinite"/>
+                      </p:stCondLst>
+                      <p:childTnLst>
+                        <p:par>
+                          <p:cTn id="11" fill="hold">
+                            <p:stCondLst>
+                              <p:cond delay="0"/>
+                            </p:stCondLst>
+                            <p:childTnLst>
+                              <p:par>
+                                <p:cTn id="12" presetID="35" presetClass="path" presetSubtype="0" accel="50000" decel="50000" fill="hold" nodeType="clickEffect">
+                                  <p:stCondLst>
+                                    <p:cond delay="0"/>
+                                  </p:stCondLst>
+                                  <p:childTnLst>
+                                    <p:animMotion origin="layout" path="M -3.33333E-6 -2.22222E-6 L -0.05191 -0.00023 " pathEditMode="relative" rAng="0" ptsTypes="AA">
+                                      <p:cBhvr>
+                                        <p:cTn id="13" dur="2000" fill="hold"/>
+                                        <p:tgtEl>
+                                          <p:spTgt spid="14339"/>
+                                        </p:tgtEl>
+                                        <p:attrNameLst>
+                                          <p:attrName>ppt_x</p:attrName>
+                                          <p:attrName>ppt_y</p:attrName>
+                                        </p:attrNameLst>
+                                      </p:cBhvr>
+                                      <p:rCtr x="-2604" y="-23"/>
+                                    </p:animMotion>
+                                  </p:childTnLst>
+                                </p:cTn>
+                              </p:par>
+                              <p:par>
+                                <p:cTn id="14" presetID="10" presetClass="exit" presetSubtype="0" fill="hold" nodeType="withEffect">
+                                  <p:stCondLst>
+                                    <p:cond delay="500"/>
+                                  </p:stCondLst>
+                                  <p:childTnLst>
+                                    <p:animEffect transition="out" filter="fade">
+                                      <p:cBhvr>
+                                        <p:cTn id="15" dur="500"/>
+                                        <p:tgtEl>
+                                          <p:spTgt spid="14339"/>
+                                        </p:tgtEl>
+                                      </p:cBhvr>
+                                    </p:animEffect>
+                                    <p:set>
+                                      <p:cBhvr>
+                                        <p:cTn id="16" dur="1" fill="hold">
+                                          <p:stCondLst>
+                                            <p:cond delay="499"/>
+                                          </p:stCondLst>
+                                        </p:cTn>
+                                        <p:tgtEl>
+                                          <p:spTgt spid="14339"/>
+                                        </p:tgtEl>
+                                        <p:attrNameLst>
+                                          <p:attrName>style.visibility</p:attrName>
+                                        </p:attrNameLst>
+                                      </p:cBhvr>
+                                      <p:to>
+                                        <p:strVal val="hidden"/>
+                                      </p:to>
+                                    </p:set>
+                                  </p:childTnLst>
+                                </p:cTn>
+                              </p:par>
+                            </p:childTnLst>
+                          </p:cTn>
+                        </p:par>
+                        <p:par>
+                          <p:cTn id="17" fill="hold">
+                            <p:stCondLst>
+                              <p:cond delay="2000"/>
+                            </p:stCondLst>
+                            <p:childTnLst>
+                              <p:par>
+                                <p:cTn id="18" presetID="10" presetClass="entr" presetSubtype="0" fill="hold" nodeType="afterEffect">
+                                  <p:stCondLst>
+                                    <p:cond delay="0"/>
+                                  </p:stCondLst>
+                                  <p:childTnLst>
+                                    <p:set>
+                                      <p:cBhvr>
+                                        <p:cTn id="19" dur="1" fill="hold">
+                                          <p:stCondLst>
+                                            <p:cond delay="0"/>
+                                          </p:stCondLst>
+                                        </p:cTn>
+                                        <p:tgtEl>
+                                          <p:spTgt spid="14340"/>
+                                        </p:tgtEl>
+                                        <p:attrNameLst>
+                                          <p:attrName>style.visibility</p:attrName>
+                                        </p:attrNameLst>
+                                      </p:cBhvr>
+                                      <p:to>
+                                        <p:strVal val="visible"/>
+                                      </p:to>
+                                    </p:set>
+                                    <p:animEffect transition="in" filter="fade">
+                                      <p:cBhvr>
+                                        <p:cTn id="20" dur="500"/>
+                                        <p:tgtEl>
+                                          <p:spTgt spid="14340"/>
+                                        </p:tgtEl>
+                                      </p:cBhvr>
+                                    </p:animEffect>
+                                  </p:childTnLst>
+                                </p:cTn>
+                              </p:par>
+                              <p:par>
+                                <p:cTn id="21" presetID="35" presetClass="path" presetSubtype="0" accel="50000" decel="50000" fill="hold" nodeType="withEffect">
+                                  <p:stCondLst>
+                                    <p:cond delay="0"/>
+                                  </p:stCondLst>
+                                  <p:childTnLst>
+                                    <p:animMotion origin="layout" path="M 0.04809 1.11111E-6 L -3.88889E-6 1.11111E-6 " pathEditMode="relative" rAng="0" ptsTypes="AA">
+                                      <p:cBhvr>
+                                        <p:cTn id="22" dur="2000" fill="hold"/>
+                                        <p:tgtEl>
+                                          <p:spTgt spid="14340"/>
+                                        </p:tgtEl>
+                                        <p:attrNameLst>
+                                          <p:attrName>ppt_x</p:attrName>
+                                          <p:attrName>ppt_y</p:attrName>
+                                        </p:attrNameLst>
+                                      </p:cBhvr>
+                                      <p:rCtr x="-2413" y="0"/>
+                                    </p:animMotion>
+                                  </p:childTnLst>
+                                </p:cTn>
+                              </p:par>
+                            </p:childTnLst>
+                          </p:cTn>
+                        </p:par>
+                      </p:childTnLst>
+                    </p:cTn>
+                  </p:par>
+                </p:childTnLst>
+              </p:cTn>
+              <p:prevCondLst>
+                <p:cond evt="onPrev" delay="0">
+                  <p:tgtEl>
+                    <p:sldTgt/>
+                  </p:tgtEl>
+                </p:cond>
+              </p:prevCondLst>
+              <p:nextCondLst>
+                <p:cond evt="onNext" delay="0">
+                  <p:tgtEl>
+                    <p:sldTgt/>
+                  </p:tgtEl>
+                </p:cond>
+              </p:nextCondLst>
+            </p:seq>
+          </p:childTnLst>
+        </p:cTn>
       </p:par>
     </p:tnLst>
   </p:timing>

--- a/Programming Made Easy.pptx
+++ b/Programming Made Easy.pptx
@@ -28,10 +28,10 @@
     <p:sldId id="276" r:id="rId19"/>
     <p:sldId id="277" r:id="rId20"/>
     <p:sldId id="296" r:id="rId21"/>
-    <p:sldId id="278" r:id="rId22"/>
-    <p:sldId id="279" r:id="rId23"/>
-    <p:sldId id="281" r:id="rId24"/>
-    <p:sldId id="282" r:id="rId25"/>
+    <p:sldId id="279" r:id="rId22"/>
+    <p:sldId id="281" r:id="rId23"/>
+    <p:sldId id="282" r:id="rId24"/>
+    <p:sldId id="297" r:id="rId25"/>
     <p:sldId id="280" r:id="rId26"/>
     <p:sldId id="283" r:id="rId27"/>
     <p:sldId id="284" r:id="rId28"/>
@@ -1481,7 +1481,7 @@
   <dgm:whole/>
   <dgm:extLst>
     <a:ext uri="http://schemas.microsoft.com/office/drawing/2008/diagram">
-      <dsp:dataModelExt xmlns:dsp="http://schemas.microsoft.com/office/drawing/2008/diagram" relId="rId6" minVer="http://schemas.openxmlformats.org/drawingml/2006/diagram"/>
+      <dsp:dataModelExt xmlns:dsp="http://schemas.microsoft.com/office/drawing/2008/diagram" relId="rId9" minVer="http://schemas.openxmlformats.org/drawingml/2006/diagram"/>
     </a:ext>
   </dgm:extLst>
 </dgm:dataModel>
@@ -3743,7 +3743,7 @@
           <a:p>
             <a:fld id="{9D3FBBFE-677F-4CC0-BF92-950C0F009223}" type="datetimeFigureOut">
               <a:rPr lang="en-CA" smtClean="0"/>
-              <a:t>06/10/2012</a:t>
+              <a:t>10/10/2012</a:t>
             </a:fld>
             <a:endParaRPr lang="en-CA"/>
           </a:p>
@@ -4730,7 +4730,11 @@
         <p:nvSpPr>
           <p:cNvPr id="3" name="Rectangle 2"/>
           <p:cNvSpPr/>
-          <p:nvPr/>
+          <p:nvPr>
+            <p:custDataLst>
+              <p:tags r:id="rId1"/>
+            </p:custDataLst>
+          </p:nvPr>
         </p:nvSpPr>
         <p:spPr>
           <a:xfrm>
@@ -4782,6 +4786,9 @@
           </p:cNvSpPr>
           <p:nvPr>
             <p:ph type="title"/>
+            <p:custDataLst>
+              <p:tags r:id="rId2"/>
+            </p:custDataLst>
           </p:nvPr>
         </p:nvSpPr>
         <p:spPr>
@@ -4819,6 +4826,9 @@
           </p:cNvSpPr>
           <p:nvPr>
             <p:ph type="body" sz="quarter" idx="10"/>
+            <p:custDataLst>
+              <p:tags r:id="rId3"/>
+            </p:custDataLst>
           </p:nvPr>
         </p:nvSpPr>
         <p:spPr>
@@ -5111,6 +5121,9 @@
           </p:cNvSpPr>
           <p:nvPr>
             <p:ph idx="1"/>
+            <p:custDataLst>
+              <p:tags r:id="rId1"/>
+            </p:custDataLst>
           </p:nvPr>
         </p:nvSpPr>
         <p:spPr>
@@ -5193,7 +5206,11 @@
         <p:nvSpPr>
           <p:cNvPr id="6" name="Rectangle 5"/>
           <p:cNvSpPr/>
-          <p:nvPr/>
+          <p:nvPr>
+            <p:custDataLst>
+              <p:tags r:id="rId2"/>
+            </p:custDataLst>
+          </p:nvPr>
         </p:nvSpPr>
         <p:spPr>
           <a:xfrm>
@@ -5258,6 +5275,9 @@
           </p:cNvSpPr>
           <p:nvPr>
             <p:ph type="title"/>
+            <p:custDataLst>
+              <p:tags r:id="rId3"/>
+            </p:custDataLst>
           </p:nvPr>
         </p:nvSpPr>
         <p:spPr>
@@ -5851,7 +5871,11 @@
         <p:nvSpPr>
           <p:cNvPr id="6" name="Rectangle 5"/>
           <p:cNvSpPr/>
-          <p:nvPr/>
+          <p:nvPr>
+            <p:custDataLst>
+              <p:tags r:id="rId1"/>
+            </p:custDataLst>
+          </p:nvPr>
         </p:nvSpPr>
         <p:spPr>
           <a:xfrm>
@@ -5916,6 +5940,9 @@
           </p:cNvSpPr>
           <p:nvPr>
             <p:ph type="title"/>
+            <p:custDataLst>
+              <p:tags r:id="rId2"/>
+            </p:custDataLst>
           </p:nvPr>
         </p:nvSpPr>
         <p:spPr>
@@ -5953,6 +5980,9 @@
           </p:cNvSpPr>
           <p:nvPr>
             <p:ph sz="quarter" idx="10"/>
+            <p:custDataLst>
+              <p:tags r:id="rId3"/>
+            </p:custDataLst>
           </p:nvPr>
         </p:nvSpPr>
         <p:spPr>
@@ -6040,6 +6070,9 @@
           </p:cNvSpPr>
           <p:nvPr>
             <p:ph sz="quarter" idx="11"/>
+            <p:custDataLst>
+              <p:tags r:id="rId4"/>
+            </p:custDataLst>
           </p:nvPr>
         </p:nvSpPr>
         <p:spPr>
@@ -6127,6 +6160,9 @@
           </p:cNvSpPr>
           <p:nvPr>
             <p:ph sz="quarter" idx="12"/>
+            <p:custDataLst>
+              <p:tags r:id="rId5"/>
+            </p:custDataLst>
           </p:nvPr>
         </p:nvSpPr>
         <p:spPr>
@@ -6214,6 +6250,9 @@
           </p:cNvSpPr>
           <p:nvPr>
             <p:ph sz="quarter" idx="13"/>
+            <p:custDataLst>
+              <p:tags r:id="rId6"/>
+            </p:custDataLst>
           </p:nvPr>
         </p:nvSpPr>
         <p:spPr>
@@ -6301,6 +6340,9 @@
           </p:cNvSpPr>
           <p:nvPr>
             <p:ph sz="quarter" idx="14"/>
+            <p:custDataLst>
+              <p:tags r:id="rId7"/>
+            </p:custDataLst>
           </p:nvPr>
         </p:nvSpPr>
         <p:spPr>
@@ -6388,6 +6430,9 @@
           </p:cNvSpPr>
           <p:nvPr>
             <p:ph sz="quarter" idx="15"/>
+            <p:custDataLst>
+              <p:tags r:id="rId8"/>
+            </p:custDataLst>
           </p:nvPr>
         </p:nvSpPr>
         <p:spPr>
@@ -7459,6 +7504,9 @@
           </p:cNvSpPr>
           <p:nvPr>
             <p:ph type="title"/>
+            <p:custDataLst>
+              <p:tags r:id="rId1"/>
+            </p:custDataLst>
           </p:nvPr>
         </p:nvSpPr>
         <p:spPr>
@@ -7496,6 +7544,9 @@
           </p:cNvSpPr>
           <p:nvPr>
             <p:ph idx="10"/>
+            <p:custDataLst>
+              <p:tags r:id="rId2"/>
+            </p:custDataLst>
           </p:nvPr>
         </p:nvSpPr>
         <p:spPr>
@@ -7575,6 +7626,9 @@
           </p:cNvSpPr>
           <p:nvPr>
             <p:ph idx="1"/>
+            <p:custDataLst>
+              <p:tags r:id="rId3"/>
+            </p:custDataLst>
           </p:nvPr>
         </p:nvSpPr>
         <p:spPr>
@@ -7661,6 +7715,9 @@
           </p:cNvSpPr>
           <p:nvPr>
             <p:ph idx="11"/>
+            <p:custDataLst>
+              <p:tags r:id="rId4"/>
+            </p:custDataLst>
           </p:nvPr>
         </p:nvSpPr>
         <p:spPr>
@@ -7736,7 +7793,11 @@
         <p:nvSpPr>
           <p:cNvPr id="11" name="Rectangle 10"/>
           <p:cNvSpPr/>
-          <p:nvPr/>
+          <p:nvPr>
+            <p:custDataLst>
+              <p:tags r:id="rId5"/>
+            </p:custDataLst>
+          </p:nvPr>
         </p:nvSpPr>
         <p:spPr>
           <a:xfrm>
@@ -8705,6 +8766,9 @@
           </p:cNvSpPr>
           <p:nvPr>
             <p:ph type="title"/>
+            <p:custDataLst>
+              <p:tags r:id="rId1"/>
+            </p:custDataLst>
           </p:nvPr>
         </p:nvSpPr>
         <p:spPr>
@@ -8742,6 +8806,9 @@
           </p:cNvSpPr>
           <p:nvPr>
             <p:ph idx="10"/>
+            <p:custDataLst>
+              <p:tags r:id="rId2"/>
+            </p:custDataLst>
           </p:nvPr>
         </p:nvSpPr>
         <p:spPr>
@@ -8821,6 +8888,9 @@
           </p:cNvSpPr>
           <p:nvPr>
             <p:ph idx="1"/>
+            <p:custDataLst>
+              <p:tags r:id="rId3"/>
+            </p:custDataLst>
           </p:nvPr>
         </p:nvSpPr>
         <p:spPr>
@@ -8907,6 +8977,9 @@
           </p:cNvSpPr>
           <p:nvPr>
             <p:ph idx="11"/>
+            <p:custDataLst>
+              <p:tags r:id="rId4"/>
+            </p:custDataLst>
           </p:nvPr>
         </p:nvSpPr>
         <p:spPr>
@@ -8986,6 +9059,9 @@
           </p:cNvSpPr>
           <p:nvPr>
             <p:ph idx="12"/>
+            <p:custDataLst>
+              <p:tags r:id="rId5"/>
+            </p:custDataLst>
           </p:nvPr>
         </p:nvSpPr>
         <p:spPr>
@@ -9061,7 +9137,11 @@
         <p:nvSpPr>
           <p:cNvPr id="11" name="Rectangle 10"/>
           <p:cNvSpPr/>
-          <p:nvPr/>
+          <p:nvPr>
+            <p:custDataLst>
+              <p:tags r:id="rId6"/>
+            </p:custDataLst>
+          </p:nvPr>
         </p:nvSpPr>
         <p:spPr>
           <a:xfrm>
@@ -10202,6 +10282,9 @@
           </p:cNvSpPr>
           <p:nvPr>
             <p:ph type="ctrTitle"/>
+            <p:custDataLst>
+              <p:tags r:id="rId1"/>
+            </p:custDataLst>
           </p:nvPr>
         </p:nvSpPr>
         <p:spPr>
@@ -10233,6 +10316,9 @@
           </p:cNvSpPr>
           <p:nvPr>
             <p:ph type="subTitle" idx="1"/>
+            <p:custDataLst>
+              <p:tags r:id="rId2"/>
+            </p:custDataLst>
           </p:nvPr>
         </p:nvSpPr>
         <p:spPr>
@@ -10355,6 +10441,9 @@
           </p:cNvSpPr>
           <p:nvPr>
             <p:ph type="dt" sz="half" idx="10"/>
+            <p:custDataLst>
+              <p:tags r:id="rId3"/>
+            </p:custDataLst>
           </p:nvPr>
         </p:nvSpPr>
         <p:spPr>
@@ -10372,7 +10461,7 @@
           <a:p>
             <a:fld id="{450045EB-F0A2-405F-866B-BCD425706225}" type="datetimeFigureOut">
               <a:rPr lang="en-CA" smtClean="0"/>
-              <a:t>06/10/2012</a:t>
+              <a:t>10/10/2012</a:t>
             </a:fld>
             <a:endParaRPr lang="en-CA"/>
           </a:p>
@@ -10386,6 +10475,9 @@
           </p:cNvSpPr>
           <p:nvPr>
             <p:ph type="ftr" sz="quarter" idx="11"/>
+            <p:custDataLst>
+              <p:tags r:id="rId4"/>
+            </p:custDataLst>
           </p:nvPr>
         </p:nvSpPr>
         <p:spPr>
@@ -10413,6 +10505,9 @@
           </p:cNvSpPr>
           <p:nvPr>
             <p:ph type="sldNum" sz="quarter" idx="12"/>
+            <p:custDataLst>
+              <p:tags r:id="rId5"/>
+            </p:custDataLst>
           </p:nvPr>
         </p:nvSpPr>
         <p:spPr>
@@ -10481,6 +10576,9 @@
           </p:cNvSpPr>
           <p:nvPr>
             <p:ph type="title"/>
+            <p:custDataLst>
+              <p:tags r:id="rId1"/>
+            </p:custDataLst>
           </p:nvPr>
         </p:nvSpPr>
         <p:spPr>
@@ -10521,7 +10619,11 @@
           <p:cNvSpPr txBox="1">
             <a:spLocks/>
           </p:cNvSpPr>
-          <p:nvPr userDrawn="1"/>
+          <p:nvPr userDrawn="1">
+            <p:custDataLst>
+              <p:tags r:id="rId2"/>
+            </p:custDataLst>
+          </p:nvPr>
         </p:nvSpPr>
         <p:spPr>
           <a:xfrm>
@@ -10700,6 +10802,9 @@
           </p:cNvSpPr>
           <p:nvPr>
             <p:ph type="body" sz="quarter" idx="10"/>
+            <p:custDataLst>
+              <p:tags r:id="rId3"/>
+            </p:custDataLst>
           </p:nvPr>
         </p:nvSpPr>
         <p:spPr>
@@ -10896,10 +11001,14 @@
           <p:cNvPicPr>
             <a:picLocks noChangeAspect="1" noChangeArrowheads="1"/>
           </p:cNvPicPr>
-          <p:nvPr/>
+          <p:nvPr>
+            <p:custDataLst>
+              <p:tags r:id="rId9"/>
+            </p:custDataLst>
+          </p:nvPr>
         </p:nvPicPr>
         <p:blipFill>
-          <a:blip r:embed="rId9">
+          <a:blip r:embed="rId11">
             <a:extLst>
               <a:ext uri="{28A0092B-C50C-407E-A947-70E740481C1C}">
                 <a14:useLocalDpi xmlns:a14="http://schemas.microsoft.com/office/drawing/2010/main" val="0"/>
@@ -10958,7 +11067,11 @@
         <p:nvSpPr>
           <p:cNvPr id="5" name="Rectangle 4"/>
           <p:cNvSpPr/>
-          <p:nvPr/>
+          <p:nvPr>
+            <p:custDataLst>
+              <p:tags r:id="rId10"/>
+            </p:custDataLst>
+          </p:nvPr>
         </p:nvSpPr>
         <p:spPr>
           <a:xfrm>
@@ -11312,6 +11425,9 @@
           </p:cNvSpPr>
           <p:nvPr>
             <p:ph type="ctrTitle"/>
+            <p:custDataLst>
+              <p:tags r:id="rId2"/>
+            </p:custDataLst>
           </p:nvPr>
         </p:nvSpPr>
         <p:spPr/>
@@ -11336,6 +11452,9 @@
           </p:cNvSpPr>
           <p:nvPr>
             <p:ph type="subTitle" idx="1"/>
+            <p:custDataLst>
+              <p:tags r:id="rId3"/>
+            </p:custDataLst>
           </p:nvPr>
         </p:nvSpPr>
         <p:spPr/>
@@ -11351,6 +11470,9 @@
         </p:txBody>
       </p:sp>
     </p:spTree>
+    <p:custDataLst>
+      <p:tags r:id="rId1"/>
+    </p:custDataLst>
     <p:extLst>
       <p:ext uri="{BB962C8B-B14F-4D97-AF65-F5344CB8AC3E}">
         <p14:creationId xmlns:p14="http://schemas.microsoft.com/office/powerpoint/2010/main" val="3619745168"/>
@@ -11395,6 +11517,9 @@
           </p:cNvSpPr>
           <p:nvPr>
             <p:ph type="title"/>
+            <p:custDataLst>
+              <p:tags r:id="rId2"/>
+            </p:custDataLst>
           </p:nvPr>
         </p:nvSpPr>
         <p:spPr/>
@@ -11418,6 +11543,9 @@
           </p:cNvSpPr>
           <p:nvPr>
             <p:ph sz="quarter" idx="10"/>
+            <p:custDataLst>
+              <p:tags r:id="rId3"/>
+            </p:custDataLst>
           </p:nvPr>
         </p:nvSpPr>
         <p:spPr/>
@@ -11441,6 +11569,9 @@
           </p:cNvSpPr>
           <p:nvPr>
             <p:ph sz="quarter" idx="11"/>
+            <p:custDataLst>
+              <p:tags r:id="rId4"/>
+            </p:custDataLst>
           </p:nvPr>
         </p:nvSpPr>
         <p:spPr/>
@@ -11464,6 +11595,9 @@
           </p:cNvSpPr>
           <p:nvPr>
             <p:ph sz="quarter" idx="12"/>
+            <p:custDataLst>
+              <p:tags r:id="rId5"/>
+            </p:custDataLst>
           </p:nvPr>
         </p:nvSpPr>
         <p:spPr/>
@@ -11483,6 +11617,9 @@
           </p:cNvSpPr>
           <p:nvPr>
             <p:ph sz="quarter" idx="13"/>
+            <p:custDataLst>
+              <p:tags r:id="rId6"/>
+            </p:custDataLst>
           </p:nvPr>
         </p:nvSpPr>
         <p:spPr/>
@@ -11502,6 +11639,9 @@
           </p:cNvSpPr>
           <p:nvPr>
             <p:ph sz="quarter" idx="14"/>
+            <p:custDataLst>
+              <p:tags r:id="rId7"/>
+            </p:custDataLst>
           </p:nvPr>
         </p:nvSpPr>
         <p:spPr/>
@@ -11521,6 +11661,9 @@
           </p:cNvSpPr>
           <p:nvPr>
             <p:ph sz="quarter" idx="15"/>
+            <p:custDataLst>
+              <p:tags r:id="rId8"/>
+            </p:custDataLst>
           </p:nvPr>
         </p:nvSpPr>
         <p:spPr/>
@@ -11533,6 +11676,9 @@
         </p:txBody>
       </p:sp>
     </p:spTree>
+    <p:custDataLst>
+      <p:tags r:id="rId1"/>
+    </p:custDataLst>
     <p:extLst>
       <p:ext uri="{BB962C8B-B14F-4D97-AF65-F5344CB8AC3E}">
         <p14:creationId xmlns:p14="http://schemas.microsoft.com/office/powerpoint/2010/main" val="2218388963"/>
@@ -11542,11 +11688,11 @@
   <p:clrMapOvr>
     <a:masterClrMapping/>
   </p:clrMapOvr>
-  <mc:AlternateContent xmlns:mc="http://schemas.openxmlformats.org/markup-compatibility/2006">
-    <mc:Choice xmlns:p14="http://schemas.microsoft.com/office/powerpoint/2010/main" Requires="p14">
+  <mc:AlternateContent xmlns:mc="http://schemas.openxmlformats.org/markup-compatibility/2006" xmlns:p14="http://schemas.microsoft.com/office/powerpoint/2010/main">
+    <mc:Choice Requires="p14">
       <p:transition spd="slow" p14:dur="2000"/>
     </mc:Choice>
-    <mc:Fallback>
+    <mc:Fallback xmlns="">
       <p:transition spd="slow"/>
     </mc:Fallback>
   </mc:AlternateContent>
@@ -11585,6 +11731,9 @@
           </p:cNvSpPr>
           <p:nvPr>
             <p:ph idx="1"/>
+            <p:custDataLst>
+              <p:tags r:id="rId2"/>
+            </p:custDataLst>
           </p:nvPr>
         </p:nvSpPr>
         <p:spPr/>
@@ -11604,6 +11753,9 @@
           </p:cNvSpPr>
           <p:nvPr>
             <p:ph type="title"/>
+            <p:custDataLst>
+              <p:tags r:id="rId3"/>
+            </p:custDataLst>
           </p:nvPr>
         </p:nvSpPr>
         <p:spPr/>
@@ -11625,10 +11777,14 @@
           <p:cNvPicPr>
             <a:picLocks noChangeAspect="1" noChangeArrowheads="1"/>
           </p:cNvPicPr>
-          <p:nvPr/>
+          <p:nvPr>
+            <p:custDataLst>
+              <p:tags r:id="rId4"/>
+            </p:custDataLst>
+          </p:nvPr>
         </p:nvPicPr>
         <p:blipFill>
-          <a:blip r:embed="rId2">
+          <a:blip r:embed="rId6">
             <a:extLst>
               <a:ext uri="{28A0092B-C50C-407E-A947-70E740481C1C}">
                 <a14:useLocalDpi xmlns:a14="http://schemas.microsoft.com/office/drawing/2010/main" val="0"/>
@@ -11684,6 +11840,9 @@
         </p:spPr>
       </p:pic>
     </p:spTree>
+    <p:custDataLst>
+      <p:tags r:id="rId1"/>
+    </p:custDataLst>
     <p:extLst>
       <p:ext uri="{BB962C8B-B14F-4D97-AF65-F5344CB8AC3E}">
         <p14:creationId xmlns:p14="http://schemas.microsoft.com/office/powerpoint/2010/main" val="3453233015"/>
@@ -11693,11 +11852,11 @@
   <p:clrMapOvr>
     <a:masterClrMapping/>
   </p:clrMapOvr>
-  <mc:AlternateContent xmlns:mc="http://schemas.openxmlformats.org/markup-compatibility/2006">
-    <mc:Choice xmlns:p14="http://schemas.microsoft.com/office/powerpoint/2010/main" Requires="p14">
+  <mc:AlternateContent xmlns:mc="http://schemas.openxmlformats.org/markup-compatibility/2006" xmlns:p14="http://schemas.microsoft.com/office/powerpoint/2010/main">
+    <mc:Choice Requires="p14">
       <p:transition spd="slow" p14:dur="2000"/>
     </mc:Choice>
-    <mc:Fallback>
+    <mc:Fallback xmlns="">
       <p:transition spd="slow"/>
     </mc:Fallback>
   </mc:AlternateContent>
@@ -11736,6 +11895,9 @@
           </p:cNvSpPr>
           <p:nvPr>
             <p:ph type="title"/>
+            <p:custDataLst>
+              <p:tags r:id="rId2"/>
+            </p:custDataLst>
           </p:nvPr>
         </p:nvSpPr>
         <p:spPr/>
@@ -11759,6 +11921,9 @@
           </p:cNvSpPr>
           <p:nvPr>
             <p:ph sz="quarter" idx="10"/>
+            <p:custDataLst>
+              <p:tags r:id="rId3"/>
+            </p:custDataLst>
           </p:nvPr>
         </p:nvSpPr>
         <p:spPr/>
@@ -11782,6 +11947,9 @@
           </p:cNvSpPr>
           <p:nvPr>
             <p:ph sz="quarter" idx="11"/>
+            <p:custDataLst>
+              <p:tags r:id="rId4"/>
+            </p:custDataLst>
           </p:nvPr>
         </p:nvSpPr>
         <p:spPr/>
@@ -11805,6 +11973,9 @@
           </p:cNvSpPr>
           <p:nvPr>
             <p:ph sz="quarter" idx="12"/>
+            <p:custDataLst>
+              <p:tags r:id="rId5"/>
+            </p:custDataLst>
           </p:nvPr>
         </p:nvSpPr>
         <p:spPr/>
@@ -11828,6 +11999,9 @@
           </p:cNvSpPr>
           <p:nvPr>
             <p:ph sz="quarter" idx="13"/>
+            <p:custDataLst>
+              <p:tags r:id="rId6"/>
+            </p:custDataLst>
           </p:nvPr>
         </p:nvSpPr>
         <p:spPr/>
@@ -11847,6 +12021,9 @@
           </p:cNvSpPr>
           <p:nvPr>
             <p:ph sz="quarter" idx="14"/>
+            <p:custDataLst>
+              <p:tags r:id="rId7"/>
+            </p:custDataLst>
           </p:nvPr>
         </p:nvSpPr>
         <p:spPr/>
@@ -11866,6 +12043,9 @@
           </p:cNvSpPr>
           <p:nvPr>
             <p:ph sz="quarter" idx="15"/>
+            <p:custDataLst>
+              <p:tags r:id="rId8"/>
+            </p:custDataLst>
           </p:nvPr>
         </p:nvSpPr>
         <p:spPr/>
@@ -11882,6 +12062,9 @@
         </p:txBody>
       </p:sp>
     </p:spTree>
+    <p:custDataLst>
+      <p:tags r:id="rId1"/>
+    </p:custDataLst>
     <p:extLst>
       <p:ext uri="{BB962C8B-B14F-4D97-AF65-F5344CB8AC3E}">
         <p14:creationId xmlns:p14="http://schemas.microsoft.com/office/powerpoint/2010/main" val="1303240382"/>
@@ -11891,11 +12074,11 @@
   <p:clrMapOvr>
     <a:masterClrMapping/>
   </p:clrMapOvr>
-  <mc:AlternateContent xmlns:mc="http://schemas.openxmlformats.org/markup-compatibility/2006">
-    <mc:Choice xmlns:p14="http://schemas.microsoft.com/office/powerpoint/2010/main" Requires="p14">
+  <mc:AlternateContent xmlns:mc="http://schemas.openxmlformats.org/markup-compatibility/2006" xmlns:p14="http://schemas.microsoft.com/office/powerpoint/2010/main">
+    <mc:Choice Requires="p14">
       <p:transition spd="slow" p14:dur="2000"/>
     </mc:Choice>
-    <mc:Fallback>
+    <mc:Fallback xmlns="">
       <p:transition spd="slow"/>
     </mc:Fallback>
   </mc:AlternateContent>
@@ -11934,6 +12117,9 @@
           </p:cNvSpPr>
           <p:nvPr>
             <p:ph idx="1"/>
+            <p:custDataLst>
+              <p:tags r:id="rId2"/>
+            </p:custDataLst>
           </p:nvPr>
         </p:nvSpPr>
         <p:spPr/>
@@ -11953,6 +12139,9 @@
           </p:cNvSpPr>
           <p:nvPr>
             <p:ph type="title"/>
+            <p:custDataLst>
+              <p:tags r:id="rId3"/>
+            </p:custDataLst>
           </p:nvPr>
         </p:nvSpPr>
         <p:spPr/>
@@ -11974,10 +12163,14 @@
           <p:cNvPicPr>
             <a:picLocks noChangeAspect="1" noChangeArrowheads="1"/>
           </p:cNvPicPr>
-          <p:nvPr/>
+          <p:nvPr>
+            <p:custDataLst>
+              <p:tags r:id="rId4"/>
+            </p:custDataLst>
+          </p:nvPr>
         </p:nvPicPr>
         <p:blipFill>
-          <a:blip r:embed="rId2">
+          <a:blip r:embed="rId6">
             <a:extLst>
               <a:ext uri="{28A0092B-C50C-407E-A947-70E740481C1C}">
                 <a14:useLocalDpi xmlns:a14="http://schemas.microsoft.com/office/drawing/2010/main" val="0"/>
@@ -12033,6 +12226,9 @@
         </p:spPr>
       </p:pic>
     </p:spTree>
+    <p:custDataLst>
+      <p:tags r:id="rId1"/>
+    </p:custDataLst>
     <p:extLst>
       <p:ext uri="{BB962C8B-B14F-4D97-AF65-F5344CB8AC3E}">
         <p14:creationId xmlns:p14="http://schemas.microsoft.com/office/powerpoint/2010/main" val="2196679366"/>
@@ -12042,11 +12238,11 @@
   <p:clrMapOvr>
     <a:masterClrMapping/>
   </p:clrMapOvr>
-  <mc:AlternateContent xmlns:mc="http://schemas.openxmlformats.org/markup-compatibility/2006">
-    <mc:Choice xmlns:p14="http://schemas.microsoft.com/office/powerpoint/2010/main" Requires="p14">
+  <mc:AlternateContent xmlns:mc="http://schemas.openxmlformats.org/markup-compatibility/2006" xmlns:p14="http://schemas.microsoft.com/office/powerpoint/2010/main">
+    <mc:Choice Requires="p14">
       <p:transition spd="slow" p14:dur="2000"/>
     </mc:Choice>
-    <mc:Fallback>
+    <mc:Fallback xmlns="">
       <p:transition spd="slow"/>
     </mc:Fallback>
   </mc:AlternateContent>
@@ -12085,6 +12281,9 @@
           </p:cNvSpPr>
           <p:nvPr>
             <p:ph type="title"/>
+            <p:custDataLst>
+              <p:tags r:id="rId2"/>
+            </p:custDataLst>
           </p:nvPr>
         </p:nvSpPr>
         <p:spPr/>
@@ -12108,6 +12307,9 @@
           </p:cNvSpPr>
           <p:nvPr>
             <p:ph sz="quarter" idx="10"/>
+            <p:custDataLst>
+              <p:tags r:id="rId3"/>
+            </p:custDataLst>
           </p:nvPr>
         </p:nvSpPr>
         <p:spPr/>
@@ -12131,6 +12333,9 @@
           </p:cNvSpPr>
           <p:nvPr>
             <p:ph sz="quarter" idx="11"/>
+            <p:custDataLst>
+              <p:tags r:id="rId4"/>
+            </p:custDataLst>
           </p:nvPr>
         </p:nvSpPr>
         <p:spPr/>
@@ -12154,6 +12359,9 @@
           </p:cNvSpPr>
           <p:nvPr>
             <p:ph sz="quarter" idx="12"/>
+            <p:custDataLst>
+              <p:tags r:id="rId5"/>
+            </p:custDataLst>
           </p:nvPr>
         </p:nvSpPr>
         <p:spPr/>
@@ -12177,6 +12385,9 @@
           </p:cNvSpPr>
           <p:nvPr>
             <p:ph sz="quarter" idx="13"/>
+            <p:custDataLst>
+              <p:tags r:id="rId6"/>
+            </p:custDataLst>
           </p:nvPr>
         </p:nvSpPr>
         <p:spPr/>
@@ -12196,6 +12407,9 @@
           </p:cNvSpPr>
           <p:nvPr>
             <p:ph sz="quarter" idx="14"/>
+            <p:custDataLst>
+              <p:tags r:id="rId7"/>
+            </p:custDataLst>
           </p:nvPr>
         </p:nvSpPr>
         <p:spPr/>
@@ -12215,6 +12429,9 @@
           </p:cNvSpPr>
           <p:nvPr>
             <p:ph sz="quarter" idx="15"/>
+            <p:custDataLst>
+              <p:tags r:id="rId8"/>
+            </p:custDataLst>
           </p:nvPr>
         </p:nvSpPr>
         <p:spPr/>
@@ -12227,6 +12444,9 @@
         </p:txBody>
       </p:sp>
     </p:spTree>
+    <p:custDataLst>
+      <p:tags r:id="rId1"/>
+    </p:custDataLst>
     <p:extLst>
       <p:ext uri="{BB962C8B-B14F-4D97-AF65-F5344CB8AC3E}">
         <p14:creationId xmlns:p14="http://schemas.microsoft.com/office/powerpoint/2010/main" val="3500397157"/>
@@ -12236,11 +12456,11 @@
   <p:clrMapOvr>
     <a:masterClrMapping/>
   </p:clrMapOvr>
-  <mc:AlternateContent xmlns:mc="http://schemas.openxmlformats.org/markup-compatibility/2006">
-    <mc:Choice xmlns:p14="http://schemas.microsoft.com/office/powerpoint/2010/main" Requires="p14">
+  <mc:AlternateContent xmlns:mc="http://schemas.openxmlformats.org/markup-compatibility/2006" xmlns:p14="http://schemas.microsoft.com/office/powerpoint/2010/main">
+    <mc:Choice Requires="p14">
       <p:transition spd="slow" p14:dur="2000"/>
     </mc:Choice>
-    <mc:Fallback>
+    <mc:Fallback xmlns="">
       <p:transition spd="slow"/>
     </mc:Fallback>
   </mc:AlternateContent>
@@ -12279,6 +12499,9 @@
           </p:cNvGraphicFramePr>
           <p:nvPr>
             <p:ph idx="1"/>
+            <p:custDataLst>
+              <p:tags r:id="rId2"/>
+            </p:custDataLst>
             <p:extLst>
               <p:ext uri="{D42A27DB-BD31-4B8C-83A1-F6EECF244321}">
                 <p14:modId xmlns:p14="http://schemas.microsoft.com/office/powerpoint/2010/main" val="1990084663"/>
@@ -12292,7 +12515,7 @@
         </p:xfrm>
         <a:graphic>
           <a:graphicData uri="http://schemas.openxmlformats.org/drawingml/2006/diagram">
-            <dgm:relIds xmlns:dgm="http://schemas.openxmlformats.org/drawingml/2006/diagram" xmlns:r="http://schemas.openxmlformats.org/officeDocument/2006/relationships" r:dm="rId2" r:lo="rId3" r:qs="rId4" r:cs="rId5"/>
+            <dgm:relIds xmlns:dgm="http://schemas.openxmlformats.org/drawingml/2006/diagram" xmlns:r="http://schemas.openxmlformats.org/officeDocument/2006/relationships" r:dm="rId5" r:lo="rId6" r:qs="rId7" r:cs="rId8"/>
           </a:graphicData>
         </a:graphic>
       </p:graphicFrame>
@@ -12304,6 +12527,9 @@
           </p:cNvSpPr>
           <p:nvPr>
             <p:ph type="title"/>
+            <p:custDataLst>
+              <p:tags r:id="rId3"/>
+            </p:custDataLst>
           </p:nvPr>
         </p:nvSpPr>
         <p:spPr/>
@@ -12320,6 +12546,9 @@
         </p:txBody>
       </p:sp>
     </p:spTree>
+    <p:custDataLst>
+      <p:tags r:id="rId1"/>
+    </p:custDataLst>
     <p:extLst>
       <p:ext uri="{BB962C8B-B14F-4D97-AF65-F5344CB8AC3E}">
         <p14:creationId xmlns:p14="http://schemas.microsoft.com/office/powerpoint/2010/main" val="4277795857"/>
@@ -12372,6 +12601,9 @@
           </p:cNvSpPr>
           <p:nvPr>
             <p:ph type="title"/>
+            <p:custDataLst>
+              <p:tags r:id="rId2"/>
+            </p:custDataLst>
           </p:nvPr>
         </p:nvSpPr>
         <p:spPr/>
@@ -12395,6 +12627,9 @@
           </p:cNvSpPr>
           <p:nvPr>
             <p:ph sz="quarter" idx="10"/>
+            <p:custDataLst>
+              <p:tags r:id="rId3"/>
+            </p:custDataLst>
           </p:nvPr>
         </p:nvSpPr>
         <p:spPr/>
@@ -12418,6 +12653,9 @@
           </p:cNvSpPr>
           <p:nvPr>
             <p:ph sz="quarter" idx="11"/>
+            <p:custDataLst>
+              <p:tags r:id="rId4"/>
+            </p:custDataLst>
           </p:nvPr>
         </p:nvSpPr>
         <p:spPr/>
@@ -12441,6 +12679,9 @@
           </p:cNvSpPr>
           <p:nvPr>
             <p:ph sz="quarter" idx="12"/>
+            <p:custDataLst>
+              <p:tags r:id="rId5"/>
+            </p:custDataLst>
           </p:nvPr>
         </p:nvSpPr>
         <p:spPr/>
@@ -12464,6 +12705,9 @@
           </p:cNvSpPr>
           <p:nvPr>
             <p:ph sz="quarter" idx="13"/>
+            <p:custDataLst>
+              <p:tags r:id="rId6"/>
+            </p:custDataLst>
           </p:nvPr>
         </p:nvSpPr>
         <p:spPr/>
@@ -12483,6 +12727,9 @@
           </p:cNvSpPr>
           <p:nvPr>
             <p:ph sz="quarter" idx="14"/>
+            <p:custDataLst>
+              <p:tags r:id="rId7"/>
+            </p:custDataLst>
           </p:nvPr>
         </p:nvSpPr>
         <p:spPr/>
@@ -12502,6 +12749,9 @@
           </p:cNvSpPr>
           <p:nvPr>
             <p:ph sz="quarter" idx="15"/>
+            <p:custDataLst>
+              <p:tags r:id="rId8"/>
+            </p:custDataLst>
           </p:nvPr>
         </p:nvSpPr>
         <p:spPr/>
@@ -12518,6 +12768,9 @@
         </p:txBody>
       </p:sp>
     </p:spTree>
+    <p:custDataLst>
+      <p:tags r:id="rId1"/>
+    </p:custDataLst>
     <p:extLst>
       <p:ext uri="{BB962C8B-B14F-4D97-AF65-F5344CB8AC3E}">
         <p14:creationId xmlns:p14="http://schemas.microsoft.com/office/powerpoint/2010/main" val="2805885200"/>
@@ -12570,6 +12823,9 @@
           </p:cNvSpPr>
           <p:nvPr>
             <p:ph type="title"/>
+            <p:custDataLst>
+              <p:tags r:id="rId2"/>
+            </p:custDataLst>
           </p:nvPr>
         </p:nvSpPr>
         <p:spPr/>
@@ -12591,10 +12847,14 @@
           <p:cNvPicPr>
             <a:picLocks noChangeAspect="1" noChangeArrowheads="1"/>
           </p:cNvPicPr>
-          <p:nvPr/>
+          <p:nvPr>
+            <p:custDataLst>
+              <p:tags r:id="rId3"/>
+            </p:custDataLst>
+          </p:nvPr>
         </p:nvPicPr>
         <p:blipFill>
-          <a:blip r:embed="rId2">
+          <a:blip r:embed="rId10">
             <a:extLst>
               <a:ext uri="{28A0092B-C50C-407E-A947-70E740481C1C}">
                 <a14:useLocalDpi xmlns:a14="http://schemas.microsoft.com/office/drawing/2010/main" val="0"/>
@@ -12655,10 +12915,14 @@
           <p:cNvPicPr>
             <a:picLocks noChangeAspect="1" noChangeArrowheads="1"/>
           </p:cNvPicPr>
-          <p:nvPr/>
+          <p:nvPr>
+            <p:custDataLst>
+              <p:tags r:id="rId4"/>
+            </p:custDataLst>
+          </p:nvPr>
         </p:nvPicPr>
         <p:blipFill>
-          <a:blip r:embed="rId3">
+          <a:blip r:embed="rId11">
             <a:extLst>
               <a:ext uri="{28A0092B-C50C-407E-A947-70E740481C1C}">
                 <a14:useLocalDpi xmlns:a14="http://schemas.microsoft.com/office/drawing/2010/main" val="0"/>
@@ -12719,10 +12983,14 @@
           <p:cNvPicPr>
             <a:picLocks noChangeAspect="1" noChangeArrowheads="1"/>
           </p:cNvPicPr>
-          <p:nvPr/>
+          <p:nvPr>
+            <p:custDataLst>
+              <p:tags r:id="rId5"/>
+            </p:custDataLst>
+          </p:nvPr>
         </p:nvPicPr>
         <p:blipFill>
-          <a:blip r:embed="rId4">
+          <a:blip r:embed="rId12">
             <a:extLst>
               <a:ext uri="{28A0092B-C50C-407E-A947-70E740481C1C}">
                 <a14:useLocalDpi xmlns:a14="http://schemas.microsoft.com/office/drawing/2010/main" val="0"/>
@@ -12783,10 +13051,14 @@
           <p:cNvPicPr>
             <a:picLocks noChangeAspect="1" noChangeArrowheads="1"/>
           </p:cNvPicPr>
-          <p:nvPr/>
+          <p:nvPr>
+            <p:custDataLst>
+              <p:tags r:id="rId6"/>
+            </p:custDataLst>
+          </p:nvPr>
         </p:nvPicPr>
         <p:blipFill>
-          <a:blip r:embed="rId5">
+          <a:blip r:embed="rId13">
             <a:extLst>
               <a:ext uri="{28A0092B-C50C-407E-A947-70E740481C1C}">
                 <a14:useLocalDpi xmlns:a14="http://schemas.microsoft.com/office/drawing/2010/main" val="0"/>
@@ -12847,10 +13119,14 @@
           <p:cNvPicPr>
             <a:picLocks noChangeAspect="1" noChangeArrowheads="1"/>
           </p:cNvPicPr>
-          <p:nvPr/>
+          <p:nvPr>
+            <p:custDataLst>
+              <p:tags r:id="rId7"/>
+            </p:custDataLst>
+          </p:nvPr>
         </p:nvPicPr>
         <p:blipFill>
-          <a:blip r:embed="rId6">
+          <a:blip r:embed="rId14">
             <a:extLst>
               <a:ext uri="{28A0092B-C50C-407E-A947-70E740481C1C}">
                 <a14:useLocalDpi xmlns:a14="http://schemas.microsoft.com/office/drawing/2010/main" val="0"/>
@@ -12911,10 +13187,14 @@
           <p:cNvPicPr>
             <a:picLocks noChangeAspect="1" noChangeArrowheads="1"/>
           </p:cNvPicPr>
-          <p:nvPr/>
+          <p:nvPr>
+            <p:custDataLst>
+              <p:tags r:id="rId8"/>
+            </p:custDataLst>
+          </p:nvPr>
         </p:nvPicPr>
         <p:blipFill>
-          <a:blip r:embed="rId7">
+          <a:blip r:embed="rId15">
             <a:extLst>
               <a:ext uri="{28A0092B-C50C-407E-A947-70E740481C1C}">
                 <a14:useLocalDpi xmlns:a14="http://schemas.microsoft.com/office/drawing/2010/main" val="0"/>
@@ -12970,6 +13250,9 @@
         </p:spPr>
       </p:pic>
     </p:spTree>
+    <p:custDataLst>
+      <p:tags r:id="rId1"/>
+    </p:custDataLst>
     <p:extLst>
       <p:ext uri="{BB962C8B-B14F-4D97-AF65-F5344CB8AC3E}">
         <p14:creationId xmlns:p14="http://schemas.microsoft.com/office/powerpoint/2010/main" val="1567495271"/>
@@ -13903,6 +14186,9 @@
           </p:cNvSpPr>
           <p:nvPr>
             <p:ph idx="1"/>
+            <p:custDataLst>
+              <p:tags r:id="rId2"/>
+            </p:custDataLst>
           </p:nvPr>
         </p:nvSpPr>
         <p:spPr/>
@@ -13922,6 +14208,9 @@
           </p:cNvSpPr>
           <p:nvPr>
             <p:ph type="title"/>
+            <p:custDataLst>
+              <p:tags r:id="rId3"/>
+            </p:custDataLst>
           </p:nvPr>
         </p:nvSpPr>
         <p:spPr/>
@@ -13938,6 +14227,9 @@
         </p:txBody>
       </p:sp>
     </p:spTree>
+    <p:custDataLst>
+      <p:tags r:id="rId1"/>
+    </p:custDataLst>
     <p:extLst>
       <p:ext uri="{BB962C8B-B14F-4D97-AF65-F5344CB8AC3E}">
         <p14:creationId xmlns:p14="http://schemas.microsoft.com/office/powerpoint/2010/main" val="2904853408"/>
@@ -13990,6 +14282,9 @@
           </p:cNvSpPr>
           <p:nvPr>
             <p:ph type="title"/>
+            <p:custDataLst>
+              <p:tags r:id="rId2"/>
+            </p:custDataLst>
           </p:nvPr>
         </p:nvSpPr>
         <p:spPr/>
@@ -14013,6 +14308,9 @@
           </p:cNvSpPr>
           <p:nvPr>
             <p:ph sz="quarter" idx="10"/>
+            <p:custDataLst>
+              <p:tags r:id="rId3"/>
+            </p:custDataLst>
           </p:nvPr>
         </p:nvSpPr>
         <p:spPr/>
@@ -14036,6 +14334,9 @@
           </p:cNvSpPr>
           <p:nvPr>
             <p:ph sz="quarter" idx="11"/>
+            <p:custDataLst>
+              <p:tags r:id="rId4"/>
+            </p:custDataLst>
           </p:nvPr>
         </p:nvSpPr>
         <p:spPr/>
@@ -14043,6 +14344,10 @@
           <a:bodyPr/>
           <a:lstStyle/>
           <a:p>
+            <a:r>
+              <a:rPr lang="pl-PL" dirty="0" smtClean="0"/>
+              <a:t>Click New</a:t>
+            </a:r>
             <a:endParaRPr lang="en-CA" dirty="0"/>
           </a:p>
         </p:txBody>
@@ -14055,6 +14360,9 @@
           </p:cNvSpPr>
           <p:nvPr>
             <p:ph sz="quarter" idx="12"/>
+            <p:custDataLst>
+              <p:tags r:id="rId5"/>
+            </p:custDataLst>
           </p:nvPr>
         </p:nvSpPr>
         <p:spPr/>
@@ -14062,7 +14370,17 @@
           <a:bodyPr/>
           <a:lstStyle/>
           <a:p>
-            <a:endParaRPr lang="en-CA"/>
+            <a:r>
+              <a:rPr lang="pl-PL" sz="2800" dirty="0" smtClean="0"/>
+              <a:t>Select </a:t>
+            </a:r>
+          </a:p>
+          <a:p>
+            <a:r>
+              <a:rPr lang="pl-PL" sz="2400" dirty="0" smtClean="0"/>
+              <a:t>ASP.NET MVC Web Application</a:t>
+            </a:r>
+            <a:endParaRPr lang="en-CA" sz="2400" dirty="0"/>
           </a:p>
         </p:txBody>
       </p:sp>
@@ -14074,6 +14392,9 @@
           </p:cNvSpPr>
           <p:nvPr>
             <p:ph sz="quarter" idx="13"/>
+            <p:custDataLst>
+              <p:tags r:id="rId6"/>
+            </p:custDataLst>
           </p:nvPr>
         </p:nvSpPr>
         <p:spPr/>
@@ -14081,7 +14402,11 @@
           <a:bodyPr/>
           <a:lstStyle/>
           <a:p>
-            <a:endParaRPr lang="en-CA"/>
+            <a:r>
+              <a:rPr lang="pl-PL" dirty="0" smtClean="0"/>
+              <a:t>Run</a:t>
+            </a:r>
+            <a:endParaRPr lang="en-CA" dirty="0"/>
           </a:p>
         </p:txBody>
       </p:sp>
@@ -14093,6 +14418,9 @@
           </p:cNvSpPr>
           <p:nvPr>
             <p:ph sz="quarter" idx="14"/>
+            <p:custDataLst>
+              <p:tags r:id="rId7"/>
+            </p:custDataLst>
           </p:nvPr>
         </p:nvSpPr>
         <p:spPr/>
@@ -14112,6 +14440,9 @@
           </p:cNvSpPr>
           <p:nvPr>
             <p:ph sz="quarter" idx="15"/>
+            <p:custDataLst>
+              <p:tags r:id="rId8"/>
+            </p:custDataLst>
           </p:nvPr>
         </p:nvSpPr>
         <p:spPr/>
@@ -14119,11 +14450,18 @@
           <a:bodyPr/>
           <a:lstStyle/>
           <a:p>
-            <a:endParaRPr lang="en-CA"/>
+            <a:r>
+              <a:rPr lang="pl-PL" dirty="0" smtClean="0"/>
+              <a:t>Build</a:t>
+            </a:r>
+            <a:endParaRPr lang="en-CA" dirty="0"/>
           </a:p>
         </p:txBody>
       </p:sp>
     </p:spTree>
+    <p:custDataLst>
+      <p:tags r:id="rId1"/>
+    </p:custDataLst>
     <p:extLst>
       <p:ext uri="{BB962C8B-B14F-4D97-AF65-F5344CB8AC3E}">
         <p14:creationId xmlns:p14="http://schemas.microsoft.com/office/powerpoint/2010/main" val="2959301131"/>
@@ -14176,6 +14514,9 @@
           </p:cNvSpPr>
           <p:nvPr>
             <p:ph type="title"/>
+            <p:custDataLst>
+              <p:tags r:id="rId2"/>
+            </p:custDataLst>
           </p:nvPr>
         </p:nvSpPr>
         <p:spPr/>
@@ -14197,7 +14538,11 @@
           <p:cNvSpPr txBox="1">
             <a:spLocks/>
           </p:cNvSpPr>
-          <p:nvPr/>
+          <p:nvPr>
+            <p:custDataLst>
+              <p:tags r:id="rId3"/>
+            </p:custDataLst>
+          </p:nvPr>
         </p:nvSpPr>
         <p:spPr>
           <a:xfrm>
@@ -14376,7 +14721,11 @@
         <p:nvGrpSpPr>
           <p:cNvPr id="4" name="Group 3"/>
           <p:cNvGrpSpPr/>
-          <p:nvPr/>
+          <p:nvPr>
+            <p:custDataLst>
+              <p:tags r:id="rId4"/>
+            </p:custDataLst>
+          </p:nvPr>
         </p:nvGrpSpPr>
         <p:grpSpPr>
           <a:xfrm>
@@ -14572,7 +14921,7 @@
             <p:nvPr/>
           </p:nvPicPr>
           <p:blipFill>
-            <a:blip r:embed="rId2">
+            <a:blip r:embed="rId9">
               <a:extLst>
                 <a:ext uri="{28A0092B-C50C-407E-A947-70E740481C1C}">
                   <a14:useLocalDpi xmlns:a14="http://schemas.microsoft.com/office/drawing/2010/main" val="0"/>
@@ -14598,7 +14947,11 @@
         <p:nvGrpSpPr>
           <p:cNvPr id="5" name="Group 4"/>
           <p:cNvGrpSpPr/>
-          <p:nvPr/>
+          <p:nvPr>
+            <p:custDataLst>
+              <p:tags r:id="rId5"/>
+            </p:custDataLst>
+          </p:nvPr>
         </p:nvGrpSpPr>
         <p:grpSpPr>
           <a:xfrm>
@@ -14794,7 +15147,7 @@
             <p:nvPr/>
           </p:nvPicPr>
           <p:blipFill>
-            <a:blip r:embed="rId3">
+            <a:blip r:embed="rId10">
               <a:extLst>
                 <a:ext uri="{28A0092B-C50C-407E-A947-70E740481C1C}">
                   <a14:useLocalDpi xmlns:a14="http://schemas.microsoft.com/office/drawing/2010/main" val="0"/>
@@ -14835,7 +15188,7 @@
             <p:nvPr/>
           </p:nvPicPr>
           <p:blipFill>
-            <a:blip r:embed="rId4">
+            <a:blip r:embed="rId11">
               <a:extLst>
                 <a:ext uri="{28A0092B-C50C-407E-A947-70E740481C1C}">
                   <a14:useLocalDpi xmlns:a14="http://schemas.microsoft.com/office/drawing/2010/main" val="0"/>
@@ -14872,7 +15225,11 @@
         <p:nvGrpSpPr>
           <p:cNvPr id="6" name="Group 5"/>
           <p:cNvGrpSpPr/>
-          <p:nvPr/>
+          <p:nvPr>
+            <p:custDataLst>
+              <p:tags r:id="rId6"/>
+            </p:custDataLst>
+          </p:nvPr>
         </p:nvGrpSpPr>
         <p:grpSpPr>
           <a:xfrm>
@@ -15068,7 +15425,7 @@
             <p:nvPr/>
           </p:nvPicPr>
           <p:blipFill>
-            <a:blip r:embed="rId5">
+            <a:blip r:embed="rId12">
               <a:extLst>
                 <a:ext uri="{28A0092B-C50C-407E-A947-70E740481C1C}">
                   <a14:useLocalDpi xmlns:a14="http://schemas.microsoft.com/office/drawing/2010/main" val="0"/>
@@ -15107,7 +15464,11 @@
           <p:cNvSpPr txBox="1">
             <a:spLocks/>
           </p:cNvSpPr>
-          <p:nvPr/>
+          <p:nvPr>
+            <p:custDataLst>
+              <p:tags r:id="rId7"/>
+            </p:custDataLst>
+          </p:nvPr>
         </p:nvSpPr>
         <p:spPr>
           <a:xfrm>
@@ -15283,6 +15644,9 @@
         </p:txBody>
       </p:sp>
     </p:spTree>
+    <p:custDataLst>
+      <p:tags r:id="rId1"/>
+    </p:custDataLst>
     <p:extLst>
       <p:ext uri="{BB962C8B-B14F-4D97-AF65-F5344CB8AC3E}">
         <p14:creationId xmlns:p14="http://schemas.microsoft.com/office/powerpoint/2010/main" val="2932275863"/>
@@ -15774,6 +16138,9 @@
           </p:cNvSpPr>
           <p:nvPr>
             <p:ph type="title"/>
+            <p:custDataLst>
+              <p:tags r:id="rId2"/>
+            </p:custDataLst>
           </p:nvPr>
         </p:nvSpPr>
         <p:spPr/>
@@ -15795,10 +16162,14 @@
           <p:cNvPicPr>
             <a:picLocks noChangeAspect="1" noChangeArrowheads="1"/>
           </p:cNvPicPr>
-          <p:nvPr/>
+          <p:nvPr>
+            <p:custDataLst>
+              <p:tags r:id="rId3"/>
+            </p:custDataLst>
+          </p:nvPr>
         </p:nvPicPr>
         <p:blipFill>
-          <a:blip r:embed="rId2">
+          <a:blip r:embed="rId9">
             <a:extLst>
               <a:ext uri="{28A0092B-C50C-407E-A947-70E740481C1C}">
                 <a14:useLocalDpi xmlns:a14="http://schemas.microsoft.com/office/drawing/2010/main" val="0"/>
@@ -15836,10 +16207,14 @@
           <p:cNvPicPr>
             <a:picLocks noChangeAspect="1" noChangeArrowheads="1"/>
           </p:cNvPicPr>
-          <p:nvPr/>
+          <p:nvPr>
+            <p:custDataLst>
+              <p:tags r:id="rId4"/>
+            </p:custDataLst>
+          </p:nvPr>
         </p:nvPicPr>
         <p:blipFill>
-          <a:blip r:embed="rId3">
+          <a:blip r:embed="rId10">
             <a:extLst>
               <a:ext uri="{28A0092B-C50C-407E-A947-70E740481C1C}">
                 <a14:useLocalDpi xmlns:a14="http://schemas.microsoft.com/office/drawing/2010/main" val="0"/>
@@ -15877,10 +16252,14 @@
           <p:cNvPicPr>
             <a:picLocks noChangeAspect="1" noChangeArrowheads="1"/>
           </p:cNvPicPr>
-          <p:nvPr/>
+          <p:nvPr>
+            <p:custDataLst>
+              <p:tags r:id="rId5"/>
+            </p:custDataLst>
+          </p:nvPr>
         </p:nvPicPr>
         <p:blipFill>
-          <a:blip r:embed="rId4">
+          <a:blip r:embed="rId11">
             <a:extLst>
               <a:ext uri="{28A0092B-C50C-407E-A947-70E740481C1C}">
                 <a14:useLocalDpi xmlns:a14="http://schemas.microsoft.com/office/drawing/2010/main" val="0"/>
@@ -15916,7 +16295,11 @@
         <p:nvSpPr>
           <p:cNvPr id="6" name="Right Arrow 5"/>
           <p:cNvSpPr/>
-          <p:nvPr/>
+          <p:nvPr>
+            <p:custDataLst>
+              <p:tags r:id="rId6"/>
+            </p:custDataLst>
+          </p:nvPr>
         </p:nvSpPr>
         <p:spPr>
           <a:xfrm>
@@ -15964,7 +16347,11 @@
         <p:nvSpPr>
           <p:cNvPr id="7" name="Down Arrow 6"/>
           <p:cNvSpPr/>
-          <p:nvPr/>
+          <p:nvPr>
+            <p:custDataLst>
+              <p:tags r:id="rId7"/>
+            </p:custDataLst>
+          </p:nvPr>
         </p:nvSpPr>
         <p:spPr>
           <a:xfrm>
@@ -16009,6 +16396,9 @@
         </p:txBody>
       </p:sp>
     </p:spTree>
+    <p:custDataLst>
+      <p:tags r:id="rId1"/>
+    </p:custDataLst>
     <p:extLst>
       <p:ext uri="{BB962C8B-B14F-4D97-AF65-F5344CB8AC3E}">
         <p14:creationId xmlns:p14="http://schemas.microsoft.com/office/powerpoint/2010/main" val="2121802638"/>
@@ -16401,6 +16791,9 @@
           </p:cNvSpPr>
           <p:nvPr>
             <p:ph type="title"/>
+            <p:custDataLst>
+              <p:tags r:id="rId2"/>
+            </p:custDataLst>
           </p:nvPr>
         </p:nvSpPr>
         <p:spPr/>
@@ -16410,7 +16803,15 @@
           <a:p>
             <a:r>
               <a:rPr lang="pl-PL" dirty="0" smtClean="0"/>
-              <a:t>Task 0 – run an empty project</a:t>
+              <a:t>Task </a:t>
+            </a:r>
+            <a:r>
+              <a:rPr lang="pl-PL" dirty="0" smtClean="0"/>
+              <a:t>0 </a:t>
+            </a:r>
+            <a:r>
+              <a:rPr lang="pl-PL" dirty="0" smtClean="0"/>
+              <a:t>– change a header</a:t>
             </a:r>
             <a:endParaRPr lang="en-CA" dirty="0"/>
           </a:p>
@@ -16424,6 +16825,9 @@
           </p:cNvSpPr>
           <p:nvPr>
             <p:ph sz="quarter" idx="10"/>
+            <p:custDataLst>
+              <p:tags r:id="rId3"/>
+            </p:custDataLst>
           </p:nvPr>
         </p:nvSpPr>
         <p:spPr/>
@@ -16433,7 +16837,7 @@
           <a:p>
             <a:r>
               <a:rPr lang="pl-PL" dirty="0" smtClean="0"/>
-              <a:t>Compile</a:t>
+              <a:t>Open HomeController</a:t>
             </a:r>
             <a:endParaRPr lang="en-CA" dirty="0"/>
           </a:p>
@@ -16447,6 +16851,9 @@
           </p:cNvSpPr>
           <p:nvPr>
             <p:ph sz="quarter" idx="11"/>
+            <p:custDataLst>
+              <p:tags r:id="rId4"/>
+            </p:custDataLst>
           </p:nvPr>
         </p:nvSpPr>
         <p:spPr/>
@@ -16456,7 +16863,7 @@
           <a:p>
             <a:r>
               <a:rPr lang="pl-PL" dirty="0" smtClean="0"/>
-              <a:t>Run</a:t>
+              <a:t>Change text in Index method</a:t>
             </a:r>
             <a:endParaRPr lang="en-CA" dirty="0"/>
           </a:p>
@@ -16470,6 +16877,9 @@
           </p:cNvSpPr>
           <p:nvPr>
             <p:ph sz="quarter" idx="12"/>
+            <p:custDataLst>
+              <p:tags r:id="rId5"/>
+            </p:custDataLst>
           </p:nvPr>
         </p:nvSpPr>
         <p:spPr/>
@@ -16479,7 +16889,7 @@
           <a:p>
             <a:r>
               <a:rPr lang="pl-PL" dirty="0" smtClean="0"/>
-              <a:t>Verify</a:t>
+              <a:t>Build</a:t>
             </a:r>
             <a:endParaRPr lang="en-CA" dirty="0"/>
           </a:p>
@@ -16493,6 +16903,9 @@
           </p:cNvSpPr>
           <p:nvPr>
             <p:ph sz="quarter" idx="13"/>
+            <p:custDataLst>
+              <p:tags r:id="rId6"/>
+            </p:custDataLst>
           </p:nvPr>
         </p:nvSpPr>
         <p:spPr/>
@@ -16500,7 +16913,11 @@
           <a:bodyPr/>
           <a:lstStyle/>
           <a:p>
-            <a:endParaRPr lang="en-CA"/>
+            <a:r>
+              <a:rPr lang="pl-PL" dirty="0" smtClean="0"/>
+              <a:t>Verify</a:t>
+            </a:r>
+            <a:endParaRPr lang="en-CA" dirty="0"/>
           </a:p>
         </p:txBody>
       </p:sp>
@@ -16512,6 +16929,9 @@
           </p:cNvSpPr>
           <p:nvPr>
             <p:ph sz="quarter" idx="14"/>
+            <p:custDataLst>
+              <p:tags r:id="rId7"/>
+            </p:custDataLst>
           </p:nvPr>
         </p:nvSpPr>
         <p:spPr/>
@@ -16531,6 +16951,9 @@
           </p:cNvSpPr>
           <p:nvPr>
             <p:ph sz="quarter" idx="15"/>
+            <p:custDataLst>
+              <p:tags r:id="rId8"/>
+            </p:custDataLst>
           </p:nvPr>
         </p:nvSpPr>
         <p:spPr/>
@@ -16538,213 +16961,18 @@
           <a:bodyPr/>
           <a:lstStyle/>
           <a:p>
-            <a:endParaRPr lang="en-CA"/>
+            <a:r>
+              <a:rPr lang="pl-PL" dirty="0" smtClean="0"/>
+              <a:t>Run (or refresh)</a:t>
+            </a:r>
+            <a:endParaRPr lang="en-CA" dirty="0"/>
           </a:p>
         </p:txBody>
       </p:sp>
     </p:spTree>
-    <p:extLst>
-      <p:ext uri="{BB962C8B-B14F-4D97-AF65-F5344CB8AC3E}">
-        <p14:creationId xmlns:p14="http://schemas.microsoft.com/office/powerpoint/2010/main" val="3929691703"/>
-      </p:ext>
-    </p:extLst>
-  </p:cSld>
-  <p:clrMapOvr>
-    <a:masterClrMapping/>
-  </p:clrMapOvr>
-  <mc:AlternateContent xmlns:mc="http://schemas.openxmlformats.org/markup-compatibility/2006" xmlns:p14="http://schemas.microsoft.com/office/powerpoint/2010/main">
-    <mc:Choice Requires="p14">
-      <p:transition spd="slow" p14:dur="2000"/>
-    </mc:Choice>
-    <mc:Fallback xmlns="">
-      <p:transition spd="slow"/>
-    </mc:Fallback>
-  </mc:AlternateContent>
-  <p:timing>
-    <p:tnLst>
-      <p:par>
-        <p:cTn id="1" dur="indefinite" restart="never" nodeType="tmRoot"/>
-      </p:par>
-    </p:tnLst>
-  </p:timing>
-</p:sld>
-</file>
-
-<file path=ppt/slides/slide22.xml><?xml version="1.0" encoding="utf-8"?>
-<p:sld xmlns:a="http://schemas.openxmlformats.org/drawingml/2006/main" xmlns:r="http://schemas.openxmlformats.org/officeDocument/2006/relationships" xmlns:p="http://schemas.openxmlformats.org/presentationml/2006/main">
-  <p:cSld>
-    <p:spTree>
-      <p:nvGrpSpPr>
-        <p:cNvPr id="1" name=""/>
-        <p:cNvGrpSpPr/>
-        <p:nvPr/>
-      </p:nvGrpSpPr>
-      <p:grpSpPr>
-        <a:xfrm>
-          <a:off x="0" y="0"/>
-          <a:ext cx="0" cy="0"/>
-          <a:chOff x="0" y="0"/>
-          <a:chExt cx="0" cy="0"/>
-        </a:xfrm>
-      </p:grpSpPr>
-      <p:sp>
-        <p:nvSpPr>
-          <p:cNvPr id="2" name="Title 1"/>
-          <p:cNvSpPr>
-            <a:spLocks noGrp="1"/>
-          </p:cNvSpPr>
-          <p:nvPr>
-            <p:ph type="title"/>
-          </p:nvPr>
-        </p:nvSpPr>
-        <p:spPr/>
-        <p:txBody>
-          <a:bodyPr/>
-          <a:lstStyle/>
-          <a:p>
-            <a:r>
-              <a:rPr lang="pl-PL" dirty="0" smtClean="0"/>
-              <a:t>Task 0.1 – change a header</a:t>
-            </a:r>
-            <a:endParaRPr lang="en-CA" dirty="0"/>
-          </a:p>
-        </p:txBody>
-      </p:sp>
-      <p:sp>
-        <p:nvSpPr>
-          <p:cNvPr id="3" name="Content Placeholder 2"/>
-          <p:cNvSpPr>
-            <a:spLocks noGrp="1"/>
-          </p:cNvSpPr>
-          <p:nvPr>
-            <p:ph sz="quarter" idx="10"/>
-          </p:nvPr>
-        </p:nvSpPr>
-        <p:spPr/>
-        <p:txBody>
-          <a:bodyPr/>
-          <a:lstStyle/>
-          <a:p>
-            <a:r>
-              <a:rPr lang="pl-PL" dirty="0" smtClean="0"/>
-              <a:t>Open HomeController</a:t>
-            </a:r>
-            <a:endParaRPr lang="en-CA" dirty="0"/>
-          </a:p>
-        </p:txBody>
-      </p:sp>
-      <p:sp>
-        <p:nvSpPr>
-          <p:cNvPr id="4" name="Content Placeholder 3"/>
-          <p:cNvSpPr>
-            <a:spLocks noGrp="1"/>
-          </p:cNvSpPr>
-          <p:nvPr>
-            <p:ph sz="quarter" idx="11"/>
-          </p:nvPr>
-        </p:nvSpPr>
-        <p:spPr/>
-        <p:txBody>
-          <a:bodyPr/>
-          <a:lstStyle/>
-          <a:p>
-            <a:r>
-              <a:rPr lang="pl-PL" dirty="0" smtClean="0"/>
-              <a:t>Change text in Index method</a:t>
-            </a:r>
-            <a:endParaRPr lang="en-CA" dirty="0"/>
-          </a:p>
-        </p:txBody>
-      </p:sp>
-      <p:sp>
-        <p:nvSpPr>
-          <p:cNvPr id="5" name="Content Placeholder 4"/>
-          <p:cNvSpPr>
-            <a:spLocks noGrp="1"/>
-          </p:cNvSpPr>
-          <p:nvPr>
-            <p:ph sz="quarter" idx="12"/>
-          </p:nvPr>
-        </p:nvSpPr>
-        <p:spPr/>
-        <p:txBody>
-          <a:bodyPr/>
-          <a:lstStyle/>
-          <a:p>
-            <a:r>
-              <a:rPr lang="pl-PL" dirty="0" smtClean="0"/>
-              <a:t>Compile</a:t>
-            </a:r>
-            <a:endParaRPr lang="en-CA" dirty="0"/>
-          </a:p>
-        </p:txBody>
-      </p:sp>
-      <p:sp>
-        <p:nvSpPr>
-          <p:cNvPr id="6" name="Content Placeholder 5"/>
-          <p:cNvSpPr>
-            <a:spLocks noGrp="1"/>
-          </p:cNvSpPr>
-          <p:nvPr>
-            <p:ph sz="quarter" idx="13"/>
-          </p:nvPr>
-        </p:nvSpPr>
-        <p:spPr/>
-        <p:txBody>
-          <a:bodyPr/>
-          <a:lstStyle/>
-          <a:p>
-            <a:r>
-              <a:rPr lang="pl-PL" dirty="0" smtClean="0"/>
-              <a:t>Verify</a:t>
-            </a:r>
-            <a:endParaRPr lang="en-CA" dirty="0"/>
-          </a:p>
-        </p:txBody>
-      </p:sp>
-      <p:sp>
-        <p:nvSpPr>
-          <p:cNvPr id="7" name="Content Placeholder 6"/>
-          <p:cNvSpPr>
-            <a:spLocks noGrp="1"/>
-          </p:cNvSpPr>
-          <p:nvPr>
-            <p:ph sz="quarter" idx="14"/>
-          </p:nvPr>
-        </p:nvSpPr>
-        <p:spPr/>
-        <p:txBody>
-          <a:bodyPr/>
-          <a:lstStyle/>
-          <a:p>
-            <a:endParaRPr lang="en-CA"/>
-          </a:p>
-        </p:txBody>
-      </p:sp>
-      <p:sp>
-        <p:nvSpPr>
-          <p:cNvPr id="8" name="Content Placeholder 7"/>
-          <p:cNvSpPr>
-            <a:spLocks noGrp="1"/>
-          </p:cNvSpPr>
-          <p:nvPr>
-            <p:ph sz="quarter" idx="15"/>
-          </p:nvPr>
-        </p:nvSpPr>
-        <p:spPr/>
-        <p:txBody>
-          <a:bodyPr/>
-          <a:lstStyle/>
-          <a:p>
-            <a:r>
-              <a:rPr lang="pl-PL" dirty="0" smtClean="0"/>
-              <a:t>Run</a:t>
-            </a:r>
-            <a:endParaRPr lang="en-CA" dirty="0"/>
-          </a:p>
-        </p:txBody>
-      </p:sp>
-    </p:spTree>
+    <p:custDataLst>
+      <p:tags r:id="rId1"/>
+    </p:custDataLst>
     <p:extLst>
       <p:ext uri="{BB962C8B-B14F-4D97-AF65-F5344CB8AC3E}">
         <p14:creationId xmlns:p14="http://schemas.microsoft.com/office/powerpoint/2010/main" val="2790318224"/>
@@ -16772,7 +17000,7 @@
 </p:sld>
 </file>
 
-<file path=ppt/slides/slide23.xml><?xml version="1.0" encoding="utf-8"?>
+<file path=ppt/slides/slide22.xml><?xml version="1.0" encoding="utf-8"?>
 <p:sld xmlns:a="http://schemas.openxmlformats.org/drawingml/2006/main" xmlns:r="http://schemas.openxmlformats.org/officeDocument/2006/relationships" xmlns:p="http://schemas.openxmlformats.org/presentationml/2006/main">
   <p:cSld>
     <p:spTree>
@@ -16797,6 +17025,9 @@
           </p:cNvSpPr>
           <p:nvPr>
             <p:ph type="title"/>
+            <p:custDataLst>
+              <p:tags r:id="rId2"/>
+            </p:custDataLst>
           </p:nvPr>
         </p:nvSpPr>
         <p:spPr/>
@@ -16806,7 +17037,15 @@
           <a:p>
             <a:r>
               <a:rPr lang="pl-PL" dirty="0" smtClean="0"/>
-              <a:t>Task 0.2 – prepare a text control</a:t>
+              <a:t>Task </a:t>
+            </a:r>
+            <a:r>
+              <a:rPr lang="pl-PL" dirty="0" smtClean="0"/>
+              <a:t>0.1 </a:t>
+            </a:r>
+            <a:r>
+              <a:rPr lang="pl-PL" dirty="0" smtClean="0"/>
+              <a:t>– prepare a text control</a:t>
             </a:r>
             <a:endParaRPr lang="en-CA" dirty="0"/>
           </a:p>
@@ -16820,6 +17059,9 @@
           </p:cNvSpPr>
           <p:nvPr>
             <p:ph sz="quarter" idx="10"/>
+            <p:custDataLst>
+              <p:tags r:id="rId3"/>
+            </p:custDataLst>
           </p:nvPr>
         </p:nvSpPr>
         <p:spPr/>
@@ -16829,7 +17071,11 @@
           <a:p>
             <a:r>
               <a:rPr lang="pl-PL" dirty="0" smtClean="0"/>
-              <a:t>Open Index.cshtml</a:t>
+              <a:t>Open </a:t>
+            </a:r>
+            <a:r>
+              <a:rPr lang="pl-PL" dirty="0" smtClean="0"/>
+              <a:t>Index.aspx</a:t>
             </a:r>
             <a:endParaRPr lang="en-CA" dirty="0"/>
           </a:p>
@@ -16843,6 +17089,9 @@
           </p:cNvSpPr>
           <p:nvPr>
             <p:ph sz="quarter" idx="11"/>
+            <p:custDataLst>
+              <p:tags r:id="rId4"/>
+            </p:custDataLst>
           </p:nvPr>
         </p:nvSpPr>
         <p:spPr/>
@@ -16851,18 +17100,10 @@
           <a:lstStyle/>
           <a:p>
             <a:r>
-              <a:rPr lang="pl-PL" dirty="0" smtClean="0"/>
-              <a:t>Add </a:t>
+              <a:rPr lang="en-CA" sz="2800" dirty="0"/>
+              <a:t>&lt;%= ViewData["Text"] %&gt;</a:t>
             </a:r>
-            <a:r>
-              <a:rPr lang="en-CA" dirty="0"/>
-              <a:t>@</a:t>
-            </a:r>
-            <a:r>
-              <a:rPr lang="en-CA" dirty="0" err="1" smtClean="0"/>
-              <a:t>ViewBag.Text</a:t>
-            </a:r>
-            <a:endParaRPr lang="en-CA" dirty="0"/>
+            <a:endParaRPr lang="en-CA" sz="2800" dirty="0"/>
           </a:p>
         </p:txBody>
       </p:sp>
@@ -16874,6 +17115,9 @@
           </p:cNvSpPr>
           <p:nvPr>
             <p:ph sz="quarter" idx="12"/>
+            <p:custDataLst>
+              <p:tags r:id="rId5"/>
+            </p:custDataLst>
           </p:nvPr>
         </p:nvSpPr>
         <p:spPr/>
@@ -16882,9 +17126,12 @@
           <a:lstStyle/>
           <a:p>
             <a:r>
-              <a:rPr lang="pl-PL" dirty="0" smtClean="0"/>
+              <a:rPr lang="pl-PL" dirty="0"/>
               <a:t>Open HomeController</a:t>
             </a:r>
+            <a:endParaRPr lang="en-CA" dirty="0"/>
+          </a:p>
+          <a:p>
             <a:endParaRPr lang="en-CA" dirty="0"/>
           </a:p>
         </p:txBody>
@@ -16897,6 +17144,9 @@
           </p:cNvSpPr>
           <p:nvPr>
             <p:ph sz="quarter" idx="13"/>
+            <p:custDataLst>
+              <p:tags r:id="rId6"/>
+            </p:custDataLst>
           </p:nvPr>
         </p:nvSpPr>
         <p:spPr/>
@@ -16905,10 +17155,18 @@
           <a:lstStyle/>
           <a:p>
             <a:r>
-              <a:rPr lang="pl-PL" dirty="0" smtClean="0"/>
-              <a:t>Assign some text to ViewBag.Text</a:t>
+              <a:rPr lang="pl-PL" sz="2800" dirty="0"/>
+              <a:t>Assign some text to </a:t>
             </a:r>
-            <a:endParaRPr lang="en-CA" dirty="0"/>
+            <a:r>
+              <a:rPr lang="en-CA" sz="2800" dirty="0" err="1"/>
+              <a:t>ViewData</a:t>
+            </a:r>
+            <a:r>
+              <a:rPr lang="en-CA" sz="2800" dirty="0"/>
+              <a:t>["Text"]</a:t>
+            </a:r>
+            <a:endParaRPr lang="en-CA" sz="2800" dirty="0"/>
           </a:p>
         </p:txBody>
       </p:sp>
@@ -16920,6 +17178,9 @@
           </p:cNvSpPr>
           <p:nvPr>
             <p:ph sz="quarter" idx="14"/>
+            <p:custDataLst>
+              <p:tags r:id="rId7"/>
+            </p:custDataLst>
           </p:nvPr>
         </p:nvSpPr>
         <p:spPr/>
@@ -16927,11 +17188,7 @@
           <a:bodyPr/>
           <a:lstStyle/>
           <a:p>
-            <a:r>
-              <a:rPr lang="pl-PL" dirty="0" smtClean="0"/>
-              <a:t>Compile, run, verify</a:t>
-            </a:r>
-            <a:endParaRPr lang="en-CA" dirty="0"/>
+            <a:endParaRPr lang="en-CA" sz="2800" dirty="0"/>
           </a:p>
         </p:txBody>
       </p:sp>
@@ -16943,6 +17200,9 @@
           </p:cNvSpPr>
           <p:nvPr>
             <p:ph sz="quarter" idx="15"/>
+            <p:custDataLst>
+              <p:tags r:id="rId8"/>
+            </p:custDataLst>
           </p:nvPr>
         </p:nvSpPr>
         <p:spPr/>
@@ -16951,14 +17211,20 @@
           <a:lstStyle/>
           <a:p>
             <a:r>
-              <a:rPr lang="pl-PL" dirty="0" smtClean="0"/>
+              <a:rPr lang="pl-PL" dirty="0"/>
               <a:t>Find Index method</a:t>
             </a:r>
             <a:endParaRPr lang="en-CA" dirty="0"/>
           </a:p>
+          <a:p>
+            <a:endParaRPr lang="en-CA" dirty="0"/>
+          </a:p>
         </p:txBody>
       </p:sp>
     </p:spTree>
+    <p:custDataLst>
+      <p:tags r:id="rId1"/>
+    </p:custDataLst>
     <p:extLst>
       <p:ext uri="{BB962C8B-B14F-4D97-AF65-F5344CB8AC3E}">
         <p14:creationId xmlns:p14="http://schemas.microsoft.com/office/powerpoint/2010/main" val="2949502460"/>
@@ -16986,7 +17252,7 @@
 </p:sld>
 </file>
 
-<file path=ppt/slides/slide24.xml><?xml version="1.0" encoding="utf-8"?>
+<file path=ppt/slides/slide23.xml><?xml version="1.0" encoding="utf-8"?>
 <p:sld xmlns:a="http://schemas.openxmlformats.org/drawingml/2006/main" xmlns:r="http://schemas.openxmlformats.org/officeDocument/2006/relationships" xmlns:p="http://schemas.openxmlformats.org/presentationml/2006/main">
   <p:cSld>
     <p:spTree>
@@ -17011,6 +17277,9 @@
           </p:cNvSpPr>
           <p:nvPr>
             <p:ph type="title"/>
+            <p:custDataLst>
+              <p:tags r:id="rId2"/>
+            </p:custDataLst>
           </p:nvPr>
         </p:nvSpPr>
         <p:spPr>
@@ -17039,6 +17308,9 @@
           </p:cNvSpPr>
           <p:nvPr>
             <p:ph sz="quarter" idx="10"/>
+            <p:custDataLst>
+              <p:tags r:id="rId3"/>
+            </p:custDataLst>
           </p:nvPr>
         </p:nvSpPr>
         <p:spPr/>
@@ -17047,10 +17319,35 @@
           <a:lstStyle/>
           <a:p>
             <a:r>
-              <a:rPr lang="pl-PL" sz="2400" dirty="0" smtClean="0"/>
-              <a:t>Surround @ViewBag.Text with a &lt;div&gt; with an id</a:t>
+              <a:rPr lang="pl-PL" sz="2000" dirty="0" smtClean="0"/>
+              <a:t>Surround </a:t>
             </a:r>
-            <a:endParaRPr lang="en-CA" sz="2400" dirty="0"/>
+            <a:endParaRPr lang="pl-PL" sz="2000" dirty="0" smtClean="0"/>
+          </a:p>
+          <a:p>
+            <a:r>
+              <a:rPr lang="en-CA" sz="2000" dirty="0" smtClean="0"/>
+              <a:t>&lt;%= </a:t>
+            </a:r>
+            <a:r>
+              <a:rPr lang="en-CA" sz="2000" dirty="0" err="1"/>
+              <a:t>ViewData</a:t>
+            </a:r>
+            <a:r>
+              <a:rPr lang="en-CA" sz="2000" dirty="0"/>
+              <a:t>["Text"] %&gt;</a:t>
+            </a:r>
+          </a:p>
+          <a:p>
+            <a:r>
+              <a:rPr lang="pl-PL" sz="2000" dirty="0" smtClean="0"/>
+              <a:t>with </a:t>
+            </a:r>
+            <a:r>
+              <a:rPr lang="pl-PL" sz="2000" dirty="0" smtClean="0"/>
+              <a:t>a &lt;div&gt; with an id</a:t>
+            </a:r>
+            <a:endParaRPr lang="en-CA" sz="2000" dirty="0"/>
           </a:p>
         </p:txBody>
       </p:sp>
@@ -17062,6 +17359,9 @@
           </p:cNvSpPr>
           <p:nvPr>
             <p:ph sz="quarter" idx="11"/>
+            <p:custDataLst>
+              <p:tags r:id="rId4"/>
+            </p:custDataLst>
           </p:nvPr>
         </p:nvSpPr>
         <p:spPr/>
@@ -17071,13 +17371,7 @@
           <a:p>
             <a:r>
               <a:rPr lang="pl-PL" sz="2800" dirty="0" smtClean="0"/>
-              <a:t>Open Content/themes/</a:t>
-            </a:r>
-          </a:p>
-          <a:p>
-            <a:r>
-              <a:rPr lang="pl-PL" sz="2800" dirty="0" smtClean="0"/>
-              <a:t>Site.css</a:t>
+              <a:t>Add inline style</a:t>
             </a:r>
             <a:endParaRPr lang="en-CA" sz="2800" dirty="0"/>
           </a:p>
@@ -17091,6 +17385,9 @@
           </p:cNvSpPr>
           <p:nvPr>
             <p:ph sz="quarter" idx="12"/>
+            <p:custDataLst>
+              <p:tags r:id="rId5"/>
+            </p:custDataLst>
           </p:nvPr>
         </p:nvSpPr>
         <p:spPr/>
@@ -17100,7 +17397,11 @@
           <a:p>
             <a:r>
               <a:rPr lang="pl-PL" sz="2800" dirty="0" smtClean="0"/>
-              <a:t>Add a border to div’s id (#customText)</a:t>
+              <a:t>Add a </a:t>
+            </a:r>
+            <a:r>
+              <a:rPr lang="pl-PL" sz="2800" dirty="0" smtClean="0"/>
+              <a:t>border</a:t>
             </a:r>
             <a:endParaRPr lang="en-CA" sz="2800" dirty="0"/>
           </a:p>
@@ -17114,6 +17415,9 @@
           </p:cNvSpPr>
           <p:nvPr>
             <p:ph sz="quarter" idx="13"/>
+            <p:custDataLst>
+              <p:tags r:id="rId6"/>
+            </p:custDataLst>
           </p:nvPr>
         </p:nvSpPr>
         <p:spPr/>
@@ -17133,6 +17437,9 @@
           </p:cNvSpPr>
           <p:nvPr>
             <p:ph sz="quarter" idx="14"/>
+            <p:custDataLst>
+              <p:tags r:id="rId7"/>
+            </p:custDataLst>
           </p:nvPr>
         </p:nvSpPr>
         <p:spPr/>
@@ -17152,6 +17459,9 @@
           </p:cNvSpPr>
           <p:nvPr>
             <p:ph sz="quarter" idx="15"/>
+            <p:custDataLst>
+              <p:tags r:id="rId8"/>
+            </p:custDataLst>
           </p:nvPr>
         </p:nvSpPr>
         <p:spPr/>
@@ -17164,6 +17474,9 @@
         </p:txBody>
       </p:sp>
     </p:spTree>
+    <p:custDataLst>
+      <p:tags r:id="rId1"/>
+    </p:custDataLst>
     <p:extLst>
       <p:ext uri="{BB962C8B-B14F-4D97-AF65-F5344CB8AC3E}">
         <p14:creationId xmlns:p14="http://schemas.microsoft.com/office/powerpoint/2010/main" val="1635710852"/>
@@ -17191,6 +17504,274 @@
 </p:sld>
 </file>
 
+<file path=ppt/slides/slide24.xml><?xml version="1.0" encoding="utf-8"?>
+<p:sld xmlns:a="http://schemas.openxmlformats.org/drawingml/2006/main" xmlns:r="http://schemas.openxmlformats.org/officeDocument/2006/relationships" xmlns:p="http://schemas.openxmlformats.org/presentationml/2006/main">
+  <p:cSld>
+    <p:spTree>
+      <p:nvGrpSpPr>
+        <p:cNvPr id="1" name=""/>
+        <p:cNvGrpSpPr/>
+        <p:nvPr/>
+      </p:nvGrpSpPr>
+      <p:grpSpPr>
+        <a:xfrm>
+          <a:off x="0" y="0"/>
+          <a:ext cx="0" cy="0"/>
+          <a:chOff x="0" y="0"/>
+          <a:chExt cx="0" cy="0"/>
+        </a:xfrm>
+      </p:grpSpPr>
+      <p:sp>
+        <p:nvSpPr>
+          <p:cNvPr id="2" name="Title 1"/>
+          <p:cNvSpPr>
+            <a:spLocks noGrp="1"/>
+          </p:cNvSpPr>
+          <p:nvPr>
+            <p:ph type="title"/>
+            <p:custDataLst>
+              <p:tags r:id="rId2"/>
+            </p:custDataLst>
+          </p:nvPr>
+        </p:nvSpPr>
+        <p:spPr/>
+        <p:txBody>
+          <a:bodyPr/>
+          <a:lstStyle/>
+          <a:p>
+            <a:r>
+              <a:rPr lang="pl-PL" dirty="0" smtClean="0"/>
+              <a:t>Task 0.4 – Import API</a:t>
+            </a:r>
+            <a:endParaRPr lang="en-CA" dirty="0"/>
+          </a:p>
+        </p:txBody>
+      </p:sp>
+      <p:sp>
+        <p:nvSpPr>
+          <p:cNvPr id="3" name="Content Placeholder 2"/>
+          <p:cNvSpPr>
+            <a:spLocks noGrp="1"/>
+          </p:cNvSpPr>
+          <p:nvPr>
+            <p:ph sz="quarter" idx="10"/>
+            <p:custDataLst>
+              <p:tags r:id="rId3"/>
+            </p:custDataLst>
+          </p:nvPr>
+        </p:nvSpPr>
+        <p:spPr/>
+        <p:txBody>
+          <a:bodyPr/>
+          <a:lstStyle/>
+          <a:p>
+            <a:r>
+              <a:rPr lang="pl-PL" dirty="0" smtClean="0"/>
+              <a:t>Open Global.asax.cs</a:t>
+            </a:r>
+            <a:endParaRPr lang="en-CA" dirty="0"/>
+          </a:p>
+        </p:txBody>
+      </p:sp>
+      <p:sp>
+        <p:nvSpPr>
+          <p:cNvPr id="4" name="Content Placeholder 3"/>
+          <p:cNvSpPr>
+            <a:spLocks noGrp="1"/>
+          </p:cNvSpPr>
+          <p:nvPr>
+            <p:ph sz="quarter" idx="11"/>
+            <p:custDataLst>
+              <p:tags r:id="rId4"/>
+            </p:custDataLst>
+          </p:nvPr>
+        </p:nvSpPr>
+        <p:spPr/>
+        <p:txBody>
+          <a:bodyPr/>
+          <a:lstStyle/>
+          <a:p>
+            <a:r>
+              <a:rPr lang="pl-PL" sz="2800" dirty="0" smtClean="0"/>
+              <a:t>Change {controller} to {controller}.aspx</a:t>
+            </a:r>
+            <a:endParaRPr lang="en-CA" sz="2800" dirty="0"/>
+          </a:p>
+        </p:txBody>
+      </p:sp>
+      <p:sp>
+        <p:nvSpPr>
+          <p:cNvPr id="5" name="Content Placeholder 4"/>
+          <p:cNvSpPr>
+            <a:spLocks noGrp="1"/>
+          </p:cNvSpPr>
+          <p:nvPr>
+            <p:ph sz="quarter" idx="12"/>
+            <p:custDataLst>
+              <p:tags r:id="rId5"/>
+            </p:custDataLst>
+          </p:nvPr>
+        </p:nvSpPr>
+        <p:spPr/>
+        <p:txBody>
+          <a:bodyPr/>
+          <a:lstStyle/>
+          <a:p>
+            <a:r>
+              <a:rPr lang="pl-PL" dirty="0" smtClean="0"/>
+              <a:t>Open HomeController</a:t>
+            </a:r>
+            <a:endParaRPr lang="en-CA" dirty="0"/>
+          </a:p>
+        </p:txBody>
+      </p:sp>
+      <p:sp>
+        <p:nvSpPr>
+          <p:cNvPr id="6" name="Content Placeholder 5"/>
+          <p:cNvSpPr>
+            <a:spLocks noGrp="1"/>
+          </p:cNvSpPr>
+          <p:nvPr>
+            <p:ph sz="quarter" idx="13"/>
+            <p:custDataLst>
+              <p:tags r:id="rId6"/>
+            </p:custDataLst>
+          </p:nvPr>
+        </p:nvSpPr>
+        <p:spPr/>
+        <p:txBody>
+          <a:bodyPr/>
+          <a:lstStyle/>
+          <a:p>
+            <a:r>
+              <a:rPr lang="pl-PL" sz="2000" dirty="0" smtClean="0"/>
+              <a:t>On top add:</a:t>
+            </a:r>
+          </a:p>
+          <a:p>
+            <a:r>
+              <a:rPr lang="en-CA" sz="2000" dirty="0"/>
+              <a:t>using System.Xml</a:t>
+            </a:r>
+            <a:r>
+              <a:rPr lang="en-CA" sz="2000" dirty="0"/>
+              <a:t>;</a:t>
+            </a:r>
+            <a:br>
+              <a:rPr lang="en-CA" sz="2000" dirty="0"/>
+            </a:br>
+            <a:r>
+              <a:rPr lang="en-CA" sz="2000" dirty="0" smtClean="0"/>
+              <a:t>using </a:t>
+            </a:r>
+            <a:r>
+              <a:rPr lang="en-CA" sz="2000" dirty="0"/>
+              <a:t>System.Globalization</a:t>
+            </a:r>
+            <a:r>
+              <a:rPr lang="en-CA" sz="2000" dirty="0"/>
+              <a:t>;</a:t>
+            </a:r>
+            <a:br>
+              <a:rPr lang="en-CA" sz="2000" dirty="0"/>
+            </a:br>
+            <a:r>
+              <a:rPr lang="en-CA" sz="2000" dirty="0" smtClean="0"/>
+              <a:t>using </a:t>
+            </a:r>
+            <a:r>
+              <a:rPr lang="en-CA" sz="2000" dirty="0"/>
+              <a:t>System.Net;</a:t>
+            </a:r>
+          </a:p>
+          <a:p>
+            <a:endParaRPr lang="en-CA" dirty="0"/>
+          </a:p>
+        </p:txBody>
+      </p:sp>
+      <p:sp>
+        <p:nvSpPr>
+          <p:cNvPr id="7" name="Content Placeholder 6"/>
+          <p:cNvSpPr>
+            <a:spLocks noGrp="1"/>
+          </p:cNvSpPr>
+          <p:nvPr>
+            <p:ph sz="quarter" idx="14"/>
+            <p:custDataLst>
+              <p:tags r:id="rId7"/>
+            </p:custDataLst>
+          </p:nvPr>
+        </p:nvSpPr>
+        <p:spPr/>
+        <p:txBody>
+          <a:bodyPr/>
+          <a:lstStyle/>
+          <a:p>
+            <a:r>
+              <a:rPr lang="pl-PL" dirty="0"/>
+              <a:t>Run using /Home.aspx</a:t>
+            </a:r>
+            <a:endParaRPr lang="en-CA" dirty="0"/>
+          </a:p>
+        </p:txBody>
+      </p:sp>
+      <p:sp>
+        <p:nvSpPr>
+          <p:cNvPr id="8" name="Content Placeholder 7"/>
+          <p:cNvSpPr>
+            <a:spLocks noGrp="1"/>
+          </p:cNvSpPr>
+          <p:nvPr>
+            <p:ph sz="quarter" idx="15"/>
+            <p:custDataLst>
+              <p:tags r:id="rId8"/>
+            </p:custDataLst>
+          </p:nvPr>
+        </p:nvSpPr>
+        <p:spPr/>
+        <p:txBody>
+          <a:bodyPr/>
+          <a:lstStyle/>
+          <a:p>
+            <a:r>
+              <a:rPr lang="pl-PL" sz="2400" dirty="0" smtClean="0"/>
+              <a:t>Paste the snippet next line after declaration of HomeController</a:t>
+            </a:r>
+            <a:endParaRPr lang="en-CA" sz="2400" dirty="0"/>
+          </a:p>
+        </p:txBody>
+      </p:sp>
+    </p:spTree>
+    <p:custDataLst>
+      <p:tags r:id="rId1"/>
+    </p:custDataLst>
+    <p:extLst>
+      <p:ext uri="{BB962C8B-B14F-4D97-AF65-F5344CB8AC3E}">
+        <p14:creationId xmlns:p14="http://schemas.microsoft.com/office/powerpoint/2010/main" val="2831268415"/>
+      </p:ext>
+    </p:extLst>
+  </p:cSld>
+  <p:clrMapOvr>
+    <a:masterClrMapping/>
+  </p:clrMapOvr>
+  <mc:AlternateContent xmlns:mc="http://schemas.openxmlformats.org/markup-compatibility/2006" xmlns:p14="http://schemas.microsoft.com/office/powerpoint/2010/main">
+    <mc:Choice Requires="p14">
+      <p:transition spd="slow" p14:dur="2000"/>
+    </mc:Choice>
+    <mc:Fallback xmlns="">
+      <p:transition spd="slow"/>
+    </mc:Fallback>
+  </mc:AlternateContent>
+  <p:timing>
+    <p:tnLst>
+      <p:par>
+        <p:cTn id="1" dur="indefinite" restart="never" nodeType="tmRoot"/>
+      </p:par>
+    </p:tnLst>
+  </p:timing>
+</p:sld>
+</file>
+
 <file path=ppt/slides/slide25.xml><?xml version="1.0" encoding="utf-8"?>
 <p:sld xmlns:a="http://schemas.openxmlformats.org/drawingml/2006/main" xmlns:r="http://schemas.openxmlformats.org/officeDocument/2006/relationships" xmlns:p="http://schemas.openxmlformats.org/presentationml/2006/main">
   <p:cSld>
@@ -17216,6 +17797,9 @@
           </p:cNvSpPr>
           <p:nvPr>
             <p:ph type="title"/>
+            <p:custDataLst>
+              <p:tags r:id="rId2"/>
+            </p:custDataLst>
           </p:nvPr>
         </p:nvSpPr>
         <p:spPr/>
@@ -17239,6 +17823,9 @@
           </p:cNvSpPr>
           <p:nvPr>
             <p:ph sz="quarter" idx="10"/>
+            <p:custDataLst>
+              <p:tags r:id="rId3"/>
+            </p:custDataLst>
           </p:nvPr>
         </p:nvSpPr>
         <p:spPr/>
@@ -17262,6 +17849,9 @@
           </p:cNvSpPr>
           <p:nvPr>
             <p:ph sz="quarter" idx="11"/>
+            <p:custDataLst>
+              <p:tags r:id="rId4"/>
+            </p:custDataLst>
           </p:nvPr>
         </p:nvSpPr>
         <p:spPr/>
@@ -17270,8 +17860,8 @@
           <a:lstStyle/>
           <a:p>
             <a:r>
-              <a:rPr lang="pl-PL" sz="2800" dirty="0" smtClean="0"/>
-              <a:t>Create an instance of BsdsAccess</a:t>
+              <a:rPr lang="pl-PL" sz="2800" dirty="0"/>
+              <a:t>Call GetCoffeeShopById method</a:t>
             </a:r>
             <a:endParaRPr lang="en-CA" sz="2800" dirty="0"/>
           </a:p>
@@ -17285,6 +17875,9 @@
           </p:cNvSpPr>
           <p:nvPr>
             <p:ph sz="quarter" idx="12"/>
+            <p:custDataLst>
+              <p:tags r:id="rId5"/>
+            </p:custDataLst>
           </p:nvPr>
         </p:nvSpPr>
         <p:spPr/>
@@ -17293,8 +17886,8 @@
           <a:lstStyle/>
           <a:p>
             <a:r>
-              <a:rPr lang="pl-PL" sz="2800" dirty="0" smtClean="0"/>
-              <a:t>Call GetCoffeeShopById method</a:t>
+              <a:rPr lang="pl-PL" sz="2800" dirty="0"/>
+              <a:t>Display this shop’s DisplayName</a:t>
             </a:r>
             <a:endParaRPr lang="en-CA" sz="2800" dirty="0"/>
           </a:p>
@@ -17308,6 +17901,9 @@
           </p:cNvSpPr>
           <p:nvPr>
             <p:ph sz="quarter" idx="13"/>
+            <p:custDataLst>
+              <p:tags r:id="rId6"/>
+            </p:custDataLst>
           </p:nvPr>
         </p:nvSpPr>
         <p:spPr/>
@@ -17327,6 +17923,9 @@
           </p:cNvSpPr>
           <p:nvPr>
             <p:ph sz="quarter" idx="14"/>
+            <p:custDataLst>
+              <p:tags r:id="rId7"/>
+            </p:custDataLst>
           </p:nvPr>
         </p:nvSpPr>
         <p:spPr/>
@@ -17346,6 +17945,9 @@
           </p:cNvSpPr>
           <p:nvPr>
             <p:ph sz="quarter" idx="15"/>
+            <p:custDataLst>
+              <p:tags r:id="rId8"/>
+            </p:custDataLst>
           </p:nvPr>
         </p:nvSpPr>
         <p:spPr/>
@@ -17353,24 +17955,24 @@
           <a:bodyPr/>
           <a:lstStyle/>
           <a:p>
-            <a:r>
-              <a:rPr lang="pl-PL" sz="2800" dirty="0" smtClean="0"/>
-              <a:t>Display this shop’s DisplayName</a:t>
-            </a:r>
             <a:endParaRPr lang="en-CA" sz="2800" dirty="0"/>
           </a:p>
         </p:txBody>
       </p:sp>
       <p:pic>
         <p:nvPicPr>
-          <p:cNvPr id="1026" name="Picture 2"/>
+          <p:cNvPr id="9" name="Picture 2"/>
           <p:cNvPicPr>
             <a:picLocks noChangeAspect="1" noChangeArrowheads="1"/>
           </p:cNvPicPr>
-          <p:nvPr/>
+          <p:nvPr>
+            <p:custDataLst>
+              <p:tags r:id="rId9"/>
+            </p:custDataLst>
+          </p:nvPr>
         </p:nvPicPr>
         <p:blipFill>
-          <a:blip r:embed="rId2">
+          <a:blip r:embed="rId11">
             <a:extLst>
               <a:ext uri="{28A0092B-C50C-407E-A947-70E740481C1C}">
                 <a14:useLocalDpi xmlns:a14="http://schemas.microsoft.com/office/drawing/2010/main" val="0"/>
@@ -17384,8 +17986,8 @@
         </p:blipFill>
         <p:spPr bwMode="auto">
           <a:xfrm>
-            <a:off x="323528" y="4653136"/>
-            <a:ext cx="8523738" cy="1440160"/>
+            <a:off x="323528" y="4680185"/>
+            <a:ext cx="8504969" cy="809997"/>
           </a:xfrm>
           <a:prstGeom prst="rect">
             <a:avLst/>
@@ -17426,6 +18028,9 @@
         </p:spPr>
       </p:pic>
     </p:spTree>
+    <p:custDataLst>
+      <p:tags r:id="rId1"/>
+    </p:custDataLst>
     <p:extLst>
       <p:ext uri="{BB962C8B-B14F-4D97-AF65-F5344CB8AC3E}">
         <p14:creationId xmlns:p14="http://schemas.microsoft.com/office/powerpoint/2010/main" val="3883718296"/>
@@ -17477,7 +18082,7 @@
                                           </p:stCondLst>
                                         </p:cTn>
                                         <p:tgtEl>
-                                          <p:spTgt spid="1026"/>
+                                          <p:spTgt spid="9"/>
                                         </p:tgtEl>
                                         <p:attrNameLst>
                                           <p:attrName>style.visibility</p:attrName>
@@ -17491,7 +18096,7 @@
                                       <p:cBhvr>
                                         <p:cTn id="7" dur="500"/>
                                         <p:tgtEl>
-                                          <p:spTgt spid="1026"/>
+                                          <p:spTgt spid="9"/>
                                         </p:tgtEl>
                                       </p:cBhvr>
                                     </p:animEffect>
@@ -17508,7 +18113,7 @@
                                       <p:cBhvr>
                                         <p:cTn id="9" dur="2000" fill="hold"/>
                                         <p:tgtEl>
-                                          <p:spTgt spid="1026"/>
+                                          <p:spTgt spid="9"/>
                                         </p:tgtEl>
                                         <p:attrNameLst>
                                           <p:attrName>ppt_x</p:attrName>
@@ -17576,6 +18181,9 @@
           </p:cNvSpPr>
           <p:nvPr>
             <p:ph type="title"/>
+            <p:custDataLst>
+              <p:tags r:id="rId2"/>
+            </p:custDataLst>
           </p:nvPr>
         </p:nvSpPr>
         <p:spPr>
@@ -17604,6 +18212,9 @@
           </p:cNvSpPr>
           <p:nvPr>
             <p:ph sz="quarter" idx="10"/>
+            <p:custDataLst>
+              <p:tags r:id="rId3"/>
+            </p:custDataLst>
           </p:nvPr>
         </p:nvSpPr>
         <p:spPr/>
@@ -17627,6 +18238,9 @@
           </p:cNvSpPr>
           <p:nvPr>
             <p:ph sz="quarter" idx="11"/>
+            <p:custDataLst>
+              <p:tags r:id="rId4"/>
+            </p:custDataLst>
           </p:nvPr>
         </p:nvSpPr>
         <p:spPr/>
@@ -17650,6 +18264,9 @@
           </p:cNvSpPr>
           <p:nvPr>
             <p:ph sz="quarter" idx="12"/>
+            <p:custDataLst>
+              <p:tags r:id="rId5"/>
+            </p:custDataLst>
           </p:nvPr>
         </p:nvSpPr>
         <p:spPr/>
@@ -17673,6 +18290,9 @@
           </p:cNvSpPr>
           <p:nvPr>
             <p:ph sz="quarter" idx="13"/>
+            <p:custDataLst>
+              <p:tags r:id="rId6"/>
+            </p:custDataLst>
           </p:nvPr>
         </p:nvSpPr>
         <p:spPr/>
@@ -17696,6 +18316,9 @@
           </p:cNvSpPr>
           <p:nvPr>
             <p:ph sz="quarter" idx="14"/>
+            <p:custDataLst>
+              <p:tags r:id="rId7"/>
+            </p:custDataLst>
           </p:nvPr>
         </p:nvSpPr>
         <p:spPr/>
@@ -17703,7 +18326,15 @@
           <a:bodyPr/>
           <a:lstStyle/>
           <a:p>
-            <a:endParaRPr lang="en-CA"/>
+            <a:r>
+              <a:rPr lang="pl-PL" dirty="0"/>
+              <a:t>Run </a:t>
+            </a:r>
+            <a:r>
+              <a:rPr lang="pl-PL" sz="2400" dirty="0"/>
+              <a:t>Home.aspx/IndexId/17</a:t>
+            </a:r>
+            <a:endParaRPr lang="en-CA" dirty="0"/>
           </a:p>
         </p:txBody>
       </p:sp>
@@ -17715,6 +18346,9 @@
           </p:cNvSpPr>
           <p:nvPr>
             <p:ph sz="quarter" idx="15"/>
+            <p:custDataLst>
+              <p:tags r:id="rId8"/>
+            </p:custDataLst>
           </p:nvPr>
         </p:nvSpPr>
         <p:spPr/>
@@ -17740,14 +18374,18 @@
       </p:sp>
       <p:pic>
         <p:nvPicPr>
-          <p:cNvPr id="2050" name="Picture 2"/>
+          <p:cNvPr id="9" name="Picture 2"/>
           <p:cNvPicPr>
             <a:picLocks noChangeAspect="1" noChangeArrowheads="1"/>
           </p:cNvPicPr>
-          <p:nvPr/>
+          <p:nvPr>
+            <p:custDataLst>
+              <p:tags r:id="rId9"/>
+            </p:custDataLst>
+          </p:nvPr>
         </p:nvPicPr>
         <p:blipFill>
-          <a:blip r:embed="rId2">
+          <a:blip r:embed="rId11">
             <a:extLst>
               <a:ext uri="{28A0092B-C50C-407E-A947-70E740481C1C}">
                 <a14:useLocalDpi xmlns:a14="http://schemas.microsoft.com/office/drawing/2010/main" val="0"/>
@@ -17761,8 +18399,8 @@
         </p:blipFill>
         <p:spPr bwMode="auto">
           <a:xfrm>
-            <a:off x="323528" y="2636912"/>
-            <a:ext cx="6768752" cy="3384376"/>
+            <a:off x="310971" y="3153052"/>
+            <a:ext cx="6375934" cy="3012252"/>
           </a:xfrm>
           <a:prstGeom prst="rect">
             <a:avLst/>
@@ -17803,6 +18441,9 @@
         </p:spPr>
       </p:pic>
     </p:spTree>
+    <p:custDataLst>
+      <p:tags r:id="rId1"/>
+    </p:custDataLst>
     <p:extLst>
       <p:ext uri="{BB962C8B-B14F-4D97-AF65-F5344CB8AC3E}">
         <p14:creationId xmlns:p14="http://schemas.microsoft.com/office/powerpoint/2010/main" val="3450646828"/>
@@ -17854,7 +18495,7 @@
                                           </p:stCondLst>
                                         </p:cTn>
                                         <p:tgtEl>
-                                          <p:spTgt spid="2050"/>
+                                          <p:spTgt spid="9"/>
                                         </p:tgtEl>
                                         <p:attrNameLst>
                                           <p:attrName>style.visibility</p:attrName>
@@ -17868,7 +18509,7 @@
                                       <p:cBhvr>
                                         <p:cTn id="7" dur="500"/>
                                         <p:tgtEl>
-                                          <p:spTgt spid="2050"/>
+                                          <p:spTgt spid="9"/>
                                         </p:tgtEl>
                                       </p:cBhvr>
                                     </p:animEffect>
@@ -17885,7 +18526,7 @@
                                       <p:cBhvr>
                                         <p:cTn id="9" dur="2000" fill="hold"/>
                                         <p:tgtEl>
-                                          <p:spTgt spid="2050"/>
+                                          <p:spTgt spid="9"/>
                                         </p:tgtEl>
                                         <p:attrNameLst>
                                           <p:attrName>ppt_x</p:attrName>
@@ -17953,6 +18594,9 @@
           </p:cNvSpPr>
           <p:nvPr>
             <p:ph type="title"/>
+            <p:custDataLst>
+              <p:tags r:id="rId2"/>
+            </p:custDataLst>
           </p:nvPr>
         </p:nvSpPr>
         <p:spPr/>
@@ -17976,6 +18620,9 @@
           </p:cNvSpPr>
           <p:nvPr>
             <p:ph sz="quarter" idx="10"/>
+            <p:custDataLst>
+              <p:tags r:id="rId3"/>
+            </p:custDataLst>
           </p:nvPr>
         </p:nvSpPr>
         <p:spPr/>
@@ -17999,6 +18646,9 @@
           </p:cNvSpPr>
           <p:nvPr>
             <p:ph sz="quarter" idx="11"/>
+            <p:custDataLst>
+              <p:tags r:id="rId4"/>
+            </p:custDataLst>
           </p:nvPr>
         </p:nvSpPr>
         <p:spPr/>
@@ -18022,6 +18672,9 @@
           </p:cNvSpPr>
           <p:nvPr>
             <p:ph sz="quarter" idx="12"/>
+            <p:custDataLst>
+              <p:tags r:id="rId5"/>
+            </p:custDataLst>
           </p:nvPr>
         </p:nvSpPr>
         <p:spPr/>
@@ -18045,6 +18698,9 @@
           </p:cNvSpPr>
           <p:nvPr>
             <p:ph sz="quarter" idx="13"/>
+            <p:custDataLst>
+              <p:tags r:id="rId6"/>
+            </p:custDataLst>
           </p:nvPr>
         </p:nvSpPr>
         <p:spPr/>
@@ -18068,6 +18724,9 @@
           </p:cNvSpPr>
           <p:nvPr>
             <p:ph sz="quarter" idx="14"/>
+            <p:custDataLst>
+              <p:tags r:id="rId7"/>
+            </p:custDataLst>
           </p:nvPr>
         </p:nvSpPr>
         <p:spPr/>
@@ -18091,6 +18750,9 @@
           </p:cNvSpPr>
           <p:nvPr>
             <p:ph sz="quarter" idx="15"/>
+            <p:custDataLst>
+              <p:tags r:id="rId8"/>
+            </p:custDataLst>
           </p:nvPr>
         </p:nvSpPr>
         <p:spPr/>
@@ -18108,14 +18770,18 @@
       </p:sp>
       <p:pic>
         <p:nvPicPr>
-          <p:cNvPr id="3074" name="Picture 2"/>
+          <p:cNvPr id="9" name="Picture 2"/>
           <p:cNvPicPr>
             <a:picLocks noChangeAspect="1" noChangeArrowheads="1"/>
           </p:cNvPicPr>
-          <p:nvPr/>
+          <p:nvPr>
+            <p:custDataLst>
+              <p:tags r:id="rId9"/>
+            </p:custDataLst>
+          </p:nvPr>
         </p:nvPicPr>
         <p:blipFill>
-          <a:blip r:embed="rId2">
+          <a:blip r:embed="rId11">
             <a:extLst>
               <a:ext uri="{28A0092B-C50C-407E-A947-70E740481C1C}">
                 <a14:useLocalDpi xmlns:a14="http://schemas.microsoft.com/office/drawing/2010/main" val="0"/>
@@ -18129,8 +18795,8 @@
         </p:blipFill>
         <p:spPr bwMode="auto">
           <a:xfrm>
-            <a:off x="323528" y="1124744"/>
-            <a:ext cx="6336704" cy="5576300"/>
+            <a:off x="288884" y="1216848"/>
+            <a:ext cx="6371348" cy="5301350"/>
           </a:xfrm>
           <a:prstGeom prst="rect">
             <a:avLst/>
@@ -18171,6 +18837,9 @@
         </p:spPr>
       </p:pic>
     </p:spTree>
+    <p:custDataLst>
+      <p:tags r:id="rId1"/>
+    </p:custDataLst>
     <p:extLst>
       <p:ext uri="{BB962C8B-B14F-4D97-AF65-F5344CB8AC3E}">
         <p14:creationId xmlns:p14="http://schemas.microsoft.com/office/powerpoint/2010/main" val="2736300671"/>
@@ -18222,7 +18891,7 @@
                                           </p:stCondLst>
                                         </p:cTn>
                                         <p:tgtEl>
-                                          <p:spTgt spid="3074"/>
+                                          <p:spTgt spid="9"/>
                                         </p:tgtEl>
                                         <p:attrNameLst>
                                           <p:attrName>style.visibility</p:attrName>
@@ -18236,7 +18905,7 @@
                                       <p:cBhvr>
                                         <p:cTn id="7" dur="500"/>
                                         <p:tgtEl>
-                                          <p:spTgt spid="3074"/>
+                                          <p:spTgt spid="9"/>
                                         </p:tgtEl>
                                       </p:cBhvr>
                                     </p:animEffect>
@@ -18253,7 +18922,7 @@
                                       <p:cBhvr>
                                         <p:cTn id="9" dur="2000" fill="hold"/>
                                         <p:tgtEl>
-                                          <p:spTgt spid="3074"/>
+                                          <p:spTgt spid="9"/>
                                         </p:tgtEl>
                                         <p:attrNameLst>
                                           <p:attrName>ppt_x</p:attrName>
@@ -18321,6 +18990,9 @@
           </p:cNvSpPr>
           <p:nvPr>
             <p:ph type="title"/>
+            <p:custDataLst>
+              <p:tags r:id="rId2"/>
+            </p:custDataLst>
           </p:nvPr>
         </p:nvSpPr>
         <p:spPr/>
@@ -18344,6 +19016,9 @@
           </p:cNvSpPr>
           <p:nvPr>
             <p:ph sz="quarter" idx="10"/>
+            <p:custDataLst>
+              <p:tags r:id="rId3"/>
+            </p:custDataLst>
           </p:nvPr>
         </p:nvSpPr>
         <p:spPr/>
@@ -18367,6 +19042,9 @@
           </p:cNvSpPr>
           <p:nvPr>
             <p:ph sz="quarter" idx="11"/>
+            <p:custDataLst>
+              <p:tags r:id="rId4"/>
+            </p:custDataLst>
           </p:nvPr>
         </p:nvSpPr>
         <p:spPr/>
@@ -18390,6 +19068,9 @@
           </p:cNvSpPr>
           <p:nvPr>
             <p:ph sz="quarter" idx="12"/>
+            <p:custDataLst>
+              <p:tags r:id="rId5"/>
+            </p:custDataLst>
           </p:nvPr>
         </p:nvSpPr>
         <p:spPr/>
@@ -18413,6 +19094,9 @@
           </p:cNvSpPr>
           <p:nvPr>
             <p:ph sz="quarter" idx="13"/>
+            <p:custDataLst>
+              <p:tags r:id="rId6"/>
+            </p:custDataLst>
           </p:nvPr>
         </p:nvSpPr>
         <p:spPr/>
@@ -18432,6 +19116,9 @@
           </p:cNvSpPr>
           <p:nvPr>
             <p:ph sz="quarter" idx="14"/>
+            <p:custDataLst>
+              <p:tags r:id="rId7"/>
+            </p:custDataLst>
           </p:nvPr>
         </p:nvSpPr>
         <p:spPr/>
@@ -18451,6 +19138,9 @@
           </p:cNvSpPr>
           <p:nvPr>
             <p:ph sz="quarter" idx="15"/>
+            <p:custDataLst>
+              <p:tags r:id="rId8"/>
+            </p:custDataLst>
           </p:nvPr>
         </p:nvSpPr>
         <p:spPr/>
@@ -18468,78 +19158,18 @@
       </p:sp>
       <p:pic>
         <p:nvPicPr>
-          <p:cNvPr id="4098" name="Picture 2"/>
+          <p:cNvPr id="4099" name="Picture 3" hidden="1"/>
           <p:cNvPicPr>
             <a:picLocks noChangeAspect="1" noChangeArrowheads="1"/>
           </p:cNvPicPr>
-          <p:nvPr/>
+          <p:nvPr>
+            <p:custDataLst>
+              <p:tags r:id="rId9"/>
+            </p:custDataLst>
+          </p:nvPr>
         </p:nvPicPr>
         <p:blipFill>
-          <a:blip r:embed="rId3">
-            <a:extLst>
-              <a:ext uri="{28A0092B-C50C-407E-A947-70E740481C1C}">
-                <a14:useLocalDpi xmlns:a14="http://schemas.microsoft.com/office/drawing/2010/main" val="0"/>
-              </a:ext>
-            </a:extLst>
-          </a:blip>
-          <a:srcRect/>
-          <a:stretch>
-            <a:fillRect/>
-          </a:stretch>
-        </p:blipFill>
-        <p:spPr bwMode="auto">
-          <a:xfrm>
-            <a:off x="251520" y="1628800"/>
-            <a:ext cx="7200800" cy="4404885"/>
-          </a:xfrm>
-          <a:prstGeom prst="rect">
-            <a:avLst/>
-          </a:prstGeom>
-          <a:noFill/>
-          <a:ln>
-            <a:noFill/>
-          </a:ln>
-          <a:effectLst/>
-          <a:extLst>
-            <a:ext uri="{909E8E84-426E-40DD-AFC4-6F175D3DCCD1}">
-              <a14:hiddenFill xmlns:a14="http://schemas.microsoft.com/office/drawing/2010/main">
-                <a:solidFill>
-                  <a:schemeClr val="accent1"/>
-                </a:solidFill>
-              </a14:hiddenFill>
-            </a:ext>
-            <a:ext uri="{91240B29-F687-4F45-9708-019B960494DF}">
-              <a14:hiddenLine xmlns:a14="http://schemas.microsoft.com/office/drawing/2010/main" w="9525">
-                <a:solidFill>
-                  <a:schemeClr val="tx1"/>
-                </a:solidFill>
-                <a:miter lim="800000"/>
-                <a:headEnd/>
-                <a:tailEnd/>
-              </a14:hiddenLine>
-            </a:ext>
-            <a:ext uri="{AF507438-7753-43E0-B8FC-AC1667EBCBE1}">
-              <a14:hiddenEffects xmlns:a14="http://schemas.microsoft.com/office/drawing/2010/main">
-                <a:effectLst>
-                  <a:outerShdw dist="35921" dir="2700000" algn="ctr" rotWithShape="0">
-                    <a:schemeClr val="bg2"/>
-                  </a:outerShdw>
-                </a:effectLst>
-              </a14:hiddenEffects>
-            </a:ext>
-          </a:extLst>
-        </p:spPr>
-      </p:pic>
-      <p:pic>
-        <p:nvPicPr>
-          <p:cNvPr id="4099" name="Picture 3"/>
-          <p:cNvPicPr>
-            <a:picLocks noChangeAspect="1" noChangeArrowheads="1"/>
-          </p:cNvPicPr>
-          <p:nvPr/>
-        </p:nvPicPr>
-        <p:blipFill>
-          <a:blip r:embed="rId4">
+          <a:blip r:embed="rId14">
             <a:extLst>
               <a:ext uri="{28A0092B-C50C-407E-A947-70E740481C1C}">
                 <a14:useLocalDpi xmlns:a14="http://schemas.microsoft.com/office/drawing/2010/main" val="0"/>
@@ -18596,14 +19226,18 @@
       </p:pic>
       <p:pic>
         <p:nvPicPr>
-          <p:cNvPr id="4100" name="Picture 4"/>
+          <p:cNvPr id="4100" name="Picture 4" hidden="1"/>
           <p:cNvPicPr>
             <a:picLocks noChangeAspect="1" noChangeArrowheads="1"/>
           </p:cNvPicPr>
-          <p:nvPr/>
+          <p:nvPr>
+            <p:custDataLst>
+              <p:tags r:id="rId10"/>
+            </p:custDataLst>
+          </p:nvPr>
         </p:nvPicPr>
         <p:blipFill>
-          <a:blip r:embed="rId5">
+          <a:blip r:embed="rId15">
             <a:extLst>
               <a:ext uri="{28A0092B-C50C-407E-A947-70E740481C1C}">
                 <a14:useLocalDpi xmlns:a14="http://schemas.microsoft.com/office/drawing/2010/main" val="0"/>
@@ -18658,7 +19292,78 @@
           </a:extLst>
         </p:spPr>
       </p:pic>
+      <p:pic>
+        <p:nvPicPr>
+          <p:cNvPr id="9" name="Picture 2"/>
+          <p:cNvPicPr>
+            <a:picLocks noChangeAspect="1" noChangeArrowheads="1"/>
+          </p:cNvPicPr>
+          <p:nvPr>
+            <p:custDataLst>
+              <p:tags r:id="rId11"/>
+            </p:custDataLst>
+          </p:nvPr>
+        </p:nvPicPr>
+        <p:blipFill>
+          <a:blip r:embed="rId16">
+            <a:extLst>
+              <a:ext uri="{28A0092B-C50C-407E-A947-70E740481C1C}">
+                <a14:useLocalDpi xmlns:a14="http://schemas.microsoft.com/office/drawing/2010/main" val="0"/>
+              </a:ext>
+            </a:extLst>
+          </a:blip>
+          <a:srcRect/>
+          <a:stretch>
+            <a:fillRect/>
+          </a:stretch>
+        </p:blipFill>
+        <p:spPr bwMode="auto">
+          <a:xfrm>
+            <a:off x="323528" y="1628800"/>
+            <a:ext cx="8453142" cy="3538884"/>
+          </a:xfrm>
+          <a:prstGeom prst="rect">
+            <a:avLst/>
+          </a:prstGeom>
+          <a:noFill/>
+          <a:ln>
+            <a:noFill/>
+          </a:ln>
+          <a:effectLst/>
+          <a:extLst>
+            <a:ext uri="{909E8E84-426E-40DD-AFC4-6F175D3DCCD1}">
+              <a14:hiddenFill xmlns:a14="http://schemas.microsoft.com/office/drawing/2010/main">
+                <a:solidFill>
+                  <a:schemeClr val="accent1"/>
+                </a:solidFill>
+              </a14:hiddenFill>
+            </a:ext>
+            <a:ext uri="{91240B29-F687-4F45-9708-019B960494DF}">
+              <a14:hiddenLine xmlns:a14="http://schemas.microsoft.com/office/drawing/2010/main" w="9525">
+                <a:solidFill>
+                  <a:schemeClr val="tx1"/>
+                </a:solidFill>
+                <a:miter lim="800000"/>
+                <a:headEnd/>
+                <a:tailEnd/>
+              </a14:hiddenLine>
+            </a:ext>
+            <a:ext uri="{AF507438-7753-43E0-B8FC-AC1667EBCBE1}">
+              <a14:hiddenEffects xmlns:a14="http://schemas.microsoft.com/office/drawing/2010/main">
+                <a:effectLst>
+                  <a:outerShdw dist="35921" dir="2700000" algn="ctr" rotWithShape="0">
+                    <a:schemeClr val="bg2"/>
+                  </a:outerShdw>
+                </a:effectLst>
+              </a14:hiddenEffects>
+            </a:ext>
+          </a:extLst>
+        </p:spPr>
+      </p:pic>
     </p:spTree>
+    <p:custDataLst>
+      <p:tags r:id="rId1"/>
+    </p:custDataLst>
     <p:extLst>
       <p:ext uri="{BB962C8B-B14F-4D97-AF65-F5344CB8AC3E}">
         <p14:creationId xmlns:p14="http://schemas.microsoft.com/office/powerpoint/2010/main" val="546967442"/>
@@ -18983,7 +19688,7 @@
                                           </p:stCondLst>
                                         </p:cTn>
                                         <p:tgtEl>
-                                          <p:spTgt spid="4098"/>
+                                          <p:spTgt spid="9"/>
                                         </p:tgtEl>
                                         <p:attrNameLst>
                                           <p:attrName>style.visibility</p:attrName>
@@ -18997,7 +19702,7 @@
                                       <p:cBhvr>
                                         <p:cTn id="32" dur="500"/>
                                         <p:tgtEl>
-                                          <p:spTgt spid="4098"/>
+                                          <p:spTgt spid="9"/>
                                         </p:tgtEl>
                                       </p:cBhvr>
                                     </p:animEffect>
@@ -19014,7 +19719,7 @@
                                       <p:cBhvr>
                                         <p:cTn id="34" dur="2000" fill="hold"/>
                                         <p:tgtEl>
-                                          <p:spTgt spid="4098"/>
+                                          <p:spTgt spid="9"/>
                                         </p:tgtEl>
                                         <p:attrNameLst>
                                           <p:attrName>ppt_x</p:attrName>
@@ -19082,6 +19787,9 @@
           </p:cNvSpPr>
           <p:nvPr>
             <p:ph type="title"/>
+            <p:custDataLst>
+              <p:tags r:id="rId2"/>
+            </p:custDataLst>
           </p:nvPr>
         </p:nvSpPr>
         <p:spPr/>
@@ -19105,6 +19813,9 @@
           </p:cNvSpPr>
           <p:nvPr>
             <p:ph sz="quarter" idx="10"/>
+            <p:custDataLst>
+              <p:tags r:id="rId3"/>
+            </p:custDataLst>
           </p:nvPr>
         </p:nvSpPr>
         <p:spPr/>
@@ -19135,6 +19846,9 @@
           </p:cNvSpPr>
           <p:nvPr>
             <p:ph sz="quarter" idx="11"/>
+            <p:custDataLst>
+              <p:tags r:id="rId4"/>
+            </p:custDataLst>
           </p:nvPr>
         </p:nvSpPr>
         <p:spPr/>
@@ -19158,6 +19872,9 @@
           </p:cNvSpPr>
           <p:nvPr>
             <p:ph sz="quarter" idx="12"/>
+            <p:custDataLst>
+              <p:tags r:id="rId5"/>
+            </p:custDataLst>
           </p:nvPr>
         </p:nvSpPr>
         <p:spPr/>
@@ -19177,6 +19894,9 @@
           </p:cNvSpPr>
           <p:nvPr>
             <p:ph sz="quarter" idx="13"/>
+            <p:custDataLst>
+              <p:tags r:id="rId6"/>
+            </p:custDataLst>
           </p:nvPr>
         </p:nvSpPr>
         <p:spPr/>
@@ -19196,6 +19916,9 @@
           </p:cNvSpPr>
           <p:nvPr>
             <p:ph sz="quarter" idx="14"/>
+            <p:custDataLst>
+              <p:tags r:id="rId7"/>
+            </p:custDataLst>
           </p:nvPr>
         </p:nvSpPr>
         <p:spPr/>
@@ -19215,6 +19938,9 @@
           </p:cNvSpPr>
           <p:nvPr>
             <p:ph sz="quarter" idx="15"/>
+            <p:custDataLst>
+              <p:tags r:id="rId8"/>
+            </p:custDataLst>
           </p:nvPr>
         </p:nvSpPr>
         <p:spPr/>
@@ -19228,14 +19954,18 @@
       </p:sp>
       <p:pic>
         <p:nvPicPr>
-          <p:cNvPr id="5122" name="Picture 2"/>
+          <p:cNvPr id="9" name="Picture 2"/>
           <p:cNvPicPr>
             <a:picLocks noChangeAspect="1" noChangeArrowheads="1"/>
           </p:cNvPicPr>
-          <p:nvPr/>
+          <p:nvPr>
+            <p:custDataLst>
+              <p:tags r:id="rId9"/>
+            </p:custDataLst>
+          </p:nvPr>
         </p:nvPicPr>
         <p:blipFill>
-          <a:blip r:embed="rId3">
+          <a:blip r:embed="rId12">
             <a:extLst>
               <a:ext uri="{28A0092B-C50C-407E-A947-70E740481C1C}">
                 <a14:useLocalDpi xmlns:a14="http://schemas.microsoft.com/office/drawing/2010/main" val="0"/>
@@ -19249,8 +19979,8 @@
         </p:blipFill>
         <p:spPr bwMode="auto">
           <a:xfrm>
-            <a:off x="323528" y="3068960"/>
-            <a:ext cx="6449176" cy="3268588"/>
+            <a:off x="323528" y="3027942"/>
+            <a:ext cx="7560840" cy="2978513"/>
           </a:xfrm>
           <a:prstGeom prst="rect">
             <a:avLst/>
@@ -19291,6 +20021,9 @@
         </p:spPr>
       </p:pic>
     </p:spTree>
+    <p:custDataLst>
+      <p:tags r:id="rId1"/>
+    </p:custDataLst>
     <p:extLst>
       <p:ext uri="{BB962C8B-B14F-4D97-AF65-F5344CB8AC3E}">
         <p14:creationId xmlns:p14="http://schemas.microsoft.com/office/powerpoint/2010/main" val="1123447060"/>
@@ -19342,7 +20075,7 @@
                                           </p:stCondLst>
                                         </p:cTn>
                                         <p:tgtEl>
-                                          <p:spTgt spid="5122"/>
+                                          <p:spTgt spid="9"/>
                                         </p:tgtEl>
                                         <p:attrNameLst>
                                           <p:attrName>style.visibility</p:attrName>
@@ -19356,7 +20089,7 @@
                                       <p:cBhvr>
                                         <p:cTn id="7" dur="500"/>
                                         <p:tgtEl>
-                                          <p:spTgt spid="5122"/>
+                                          <p:spTgt spid="9"/>
                                         </p:tgtEl>
                                       </p:cBhvr>
                                     </p:animEffect>
@@ -19373,7 +20106,7 @@
                                       <p:cBhvr>
                                         <p:cTn id="9" dur="2000" fill="hold"/>
                                         <p:tgtEl>
-                                          <p:spTgt spid="5122"/>
+                                          <p:spTgt spid="9"/>
                                         </p:tgtEl>
                                         <p:attrNameLst>
                                           <p:attrName>ppt_x</p:attrName>
@@ -19441,6 +20174,9 @@
           </p:cNvSpPr>
           <p:nvPr>
             <p:ph type="title"/>
+            <p:custDataLst>
+              <p:tags r:id="rId2"/>
+            </p:custDataLst>
           </p:nvPr>
         </p:nvSpPr>
         <p:spPr/>
@@ -19464,6 +20200,9 @@
           </p:cNvSpPr>
           <p:nvPr>
             <p:ph sz="quarter" idx="10"/>
+            <p:custDataLst>
+              <p:tags r:id="rId3"/>
+            </p:custDataLst>
           </p:nvPr>
         </p:nvSpPr>
         <p:spPr/>
@@ -19487,6 +20226,9 @@
           </p:cNvSpPr>
           <p:nvPr>
             <p:ph sz="quarter" idx="11"/>
+            <p:custDataLst>
+              <p:tags r:id="rId4"/>
+            </p:custDataLst>
           </p:nvPr>
         </p:nvSpPr>
         <p:spPr/>
@@ -19510,6 +20252,9 @@
           </p:cNvSpPr>
           <p:nvPr>
             <p:ph sz="quarter" idx="12"/>
+            <p:custDataLst>
+              <p:tags r:id="rId5"/>
+            </p:custDataLst>
           </p:nvPr>
         </p:nvSpPr>
         <p:spPr/>
@@ -19533,6 +20278,9 @@
           </p:cNvSpPr>
           <p:nvPr>
             <p:ph sz="quarter" idx="13"/>
+            <p:custDataLst>
+              <p:tags r:id="rId6"/>
+            </p:custDataLst>
           </p:nvPr>
         </p:nvSpPr>
         <p:spPr/>
@@ -19556,6 +20304,9 @@
           </p:cNvSpPr>
           <p:nvPr>
             <p:ph sz="quarter" idx="15"/>
+            <p:custDataLst>
+              <p:tags r:id="rId7"/>
+            </p:custDataLst>
           </p:nvPr>
         </p:nvSpPr>
         <p:spPr/>
@@ -19572,6 +20323,9 @@
         </p:txBody>
       </p:sp>
     </p:spTree>
+    <p:custDataLst>
+      <p:tags r:id="rId1"/>
+    </p:custDataLst>
     <p:extLst>
       <p:ext uri="{BB962C8B-B14F-4D97-AF65-F5344CB8AC3E}">
         <p14:creationId xmlns:p14="http://schemas.microsoft.com/office/powerpoint/2010/main" val="1702833156"/>
@@ -19624,6 +20378,9 @@
           </p:cNvSpPr>
           <p:nvPr>
             <p:ph type="title"/>
+            <p:custDataLst>
+              <p:tags r:id="rId2"/>
+            </p:custDataLst>
           </p:nvPr>
         </p:nvSpPr>
         <p:spPr/>
@@ -19647,6 +20404,9 @@
           </p:cNvSpPr>
           <p:nvPr>
             <p:ph sz="quarter" idx="10"/>
+            <p:custDataLst>
+              <p:tags r:id="rId3"/>
+            </p:custDataLst>
           </p:nvPr>
         </p:nvSpPr>
         <p:spPr/>
@@ -19670,6 +20430,9 @@
           </p:cNvSpPr>
           <p:nvPr>
             <p:ph sz="quarter" idx="11"/>
+            <p:custDataLst>
+              <p:tags r:id="rId4"/>
+            </p:custDataLst>
           </p:nvPr>
         </p:nvSpPr>
         <p:spPr/>
@@ -19699,6 +20462,9 @@
           </p:cNvSpPr>
           <p:nvPr>
             <p:ph sz="quarter" idx="12"/>
+            <p:custDataLst>
+              <p:tags r:id="rId5"/>
+            </p:custDataLst>
           </p:nvPr>
         </p:nvSpPr>
         <p:spPr/>
@@ -19722,6 +20488,9 @@
           </p:cNvSpPr>
           <p:nvPr>
             <p:ph sz="quarter" idx="13"/>
+            <p:custDataLst>
+              <p:tags r:id="rId6"/>
+            </p:custDataLst>
           </p:nvPr>
         </p:nvSpPr>
         <p:spPr/>
@@ -19741,6 +20510,9 @@
           </p:cNvSpPr>
           <p:nvPr>
             <p:ph sz="quarter" idx="14"/>
+            <p:custDataLst>
+              <p:tags r:id="rId7"/>
+            </p:custDataLst>
           </p:nvPr>
         </p:nvSpPr>
         <p:spPr/>
@@ -19760,6 +20532,9 @@
           </p:cNvSpPr>
           <p:nvPr>
             <p:ph sz="quarter" idx="15"/>
+            <p:custDataLst>
+              <p:tags r:id="rId8"/>
+            </p:custDataLst>
           </p:nvPr>
         </p:nvSpPr>
         <p:spPr/>
@@ -19783,14 +20558,18 @@
       </p:sp>
       <p:pic>
         <p:nvPicPr>
-          <p:cNvPr id="6146" name="Picture 2"/>
+          <p:cNvPr id="9" name="Picture 2"/>
           <p:cNvPicPr>
             <a:picLocks noChangeAspect="1" noChangeArrowheads="1"/>
           </p:cNvPicPr>
-          <p:nvPr/>
+          <p:nvPr>
+            <p:custDataLst>
+              <p:tags r:id="rId9"/>
+            </p:custDataLst>
+          </p:nvPr>
         </p:nvPicPr>
         <p:blipFill>
-          <a:blip r:embed="rId3">
+          <a:blip r:embed="rId12">
             <a:extLst>
               <a:ext uri="{28A0092B-C50C-407E-A947-70E740481C1C}">
                 <a14:useLocalDpi xmlns:a14="http://schemas.microsoft.com/office/drawing/2010/main" val="0"/>
@@ -19804,8 +20583,8 @@
         </p:blipFill>
         <p:spPr bwMode="auto">
           <a:xfrm>
-            <a:off x="323528" y="4653136"/>
-            <a:ext cx="8382758" cy="1423789"/>
+            <a:off x="323528" y="4869160"/>
+            <a:ext cx="8691693" cy="1123181"/>
           </a:xfrm>
           <a:prstGeom prst="rect">
             <a:avLst/>
@@ -19846,6 +20625,9 @@
         </p:spPr>
       </p:pic>
     </p:spTree>
+    <p:custDataLst>
+      <p:tags r:id="rId1"/>
+    </p:custDataLst>
     <p:extLst>
       <p:ext uri="{BB962C8B-B14F-4D97-AF65-F5344CB8AC3E}">
         <p14:creationId xmlns:p14="http://schemas.microsoft.com/office/powerpoint/2010/main" val="3842628004"/>
@@ -19897,7 +20679,7 @@
                                           </p:stCondLst>
                                         </p:cTn>
                                         <p:tgtEl>
-                                          <p:spTgt spid="6146"/>
+                                          <p:spTgt spid="9"/>
                                         </p:tgtEl>
                                         <p:attrNameLst>
                                           <p:attrName>style.visibility</p:attrName>
@@ -19911,7 +20693,7 @@
                                       <p:cBhvr>
                                         <p:cTn id="7" dur="500"/>
                                         <p:tgtEl>
-                                          <p:spTgt spid="6146"/>
+                                          <p:spTgt spid="9"/>
                                         </p:tgtEl>
                                       </p:cBhvr>
                                     </p:animEffect>
@@ -19928,7 +20710,7 @@
                                       <p:cBhvr>
                                         <p:cTn id="9" dur="2000" fill="hold"/>
                                         <p:tgtEl>
-                                          <p:spTgt spid="6146"/>
+                                          <p:spTgt spid="9"/>
                                         </p:tgtEl>
                                         <p:attrNameLst>
                                           <p:attrName>ppt_x</p:attrName>
@@ -19996,6 +20778,9 @@
           </p:cNvSpPr>
           <p:nvPr>
             <p:ph type="title"/>
+            <p:custDataLst>
+              <p:tags r:id="rId2"/>
+            </p:custDataLst>
           </p:nvPr>
         </p:nvSpPr>
         <p:spPr/>
@@ -20019,6 +20804,9 @@
           </p:cNvSpPr>
           <p:nvPr>
             <p:ph sz="quarter" idx="10"/>
+            <p:custDataLst>
+              <p:tags r:id="rId3"/>
+            </p:custDataLst>
           </p:nvPr>
         </p:nvSpPr>
         <p:spPr/>
@@ -20042,6 +20830,9 @@
           </p:cNvSpPr>
           <p:nvPr>
             <p:ph sz="quarter" idx="11"/>
+            <p:custDataLst>
+              <p:tags r:id="rId4"/>
+            </p:custDataLst>
           </p:nvPr>
         </p:nvSpPr>
         <p:spPr/>
@@ -20109,6 +20900,9 @@
           </p:cNvSpPr>
           <p:nvPr>
             <p:ph sz="quarter" idx="12"/>
+            <p:custDataLst>
+              <p:tags r:id="rId5"/>
+            </p:custDataLst>
           </p:nvPr>
         </p:nvSpPr>
         <p:spPr/>
@@ -20132,6 +20926,9 @@
           </p:cNvSpPr>
           <p:nvPr>
             <p:ph sz="quarter" idx="13"/>
+            <p:custDataLst>
+              <p:tags r:id="rId6"/>
+            </p:custDataLst>
           </p:nvPr>
         </p:nvSpPr>
         <p:spPr/>
@@ -20139,7 +20936,7 @@
           <a:bodyPr/>
           <a:lstStyle/>
           <a:p>
-            <a:endParaRPr lang="en-CA"/>
+            <a:endParaRPr lang="pl-PL" sz="2400" dirty="0" smtClean="0"/>
           </a:p>
         </p:txBody>
       </p:sp>
@@ -20151,6 +20948,9 @@
           </p:cNvSpPr>
           <p:nvPr>
             <p:ph sz="quarter" idx="14"/>
+            <p:custDataLst>
+              <p:tags r:id="rId7"/>
+            </p:custDataLst>
           </p:nvPr>
         </p:nvSpPr>
         <p:spPr/>
@@ -20170,6 +20970,9 @@
           </p:cNvSpPr>
           <p:nvPr>
             <p:ph sz="quarter" idx="15"/>
+            <p:custDataLst>
+              <p:tags r:id="rId8"/>
+            </p:custDataLst>
           </p:nvPr>
         </p:nvSpPr>
         <p:spPr/>
@@ -20187,14 +20990,18 @@
       </p:sp>
       <p:pic>
         <p:nvPicPr>
-          <p:cNvPr id="7171" name="Picture 3"/>
+          <p:cNvPr id="9" name="Picture 3"/>
           <p:cNvPicPr>
             <a:picLocks noChangeAspect="1" noChangeArrowheads="1"/>
           </p:cNvPicPr>
-          <p:nvPr/>
+          <p:nvPr>
+            <p:custDataLst>
+              <p:tags r:id="rId9"/>
+            </p:custDataLst>
+          </p:nvPr>
         </p:nvPicPr>
         <p:blipFill>
-          <a:blip r:embed="rId2">
+          <a:blip r:embed="rId11">
             <a:extLst>
               <a:ext uri="{28A0092B-C50C-407E-A947-70E740481C1C}">
                 <a14:useLocalDpi xmlns:a14="http://schemas.microsoft.com/office/drawing/2010/main" val="0"/>
@@ -20208,8 +21015,8 @@
         </p:blipFill>
         <p:spPr bwMode="auto">
           <a:xfrm>
-            <a:off x="323527" y="4509120"/>
-            <a:ext cx="7451191" cy="2088232"/>
+            <a:off x="323527" y="4293096"/>
+            <a:ext cx="7586137" cy="1752972"/>
           </a:xfrm>
           <a:prstGeom prst="rect">
             <a:avLst/>
@@ -20250,6 +21057,9 @@
         </p:spPr>
       </p:pic>
     </p:spTree>
+    <p:custDataLst>
+      <p:tags r:id="rId1"/>
+    </p:custDataLst>
     <p:extLst>
       <p:ext uri="{BB962C8B-B14F-4D97-AF65-F5344CB8AC3E}">
         <p14:creationId xmlns:p14="http://schemas.microsoft.com/office/powerpoint/2010/main" val="1057795443"/>
@@ -20301,7 +21111,7 @@
                                           </p:stCondLst>
                                         </p:cTn>
                                         <p:tgtEl>
-                                          <p:spTgt spid="7171"/>
+                                          <p:spTgt spid="9"/>
                                         </p:tgtEl>
                                         <p:attrNameLst>
                                           <p:attrName>style.visibility</p:attrName>
@@ -20315,7 +21125,7 @@
                                       <p:cBhvr>
                                         <p:cTn id="7" dur="500"/>
                                         <p:tgtEl>
-                                          <p:spTgt spid="7171"/>
+                                          <p:spTgt spid="9"/>
                                         </p:tgtEl>
                                       </p:cBhvr>
                                     </p:animEffect>
@@ -20332,7 +21142,7 @@
                                       <p:cBhvr>
                                         <p:cTn id="9" dur="2000" fill="hold"/>
                                         <p:tgtEl>
-                                          <p:spTgt spid="7171"/>
+                                          <p:spTgt spid="9"/>
                                         </p:tgtEl>
                                         <p:attrNameLst>
                                           <p:attrName>ppt_x</p:attrName>
@@ -20400,6 +21210,9 @@
           </p:cNvSpPr>
           <p:nvPr>
             <p:ph type="title"/>
+            <p:custDataLst>
+              <p:tags r:id="rId2"/>
+            </p:custDataLst>
           </p:nvPr>
         </p:nvSpPr>
         <p:spPr/>
@@ -20423,6 +21236,9 @@
           </p:cNvSpPr>
           <p:nvPr>
             <p:ph sz="quarter" idx="10"/>
+            <p:custDataLst>
+              <p:tags r:id="rId3"/>
+            </p:custDataLst>
           </p:nvPr>
         </p:nvSpPr>
         <p:spPr/>
@@ -20446,6 +21262,9 @@
           </p:cNvSpPr>
           <p:nvPr>
             <p:ph sz="quarter" idx="11"/>
+            <p:custDataLst>
+              <p:tags r:id="rId4"/>
+            </p:custDataLst>
           </p:nvPr>
         </p:nvSpPr>
         <p:spPr/>
@@ -20469,6 +21288,9 @@
           </p:cNvSpPr>
           <p:nvPr>
             <p:ph sz="quarter" idx="12"/>
+            <p:custDataLst>
+              <p:tags r:id="rId5"/>
+            </p:custDataLst>
           </p:nvPr>
         </p:nvSpPr>
         <p:spPr/>
@@ -20492,6 +21314,9 @@
           </p:cNvSpPr>
           <p:nvPr>
             <p:ph sz="quarter" idx="13"/>
+            <p:custDataLst>
+              <p:tags r:id="rId6"/>
+            </p:custDataLst>
           </p:nvPr>
         </p:nvSpPr>
         <p:spPr/>
@@ -20511,6 +21336,9 @@
           </p:cNvSpPr>
           <p:nvPr>
             <p:ph sz="quarter" idx="14"/>
+            <p:custDataLst>
+              <p:tags r:id="rId7"/>
+            </p:custDataLst>
           </p:nvPr>
         </p:nvSpPr>
         <p:spPr/>
@@ -20530,6 +21358,9 @@
           </p:cNvSpPr>
           <p:nvPr>
             <p:ph sz="quarter" idx="15"/>
+            <p:custDataLst>
+              <p:tags r:id="rId8"/>
+            </p:custDataLst>
           </p:nvPr>
         </p:nvSpPr>
         <p:spPr/>
@@ -20552,14 +21383,18 @@
       </p:sp>
       <p:pic>
         <p:nvPicPr>
-          <p:cNvPr id="8195" name="Picture 3"/>
+          <p:cNvPr id="8194" name="Picture 2"/>
           <p:cNvPicPr>
             <a:picLocks noChangeAspect="1" noChangeArrowheads="1"/>
           </p:cNvPicPr>
-          <p:nvPr/>
+          <p:nvPr>
+            <p:custDataLst>
+              <p:tags r:id="rId9"/>
+            </p:custDataLst>
+          </p:nvPr>
         </p:nvPicPr>
         <p:blipFill>
-          <a:blip r:embed="rId2">
+          <a:blip r:embed="rId11">
             <a:extLst>
               <a:ext uri="{28A0092B-C50C-407E-A947-70E740481C1C}">
                 <a14:useLocalDpi xmlns:a14="http://schemas.microsoft.com/office/drawing/2010/main" val="0"/>
@@ -20573,8 +21408,8 @@
         </p:blipFill>
         <p:spPr bwMode="auto">
           <a:xfrm>
-            <a:off x="323528" y="4581128"/>
-            <a:ext cx="7179156" cy="2016224"/>
+            <a:off x="323527" y="4221088"/>
+            <a:ext cx="7904679" cy="1781547"/>
           </a:xfrm>
           <a:prstGeom prst="rect">
             <a:avLst/>
@@ -20615,6 +21450,9 @@
         </p:spPr>
       </p:pic>
     </p:spTree>
+    <p:custDataLst>
+      <p:tags r:id="rId1"/>
+    </p:custDataLst>
     <p:extLst>
       <p:ext uri="{BB962C8B-B14F-4D97-AF65-F5344CB8AC3E}">
         <p14:creationId xmlns:p14="http://schemas.microsoft.com/office/powerpoint/2010/main" val="3505318974"/>
@@ -20666,7 +21504,7 @@
                                           </p:stCondLst>
                                         </p:cTn>
                                         <p:tgtEl>
-                                          <p:spTgt spid="8195"/>
+                                          <p:spTgt spid="8194"/>
                                         </p:tgtEl>
                                         <p:attrNameLst>
                                           <p:attrName>style.visibility</p:attrName>
@@ -20680,7 +21518,7 @@
                                       <p:cBhvr>
                                         <p:cTn id="7" dur="500"/>
                                         <p:tgtEl>
-                                          <p:spTgt spid="8195"/>
+                                          <p:spTgt spid="8194"/>
                                         </p:tgtEl>
                                       </p:cBhvr>
                                     </p:animEffect>
@@ -20697,7 +21535,7 @@
                                       <p:cBhvr>
                                         <p:cTn id="9" dur="2000" fill="hold"/>
                                         <p:tgtEl>
-                                          <p:spTgt spid="8195"/>
+                                          <p:spTgt spid="8194"/>
                                         </p:tgtEl>
                                         <p:attrNameLst>
                                           <p:attrName>ppt_x</p:attrName>
@@ -20765,6 +21603,9 @@
           </p:cNvSpPr>
           <p:nvPr>
             <p:ph type="title"/>
+            <p:custDataLst>
+              <p:tags r:id="rId2"/>
+            </p:custDataLst>
           </p:nvPr>
         </p:nvSpPr>
         <p:spPr>
@@ -20793,6 +21634,9 @@
           </p:cNvSpPr>
           <p:nvPr>
             <p:ph sz="quarter" idx="10"/>
+            <p:custDataLst>
+              <p:tags r:id="rId3"/>
+            </p:custDataLst>
           </p:nvPr>
         </p:nvSpPr>
         <p:spPr/>
@@ -20816,6 +21660,9 @@
           </p:cNvSpPr>
           <p:nvPr>
             <p:ph sz="quarter" idx="11"/>
+            <p:custDataLst>
+              <p:tags r:id="rId4"/>
+            </p:custDataLst>
           </p:nvPr>
         </p:nvSpPr>
         <p:spPr/>
@@ -20839,6 +21686,9 @@
           </p:cNvSpPr>
           <p:nvPr>
             <p:ph sz="quarter" idx="12"/>
+            <p:custDataLst>
+              <p:tags r:id="rId5"/>
+            </p:custDataLst>
           </p:nvPr>
         </p:nvSpPr>
         <p:spPr/>
@@ -20862,6 +21712,9 @@
           </p:cNvSpPr>
           <p:nvPr>
             <p:ph sz="quarter" idx="13"/>
+            <p:custDataLst>
+              <p:tags r:id="rId6"/>
+            </p:custDataLst>
           </p:nvPr>
         </p:nvSpPr>
         <p:spPr/>
@@ -20869,7 +21722,17 @@
           <a:bodyPr/>
           <a:lstStyle/>
           <a:p>
-            <a:endParaRPr lang="en-CA"/>
+            <a:r>
+              <a:rPr lang="pl-PL" dirty="0" smtClean="0"/>
+              <a:t>Add </a:t>
+            </a:r>
+          </a:p>
+          <a:p>
+            <a:r>
+              <a:rPr lang="pl-PL" sz="2800" dirty="0" smtClean="0"/>
+              <a:t>using System.Text;</a:t>
+            </a:r>
+            <a:endParaRPr lang="en-CA" sz="2800" dirty="0"/>
           </a:p>
         </p:txBody>
       </p:sp>
@@ -20881,6 +21744,9 @@
           </p:cNvSpPr>
           <p:nvPr>
             <p:ph sz="quarter" idx="14"/>
+            <p:custDataLst>
+              <p:tags r:id="rId7"/>
+            </p:custDataLst>
           </p:nvPr>
         </p:nvSpPr>
         <p:spPr/>
@@ -20900,6 +21766,9 @@
           </p:cNvSpPr>
           <p:nvPr>
             <p:ph sz="quarter" idx="15"/>
+            <p:custDataLst>
+              <p:tags r:id="rId8"/>
+            </p:custDataLst>
           </p:nvPr>
         </p:nvSpPr>
         <p:spPr/>
@@ -20917,14 +21786,18 @@
       </p:sp>
       <p:pic>
         <p:nvPicPr>
-          <p:cNvPr id="9219" name="Picture 3"/>
+          <p:cNvPr id="9218" name="Picture 2"/>
           <p:cNvPicPr>
             <a:picLocks noChangeAspect="1" noChangeArrowheads="1"/>
           </p:cNvPicPr>
-          <p:nvPr/>
+          <p:nvPr>
+            <p:custDataLst>
+              <p:tags r:id="rId9"/>
+            </p:custDataLst>
+          </p:nvPr>
         </p:nvPicPr>
         <p:blipFill>
-          <a:blip r:embed="rId2">
+          <a:blip r:embed="rId12">
             <a:extLst>
               <a:ext uri="{28A0092B-C50C-407E-A947-70E740481C1C}">
                 <a14:useLocalDpi xmlns:a14="http://schemas.microsoft.com/office/drawing/2010/main" val="0"/>
@@ -20938,8 +21811,8 @@
         </p:blipFill>
         <p:spPr bwMode="auto">
           <a:xfrm>
-            <a:off x="324542" y="4625264"/>
-            <a:ext cx="8135890" cy="1008112"/>
+            <a:off x="323528" y="1628800"/>
+            <a:ext cx="7941944" cy="2232248"/>
           </a:xfrm>
           <a:prstGeom prst="rect">
             <a:avLst/>
@@ -20981,14 +21854,18 @@
       </p:pic>
       <p:pic>
         <p:nvPicPr>
-          <p:cNvPr id="9220" name="Picture 4"/>
+          <p:cNvPr id="9" name="Picture 3"/>
           <p:cNvPicPr>
             <a:picLocks noChangeAspect="1" noChangeArrowheads="1"/>
           </p:cNvPicPr>
-          <p:nvPr/>
+          <p:nvPr>
+            <p:custDataLst>
+              <p:tags r:id="rId10"/>
+            </p:custDataLst>
+          </p:nvPr>
         </p:nvPicPr>
         <p:blipFill>
-          <a:blip r:embed="rId3">
+          <a:blip r:embed="rId13">
             <a:extLst>
               <a:ext uri="{28A0092B-C50C-407E-A947-70E740481C1C}">
                 <a14:useLocalDpi xmlns:a14="http://schemas.microsoft.com/office/drawing/2010/main" val="0"/>
@@ -21002,8 +21879,8 @@
         </p:blipFill>
         <p:spPr bwMode="auto">
           <a:xfrm>
-            <a:off x="324542" y="1590675"/>
-            <a:ext cx="7424645" cy="2918445"/>
+            <a:off x="334599" y="4005064"/>
+            <a:ext cx="8053825" cy="917293"/>
           </a:xfrm>
           <a:prstGeom prst="rect">
             <a:avLst/>
@@ -21044,6 +21921,9 @@
         </p:spPr>
       </p:pic>
     </p:spTree>
+    <p:custDataLst>
+      <p:tags r:id="rId1"/>
+    </p:custDataLst>
     <p:extLst>
       <p:ext uri="{BB962C8B-B14F-4D97-AF65-F5344CB8AC3E}">
         <p14:creationId xmlns:p14="http://schemas.microsoft.com/office/powerpoint/2010/main" val="2707382067"/>
@@ -21095,7 +21975,7 @@
                                           </p:stCondLst>
                                         </p:cTn>
                                         <p:tgtEl>
-                                          <p:spTgt spid="9220"/>
+                                          <p:spTgt spid="9218"/>
                                         </p:tgtEl>
                                         <p:attrNameLst>
                                           <p:attrName>style.visibility</p:attrName>
@@ -21109,7 +21989,7 @@
                                       <p:cBhvr>
                                         <p:cTn id="7" dur="500"/>
                                         <p:tgtEl>
-                                          <p:spTgt spid="9220"/>
+                                          <p:spTgt spid="9218"/>
                                         </p:tgtEl>
                                       </p:cBhvr>
                                     </p:animEffect>
@@ -21126,7 +22006,7 @@
                                       <p:cBhvr>
                                         <p:cTn id="9" dur="2000" fill="hold"/>
                                         <p:tgtEl>
-                                          <p:spTgt spid="9220"/>
+                                          <p:spTgt spid="9218"/>
                                         </p:tgtEl>
                                         <p:attrNameLst>
                                           <p:attrName>ppt_x</p:attrName>
@@ -21161,7 +22041,7 @@
                                           </p:stCondLst>
                                         </p:cTn>
                                         <p:tgtEl>
-                                          <p:spTgt spid="9219"/>
+                                          <p:spTgt spid="9"/>
                                         </p:tgtEl>
                                         <p:attrNameLst>
                                           <p:attrName>style.visibility</p:attrName>
@@ -21175,7 +22055,7 @@
                                       <p:cBhvr>
                                         <p:cTn id="13" dur="500"/>
                                         <p:tgtEl>
-                                          <p:spTgt spid="9219"/>
+                                          <p:spTgt spid="9"/>
                                         </p:tgtEl>
                                       </p:cBhvr>
                                     </p:animEffect>
@@ -21192,7 +22072,7 @@
                                       <p:cBhvr>
                                         <p:cTn id="15" dur="2000" fill="hold"/>
                                         <p:tgtEl>
-                                          <p:spTgt spid="9219"/>
+                                          <p:spTgt spid="9"/>
                                         </p:tgtEl>
                                         <p:attrNameLst>
                                           <p:attrName>ppt_x</p:attrName>
@@ -21260,6 +22140,9 @@
           </p:cNvSpPr>
           <p:nvPr>
             <p:ph type="title"/>
+            <p:custDataLst>
+              <p:tags r:id="rId2"/>
+            </p:custDataLst>
           </p:nvPr>
         </p:nvSpPr>
         <p:spPr/>
@@ -21283,6 +22166,9 @@
           </p:cNvSpPr>
           <p:nvPr>
             <p:ph sz="quarter" idx="10"/>
+            <p:custDataLst>
+              <p:tags r:id="rId3"/>
+            </p:custDataLst>
           </p:nvPr>
         </p:nvSpPr>
         <p:spPr/>
@@ -21296,11 +22182,7 @@
             </a:r>
             <a:r>
               <a:rPr lang="en-CA" sz="2000" dirty="0"/>
-              <a:t>@Html.Raw(ViewBag.Text</a:t>
-            </a:r>
-            <a:r>
-              <a:rPr lang="en-CA" sz="2000" dirty="0"/>
-              <a:t>)</a:t>
+              <a:t>@Html.Raw(ViewBag.Text)</a:t>
             </a:r>
           </a:p>
         </p:txBody>
@@ -21313,6 +22195,9 @@
           </p:cNvSpPr>
           <p:nvPr>
             <p:ph sz="quarter" idx="11"/>
+            <p:custDataLst>
+              <p:tags r:id="rId4"/>
+            </p:custDataLst>
           </p:nvPr>
         </p:nvSpPr>
         <p:spPr/>
@@ -21336,6 +22221,9 @@
           </p:cNvSpPr>
           <p:nvPr>
             <p:ph sz="quarter" idx="12"/>
+            <p:custDataLst>
+              <p:tags r:id="rId5"/>
+            </p:custDataLst>
           </p:nvPr>
         </p:nvSpPr>
         <p:spPr/>
@@ -21359,6 +22247,9 @@
           </p:cNvSpPr>
           <p:nvPr>
             <p:ph sz="quarter" idx="13"/>
+            <p:custDataLst>
+              <p:tags r:id="rId6"/>
+            </p:custDataLst>
           </p:nvPr>
         </p:nvSpPr>
         <p:spPr/>
@@ -21382,6 +22273,9 @@
           </p:cNvSpPr>
           <p:nvPr>
             <p:ph sz="quarter" idx="14"/>
+            <p:custDataLst>
+              <p:tags r:id="rId7"/>
+            </p:custDataLst>
           </p:nvPr>
         </p:nvSpPr>
         <p:spPr/>
@@ -21401,6 +22295,9 @@
           </p:cNvSpPr>
           <p:nvPr>
             <p:ph sz="quarter" idx="15"/>
+            <p:custDataLst>
+              <p:tags r:id="rId8"/>
+            </p:custDataLst>
           </p:nvPr>
         </p:nvSpPr>
         <p:spPr/>
@@ -21422,10 +22319,14 @@
           <p:cNvPicPr>
             <a:picLocks noChangeAspect="1" noChangeArrowheads="1"/>
           </p:cNvPicPr>
-          <p:nvPr/>
+          <p:nvPr>
+            <p:custDataLst>
+              <p:tags r:id="rId9"/>
+            </p:custDataLst>
+          </p:nvPr>
         </p:nvPicPr>
         <p:blipFill>
-          <a:blip r:embed="rId2">
+          <a:blip r:embed="rId12">
             <a:extLst>
               <a:ext uri="{28A0092B-C50C-407E-A947-70E740481C1C}">
                 <a14:useLocalDpi xmlns:a14="http://schemas.microsoft.com/office/drawing/2010/main" val="0"/>
@@ -21486,10 +22387,14 @@
           <p:cNvPicPr>
             <a:picLocks noChangeAspect="1" noChangeArrowheads="1"/>
           </p:cNvPicPr>
-          <p:nvPr/>
+          <p:nvPr>
+            <p:custDataLst>
+              <p:tags r:id="rId10"/>
+            </p:custDataLst>
+          </p:nvPr>
         </p:nvPicPr>
         <p:blipFill>
-          <a:blip r:embed="rId3">
+          <a:blip r:embed="rId13">
             <a:extLst>
               <a:ext uri="{28A0092B-C50C-407E-A947-70E740481C1C}">
                 <a14:useLocalDpi xmlns:a14="http://schemas.microsoft.com/office/drawing/2010/main" val="0"/>
@@ -21545,6 +22450,9 @@
         </p:spPr>
       </p:pic>
     </p:spTree>
+    <p:custDataLst>
+      <p:tags r:id="rId1"/>
+    </p:custDataLst>
     <p:extLst>
       <p:ext uri="{BB962C8B-B14F-4D97-AF65-F5344CB8AC3E}">
         <p14:creationId xmlns:p14="http://schemas.microsoft.com/office/powerpoint/2010/main" val="134627284"/>
@@ -21770,6 +22678,9 @@
           </p:cNvSpPr>
           <p:nvPr>
             <p:ph type="title"/>
+            <p:custDataLst>
+              <p:tags r:id="rId2"/>
+            </p:custDataLst>
           </p:nvPr>
         </p:nvSpPr>
         <p:spPr>
@@ -21798,6 +22709,9 @@
           </p:cNvSpPr>
           <p:nvPr>
             <p:ph sz="quarter" idx="10"/>
+            <p:custDataLst>
+              <p:tags r:id="rId3"/>
+            </p:custDataLst>
           </p:nvPr>
         </p:nvSpPr>
         <p:spPr/>
@@ -21821,6 +22735,9 @@
           </p:cNvSpPr>
           <p:nvPr>
             <p:ph sz="quarter" idx="11"/>
+            <p:custDataLst>
+              <p:tags r:id="rId4"/>
+            </p:custDataLst>
           </p:nvPr>
         </p:nvSpPr>
         <p:spPr/>
@@ -21844,6 +22761,9 @@
           </p:cNvSpPr>
           <p:nvPr>
             <p:ph sz="quarter" idx="12"/>
+            <p:custDataLst>
+              <p:tags r:id="rId5"/>
+            </p:custDataLst>
           </p:nvPr>
         </p:nvSpPr>
         <p:spPr/>
@@ -21863,6 +22783,9 @@
           </p:cNvSpPr>
           <p:nvPr>
             <p:ph sz="quarter" idx="13"/>
+            <p:custDataLst>
+              <p:tags r:id="rId6"/>
+            </p:custDataLst>
           </p:nvPr>
         </p:nvSpPr>
         <p:spPr/>
@@ -21882,6 +22805,9 @@
           </p:cNvSpPr>
           <p:nvPr>
             <p:ph sz="quarter" idx="14"/>
+            <p:custDataLst>
+              <p:tags r:id="rId7"/>
+            </p:custDataLst>
           </p:nvPr>
         </p:nvSpPr>
         <p:spPr/>
@@ -21901,6 +22827,9 @@
           </p:cNvSpPr>
           <p:nvPr>
             <p:ph sz="quarter" idx="15"/>
+            <p:custDataLst>
+              <p:tags r:id="rId8"/>
+            </p:custDataLst>
           </p:nvPr>
         </p:nvSpPr>
         <p:spPr/>
@@ -21918,10 +22847,14 @@
           <p:cNvPicPr>
             <a:picLocks noChangeAspect="1" noChangeArrowheads="1"/>
           </p:cNvPicPr>
-          <p:nvPr/>
+          <p:nvPr>
+            <p:custDataLst>
+              <p:tags r:id="rId9"/>
+            </p:custDataLst>
+          </p:nvPr>
         </p:nvPicPr>
         <p:blipFill>
-          <a:blip r:embed="rId2">
+          <a:blip r:embed="rId11">
             <a:extLst>
               <a:ext uri="{28A0092B-C50C-407E-A947-70E740481C1C}">
                 <a14:useLocalDpi xmlns:a14="http://schemas.microsoft.com/office/drawing/2010/main" val="0"/>
@@ -21977,6 +22910,9 @@
         </p:spPr>
       </p:pic>
     </p:spTree>
+    <p:custDataLst>
+      <p:tags r:id="rId1"/>
+    </p:custDataLst>
     <p:extLst>
       <p:ext uri="{BB962C8B-B14F-4D97-AF65-F5344CB8AC3E}">
         <p14:creationId xmlns:p14="http://schemas.microsoft.com/office/powerpoint/2010/main" val="968077331"/>
@@ -22127,6 +23063,9 @@
           </p:cNvSpPr>
           <p:nvPr>
             <p:ph type="title"/>
+            <p:custDataLst>
+              <p:tags r:id="rId2"/>
+            </p:custDataLst>
           </p:nvPr>
         </p:nvSpPr>
         <p:spPr>
@@ -22155,6 +23094,9 @@
           </p:cNvSpPr>
           <p:nvPr>
             <p:ph sz="quarter" idx="10"/>
+            <p:custDataLst>
+              <p:tags r:id="rId3"/>
+            </p:custDataLst>
           </p:nvPr>
         </p:nvSpPr>
         <p:spPr/>
@@ -22178,6 +23120,9 @@
           </p:cNvSpPr>
           <p:nvPr>
             <p:ph sz="quarter" idx="11"/>
+            <p:custDataLst>
+              <p:tags r:id="rId4"/>
+            </p:custDataLst>
           </p:nvPr>
         </p:nvSpPr>
         <p:spPr/>
@@ -22201,6 +23146,9 @@
           </p:cNvSpPr>
           <p:nvPr>
             <p:ph sz="quarter" idx="12"/>
+            <p:custDataLst>
+              <p:tags r:id="rId5"/>
+            </p:custDataLst>
           </p:nvPr>
         </p:nvSpPr>
         <p:spPr/>
@@ -22220,6 +23168,9 @@
           </p:cNvSpPr>
           <p:nvPr>
             <p:ph sz="quarter" idx="13"/>
+            <p:custDataLst>
+              <p:tags r:id="rId6"/>
+            </p:custDataLst>
           </p:nvPr>
         </p:nvSpPr>
         <p:spPr/>
@@ -22239,6 +23190,9 @@
           </p:cNvSpPr>
           <p:nvPr>
             <p:ph sz="quarter" idx="14"/>
+            <p:custDataLst>
+              <p:tags r:id="rId7"/>
+            </p:custDataLst>
           </p:nvPr>
         </p:nvSpPr>
         <p:spPr/>
@@ -22258,6 +23212,9 @@
           </p:cNvSpPr>
           <p:nvPr>
             <p:ph sz="quarter" idx="15"/>
+            <p:custDataLst>
+              <p:tags r:id="rId8"/>
+            </p:custDataLst>
           </p:nvPr>
         </p:nvSpPr>
         <p:spPr/>
@@ -22275,10 +23232,14 @@
           <p:cNvPicPr>
             <a:picLocks noChangeAspect="1" noChangeArrowheads="1"/>
           </p:cNvPicPr>
-          <p:nvPr/>
+          <p:nvPr>
+            <p:custDataLst>
+              <p:tags r:id="rId9"/>
+            </p:custDataLst>
+          </p:nvPr>
         </p:nvPicPr>
         <p:blipFill>
-          <a:blip r:embed="rId2">
+          <a:blip r:embed="rId12">
             <a:extLst>
               <a:ext uri="{28A0092B-C50C-407E-A947-70E740481C1C}">
                 <a14:useLocalDpi xmlns:a14="http://schemas.microsoft.com/office/drawing/2010/main" val="0"/>
@@ -22339,10 +23300,14 @@
           <p:cNvPicPr>
             <a:picLocks noChangeAspect="1" noChangeArrowheads="1"/>
           </p:cNvPicPr>
-          <p:nvPr/>
+          <p:nvPr>
+            <p:custDataLst>
+              <p:tags r:id="rId10"/>
+            </p:custDataLst>
+          </p:nvPr>
         </p:nvPicPr>
         <p:blipFill>
-          <a:blip r:embed="rId3">
+          <a:blip r:embed="rId13">
             <a:extLst>
               <a:ext uri="{28A0092B-C50C-407E-A947-70E740481C1C}">
                 <a14:useLocalDpi xmlns:a14="http://schemas.microsoft.com/office/drawing/2010/main" val="0"/>
@@ -22398,6 +23363,9 @@
         </p:spPr>
       </p:pic>
     </p:spTree>
+    <p:custDataLst>
+      <p:tags r:id="rId1"/>
+    </p:custDataLst>
     <p:extLst>
       <p:ext uri="{BB962C8B-B14F-4D97-AF65-F5344CB8AC3E}">
         <p14:creationId xmlns:p14="http://schemas.microsoft.com/office/powerpoint/2010/main" val="2254608790"/>
@@ -22689,6 +23657,9 @@
           </p:cNvSpPr>
           <p:nvPr>
             <p:ph type="title"/>
+            <p:custDataLst>
+              <p:tags r:id="rId2"/>
+            </p:custDataLst>
           </p:nvPr>
         </p:nvSpPr>
         <p:spPr/>
@@ -22712,6 +23683,9 @@
           </p:cNvSpPr>
           <p:nvPr>
             <p:ph sz="quarter" idx="10"/>
+            <p:custDataLst>
+              <p:tags r:id="rId3"/>
+            </p:custDataLst>
           </p:nvPr>
         </p:nvSpPr>
         <p:spPr/>
@@ -22735,6 +23709,9 @@
           </p:cNvSpPr>
           <p:nvPr>
             <p:ph sz="quarter" idx="11"/>
+            <p:custDataLst>
+              <p:tags r:id="rId4"/>
+            </p:custDataLst>
           </p:nvPr>
         </p:nvSpPr>
         <p:spPr/>
@@ -22758,6 +23735,9 @@
           </p:cNvSpPr>
           <p:nvPr>
             <p:ph sz="quarter" idx="12"/>
+            <p:custDataLst>
+              <p:tags r:id="rId5"/>
+            </p:custDataLst>
           </p:nvPr>
         </p:nvSpPr>
         <p:spPr/>
@@ -22777,6 +23757,9 @@
           </p:cNvSpPr>
           <p:nvPr>
             <p:ph sz="quarter" idx="13"/>
+            <p:custDataLst>
+              <p:tags r:id="rId6"/>
+            </p:custDataLst>
           </p:nvPr>
         </p:nvSpPr>
         <p:spPr/>
@@ -22796,6 +23779,9 @@
           </p:cNvSpPr>
           <p:nvPr>
             <p:ph sz="quarter" idx="14"/>
+            <p:custDataLst>
+              <p:tags r:id="rId7"/>
+            </p:custDataLst>
           </p:nvPr>
         </p:nvSpPr>
         <p:spPr/>
@@ -22815,6 +23801,9 @@
           </p:cNvSpPr>
           <p:nvPr>
             <p:ph sz="quarter" idx="15"/>
+            <p:custDataLst>
+              <p:tags r:id="rId8"/>
+            </p:custDataLst>
           </p:nvPr>
         </p:nvSpPr>
         <p:spPr/>
@@ -22832,10 +23821,14 @@
           <p:cNvPicPr>
             <a:picLocks noChangeAspect="1" noChangeArrowheads="1"/>
           </p:cNvPicPr>
-          <p:nvPr/>
+          <p:nvPr>
+            <p:custDataLst>
+              <p:tags r:id="rId9"/>
+            </p:custDataLst>
+          </p:nvPr>
         </p:nvPicPr>
         <p:blipFill>
-          <a:blip r:embed="rId2">
+          <a:blip r:embed="rId12">
             <a:extLst>
               <a:ext uri="{28A0092B-C50C-407E-A947-70E740481C1C}">
                 <a14:useLocalDpi xmlns:a14="http://schemas.microsoft.com/office/drawing/2010/main" val="0"/>
@@ -22896,10 +23889,14 @@
           <p:cNvPicPr>
             <a:picLocks noChangeAspect="1" noChangeArrowheads="1"/>
           </p:cNvPicPr>
-          <p:nvPr/>
+          <p:nvPr>
+            <p:custDataLst>
+              <p:tags r:id="rId10"/>
+            </p:custDataLst>
+          </p:nvPr>
         </p:nvPicPr>
         <p:blipFill>
-          <a:blip r:embed="rId3">
+          <a:blip r:embed="rId13">
             <a:extLst>
               <a:ext uri="{28A0092B-C50C-407E-A947-70E740481C1C}">
                 <a14:useLocalDpi xmlns:a14="http://schemas.microsoft.com/office/drawing/2010/main" val="0"/>
@@ -22955,6 +23952,9 @@
         </p:spPr>
       </p:pic>
     </p:spTree>
+    <p:custDataLst>
+      <p:tags r:id="rId1"/>
+    </p:custDataLst>
     <p:extLst>
       <p:ext uri="{BB962C8B-B14F-4D97-AF65-F5344CB8AC3E}">
         <p14:creationId xmlns:p14="http://schemas.microsoft.com/office/powerpoint/2010/main" val="260886226"/>
@@ -23246,6 +24246,9 @@
           </p:cNvSpPr>
           <p:nvPr>
             <p:ph type="title"/>
+            <p:custDataLst>
+              <p:tags r:id="rId2"/>
+            </p:custDataLst>
           </p:nvPr>
         </p:nvSpPr>
         <p:spPr/>
@@ -23269,6 +24272,9 @@
           </p:cNvSpPr>
           <p:nvPr>
             <p:ph sz="quarter" idx="10"/>
+            <p:custDataLst>
+              <p:tags r:id="rId3"/>
+            </p:custDataLst>
           </p:nvPr>
         </p:nvSpPr>
         <p:spPr/>
@@ -23292,6 +24298,9 @@
           </p:cNvSpPr>
           <p:nvPr>
             <p:ph sz="quarter" idx="11"/>
+            <p:custDataLst>
+              <p:tags r:id="rId4"/>
+            </p:custDataLst>
           </p:nvPr>
         </p:nvSpPr>
         <p:spPr/>
@@ -23315,6 +24324,9 @@
           </p:cNvSpPr>
           <p:nvPr>
             <p:ph sz="quarter" idx="12"/>
+            <p:custDataLst>
+              <p:tags r:id="rId5"/>
+            </p:custDataLst>
           </p:nvPr>
         </p:nvSpPr>
         <p:spPr/>
@@ -23338,6 +24350,9 @@
           </p:cNvSpPr>
           <p:nvPr>
             <p:ph sz="quarter" idx="13"/>
+            <p:custDataLst>
+              <p:tags r:id="rId6"/>
+            </p:custDataLst>
           </p:nvPr>
         </p:nvSpPr>
         <p:spPr/>
@@ -23357,6 +24372,9 @@
           </p:cNvSpPr>
           <p:nvPr>
             <p:ph sz="quarter" idx="14"/>
+            <p:custDataLst>
+              <p:tags r:id="rId7"/>
+            </p:custDataLst>
           </p:nvPr>
         </p:nvSpPr>
         <p:spPr/>
@@ -23376,6 +24394,9 @@
           </p:cNvSpPr>
           <p:nvPr>
             <p:ph sz="quarter" idx="15"/>
+            <p:custDataLst>
+              <p:tags r:id="rId8"/>
+            </p:custDataLst>
           </p:nvPr>
         </p:nvSpPr>
         <p:spPr/>
@@ -23393,10 +24414,14 @@
           <p:cNvPicPr>
             <a:picLocks noChangeAspect="1" noChangeArrowheads="1"/>
           </p:cNvPicPr>
-          <p:nvPr/>
+          <p:nvPr>
+            <p:custDataLst>
+              <p:tags r:id="rId9"/>
+            </p:custDataLst>
+          </p:nvPr>
         </p:nvPicPr>
         <p:blipFill>
-          <a:blip r:embed="rId2">
+          <a:blip r:embed="rId12">
             <a:extLst>
               <a:ext uri="{28A0092B-C50C-407E-A947-70E740481C1C}">
                 <a14:useLocalDpi xmlns:a14="http://schemas.microsoft.com/office/drawing/2010/main" val="0"/>
@@ -23457,10 +24482,14 @@
           <p:cNvPicPr>
             <a:picLocks noChangeAspect="1" noChangeArrowheads="1"/>
           </p:cNvPicPr>
-          <p:nvPr/>
+          <p:nvPr>
+            <p:custDataLst>
+              <p:tags r:id="rId10"/>
+            </p:custDataLst>
+          </p:nvPr>
         </p:nvPicPr>
         <p:blipFill>
-          <a:blip r:embed="rId3">
+          <a:blip r:embed="rId13">
             <a:extLst>
               <a:ext uri="{28A0092B-C50C-407E-A947-70E740481C1C}">
                 <a14:useLocalDpi xmlns:a14="http://schemas.microsoft.com/office/drawing/2010/main" val="0"/>
@@ -23516,6 +24545,9 @@
         </p:spPr>
       </p:pic>
     </p:spTree>
+    <p:custDataLst>
+      <p:tags r:id="rId1"/>
+    </p:custDataLst>
     <p:extLst>
       <p:ext uri="{BB962C8B-B14F-4D97-AF65-F5344CB8AC3E}">
         <p14:creationId xmlns:p14="http://schemas.microsoft.com/office/powerpoint/2010/main" val="1928899501"/>
@@ -23807,6 +24839,9 @@
           </p:cNvSpPr>
           <p:nvPr>
             <p:ph idx="1"/>
+            <p:custDataLst>
+              <p:tags r:id="rId2"/>
+            </p:custDataLst>
           </p:nvPr>
         </p:nvSpPr>
         <p:spPr/>
@@ -23826,6 +24861,9 @@
           </p:cNvSpPr>
           <p:nvPr>
             <p:ph type="title"/>
+            <p:custDataLst>
+              <p:tags r:id="rId3"/>
+            </p:custDataLst>
           </p:nvPr>
         </p:nvSpPr>
         <p:spPr/>
@@ -23842,6 +24880,9 @@
         </p:txBody>
       </p:sp>
     </p:spTree>
+    <p:custDataLst>
+      <p:tags r:id="rId1"/>
+    </p:custDataLst>
     <p:extLst>
       <p:ext uri="{BB962C8B-B14F-4D97-AF65-F5344CB8AC3E}">
         <p14:creationId xmlns:p14="http://schemas.microsoft.com/office/powerpoint/2010/main" val="2208567433"/>
@@ -23894,6 +24935,9 @@
           </p:cNvSpPr>
           <p:nvPr>
             <p:ph type="title"/>
+            <p:custDataLst>
+              <p:tags r:id="rId2"/>
+            </p:custDataLst>
           </p:nvPr>
         </p:nvSpPr>
         <p:spPr/>
@@ -23917,6 +24961,9 @@
           </p:cNvSpPr>
           <p:nvPr>
             <p:ph sz="quarter" idx="10"/>
+            <p:custDataLst>
+              <p:tags r:id="rId3"/>
+            </p:custDataLst>
           </p:nvPr>
         </p:nvSpPr>
         <p:spPr/>
@@ -23940,6 +24987,9 @@
           </p:cNvSpPr>
           <p:nvPr>
             <p:ph sz="quarter" idx="11"/>
+            <p:custDataLst>
+              <p:tags r:id="rId4"/>
+            </p:custDataLst>
           </p:nvPr>
         </p:nvSpPr>
         <p:spPr/>
@@ -23963,6 +25013,9 @@
           </p:cNvSpPr>
           <p:nvPr>
             <p:ph sz="quarter" idx="12"/>
+            <p:custDataLst>
+              <p:tags r:id="rId5"/>
+            </p:custDataLst>
           </p:nvPr>
         </p:nvSpPr>
         <p:spPr/>
@@ -23986,6 +25039,9 @@
           </p:cNvSpPr>
           <p:nvPr>
             <p:ph sz="quarter" idx="13"/>
+            <p:custDataLst>
+              <p:tags r:id="rId6"/>
+            </p:custDataLst>
           </p:nvPr>
         </p:nvSpPr>
         <p:spPr/>
@@ -24009,6 +25065,9 @@
           </p:cNvSpPr>
           <p:nvPr>
             <p:ph sz="quarter" idx="14"/>
+            <p:custDataLst>
+              <p:tags r:id="rId7"/>
+            </p:custDataLst>
           </p:nvPr>
         </p:nvSpPr>
         <p:spPr/>
@@ -24028,6 +25087,9 @@
           </p:cNvSpPr>
           <p:nvPr>
             <p:ph sz="quarter" idx="15"/>
+            <p:custDataLst>
+              <p:tags r:id="rId8"/>
+            </p:custDataLst>
           </p:nvPr>
         </p:nvSpPr>
         <p:spPr/>
@@ -24044,6 +25106,9 @@
         </p:txBody>
       </p:sp>
     </p:spTree>
+    <p:custDataLst>
+      <p:tags r:id="rId1"/>
+    </p:custDataLst>
     <p:extLst>
       <p:ext uri="{BB962C8B-B14F-4D97-AF65-F5344CB8AC3E}">
         <p14:creationId xmlns:p14="http://schemas.microsoft.com/office/powerpoint/2010/main" val="2941189170"/>
@@ -24096,6 +25161,9 @@
           </p:cNvSpPr>
           <p:nvPr>
             <p:ph type="title"/>
+            <p:custDataLst>
+              <p:tags r:id="rId2"/>
+            </p:custDataLst>
           </p:nvPr>
         </p:nvSpPr>
         <p:spPr/>
@@ -24119,6 +25187,9 @@
           </p:cNvSpPr>
           <p:nvPr>
             <p:ph sz="quarter" idx="10"/>
+            <p:custDataLst>
+              <p:tags r:id="rId3"/>
+            </p:custDataLst>
           </p:nvPr>
         </p:nvSpPr>
         <p:spPr/>
@@ -24142,6 +25213,9 @@
           </p:cNvSpPr>
           <p:nvPr>
             <p:ph sz="quarter" idx="11"/>
+            <p:custDataLst>
+              <p:tags r:id="rId4"/>
+            </p:custDataLst>
           </p:nvPr>
         </p:nvSpPr>
         <p:spPr/>
@@ -24165,6 +25239,9 @@
           </p:cNvSpPr>
           <p:nvPr>
             <p:ph sz="quarter" idx="12"/>
+            <p:custDataLst>
+              <p:tags r:id="rId5"/>
+            </p:custDataLst>
           </p:nvPr>
         </p:nvSpPr>
         <p:spPr/>
@@ -24188,6 +25265,9 @@
           </p:cNvSpPr>
           <p:nvPr>
             <p:ph sz="quarter" idx="13"/>
+            <p:custDataLst>
+              <p:tags r:id="rId6"/>
+            </p:custDataLst>
           </p:nvPr>
         </p:nvSpPr>
         <p:spPr/>
@@ -24207,6 +25287,9 @@
           </p:cNvSpPr>
           <p:nvPr>
             <p:ph sz="quarter" idx="14"/>
+            <p:custDataLst>
+              <p:tags r:id="rId7"/>
+            </p:custDataLst>
           </p:nvPr>
         </p:nvSpPr>
         <p:spPr/>
@@ -24226,6 +25309,9 @@
           </p:cNvSpPr>
           <p:nvPr>
             <p:ph sz="quarter" idx="15"/>
+            <p:custDataLst>
+              <p:tags r:id="rId8"/>
+            </p:custDataLst>
           </p:nvPr>
         </p:nvSpPr>
         <p:spPr/>
@@ -24242,6 +25328,9 @@
         </p:txBody>
       </p:sp>
     </p:spTree>
+    <p:custDataLst>
+      <p:tags r:id="rId1"/>
+    </p:custDataLst>
     <p:extLst>
       <p:ext uri="{BB962C8B-B14F-4D97-AF65-F5344CB8AC3E}">
         <p14:creationId xmlns:p14="http://schemas.microsoft.com/office/powerpoint/2010/main" val="2580214785"/>
@@ -24294,6 +25383,9 @@
           </p:cNvSpPr>
           <p:nvPr>
             <p:ph idx="1"/>
+            <p:custDataLst>
+              <p:tags r:id="rId2"/>
+            </p:custDataLst>
           </p:nvPr>
         </p:nvSpPr>
         <p:spPr/>
@@ -24313,6 +25405,9 @@
           </p:cNvSpPr>
           <p:nvPr>
             <p:ph type="title"/>
+            <p:custDataLst>
+              <p:tags r:id="rId3"/>
+            </p:custDataLst>
           </p:nvPr>
         </p:nvSpPr>
         <p:spPr/>
@@ -24329,6 +25424,9 @@
         </p:txBody>
       </p:sp>
     </p:spTree>
+    <p:custDataLst>
+      <p:tags r:id="rId1"/>
+    </p:custDataLst>
     <p:extLst>
       <p:ext uri="{BB962C8B-B14F-4D97-AF65-F5344CB8AC3E}">
         <p14:creationId xmlns:p14="http://schemas.microsoft.com/office/powerpoint/2010/main" val="710407706"/>
@@ -24381,6 +25479,9 @@
           </p:cNvSpPr>
           <p:nvPr>
             <p:ph type="title"/>
+            <p:custDataLst>
+              <p:tags r:id="rId2"/>
+            </p:custDataLst>
           </p:nvPr>
         </p:nvSpPr>
         <p:spPr/>
@@ -24404,6 +25505,9 @@
           </p:cNvSpPr>
           <p:nvPr>
             <p:ph sz="quarter" idx="10"/>
+            <p:custDataLst>
+              <p:tags r:id="rId3"/>
+            </p:custDataLst>
           </p:nvPr>
         </p:nvSpPr>
         <p:spPr/>
@@ -24427,6 +25531,9 @@
           </p:cNvSpPr>
           <p:nvPr>
             <p:ph sz="quarter" idx="11"/>
+            <p:custDataLst>
+              <p:tags r:id="rId4"/>
+            </p:custDataLst>
           </p:nvPr>
         </p:nvSpPr>
         <p:spPr/>
@@ -24450,6 +25557,9 @@
           </p:cNvSpPr>
           <p:nvPr>
             <p:ph sz="quarter" idx="12"/>
+            <p:custDataLst>
+              <p:tags r:id="rId5"/>
+            </p:custDataLst>
           </p:nvPr>
         </p:nvSpPr>
         <p:spPr/>
@@ -24473,6 +25583,9 @@
           </p:cNvSpPr>
           <p:nvPr>
             <p:ph sz="quarter" idx="13"/>
+            <p:custDataLst>
+              <p:tags r:id="rId6"/>
+            </p:custDataLst>
           </p:nvPr>
         </p:nvSpPr>
         <p:spPr/>
@@ -24492,6 +25605,9 @@
           </p:cNvSpPr>
           <p:nvPr>
             <p:ph sz="quarter" idx="14"/>
+            <p:custDataLst>
+              <p:tags r:id="rId7"/>
+            </p:custDataLst>
           </p:nvPr>
         </p:nvSpPr>
         <p:spPr/>
@@ -24511,6 +25627,9 @@
           </p:cNvSpPr>
           <p:nvPr>
             <p:ph sz="quarter" idx="15"/>
+            <p:custDataLst>
+              <p:tags r:id="rId8"/>
+            </p:custDataLst>
           </p:nvPr>
         </p:nvSpPr>
         <p:spPr/>
@@ -24523,6 +25642,9 @@
         </p:txBody>
       </p:sp>
     </p:spTree>
+    <p:custDataLst>
+      <p:tags r:id="rId1"/>
+    </p:custDataLst>
     <p:extLst>
       <p:ext uri="{BB962C8B-B14F-4D97-AF65-F5344CB8AC3E}">
         <p14:creationId xmlns:p14="http://schemas.microsoft.com/office/powerpoint/2010/main" val="4038324478"/>
@@ -24575,6 +25697,9 @@
           </p:cNvSpPr>
           <p:nvPr>
             <p:ph idx="1"/>
+            <p:custDataLst>
+              <p:tags r:id="rId2"/>
+            </p:custDataLst>
           </p:nvPr>
         </p:nvSpPr>
         <p:spPr/>
@@ -24594,6 +25719,9 @@
           </p:cNvSpPr>
           <p:nvPr>
             <p:ph type="title"/>
+            <p:custDataLst>
+              <p:tags r:id="rId3"/>
+            </p:custDataLst>
           </p:nvPr>
         </p:nvSpPr>
         <p:spPr/>
@@ -24615,10 +25743,14 @@
           <p:cNvPicPr>
             <a:picLocks noChangeAspect="1" noChangeArrowheads="1"/>
           </p:cNvPicPr>
-          <p:nvPr/>
+          <p:nvPr>
+            <p:custDataLst>
+              <p:tags r:id="rId4"/>
+            </p:custDataLst>
+          </p:nvPr>
         </p:nvPicPr>
         <p:blipFill>
-          <a:blip r:embed="rId2">
+          <a:blip r:embed="rId6">
             <a:extLst>
               <a:ext uri="{28A0092B-C50C-407E-A947-70E740481C1C}">
                 <a14:useLocalDpi xmlns:a14="http://schemas.microsoft.com/office/drawing/2010/main" val="0"/>
@@ -24674,6 +25806,9 @@
         </p:spPr>
       </p:pic>
     </p:spTree>
+    <p:custDataLst>
+      <p:tags r:id="rId1"/>
+    </p:custDataLst>
     <p:extLst>
       <p:ext uri="{BB962C8B-B14F-4D97-AF65-F5344CB8AC3E}">
         <p14:creationId xmlns:p14="http://schemas.microsoft.com/office/powerpoint/2010/main" val="3995626755"/>
@@ -24699,6 +25834,1926 @@
     </p:tnLst>
   </p:timing>
 </p:sld>
+</file>
+
+<file path=ppt/tags/tag1.xml><?xml version="1.0" encoding="utf-8"?>
+<p:tagLst xmlns:a="http://schemas.openxmlformats.org/drawingml/2006/main" xmlns:r="http://schemas.openxmlformats.org/officeDocument/2006/relationships" xmlns:p="http://schemas.openxmlformats.org/presentationml/2006/main">
+  <p:tag name="DVSHAPEID" val="FMScqWDlQ4GcDDfJWrflEZ"/>
+</p:tagLst>
+</file>
+
+<file path=ppt/tags/tag10.xml><?xml version="1.0" encoding="utf-8"?>
+<p:tagLst xmlns:a="http://schemas.openxmlformats.org/drawingml/2006/main" xmlns:r="http://schemas.openxmlformats.org/officeDocument/2006/relationships" xmlns:p="http://schemas.openxmlformats.org/presentationml/2006/main">
+  <p:tag name="DVSHAPEID" val="WGJmCauoqWxwkHPJFMb5LY"/>
+</p:tagLst>
+</file>
+
+<file path=ppt/tags/tag100.xml><?xml version="1.0" encoding="utf-8"?>
+<p:tagLst xmlns:a="http://schemas.openxmlformats.org/drawingml/2006/main" xmlns:r="http://schemas.openxmlformats.org/officeDocument/2006/relationships" xmlns:p="http://schemas.openxmlformats.org/presentationml/2006/main">
+  <p:tag name="DVSHAPEID" val="sKEUb2O64OWoUWMK6JOoIJ"/>
+</p:tagLst>
+</file>
+
+<file path=ppt/tags/tag101.xml><?xml version="1.0" encoding="utf-8"?>
+<p:tagLst xmlns:a="http://schemas.openxmlformats.org/drawingml/2006/main" xmlns:r="http://schemas.openxmlformats.org/officeDocument/2006/relationships" xmlns:p="http://schemas.openxmlformats.org/presentationml/2006/main">
+  <p:tag name="DVSHAPEID" val="kwATXLg7IPSXNb5mV4pJUx"/>
+</p:tagLst>
+</file>
+
+<file path=ppt/tags/tag102.xml><?xml version="1.0" encoding="utf-8"?>
+<p:tagLst xmlns:a="http://schemas.openxmlformats.org/drawingml/2006/main" xmlns:r="http://schemas.openxmlformats.org/officeDocument/2006/relationships" xmlns:p="http://schemas.openxmlformats.org/presentationml/2006/main">
+  <p:tag name="DVSHAPEID" val="jv8U68Uu6mFJq8ki53PX67"/>
+</p:tagLst>
+</file>
+
+<file path=ppt/tags/tag103.xml><?xml version="1.0" encoding="utf-8"?>
+<p:tagLst xmlns:a="http://schemas.openxmlformats.org/drawingml/2006/main" xmlns:r="http://schemas.openxmlformats.org/officeDocument/2006/relationships" xmlns:p="http://schemas.openxmlformats.org/presentationml/2006/main">
+  <p:tag name="DVSHAPEID" val="vW8BEKOJZZONc5K3E8ddJv"/>
+</p:tagLst>
+</file>
+
+<file path=ppt/tags/tag104.xml><?xml version="1.0" encoding="utf-8"?>
+<p:tagLst xmlns:a="http://schemas.openxmlformats.org/drawingml/2006/main" xmlns:r="http://schemas.openxmlformats.org/officeDocument/2006/relationships" xmlns:p="http://schemas.openxmlformats.org/presentationml/2006/main">
+  <p:tag name="DVSHAPEID" val="h4LW2CZlUXrcZcLvtaGmnG"/>
+</p:tagLst>
+</file>
+
+<file path=ppt/tags/tag105.xml><?xml version="1.0" encoding="utf-8"?>
+<p:tagLst xmlns:a="http://schemas.openxmlformats.org/drawingml/2006/main" xmlns:r="http://schemas.openxmlformats.org/officeDocument/2006/relationships" xmlns:p="http://schemas.openxmlformats.org/presentationml/2006/main">
+  <p:tag name="DVSHAPEID" val="UCWfy1oGKSoZE4PHHbKD4R"/>
+</p:tagLst>
+</file>
+
+<file path=ppt/tags/tag106.xml><?xml version="1.0" encoding="utf-8"?>
+<p:tagLst xmlns:a="http://schemas.openxmlformats.org/drawingml/2006/main" xmlns:r="http://schemas.openxmlformats.org/officeDocument/2006/relationships" xmlns:p="http://schemas.openxmlformats.org/presentationml/2006/main">
+  <p:tag name="DVSHAPEID" val="mZ5yi9F2xm8B980N4XWdcz"/>
+</p:tagLst>
+</file>
+
+<file path=ppt/tags/tag107.xml><?xml version="1.0" encoding="utf-8"?>
+<p:tagLst xmlns:a="http://schemas.openxmlformats.org/drawingml/2006/main" xmlns:r="http://schemas.openxmlformats.org/officeDocument/2006/relationships" xmlns:p="http://schemas.openxmlformats.org/presentationml/2006/main">
+  <p:tag name="DVSECTIONID" val="GiDNdo6NFjGu75YLzOZl0y"/>
+</p:tagLst>
+</file>
+
+<file path=ppt/tags/tag108.xml><?xml version="1.0" encoding="utf-8"?>
+<p:tagLst xmlns:a="http://schemas.openxmlformats.org/drawingml/2006/main" xmlns:r="http://schemas.openxmlformats.org/officeDocument/2006/relationships" xmlns:p="http://schemas.openxmlformats.org/presentationml/2006/main">
+  <p:tag name="DVSHAPEID" val="OZxGFLsuCJB3gW90Jf1Hk1"/>
+</p:tagLst>
+</file>
+
+<file path=ppt/tags/tag109.xml><?xml version="1.0" encoding="utf-8"?>
+<p:tagLst xmlns:a="http://schemas.openxmlformats.org/drawingml/2006/main" xmlns:r="http://schemas.openxmlformats.org/officeDocument/2006/relationships" xmlns:p="http://schemas.openxmlformats.org/presentationml/2006/main">
+  <p:tag name="DVSHAPEID" val="Q3VGGT7MGRENb50BuTA3Kp"/>
+</p:tagLst>
+</file>
+
+<file path=ppt/tags/tag11.xml><?xml version="1.0" encoding="utf-8"?>
+<p:tagLst xmlns:a="http://schemas.openxmlformats.org/drawingml/2006/main" xmlns:r="http://schemas.openxmlformats.org/officeDocument/2006/relationships" xmlns:p="http://schemas.openxmlformats.org/presentationml/2006/main">
+  <p:tag name="DVSHAPEID" val="4fGmWbItOEjTTR1ETGr69m"/>
+</p:tagLst>
+</file>
+
+<file path=ppt/tags/tag110.xml><?xml version="1.0" encoding="utf-8"?>
+<p:tagLst xmlns:a="http://schemas.openxmlformats.org/drawingml/2006/main" xmlns:r="http://schemas.openxmlformats.org/officeDocument/2006/relationships" xmlns:p="http://schemas.openxmlformats.org/presentationml/2006/main">
+  <p:tag name="DVSHAPEID" val="Z6S4D4dHbveM9uLY5ynP2K"/>
+</p:tagLst>
+</file>
+
+<file path=ppt/tags/tag111.xml><?xml version="1.0" encoding="utf-8"?>
+<p:tagLst xmlns:a="http://schemas.openxmlformats.org/drawingml/2006/main" xmlns:r="http://schemas.openxmlformats.org/officeDocument/2006/relationships" xmlns:p="http://schemas.openxmlformats.org/presentationml/2006/main">
+  <p:tag name="DVSECTIONID" val="KdalQxyRTLc99rgbo5gkab"/>
+</p:tagLst>
+</file>
+
+<file path=ppt/tags/tag112.xml><?xml version="1.0" encoding="utf-8"?>
+<p:tagLst xmlns:a="http://schemas.openxmlformats.org/drawingml/2006/main" xmlns:r="http://schemas.openxmlformats.org/officeDocument/2006/relationships" xmlns:p="http://schemas.openxmlformats.org/presentationml/2006/main">
+  <p:tag name="DVSHAPEID" val="otK4Z8L87ghr4OOCg2zZF8"/>
+</p:tagLst>
+</file>
+
+<file path=ppt/tags/tag113.xml><?xml version="1.0" encoding="utf-8"?>
+<p:tagLst xmlns:a="http://schemas.openxmlformats.org/drawingml/2006/main" xmlns:r="http://schemas.openxmlformats.org/officeDocument/2006/relationships" xmlns:p="http://schemas.openxmlformats.org/presentationml/2006/main">
+  <p:tag name="DVSHAPEID" val="ypWwPvO1FVmeHpjz44W3oY"/>
+</p:tagLst>
+</file>
+
+<file path=ppt/tags/tag114.xml><?xml version="1.0" encoding="utf-8"?>
+<p:tagLst xmlns:a="http://schemas.openxmlformats.org/drawingml/2006/main" xmlns:r="http://schemas.openxmlformats.org/officeDocument/2006/relationships" xmlns:p="http://schemas.openxmlformats.org/presentationml/2006/main">
+  <p:tag name="DVSHAPEID" val="uHqWasikf34fUl7tifk5Bm"/>
+</p:tagLst>
+</file>
+
+<file path=ppt/tags/tag115.xml><?xml version="1.0" encoding="utf-8"?>
+<p:tagLst xmlns:a="http://schemas.openxmlformats.org/drawingml/2006/main" xmlns:r="http://schemas.openxmlformats.org/officeDocument/2006/relationships" xmlns:p="http://schemas.openxmlformats.org/presentationml/2006/main">
+  <p:tag name="DVSHAPEID" val="4P7oiGYu2CKAUf6TllIlFj"/>
+</p:tagLst>
+</file>
+
+<file path=ppt/tags/tag116.xml><?xml version="1.0" encoding="utf-8"?>
+<p:tagLst xmlns:a="http://schemas.openxmlformats.org/drawingml/2006/main" xmlns:r="http://schemas.openxmlformats.org/officeDocument/2006/relationships" xmlns:p="http://schemas.openxmlformats.org/presentationml/2006/main">
+  <p:tag name="DVSHAPEID" val="9ruYrBLHIjm8CAPL9BmL0s"/>
+</p:tagLst>
+</file>
+
+<file path=ppt/tags/tag117.xml><?xml version="1.0" encoding="utf-8"?>
+<p:tagLst xmlns:a="http://schemas.openxmlformats.org/drawingml/2006/main" xmlns:r="http://schemas.openxmlformats.org/officeDocument/2006/relationships" xmlns:p="http://schemas.openxmlformats.org/presentationml/2006/main">
+  <p:tag name="DVSHAPEID" val="vkqSmpUYmgHLFFUkemIlTq"/>
+</p:tagLst>
+</file>
+
+<file path=ppt/tags/tag118.xml><?xml version="1.0" encoding="utf-8"?>
+<p:tagLst xmlns:a="http://schemas.openxmlformats.org/drawingml/2006/main" xmlns:r="http://schemas.openxmlformats.org/officeDocument/2006/relationships" xmlns:p="http://schemas.openxmlformats.org/presentationml/2006/main">
+  <p:tag name="DVSHAPEID" val="dMCv4zb7YUjHV9yzemMJW6"/>
+</p:tagLst>
+</file>
+
+<file path=ppt/tags/tag119.xml><?xml version="1.0" encoding="utf-8"?>
+<p:tagLst xmlns:a="http://schemas.openxmlformats.org/drawingml/2006/main" xmlns:r="http://schemas.openxmlformats.org/officeDocument/2006/relationships" xmlns:p="http://schemas.openxmlformats.org/presentationml/2006/main">
+  <p:tag name="DVSECTIONID" val="MJj75US8Sm38xqDSyzeOpU"/>
+</p:tagLst>
+</file>
+
+<file path=ppt/tags/tag12.xml><?xml version="1.0" encoding="utf-8"?>
+<p:tagLst xmlns:a="http://schemas.openxmlformats.org/drawingml/2006/main" xmlns:r="http://schemas.openxmlformats.org/officeDocument/2006/relationships" xmlns:p="http://schemas.openxmlformats.org/presentationml/2006/main">
+  <p:tag name="DVSHAPEID" val="eE4DoNgSTUyXBuFfeiFW7S"/>
+</p:tagLst>
+</file>
+
+<file path=ppt/tags/tag120.xml><?xml version="1.0" encoding="utf-8"?>
+<p:tagLst xmlns:a="http://schemas.openxmlformats.org/drawingml/2006/main" xmlns:r="http://schemas.openxmlformats.org/officeDocument/2006/relationships" xmlns:p="http://schemas.openxmlformats.org/presentationml/2006/main">
+  <p:tag name="DVSHAPEID" val="rRV9RPnZ2Ey47DgQlkNfhM"/>
+</p:tagLst>
+</file>
+
+<file path=ppt/tags/tag121.xml><?xml version="1.0" encoding="utf-8"?>
+<p:tagLst xmlns:a="http://schemas.openxmlformats.org/drawingml/2006/main" xmlns:r="http://schemas.openxmlformats.org/officeDocument/2006/relationships" xmlns:p="http://schemas.openxmlformats.org/presentationml/2006/main">
+  <p:tag name="DVSHAPEID" val="rYKKMF7myau6lKAUImJYRF"/>
+</p:tagLst>
+</file>
+
+<file path=ppt/tags/tag122.xml><?xml version="1.0" encoding="utf-8"?>
+<p:tagLst xmlns:a="http://schemas.openxmlformats.org/drawingml/2006/main" xmlns:r="http://schemas.openxmlformats.org/officeDocument/2006/relationships" xmlns:p="http://schemas.openxmlformats.org/presentationml/2006/main">
+  <p:tag name="DVSECTIONID" val="hXWxunpT5Gnzqq2JsDYKSP"/>
+</p:tagLst>
+</file>
+
+<file path=ppt/tags/tag123.xml><?xml version="1.0" encoding="utf-8"?>
+<p:tagLst xmlns:a="http://schemas.openxmlformats.org/drawingml/2006/main" xmlns:r="http://schemas.openxmlformats.org/officeDocument/2006/relationships" xmlns:p="http://schemas.openxmlformats.org/presentationml/2006/main">
+  <p:tag name="DVSHAPEID" val="8Q2Ujn0sWHPEpWo73IRG5o"/>
+</p:tagLst>
+</file>
+
+<file path=ppt/tags/tag124.xml><?xml version="1.0" encoding="utf-8"?>
+<p:tagLst xmlns:a="http://schemas.openxmlformats.org/drawingml/2006/main" xmlns:r="http://schemas.openxmlformats.org/officeDocument/2006/relationships" xmlns:p="http://schemas.openxmlformats.org/presentationml/2006/main">
+  <p:tag name="DVSHAPEID" val="A1ivgqBqviVMPTHSlJl6dN"/>
+</p:tagLst>
+</file>
+
+<file path=ppt/tags/tag125.xml><?xml version="1.0" encoding="utf-8"?>
+<p:tagLst xmlns:a="http://schemas.openxmlformats.org/drawingml/2006/main" xmlns:r="http://schemas.openxmlformats.org/officeDocument/2006/relationships" xmlns:p="http://schemas.openxmlformats.org/presentationml/2006/main">
+  <p:tag name="DVSHAPEID" val="gHkDvBj16bzKg1BO7AQvbw"/>
+</p:tagLst>
+</file>
+
+<file path=ppt/tags/tag126.xml><?xml version="1.0" encoding="utf-8"?>
+<p:tagLst xmlns:a="http://schemas.openxmlformats.org/drawingml/2006/main" xmlns:r="http://schemas.openxmlformats.org/officeDocument/2006/relationships" xmlns:p="http://schemas.openxmlformats.org/presentationml/2006/main">
+  <p:tag name="DVSHAPEID" val="ID7vpbm8kYaNKBaCU07tcK"/>
+</p:tagLst>
+</file>
+
+<file path=ppt/tags/tag127.xml><?xml version="1.0" encoding="utf-8"?>
+<p:tagLst xmlns:a="http://schemas.openxmlformats.org/drawingml/2006/main" xmlns:r="http://schemas.openxmlformats.org/officeDocument/2006/relationships" xmlns:p="http://schemas.openxmlformats.org/presentationml/2006/main">
+  <p:tag name="DVSHAPEID" val="c4DGgxBLfIBKYHw0b7FYQA"/>
+</p:tagLst>
+</file>
+
+<file path=ppt/tags/tag128.xml><?xml version="1.0" encoding="utf-8"?>
+<p:tagLst xmlns:a="http://schemas.openxmlformats.org/drawingml/2006/main" xmlns:r="http://schemas.openxmlformats.org/officeDocument/2006/relationships" xmlns:p="http://schemas.openxmlformats.org/presentationml/2006/main">
+  <p:tag name="DVSHAPEID" val="Asg0EvFPnHkYq2SIUPwzJs"/>
+</p:tagLst>
+</file>
+
+<file path=ppt/tags/tag129.xml><?xml version="1.0" encoding="utf-8"?>
+<p:tagLst xmlns:a="http://schemas.openxmlformats.org/drawingml/2006/main" xmlns:r="http://schemas.openxmlformats.org/officeDocument/2006/relationships" xmlns:p="http://schemas.openxmlformats.org/presentationml/2006/main">
+  <p:tag name="DVSHAPEID" val="cZCs5UOZOdTBuaqfS66qkT"/>
+</p:tagLst>
+</file>
+
+<file path=ppt/tags/tag13.xml><?xml version="1.0" encoding="utf-8"?>
+<p:tagLst xmlns:a="http://schemas.openxmlformats.org/drawingml/2006/main" xmlns:r="http://schemas.openxmlformats.org/officeDocument/2006/relationships" xmlns:p="http://schemas.openxmlformats.org/presentationml/2006/main">
+  <p:tag name="DVSHAPEID" val="dqNYI1SvEEOI12iiNVdWKo"/>
+</p:tagLst>
+</file>
+
+<file path=ppt/tags/tag130.xml><?xml version="1.0" encoding="utf-8"?>
+<p:tagLst xmlns:a="http://schemas.openxmlformats.org/drawingml/2006/main" xmlns:r="http://schemas.openxmlformats.org/officeDocument/2006/relationships" xmlns:p="http://schemas.openxmlformats.org/presentationml/2006/main">
+  <p:tag name="DVSECTIONID" val="61UQywxH5mLRrlbxquJYhm"/>
+</p:tagLst>
+</file>
+
+<file path=ppt/tags/tag131.xml><?xml version="1.0" encoding="utf-8"?>
+<p:tagLst xmlns:a="http://schemas.openxmlformats.org/drawingml/2006/main" xmlns:r="http://schemas.openxmlformats.org/officeDocument/2006/relationships" xmlns:p="http://schemas.openxmlformats.org/presentationml/2006/main">
+  <p:tag name="DVSHAPEID" val="q0gt8tdQshR8ghobpL1oT6"/>
+</p:tagLst>
+</file>
+
+<file path=ppt/tags/tag132.xml><?xml version="1.0" encoding="utf-8"?>
+<p:tagLst xmlns:a="http://schemas.openxmlformats.org/drawingml/2006/main" xmlns:r="http://schemas.openxmlformats.org/officeDocument/2006/relationships" xmlns:p="http://schemas.openxmlformats.org/presentationml/2006/main">
+  <p:tag name="DVSHAPEID" val="5PyHiFWpsi7izCcCLlMYKB"/>
+</p:tagLst>
+</file>
+
+<file path=ppt/tags/tag133.xml><?xml version="1.0" encoding="utf-8"?>
+<p:tagLst xmlns:a="http://schemas.openxmlformats.org/drawingml/2006/main" xmlns:r="http://schemas.openxmlformats.org/officeDocument/2006/relationships" xmlns:p="http://schemas.openxmlformats.org/presentationml/2006/main">
+  <p:tag name="DVSHAPEID" val="JlU8RHGlpW0jVrUqbyT2Oy"/>
+</p:tagLst>
+</file>
+
+<file path=ppt/tags/tag134.xml><?xml version="1.0" encoding="utf-8"?>
+<p:tagLst xmlns:a="http://schemas.openxmlformats.org/drawingml/2006/main" xmlns:r="http://schemas.openxmlformats.org/officeDocument/2006/relationships" xmlns:p="http://schemas.openxmlformats.org/presentationml/2006/main">
+  <p:tag name="DVSHAPEID" val="0YHMZNZFBUlt5cM9NfJ7Tb"/>
+</p:tagLst>
+</file>
+
+<file path=ppt/tags/tag135.xml><?xml version="1.0" encoding="utf-8"?>
+<p:tagLst xmlns:a="http://schemas.openxmlformats.org/drawingml/2006/main" xmlns:r="http://schemas.openxmlformats.org/officeDocument/2006/relationships" xmlns:p="http://schemas.openxmlformats.org/presentationml/2006/main">
+  <p:tag name="DVSHAPEID" val="hfHKHl9e4IMalWr5HSmJl5"/>
+</p:tagLst>
+</file>
+
+<file path=ppt/tags/tag136.xml><?xml version="1.0" encoding="utf-8"?>
+<p:tagLst xmlns:a="http://schemas.openxmlformats.org/drawingml/2006/main" xmlns:r="http://schemas.openxmlformats.org/officeDocument/2006/relationships" xmlns:p="http://schemas.openxmlformats.org/presentationml/2006/main">
+  <p:tag name="DVSHAPEID" val="XrmIE1KEjHFPGr5e6EvmQD"/>
+</p:tagLst>
+</file>
+
+<file path=ppt/tags/tag137.xml><?xml version="1.0" encoding="utf-8"?>
+<p:tagLst xmlns:a="http://schemas.openxmlformats.org/drawingml/2006/main" xmlns:r="http://schemas.openxmlformats.org/officeDocument/2006/relationships" xmlns:p="http://schemas.openxmlformats.org/presentationml/2006/main">
+  <p:tag name="DVSHAPEID" val="GURQHIxQLaQbifoZG8upp5"/>
+</p:tagLst>
+</file>
+
+<file path=ppt/tags/tag138.xml><?xml version="1.0" encoding="utf-8"?>
+<p:tagLst xmlns:a="http://schemas.openxmlformats.org/drawingml/2006/main" xmlns:r="http://schemas.openxmlformats.org/officeDocument/2006/relationships" xmlns:p="http://schemas.openxmlformats.org/presentationml/2006/main">
+  <p:tag name="DVSECTIONID" val="KYZcPP6APE2sRUDDOSloA0"/>
+</p:tagLst>
+</file>
+
+<file path=ppt/tags/tag139.xml><?xml version="1.0" encoding="utf-8"?>
+<p:tagLst xmlns:a="http://schemas.openxmlformats.org/drawingml/2006/main" xmlns:r="http://schemas.openxmlformats.org/officeDocument/2006/relationships" xmlns:p="http://schemas.openxmlformats.org/presentationml/2006/main">
+  <p:tag name="DVSHAPEID" val="vvfZZsMIdYfkLrQNj16sWu"/>
+</p:tagLst>
+</file>
+
+<file path=ppt/tags/tag14.xml><?xml version="1.0" encoding="utf-8"?>
+<p:tagLst xmlns:a="http://schemas.openxmlformats.org/drawingml/2006/main" xmlns:r="http://schemas.openxmlformats.org/officeDocument/2006/relationships" xmlns:p="http://schemas.openxmlformats.org/presentationml/2006/main">
+  <p:tag name="DVSHAPEID" val="lWgwYEr8rdflqDPq4fZngT"/>
+</p:tagLst>
+</file>
+
+<file path=ppt/tags/tag140.xml><?xml version="1.0" encoding="utf-8"?>
+<p:tagLst xmlns:a="http://schemas.openxmlformats.org/drawingml/2006/main" xmlns:r="http://schemas.openxmlformats.org/officeDocument/2006/relationships" xmlns:p="http://schemas.openxmlformats.org/presentationml/2006/main">
+  <p:tag name="DVSHAPEID" val="Zv9QQ7XnSqeAolBII543XR"/>
+</p:tagLst>
+</file>
+
+<file path=ppt/tags/tag141.xml><?xml version="1.0" encoding="utf-8"?>
+<p:tagLst xmlns:a="http://schemas.openxmlformats.org/drawingml/2006/main" xmlns:r="http://schemas.openxmlformats.org/officeDocument/2006/relationships" xmlns:p="http://schemas.openxmlformats.org/presentationml/2006/main">
+  <p:tag name="DVSECTIONID" val="NzZHyUdu1UxJgVRmHIAux6"/>
+</p:tagLst>
+</file>
+
+<file path=ppt/tags/tag142.xml><?xml version="1.0" encoding="utf-8"?>
+<p:tagLst xmlns:a="http://schemas.openxmlformats.org/drawingml/2006/main" xmlns:r="http://schemas.openxmlformats.org/officeDocument/2006/relationships" xmlns:p="http://schemas.openxmlformats.org/presentationml/2006/main">
+  <p:tag name="DVSHAPEID" val="VYtW8TOsiW91wKQ9BFKP6O"/>
+</p:tagLst>
+</file>
+
+<file path=ppt/tags/tag143.xml><?xml version="1.0" encoding="utf-8"?>
+<p:tagLst xmlns:a="http://schemas.openxmlformats.org/drawingml/2006/main" xmlns:r="http://schemas.openxmlformats.org/officeDocument/2006/relationships" xmlns:p="http://schemas.openxmlformats.org/presentationml/2006/main">
+  <p:tag name="DVSHAPEID" val="5a3vcBi1nTx7zbmTZ4zq8h"/>
+</p:tagLst>
+</file>
+
+<file path=ppt/tags/tag144.xml><?xml version="1.0" encoding="utf-8"?>
+<p:tagLst xmlns:a="http://schemas.openxmlformats.org/drawingml/2006/main" xmlns:r="http://schemas.openxmlformats.org/officeDocument/2006/relationships" xmlns:p="http://schemas.openxmlformats.org/presentationml/2006/main">
+  <p:tag name="DVSHAPEID" val="rnPQRztpi7L7SjTDGc9hyg"/>
+</p:tagLst>
+</file>
+
+<file path=ppt/tags/tag145.xml><?xml version="1.0" encoding="utf-8"?>
+<p:tagLst xmlns:a="http://schemas.openxmlformats.org/drawingml/2006/main" xmlns:r="http://schemas.openxmlformats.org/officeDocument/2006/relationships" xmlns:p="http://schemas.openxmlformats.org/presentationml/2006/main">
+  <p:tag name="DVSHAPEID" val="toaFNIGGfFGOJGFlKJxYAp"/>
+</p:tagLst>
+</file>
+
+<file path=ppt/tags/tag146.xml><?xml version="1.0" encoding="utf-8"?>
+<p:tagLst xmlns:a="http://schemas.openxmlformats.org/drawingml/2006/main" xmlns:r="http://schemas.openxmlformats.org/officeDocument/2006/relationships" xmlns:p="http://schemas.openxmlformats.org/presentationml/2006/main">
+  <p:tag name="DVSHAPEID" val="mrj30lnngQIbTrGcLLJBS5"/>
+</p:tagLst>
+</file>
+
+<file path=ppt/tags/tag147.xml><?xml version="1.0" encoding="utf-8"?>
+<p:tagLst xmlns:a="http://schemas.openxmlformats.org/drawingml/2006/main" xmlns:r="http://schemas.openxmlformats.org/officeDocument/2006/relationships" xmlns:p="http://schemas.openxmlformats.org/presentationml/2006/main">
+  <p:tag name="DVSHAPEID" val="r4AdXkspJAF32ImKIkiSpP"/>
+</p:tagLst>
+</file>
+
+<file path=ppt/tags/tag148.xml><?xml version="1.0" encoding="utf-8"?>
+<p:tagLst xmlns:a="http://schemas.openxmlformats.org/drawingml/2006/main" xmlns:r="http://schemas.openxmlformats.org/officeDocument/2006/relationships" xmlns:p="http://schemas.openxmlformats.org/presentationml/2006/main">
+  <p:tag name="DVSHAPEID" val="5xMeFxXMfZxg0etMo3VQ68"/>
+</p:tagLst>
+</file>
+
+<file path=ppt/tags/tag149.xml><?xml version="1.0" encoding="utf-8"?>
+<p:tagLst xmlns:a="http://schemas.openxmlformats.org/drawingml/2006/main" xmlns:r="http://schemas.openxmlformats.org/officeDocument/2006/relationships" xmlns:p="http://schemas.openxmlformats.org/presentationml/2006/main">
+  <p:tag name="DVSECTIONID" val="PYugTMGQCTMJapc8hbnlD7"/>
+</p:tagLst>
+</file>
+
+<file path=ppt/tags/tag15.xml><?xml version="1.0" encoding="utf-8"?>
+<p:tagLst xmlns:a="http://schemas.openxmlformats.org/drawingml/2006/main" xmlns:r="http://schemas.openxmlformats.org/officeDocument/2006/relationships" xmlns:p="http://schemas.openxmlformats.org/presentationml/2006/main">
+  <p:tag name="DVSHAPEID" val="8TtCWVuJJa8P5RHb2d3wcB"/>
+</p:tagLst>
+</file>
+
+<file path=ppt/tags/tag150.xml><?xml version="1.0" encoding="utf-8"?>
+<p:tagLst xmlns:a="http://schemas.openxmlformats.org/drawingml/2006/main" xmlns:r="http://schemas.openxmlformats.org/officeDocument/2006/relationships" xmlns:p="http://schemas.openxmlformats.org/presentationml/2006/main">
+  <p:tag name="DVSHAPEID" val="vPpXQ13piZGBY2qJFUrXlG"/>
+</p:tagLst>
+</file>
+
+<file path=ppt/tags/tag151.xml><?xml version="1.0" encoding="utf-8"?>
+<p:tagLst xmlns:a="http://schemas.openxmlformats.org/drawingml/2006/main" xmlns:r="http://schemas.openxmlformats.org/officeDocument/2006/relationships" xmlns:p="http://schemas.openxmlformats.org/presentationml/2006/main">
+  <p:tag name="DVSHAPEID" val="wLH7gVVfWyJX2WOHHWJQGx"/>
+</p:tagLst>
+</file>
+
+<file path=ppt/tags/tag152.xml><?xml version="1.0" encoding="utf-8"?>
+<p:tagLst xmlns:a="http://schemas.openxmlformats.org/drawingml/2006/main" xmlns:r="http://schemas.openxmlformats.org/officeDocument/2006/relationships" xmlns:p="http://schemas.openxmlformats.org/presentationml/2006/main">
+  <p:tag name="DVSHAPEID" val="ApgrlEn1p9NPjDgIK7t237"/>
+</p:tagLst>
+</file>
+
+<file path=ppt/tags/tag153.xml><?xml version="1.0" encoding="utf-8"?>
+<p:tagLst xmlns:a="http://schemas.openxmlformats.org/drawingml/2006/main" xmlns:r="http://schemas.openxmlformats.org/officeDocument/2006/relationships" xmlns:p="http://schemas.openxmlformats.org/presentationml/2006/main">
+  <p:tag name="DVSHAPEID" val="S1ZuUXcveuZYbiRPzhSV9z"/>
+</p:tagLst>
+</file>
+
+<file path=ppt/tags/tag154.xml><?xml version="1.0" encoding="utf-8"?>
+<p:tagLst xmlns:a="http://schemas.openxmlformats.org/drawingml/2006/main" xmlns:r="http://schemas.openxmlformats.org/officeDocument/2006/relationships" xmlns:p="http://schemas.openxmlformats.org/presentationml/2006/main">
+  <p:tag name="DVSHAPEID" val="9cCbrYbBnEusxerRJpOTVi"/>
+</p:tagLst>
+</file>
+
+<file path=ppt/tags/tag155.xml><?xml version="1.0" encoding="utf-8"?>
+<p:tagLst xmlns:a="http://schemas.openxmlformats.org/drawingml/2006/main" xmlns:r="http://schemas.openxmlformats.org/officeDocument/2006/relationships" xmlns:p="http://schemas.openxmlformats.org/presentationml/2006/main">
+  <p:tag name="DVSHAPEID" val="QlsYRUyca7YiRNRJwdjC7k"/>
+</p:tagLst>
+</file>
+
+<file path=ppt/tags/tag156.xml><?xml version="1.0" encoding="utf-8"?>
+<p:tagLst xmlns:a="http://schemas.openxmlformats.org/drawingml/2006/main" xmlns:r="http://schemas.openxmlformats.org/officeDocument/2006/relationships" xmlns:p="http://schemas.openxmlformats.org/presentationml/2006/main">
+  <p:tag name="DVSECTIONID" val="U7EHMsbDN5tGK0ch0rNahE"/>
+</p:tagLst>
+</file>
+
+<file path=ppt/tags/tag157.xml><?xml version="1.0" encoding="utf-8"?>
+<p:tagLst xmlns:a="http://schemas.openxmlformats.org/drawingml/2006/main" xmlns:r="http://schemas.openxmlformats.org/officeDocument/2006/relationships" xmlns:p="http://schemas.openxmlformats.org/presentationml/2006/main">
+  <p:tag name="DVSHAPEID" val="tIKCoHxs6fERlhIt6g3bun"/>
+</p:tagLst>
+</file>
+
+<file path=ppt/tags/tag158.xml><?xml version="1.0" encoding="utf-8"?>
+<p:tagLst xmlns:a="http://schemas.openxmlformats.org/drawingml/2006/main" xmlns:r="http://schemas.openxmlformats.org/officeDocument/2006/relationships" xmlns:p="http://schemas.openxmlformats.org/presentationml/2006/main">
+  <p:tag name="DVSHAPEID" val="temD0ZTAziawRJdfwQEH0J"/>
+</p:tagLst>
+</file>
+
+<file path=ppt/tags/tag159.xml><?xml version="1.0" encoding="utf-8"?>
+<p:tagLst xmlns:a="http://schemas.openxmlformats.org/drawingml/2006/main" xmlns:r="http://schemas.openxmlformats.org/officeDocument/2006/relationships" xmlns:p="http://schemas.openxmlformats.org/presentationml/2006/main">
+  <p:tag name="DVSHAPEID" val="E0rA0273zWQ6evfKHxywFl"/>
+</p:tagLst>
+</file>
+
+<file path=ppt/tags/tag16.xml><?xml version="1.0" encoding="utf-8"?>
+<p:tagLst xmlns:a="http://schemas.openxmlformats.org/drawingml/2006/main" xmlns:r="http://schemas.openxmlformats.org/officeDocument/2006/relationships" xmlns:p="http://schemas.openxmlformats.org/presentationml/2006/main">
+  <p:tag name="DVSHAPEID" val="sFBFtnQYWm8rNm3lIwEHu4"/>
+</p:tagLst>
+</file>
+
+<file path=ppt/tags/tag160.xml><?xml version="1.0" encoding="utf-8"?>
+<p:tagLst xmlns:a="http://schemas.openxmlformats.org/drawingml/2006/main" xmlns:r="http://schemas.openxmlformats.org/officeDocument/2006/relationships" xmlns:p="http://schemas.openxmlformats.org/presentationml/2006/main">
+  <p:tag name="DVSHAPEID" val="GPpZgRKcwMmKAmcpZQtwJe"/>
+</p:tagLst>
+</file>
+
+<file path=ppt/tags/tag161.xml><?xml version="1.0" encoding="utf-8"?>
+<p:tagLst xmlns:a="http://schemas.openxmlformats.org/drawingml/2006/main" xmlns:r="http://schemas.openxmlformats.org/officeDocument/2006/relationships" xmlns:p="http://schemas.openxmlformats.org/presentationml/2006/main">
+  <p:tag name="DVSHAPEID" val="FLuHZL879u3ijCa1Mgimq4"/>
+</p:tagLst>
+</file>
+
+<file path=ppt/tags/tag162.xml><?xml version="1.0" encoding="utf-8"?>
+<p:tagLst xmlns:a="http://schemas.openxmlformats.org/drawingml/2006/main" xmlns:r="http://schemas.openxmlformats.org/officeDocument/2006/relationships" xmlns:p="http://schemas.openxmlformats.org/presentationml/2006/main">
+  <p:tag name="DVSHAPEID" val="KuVSyhyH28BsaDuyRZ3pCR"/>
+</p:tagLst>
+</file>
+
+<file path=ppt/tags/tag163.xml><?xml version="1.0" encoding="utf-8"?>
+<p:tagLst xmlns:a="http://schemas.openxmlformats.org/drawingml/2006/main" xmlns:r="http://schemas.openxmlformats.org/officeDocument/2006/relationships" xmlns:p="http://schemas.openxmlformats.org/presentationml/2006/main">
+  <p:tag name="DVSHAPEID" val="Gh3zfX4denNB10M7cRyrrU"/>
+</p:tagLst>
+</file>
+
+<file path=ppt/tags/tag164.xml><?xml version="1.0" encoding="utf-8"?>
+<p:tagLst xmlns:a="http://schemas.openxmlformats.org/drawingml/2006/main" xmlns:r="http://schemas.openxmlformats.org/officeDocument/2006/relationships" xmlns:p="http://schemas.openxmlformats.org/presentationml/2006/main">
+  <p:tag name="DVSECTIONID" val="XxLsayro7ctH4mCc0dFZ5G"/>
+</p:tagLst>
+</file>
+
+<file path=ppt/tags/tag165.xml><?xml version="1.0" encoding="utf-8"?>
+<p:tagLst xmlns:a="http://schemas.openxmlformats.org/drawingml/2006/main" xmlns:r="http://schemas.openxmlformats.org/officeDocument/2006/relationships" xmlns:p="http://schemas.openxmlformats.org/presentationml/2006/main">
+  <p:tag name="DVSHAPEID" val="HQrwweoji0rSNDPY2BDPUe"/>
+</p:tagLst>
+</file>
+
+<file path=ppt/tags/tag166.xml><?xml version="1.0" encoding="utf-8"?>
+<p:tagLst xmlns:a="http://schemas.openxmlformats.org/drawingml/2006/main" xmlns:r="http://schemas.openxmlformats.org/officeDocument/2006/relationships" xmlns:p="http://schemas.openxmlformats.org/presentationml/2006/main">
+  <p:tag name="DVSHAPEID" val="EzCuMJNcQbqMAc8IqQOU4N"/>
+</p:tagLst>
+</file>
+
+<file path=ppt/tags/tag167.xml><?xml version="1.0" encoding="utf-8"?>
+<p:tagLst xmlns:a="http://schemas.openxmlformats.org/drawingml/2006/main" xmlns:r="http://schemas.openxmlformats.org/officeDocument/2006/relationships" xmlns:p="http://schemas.openxmlformats.org/presentationml/2006/main">
+  <p:tag name="DVSHAPEID" val="99d8idOXNB0tbSU2rEv69g"/>
+</p:tagLst>
+</file>
+
+<file path=ppt/tags/tag168.xml><?xml version="1.0" encoding="utf-8"?>
+<p:tagLst xmlns:a="http://schemas.openxmlformats.org/drawingml/2006/main" xmlns:r="http://schemas.openxmlformats.org/officeDocument/2006/relationships" xmlns:p="http://schemas.openxmlformats.org/presentationml/2006/main">
+  <p:tag name="DVSHAPEID" val="r13CQjaN1Z9RpshDrAnTnO"/>
+</p:tagLst>
+</file>
+
+<file path=ppt/tags/tag169.xml><?xml version="1.0" encoding="utf-8"?>
+<p:tagLst xmlns:a="http://schemas.openxmlformats.org/drawingml/2006/main" xmlns:r="http://schemas.openxmlformats.org/officeDocument/2006/relationships" xmlns:p="http://schemas.openxmlformats.org/presentationml/2006/main">
+  <p:tag name="DVSHAPEID" val="M71fNno9pXDTIb5GmuM0A0"/>
+</p:tagLst>
+</file>
+
+<file path=ppt/tags/tag17.xml><?xml version="1.0" encoding="utf-8"?>
+<p:tagLst xmlns:a="http://schemas.openxmlformats.org/drawingml/2006/main" xmlns:r="http://schemas.openxmlformats.org/officeDocument/2006/relationships" xmlns:p="http://schemas.openxmlformats.org/presentationml/2006/main">
+  <p:tag name="DVSHAPEID" val="dBxXITcMkKHxqN1gs6TKeL"/>
+</p:tagLst>
+</file>
+
+<file path=ppt/tags/tag170.xml><?xml version="1.0" encoding="utf-8"?>
+<p:tagLst xmlns:a="http://schemas.openxmlformats.org/drawingml/2006/main" xmlns:r="http://schemas.openxmlformats.org/officeDocument/2006/relationships" xmlns:p="http://schemas.openxmlformats.org/presentationml/2006/main">
+  <p:tag name="DVSHAPEID" val="jktsLOdVJgSCeVABwNpRAc"/>
+</p:tagLst>
+</file>
+
+<file path=ppt/tags/tag171.xml><?xml version="1.0" encoding="utf-8"?>
+<p:tagLst xmlns:a="http://schemas.openxmlformats.org/drawingml/2006/main" xmlns:r="http://schemas.openxmlformats.org/officeDocument/2006/relationships" xmlns:p="http://schemas.openxmlformats.org/presentationml/2006/main">
+  <p:tag name="DVSHAPEID" val="ewK5xLdS6meLOHMlCzWtem"/>
+</p:tagLst>
+</file>
+
+<file path=ppt/tags/tag172.xml><?xml version="1.0" encoding="utf-8"?>
+<p:tagLst xmlns:a="http://schemas.openxmlformats.org/drawingml/2006/main" xmlns:r="http://schemas.openxmlformats.org/officeDocument/2006/relationships" xmlns:p="http://schemas.openxmlformats.org/presentationml/2006/main">
+  <p:tag name="DVSECTIONID" val="fuEbVZaVxsQga6WkiCboYg"/>
+</p:tagLst>
+</file>
+
+<file path=ppt/tags/tag173.xml><?xml version="1.0" encoding="utf-8"?>
+<p:tagLst xmlns:a="http://schemas.openxmlformats.org/drawingml/2006/main" xmlns:r="http://schemas.openxmlformats.org/officeDocument/2006/relationships" xmlns:p="http://schemas.openxmlformats.org/presentationml/2006/main">
+  <p:tag name="DVSHAPEID" val="05X95KYZBIp65WHFgrHQ9v"/>
+</p:tagLst>
+</file>
+
+<file path=ppt/tags/tag174.xml><?xml version="1.0" encoding="utf-8"?>
+<p:tagLst xmlns:a="http://schemas.openxmlformats.org/drawingml/2006/main" xmlns:r="http://schemas.openxmlformats.org/officeDocument/2006/relationships" xmlns:p="http://schemas.openxmlformats.org/presentationml/2006/main">
+  <p:tag name="DVSHAPEID" val="os7TPaaPV7XRwF8oGtT7Lw"/>
+</p:tagLst>
+</file>
+
+<file path=ppt/tags/tag175.xml><?xml version="1.0" encoding="utf-8"?>
+<p:tagLst xmlns:a="http://schemas.openxmlformats.org/drawingml/2006/main" xmlns:r="http://schemas.openxmlformats.org/officeDocument/2006/relationships" xmlns:p="http://schemas.openxmlformats.org/presentationml/2006/main">
+  <p:tag name="DVSHAPEID" val="mHBPEWjuLnduHu1bVOOLMi"/>
+</p:tagLst>
+</file>
+
+<file path=ppt/tags/tag176.xml><?xml version="1.0" encoding="utf-8"?>
+<p:tagLst xmlns:a="http://schemas.openxmlformats.org/drawingml/2006/main" xmlns:r="http://schemas.openxmlformats.org/officeDocument/2006/relationships" xmlns:p="http://schemas.openxmlformats.org/presentationml/2006/main">
+  <p:tag name="DVSHAPEID" val="9eq2xSLeW1KS6qiZwewrlz"/>
+</p:tagLst>
+</file>
+
+<file path=ppt/tags/tag177.xml><?xml version="1.0" encoding="utf-8"?>
+<p:tagLst xmlns:a="http://schemas.openxmlformats.org/drawingml/2006/main" xmlns:r="http://schemas.openxmlformats.org/officeDocument/2006/relationships" xmlns:p="http://schemas.openxmlformats.org/presentationml/2006/main">
+  <p:tag name="DVSHAPEID" val="E1YEmvx5iZJ3ynpBoqIxqb"/>
+</p:tagLst>
+</file>
+
+<file path=ppt/tags/tag178.xml><?xml version="1.0" encoding="utf-8"?>
+<p:tagLst xmlns:a="http://schemas.openxmlformats.org/drawingml/2006/main" xmlns:r="http://schemas.openxmlformats.org/officeDocument/2006/relationships" xmlns:p="http://schemas.openxmlformats.org/presentationml/2006/main">
+  <p:tag name="DVSHAPEID" val="JOnBTWhAflXzAo4TvgHRJK"/>
+</p:tagLst>
+</file>
+
+<file path=ppt/tags/tag179.xml><?xml version="1.0" encoding="utf-8"?>
+<p:tagLst xmlns:a="http://schemas.openxmlformats.org/drawingml/2006/main" xmlns:r="http://schemas.openxmlformats.org/officeDocument/2006/relationships" xmlns:p="http://schemas.openxmlformats.org/presentationml/2006/main">
+  <p:tag name="DVSHAPEID" val="82RUAUP5IO9sh9gKBBNHKo"/>
+</p:tagLst>
+</file>
+
+<file path=ppt/tags/tag18.xml><?xml version="1.0" encoding="utf-8"?>
+<p:tagLst xmlns:a="http://schemas.openxmlformats.org/drawingml/2006/main" xmlns:r="http://schemas.openxmlformats.org/officeDocument/2006/relationships" xmlns:p="http://schemas.openxmlformats.org/presentationml/2006/main">
+  <p:tag name="DVSHAPEID" val="GE4k7GvxRu7osZ7vFXLa2o"/>
+</p:tagLst>
+</file>
+
+<file path=ppt/tags/tag180.xml><?xml version="1.0" encoding="utf-8"?>
+<p:tagLst xmlns:a="http://schemas.openxmlformats.org/drawingml/2006/main" xmlns:r="http://schemas.openxmlformats.org/officeDocument/2006/relationships" xmlns:p="http://schemas.openxmlformats.org/presentationml/2006/main">
+  <p:tag name="DVSECTIONID" val="ES0AhN6bz5x31nuN7qSa19"/>
+</p:tagLst>
+</file>
+
+<file path=ppt/tags/tag181.xml><?xml version="1.0" encoding="utf-8"?>
+<p:tagLst xmlns:a="http://schemas.openxmlformats.org/drawingml/2006/main" xmlns:r="http://schemas.openxmlformats.org/officeDocument/2006/relationships" xmlns:p="http://schemas.openxmlformats.org/presentationml/2006/main">
+  <p:tag name="DVSHAPEID" val="eJ3cI3V1xFaw1gnEmlIGE3"/>
+</p:tagLst>
+</file>
+
+<file path=ppt/tags/tag182.xml><?xml version="1.0" encoding="utf-8"?>
+<p:tagLst xmlns:a="http://schemas.openxmlformats.org/drawingml/2006/main" xmlns:r="http://schemas.openxmlformats.org/officeDocument/2006/relationships" xmlns:p="http://schemas.openxmlformats.org/presentationml/2006/main">
+  <p:tag name="DVSHAPEID" val="TmXhkkXYU8gvDgw443gyyR"/>
+</p:tagLst>
+</file>
+
+<file path=ppt/tags/tag183.xml><?xml version="1.0" encoding="utf-8"?>
+<p:tagLst xmlns:a="http://schemas.openxmlformats.org/drawingml/2006/main" xmlns:r="http://schemas.openxmlformats.org/officeDocument/2006/relationships" xmlns:p="http://schemas.openxmlformats.org/presentationml/2006/main">
+  <p:tag name="DVSHAPEID" val="Svmept4wslvaQHfrIA3zK2"/>
+</p:tagLst>
+</file>
+
+<file path=ppt/tags/tag184.xml><?xml version="1.0" encoding="utf-8"?>
+<p:tagLst xmlns:a="http://schemas.openxmlformats.org/drawingml/2006/main" xmlns:r="http://schemas.openxmlformats.org/officeDocument/2006/relationships" xmlns:p="http://schemas.openxmlformats.org/presentationml/2006/main">
+  <p:tag name="DVSHAPEID" val="gvC77hgEq6v1tsU5VuToFV"/>
+</p:tagLst>
+</file>
+
+<file path=ppt/tags/tag185.xml><?xml version="1.0" encoding="utf-8"?>
+<p:tagLst xmlns:a="http://schemas.openxmlformats.org/drawingml/2006/main" xmlns:r="http://schemas.openxmlformats.org/officeDocument/2006/relationships" xmlns:p="http://schemas.openxmlformats.org/presentationml/2006/main">
+  <p:tag name="DVSHAPEID" val="0tqOPDkFuZ7QeQCimNgNUp"/>
+</p:tagLst>
+</file>
+
+<file path=ppt/tags/tag186.xml><?xml version="1.0" encoding="utf-8"?>
+<p:tagLst xmlns:a="http://schemas.openxmlformats.org/drawingml/2006/main" xmlns:r="http://schemas.openxmlformats.org/officeDocument/2006/relationships" xmlns:p="http://schemas.openxmlformats.org/presentationml/2006/main">
+  <p:tag name="DVSHAPEID" val="EOeMwCFzFmmlv9GirDjLBw"/>
+</p:tagLst>
+</file>
+
+<file path=ppt/tags/tag187.xml><?xml version="1.0" encoding="utf-8"?>
+<p:tagLst xmlns:a="http://schemas.openxmlformats.org/drawingml/2006/main" xmlns:r="http://schemas.openxmlformats.org/officeDocument/2006/relationships" xmlns:p="http://schemas.openxmlformats.org/presentationml/2006/main">
+  <p:tag name="DVSHAPEID" val="TCd4tC868S0AOCA26HZVjL"/>
+</p:tagLst>
+</file>
+
+<file path=ppt/tags/tag188.xml><?xml version="1.0" encoding="utf-8"?>
+<p:tagLst xmlns:a="http://schemas.openxmlformats.org/drawingml/2006/main" xmlns:r="http://schemas.openxmlformats.org/officeDocument/2006/relationships" xmlns:p="http://schemas.openxmlformats.org/presentationml/2006/main">
+  <p:tag name="DVSECTIONID" val="c3WQFOrAvhzhhgNYDsebF1"/>
+</p:tagLst>
+</file>
+
+<file path=ppt/tags/tag189.xml><?xml version="1.0" encoding="utf-8"?>
+<p:tagLst xmlns:a="http://schemas.openxmlformats.org/drawingml/2006/main" xmlns:r="http://schemas.openxmlformats.org/officeDocument/2006/relationships" xmlns:p="http://schemas.openxmlformats.org/presentationml/2006/main">
+  <p:tag name="DVSHAPEID" val="6ZN0xvVsQzsZGkJYmnLaC8"/>
+</p:tagLst>
+</file>
+
+<file path=ppt/tags/tag19.xml><?xml version="1.0" encoding="utf-8"?>
+<p:tagLst xmlns:a="http://schemas.openxmlformats.org/drawingml/2006/main" xmlns:r="http://schemas.openxmlformats.org/officeDocument/2006/relationships" xmlns:p="http://schemas.openxmlformats.org/presentationml/2006/main">
+  <p:tag name="DVSHAPEID" val="JgWgkr4xOJPsVTTnLwgMSc"/>
+</p:tagLst>
+</file>
+
+<file path=ppt/tags/tag190.xml><?xml version="1.0" encoding="utf-8"?>
+<p:tagLst xmlns:a="http://schemas.openxmlformats.org/drawingml/2006/main" xmlns:r="http://schemas.openxmlformats.org/officeDocument/2006/relationships" xmlns:p="http://schemas.openxmlformats.org/presentationml/2006/main">
+  <p:tag name="DVSHAPEID" val="p76UCKE5310KVS7zmjafYz"/>
+</p:tagLst>
+</file>
+
+<file path=ppt/tags/tag191.xml><?xml version="1.0" encoding="utf-8"?>
+<p:tagLst xmlns:a="http://schemas.openxmlformats.org/drawingml/2006/main" xmlns:r="http://schemas.openxmlformats.org/officeDocument/2006/relationships" xmlns:p="http://schemas.openxmlformats.org/presentationml/2006/main">
+  <p:tag name="DVSHAPEID" val="0isV1DfqWzMXzFUDSaOKwq"/>
+</p:tagLst>
+</file>
+
+<file path=ppt/tags/tag192.xml><?xml version="1.0" encoding="utf-8"?>
+<p:tagLst xmlns:a="http://schemas.openxmlformats.org/drawingml/2006/main" xmlns:r="http://schemas.openxmlformats.org/officeDocument/2006/relationships" xmlns:p="http://schemas.openxmlformats.org/presentationml/2006/main">
+  <p:tag name="DVSHAPEID" val="YWpRQM0r0maQ7OrHJ0QC5q"/>
+</p:tagLst>
+</file>
+
+<file path=ppt/tags/tag193.xml><?xml version="1.0" encoding="utf-8"?>
+<p:tagLst xmlns:a="http://schemas.openxmlformats.org/drawingml/2006/main" xmlns:r="http://schemas.openxmlformats.org/officeDocument/2006/relationships" xmlns:p="http://schemas.openxmlformats.org/presentationml/2006/main">
+  <p:tag name="DVSHAPEID" val="XXjsEJrZrd3zkwwaMspuzp"/>
+</p:tagLst>
+</file>
+
+<file path=ppt/tags/tag194.xml><?xml version="1.0" encoding="utf-8"?>
+<p:tagLst xmlns:a="http://schemas.openxmlformats.org/drawingml/2006/main" xmlns:r="http://schemas.openxmlformats.org/officeDocument/2006/relationships" xmlns:p="http://schemas.openxmlformats.org/presentationml/2006/main">
+  <p:tag name="DVSHAPEID" val="NIy6bbqNUTlxYrxo7h00VX"/>
+</p:tagLst>
+</file>
+
+<file path=ppt/tags/tag195.xml><?xml version="1.0" encoding="utf-8"?>
+<p:tagLst xmlns:a="http://schemas.openxmlformats.org/drawingml/2006/main" xmlns:r="http://schemas.openxmlformats.org/officeDocument/2006/relationships" xmlns:p="http://schemas.openxmlformats.org/presentationml/2006/main">
+  <p:tag name="DVSHAPEID" val="NxtVazdncBRyaATyygyEja"/>
+</p:tagLst>
+</file>
+
+<file path=ppt/tags/tag196.xml><?xml version="1.0" encoding="utf-8"?>
+<p:tagLst xmlns:a="http://schemas.openxmlformats.org/drawingml/2006/main" xmlns:r="http://schemas.openxmlformats.org/officeDocument/2006/relationships" xmlns:p="http://schemas.openxmlformats.org/presentationml/2006/main">
+  <p:tag name="DVSHAPEID" val="lUk3IowBLFd79kJZ04KvoQ"/>
+</p:tagLst>
+</file>
+
+<file path=ppt/tags/tag197.xml><?xml version="1.0" encoding="utf-8"?>
+<p:tagLst xmlns:a="http://schemas.openxmlformats.org/drawingml/2006/main" xmlns:r="http://schemas.openxmlformats.org/officeDocument/2006/relationships" xmlns:p="http://schemas.openxmlformats.org/presentationml/2006/main">
+  <p:tag name="DVSECTIONID" val="QOcvfGV3NGIYhBe5jmuWXy"/>
+</p:tagLst>
+</file>
+
+<file path=ppt/tags/tag198.xml><?xml version="1.0" encoding="utf-8"?>
+<p:tagLst xmlns:a="http://schemas.openxmlformats.org/drawingml/2006/main" xmlns:r="http://schemas.openxmlformats.org/officeDocument/2006/relationships" xmlns:p="http://schemas.openxmlformats.org/presentationml/2006/main">
+  <p:tag name="DVSHAPEID" val="GqgXuzIKrgDCjHn5WP247i"/>
+</p:tagLst>
+</file>
+
+<file path=ppt/tags/tag199.xml><?xml version="1.0" encoding="utf-8"?>
+<p:tagLst xmlns:a="http://schemas.openxmlformats.org/drawingml/2006/main" xmlns:r="http://schemas.openxmlformats.org/officeDocument/2006/relationships" xmlns:p="http://schemas.openxmlformats.org/presentationml/2006/main">
+  <p:tag name="DVSHAPEID" val="3kETWigH4Muu67OETLqJ7d"/>
+</p:tagLst>
+</file>
+
+<file path=ppt/tags/tag2.xml><?xml version="1.0" encoding="utf-8"?>
+<p:tagLst xmlns:a="http://schemas.openxmlformats.org/drawingml/2006/main" xmlns:r="http://schemas.openxmlformats.org/officeDocument/2006/relationships" xmlns:p="http://schemas.openxmlformats.org/presentationml/2006/main">
+  <p:tag name="DVSHAPEID" val="BHhvljPhJrsMRYkYwvgnqr"/>
+</p:tagLst>
+</file>
+
+<file path=ppt/tags/tag20.xml><?xml version="1.0" encoding="utf-8"?>
+<p:tagLst xmlns:a="http://schemas.openxmlformats.org/drawingml/2006/main" xmlns:r="http://schemas.openxmlformats.org/officeDocument/2006/relationships" xmlns:p="http://schemas.openxmlformats.org/presentationml/2006/main">
+  <p:tag name="DVSHAPEID" val="p2k19WqWZ4IiUNoRm3tjFn"/>
+</p:tagLst>
+</file>
+
+<file path=ppt/tags/tag200.xml><?xml version="1.0" encoding="utf-8"?>
+<p:tagLst xmlns:a="http://schemas.openxmlformats.org/drawingml/2006/main" xmlns:r="http://schemas.openxmlformats.org/officeDocument/2006/relationships" xmlns:p="http://schemas.openxmlformats.org/presentationml/2006/main">
+  <p:tag name="DVSHAPEID" val="cjHUSUUKuCCnmVjBCquKcR"/>
+</p:tagLst>
+</file>
+
+<file path=ppt/tags/tag201.xml><?xml version="1.0" encoding="utf-8"?>
+<p:tagLst xmlns:a="http://schemas.openxmlformats.org/drawingml/2006/main" xmlns:r="http://schemas.openxmlformats.org/officeDocument/2006/relationships" xmlns:p="http://schemas.openxmlformats.org/presentationml/2006/main">
+  <p:tag name="DVSHAPEID" val="8OBfghVhDnbQ8lb2qlMkhR"/>
+</p:tagLst>
+</file>
+
+<file path=ppt/tags/tag202.xml><?xml version="1.0" encoding="utf-8"?>
+<p:tagLst xmlns:a="http://schemas.openxmlformats.org/drawingml/2006/main" xmlns:r="http://schemas.openxmlformats.org/officeDocument/2006/relationships" xmlns:p="http://schemas.openxmlformats.org/presentationml/2006/main">
+  <p:tag name="DVSHAPEID" val="SILTli90fm0kaTjCDCOdYe"/>
+</p:tagLst>
+</file>
+
+<file path=ppt/tags/tag203.xml><?xml version="1.0" encoding="utf-8"?>
+<p:tagLst xmlns:a="http://schemas.openxmlformats.org/drawingml/2006/main" xmlns:r="http://schemas.openxmlformats.org/officeDocument/2006/relationships" xmlns:p="http://schemas.openxmlformats.org/presentationml/2006/main">
+  <p:tag name="DVSHAPEID" val="cvMXpAZ8XSzgWStnWD7D8O"/>
+</p:tagLst>
+</file>
+
+<file path=ppt/tags/tag204.xml><?xml version="1.0" encoding="utf-8"?>
+<p:tagLst xmlns:a="http://schemas.openxmlformats.org/drawingml/2006/main" xmlns:r="http://schemas.openxmlformats.org/officeDocument/2006/relationships" xmlns:p="http://schemas.openxmlformats.org/presentationml/2006/main">
+  <p:tag name="DVSHAPEID" val="PNaiINH9v4TDvg6nSz06o8"/>
+</p:tagLst>
+</file>
+
+<file path=ppt/tags/tag205.xml><?xml version="1.0" encoding="utf-8"?>
+<p:tagLst xmlns:a="http://schemas.openxmlformats.org/drawingml/2006/main" xmlns:r="http://schemas.openxmlformats.org/officeDocument/2006/relationships" xmlns:p="http://schemas.openxmlformats.org/presentationml/2006/main">
+  <p:tag name="DVSHAPEID" val="MGHZtEyWuJxYyp8ylW5Rn8"/>
+</p:tagLst>
+</file>
+
+<file path=ppt/tags/tag206.xml><?xml version="1.0" encoding="utf-8"?>
+<p:tagLst xmlns:a="http://schemas.openxmlformats.org/drawingml/2006/main" xmlns:r="http://schemas.openxmlformats.org/officeDocument/2006/relationships" xmlns:p="http://schemas.openxmlformats.org/presentationml/2006/main">
+  <p:tag name="DVSECTIONID" val="GTOFwjZJaMBbc8DayLEsuS"/>
+</p:tagLst>
+</file>
+
+<file path=ppt/tags/tag207.xml><?xml version="1.0" encoding="utf-8"?>
+<p:tagLst xmlns:a="http://schemas.openxmlformats.org/drawingml/2006/main" xmlns:r="http://schemas.openxmlformats.org/officeDocument/2006/relationships" xmlns:p="http://schemas.openxmlformats.org/presentationml/2006/main">
+  <p:tag name="DVSHAPEID" val="nindgyKyC1pG3hliFqtkYy"/>
+</p:tagLst>
+</file>
+
+<file path=ppt/tags/tag208.xml><?xml version="1.0" encoding="utf-8"?>
+<p:tagLst xmlns:a="http://schemas.openxmlformats.org/drawingml/2006/main" xmlns:r="http://schemas.openxmlformats.org/officeDocument/2006/relationships" xmlns:p="http://schemas.openxmlformats.org/presentationml/2006/main">
+  <p:tag name="DVSHAPEID" val="w7z7ALHOFALfwE3V08qwH5"/>
+</p:tagLst>
+</file>
+
+<file path=ppt/tags/tag209.xml><?xml version="1.0" encoding="utf-8"?>
+<p:tagLst xmlns:a="http://schemas.openxmlformats.org/drawingml/2006/main" xmlns:r="http://schemas.openxmlformats.org/officeDocument/2006/relationships" xmlns:p="http://schemas.openxmlformats.org/presentationml/2006/main">
+  <p:tag name="DVSHAPEID" val="YZVvLyw0k2wOMfD8XYQOmP"/>
+</p:tagLst>
+</file>
+
+<file path=ppt/tags/tag21.xml><?xml version="1.0" encoding="utf-8"?>
+<p:tagLst xmlns:a="http://schemas.openxmlformats.org/drawingml/2006/main" xmlns:r="http://schemas.openxmlformats.org/officeDocument/2006/relationships" xmlns:p="http://schemas.openxmlformats.org/presentationml/2006/main">
+  <p:tag name="DVSHAPEID" val="y04dCibfTfvwQTVii76SJL"/>
+</p:tagLst>
+</file>
+
+<file path=ppt/tags/tag210.xml><?xml version="1.0" encoding="utf-8"?>
+<p:tagLst xmlns:a="http://schemas.openxmlformats.org/drawingml/2006/main" xmlns:r="http://schemas.openxmlformats.org/officeDocument/2006/relationships" xmlns:p="http://schemas.openxmlformats.org/presentationml/2006/main">
+  <p:tag name="DVSHAPEID" val="UOLHfKqlTrRr9Ab409iEfJ"/>
+</p:tagLst>
+</file>
+
+<file path=ppt/tags/tag211.xml><?xml version="1.0" encoding="utf-8"?>
+<p:tagLst xmlns:a="http://schemas.openxmlformats.org/drawingml/2006/main" xmlns:r="http://schemas.openxmlformats.org/officeDocument/2006/relationships" xmlns:p="http://schemas.openxmlformats.org/presentationml/2006/main">
+  <p:tag name="DVSHAPEID" val="IIRNhRasGTJ847K4jMAZ84"/>
+</p:tagLst>
+</file>
+
+<file path=ppt/tags/tag212.xml><?xml version="1.0" encoding="utf-8"?>
+<p:tagLst xmlns:a="http://schemas.openxmlformats.org/drawingml/2006/main" xmlns:r="http://schemas.openxmlformats.org/officeDocument/2006/relationships" xmlns:p="http://schemas.openxmlformats.org/presentationml/2006/main">
+  <p:tag name="DVSHAPEID" val="Xl53WTYHvHzb53PrsybrLX"/>
+</p:tagLst>
+</file>
+
+<file path=ppt/tags/tag213.xml><?xml version="1.0" encoding="utf-8"?>
+<p:tagLst xmlns:a="http://schemas.openxmlformats.org/drawingml/2006/main" xmlns:r="http://schemas.openxmlformats.org/officeDocument/2006/relationships" xmlns:p="http://schemas.openxmlformats.org/presentationml/2006/main">
+  <p:tag name="DVSHAPEID" val="I0w4kWPv3fADLwHdUhuYo1"/>
+</p:tagLst>
+</file>
+
+<file path=ppt/tags/tag214.xml><?xml version="1.0" encoding="utf-8"?>
+<p:tagLst xmlns:a="http://schemas.openxmlformats.org/drawingml/2006/main" xmlns:r="http://schemas.openxmlformats.org/officeDocument/2006/relationships" xmlns:p="http://schemas.openxmlformats.org/presentationml/2006/main">
+  <p:tag name="DVSHAPEID" val="UNrfIa1mOI6u8EmJVS3Pbt"/>
+</p:tagLst>
+</file>
+
+<file path=ppt/tags/tag215.xml><?xml version="1.0" encoding="utf-8"?>
+<p:tagLst xmlns:a="http://schemas.openxmlformats.org/drawingml/2006/main" xmlns:r="http://schemas.openxmlformats.org/officeDocument/2006/relationships" xmlns:p="http://schemas.openxmlformats.org/presentationml/2006/main">
+  <p:tag name="DVSECTIONID" val="ziZbKx9RGI3h7jHz9C34vV"/>
+</p:tagLst>
+</file>
+
+<file path=ppt/tags/tag216.xml><?xml version="1.0" encoding="utf-8"?>
+<p:tagLst xmlns:a="http://schemas.openxmlformats.org/drawingml/2006/main" xmlns:r="http://schemas.openxmlformats.org/officeDocument/2006/relationships" xmlns:p="http://schemas.openxmlformats.org/presentationml/2006/main">
+  <p:tag name="DVSHAPEID" val="BsiiJfEUXNzGrD2CHXc1rS"/>
+</p:tagLst>
+</file>
+
+<file path=ppt/tags/tag217.xml><?xml version="1.0" encoding="utf-8"?>
+<p:tagLst xmlns:a="http://schemas.openxmlformats.org/drawingml/2006/main" xmlns:r="http://schemas.openxmlformats.org/officeDocument/2006/relationships" xmlns:p="http://schemas.openxmlformats.org/presentationml/2006/main">
+  <p:tag name="DVSHAPEID" val="kLTCG2Is6onfhzpW84oUKv"/>
+</p:tagLst>
+</file>
+
+<file path=ppt/tags/tag218.xml><?xml version="1.0" encoding="utf-8"?>
+<p:tagLst xmlns:a="http://schemas.openxmlformats.org/drawingml/2006/main" xmlns:r="http://schemas.openxmlformats.org/officeDocument/2006/relationships" xmlns:p="http://schemas.openxmlformats.org/presentationml/2006/main">
+  <p:tag name="DVSHAPEID" val="pWEUPWkUNCSI7wo7yBcuGb"/>
+</p:tagLst>
+</file>
+
+<file path=ppt/tags/tag219.xml><?xml version="1.0" encoding="utf-8"?>
+<p:tagLst xmlns:a="http://schemas.openxmlformats.org/drawingml/2006/main" xmlns:r="http://schemas.openxmlformats.org/officeDocument/2006/relationships" xmlns:p="http://schemas.openxmlformats.org/presentationml/2006/main">
+  <p:tag name="DVSHAPEID" val="ibltcKO7Dw8OlXYMcL7bBL"/>
+</p:tagLst>
+</file>
+
+<file path=ppt/tags/tag22.xml><?xml version="1.0" encoding="utf-8"?>
+<p:tagLst xmlns:a="http://schemas.openxmlformats.org/drawingml/2006/main" xmlns:r="http://schemas.openxmlformats.org/officeDocument/2006/relationships" xmlns:p="http://schemas.openxmlformats.org/presentationml/2006/main">
+  <p:tag name="DVSHAPEID" val="JCZ5YTacjyx2ukXVk8KKas"/>
+</p:tagLst>
+</file>
+
+<file path=ppt/tags/tag220.xml><?xml version="1.0" encoding="utf-8"?>
+<p:tagLst xmlns:a="http://schemas.openxmlformats.org/drawingml/2006/main" xmlns:r="http://schemas.openxmlformats.org/officeDocument/2006/relationships" xmlns:p="http://schemas.openxmlformats.org/presentationml/2006/main">
+  <p:tag name="DVSHAPEID" val="nzrTx1vMIfOeEsymJA5FYl"/>
+</p:tagLst>
+</file>
+
+<file path=ppt/tags/tag221.xml><?xml version="1.0" encoding="utf-8"?>
+<p:tagLst xmlns:a="http://schemas.openxmlformats.org/drawingml/2006/main" xmlns:r="http://schemas.openxmlformats.org/officeDocument/2006/relationships" xmlns:p="http://schemas.openxmlformats.org/presentationml/2006/main">
+  <p:tag name="DVSHAPEID" val="Ajar8MpqnvzwNL1jcNBROS"/>
+</p:tagLst>
+</file>
+
+<file path=ppt/tags/tag222.xml><?xml version="1.0" encoding="utf-8"?>
+<p:tagLst xmlns:a="http://schemas.openxmlformats.org/drawingml/2006/main" xmlns:r="http://schemas.openxmlformats.org/officeDocument/2006/relationships" xmlns:p="http://schemas.openxmlformats.org/presentationml/2006/main">
+  <p:tag name="DVSHAPEID" val="Z6jvdP1x5VN1Z8I6TJmiSj"/>
+</p:tagLst>
+</file>
+
+<file path=ppt/tags/tag223.xml><?xml version="1.0" encoding="utf-8"?>
+<p:tagLst xmlns:a="http://schemas.openxmlformats.org/drawingml/2006/main" xmlns:r="http://schemas.openxmlformats.org/officeDocument/2006/relationships" xmlns:p="http://schemas.openxmlformats.org/presentationml/2006/main">
+  <p:tag name="DVSHAPEID" val="JMMTB6USvvZFsbRquB9NSF"/>
+</p:tagLst>
+</file>
+
+<file path=ppt/tags/tag224.xml><?xml version="1.0" encoding="utf-8"?>
+<p:tagLst xmlns:a="http://schemas.openxmlformats.org/drawingml/2006/main" xmlns:r="http://schemas.openxmlformats.org/officeDocument/2006/relationships" xmlns:p="http://schemas.openxmlformats.org/presentationml/2006/main">
+  <p:tag name="DVSHAPEID" val="ugOEYgaMT2U0nS0rOhoaC1"/>
+</p:tagLst>
+</file>
+
+<file path=ppt/tags/tag225.xml><?xml version="1.0" encoding="utf-8"?>
+<p:tagLst xmlns:a="http://schemas.openxmlformats.org/drawingml/2006/main" xmlns:r="http://schemas.openxmlformats.org/officeDocument/2006/relationships" xmlns:p="http://schemas.openxmlformats.org/presentationml/2006/main">
+  <p:tag name="DVSHAPEID" val="AaLjRsJOqwsELTxeVnU8VP"/>
+</p:tagLst>
+</file>
+
+<file path=ppt/tags/tag226.xml><?xml version="1.0" encoding="utf-8"?>
+<p:tagLst xmlns:a="http://schemas.openxmlformats.org/drawingml/2006/main" xmlns:r="http://schemas.openxmlformats.org/officeDocument/2006/relationships" xmlns:p="http://schemas.openxmlformats.org/presentationml/2006/main">
+  <p:tag name="DVSECTIONID" val="n5o6s8NJhu4OkvGlzsAj5T"/>
+</p:tagLst>
+</file>
+
+<file path=ppt/tags/tag227.xml><?xml version="1.0" encoding="utf-8"?>
+<p:tagLst xmlns:a="http://schemas.openxmlformats.org/drawingml/2006/main" xmlns:r="http://schemas.openxmlformats.org/officeDocument/2006/relationships" xmlns:p="http://schemas.openxmlformats.org/presentationml/2006/main">
+  <p:tag name="DVSHAPEID" val="IEBWL85NGCM3iv5W7DIICW"/>
+</p:tagLst>
+</file>
+
+<file path=ppt/tags/tag228.xml><?xml version="1.0" encoding="utf-8"?>
+<p:tagLst xmlns:a="http://schemas.openxmlformats.org/drawingml/2006/main" xmlns:r="http://schemas.openxmlformats.org/officeDocument/2006/relationships" xmlns:p="http://schemas.openxmlformats.org/presentationml/2006/main">
+  <p:tag name="DVSHAPEID" val="LrOYq2MSoH3sxa22v1G6mh"/>
+</p:tagLst>
+</file>
+
+<file path=ppt/tags/tag229.xml><?xml version="1.0" encoding="utf-8"?>
+<p:tagLst xmlns:a="http://schemas.openxmlformats.org/drawingml/2006/main" xmlns:r="http://schemas.openxmlformats.org/officeDocument/2006/relationships" xmlns:p="http://schemas.openxmlformats.org/presentationml/2006/main">
+  <p:tag name="DVSHAPEID" val="ejAumS9KsTpMSa7MI20Nd4"/>
+</p:tagLst>
+</file>
+
+<file path=ppt/tags/tag23.xml><?xml version="1.0" encoding="utf-8"?>
+<p:tagLst xmlns:a="http://schemas.openxmlformats.org/drawingml/2006/main" xmlns:r="http://schemas.openxmlformats.org/officeDocument/2006/relationships" xmlns:p="http://schemas.openxmlformats.org/presentationml/2006/main">
+  <p:tag name="DVSHAPEID" val="MnWuV3LlcNDMhrewjh4GWX"/>
+</p:tagLst>
+</file>
+
+<file path=ppt/tags/tag230.xml><?xml version="1.0" encoding="utf-8"?>
+<p:tagLst xmlns:a="http://schemas.openxmlformats.org/drawingml/2006/main" xmlns:r="http://schemas.openxmlformats.org/officeDocument/2006/relationships" xmlns:p="http://schemas.openxmlformats.org/presentationml/2006/main">
+  <p:tag name="DVSHAPEID" val="0PYVU58G2wztdvoWGUIEea"/>
+</p:tagLst>
+</file>
+
+<file path=ppt/tags/tag231.xml><?xml version="1.0" encoding="utf-8"?>
+<p:tagLst xmlns:a="http://schemas.openxmlformats.org/drawingml/2006/main" xmlns:r="http://schemas.openxmlformats.org/officeDocument/2006/relationships" xmlns:p="http://schemas.openxmlformats.org/presentationml/2006/main">
+  <p:tag name="DVSHAPEID" val="3LhSUIjD6z49jKvqX3BLQS"/>
+</p:tagLst>
+</file>
+
+<file path=ppt/tags/tag232.xml><?xml version="1.0" encoding="utf-8"?>
+<p:tagLst xmlns:a="http://schemas.openxmlformats.org/drawingml/2006/main" xmlns:r="http://schemas.openxmlformats.org/officeDocument/2006/relationships" xmlns:p="http://schemas.openxmlformats.org/presentationml/2006/main">
+  <p:tag name="DVSHAPEID" val="doXCnLm54yPPMcD1bpnpq0"/>
+</p:tagLst>
+</file>
+
+<file path=ppt/tags/tag233.xml><?xml version="1.0" encoding="utf-8"?>
+<p:tagLst xmlns:a="http://schemas.openxmlformats.org/drawingml/2006/main" xmlns:r="http://schemas.openxmlformats.org/officeDocument/2006/relationships" xmlns:p="http://schemas.openxmlformats.org/presentationml/2006/main">
+  <p:tag name="DVSHAPEID" val="p3bDqgWE2sjaxSVhkxh0uv"/>
+</p:tagLst>
+</file>
+
+<file path=ppt/tags/tag234.xml><?xml version="1.0" encoding="utf-8"?>
+<p:tagLst xmlns:a="http://schemas.openxmlformats.org/drawingml/2006/main" xmlns:r="http://schemas.openxmlformats.org/officeDocument/2006/relationships" xmlns:p="http://schemas.openxmlformats.org/presentationml/2006/main">
+  <p:tag name="DVSHAPEID" val="R3htbC1cOyXqdhtpjzC0iA"/>
+</p:tagLst>
+</file>
+
+<file path=ppt/tags/tag235.xml><?xml version="1.0" encoding="utf-8"?>
+<p:tagLst xmlns:a="http://schemas.openxmlformats.org/drawingml/2006/main" xmlns:r="http://schemas.openxmlformats.org/officeDocument/2006/relationships" xmlns:p="http://schemas.openxmlformats.org/presentationml/2006/main">
+  <p:tag name="DVSECTIONID" val="7V1jtYB2oqnDVTMD504Xqz"/>
+</p:tagLst>
+</file>
+
+<file path=ppt/tags/tag236.xml><?xml version="1.0" encoding="utf-8"?>
+<p:tagLst xmlns:a="http://schemas.openxmlformats.org/drawingml/2006/main" xmlns:r="http://schemas.openxmlformats.org/officeDocument/2006/relationships" xmlns:p="http://schemas.openxmlformats.org/presentationml/2006/main">
+  <p:tag name="DVSHAPEID" val="vBEL6T4Q8pvTJHF7t0MQ4T"/>
+</p:tagLst>
+</file>
+
+<file path=ppt/tags/tag237.xml><?xml version="1.0" encoding="utf-8"?>
+<p:tagLst xmlns:a="http://schemas.openxmlformats.org/drawingml/2006/main" xmlns:r="http://schemas.openxmlformats.org/officeDocument/2006/relationships" xmlns:p="http://schemas.openxmlformats.org/presentationml/2006/main">
+  <p:tag name="DVSHAPEID" val="HkS1QAbbR4ZWYmE1PZ7yi2"/>
+</p:tagLst>
+</file>
+
+<file path=ppt/tags/tag238.xml><?xml version="1.0" encoding="utf-8"?>
+<p:tagLst xmlns:a="http://schemas.openxmlformats.org/drawingml/2006/main" xmlns:r="http://schemas.openxmlformats.org/officeDocument/2006/relationships" xmlns:p="http://schemas.openxmlformats.org/presentationml/2006/main">
+  <p:tag name="DVSHAPEID" val="H6aJ4eC8DFiCUkS52tEXyq"/>
+</p:tagLst>
+</file>
+
+<file path=ppt/tags/tag239.xml><?xml version="1.0" encoding="utf-8"?>
+<p:tagLst xmlns:a="http://schemas.openxmlformats.org/drawingml/2006/main" xmlns:r="http://schemas.openxmlformats.org/officeDocument/2006/relationships" xmlns:p="http://schemas.openxmlformats.org/presentationml/2006/main">
+  <p:tag name="DVSHAPEID" val="TMJitrbNJwAECLR7vXyIqk"/>
+</p:tagLst>
+</file>
+
+<file path=ppt/tags/tag24.xml><?xml version="1.0" encoding="utf-8"?>
+<p:tagLst xmlns:a="http://schemas.openxmlformats.org/drawingml/2006/main" xmlns:r="http://schemas.openxmlformats.org/officeDocument/2006/relationships" xmlns:p="http://schemas.openxmlformats.org/presentationml/2006/main">
+  <p:tag name="DVSHAPEID" val="ZOpBlmMY7ZBgQC9tX7rXlJ"/>
+</p:tagLst>
+</file>
+
+<file path=ppt/tags/tag240.xml><?xml version="1.0" encoding="utf-8"?>
+<p:tagLst xmlns:a="http://schemas.openxmlformats.org/drawingml/2006/main" xmlns:r="http://schemas.openxmlformats.org/officeDocument/2006/relationships" xmlns:p="http://schemas.openxmlformats.org/presentationml/2006/main">
+  <p:tag name="DVSHAPEID" val="Elsk8KWDTlugdnZMLbXQVL"/>
+</p:tagLst>
+</file>
+
+<file path=ppt/tags/tag241.xml><?xml version="1.0" encoding="utf-8"?>
+<p:tagLst xmlns:a="http://schemas.openxmlformats.org/drawingml/2006/main" xmlns:r="http://schemas.openxmlformats.org/officeDocument/2006/relationships" xmlns:p="http://schemas.openxmlformats.org/presentationml/2006/main">
+  <p:tag name="DVSHAPEID" val="2fH7eUYGpP0z8oQ8jrQ6Cf"/>
+</p:tagLst>
+</file>
+
+<file path=ppt/tags/tag242.xml><?xml version="1.0" encoding="utf-8"?>
+<p:tagLst xmlns:a="http://schemas.openxmlformats.org/drawingml/2006/main" xmlns:r="http://schemas.openxmlformats.org/officeDocument/2006/relationships" xmlns:p="http://schemas.openxmlformats.org/presentationml/2006/main">
+  <p:tag name="DVSHAPEID" val="amyu8JcmLAoSjcD1v1FdVF"/>
+</p:tagLst>
+</file>
+
+<file path=ppt/tags/tag243.xml><?xml version="1.0" encoding="utf-8"?>
+<p:tagLst xmlns:a="http://schemas.openxmlformats.org/drawingml/2006/main" xmlns:r="http://schemas.openxmlformats.org/officeDocument/2006/relationships" xmlns:p="http://schemas.openxmlformats.org/presentationml/2006/main">
+  <p:tag name="DVSHAPEID" val="1tSscHXGU2yKiH1ng7NdIT"/>
+</p:tagLst>
+</file>
+
+<file path=ppt/tags/tag244.xml><?xml version="1.0" encoding="utf-8"?>
+<p:tagLst xmlns:a="http://schemas.openxmlformats.org/drawingml/2006/main" xmlns:r="http://schemas.openxmlformats.org/officeDocument/2006/relationships" xmlns:p="http://schemas.openxmlformats.org/presentationml/2006/main">
+  <p:tag name="DVSECTIONID" val="ciZbTN2BtcPtYt48FO7f6E"/>
+</p:tagLst>
+</file>
+
+<file path=ppt/tags/tag245.xml><?xml version="1.0" encoding="utf-8"?>
+<p:tagLst xmlns:a="http://schemas.openxmlformats.org/drawingml/2006/main" xmlns:r="http://schemas.openxmlformats.org/officeDocument/2006/relationships" xmlns:p="http://schemas.openxmlformats.org/presentationml/2006/main">
+  <p:tag name="DVSHAPEID" val="af4DvhVPqpjv5UfxNAufAy"/>
+</p:tagLst>
+</file>
+
+<file path=ppt/tags/tag246.xml><?xml version="1.0" encoding="utf-8"?>
+<p:tagLst xmlns:a="http://schemas.openxmlformats.org/drawingml/2006/main" xmlns:r="http://schemas.openxmlformats.org/officeDocument/2006/relationships" xmlns:p="http://schemas.openxmlformats.org/presentationml/2006/main">
+  <p:tag name="DVSHAPEID" val="Kw7hsMfqJTBQtZwi6ABaoJ"/>
+</p:tagLst>
+</file>
+
+<file path=ppt/tags/tag247.xml><?xml version="1.0" encoding="utf-8"?>
+<p:tagLst xmlns:a="http://schemas.openxmlformats.org/drawingml/2006/main" xmlns:r="http://schemas.openxmlformats.org/officeDocument/2006/relationships" xmlns:p="http://schemas.openxmlformats.org/presentationml/2006/main">
+  <p:tag name="DVSHAPEID" val="sAfEueqTxOPCvywdP9z0Fq"/>
+</p:tagLst>
+</file>
+
+<file path=ppt/tags/tag248.xml><?xml version="1.0" encoding="utf-8"?>
+<p:tagLst xmlns:a="http://schemas.openxmlformats.org/drawingml/2006/main" xmlns:r="http://schemas.openxmlformats.org/officeDocument/2006/relationships" xmlns:p="http://schemas.openxmlformats.org/presentationml/2006/main">
+  <p:tag name="DVSHAPEID" val="Uerf1vtUDp903x2Oh0ZQmM"/>
+</p:tagLst>
+</file>
+
+<file path=ppt/tags/tag249.xml><?xml version="1.0" encoding="utf-8"?>
+<p:tagLst xmlns:a="http://schemas.openxmlformats.org/drawingml/2006/main" xmlns:r="http://schemas.openxmlformats.org/officeDocument/2006/relationships" xmlns:p="http://schemas.openxmlformats.org/presentationml/2006/main">
+  <p:tag name="DVSHAPEID" val="1QuYMSLsBo32G1dedVpCap"/>
+</p:tagLst>
+</file>
+
+<file path=ppt/tags/tag25.xml><?xml version="1.0" encoding="utf-8"?>
+<p:tagLst xmlns:a="http://schemas.openxmlformats.org/drawingml/2006/main" xmlns:r="http://schemas.openxmlformats.org/officeDocument/2006/relationships" xmlns:p="http://schemas.openxmlformats.org/presentationml/2006/main">
+  <p:tag name="DVSHAPEID" val="oH2vHOOsFtwPn85kHpyeFE"/>
+</p:tagLst>
+</file>
+
+<file path=ppt/tags/tag250.xml><?xml version="1.0" encoding="utf-8"?>
+<p:tagLst xmlns:a="http://schemas.openxmlformats.org/drawingml/2006/main" xmlns:r="http://schemas.openxmlformats.org/officeDocument/2006/relationships" xmlns:p="http://schemas.openxmlformats.org/presentationml/2006/main">
+  <p:tag name="DVSHAPEID" val="suuZb0Ry0P47cAL2JB9bOL"/>
+</p:tagLst>
+</file>
+
+<file path=ppt/tags/tag251.xml><?xml version="1.0" encoding="utf-8"?>
+<p:tagLst xmlns:a="http://schemas.openxmlformats.org/drawingml/2006/main" xmlns:r="http://schemas.openxmlformats.org/officeDocument/2006/relationships" xmlns:p="http://schemas.openxmlformats.org/presentationml/2006/main">
+  <p:tag name="DVSHAPEID" val="W1Q0B2M4qJBCoZtNGKA2oe"/>
+</p:tagLst>
+</file>
+
+<file path=ppt/tags/tag252.xml><?xml version="1.0" encoding="utf-8"?>
+<p:tagLst xmlns:a="http://schemas.openxmlformats.org/drawingml/2006/main" xmlns:r="http://schemas.openxmlformats.org/officeDocument/2006/relationships" xmlns:p="http://schemas.openxmlformats.org/presentationml/2006/main">
+  <p:tag name="DVSHAPEID" val="pT23XtmOw4mefW69aLNK6h"/>
+</p:tagLst>
+</file>
+
+<file path=ppt/tags/tag253.xml><?xml version="1.0" encoding="utf-8"?>
+<p:tagLst xmlns:a="http://schemas.openxmlformats.org/drawingml/2006/main" xmlns:r="http://schemas.openxmlformats.org/officeDocument/2006/relationships" xmlns:p="http://schemas.openxmlformats.org/presentationml/2006/main">
+  <p:tag name="DVSECTIONID" val="rGANyVmze8syIIkh5O0NWa"/>
+</p:tagLst>
+</file>
+
+<file path=ppt/tags/tag254.xml><?xml version="1.0" encoding="utf-8"?>
+<p:tagLst xmlns:a="http://schemas.openxmlformats.org/drawingml/2006/main" xmlns:r="http://schemas.openxmlformats.org/officeDocument/2006/relationships" xmlns:p="http://schemas.openxmlformats.org/presentationml/2006/main">
+  <p:tag name="DVSHAPEID" val="wAcMyWUpBMmI2ibYABRCgC"/>
+</p:tagLst>
+</file>
+
+<file path=ppt/tags/tag255.xml><?xml version="1.0" encoding="utf-8"?>
+<p:tagLst xmlns:a="http://schemas.openxmlformats.org/drawingml/2006/main" xmlns:r="http://schemas.openxmlformats.org/officeDocument/2006/relationships" xmlns:p="http://schemas.openxmlformats.org/presentationml/2006/main">
+  <p:tag name="DVSHAPEID" val="1Gr0EvkLgrPD1eqGBgT3nO"/>
+</p:tagLst>
+</file>
+
+<file path=ppt/tags/tag256.xml><?xml version="1.0" encoding="utf-8"?>
+<p:tagLst xmlns:a="http://schemas.openxmlformats.org/drawingml/2006/main" xmlns:r="http://schemas.openxmlformats.org/officeDocument/2006/relationships" xmlns:p="http://schemas.openxmlformats.org/presentationml/2006/main">
+  <p:tag name="DVSHAPEID" val="kPqPZre94L4Uyvlyho4PvV"/>
+</p:tagLst>
+</file>
+
+<file path=ppt/tags/tag257.xml><?xml version="1.0" encoding="utf-8"?>
+<p:tagLst xmlns:a="http://schemas.openxmlformats.org/drawingml/2006/main" xmlns:r="http://schemas.openxmlformats.org/officeDocument/2006/relationships" xmlns:p="http://schemas.openxmlformats.org/presentationml/2006/main">
+  <p:tag name="DVSHAPEID" val="SpgXxUZBJdedlCzPwSx6n4"/>
+</p:tagLst>
+</file>
+
+<file path=ppt/tags/tag258.xml><?xml version="1.0" encoding="utf-8"?>
+<p:tagLst xmlns:a="http://schemas.openxmlformats.org/drawingml/2006/main" xmlns:r="http://schemas.openxmlformats.org/officeDocument/2006/relationships" xmlns:p="http://schemas.openxmlformats.org/presentationml/2006/main">
+  <p:tag name="DVSHAPEID" val="z7GVk3ZvYyipW1y1Ukat2R"/>
+</p:tagLst>
+</file>
+
+<file path=ppt/tags/tag259.xml><?xml version="1.0" encoding="utf-8"?>
+<p:tagLst xmlns:a="http://schemas.openxmlformats.org/drawingml/2006/main" xmlns:r="http://schemas.openxmlformats.org/officeDocument/2006/relationships" xmlns:p="http://schemas.openxmlformats.org/presentationml/2006/main">
+  <p:tag name="DVSHAPEID" val="Fk9IYrSbhpxOP9hCzWBdeG"/>
+</p:tagLst>
+</file>
+
+<file path=ppt/tags/tag26.xml><?xml version="1.0" encoding="utf-8"?>
+<p:tagLst xmlns:a="http://schemas.openxmlformats.org/drawingml/2006/main" xmlns:r="http://schemas.openxmlformats.org/officeDocument/2006/relationships" xmlns:p="http://schemas.openxmlformats.org/presentationml/2006/main">
+  <p:tag name="DVSHAPEID" val="b0BBmQjXfYBgqHyQFY9Fj7"/>
+</p:tagLst>
+</file>
+
+<file path=ppt/tags/tag260.xml><?xml version="1.0" encoding="utf-8"?>
+<p:tagLst xmlns:a="http://schemas.openxmlformats.org/drawingml/2006/main" xmlns:r="http://schemas.openxmlformats.org/officeDocument/2006/relationships" xmlns:p="http://schemas.openxmlformats.org/presentationml/2006/main">
+  <p:tag name="DVSHAPEID" val="VWFyguYcWT1HslLB4xCMgT"/>
+</p:tagLst>
+</file>
+
+<file path=ppt/tags/tag261.xml><?xml version="1.0" encoding="utf-8"?>
+<p:tagLst xmlns:a="http://schemas.openxmlformats.org/drawingml/2006/main" xmlns:r="http://schemas.openxmlformats.org/officeDocument/2006/relationships" xmlns:p="http://schemas.openxmlformats.org/presentationml/2006/main">
+  <p:tag name="DVSHAPEID" val="SY5xEZitxxXKBLbIAd794a"/>
+</p:tagLst>
+</file>
+
+<file path=ppt/tags/tag262.xml><?xml version="1.0" encoding="utf-8"?>
+<p:tagLst xmlns:a="http://schemas.openxmlformats.org/drawingml/2006/main" xmlns:r="http://schemas.openxmlformats.org/officeDocument/2006/relationships" xmlns:p="http://schemas.openxmlformats.org/presentationml/2006/main">
+  <p:tag name="DVSECTIONID" val="OrVjzXkfPbsyRjB5f7eUXH"/>
+</p:tagLst>
+</file>
+
+<file path=ppt/tags/tag263.xml><?xml version="1.0" encoding="utf-8"?>
+<p:tagLst xmlns:a="http://schemas.openxmlformats.org/drawingml/2006/main" xmlns:r="http://schemas.openxmlformats.org/officeDocument/2006/relationships" xmlns:p="http://schemas.openxmlformats.org/presentationml/2006/main">
+  <p:tag name="DVSHAPEID" val="M7HWRXR4Bsp24xmRKHrI1d"/>
+</p:tagLst>
+</file>
+
+<file path=ppt/tags/tag264.xml><?xml version="1.0" encoding="utf-8"?>
+<p:tagLst xmlns:a="http://schemas.openxmlformats.org/drawingml/2006/main" xmlns:r="http://schemas.openxmlformats.org/officeDocument/2006/relationships" xmlns:p="http://schemas.openxmlformats.org/presentationml/2006/main">
+  <p:tag name="DVSHAPEID" val="5sVxyEmfzbqdl3IOqNmOda"/>
+</p:tagLst>
+</file>
+
+<file path=ppt/tags/tag265.xml><?xml version="1.0" encoding="utf-8"?>
+<p:tagLst xmlns:a="http://schemas.openxmlformats.org/drawingml/2006/main" xmlns:r="http://schemas.openxmlformats.org/officeDocument/2006/relationships" xmlns:p="http://schemas.openxmlformats.org/presentationml/2006/main">
+  <p:tag name="DVSHAPEID" val="zn9v3kDvDKCz2e0kodHlSe"/>
+</p:tagLst>
+</file>
+
+<file path=ppt/tags/tag266.xml><?xml version="1.0" encoding="utf-8"?>
+<p:tagLst xmlns:a="http://schemas.openxmlformats.org/drawingml/2006/main" xmlns:r="http://schemas.openxmlformats.org/officeDocument/2006/relationships" xmlns:p="http://schemas.openxmlformats.org/presentationml/2006/main">
+  <p:tag name="DVSHAPEID" val="BQbi9VgEmdZUSxn2A2B3yG"/>
+</p:tagLst>
+</file>
+
+<file path=ppt/tags/tag267.xml><?xml version="1.0" encoding="utf-8"?>
+<p:tagLst xmlns:a="http://schemas.openxmlformats.org/drawingml/2006/main" xmlns:r="http://schemas.openxmlformats.org/officeDocument/2006/relationships" xmlns:p="http://schemas.openxmlformats.org/presentationml/2006/main">
+  <p:tag name="DVSHAPEID" val="AM1tN6o86RhlLjkLbHfYnp"/>
+</p:tagLst>
+</file>
+
+<file path=ppt/tags/tag268.xml><?xml version="1.0" encoding="utf-8"?>
+<p:tagLst xmlns:a="http://schemas.openxmlformats.org/drawingml/2006/main" xmlns:r="http://schemas.openxmlformats.org/officeDocument/2006/relationships" xmlns:p="http://schemas.openxmlformats.org/presentationml/2006/main">
+  <p:tag name="DVSHAPEID" val="A7mtWmCFJPFVgphF8afe77"/>
+</p:tagLst>
+</file>
+
+<file path=ppt/tags/tag269.xml><?xml version="1.0" encoding="utf-8"?>
+<p:tagLst xmlns:a="http://schemas.openxmlformats.org/drawingml/2006/main" xmlns:r="http://schemas.openxmlformats.org/officeDocument/2006/relationships" xmlns:p="http://schemas.openxmlformats.org/presentationml/2006/main">
+  <p:tag name="DVSHAPEID" val="DwL4IPRUOzibcT7k92wq8s"/>
+</p:tagLst>
+</file>
+
+<file path=ppt/tags/tag27.xml><?xml version="1.0" encoding="utf-8"?>
+<p:tagLst xmlns:a="http://schemas.openxmlformats.org/drawingml/2006/main" xmlns:r="http://schemas.openxmlformats.org/officeDocument/2006/relationships" xmlns:p="http://schemas.openxmlformats.org/presentationml/2006/main">
+  <p:tag name="DVSHAPEID" val="J0f1oDp2o74Jw2U5rY8Hey"/>
+</p:tagLst>
+</file>
+
+<file path=ppt/tags/tag270.xml><?xml version="1.0" encoding="utf-8"?>
+<p:tagLst xmlns:a="http://schemas.openxmlformats.org/drawingml/2006/main" xmlns:r="http://schemas.openxmlformats.org/officeDocument/2006/relationships" xmlns:p="http://schemas.openxmlformats.org/presentationml/2006/main">
+  <p:tag name="DVSHAPEID" val="huklYrbACXdHySyj8jvhl0"/>
+</p:tagLst>
+</file>
+
+<file path=ppt/tags/tag271.xml><?xml version="1.0" encoding="utf-8"?>
+<p:tagLst xmlns:a="http://schemas.openxmlformats.org/drawingml/2006/main" xmlns:r="http://schemas.openxmlformats.org/officeDocument/2006/relationships" xmlns:p="http://schemas.openxmlformats.org/presentationml/2006/main">
+  <p:tag name="DVSHAPEID" val="puK7LaoKD1DBVu0v0w5Cjo"/>
+</p:tagLst>
+</file>
+
+<file path=ppt/tags/tag272.xml><?xml version="1.0" encoding="utf-8"?>
+<p:tagLst xmlns:a="http://schemas.openxmlformats.org/drawingml/2006/main" xmlns:r="http://schemas.openxmlformats.org/officeDocument/2006/relationships" xmlns:p="http://schemas.openxmlformats.org/presentationml/2006/main">
+  <p:tag name="DVSECTIONID" val="1pLmOnIjfiIgS8SfmpeZih"/>
+</p:tagLst>
+</file>
+
+<file path=ppt/tags/tag273.xml><?xml version="1.0" encoding="utf-8"?>
+<p:tagLst xmlns:a="http://schemas.openxmlformats.org/drawingml/2006/main" xmlns:r="http://schemas.openxmlformats.org/officeDocument/2006/relationships" xmlns:p="http://schemas.openxmlformats.org/presentationml/2006/main">
+  <p:tag name="DVSHAPEID" val="SJphCgoICirAdXH6WL3vrC"/>
+</p:tagLst>
+</file>
+
+<file path=ppt/tags/tag274.xml><?xml version="1.0" encoding="utf-8"?>
+<p:tagLst xmlns:a="http://schemas.openxmlformats.org/drawingml/2006/main" xmlns:r="http://schemas.openxmlformats.org/officeDocument/2006/relationships" xmlns:p="http://schemas.openxmlformats.org/presentationml/2006/main">
+  <p:tag name="DVSHAPEID" val="tjZMRQssvgftctXgbKOZ3G"/>
+</p:tagLst>
+</file>
+
+<file path=ppt/tags/tag275.xml><?xml version="1.0" encoding="utf-8"?>
+<p:tagLst xmlns:a="http://schemas.openxmlformats.org/drawingml/2006/main" xmlns:r="http://schemas.openxmlformats.org/officeDocument/2006/relationships" xmlns:p="http://schemas.openxmlformats.org/presentationml/2006/main">
+  <p:tag name="DVSHAPEID" val="JfH35eoyGkIgg6iQpyg9Nb"/>
+</p:tagLst>
+</file>
+
+<file path=ppt/tags/tag276.xml><?xml version="1.0" encoding="utf-8"?>
+<p:tagLst xmlns:a="http://schemas.openxmlformats.org/drawingml/2006/main" xmlns:r="http://schemas.openxmlformats.org/officeDocument/2006/relationships" xmlns:p="http://schemas.openxmlformats.org/presentationml/2006/main">
+  <p:tag name="DVSHAPEID" val="lKLd8FAjHsyMAJ4NKd3WzU"/>
+</p:tagLst>
+</file>
+
+<file path=ppt/tags/tag277.xml><?xml version="1.0" encoding="utf-8"?>
+<p:tagLst xmlns:a="http://schemas.openxmlformats.org/drawingml/2006/main" xmlns:r="http://schemas.openxmlformats.org/officeDocument/2006/relationships" xmlns:p="http://schemas.openxmlformats.org/presentationml/2006/main">
+  <p:tag name="DVSHAPEID" val="KVdRYlkfITTxUXhR6IXnDg"/>
+</p:tagLst>
+</file>
+
+<file path=ppt/tags/tag278.xml><?xml version="1.0" encoding="utf-8"?>
+<p:tagLst xmlns:a="http://schemas.openxmlformats.org/drawingml/2006/main" xmlns:r="http://schemas.openxmlformats.org/officeDocument/2006/relationships" xmlns:p="http://schemas.openxmlformats.org/presentationml/2006/main">
+  <p:tag name="DVSHAPEID" val="HtwyLBO36RBrZP0gHfYrJE"/>
+</p:tagLst>
+</file>
+
+<file path=ppt/tags/tag279.xml><?xml version="1.0" encoding="utf-8"?>
+<p:tagLst xmlns:a="http://schemas.openxmlformats.org/drawingml/2006/main" xmlns:r="http://schemas.openxmlformats.org/officeDocument/2006/relationships" xmlns:p="http://schemas.openxmlformats.org/presentationml/2006/main">
+  <p:tag name="DVSHAPEID" val="T2O6vS6lYcgueJlpzIrFN1"/>
+</p:tagLst>
+</file>
+
+<file path=ppt/tags/tag28.xml><?xml version="1.0" encoding="utf-8"?>
+<p:tagLst xmlns:a="http://schemas.openxmlformats.org/drawingml/2006/main" xmlns:r="http://schemas.openxmlformats.org/officeDocument/2006/relationships" xmlns:p="http://schemas.openxmlformats.org/presentationml/2006/main">
+  <p:tag name="DVSHAPEID" val="e7HnLRJA40k4gAmlrGxdzt"/>
+</p:tagLst>
+</file>
+
+<file path=ppt/tags/tag280.xml><?xml version="1.0" encoding="utf-8"?>
+<p:tagLst xmlns:a="http://schemas.openxmlformats.org/drawingml/2006/main" xmlns:r="http://schemas.openxmlformats.org/officeDocument/2006/relationships" xmlns:p="http://schemas.openxmlformats.org/presentationml/2006/main">
+  <p:tag name="DVSHAPEID" val="WtYsRP1Iobw2AtKE5VWLSp"/>
+</p:tagLst>
+</file>
+
+<file path=ppt/tags/tag281.xml><?xml version="1.0" encoding="utf-8"?>
+<p:tagLst xmlns:a="http://schemas.openxmlformats.org/drawingml/2006/main" xmlns:r="http://schemas.openxmlformats.org/officeDocument/2006/relationships" xmlns:p="http://schemas.openxmlformats.org/presentationml/2006/main">
+  <p:tag name="DVSHAPEID" val="auBhUhFg04RR5l831gjgN5"/>
+</p:tagLst>
+</file>
+
+<file path=ppt/tags/tag282.xml><?xml version="1.0" encoding="utf-8"?>
+<p:tagLst xmlns:a="http://schemas.openxmlformats.org/drawingml/2006/main" xmlns:r="http://schemas.openxmlformats.org/officeDocument/2006/relationships" xmlns:p="http://schemas.openxmlformats.org/presentationml/2006/main">
+  <p:tag name="DVSECTIONID" val="5aQ0G0ySy2d6qvyd9WwvWa"/>
+</p:tagLst>
+</file>
+
+<file path=ppt/tags/tag283.xml><?xml version="1.0" encoding="utf-8"?>
+<p:tagLst xmlns:a="http://schemas.openxmlformats.org/drawingml/2006/main" xmlns:r="http://schemas.openxmlformats.org/officeDocument/2006/relationships" xmlns:p="http://schemas.openxmlformats.org/presentationml/2006/main">
+  <p:tag name="DVSHAPEID" val="Xb9RFVCvI28xitQzUK28bs"/>
+</p:tagLst>
+</file>
+
+<file path=ppt/tags/tag284.xml><?xml version="1.0" encoding="utf-8"?>
+<p:tagLst xmlns:a="http://schemas.openxmlformats.org/drawingml/2006/main" xmlns:r="http://schemas.openxmlformats.org/officeDocument/2006/relationships" xmlns:p="http://schemas.openxmlformats.org/presentationml/2006/main">
+  <p:tag name="DVSHAPEID" val="bIoov2UGrCB5wq83BKDulO"/>
+</p:tagLst>
+</file>
+
+<file path=ppt/tags/tag285.xml><?xml version="1.0" encoding="utf-8"?>
+<p:tagLst xmlns:a="http://schemas.openxmlformats.org/drawingml/2006/main" xmlns:r="http://schemas.openxmlformats.org/officeDocument/2006/relationships" xmlns:p="http://schemas.openxmlformats.org/presentationml/2006/main">
+  <p:tag name="DVSHAPEID" val="Iy2FcrlzdETvZqthpAA2Bw"/>
+</p:tagLst>
+</file>
+
+<file path=ppt/tags/tag286.xml><?xml version="1.0" encoding="utf-8"?>
+<p:tagLst xmlns:a="http://schemas.openxmlformats.org/drawingml/2006/main" xmlns:r="http://schemas.openxmlformats.org/officeDocument/2006/relationships" xmlns:p="http://schemas.openxmlformats.org/presentationml/2006/main">
+  <p:tag name="DVSHAPEID" val="WdWqrR8hvG7n0QlQPtkSpW"/>
+</p:tagLst>
+</file>
+
+<file path=ppt/tags/tag287.xml><?xml version="1.0" encoding="utf-8"?>
+<p:tagLst xmlns:a="http://schemas.openxmlformats.org/drawingml/2006/main" xmlns:r="http://schemas.openxmlformats.org/officeDocument/2006/relationships" xmlns:p="http://schemas.openxmlformats.org/presentationml/2006/main">
+  <p:tag name="DVSHAPEID" val="b1rHzkl2TjdcBPIMZtrV9d"/>
+</p:tagLst>
+</file>
+
+<file path=ppt/tags/tag288.xml><?xml version="1.0" encoding="utf-8"?>
+<p:tagLst xmlns:a="http://schemas.openxmlformats.org/drawingml/2006/main" xmlns:r="http://schemas.openxmlformats.org/officeDocument/2006/relationships" xmlns:p="http://schemas.openxmlformats.org/presentationml/2006/main">
+  <p:tag name="DVSHAPEID" val="oCqDVyL7IJ6Z1UZJiNWsNN"/>
+</p:tagLst>
+</file>
+
+<file path=ppt/tags/tag289.xml><?xml version="1.0" encoding="utf-8"?>
+<p:tagLst xmlns:a="http://schemas.openxmlformats.org/drawingml/2006/main" xmlns:r="http://schemas.openxmlformats.org/officeDocument/2006/relationships" xmlns:p="http://schemas.openxmlformats.org/presentationml/2006/main">
+  <p:tag name="DVSHAPEID" val="9New72tQqtNYDOhVpMhMBu"/>
+</p:tagLst>
+</file>
+
+<file path=ppt/tags/tag29.xml><?xml version="1.0" encoding="utf-8"?>
+<p:tagLst xmlns:a="http://schemas.openxmlformats.org/drawingml/2006/main" xmlns:r="http://schemas.openxmlformats.org/officeDocument/2006/relationships" xmlns:p="http://schemas.openxmlformats.org/presentationml/2006/main">
+  <p:tag name="DVSHAPEID" val="bGawWzwbwBSbM7j0SyiO24"/>
+</p:tagLst>
+</file>
+
+<file path=ppt/tags/tag290.xml><?xml version="1.0" encoding="utf-8"?>
+<p:tagLst xmlns:a="http://schemas.openxmlformats.org/drawingml/2006/main" xmlns:r="http://schemas.openxmlformats.org/officeDocument/2006/relationships" xmlns:p="http://schemas.openxmlformats.org/presentationml/2006/main">
+  <p:tag name="DVSHAPEID" val="5CNONfbDYGqAsCpoqIDRiD"/>
+</p:tagLst>
+</file>
+
+<file path=ppt/tags/tag291.xml><?xml version="1.0" encoding="utf-8"?>
+<p:tagLst xmlns:a="http://schemas.openxmlformats.org/drawingml/2006/main" xmlns:r="http://schemas.openxmlformats.org/officeDocument/2006/relationships" xmlns:p="http://schemas.openxmlformats.org/presentationml/2006/main">
+  <p:tag name="DVSECTIONID" val="QBqscZLPFYoJjAvNHIKmKF"/>
+</p:tagLst>
+</file>
+
+<file path=ppt/tags/tag292.xml><?xml version="1.0" encoding="utf-8"?>
+<p:tagLst xmlns:a="http://schemas.openxmlformats.org/drawingml/2006/main" xmlns:r="http://schemas.openxmlformats.org/officeDocument/2006/relationships" xmlns:p="http://schemas.openxmlformats.org/presentationml/2006/main">
+  <p:tag name="DVSHAPEID" val="b3hasmoaa0cEIBJjfdENu6"/>
+</p:tagLst>
+</file>
+
+<file path=ppt/tags/tag293.xml><?xml version="1.0" encoding="utf-8"?>
+<p:tagLst xmlns:a="http://schemas.openxmlformats.org/drawingml/2006/main" xmlns:r="http://schemas.openxmlformats.org/officeDocument/2006/relationships" xmlns:p="http://schemas.openxmlformats.org/presentationml/2006/main">
+  <p:tag name="DVSHAPEID" val="y3lEw1lz8JcsqJwCNOfOwp"/>
+</p:tagLst>
+</file>
+
+<file path=ppt/tags/tag294.xml><?xml version="1.0" encoding="utf-8"?>
+<p:tagLst xmlns:a="http://schemas.openxmlformats.org/drawingml/2006/main" xmlns:r="http://schemas.openxmlformats.org/officeDocument/2006/relationships" xmlns:p="http://schemas.openxmlformats.org/presentationml/2006/main">
+  <p:tag name="DVSHAPEID" val="nNUNE7sqcu85udONQmOASt"/>
+</p:tagLst>
+</file>
+
+<file path=ppt/tags/tag295.xml><?xml version="1.0" encoding="utf-8"?>
+<p:tagLst xmlns:a="http://schemas.openxmlformats.org/drawingml/2006/main" xmlns:r="http://schemas.openxmlformats.org/officeDocument/2006/relationships" xmlns:p="http://schemas.openxmlformats.org/presentationml/2006/main">
+  <p:tag name="DVSHAPEID" val="sfaZMDpQyGA9FyKIme7IwH"/>
+</p:tagLst>
+</file>
+
+<file path=ppt/tags/tag296.xml><?xml version="1.0" encoding="utf-8"?>
+<p:tagLst xmlns:a="http://schemas.openxmlformats.org/drawingml/2006/main" xmlns:r="http://schemas.openxmlformats.org/officeDocument/2006/relationships" xmlns:p="http://schemas.openxmlformats.org/presentationml/2006/main">
+  <p:tag name="DVSHAPEID" val="jlfiN0YSZVwUlEDEkP0mWr"/>
+</p:tagLst>
+</file>
+
+<file path=ppt/tags/tag297.xml><?xml version="1.0" encoding="utf-8"?>
+<p:tagLst xmlns:a="http://schemas.openxmlformats.org/drawingml/2006/main" xmlns:r="http://schemas.openxmlformats.org/officeDocument/2006/relationships" xmlns:p="http://schemas.openxmlformats.org/presentationml/2006/main">
+  <p:tag name="DVSHAPEID" val="ulyg380AtaWKWOKtPpSGGE"/>
+</p:tagLst>
+</file>
+
+<file path=ppt/tags/tag298.xml><?xml version="1.0" encoding="utf-8"?>
+<p:tagLst xmlns:a="http://schemas.openxmlformats.org/drawingml/2006/main" xmlns:r="http://schemas.openxmlformats.org/officeDocument/2006/relationships" xmlns:p="http://schemas.openxmlformats.org/presentationml/2006/main">
+  <p:tag name="DVSHAPEID" val="DLc55HUiHaLSRTKwWPRpsl"/>
+</p:tagLst>
+</file>
+
+<file path=ppt/tags/tag299.xml><?xml version="1.0" encoding="utf-8"?>
+<p:tagLst xmlns:a="http://schemas.openxmlformats.org/drawingml/2006/main" xmlns:r="http://schemas.openxmlformats.org/officeDocument/2006/relationships" xmlns:p="http://schemas.openxmlformats.org/presentationml/2006/main">
+  <p:tag name="DVSHAPEID" val="XAIOUQZAugLQIN4Y3iGbsM"/>
+</p:tagLst>
+</file>
+
+<file path=ppt/tags/tag3.xml><?xml version="1.0" encoding="utf-8"?>
+<p:tagLst xmlns:a="http://schemas.openxmlformats.org/drawingml/2006/main" xmlns:r="http://schemas.openxmlformats.org/officeDocument/2006/relationships" xmlns:p="http://schemas.openxmlformats.org/presentationml/2006/main">
+  <p:tag name="DVSHAPEID" val="r2JLhj8gzuhGbbUVAkwzke"/>
+</p:tagLst>
+</file>
+
+<file path=ppt/tags/tag30.xml><?xml version="1.0" encoding="utf-8"?>
+<p:tagLst xmlns:a="http://schemas.openxmlformats.org/drawingml/2006/main" xmlns:r="http://schemas.openxmlformats.org/officeDocument/2006/relationships" xmlns:p="http://schemas.openxmlformats.org/presentationml/2006/main">
+  <p:tag name="DVSHAPEID" val="psMjJ5wsa0YKV1dfVa3TtI"/>
+</p:tagLst>
+</file>
+
+<file path=ppt/tags/tag300.xml><?xml version="1.0" encoding="utf-8"?>
+<p:tagLst xmlns:a="http://schemas.openxmlformats.org/drawingml/2006/main" xmlns:r="http://schemas.openxmlformats.org/officeDocument/2006/relationships" xmlns:p="http://schemas.openxmlformats.org/presentationml/2006/main">
+  <p:tag name="DVSHAPEID" val="Z3XQJis2OhchNCmgN3i7Gv"/>
+</p:tagLst>
+</file>
+
+<file path=ppt/tags/tag301.xml><?xml version="1.0" encoding="utf-8"?>
+<p:tagLst xmlns:a="http://schemas.openxmlformats.org/drawingml/2006/main" xmlns:r="http://schemas.openxmlformats.org/officeDocument/2006/relationships" xmlns:p="http://schemas.openxmlformats.org/presentationml/2006/main">
+  <p:tag name="DVSECTIONID" val="3LHmH9gisNlVkfzdNy7Jne"/>
+</p:tagLst>
+</file>
+
+<file path=ppt/tags/tag302.xml><?xml version="1.0" encoding="utf-8"?>
+<p:tagLst xmlns:a="http://schemas.openxmlformats.org/drawingml/2006/main" xmlns:r="http://schemas.openxmlformats.org/officeDocument/2006/relationships" xmlns:p="http://schemas.openxmlformats.org/presentationml/2006/main">
+  <p:tag name="DVSHAPEID" val="60bXsYMzJhSbBEQ36H7rst"/>
+</p:tagLst>
+</file>
+
+<file path=ppt/tags/tag303.xml><?xml version="1.0" encoding="utf-8"?>
+<p:tagLst xmlns:a="http://schemas.openxmlformats.org/drawingml/2006/main" xmlns:r="http://schemas.openxmlformats.org/officeDocument/2006/relationships" xmlns:p="http://schemas.openxmlformats.org/presentationml/2006/main">
+  <p:tag name="DVSHAPEID" val="Dr0rBMuCSl5tXWFMPtfeyU"/>
+</p:tagLst>
+</file>
+
+<file path=ppt/tags/tag304.xml><?xml version="1.0" encoding="utf-8"?>
+<p:tagLst xmlns:a="http://schemas.openxmlformats.org/drawingml/2006/main" xmlns:r="http://schemas.openxmlformats.org/officeDocument/2006/relationships" xmlns:p="http://schemas.openxmlformats.org/presentationml/2006/main">
+  <p:tag name="DVSHAPEID" val="oB0HpKWBZe3DnKX0n046ox"/>
+</p:tagLst>
+</file>
+
+<file path=ppt/tags/tag305.xml><?xml version="1.0" encoding="utf-8"?>
+<p:tagLst xmlns:a="http://schemas.openxmlformats.org/drawingml/2006/main" xmlns:r="http://schemas.openxmlformats.org/officeDocument/2006/relationships" xmlns:p="http://schemas.openxmlformats.org/presentationml/2006/main">
+  <p:tag name="DVSHAPEID" val="68HUnkREcdVJ2orTmJFhmR"/>
+</p:tagLst>
+</file>
+
+<file path=ppt/tags/tag306.xml><?xml version="1.0" encoding="utf-8"?>
+<p:tagLst xmlns:a="http://schemas.openxmlformats.org/drawingml/2006/main" xmlns:r="http://schemas.openxmlformats.org/officeDocument/2006/relationships" xmlns:p="http://schemas.openxmlformats.org/presentationml/2006/main">
+  <p:tag name="DVSHAPEID" val="qkzVPO6f9rvRvS0vnCJl2P"/>
+</p:tagLst>
+</file>
+
+<file path=ppt/tags/tag307.xml><?xml version="1.0" encoding="utf-8"?>
+<p:tagLst xmlns:a="http://schemas.openxmlformats.org/drawingml/2006/main" xmlns:r="http://schemas.openxmlformats.org/officeDocument/2006/relationships" xmlns:p="http://schemas.openxmlformats.org/presentationml/2006/main">
+  <p:tag name="DVSHAPEID" val="HDHyztDlr7afInksv2xW3u"/>
+</p:tagLst>
+</file>
+
+<file path=ppt/tags/tag308.xml><?xml version="1.0" encoding="utf-8"?>
+<p:tagLst xmlns:a="http://schemas.openxmlformats.org/drawingml/2006/main" xmlns:r="http://schemas.openxmlformats.org/officeDocument/2006/relationships" xmlns:p="http://schemas.openxmlformats.org/presentationml/2006/main">
+  <p:tag name="DVSHAPEID" val="dbTzTRm3x1OACVdgfDBOZo"/>
+</p:tagLst>
+</file>
+
+<file path=ppt/tags/tag309.xml><?xml version="1.0" encoding="utf-8"?>
+<p:tagLst xmlns:a="http://schemas.openxmlformats.org/drawingml/2006/main" xmlns:r="http://schemas.openxmlformats.org/officeDocument/2006/relationships" xmlns:p="http://schemas.openxmlformats.org/presentationml/2006/main">
+  <p:tag name="DVSHAPEID" val="GgaCbU6GN5McqwF0zMYoz9"/>
+</p:tagLst>
+</file>
+
+<file path=ppt/tags/tag31.xml><?xml version="1.0" encoding="utf-8"?>
+<p:tagLst xmlns:a="http://schemas.openxmlformats.org/drawingml/2006/main" xmlns:r="http://schemas.openxmlformats.org/officeDocument/2006/relationships" xmlns:p="http://schemas.openxmlformats.org/presentationml/2006/main">
+  <p:tag name="DVSHAPEID" val="b4Oe2rOZVLq7gIJCQqE3rR"/>
+</p:tagLst>
+</file>
+
+<file path=ppt/tags/tag310.xml><?xml version="1.0" encoding="utf-8"?>
+<p:tagLst xmlns:a="http://schemas.openxmlformats.org/drawingml/2006/main" xmlns:r="http://schemas.openxmlformats.org/officeDocument/2006/relationships" xmlns:p="http://schemas.openxmlformats.org/presentationml/2006/main">
+  <p:tag name="DVSHAPEID" val="q8KoefNUlfuOuDphGrWRdJ"/>
+</p:tagLst>
+</file>
+
+<file path=ppt/tags/tag311.xml><?xml version="1.0" encoding="utf-8"?>
+<p:tagLst xmlns:a="http://schemas.openxmlformats.org/drawingml/2006/main" xmlns:r="http://schemas.openxmlformats.org/officeDocument/2006/relationships" xmlns:p="http://schemas.openxmlformats.org/presentationml/2006/main">
+  <p:tag name="DVSECTIONID" val="IHcXHlfOKAqaxFKQiBzmwB"/>
+</p:tagLst>
+</file>
+
+<file path=ppt/tags/tag312.xml><?xml version="1.0" encoding="utf-8"?>
+<p:tagLst xmlns:a="http://schemas.openxmlformats.org/drawingml/2006/main" xmlns:r="http://schemas.openxmlformats.org/officeDocument/2006/relationships" xmlns:p="http://schemas.openxmlformats.org/presentationml/2006/main">
+  <p:tag name="DVSHAPEID" val="NqvGBe3PQBPxP1RMFRSTKw"/>
+</p:tagLst>
+</file>
+
+<file path=ppt/tags/tag313.xml><?xml version="1.0" encoding="utf-8"?>
+<p:tagLst xmlns:a="http://schemas.openxmlformats.org/drawingml/2006/main" xmlns:r="http://schemas.openxmlformats.org/officeDocument/2006/relationships" xmlns:p="http://schemas.openxmlformats.org/presentationml/2006/main">
+  <p:tag name="DVSHAPEID" val="HB11Bi5wrIVGkkTxDyRvpT"/>
+</p:tagLst>
+</file>
+
+<file path=ppt/tags/tag314.xml><?xml version="1.0" encoding="utf-8"?>
+<p:tagLst xmlns:a="http://schemas.openxmlformats.org/drawingml/2006/main" xmlns:r="http://schemas.openxmlformats.org/officeDocument/2006/relationships" xmlns:p="http://schemas.openxmlformats.org/presentationml/2006/main">
+  <p:tag name="DVSHAPEID" val="ZXNnpTL4YkZhITFzDLKj97"/>
+</p:tagLst>
+</file>
+
+<file path=ppt/tags/tag315.xml><?xml version="1.0" encoding="utf-8"?>
+<p:tagLst xmlns:a="http://schemas.openxmlformats.org/drawingml/2006/main" xmlns:r="http://schemas.openxmlformats.org/officeDocument/2006/relationships" xmlns:p="http://schemas.openxmlformats.org/presentationml/2006/main">
+  <p:tag name="DVSHAPEID" val="B9HxT8dj1f7OC4edScKmJB"/>
+</p:tagLst>
+</file>
+
+<file path=ppt/tags/tag316.xml><?xml version="1.0" encoding="utf-8"?>
+<p:tagLst xmlns:a="http://schemas.openxmlformats.org/drawingml/2006/main" xmlns:r="http://schemas.openxmlformats.org/officeDocument/2006/relationships" xmlns:p="http://schemas.openxmlformats.org/presentationml/2006/main">
+  <p:tag name="DVSHAPEID" val="G3BZS3U6L5JSlDFS0DREiK"/>
+</p:tagLst>
+</file>
+
+<file path=ppt/tags/tag317.xml><?xml version="1.0" encoding="utf-8"?>
+<p:tagLst xmlns:a="http://schemas.openxmlformats.org/drawingml/2006/main" xmlns:r="http://schemas.openxmlformats.org/officeDocument/2006/relationships" xmlns:p="http://schemas.openxmlformats.org/presentationml/2006/main">
+  <p:tag name="DVSHAPEID" val="9UgAlpSxzMn0tEVTfapVu2"/>
+</p:tagLst>
+</file>
+
+<file path=ppt/tags/tag318.xml><?xml version="1.0" encoding="utf-8"?>
+<p:tagLst xmlns:a="http://schemas.openxmlformats.org/drawingml/2006/main" xmlns:r="http://schemas.openxmlformats.org/officeDocument/2006/relationships" xmlns:p="http://schemas.openxmlformats.org/presentationml/2006/main">
+  <p:tag name="DVSHAPEID" val="4KIAy0b6v5iWTHIiIvddwW"/>
+</p:tagLst>
+</file>
+
+<file path=ppt/tags/tag319.xml><?xml version="1.0" encoding="utf-8"?>
+<p:tagLst xmlns:a="http://schemas.openxmlformats.org/drawingml/2006/main" xmlns:r="http://schemas.openxmlformats.org/officeDocument/2006/relationships" xmlns:p="http://schemas.openxmlformats.org/presentationml/2006/main">
+  <p:tag name="DVSHAPEID" val="ula0X6oHfmg7PwSLRSmsgi"/>
+</p:tagLst>
+</file>
+
+<file path=ppt/tags/tag32.xml><?xml version="1.0" encoding="utf-8"?>
+<p:tagLst xmlns:a="http://schemas.openxmlformats.org/drawingml/2006/main" xmlns:r="http://schemas.openxmlformats.org/officeDocument/2006/relationships" xmlns:p="http://schemas.openxmlformats.org/presentationml/2006/main">
+  <p:tag name="DVSHAPEID" val="d1ciNCD7K9AGhHvu35Ea5c"/>
+</p:tagLst>
+</file>
+
+<file path=ppt/tags/tag320.xml><?xml version="1.0" encoding="utf-8"?>
+<p:tagLst xmlns:a="http://schemas.openxmlformats.org/drawingml/2006/main" xmlns:r="http://schemas.openxmlformats.org/officeDocument/2006/relationships" xmlns:p="http://schemas.openxmlformats.org/presentationml/2006/main">
+  <p:tag name="DVSHAPEID" val="IwKdaWrTIgw7fnpx34IOPV"/>
+</p:tagLst>
+</file>
+
+<file path=ppt/tags/tag33.xml><?xml version="1.0" encoding="utf-8"?>
+<p:tagLst xmlns:a="http://schemas.openxmlformats.org/drawingml/2006/main" xmlns:r="http://schemas.openxmlformats.org/officeDocument/2006/relationships" xmlns:p="http://schemas.openxmlformats.org/presentationml/2006/main">
+  <p:tag name="DVSHAPEID" val="jNKvvikCfqgjRM2JEbmN1h"/>
+</p:tagLst>
+</file>
+
+<file path=ppt/tags/tag34.xml><?xml version="1.0" encoding="utf-8"?>
+<p:tagLst xmlns:a="http://schemas.openxmlformats.org/drawingml/2006/main" xmlns:r="http://schemas.openxmlformats.org/officeDocument/2006/relationships" xmlns:p="http://schemas.openxmlformats.org/presentationml/2006/main">
+  <p:tag name="DVSHAPEID" val="xAr27lnyphM0Ioyi6kN7U9"/>
+</p:tagLst>
+</file>
+
+<file path=ppt/tags/tag35.xml><?xml version="1.0" encoding="utf-8"?>
+<p:tagLst xmlns:a="http://schemas.openxmlformats.org/drawingml/2006/main" xmlns:r="http://schemas.openxmlformats.org/officeDocument/2006/relationships" xmlns:p="http://schemas.openxmlformats.org/presentationml/2006/main">
+  <p:tag name="DVSHAPEID" val="qXQJsjrtOib2ga3tbYfG0Z"/>
+</p:tagLst>
+</file>
+
+<file path=ppt/tags/tag36.xml><?xml version="1.0" encoding="utf-8"?>
+<p:tagLst xmlns:a="http://schemas.openxmlformats.org/drawingml/2006/main" xmlns:r="http://schemas.openxmlformats.org/officeDocument/2006/relationships" xmlns:p="http://schemas.openxmlformats.org/presentationml/2006/main">
+  <p:tag name="DVSECTIONID" val="mcday3RFDLQerJvrVd44ri"/>
+</p:tagLst>
+</file>
+
+<file path=ppt/tags/tag37.xml><?xml version="1.0" encoding="utf-8"?>
+<p:tagLst xmlns:a="http://schemas.openxmlformats.org/drawingml/2006/main" xmlns:r="http://schemas.openxmlformats.org/officeDocument/2006/relationships" xmlns:p="http://schemas.openxmlformats.org/presentationml/2006/main">
+  <p:tag name="DVSHAPEID" val="noggdtVbe1iO20aKrU2E2L"/>
+</p:tagLst>
+</file>
+
+<file path=ppt/tags/tag38.xml><?xml version="1.0" encoding="utf-8"?>
+<p:tagLst xmlns:a="http://schemas.openxmlformats.org/drawingml/2006/main" xmlns:r="http://schemas.openxmlformats.org/officeDocument/2006/relationships" xmlns:p="http://schemas.openxmlformats.org/presentationml/2006/main">
+  <p:tag name="DVSHAPEID" val="v9HUsXgva0I7jOGr8MTzlp"/>
+</p:tagLst>
+</file>
+
+<file path=ppt/tags/tag39.xml><?xml version="1.0" encoding="utf-8"?>
+<p:tagLst xmlns:a="http://schemas.openxmlformats.org/drawingml/2006/main" xmlns:r="http://schemas.openxmlformats.org/officeDocument/2006/relationships" xmlns:p="http://schemas.openxmlformats.org/presentationml/2006/main">
+  <p:tag name="DVSECTIONID" val="9bmmhLohxcjHJe9ihrKYxJ"/>
+</p:tagLst>
+</file>
+
+<file path=ppt/tags/tag4.xml><?xml version="1.0" encoding="utf-8"?>
+<p:tagLst xmlns:a="http://schemas.openxmlformats.org/drawingml/2006/main" xmlns:r="http://schemas.openxmlformats.org/officeDocument/2006/relationships" xmlns:p="http://schemas.openxmlformats.org/presentationml/2006/main">
+  <p:tag name="DVSHAPEID" val="KQMhoXUJ5hz9feLA1v8tSY"/>
+</p:tagLst>
+</file>
+
+<file path=ppt/tags/tag40.xml><?xml version="1.0" encoding="utf-8"?>
+<p:tagLst xmlns:a="http://schemas.openxmlformats.org/drawingml/2006/main" xmlns:r="http://schemas.openxmlformats.org/officeDocument/2006/relationships" xmlns:p="http://schemas.openxmlformats.org/presentationml/2006/main">
+  <p:tag name="DVSHAPEID" val="SJCKFyaEkSzCS7yj0XVIRi"/>
+</p:tagLst>
+</file>
+
+<file path=ppt/tags/tag41.xml><?xml version="1.0" encoding="utf-8"?>
+<p:tagLst xmlns:a="http://schemas.openxmlformats.org/drawingml/2006/main" xmlns:r="http://schemas.openxmlformats.org/officeDocument/2006/relationships" xmlns:p="http://schemas.openxmlformats.org/presentationml/2006/main">
+  <p:tag name="DVSHAPEID" val="6VHl30LgLtp6hYhIhHlvFP"/>
+</p:tagLst>
+</file>
+
+<file path=ppt/tags/tag42.xml><?xml version="1.0" encoding="utf-8"?>
+<p:tagLst xmlns:a="http://schemas.openxmlformats.org/drawingml/2006/main" xmlns:r="http://schemas.openxmlformats.org/officeDocument/2006/relationships" xmlns:p="http://schemas.openxmlformats.org/presentationml/2006/main">
+  <p:tag name="DVSHAPEID" val="yHVzSPLVDDxzCH3ku9S376"/>
+</p:tagLst>
+</file>
+
+<file path=ppt/tags/tag43.xml><?xml version="1.0" encoding="utf-8"?>
+<p:tagLst xmlns:a="http://schemas.openxmlformats.org/drawingml/2006/main" xmlns:r="http://schemas.openxmlformats.org/officeDocument/2006/relationships" xmlns:p="http://schemas.openxmlformats.org/presentationml/2006/main">
+  <p:tag name="DVSHAPEID" val="cMPA1iGdmlCgn0qu8WvPPM"/>
+</p:tagLst>
+</file>
+
+<file path=ppt/tags/tag44.xml><?xml version="1.0" encoding="utf-8"?>
+<p:tagLst xmlns:a="http://schemas.openxmlformats.org/drawingml/2006/main" xmlns:r="http://schemas.openxmlformats.org/officeDocument/2006/relationships" xmlns:p="http://schemas.openxmlformats.org/presentationml/2006/main">
+  <p:tag name="DVSHAPEID" val="yHmzFXcbCCIru9JiNtepgc"/>
+</p:tagLst>
+</file>
+
+<file path=ppt/tags/tag45.xml><?xml version="1.0" encoding="utf-8"?>
+<p:tagLst xmlns:a="http://schemas.openxmlformats.org/drawingml/2006/main" xmlns:r="http://schemas.openxmlformats.org/officeDocument/2006/relationships" xmlns:p="http://schemas.openxmlformats.org/presentationml/2006/main">
+  <p:tag name="DVSHAPEID" val="Xlk3T01Wyhgqd8erCJ0aIZ"/>
+</p:tagLst>
+</file>
+
+<file path=ppt/tags/tag46.xml><?xml version="1.0" encoding="utf-8"?>
+<p:tagLst xmlns:a="http://schemas.openxmlformats.org/drawingml/2006/main" xmlns:r="http://schemas.openxmlformats.org/officeDocument/2006/relationships" xmlns:p="http://schemas.openxmlformats.org/presentationml/2006/main">
+  <p:tag name="DVSECTIONID" val="hh3uV4SlSjx331ObM5gmeD"/>
+</p:tagLst>
+</file>
+
+<file path=ppt/tags/tag47.xml><?xml version="1.0" encoding="utf-8"?>
+<p:tagLst xmlns:a="http://schemas.openxmlformats.org/drawingml/2006/main" xmlns:r="http://schemas.openxmlformats.org/officeDocument/2006/relationships" xmlns:p="http://schemas.openxmlformats.org/presentationml/2006/main">
+  <p:tag name="DVSHAPEID" val="yVvgKQ81BpvmJ0fC3caG3r"/>
+</p:tagLst>
+</file>
+
+<file path=ppt/tags/tag48.xml><?xml version="1.0" encoding="utf-8"?>
+<p:tagLst xmlns:a="http://schemas.openxmlformats.org/drawingml/2006/main" xmlns:r="http://schemas.openxmlformats.org/officeDocument/2006/relationships" xmlns:p="http://schemas.openxmlformats.org/presentationml/2006/main">
+  <p:tag name="DVSHAPEID" val="b3WB3lQuo5tXNpxDfbNwFQ"/>
+</p:tagLst>
+</file>
+
+<file path=ppt/tags/tag49.xml><?xml version="1.0" encoding="utf-8"?>
+<p:tagLst xmlns:a="http://schemas.openxmlformats.org/drawingml/2006/main" xmlns:r="http://schemas.openxmlformats.org/officeDocument/2006/relationships" xmlns:p="http://schemas.openxmlformats.org/presentationml/2006/main">
+  <p:tag name="DVSHAPEID" val="VRodc0GO02W6Jsk9MNb60p"/>
+</p:tagLst>
+</file>
+
+<file path=ppt/tags/tag5.xml><?xml version="1.0" encoding="utf-8"?>
+<p:tagLst xmlns:a="http://schemas.openxmlformats.org/drawingml/2006/main" xmlns:r="http://schemas.openxmlformats.org/officeDocument/2006/relationships" xmlns:p="http://schemas.openxmlformats.org/presentationml/2006/main">
+  <p:tag name="DVSHAPEID" val="vaM93BUWQQ7diSZZUblQpZ"/>
+</p:tagLst>
+</file>
+
+<file path=ppt/tags/tag50.xml><?xml version="1.0" encoding="utf-8"?>
+<p:tagLst xmlns:a="http://schemas.openxmlformats.org/drawingml/2006/main" xmlns:r="http://schemas.openxmlformats.org/officeDocument/2006/relationships" xmlns:p="http://schemas.openxmlformats.org/presentationml/2006/main">
+  <p:tag name="DVSHAPEID" val="TLdP4pWYTwLk84dQ8POA5q"/>
+</p:tagLst>
+</file>
+
+<file path=ppt/tags/tag51.xml><?xml version="1.0" encoding="utf-8"?>
+<p:tagLst xmlns:a="http://schemas.openxmlformats.org/drawingml/2006/main" xmlns:r="http://schemas.openxmlformats.org/officeDocument/2006/relationships" xmlns:p="http://schemas.openxmlformats.org/presentationml/2006/main">
+  <p:tag name="DVSHAPEID" val="1GF4j6pZlyQvYC0mWgS18p"/>
+</p:tagLst>
+</file>
+
+<file path=ppt/tags/tag52.xml><?xml version="1.0" encoding="utf-8"?>
+<p:tagLst xmlns:a="http://schemas.openxmlformats.org/drawingml/2006/main" xmlns:r="http://schemas.openxmlformats.org/officeDocument/2006/relationships" xmlns:p="http://schemas.openxmlformats.org/presentationml/2006/main">
+  <p:tag name="DVSHAPEID" val="kpjfWVEliqksKwaZ6PzTbc"/>
+</p:tagLst>
+</file>
+
+<file path=ppt/tags/tag53.xml><?xml version="1.0" encoding="utf-8"?>
+<p:tagLst xmlns:a="http://schemas.openxmlformats.org/drawingml/2006/main" xmlns:r="http://schemas.openxmlformats.org/officeDocument/2006/relationships" xmlns:p="http://schemas.openxmlformats.org/presentationml/2006/main">
+  <p:tag name="DVSECTIONID" val="UJ0hhDVDjsKpU5jMQjpbk0"/>
+</p:tagLst>
+</file>
+
+<file path=ppt/tags/tag54.xml><?xml version="1.0" encoding="utf-8"?>
+<p:tagLst xmlns:a="http://schemas.openxmlformats.org/drawingml/2006/main" xmlns:r="http://schemas.openxmlformats.org/officeDocument/2006/relationships" xmlns:p="http://schemas.openxmlformats.org/presentationml/2006/main">
+  <p:tag name="DVSHAPEID" val="uD6APMTyI3iClgK3atlZgp"/>
+</p:tagLst>
+</file>
+
+<file path=ppt/tags/tag55.xml><?xml version="1.0" encoding="utf-8"?>
+<p:tagLst xmlns:a="http://schemas.openxmlformats.org/drawingml/2006/main" xmlns:r="http://schemas.openxmlformats.org/officeDocument/2006/relationships" xmlns:p="http://schemas.openxmlformats.org/presentationml/2006/main">
+  <p:tag name="DVSHAPEID" val="awRtcW92sfd7UG9l5SsJIh"/>
+</p:tagLst>
+</file>
+
+<file path=ppt/tags/tag56.xml><?xml version="1.0" encoding="utf-8"?>
+<p:tagLst xmlns:a="http://schemas.openxmlformats.org/drawingml/2006/main" xmlns:r="http://schemas.openxmlformats.org/officeDocument/2006/relationships" xmlns:p="http://schemas.openxmlformats.org/presentationml/2006/main">
+  <p:tag name="DVSECTIONID" val="aFb7u6FFIbvDmkuEMeqeZ4"/>
+</p:tagLst>
+</file>
+
+<file path=ppt/tags/tag57.xml><?xml version="1.0" encoding="utf-8"?>
+<p:tagLst xmlns:a="http://schemas.openxmlformats.org/drawingml/2006/main" xmlns:r="http://schemas.openxmlformats.org/officeDocument/2006/relationships" xmlns:p="http://schemas.openxmlformats.org/presentationml/2006/main">
+  <p:tag name="DVSHAPEID" val="a8aUe3F5xcW4sAImzXoFB2"/>
+</p:tagLst>
+</file>
+
+<file path=ppt/tags/tag58.xml><?xml version="1.0" encoding="utf-8"?>
+<p:tagLst xmlns:a="http://schemas.openxmlformats.org/drawingml/2006/main" xmlns:r="http://schemas.openxmlformats.org/officeDocument/2006/relationships" xmlns:p="http://schemas.openxmlformats.org/presentationml/2006/main">
+  <p:tag name="DVSHAPEID" val="oel4UOntwwHTmJjiH6mmH1"/>
+</p:tagLst>
+</file>
+
+<file path=ppt/tags/tag59.xml><?xml version="1.0" encoding="utf-8"?>
+<p:tagLst xmlns:a="http://schemas.openxmlformats.org/drawingml/2006/main" xmlns:r="http://schemas.openxmlformats.org/officeDocument/2006/relationships" xmlns:p="http://schemas.openxmlformats.org/presentationml/2006/main">
+  <p:tag name="DVSHAPEID" val="bQezCJivl3G7KWza9RI4Fp"/>
+</p:tagLst>
+</file>
+
+<file path=ppt/tags/tag6.xml><?xml version="1.0" encoding="utf-8"?>
+<p:tagLst xmlns:a="http://schemas.openxmlformats.org/drawingml/2006/main" xmlns:r="http://schemas.openxmlformats.org/officeDocument/2006/relationships" xmlns:p="http://schemas.openxmlformats.org/presentationml/2006/main">
+  <p:tag name="DVSHAPEID" val="62VG90i0qQmLlBvfTjP9qI"/>
+</p:tagLst>
+</file>
+
+<file path=ppt/tags/tag60.xml><?xml version="1.0" encoding="utf-8"?>
+<p:tagLst xmlns:a="http://schemas.openxmlformats.org/drawingml/2006/main" xmlns:r="http://schemas.openxmlformats.org/officeDocument/2006/relationships" xmlns:p="http://schemas.openxmlformats.org/presentationml/2006/main">
+  <p:tag name="DVSHAPEID" val="nyeZ2hgiielm2vPlbDb1bE"/>
+</p:tagLst>
+</file>
+
+<file path=ppt/tags/tag61.xml><?xml version="1.0" encoding="utf-8"?>
+<p:tagLst xmlns:a="http://schemas.openxmlformats.org/drawingml/2006/main" xmlns:r="http://schemas.openxmlformats.org/officeDocument/2006/relationships" xmlns:p="http://schemas.openxmlformats.org/presentationml/2006/main">
+  <p:tag name="DVSHAPEID" val="deZmIwWvECmMsFkDH0e2Kr"/>
+</p:tagLst>
+</file>
+
+<file path=ppt/tags/tag62.xml><?xml version="1.0" encoding="utf-8"?>
+<p:tagLst xmlns:a="http://schemas.openxmlformats.org/drawingml/2006/main" xmlns:r="http://schemas.openxmlformats.org/officeDocument/2006/relationships" xmlns:p="http://schemas.openxmlformats.org/presentationml/2006/main">
+  <p:tag name="DVSHAPEID" val="MnU4lOF4TDdJlZ0FyJmNAI"/>
+</p:tagLst>
+</file>
+
+<file path=ppt/tags/tag63.xml><?xml version="1.0" encoding="utf-8"?>
+<p:tagLst xmlns:a="http://schemas.openxmlformats.org/drawingml/2006/main" xmlns:r="http://schemas.openxmlformats.org/officeDocument/2006/relationships" xmlns:p="http://schemas.openxmlformats.org/presentationml/2006/main">
+  <p:tag name="DVSHAPEID" val="0f290yWaM9TMsBsEa8QzJI"/>
+</p:tagLst>
+</file>
+
+<file path=ppt/tags/tag64.xml><?xml version="1.0" encoding="utf-8"?>
+<p:tagLst xmlns:a="http://schemas.openxmlformats.org/drawingml/2006/main" xmlns:r="http://schemas.openxmlformats.org/officeDocument/2006/relationships" xmlns:p="http://schemas.openxmlformats.org/presentationml/2006/main">
+  <p:tag name="DVSECTIONID" val="jE7IRZfWX2jUyk5a9OYDKz"/>
+</p:tagLst>
+</file>
+
+<file path=ppt/tags/tag65.xml><?xml version="1.0" encoding="utf-8"?>
+<p:tagLst xmlns:a="http://schemas.openxmlformats.org/drawingml/2006/main" xmlns:r="http://schemas.openxmlformats.org/officeDocument/2006/relationships" xmlns:p="http://schemas.openxmlformats.org/presentationml/2006/main">
+  <p:tag name="DVSHAPEID" val="zIklD1rvGXQ3nE1bN67IR3"/>
+</p:tagLst>
+</file>
+
+<file path=ppt/tags/tag66.xml><?xml version="1.0" encoding="utf-8"?>
+<p:tagLst xmlns:a="http://schemas.openxmlformats.org/drawingml/2006/main" xmlns:r="http://schemas.openxmlformats.org/officeDocument/2006/relationships" xmlns:p="http://schemas.openxmlformats.org/presentationml/2006/main">
+  <p:tag name="DVSHAPEID" val="QywocUzdW0YiGkOEVVJhtW"/>
+</p:tagLst>
+</file>
+
+<file path=ppt/tags/tag67.xml><?xml version="1.0" encoding="utf-8"?>
+<p:tagLst xmlns:a="http://schemas.openxmlformats.org/drawingml/2006/main" xmlns:r="http://schemas.openxmlformats.org/officeDocument/2006/relationships" xmlns:p="http://schemas.openxmlformats.org/presentationml/2006/main">
+  <p:tag name="DVSHAPEID" val="VoeODYkJr1RvSLOeOxVs0P"/>
+</p:tagLst>
+</file>
+
+<file path=ppt/tags/tag68.xml><?xml version="1.0" encoding="utf-8"?>
+<p:tagLst xmlns:a="http://schemas.openxmlformats.org/drawingml/2006/main" xmlns:r="http://schemas.openxmlformats.org/officeDocument/2006/relationships" xmlns:p="http://schemas.openxmlformats.org/presentationml/2006/main">
+  <p:tag name="DVSHAPEID" val="55XGn9bcYzATD8aogASczW"/>
+</p:tagLst>
+</file>
+
+<file path=ppt/tags/tag69.xml><?xml version="1.0" encoding="utf-8"?>
+<p:tagLst xmlns:a="http://schemas.openxmlformats.org/drawingml/2006/main" xmlns:r="http://schemas.openxmlformats.org/officeDocument/2006/relationships" xmlns:p="http://schemas.openxmlformats.org/presentationml/2006/main">
+  <p:tag name="DVSHAPEID" val="qas2QG6bl0V5i9QWBbyf2h"/>
+</p:tagLst>
+</file>
+
+<file path=ppt/tags/tag7.xml><?xml version="1.0" encoding="utf-8"?>
+<p:tagLst xmlns:a="http://schemas.openxmlformats.org/drawingml/2006/main" xmlns:r="http://schemas.openxmlformats.org/officeDocument/2006/relationships" xmlns:p="http://schemas.openxmlformats.org/presentationml/2006/main">
+  <p:tag name="DVSHAPEID" val="12VSB1BX71zv4KensTEQpg"/>
+</p:tagLst>
+</file>
+
+<file path=ppt/tags/tag70.xml><?xml version="1.0" encoding="utf-8"?>
+<p:tagLst xmlns:a="http://schemas.openxmlformats.org/drawingml/2006/main" xmlns:r="http://schemas.openxmlformats.org/officeDocument/2006/relationships" xmlns:p="http://schemas.openxmlformats.org/presentationml/2006/main">
+  <p:tag name="DVSHAPEID" val="VY8G4phlzNg8ENekiu6Ndz"/>
+</p:tagLst>
+</file>
+
+<file path=ppt/tags/tag71.xml><?xml version="1.0" encoding="utf-8"?>
+<p:tagLst xmlns:a="http://schemas.openxmlformats.org/drawingml/2006/main" xmlns:r="http://schemas.openxmlformats.org/officeDocument/2006/relationships" xmlns:p="http://schemas.openxmlformats.org/presentationml/2006/main">
+  <p:tag name="DVSHAPEID" val="XxP1yjZHEjT8ftUaCGU0r8"/>
+</p:tagLst>
+</file>
+
+<file path=ppt/tags/tag72.xml><?xml version="1.0" encoding="utf-8"?>
+<p:tagLst xmlns:a="http://schemas.openxmlformats.org/drawingml/2006/main" xmlns:r="http://schemas.openxmlformats.org/officeDocument/2006/relationships" xmlns:p="http://schemas.openxmlformats.org/presentationml/2006/main">
+  <p:tag name="DVSECTIONID" val="TgJYibxaL506lxZLeGqLdt"/>
+</p:tagLst>
+</file>
+
+<file path=ppt/tags/tag73.xml><?xml version="1.0" encoding="utf-8"?>
+<p:tagLst xmlns:a="http://schemas.openxmlformats.org/drawingml/2006/main" xmlns:r="http://schemas.openxmlformats.org/officeDocument/2006/relationships" xmlns:p="http://schemas.openxmlformats.org/presentationml/2006/main">
+  <p:tag name="DVSHAPEID" val="Pau3HhS38f4m0BQ2RXmS9W"/>
+</p:tagLst>
+</file>
+
+<file path=ppt/tags/tag74.xml><?xml version="1.0" encoding="utf-8"?>
+<p:tagLst xmlns:a="http://schemas.openxmlformats.org/drawingml/2006/main" xmlns:r="http://schemas.openxmlformats.org/officeDocument/2006/relationships" xmlns:p="http://schemas.openxmlformats.org/presentationml/2006/main">
+  <p:tag name="DVSHAPEID" val="fvxLq8RpSc7PIFwvBHPAbE"/>
+</p:tagLst>
+</file>
+
+<file path=ppt/tags/tag75.xml><?xml version="1.0" encoding="utf-8"?>
+<p:tagLst xmlns:a="http://schemas.openxmlformats.org/drawingml/2006/main" xmlns:r="http://schemas.openxmlformats.org/officeDocument/2006/relationships" xmlns:p="http://schemas.openxmlformats.org/presentationml/2006/main">
+  <p:tag name="DVSECTIONID" val="krL9yC5BgmjKLRZSG3pNhe"/>
+</p:tagLst>
+</file>
+
+<file path=ppt/tags/tag76.xml><?xml version="1.0" encoding="utf-8"?>
+<p:tagLst xmlns:a="http://schemas.openxmlformats.org/drawingml/2006/main" xmlns:r="http://schemas.openxmlformats.org/officeDocument/2006/relationships" xmlns:p="http://schemas.openxmlformats.org/presentationml/2006/main">
+  <p:tag name="DVSHAPEID" val="4SsijAPXEzYSUYvWQJcInR"/>
+</p:tagLst>
+</file>
+
+<file path=ppt/tags/tag77.xml><?xml version="1.0" encoding="utf-8"?>
+<p:tagLst xmlns:a="http://schemas.openxmlformats.org/drawingml/2006/main" xmlns:r="http://schemas.openxmlformats.org/officeDocument/2006/relationships" xmlns:p="http://schemas.openxmlformats.org/presentationml/2006/main">
+  <p:tag name="DVSHAPEID" val="eaTbvmlE3yLBrFi7PhAUyy"/>
+</p:tagLst>
+</file>
+
+<file path=ppt/tags/tag78.xml><?xml version="1.0" encoding="utf-8"?>
+<p:tagLst xmlns:a="http://schemas.openxmlformats.org/drawingml/2006/main" xmlns:r="http://schemas.openxmlformats.org/officeDocument/2006/relationships" xmlns:p="http://schemas.openxmlformats.org/presentationml/2006/main">
+  <p:tag name="DVSHAPEID" val="QPKyZFR5osgcEip84sC0vq"/>
+</p:tagLst>
+</file>
+
+<file path=ppt/tags/tag79.xml><?xml version="1.0" encoding="utf-8"?>
+<p:tagLst xmlns:a="http://schemas.openxmlformats.org/drawingml/2006/main" xmlns:r="http://schemas.openxmlformats.org/officeDocument/2006/relationships" xmlns:p="http://schemas.openxmlformats.org/presentationml/2006/main">
+  <p:tag name="DVSHAPEID" val="7jxQEJUV8sjFk3qXmGNXaj"/>
+</p:tagLst>
+</file>
+
+<file path=ppt/tags/tag8.xml><?xml version="1.0" encoding="utf-8"?>
+<p:tagLst xmlns:a="http://schemas.openxmlformats.org/drawingml/2006/main" xmlns:r="http://schemas.openxmlformats.org/officeDocument/2006/relationships" xmlns:p="http://schemas.openxmlformats.org/presentationml/2006/main">
+  <p:tag name="DVSHAPEID" val="RwxnuFi21fzn0SLhpgptJk"/>
+</p:tagLst>
+</file>
+
+<file path=ppt/tags/tag80.xml><?xml version="1.0" encoding="utf-8"?>
+<p:tagLst xmlns:a="http://schemas.openxmlformats.org/drawingml/2006/main" xmlns:r="http://schemas.openxmlformats.org/officeDocument/2006/relationships" xmlns:p="http://schemas.openxmlformats.org/presentationml/2006/main">
+  <p:tag name="DVSHAPEID" val="ke00HHc8ix3qIq0907bskN"/>
+</p:tagLst>
+</file>
+
+<file path=ppt/tags/tag81.xml><?xml version="1.0" encoding="utf-8"?>
+<p:tagLst xmlns:a="http://schemas.openxmlformats.org/drawingml/2006/main" xmlns:r="http://schemas.openxmlformats.org/officeDocument/2006/relationships" xmlns:p="http://schemas.openxmlformats.org/presentationml/2006/main">
+  <p:tag name="DVSHAPEID" val="TYXlH66WdyfOZjPE1cIZaL"/>
+</p:tagLst>
+</file>
+
+<file path=ppt/tags/tag82.xml><?xml version="1.0" encoding="utf-8"?>
+<p:tagLst xmlns:a="http://schemas.openxmlformats.org/drawingml/2006/main" xmlns:r="http://schemas.openxmlformats.org/officeDocument/2006/relationships" xmlns:p="http://schemas.openxmlformats.org/presentationml/2006/main">
+  <p:tag name="DVSHAPEID" val="CTk0XcGFMHYwk12l051mju"/>
+</p:tagLst>
+</file>
+
+<file path=ppt/tags/tag83.xml><?xml version="1.0" encoding="utf-8"?>
+<p:tagLst xmlns:a="http://schemas.openxmlformats.org/drawingml/2006/main" xmlns:r="http://schemas.openxmlformats.org/officeDocument/2006/relationships" xmlns:p="http://schemas.openxmlformats.org/presentationml/2006/main">
+  <p:tag name="DVSECTIONID" val="UsZyanAidZlpWhd9CV49OE"/>
+</p:tagLst>
+</file>
+
+<file path=ppt/tags/tag84.xml><?xml version="1.0" encoding="utf-8"?>
+<p:tagLst xmlns:a="http://schemas.openxmlformats.org/drawingml/2006/main" xmlns:r="http://schemas.openxmlformats.org/officeDocument/2006/relationships" xmlns:p="http://schemas.openxmlformats.org/presentationml/2006/main">
+  <p:tag name="DVSHAPEID" val="aUrGkl5YKkD7m40G9TfyLx"/>
+</p:tagLst>
+</file>
+
+<file path=ppt/tags/tag85.xml><?xml version="1.0" encoding="utf-8"?>
+<p:tagLst xmlns:a="http://schemas.openxmlformats.org/drawingml/2006/main" xmlns:r="http://schemas.openxmlformats.org/officeDocument/2006/relationships" xmlns:p="http://schemas.openxmlformats.org/presentationml/2006/main">
+  <p:tag name="DVSHAPEID" val="PsYNCFcCYNs7IqygSkzOXE"/>
+</p:tagLst>
+</file>
+
+<file path=ppt/tags/tag86.xml><?xml version="1.0" encoding="utf-8"?>
+<p:tagLst xmlns:a="http://schemas.openxmlformats.org/drawingml/2006/main" xmlns:r="http://schemas.openxmlformats.org/officeDocument/2006/relationships" xmlns:p="http://schemas.openxmlformats.org/presentationml/2006/main">
+  <p:tag name="DVSHAPEID" val="TdFXkjW76LJC5YIwIqL7lP"/>
+</p:tagLst>
+</file>
+
+<file path=ppt/tags/tag87.xml><?xml version="1.0" encoding="utf-8"?>
+<p:tagLst xmlns:a="http://schemas.openxmlformats.org/drawingml/2006/main" xmlns:r="http://schemas.openxmlformats.org/officeDocument/2006/relationships" xmlns:p="http://schemas.openxmlformats.org/presentationml/2006/main">
+  <p:tag name="DVSECTIONID" val="MBM8MlZnlqc6xja0rH1Y9k"/>
+</p:tagLst>
+</file>
+
+<file path=ppt/tags/tag88.xml><?xml version="1.0" encoding="utf-8"?>
+<p:tagLst xmlns:a="http://schemas.openxmlformats.org/drawingml/2006/main" xmlns:r="http://schemas.openxmlformats.org/officeDocument/2006/relationships" xmlns:p="http://schemas.openxmlformats.org/presentationml/2006/main">
+  <p:tag name="DVSHAPEID" val="FelA8T1VYXAbzL7EkTGQHG"/>
+</p:tagLst>
+</file>
+
+<file path=ppt/tags/tag89.xml><?xml version="1.0" encoding="utf-8"?>
+<p:tagLst xmlns:a="http://schemas.openxmlformats.org/drawingml/2006/main" xmlns:r="http://schemas.openxmlformats.org/officeDocument/2006/relationships" xmlns:p="http://schemas.openxmlformats.org/presentationml/2006/main">
+  <p:tag name="DVSHAPEID" val="o6lzylB92Qi3xrCKb35bNL"/>
+</p:tagLst>
+</file>
+
+<file path=ppt/tags/tag9.xml><?xml version="1.0" encoding="utf-8"?>
+<p:tagLst xmlns:a="http://schemas.openxmlformats.org/drawingml/2006/main" xmlns:r="http://schemas.openxmlformats.org/officeDocument/2006/relationships" xmlns:p="http://schemas.openxmlformats.org/presentationml/2006/main">
+  <p:tag name="DVSHAPEID" val="cPxK0vQVuAjLbokdxVE50j"/>
+</p:tagLst>
+</file>
+
+<file path=ppt/tags/tag90.xml><?xml version="1.0" encoding="utf-8"?>
+<p:tagLst xmlns:a="http://schemas.openxmlformats.org/drawingml/2006/main" xmlns:r="http://schemas.openxmlformats.org/officeDocument/2006/relationships" xmlns:p="http://schemas.openxmlformats.org/presentationml/2006/main">
+  <p:tag name="DVSHAPEID" val="2UpWo45Sqv8ZQffykFjPVJ"/>
+</p:tagLst>
+</file>
+
+<file path=ppt/tags/tag91.xml><?xml version="1.0" encoding="utf-8"?>
+<p:tagLst xmlns:a="http://schemas.openxmlformats.org/drawingml/2006/main" xmlns:r="http://schemas.openxmlformats.org/officeDocument/2006/relationships" xmlns:p="http://schemas.openxmlformats.org/presentationml/2006/main">
+  <p:tag name="DVSHAPEID" val="SvdG2AIDLwSC3raBXx3apN"/>
+</p:tagLst>
+</file>
+
+<file path=ppt/tags/tag92.xml><?xml version="1.0" encoding="utf-8"?>
+<p:tagLst xmlns:a="http://schemas.openxmlformats.org/drawingml/2006/main" xmlns:r="http://schemas.openxmlformats.org/officeDocument/2006/relationships" xmlns:p="http://schemas.openxmlformats.org/presentationml/2006/main">
+  <p:tag name="DVSHAPEID" val="VyAnuCIqRXQi1UJH1v9NKB"/>
+</p:tagLst>
+</file>
+
+<file path=ppt/tags/tag93.xml><?xml version="1.0" encoding="utf-8"?>
+<p:tagLst xmlns:a="http://schemas.openxmlformats.org/drawingml/2006/main" xmlns:r="http://schemas.openxmlformats.org/officeDocument/2006/relationships" xmlns:p="http://schemas.openxmlformats.org/presentationml/2006/main">
+  <p:tag name="DVSHAPEID" val="6dbOoJILLKk5AF6F55VkEU"/>
+</p:tagLst>
+</file>
+
+<file path=ppt/tags/tag94.xml><?xml version="1.0" encoding="utf-8"?>
+<p:tagLst xmlns:a="http://schemas.openxmlformats.org/drawingml/2006/main" xmlns:r="http://schemas.openxmlformats.org/officeDocument/2006/relationships" xmlns:p="http://schemas.openxmlformats.org/presentationml/2006/main">
+  <p:tag name="DVSHAPEID" val="MKpgSfvy0C3jsnbGeYH5c5"/>
+</p:tagLst>
+</file>
+
+<file path=ppt/tags/tag95.xml><?xml version="1.0" encoding="utf-8"?>
+<p:tagLst xmlns:a="http://schemas.openxmlformats.org/drawingml/2006/main" xmlns:r="http://schemas.openxmlformats.org/officeDocument/2006/relationships" xmlns:p="http://schemas.openxmlformats.org/presentationml/2006/main">
+  <p:tag name="DVSECTIONID" val="olVIFxqtI8pfFnM2BeiPDU"/>
+</p:tagLst>
+</file>
+
+<file path=ppt/tags/tag96.xml><?xml version="1.0" encoding="utf-8"?>
+<p:tagLst xmlns:a="http://schemas.openxmlformats.org/drawingml/2006/main" xmlns:r="http://schemas.openxmlformats.org/officeDocument/2006/relationships" xmlns:p="http://schemas.openxmlformats.org/presentationml/2006/main">
+  <p:tag name="DVSHAPEID" val="YVj3Bmp4RpXbrro7RtfdKH"/>
+</p:tagLst>
+</file>
+
+<file path=ppt/tags/tag97.xml><?xml version="1.0" encoding="utf-8"?>
+<p:tagLst xmlns:a="http://schemas.openxmlformats.org/drawingml/2006/main" xmlns:r="http://schemas.openxmlformats.org/officeDocument/2006/relationships" xmlns:p="http://schemas.openxmlformats.org/presentationml/2006/main">
+  <p:tag name="DVSHAPEID" val="2gdIuoQWDyIGMtWOE98WKE"/>
+</p:tagLst>
+</file>
+
+<file path=ppt/tags/tag98.xml><?xml version="1.0" encoding="utf-8"?>
+<p:tagLst xmlns:a="http://schemas.openxmlformats.org/drawingml/2006/main" xmlns:r="http://schemas.openxmlformats.org/officeDocument/2006/relationships" xmlns:p="http://schemas.openxmlformats.org/presentationml/2006/main">
+  <p:tag name="DVSHAPEID" val="mgWJh67eQZlgT3QSS1dVLo"/>
+</p:tagLst>
+</file>
+
+<file path=ppt/tags/tag99.xml><?xml version="1.0" encoding="utf-8"?>
+<p:tagLst xmlns:a="http://schemas.openxmlformats.org/drawingml/2006/main" xmlns:r="http://schemas.openxmlformats.org/officeDocument/2006/relationships" xmlns:p="http://schemas.openxmlformats.org/presentationml/2006/main">
+  <p:tag name="DVSECTIONID" val="dQJUYCum7Qusdqc3GrWSI3"/>
+</p:tagLst>
 </file>
 
 <file path=ppt/theme/theme1.xml><?xml version="1.0" encoding="utf-8"?>

--- a/Programming Made Easy.pptx
+++ b/Programming Made Easy.pptx
@@ -3743,7 +3743,7 @@
           <a:p>
             <a:fld id="{9D3FBBFE-677F-4CC0-BF92-950C0F009223}" type="datetimeFigureOut">
               <a:rPr lang="en-CA" smtClean="0"/>
-              <a:t>10/10/2012</a:t>
+              <a:t>11/10/2012</a:t>
             </a:fld>
             <a:endParaRPr lang="en-CA"/>
           </a:p>
@@ -4450,14 +4450,16 @@
           <a:lstStyle/>
           <a:p>
             <a:r>
-              <a:rPr lang="pl-PL" dirty="0" smtClean="0"/>
-              <a:t>15 no wifi</a:t>
-            </a:r>
-          </a:p>
-          <a:p>
-            <a:r>
-              <a:rPr lang="pl-PL" dirty="0" smtClean="0"/>
-              <a:t>16 wifi</a:t>
+              <a:rPr lang="en-CA" sz="1200" b="1" i="0" kern="1200" dirty="0" err="1" smtClean="0">
+                <a:solidFill>
+                  <a:schemeClr val="tx1"/>
+                </a:solidFill>
+                <a:effectLst/>
+                <a:latin typeface="+mn-lt"/>
+                <a:ea typeface="+mn-ea"/>
+                <a:cs typeface="+mn-cs"/>
+              </a:rPr>
+              <a:t>webmusespresenter</a:t>
             </a:r>
             <a:endParaRPr lang="en-CA" dirty="0"/>
           </a:p>
@@ -4480,7 +4482,7 @@
           <a:p>
             <a:fld id="{F036235D-DA40-4917-9347-5AA27D26558A}" type="slidenum">
               <a:rPr lang="en-CA" smtClean="0"/>
-              <a:t>28</a:t>
+              <a:t>19</a:t>
             </a:fld>
             <a:endParaRPr lang="en-CA"/>
           </a:p>
@@ -4489,7 +4491,7 @@
     </p:spTree>
     <p:extLst>
       <p:ext uri="{BB962C8B-B14F-4D97-AF65-F5344CB8AC3E}">
-        <p14:creationId xmlns:p14="http://schemas.microsoft.com/office/powerpoint/2010/main" val="2681861613"/>
+        <p14:creationId xmlns:p14="http://schemas.microsoft.com/office/powerpoint/2010/main" val="1915565334"/>
       </p:ext>
     </p:extLst>
   </p:cSld>
@@ -4545,6 +4547,100 @@
           <a:p>
             <a:r>
               <a:rPr lang="pl-PL" dirty="0" smtClean="0"/>
+              <a:t>15 no wifi</a:t>
+            </a:r>
+          </a:p>
+          <a:p>
+            <a:r>
+              <a:rPr lang="pl-PL" dirty="0" smtClean="0"/>
+              <a:t>16 wifi</a:t>
+            </a:r>
+            <a:endParaRPr lang="en-CA" dirty="0"/>
+          </a:p>
+        </p:txBody>
+      </p:sp>
+      <p:sp>
+        <p:nvSpPr>
+          <p:cNvPr id="4" name="Slide Number Placeholder 3"/>
+          <p:cNvSpPr>
+            <a:spLocks noGrp="1"/>
+          </p:cNvSpPr>
+          <p:nvPr>
+            <p:ph type="sldNum" sz="quarter" idx="10"/>
+          </p:nvPr>
+        </p:nvSpPr>
+        <p:spPr/>
+        <p:txBody>
+          <a:bodyPr/>
+          <a:lstStyle/>
+          <a:p>
+            <a:fld id="{F036235D-DA40-4917-9347-5AA27D26558A}" type="slidenum">
+              <a:rPr lang="en-CA" smtClean="0"/>
+              <a:t>28</a:t>
+            </a:fld>
+            <a:endParaRPr lang="en-CA"/>
+          </a:p>
+        </p:txBody>
+      </p:sp>
+    </p:spTree>
+    <p:extLst>
+      <p:ext uri="{BB962C8B-B14F-4D97-AF65-F5344CB8AC3E}">
+        <p14:creationId xmlns:p14="http://schemas.microsoft.com/office/powerpoint/2010/main" val="2681861613"/>
+      </p:ext>
+    </p:extLst>
+  </p:cSld>
+  <p:clrMapOvr>
+    <a:masterClrMapping/>
+  </p:clrMapOvr>
+</p:notes>
+</file>
+
+<file path=ppt/notesSlides/notesSlide7.xml><?xml version="1.0" encoding="utf-8"?>
+<p:notes xmlns:a="http://schemas.openxmlformats.org/drawingml/2006/main" xmlns:r="http://schemas.openxmlformats.org/officeDocument/2006/relationships" xmlns:p="http://schemas.openxmlformats.org/presentationml/2006/main">
+  <p:cSld>
+    <p:spTree>
+      <p:nvGrpSpPr>
+        <p:cNvPr id="1" name=""/>
+        <p:cNvGrpSpPr/>
+        <p:nvPr/>
+      </p:nvGrpSpPr>
+      <p:grpSpPr>
+        <a:xfrm>
+          <a:off x="0" y="0"/>
+          <a:ext cx="0" cy="0"/>
+          <a:chOff x="0" y="0"/>
+          <a:chExt cx="0" cy="0"/>
+        </a:xfrm>
+      </p:grpSpPr>
+      <p:sp>
+        <p:nvSpPr>
+          <p:cNvPr id="2" name="Slide Image Placeholder 1"/>
+          <p:cNvSpPr>
+            <a:spLocks noGrp="1" noRot="1" noChangeAspect="1"/>
+          </p:cNvSpPr>
+          <p:nvPr>
+            <p:ph type="sldImg"/>
+          </p:nvPr>
+        </p:nvSpPr>
+        <p:spPr/>
+      </p:sp>
+      <p:sp>
+        <p:nvSpPr>
+          <p:cNvPr id="3" name="Notes Placeholder 2"/>
+          <p:cNvSpPr>
+            <a:spLocks noGrp="1"/>
+          </p:cNvSpPr>
+          <p:nvPr>
+            <p:ph type="body" idx="1"/>
+          </p:nvPr>
+        </p:nvSpPr>
+        <p:spPr/>
+        <p:txBody>
+          <a:bodyPr/>
+          <a:lstStyle/>
+          <a:p>
+            <a:r>
+              <a:rPr lang="pl-PL" dirty="0" smtClean="0"/>
               <a:t>#10 big</a:t>
             </a:r>
             <a:r>
@@ -4597,7 +4693,7 @@
 </p:notes>
 </file>
 
-<file path=ppt/notesSlides/notesSlide7.xml><?xml version="1.0" encoding="utf-8"?>
+<file path=ppt/notesSlides/notesSlide8.xml><?xml version="1.0" encoding="utf-8"?>
 <p:notes xmlns:a="http://schemas.openxmlformats.org/drawingml/2006/main" xmlns:r="http://schemas.openxmlformats.org/officeDocument/2006/relationships" xmlns:p="http://schemas.openxmlformats.org/presentationml/2006/main">
   <p:cSld>
     <p:spTree>
@@ -10461,7 +10557,7 @@
           <a:p>
             <a:fld id="{450045EB-F0A2-405F-866B-BCD425706225}" type="datetimeFigureOut">
               <a:rPr lang="en-CA" smtClean="0"/>
-              <a:t>10/10/2012</a:t>
+              <a:t>11/10/2012</a:t>
             </a:fld>
             <a:endParaRPr lang="en-CA"/>
           </a:p>
@@ -16803,15 +16899,7 @@
           <a:p>
             <a:r>
               <a:rPr lang="pl-PL" dirty="0" smtClean="0"/>
-              <a:t>Task </a:t>
-            </a:r>
-            <a:r>
-              <a:rPr lang="pl-PL" dirty="0" smtClean="0"/>
-              <a:t>0 </a:t>
-            </a:r>
-            <a:r>
-              <a:rPr lang="pl-PL" dirty="0" smtClean="0"/>
-              <a:t>– change a header</a:t>
+              <a:t>Task 0 – change a header</a:t>
             </a:r>
             <a:endParaRPr lang="en-CA" dirty="0"/>
           </a:p>
@@ -17037,15 +17125,7 @@
           <a:p>
             <a:r>
               <a:rPr lang="pl-PL" dirty="0" smtClean="0"/>
-              <a:t>Task </a:t>
-            </a:r>
-            <a:r>
-              <a:rPr lang="pl-PL" dirty="0" smtClean="0"/>
-              <a:t>0.1 </a:t>
-            </a:r>
-            <a:r>
-              <a:rPr lang="pl-PL" dirty="0" smtClean="0"/>
-              <a:t>– prepare a text control</a:t>
+              <a:t>Task 0.1 – prepare a text control</a:t>
             </a:r>
             <a:endParaRPr lang="en-CA" dirty="0"/>
           </a:p>
@@ -17071,11 +17151,7 @@
           <a:p>
             <a:r>
               <a:rPr lang="pl-PL" dirty="0" smtClean="0"/>
-              <a:t>Open </a:t>
-            </a:r>
-            <a:r>
-              <a:rPr lang="pl-PL" dirty="0" smtClean="0"/>
-              <a:t>Index.aspx</a:t>
+              <a:t>Open Index.aspx</a:t>
             </a:r>
             <a:endParaRPr lang="en-CA" dirty="0"/>
           </a:p>
@@ -17103,7 +17179,6 @@
               <a:rPr lang="en-CA" sz="2800" dirty="0"/>
               <a:t>&lt;%= ViewData["Text"] %&gt;</a:t>
             </a:r>
-            <a:endParaRPr lang="en-CA" sz="2800" dirty="0"/>
           </a:p>
         </p:txBody>
       </p:sp>
@@ -17166,7 +17241,6 @@
               <a:rPr lang="en-CA" sz="2800" dirty="0"/>
               <a:t>["Text"]</a:t>
             </a:r>
-            <a:endParaRPr lang="en-CA" sz="2800" dirty="0"/>
           </a:p>
         </p:txBody>
       </p:sp>
@@ -17322,7 +17396,6 @@
               <a:rPr lang="pl-PL" sz="2000" dirty="0" smtClean="0"/>
               <a:t>Surround </a:t>
             </a:r>
-            <a:endParaRPr lang="pl-PL" sz="2000" dirty="0" smtClean="0"/>
           </a:p>
           <a:p>
             <a:r>
@@ -17341,11 +17414,7 @@
           <a:p>
             <a:r>
               <a:rPr lang="pl-PL" sz="2000" dirty="0" smtClean="0"/>
-              <a:t>with </a:t>
-            </a:r>
-            <a:r>
-              <a:rPr lang="pl-PL" sz="2000" dirty="0" smtClean="0"/>
-              <a:t>a &lt;div&gt; with an id</a:t>
+              <a:t>with a &lt;div&gt; with an id</a:t>
             </a:r>
             <a:endParaRPr lang="en-CA" sz="2000" dirty="0"/>
           </a:p>
@@ -17397,11 +17466,7 @@
           <a:p>
             <a:r>
               <a:rPr lang="pl-PL" sz="2800" dirty="0" smtClean="0"/>
-              <a:t>Add a </a:t>
-            </a:r>
-            <a:r>
-              <a:rPr lang="pl-PL" sz="2800" dirty="0" smtClean="0"/>
-              <a:t>border</a:t>
+              <a:t>Add a border</a:t>
             </a:r>
             <a:endParaRPr lang="en-CA" sz="2800" dirty="0"/>
           </a:p>
@@ -17651,11 +17716,7 @@
           <a:p>
             <a:r>
               <a:rPr lang="en-CA" sz="2000" dirty="0"/>
-              <a:t>using System.Xml</a:t>
-            </a:r>
-            <a:r>
-              <a:rPr lang="en-CA" sz="2000" dirty="0"/>
-              <a:t>;</a:t>
+              <a:t>using System.Xml;</a:t>
             </a:r>
             <a:br>
               <a:rPr lang="en-CA" sz="2000" dirty="0"/>
@@ -17666,11 +17727,7 @@
             </a:r>
             <a:r>
               <a:rPr lang="en-CA" sz="2000" dirty="0"/>
-              <a:t>System.Globalization</a:t>
-            </a:r>
-            <a:r>
-              <a:rPr lang="en-CA" sz="2000" dirty="0"/>
-              <a:t>;</a:t>
+              <a:t>System.Globalization;</a:t>
             </a:r>
             <a:br>
               <a:rPr lang="en-CA" sz="2000" dirty="0"/>
@@ -20583,7 +20640,7 @@
         </p:blipFill>
         <p:spPr bwMode="auto">
           <a:xfrm>
-            <a:off x="323528" y="4869160"/>
+            <a:off x="323528" y="4941168"/>
             <a:ext cx="8691693" cy="1123181"/>
           </a:xfrm>
           <a:prstGeom prst="rect">
@@ -20841,35 +20898,35 @@
           <a:lstStyle/>
           <a:p>
             <a:r>
-              <a:rPr lang="pl-PL" sz="2800" dirty="0" smtClean="0"/>
+              <a:rPr lang="pl-PL" sz="2400" dirty="0" smtClean="0"/>
               <a:t>Search for NY: </a:t>
             </a:r>
             <a:r>
-              <a:rPr lang="el-GR" sz="2800" dirty="0" smtClean="0">
+              <a:rPr lang="el-GR" sz="2400" dirty="0" smtClean="0">
                 <a:cs typeface="Times New Roman"/>
               </a:rPr>
               <a:t>φ</a:t>
             </a:r>
             <a:r>
-              <a:rPr lang="pl-PL" sz="2800" dirty="0" smtClean="0">
+              <a:rPr lang="pl-PL" sz="2400" dirty="0" smtClean="0">
                 <a:cs typeface="Times New Roman"/>
               </a:rPr>
               <a:t>=40.75, </a:t>
             </a:r>
             <a:r>
-              <a:rPr lang="el-GR" sz="2800" dirty="0" smtClean="0">
+              <a:rPr lang="el-GR" sz="2400" dirty="0" smtClean="0">
                 <a:cs typeface="Times New Roman"/>
               </a:rPr>
               <a:t>λ</a:t>
             </a:r>
             <a:r>
-              <a:rPr lang="pl-PL" sz="2800" dirty="0" smtClean="0">
+              <a:rPr lang="pl-PL" sz="2400" dirty="0" smtClean="0">
                 <a:cs typeface="Times New Roman"/>
               </a:rPr>
               <a:t>=</a:t>
             </a:r>
             <a:r>
-              <a:rPr lang="pl-PL" sz="2800" dirty="0" smtClean="0">
+              <a:rPr lang="pl-PL" sz="2400" dirty="0" smtClean="0">
                 <a:ea typeface="Segoe UI"/>
                 <a:cs typeface="Segoe UI"/>
               </a:rPr>
@@ -20878,17 +20935,17 @@
           </a:p>
           <a:p>
             <a:r>
-              <a:rPr lang="pl-PL" sz="2800" dirty="0" smtClean="0">
+              <a:rPr lang="pl-PL" sz="2400" dirty="0" smtClean="0">
                 <a:ea typeface="Segoe UI"/>
                 <a:cs typeface="Segoe UI"/>
               </a:rPr>
               <a:t>r=1 [km]</a:t>
             </a:r>
             <a:r>
-              <a:rPr lang="pl-PL" sz="2800" dirty="0" smtClean="0"/>
+              <a:rPr lang="pl-PL" sz="2400" dirty="0" smtClean="0"/>
               <a:t> </a:t>
             </a:r>
-            <a:endParaRPr lang="en-CA" sz="2800" dirty="0"/>
+            <a:endParaRPr lang="en-CA" sz="2400" dirty="0"/>
           </a:p>
         </p:txBody>
       </p:sp>
@@ -21015,7 +21072,7 @@
         </p:blipFill>
         <p:spPr bwMode="auto">
           <a:xfrm>
-            <a:off x="323527" y="4293096"/>
+            <a:off x="333131" y="4293096"/>
             <a:ext cx="7586137" cy="1752972"/>
           </a:xfrm>
           <a:prstGeom prst="rect">
@@ -21408,7 +21465,7 @@
         </p:blipFill>
         <p:spPr bwMode="auto">
           <a:xfrm>
-            <a:off x="323527" y="4221088"/>
+            <a:off x="354547" y="4221088"/>
             <a:ext cx="7904679" cy="1781547"/>
           </a:xfrm>
           <a:prstGeom prst="rect">
@@ -22177,13 +22234,10 @@
           <a:lstStyle/>
           <a:p>
             <a:r>
-              <a:rPr lang="pl-PL" sz="2400" dirty="0" smtClean="0"/>
-              <a:t>Change in the view: </a:t>
+              <a:rPr lang="pl-PL" dirty="0"/>
+              <a:t>Iterate through the shops</a:t>
             </a:r>
-            <a:r>
-              <a:rPr lang="en-CA" sz="2000" dirty="0"/>
-              <a:t>@Html.Raw(ViewBag.Text)</a:t>
-            </a:r>
+            <a:endParaRPr lang="en-CA" dirty="0"/>
           </a:p>
         </p:txBody>
       </p:sp>
@@ -22206,10 +22260,10 @@
           <a:lstStyle/>
           <a:p>
             <a:r>
-              <a:rPr lang="pl-PL" dirty="0" smtClean="0"/>
-              <a:t>Iterate through the shops</a:t>
+              <a:rPr lang="pl-PL" sz="2400" dirty="0"/>
+              <a:t>Foreach – goes through every member of a collection</a:t>
             </a:r>
-            <a:endParaRPr lang="en-CA" dirty="0"/>
+            <a:endParaRPr lang="en-CA" sz="2400" dirty="0"/>
           </a:p>
         </p:txBody>
       </p:sp>
@@ -22232,10 +22286,10 @@
           <a:lstStyle/>
           <a:p>
             <a:r>
-              <a:rPr lang="pl-PL" sz="2200" dirty="0" smtClean="0"/>
-              <a:t>Foreach – goes through every member of a collection</a:t>
+              <a:rPr lang="pl-PL" dirty="0"/>
+              <a:t>Construct HTML’s table</a:t>
             </a:r>
-            <a:endParaRPr lang="en-CA" sz="2200" dirty="0"/>
+            <a:endParaRPr lang="en-CA" dirty="0"/>
           </a:p>
         </p:txBody>
       </p:sp>
@@ -22257,10 +22311,6 @@
           <a:bodyPr/>
           <a:lstStyle/>
           <a:p>
-            <a:r>
-              <a:rPr lang="pl-PL" sz="2800" dirty="0" smtClean="0"/>
-              <a:t>Use &lt;table&gt;, &lt;tr&gt;, &lt;th&gt; and &lt;td&gt;</a:t>
-            </a:r>
             <a:endParaRPr lang="en-CA" sz="2800" dirty="0"/>
           </a:p>
         </p:txBody>
@@ -22306,16 +22356,16 @@
           <a:lstStyle/>
           <a:p>
             <a:r>
-              <a:rPr lang="pl-PL" dirty="0" smtClean="0"/>
-              <a:t>Construct HTML’s table</a:t>
+              <a:rPr lang="pl-PL" sz="2800" dirty="0"/>
+              <a:t>Use &lt;table&gt;, &lt;tr&gt;, &lt;th&gt; and &lt;td&gt;</a:t>
             </a:r>
-            <a:endParaRPr lang="en-CA" dirty="0"/>
+            <a:endParaRPr lang="en-CA" sz="2800" dirty="0"/>
           </a:p>
         </p:txBody>
       </p:sp>
       <p:pic>
         <p:nvPicPr>
-          <p:cNvPr id="10242" name="Picture 2"/>
+          <p:cNvPr id="10243" name="Picture 3"/>
           <p:cNvPicPr>
             <a:picLocks noChangeAspect="1" noChangeArrowheads="1"/>
           </p:cNvPicPr>
@@ -22340,8 +22390,8 @@
         </p:blipFill>
         <p:spPr bwMode="auto">
           <a:xfrm>
-            <a:off x="323528" y="4581128"/>
-            <a:ext cx="8399122" cy="1584176"/>
+            <a:off x="323528" y="1628800"/>
+            <a:ext cx="7290810" cy="1728192"/>
           </a:xfrm>
           <a:prstGeom prst="rect">
             <a:avLst/>
@@ -22383,7 +22433,7 @@
       </p:pic>
       <p:pic>
         <p:nvPicPr>
-          <p:cNvPr id="10243" name="Picture 3"/>
+          <p:cNvPr id="1026" name="Picture 2"/>
           <p:cNvPicPr>
             <a:picLocks noChangeAspect="1" noChangeArrowheads="1"/>
           </p:cNvPicPr>
@@ -22408,8 +22458,8 @@
         </p:blipFill>
         <p:spPr bwMode="auto">
           <a:xfrm>
-            <a:off x="323528" y="1628800"/>
-            <a:ext cx="7290810" cy="1728192"/>
+            <a:off x="323528" y="4753119"/>
+            <a:ext cx="8689800" cy="1296144"/>
           </a:xfrm>
           <a:prstGeom prst="rect">
             <a:avLst/>
@@ -22579,7 +22629,7 @@
                                           </p:stCondLst>
                                         </p:cTn>
                                         <p:tgtEl>
-                                          <p:spTgt spid="10242"/>
+                                          <p:spTgt spid="1026"/>
                                         </p:tgtEl>
                                         <p:attrNameLst>
                                           <p:attrName>style.visibility</p:attrName>
@@ -22593,7 +22643,7 @@
                                       <p:cBhvr>
                                         <p:cTn id="14" dur="500"/>
                                         <p:tgtEl>
-                                          <p:spTgt spid="10242"/>
+                                          <p:spTgt spid="1026"/>
                                         </p:tgtEl>
                                       </p:cBhvr>
                                     </p:animEffect>
@@ -22610,7 +22660,7 @@
                                       <p:cBhvr>
                                         <p:cTn id="16" dur="2000" fill="hold"/>
                                         <p:tgtEl>
-                                          <p:spTgt spid="10242"/>
+                                          <p:spTgt spid="1026"/>
                                         </p:tgtEl>
                                         <p:attrNameLst>
                                           <p:attrName>ppt_x</p:attrName>
@@ -22843,7 +22893,7 @@
       </p:sp>
       <p:pic>
         <p:nvPicPr>
-          <p:cNvPr id="11266" name="Picture 2"/>
+          <p:cNvPr id="2050" name="Picture 2"/>
           <p:cNvPicPr>
             <a:picLocks noChangeAspect="1" noChangeArrowheads="1"/>
           </p:cNvPicPr>
@@ -22868,8 +22918,8 @@
         </p:blipFill>
         <p:spPr bwMode="auto">
           <a:xfrm>
-            <a:off x="323528" y="3068960"/>
-            <a:ext cx="7639524" cy="3240360"/>
+            <a:off x="323528" y="3140968"/>
+            <a:ext cx="8418216" cy="2882255"/>
           </a:xfrm>
           <a:prstGeom prst="rect">
             <a:avLst/>
@@ -22964,7 +23014,7 @@
                                           </p:stCondLst>
                                         </p:cTn>
                                         <p:tgtEl>
-                                          <p:spTgt spid="11266"/>
+                                          <p:spTgt spid="2050"/>
                                         </p:tgtEl>
                                         <p:attrNameLst>
                                           <p:attrName>style.visibility</p:attrName>
@@ -22978,7 +23028,7 @@
                                       <p:cBhvr>
                                         <p:cTn id="7" dur="500"/>
                                         <p:tgtEl>
-                                          <p:spTgt spid="11266"/>
+                                          <p:spTgt spid="2050"/>
                                         </p:tgtEl>
                                       </p:cBhvr>
                                     </p:animEffect>
@@ -22995,7 +23045,7 @@
                                       <p:cBhvr>
                                         <p:cTn id="9" dur="2000" fill="hold"/>
                                         <p:tgtEl>
-                                          <p:spTgt spid="11266"/>
+                                          <p:spTgt spid="2050"/>
                                         </p:tgtEl>
                                         <p:attrNameLst>
                                           <p:attrName>ppt_x</p:attrName>
@@ -23296,7 +23346,7 @@
       </p:pic>
       <p:pic>
         <p:nvPicPr>
-          <p:cNvPr id="12291" name="Picture 3"/>
+          <p:cNvPr id="3074" name="Picture 2"/>
           <p:cNvPicPr>
             <a:picLocks noChangeAspect="1" noChangeArrowheads="1"/>
           </p:cNvPicPr>
@@ -23321,8 +23371,8 @@
         </p:blipFill>
         <p:spPr bwMode="auto">
           <a:xfrm>
-            <a:off x="323528" y="1645746"/>
-            <a:ext cx="4608512" cy="4654482"/>
+            <a:off x="323528" y="1663358"/>
+            <a:ext cx="5688632" cy="4363685"/>
           </a:xfrm>
           <a:prstGeom prst="rect">
             <a:avLst/>
@@ -23558,7 +23608,7 @@
                                           </p:stCondLst>
                                         </p:cTn>
                                         <p:tgtEl>
-                                          <p:spTgt spid="12291"/>
+                                          <p:spTgt spid="3074"/>
                                         </p:tgtEl>
                                         <p:attrNameLst>
                                           <p:attrName>style.visibility</p:attrName>
@@ -23572,7 +23622,7 @@
                                       <p:cBhvr>
                                         <p:cTn id="20" dur="500"/>
                                         <p:tgtEl>
-                                          <p:spTgt spid="12291"/>
+                                          <p:spTgt spid="3074"/>
                                         </p:tgtEl>
                                       </p:cBhvr>
                                     </p:animEffect>
@@ -23589,7 +23639,7 @@
                                       <p:cBhvr>
                                         <p:cTn id="22" dur="2000" fill="hold"/>
                                         <p:tgtEl>
-                                          <p:spTgt spid="12291"/>
+                                          <p:spTgt spid="3074"/>
                                         </p:tgtEl>
                                         <p:attrNameLst>
                                           <p:attrName>ppt_x</p:attrName>
@@ -23885,7 +23935,7 @@
       </p:pic>
       <p:pic>
         <p:nvPicPr>
-          <p:cNvPr id="13315" name="Picture 3"/>
+          <p:cNvPr id="4098" name="Picture 2"/>
           <p:cNvPicPr>
             <a:picLocks noChangeAspect="1" noChangeArrowheads="1"/>
           </p:cNvPicPr>
@@ -23910,8 +23960,8 @@
         </p:blipFill>
         <p:spPr bwMode="auto">
           <a:xfrm>
-            <a:off x="312068" y="3068960"/>
-            <a:ext cx="8161631" cy="2312462"/>
+            <a:off x="323528" y="4509120"/>
+            <a:ext cx="8119643" cy="1735763"/>
           </a:xfrm>
           <a:prstGeom prst="rect">
             <a:avLst/>
@@ -24147,7 +24197,7 @@
                                           </p:stCondLst>
                                         </p:cTn>
                                         <p:tgtEl>
-                                          <p:spTgt spid="13315"/>
+                                          <p:spTgt spid="4098"/>
                                         </p:tgtEl>
                                         <p:attrNameLst>
                                           <p:attrName>style.visibility</p:attrName>
@@ -24161,7 +24211,7 @@
                                       <p:cBhvr>
                                         <p:cTn id="20" dur="500"/>
                                         <p:tgtEl>
-                                          <p:spTgt spid="13315"/>
+                                          <p:spTgt spid="4098"/>
                                         </p:tgtEl>
                                       </p:cBhvr>
                                     </p:animEffect>
@@ -24178,7 +24228,7 @@
                                       <p:cBhvr>
                                         <p:cTn id="22" dur="2000" fill="hold"/>
                                         <p:tgtEl>
-                                          <p:spTgt spid="13315"/>
+                                          <p:spTgt spid="4098"/>
                                         </p:tgtEl>
                                         <p:attrNameLst>
                                           <p:attrName>ppt_x</p:attrName>
@@ -24335,10 +24385,10 @@
           <a:lstStyle/>
           <a:p>
             <a:r>
-              <a:rPr lang="pl-PL" dirty="0" smtClean="0"/>
-              <a:t>First – use arrays</a:t>
+              <a:rPr lang="pl-PL" sz="2800" dirty="0" smtClean="0"/>
+              <a:t>Modify IndexMulti method</a:t>
             </a:r>
-            <a:endParaRPr lang="en-CA" dirty="0"/>
+            <a:endParaRPr lang="en-CA" sz="2800" dirty="0"/>
           </a:p>
         </p:txBody>
       </p:sp>
@@ -24360,7 +24410,11 @@
           <a:bodyPr/>
           <a:lstStyle/>
           <a:p>
-            <a:endParaRPr lang="en-CA"/>
+            <a:r>
+              <a:rPr lang="pl-PL" dirty="0" smtClean="0"/>
+              <a:t>Put only suitable elements</a:t>
+            </a:r>
+            <a:endParaRPr lang="en-CA" dirty="0"/>
           </a:p>
         </p:txBody>
       </p:sp>
@@ -24382,7 +24436,11 @@
           <a:bodyPr/>
           <a:lstStyle/>
           <a:p>
-            <a:endParaRPr lang="en-CA"/>
+            <a:r>
+              <a:rPr lang="pl-PL" dirty="0" smtClean="0"/>
+              <a:t>Print new collection</a:t>
+            </a:r>
+            <a:endParaRPr lang="en-CA" dirty="0"/>
           </a:p>
         </p:txBody>
       </p:sp>
@@ -24404,7 +24462,11 @@
           <a:bodyPr/>
           <a:lstStyle/>
           <a:p>
-            <a:endParaRPr lang="en-CA"/>
+            <a:r>
+              <a:rPr lang="pl-PL" dirty="0" smtClean="0"/>
+              <a:t>Create new collection</a:t>
+            </a:r>
+            <a:endParaRPr lang="en-CA" dirty="0"/>
           </a:p>
         </p:txBody>
       </p:sp>
@@ -24435,7 +24497,7 @@
         </p:blipFill>
         <p:spPr bwMode="auto">
           <a:xfrm>
-            <a:off x="323529" y="4521890"/>
+            <a:off x="251520" y="4648112"/>
             <a:ext cx="8640960" cy="1373176"/>
           </a:xfrm>
           <a:prstGeom prst="rect">
@@ -24478,7 +24540,7 @@
       </p:pic>
       <p:pic>
         <p:nvPicPr>
-          <p:cNvPr id="14340" name="Picture 4"/>
+          <p:cNvPr id="5122" name="Picture 2"/>
           <p:cNvPicPr>
             <a:picLocks noChangeAspect="1" noChangeArrowheads="1"/>
           </p:cNvPicPr>
@@ -24503,8 +24565,8 @@
         </p:blipFill>
         <p:spPr bwMode="auto">
           <a:xfrm>
-            <a:off x="323529" y="3140968"/>
-            <a:ext cx="7246672" cy="2952348"/>
+            <a:off x="251520" y="2348880"/>
+            <a:ext cx="8753613" cy="1942331"/>
           </a:xfrm>
           <a:prstGeom prst="rect">
             <a:avLst/>
@@ -24740,7 +24802,7 @@
                                           </p:stCondLst>
                                         </p:cTn>
                                         <p:tgtEl>
-                                          <p:spTgt spid="14340"/>
+                                          <p:spTgt spid="5122"/>
                                         </p:tgtEl>
                                         <p:attrNameLst>
                                           <p:attrName>style.visibility</p:attrName>
@@ -24754,7 +24816,7 @@
                                       <p:cBhvr>
                                         <p:cTn id="20" dur="500"/>
                                         <p:tgtEl>
-                                          <p:spTgt spid="14340"/>
+                                          <p:spTgt spid="5122"/>
                                         </p:tgtEl>
                                       </p:cBhvr>
                                     </p:animEffect>
@@ -24771,7 +24833,7 @@
                                       <p:cBhvr>
                                         <p:cTn id="22" dur="2000" fill="hold"/>
                                         <p:tgtEl>
-                                          <p:spTgt spid="14340"/>
+                                          <p:spTgt spid="5122"/>
                                         </p:tgtEl>
                                         <p:attrNameLst>
                                           <p:attrName>ppt_x</p:attrName>
@@ -27044,13 +27106,13 @@
 
 <file path=ppt/tags/tag280.xml><?xml version="1.0" encoding="utf-8"?>
 <p:tagLst xmlns:a="http://schemas.openxmlformats.org/drawingml/2006/main" xmlns:r="http://schemas.openxmlformats.org/officeDocument/2006/relationships" xmlns:p="http://schemas.openxmlformats.org/presentationml/2006/main">
-  <p:tag name="DVSHAPEID" val="WtYsRP1Iobw2AtKE5VWLSp"/>
+  <p:tag name="DVSHAPEID" val="auBhUhFg04RR5l831gjgN5"/>
 </p:tagLst>
 </file>
 
 <file path=ppt/tags/tag281.xml><?xml version="1.0" encoding="utf-8"?>
 <p:tagLst xmlns:a="http://schemas.openxmlformats.org/drawingml/2006/main" xmlns:r="http://schemas.openxmlformats.org/officeDocument/2006/relationships" xmlns:p="http://schemas.openxmlformats.org/presentationml/2006/main">
-  <p:tag name="DVSHAPEID" val="auBhUhFg04RR5l831gjgN5"/>
+  <p:tag name="DVSHAPEID" val="b1LwVEwaYQW4kJaPny9D1d"/>
 </p:tagLst>
 </file>
 
@@ -27110,7 +27172,7 @@
 
 <file path=ppt/tags/tag290.xml><?xml version="1.0" encoding="utf-8"?>
 <p:tagLst xmlns:a="http://schemas.openxmlformats.org/drawingml/2006/main" xmlns:r="http://schemas.openxmlformats.org/officeDocument/2006/relationships" xmlns:p="http://schemas.openxmlformats.org/presentationml/2006/main">
-  <p:tag name="DVSHAPEID" val="5CNONfbDYGqAsCpoqIDRiD"/>
+  <p:tag name="DVSHAPEID" val="H4GkvrH9ty4Go0LQIQiw9H"/>
 </p:tagLst>
 </file>
 
@@ -27182,7 +27244,7 @@
 
 <file path=ppt/tags/tag300.xml><?xml version="1.0" encoding="utf-8"?>
 <p:tagLst xmlns:a="http://schemas.openxmlformats.org/drawingml/2006/main" xmlns:r="http://schemas.openxmlformats.org/officeDocument/2006/relationships" xmlns:p="http://schemas.openxmlformats.org/presentationml/2006/main">
-  <p:tag name="DVSHAPEID" val="Z3XQJis2OhchNCmgN3i7Gv"/>
+  <p:tag name="DVSHAPEID" val="6OTfXl5rEzMYkHPA94tOmn"/>
 </p:tagLst>
 </file>
 
@@ -27248,7 +27310,7 @@
 
 <file path=ppt/tags/tag310.xml><?xml version="1.0" encoding="utf-8"?>
 <p:tagLst xmlns:a="http://schemas.openxmlformats.org/drawingml/2006/main" xmlns:r="http://schemas.openxmlformats.org/officeDocument/2006/relationships" xmlns:p="http://schemas.openxmlformats.org/presentationml/2006/main">
-  <p:tag name="DVSHAPEID" val="q8KoefNUlfuOuDphGrWRdJ"/>
+  <p:tag name="DVSHAPEID" val="TpF307He2klJNfUNhyBleg"/>
 </p:tagLst>
 </file>
 
@@ -27314,7 +27376,7 @@
 
 <file path=ppt/tags/tag320.xml><?xml version="1.0" encoding="utf-8"?>
 <p:tagLst xmlns:a="http://schemas.openxmlformats.org/drawingml/2006/main" xmlns:r="http://schemas.openxmlformats.org/officeDocument/2006/relationships" xmlns:p="http://schemas.openxmlformats.org/presentationml/2006/main">
-  <p:tag name="DVSHAPEID" val="IwKdaWrTIgw7fnpx34IOPV"/>
+  <p:tag name="DVSHAPEID" val="De4blH4vrxgCtkk3XNEVz1"/>
 </p:tagLst>
 </file>
 

--- a/Programming Made Easy.pptx
+++ b/Programming Made Easy.pptx
@@ -5,47 +5,48 @@
     <p:sldMasterId id="2147483660" r:id="rId1"/>
   </p:sldMasterIdLst>
   <p:notesMasterIdLst>
-    <p:notesMasterId r:id="rId40"/>
+    <p:notesMasterId r:id="rId41"/>
   </p:notesMasterIdLst>
   <p:sldIdLst>
     <p:sldId id="256" r:id="rId2"/>
     <p:sldId id="257" r:id="rId3"/>
-    <p:sldId id="259" r:id="rId4"/>
-    <p:sldId id="260" r:id="rId5"/>
-    <p:sldId id="261" r:id="rId6"/>
-    <p:sldId id="262" r:id="rId7"/>
-    <p:sldId id="263" r:id="rId8"/>
-    <p:sldId id="264" r:id="rId9"/>
-    <p:sldId id="265" r:id="rId10"/>
-    <p:sldId id="266" r:id="rId11"/>
-    <p:sldId id="267" r:id="rId12"/>
-    <p:sldId id="268" r:id="rId13"/>
-    <p:sldId id="269" r:id="rId14"/>
-    <p:sldId id="270" r:id="rId15"/>
-    <p:sldId id="273" r:id="rId16"/>
-    <p:sldId id="274" r:id="rId17"/>
-    <p:sldId id="275" r:id="rId18"/>
-    <p:sldId id="276" r:id="rId19"/>
-    <p:sldId id="277" r:id="rId20"/>
-    <p:sldId id="296" r:id="rId21"/>
-    <p:sldId id="279" r:id="rId22"/>
-    <p:sldId id="281" r:id="rId23"/>
-    <p:sldId id="282" r:id="rId24"/>
-    <p:sldId id="297" r:id="rId25"/>
-    <p:sldId id="280" r:id="rId26"/>
-    <p:sldId id="283" r:id="rId27"/>
-    <p:sldId id="284" r:id="rId28"/>
-    <p:sldId id="285" r:id="rId29"/>
-    <p:sldId id="286" r:id="rId30"/>
-    <p:sldId id="287" r:id="rId31"/>
-    <p:sldId id="288" r:id="rId32"/>
-    <p:sldId id="289" r:id="rId33"/>
-    <p:sldId id="290" r:id="rId34"/>
-    <p:sldId id="291" r:id="rId35"/>
-    <p:sldId id="292" r:id="rId36"/>
-    <p:sldId id="293" r:id="rId37"/>
-    <p:sldId id="294" r:id="rId38"/>
-    <p:sldId id="295" r:id="rId39"/>
+    <p:sldId id="298" r:id="rId4"/>
+    <p:sldId id="259" r:id="rId5"/>
+    <p:sldId id="260" r:id="rId6"/>
+    <p:sldId id="261" r:id="rId7"/>
+    <p:sldId id="262" r:id="rId8"/>
+    <p:sldId id="263" r:id="rId9"/>
+    <p:sldId id="264" r:id="rId10"/>
+    <p:sldId id="265" r:id="rId11"/>
+    <p:sldId id="266" r:id="rId12"/>
+    <p:sldId id="267" r:id="rId13"/>
+    <p:sldId id="268" r:id="rId14"/>
+    <p:sldId id="269" r:id="rId15"/>
+    <p:sldId id="270" r:id="rId16"/>
+    <p:sldId id="273" r:id="rId17"/>
+    <p:sldId id="274" r:id="rId18"/>
+    <p:sldId id="275" r:id="rId19"/>
+    <p:sldId id="276" r:id="rId20"/>
+    <p:sldId id="277" r:id="rId21"/>
+    <p:sldId id="296" r:id="rId22"/>
+    <p:sldId id="279" r:id="rId23"/>
+    <p:sldId id="281" r:id="rId24"/>
+    <p:sldId id="282" r:id="rId25"/>
+    <p:sldId id="297" r:id="rId26"/>
+    <p:sldId id="280" r:id="rId27"/>
+    <p:sldId id="283" r:id="rId28"/>
+    <p:sldId id="284" r:id="rId29"/>
+    <p:sldId id="285" r:id="rId30"/>
+    <p:sldId id="286" r:id="rId31"/>
+    <p:sldId id="287" r:id="rId32"/>
+    <p:sldId id="288" r:id="rId33"/>
+    <p:sldId id="289" r:id="rId34"/>
+    <p:sldId id="290" r:id="rId35"/>
+    <p:sldId id="291" r:id="rId36"/>
+    <p:sldId id="292" r:id="rId37"/>
+    <p:sldId id="293" r:id="rId38"/>
+    <p:sldId id="294" r:id="rId39"/>
+    <p:sldId id="295" r:id="rId40"/>
   </p:sldIdLst>
   <p:sldSz cx="9144000" cy="6858000" type="screen4x3"/>
   <p:notesSz cx="6858000" cy="9144000"/>
@@ -1495,963 +1496,6 @@
       <dsp:cNvGrpSpPr/>
     </dsp:nvGrpSpPr>
     <dsp:grpSpPr/>
-    <dsp:sp modelId="{DCB29E81-A59A-4B6D-BA07-41605D9225B2}">
-      <dsp:nvSpPr>
-        <dsp:cNvPr id="0" name=""/>
-        <dsp:cNvSpPr/>
-      </dsp:nvSpPr>
-      <dsp:spPr>
-        <a:xfrm>
-          <a:off x="808895" y="1047"/>
-          <a:ext cx="1739949" cy="1043969"/>
-        </a:xfrm>
-        <a:prstGeom prst="roundRect">
-          <a:avLst>
-            <a:gd name="adj" fmla="val 10000"/>
-          </a:avLst>
-        </a:prstGeom>
-        <a:solidFill>
-          <a:schemeClr val="accent1">
-            <a:hueOff val="0"/>
-            <a:satOff val="0"/>
-            <a:lumOff val="0"/>
-            <a:alphaOff val="0"/>
-          </a:schemeClr>
-        </a:solidFill>
-        <a:ln w="25400" cap="flat" cmpd="sng" algn="ctr">
-          <a:solidFill>
-            <a:schemeClr val="lt1">
-              <a:hueOff val="0"/>
-              <a:satOff val="0"/>
-              <a:lumOff val="0"/>
-              <a:alphaOff val="0"/>
-            </a:schemeClr>
-          </a:solidFill>
-          <a:prstDash val="solid"/>
-        </a:ln>
-        <a:effectLst/>
-      </dsp:spPr>
-      <dsp:style>
-        <a:lnRef idx="2">
-          <a:scrgbClr r="0" g="0" b="0"/>
-        </a:lnRef>
-        <a:fillRef idx="1">
-          <a:scrgbClr r="0" g="0" b="0"/>
-        </a:fillRef>
-        <a:effectRef idx="0">
-          <a:scrgbClr r="0" g="0" b="0"/>
-        </a:effectRef>
-        <a:fontRef idx="minor">
-          <a:schemeClr val="lt1"/>
-        </a:fontRef>
-      </dsp:style>
-      <dsp:txBody>
-        <a:bodyPr spcFirstLastPara="0" vert="horz" wrap="square" lIns="57150" tIns="57150" rIns="57150" bIns="57150" numCol="1" spcCol="1270" anchor="ctr" anchorCtr="0">
-          <a:noAutofit/>
-        </a:bodyPr>
-        <a:lstStyle/>
-        <a:p>
-          <a:pPr lvl="0" algn="ctr" defTabSz="666750">
-            <a:lnSpc>
-              <a:spcPct val="90000"/>
-            </a:lnSpc>
-            <a:spcBef>
-              <a:spcPct val="0"/>
-            </a:spcBef>
-            <a:spcAft>
-              <a:spcPct val="35000"/>
-            </a:spcAft>
-          </a:pPr>
-          <a:r>
-            <a:rPr lang="pl-PL" sz="1500" kern="1200" dirty="0" smtClean="0"/>
-            <a:t>User types an address in a browser</a:t>
-          </a:r>
-          <a:endParaRPr lang="en-CA" sz="1500" kern="1200" dirty="0"/>
-        </a:p>
-      </dsp:txBody>
-      <dsp:txXfrm>
-        <a:off x="839472" y="31624"/>
-        <a:ext cx="1678795" cy="982815"/>
-      </dsp:txXfrm>
-    </dsp:sp>
-    <dsp:sp modelId="{9B8A471A-7A82-4B4B-B68B-215264F3E000}">
-      <dsp:nvSpPr>
-        <dsp:cNvPr id="0" name=""/>
-        <dsp:cNvSpPr/>
-      </dsp:nvSpPr>
-      <dsp:spPr>
-        <a:xfrm>
-          <a:off x="2701960" y="307278"/>
-          <a:ext cx="368869" cy="431507"/>
-        </a:xfrm>
-        <a:prstGeom prst="rightArrow">
-          <a:avLst>
-            <a:gd name="adj1" fmla="val 60000"/>
-            <a:gd name="adj2" fmla="val 50000"/>
-          </a:avLst>
-        </a:prstGeom>
-        <a:solidFill>
-          <a:schemeClr val="accent1">
-            <a:tint val="60000"/>
-            <a:hueOff val="0"/>
-            <a:satOff val="0"/>
-            <a:lumOff val="0"/>
-            <a:alphaOff val="0"/>
-          </a:schemeClr>
-        </a:solidFill>
-        <a:ln>
-          <a:noFill/>
-        </a:ln>
-        <a:effectLst/>
-      </dsp:spPr>
-      <dsp:style>
-        <a:lnRef idx="0">
-          <a:scrgbClr r="0" g="0" b="0"/>
-        </a:lnRef>
-        <a:fillRef idx="1">
-          <a:scrgbClr r="0" g="0" b="0"/>
-        </a:fillRef>
-        <a:effectRef idx="0">
-          <a:scrgbClr r="0" g="0" b="0"/>
-        </a:effectRef>
-        <a:fontRef idx="minor">
-          <a:schemeClr val="lt1"/>
-        </a:fontRef>
-      </dsp:style>
-      <dsp:txBody>
-        <a:bodyPr spcFirstLastPara="0" vert="horz" wrap="square" lIns="0" tIns="0" rIns="0" bIns="0" numCol="1" spcCol="1270" anchor="ctr" anchorCtr="0">
-          <a:noAutofit/>
-        </a:bodyPr>
-        <a:lstStyle/>
-        <a:p>
-          <a:pPr lvl="0" algn="ctr" defTabSz="533400">
-            <a:lnSpc>
-              <a:spcPct val="90000"/>
-            </a:lnSpc>
-            <a:spcBef>
-              <a:spcPct val="0"/>
-            </a:spcBef>
-            <a:spcAft>
-              <a:spcPct val="35000"/>
-            </a:spcAft>
-          </a:pPr>
-          <a:endParaRPr lang="en-CA" sz="1200" kern="1200"/>
-        </a:p>
-      </dsp:txBody>
-      <dsp:txXfrm>
-        <a:off x="2701960" y="393579"/>
-        <a:ext cx="258208" cy="258905"/>
-      </dsp:txXfrm>
-    </dsp:sp>
-    <dsp:sp modelId="{C467C268-25B0-4BC1-A5BF-3B68D1AE95EE}">
-      <dsp:nvSpPr>
-        <dsp:cNvPr id="0" name=""/>
-        <dsp:cNvSpPr/>
-      </dsp:nvSpPr>
-      <dsp:spPr>
-        <a:xfrm>
-          <a:off x="3244825" y="1047"/>
-          <a:ext cx="1739949" cy="1043969"/>
-        </a:xfrm>
-        <a:prstGeom prst="roundRect">
-          <a:avLst>
-            <a:gd name="adj" fmla="val 10000"/>
-          </a:avLst>
-        </a:prstGeom>
-        <a:solidFill>
-          <a:schemeClr val="accent1">
-            <a:hueOff val="0"/>
-            <a:satOff val="0"/>
-            <a:lumOff val="0"/>
-            <a:alphaOff val="0"/>
-          </a:schemeClr>
-        </a:solidFill>
-        <a:ln w="25400" cap="flat" cmpd="sng" algn="ctr">
-          <a:solidFill>
-            <a:schemeClr val="lt1">
-              <a:hueOff val="0"/>
-              <a:satOff val="0"/>
-              <a:lumOff val="0"/>
-              <a:alphaOff val="0"/>
-            </a:schemeClr>
-          </a:solidFill>
-          <a:prstDash val="solid"/>
-        </a:ln>
-        <a:effectLst/>
-      </dsp:spPr>
-      <dsp:style>
-        <a:lnRef idx="2">
-          <a:scrgbClr r="0" g="0" b="0"/>
-        </a:lnRef>
-        <a:fillRef idx="1">
-          <a:scrgbClr r="0" g="0" b="0"/>
-        </a:fillRef>
-        <a:effectRef idx="0">
-          <a:scrgbClr r="0" g="0" b="0"/>
-        </a:effectRef>
-        <a:fontRef idx="minor">
-          <a:schemeClr val="lt1"/>
-        </a:fontRef>
-      </dsp:style>
-      <dsp:txBody>
-        <a:bodyPr spcFirstLastPara="0" vert="horz" wrap="square" lIns="57150" tIns="57150" rIns="57150" bIns="57150" numCol="1" spcCol="1270" anchor="ctr" anchorCtr="0">
-          <a:noAutofit/>
-        </a:bodyPr>
-        <a:lstStyle/>
-        <a:p>
-          <a:pPr lvl="0" algn="ctr" defTabSz="666750">
-            <a:lnSpc>
-              <a:spcPct val="90000"/>
-            </a:lnSpc>
-            <a:spcBef>
-              <a:spcPct val="0"/>
-            </a:spcBef>
-            <a:spcAft>
-              <a:spcPct val="35000"/>
-            </a:spcAft>
-          </a:pPr>
-          <a:r>
-            <a:rPr lang="pl-PL" sz="1500" kern="1200" dirty="0" smtClean="0"/>
-            <a:t>The browser contacts a right server</a:t>
-          </a:r>
-          <a:endParaRPr lang="en-CA" sz="1500" kern="1200" dirty="0"/>
-        </a:p>
-      </dsp:txBody>
-      <dsp:txXfrm>
-        <a:off x="3275402" y="31624"/>
-        <a:ext cx="1678795" cy="982815"/>
-      </dsp:txXfrm>
-    </dsp:sp>
-    <dsp:sp modelId="{C30D676A-8E69-4F70-A46D-6651B2C07ED2}">
-      <dsp:nvSpPr>
-        <dsp:cNvPr id="0" name=""/>
-        <dsp:cNvSpPr/>
-      </dsp:nvSpPr>
-      <dsp:spPr>
-        <a:xfrm>
-          <a:off x="5137890" y="307278"/>
-          <a:ext cx="368869" cy="431507"/>
-        </a:xfrm>
-        <a:prstGeom prst="rightArrow">
-          <a:avLst>
-            <a:gd name="adj1" fmla="val 60000"/>
-            <a:gd name="adj2" fmla="val 50000"/>
-          </a:avLst>
-        </a:prstGeom>
-        <a:solidFill>
-          <a:schemeClr val="accent1">
-            <a:tint val="60000"/>
-            <a:hueOff val="0"/>
-            <a:satOff val="0"/>
-            <a:lumOff val="0"/>
-            <a:alphaOff val="0"/>
-          </a:schemeClr>
-        </a:solidFill>
-        <a:ln>
-          <a:noFill/>
-        </a:ln>
-        <a:effectLst/>
-      </dsp:spPr>
-      <dsp:style>
-        <a:lnRef idx="0">
-          <a:scrgbClr r="0" g="0" b="0"/>
-        </a:lnRef>
-        <a:fillRef idx="1">
-          <a:scrgbClr r="0" g="0" b="0"/>
-        </a:fillRef>
-        <a:effectRef idx="0">
-          <a:scrgbClr r="0" g="0" b="0"/>
-        </a:effectRef>
-        <a:fontRef idx="minor">
-          <a:schemeClr val="lt1"/>
-        </a:fontRef>
-      </dsp:style>
-      <dsp:txBody>
-        <a:bodyPr spcFirstLastPara="0" vert="horz" wrap="square" lIns="0" tIns="0" rIns="0" bIns="0" numCol="1" spcCol="1270" anchor="ctr" anchorCtr="0">
-          <a:noAutofit/>
-        </a:bodyPr>
-        <a:lstStyle/>
-        <a:p>
-          <a:pPr lvl="0" algn="ctr" defTabSz="533400">
-            <a:lnSpc>
-              <a:spcPct val="90000"/>
-            </a:lnSpc>
-            <a:spcBef>
-              <a:spcPct val="0"/>
-            </a:spcBef>
-            <a:spcAft>
-              <a:spcPct val="35000"/>
-            </a:spcAft>
-          </a:pPr>
-          <a:endParaRPr lang="en-CA" sz="1200" kern="1200"/>
-        </a:p>
-      </dsp:txBody>
-      <dsp:txXfrm>
-        <a:off x="5137890" y="393579"/>
-        <a:ext cx="258208" cy="258905"/>
-      </dsp:txXfrm>
-    </dsp:sp>
-    <dsp:sp modelId="{EC74E0A0-BA94-43BD-A26D-6F856D898C92}">
-      <dsp:nvSpPr>
-        <dsp:cNvPr id="0" name=""/>
-        <dsp:cNvSpPr/>
-      </dsp:nvSpPr>
-      <dsp:spPr>
-        <a:xfrm>
-          <a:off x="5680754" y="1047"/>
-          <a:ext cx="1739949" cy="1043969"/>
-        </a:xfrm>
-        <a:prstGeom prst="roundRect">
-          <a:avLst>
-            <a:gd name="adj" fmla="val 10000"/>
-          </a:avLst>
-        </a:prstGeom>
-        <a:solidFill>
-          <a:schemeClr val="accent1">
-            <a:hueOff val="0"/>
-            <a:satOff val="0"/>
-            <a:lumOff val="0"/>
-            <a:alphaOff val="0"/>
-          </a:schemeClr>
-        </a:solidFill>
-        <a:ln w="25400" cap="flat" cmpd="sng" algn="ctr">
-          <a:solidFill>
-            <a:schemeClr val="lt1">
-              <a:hueOff val="0"/>
-              <a:satOff val="0"/>
-              <a:lumOff val="0"/>
-              <a:alphaOff val="0"/>
-            </a:schemeClr>
-          </a:solidFill>
-          <a:prstDash val="solid"/>
-        </a:ln>
-        <a:effectLst/>
-      </dsp:spPr>
-      <dsp:style>
-        <a:lnRef idx="2">
-          <a:scrgbClr r="0" g="0" b="0"/>
-        </a:lnRef>
-        <a:fillRef idx="1">
-          <a:scrgbClr r="0" g="0" b="0"/>
-        </a:fillRef>
-        <a:effectRef idx="0">
-          <a:scrgbClr r="0" g="0" b="0"/>
-        </a:effectRef>
-        <a:fontRef idx="minor">
-          <a:schemeClr val="lt1"/>
-        </a:fontRef>
-      </dsp:style>
-      <dsp:txBody>
-        <a:bodyPr spcFirstLastPara="0" vert="horz" wrap="square" lIns="57150" tIns="57150" rIns="57150" bIns="57150" numCol="1" spcCol="1270" anchor="ctr" anchorCtr="0">
-          <a:noAutofit/>
-        </a:bodyPr>
-        <a:lstStyle/>
-        <a:p>
-          <a:pPr lvl="0" algn="ctr" defTabSz="666750">
-            <a:lnSpc>
-              <a:spcPct val="90000"/>
-            </a:lnSpc>
-            <a:spcBef>
-              <a:spcPct val="0"/>
-            </a:spcBef>
-            <a:spcAft>
-              <a:spcPct val="35000"/>
-            </a:spcAft>
-          </a:pPr>
-          <a:r>
-            <a:rPr lang="pl-PL" sz="1500" kern="1200" dirty="0" smtClean="0"/>
-            <a:t>The server recognizes the request</a:t>
-          </a:r>
-          <a:endParaRPr lang="en-CA" sz="1500" kern="1200" dirty="0"/>
-        </a:p>
-      </dsp:txBody>
-      <dsp:txXfrm>
-        <a:off x="5711331" y="31624"/>
-        <a:ext cx="1678795" cy="982815"/>
-      </dsp:txXfrm>
-    </dsp:sp>
-    <dsp:sp modelId="{F72AE6EF-1BF3-4CF9-AE79-663AFF17237C}">
-      <dsp:nvSpPr>
-        <dsp:cNvPr id="0" name=""/>
-        <dsp:cNvSpPr/>
-      </dsp:nvSpPr>
-      <dsp:spPr>
-        <a:xfrm rot="5400000">
-          <a:off x="6366294" y="1166813"/>
-          <a:ext cx="368869" cy="431507"/>
-        </a:xfrm>
-        <a:prstGeom prst="rightArrow">
-          <a:avLst>
-            <a:gd name="adj1" fmla="val 60000"/>
-            <a:gd name="adj2" fmla="val 50000"/>
-          </a:avLst>
-        </a:prstGeom>
-        <a:solidFill>
-          <a:schemeClr val="accent1">
-            <a:tint val="60000"/>
-            <a:hueOff val="0"/>
-            <a:satOff val="0"/>
-            <a:lumOff val="0"/>
-            <a:alphaOff val="0"/>
-          </a:schemeClr>
-        </a:solidFill>
-        <a:ln>
-          <a:noFill/>
-        </a:ln>
-        <a:effectLst/>
-      </dsp:spPr>
-      <dsp:style>
-        <a:lnRef idx="0">
-          <a:scrgbClr r="0" g="0" b="0"/>
-        </a:lnRef>
-        <a:fillRef idx="1">
-          <a:scrgbClr r="0" g="0" b="0"/>
-        </a:fillRef>
-        <a:effectRef idx="0">
-          <a:scrgbClr r="0" g="0" b="0"/>
-        </a:effectRef>
-        <a:fontRef idx="minor">
-          <a:schemeClr val="lt1"/>
-        </a:fontRef>
-      </dsp:style>
-      <dsp:txBody>
-        <a:bodyPr spcFirstLastPara="0" vert="horz" wrap="square" lIns="0" tIns="0" rIns="0" bIns="0" numCol="1" spcCol="1270" anchor="ctr" anchorCtr="0">
-          <a:noAutofit/>
-        </a:bodyPr>
-        <a:lstStyle/>
-        <a:p>
-          <a:pPr lvl="0" algn="ctr" defTabSz="533400">
-            <a:lnSpc>
-              <a:spcPct val="90000"/>
-            </a:lnSpc>
-            <a:spcBef>
-              <a:spcPct val="0"/>
-            </a:spcBef>
-            <a:spcAft>
-              <a:spcPct val="35000"/>
-            </a:spcAft>
-          </a:pPr>
-          <a:endParaRPr lang="en-CA" sz="1200" kern="1200"/>
-        </a:p>
-      </dsp:txBody>
-      <dsp:txXfrm rot="-5400000">
-        <a:off x="6421277" y="1198132"/>
-        <a:ext cx="258905" cy="258208"/>
-      </dsp:txXfrm>
-    </dsp:sp>
-    <dsp:sp modelId="{9B033134-2ECD-4474-9E00-0F212BE493AE}">
-      <dsp:nvSpPr>
-        <dsp:cNvPr id="0" name=""/>
-        <dsp:cNvSpPr/>
-      </dsp:nvSpPr>
-      <dsp:spPr>
-        <a:xfrm>
-          <a:off x="5680754" y="1740996"/>
-          <a:ext cx="1739949" cy="1043969"/>
-        </a:xfrm>
-        <a:prstGeom prst="roundRect">
-          <a:avLst>
-            <a:gd name="adj" fmla="val 10000"/>
-          </a:avLst>
-        </a:prstGeom>
-        <a:solidFill>
-          <a:schemeClr val="accent1">
-            <a:hueOff val="0"/>
-            <a:satOff val="0"/>
-            <a:lumOff val="0"/>
-            <a:alphaOff val="0"/>
-          </a:schemeClr>
-        </a:solidFill>
-        <a:ln w="25400" cap="flat" cmpd="sng" algn="ctr">
-          <a:solidFill>
-            <a:schemeClr val="lt1">
-              <a:hueOff val="0"/>
-              <a:satOff val="0"/>
-              <a:lumOff val="0"/>
-              <a:alphaOff val="0"/>
-            </a:schemeClr>
-          </a:solidFill>
-          <a:prstDash val="solid"/>
-        </a:ln>
-        <a:effectLst/>
-      </dsp:spPr>
-      <dsp:style>
-        <a:lnRef idx="2">
-          <a:scrgbClr r="0" g="0" b="0"/>
-        </a:lnRef>
-        <a:fillRef idx="1">
-          <a:scrgbClr r="0" g="0" b="0"/>
-        </a:fillRef>
-        <a:effectRef idx="0">
-          <a:scrgbClr r="0" g="0" b="0"/>
-        </a:effectRef>
-        <a:fontRef idx="minor">
-          <a:schemeClr val="lt1"/>
-        </a:fontRef>
-      </dsp:style>
-      <dsp:txBody>
-        <a:bodyPr spcFirstLastPara="0" vert="horz" wrap="square" lIns="57150" tIns="57150" rIns="57150" bIns="57150" numCol="1" spcCol="1270" anchor="ctr" anchorCtr="0">
-          <a:noAutofit/>
-        </a:bodyPr>
-        <a:lstStyle/>
-        <a:p>
-          <a:pPr lvl="0" algn="ctr" defTabSz="666750">
-            <a:lnSpc>
-              <a:spcPct val="90000"/>
-            </a:lnSpc>
-            <a:spcBef>
-              <a:spcPct val="0"/>
-            </a:spcBef>
-            <a:spcAft>
-              <a:spcPct val="35000"/>
-            </a:spcAft>
-          </a:pPr>
-          <a:r>
-            <a:rPr lang="pl-PL" sz="1500" kern="1200" dirty="0" smtClean="0"/>
-            <a:t>The server finds a program bound to the address</a:t>
-          </a:r>
-          <a:endParaRPr lang="en-CA" sz="1500" kern="1200" dirty="0"/>
-        </a:p>
-      </dsp:txBody>
-      <dsp:txXfrm>
-        <a:off x="5711331" y="1771573"/>
-        <a:ext cx="1678795" cy="982815"/>
-      </dsp:txXfrm>
-    </dsp:sp>
-    <dsp:sp modelId="{8ECB1BFC-E720-4B13-A6F5-39366ABFD7B7}">
-      <dsp:nvSpPr>
-        <dsp:cNvPr id="0" name=""/>
-        <dsp:cNvSpPr/>
-      </dsp:nvSpPr>
-      <dsp:spPr>
-        <a:xfrm rot="10800000">
-          <a:off x="5158769" y="2047227"/>
-          <a:ext cx="368869" cy="431507"/>
-        </a:xfrm>
-        <a:prstGeom prst="rightArrow">
-          <a:avLst>
-            <a:gd name="adj1" fmla="val 60000"/>
-            <a:gd name="adj2" fmla="val 50000"/>
-          </a:avLst>
-        </a:prstGeom>
-        <a:solidFill>
-          <a:schemeClr val="accent1">
-            <a:tint val="60000"/>
-            <a:hueOff val="0"/>
-            <a:satOff val="0"/>
-            <a:lumOff val="0"/>
-            <a:alphaOff val="0"/>
-          </a:schemeClr>
-        </a:solidFill>
-        <a:ln>
-          <a:noFill/>
-        </a:ln>
-        <a:effectLst/>
-      </dsp:spPr>
-      <dsp:style>
-        <a:lnRef idx="0">
-          <a:scrgbClr r="0" g="0" b="0"/>
-        </a:lnRef>
-        <a:fillRef idx="1">
-          <a:scrgbClr r="0" g="0" b="0"/>
-        </a:fillRef>
-        <a:effectRef idx="0">
-          <a:scrgbClr r="0" g="0" b="0"/>
-        </a:effectRef>
-        <a:fontRef idx="minor">
-          <a:schemeClr val="lt1"/>
-        </a:fontRef>
-      </dsp:style>
-      <dsp:txBody>
-        <a:bodyPr spcFirstLastPara="0" vert="horz" wrap="square" lIns="0" tIns="0" rIns="0" bIns="0" numCol="1" spcCol="1270" anchor="ctr" anchorCtr="0">
-          <a:noAutofit/>
-        </a:bodyPr>
-        <a:lstStyle/>
-        <a:p>
-          <a:pPr lvl="0" algn="ctr" defTabSz="533400">
-            <a:lnSpc>
-              <a:spcPct val="90000"/>
-            </a:lnSpc>
-            <a:spcBef>
-              <a:spcPct val="0"/>
-            </a:spcBef>
-            <a:spcAft>
-              <a:spcPct val="35000"/>
-            </a:spcAft>
-          </a:pPr>
-          <a:endParaRPr lang="en-CA" sz="1200" kern="1200"/>
-        </a:p>
-      </dsp:txBody>
-      <dsp:txXfrm rot="10800000">
-        <a:off x="5269430" y="2133528"/>
-        <a:ext cx="258208" cy="258905"/>
-      </dsp:txXfrm>
-    </dsp:sp>
-    <dsp:sp modelId="{B92875FC-2553-45FA-840C-85167EC7540E}">
-      <dsp:nvSpPr>
-        <dsp:cNvPr id="0" name=""/>
-        <dsp:cNvSpPr/>
-      </dsp:nvSpPr>
-      <dsp:spPr>
-        <a:xfrm>
-          <a:off x="3244825" y="1740996"/>
-          <a:ext cx="1739949" cy="1043969"/>
-        </a:xfrm>
-        <a:prstGeom prst="roundRect">
-          <a:avLst>
-            <a:gd name="adj" fmla="val 10000"/>
-          </a:avLst>
-        </a:prstGeom>
-        <a:solidFill>
-          <a:schemeClr val="accent2"/>
-        </a:solidFill>
-        <a:ln w="25400" cap="flat" cmpd="sng" algn="ctr">
-          <a:solidFill>
-            <a:schemeClr val="lt1">
-              <a:hueOff val="0"/>
-              <a:satOff val="0"/>
-              <a:lumOff val="0"/>
-              <a:alphaOff val="0"/>
-            </a:schemeClr>
-          </a:solidFill>
-          <a:prstDash val="solid"/>
-        </a:ln>
-        <a:effectLst/>
-      </dsp:spPr>
-      <dsp:style>
-        <a:lnRef idx="2">
-          <a:scrgbClr r="0" g="0" b="0"/>
-        </a:lnRef>
-        <a:fillRef idx="1">
-          <a:scrgbClr r="0" g="0" b="0"/>
-        </a:fillRef>
-        <a:effectRef idx="0">
-          <a:scrgbClr r="0" g="0" b="0"/>
-        </a:effectRef>
-        <a:fontRef idx="minor">
-          <a:schemeClr val="lt1"/>
-        </a:fontRef>
-      </dsp:style>
-      <dsp:txBody>
-        <a:bodyPr spcFirstLastPara="0" vert="horz" wrap="square" lIns="57150" tIns="57150" rIns="57150" bIns="57150" numCol="1" spcCol="1270" anchor="ctr" anchorCtr="0">
-          <a:noAutofit/>
-        </a:bodyPr>
-        <a:lstStyle/>
-        <a:p>
-          <a:pPr lvl="0" algn="ctr" defTabSz="666750">
-            <a:lnSpc>
-              <a:spcPct val="90000"/>
-            </a:lnSpc>
-            <a:spcBef>
-              <a:spcPct val="0"/>
-            </a:spcBef>
-            <a:spcAft>
-              <a:spcPct val="35000"/>
-            </a:spcAft>
-          </a:pPr>
-          <a:r>
-            <a:rPr lang="pl-PL" sz="1500" kern="1200" dirty="0" smtClean="0"/>
-            <a:t>The program executes and returns an HTML document</a:t>
-          </a:r>
-          <a:endParaRPr lang="en-CA" sz="1500" kern="1200" dirty="0"/>
-        </a:p>
-      </dsp:txBody>
-      <dsp:txXfrm>
-        <a:off x="3275402" y="1771573"/>
-        <a:ext cx="1678795" cy="982815"/>
-      </dsp:txXfrm>
-    </dsp:sp>
-    <dsp:sp modelId="{0B155A41-750A-4B8A-87B2-1A847CD8BFC4}">
-      <dsp:nvSpPr>
-        <dsp:cNvPr id="0" name=""/>
-        <dsp:cNvSpPr/>
-      </dsp:nvSpPr>
-      <dsp:spPr>
-        <a:xfrm rot="10800000">
-          <a:off x="2722840" y="2047227"/>
-          <a:ext cx="368869" cy="431507"/>
-        </a:xfrm>
-        <a:prstGeom prst="rightArrow">
-          <a:avLst>
-            <a:gd name="adj1" fmla="val 60000"/>
-            <a:gd name="adj2" fmla="val 50000"/>
-          </a:avLst>
-        </a:prstGeom>
-        <a:solidFill>
-          <a:schemeClr val="accent1">
-            <a:tint val="60000"/>
-            <a:hueOff val="0"/>
-            <a:satOff val="0"/>
-            <a:lumOff val="0"/>
-            <a:alphaOff val="0"/>
-          </a:schemeClr>
-        </a:solidFill>
-        <a:ln>
-          <a:noFill/>
-        </a:ln>
-        <a:effectLst/>
-      </dsp:spPr>
-      <dsp:style>
-        <a:lnRef idx="0">
-          <a:scrgbClr r="0" g="0" b="0"/>
-        </a:lnRef>
-        <a:fillRef idx="1">
-          <a:scrgbClr r="0" g="0" b="0"/>
-        </a:fillRef>
-        <a:effectRef idx="0">
-          <a:scrgbClr r="0" g="0" b="0"/>
-        </a:effectRef>
-        <a:fontRef idx="minor">
-          <a:schemeClr val="lt1"/>
-        </a:fontRef>
-      </dsp:style>
-      <dsp:txBody>
-        <a:bodyPr spcFirstLastPara="0" vert="horz" wrap="square" lIns="0" tIns="0" rIns="0" bIns="0" numCol="1" spcCol="1270" anchor="ctr" anchorCtr="0">
-          <a:noAutofit/>
-        </a:bodyPr>
-        <a:lstStyle/>
-        <a:p>
-          <a:pPr lvl="0" algn="ctr" defTabSz="533400">
-            <a:lnSpc>
-              <a:spcPct val="90000"/>
-            </a:lnSpc>
-            <a:spcBef>
-              <a:spcPct val="0"/>
-            </a:spcBef>
-            <a:spcAft>
-              <a:spcPct val="35000"/>
-            </a:spcAft>
-          </a:pPr>
-          <a:endParaRPr lang="en-CA" sz="1200" kern="1200"/>
-        </a:p>
-      </dsp:txBody>
-      <dsp:txXfrm rot="10800000">
-        <a:off x="2833501" y="2133528"/>
-        <a:ext cx="258208" cy="258905"/>
-      </dsp:txXfrm>
-    </dsp:sp>
-    <dsp:sp modelId="{EADD79D6-3357-4B29-ADE7-838185515F82}">
-      <dsp:nvSpPr>
-        <dsp:cNvPr id="0" name=""/>
-        <dsp:cNvSpPr/>
-      </dsp:nvSpPr>
-      <dsp:spPr>
-        <a:xfrm>
-          <a:off x="808895" y="1740996"/>
-          <a:ext cx="1739949" cy="1043969"/>
-        </a:xfrm>
-        <a:prstGeom prst="roundRect">
-          <a:avLst>
-            <a:gd name="adj" fmla="val 10000"/>
-          </a:avLst>
-        </a:prstGeom>
-        <a:solidFill>
-          <a:schemeClr val="accent1">
-            <a:hueOff val="0"/>
-            <a:satOff val="0"/>
-            <a:lumOff val="0"/>
-            <a:alphaOff val="0"/>
-          </a:schemeClr>
-        </a:solidFill>
-        <a:ln w="25400" cap="flat" cmpd="sng" algn="ctr">
-          <a:solidFill>
-            <a:schemeClr val="lt1">
-              <a:hueOff val="0"/>
-              <a:satOff val="0"/>
-              <a:lumOff val="0"/>
-              <a:alphaOff val="0"/>
-            </a:schemeClr>
-          </a:solidFill>
-          <a:prstDash val="solid"/>
-        </a:ln>
-        <a:effectLst/>
-      </dsp:spPr>
-      <dsp:style>
-        <a:lnRef idx="2">
-          <a:scrgbClr r="0" g="0" b="0"/>
-        </a:lnRef>
-        <a:fillRef idx="1">
-          <a:scrgbClr r="0" g="0" b="0"/>
-        </a:fillRef>
-        <a:effectRef idx="0">
-          <a:scrgbClr r="0" g="0" b="0"/>
-        </a:effectRef>
-        <a:fontRef idx="minor">
-          <a:schemeClr val="lt1"/>
-        </a:fontRef>
-      </dsp:style>
-      <dsp:txBody>
-        <a:bodyPr spcFirstLastPara="0" vert="horz" wrap="square" lIns="57150" tIns="57150" rIns="57150" bIns="57150" numCol="1" spcCol="1270" anchor="ctr" anchorCtr="0">
-          <a:noAutofit/>
-        </a:bodyPr>
-        <a:lstStyle/>
-        <a:p>
-          <a:pPr lvl="0" algn="ctr" defTabSz="666750">
-            <a:lnSpc>
-              <a:spcPct val="90000"/>
-            </a:lnSpc>
-            <a:spcBef>
-              <a:spcPct val="0"/>
-            </a:spcBef>
-            <a:spcAft>
-              <a:spcPct val="35000"/>
-            </a:spcAft>
-          </a:pPr>
-          <a:r>
-            <a:rPr lang="pl-PL" sz="1500" kern="1200" dirty="0" smtClean="0"/>
-            <a:t>The browser downloads the document</a:t>
-          </a:r>
-          <a:endParaRPr lang="en-CA" sz="1500" kern="1200" dirty="0"/>
-        </a:p>
-      </dsp:txBody>
-      <dsp:txXfrm>
-        <a:off x="839472" y="1771573"/>
-        <a:ext cx="1678795" cy="982815"/>
-      </dsp:txXfrm>
-    </dsp:sp>
-    <dsp:sp modelId="{36A9ADF9-4278-47BA-8E79-91B6C5E5838B}">
-      <dsp:nvSpPr>
-        <dsp:cNvPr id="0" name=""/>
-        <dsp:cNvSpPr/>
-      </dsp:nvSpPr>
-      <dsp:spPr>
-        <a:xfrm rot="5400000">
-          <a:off x="1494435" y="2906762"/>
-          <a:ext cx="368869" cy="431507"/>
-        </a:xfrm>
-        <a:prstGeom prst="rightArrow">
-          <a:avLst>
-            <a:gd name="adj1" fmla="val 60000"/>
-            <a:gd name="adj2" fmla="val 50000"/>
-          </a:avLst>
-        </a:prstGeom>
-        <a:solidFill>
-          <a:schemeClr val="accent1">
-            <a:tint val="60000"/>
-            <a:hueOff val="0"/>
-            <a:satOff val="0"/>
-            <a:lumOff val="0"/>
-            <a:alphaOff val="0"/>
-          </a:schemeClr>
-        </a:solidFill>
-        <a:ln>
-          <a:noFill/>
-        </a:ln>
-        <a:effectLst/>
-      </dsp:spPr>
-      <dsp:style>
-        <a:lnRef idx="0">
-          <a:scrgbClr r="0" g="0" b="0"/>
-        </a:lnRef>
-        <a:fillRef idx="1">
-          <a:scrgbClr r="0" g="0" b="0"/>
-        </a:fillRef>
-        <a:effectRef idx="0">
-          <a:scrgbClr r="0" g="0" b="0"/>
-        </a:effectRef>
-        <a:fontRef idx="minor">
-          <a:schemeClr val="lt1"/>
-        </a:fontRef>
-      </dsp:style>
-      <dsp:txBody>
-        <a:bodyPr spcFirstLastPara="0" vert="horz" wrap="square" lIns="0" tIns="0" rIns="0" bIns="0" numCol="1" spcCol="1270" anchor="ctr" anchorCtr="0">
-          <a:noAutofit/>
-        </a:bodyPr>
-        <a:lstStyle/>
-        <a:p>
-          <a:pPr lvl="0" algn="ctr" defTabSz="533400">
-            <a:lnSpc>
-              <a:spcPct val="90000"/>
-            </a:lnSpc>
-            <a:spcBef>
-              <a:spcPct val="0"/>
-            </a:spcBef>
-            <a:spcAft>
-              <a:spcPct val="35000"/>
-            </a:spcAft>
-          </a:pPr>
-          <a:endParaRPr lang="en-CA" sz="1200" kern="1200"/>
-        </a:p>
-      </dsp:txBody>
-      <dsp:txXfrm rot="-5400000">
-        <a:off x="1549418" y="2938081"/>
-        <a:ext cx="258905" cy="258208"/>
-      </dsp:txXfrm>
-    </dsp:sp>
-    <dsp:sp modelId="{8E2AAF9F-7038-4F42-A312-7850B716D04E}">
-      <dsp:nvSpPr>
-        <dsp:cNvPr id="0" name=""/>
-        <dsp:cNvSpPr/>
-      </dsp:nvSpPr>
-      <dsp:spPr>
-        <a:xfrm>
-          <a:off x="808895" y="3480946"/>
-          <a:ext cx="1739949" cy="1043969"/>
-        </a:xfrm>
-        <a:prstGeom prst="roundRect">
-          <a:avLst>
-            <a:gd name="adj" fmla="val 10000"/>
-          </a:avLst>
-        </a:prstGeom>
-        <a:solidFill>
-          <a:schemeClr val="accent2"/>
-        </a:solidFill>
-        <a:ln w="25400" cap="flat" cmpd="sng" algn="ctr">
-          <a:solidFill>
-            <a:schemeClr val="lt1">
-              <a:hueOff val="0"/>
-              <a:satOff val="0"/>
-              <a:lumOff val="0"/>
-              <a:alphaOff val="0"/>
-            </a:schemeClr>
-          </a:solidFill>
-          <a:prstDash val="solid"/>
-        </a:ln>
-        <a:effectLst/>
-      </dsp:spPr>
-      <dsp:style>
-        <a:lnRef idx="2">
-          <a:scrgbClr r="0" g="0" b="0"/>
-        </a:lnRef>
-        <a:fillRef idx="1">
-          <a:scrgbClr r="0" g="0" b="0"/>
-        </a:fillRef>
-        <a:effectRef idx="0">
-          <a:scrgbClr r="0" g="0" b="0"/>
-        </a:effectRef>
-        <a:fontRef idx="minor">
-          <a:schemeClr val="lt1"/>
-        </a:fontRef>
-      </dsp:style>
-      <dsp:txBody>
-        <a:bodyPr spcFirstLastPara="0" vert="horz" wrap="square" lIns="57150" tIns="57150" rIns="57150" bIns="57150" numCol="1" spcCol="1270" anchor="ctr" anchorCtr="0">
-          <a:noAutofit/>
-        </a:bodyPr>
-        <a:lstStyle/>
-        <a:p>
-          <a:pPr lvl="0" algn="ctr" defTabSz="666750">
-            <a:lnSpc>
-              <a:spcPct val="90000"/>
-            </a:lnSpc>
-            <a:spcBef>
-              <a:spcPct val="0"/>
-            </a:spcBef>
-            <a:spcAft>
-              <a:spcPct val="35000"/>
-            </a:spcAft>
-          </a:pPr>
-          <a:r>
-            <a:rPr lang="pl-PL" sz="1500" kern="1200" dirty="0" smtClean="0"/>
-            <a:t>The browser executes all the code attached to the documents</a:t>
-          </a:r>
-          <a:endParaRPr lang="en-CA" sz="1500" kern="1200" dirty="0"/>
-        </a:p>
-      </dsp:txBody>
-      <dsp:txXfrm>
-        <a:off x="839472" y="3511523"/>
-        <a:ext cx="1678795" cy="982815"/>
-      </dsp:txXfrm>
-    </dsp:sp>
   </dsp:spTree>
 </dsp:drawing>
 </file>
@@ -3743,7 +2787,7 @@
           <a:p>
             <a:fld id="{9D3FBBFE-677F-4CC0-BF92-950C0F009223}" type="datetimeFigureOut">
               <a:rPr lang="en-CA" smtClean="0"/>
-              <a:t>11/10/2012</a:t>
+              <a:t>16/10/2012</a:t>
             </a:fld>
             <a:endParaRPr lang="en-CA"/>
           </a:p>
@@ -4084,7 +3128,7 @@
           <a:p>
             <a:fld id="{F036235D-DA40-4917-9347-5AA27D26558A}" type="slidenum">
               <a:rPr lang="en-CA" smtClean="0"/>
-              <a:t>5</a:t>
+              <a:t>6</a:t>
             </a:fld>
             <a:endParaRPr lang="en-CA"/>
           </a:p>
@@ -4202,7 +3246,7 @@
           <a:p>
             <a:fld id="{F036235D-DA40-4917-9347-5AA27D26558A}" type="slidenum">
               <a:rPr lang="en-CA" smtClean="0"/>
-              <a:t>6</a:t>
+              <a:t>7</a:t>
             </a:fld>
             <a:endParaRPr lang="en-CA"/>
           </a:p>
@@ -4294,7 +3338,7 @@
           <a:p>
             <a:fld id="{F036235D-DA40-4917-9347-5AA27D26558A}" type="slidenum">
               <a:rPr lang="en-CA" smtClean="0"/>
-              <a:t>12</a:t>
+              <a:t>13</a:t>
             </a:fld>
             <a:endParaRPr lang="en-CA"/>
           </a:p>
@@ -4386,7 +3430,7 @@
           <a:p>
             <a:fld id="{F036235D-DA40-4917-9347-5AA27D26558A}" type="slidenum">
               <a:rPr lang="en-CA" smtClean="0"/>
-              <a:t>16</a:t>
+              <a:t>17</a:t>
             </a:fld>
             <a:endParaRPr lang="en-CA"/>
           </a:p>
@@ -4482,7 +3526,7 @@
           <a:p>
             <a:fld id="{F036235D-DA40-4917-9347-5AA27D26558A}" type="slidenum">
               <a:rPr lang="en-CA" smtClean="0"/>
-              <a:t>19</a:t>
+              <a:t>20</a:t>
             </a:fld>
             <a:endParaRPr lang="en-CA"/>
           </a:p>
@@ -4576,7 +3620,7 @@
           <a:p>
             <a:fld id="{F036235D-DA40-4917-9347-5AA27D26558A}" type="slidenum">
               <a:rPr lang="en-CA" smtClean="0"/>
-              <a:t>28</a:t>
+              <a:t>29</a:t>
             </a:fld>
             <a:endParaRPr lang="en-CA"/>
           </a:p>
@@ -4674,7 +3718,7 @@
           <a:p>
             <a:fld id="{F036235D-DA40-4917-9347-5AA27D26558A}" type="slidenum">
               <a:rPr lang="en-CA" smtClean="0"/>
-              <a:t>29</a:t>
+              <a:t>30</a:t>
             </a:fld>
             <a:endParaRPr lang="en-CA"/>
           </a:p>
@@ -4786,7 +3830,7 @@
           <a:p>
             <a:fld id="{F036235D-DA40-4917-9347-5AA27D26558A}" type="slidenum">
               <a:rPr lang="en-CA" smtClean="0"/>
-              <a:t>30</a:t>
+              <a:t>31</a:t>
             </a:fld>
             <a:endParaRPr lang="en-CA"/>
           </a:p>
@@ -10557,7 +9601,7 @@
           <a:p>
             <a:fld id="{450045EB-F0A2-405F-866B-BCD425706225}" type="datetimeFigureOut">
               <a:rPr lang="en-CA" smtClean="0"/>
-              <a:t>11/10/2012</a:t>
+              <a:t>16/10/2012</a:t>
             </a:fld>
             <a:endParaRPr lang="en-CA"/>
           </a:p>
@@ -11589,6 +10633,170 @@
 </file>
 
 <file path=ppt/slides/slide10.xml><?xml version="1.0" encoding="utf-8"?>
+<p:sld xmlns:a="http://schemas.openxmlformats.org/drawingml/2006/main" xmlns:r="http://schemas.openxmlformats.org/officeDocument/2006/relationships" xmlns:p="http://schemas.openxmlformats.org/presentationml/2006/main">
+  <p:cSld>
+    <p:spTree>
+      <p:nvGrpSpPr>
+        <p:cNvPr id="1" name=""/>
+        <p:cNvGrpSpPr/>
+        <p:nvPr/>
+      </p:nvGrpSpPr>
+      <p:grpSpPr>
+        <a:xfrm>
+          <a:off x="0" y="0"/>
+          <a:ext cx="0" cy="0"/>
+          <a:chOff x="0" y="0"/>
+          <a:chExt cx="0" cy="0"/>
+        </a:xfrm>
+      </p:grpSpPr>
+      <p:sp>
+        <p:nvSpPr>
+          <p:cNvPr id="2" name="Content Placeholder 1"/>
+          <p:cNvSpPr>
+            <a:spLocks noGrp="1"/>
+          </p:cNvSpPr>
+          <p:nvPr>
+            <p:ph idx="1"/>
+            <p:custDataLst>
+              <p:tags r:id="rId2"/>
+            </p:custDataLst>
+          </p:nvPr>
+        </p:nvSpPr>
+        <p:spPr/>
+        <p:txBody>
+          <a:bodyPr/>
+          <a:lstStyle/>
+          <a:p>
+            <a:endParaRPr lang="en-CA" dirty="0"/>
+          </a:p>
+        </p:txBody>
+      </p:sp>
+      <p:sp>
+        <p:nvSpPr>
+          <p:cNvPr id="3" name="Title 2"/>
+          <p:cNvSpPr>
+            <a:spLocks noGrp="1"/>
+          </p:cNvSpPr>
+          <p:nvPr>
+            <p:ph type="title"/>
+            <p:custDataLst>
+              <p:tags r:id="rId3"/>
+            </p:custDataLst>
+          </p:nvPr>
+        </p:nvSpPr>
+        <p:spPr/>
+        <p:txBody>
+          <a:bodyPr/>
+          <a:lstStyle/>
+          <a:p>
+            <a:r>
+              <a:rPr lang="pl-PL" dirty="0" smtClean="0"/>
+              <a:t>Compiling</a:t>
+            </a:r>
+            <a:endParaRPr lang="en-CA" dirty="0"/>
+          </a:p>
+        </p:txBody>
+      </p:sp>
+      <p:pic>
+        <p:nvPicPr>
+          <p:cNvPr id="1028" name="Picture 4"/>
+          <p:cNvPicPr>
+            <a:picLocks noChangeAspect="1" noChangeArrowheads="1"/>
+          </p:cNvPicPr>
+          <p:nvPr>
+            <p:custDataLst>
+              <p:tags r:id="rId4"/>
+            </p:custDataLst>
+          </p:nvPr>
+        </p:nvPicPr>
+        <p:blipFill>
+          <a:blip r:embed="rId6">
+            <a:extLst>
+              <a:ext uri="{28A0092B-C50C-407E-A947-70E740481C1C}">
+                <a14:useLocalDpi xmlns:a14="http://schemas.microsoft.com/office/drawing/2010/main" val="0"/>
+              </a:ext>
+            </a:extLst>
+          </a:blip>
+          <a:srcRect/>
+          <a:stretch>
+            <a:fillRect/>
+          </a:stretch>
+        </p:blipFill>
+        <p:spPr bwMode="auto">
+          <a:xfrm>
+            <a:off x="2267744" y="404664"/>
+            <a:ext cx="5283200" cy="5867400"/>
+          </a:xfrm>
+          <a:prstGeom prst="rect">
+            <a:avLst/>
+          </a:prstGeom>
+          <a:noFill/>
+          <a:ln>
+            <a:noFill/>
+          </a:ln>
+          <a:effectLst/>
+          <a:extLst>
+            <a:ext uri="{909E8E84-426E-40DD-AFC4-6F175D3DCCD1}">
+              <a14:hiddenFill xmlns:a14="http://schemas.microsoft.com/office/drawing/2010/main">
+                <a:solidFill>
+                  <a:schemeClr val="accent1"/>
+                </a:solidFill>
+              </a14:hiddenFill>
+            </a:ext>
+            <a:ext uri="{91240B29-F687-4F45-9708-019B960494DF}">
+              <a14:hiddenLine xmlns:a14="http://schemas.microsoft.com/office/drawing/2010/main" w="9525">
+                <a:solidFill>
+                  <a:schemeClr val="tx1"/>
+                </a:solidFill>
+                <a:miter lim="800000"/>
+                <a:headEnd/>
+                <a:tailEnd/>
+              </a14:hiddenLine>
+            </a:ext>
+            <a:ext uri="{AF507438-7753-43E0-B8FC-AC1667EBCBE1}">
+              <a14:hiddenEffects xmlns:a14="http://schemas.microsoft.com/office/drawing/2010/main">
+                <a:effectLst>
+                  <a:outerShdw dist="35921" dir="2700000" algn="ctr" rotWithShape="0">
+                    <a:schemeClr val="bg2"/>
+                  </a:outerShdw>
+                </a:effectLst>
+              </a14:hiddenEffects>
+            </a:ext>
+          </a:extLst>
+        </p:spPr>
+      </p:pic>
+    </p:spTree>
+    <p:custDataLst>
+      <p:tags r:id="rId1"/>
+    </p:custDataLst>
+    <p:extLst>
+      <p:ext uri="{BB962C8B-B14F-4D97-AF65-F5344CB8AC3E}">
+        <p14:creationId xmlns:p14="http://schemas.microsoft.com/office/powerpoint/2010/main" val="3995626755"/>
+      </p:ext>
+    </p:extLst>
+  </p:cSld>
+  <p:clrMapOvr>
+    <a:masterClrMapping/>
+  </p:clrMapOvr>
+  <mc:AlternateContent xmlns:mc="http://schemas.openxmlformats.org/markup-compatibility/2006" xmlns:p14="http://schemas.microsoft.com/office/powerpoint/2010/main">
+    <mc:Choice Requires="p14">
+      <p:transition spd="slow" p14:dur="2000"/>
+    </mc:Choice>
+    <mc:Fallback xmlns="">
+      <p:transition spd="slow"/>
+    </mc:Fallback>
+  </mc:AlternateContent>
+  <p:timing>
+    <p:tnLst>
+      <p:par>
+        <p:cTn id="1" dur="indefinite" restart="never" nodeType="tmRoot"/>
+      </p:par>
+    </p:tnLst>
+  </p:timing>
+</p:sld>
+</file>
+
+<file path=ppt/slides/slide11.xml><?xml version="1.0" encoding="utf-8"?>
 <p:sld xmlns:a="http://schemas.openxmlformats.org/drawingml/2006/main" xmlns:r="http://schemas.openxmlformats.org/officeDocument/2006/relationships" xmlns:p="http://schemas.openxmlformats.org/presentationml/2006/main" show="0">
   <p:cSld>
     <p:spTree>
@@ -11802,7 +11010,7 @@
 </p:sld>
 </file>
 
-<file path=ppt/slides/slide11.xml><?xml version="1.0" encoding="utf-8"?>
+<file path=ppt/slides/slide12.xml><?xml version="1.0" encoding="utf-8"?>
 <p:sld xmlns:a="http://schemas.openxmlformats.org/drawingml/2006/main" xmlns:r="http://schemas.openxmlformats.org/officeDocument/2006/relationships" xmlns:p="http://schemas.openxmlformats.org/presentationml/2006/main" show="0">
   <p:cSld>
     <p:spTree>
@@ -11966,7 +11174,7 @@
 </p:sld>
 </file>
 
-<file path=ppt/slides/slide12.xml><?xml version="1.0" encoding="utf-8"?>
+<file path=ppt/slides/slide13.xml><?xml version="1.0" encoding="utf-8"?>
 <p:sld xmlns:a="http://schemas.openxmlformats.org/drawingml/2006/main" xmlns:r="http://schemas.openxmlformats.org/officeDocument/2006/relationships" xmlns:p="http://schemas.openxmlformats.org/presentationml/2006/main" show="0">
   <p:cSld>
     <p:spTree>
@@ -12188,7 +11396,7 @@
 </p:sld>
 </file>
 
-<file path=ppt/slides/slide13.xml><?xml version="1.0" encoding="utf-8"?>
+<file path=ppt/slides/slide14.xml><?xml version="1.0" encoding="utf-8"?>
 <p:sld xmlns:a="http://schemas.openxmlformats.org/drawingml/2006/main" xmlns:r="http://schemas.openxmlformats.org/officeDocument/2006/relationships" xmlns:p="http://schemas.openxmlformats.org/presentationml/2006/main" show="0">
   <p:cSld>
     <p:spTree>
@@ -12352,7 +11560,7 @@
 </p:sld>
 </file>
 
-<file path=ppt/slides/slide14.xml><?xml version="1.0" encoding="utf-8"?>
+<file path=ppt/slides/slide15.xml><?xml version="1.0" encoding="utf-8"?>
 <p:sld xmlns:a="http://schemas.openxmlformats.org/drawingml/2006/main" xmlns:r="http://schemas.openxmlformats.org/officeDocument/2006/relationships" xmlns:p="http://schemas.openxmlformats.org/presentationml/2006/main" show="0">
   <p:cSld>
     <p:spTree>
@@ -12570,7 +11778,7 @@
 </p:sld>
 </file>
 
-<file path=ppt/slides/slide15.xml><?xml version="1.0" encoding="utf-8"?>
+<file path=ppt/slides/slide16.xml><?xml version="1.0" encoding="utf-8"?>
 <p:sld xmlns:a="http://schemas.openxmlformats.org/drawingml/2006/main" xmlns:r="http://schemas.openxmlformats.org/officeDocument/2006/relationships" xmlns:p="http://schemas.openxmlformats.org/presentationml/2006/main">
   <p:cSld>
     <p:spTree>
@@ -12672,7 +11880,7 @@
 </p:sld>
 </file>
 
-<file path=ppt/slides/slide16.xml><?xml version="1.0" encoding="utf-8"?>
+<file path=ppt/slides/slide17.xml><?xml version="1.0" encoding="utf-8"?>
 <p:sld xmlns:a="http://schemas.openxmlformats.org/drawingml/2006/main" xmlns:r="http://schemas.openxmlformats.org/officeDocument/2006/relationships" xmlns:p="http://schemas.openxmlformats.org/presentationml/2006/main">
   <p:cSld>
     <p:spTree>
@@ -12894,7 +12102,7 @@
 </p:sld>
 </file>
 
-<file path=ppt/slides/slide17.xml><?xml version="1.0" encoding="utf-8"?>
+<file path=ppt/slides/slide18.xml><?xml version="1.0" encoding="utf-8"?>
 <p:sld xmlns:a="http://schemas.openxmlformats.org/drawingml/2006/main" xmlns:r="http://schemas.openxmlformats.org/officeDocument/2006/relationships" xmlns:p="http://schemas.openxmlformats.org/presentationml/2006/main">
   <p:cSld>
     <p:spTree>
@@ -14257,102 +13465,6 @@
 </p:sld>
 </file>
 
-<file path=ppt/slides/slide18.xml><?xml version="1.0" encoding="utf-8"?>
-<p:sld xmlns:a="http://schemas.openxmlformats.org/drawingml/2006/main" xmlns:r="http://schemas.openxmlformats.org/officeDocument/2006/relationships" xmlns:p="http://schemas.openxmlformats.org/presentationml/2006/main">
-  <p:cSld>
-    <p:spTree>
-      <p:nvGrpSpPr>
-        <p:cNvPr id="1" name=""/>
-        <p:cNvGrpSpPr/>
-        <p:nvPr/>
-      </p:nvGrpSpPr>
-      <p:grpSpPr>
-        <a:xfrm>
-          <a:off x="0" y="0"/>
-          <a:ext cx="0" cy="0"/>
-          <a:chOff x="0" y="0"/>
-          <a:chExt cx="0" cy="0"/>
-        </a:xfrm>
-      </p:grpSpPr>
-      <p:sp>
-        <p:nvSpPr>
-          <p:cNvPr id="2" name="Content Placeholder 1"/>
-          <p:cNvSpPr>
-            <a:spLocks noGrp="1"/>
-          </p:cNvSpPr>
-          <p:nvPr>
-            <p:ph idx="1"/>
-            <p:custDataLst>
-              <p:tags r:id="rId2"/>
-            </p:custDataLst>
-          </p:nvPr>
-        </p:nvSpPr>
-        <p:spPr/>
-        <p:txBody>
-          <a:bodyPr/>
-          <a:lstStyle/>
-          <a:p>
-            <a:endParaRPr lang="en-CA"/>
-          </a:p>
-        </p:txBody>
-      </p:sp>
-      <p:sp>
-        <p:nvSpPr>
-          <p:cNvPr id="3" name="Title 2"/>
-          <p:cNvSpPr>
-            <a:spLocks noGrp="1"/>
-          </p:cNvSpPr>
-          <p:nvPr>
-            <p:ph type="title"/>
-            <p:custDataLst>
-              <p:tags r:id="rId3"/>
-            </p:custDataLst>
-          </p:nvPr>
-        </p:nvSpPr>
-        <p:spPr/>
-        <p:txBody>
-          <a:bodyPr/>
-          <a:lstStyle/>
-          <a:p>
-            <a:r>
-              <a:rPr lang="pl-PL" dirty="0" smtClean="0"/>
-              <a:t>Let’s get our hands dirty!</a:t>
-            </a:r>
-            <a:endParaRPr lang="en-CA" dirty="0"/>
-          </a:p>
-        </p:txBody>
-      </p:sp>
-    </p:spTree>
-    <p:custDataLst>
-      <p:tags r:id="rId1"/>
-    </p:custDataLst>
-    <p:extLst>
-      <p:ext uri="{BB962C8B-B14F-4D97-AF65-F5344CB8AC3E}">
-        <p14:creationId xmlns:p14="http://schemas.microsoft.com/office/powerpoint/2010/main" val="2904853408"/>
-      </p:ext>
-    </p:extLst>
-  </p:cSld>
-  <p:clrMapOvr>
-    <a:masterClrMapping/>
-  </p:clrMapOvr>
-  <mc:AlternateContent xmlns:mc="http://schemas.openxmlformats.org/markup-compatibility/2006" xmlns:p14="http://schemas.microsoft.com/office/powerpoint/2010/main">
-    <mc:Choice Requires="p14">
-      <p:transition spd="slow" p14:dur="2000"/>
-    </mc:Choice>
-    <mc:Fallback xmlns="">
-      <p:transition spd="slow"/>
-    </mc:Fallback>
-  </mc:AlternateContent>
-  <p:timing>
-    <p:tnLst>
-      <p:par>
-        <p:cTn id="1" dur="indefinite" restart="never" nodeType="tmRoot"/>
-      </p:par>
-    </p:tnLst>
-  </p:timing>
-</p:sld>
-</file>
-
 <file path=ppt/slides/slide19.xml><?xml version="1.0" encoding="utf-8"?>
 <p:sld xmlns:a="http://schemas.openxmlformats.org/drawingml/2006/main" xmlns:r="http://schemas.openxmlformats.org/officeDocument/2006/relationships" xmlns:p="http://schemas.openxmlformats.org/presentationml/2006/main">
   <p:cSld>
@@ -14372,12 +13484,12 @@
       </p:grpSpPr>
       <p:sp>
         <p:nvSpPr>
-          <p:cNvPr id="2" name="Title 1"/>
+          <p:cNvPr id="2" name="Content Placeholder 1"/>
           <p:cNvSpPr>
             <a:spLocks noGrp="1"/>
           </p:cNvSpPr>
           <p:nvPr>
-            <p:ph type="title"/>
+            <p:ph idx="1"/>
             <p:custDataLst>
               <p:tags r:id="rId2"/>
             </p:custDataLst>
@@ -14388,22 +13500,18 @@
           <a:bodyPr/>
           <a:lstStyle/>
           <a:p>
-            <a:r>
-              <a:rPr lang="pl-PL" dirty="0" smtClean="0"/>
-              <a:t>Establish a project</a:t>
-            </a:r>
-            <a:endParaRPr lang="en-CA" dirty="0"/>
+            <a:endParaRPr lang="en-CA"/>
           </a:p>
         </p:txBody>
       </p:sp>
       <p:sp>
         <p:nvSpPr>
-          <p:cNvPr id="3" name="Content Placeholder 2"/>
+          <p:cNvPr id="3" name="Title 2"/>
           <p:cNvSpPr>
             <a:spLocks noGrp="1"/>
           </p:cNvSpPr>
           <p:nvPr>
-            <p:ph sz="quarter" idx="10"/>
+            <p:ph type="title"/>
             <p:custDataLst>
               <p:tags r:id="rId3"/>
             </p:custDataLst>
@@ -14416,139 +13524,7 @@
           <a:p>
             <a:r>
               <a:rPr lang="pl-PL" dirty="0" smtClean="0"/>
-              <a:t>Login to coderun.com</a:t>
-            </a:r>
-            <a:endParaRPr lang="en-CA" dirty="0"/>
-          </a:p>
-        </p:txBody>
-      </p:sp>
-      <p:sp>
-        <p:nvSpPr>
-          <p:cNvPr id="4" name="Content Placeholder 3"/>
-          <p:cNvSpPr>
-            <a:spLocks noGrp="1"/>
-          </p:cNvSpPr>
-          <p:nvPr>
-            <p:ph sz="quarter" idx="11"/>
-            <p:custDataLst>
-              <p:tags r:id="rId4"/>
-            </p:custDataLst>
-          </p:nvPr>
-        </p:nvSpPr>
-        <p:spPr/>
-        <p:txBody>
-          <a:bodyPr/>
-          <a:lstStyle/>
-          <a:p>
-            <a:r>
-              <a:rPr lang="pl-PL" dirty="0" smtClean="0"/>
-              <a:t>Click New</a:t>
-            </a:r>
-            <a:endParaRPr lang="en-CA" dirty="0"/>
-          </a:p>
-        </p:txBody>
-      </p:sp>
-      <p:sp>
-        <p:nvSpPr>
-          <p:cNvPr id="5" name="Content Placeholder 4"/>
-          <p:cNvSpPr>
-            <a:spLocks noGrp="1"/>
-          </p:cNvSpPr>
-          <p:nvPr>
-            <p:ph sz="quarter" idx="12"/>
-            <p:custDataLst>
-              <p:tags r:id="rId5"/>
-            </p:custDataLst>
-          </p:nvPr>
-        </p:nvSpPr>
-        <p:spPr/>
-        <p:txBody>
-          <a:bodyPr/>
-          <a:lstStyle/>
-          <a:p>
-            <a:r>
-              <a:rPr lang="pl-PL" sz="2800" dirty="0" smtClean="0"/>
-              <a:t>Select </a:t>
-            </a:r>
-          </a:p>
-          <a:p>
-            <a:r>
-              <a:rPr lang="pl-PL" sz="2400" dirty="0" smtClean="0"/>
-              <a:t>ASP.NET MVC Web Application</a:t>
-            </a:r>
-            <a:endParaRPr lang="en-CA" sz="2400" dirty="0"/>
-          </a:p>
-        </p:txBody>
-      </p:sp>
-      <p:sp>
-        <p:nvSpPr>
-          <p:cNvPr id="6" name="Content Placeholder 5"/>
-          <p:cNvSpPr>
-            <a:spLocks noGrp="1"/>
-          </p:cNvSpPr>
-          <p:nvPr>
-            <p:ph sz="quarter" idx="13"/>
-            <p:custDataLst>
-              <p:tags r:id="rId6"/>
-            </p:custDataLst>
-          </p:nvPr>
-        </p:nvSpPr>
-        <p:spPr/>
-        <p:txBody>
-          <a:bodyPr/>
-          <a:lstStyle/>
-          <a:p>
-            <a:r>
-              <a:rPr lang="pl-PL" dirty="0" smtClean="0"/>
-              <a:t>Run</a:t>
-            </a:r>
-            <a:endParaRPr lang="en-CA" dirty="0"/>
-          </a:p>
-        </p:txBody>
-      </p:sp>
-      <p:sp>
-        <p:nvSpPr>
-          <p:cNvPr id="7" name="Content Placeholder 6"/>
-          <p:cNvSpPr>
-            <a:spLocks noGrp="1"/>
-          </p:cNvSpPr>
-          <p:nvPr>
-            <p:ph sz="quarter" idx="14"/>
-            <p:custDataLst>
-              <p:tags r:id="rId7"/>
-            </p:custDataLst>
-          </p:nvPr>
-        </p:nvSpPr>
-        <p:spPr/>
-        <p:txBody>
-          <a:bodyPr/>
-          <a:lstStyle/>
-          <a:p>
-            <a:endParaRPr lang="en-CA"/>
-          </a:p>
-        </p:txBody>
-      </p:sp>
-      <p:sp>
-        <p:nvSpPr>
-          <p:cNvPr id="8" name="Content Placeholder 7"/>
-          <p:cNvSpPr>
-            <a:spLocks noGrp="1"/>
-          </p:cNvSpPr>
-          <p:nvPr>
-            <p:ph sz="quarter" idx="15"/>
-            <p:custDataLst>
-              <p:tags r:id="rId8"/>
-            </p:custDataLst>
-          </p:nvPr>
-        </p:nvSpPr>
-        <p:spPr/>
-        <p:txBody>
-          <a:bodyPr/>
-          <a:lstStyle/>
-          <a:p>
-            <a:r>
-              <a:rPr lang="pl-PL" dirty="0" smtClean="0"/>
-              <a:t>Build</a:t>
+              <a:t>Let’s get our hands dirty!</a:t>
             </a:r>
             <a:endParaRPr lang="en-CA" dirty="0"/>
           </a:p>
@@ -14560,7 +13536,7 @@
     </p:custDataLst>
     <p:extLst>
       <p:ext uri="{BB962C8B-B14F-4D97-AF65-F5344CB8AC3E}">
-        <p14:creationId xmlns:p14="http://schemas.microsoft.com/office/powerpoint/2010/main" val="2959301131"/>
+        <p14:creationId xmlns:p14="http://schemas.microsoft.com/office/powerpoint/2010/main" val="2904853408"/>
       </p:ext>
     </p:extLst>
   </p:cSld>
@@ -16228,6 +15204,238 @@
       </p:grpSpPr>
       <p:sp>
         <p:nvSpPr>
+          <p:cNvPr id="2" name="Title 1"/>
+          <p:cNvSpPr>
+            <a:spLocks noGrp="1"/>
+          </p:cNvSpPr>
+          <p:nvPr>
+            <p:ph type="title"/>
+            <p:custDataLst>
+              <p:tags r:id="rId2"/>
+            </p:custDataLst>
+          </p:nvPr>
+        </p:nvSpPr>
+        <p:spPr/>
+        <p:txBody>
+          <a:bodyPr/>
+          <a:lstStyle/>
+          <a:p>
+            <a:r>
+              <a:rPr lang="pl-PL" dirty="0" smtClean="0"/>
+              <a:t>Establish a project</a:t>
+            </a:r>
+            <a:endParaRPr lang="en-CA" dirty="0"/>
+          </a:p>
+        </p:txBody>
+      </p:sp>
+      <p:sp>
+        <p:nvSpPr>
+          <p:cNvPr id="3" name="Content Placeholder 2"/>
+          <p:cNvSpPr>
+            <a:spLocks noGrp="1"/>
+          </p:cNvSpPr>
+          <p:nvPr>
+            <p:ph sz="quarter" idx="10"/>
+            <p:custDataLst>
+              <p:tags r:id="rId3"/>
+            </p:custDataLst>
+          </p:nvPr>
+        </p:nvSpPr>
+        <p:spPr/>
+        <p:txBody>
+          <a:bodyPr/>
+          <a:lstStyle/>
+          <a:p>
+            <a:r>
+              <a:rPr lang="pl-PL" dirty="0" smtClean="0"/>
+              <a:t>Login to coderun.com</a:t>
+            </a:r>
+            <a:endParaRPr lang="en-CA" dirty="0"/>
+          </a:p>
+        </p:txBody>
+      </p:sp>
+      <p:sp>
+        <p:nvSpPr>
+          <p:cNvPr id="4" name="Content Placeholder 3"/>
+          <p:cNvSpPr>
+            <a:spLocks noGrp="1"/>
+          </p:cNvSpPr>
+          <p:nvPr>
+            <p:ph sz="quarter" idx="11"/>
+            <p:custDataLst>
+              <p:tags r:id="rId4"/>
+            </p:custDataLst>
+          </p:nvPr>
+        </p:nvSpPr>
+        <p:spPr/>
+        <p:txBody>
+          <a:bodyPr/>
+          <a:lstStyle/>
+          <a:p>
+            <a:r>
+              <a:rPr lang="pl-PL" dirty="0" smtClean="0"/>
+              <a:t>Click New</a:t>
+            </a:r>
+            <a:endParaRPr lang="en-CA" dirty="0"/>
+          </a:p>
+        </p:txBody>
+      </p:sp>
+      <p:sp>
+        <p:nvSpPr>
+          <p:cNvPr id="5" name="Content Placeholder 4"/>
+          <p:cNvSpPr>
+            <a:spLocks noGrp="1"/>
+          </p:cNvSpPr>
+          <p:nvPr>
+            <p:ph sz="quarter" idx="12"/>
+            <p:custDataLst>
+              <p:tags r:id="rId5"/>
+            </p:custDataLst>
+          </p:nvPr>
+        </p:nvSpPr>
+        <p:spPr/>
+        <p:txBody>
+          <a:bodyPr/>
+          <a:lstStyle/>
+          <a:p>
+            <a:r>
+              <a:rPr lang="pl-PL" sz="2800" dirty="0" smtClean="0"/>
+              <a:t>Select </a:t>
+            </a:r>
+          </a:p>
+          <a:p>
+            <a:r>
+              <a:rPr lang="pl-PL" sz="2400" dirty="0" smtClean="0"/>
+              <a:t>ASP.NET MVC Web Application</a:t>
+            </a:r>
+            <a:endParaRPr lang="en-CA" sz="2400" dirty="0"/>
+          </a:p>
+        </p:txBody>
+      </p:sp>
+      <p:sp>
+        <p:nvSpPr>
+          <p:cNvPr id="6" name="Content Placeholder 5"/>
+          <p:cNvSpPr>
+            <a:spLocks noGrp="1"/>
+          </p:cNvSpPr>
+          <p:nvPr>
+            <p:ph sz="quarter" idx="13"/>
+            <p:custDataLst>
+              <p:tags r:id="rId6"/>
+            </p:custDataLst>
+          </p:nvPr>
+        </p:nvSpPr>
+        <p:spPr/>
+        <p:txBody>
+          <a:bodyPr/>
+          <a:lstStyle/>
+          <a:p>
+            <a:r>
+              <a:rPr lang="pl-PL" dirty="0" smtClean="0"/>
+              <a:t>Run</a:t>
+            </a:r>
+            <a:endParaRPr lang="en-CA" dirty="0"/>
+          </a:p>
+        </p:txBody>
+      </p:sp>
+      <p:sp>
+        <p:nvSpPr>
+          <p:cNvPr id="7" name="Content Placeholder 6"/>
+          <p:cNvSpPr>
+            <a:spLocks noGrp="1"/>
+          </p:cNvSpPr>
+          <p:nvPr>
+            <p:ph sz="quarter" idx="14"/>
+            <p:custDataLst>
+              <p:tags r:id="rId7"/>
+            </p:custDataLst>
+          </p:nvPr>
+        </p:nvSpPr>
+        <p:spPr/>
+        <p:txBody>
+          <a:bodyPr/>
+          <a:lstStyle/>
+          <a:p>
+            <a:endParaRPr lang="en-CA"/>
+          </a:p>
+        </p:txBody>
+      </p:sp>
+      <p:sp>
+        <p:nvSpPr>
+          <p:cNvPr id="8" name="Content Placeholder 7"/>
+          <p:cNvSpPr>
+            <a:spLocks noGrp="1"/>
+          </p:cNvSpPr>
+          <p:nvPr>
+            <p:ph sz="quarter" idx="15"/>
+            <p:custDataLst>
+              <p:tags r:id="rId8"/>
+            </p:custDataLst>
+          </p:nvPr>
+        </p:nvSpPr>
+        <p:spPr/>
+        <p:txBody>
+          <a:bodyPr/>
+          <a:lstStyle/>
+          <a:p>
+            <a:r>
+              <a:rPr lang="pl-PL" dirty="0" smtClean="0"/>
+              <a:t>Build</a:t>
+            </a:r>
+            <a:endParaRPr lang="en-CA" dirty="0"/>
+          </a:p>
+        </p:txBody>
+      </p:sp>
+    </p:spTree>
+    <p:custDataLst>
+      <p:tags r:id="rId1"/>
+    </p:custDataLst>
+    <p:extLst>
+      <p:ext uri="{BB962C8B-B14F-4D97-AF65-F5344CB8AC3E}">
+        <p14:creationId xmlns:p14="http://schemas.microsoft.com/office/powerpoint/2010/main" val="2959301131"/>
+      </p:ext>
+    </p:extLst>
+  </p:cSld>
+  <p:clrMapOvr>
+    <a:masterClrMapping/>
+  </p:clrMapOvr>
+  <mc:AlternateContent xmlns:mc="http://schemas.openxmlformats.org/markup-compatibility/2006" xmlns:p14="http://schemas.microsoft.com/office/powerpoint/2010/main">
+    <mc:Choice Requires="p14">
+      <p:transition spd="slow" p14:dur="2000"/>
+    </mc:Choice>
+    <mc:Fallback xmlns="">
+      <p:transition spd="slow"/>
+    </mc:Fallback>
+  </mc:AlternateContent>
+  <p:timing>
+    <p:tnLst>
+      <p:par>
+        <p:cTn id="1" dur="indefinite" restart="never" nodeType="tmRoot"/>
+      </p:par>
+    </p:tnLst>
+  </p:timing>
+</p:sld>
+</file>
+
+<file path=ppt/slides/slide21.xml><?xml version="1.0" encoding="utf-8"?>
+<p:sld xmlns:a="http://schemas.openxmlformats.org/drawingml/2006/main" xmlns:r="http://schemas.openxmlformats.org/officeDocument/2006/relationships" xmlns:p="http://schemas.openxmlformats.org/presentationml/2006/main">
+  <p:cSld>
+    <p:spTree>
+      <p:nvGrpSpPr>
+        <p:cNvPr id="1" name=""/>
+        <p:cNvGrpSpPr/>
+        <p:nvPr/>
+      </p:nvGrpSpPr>
+      <p:grpSpPr>
+        <a:xfrm>
+          <a:off x="0" y="0"/>
+          <a:ext cx="0" cy="0"/>
+          <a:chOff x="0" y="0"/>
+          <a:chExt cx="0" cy="0"/>
+        </a:xfrm>
+      </p:grpSpPr>
+      <p:sp>
+        <p:nvSpPr>
           <p:cNvPr id="3" name="Title 2"/>
           <p:cNvSpPr>
             <a:spLocks noGrp="1"/>
@@ -16862,7 +16070,7 @@
 </p:sld>
 </file>
 
-<file path=ppt/slides/slide21.xml><?xml version="1.0" encoding="utf-8"?>
+<file path=ppt/slides/slide22.xml><?xml version="1.0" encoding="utf-8"?>
 <p:sld xmlns:a="http://schemas.openxmlformats.org/drawingml/2006/main" xmlns:r="http://schemas.openxmlformats.org/officeDocument/2006/relationships" xmlns:p="http://schemas.openxmlformats.org/presentationml/2006/main">
   <p:cSld>
     <p:spTree>
@@ -17088,7 +16296,7 @@
 </p:sld>
 </file>
 
-<file path=ppt/slides/slide22.xml><?xml version="1.0" encoding="utf-8"?>
+<file path=ppt/slides/slide23.xml><?xml version="1.0" encoding="utf-8"?>
 <p:sld xmlns:a="http://schemas.openxmlformats.org/drawingml/2006/main" xmlns:r="http://schemas.openxmlformats.org/officeDocument/2006/relationships" xmlns:p="http://schemas.openxmlformats.org/presentationml/2006/main">
   <p:cSld>
     <p:spTree>
@@ -17326,7 +16534,7 @@
 </p:sld>
 </file>
 
-<file path=ppt/slides/slide23.xml><?xml version="1.0" encoding="utf-8"?>
+<file path=ppt/slides/slide24.xml><?xml version="1.0" encoding="utf-8"?>
 <p:sld xmlns:a="http://schemas.openxmlformats.org/drawingml/2006/main" xmlns:r="http://schemas.openxmlformats.org/officeDocument/2006/relationships" xmlns:p="http://schemas.openxmlformats.org/presentationml/2006/main">
   <p:cSld>
     <p:spTree>
@@ -17569,7 +16777,7 @@
 </p:sld>
 </file>
 
-<file path=ppt/slides/slide24.xml><?xml version="1.0" encoding="utf-8"?>
+<file path=ppt/slides/slide25.xml><?xml version="1.0" encoding="utf-8"?>
 <p:sld xmlns:a="http://schemas.openxmlformats.org/drawingml/2006/main" xmlns:r="http://schemas.openxmlformats.org/officeDocument/2006/relationships" xmlns:p="http://schemas.openxmlformats.org/presentationml/2006/main">
   <p:cSld>
     <p:spTree>
@@ -17829,7 +17037,7 @@
 </p:sld>
 </file>
 
-<file path=ppt/slides/slide25.xml><?xml version="1.0" encoding="utf-8"?>
+<file path=ppt/slides/slide26.xml><?xml version="1.0" encoding="utf-8"?>
 <p:sld xmlns:a="http://schemas.openxmlformats.org/drawingml/2006/main" xmlns:r="http://schemas.openxmlformats.org/officeDocument/2006/relationships" xmlns:p="http://schemas.openxmlformats.org/presentationml/2006/main">
   <p:cSld>
     <p:spTree>
@@ -18213,7 +17421,7 @@
 </p:sld>
 </file>
 
-<file path=ppt/slides/slide26.xml><?xml version="1.0" encoding="utf-8"?>
+<file path=ppt/slides/slide27.xml><?xml version="1.0" encoding="utf-8"?>
 <p:sld xmlns:a="http://schemas.openxmlformats.org/drawingml/2006/main" xmlns:r="http://schemas.openxmlformats.org/officeDocument/2006/relationships" xmlns:p="http://schemas.openxmlformats.org/presentationml/2006/main">
   <p:cSld>
     <p:spTree>
@@ -18626,7 +17834,7 @@
 </p:sld>
 </file>
 
-<file path=ppt/slides/slide27.xml><?xml version="1.0" encoding="utf-8"?>
+<file path=ppt/slides/slide28.xml><?xml version="1.0" encoding="utf-8"?>
 <p:sld xmlns:a="http://schemas.openxmlformats.org/drawingml/2006/main" xmlns:r="http://schemas.openxmlformats.org/officeDocument/2006/relationships" xmlns:p="http://schemas.openxmlformats.org/presentationml/2006/main">
   <p:cSld>
     <p:spTree>
@@ -19022,7 +18230,7 @@
 </p:sld>
 </file>
 
-<file path=ppt/slides/slide28.xml><?xml version="1.0" encoding="utf-8"?>
+<file path=ppt/slides/slide29.xml><?xml version="1.0" encoding="utf-8"?>
 <p:sld xmlns:a="http://schemas.openxmlformats.org/drawingml/2006/main" xmlns:r="http://schemas.openxmlformats.org/officeDocument/2006/relationships" xmlns:p="http://schemas.openxmlformats.org/presentationml/2006/main">
   <p:cSld>
     <p:spTree>
@@ -19819,7 +19027,227 @@
 </p:sld>
 </file>
 
-<file path=ppt/slides/slide29.xml><?xml version="1.0" encoding="utf-8"?>
+<file path=ppt/slides/slide3.xml><?xml version="1.0" encoding="utf-8"?>
+<p:sld xmlns:a="http://schemas.openxmlformats.org/drawingml/2006/main" xmlns:r="http://schemas.openxmlformats.org/officeDocument/2006/relationships" xmlns:p="http://schemas.openxmlformats.org/presentationml/2006/main">
+  <p:cSld>
+    <p:spTree>
+      <p:nvGrpSpPr>
+        <p:cNvPr id="1" name=""/>
+        <p:cNvGrpSpPr/>
+        <p:nvPr/>
+      </p:nvGrpSpPr>
+      <p:grpSpPr>
+        <a:xfrm>
+          <a:off x="0" y="0"/>
+          <a:ext cx="0" cy="0"/>
+          <a:chOff x="0" y="0"/>
+          <a:chExt cx="0" cy="0"/>
+        </a:xfrm>
+      </p:grpSpPr>
+      <p:sp>
+        <p:nvSpPr>
+          <p:cNvPr id="2" name="Title 1"/>
+          <p:cNvSpPr>
+            <a:spLocks noGrp="1"/>
+          </p:cNvSpPr>
+          <p:nvPr>
+            <p:ph type="title"/>
+          </p:nvPr>
+        </p:nvSpPr>
+        <p:spPr/>
+        <p:txBody>
+          <a:bodyPr/>
+          <a:lstStyle/>
+          <a:p>
+            <a:r>
+              <a:rPr lang="pl-PL" dirty="0" smtClean="0"/>
+              <a:t>Infusion is hiring</a:t>
+            </a:r>
+            <a:endParaRPr lang="en-CA" dirty="0"/>
+          </a:p>
+        </p:txBody>
+      </p:sp>
+      <p:sp>
+        <p:nvSpPr>
+          <p:cNvPr id="3" name="Content Placeholder 2"/>
+          <p:cNvSpPr>
+            <a:spLocks noGrp="1"/>
+          </p:cNvSpPr>
+          <p:nvPr>
+            <p:ph sz="quarter" idx="10"/>
+          </p:nvPr>
+        </p:nvSpPr>
+        <p:spPr/>
+        <p:txBody>
+          <a:bodyPr/>
+          <a:lstStyle/>
+          <a:p>
+            <a:r>
+              <a:rPr lang="pl-PL" dirty="0" smtClean="0"/>
+              <a:t>.NET Consultants</a:t>
+            </a:r>
+            <a:endParaRPr lang="en-CA" dirty="0"/>
+          </a:p>
+        </p:txBody>
+      </p:sp>
+      <p:sp>
+        <p:nvSpPr>
+          <p:cNvPr id="4" name="Content Placeholder 3"/>
+          <p:cNvSpPr>
+            <a:spLocks noGrp="1"/>
+          </p:cNvSpPr>
+          <p:nvPr>
+            <p:ph sz="quarter" idx="11"/>
+          </p:nvPr>
+        </p:nvSpPr>
+        <p:spPr/>
+        <p:txBody>
+          <a:bodyPr/>
+          <a:lstStyle/>
+          <a:p>
+            <a:r>
+              <a:rPr lang="pl-PL" sz="2800" dirty="0"/>
+              <a:t>O</a:t>
+            </a:r>
+            <a:r>
+              <a:rPr lang="pl-PL" sz="2800" dirty="0" smtClean="0"/>
+              <a:t>ne year of experience or senior</a:t>
+            </a:r>
+            <a:endParaRPr lang="en-CA" sz="2800" dirty="0"/>
+          </a:p>
+        </p:txBody>
+      </p:sp>
+      <p:sp>
+        <p:nvSpPr>
+          <p:cNvPr id="5" name="Content Placeholder 4"/>
+          <p:cNvSpPr>
+            <a:spLocks noGrp="1"/>
+          </p:cNvSpPr>
+          <p:nvPr>
+            <p:ph sz="quarter" idx="12"/>
+          </p:nvPr>
+        </p:nvSpPr>
+        <p:spPr/>
+        <p:txBody>
+          <a:bodyPr/>
+          <a:lstStyle/>
+          <a:p>
+            <a:r>
+              <a:rPr lang="pl-PL" sz="2800" dirty="0"/>
+              <a:t>Front-end developer (HTML/CSS)</a:t>
+            </a:r>
+            <a:endParaRPr lang="en-CA" sz="2800" dirty="0"/>
+          </a:p>
+        </p:txBody>
+      </p:sp>
+      <p:sp>
+        <p:nvSpPr>
+          <p:cNvPr id="6" name="Content Placeholder 5"/>
+          <p:cNvSpPr>
+            <a:spLocks noGrp="1"/>
+          </p:cNvSpPr>
+          <p:nvPr>
+            <p:ph sz="quarter" idx="13"/>
+          </p:nvPr>
+        </p:nvSpPr>
+        <p:spPr/>
+        <p:txBody>
+          <a:bodyPr/>
+          <a:lstStyle/>
+          <a:p>
+            <a:r>
+              <a:rPr lang="pl-PL" sz="2800" dirty="0"/>
+              <a:t>QA Analyst/Tester (Junior/Senior)</a:t>
+            </a:r>
+            <a:endParaRPr lang="en-CA" sz="2800" dirty="0"/>
+          </a:p>
+        </p:txBody>
+      </p:sp>
+      <p:sp>
+        <p:nvSpPr>
+          <p:cNvPr id="7" name="Content Placeholder 6"/>
+          <p:cNvSpPr>
+            <a:spLocks noGrp="1"/>
+          </p:cNvSpPr>
+          <p:nvPr>
+            <p:ph sz="quarter" idx="14"/>
+          </p:nvPr>
+        </p:nvSpPr>
+        <p:spPr/>
+        <p:txBody>
+          <a:bodyPr/>
+          <a:lstStyle/>
+          <a:p>
+            <a:r>
+              <a:rPr lang="pl-PL" smtClean="0"/>
+              <a:t>infusion.com</a:t>
+            </a:r>
+            <a:r>
+              <a:rPr lang="pl-PL" dirty="0" smtClean="0"/>
+              <a:t>/</a:t>
+            </a:r>
+          </a:p>
+          <a:p>
+            <a:r>
+              <a:rPr lang="pl-PL" dirty="0" smtClean="0"/>
+              <a:t>careers</a:t>
+            </a:r>
+            <a:endParaRPr lang="en-CA" dirty="0"/>
+          </a:p>
+        </p:txBody>
+      </p:sp>
+      <p:sp>
+        <p:nvSpPr>
+          <p:cNvPr id="8" name="Content Placeholder 7"/>
+          <p:cNvSpPr>
+            <a:spLocks noGrp="1"/>
+          </p:cNvSpPr>
+          <p:nvPr>
+            <p:ph sz="quarter" idx="15"/>
+          </p:nvPr>
+        </p:nvSpPr>
+        <p:spPr/>
+        <p:txBody>
+          <a:bodyPr/>
+          <a:lstStyle/>
+          <a:p>
+            <a:r>
+              <a:rPr lang="pl-PL" dirty="0"/>
+              <a:t>Graphic designer (Ps, Ai, mobile)</a:t>
+            </a:r>
+            <a:endParaRPr lang="en-CA" dirty="0"/>
+          </a:p>
+        </p:txBody>
+      </p:sp>
+    </p:spTree>
+    <p:extLst>
+      <p:ext uri="{BB962C8B-B14F-4D97-AF65-F5344CB8AC3E}">
+        <p14:creationId xmlns:p14="http://schemas.microsoft.com/office/powerpoint/2010/main" val="207932423"/>
+      </p:ext>
+    </p:extLst>
+  </p:cSld>
+  <p:clrMapOvr>
+    <a:masterClrMapping/>
+  </p:clrMapOvr>
+  <mc:AlternateContent xmlns:mc="http://schemas.openxmlformats.org/markup-compatibility/2006" xmlns:p14="http://schemas.microsoft.com/office/powerpoint/2010/main">
+    <mc:Choice Requires="p14">
+      <p:transition spd="slow" p14:dur="2000"/>
+    </mc:Choice>
+    <mc:Fallback xmlns="">
+      <p:transition spd="slow"/>
+    </mc:Fallback>
+  </mc:AlternateContent>
+  <p:timing>
+    <p:tnLst>
+      <p:par>
+        <p:cTn id="1" dur="indefinite" restart="never" nodeType="tmRoot"/>
+      </p:par>
+    </p:tnLst>
+  </p:timing>
+</p:sld>
+</file>
+
+<file path=ppt/slides/slide30.xml><?xml version="1.0" encoding="utf-8"?>
 <p:sld xmlns:a="http://schemas.openxmlformats.org/drawingml/2006/main" xmlns:r="http://schemas.openxmlformats.org/officeDocument/2006/relationships" xmlns:p="http://schemas.openxmlformats.org/presentationml/2006/main">
   <p:cSld>
     <p:spTree>
@@ -20206,211 +19634,7 @@
 </p:sld>
 </file>
 
-<file path=ppt/slides/slide3.xml><?xml version="1.0" encoding="utf-8"?>
-<p:sld xmlns:a="http://schemas.openxmlformats.org/drawingml/2006/main" xmlns:r="http://schemas.openxmlformats.org/officeDocument/2006/relationships" xmlns:p="http://schemas.openxmlformats.org/presentationml/2006/main">
-  <p:cSld>
-    <p:spTree>
-      <p:nvGrpSpPr>
-        <p:cNvPr id="1" name=""/>
-        <p:cNvGrpSpPr/>
-        <p:nvPr/>
-      </p:nvGrpSpPr>
-      <p:grpSpPr>
-        <a:xfrm>
-          <a:off x="0" y="0"/>
-          <a:ext cx="0" cy="0"/>
-          <a:chOff x="0" y="0"/>
-          <a:chExt cx="0" cy="0"/>
-        </a:xfrm>
-      </p:grpSpPr>
-      <p:sp>
-        <p:nvSpPr>
-          <p:cNvPr id="2" name="Title 1"/>
-          <p:cNvSpPr>
-            <a:spLocks noGrp="1"/>
-          </p:cNvSpPr>
-          <p:nvPr>
-            <p:ph type="title"/>
-            <p:custDataLst>
-              <p:tags r:id="rId2"/>
-            </p:custDataLst>
-          </p:nvPr>
-        </p:nvSpPr>
-        <p:spPr/>
-        <p:txBody>
-          <a:bodyPr/>
-          <a:lstStyle/>
-          <a:p>
-            <a:r>
-              <a:rPr lang="pl-PL" dirty="0" smtClean="0"/>
-              <a:t>Agenda</a:t>
-            </a:r>
-            <a:endParaRPr lang="en-CA" dirty="0"/>
-          </a:p>
-        </p:txBody>
-      </p:sp>
-      <p:sp>
-        <p:nvSpPr>
-          <p:cNvPr id="3" name="Content Placeholder 2"/>
-          <p:cNvSpPr>
-            <a:spLocks noGrp="1"/>
-          </p:cNvSpPr>
-          <p:nvPr>
-            <p:ph sz="quarter" idx="10"/>
-            <p:custDataLst>
-              <p:tags r:id="rId3"/>
-            </p:custDataLst>
-          </p:nvPr>
-        </p:nvSpPr>
-        <p:spPr/>
-        <p:txBody>
-          <a:bodyPr/>
-          <a:lstStyle/>
-          <a:p>
-            <a:r>
-              <a:rPr lang="pl-PL" dirty="0" smtClean="0"/>
-              <a:t>Programming in general</a:t>
-            </a:r>
-            <a:endParaRPr lang="en-CA" dirty="0"/>
-          </a:p>
-        </p:txBody>
-      </p:sp>
-      <p:sp>
-        <p:nvSpPr>
-          <p:cNvPr id="4" name="Content Placeholder 3"/>
-          <p:cNvSpPr>
-            <a:spLocks noGrp="1"/>
-          </p:cNvSpPr>
-          <p:nvPr>
-            <p:ph sz="quarter" idx="11"/>
-            <p:custDataLst>
-              <p:tags r:id="rId4"/>
-            </p:custDataLst>
-          </p:nvPr>
-        </p:nvSpPr>
-        <p:spPr/>
-        <p:txBody>
-          <a:bodyPr/>
-          <a:lstStyle/>
-          <a:p>
-            <a:r>
-              <a:rPr lang="pl-PL" dirty="0" smtClean="0"/>
-              <a:t>Different techs and languages</a:t>
-            </a:r>
-            <a:endParaRPr lang="en-CA" dirty="0"/>
-          </a:p>
-        </p:txBody>
-      </p:sp>
-      <p:sp>
-        <p:nvSpPr>
-          <p:cNvPr id="5" name="Content Placeholder 4"/>
-          <p:cNvSpPr>
-            <a:spLocks noGrp="1"/>
-          </p:cNvSpPr>
-          <p:nvPr>
-            <p:ph sz="quarter" idx="12"/>
-            <p:custDataLst>
-              <p:tags r:id="rId5"/>
-            </p:custDataLst>
-          </p:nvPr>
-        </p:nvSpPr>
-        <p:spPr/>
-        <p:txBody>
-          <a:bodyPr/>
-          <a:lstStyle/>
-          <a:p>
-            <a:r>
-              <a:rPr lang="pl-PL" dirty="0" smtClean="0"/>
-              <a:t>Programming for the Web</a:t>
-            </a:r>
-            <a:endParaRPr lang="en-CA" dirty="0"/>
-          </a:p>
-        </p:txBody>
-      </p:sp>
-      <p:sp>
-        <p:nvSpPr>
-          <p:cNvPr id="6" name="Content Placeholder 5"/>
-          <p:cNvSpPr>
-            <a:spLocks noGrp="1"/>
-          </p:cNvSpPr>
-          <p:nvPr>
-            <p:ph sz="quarter" idx="13"/>
-            <p:custDataLst>
-              <p:tags r:id="rId6"/>
-            </p:custDataLst>
-          </p:nvPr>
-        </p:nvSpPr>
-        <p:spPr/>
-        <p:txBody>
-          <a:bodyPr/>
-          <a:lstStyle/>
-          <a:p>
-            <a:r>
-              <a:rPr lang="pl-PL" dirty="0" smtClean="0"/>
-              <a:t>Hands On Lab</a:t>
-            </a:r>
-            <a:endParaRPr lang="en-CA" dirty="0"/>
-          </a:p>
-        </p:txBody>
-      </p:sp>
-      <p:sp>
-        <p:nvSpPr>
-          <p:cNvPr id="8" name="Content Placeholder 7"/>
-          <p:cNvSpPr>
-            <a:spLocks noGrp="1"/>
-          </p:cNvSpPr>
-          <p:nvPr>
-            <p:ph sz="quarter" idx="15"/>
-            <p:custDataLst>
-              <p:tags r:id="rId7"/>
-            </p:custDataLst>
-          </p:nvPr>
-        </p:nvSpPr>
-        <p:spPr/>
-        <p:txBody>
-          <a:bodyPr/>
-          <a:lstStyle/>
-          <a:p>
-            <a:r>
-              <a:rPr lang="pl-PL" dirty="0" smtClean="0"/>
-              <a:t>Introduction to OOP</a:t>
-            </a:r>
-            <a:endParaRPr lang="en-CA" dirty="0"/>
-          </a:p>
-        </p:txBody>
-      </p:sp>
-    </p:spTree>
-    <p:custDataLst>
-      <p:tags r:id="rId1"/>
-    </p:custDataLst>
-    <p:extLst>
-      <p:ext uri="{BB962C8B-B14F-4D97-AF65-F5344CB8AC3E}">
-        <p14:creationId xmlns:p14="http://schemas.microsoft.com/office/powerpoint/2010/main" val="1702833156"/>
-      </p:ext>
-    </p:extLst>
-  </p:cSld>
-  <p:clrMapOvr>
-    <a:masterClrMapping/>
-  </p:clrMapOvr>
-  <mc:AlternateContent xmlns:mc="http://schemas.openxmlformats.org/markup-compatibility/2006" xmlns:p14="http://schemas.microsoft.com/office/powerpoint/2010/main">
-    <mc:Choice Requires="p14">
-      <p:transition spd="slow" p14:dur="2000"/>
-    </mc:Choice>
-    <mc:Fallback xmlns="">
-      <p:transition spd="slow"/>
-    </mc:Fallback>
-  </mc:AlternateContent>
-  <p:timing>
-    <p:tnLst>
-      <p:par>
-        <p:cTn id="1" dur="indefinite" restart="never" nodeType="tmRoot"/>
-      </p:par>
-    </p:tnLst>
-  </p:timing>
-</p:sld>
-</file>
-
-<file path=ppt/slides/slide30.xml><?xml version="1.0" encoding="utf-8"?>
+<file path=ppt/slides/slide31.xml><?xml version="1.0" encoding="utf-8"?>
 <p:sld xmlns:a="http://schemas.openxmlformats.org/drawingml/2006/main" xmlns:r="http://schemas.openxmlformats.org/officeDocument/2006/relationships" xmlns:p="http://schemas.openxmlformats.org/presentationml/2006/main">
   <p:cSld>
     <p:spTree>
@@ -20810,7 +20034,7 @@
 </p:sld>
 </file>
 
-<file path=ppt/slides/slide31.xml><?xml version="1.0" encoding="utf-8"?>
+<file path=ppt/slides/slide32.xml><?xml version="1.0" encoding="utf-8"?>
 <p:sld xmlns:a="http://schemas.openxmlformats.org/drawingml/2006/main" xmlns:r="http://schemas.openxmlformats.org/officeDocument/2006/relationships" xmlns:p="http://schemas.openxmlformats.org/presentationml/2006/main">
   <p:cSld>
     <p:spTree>
@@ -21242,7 +20466,7 @@
 </p:sld>
 </file>
 
-<file path=ppt/slides/slide32.xml><?xml version="1.0" encoding="utf-8"?>
+<file path=ppt/slides/slide33.xml><?xml version="1.0" encoding="utf-8"?>
 <p:sld xmlns:a="http://schemas.openxmlformats.org/drawingml/2006/main" xmlns:r="http://schemas.openxmlformats.org/officeDocument/2006/relationships" xmlns:p="http://schemas.openxmlformats.org/presentationml/2006/main">
   <p:cSld>
     <p:spTree>
@@ -21635,7 +20859,7 @@
 </p:sld>
 </file>
 
-<file path=ppt/slides/slide33.xml><?xml version="1.0" encoding="utf-8"?>
+<file path=ppt/slides/slide34.xml><?xml version="1.0" encoding="utf-8"?>
 <p:sld xmlns:a="http://schemas.openxmlformats.org/drawingml/2006/main" xmlns:r="http://schemas.openxmlformats.org/officeDocument/2006/relationships" xmlns:p="http://schemas.openxmlformats.org/presentationml/2006/main">
   <p:cSld>
     <p:spTree>
@@ -22172,7 +21396,7 @@
 </p:sld>
 </file>
 
-<file path=ppt/slides/slide34.xml><?xml version="1.0" encoding="utf-8"?>
+<file path=ppt/slides/slide35.xml><?xml version="1.0" encoding="utf-8"?>
 <p:sld xmlns:a="http://schemas.openxmlformats.org/drawingml/2006/main" xmlns:r="http://schemas.openxmlformats.org/officeDocument/2006/relationships" xmlns:p="http://schemas.openxmlformats.org/presentationml/2006/main">
   <p:cSld>
     <p:spTree>
@@ -22703,7 +21927,7 @@
 </p:sld>
 </file>
 
-<file path=ppt/slides/slide35.xml><?xml version="1.0" encoding="utf-8"?>
+<file path=ppt/slides/slide36.xml><?xml version="1.0" encoding="utf-8"?>
 <p:sld xmlns:a="http://schemas.openxmlformats.org/drawingml/2006/main" xmlns:r="http://schemas.openxmlformats.org/officeDocument/2006/relationships" xmlns:p="http://schemas.openxmlformats.org/presentationml/2006/main">
   <p:cSld>
     <p:spTree>
@@ -23088,7 +22312,7 @@
 </p:sld>
 </file>
 
-<file path=ppt/slides/slide36.xml><?xml version="1.0" encoding="utf-8"?>
+<file path=ppt/slides/slide37.xml><?xml version="1.0" encoding="utf-8"?>
 <p:sld xmlns:a="http://schemas.openxmlformats.org/drawingml/2006/main" xmlns:r="http://schemas.openxmlformats.org/officeDocument/2006/relationships" xmlns:p="http://schemas.openxmlformats.org/presentationml/2006/main">
   <p:cSld>
     <p:spTree>
@@ -23682,7 +22906,7 @@
 </p:sld>
 </file>
 
-<file path=ppt/slides/slide37.xml><?xml version="1.0" encoding="utf-8"?>
+<file path=ppt/slides/slide38.xml><?xml version="1.0" encoding="utf-8"?>
 <p:sld xmlns:a="http://schemas.openxmlformats.org/drawingml/2006/main" xmlns:r="http://schemas.openxmlformats.org/officeDocument/2006/relationships" xmlns:p="http://schemas.openxmlformats.org/presentationml/2006/main">
   <p:cSld>
     <p:spTree>
@@ -24271,7 +23495,7 @@
 </p:sld>
 </file>
 
-<file path=ppt/slides/slide38.xml><?xml version="1.0" encoding="utf-8"?>
+<file path=ppt/slides/slide39.xml><?xml version="1.0" encoding="utf-8"?>
 <p:sld xmlns:a="http://schemas.openxmlformats.org/drawingml/2006/main" xmlns:r="http://schemas.openxmlformats.org/officeDocument/2006/relationships" xmlns:p="http://schemas.openxmlformats.org/presentationml/2006/main">
   <p:cSld>
     <p:spTree>
@@ -24895,6 +24119,210 @@
       </p:grpSpPr>
       <p:sp>
         <p:nvSpPr>
+          <p:cNvPr id="2" name="Title 1"/>
+          <p:cNvSpPr>
+            <a:spLocks noGrp="1"/>
+          </p:cNvSpPr>
+          <p:nvPr>
+            <p:ph type="title"/>
+            <p:custDataLst>
+              <p:tags r:id="rId2"/>
+            </p:custDataLst>
+          </p:nvPr>
+        </p:nvSpPr>
+        <p:spPr/>
+        <p:txBody>
+          <a:bodyPr/>
+          <a:lstStyle/>
+          <a:p>
+            <a:r>
+              <a:rPr lang="pl-PL" dirty="0" smtClean="0"/>
+              <a:t>Agenda</a:t>
+            </a:r>
+            <a:endParaRPr lang="en-CA" dirty="0"/>
+          </a:p>
+        </p:txBody>
+      </p:sp>
+      <p:sp>
+        <p:nvSpPr>
+          <p:cNvPr id="3" name="Content Placeholder 2"/>
+          <p:cNvSpPr>
+            <a:spLocks noGrp="1"/>
+          </p:cNvSpPr>
+          <p:nvPr>
+            <p:ph sz="quarter" idx="10"/>
+            <p:custDataLst>
+              <p:tags r:id="rId3"/>
+            </p:custDataLst>
+          </p:nvPr>
+        </p:nvSpPr>
+        <p:spPr/>
+        <p:txBody>
+          <a:bodyPr/>
+          <a:lstStyle/>
+          <a:p>
+            <a:r>
+              <a:rPr lang="pl-PL" dirty="0" smtClean="0"/>
+              <a:t>Programming in general</a:t>
+            </a:r>
+            <a:endParaRPr lang="en-CA" dirty="0"/>
+          </a:p>
+        </p:txBody>
+      </p:sp>
+      <p:sp>
+        <p:nvSpPr>
+          <p:cNvPr id="4" name="Content Placeholder 3"/>
+          <p:cNvSpPr>
+            <a:spLocks noGrp="1"/>
+          </p:cNvSpPr>
+          <p:nvPr>
+            <p:ph sz="quarter" idx="11"/>
+            <p:custDataLst>
+              <p:tags r:id="rId4"/>
+            </p:custDataLst>
+          </p:nvPr>
+        </p:nvSpPr>
+        <p:spPr/>
+        <p:txBody>
+          <a:bodyPr/>
+          <a:lstStyle/>
+          <a:p>
+            <a:r>
+              <a:rPr lang="pl-PL" dirty="0" smtClean="0"/>
+              <a:t>Different techs and languages</a:t>
+            </a:r>
+            <a:endParaRPr lang="en-CA" dirty="0"/>
+          </a:p>
+        </p:txBody>
+      </p:sp>
+      <p:sp>
+        <p:nvSpPr>
+          <p:cNvPr id="5" name="Content Placeholder 4"/>
+          <p:cNvSpPr>
+            <a:spLocks noGrp="1"/>
+          </p:cNvSpPr>
+          <p:nvPr>
+            <p:ph sz="quarter" idx="12"/>
+            <p:custDataLst>
+              <p:tags r:id="rId5"/>
+            </p:custDataLst>
+          </p:nvPr>
+        </p:nvSpPr>
+        <p:spPr/>
+        <p:txBody>
+          <a:bodyPr/>
+          <a:lstStyle/>
+          <a:p>
+            <a:r>
+              <a:rPr lang="pl-PL" dirty="0" smtClean="0"/>
+              <a:t>Programming for the Web</a:t>
+            </a:r>
+            <a:endParaRPr lang="en-CA" dirty="0"/>
+          </a:p>
+        </p:txBody>
+      </p:sp>
+      <p:sp>
+        <p:nvSpPr>
+          <p:cNvPr id="6" name="Content Placeholder 5"/>
+          <p:cNvSpPr>
+            <a:spLocks noGrp="1"/>
+          </p:cNvSpPr>
+          <p:nvPr>
+            <p:ph sz="quarter" idx="13"/>
+            <p:custDataLst>
+              <p:tags r:id="rId6"/>
+            </p:custDataLst>
+          </p:nvPr>
+        </p:nvSpPr>
+        <p:spPr/>
+        <p:txBody>
+          <a:bodyPr/>
+          <a:lstStyle/>
+          <a:p>
+            <a:r>
+              <a:rPr lang="pl-PL" dirty="0" smtClean="0"/>
+              <a:t>Hands On Lab</a:t>
+            </a:r>
+            <a:endParaRPr lang="en-CA" dirty="0"/>
+          </a:p>
+        </p:txBody>
+      </p:sp>
+      <p:sp>
+        <p:nvSpPr>
+          <p:cNvPr id="8" name="Content Placeholder 7"/>
+          <p:cNvSpPr>
+            <a:spLocks noGrp="1"/>
+          </p:cNvSpPr>
+          <p:nvPr>
+            <p:ph sz="quarter" idx="15"/>
+            <p:custDataLst>
+              <p:tags r:id="rId7"/>
+            </p:custDataLst>
+          </p:nvPr>
+        </p:nvSpPr>
+        <p:spPr/>
+        <p:txBody>
+          <a:bodyPr/>
+          <a:lstStyle/>
+          <a:p>
+            <a:r>
+              <a:rPr lang="pl-PL" dirty="0" smtClean="0"/>
+              <a:t>Introduction to OOP</a:t>
+            </a:r>
+            <a:endParaRPr lang="en-CA" dirty="0"/>
+          </a:p>
+        </p:txBody>
+      </p:sp>
+    </p:spTree>
+    <p:custDataLst>
+      <p:tags r:id="rId1"/>
+    </p:custDataLst>
+    <p:extLst>
+      <p:ext uri="{BB962C8B-B14F-4D97-AF65-F5344CB8AC3E}">
+        <p14:creationId xmlns:p14="http://schemas.microsoft.com/office/powerpoint/2010/main" val="1702833156"/>
+      </p:ext>
+    </p:extLst>
+  </p:cSld>
+  <p:clrMapOvr>
+    <a:masterClrMapping/>
+  </p:clrMapOvr>
+  <mc:AlternateContent xmlns:mc="http://schemas.openxmlformats.org/markup-compatibility/2006" xmlns:p14="http://schemas.microsoft.com/office/powerpoint/2010/main">
+    <mc:Choice Requires="p14">
+      <p:transition spd="slow" p14:dur="2000"/>
+    </mc:Choice>
+    <mc:Fallback xmlns="">
+      <p:transition spd="slow"/>
+    </mc:Fallback>
+  </mc:AlternateContent>
+  <p:timing>
+    <p:tnLst>
+      <p:par>
+        <p:cTn id="1" dur="indefinite" restart="never" nodeType="tmRoot"/>
+      </p:par>
+    </p:tnLst>
+  </p:timing>
+</p:sld>
+</file>
+
+<file path=ppt/slides/slide5.xml><?xml version="1.0" encoding="utf-8"?>
+<p:sld xmlns:a="http://schemas.openxmlformats.org/drawingml/2006/main" xmlns:r="http://schemas.openxmlformats.org/officeDocument/2006/relationships" xmlns:p="http://schemas.openxmlformats.org/presentationml/2006/main">
+  <p:cSld>
+    <p:spTree>
+      <p:nvGrpSpPr>
+        <p:cNvPr id="1" name=""/>
+        <p:cNvGrpSpPr/>
+        <p:nvPr/>
+      </p:nvGrpSpPr>
+      <p:grpSpPr>
+        <a:xfrm>
+          <a:off x="0" y="0"/>
+          <a:ext cx="0" cy="0"/>
+          <a:chOff x="0" y="0"/>
+          <a:chExt cx="0" cy="0"/>
+        </a:xfrm>
+      </p:grpSpPr>
+      <p:sp>
+        <p:nvSpPr>
           <p:cNvPr id="2" name="Content Placeholder 1"/>
           <p:cNvSpPr>
             <a:spLocks noGrp="1"/>
@@ -24972,7 +24400,7 @@
 </p:sld>
 </file>
 
-<file path=ppt/slides/slide5.xml><?xml version="1.0" encoding="utf-8"?>
+<file path=ppt/slides/slide6.xml><?xml version="1.0" encoding="utf-8"?>
 <p:sld xmlns:a="http://schemas.openxmlformats.org/drawingml/2006/main" xmlns:r="http://schemas.openxmlformats.org/officeDocument/2006/relationships" xmlns:p="http://schemas.openxmlformats.org/presentationml/2006/main">
   <p:cSld>
     <p:spTree>
@@ -25198,7 +24626,7 @@
 </p:sld>
 </file>
 
-<file path=ppt/slides/slide6.xml><?xml version="1.0" encoding="utf-8"?>
+<file path=ppt/slides/slide7.xml><?xml version="1.0" encoding="utf-8"?>
 <p:sld xmlns:a="http://schemas.openxmlformats.org/drawingml/2006/main" xmlns:r="http://schemas.openxmlformats.org/officeDocument/2006/relationships" xmlns:p="http://schemas.openxmlformats.org/presentationml/2006/main">
   <p:cSld>
     <p:spTree>
@@ -25420,7 +24848,7 @@
 </p:sld>
 </file>
 
-<file path=ppt/slides/slide7.xml><?xml version="1.0" encoding="utf-8"?>
+<file path=ppt/slides/slide8.xml><?xml version="1.0" encoding="utf-8"?>
 <p:sld xmlns:a="http://schemas.openxmlformats.org/drawingml/2006/main" xmlns:r="http://schemas.openxmlformats.org/officeDocument/2006/relationships" xmlns:p="http://schemas.openxmlformats.org/presentationml/2006/main">
   <p:cSld>
     <p:spTree>
@@ -25516,224 +24944,6 @@
 </p:sld>
 </file>
 
-<file path=ppt/slides/slide8.xml><?xml version="1.0" encoding="utf-8"?>
-<p:sld xmlns:a="http://schemas.openxmlformats.org/drawingml/2006/main" xmlns:r="http://schemas.openxmlformats.org/officeDocument/2006/relationships" xmlns:p="http://schemas.openxmlformats.org/presentationml/2006/main">
-  <p:cSld>
-    <p:spTree>
-      <p:nvGrpSpPr>
-        <p:cNvPr id="1" name=""/>
-        <p:cNvGrpSpPr/>
-        <p:nvPr/>
-      </p:nvGrpSpPr>
-      <p:grpSpPr>
-        <a:xfrm>
-          <a:off x="0" y="0"/>
-          <a:ext cx="0" cy="0"/>
-          <a:chOff x="0" y="0"/>
-          <a:chExt cx="0" cy="0"/>
-        </a:xfrm>
-      </p:grpSpPr>
-      <p:sp>
-        <p:nvSpPr>
-          <p:cNvPr id="2" name="Title 1"/>
-          <p:cNvSpPr>
-            <a:spLocks noGrp="1"/>
-          </p:cNvSpPr>
-          <p:nvPr>
-            <p:ph type="title"/>
-            <p:custDataLst>
-              <p:tags r:id="rId2"/>
-            </p:custDataLst>
-          </p:nvPr>
-        </p:nvSpPr>
-        <p:spPr/>
-        <p:txBody>
-          <a:bodyPr/>
-          <a:lstStyle/>
-          <a:p>
-            <a:r>
-              <a:rPr lang="pl-PL" dirty="0" smtClean="0"/>
-              <a:t>What does a computer do?</a:t>
-            </a:r>
-            <a:endParaRPr lang="en-CA" dirty="0"/>
-          </a:p>
-        </p:txBody>
-      </p:sp>
-      <p:sp>
-        <p:nvSpPr>
-          <p:cNvPr id="3" name="Content Placeholder 2"/>
-          <p:cNvSpPr>
-            <a:spLocks noGrp="1"/>
-          </p:cNvSpPr>
-          <p:nvPr>
-            <p:ph sz="quarter" idx="10"/>
-            <p:custDataLst>
-              <p:tags r:id="rId3"/>
-            </p:custDataLst>
-          </p:nvPr>
-        </p:nvSpPr>
-        <p:spPr/>
-        <p:txBody>
-          <a:bodyPr/>
-          <a:lstStyle/>
-          <a:p>
-            <a:r>
-              <a:rPr lang="pl-PL" sz="2800" dirty="0" smtClean="0"/>
-              <a:t>Computer programs are text documents</a:t>
-            </a:r>
-            <a:endParaRPr lang="en-CA" sz="2800" dirty="0"/>
-          </a:p>
-        </p:txBody>
-      </p:sp>
-      <p:sp>
-        <p:nvSpPr>
-          <p:cNvPr id="4" name="Content Placeholder 3"/>
-          <p:cNvSpPr>
-            <a:spLocks noGrp="1"/>
-          </p:cNvSpPr>
-          <p:nvPr>
-            <p:ph sz="quarter" idx="11"/>
-            <p:custDataLst>
-              <p:tags r:id="rId4"/>
-            </p:custDataLst>
-          </p:nvPr>
-        </p:nvSpPr>
-        <p:spPr/>
-        <p:txBody>
-          <a:bodyPr/>
-          <a:lstStyle/>
-          <a:p>
-            <a:r>
-              <a:rPr lang="pl-PL" sz="2800" dirty="0" smtClean="0"/>
-              <a:t>Programs are executed by a processor (CPU)</a:t>
-            </a:r>
-            <a:endParaRPr lang="en-CA" sz="2800" dirty="0"/>
-          </a:p>
-        </p:txBody>
-      </p:sp>
-      <p:sp>
-        <p:nvSpPr>
-          <p:cNvPr id="5" name="Content Placeholder 4"/>
-          <p:cNvSpPr>
-            <a:spLocks noGrp="1"/>
-          </p:cNvSpPr>
-          <p:nvPr>
-            <p:ph sz="quarter" idx="12"/>
-            <p:custDataLst>
-              <p:tags r:id="rId5"/>
-            </p:custDataLst>
-          </p:nvPr>
-        </p:nvSpPr>
-        <p:spPr/>
-        <p:txBody>
-          <a:bodyPr/>
-          <a:lstStyle/>
-          <a:p>
-            <a:r>
-              <a:rPr lang="pl-PL" dirty="0" smtClean="0"/>
-              <a:t>CPU doesn’t execute text</a:t>
-            </a:r>
-            <a:endParaRPr lang="en-CA" dirty="0"/>
-          </a:p>
-        </p:txBody>
-      </p:sp>
-      <p:sp>
-        <p:nvSpPr>
-          <p:cNvPr id="6" name="Content Placeholder 5"/>
-          <p:cNvSpPr>
-            <a:spLocks noGrp="1"/>
-          </p:cNvSpPr>
-          <p:nvPr>
-            <p:ph sz="quarter" idx="13"/>
-            <p:custDataLst>
-              <p:tags r:id="rId6"/>
-            </p:custDataLst>
-          </p:nvPr>
-        </p:nvSpPr>
-        <p:spPr/>
-        <p:txBody>
-          <a:bodyPr/>
-          <a:lstStyle/>
-          <a:p>
-            <a:endParaRPr lang="en-CA"/>
-          </a:p>
-        </p:txBody>
-      </p:sp>
-      <p:sp>
-        <p:nvSpPr>
-          <p:cNvPr id="7" name="Content Placeholder 6"/>
-          <p:cNvSpPr>
-            <a:spLocks noGrp="1"/>
-          </p:cNvSpPr>
-          <p:nvPr>
-            <p:ph sz="quarter" idx="14"/>
-            <p:custDataLst>
-              <p:tags r:id="rId7"/>
-            </p:custDataLst>
-          </p:nvPr>
-        </p:nvSpPr>
-        <p:spPr/>
-        <p:txBody>
-          <a:bodyPr/>
-          <a:lstStyle/>
-          <a:p>
-            <a:endParaRPr lang="en-CA"/>
-          </a:p>
-        </p:txBody>
-      </p:sp>
-      <p:sp>
-        <p:nvSpPr>
-          <p:cNvPr id="8" name="Content Placeholder 7"/>
-          <p:cNvSpPr>
-            <a:spLocks noGrp="1"/>
-          </p:cNvSpPr>
-          <p:nvPr>
-            <p:ph sz="quarter" idx="15"/>
-            <p:custDataLst>
-              <p:tags r:id="rId8"/>
-            </p:custDataLst>
-          </p:nvPr>
-        </p:nvSpPr>
-        <p:spPr/>
-        <p:txBody>
-          <a:bodyPr/>
-          <a:lstStyle/>
-          <a:p>
-            <a:endParaRPr lang="en-CA" dirty="0"/>
-          </a:p>
-        </p:txBody>
-      </p:sp>
-    </p:spTree>
-    <p:custDataLst>
-      <p:tags r:id="rId1"/>
-    </p:custDataLst>
-    <p:extLst>
-      <p:ext uri="{BB962C8B-B14F-4D97-AF65-F5344CB8AC3E}">
-        <p14:creationId xmlns:p14="http://schemas.microsoft.com/office/powerpoint/2010/main" val="4038324478"/>
-      </p:ext>
-    </p:extLst>
-  </p:cSld>
-  <p:clrMapOvr>
-    <a:masterClrMapping/>
-  </p:clrMapOvr>
-  <mc:AlternateContent xmlns:mc="http://schemas.openxmlformats.org/markup-compatibility/2006" xmlns:p14="http://schemas.microsoft.com/office/powerpoint/2010/main">
-    <mc:Choice Requires="p14">
-      <p:transition spd="slow" p14:dur="2000"/>
-    </mc:Choice>
-    <mc:Fallback xmlns="">
-      <p:transition spd="slow"/>
-    </mc:Fallback>
-  </mc:AlternateContent>
-  <p:timing>
-    <p:tnLst>
-      <p:par>
-        <p:cTn id="1" dur="indefinite" restart="never" nodeType="tmRoot"/>
-      </p:par>
-    </p:tnLst>
-  </p:timing>
-</p:sld>
-</file>
-
 <file path=ppt/slides/slide9.xml><?xml version="1.0" encoding="utf-8"?>
 <p:sld xmlns:a="http://schemas.openxmlformats.org/drawingml/2006/main" xmlns:r="http://schemas.openxmlformats.org/officeDocument/2006/relationships" xmlns:p="http://schemas.openxmlformats.org/presentationml/2006/main">
   <p:cSld>
@@ -25753,12 +24963,12 @@
       </p:grpSpPr>
       <p:sp>
         <p:nvSpPr>
-          <p:cNvPr id="2" name="Content Placeholder 1"/>
+          <p:cNvPr id="2" name="Title 1"/>
           <p:cNvSpPr>
             <a:spLocks noGrp="1"/>
           </p:cNvSpPr>
           <p:nvPr>
-            <p:ph idx="1"/>
+            <p:ph type="title"/>
             <p:custDataLst>
               <p:tags r:id="rId2"/>
             </p:custDataLst>
@@ -25769,18 +24979,22 @@
           <a:bodyPr/>
           <a:lstStyle/>
           <a:p>
+            <a:r>
+              <a:rPr lang="pl-PL" dirty="0" smtClean="0"/>
+              <a:t>What does a computer do?</a:t>
+            </a:r>
             <a:endParaRPr lang="en-CA" dirty="0"/>
           </a:p>
         </p:txBody>
       </p:sp>
       <p:sp>
         <p:nvSpPr>
-          <p:cNvPr id="3" name="Title 2"/>
+          <p:cNvPr id="3" name="Content Placeholder 2"/>
           <p:cNvSpPr>
             <a:spLocks noGrp="1"/>
           </p:cNvSpPr>
           <p:nvPr>
-            <p:ph type="title"/>
+            <p:ph sz="quarter" idx="10"/>
             <p:custDataLst>
               <p:tags r:id="rId3"/>
             </p:custDataLst>
@@ -25792,88 +25006,138 @@
           <a:lstStyle/>
           <a:p>
             <a:r>
+              <a:rPr lang="pl-PL" sz="2800" dirty="0" smtClean="0"/>
+              <a:t>Computer programs are text documents</a:t>
+            </a:r>
+            <a:endParaRPr lang="en-CA" sz="2800" dirty="0"/>
+          </a:p>
+        </p:txBody>
+      </p:sp>
+      <p:sp>
+        <p:nvSpPr>
+          <p:cNvPr id="4" name="Content Placeholder 3"/>
+          <p:cNvSpPr>
+            <a:spLocks noGrp="1"/>
+          </p:cNvSpPr>
+          <p:nvPr>
+            <p:ph sz="quarter" idx="11"/>
+            <p:custDataLst>
+              <p:tags r:id="rId4"/>
+            </p:custDataLst>
+          </p:nvPr>
+        </p:nvSpPr>
+        <p:spPr/>
+        <p:txBody>
+          <a:bodyPr/>
+          <a:lstStyle/>
+          <a:p>
+            <a:r>
+              <a:rPr lang="pl-PL" sz="2800" dirty="0" smtClean="0"/>
+              <a:t>Programs are executed by a processor (CPU)</a:t>
+            </a:r>
+            <a:endParaRPr lang="en-CA" sz="2800" dirty="0"/>
+          </a:p>
+        </p:txBody>
+      </p:sp>
+      <p:sp>
+        <p:nvSpPr>
+          <p:cNvPr id="5" name="Content Placeholder 4"/>
+          <p:cNvSpPr>
+            <a:spLocks noGrp="1"/>
+          </p:cNvSpPr>
+          <p:nvPr>
+            <p:ph sz="quarter" idx="12"/>
+            <p:custDataLst>
+              <p:tags r:id="rId5"/>
+            </p:custDataLst>
+          </p:nvPr>
+        </p:nvSpPr>
+        <p:spPr/>
+        <p:txBody>
+          <a:bodyPr/>
+          <a:lstStyle/>
+          <a:p>
+            <a:r>
               <a:rPr lang="pl-PL" dirty="0" smtClean="0"/>
-              <a:t>Compiling</a:t>
+              <a:t>CPU doesn’t execute text</a:t>
             </a:r>
             <a:endParaRPr lang="en-CA" dirty="0"/>
           </a:p>
         </p:txBody>
       </p:sp>
-      <p:pic>
-        <p:nvPicPr>
-          <p:cNvPr id="1028" name="Picture 4"/>
-          <p:cNvPicPr>
-            <a:picLocks noChangeAspect="1" noChangeArrowheads="1"/>
-          </p:cNvPicPr>
-          <p:nvPr>
-            <p:custDataLst>
-              <p:tags r:id="rId4"/>
-            </p:custDataLst>
-          </p:nvPr>
-        </p:nvPicPr>
-        <p:blipFill>
-          <a:blip r:embed="rId6">
-            <a:extLst>
-              <a:ext uri="{28A0092B-C50C-407E-A947-70E740481C1C}">
-                <a14:useLocalDpi xmlns:a14="http://schemas.microsoft.com/office/drawing/2010/main" val="0"/>
-              </a:ext>
-            </a:extLst>
-          </a:blip>
-          <a:srcRect/>
-          <a:stretch>
-            <a:fillRect/>
-          </a:stretch>
-        </p:blipFill>
-        <p:spPr bwMode="auto">
-          <a:xfrm>
-            <a:off x="2267744" y="404664"/>
-            <a:ext cx="5283200" cy="5867400"/>
-          </a:xfrm>
-          <a:prstGeom prst="rect">
-            <a:avLst/>
-          </a:prstGeom>
-          <a:noFill/>
-          <a:ln>
-            <a:noFill/>
-          </a:ln>
-          <a:effectLst/>
-          <a:extLst>
-            <a:ext uri="{909E8E84-426E-40DD-AFC4-6F175D3DCCD1}">
-              <a14:hiddenFill xmlns:a14="http://schemas.microsoft.com/office/drawing/2010/main">
-                <a:solidFill>
-                  <a:schemeClr val="accent1"/>
-                </a:solidFill>
-              </a14:hiddenFill>
-            </a:ext>
-            <a:ext uri="{91240B29-F687-4F45-9708-019B960494DF}">
-              <a14:hiddenLine xmlns:a14="http://schemas.microsoft.com/office/drawing/2010/main" w="9525">
-                <a:solidFill>
-                  <a:schemeClr val="tx1"/>
-                </a:solidFill>
-                <a:miter lim="800000"/>
-                <a:headEnd/>
-                <a:tailEnd/>
-              </a14:hiddenLine>
-            </a:ext>
-            <a:ext uri="{AF507438-7753-43E0-B8FC-AC1667EBCBE1}">
-              <a14:hiddenEffects xmlns:a14="http://schemas.microsoft.com/office/drawing/2010/main">
-                <a:effectLst>
-                  <a:outerShdw dist="35921" dir="2700000" algn="ctr" rotWithShape="0">
-                    <a:schemeClr val="bg2"/>
-                  </a:outerShdw>
-                </a:effectLst>
-              </a14:hiddenEffects>
-            </a:ext>
-          </a:extLst>
-        </p:spPr>
-      </p:pic>
+      <p:sp>
+        <p:nvSpPr>
+          <p:cNvPr id="6" name="Content Placeholder 5"/>
+          <p:cNvSpPr>
+            <a:spLocks noGrp="1"/>
+          </p:cNvSpPr>
+          <p:nvPr>
+            <p:ph sz="quarter" idx="13"/>
+            <p:custDataLst>
+              <p:tags r:id="rId6"/>
+            </p:custDataLst>
+          </p:nvPr>
+        </p:nvSpPr>
+        <p:spPr/>
+        <p:txBody>
+          <a:bodyPr/>
+          <a:lstStyle/>
+          <a:p>
+            <a:endParaRPr lang="en-CA"/>
+          </a:p>
+        </p:txBody>
+      </p:sp>
+      <p:sp>
+        <p:nvSpPr>
+          <p:cNvPr id="7" name="Content Placeholder 6"/>
+          <p:cNvSpPr>
+            <a:spLocks noGrp="1"/>
+          </p:cNvSpPr>
+          <p:nvPr>
+            <p:ph sz="quarter" idx="14"/>
+            <p:custDataLst>
+              <p:tags r:id="rId7"/>
+            </p:custDataLst>
+          </p:nvPr>
+        </p:nvSpPr>
+        <p:spPr/>
+        <p:txBody>
+          <a:bodyPr/>
+          <a:lstStyle/>
+          <a:p>
+            <a:endParaRPr lang="en-CA"/>
+          </a:p>
+        </p:txBody>
+      </p:sp>
+      <p:sp>
+        <p:nvSpPr>
+          <p:cNvPr id="8" name="Content Placeholder 7"/>
+          <p:cNvSpPr>
+            <a:spLocks noGrp="1"/>
+          </p:cNvSpPr>
+          <p:nvPr>
+            <p:ph sz="quarter" idx="15"/>
+            <p:custDataLst>
+              <p:tags r:id="rId8"/>
+            </p:custDataLst>
+          </p:nvPr>
+        </p:nvSpPr>
+        <p:spPr/>
+        <p:txBody>
+          <a:bodyPr/>
+          <a:lstStyle/>
+          <a:p>
+            <a:endParaRPr lang="en-CA" dirty="0"/>
+          </a:p>
+        </p:txBody>
+      </p:sp>
     </p:spTree>
     <p:custDataLst>
       <p:tags r:id="rId1"/>
     </p:custDataLst>
     <p:extLst>
       <p:ext uri="{BB962C8B-B14F-4D97-AF65-F5344CB8AC3E}">
-        <p14:creationId xmlns:p14="http://schemas.microsoft.com/office/powerpoint/2010/main" val="3995626755"/>
+        <p14:creationId xmlns:p14="http://schemas.microsoft.com/office/powerpoint/2010/main" val="4038324478"/>
       </p:ext>
     </p:extLst>
   </p:cSld>

--- a/Programming Made Easy.pptx
+++ b/Programming Made Easy.pptx
@@ -3099,15 +3099,7 @@
           <a:bodyPr/>
           <a:lstStyle/>
           <a:p>
-            <a:r>
-              <a:rPr lang="pl-PL" dirty="0" smtClean="0"/>
-              <a:t>An</a:t>
-            </a:r>
-            <a:r>
-              <a:rPr lang="pl-PL" baseline="0" dirty="0" smtClean="0"/>
-              <a:t> application for my wife for time tracking – there was no simple free time tracking app</a:t>
-            </a:r>
-            <a:endParaRPr lang="en-CA" dirty="0"/>
+            <a:endParaRPr lang="en-CA"/>
           </a:p>
         </p:txBody>
       </p:sp>
@@ -3128,7 +3120,7 @@
           <a:p>
             <a:fld id="{F036235D-DA40-4917-9347-5AA27D26558A}" type="slidenum">
               <a:rPr lang="en-CA" smtClean="0"/>
-              <a:t>6</a:t>
+              <a:t>3</a:t>
             </a:fld>
             <a:endParaRPr lang="en-CA"/>
           </a:p>
@@ -3137,7 +3129,7 @@
     </p:spTree>
     <p:extLst>
       <p:ext uri="{BB962C8B-B14F-4D97-AF65-F5344CB8AC3E}">
-        <p14:creationId xmlns:p14="http://schemas.microsoft.com/office/powerpoint/2010/main" val="1925869474"/>
+        <p14:creationId xmlns:p14="http://schemas.microsoft.com/office/powerpoint/2010/main" val="3759617061"/>
       </p:ext>
     </p:extLst>
   </p:cSld>
@@ -3193,37 +3185,11 @@
           <a:p>
             <a:r>
               <a:rPr lang="pl-PL" dirty="0" smtClean="0"/>
-              <a:t>Desktop apps are usually</a:t>
+              <a:t>An</a:t>
             </a:r>
             <a:r>
               <a:rPr lang="pl-PL" baseline="0" dirty="0" smtClean="0"/>
-              <a:t> specific for a particular platform (operating system). Sometimes they can be OS agnostic. Usually not so robust as native ones.</a:t>
-            </a:r>
-          </a:p>
-          <a:p>
-            <a:r>
-              <a:rPr lang="pl-PL" baseline="0" dirty="0" smtClean="0"/>
-              <a:t>Explain what native means.</a:t>
-            </a:r>
-          </a:p>
-          <a:p>
-            <a:r>
-              <a:rPr lang="pl-PL" baseline="0" dirty="0" smtClean="0"/>
-              <a:t>Web application – works on a server side, presented to a user by a browser. Usually OS and browser agnostic. Sometimes use technology that requires specific OS/browser. Example: Flash doesn’t work on iOS. Silverlight has no official and current implementation for Linux (works on Windows and Mac only)</a:t>
-            </a:r>
-          </a:p>
-          <a:p>
-            <a:r>
-              <a:rPr lang="pl-PL" dirty="0" smtClean="0"/>
-              <a:t>Embedded applications – robotic rovers, washing</a:t>
-            </a:r>
-            <a:r>
-              <a:rPr lang="pl-PL" baseline="0" dirty="0" smtClean="0"/>
-              <a:t> machines, </a:t>
-            </a:r>
-            <a:r>
-              <a:rPr lang="pl-PL" baseline="0" smtClean="0"/>
-              <a:t>home a</a:t>
+              <a:t> application for my wife for time tracking – there was no simple free time tracking app</a:t>
             </a:r>
             <a:endParaRPr lang="en-CA" dirty="0"/>
           </a:p>
@@ -3246,7 +3212,7 @@
           <a:p>
             <a:fld id="{F036235D-DA40-4917-9347-5AA27D26558A}" type="slidenum">
               <a:rPr lang="en-CA" smtClean="0"/>
-              <a:t>7</a:t>
+              <a:t>6</a:t>
             </a:fld>
             <a:endParaRPr lang="en-CA"/>
           </a:p>
@@ -3255,7 +3221,7 @@
     </p:spTree>
     <p:extLst>
       <p:ext uri="{BB962C8B-B14F-4D97-AF65-F5344CB8AC3E}">
-        <p14:creationId xmlns:p14="http://schemas.microsoft.com/office/powerpoint/2010/main" val="1697928017"/>
+        <p14:creationId xmlns:p14="http://schemas.microsoft.com/office/powerpoint/2010/main" val="1925869474"/>
       </p:ext>
     </p:extLst>
   </p:cSld>
@@ -3311,11 +3277,37 @@
           <a:p>
             <a:r>
               <a:rPr lang="pl-PL" dirty="0" smtClean="0"/>
-              <a:t>Often</a:t>
+              <a:t>Desktop apps are usually</a:t>
             </a:r>
             <a:r>
               <a:rPr lang="pl-PL" baseline="0" dirty="0" smtClean="0"/>
-              <a:t> used in the Web</a:t>
+              <a:t> specific for a particular platform (operating system). Sometimes they can be OS agnostic. Usually not so robust as native ones.</a:t>
+            </a:r>
+          </a:p>
+          <a:p>
+            <a:r>
+              <a:rPr lang="pl-PL" baseline="0" dirty="0" smtClean="0"/>
+              <a:t>Explain what native means.</a:t>
+            </a:r>
+          </a:p>
+          <a:p>
+            <a:r>
+              <a:rPr lang="pl-PL" baseline="0" dirty="0" smtClean="0"/>
+              <a:t>Web application – works on a server side, presented to a user by a browser. Usually OS and browser agnostic. Sometimes use technology that requires specific OS/browser. Example: Flash doesn’t work on iOS. Silverlight has no official and current implementation for Linux (works on Windows and Mac only)</a:t>
+            </a:r>
+          </a:p>
+          <a:p>
+            <a:r>
+              <a:rPr lang="pl-PL" dirty="0" smtClean="0"/>
+              <a:t>Embedded applications – robotic rovers, washing</a:t>
+            </a:r>
+            <a:r>
+              <a:rPr lang="pl-PL" baseline="0" dirty="0" smtClean="0"/>
+              <a:t> machines, </a:t>
+            </a:r>
+            <a:r>
+              <a:rPr lang="pl-PL" baseline="0" smtClean="0"/>
+              <a:t>home a</a:t>
             </a:r>
             <a:endParaRPr lang="en-CA" dirty="0"/>
           </a:p>
@@ -3338,7 +3330,7 @@
           <a:p>
             <a:fld id="{F036235D-DA40-4917-9347-5AA27D26558A}" type="slidenum">
               <a:rPr lang="en-CA" smtClean="0"/>
-              <a:t>13</a:t>
+              <a:t>7</a:t>
             </a:fld>
             <a:endParaRPr lang="en-CA"/>
           </a:p>
@@ -3347,7 +3339,7 @@
     </p:spTree>
     <p:extLst>
       <p:ext uri="{BB962C8B-B14F-4D97-AF65-F5344CB8AC3E}">
-        <p14:creationId xmlns:p14="http://schemas.microsoft.com/office/powerpoint/2010/main" val="2945381652"/>
+        <p14:creationId xmlns:p14="http://schemas.microsoft.com/office/powerpoint/2010/main" val="1697928017"/>
       </p:ext>
     </p:extLst>
   </p:cSld>
@@ -3403,11 +3395,11 @@
           <a:p>
             <a:r>
               <a:rPr lang="pl-PL" dirty="0" smtClean="0"/>
-              <a:t>Objects</a:t>
+              <a:t>Often</a:t>
             </a:r>
             <a:r>
               <a:rPr lang="pl-PL" baseline="0" dirty="0" smtClean="0"/>
-              <a:t> – encapsulate state and expose behaviour</a:t>
+              <a:t> used in the Web</a:t>
             </a:r>
             <a:endParaRPr lang="en-CA" dirty="0"/>
           </a:p>
@@ -3430,7 +3422,7 @@
           <a:p>
             <a:fld id="{F036235D-DA40-4917-9347-5AA27D26558A}" type="slidenum">
               <a:rPr lang="en-CA" smtClean="0"/>
-              <a:t>17</a:t>
+              <a:t>13</a:t>
             </a:fld>
             <a:endParaRPr lang="en-CA"/>
           </a:p>
@@ -3439,7 +3431,7 @@
     </p:spTree>
     <p:extLst>
       <p:ext uri="{BB962C8B-B14F-4D97-AF65-F5344CB8AC3E}">
-        <p14:creationId xmlns:p14="http://schemas.microsoft.com/office/powerpoint/2010/main" val="1103758951"/>
+        <p14:creationId xmlns:p14="http://schemas.microsoft.com/office/powerpoint/2010/main" val="2945381652"/>
       </p:ext>
     </p:extLst>
   </p:cSld>
@@ -3494,16 +3486,12 @@
           <a:lstStyle/>
           <a:p>
             <a:r>
-              <a:rPr lang="en-CA" sz="1200" b="1" i="0" kern="1200" dirty="0" err="1" smtClean="0">
-                <a:solidFill>
-                  <a:schemeClr val="tx1"/>
-                </a:solidFill>
-                <a:effectLst/>
-                <a:latin typeface="+mn-lt"/>
-                <a:ea typeface="+mn-ea"/>
-                <a:cs typeface="+mn-cs"/>
-              </a:rPr>
-              <a:t>webmusespresenter</a:t>
+              <a:rPr lang="pl-PL" dirty="0" smtClean="0"/>
+              <a:t>Objects</a:t>
+            </a:r>
+            <a:r>
+              <a:rPr lang="pl-PL" baseline="0" dirty="0" smtClean="0"/>
+              <a:t> – encapsulate state and expose behaviour</a:t>
             </a:r>
             <a:endParaRPr lang="en-CA" dirty="0"/>
           </a:p>
@@ -3526,7 +3514,7 @@
           <a:p>
             <a:fld id="{F036235D-DA40-4917-9347-5AA27D26558A}" type="slidenum">
               <a:rPr lang="en-CA" smtClean="0"/>
-              <a:t>20</a:t>
+              <a:t>17</a:t>
             </a:fld>
             <a:endParaRPr lang="en-CA"/>
           </a:p>
@@ -3535,7 +3523,7 @@
     </p:spTree>
     <p:extLst>
       <p:ext uri="{BB962C8B-B14F-4D97-AF65-F5344CB8AC3E}">
-        <p14:creationId xmlns:p14="http://schemas.microsoft.com/office/powerpoint/2010/main" val="1915565334"/>
+        <p14:creationId xmlns:p14="http://schemas.microsoft.com/office/powerpoint/2010/main" val="1103758951"/>
       </p:ext>
     </p:extLst>
   </p:cSld>
@@ -3590,14 +3578,16 @@
           <a:lstStyle/>
           <a:p>
             <a:r>
-              <a:rPr lang="pl-PL" dirty="0" smtClean="0"/>
-              <a:t>15 no wifi</a:t>
-            </a:r>
-          </a:p>
-          <a:p>
-            <a:r>
-              <a:rPr lang="pl-PL" dirty="0" smtClean="0"/>
-              <a:t>16 wifi</a:t>
+              <a:rPr lang="en-CA" sz="1200" b="1" i="0" kern="1200" dirty="0" err="1" smtClean="0">
+                <a:solidFill>
+                  <a:schemeClr val="tx1"/>
+                </a:solidFill>
+                <a:effectLst/>
+                <a:latin typeface="+mn-lt"/>
+                <a:ea typeface="+mn-ea"/>
+                <a:cs typeface="+mn-cs"/>
+              </a:rPr>
+              <a:t>webmusespresenter</a:t>
             </a:r>
             <a:endParaRPr lang="en-CA" dirty="0"/>
           </a:p>
@@ -3620,7 +3610,7 @@
           <a:p>
             <a:fld id="{F036235D-DA40-4917-9347-5AA27D26558A}" type="slidenum">
               <a:rPr lang="en-CA" smtClean="0"/>
-              <a:t>29</a:t>
+              <a:t>20</a:t>
             </a:fld>
             <a:endParaRPr lang="en-CA"/>
           </a:p>
@@ -3629,7 +3619,7 @@
     </p:spTree>
     <p:extLst>
       <p:ext uri="{BB962C8B-B14F-4D97-AF65-F5344CB8AC3E}">
-        <p14:creationId xmlns:p14="http://schemas.microsoft.com/office/powerpoint/2010/main" val="2681861613"/>
+        <p14:creationId xmlns:p14="http://schemas.microsoft.com/office/powerpoint/2010/main" val="1915565334"/>
       </p:ext>
     </p:extLst>
   </p:cSld>
@@ -3685,6 +3675,100 @@
           <a:p>
             <a:r>
               <a:rPr lang="pl-PL" dirty="0" smtClean="0"/>
+              <a:t>15 no wifi</a:t>
+            </a:r>
+          </a:p>
+          <a:p>
+            <a:r>
+              <a:rPr lang="pl-PL" dirty="0" smtClean="0"/>
+              <a:t>16 wifi</a:t>
+            </a:r>
+            <a:endParaRPr lang="en-CA" dirty="0"/>
+          </a:p>
+        </p:txBody>
+      </p:sp>
+      <p:sp>
+        <p:nvSpPr>
+          <p:cNvPr id="4" name="Slide Number Placeholder 3"/>
+          <p:cNvSpPr>
+            <a:spLocks noGrp="1"/>
+          </p:cNvSpPr>
+          <p:nvPr>
+            <p:ph type="sldNum" sz="quarter" idx="10"/>
+          </p:nvPr>
+        </p:nvSpPr>
+        <p:spPr/>
+        <p:txBody>
+          <a:bodyPr/>
+          <a:lstStyle/>
+          <a:p>
+            <a:fld id="{F036235D-DA40-4917-9347-5AA27D26558A}" type="slidenum">
+              <a:rPr lang="en-CA" smtClean="0"/>
+              <a:t>29</a:t>
+            </a:fld>
+            <a:endParaRPr lang="en-CA"/>
+          </a:p>
+        </p:txBody>
+      </p:sp>
+    </p:spTree>
+    <p:extLst>
+      <p:ext uri="{BB962C8B-B14F-4D97-AF65-F5344CB8AC3E}">
+        <p14:creationId xmlns:p14="http://schemas.microsoft.com/office/powerpoint/2010/main" val="2681861613"/>
+      </p:ext>
+    </p:extLst>
+  </p:cSld>
+  <p:clrMapOvr>
+    <a:masterClrMapping/>
+  </p:clrMapOvr>
+</p:notes>
+</file>
+
+<file path=ppt/notesSlides/notesSlide8.xml><?xml version="1.0" encoding="utf-8"?>
+<p:notes xmlns:a="http://schemas.openxmlformats.org/drawingml/2006/main" xmlns:r="http://schemas.openxmlformats.org/officeDocument/2006/relationships" xmlns:p="http://schemas.openxmlformats.org/presentationml/2006/main">
+  <p:cSld>
+    <p:spTree>
+      <p:nvGrpSpPr>
+        <p:cNvPr id="1" name=""/>
+        <p:cNvGrpSpPr/>
+        <p:nvPr/>
+      </p:nvGrpSpPr>
+      <p:grpSpPr>
+        <a:xfrm>
+          <a:off x="0" y="0"/>
+          <a:ext cx="0" cy="0"/>
+          <a:chOff x="0" y="0"/>
+          <a:chExt cx="0" cy="0"/>
+        </a:xfrm>
+      </p:grpSpPr>
+      <p:sp>
+        <p:nvSpPr>
+          <p:cNvPr id="2" name="Slide Image Placeholder 1"/>
+          <p:cNvSpPr>
+            <a:spLocks noGrp="1" noRot="1" noChangeAspect="1"/>
+          </p:cNvSpPr>
+          <p:nvPr>
+            <p:ph type="sldImg"/>
+          </p:nvPr>
+        </p:nvSpPr>
+        <p:spPr/>
+      </p:sp>
+      <p:sp>
+        <p:nvSpPr>
+          <p:cNvPr id="3" name="Notes Placeholder 2"/>
+          <p:cNvSpPr>
+            <a:spLocks noGrp="1"/>
+          </p:cNvSpPr>
+          <p:nvPr>
+            <p:ph type="body" idx="1"/>
+          </p:nvPr>
+        </p:nvSpPr>
+        <p:spPr/>
+        <p:txBody>
+          <a:bodyPr/>
+          <a:lstStyle/>
+          <a:p>
+            <a:r>
+              <a:rPr lang="pl-PL" dirty="0" smtClean="0"/>
               <a:t>#10 big</a:t>
             </a:r>
             <a:r>
@@ -3737,7 +3821,7 @@
 </p:notes>
 </file>
 
-<file path=ppt/notesSlides/notesSlide8.xml><?xml version="1.0" encoding="utf-8"?>
+<file path=ppt/notesSlides/notesSlide9.xml><?xml version="1.0" encoding="utf-8"?>
 <p:notes xmlns:a="http://schemas.openxmlformats.org/drawingml/2006/main" xmlns:r="http://schemas.openxmlformats.org/officeDocument/2006/relationships" xmlns:p="http://schemas.openxmlformats.org/presentationml/2006/main">
   <p:cSld>
     <p:spTree>
@@ -19133,10 +19217,20 @@
           <a:lstStyle/>
           <a:p>
             <a:r>
-              <a:rPr lang="pl-PL" sz="2800" dirty="0"/>
-              <a:t>Front-end developer (HTML/CSS)</a:t>
+              <a:rPr lang="pl-PL" sz="2400" dirty="0"/>
+              <a:t>Front-end developer (</a:t>
             </a:r>
-            <a:endParaRPr lang="en-CA" sz="2800" dirty="0"/>
+            <a:r>
+              <a:rPr lang="pl-PL" sz="2400" dirty="0" smtClean="0"/>
+              <a:t>HTML/CSS)</a:t>
+            </a:r>
+            <a:endParaRPr lang="pl-PL" sz="2400" dirty="0"/>
+          </a:p>
+          <a:p>
+            <a:r>
+              <a:rPr lang="pl-PL" sz="2400" dirty="0" smtClean="0"/>
+              <a:t>+XAML +jQuery</a:t>
+            </a:r>
           </a:p>
         </p:txBody>
       </p:sp>
@@ -19179,12 +19273,8 @@
           <a:lstStyle/>
           <a:p>
             <a:r>
-              <a:rPr lang="pl-PL" smtClean="0"/>
-              <a:t>infusion.com</a:t>
-            </a:r>
-            <a:r>
               <a:rPr lang="pl-PL" dirty="0" smtClean="0"/>
-              <a:t>/</a:t>
+              <a:t>infusion.com/</a:t>
             </a:r>
           </a:p>
           <a:p>

--- a/Programming Made Easy.pptx
+++ b/Programming Made Easy.pptx
@@ -5,7 +5,7 @@
     <p:sldMasterId id="2147483660" r:id="rId1"/>
   </p:sldMasterIdLst>
   <p:notesMasterIdLst>
-    <p:notesMasterId r:id="rId41"/>
+    <p:notesMasterId r:id="rId45"/>
   </p:notesMasterIdLst>
   <p:sldIdLst>
     <p:sldId id="256" r:id="rId2"/>
@@ -33,20 +33,24 @@
     <p:sldId id="281" r:id="rId24"/>
     <p:sldId id="282" r:id="rId25"/>
     <p:sldId id="297" r:id="rId26"/>
-    <p:sldId id="280" r:id="rId27"/>
-    <p:sldId id="283" r:id="rId28"/>
-    <p:sldId id="284" r:id="rId29"/>
-    <p:sldId id="285" r:id="rId30"/>
-    <p:sldId id="286" r:id="rId31"/>
-    <p:sldId id="287" r:id="rId32"/>
-    <p:sldId id="288" r:id="rId33"/>
-    <p:sldId id="289" r:id="rId34"/>
-    <p:sldId id="290" r:id="rId35"/>
-    <p:sldId id="291" r:id="rId36"/>
-    <p:sldId id="292" r:id="rId37"/>
-    <p:sldId id="293" r:id="rId38"/>
-    <p:sldId id="294" r:id="rId39"/>
-    <p:sldId id="295" r:id="rId40"/>
+    <p:sldId id="300" r:id="rId27"/>
+    <p:sldId id="299" r:id="rId28"/>
+    <p:sldId id="301" r:id="rId29"/>
+    <p:sldId id="302" r:id="rId30"/>
+    <p:sldId id="280" r:id="rId31"/>
+    <p:sldId id="283" r:id="rId32"/>
+    <p:sldId id="284" r:id="rId33"/>
+    <p:sldId id="303" r:id="rId34"/>
+    <p:sldId id="285" r:id="rId35"/>
+    <p:sldId id="286" r:id="rId36"/>
+    <p:sldId id="287" r:id="rId37"/>
+    <p:sldId id="288" r:id="rId38"/>
+    <p:sldId id="290" r:id="rId39"/>
+    <p:sldId id="291" r:id="rId40"/>
+    <p:sldId id="292" r:id="rId41"/>
+    <p:sldId id="293" r:id="rId42"/>
+    <p:sldId id="294" r:id="rId43"/>
+    <p:sldId id="295" r:id="rId44"/>
   </p:sldIdLst>
   <p:sldSz cx="9144000" cy="6858000" type="screen4x3"/>
   <p:notesSz cx="6858000" cy="9144000"/>
@@ -1482,7 +1486,7 @@
   <dgm:whole/>
   <dgm:extLst>
     <a:ext uri="http://schemas.microsoft.com/office/drawing/2008/diagram">
-      <dsp:dataModelExt xmlns:dsp="http://schemas.microsoft.com/office/drawing/2008/diagram" relId="rId9" minVer="http://schemas.openxmlformats.org/drawingml/2006/diagram"/>
+      <dsp:dataModelExt xmlns:dsp="http://schemas.microsoft.com/office/drawing/2008/diagram" relId="rId10" minVer="http://schemas.openxmlformats.org/drawingml/2006/diagram"/>
     </a:ext>
   </dgm:extLst>
 </dgm:dataModel>
@@ -1496,6 +1500,963 @@
       <dsp:cNvGrpSpPr/>
     </dsp:nvGrpSpPr>
     <dsp:grpSpPr/>
+    <dsp:sp modelId="{DCB29E81-A59A-4B6D-BA07-41605D9225B2}">
+      <dsp:nvSpPr>
+        <dsp:cNvPr id="0" name=""/>
+        <dsp:cNvSpPr/>
+      </dsp:nvSpPr>
+      <dsp:spPr>
+        <a:xfrm>
+          <a:off x="808895" y="1047"/>
+          <a:ext cx="1739949" cy="1043969"/>
+        </a:xfrm>
+        <a:prstGeom prst="roundRect">
+          <a:avLst>
+            <a:gd name="adj" fmla="val 10000"/>
+          </a:avLst>
+        </a:prstGeom>
+        <a:solidFill>
+          <a:schemeClr val="accent1">
+            <a:hueOff val="0"/>
+            <a:satOff val="0"/>
+            <a:lumOff val="0"/>
+            <a:alphaOff val="0"/>
+          </a:schemeClr>
+        </a:solidFill>
+        <a:ln w="25400" cap="flat" cmpd="sng" algn="ctr">
+          <a:solidFill>
+            <a:schemeClr val="lt1">
+              <a:hueOff val="0"/>
+              <a:satOff val="0"/>
+              <a:lumOff val="0"/>
+              <a:alphaOff val="0"/>
+            </a:schemeClr>
+          </a:solidFill>
+          <a:prstDash val="solid"/>
+        </a:ln>
+        <a:effectLst/>
+      </dsp:spPr>
+      <dsp:style>
+        <a:lnRef idx="2">
+          <a:scrgbClr r="0" g="0" b="0"/>
+        </a:lnRef>
+        <a:fillRef idx="1">
+          <a:scrgbClr r="0" g="0" b="0"/>
+        </a:fillRef>
+        <a:effectRef idx="0">
+          <a:scrgbClr r="0" g="0" b="0"/>
+        </a:effectRef>
+        <a:fontRef idx="minor">
+          <a:schemeClr val="lt1"/>
+        </a:fontRef>
+      </dsp:style>
+      <dsp:txBody>
+        <a:bodyPr spcFirstLastPara="0" vert="horz" wrap="square" lIns="57150" tIns="57150" rIns="57150" bIns="57150" numCol="1" spcCol="1270" anchor="ctr" anchorCtr="0">
+          <a:noAutofit/>
+        </a:bodyPr>
+        <a:lstStyle/>
+        <a:p>
+          <a:pPr lvl="0" algn="ctr" defTabSz="666750">
+            <a:lnSpc>
+              <a:spcPct val="90000"/>
+            </a:lnSpc>
+            <a:spcBef>
+              <a:spcPct val="0"/>
+            </a:spcBef>
+            <a:spcAft>
+              <a:spcPct val="35000"/>
+            </a:spcAft>
+          </a:pPr>
+          <a:r>
+            <a:rPr lang="pl-PL" sz="1500" kern="1200" dirty="0" smtClean="0"/>
+            <a:t>User types an address in a browser</a:t>
+          </a:r>
+          <a:endParaRPr lang="en-CA" sz="1500" kern="1200" dirty="0"/>
+        </a:p>
+      </dsp:txBody>
+      <dsp:txXfrm>
+        <a:off x="839472" y="31624"/>
+        <a:ext cx="1678795" cy="982815"/>
+      </dsp:txXfrm>
+    </dsp:sp>
+    <dsp:sp modelId="{9B8A471A-7A82-4B4B-B68B-215264F3E000}">
+      <dsp:nvSpPr>
+        <dsp:cNvPr id="0" name=""/>
+        <dsp:cNvSpPr/>
+      </dsp:nvSpPr>
+      <dsp:spPr>
+        <a:xfrm>
+          <a:off x="2701960" y="307278"/>
+          <a:ext cx="368869" cy="431507"/>
+        </a:xfrm>
+        <a:prstGeom prst="rightArrow">
+          <a:avLst>
+            <a:gd name="adj1" fmla="val 60000"/>
+            <a:gd name="adj2" fmla="val 50000"/>
+          </a:avLst>
+        </a:prstGeom>
+        <a:solidFill>
+          <a:schemeClr val="accent1">
+            <a:tint val="60000"/>
+            <a:hueOff val="0"/>
+            <a:satOff val="0"/>
+            <a:lumOff val="0"/>
+            <a:alphaOff val="0"/>
+          </a:schemeClr>
+        </a:solidFill>
+        <a:ln>
+          <a:noFill/>
+        </a:ln>
+        <a:effectLst/>
+      </dsp:spPr>
+      <dsp:style>
+        <a:lnRef idx="0">
+          <a:scrgbClr r="0" g="0" b="0"/>
+        </a:lnRef>
+        <a:fillRef idx="1">
+          <a:scrgbClr r="0" g="0" b="0"/>
+        </a:fillRef>
+        <a:effectRef idx="0">
+          <a:scrgbClr r="0" g="0" b="0"/>
+        </a:effectRef>
+        <a:fontRef idx="minor">
+          <a:schemeClr val="lt1"/>
+        </a:fontRef>
+      </dsp:style>
+      <dsp:txBody>
+        <a:bodyPr spcFirstLastPara="0" vert="horz" wrap="square" lIns="0" tIns="0" rIns="0" bIns="0" numCol="1" spcCol="1270" anchor="ctr" anchorCtr="0">
+          <a:noAutofit/>
+        </a:bodyPr>
+        <a:lstStyle/>
+        <a:p>
+          <a:pPr lvl="0" algn="ctr" defTabSz="533400">
+            <a:lnSpc>
+              <a:spcPct val="90000"/>
+            </a:lnSpc>
+            <a:spcBef>
+              <a:spcPct val="0"/>
+            </a:spcBef>
+            <a:spcAft>
+              <a:spcPct val="35000"/>
+            </a:spcAft>
+          </a:pPr>
+          <a:endParaRPr lang="en-CA" sz="1200" kern="1200"/>
+        </a:p>
+      </dsp:txBody>
+      <dsp:txXfrm>
+        <a:off x="2701960" y="393579"/>
+        <a:ext cx="258208" cy="258905"/>
+      </dsp:txXfrm>
+    </dsp:sp>
+    <dsp:sp modelId="{C467C268-25B0-4BC1-A5BF-3B68D1AE95EE}">
+      <dsp:nvSpPr>
+        <dsp:cNvPr id="0" name=""/>
+        <dsp:cNvSpPr/>
+      </dsp:nvSpPr>
+      <dsp:spPr>
+        <a:xfrm>
+          <a:off x="3244825" y="1047"/>
+          <a:ext cx="1739949" cy="1043969"/>
+        </a:xfrm>
+        <a:prstGeom prst="roundRect">
+          <a:avLst>
+            <a:gd name="adj" fmla="val 10000"/>
+          </a:avLst>
+        </a:prstGeom>
+        <a:solidFill>
+          <a:schemeClr val="accent1">
+            <a:hueOff val="0"/>
+            <a:satOff val="0"/>
+            <a:lumOff val="0"/>
+            <a:alphaOff val="0"/>
+          </a:schemeClr>
+        </a:solidFill>
+        <a:ln w="25400" cap="flat" cmpd="sng" algn="ctr">
+          <a:solidFill>
+            <a:schemeClr val="lt1">
+              <a:hueOff val="0"/>
+              <a:satOff val="0"/>
+              <a:lumOff val="0"/>
+              <a:alphaOff val="0"/>
+            </a:schemeClr>
+          </a:solidFill>
+          <a:prstDash val="solid"/>
+        </a:ln>
+        <a:effectLst/>
+      </dsp:spPr>
+      <dsp:style>
+        <a:lnRef idx="2">
+          <a:scrgbClr r="0" g="0" b="0"/>
+        </a:lnRef>
+        <a:fillRef idx="1">
+          <a:scrgbClr r="0" g="0" b="0"/>
+        </a:fillRef>
+        <a:effectRef idx="0">
+          <a:scrgbClr r="0" g="0" b="0"/>
+        </a:effectRef>
+        <a:fontRef idx="minor">
+          <a:schemeClr val="lt1"/>
+        </a:fontRef>
+      </dsp:style>
+      <dsp:txBody>
+        <a:bodyPr spcFirstLastPara="0" vert="horz" wrap="square" lIns="57150" tIns="57150" rIns="57150" bIns="57150" numCol="1" spcCol="1270" anchor="ctr" anchorCtr="0">
+          <a:noAutofit/>
+        </a:bodyPr>
+        <a:lstStyle/>
+        <a:p>
+          <a:pPr lvl="0" algn="ctr" defTabSz="666750">
+            <a:lnSpc>
+              <a:spcPct val="90000"/>
+            </a:lnSpc>
+            <a:spcBef>
+              <a:spcPct val="0"/>
+            </a:spcBef>
+            <a:spcAft>
+              <a:spcPct val="35000"/>
+            </a:spcAft>
+          </a:pPr>
+          <a:r>
+            <a:rPr lang="pl-PL" sz="1500" kern="1200" dirty="0" smtClean="0"/>
+            <a:t>The browser contacts a right server</a:t>
+          </a:r>
+          <a:endParaRPr lang="en-CA" sz="1500" kern="1200" dirty="0"/>
+        </a:p>
+      </dsp:txBody>
+      <dsp:txXfrm>
+        <a:off x="3275402" y="31624"/>
+        <a:ext cx="1678795" cy="982815"/>
+      </dsp:txXfrm>
+    </dsp:sp>
+    <dsp:sp modelId="{C30D676A-8E69-4F70-A46D-6651B2C07ED2}">
+      <dsp:nvSpPr>
+        <dsp:cNvPr id="0" name=""/>
+        <dsp:cNvSpPr/>
+      </dsp:nvSpPr>
+      <dsp:spPr>
+        <a:xfrm>
+          <a:off x="5137890" y="307278"/>
+          <a:ext cx="368869" cy="431507"/>
+        </a:xfrm>
+        <a:prstGeom prst="rightArrow">
+          <a:avLst>
+            <a:gd name="adj1" fmla="val 60000"/>
+            <a:gd name="adj2" fmla="val 50000"/>
+          </a:avLst>
+        </a:prstGeom>
+        <a:solidFill>
+          <a:schemeClr val="accent1">
+            <a:tint val="60000"/>
+            <a:hueOff val="0"/>
+            <a:satOff val="0"/>
+            <a:lumOff val="0"/>
+            <a:alphaOff val="0"/>
+          </a:schemeClr>
+        </a:solidFill>
+        <a:ln>
+          <a:noFill/>
+        </a:ln>
+        <a:effectLst/>
+      </dsp:spPr>
+      <dsp:style>
+        <a:lnRef idx="0">
+          <a:scrgbClr r="0" g="0" b="0"/>
+        </a:lnRef>
+        <a:fillRef idx="1">
+          <a:scrgbClr r="0" g="0" b="0"/>
+        </a:fillRef>
+        <a:effectRef idx="0">
+          <a:scrgbClr r="0" g="0" b="0"/>
+        </a:effectRef>
+        <a:fontRef idx="minor">
+          <a:schemeClr val="lt1"/>
+        </a:fontRef>
+      </dsp:style>
+      <dsp:txBody>
+        <a:bodyPr spcFirstLastPara="0" vert="horz" wrap="square" lIns="0" tIns="0" rIns="0" bIns="0" numCol="1" spcCol="1270" anchor="ctr" anchorCtr="0">
+          <a:noAutofit/>
+        </a:bodyPr>
+        <a:lstStyle/>
+        <a:p>
+          <a:pPr lvl="0" algn="ctr" defTabSz="533400">
+            <a:lnSpc>
+              <a:spcPct val="90000"/>
+            </a:lnSpc>
+            <a:spcBef>
+              <a:spcPct val="0"/>
+            </a:spcBef>
+            <a:spcAft>
+              <a:spcPct val="35000"/>
+            </a:spcAft>
+          </a:pPr>
+          <a:endParaRPr lang="en-CA" sz="1200" kern="1200"/>
+        </a:p>
+      </dsp:txBody>
+      <dsp:txXfrm>
+        <a:off x="5137890" y="393579"/>
+        <a:ext cx="258208" cy="258905"/>
+      </dsp:txXfrm>
+    </dsp:sp>
+    <dsp:sp modelId="{EC74E0A0-BA94-43BD-A26D-6F856D898C92}">
+      <dsp:nvSpPr>
+        <dsp:cNvPr id="0" name=""/>
+        <dsp:cNvSpPr/>
+      </dsp:nvSpPr>
+      <dsp:spPr>
+        <a:xfrm>
+          <a:off x="5680754" y="1047"/>
+          <a:ext cx="1739949" cy="1043969"/>
+        </a:xfrm>
+        <a:prstGeom prst="roundRect">
+          <a:avLst>
+            <a:gd name="adj" fmla="val 10000"/>
+          </a:avLst>
+        </a:prstGeom>
+        <a:solidFill>
+          <a:schemeClr val="accent1">
+            <a:hueOff val="0"/>
+            <a:satOff val="0"/>
+            <a:lumOff val="0"/>
+            <a:alphaOff val="0"/>
+          </a:schemeClr>
+        </a:solidFill>
+        <a:ln w="25400" cap="flat" cmpd="sng" algn="ctr">
+          <a:solidFill>
+            <a:schemeClr val="lt1">
+              <a:hueOff val="0"/>
+              <a:satOff val="0"/>
+              <a:lumOff val="0"/>
+              <a:alphaOff val="0"/>
+            </a:schemeClr>
+          </a:solidFill>
+          <a:prstDash val="solid"/>
+        </a:ln>
+        <a:effectLst/>
+      </dsp:spPr>
+      <dsp:style>
+        <a:lnRef idx="2">
+          <a:scrgbClr r="0" g="0" b="0"/>
+        </a:lnRef>
+        <a:fillRef idx="1">
+          <a:scrgbClr r="0" g="0" b="0"/>
+        </a:fillRef>
+        <a:effectRef idx="0">
+          <a:scrgbClr r="0" g="0" b="0"/>
+        </a:effectRef>
+        <a:fontRef idx="minor">
+          <a:schemeClr val="lt1"/>
+        </a:fontRef>
+      </dsp:style>
+      <dsp:txBody>
+        <a:bodyPr spcFirstLastPara="0" vert="horz" wrap="square" lIns="57150" tIns="57150" rIns="57150" bIns="57150" numCol="1" spcCol="1270" anchor="ctr" anchorCtr="0">
+          <a:noAutofit/>
+        </a:bodyPr>
+        <a:lstStyle/>
+        <a:p>
+          <a:pPr lvl="0" algn="ctr" defTabSz="666750">
+            <a:lnSpc>
+              <a:spcPct val="90000"/>
+            </a:lnSpc>
+            <a:spcBef>
+              <a:spcPct val="0"/>
+            </a:spcBef>
+            <a:spcAft>
+              <a:spcPct val="35000"/>
+            </a:spcAft>
+          </a:pPr>
+          <a:r>
+            <a:rPr lang="pl-PL" sz="1500" kern="1200" dirty="0" smtClean="0"/>
+            <a:t>The server recognizes the request</a:t>
+          </a:r>
+          <a:endParaRPr lang="en-CA" sz="1500" kern="1200" dirty="0"/>
+        </a:p>
+      </dsp:txBody>
+      <dsp:txXfrm>
+        <a:off x="5711331" y="31624"/>
+        <a:ext cx="1678795" cy="982815"/>
+      </dsp:txXfrm>
+    </dsp:sp>
+    <dsp:sp modelId="{F72AE6EF-1BF3-4CF9-AE79-663AFF17237C}">
+      <dsp:nvSpPr>
+        <dsp:cNvPr id="0" name=""/>
+        <dsp:cNvSpPr/>
+      </dsp:nvSpPr>
+      <dsp:spPr>
+        <a:xfrm rot="5400000">
+          <a:off x="6366294" y="1166813"/>
+          <a:ext cx="368869" cy="431507"/>
+        </a:xfrm>
+        <a:prstGeom prst="rightArrow">
+          <a:avLst>
+            <a:gd name="adj1" fmla="val 60000"/>
+            <a:gd name="adj2" fmla="val 50000"/>
+          </a:avLst>
+        </a:prstGeom>
+        <a:solidFill>
+          <a:schemeClr val="accent1">
+            <a:tint val="60000"/>
+            <a:hueOff val="0"/>
+            <a:satOff val="0"/>
+            <a:lumOff val="0"/>
+            <a:alphaOff val="0"/>
+          </a:schemeClr>
+        </a:solidFill>
+        <a:ln>
+          <a:noFill/>
+        </a:ln>
+        <a:effectLst/>
+      </dsp:spPr>
+      <dsp:style>
+        <a:lnRef idx="0">
+          <a:scrgbClr r="0" g="0" b="0"/>
+        </a:lnRef>
+        <a:fillRef idx="1">
+          <a:scrgbClr r="0" g="0" b="0"/>
+        </a:fillRef>
+        <a:effectRef idx="0">
+          <a:scrgbClr r="0" g="0" b="0"/>
+        </a:effectRef>
+        <a:fontRef idx="minor">
+          <a:schemeClr val="lt1"/>
+        </a:fontRef>
+      </dsp:style>
+      <dsp:txBody>
+        <a:bodyPr spcFirstLastPara="0" vert="horz" wrap="square" lIns="0" tIns="0" rIns="0" bIns="0" numCol="1" spcCol="1270" anchor="ctr" anchorCtr="0">
+          <a:noAutofit/>
+        </a:bodyPr>
+        <a:lstStyle/>
+        <a:p>
+          <a:pPr lvl="0" algn="ctr" defTabSz="533400">
+            <a:lnSpc>
+              <a:spcPct val="90000"/>
+            </a:lnSpc>
+            <a:spcBef>
+              <a:spcPct val="0"/>
+            </a:spcBef>
+            <a:spcAft>
+              <a:spcPct val="35000"/>
+            </a:spcAft>
+          </a:pPr>
+          <a:endParaRPr lang="en-CA" sz="1200" kern="1200"/>
+        </a:p>
+      </dsp:txBody>
+      <dsp:txXfrm rot="-5400000">
+        <a:off x="6421277" y="1198132"/>
+        <a:ext cx="258905" cy="258208"/>
+      </dsp:txXfrm>
+    </dsp:sp>
+    <dsp:sp modelId="{9B033134-2ECD-4474-9E00-0F212BE493AE}">
+      <dsp:nvSpPr>
+        <dsp:cNvPr id="0" name=""/>
+        <dsp:cNvSpPr/>
+      </dsp:nvSpPr>
+      <dsp:spPr>
+        <a:xfrm>
+          <a:off x="5680754" y="1740996"/>
+          <a:ext cx="1739949" cy="1043969"/>
+        </a:xfrm>
+        <a:prstGeom prst="roundRect">
+          <a:avLst>
+            <a:gd name="adj" fmla="val 10000"/>
+          </a:avLst>
+        </a:prstGeom>
+        <a:solidFill>
+          <a:schemeClr val="accent1">
+            <a:hueOff val="0"/>
+            <a:satOff val="0"/>
+            <a:lumOff val="0"/>
+            <a:alphaOff val="0"/>
+          </a:schemeClr>
+        </a:solidFill>
+        <a:ln w="25400" cap="flat" cmpd="sng" algn="ctr">
+          <a:solidFill>
+            <a:schemeClr val="lt1">
+              <a:hueOff val="0"/>
+              <a:satOff val="0"/>
+              <a:lumOff val="0"/>
+              <a:alphaOff val="0"/>
+            </a:schemeClr>
+          </a:solidFill>
+          <a:prstDash val="solid"/>
+        </a:ln>
+        <a:effectLst/>
+      </dsp:spPr>
+      <dsp:style>
+        <a:lnRef idx="2">
+          <a:scrgbClr r="0" g="0" b="0"/>
+        </a:lnRef>
+        <a:fillRef idx="1">
+          <a:scrgbClr r="0" g="0" b="0"/>
+        </a:fillRef>
+        <a:effectRef idx="0">
+          <a:scrgbClr r="0" g="0" b="0"/>
+        </a:effectRef>
+        <a:fontRef idx="minor">
+          <a:schemeClr val="lt1"/>
+        </a:fontRef>
+      </dsp:style>
+      <dsp:txBody>
+        <a:bodyPr spcFirstLastPara="0" vert="horz" wrap="square" lIns="57150" tIns="57150" rIns="57150" bIns="57150" numCol="1" spcCol="1270" anchor="ctr" anchorCtr="0">
+          <a:noAutofit/>
+        </a:bodyPr>
+        <a:lstStyle/>
+        <a:p>
+          <a:pPr lvl="0" algn="ctr" defTabSz="666750">
+            <a:lnSpc>
+              <a:spcPct val="90000"/>
+            </a:lnSpc>
+            <a:spcBef>
+              <a:spcPct val="0"/>
+            </a:spcBef>
+            <a:spcAft>
+              <a:spcPct val="35000"/>
+            </a:spcAft>
+          </a:pPr>
+          <a:r>
+            <a:rPr lang="pl-PL" sz="1500" kern="1200" dirty="0" smtClean="0"/>
+            <a:t>The server finds a program bound to the address</a:t>
+          </a:r>
+          <a:endParaRPr lang="en-CA" sz="1500" kern="1200" dirty="0"/>
+        </a:p>
+      </dsp:txBody>
+      <dsp:txXfrm>
+        <a:off x="5711331" y="1771573"/>
+        <a:ext cx="1678795" cy="982815"/>
+      </dsp:txXfrm>
+    </dsp:sp>
+    <dsp:sp modelId="{8ECB1BFC-E720-4B13-A6F5-39366ABFD7B7}">
+      <dsp:nvSpPr>
+        <dsp:cNvPr id="0" name=""/>
+        <dsp:cNvSpPr/>
+      </dsp:nvSpPr>
+      <dsp:spPr>
+        <a:xfrm rot="10800000">
+          <a:off x="5158769" y="2047227"/>
+          <a:ext cx="368869" cy="431507"/>
+        </a:xfrm>
+        <a:prstGeom prst="rightArrow">
+          <a:avLst>
+            <a:gd name="adj1" fmla="val 60000"/>
+            <a:gd name="adj2" fmla="val 50000"/>
+          </a:avLst>
+        </a:prstGeom>
+        <a:solidFill>
+          <a:schemeClr val="accent1">
+            <a:tint val="60000"/>
+            <a:hueOff val="0"/>
+            <a:satOff val="0"/>
+            <a:lumOff val="0"/>
+            <a:alphaOff val="0"/>
+          </a:schemeClr>
+        </a:solidFill>
+        <a:ln>
+          <a:noFill/>
+        </a:ln>
+        <a:effectLst/>
+      </dsp:spPr>
+      <dsp:style>
+        <a:lnRef idx="0">
+          <a:scrgbClr r="0" g="0" b="0"/>
+        </a:lnRef>
+        <a:fillRef idx="1">
+          <a:scrgbClr r="0" g="0" b="0"/>
+        </a:fillRef>
+        <a:effectRef idx="0">
+          <a:scrgbClr r="0" g="0" b="0"/>
+        </a:effectRef>
+        <a:fontRef idx="minor">
+          <a:schemeClr val="lt1"/>
+        </a:fontRef>
+      </dsp:style>
+      <dsp:txBody>
+        <a:bodyPr spcFirstLastPara="0" vert="horz" wrap="square" lIns="0" tIns="0" rIns="0" bIns="0" numCol="1" spcCol="1270" anchor="ctr" anchorCtr="0">
+          <a:noAutofit/>
+        </a:bodyPr>
+        <a:lstStyle/>
+        <a:p>
+          <a:pPr lvl="0" algn="ctr" defTabSz="533400">
+            <a:lnSpc>
+              <a:spcPct val="90000"/>
+            </a:lnSpc>
+            <a:spcBef>
+              <a:spcPct val="0"/>
+            </a:spcBef>
+            <a:spcAft>
+              <a:spcPct val="35000"/>
+            </a:spcAft>
+          </a:pPr>
+          <a:endParaRPr lang="en-CA" sz="1200" kern="1200"/>
+        </a:p>
+      </dsp:txBody>
+      <dsp:txXfrm rot="10800000">
+        <a:off x="5269430" y="2133528"/>
+        <a:ext cx="258208" cy="258905"/>
+      </dsp:txXfrm>
+    </dsp:sp>
+    <dsp:sp modelId="{B92875FC-2553-45FA-840C-85167EC7540E}">
+      <dsp:nvSpPr>
+        <dsp:cNvPr id="0" name=""/>
+        <dsp:cNvSpPr/>
+      </dsp:nvSpPr>
+      <dsp:spPr>
+        <a:xfrm>
+          <a:off x="3244825" y="1740996"/>
+          <a:ext cx="1739949" cy="1043969"/>
+        </a:xfrm>
+        <a:prstGeom prst="roundRect">
+          <a:avLst>
+            <a:gd name="adj" fmla="val 10000"/>
+          </a:avLst>
+        </a:prstGeom>
+        <a:solidFill>
+          <a:schemeClr val="accent2"/>
+        </a:solidFill>
+        <a:ln w="25400" cap="flat" cmpd="sng" algn="ctr">
+          <a:solidFill>
+            <a:schemeClr val="lt1">
+              <a:hueOff val="0"/>
+              <a:satOff val="0"/>
+              <a:lumOff val="0"/>
+              <a:alphaOff val="0"/>
+            </a:schemeClr>
+          </a:solidFill>
+          <a:prstDash val="solid"/>
+        </a:ln>
+        <a:effectLst/>
+      </dsp:spPr>
+      <dsp:style>
+        <a:lnRef idx="2">
+          <a:scrgbClr r="0" g="0" b="0"/>
+        </a:lnRef>
+        <a:fillRef idx="1">
+          <a:scrgbClr r="0" g="0" b="0"/>
+        </a:fillRef>
+        <a:effectRef idx="0">
+          <a:scrgbClr r="0" g="0" b="0"/>
+        </a:effectRef>
+        <a:fontRef idx="minor">
+          <a:schemeClr val="lt1"/>
+        </a:fontRef>
+      </dsp:style>
+      <dsp:txBody>
+        <a:bodyPr spcFirstLastPara="0" vert="horz" wrap="square" lIns="57150" tIns="57150" rIns="57150" bIns="57150" numCol="1" spcCol="1270" anchor="ctr" anchorCtr="0">
+          <a:noAutofit/>
+        </a:bodyPr>
+        <a:lstStyle/>
+        <a:p>
+          <a:pPr lvl="0" algn="ctr" defTabSz="666750">
+            <a:lnSpc>
+              <a:spcPct val="90000"/>
+            </a:lnSpc>
+            <a:spcBef>
+              <a:spcPct val="0"/>
+            </a:spcBef>
+            <a:spcAft>
+              <a:spcPct val="35000"/>
+            </a:spcAft>
+          </a:pPr>
+          <a:r>
+            <a:rPr lang="pl-PL" sz="1500" kern="1200" dirty="0" smtClean="0"/>
+            <a:t>The program executes and returns an HTML document</a:t>
+          </a:r>
+          <a:endParaRPr lang="en-CA" sz="1500" kern="1200" dirty="0"/>
+        </a:p>
+      </dsp:txBody>
+      <dsp:txXfrm>
+        <a:off x="3275402" y="1771573"/>
+        <a:ext cx="1678795" cy="982815"/>
+      </dsp:txXfrm>
+    </dsp:sp>
+    <dsp:sp modelId="{0B155A41-750A-4B8A-87B2-1A847CD8BFC4}">
+      <dsp:nvSpPr>
+        <dsp:cNvPr id="0" name=""/>
+        <dsp:cNvSpPr/>
+      </dsp:nvSpPr>
+      <dsp:spPr>
+        <a:xfrm rot="10800000">
+          <a:off x="2722840" y="2047227"/>
+          <a:ext cx="368869" cy="431507"/>
+        </a:xfrm>
+        <a:prstGeom prst="rightArrow">
+          <a:avLst>
+            <a:gd name="adj1" fmla="val 60000"/>
+            <a:gd name="adj2" fmla="val 50000"/>
+          </a:avLst>
+        </a:prstGeom>
+        <a:solidFill>
+          <a:schemeClr val="accent1">
+            <a:tint val="60000"/>
+            <a:hueOff val="0"/>
+            <a:satOff val="0"/>
+            <a:lumOff val="0"/>
+            <a:alphaOff val="0"/>
+          </a:schemeClr>
+        </a:solidFill>
+        <a:ln>
+          <a:noFill/>
+        </a:ln>
+        <a:effectLst/>
+      </dsp:spPr>
+      <dsp:style>
+        <a:lnRef idx="0">
+          <a:scrgbClr r="0" g="0" b="0"/>
+        </a:lnRef>
+        <a:fillRef idx="1">
+          <a:scrgbClr r="0" g="0" b="0"/>
+        </a:fillRef>
+        <a:effectRef idx="0">
+          <a:scrgbClr r="0" g="0" b="0"/>
+        </a:effectRef>
+        <a:fontRef idx="minor">
+          <a:schemeClr val="lt1"/>
+        </a:fontRef>
+      </dsp:style>
+      <dsp:txBody>
+        <a:bodyPr spcFirstLastPara="0" vert="horz" wrap="square" lIns="0" tIns="0" rIns="0" bIns="0" numCol="1" spcCol="1270" anchor="ctr" anchorCtr="0">
+          <a:noAutofit/>
+        </a:bodyPr>
+        <a:lstStyle/>
+        <a:p>
+          <a:pPr lvl="0" algn="ctr" defTabSz="533400">
+            <a:lnSpc>
+              <a:spcPct val="90000"/>
+            </a:lnSpc>
+            <a:spcBef>
+              <a:spcPct val="0"/>
+            </a:spcBef>
+            <a:spcAft>
+              <a:spcPct val="35000"/>
+            </a:spcAft>
+          </a:pPr>
+          <a:endParaRPr lang="en-CA" sz="1200" kern="1200"/>
+        </a:p>
+      </dsp:txBody>
+      <dsp:txXfrm rot="10800000">
+        <a:off x="2833501" y="2133528"/>
+        <a:ext cx="258208" cy="258905"/>
+      </dsp:txXfrm>
+    </dsp:sp>
+    <dsp:sp modelId="{EADD79D6-3357-4B29-ADE7-838185515F82}">
+      <dsp:nvSpPr>
+        <dsp:cNvPr id="0" name=""/>
+        <dsp:cNvSpPr/>
+      </dsp:nvSpPr>
+      <dsp:spPr>
+        <a:xfrm>
+          <a:off x="808895" y="1740996"/>
+          <a:ext cx="1739949" cy="1043969"/>
+        </a:xfrm>
+        <a:prstGeom prst="roundRect">
+          <a:avLst>
+            <a:gd name="adj" fmla="val 10000"/>
+          </a:avLst>
+        </a:prstGeom>
+        <a:solidFill>
+          <a:schemeClr val="accent1">
+            <a:hueOff val="0"/>
+            <a:satOff val="0"/>
+            <a:lumOff val="0"/>
+            <a:alphaOff val="0"/>
+          </a:schemeClr>
+        </a:solidFill>
+        <a:ln w="25400" cap="flat" cmpd="sng" algn="ctr">
+          <a:solidFill>
+            <a:schemeClr val="lt1">
+              <a:hueOff val="0"/>
+              <a:satOff val="0"/>
+              <a:lumOff val="0"/>
+              <a:alphaOff val="0"/>
+            </a:schemeClr>
+          </a:solidFill>
+          <a:prstDash val="solid"/>
+        </a:ln>
+        <a:effectLst/>
+      </dsp:spPr>
+      <dsp:style>
+        <a:lnRef idx="2">
+          <a:scrgbClr r="0" g="0" b="0"/>
+        </a:lnRef>
+        <a:fillRef idx="1">
+          <a:scrgbClr r="0" g="0" b="0"/>
+        </a:fillRef>
+        <a:effectRef idx="0">
+          <a:scrgbClr r="0" g="0" b="0"/>
+        </a:effectRef>
+        <a:fontRef idx="minor">
+          <a:schemeClr val="lt1"/>
+        </a:fontRef>
+      </dsp:style>
+      <dsp:txBody>
+        <a:bodyPr spcFirstLastPara="0" vert="horz" wrap="square" lIns="57150" tIns="57150" rIns="57150" bIns="57150" numCol="1" spcCol="1270" anchor="ctr" anchorCtr="0">
+          <a:noAutofit/>
+        </a:bodyPr>
+        <a:lstStyle/>
+        <a:p>
+          <a:pPr lvl="0" algn="ctr" defTabSz="666750">
+            <a:lnSpc>
+              <a:spcPct val="90000"/>
+            </a:lnSpc>
+            <a:spcBef>
+              <a:spcPct val="0"/>
+            </a:spcBef>
+            <a:spcAft>
+              <a:spcPct val="35000"/>
+            </a:spcAft>
+          </a:pPr>
+          <a:r>
+            <a:rPr lang="pl-PL" sz="1500" kern="1200" dirty="0" smtClean="0"/>
+            <a:t>The browser downloads the document</a:t>
+          </a:r>
+          <a:endParaRPr lang="en-CA" sz="1500" kern="1200" dirty="0"/>
+        </a:p>
+      </dsp:txBody>
+      <dsp:txXfrm>
+        <a:off x="839472" y="1771573"/>
+        <a:ext cx="1678795" cy="982815"/>
+      </dsp:txXfrm>
+    </dsp:sp>
+    <dsp:sp modelId="{36A9ADF9-4278-47BA-8E79-91B6C5E5838B}">
+      <dsp:nvSpPr>
+        <dsp:cNvPr id="0" name=""/>
+        <dsp:cNvSpPr/>
+      </dsp:nvSpPr>
+      <dsp:spPr>
+        <a:xfrm rot="5400000">
+          <a:off x="1494435" y="2906762"/>
+          <a:ext cx="368869" cy="431507"/>
+        </a:xfrm>
+        <a:prstGeom prst="rightArrow">
+          <a:avLst>
+            <a:gd name="adj1" fmla="val 60000"/>
+            <a:gd name="adj2" fmla="val 50000"/>
+          </a:avLst>
+        </a:prstGeom>
+        <a:solidFill>
+          <a:schemeClr val="accent1">
+            <a:tint val="60000"/>
+            <a:hueOff val="0"/>
+            <a:satOff val="0"/>
+            <a:lumOff val="0"/>
+            <a:alphaOff val="0"/>
+          </a:schemeClr>
+        </a:solidFill>
+        <a:ln>
+          <a:noFill/>
+        </a:ln>
+        <a:effectLst/>
+      </dsp:spPr>
+      <dsp:style>
+        <a:lnRef idx="0">
+          <a:scrgbClr r="0" g="0" b="0"/>
+        </a:lnRef>
+        <a:fillRef idx="1">
+          <a:scrgbClr r="0" g="0" b="0"/>
+        </a:fillRef>
+        <a:effectRef idx="0">
+          <a:scrgbClr r="0" g="0" b="0"/>
+        </a:effectRef>
+        <a:fontRef idx="minor">
+          <a:schemeClr val="lt1"/>
+        </a:fontRef>
+      </dsp:style>
+      <dsp:txBody>
+        <a:bodyPr spcFirstLastPara="0" vert="horz" wrap="square" lIns="0" tIns="0" rIns="0" bIns="0" numCol="1" spcCol="1270" anchor="ctr" anchorCtr="0">
+          <a:noAutofit/>
+        </a:bodyPr>
+        <a:lstStyle/>
+        <a:p>
+          <a:pPr lvl="0" algn="ctr" defTabSz="533400">
+            <a:lnSpc>
+              <a:spcPct val="90000"/>
+            </a:lnSpc>
+            <a:spcBef>
+              <a:spcPct val="0"/>
+            </a:spcBef>
+            <a:spcAft>
+              <a:spcPct val="35000"/>
+            </a:spcAft>
+          </a:pPr>
+          <a:endParaRPr lang="en-CA" sz="1200" kern="1200"/>
+        </a:p>
+      </dsp:txBody>
+      <dsp:txXfrm rot="-5400000">
+        <a:off x="1549418" y="2938081"/>
+        <a:ext cx="258905" cy="258208"/>
+      </dsp:txXfrm>
+    </dsp:sp>
+    <dsp:sp modelId="{8E2AAF9F-7038-4F42-A312-7850B716D04E}">
+      <dsp:nvSpPr>
+        <dsp:cNvPr id="0" name=""/>
+        <dsp:cNvSpPr/>
+      </dsp:nvSpPr>
+      <dsp:spPr>
+        <a:xfrm>
+          <a:off x="808895" y="3480946"/>
+          <a:ext cx="1739949" cy="1043969"/>
+        </a:xfrm>
+        <a:prstGeom prst="roundRect">
+          <a:avLst>
+            <a:gd name="adj" fmla="val 10000"/>
+          </a:avLst>
+        </a:prstGeom>
+        <a:solidFill>
+          <a:schemeClr val="accent2"/>
+        </a:solidFill>
+        <a:ln w="25400" cap="flat" cmpd="sng" algn="ctr">
+          <a:solidFill>
+            <a:schemeClr val="lt1">
+              <a:hueOff val="0"/>
+              <a:satOff val="0"/>
+              <a:lumOff val="0"/>
+              <a:alphaOff val="0"/>
+            </a:schemeClr>
+          </a:solidFill>
+          <a:prstDash val="solid"/>
+        </a:ln>
+        <a:effectLst/>
+      </dsp:spPr>
+      <dsp:style>
+        <a:lnRef idx="2">
+          <a:scrgbClr r="0" g="0" b="0"/>
+        </a:lnRef>
+        <a:fillRef idx="1">
+          <a:scrgbClr r="0" g="0" b="0"/>
+        </a:fillRef>
+        <a:effectRef idx="0">
+          <a:scrgbClr r="0" g="0" b="0"/>
+        </a:effectRef>
+        <a:fontRef idx="minor">
+          <a:schemeClr val="lt1"/>
+        </a:fontRef>
+      </dsp:style>
+      <dsp:txBody>
+        <a:bodyPr spcFirstLastPara="0" vert="horz" wrap="square" lIns="57150" tIns="57150" rIns="57150" bIns="57150" numCol="1" spcCol="1270" anchor="ctr" anchorCtr="0">
+          <a:noAutofit/>
+        </a:bodyPr>
+        <a:lstStyle/>
+        <a:p>
+          <a:pPr lvl="0" algn="ctr" defTabSz="666750">
+            <a:lnSpc>
+              <a:spcPct val="90000"/>
+            </a:lnSpc>
+            <a:spcBef>
+              <a:spcPct val="0"/>
+            </a:spcBef>
+            <a:spcAft>
+              <a:spcPct val="35000"/>
+            </a:spcAft>
+          </a:pPr>
+          <a:r>
+            <a:rPr lang="pl-PL" sz="1500" kern="1200" dirty="0" smtClean="0"/>
+            <a:t>The browser executes all the code attached to the documents</a:t>
+          </a:r>
+          <a:endParaRPr lang="en-CA" sz="1500" kern="1200" dirty="0"/>
+        </a:p>
+      </dsp:txBody>
+      <dsp:txXfrm>
+        <a:off x="839472" y="3511523"/>
+        <a:ext cx="1678795" cy="982815"/>
+      </dsp:txXfrm>
+    </dsp:sp>
   </dsp:spTree>
 </dsp:drawing>
 </file>
@@ -2787,7 +3748,7 @@
           <a:p>
             <a:fld id="{9D3FBBFE-677F-4CC0-BF92-950C0F009223}" type="datetimeFigureOut">
               <a:rPr lang="en-CA" smtClean="0"/>
-              <a:t>16/10/2012</a:t>
+              <a:t>21/10/2012</a:t>
             </a:fld>
             <a:endParaRPr lang="en-CA"/>
           </a:p>
@@ -3139,6 +4100,118 @@
 </p:notes>
 </file>
 
+<file path=ppt/notesSlides/notesSlide10.xml><?xml version="1.0" encoding="utf-8"?>
+<p:notes xmlns:a="http://schemas.openxmlformats.org/drawingml/2006/main" xmlns:r="http://schemas.openxmlformats.org/officeDocument/2006/relationships" xmlns:p="http://schemas.openxmlformats.org/presentationml/2006/main">
+  <p:cSld>
+    <p:spTree>
+      <p:nvGrpSpPr>
+        <p:cNvPr id="1" name=""/>
+        <p:cNvGrpSpPr/>
+        <p:nvPr/>
+      </p:nvGrpSpPr>
+      <p:grpSpPr>
+        <a:xfrm>
+          <a:off x="0" y="0"/>
+          <a:ext cx="0" cy="0"/>
+          <a:chOff x="0" y="0"/>
+          <a:chExt cx="0" cy="0"/>
+        </a:xfrm>
+      </p:grpSpPr>
+      <p:sp>
+        <p:nvSpPr>
+          <p:cNvPr id="2" name="Slide Image Placeholder 1"/>
+          <p:cNvSpPr>
+            <a:spLocks noGrp="1" noRot="1" noChangeAspect="1"/>
+          </p:cNvSpPr>
+          <p:nvPr>
+            <p:ph type="sldImg"/>
+          </p:nvPr>
+        </p:nvSpPr>
+        <p:spPr/>
+      </p:sp>
+      <p:sp>
+        <p:nvSpPr>
+          <p:cNvPr id="3" name="Notes Placeholder 2"/>
+          <p:cNvSpPr>
+            <a:spLocks noGrp="1"/>
+          </p:cNvSpPr>
+          <p:nvPr>
+            <p:ph type="body" idx="1"/>
+          </p:nvPr>
+        </p:nvSpPr>
+        <p:spPr/>
+        <p:txBody>
+          <a:bodyPr/>
+          <a:lstStyle/>
+          <a:p>
+            <a:r>
+              <a:rPr lang="pl-PL" dirty="0" smtClean="0"/>
+              <a:t>10003 – 25,</a:t>
+            </a:r>
+            <a:r>
+              <a:rPr lang="pl-PL" baseline="0" dirty="0" smtClean="0"/>
+              <a:t> true</a:t>
+            </a:r>
+          </a:p>
+          <a:p>
+            <a:r>
+              <a:rPr lang="pl-PL" baseline="0" dirty="0" smtClean="0"/>
+              <a:t>10129 – 25, false</a:t>
+            </a:r>
+          </a:p>
+          <a:p>
+            <a:r>
+              <a:rPr lang="pl-PL" baseline="0" dirty="0" smtClean="0"/>
+              <a:t>15 – Miami</a:t>
+            </a:r>
+          </a:p>
+          <a:p>
+            <a:r>
+              <a:rPr lang="pl-PL" baseline="0" dirty="0" smtClean="0"/>
+              <a:t>250 – Weston</a:t>
+            </a:r>
+          </a:p>
+          <a:p>
+            <a:endParaRPr lang="en-CA" dirty="0"/>
+          </a:p>
+        </p:txBody>
+      </p:sp>
+      <p:sp>
+        <p:nvSpPr>
+          <p:cNvPr id="4" name="Slide Number Placeholder 3"/>
+          <p:cNvSpPr>
+            <a:spLocks noGrp="1"/>
+          </p:cNvSpPr>
+          <p:nvPr>
+            <p:ph type="sldNum" sz="quarter" idx="10"/>
+          </p:nvPr>
+        </p:nvSpPr>
+        <p:spPr/>
+        <p:txBody>
+          <a:bodyPr/>
+          <a:lstStyle/>
+          <a:p>
+            <a:fld id="{F036235D-DA40-4917-9347-5AA27D26558A}" type="slidenum">
+              <a:rPr lang="en-CA" smtClean="0"/>
+              <a:t>36</a:t>
+            </a:fld>
+            <a:endParaRPr lang="en-CA"/>
+          </a:p>
+        </p:txBody>
+      </p:sp>
+    </p:spTree>
+    <p:extLst>
+      <p:ext uri="{BB962C8B-B14F-4D97-AF65-F5344CB8AC3E}">
+        <p14:creationId xmlns:p14="http://schemas.microsoft.com/office/powerpoint/2010/main" val="3031098486"/>
+      </p:ext>
+    </p:extLst>
+  </p:cSld>
+  <p:clrMapOvr>
+    <a:masterClrMapping/>
+  </p:clrMapOvr>
+</p:notes>
+</file>
+
 <file path=ppt/notesSlides/notesSlide2.xml><?xml version="1.0" encoding="utf-8"?>
 <p:notes xmlns:a="http://schemas.openxmlformats.org/drawingml/2006/main" xmlns:r="http://schemas.openxmlformats.org/officeDocument/2006/relationships" xmlns:p="http://schemas.openxmlformats.org/presentationml/2006/main">
   <p:cSld>
@@ -3487,11 +4560,11 @@
           <a:p>
             <a:r>
               <a:rPr lang="pl-PL" dirty="0" smtClean="0"/>
-              <a:t>Objects</a:t>
+              <a:t>Describe</a:t>
             </a:r>
             <a:r>
               <a:rPr lang="pl-PL" baseline="0" dirty="0" smtClean="0"/>
-              <a:t> – encapsulate state and expose behaviour</a:t>
+              <a:t> what server is</a:t>
             </a:r>
             <a:endParaRPr lang="en-CA" dirty="0"/>
           </a:p>
@@ -3514,7 +4587,7 @@
           <a:p>
             <a:fld id="{F036235D-DA40-4917-9347-5AA27D26558A}" type="slidenum">
               <a:rPr lang="en-CA" smtClean="0"/>
-              <a:t>17</a:t>
+              <a:t>16</a:t>
             </a:fld>
             <a:endParaRPr lang="en-CA"/>
           </a:p>
@@ -3523,7 +4596,7 @@
     </p:spTree>
     <p:extLst>
       <p:ext uri="{BB962C8B-B14F-4D97-AF65-F5344CB8AC3E}">
-        <p14:creationId xmlns:p14="http://schemas.microsoft.com/office/powerpoint/2010/main" val="1103758951"/>
+        <p14:creationId xmlns:p14="http://schemas.microsoft.com/office/powerpoint/2010/main" val="2538110661"/>
       </p:ext>
     </p:extLst>
   </p:cSld>
@@ -3578,16 +4651,12 @@
           <a:lstStyle/>
           <a:p>
             <a:r>
-              <a:rPr lang="en-CA" sz="1200" b="1" i="0" kern="1200" dirty="0" err="1" smtClean="0">
-                <a:solidFill>
-                  <a:schemeClr val="tx1"/>
-                </a:solidFill>
-                <a:effectLst/>
-                <a:latin typeface="+mn-lt"/>
-                <a:ea typeface="+mn-ea"/>
-                <a:cs typeface="+mn-cs"/>
-              </a:rPr>
-              <a:t>webmusespresenter</a:t>
+              <a:rPr lang="pl-PL" dirty="0" smtClean="0"/>
+              <a:t>Objects</a:t>
+            </a:r>
+            <a:r>
+              <a:rPr lang="pl-PL" baseline="0" dirty="0" smtClean="0"/>
+              <a:t> – encapsulate state and expose behaviour</a:t>
             </a:r>
             <a:endParaRPr lang="en-CA" dirty="0"/>
           </a:p>
@@ -3610,7 +4679,7 @@
           <a:p>
             <a:fld id="{F036235D-DA40-4917-9347-5AA27D26558A}" type="slidenum">
               <a:rPr lang="en-CA" smtClean="0"/>
-              <a:t>20</a:t>
+              <a:t>17</a:t>
             </a:fld>
             <a:endParaRPr lang="en-CA"/>
           </a:p>
@@ -3619,7 +4688,7 @@
     </p:spTree>
     <p:extLst>
       <p:ext uri="{BB962C8B-B14F-4D97-AF65-F5344CB8AC3E}">
-        <p14:creationId xmlns:p14="http://schemas.microsoft.com/office/powerpoint/2010/main" val="1915565334"/>
+        <p14:creationId xmlns:p14="http://schemas.microsoft.com/office/powerpoint/2010/main" val="1103758951"/>
       </p:ext>
     </p:extLst>
   </p:cSld>
@@ -3674,14 +4743,16 @@
           <a:lstStyle/>
           <a:p>
             <a:r>
-              <a:rPr lang="pl-PL" dirty="0" smtClean="0"/>
-              <a:t>15 no wifi</a:t>
-            </a:r>
-          </a:p>
-          <a:p>
-            <a:r>
-              <a:rPr lang="pl-PL" dirty="0" smtClean="0"/>
-              <a:t>16 wifi</a:t>
+              <a:rPr lang="en-CA" sz="1200" b="1" i="0" kern="1200" dirty="0" err="1" smtClean="0">
+                <a:solidFill>
+                  <a:schemeClr val="tx1"/>
+                </a:solidFill>
+                <a:effectLst/>
+                <a:latin typeface="+mn-lt"/>
+                <a:ea typeface="+mn-ea"/>
+                <a:cs typeface="+mn-cs"/>
+              </a:rPr>
+              <a:t>webmusespresenter</a:t>
             </a:r>
             <a:endParaRPr lang="en-CA" dirty="0"/>
           </a:p>
@@ -3704,7 +4775,7 @@
           <a:p>
             <a:fld id="{F036235D-DA40-4917-9347-5AA27D26558A}" type="slidenum">
               <a:rPr lang="en-CA" smtClean="0"/>
-              <a:t>29</a:t>
+              <a:t>20</a:t>
             </a:fld>
             <a:endParaRPr lang="en-CA"/>
           </a:p>
@@ -3713,7 +4784,7 @@
     </p:spTree>
     <p:extLst>
       <p:ext uri="{BB962C8B-B14F-4D97-AF65-F5344CB8AC3E}">
-        <p14:creationId xmlns:p14="http://schemas.microsoft.com/office/powerpoint/2010/main" val="2681861613"/>
+        <p14:creationId xmlns:p14="http://schemas.microsoft.com/office/powerpoint/2010/main" val="1915565334"/>
       </p:ext>
     </p:extLst>
   </p:cSld>
@@ -3769,18 +4840,14 @@
           <a:p>
             <a:r>
               <a:rPr lang="pl-PL" dirty="0" smtClean="0"/>
-              <a:t>#10 big</a:t>
+              <a:t>15 no wifi</a:t>
             </a:r>
-            <a:r>
-              <a:rPr lang="pl-PL" baseline="0" dirty="0" smtClean="0"/>
-              <a:t> </a:t>
-            </a:r>
+          </a:p>
+          <a:p>
             <a:r>
               <a:rPr lang="pl-PL" dirty="0" smtClean="0"/>
-              <a:t>(20)</a:t>
+              <a:t>16 wifi</a:t>
             </a:r>
-          </a:p>
-          <a:p>
             <a:endParaRPr lang="en-CA" dirty="0"/>
           </a:p>
         </p:txBody>
@@ -3802,7 +4869,7 @@
           <a:p>
             <a:fld id="{F036235D-DA40-4917-9347-5AA27D26558A}" type="slidenum">
               <a:rPr lang="en-CA" smtClean="0"/>
-              <a:t>30</a:t>
+              <a:t>34</a:t>
             </a:fld>
             <a:endParaRPr lang="en-CA"/>
           </a:p>
@@ -3811,7 +4878,7 @@
     </p:spTree>
     <p:extLst>
       <p:ext uri="{BB962C8B-B14F-4D97-AF65-F5344CB8AC3E}">
-        <p14:creationId xmlns:p14="http://schemas.microsoft.com/office/powerpoint/2010/main" val="4202824239"/>
+        <p14:creationId xmlns:p14="http://schemas.microsoft.com/office/powerpoint/2010/main" val="2681861613"/>
       </p:ext>
     </p:extLst>
   </p:cSld>
@@ -3867,29 +4934,15 @@
           <a:p>
             <a:r>
               <a:rPr lang="pl-PL" dirty="0" smtClean="0"/>
-              <a:t>10003 – 25,</a:t>
+              <a:t>#10 big</a:t>
             </a:r>
             <a:r>
               <a:rPr lang="pl-PL" baseline="0" dirty="0" smtClean="0"/>
-              <a:t> true</a:t>
+              <a:t> </a:t>
             </a:r>
-          </a:p>
-          <a:p>
             <a:r>
-              <a:rPr lang="pl-PL" baseline="0" dirty="0" smtClean="0"/>
-              <a:t>10129 – 25, false</a:t>
-            </a:r>
-          </a:p>
-          <a:p>
-            <a:r>
-              <a:rPr lang="pl-PL" baseline="0" dirty="0" smtClean="0"/>
-              <a:t>15 – Miami</a:t>
-            </a:r>
-          </a:p>
-          <a:p>
-            <a:r>
-              <a:rPr lang="pl-PL" baseline="0" dirty="0" smtClean="0"/>
-              <a:t>250 – Weston</a:t>
+              <a:rPr lang="pl-PL" dirty="0" smtClean="0"/>
+              <a:t>(20)</a:t>
             </a:r>
           </a:p>
           <a:p>
@@ -3914,7 +4967,7 @@
           <a:p>
             <a:fld id="{F036235D-DA40-4917-9347-5AA27D26558A}" type="slidenum">
               <a:rPr lang="en-CA" smtClean="0"/>
-              <a:t>31</a:t>
+              <a:t>35</a:t>
             </a:fld>
             <a:endParaRPr lang="en-CA"/>
           </a:p>
@@ -3923,7 +4976,7 @@
     </p:spTree>
     <p:extLst>
       <p:ext uri="{BB962C8B-B14F-4D97-AF65-F5344CB8AC3E}">
-        <p14:creationId xmlns:p14="http://schemas.microsoft.com/office/powerpoint/2010/main" val="3031098486"/>
+        <p14:creationId xmlns:p14="http://schemas.microsoft.com/office/powerpoint/2010/main" val="4202824239"/>
       </p:ext>
     </p:extLst>
   </p:cSld>
@@ -9685,7 +10738,7 @@
           <a:p>
             <a:fld id="{450045EB-F0A2-405F-866B-BCD425706225}" type="datetimeFigureOut">
               <a:rPr lang="en-CA" smtClean="0"/>
-              <a:t>16/10/2012</a:t>
+              <a:t>21/10/2012</a:t>
             </a:fld>
             <a:endParaRPr lang="en-CA"/>
           </a:p>
@@ -11903,7 +12956,7 @@
         </p:xfrm>
         <a:graphic>
           <a:graphicData uri="http://schemas.openxmlformats.org/drawingml/2006/diagram">
-            <dgm:relIds xmlns:dgm="http://schemas.openxmlformats.org/drawingml/2006/diagram" xmlns:r="http://schemas.openxmlformats.org/officeDocument/2006/relationships" r:dm="rId5" r:lo="rId6" r:qs="rId7" r:cs="rId8"/>
+            <dgm:relIds xmlns:dgm="http://schemas.openxmlformats.org/drawingml/2006/diagram" xmlns:r="http://schemas.openxmlformats.org/officeDocument/2006/relationships" r:dm="rId6" r:lo="rId7" r:qs="rId8" r:cs="rId9"/>
           </a:graphicData>
         </a:graphic>
       </p:graphicFrame>
@@ -13449,81 +14502,6 @@
                       </p:childTnLst>
                     </p:cTn>
                   </p:par>
-                  <p:par>
-                    <p:cTn id="75" fill="hold">
-                      <p:stCondLst>
-                        <p:cond delay="indefinite"/>
-                      </p:stCondLst>
-                      <p:childTnLst>
-                        <p:par>
-                          <p:cTn id="76" fill="hold">
-                            <p:stCondLst>
-                              <p:cond delay="0"/>
-                            </p:stCondLst>
-                            <p:childTnLst>
-                              <p:par>
-                                <p:cTn id="77" presetID="10" presetClass="exit" presetSubtype="0" fill="hold" nodeType="clickEffect">
-                                  <p:stCondLst>
-                                    <p:cond delay="500"/>
-                                  </p:stCondLst>
-                                  <p:childTnLst>
-                                    <p:animEffect transition="out" filter="fade">
-                                      <p:cBhvr>
-                                        <p:cTn id="78" dur="500"/>
-                                        <p:tgtEl>
-                                          <p:spTgt spid="4109"/>
-                                        </p:tgtEl>
-                                      </p:cBhvr>
-                                    </p:animEffect>
-                                    <p:set>
-                                      <p:cBhvr>
-                                        <p:cTn id="79" dur="1" fill="hold">
-                                          <p:stCondLst>
-                                            <p:cond delay="499"/>
-                                          </p:stCondLst>
-                                        </p:cTn>
-                                        <p:tgtEl>
-                                          <p:spTgt spid="4109"/>
-                                        </p:tgtEl>
-                                        <p:attrNameLst>
-                                          <p:attrName>style.visibility</p:attrName>
-                                        </p:attrNameLst>
-                                      </p:cBhvr>
-                                      <p:to>
-                                        <p:strVal val="hidden"/>
-                                      </p:to>
-                                    </p:set>
-                                  </p:childTnLst>
-                                </p:cTn>
-                              </p:par>
-                              <p:par>
-                                <p:cTn id="80" presetID="35" presetClass="path" presetSubtype="0" accel="50000" decel="50000" fill="hold" nodeType="withEffect">
-                                  <p:stCondLst>
-                                    <p:cond delay="0"/>
-                                  </p:stCondLst>
-                                  <p:childTnLst>
-                                    <p:animMotion origin="layout" path="M -3.88889E-6 1.11111E-6 L -0.04635 1.11111E-6 " pathEditMode="relative" rAng="0" ptsTypes="AA">
-                                      <p:cBhvr>
-                                        <p:cTn id="81" dur="2000" fill="hold"/>
-                                        <p:tgtEl>
-                                          <p:spTgt spid="4109"/>
-                                        </p:tgtEl>
-                                        <p:attrNameLst>
-                                          <p:attrName>ppt_x</p:attrName>
-                                          <p:attrName>ppt_y</p:attrName>
-                                        </p:attrNameLst>
-                                      </p:cBhvr>
-                                      <p:rCtr x="-2326" y="0"/>
-                                    </p:animMotion>
-                                  </p:childTnLst>
-                                </p:cTn>
-                              </p:par>
-                            </p:childTnLst>
-                          </p:cTn>
-                        </p:par>
-                      </p:childTnLst>
-                    </p:cTn>
-                  </p:par>
                 </p:childTnLst>
               </p:cTn>
               <p:prevCondLst>
@@ -15357,10 +16335,14 @@
           <a:lstStyle/>
           <a:p>
             <a:r>
-              <a:rPr lang="pl-PL" dirty="0" smtClean="0"/>
-              <a:t>Click New</a:t>
+              <a:rPr lang="pl-PL" dirty="0"/>
+              <a:t>Open </a:t>
             </a:r>
-            <a:endParaRPr lang="en-CA" dirty="0"/>
+            <a:r>
+              <a:rPr lang="pl-PL" sz="2000" dirty="0"/>
+              <a:t>http://bit.ly/webMusesCR</a:t>
+            </a:r>
+            <a:endParaRPr lang="en-CA" sz="2000" dirty="0"/>
           </a:p>
         </p:txBody>
       </p:sp>
@@ -15384,13 +16366,7 @@
           <a:p>
             <a:r>
               <a:rPr lang="pl-PL" sz="2800" dirty="0" smtClean="0"/>
-              <a:t>Select </a:t>
-            </a:r>
-          </a:p>
-          <a:p>
-            <a:r>
-              <a:rPr lang="pl-PL" sz="2400" dirty="0" smtClean="0"/>
-              <a:t>ASP.NET MVC Web Application</a:t>
+              <a:t>Right-click solution name (in red)</a:t>
             </a:r>
             <a:endParaRPr lang="en-CA" sz="2400" dirty="0"/>
           </a:p>
@@ -15406,6 +16382,32 @@
             <p:ph sz="quarter" idx="13"/>
             <p:custDataLst>
               <p:tags r:id="rId6"/>
+            </p:custDataLst>
+          </p:nvPr>
+        </p:nvSpPr>
+        <p:spPr/>
+        <p:txBody>
+          <a:bodyPr/>
+          <a:lstStyle/>
+          <a:p>
+            <a:r>
+              <a:rPr lang="pl-PL" dirty="0" smtClean="0"/>
+              <a:t>Build</a:t>
+            </a:r>
+            <a:endParaRPr lang="en-CA" dirty="0"/>
+          </a:p>
+        </p:txBody>
+      </p:sp>
+      <p:sp>
+        <p:nvSpPr>
+          <p:cNvPr id="7" name="Content Placeholder 6"/>
+          <p:cNvSpPr>
+            <a:spLocks noGrp="1"/>
+          </p:cNvSpPr>
+          <p:nvPr>
+            <p:ph sz="quarter" idx="14"/>
+            <p:custDataLst>
+              <p:tags r:id="rId7"/>
             </p:custDataLst>
           </p:nvPr>
         </p:nvSpPr>
@@ -15424,28 +16426,6 @@
       </p:sp>
       <p:sp>
         <p:nvSpPr>
-          <p:cNvPr id="7" name="Content Placeholder 6"/>
-          <p:cNvSpPr>
-            <a:spLocks noGrp="1"/>
-          </p:cNvSpPr>
-          <p:nvPr>
-            <p:ph sz="quarter" idx="14"/>
-            <p:custDataLst>
-              <p:tags r:id="rId7"/>
-            </p:custDataLst>
-          </p:nvPr>
-        </p:nvSpPr>
-        <p:spPr/>
-        <p:txBody>
-          <a:bodyPr/>
-          <a:lstStyle/>
-          <a:p>
-            <a:endParaRPr lang="en-CA"/>
-          </a:p>
-        </p:txBody>
-      </p:sp>
-      <p:sp>
-        <p:nvSpPr>
           <p:cNvPr id="8" name="Content Placeholder 7"/>
           <p:cNvSpPr>
             <a:spLocks noGrp="1"/>
@@ -15464,7 +16444,7 @@
           <a:p>
             <a:r>
               <a:rPr lang="pl-PL" dirty="0" smtClean="0"/>
-              <a:t>Build</a:t>
+              <a:t>Choose Add to my projects</a:t>
             </a:r>
             <a:endParaRPr lang="en-CA" dirty="0"/>
           </a:p>
@@ -16381,6 +17361,741 @@
 </file>
 
 <file path=ppt/slides/slide23.xml><?xml version="1.0" encoding="utf-8"?>
+<p:sld xmlns:a="http://schemas.openxmlformats.org/drawingml/2006/main" xmlns:r="http://schemas.openxmlformats.org/officeDocument/2006/relationships" xmlns:p="http://schemas.openxmlformats.org/presentationml/2006/main" show="0">
+  <p:cSld>
+    <p:spTree>
+      <p:nvGrpSpPr>
+        <p:cNvPr id="1" name=""/>
+        <p:cNvGrpSpPr/>
+        <p:nvPr/>
+      </p:nvGrpSpPr>
+      <p:grpSpPr>
+        <a:xfrm>
+          <a:off x="0" y="0"/>
+          <a:ext cx="0" cy="0"/>
+          <a:chOff x="0" y="0"/>
+          <a:chExt cx="0" cy="0"/>
+        </a:xfrm>
+      </p:grpSpPr>
+      <p:sp>
+        <p:nvSpPr>
+          <p:cNvPr id="2" name="Title 1"/>
+          <p:cNvSpPr>
+            <a:spLocks noGrp="1"/>
+          </p:cNvSpPr>
+          <p:nvPr>
+            <p:ph type="title"/>
+            <p:custDataLst>
+              <p:tags r:id="rId2"/>
+            </p:custDataLst>
+          </p:nvPr>
+        </p:nvSpPr>
+        <p:spPr/>
+        <p:txBody>
+          <a:bodyPr/>
+          <a:lstStyle/>
+          <a:p>
+            <a:r>
+              <a:rPr lang="pl-PL" dirty="0" smtClean="0"/>
+              <a:t>Task 0.1 – prepare a text control</a:t>
+            </a:r>
+            <a:endParaRPr lang="en-CA" dirty="0"/>
+          </a:p>
+        </p:txBody>
+      </p:sp>
+      <p:sp>
+        <p:nvSpPr>
+          <p:cNvPr id="3" name="Content Placeholder 2"/>
+          <p:cNvSpPr>
+            <a:spLocks noGrp="1"/>
+          </p:cNvSpPr>
+          <p:nvPr>
+            <p:ph sz="quarter" idx="10"/>
+            <p:custDataLst>
+              <p:tags r:id="rId3"/>
+            </p:custDataLst>
+          </p:nvPr>
+        </p:nvSpPr>
+        <p:spPr/>
+        <p:txBody>
+          <a:bodyPr/>
+          <a:lstStyle/>
+          <a:p>
+            <a:r>
+              <a:rPr lang="pl-PL" dirty="0" smtClean="0"/>
+              <a:t>Open Index.aspx</a:t>
+            </a:r>
+            <a:endParaRPr lang="en-CA" dirty="0"/>
+          </a:p>
+        </p:txBody>
+      </p:sp>
+      <p:sp>
+        <p:nvSpPr>
+          <p:cNvPr id="4" name="Content Placeholder 3"/>
+          <p:cNvSpPr>
+            <a:spLocks noGrp="1"/>
+          </p:cNvSpPr>
+          <p:nvPr>
+            <p:ph sz="quarter" idx="11"/>
+            <p:custDataLst>
+              <p:tags r:id="rId4"/>
+            </p:custDataLst>
+          </p:nvPr>
+        </p:nvSpPr>
+        <p:spPr/>
+        <p:txBody>
+          <a:bodyPr/>
+          <a:lstStyle/>
+          <a:p>
+            <a:r>
+              <a:rPr lang="en-CA" sz="2800" dirty="0"/>
+              <a:t>&lt;%= ViewData["Text"] %&gt;</a:t>
+            </a:r>
+          </a:p>
+        </p:txBody>
+      </p:sp>
+      <p:sp>
+        <p:nvSpPr>
+          <p:cNvPr id="5" name="Content Placeholder 4"/>
+          <p:cNvSpPr>
+            <a:spLocks noGrp="1"/>
+          </p:cNvSpPr>
+          <p:nvPr>
+            <p:ph sz="quarter" idx="12"/>
+            <p:custDataLst>
+              <p:tags r:id="rId5"/>
+            </p:custDataLst>
+          </p:nvPr>
+        </p:nvSpPr>
+        <p:spPr/>
+        <p:txBody>
+          <a:bodyPr/>
+          <a:lstStyle/>
+          <a:p>
+            <a:r>
+              <a:rPr lang="pl-PL" dirty="0"/>
+              <a:t>Open HomeController</a:t>
+            </a:r>
+            <a:endParaRPr lang="en-CA" dirty="0"/>
+          </a:p>
+          <a:p>
+            <a:endParaRPr lang="en-CA" dirty="0"/>
+          </a:p>
+        </p:txBody>
+      </p:sp>
+      <p:sp>
+        <p:nvSpPr>
+          <p:cNvPr id="6" name="Content Placeholder 5"/>
+          <p:cNvSpPr>
+            <a:spLocks noGrp="1"/>
+          </p:cNvSpPr>
+          <p:nvPr>
+            <p:ph sz="quarter" idx="13"/>
+            <p:custDataLst>
+              <p:tags r:id="rId6"/>
+            </p:custDataLst>
+          </p:nvPr>
+        </p:nvSpPr>
+        <p:spPr/>
+        <p:txBody>
+          <a:bodyPr/>
+          <a:lstStyle/>
+          <a:p>
+            <a:r>
+              <a:rPr lang="pl-PL" sz="2800" dirty="0"/>
+              <a:t>Assign some text to </a:t>
+            </a:r>
+            <a:r>
+              <a:rPr lang="en-CA" sz="2800" dirty="0" err="1"/>
+              <a:t>ViewData</a:t>
+            </a:r>
+            <a:r>
+              <a:rPr lang="en-CA" sz="2800" dirty="0"/>
+              <a:t>["Text"]</a:t>
+            </a:r>
+          </a:p>
+        </p:txBody>
+      </p:sp>
+      <p:sp>
+        <p:nvSpPr>
+          <p:cNvPr id="7" name="Content Placeholder 6"/>
+          <p:cNvSpPr>
+            <a:spLocks noGrp="1"/>
+          </p:cNvSpPr>
+          <p:nvPr>
+            <p:ph sz="quarter" idx="14"/>
+            <p:custDataLst>
+              <p:tags r:id="rId7"/>
+            </p:custDataLst>
+          </p:nvPr>
+        </p:nvSpPr>
+        <p:spPr/>
+        <p:txBody>
+          <a:bodyPr/>
+          <a:lstStyle/>
+          <a:p>
+            <a:endParaRPr lang="en-CA" sz="2800" dirty="0"/>
+          </a:p>
+        </p:txBody>
+      </p:sp>
+      <p:sp>
+        <p:nvSpPr>
+          <p:cNvPr id="8" name="Content Placeholder 7"/>
+          <p:cNvSpPr>
+            <a:spLocks noGrp="1"/>
+          </p:cNvSpPr>
+          <p:nvPr>
+            <p:ph sz="quarter" idx="15"/>
+            <p:custDataLst>
+              <p:tags r:id="rId8"/>
+            </p:custDataLst>
+          </p:nvPr>
+        </p:nvSpPr>
+        <p:spPr/>
+        <p:txBody>
+          <a:bodyPr/>
+          <a:lstStyle/>
+          <a:p>
+            <a:r>
+              <a:rPr lang="pl-PL" dirty="0"/>
+              <a:t>Find Index method</a:t>
+            </a:r>
+            <a:endParaRPr lang="en-CA" dirty="0"/>
+          </a:p>
+          <a:p>
+            <a:endParaRPr lang="en-CA" dirty="0"/>
+          </a:p>
+        </p:txBody>
+      </p:sp>
+    </p:spTree>
+    <p:custDataLst>
+      <p:tags r:id="rId1"/>
+    </p:custDataLst>
+    <p:extLst>
+      <p:ext uri="{BB962C8B-B14F-4D97-AF65-F5344CB8AC3E}">
+        <p14:creationId xmlns:p14="http://schemas.microsoft.com/office/powerpoint/2010/main" val="2949502460"/>
+      </p:ext>
+    </p:extLst>
+  </p:cSld>
+  <p:clrMapOvr>
+    <a:masterClrMapping/>
+  </p:clrMapOvr>
+  <mc:AlternateContent xmlns:mc="http://schemas.openxmlformats.org/markup-compatibility/2006">
+    <mc:Choice xmlns:p14="http://schemas.microsoft.com/office/powerpoint/2010/main" Requires="p14">
+      <p:transition spd="slow" p14:dur="2000"/>
+    </mc:Choice>
+    <mc:Fallback>
+      <p:transition spd="slow"/>
+    </mc:Fallback>
+  </mc:AlternateContent>
+  <p:timing>
+    <p:tnLst>
+      <p:par>
+        <p:cTn id="1" dur="indefinite" restart="never" nodeType="tmRoot"/>
+      </p:par>
+    </p:tnLst>
+  </p:timing>
+</p:sld>
+</file>
+
+<file path=ppt/slides/slide24.xml><?xml version="1.0" encoding="utf-8"?>
+<p:sld xmlns:a="http://schemas.openxmlformats.org/drawingml/2006/main" xmlns:r="http://schemas.openxmlformats.org/officeDocument/2006/relationships" xmlns:p="http://schemas.openxmlformats.org/presentationml/2006/main" show="0">
+  <p:cSld>
+    <p:spTree>
+      <p:nvGrpSpPr>
+        <p:cNvPr id="1" name=""/>
+        <p:cNvGrpSpPr/>
+        <p:nvPr/>
+      </p:nvGrpSpPr>
+      <p:grpSpPr>
+        <a:xfrm>
+          <a:off x="0" y="0"/>
+          <a:ext cx="0" cy="0"/>
+          <a:chOff x="0" y="0"/>
+          <a:chExt cx="0" cy="0"/>
+        </a:xfrm>
+      </p:grpSpPr>
+      <p:sp>
+        <p:nvSpPr>
+          <p:cNvPr id="2" name="Title 1"/>
+          <p:cNvSpPr>
+            <a:spLocks noGrp="1"/>
+          </p:cNvSpPr>
+          <p:nvPr>
+            <p:ph type="title"/>
+            <p:custDataLst>
+              <p:tags r:id="rId2"/>
+            </p:custDataLst>
+          </p:nvPr>
+        </p:nvSpPr>
+        <p:spPr>
+          <a:xfrm>
+            <a:off x="323528" y="260648"/>
+            <a:ext cx="7056784" cy="778098"/>
+          </a:xfrm>
+        </p:spPr>
+        <p:txBody>
+          <a:bodyPr/>
+          <a:lstStyle/>
+          <a:p>
+            <a:r>
+              <a:rPr lang="pl-PL" dirty="0" smtClean="0"/>
+              <a:t>Task 0.3 – prepare a text control cont’d</a:t>
+            </a:r>
+            <a:endParaRPr lang="en-CA" dirty="0"/>
+          </a:p>
+        </p:txBody>
+      </p:sp>
+      <p:sp>
+        <p:nvSpPr>
+          <p:cNvPr id="3" name="Content Placeholder 2"/>
+          <p:cNvSpPr>
+            <a:spLocks noGrp="1"/>
+          </p:cNvSpPr>
+          <p:nvPr>
+            <p:ph sz="quarter" idx="10"/>
+            <p:custDataLst>
+              <p:tags r:id="rId3"/>
+            </p:custDataLst>
+          </p:nvPr>
+        </p:nvSpPr>
+        <p:spPr/>
+        <p:txBody>
+          <a:bodyPr/>
+          <a:lstStyle/>
+          <a:p>
+            <a:r>
+              <a:rPr lang="pl-PL" sz="2000" dirty="0" smtClean="0"/>
+              <a:t>Surround </a:t>
+            </a:r>
+          </a:p>
+          <a:p>
+            <a:r>
+              <a:rPr lang="en-CA" sz="2000" dirty="0" smtClean="0"/>
+              <a:t>&lt;%= </a:t>
+            </a:r>
+            <a:r>
+              <a:rPr lang="en-CA" sz="2000" dirty="0" err="1"/>
+              <a:t>ViewData</a:t>
+            </a:r>
+            <a:r>
+              <a:rPr lang="en-CA" sz="2000" dirty="0"/>
+              <a:t>["Text"] %&gt;</a:t>
+            </a:r>
+          </a:p>
+          <a:p>
+            <a:r>
+              <a:rPr lang="pl-PL" sz="2000" dirty="0" smtClean="0"/>
+              <a:t>with a &lt;div&gt; with an id</a:t>
+            </a:r>
+            <a:endParaRPr lang="en-CA" sz="2000" dirty="0"/>
+          </a:p>
+        </p:txBody>
+      </p:sp>
+      <p:sp>
+        <p:nvSpPr>
+          <p:cNvPr id="4" name="Content Placeholder 3"/>
+          <p:cNvSpPr>
+            <a:spLocks noGrp="1"/>
+          </p:cNvSpPr>
+          <p:nvPr>
+            <p:ph sz="quarter" idx="11"/>
+            <p:custDataLst>
+              <p:tags r:id="rId4"/>
+            </p:custDataLst>
+          </p:nvPr>
+        </p:nvSpPr>
+        <p:spPr/>
+        <p:txBody>
+          <a:bodyPr/>
+          <a:lstStyle/>
+          <a:p>
+            <a:r>
+              <a:rPr lang="pl-PL" sz="2800" dirty="0" smtClean="0"/>
+              <a:t>Add inline style</a:t>
+            </a:r>
+            <a:endParaRPr lang="en-CA" sz="2800" dirty="0"/>
+          </a:p>
+        </p:txBody>
+      </p:sp>
+      <p:sp>
+        <p:nvSpPr>
+          <p:cNvPr id="5" name="Content Placeholder 4"/>
+          <p:cNvSpPr>
+            <a:spLocks noGrp="1"/>
+          </p:cNvSpPr>
+          <p:nvPr>
+            <p:ph sz="quarter" idx="12"/>
+            <p:custDataLst>
+              <p:tags r:id="rId5"/>
+            </p:custDataLst>
+          </p:nvPr>
+        </p:nvSpPr>
+        <p:spPr/>
+        <p:txBody>
+          <a:bodyPr/>
+          <a:lstStyle/>
+          <a:p>
+            <a:r>
+              <a:rPr lang="pl-PL" sz="2800" dirty="0" smtClean="0"/>
+              <a:t>Add a border</a:t>
+            </a:r>
+            <a:endParaRPr lang="en-CA" sz="2800" dirty="0"/>
+          </a:p>
+        </p:txBody>
+      </p:sp>
+      <p:sp>
+        <p:nvSpPr>
+          <p:cNvPr id="6" name="Content Placeholder 5"/>
+          <p:cNvSpPr>
+            <a:spLocks noGrp="1"/>
+          </p:cNvSpPr>
+          <p:nvPr>
+            <p:ph sz="quarter" idx="13"/>
+            <p:custDataLst>
+              <p:tags r:id="rId6"/>
+            </p:custDataLst>
+          </p:nvPr>
+        </p:nvSpPr>
+        <p:spPr/>
+        <p:txBody>
+          <a:bodyPr/>
+          <a:lstStyle/>
+          <a:p>
+            <a:endParaRPr lang="en-CA"/>
+          </a:p>
+        </p:txBody>
+      </p:sp>
+      <p:sp>
+        <p:nvSpPr>
+          <p:cNvPr id="7" name="Content Placeholder 6"/>
+          <p:cNvSpPr>
+            <a:spLocks noGrp="1"/>
+          </p:cNvSpPr>
+          <p:nvPr>
+            <p:ph sz="quarter" idx="14"/>
+            <p:custDataLst>
+              <p:tags r:id="rId7"/>
+            </p:custDataLst>
+          </p:nvPr>
+        </p:nvSpPr>
+        <p:spPr/>
+        <p:txBody>
+          <a:bodyPr/>
+          <a:lstStyle/>
+          <a:p>
+            <a:endParaRPr lang="en-CA"/>
+          </a:p>
+        </p:txBody>
+      </p:sp>
+      <p:sp>
+        <p:nvSpPr>
+          <p:cNvPr id="8" name="Content Placeholder 7"/>
+          <p:cNvSpPr>
+            <a:spLocks noGrp="1"/>
+          </p:cNvSpPr>
+          <p:nvPr>
+            <p:ph sz="quarter" idx="15"/>
+            <p:custDataLst>
+              <p:tags r:id="rId8"/>
+            </p:custDataLst>
+          </p:nvPr>
+        </p:nvSpPr>
+        <p:spPr/>
+        <p:txBody>
+          <a:bodyPr/>
+          <a:lstStyle/>
+          <a:p>
+            <a:endParaRPr lang="en-CA" dirty="0"/>
+          </a:p>
+        </p:txBody>
+      </p:sp>
+    </p:spTree>
+    <p:custDataLst>
+      <p:tags r:id="rId1"/>
+    </p:custDataLst>
+    <p:extLst>
+      <p:ext uri="{BB962C8B-B14F-4D97-AF65-F5344CB8AC3E}">
+        <p14:creationId xmlns:p14="http://schemas.microsoft.com/office/powerpoint/2010/main" val="1635710852"/>
+      </p:ext>
+    </p:extLst>
+  </p:cSld>
+  <p:clrMapOvr>
+    <a:masterClrMapping/>
+  </p:clrMapOvr>
+  <mc:AlternateContent xmlns:mc="http://schemas.openxmlformats.org/markup-compatibility/2006">
+    <mc:Choice xmlns:p14="http://schemas.microsoft.com/office/powerpoint/2010/main" Requires="p14">
+      <p:transition spd="slow" p14:dur="2000"/>
+    </mc:Choice>
+    <mc:Fallback>
+      <p:transition spd="slow"/>
+    </mc:Fallback>
+  </mc:AlternateContent>
+  <p:timing>
+    <p:tnLst>
+      <p:par>
+        <p:cTn id="1" dur="indefinite" restart="never" nodeType="tmRoot"/>
+      </p:par>
+    </p:tnLst>
+  </p:timing>
+</p:sld>
+</file>
+
+<file path=ppt/slides/slide25.xml><?xml version="1.0" encoding="utf-8"?>
+<p:sld xmlns:a="http://schemas.openxmlformats.org/drawingml/2006/main" xmlns:r="http://schemas.openxmlformats.org/officeDocument/2006/relationships" xmlns:p="http://schemas.openxmlformats.org/presentationml/2006/main" show="0">
+  <p:cSld>
+    <p:spTree>
+      <p:nvGrpSpPr>
+        <p:cNvPr id="1" name=""/>
+        <p:cNvGrpSpPr/>
+        <p:nvPr/>
+      </p:nvGrpSpPr>
+      <p:grpSpPr>
+        <a:xfrm>
+          <a:off x="0" y="0"/>
+          <a:ext cx="0" cy="0"/>
+          <a:chOff x="0" y="0"/>
+          <a:chExt cx="0" cy="0"/>
+        </a:xfrm>
+      </p:grpSpPr>
+      <p:sp>
+        <p:nvSpPr>
+          <p:cNvPr id="2" name="Title 1"/>
+          <p:cNvSpPr>
+            <a:spLocks noGrp="1"/>
+          </p:cNvSpPr>
+          <p:nvPr>
+            <p:ph type="title"/>
+            <p:custDataLst>
+              <p:tags r:id="rId2"/>
+            </p:custDataLst>
+          </p:nvPr>
+        </p:nvSpPr>
+        <p:spPr/>
+        <p:txBody>
+          <a:bodyPr/>
+          <a:lstStyle/>
+          <a:p>
+            <a:r>
+              <a:rPr lang="pl-PL" dirty="0" smtClean="0"/>
+              <a:t>Task 0.4 – Import API</a:t>
+            </a:r>
+            <a:endParaRPr lang="en-CA" dirty="0"/>
+          </a:p>
+        </p:txBody>
+      </p:sp>
+      <p:sp>
+        <p:nvSpPr>
+          <p:cNvPr id="3" name="Content Placeholder 2"/>
+          <p:cNvSpPr>
+            <a:spLocks noGrp="1"/>
+          </p:cNvSpPr>
+          <p:nvPr>
+            <p:ph sz="quarter" idx="10"/>
+            <p:custDataLst>
+              <p:tags r:id="rId3"/>
+            </p:custDataLst>
+          </p:nvPr>
+        </p:nvSpPr>
+        <p:spPr/>
+        <p:txBody>
+          <a:bodyPr/>
+          <a:lstStyle/>
+          <a:p>
+            <a:r>
+              <a:rPr lang="pl-PL" dirty="0" smtClean="0"/>
+              <a:t>Open Global.asax.cs</a:t>
+            </a:r>
+            <a:endParaRPr lang="en-CA" dirty="0"/>
+          </a:p>
+        </p:txBody>
+      </p:sp>
+      <p:sp>
+        <p:nvSpPr>
+          <p:cNvPr id="4" name="Content Placeholder 3"/>
+          <p:cNvSpPr>
+            <a:spLocks noGrp="1"/>
+          </p:cNvSpPr>
+          <p:nvPr>
+            <p:ph sz="quarter" idx="11"/>
+            <p:custDataLst>
+              <p:tags r:id="rId4"/>
+            </p:custDataLst>
+          </p:nvPr>
+        </p:nvSpPr>
+        <p:spPr/>
+        <p:txBody>
+          <a:bodyPr/>
+          <a:lstStyle/>
+          <a:p>
+            <a:r>
+              <a:rPr lang="pl-PL" sz="2800" dirty="0" smtClean="0"/>
+              <a:t>Change {controller} to {controller}.aspx</a:t>
+            </a:r>
+            <a:endParaRPr lang="en-CA" sz="2800" dirty="0"/>
+          </a:p>
+        </p:txBody>
+      </p:sp>
+      <p:sp>
+        <p:nvSpPr>
+          <p:cNvPr id="5" name="Content Placeholder 4"/>
+          <p:cNvSpPr>
+            <a:spLocks noGrp="1"/>
+          </p:cNvSpPr>
+          <p:nvPr>
+            <p:ph sz="quarter" idx="12"/>
+            <p:custDataLst>
+              <p:tags r:id="rId5"/>
+            </p:custDataLst>
+          </p:nvPr>
+        </p:nvSpPr>
+        <p:spPr/>
+        <p:txBody>
+          <a:bodyPr/>
+          <a:lstStyle/>
+          <a:p>
+            <a:r>
+              <a:rPr lang="pl-PL" dirty="0" smtClean="0"/>
+              <a:t>Right click on Controllers</a:t>
+            </a:r>
+            <a:endParaRPr lang="en-CA" dirty="0"/>
+          </a:p>
+        </p:txBody>
+      </p:sp>
+      <p:sp>
+        <p:nvSpPr>
+          <p:cNvPr id="6" name="Content Placeholder 5"/>
+          <p:cNvSpPr>
+            <a:spLocks noGrp="1"/>
+          </p:cNvSpPr>
+          <p:nvPr>
+            <p:ph sz="quarter" idx="13"/>
+            <p:custDataLst>
+              <p:tags r:id="rId6"/>
+            </p:custDataLst>
+          </p:nvPr>
+        </p:nvSpPr>
+        <p:spPr/>
+        <p:txBody>
+          <a:bodyPr/>
+          <a:lstStyle/>
+          <a:p>
+            <a:r>
+              <a:rPr lang="pl-PL" sz="2000" dirty="0" smtClean="0"/>
+              <a:t>Paste a snippet </a:t>
+            </a:r>
+            <a:r>
+              <a:rPr lang="pl-PL" sz="2000" dirty="0"/>
+              <a:t>from </a:t>
+            </a:r>
+            <a:r>
+              <a:rPr lang="pl-PL" sz="1800" dirty="0"/>
+              <a:t>https://raw.github.com</a:t>
+            </a:r>
+            <a:r>
+              <a:rPr lang="pl-PL" sz="1800" dirty="0" smtClean="0"/>
+              <a:t>/</a:t>
+            </a:r>
+          </a:p>
+          <a:p>
+            <a:r>
+              <a:rPr lang="pl-PL" sz="1800" dirty="0" smtClean="0"/>
+              <a:t>bartekwasielak/Presentation/master/snippet.txt</a:t>
+            </a:r>
+            <a:endParaRPr lang="en-CA" sz="2800" dirty="0"/>
+          </a:p>
+        </p:txBody>
+      </p:sp>
+      <p:sp>
+        <p:nvSpPr>
+          <p:cNvPr id="7" name="Content Placeholder 6"/>
+          <p:cNvSpPr>
+            <a:spLocks noGrp="1"/>
+          </p:cNvSpPr>
+          <p:nvPr>
+            <p:ph sz="quarter" idx="14"/>
+            <p:custDataLst>
+              <p:tags r:id="rId7"/>
+            </p:custDataLst>
+          </p:nvPr>
+        </p:nvSpPr>
+        <p:spPr/>
+        <p:txBody>
+          <a:bodyPr/>
+          <a:lstStyle/>
+          <a:p>
+            <a:r>
+              <a:rPr lang="pl-PL" dirty="0"/>
+              <a:t>Run using /Home.aspx</a:t>
+            </a:r>
+            <a:endParaRPr lang="en-CA" dirty="0"/>
+          </a:p>
+        </p:txBody>
+      </p:sp>
+      <p:sp>
+        <p:nvSpPr>
+          <p:cNvPr id="8" name="Content Placeholder 7"/>
+          <p:cNvSpPr>
+            <a:spLocks noGrp="1"/>
+          </p:cNvSpPr>
+          <p:nvPr>
+            <p:ph sz="quarter" idx="15"/>
+            <p:custDataLst>
+              <p:tags r:id="rId8"/>
+            </p:custDataLst>
+          </p:nvPr>
+        </p:nvSpPr>
+        <p:spPr/>
+        <p:txBody>
+          <a:bodyPr/>
+          <a:lstStyle/>
+          <a:p>
+            <a:r>
+              <a:rPr lang="pl-PL" sz="2400" dirty="0" smtClean="0"/>
+              <a:t>Add</a:t>
+            </a:r>
+            <a:r>
+              <a:rPr lang="pl-PL" sz="2400" dirty="0" smtClean="0">
+                <a:sym typeface="Wingdings" pitchFamily="2" charset="2"/>
+              </a:rPr>
+              <a:t>New Item..., then Class</a:t>
+            </a:r>
+            <a:endParaRPr lang="en-CA" sz="2400" dirty="0"/>
+          </a:p>
+        </p:txBody>
+      </p:sp>
+    </p:spTree>
+    <p:custDataLst>
+      <p:tags r:id="rId1"/>
+    </p:custDataLst>
+    <p:extLst>
+      <p:ext uri="{BB962C8B-B14F-4D97-AF65-F5344CB8AC3E}">
+        <p14:creationId xmlns:p14="http://schemas.microsoft.com/office/powerpoint/2010/main" val="2831268415"/>
+      </p:ext>
+    </p:extLst>
+  </p:cSld>
+  <p:clrMapOvr>
+    <a:masterClrMapping/>
+  </p:clrMapOvr>
+  <mc:AlternateContent xmlns:mc="http://schemas.openxmlformats.org/markup-compatibility/2006">
+    <mc:Choice xmlns:p14="http://schemas.microsoft.com/office/powerpoint/2010/main" Requires="p14">
+      <p:transition spd="slow" p14:dur="2000"/>
+    </mc:Choice>
+    <mc:Fallback>
+      <p:transition spd="slow"/>
+    </mc:Fallback>
+  </mc:AlternateContent>
+  <p:timing>
+    <p:tnLst>
+      <p:par>
+        <p:cTn id="1" dur="indefinite" restart="never" nodeType="tmRoot"/>
+      </p:par>
+    </p:tnLst>
+  </p:timing>
+</p:sld>
+</file>
+
+<file path=ppt/slides/slide26.xml><?xml version="1.0" encoding="utf-8"?>
 <p:sld xmlns:a="http://schemas.openxmlformats.org/drawingml/2006/main" xmlns:r="http://schemas.openxmlformats.org/officeDocument/2006/relationships" xmlns:p="http://schemas.openxmlformats.org/presentationml/2006/main">
   <p:cSld>
     <p:spTree>
@@ -16405,9 +18120,6 @@
           </p:cNvSpPr>
           <p:nvPr>
             <p:ph type="title"/>
-            <p:custDataLst>
-              <p:tags r:id="rId2"/>
-            </p:custDataLst>
           </p:nvPr>
         </p:nvSpPr>
         <p:spPr/>
@@ -16417,7 +18129,7 @@
           <a:p>
             <a:r>
               <a:rPr lang="pl-PL" dirty="0" smtClean="0"/>
-              <a:t>Task 0.1 – prepare a text control</a:t>
+              <a:t>Task 1.0 – On MVC</a:t>
             </a:r>
             <a:endParaRPr lang="en-CA" dirty="0"/>
           </a:p>
@@ -16431,9 +18143,6 @@
           </p:cNvSpPr>
           <p:nvPr>
             <p:ph sz="quarter" idx="10"/>
-            <p:custDataLst>
-              <p:tags r:id="rId3"/>
-            </p:custDataLst>
           </p:nvPr>
         </p:nvSpPr>
         <p:spPr/>
@@ -16442,24 +18151,96 @@
           <a:lstStyle/>
           <a:p>
             <a:r>
-              <a:rPr lang="pl-PL" dirty="0" smtClean="0"/>
-              <a:t>Open Index.aspx</a:t>
+              <a:rPr lang="pl-PL" sz="2800" dirty="0" smtClean="0"/>
+              <a:t>MVC is a pattern and solution template</a:t>
+            </a:r>
+            <a:endParaRPr lang="en-CA" sz="2800" dirty="0"/>
+          </a:p>
+        </p:txBody>
+      </p:sp>
+      <p:sp>
+        <p:nvSpPr>
+          <p:cNvPr id="4" name="Content Placeholder 3"/>
+          <p:cNvSpPr>
+            <a:spLocks noGrp="1"/>
+          </p:cNvSpPr>
+          <p:nvPr>
+            <p:ph sz="quarter" idx="11"/>
+          </p:nvPr>
+        </p:nvSpPr>
+        <p:spPr/>
+        <p:txBody>
+          <a:bodyPr/>
+          <a:lstStyle/>
+          <a:p>
+            <a:r>
+              <a:rPr lang="pl-PL" sz="2800" dirty="0" smtClean="0"/>
+              <a:t>Separates different parts of the code</a:t>
+            </a:r>
+            <a:endParaRPr lang="en-CA" sz="2800" dirty="0"/>
+          </a:p>
+        </p:txBody>
+      </p:sp>
+      <p:sp>
+        <p:nvSpPr>
+          <p:cNvPr id="5" name="Content Placeholder 4"/>
+          <p:cNvSpPr>
+            <a:spLocks noGrp="1"/>
+          </p:cNvSpPr>
+          <p:nvPr>
+            <p:ph sz="quarter" idx="12"/>
+          </p:nvPr>
+        </p:nvSpPr>
+        <p:spPr/>
+        <p:txBody>
+          <a:bodyPr/>
+          <a:lstStyle/>
+          <a:p>
+            <a:r>
+              <a:rPr lang="pl-PL" sz="2800" dirty="0"/>
+              <a:t>All actions – classes in Controllers</a:t>
+            </a:r>
+            <a:endParaRPr lang="en-CA" sz="2800" dirty="0"/>
+          </a:p>
+          <a:p>
+            <a:endParaRPr lang="en-CA" sz="2800" dirty="0"/>
+          </a:p>
+        </p:txBody>
+      </p:sp>
+      <p:sp>
+        <p:nvSpPr>
+          <p:cNvPr id="6" name="Content Placeholder 5"/>
+          <p:cNvSpPr>
+            <a:spLocks noGrp="1"/>
+          </p:cNvSpPr>
+          <p:nvPr>
+            <p:ph sz="quarter" idx="13"/>
+          </p:nvPr>
+        </p:nvSpPr>
+        <p:spPr/>
+        <p:txBody>
+          <a:bodyPr/>
+          <a:lstStyle/>
+          <a:p>
+            <a:r>
+              <a:rPr lang="pl-PL" dirty="0"/>
+              <a:t>Does all the scaffolding</a:t>
             </a:r>
             <a:endParaRPr lang="en-CA" dirty="0"/>
           </a:p>
-        </p:txBody>
-      </p:sp>
-      <p:sp>
-        <p:nvSpPr>
-          <p:cNvPr id="4" name="Content Placeholder 3"/>
+          <a:p>
+            <a:endParaRPr lang="en-CA" sz="2800" dirty="0"/>
+          </a:p>
+        </p:txBody>
+      </p:sp>
+      <p:sp>
+        <p:nvSpPr>
+          <p:cNvPr id="7" name="Content Placeholder 6"/>
           <p:cNvSpPr>
             <a:spLocks noGrp="1"/>
           </p:cNvSpPr>
           <p:nvPr>
-            <p:ph sz="quarter" idx="11"/>
-            <p:custDataLst>
-              <p:tags r:id="rId4"/>
-            </p:custDataLst>
+            <p:ph sz="quarter" idx="14"/>
           </p:nvPr>
         </p:nvSpPr>
         <p:spPr/>
@@ -16468,23 +18249,24 @@
           <a:lstStyle/>
           <a:p>
             <a:r>
-              <a:rPr lang="en-CA" sz="2800" dirty="0"/>
-              <a:t>&lt;%= ViewData["Text"] %&gt;</a:t>
+              <a:rPr lang="pl-PL" sz="2800" dirty="0"/>
+              <a:t>We will use HomeController.cs only</a:t>
             </a:r>
-          </a:p>
-        </p:txBody>
-      </p:sp>
-      <p:sp>
-        <p:nvSpPr>
-          <p:cNvPr id="5" name="Content Placeholder 4"/>
+            <a:endParaRPr lang="en-CA" sz="2800" dirty="0"/>
+          </a:p>
+          <a:p>
+            <a:endParaRPr lang="en-CA" sz="2800" dirty="0"/>
+          </a:p>
+        </p:txBody>
+      </p:sp>
+      <p:sp>
+        <p:nvSpPr>
+          <p:cNvPr id="8" name="Content Placeholder 7"/>
           <p:cNvSpPr>
             <a:spLocks noGrp="1"/>
           </p:cNvSpPr>
           <p:nvPr>
-            <p:ph sz="quarter" idx="12"/>
-            <p:custDataLst>
-              <p:tags r:id="rId5"/>
-            </p:custDataLst>
+            <p:ph sz="quarter" idx="15"/>
           </p:nvPr>
         </p:nvSpPr>
         <p:spPr/>
@@ -16494,7 +18276,7 @@
           <a:p>
             <a:r>
               <a:rPr lang="pl-PL" dirty="0"/>
-              <a:t>Open HomeController</a:t>
+              <a:t>All pages – views in Views</a:t>
             </a:r>
             <a:endParaRPr lang="en-CA" dirty="0"/>
           </a:p>
@@ -16503,97 +18285,10 @@
           </a:p>
         </p:txBody>
       </p:sp>
-      <p:sp>
-        <p:nvSpPr>
-          <p:cNvPr id="6" name="Content Placeholder 5"/>
-          <p:cNvSpPr>
-            <a:spLocks noGrp="1"/>
-          </p:cNvSpPr>
-          <p:nvPr>
-            <p:ph sz="quarter" idx="13"/>
-            <p:custDataLst>
-              <p:tags r:id="rId6"/>
-            </p:custDataLst>
-          </p:nvPr>
-        </p:nvSpPr>
-        <p:spPr/>
-        <p:txBody>
-          <a:bodyPr/>
-          <a:lstStyle/>
-          <a:p>
-            <a:r>
-              <a:rPr lang="pl-PL" sz="2800" dirty="0"/>
-              <a:t>Assign some text to </a:t>
-            </a:r>
-            <a:r>
-              <a:rPr lang="en-CA" sz="2800" dirty="0" err="1"/>
-              <a:t>ViewData</a:t>
-            </a:r>
-            <a:r>
-              <a:rPr lang="en-CA" sz="2800" dirty="0"/>
-              <a:t>["Text"]</a:t>
-            </a:r>
-          </a:p>
-        </p:txBody>
-      </p:sp>
-      <p:sp>
-        <p:nvSpPr>
-          <p:cNvPr id="7" name="Content Placeholder 6"/>
-          <p:cNvSpPr>
-            <a:spLocks noGrp="1"/>
-          </p:cNvSpPr>
-          <p:nvPr>
-            <p:ph sz="quarter" idx="14"/>
-            <p:custDataLst>
-              <p:tags r:id="rId7"/>
-            </p:custDataLst>
-          </p:nvPr>
-        </p:nvSpPr>
-        <p:spPr/>
-        <p:txBody>
-          <a:bodyPr/>
-          <a:lstStyle/>
-          <a:p>
-            <a:endParaRPr lang="en-CA" sz="2800" dirty="0"/>
-          </a:p>
-        </p:txBody>
-      </p:sp>
-      <p:sp>
-        <p:nvSpPr>
-          <p:cNvPr id="8" name="Content Placeholder 7"/>
-          <p:cNvSpPr>
-            <a:spLocks noGrp="1"/>
-          </p:cNvSpPr>
-          <p:nvPr>
-            <p:ph sz="quarter" idx="15"/>
-            <p:custDataLst>
-              <p:tags r:id="rId8"/>
-            </p:custDataLst>
-          </p:nvPr>
-        </p:nvSpPr>
-        <p:spPr/>
-        <p:txBody>
-          <a:bodyPr/>
-          <a:lstStyle/>
-          <a:p>
-            <a:r>
-              <a:rPr lang="pl-PL" dirty="0"/>
-              <a:t>Find Index method</a:t>
-            </a:r>
-            <a:endParaRPr lang="en-CA" dirty="0"/>
-          </a:p>
-          <a:p>
-            <a:endParaRPr lang="en-CA" dirty="0"/>
-          </a:p>
-        </p:txBody>
-      </p:sp>
     </p:spTree>
-    <p:custDataLst>
-      <p:tags r:id="rId1"/>
-    </p:custDataLst>
     <p:extLst>
       <p:ext uri="{BB962C8B-B14F-4D97-AF65-F5344CB8AC3E}">
-        <p14:creationId xmlns:p14="http://schemas.microsoft.com/office/powerpoint/2010/main" val="2949502460"/>
+        <p14:creationId xmlns:p14="http://schemas.microsoft.com/office/powerpoint/2010/main" val="80530238"/>
       </p:ext>
     </p:extLst>
   </p:cSld>
@@ -16618,7 +18313,7 @@
 </p:sld>
 </file>
 
-<file path=ppt/slides/slide24.xml><?xml version="1.0" encoding="utf-8"?>
+<file path=ppt/slides/slide27.xml><?xml version="1.0" encoding="utf-8"?>
 <p:sld xmlns:a="http://schemas.openxmlformats.org/drawingml/2006/main" xmlns:r="http://schemas.openxmlformats.org/officeDocument/2006/relationships" xmlns:p="http://schemas.openxmlformats.org/presentationml/2006/main">
   <p:cSld>
     <p:spTree>
@@ -16643,24 +18338,16 @@
           </p:cNvSpPr>
           <p:nvPr>
             <p:ph type="title"/>
-            <p:custDataLst>
-              <p:tags r:id="rId2"/>
-            </p:custDataLst>
-          </p:nvPr>
-        </p:nvSpPr>
-        <p:spPr>
-          <a:xfrm>
-            <a:off x="323528" y="260648"/>
-            <a:ext cx="7056784" cy="778098"/>
-          </a:xfrm>
-        </p:spPr>
+          </p:nvPr>
+        </p:nvSpPr>
+        <p:spPr/>
         <p:txBody>
           <a:bodyPr/>
           <a:lstStyle/>
           <a:p>
             <a:r>
               <a:rPr lang="pl-PL" dirty="0" smtClean="0"/>
-              <a:t>Task 0.3 – prepare a text control cont’d</a:t>
+              <a:t>Task 1.1 – Using variables</a:t>
             </a:r>
             <a:endParaRPr lang="en-CA" dirty="0"/>
           </a:p>
@@ -16674,9 +18361,6 @@
           </p:cNvSpPr>
           <p:nvPr>
             <p:ph sz="quarter" idx="10"/>
-            <p:custDataLst>
-              <p:tags r:id="rId3"/>
-            </p:custDataLst>
           </p:nvPr>
         </p:nvSpPr>
         <p:spPr/>
@@ -16685,158 +18369,146 @@
           <a:lstStyle/>
           <a:p>
             <a:r>
-              <a:rPr lang="pl-PL" sz="2000" dirty="0" smtClean="0"/>
-              <a:t>Surround </a:t>
+              <a:rPr lang="pl-PL" sz="2800" dirty="0" smtClean="0"/>
+              <a:t>Each instruction ends with a semicolon;</a:t>
             </a:r>
-          </a:p>
+            <a:endParaRPr lang="en-CA" sz="2800" dirty="0"/>
+          </a:p>
+        </p:txBody>
+      </p:sp>
+      <p:sp>
+        <p:nvSpPr>
+          <p:cNvPr id="4" name="Content Placeholder 3"/>
+          <p:cNvSpPr>
+            <a:spLocks noGrp="1"/>
+          </p:cNvSpPr>
+          <p:nvPr>
+            <p:ph sz="quarter" idx="11"/>
+          </p:nvPr>
+        </p:nvSpPr>
+        <p:spPr/>
+        <p:txBody>
+          <a:bodyPr/>
+          <a:lstStyle/>
           <a:p>
             <a:r>
-              <a:rPr lang="en-CA" sz="2000" dirty="0" smtClean="0"/>
-              <a:t>&lt;%= </a:t>
+              <a:rPr lang="pl-PL" dirty="0" smtClean="0"/>
+              <a:t>Variable</a:t>
+            </a:r>
+            <a:endParaRPr lang="en-CA" dirty="0"/>
+          </a:p>
+        </p:txBody>
+      </p:sp>
+      <p:sp>
+        <p:nvSpPr>
+          <p:cNvPr id="5" name="Content Placeholder 4"/>
+          <p:cNvSpPr>
+            <a:spLocks noGrp="1"/>
+          </p:cNvSpPr>
+          <p:nvPr>
+            <p:ph sz="quarter" idx="12"/>
+          </p:nvPr>
+        </p:nvSpPr>
+        <p:spPr/>
+        <p:txBody>
+          <a:bodyPr/>
+          <a:lstStyle/>
+          <a:p>
+            <a:r>
+              <a:rPr lang="pl-PL" sz="2800" dirty="0" smtClean="0"/>
+              <a:t>VarType varName;</a:t>
+            </a:r>
+            <a:endParaRPr lang="en-CA" sz="2800" dirty="0"/>
+          </a:p>
+        </p:txBody>
+      </p:sp>
+      <p:sp>
+        <p:nvSpPr>
+          <p:cNvPr id="6" name="Content Placeholder 5"/>
+          <p:cNvSpPr>
+            <a:spLocks noGrp="1"/>
+          </p:cNvSpPr>
+          <p:nvPr>
+            <p:ph sz="quarter" idx="13"/>
+          </p:nvPr>
+        </p:nvSpPr>
+        <p:spPr/>
+        <p:txBody>
+          <a:bodyPr/>
+          <a:lstStyle/>
+          <a:p>
+            <a:r>
+              <a:rPr lang="pl-PL" dirty="0">
+                <a:sym typeface="Wingdings" pitchFamily="2" charset="2"/>
+              </a:rPr>
+              <a:t>Number (23)  int</a:t>
+            </a:r>
+          </a:p>
+          <a:p>
+            <a:endParaRPr lang="en-CA" dirty="0"/>
+          </a:p>
+        </p:txBody>
+      </p:sp>
+      <p:sp>
+        <p:nvSpPr>
+          <p:cNvPr id="7" name="Content Placeholder 6"/>
+          <p:cNvSpPr>
+            <a:spLocks noGrp="1"/>
+          </p:cNvSpPr>
+          <p:nvPr>
+            <p:ph sz="quarter" idx="14"/>
+          </p:nvPr>
+        </p:nvSpPr>
+        <p:spPr/>
+        <p:txBody>
+          <a:bodyPr/>
+          <a:lstStyle/>
+          <a:p>
+            <a:r>
+              <a:rPr lang="pl-PL" dirty="0">
+                <a:sym typeface="Wingdings" pitchFamily="2" charset="2"/>
+              </a:rPr>
+              <a:t>Number (2.34)  double</a:t>
+            </a:r>
+            <a:endParaRPr lang="en-CA" dirty="0"/>
+          </a:p>
+          <a:p>
+            <a:endParaRPr lang="en-CA" dirty="0"/>
+          </a:p>
+        </p:txBody>
+      </p:sp>
+      <p:sp>
+        <p:nvSpPr>
+          <p:cNvPr id="8" name="Content Placeholder 7"/>
+          <p:cNvSpPr>
+            <a:spLocks noGrp="1"/>
+          </p:cNvSpPr>
+          <p:nvPr>
+            <p:ph sz="quarter" idx="15"/>
+          </p:nvPr>
+        </p:nvSpPr>
+        <p:spPr/>
+        <p:txBody>
+          <a:bodyPr/>
+          <a:lstStyle/>
+          <a:p>
+            <a:r>
+              <a:rPr lang="pl-PL" dirty="0" smtClean="0"/>
+              <a:t>Text </a:t>
             </a:r>
             <a:r>
-              <a:rPr lang="en-CA" sz="2000" dirty="0" err="1"/>
-              <a:t>ViewData</a:t>
+              <a:rPr lang="pl-PL" dirty="0" smtClean="0">
+                <a:sym typeface="Wingdings" pitchFamily="2" charset="2"/>
+              </a:rPr>
+              <a:t> string</a:t>
             </a:r>
-            <a:r>
-              <a:rPr lang="en-CA" sz="2000" dirty="0"/>
-              <a:t>["Text"] %&gt;</a:t>
-            </a:r>
-          </a:p>
-          <a:p>
-            <a:r>
-              <a:rPr lang="pl-PL" sz="2000" dirty="0" smtClean="0"/>
-              <a:t>with a &lt;div&gt; with an id</a:t>
-            </a:r>
-            <a:endParaRPr lang="en-CA" sz="2000" dirty="0"/>
-          </a:p>
-        </p:txBody>
-      </p:sp>
-      <p:sp>
-        <p:nvSpPr>
-          <p:cNvPr id="4" name="Content Placeholder 3"/>
-          <p:cNvSpPr>
-            <a:spLocks noGrp="1"/>
-          </p:cNvSpPr>
-          <p:nvPr>
-            <p:ph sz="quarter" idx="11"/>
-            <p:custDataLst>
-              <p:tags r:id="rId4"/>
-            </p:custDataLst>
-          </p:nvPr>
-        </p:nvSpPr>
-        <p:spPr/>
-        <p:txBody>
-          <a:bodyPr/>
-          <a:lstStyle/>
-          <a:p>
-            <a:r>
-              <a:rPr lang="pl-PL" sz="2800" dirty="0" smtClean="0"/>
-              <a:t>Add inline style</a:t>
-            </a:r>
-            <a:endParaRPr lang="en-CA" sz="2800" dirty="0"/>
-          </a:p>
-        </p:txBody>
-      </p:sp>
-      <p:sp>
-        <p:nvSpPr>
-          <p:cNvPr id="5" name="Content Placeholder 4"/>
-          <p:cNvSpPr>
-            <a:spLocks noGrp="1"/>
-          </p:cNvSpPr>
-          <p:nvPr>
-            <p:ph sz="quarter" idx="12"/>
-            <p:custDataLst>
-              <p:tags r:id="rId5"/>
-            </p:custDataLst>
-          </p:nvPr>
-        </p:nvSpPr>
-        <p:spPr/>
-        <p:txBody>
-          <a:bodyPr/>
-          <a:lstStyle/>
-          <a:p>
-            <a:r>
-              <a:rPr lang="pl-PL" sz="2800" dirty="0" smtClean="0"/>
-              <a:t>Add a border</a:t>
-            </a:r>
-            <a:endParaRPr lang="en-CA" sz="2800" dirty="0"/>
-          </a:p>
-        </p:txBody>
-      </p:sp>
-      <p:sp>
-        <p:nvSpPr>
-          <p:cNvPr id="6" name="Content Placeholder 5"/>
-          <p:cNvSpPr>
-            <a:spLocks noGrp="1"/>
-          </p:cNvSpPr>
-          <p:nvPr>
-            <p:ph sz="quarter" idx="13"/>
-            <p:custDataLst>
-              <p:tags r:id="rId6"/>
-            </p:custDataLst>
-          </p:nvPr>
-        </p:nvSpPr>
-        <p:spPr/>
-        <p:txBody>
-          <a:bodyPr/>
-          <a:lstStyle/>
-          <a:p>
-            <a:endParaRPr lang="en-CA"/>
-          </a:p>
-        </p:txBody>
-      </p:sp>
-      <p:sp>
-        <p:nvSpPr>
-          <p:cNvPr id="7" name="Content Placeholder 6"/>
-          <p:cNvSpPr>
-            <a:spLocks noGrp="1"/>
-          </p:cNvSpPr>
-          <p:nvPr>
-            <p:ph sz="quarter" idx="14"/>
-            <p:custDataLst>
-              <p:tags r:id="rId7"/>
-            </p:custDataLst>
-          </p:nvPr>
-        </p:nvSpPr>
-        <p:spPr/>
-        <p:txBody>
-          <a:bodyPr/>
-          <a:lstStyle/>
-          <a:p>
-            <a:endParaRPr lang="en-CA"/>
-          </a:p>
-        </p:txBody>
-      </p:sp>
-      <p:sp>
-        <p:nvSpPr>
-          <p:cNvPr id="8" name="Content Placeholder 7"/>
-          <p:cNvSpPr>
-            <a:spLocks noGrp="1"/>
-          </p:cNvSpPr>
-          <p:nvPr>
-            <p:ph sz="quarter" idx="15"/>
-            <p:custDataLst>
-              <p:tags r:id="rId8"/>
-            </p:custDataLst>
-          </p:nvPr>
-        </p:nvSpPr>
-        <p:spPr/>
-        <p:txBody>
-          <a:bodyPr/>
-          <a:lstStyle/>
-          <a:p>
-            <a:endParaRPr lang="en-CA" dirty="0"/>
           </a:p>
         </p:txBody>
       </p:sp>
     </p:spTree>
-    <p:custDataLst>
-      <p:tags r:id="rId1"/>
-    </p:custDataLst>
     <p:extLst>
       <p:ext uri="{BB962C8B-B14F-4D97-AF65-F5344CB8AC3E}">
-        <p14:creationId xmlns:p14="http://schemas.microsoft.com/office/powerpoint/2010/main" val="1635710852"/>
+        <p14:creationId xmlns:p14="http://schemas.microsoft.com/office/powerpoint/2010/main" val="1734153315"/>
       </p:ext>
     </p:extLst>
   </p:cSld>
@@ -16861,7 +18533,7 @@
 </p:sld>
 </file>
 
-<file path=ppt/slides/slide25.xml><?xml version="1.0" encoding="utf-8"?>
+<file path=ppt/slides/slide28.xml><?xml version="1.0" encoding="utf-8"?>
 <p:sld xmlns:a="http://schemas.openxmlformats.org/drawingml/2006/main" xmlns:r="http://schemas.openxmlformats.org/officeDocument/2006/relationships" xmlns:p="http://schemas.openxmlformats.org/presentationml/2006/main">
   <p:cSld>
     <p:spTree>
@@ -16886,9 +18558,6 @@
           </p:cNvSpPr>
           <p:nvPr>
             <p:ph type="title"/>
-            <p:custDataLst>
-              <p:tags r:id="rId2"/>
-            </p:custDataLst>
           </p:nvPr>
         </p:nvSpPr>
         <p:spPr/>
@@ -16898,7 +18567,7 @@
           <a:p>
             <a:r>
               <a:rPr lang="pl-PL" dirty="0" smtClean="0"/>
-              <a:t>Task 0.4 – Import API</a:t>
+              <a:t>Task 1.2 – Accessing properties</a:t>
             </a:r>
             <a:endParaRPr lang="en-CA" dirty="0"/>
           </a:p>
@@ -16912,9 +18581,6 @@
           </p:cNvSpPr>
           <p:nvPr>
             <p:ph sz="quarter" idx="10"/>
-            <p:custDataLst>
-              <p:tags r:id="rId3"/>
-            </p:custDataLst>
           </p:nvPr>
         </p:nvSpPr>
         <p:spPr/>
@@ -16924,7 +18590,55 @@
           <a:p>
             <a:r>
               <a:rPr lang="pl-PL" dirty="0" smtClean="0"/>
-              <a:t>Open Global.asax.cs</a:t>
+              <a:t>Get property’s value:</a:t>
+            </a:r>
+          </a:p>
+          <a:p>
+            <a:endParaRPr lang="en-CA" dirty="0"/>
+          </a:p>
+        </p:txBody>
+      </p:sp>
+      <p:sp>
+        <p:nvSpPr>
+          <p:cNvPr id="4" name="Content Placeholder 3"/>
+          <p:cNvSpPr>
+            <a:spLocks noGrp="1"/>
+          </p:cNvSpPr>
+          <p:nvPr>
+            <p:ph sz="quarter" idx="11"/>
+          </p:nvPr>
+        </p:nvSpPr>
+        <p:spPr/>
+        <p:txBody>
+          <a:bodyPr/>
+          <a:lstStyle/>
+          <a:p>
+            <a:r>
+              <a:rPr lang="pl-PL" sz="2800" dirty="0" smtClean="0"/>
+              <a:t>varName.Property</a:t>
+            </a:r>
+            <a:endParaRPr lang="en-CA" sz="2800" dirty="0"/>
+          </a:p>
+        </p:txBody>
+      </p:sp>
+      <p:sp>
+        <p:nvSpPr>
+          <p:cNvPr id="5" name="Content Placeholder 4"/>
+          <p:cNvSpPr>
+            <a:spLocks noGrp="1"/>
+          </p:cNvSpPr>
+          <p:nvPr>
+            <p:ph sz="quarter" idx="12"/>
+          </p:nvPr>
+        </p:nvSpPr>
+        <p:spPr/>
+        <p:txBody>
+          <a:bodyPr/>
+          <a:lstStyle/>
+          <a:p>
+            <a:r>
+              <a:rPr lang="pl-PL" dirty="0" smtClean="0"/>
+              <a:t>Set property’s value:</a:t>
             </a:r>
             <a:endParaRPr lang="en-CA" dirty="0"/>
           </a:p>
@@ -16932,15 +18646,12 @@
       </p:sp>
       <p:sp>
         <p:nvSpPr>
-          <p:cNvPr id="4" name="Content Placeholder 3"/>
+          <p:cNvPr id="6" name="Content Placeholder 5"/>
           <p:cNvSpPr>
             <a:spLocks noGrp="1"/>
           </p:cNvSpPr>
           <p:nvPr>
-            <p:ph sz="quarter" idx="11"/>
-            <p:custDataLst>
-              <p:tags r:id="rId4"/>
-            </p:custDataLst>
+            <p:ph sz="quarter" idx="13"/>
           </p:nvPr>
         </p:nvSpPr>
         <p:spPr/>
@@ -16948,155 +18659,56 @@
           <a:bodyPr/>
           <a:lstStyle/>
           <a:p>
+            <a:endParaRPr lang="en-CA" dirty="0"/>
+          </a:p>
+        </p:txBody>
+      </p:sp>
+      <p:sp>
+        <p:nvSpPr>
+          <p:cNvPr id="7" name="Content Placeholder 6"/>
+          <p:cNvSpPr>
+            <a:spLocks noGrp="1"/>
+          </p:cNvSpPr>
+          <p:nvPr>
+            <p:ph sz="quarter" idx="14"/>
+          </p:nvPr>
+        </p:nvSpPr>
+        <p:spPr/>
+        <p:txBody>
+          <a:bodyPr/>
+          <a:lstStyle/>
+          <a:p>
+            <a:endParaRPr lang="en-CA"/>
+          </a:p>
+        </p:txBody>
+      </p:sp>
+      <p:sp>
+        <p:nvSpPr>
+          <p:cNvPr id="8" name="Content Placeholder 7"/>
+          <p:cNvSpPr>
+            <a:spLocks noGrp="1"/>
+          </p:cNvSpPr>
+          <p:nvPr>
+            <p:ph sz="quarter" idx="15"/>
+          </p:nvPr>
+        </p:nvSpPr>
+        <p:spPr/>
+        <p:txBody>
+          <a:bodyPr/>
+          <a:lstStyle/>
+          <a:p>
             <a:r>
               <a:rPr lang="pl-PL" sz="2800" dirty="0" smtClean="0"/>
-              <a:t>Change {controller} to {controller}.aspx</a:t>
+              <a:t>varName.Property = ...;</a:t>
             </a:r>
             <a:endParaRPr lang="en-CA" sz="2800" dirty="0"/>
           </a:p>
         </p:txBody>
       </p:sp>
-      <p:sp>
-        <p:nvSpPr>
-          <p:cNvPr id="5" name="Content Placeholder 4"/>
-          <p:cNvSpPr>
-            <a:spLocks noGrp="1"/>
-          </p:cNvSpPr>
-          <p:nvPr>
-            <p:ph sz="quarter" idx="12"/>
-            <p:custDataLst>
-              <p:tags r:id="rId5"/>
-            </p:custDataLst>
-          </p:nvPr>
-        </p:nvSpPr>
-        <p:spPr/>
-        <p:txBody>
-          <a:bodyPr/>
-          <a:lstStyle/>
-          <a:p>
-            <a:r>
-              <a:rPr lang="pl-PL" dirty="0" smtClean="0"/>
-              <a:t>Open HomeController</a:t>
-            </a:r>
-            <a:endParaRPr lang="en-CA" dirty="0"/>
-          </a:p>
-        </p:txBody>
-      </p:sp>
-      <p:sp>
-        <p:nvSpPr>
-          <p:cNvPr id="6" name="Content Placeholder 5"/>
-          <p:cNvSpPr>
-            <a:spLocks noGrp="1"/>
-          </p:cNvSpPr>
-          <p:nvPr>
-            <p:ph sz="quarter" idx="13"/>
-            <p:custDataLst>
-              <p:tags r:id="rId6"/>
-            </p:custDataLst>
-          </p:nvPr>
-        </p:nvSpPr>
-        <p:spPr/>
-        <p:txBody>
-          <a:bodyPr/>
-          <a:lstStyle/>
-          <a:p>
-            <a:r>
-              <a:rPr lang="pl-PL" sz="2000" dirty="0" smtClean="0"/>
-              <a:t>On top add:</a:t>
-            </a:r>
-          </a:p>
-          <a:p>
-            <a:r>
-              <a:rPr lang="en-CA" sz="2000" dirty="0"/>
-              <a:t>using System.Xml;</a:t>
-            </a:r>
-            <a:br>
-              <a:rPr lang="en-CA" sz="2000" dirty="0"/>
-            </a:br>
-            <a:r>
-              <a:rPr lang="en-CA" sz="2000" dirty="0" smtClean="0"/>
-              <a:t>using </a:t>
-            </a:r>
-            <a:r>
-              <a:rPr lang="en-CA" sz="2000" dirty="0"/>
-              <a:t>System.Globalization;</a:t>
-            </a:r>
-            <a:br>
-              <a:rPr lang="en-CA" sz="2000" dirty="0"/>
-            </a:br>
-            <a:r>
-              <a:rPr lang="en-CA" sz="2000" dirty="0" smtClean="0"/>
-              <a:t>using </a:t>
-            </a:r>
-            <a:r>
-              <a:rPr lang="en-CA" sz="2000" dirty="0"/>
-              <a:t>System.Net;</a:t>
-            </a:r>
-          </a:p>
-          <a:p>
-            <a:endParaRPr lang="en-CA" dirty="0"/>
-          </a:p>
-        </p:txBody>
-      </p:sp>
-      <p:sp>
-        <p:nvSpPr>
-          <p:cNvPr id="7" name="Content Placeholder 6"/>
-          <p:cNvSpPr>
-            <a:spLocks noGrp="1"/>
-          </p:cNvSpPr>
-          <p:nvPr>
-            <p:ph sz="quarter" idx="14"/>
-            <p:custDataLst>
-              <p:tags r:id="rId7"/>
-            </p:custDataLst>
-          </p:nvPr>
-        </p:nvSpPr>
-        <p:spPr/>
-        <p:txBody>
-          <a:bodyPr/>
-          <a:lstStyle/>
-          <a:p>
-            <a:r>
-              <a:rPr lang="pl-PL" dirty="0"/>
-              <a:t>Run using /Home.aspx</a:t>
-            </a:r>
-            <a:endParaRPr lang="en-CA" dirty="0"/>
-          </a:p>
-        </p:txBody>
-      </p:sp>
-      <p:sp>
-        <p:nvSpPr>
-          <p:cNvPr id="8" name="Content Placeholder 7"/>
-          <p:cNvSpPr>
-            <a:spLocks noGrp="1"/>
-          </p:cNvSpPr>
-          <p:nvPr>
-            <p:ph sz="quarter" idx="15"/>
-            <p:custDataLst>
-              <p:tags r:id="rId8"/>
-            </p:custDataLst>
-          </p:nvPr>
-        </p:nvSpPr>
-        <p:spPr/>
-        <p:txBody>
-          <a:bodyPr/>
-          <a:lstStyle/>
-          <a:p>
-            <a:r>
-              <a:rPr lang="pl-PL" sz="2400" dirty="0" smtClean="0"/>
-              <a:t>Paste the snippet next line after declaration of HomeController</a:t>
-            </a:r>
-            <a:endParaRPr lang="en-CA" sz="2400" dirty="0"/>
-          </a:p>
-        </p:txBody>
-      </p:sp>
     </p:spTree>
-    <p:custDataLst>
-      <p:tags r:id="rId1"/>
-    </p:custDataLst>
     <p:extLst>
       <p:ext uri="{BB962C8B-B14F-4D97-AF65-F5344CB8AC3E}">
-        <p14:creationId xmlns:p14="http://schemas.microsoft.com/office/powerpoint/2010/main" val="2831268415"/>
+        <p14:creationId xmlns:p14="http://schemas.microsoft.com/office/powerpoint/2010/main" val="1737634365"/>
       </p:ext>
     </p:extLst>
   </p:cSld>
@@ -17121,7 +18733,7 @@
 </p:sld>
 </file>
 
-<file path=ppt/slides/slide26.xml><?xml version="1.0" encoding="utf-8"?>
+<file path=ppt/slides/slide29.xml><?xml version="1.0" encoding="utf-8"?>
 <p:sld xmlns:a="http://schemas.openxmlformats.org/drawingml/2006/main" xmlns:r="http://schemas.openxmlformats.org/officeDocument/2006/relationships" xmlns:p="http://schemas.openxmlformats.org/presentationml/2006/main">
   <p:cSld>
     <p:spTree>
@@ -17146,6 +18758,434 @@
           </p:cNvSpPr>
           <p:nvPr>
             <p:ph type="title"/>
+          </p:nvPr>
+        </p:nvSpPr>
+        <p:spPr/>
+        <p:txBody>
+          <a:bodyPr/>
+          <a:lstStyle/>
+          <a:p>
+            <a:r>
+              <a:rPr lang="pl-PL" dirty="0" smtClean="0"/>
+              <a:t>Task 1.3 – Calling a method</a:t>
+            </a:r>
+            <a:endParaRPr lang="en-CA" dirty="0"/>
+          </a:p>
+        </p:txBody>
+      </p:sp>
+      <p:sp>
+        <p:nvSpPr>
+          <p:cNvPr id="3" name="Content Placeholder 2"/>
+          <p:cNvSpPr>
+            <a:spLocks noGrp="1"/>
+          </p:cNvSpPr>
+          <p:nvPr>
+            <p:ph sz="quarter" idx="10"/>
+          </p:nvPr>
+        </p:nvSpPr>
+        <p:spPr/>
+        <p:txBody>
+          <a:bodyPr/>
+          <a:lstStyle/>
+          <a:p>
+            <a:r>
+              <a:rPr lang="pl-PL" sz="2800" dirty="0" smtClean="0"/>
+              <a:t>varName.Method();</a:t>
+            </a:r>
+            <a:endParaRPr lang="en-CA" sz="2800" dirty="0"/>
+          </a:p>
+        </p:txBody>
+      </p:sp>
+      <p:sp>
+        <p:nvSpPr>
+          <p:cNvPr id="4" name="Content Placeholder 3"/>
+          <p:cNvSpPr>
+            <a:spLocks noGrp="1"/>
+          </p:cNvSpPr>
+          <p:nvPr>
+            <p:ph sz="quarter" idx="11"/>
+          </p:nvPr>
+        </p:nvSpPr>
+        <p:spPr/>
+        <p:txBody>
+          <a:bodyPr/>
+          <a:lstStyle/>
+          <a:p>
+            <a:r>
+              <a:rPr lang="pl-PL" sz="2000" dirty="0" smtClean="0"/>
+              <a:t>varName.Method(param);</a:t>
+            </a:r>
+            <a:endParaRPr lang="en-CA" sz="2000" dirty="0"/>
+          </a:p>
+        </p:txBody>
+      </p:sp>
+      <p:sp>
+        <p:nvSpPr>
+          <p:cNvPr id="5" name="Content Placeholder 4"/>
+          <p:cNvSpPr>
+            <a:spLocks noGrp="1"/>
+          </p:cNvSpPr>
+          <p:nvPr>
+            <p:ph sz="quarter" idx="12"/>
+          </p:nvPr>
+        </p:nvSpPr>
+        <p:spPr/>
+        <p:txBody>
+          <a:bodyPr/>
+          <a:lstStyle/>
+          <a:p>
+            <a:r>
+              <a:rPr lang="pl-PL" dirty="0" smtClean="0"/>
+              <a:t>string result = </a:t>
+            </a:r>
+            <a:r>
+              <a:rPr lang="pl-PL" sz="2800" dirty="0" smtClean="0"/>
+              <a:t>varName.Method();</a:t>
+            </a:r>
+            <a:endParaRPr lang="en-CA" dirty="0"/>
+          </a:p>
+        </p:txBody>
+      </p:sp>
+      <p:sp>
+        <p:nvSpPr>
+          <p:cNvPr id="6" name="Content Placeholder 5"/>
+          <p:cNvSpPr>
+            <a:spLocks noGrp="1"/>
+          </p:cNvSpPr>
+          <p:nvPr>
+            <p:ph sz="quarter" idx="13"/>
+          </p:nvPr>
+        </p:nvSpPr>
+        <p:spPr/>
+        <p:txBody>
+          <a:bodyPr/>
+          <a:lstStyle/>
+          <a:p>
+            <a:endParaRPr lang="en-CA"/>
+          </a:p>
+        </p:txBody>
+      </p:sp>
+      <p:sp>
+        <p:nvSpPr>
+          <p:cNvPr id="7" name="Content Placeholder 6"/>
+          <p:cNvSpPr>
+            <a:spLocks noGrp="1"/>
+          </p:cNvSpPr>
+          <p:nvPr>
+            <p:ph sz="quarter" idx="14"/>
+          </p:nvPr>
+        </p:nvSpPr>
+        <p:spPr/>
+        <p:txBody>
+          <a:bodyPr/>
+          <a:lstStyle/>
+          <a:p>
+            <a:endParaRPr lang="en-CA"/>
+          </a:p>
+        </p:txBody>
+      </p:sp>
+      <p:sp>
+        <p:nvSpPr>
+          <p:cNvPr id="8" name="Content Placeholder 7"/>
+          <p:cNvSpPr>
+            <a:spLocks noGrp="1"/>
+          </p:cNvSpPr>
+          <p:nvPr>
+            <p:ph sz="quarter" idx="15"/>
+          </p:nvPr>
+        </p:nvSpPr>
+        <p:spPr/>
+        <p:txBody>
+          <a:bodyPr/>
+          <a:lstStyle/>
+          <a:p>
+            <a:r>
+              <a:rPr lang="pl-PL" sz="2400" dirty="0" smtClean="0"/>
+              <a:t>ObjectType varName = new ObjectType();</a:t>
+            </a:r>
+            <a:endParaRPr lang="en-CA" sz="2400" dirty="0"/>
+          </a:p>
+        </p:txBody>
+      </p:sp>
+    </p:spTree>
+    <p:extLst>
+      <p:ext uri="{BB962C8B-B14F-4D97-AF65-F5344CB8AC3E}">
+        <p14:creationId xmlns:p14="http://schemas.microsoft.com/office/powerpoint/2010/main" val="2349175375"/>
+      </p:ext>
+    </p:extLst>
+  </p:cSld>
+  <p:clrMapOvr>
+    <a:masterClrMapping/>
+  </p:clrMapOvr>
+  <mc:AlternateContent xmlns:mc="http://schemas.openxmlformats.org/markup-compatibility/2006" xmlns:p14="http://schemas.microsoft.com/office/powerpoint/2010/main">
+    <mc:Choice Requires="p14">
+      <p:transition spd="slow" p14:dur="2000"/>
+    </mc:Choice>
+    <mc:Fallback xmlns="">
+      <p:transition spd="slow"/>
+    </mc:Fallback>
+  </mc:AlternateContent>
+  <p:timing>
+    <p:tnLst>
+      <p:par>
+        <p:cTn id="1" dur="indefinite" restart="never" nodeType="tmRoot"/>
+      </p:par>
+    </p:tnLst>
+  </p:timing>
+</p:sld>
+</file>
+
+<file path=ppt/slides/slide3.xml><?xml version="1.0" encoding="utf-8"?>
+<p:sld xmlns:a="http://schemas.openxmlformats.org/drawingml/2006/main" xmlns:r="http://schemas.openxmlformats.org/officeDocument/2006/relationships" xmlns:p="http://schemas.openxmlformats.org/presentationml/2006/main">
+  <p:cSld>
+    <p:spTree>
+      <p:nvGrpSpPr>
+        <p:cNvPr id="1" name=""/>
+        <p:cNvGrpSpPr/>
+        <p:nvPr/>
+      </p:nvGrpSpPr>
+      <p:grpSpPr>
+        <a:xfrm>
+          <a:off x="0" y="0"/>
+          <a:ext cx="0" cy="0"/>
+          <a:chOff x="0" y="0"/>
+          <a:chExt cx="0" cy="0"/>
+        </a:xfrm>
+      </p:grpSpPr>
+      <p:sp>
+        <p:nvSpPr>
+          <p:cNvPr id="2" name="Title 1"/>
+          <p:cNvSpPr>
+            <a:spLocks noGrp="1"/>
+          </p:cNvSpPr>
+          <p:nvPr>
+            <p:ph type="title"/>
+          </p:nvPr>
+        </p:nvSpPr>
+        <p:spPr/>
+        <p:txBody>
+          <a:bodyPr/>
+          <a:lstStyle/>
+          <a:p>
+            <a:r>
+              <a:rPr lang="pl-PL" dirty="0" smtClean="0"/>
+              <a:t>Infusion is hiring</a:t>
+            </a:r>
+            <a:endParaRPr lang="en-CA" dirty="0"/>
+          </a:p>
+        </p:txBody>
+      </p:sp>
+      <p:sp>
+        <p:nvSpPr>
+          <p:cNvPr id="3" name="Content Placeholder 2"/>
+          <p:cNvSpPr>
+            <a:spLocks noGrp="1"/>
+          </p:cNvSpPr>
+          <p:nvPr>
+            <p:ph sz="quarter" idx="10"/>
+          </p:nvPr>
+        </p:nvSpPr>
+        <p:spPr/>
+        <p:txBody>
+          <a:bodyPr/>
+          <a:lstStyle/>
+          <a:p>
+            <a:r>
+              <a:rPr lang="pl-PL" dirty="0" smtClean="0"/>
+              <a:t>.NET Consultants</a:t>
+            </a:r>
+            <a:endParaRPr lang="en-CA" dirty="0"/>
+          </a:p>
+        </p:txBody>
+      </p:sp>
+      <p:sp>
+        <p:nvSpPr>
+          <p:cNvPr id="4" name="Content Placeholder 3"/>
+          <p:cNvSpPr>
+            <a:spLocks noGrp="1"/>
+          </p:cNvSpPr>
+          <p:nvPr>
+            <p:ph sz="quarter" idx="11"/>
+          </p:nvPr>
+        </p:nvSpPr>
+        <p:spPr/>
+        <p:txBody>
+          <a:bodyPr/>
+          <a:lstStyle/>
+          <a:p>
+            <a:r>
+              <a:rPr lang="pl-PL" sz="2800" dirty="0"/>
+              <a:t>O</a:t>
+            </a:r>
+            <a:r>
+              <a:rPr lang="pl-PL" sz="2800" dirty="0" smtClean="0"/>
+              <a:t>ne year of experience or senior</a:t>
+            </a:r>
+            <a:endParaRPr lang="en-CA" sz="2800" dirty="0"/>
+          </a:p>
+        </p:txBody>
+      </p:sp>
+      <p:sp>
+        <p:nvSpPr>
+          <p:cNvPr id="5" name="Content Placeholder 4"/>
+          <p:cNvSpPr>
+            <a:spLocks noGrp="1"/>
+          </p:cNvSpPr>
+          <p:nvPr>
+            <p:ph sz="quarter" idx="12"/>
+          </p:nvPr>
+        </p:nvSpPr>
+        <p:spPr/>
+        <p:txBody>
+          <a:bodyPr/>
+          <a:lstStyle/>
+          <a:p>
+            <a:r>
+              <a:rPr lang="pl-PL" sz="2400" dirty="0"/>
+              <a:t>Front-end developer (</a:t>
+            </a:r>
+            <a:r>
+              <a:rPr lang="pl-PL" sz="2400" dirty="0" smtClean="0"/>
+              <a:t>HTML/CSS)</a:t>
+            </a:r>
+            <a:endParaRPr lang="pl-PL" sz="2400" dirty="0"/>
+          </a:p>
+          <a:p>
+            <a:r>
+              <a:rPr lang="pl-PL" sz="2400" dirty="0" smtClean="0"/>
+              <a:t>+XAML +jQuery</a:t>
+            </a:r>
+          </a:p>
+        </p:txBody>
+      </p:sp>
+      <p:sp>
+        <p:nvSpPr>
+          <p:cNvPr id="6" name="Content Placeholder 5"/>
+          <p:cNvSpPr>
+            <a:spLocks noGrp="1"/>
+          </p:cNvSpPr>
+          <p:nvPr>
+            <p:ph sz="quarter" idx="13"/>
+          </p:nvPr>
+        </p:nvSpPr>
+        <p:spPr/>
+        <p:txBody>
+          <a:bodyPr/>
+          <a:lstStyle/>
+          <a:p>
+            <a:r>
+              <a:rPr lang="pl-PL" sz="2800" dirty="0"/>
+              <a:t>QA Analyst/Tester (Junior/Senior)</a:t>
+            </a:r>
+            <a:endParaRPr lang="en-CA" sz="2800" dirty="0"/>
+          </a:p>
+        </p:txBody>
+      </p:sp>
+      <p:sp>
+        <p:nvSpPr>
+          <p:cNvPr id="7" name="Content Placeholder 6"/>
+          <p:cNvSpPr>
+            <a:spLocks noGrp="1"/>
+          </p:cNvSpPr>
+          <p:nvPr>
+            <p:ph sz="quarter" idx="14"/>
+          </p:nvPr>
+        </p:nvSpPr>
+        <p:spPr/>
+        <p:txBody>
+          <a:bodyPr/>
+          <a:lstStyle/>
+          <a:p>
+            <a:r>
+              <a:rPr lang="pl-PL" dirty="0" smtClean="0"/>
+              <a:t>infusion.com/</a:t>
+            </a:r>
+          </a:p>
+          <a:p>
+            <a:r>
+              <a:rPr lang="pl-PL" dirty="0" smtClean="0"/>
+              <a:t>careers</a:t>
+            </a:r>
+            <a:endParaRPr lang="en-CA" dirty="0"/>
+          </a:p>
+        </p:txBody>
+      </p:sp>
+      <p:sp>
+        <p:nvSpPr>
+          <p:cNvPr id="8" name="Content Placeholder 7"/>
+          <p:cNvSpPr>
+            <a:spLocks noGrp="1"/>
+          </p:cNvSpPr>
+          <p:nvPr>
+            <p:ph sz="quarter" idx="15"/>
+          </p:nvPr>
+        </p:nvSpPr>
+        <p:spPr/>
+        <p:txBody>
+          <a:bodyPr/>
+          <a:lstStyle/>
+          <a:p>
+            <a:r>
+              <a:rPr lang="pl-PL" dirty="0"/>
+              <a:t>Graphic designer (Ps, Ai, mobile)</a:t>
+            </a:r>
+            <a:endParaRPr lang="en-CA" dirty="0"/>
+          </a:p>
+        </p:txBody>
+      </p:sp>
+    </p:spTree>
+    <p:extLst>
+      <p:ext uri="{BB962C8B-B14F-4D97-AF65-F5344CB8AC3E}">
+        <p14:creationId xmlns:p14="http://schemas.microsoft.com/office/powerpoint/2010/main" val="207932423"/>
+      </p:ext>
+    </p:extLst>
+  </p:cSld>
+  <p:clrMapOvr>
+    <a:masterClrMapping/>
+  </p:clrMapOvr>
+  <mc:AlternateContent xmlns:mc="http://schemas.openxmlformats.org/markup-compatibility/2006" xmlns:p14="http://schemas.microsoft.com/office/powerpoint/2010/main">
+    <mc:Choice Requires="p14">
+      <p:transition spd="slow" p14:dur="2000"/>
+    </mc:Choice>
+    <mc:Fallback xmlns="">
+      <p:transition spd="slow"/>
+    </mc:Fallback>
+  </mc:AlternateContent>
+  <p:timing>
+    <p:tnLst>
+      <p:par>
+        <p:cTn id="1" dur="indefinite" restart="never" nodeType="tmRoot"/>
+      </p:par>
+    </p:tnLst>
+  </p:timing>
+</p:sld>
+</file>
+
+<file path=ppt/slides/slide30.xml><?xml version="1.0" encoding="utf-8"?>
+<p:sld xmlns:a="http://schemas.openxmlformats.org/drawingml/2006/main" xmlns:r="http://schemas.openxmlformats.org/officeDocument/2006/relationships" xmlns:p="http://schemas.openxmlformats.org/presentationml/2006/main">
+  <p:cSld>
+    <p:spTree>
+      <p:nvGrpSpPr>
+        <p:cNvPr id="1" name=""/>
+        <p:cNvGrpSpPr/>
+        <p:nvPr/>
+      </p:nvGrpSpPr>
+      <p:grpSpPr>
+        <a:xfrm>
+          <a:off x="0" y="0"/>
+          <a:ext cx="0" cy="0"/>
+          <a:chOff x="0" y="0"/>
+          <a:chExt cx="0" cy="0"/>
+        </a:xfrm>
+      </p:grpSpPr>
+      <p:sp>
+        <p:nvSpPr>
+          <p:cNvPr id="2" name="Title 1"/>
+          <p:cNvSpPr>
+            <a:spLocks noGrp="1"/>
+          </p:cNvSpPr>
+          <p:nvPr>
+            <p:ph type="title"/>
             <p:custDataLst>
               <p:tags r:id="rId2"/>
             </p:custDataLst>
@@ -17158,7 +19198,15 @@
           <a:p>
             <a:r>
               <a:rPr lang="pl-PL" dirty="0" smtClean="0"/>
-              <a:t>Task 1 – Display a record</a:t>
+              <a:t>Task </a:t>
+            </a:r>
+            <a:r>
+              <a:rPr lang="pl-PL" dirty="0" smtClean="0"/>
+              <a:t>1.4 </a:t>
+            </a:r>
+            <a:r>
+              <a:rPr lang="pl-PL" dirty="0" smtClean="0"/>
+              <a:t>– Display a record</a:t>
             </a:r>
             <a:endParaRPr lang="en-CA" dirty="0"/>
           </a:p>
@@ -17209,8 +19257,8 @@
           <a:lstStyle/>
           <a:p>
             <a:r>
-              <a:rPr lang="pl-PL" sz="2800" dirty="0"/>
-              <a:t>Call GetCoffeeShopById method</a:t>
+              <a:rPr lang="pl-PL" sz="2800" dirty="0" smtClean="0"/>
+              <a:t>Create a new instance of DataAccess</a:t>
             </a:r>
             <a:endParaRPr lang="en-CA" sz="2800" dirty="0"/>
           </a:p>
@@ -17235,8 +19283,20 @@
           <a:lstStyle/>
           <a:p>
             <a:r>
-              <a:rPr lang="pl-PL" sz="2800" dirty="0"/>
-              <a:t>Display this shop’s DisplayName</a:t>
+              <a:rPr lang="pl-PL" sz="2800" dirty="0" smtClean="0"/>
+              <a:t>Call </a:t>
+            </a:r>
+            <a:r>
+              <a:rPr lang="en-CA" sz="2400" dirty="0" err="1" smtClean="0"/>
+              <a:t>GetCoffeeShopById</a:t>
+            </a:r>
+            <a:r>
+              <a:rPr lang="pl-PL" sz="2400" dirty="0" smtClean="0"/>
+              <a:t>(...)</a:t>
+            </a:r>
+            <a:r>
+              <a:rPr lang="pl-PL" sz="2800" dirty="0" smtClean="0"/>
+              <a:t> on it</a:t>
             </a:r>
             <a:endParaRPr lang="en-CA" sz="2800" dirty="0"/>
           </a:p>
@@ -17260,7 +19320,11 @@
           <a:bodyPr/>
           <a:lstStyle/>
           <a:p>
-            <a:endParaRPr lang="en-CA"/>
+            <a:r>
+              <a:rPr lang="pl-PL" sz="2800" dirty="0" smtClean="0"/>
+              <a:t>Assign its value DisplayName to a string variable</a:t>
+            </a:r>
+            <a:endParaRPr lang="en-CA" sz="2800" dirty="0"/>
           </a:p>
         </p:txBody>
       </p:sp>
@@ -17282,7 +19346,11 @@
           <a:bodyPr/>
           <a:lstStyle/>
           <a:p>
-            <a:endParaRPr lang="en-CA"/>
+            <a:r>
+              <a:rPr lang="pl-PL" sz="2400" dirty="0" smtClean="0"/>
+              <a:t>Assign this variable to ViewData[„Message”]</a:t>
+            </a:r>
+            <a:endParaRPr lang="en-CA" sz="2400" dirty="0"/>
           </a:p>
         </p:txBody>
       </p:sp>
@@ -17304,24 +19372,24 @@
           <a:bodyPr/>
           <a:lstStyle/>
           <a:p>
+            <a:r>
+              <a:rPr lang="pl-PL" sz="2800" dirty="0" smtClean="0"/>
+              <a:t>Assign the result to a variable of type CoffeeShop</a:t>
+            </a:r>
             <a:endParaRPr lang="en-CA" sz="2800" dirty="0"/>
           </a:p>
         </p:txBody>
       </p:sp>
       <p:pic>
         <p:nvPicPr>
-          <p:cNvPr id="9" name="Picture 2"/>
+          <p:cNvPr id="1026" name="Picture 2"/>
           <p:cNvPicPr>
             <a:picLocks noChangeAspect="1" noChangeArrowheads="1"/>
           </p:cNvPicPr>
-          <p:nvPr>
-            <p:custDataLst>
-              <p:tags r:id="rId9"/>
-            </p:custDataLst>
-          </p:nvPr>
+          <p:nvPr/>
         </p:nvPicPr>
         <p:blipFill>
-          <a:blip r:embed="rId11">
+          <a:blip r:embed="rId10">
             <a:extLst>
               <a:ext uri="{28A0092B-C50C-407E-A947-70E740481C1C}">
                 <a14:useLocalDpi xmlns:a14="http://schemas.microsoft.com/office/drawing/2010/main" val="0"/>
@@ -17335,8 +19403,8 @@
         </p:blipFill>
         <p:spPr bwMode="auto">
           <a:xfrm>
-            <a:off x="323528" y="4680185"/>
-            <a:ext cx="8504969" cy="809997"/>
+            <a:off x="323528" y="1628800"/>
+            <a:ext cx="7308812" cy="2088232"/>
           </a:xfrm>
           <a:prstGeom prst="rect">
             <a:avLst/>
@@ -17431,7 +19499,7 @@
                                           </p:stCondLst>
                                         </p:cTn>
                                         <p:tgtEl>
-                                          <p:spTgt spid="9"/>
+                                          <p:spTgt spid="1026"/>
                                         </p:tgtEl>
                                         <p:attrNameLst>
                                           <p:attrName>style.visibility</p:attrName>
@@ -17445,7 +19513,7 @@
                                       <p:cBhvr>
                                         <p:cTn id="7" dur="500"/>
                                         <p:tgtEl>
-                                          <p:spTgt spid="9"/>
+                                          <p:spTgt spid="1026"/>
                                         </p:tgtEl>
                                       </p:cBhvr>
                                     </p:animEffect>
@@ -17462,7 +19530,7 @@
                                       <p:cBhvr>
                                         <p:cTn id="9" dur="2000" fill="hold"/>
                                         <p:tgtEl>
-                                          <p:spTgt spid="9"/>
+                                          <p:spTgt spid="1026"/>
                                         </p:tgtEl>
                                         <p:attrNameLst>
                                           <p:attrName>ppt_x</p:attrName>
@@ -17505,7 +19573,7 @@
 </p:sld>
 </file>
 
-<file path=ppt/slides/slide27.xml><?xml version="1.0" encoding="utf-8"?>
+<file path=ppt/slides/slide31.xml><?xml version="1.0" encoding="utf-8"?>
 <p:sld xmlns:a="http://schemas.openxmlformats.org/drawingml/2006/main" xmlns:r="http://schemas.openxmlformats.org/officeDocument/2006/relationships" xmlns:p="http://schemas.openxmlformats.org/presentationml/2006/main">
   <p:cSld>
     <p:spTree>
@@ -17573,7 +19641,7 @@
           <a:p>
             <a:r>
               <a:rPr lang="pl-PL" dirty="0" smtClean="0"/>
-              <a:t>Copy entire Index method</a:t>
+              <a:t>Move to IndexId method</a:t>
             </a:r>
             <a:endParaRPr lang="en-CA" dirty="0"/>
           </a:p>
@@ -17599,7 +19667,7 @@
           <a:p>
             <a:r>
               <a:rPr lang="pl-PL" dirty="0" smtClean="0"/>
-              <a:t>Rename it IndexId</a:t>
+              <a:t>It has a parameter!</a:t>
             </a:r>
             <a:endParaRPr lang="en-CA" dirty="0"/>
           </a:p>
@@ -17625,7 +19693,7 @@
           <a:p>
             <a:r>
               <a:rPr lang="pl-PL" dirty="0" smtClean="0"/>
-              <a:t>Add a parameter of type int</a:t>
+              <a:t>A parameter of type int</a:t>
             </a:r>
             <a:endParaRPr lang="en-CA" dirty="0"/>
           </a:p>
@@ -17651,7 +19719,11 @@
           <a:p>
             <a:r>
               <a:rPr lang="pl-PL" dirty="0" smtClean="0"/>
-              <a:t>Use a parameter</a:t>
+              <a:t>But use </a:t>
+            </a:r>
+            <a:r>
+              <a:rPr lang="pl-PL" dirty="0" smtClean="0"/>
+              <a:t>a parameter</a:t>
             </a:r>
             <a:endParaRPr lang="en-CA" dirty="0"/>
           </a:p>
@@ -17707,15 +19779,7 @@
           <a:p>
             <a:r>
               <a:rPr lang="pl-PL" dirty="0" smtClean="0"/>
-              <a:t>Change return: </a:t>
-            </a:r>
-            <a:r>
-              <a:rPr lang="en-CA" dirty="0"/>
-              <a:t>View("Index</a:t>
-            </a:r>
-            <a:r>
-              <a:rPr lang="en-CA" dirty="0" smtClean="0"/>
-              <a:t>")</a:t>
+              <a:t>Copy the body of Index method</a:t>
             </a:r>
             <a:endParaRPr lang="en-CA" dirty="0"/>
           </a:p>
@@ -17723,18 +19787,14 @@
       </p:sp>
       <p:pic>
         <p:nvPicPr>
-          <p:cNvPr id="9" name="Picture 2"/>
+          <p:cNvPr id="2050" name="Picture 2"/>
           <p:cNvPicPr>
             <a:picLocks noChangeAspect="1" noChangeArrowheads="1"/>
           </p:cNvPicPr>
-          <p:nvPr>
-            <p:custDataLst>
-              <p:tags r:id="rId9"/>
-            </p:custDataLst>
-          </p:nvPr>
+          <p:nvPr/>
         </p:nvPicPr>
         <p:blipFill>
-          <a:blip r:embed="rId11">
+          <a:blip r:embed="rId10">
             <a:extLst>
               <a:ext uri="{28A0092B-C50C-407E-A947-70E740481C1C}">
                 <a14:useLocalDpi xmlns:a14="http://schemas.microsoft.com/office/drawing/2010/main" val="0"/>
@@ -17748,8 +19808,8 @@
         </p:blipFill>
         <p:spPr bwMode="auto">
           <a:xfrm>
-            <a:off x="310971" y="3153052"/>
-            <a:ext cx="6375934" cy="3012252"/>
+            <a:off x="323528" y="1628800"/>
+            <a:ext cx="7501010" cy="2232248"/>
           </a:xfrm>
           <a:prstGeom prst="rect">
             <a:avLst/>
@@ -17844,7 +19904,7 @@
                                           </p:stCondLst>
                                         </p:cTn>
                                         <p:tgtEl>
-                                          <p:spTgt spid="9"/>
+                                          <p:spTgt spid="2050"/>
                                         </p:tgtEl>
                                         <p:attrNameLst>
                                           <p:attrName>style.visibility</p:attrName>
@@ -17858,7 +19918,7 @@
                                       <p:cBhvr>
                                         <p:cTn id="7" dur="500"/>
                                         <p:tgtEl>
-                                          <p:spTgt spid="9"/>
+                                          <p:spTgt spid="2050"/>
                                         </p:tgtEl>
                                       </p:cBhvr>
                                     </p:animEffect>
@@ -17875,7 +19935,7 @@
                                       <p:cBhvr>
                                         <p:cTn id="9" dur="2000" fill="hold"/>
                                         <p:tgtEl>
-                                          <p:spTgt spid="9"/>
+                                          <p:spTgt spid="2050"/>
                                         </p:tgtEl>
                                         <p:attrNameLst>
                                           <p:attrName>ppt_x</p:attrName>
@@ -17918,7 +19978,7 @@
 </p:sld>
 </file>
 
-<file path=ppt/slides/slide28.xml><?xml version="1.0" encoding="utf-8"?>
+<file path=ppt/slides/slide32.xml><?xml version="1.0" encoding="utf-8"?>
 <p:sld xmlns:a="http://schemas.openxmlformats.org/drawingml/2006/main" xmlns:r="http://schemas.openxmlformats.org/officeDocument/2006/relationships" xmlns:p="http://schemas.openxmlformats.org/presentationml/2006/main">
   <p:cSld>
     <p:spTree>
@@ -18119,18 +20179,14 @@
       </p:sp>
       <p:pic>
         <p:nvPicPr>
-          <p:cNvPr id="9" name="Picture 2"/>
+          <p:cNvPr id="3074" name="Picture 2"/>
           <p:cNvPicPr>
             <a:picLocks noChangeAspect="1" noChangeArrowheads="1"/>
           </p:cNvPicPr>
-          <p:nvPr>
-            <p:custDataLst>
-              <p:tags r:id="rId9"/>
-            </p:custDataLst>
-          </p:nvPr>
+          <p:nvPr/>
         </p:nvPicPr>
         <p:blipFill>
-          <a:blip r:embed="rId11">
+          <a:blip r:embed="rId10">
             <a:extLst>
               <a:ext uri="{28A0092B-C50C-407E-A947-70E740481C1C}">
                 <a14:useLocalDpi xmlns:a14="http://schemas.microsoft.com/office/drawing/2010/main" val="0"/>
@@ -18144,8 +20200,8 @@
         </p:blipFill>
         <p:spPr bwMode="auto">
           <a:xfrm>
-            <a:off x="288884" y="1216848"/>
-            <a:ext cx="6371348" cy="5301350"/>
+            <a:off x="334674" y="1628800"/>
+            <a:ext cx="6424868" cy="4464496"/>
           </a:xfrm>
           <a:prstGeom prst="rect">
             <a:avLst/>
@@ -18240,7 +20296,7 @@
                                           </p:stCondLst>
                                         </p:cTn>
                                         <p:tgtEl>
-                                          <p:spTgt spid="9"/>
+                                          <p:spTgt spid="3074"/>
                                         </p:tgtEl>
                                         <p:attrNameLst>
                                           <p:attrName>style.visibility</p:attrName>
@@ -18254,7 +20310,7 @@
                                       <p:cBhvr>
                                         <p:cTn id="7" dur="500"/>
                                         <p:tgtEl>
-                                          <p:spTgt spid="9"/>
+                                          <p:spTgt spid="3074"/>
                                         </p:tgtEl>
                                       </p:cBhvr>
                                     </p:animEffect>
@@ -18271,7 +20327,7 @@
                                       <p:cBhvr>
                                         <p:cTn id="9" dur="2000" fill="hold"/>
                                         <p:tgtEl>
-                                          <p:spTgt spid="9"/>
+                                          <p:spTgt spid="3074"/>
                                         </p:tgtEl>
                                         <p:attrNameLst>
                                           <p:attrName>ppt_x</p:attrName>
@@ -18314,7 +20370,7 @@
 </p:sld>
 </file>
 
-<file path=ppt/slides/slide29.xml><?xml version="1.0" encoding="utf-8"?>
+<file path=ppt/slides/slide33.xml><?xml version="1.0" encoding="utf-8"?>
 <p:sld xmlns:a="http://schemas.openxmlformats.org/drawingml/2006/main" xmlns:r="http://schemas.openxmlformats.org/officeDocument/2006/relationships" xmlns:p="http://schemas.openxmlformats.org/presentationml/2006/main">
   <p:cSld>
     <p:spTree>
@@ -18339,6 +20395,208 @@
           </p:cNvSpPr>
           <p:nvPr>
             <p:ph type="title"/>
+          </p:nvPr>
+        </p:nvSpPr>
+        <p:spPr/>
+        <p:txBody>
+          <a:bodyPr/>
+          <a:lstStyle/>
+          <a:p>
+            <a:r>
+              <a:rPr lang="pl-PL" dirty="0" smtClean="0"/>
+              <a:t>Task 3.0 – Operations on variables</a:t>
+            </a:r>
+            <a:endParaRPr lang="en-CA" dirty="0"/>
+          </a:p>
+        </p:txBody>
+      </p:sp>
+      <p:sp>
+        <p:nvSpPr>
+          <p:cNvPr id="3" name="Content Placeholder 2"/>
+          <p:cNvSpPr>
+            <a:spLocks noGrp="1"/>
+          </p:cNvSpPr>
+          <p:nvPr>
+            <p:ph sz="quarter" idx="10"/>
+          </p:nvPr>
+        </p:nvSpPr>
+        <p:spPr/>
+        <p:txBody>
+          <a:bodyPr/>
+          <a:lstStyle/>
+          <a:p>
+            <a:r>
+              <a:rPr lang="pl-PL" dirty="0" smtClean="0"/>
+              <a:t>int v = 2 + 4;</a:t>
+            </a:r>
+            <a:endParaRPr lang="en-CA" dirty="0"/>
+          </a:p>
+        </p:txBody>
+      </p:sp>
+      <p:sp>
+        <p:nvSpPr>
+          <p:cNvPr id="4" name="Content Placeholder 3"/>
+          <p:cNvSpPr>
+            <a:spLocks noGrp="1"/>
+          </p:cNvSpPr>
+          <p:nvPr>
+            <p:ph sz="quarter" idx="11"/>
+          </p:nvPr>
+        </p:nvSpPr>
+        <p:spPr/>
+        <p:txBody>
+          <a:bodyPr/>
+          <a:lstStyle/>
+          <a:p>
+            <a:r>
+              <a:rPr lang="pl-PL" dirty="0" smtClean="0"/>
+              <a:t>int p = v + 3;</a:t>
+            </a:r>
+            <a:endParaRPr lang="en-CA" dirty="0"/>
+          </a:p>
+        </p:txBody>
+      </p:sp>
+      <p:sp>
+        <p:nvSpPr>
+          <p:cNvPr id="5" name="Content Placeholder 4"/>
+          <p:cNvSpPr>
+            <a:spLocks noGrp="1"/>
+          </p:cNvSpPr>
+          <p:nvPr>
+            <p:ph sz="quarter" idx="12"/>
+          </p:nvPr>
+        </p:nvSpPr>
+        <p:spPr/>
+        <p:txBody>
+          <a:bodyPr/>
+          <a:lstStyle/>
+          <a:p>
+            <a:r>
+              <a:rPr lang="pl-PL" dirty="0" smtClean="0"/>
+              <a:t>p = p + 2;</a:t>
+            </a:r>
+            <a:endParaRPr lang="en-CA" dirty="0"/>
+          </a:p>
+        </p:txBody>
+      </p:sp>
+      <p:sp>
+        <p:nvSpPr>
+          <p:cNvPr id="6" name="Content Placeholder 5"/>
+          <p:cNvSpPr>
+            <a:spLocks noGrp="1"/>
+          </p:cNvSpPr>
+          <p:nvPr>
+            <p:ph sz="quarter" idx="13"/>
+          </p:nvPr>
+        </p:nvSpPr>
+        <p:spPr/>
+        <p:txBody>
+          <a:bodyPr/>
+          <a:lstStyle/>
+          <a:p>
+            <a:r>
+              <a:rPr lang="pl-PL" dirty="0" smtClean="0"/>
+              <a:t>a = a + „To Ty!”;</a:t>
+            </a:r>
+            <a:endParaRPr lang="en-CA" dirty="0"/>
+          </a:p>
+        </p:txBody>
+      </p:sp>
+      <p:sp>
+        <p:nvSpPr>
+          <p:cNvPr id="7" name="Content Placeholder 6"/>
+          <p:cNvSpPr>
+            <a:spLocks noGrp="1"/>
+          </p:cNvSpPr>
+          <p:nvPr>
+            <p:ph sz="quarter" idx="14"/>
+          </p:nvPr>
+        </p:nvSpPr>
+        <p:spPr/>
+        <p:txBody>
+          <a:bodyPr/>
+          <a:lstStyle/>
+          <a:p>
+            <a:endParaRPr lang="en-CA"/>
+          </a:p>
+        </p:txBody>
+      </p:sp>
+      <p:sp>
+        <p:nvSpPr>
+          <p:cNvPr id="8" name="Content Placeholder 7"/>
+          <p:cNvSpPr>
+            <a:spLocks noGrp="1"/>
+          </p:cNvSpPr>
+          <p:nvPr>
+            <p:ph sz="quarter" idx="15"/>
+          </p:nvPr>
+        </p:nvSpPr>
+        <p:spPr/>
+        <p:txBody>
+          <a:bodyPr/>
+          <a:lstStyle/>
+          <a:p>
+            <a:r>
+              <a:rPr lang="pl-PL" dirty="0" smtClean="0"/>
+              <a:t>string a = „ach!”;</a:t>
+            </a:r>
+            <a:endParaRPr lang="en-CA" dirty="0"/>
+          </a:p>
+        </p:txBody>
+      </p:sp>
+    </p:spTree>
+    <p:extLst>
+      <p:ext uri="{BB962C8B-B14F-4D97-AF65-F5344CB8AC3E}">
+        <p14:creationId xmlns:p14="http://schemas.microsoft.com/office/powerpoint/2010/main" val="1472012273"/>
+      </p:ext>
+    </p:extLst>
+  </p:cSld>
+  <p:clrMapOvr>
+    <a:masterClrMapping/>
+  </p:clrMapOvr>
+  <mc:AlternateContent xmlns:mc="http://schemas.openxmlformats.org/markup-compatibility/2006" xmlns:p14="http://schemas.microsoft.com/office/powerpoint/2010/main">
+    <mc:Choice Requires="p14">
+      <p:transition spd="slow" p14:dur="2000"/>
+    </mc:Choice>
+    <mc:Fallback xmlns="">
+      <p:transition spd="slow"/>
+    </mc:Fallback>
+  </mc:AlternateContent>
+  <p:timing>
+    <p:tnLst>
+      <p:par>
+        <p:cTn id="1" dur="indefinite" restart="never" nodeType="tmRoot"/>
+      </p:par>
+    </p:tnLst>
+  </p:timing>
+</p:sld>
+</file>
+
+<file path=ppt/slides/slide34.xml><?xml version="1.0" encoding="utf-8"?>
+<p:sld xmlns:a="http://schemas.openxmlformats.org/drawingml/2006/main" xmlns:r="http://schemas.openxmlformats.org/officeDocument/2006/relationships" xmlns:p="http://schemas.openxmlformats.org/presentationml/2006/main">
+  <p:cSld>
+    <p:spTree>
+      <p:nvGrpSpPr>
+        <p:cNvPr id="1" name=""/>
+        <p:cNvGrpSpPr/>
+        <p:nvPr/>
+      </p:nvGrpSpPr>
+      <p:grpSpPr>
+        <a:xfrm>
+          <a:off x="0" y="0"/>
+          <a:ext cx="0" cy="0"/>
+          <a:chOff x="0" y="0"/>
+          <a:chExt cx="0" cy="0"/>
+        </a:xfrm>
+      </p:grpSpPr>
+      <p:sp>
+        <p:nvSpPr>
+          <p:cNvPr id="2" name="Title 1"/>
+          <p:cNvSpPr>
+            <a:spLocks noGrp="1"/>
+          </p:cNvSpPr>
+          <p:nvPr>
+            <p:ph type="title"/>
             <p:custDataLst>
               <p:tags r:id="rId2"/>
             </p:custDataLst>
@@ -18351,7 +20609,15 @@
           <a:p>
             <a:r>
               <a:rPr lang="pl-PL" dirty="0" smtClean="0"/>
-              <a:t>Task 3 – displaying more data</a:t>
+              <a:t>Task </a:t>
+            </a:r>
+            <a:r>
+              <a:rPr lang="pl-PL" dirty="0" smtClean="0"/>
+              <a:t>3.1 </a:t>
+            </a:r>
+            <a:r>
+              <a:rPr lang="pl-PL" dirty="0" smtClean="0"/>
+              <a:t>– displaying more data</a:t>
             </a:r>
             <a:endParaRPr lang="en-CA" dirty="0"/>
           </a:p>
@@ -18367,6 +20633,32 @@
             <p:ph sz="quarter" idx="10"/>
             <p:custDataLst>
               <p:tags r:id="rId3"/>
+            </p:custDataLst>
+          </p:nvPr>
+        </p:nvSpPr>
+        <p:spPr/>
+        <p:txBody>
+          <a:bodyPr/>
+          <a:lstStyle/>
+          <a:p>
+            <a:r>
+              <a:rPr lang="pl-PL" sz="2800" dirty="0"/>
+              <a:t>Move to IndexWifi method </a:t>
+            </a:r>
+            <a:endParaRPr lang="en-CA" sz="2800" dirty="0"/>
+          </a:p>
+        </p:txBody>
+      </p:sp>
+      <p:sp>
+        <p:nvSpPr>
+          <p:cNvPr id="4" name="Content Placeholder 3"/>
+          <p:cNvSpPr>
+            <a:spLocks noGrp="1"/>
+          </p:cNvSpPr>
+          <p:nvPr>
+            <p:ph sz="quarter" idx="11"/>
+            <p:custDataLst>
+              <p:tags r:id="rId4"/>
             </p:custDataLst>
           </p:nvPr>
         </p:nvSpPr>
@@ -18385,32 +20677,6 @@
       </p:sp>
       <p:sp>
         <p:nvSpPr>
-          <p:cNvPr id="4" name="Content Placeholder 3"/>
-          <p:cNvSpPr>
-            <a:spLocks noGrp="1"/>
-          </p:cNvSpPr>
-          <p:nvPr>
-            <p:ph sz="quarter" idx="11"/>
-            <p:custDataLst>
-              <p:tags r:id="rId4"/>
-            </p:custDataLst>
-          </p:nvPr>
-        </p:nvSpPr>
-        <p:spPr/>
-        <p:txBody>
-          <a:bodyPr/>
-          <a:lstStyle/>
-          <a:p>
-            <a:r>
-              <a:rPr lang="pl-PL" dirty="0" smtClean="0"/>
-              <a:t>Check if there is a wifi connection</a:t>
-            </a:r>
-            <a:endParaRPr lang="en-CA" dirty="0"/>
-          </a:p>
-        </p:txBody>
-      </p:sp>
-      <p:sp>
-        <p:nvSpPr>
           <p:cNvPr id="5" name="Content Placeholder 4"/>
           <p:cNvSpPr>
             <a:spLocks noGrp="1"/>
@@ -18428,10 +20694,10 @@
           <a:lstStyle/>
           <a:p>
             <a:r>
-              <a:rPr lang="pl-PL" dirty="0" smtClean="0"/>
-              <a:t>Write another controller action</a:t>
+              <a:rPr lang="pl-PL" sz="2800" dirty="0" smtClean="0"/>
+              <a:t>(Call it GetMoreDetails maybe?)</a:t>
             </a:r>
-            <a:endParaRPr lang="en-CA" dirty="0"/>
+            <a:endParaRPr lang="en-CA" sz="2800" dirty="0"/>
           </a:p>
         </p:txBody>
       </p:sp>
@@ -18453,7 +20719,19 @@
           <a:bodyPr/>
           <a:lstStyle/>
           <a:p>
-            <a:endParaRPr lang="en-CA"/>
+            <a:r>
+              <a:rPr lang="pl-PL" dirty="0" smtClean="0"/>
+              <a:t>(</a:t>
+            </a:r>
+            <a:r>
+              <a:rPr lang="en-CA" dirty="0" err="1" smtClean="0"/>
+              <a:t>IsWiFiHotSpot</a:t>
+            </a:r>
+            <a:r>
+              <a:rPr lang="pl-PL" dirty="0" smtClean="0"/>
+              <a:t> property)</a:t>
+            </a:r>
+            <a:endParaRPr lang="en-CA" dirty="0"/>
           </a:p>
         </p:txBody>
       </p:sp>
@@ -18475,7 +20753,7 @@
           <a:bodyPr/>
           <a:lstStyle/>
           <a:p>
-            <a:endParaRPr lang="en-CA"/>
+            <a:endParaRPr lang="en-CA" dirty="0"/>
           </a:p>
         </p:txBody>
       </p:sp>
@@ -18498,27 +20776,26 @@
           <a:lstStyle/>
           <a:p>
             <a:r>
-              <a:rPr lang="pl-PL" dirty="0" smtClean="0"/>
-              <a:t>Wire it up</a:t>
+              <a:rPr lang="pl-PL" dirty="0"/>
+              <a:t>Check if there is a wifi connection</a:t>
             </a:r>
             <a:endParaRPr lang="en-CA" dirty="0"/>
           </a:p>
+          <a:p>
+            <a:endParaRPr lang="en-CA" dirty="0"/>
+          </a:p>
         </p:txBody>
       </p:sp>
       <p:pic>
         <p:nvPicPr>
-          <p:cNvPr id="4099" name="Picture 3" hidden="1"/>
+          <p:cNvPr id="4098" name="Picture 2"/>
           <p:cNvPicPr>
             <a:picLocks noChangeAspect="1" noChangeArrowheads="1"/>
           </p:cNvPicPr>
-          <p:nvPr>
-            <p:custDataLst>
-              <p:tags r:id="rId9"/>
-            </p:custDataLst>
-          </p:nvPr>
+          <p:nvPr/>
         </p:nvPicPr>
         <p:blipFill>
-          <a:blip r:embed="rId14">
+          <a:blip r:embed="rId11">
             <a:extLst>
               <a:ext uri="{28A0092B-C50C-407E-A947-70E740481C1C}">
                 <a14:useLocalDpi xmlns:a14="http://schemas.microsoft.com/office/drawing/2010/main" val="0"/>
@@ -18532,8 +20809,8 @@
         </p:blipFill>
         <p:spPr bwMode="auto">
           <a:xfrm>
-            <a:off x="249529" y="2866349"/>
-            <a:ext cx="2969865" cy="3144563"/>
+            <a:off x="323528" y="1628800"/>
+            <a:ext cx="8147191" cy="4032448"/>
           </a:xfrm>
           <a:prstGeom prst="rect">
             <a:avLst/>
@@ -18575,18 +20852,14 @@
       </p:pic>
       <p:pic>
         <p:nvPicPr>
-          <p:cNvPr id="4100" name="Picture 4" hidden="1"/>
+          <p:cNvPr id="10" name="Picture 3"/>
           <p:cNvPicPr>
             <a:picLocks noChangeAspect="1" noChangeArrowheads="1"/>
           </p:cNvPicPr>
-          <p:nvPr>
-            <p:custDataLst>
-              <p:tags r:id="rId10"/>
-            </p:custDataLst>
-          </p:nvPr>
+          <p:nvPr/>
         </p:nvPicPr>
         <p:blipFill>
-          <a:blip r:embed="rId15">
+          <a:blip r:embed="rId12">
             <a:extLst>
               <a:ext uri="{28A0092B-C50C-407E-A947-70E740481C1C}">
                 <a14:useLocalDpi xmlns:a14="http://schemas.microsoft.com/office/drawing/2010/main" val="0"/>
@@ -18600,8 +20873,8 @@
         </p:blipFill>
         <p:spPr bwMode="auto">
           <a:xfrm>
-            <a:off x="3405188" y="2190749"/>
-            <a:ext cx="3543076" cy="3759999"/>
+            <a:off x="323528" y="1628800"/>
+            <a:ext cx="2737062" cy="1656184"/>
           </a:xfrm>
           <a:prstGeom prst="rect">
             <a:avLst/>
@@ -18643,18 +20916,14 @@
       </p:pic>
       <p:pic>
         <p:nvPicPr>
-          <p:cNvPr id="9" name="Picture 2"/>
+          <p:cNvPr id="11" name="Picture 4"/>
           <p:cNvPicPr>
             <a:picLocks noChangeAspect="1" noChangeArrowheads="1"/>
           </p:cNvPicPr>
-          <p:nvPr>
-            <p:custDataLst>
-              <p:tags r:id="rId11"/>
-            </p:custDataLst>
-          </p:nvPr>
+          <p:nvPr/>
         </p:nvPicPr>
         <p:blipFill>
-          <a:blip r:embed="rId16">
+          <a:blip r:embed="rId13">
             <a:extLst>
               <a:ext uri="{28A0092B-C50C-407E-A947-70E740481C1C}">
                 <a14:useLocalDpi xmlns:a14="http://schemas.microsoft.com/office/drawing/2010/main" val="0"/>
@@ -18668,8 +20937,72 @@
         </p:blipFill>
         <p:spPr bwMode="auto">
           <a:xfrm>
-            <a:off x="323528" y="1628800"/>
-            <a:ext cx="8453142" cy="3538884"/>
+            <a:off x="323528" y="3313885"/>
+            <a:ext cx="2924368" cy="2347363"/>
+          </a:xfrm>
+          <a:prstGeom prst="rect">
+            <a:avLst/>
+          </a:prstGeom>
+          <a:noFill/>
+          <a:ln>
+            <a:noFill/>
+          </a:ln>
+          <a:effectLst/>
+          <a:extLst>
+            <a:ext uri="{909E8E84-426E-40DD-AFC4-6F175D3DCCD1}">
+              <a14:hiddenFill xmlns:a14="http://schemas.microsoft.com/office/drawing/2010/main">
+                <a:solidFill>
+                  <a:schemeClr val="accent1"/>
+                </a:solidFill>
+              </a14:hiddenFill>
+            </a:ext>
+            <a:ext uri="{91240B29-F687-4F45-9708-019B960494DF}">
+              <a14:hiddenLine xmlns:a14="http://schemas.microsoft.com/office/drawing/2010/main" w="9525">
+                <a:solidFill>
+                  <a:schemeClr val="tx1"/>
+                </a:solidFill>
+                <a:miter lim="800000"/>
+                <a:headEnd/>
+                <a:tailEnd/>
+              </a14:hiddenLine>
+            </a:ext>
+            <a:ext uri="{AF507438-7753-43E0-B8FC-AC1667EBCBE1}">
+              <a14:hiddenEffects xmlns:a14="http://schemas.microsoft.com/office/drawing/2010/main">
+                <a:effectLst>
+                  <a:outerShdw dist="35921" dir="2700000" algn="ctr" rotWithShape="0">
+                    <a:schemeClr val="bg2"/>
+                  </a:outerShdw>
+                </a:effectLst>
+              </a14:hiddenEffects>
+            </a:ext>
+          </a:extLst>
+        </p:spPr>
+      </p:pic>
+      <p:pic>
+        <p:nvPicPr>
+          <p:cNvPr id="4101" name="Picture 5"/>
+          <p:cNvPicPr>
+            <a:picLocks noChangeAspect="1" noChangeArrowheads="1"/>
+          </p:cNvPicPr>
+          <p:nvPr/>
+        </p:nvPicPr>
+        <p:blipFill>
+          <a:blip r:embed="rId14">
+            <a:extLst>
+              <a:ext uri="{28A0092B-C50C-407E-A947-70E740481C1C}">
+                <a14:useLocalDpi xmlns:a14="http://schemas.microsoft.com/office/drawing/2010/main" val="0"/>
+              </a:ext>
+            </a:extLst>
+          </a:blip>
+          <a:srcRect/>
+          <a:stretch>
+            <a:fillRect/>
+          </a:stretch>
+        </p:blipFill>
+        <p:spPr bwMode="auto">
+          <a:xfrm>
+            <a:off x="3419872" y="1628800"/>
+            <a:ext cx="3646442" cy="3528392"/>
           </a:xfrm>
           <a:prstGeom prst="rect">
             <a:avLst/>
@@ -18764,7 +21097,7 @@
                                           </p:stCondLst>
                                         </p:cTn>
                                         <p:tgtEl>
-                                          <p:spTgt spid="4099"/>
+                                          <p:spTgt spid="10"/>
                                         </p:tgtEl>
                                         <p:attrNameLst>
                                           <p:attrName>style.visibility</p:attrName>
@@ -18778,7 +21111,7 @@
                                       <p:cBhvr>
                                         <p:cTn id="7" dur="500"/>
                                         <p:tgtEl>
-                                          <p:spTgt spid="4099"/>
+                                          <p:spTgt spid="10"/>
                                         </p:tgtEl>
                                       </p:cBhvr>
                                     </p:animEffect>
@@ -18795,7 +21128,7 @@
                                       <p:cBhvr>
                                         <p:cTn id="9" dur="2000" fill="hold"/>
                                         <p:tgtEl>
-                                          <p:spTgt spid="4099"/>
+                                          <p:spTgt spid="10"/>
                                         </p:tgtEl>
                                         <p:attrNameLst>
                                           <p:attrName>ppt_x</p:attrName>
@@ -18839,7 +21172,7 @@
                                           </p:stCondLst>
                                         </p:cTn>
                                         <p:tgtEl>
-                                          <p:spTgt spid="4100"/>
+                                          <p:spTgt spid="11"/>
                                         </p:tgtEl>
                                         <p:attrNameLst>
                                           <p:attrName>style.visibility</p:attrName>
@@ -18853,7 +21186,7 @@
                                       <p:cBhvr>
                                         <p:cTn id="14" dur="500"/>
                                         <p:tgtEl>
-                                          <p:spTgt spid="4100"/>
+                                          <p:spTgt spid="11"/>
                                         </p:tgtEl>
                                       </p:cBhvr>
                                     </p:animEffect>
@@ -18870,7 +21203,7 @@
                                       <p:cBhvr>
                                         <p:cTn id="16" dur="2000" fill="hold"/>
                                         <p:tgtEl>
-                                          <p:spTgt spid="4100"/>
+                                          <p:spTgt spid="11"/>
                                         </p:tgtEl>
                                         <p:attrNameLst>
                                           <p:attrName>ppt_x</p:attrName>
@@ -18901,16 +21234,91 @@
                             </p:stCondLst>
                             <p:childTnLst>
                               <p:par>
-                                <p:cTn id="19" presetID="35" presetClass="path" presetSubtype="0" accel="50000" decel="50000" fill="hold" nodeType="clickEffect">
+                                <p:cTn id="19" presetID="10" presetClass="entr" presetSubtype="0" fill="hold" nodeType="clickEffect">
+                                  <p:stCondLst>
+                                    <p:cond delay="0"/>
+                                  </p:stCondLst>
+                                  <p:childTnLst>
+                                    <p:set>
+                                      <p:cBhvr>
+                                        <p:cTn id="20" dur="1" fill="hold">
+                                          <p:stCondLst>
+                                            <p:cond delay="0"/>
+                                          </p:stCondLst>
+                                        </p:cTn>
+                                        <p:tgtEl>
+                                          <p:spTgt spid="4101"/>
+                                        </p:tgtEl>
+                                        <p:attrNameLst>
+                                          <p:attrName>style.visibility</p:attrName>
+                                        </p:attrNameLst>
+                                      </p:cBhvr>
+                                      <p:to>
+                                        <p:strVal val="visible"/>
+                                      </p:to>
+                                    </p:set>
+                                    <p:animEffect transition="in" filter="fade">
+                                      <p:cBhvr>
+                                        <p:cTn id="21" dur="500"/>
+                                        <p:tgtEl>
+                                          <p:spTgt spid="4101"/>
+                                        </p:tgtEl>
+                                      </p:cBhvr>
+                                    </p:animEffect>
+                                  </p:childTnLst>
+                                </p:cTn>
+                              </p:par>
+                              <p:par>
+                                <p:cTn id="22" presetID="35" presetClass="path" presetSubtype="0" accel="50000" decel="50000" fill="hold" nodeType="withEffect">
+                                  <p:stCondLst>
+                                    <p:cond delay="0"/>
+                                  </p:stCondLst>
+                                  <p:childTnLst>
+                                    <p:animMotion origin="layout" path="M 0.04809 1.11111E-6 L -3.88889E-6 1.11111E-6 " pathEditMode="relative" rAng="0" ptsTypes="AA">
+                                      <p:cBhvr>
+                                        <p:cTn id="23" dur="2000" fill="hold"/>
+                                        <p:tgtEl>
+                                          <p:spTgt spid="4101"/>
+                                        </p:tgtEl>
+                                        <p:attrNameLst>
+                                          <p:attrName>ppt_x</p:attrName>
+                                          <p:attrName>ppt_y</p:attrName>
+                                        </p:attrNameLst>
+                                      </p:cBhvr>
+                                      <p:rCtr x="-2413" y="0"/>
+                                    </p:animMotion>
+                                  </p:childTnLst>
+                                </p:cTn>
+                              </p:par>
+                            </p:childTnLst>
+                          </p:cTn>
+                        </p:par>
+                      </p:childTnLst>
+                    </p:cTn>
+                  </p:par>
+                  <p:par>
+                    <p:cTn id="24" fill="hold">
+                      <p:stCondLst>
+                        <p:cond delay="indefinite"/>
+                      </p:stCondLst>
+                      <p:childTnLst>
+                        <p:par>
+                          <p:cTn id="25" fill="hold">
+                            <p:stCondLst>
+                              <p:cond delay="0"/>
+                            </p:stCondLst>
+                            <p:childTnLst>
+                              <p:par>
+                                <p:cTn id="26" presetID="35" presetClass="path" presetSubtype="0" accel="50000" decel="50000" fill="hold" nodeType="clickEffect">
                                   <p:stCondLst>
                                     <p:cond delay="0"/>
                                   </p:stCondLst>
                                   <p:childTnLst>
                                     <p:animMotion origin="layout" path="M -3.33333E-6 -2.22222E-6 L -0.05191 -0.00023 " pathEditMode="relative" rAng="0" ptsTypes="AA">
                                       <p:cBhvr>
-                                        <p:cTn id="20" dur="2000" fill="hold"/>
+                                        <p:cTn id="27" dur="2000" fill="hold"/>
                                         <p:tgtEl>
-                                          <p:spTgt spid="4099"/>
+                                          <p:spTgt spid="10"/>
                                         </p:tgtEl>
                                         <p:attrNameLst>
                                           <p:attrName>ppt_x</p:attrName>
@@ -18923,50 +21331,28 @@
                                 </p:cTn>
                               </p:par>
                               <p:par>
-                                <p:cTn id="21" presetID="35" presetClass="path" presetSubtype="0" accel="50000" decel="50000" fill="hold" nodeType="withEffect">
-                                  <p:stCondLst>
-                                    <p:cond delay="0"/>
-                                  </p:stCondLst>
-                                  <p:childTnLst>
-                                    <p:animMotion origin="layout" path="M 4.16667E-6 1.48148E-6 L -0.06615 0.00092 " pathEditMode="relative" rAng="0" ptsTypes="AA">
-                                      <p:cBhvr>
-                                        <p:cTn id="22" dur="2000" fill="hold"/>
-                                        <p:tgtEl>
-                                          <p:spTgt spid="4100"/>
-                                        </p:tgtEl>
-                                        <p:attrNameLst>
-                                          <p:attrName>ppt_x</p:attrName>
-                                          <p:attrName>ppt_y</p:attrName>
-                                        </p:attrNameLst>
-                                      </p:cBhvr>
-                                      <p:rCtr x="-3316" y="46"/>
-                                    </p:animMotion>
-                                  </p:childTnLst>
-                                </p:cTn>
-                              </p:par>
-                              <p:par>
-                                <p:cTn id="23" presetID="10" presetClass="exit" presetSubtype="0" fill="hold" nodeType="withEffect">
+                                <p:cTn id="28" presetID="10" presetClass="exit" presetSubtype="0" fill="hold" nodeType="withEffect">
                                   <p:stCondLst>
                                     <p:cond delay="500"/>
                                   </p:stCondLst>
                                   <p:childTnLst>
                                     <p:animEffect transition="out" filter="fade">
                                       <p:cBhvr>
-                                        <p:cTn id="24" dur="500"/>
+                                        <p:cTn id="29" dur="500"/>
                                         <p:tgtEl>
-                                          <p:spTgt spid="4099"/>
+                                          <p:spTgt spid="10"/>
                                         </p:tgtEl>
                                       </p:cBhvr>
                                     </p:animEffect>
                                     <p:set>
                                       <p:cBhvr>
-                                        <p:cTn id="25" dur="1" fill="hold">
+                                        <p:cTn id="30" dur="1" fill="hold">
                                           <p:stCondLst>
                                             <p:cond delay="499"/>
                                           </p:stCondLst>
                                         </p:cTn>
                                         <p:tgtEl>
-                                          <p:spTgt spid="4099"/>
+                                          <p:spTgt spid="10"/>
                                         </p:tgtEl>
                                         <p:attrNameLst>
                                           <p:attrName>style.visibility</p:attrName>
@@ -18980,28 +21366,107 @@
                                 </p:cTn>
                               </p:par>
                               <p:par>
-                                <p:cTn id="26" presetID="10" presetClass="exit" presetSubtype="0" fill="hold" nodeType="withEffect">
+                                <p:cTn id="31" presetID="35" presetClass="path" presetSubtype="0" accel="50000" decel="50000" fill="hold" nodeType="withEffect">
                                   <p:stCondLst>
                                     <p:cond delay="500"/>
                                   </p:stCondLst>
                                   <p:childTnLst>
+                                    <p:animMotion origin="layout" path="M 4.16667E-6 1.48148E-6 L -0.06615 0.00092 " pathEditMode="relative" rAng="0" ptsTypes="AA">
+                                      <p:cBhvr>
+                                        <p:cTn id="32" dur="2000" fill="hold"/>
+                                        <p:tgtEl>
+                                          <p:spTgt spid="11"/>
+                                        </p:tgtEl>
+                                        <p:attrNameLst>
+                                          <p:attrName>ppt_x</p:attrName>
+                                          <p:attrName>ppt_y</p:attrName>
+                                        </p:attrNameLst>
+                                      </p:cBhvr>
+                                      <p:rCtr x="-3316" y="46"/>
+                                    </p:animMotion>
+                                  </p:childTnLst>
+                                </p:cTn>
+                              </p:par>
+                              <p:par>
+                                <p:cTn id="33" presetID="10" presetClass="exit" presetSubtype="0" fill="hold" nodeType="withEffect">
+                                  <p:stCondLst>
+                                    <p:cond delay="1000"/>
+                                  </p:stCondLst>
+                                  <p:childTnLst>
                                     <p:animEffect transition="out" filter="fade">
                                       <p:cBhvr>
-                                        <p:cTn id="27" dur="500"/>
+                                        <p:cTn id="34" dur="500"/>
                                         <p:tgtEl>
-                                          <p:spTgt spid="4100"/>
+                                          <p:spTgt spid="11"/>
                                         </p:tgtEl>
                                       </p:cBhvr>
                                     </p:animEffect>
                                     <p:set>
                                       <p:cBhvr>
-                                        <p:cTn id="28" dur="1" fill="hold">
+                                        <p:cTn id="35" dur="1" fill="hold">
                                           <p:stCondLst>
                                             <p:cond delay="499"/>
                                           </p:stCondLst>
                                         </p:cTn>
                                         <p:tgtEl>
-                                          <p:spTgt spid="4100"/>
+                                          <p:spTgt spid="11"/>
+                                        </p:tgtEl>
+                                        <p:attrNameLst>
+                                          <p:attrName>style.visibility</p:attrName>
+                                        </p:attrNameLst>
+                                      </p:cBhvr>
+                                      <p:to>
+                                        <p:strVal val="hidden"/>
+                                      </p:to>
+                                    </p:set>
+                                  </p:childTnLst>
+                                </p:cTn>
+                              </p:par>
+                              <p:par>
+                                <p:cTn id="36" presetID="35" presetClass="path" presetSubtype="0" accel="50000" decel="50000" fill="hold" nodeType="withEffect">
+                                  <p:stCondLst>
+                                    <p:cond delay="1000"/>
+                                  </p:stCondLst>
+                                  <p:childTnLst>
+                                    <p:animMotion origin="layout" path="M 4.16667E-6 1.48148E-6 L -0.06615 0.00092 " pathEditMode="relative" rAng="0" ptsTypes="AA">
+                                      <p:cBhvr>
+                                        <p:cTn id="37" dur="2000" fill="hold"/>
+                                        <p:tgtEl>
+                                          <p:spTgt spid="4101"/>
+                                        </p:tgtEl>
+                                        <p:attrNameLst>
+                                          <p:attrName>ppt_x</p:attrName>
+                                          <p:attrName>ppt_y</p:attrName>
+                                        </p:attrNameLst>
+                                      </p:cBhvr>
+                                      <p:rCtr x="-3316" y="46"/>
+                                    </p:animMotion>
+                                  </p:childTnLst>
+                                </p:cTn>
+                              </p:par>
+                              <p:par>
+                                <p:cTn id="38" presetID="10" presetClass="exit" presetSubtype="0" fill="hold" nodeType="withEffect">
+                                  <p:stCondLst>
+                                    <p:cond delay="1500"/>
+                                  </p:stCondLst>
+                                  <p:childTnLst>
+                                    <p:animEffect transition="out" filter="fade">
+                                      <p:cBhvr>
+                                        <p:cTn id="39" dur="500"/>
+                                        <p:tgtEl>
+                                          <p:spTgt spid="4101"/>
+                                        </p:tgtEl>
+                                      </p:cBhvr>
+                                    </p:animEffect>
+                                    <p:set>
+                                      <p:cBhvr>
+                                        <p:cTn id="40" dur="1" fill="hold">
+                                          <p:stCondLst>
+                                            <p:cond delay="499"/>
+                                          </p:stCondLst>
+                                        </p:cTn>
+                                        <p:tgtEl>
+                                          <p:spTgt spid="4101"/>
                                         </p:tgtEl>
                                         <p:attrNameLst>
                                           <p:attrName>style.visibility</p:attrName>
@@ -19018,26 +21483,26 @@
                           </p:cTn>
                         </p:par>
                         <p:par>
-                          <p:cTn id="29" fill="hold">
+                          <p:cTn id="41" fill="hold">
                             <p:stCondLst>
-                              <p:cond delay="2000"/>
+                              <p:cond delay="3000"/>
                             </p:stCondLst>
                             <p:childTnLst>
                               <p:par>
-                                <p:cTn id="30" presetID="10" presetClass="entr" presetSubtype="0" fill="hold" nodeType="afterEffect">
+                                <p:cTn id="42" presetID="10" presetClass="entr" presetSubtype="0" fill="hold" nodeType="afterEffect">
                                   <p:stCondLst>
                                     <p:cond delay="0"/>
                                   </p:stCondLst>
                                   <p:childTnLst>
                                     <p:set>
                                       <p:cBhvr>
-                                        <p:cTn id="31" dur="1" fill="hold">
+                                        <p:cTn id="43" dur="1" fill="hold">
                                           <p:stCondLst>
                                             <p:cond delay="0"/>
                                           </p:stCondLst>
                                         </p:cTn>
                                         <p:tgtEl>
-                                          <p:spTgt spid="9"/>
+                                          <p:spTgt spid="4098"/>
                                         </p:tgtEl>
                                         <p:attrNameLst>
                                           <p:attrName>style.visibility</p:attrName>
@@ -19049,9 +21514,9 @@
                                     </p:set>
                                     <p:animEffect transition="in" filter="fade">
                                       <p:cBhvr>
-                                        <p:cTn id="32" dur="500"/>
+                                        <p:cTn id="44" dur="500"/>
                                         <p:tgtEl>
-                                          <p:spTgt spid="9"/>
+                                          <p:spTgt spid="4098"/>
                                         </p:tgtEl>
                                       </p:cBhvr>
                                     </p:animEffect>
@@ -19059,16 +21524,16 @@
                                 </p:cTn>
                               </p:par>
                               <p:par>
-                                <p:cTn id="33" presetID="35" presetClass="path" presetSubtype="0" accel="50000" decel="50000" fill="hold" nodeType="withEffect">
+                                <p:cTn id="45" presetID="35" presetClass="path" presetSubtype="0" accel="50000" decel="50000" fill="hold" nodeType="withEffect">
                                   <p:stCondLst>
                                     <p:cond delay="0"/>
                                   </p:stCondLst>
                                   <p:childTnLst>
                                     <p:animMotion origin="layout" path="M 0.04809 1.11111E-6 L -3.88889E-6 1.11111E-6 " pathEditMode="relative" rAng="0" ptsTypes="AA">
                                       <p:cBhvr>
-                                        <p:cTn id="34" dur="2000" fill="hold"/>
+                                        <p:cTn id="46" dur="2000" fill="hold"/>
                                         <p:tgtEl>
-                                          <p:spTgt spid="9"/>
+                                          <p:spTgt spid="4098"/>
                                         </p:tgtEl>
                                         <p:attrNameLst>
                                           <p:attrName>ppt_x</p:attrName>
@@ -19111,233 +21576,7 @@
 </p:sld>
 </file>
 
-<file path=ppt/slides/slide3.xml><?xml version="1.0" encoding="utf-8"?>
-<p:sld xmlns:a="http://schemas.openxmlformats.org/drawingml/2006/main" xmlns:r="http://schemas.openxmlformats.org/officeDocument/2006/relationships" xmlns:p="http://schemas.openxmlformats.org/presentationml/2006/main">
-  <p:cSld>
-    <p:spTree>
-      <p:nvGrpSpPr>
-        <p:cNvPr id="1" name=""/>
-        <p:cNvGrpSpPr/>
-        <p:nvPr/>
-      </p:nvGrpSpPr>
-      <p:grpSpPr>
-        <a:xfrm>
-          <a:off x="0" y="0"/>
-          <a:ext cx="0" cy="0"/>
-          <a:chOff x="0" y="0"/>
-          <a:chExt cx="0" cy="0"/>
-        </a:xfrm>
-      </p:grpSpPr>
-      <p:sp>
-        <p:nvSpPr>
-          <p:cNvPr id="2" name="Title 1"/>
-          <p:cNvSpPr>
-            <a:spLocks noGrp="1"/>
-          </p:cNvSpPr>
-          <p:nvPr>
-            <p:ph type="title"/>
-          </p:nvPr>
-        </p:nvSpPr>
-        <p:spPr/>
-        <p:txBody>
-          <a:bodyPr/>
-          <a:lstStyle/>
-          <a:p>
-            <a:r>
-              <a:rPr lang="pl-PL" dirty="0" smtClean="0"/>
-              <a:t>Infusion is hiring</a:t>
-            </a:r>
-            <a:endParaRPr lang="en-CA" dirty="0"/>
-          </a:p>
-        </p:txBody>
-      </p:sp>
-      <p:sp>
-        <p:nvSpPr>
-          <p:cNvPr id="3" name="Content Placeholder 2"/>
-          <p:cNvSpPr>
-            <a:spLocks noGrp="1"/>
-          </p:cNvSpPr>
-          <p:nvPr>
-            <p:ph sz="quarter" idx="10"/>
-          </p:nvPr>
-        </p:nvSpPr>
-        <p:spPr/>
-        <p:txBody>
-          <a:bodyPr/>
-          <a:lstStyle/>
-          <a:p>
-            <a:r>
-              <a:rPr lang="pl-PL" dirty="0" smtClean="0"/>
-              <a:t>.NET Consultants</a:t>
-            </a:r>
-            <a:endParaRPr lang="en-CA" dirty="0"/>
-          </a:p>
-        </p:txBody>
-      </p:sp>
-      <p:sp>
-        <p:nvSpPr>
-          <p:cNvPr id="4" name="Content Placeholder 3"/>
-          <p:cNvSpPr>
-            <a:spLocks noGrp="1"/>
-          </p:cNvSpPr>
-          <p:nvPr>
-            <p:ph sz="quarter" idx="11"/>
-          </p:nvPr>
-        </p:nvSpPr>
-        <p:spPr/>
-        <p:txBody>
-          <a:bodyPr/>
-          <a:lstStyle/>
-          <a:p>
-            <a:r>
-              <a:rPr lang="pl-PL" sz="2800" dirty="0"/>
-              <a:t>O</a:t>
-            </a:r>
-            <a:r>
-              <a:rPr lang="pl-PL" sz="2800" dirty="0" smtClean="0"/>
-              <a:t>ne year of experience or senior</a:t>
-            </a:r>
-            <a:endParaRPr lang="en-CA" sz="2800" dirty="0"/>
-          </a:p>
-        </p:txBody>
-      </p:sp>
-      <p:sp>
-        <p:nvSpPr>
-          <p:cNvPr id="5" name="Content Placeholder 4"/>
-          <p:cNvSpPr>
-            <a:spLocks noGrp="1"/>
-          </p:cNvSpPr>
-          <p:nvPr>
-            <p:ph sz="quarter" idx="12"/>
-          </p:nvPr>
-        </p:nvSpPr>
-        <p:spPr/>
-        <p:txBody>
-          <a:bodyPr/>
-          <a:lstStyle/>
-          <a:p>
-            <a:r>
-              <a:rPr lang="pl-PL" sz="2400" dirty="0"/>
-              <a:t>Front-end developer (</a:t>
-            </a:r>
-            <a:r>
-              <a:rPr lang="pl-PL" sz="2400" dirty="0" smtClean="0"/>
-              <a:t>HTML/CSS)</a:t>
-            </a:r>
-            <a:endParaRPr lang="pl-PL" sz="2400" dirty="0"/>
-          </a:p>
-          <a:p>
-            <a:r>
-              <a:rPr lang="pl-PL" sz="2400" dirty="0" smtClean="0"/>
-              <a:t>+XAML +jQuery</a:t>
-            </a:r>
-          </a:p>
-        </p:txBody>
-      </p:sp>
-      <p:sp>
-        <p:nvSpPr>
-          <p:cNvPr id="6" name="Content Placeholder 5"/>
-          <p:cNvSpPr>
-            <a:spLocks noGrp="1"/>
-          </p:cNvSpPr>
-          <p:nvPr>
-            <p:ph sz="quarter" idx="13"/>
-          </p:nvPr>
-        </p:nvSpPr>
-        <p:spPr/>
-        <p:txBody>
-          <a:bodyPr/>
-          <a:lstStyle/>
-          <a:p>
-            <a:r>
-              <a:rPr lang="pl-PL" sz="2800" dirty="0"/>
-              <a:t>QA Analyst/Tester (Junior/Senior)</a:t>
-            </a:r>
-            <a:endParaRPr lang="en-CA" sz="2800" dirty="0"/>
-          </a:p>
-        </p:txBody>
-      </p:sp>
-      <p:sp>
-        <p:nvSpPr>
-          <p:cNvPr id="7" name="Content Placeholder 6"/>
-          <p:cNvSpPr>
-            <a:spLocks noGrp="1"/>
-          </p:cNvSpPr>
-          <p:nvPr>
-            <p:ph sz="quarter" idx="14"/>
-          </p:nvPr>
-        </p:nvSpPr>
-        <p:spPr/>
-        <p:txBody>
-          <a:bodyPr/>
-          <a:lstStyle/>
-          <a:p>
-            <a:r>
-              <a:rPr lang="pl-PL" dirty="0" smtClean="0"/>
-              <a:t>infusion.com/</a:t>
-            </a:r>
-          </a:p>
-          <a:p>
-            <a:r>
-              <a:rPr lang="pl-PL" dirty="0" smtClean="0"/>
-              <a:t>careers</a:t>
-            </a:r>
-            <a:endParaRPr lang="en-CA" dirty="0"/>
-          </a:p>
-        </p:txBody>
-      </p:sp>
-      <p:sp>
-        <p:nvSpPr>
-          <p:cNvPr id="8" name="Content Placeholder 7"/>
-          <p:cNvSpPr>
-            <a:spLocks noGrp="1"/>
-          </p:cNvSpPr>
-          <p:nvPr>
-            <p:ph sz="quarter" idx="15"/>
-          </p:nvPr>
-        </p:nvSpPr>
-        <p:spPr/>
-        <p:txBody>
-          <a:bodyPr/>
-          <a:lstStyle/>
-          <a:p>
-            <a:r>
-              <a:rPr lang="pl-PL" dirty="0"/>
-              <a:t>Graphic designer (Ps, Ai, mobile)</a:t>
-            </a:r>
-            <a:endParaRPr lang="en-CA" dirty="0"/>
-          </a:p>
-        </p:txBody>
-      </p:sp>
-    </p:spTree>
-    <p:extLst>
-      <p:ext uri="{BB962C8B-B14F-4D97-AF65-F5344CB8AC3E}">
-        <p14:creationId xmlns:p14="http://schemas.microsoft.com/office/powerpoint/2010/main" val="207932423"/>
-      </p:ext>
-    </p:extLst>
-  </p:cSld>
-  <p:clrMapOvr>
-    <a:masterClrMapping/>
-  </p:clrMapOvr>
-  <mc:AlternateContent xmlns:mc="http://schemas.openxmlformats.org/markup-compatibility/2006" xmlns:p14="http://schemas.microsoft.com/office/powerpoint/2010/main">
-    <mc:Choice Requires="p14">
-      <p:transition spd="slow" p14:dur="2000"/>
-    </mc:Choice>
-    <mc:Fallback xmlns="">
-      <p:transition spd="slow"/>
-    </mc:Fallback>
-  </mc:AlternateContent>
-  <p:timing>
-    <p:tnLst>
-      <p:par>
-        <p:cTn id="1" dur="indefinite" restart="never" nodeType="tmRoot"/>
-      </p:par>
-    </p:tnLst>
-  </p:timing>
-</p:sld>
-</file>
-
-<file path=ppt/slides/slide30.xml><?xml version="1.0" encoding="utf-8"?>
+<file path=ppt/slides/slide35.xml><?xml version="1.0" encoding="utf-8"?>
 <p:sld xmlns:a="http://schemas.openxmlformats.org/drawingml/2006/main" xmlns:r="http://schemas.openxmlformats.org/officeDocument/2006/relationships" xmlns:p="http://schemas.openxmlformats.org/presentationml/2006/main">
   <p:cSld>
     <p:spTree>
@@ -19724,7 +21963,7 @@
 </p:sld>
 </file>
 
-<file path=ppt/slides/slide31.xml><?xml version="1.0" encoding="utf-8"?>
+<file path=ppt/slides/slide36.xml><?xml version="1.0" encoding="utf-8"?>
 <p:sld xmlns:a="http://schemas.openxmlformats.org/drawingml/2006/main" xmlns:r="http://schemas.openxmlformats.org/officeDocument/2006/relationships" xmlns:p="http://schemas.openxmlformats.org/presentationml/2006/main">
   <p:cSld>
     <p:spTree>
@@ -19812,16 +22051,10 @@
           <a:lstStyle/>
           <a:p>
             <a:r>
-              <a:rPr lang="pl-PL" sz="2800" dirty="0" smtClean="0"/>
-              <a:t>&amp;&amp; - means AND</a:t>
+              <a:rPr lang="pl-PL" sz="2400" dirty="0" smtClean="0"/>
+              <a:t>(AcceptsCoffeeCards property)</a:t>
             </a:r>
-          </a:p>
-          <a:p>
-            <a:r>
-              <a:rPr lang="pl-PL" sz="2800" dirty="0" smtClean="0"/>
-              <a:t>|| - means OR</a:t>
-            </a:r>
-            <a:endParaRPr lang="en-CA" sz="2800" dirty="0"/>
+            <a:endParaRPr lang="en-CA" sz="2400" dirty="0"/>
           </a:p>
         </p:txBody>
       </p:sp>
@@ -19844,10 +22077,16 @@
           <a:lstStyle/>
           <a:p>
             <a:r>
-              <a:rPr lang="pl-PL" dirty="0" smtClean="0"/>
-              <a:t>Try other conditions</a:t>
+              <a:rPr lang="pl-PL" sz="2800" dirty="0"/>
+              <a:t>&amp;&amp; - means AND</a:t>
             </a:r>
-            <a:endParaRPr lang="en-CA" dirty="0"/>
+          </a:p>
+          <a:p>
+            <a:r>
+              <a:rPr lang="pl-PL" sz="2800" dirty="0"/>
+              <a:t>|| - means OR</a:t>
+            </a:r>
+            <a:endParaRPr lang="en-CA" sz="2800" dirty="0"/>
           </a:p>
         </p:txBody>
       </p:sp>
@@ -19869,7 +22108,20 @@
           <a:bodyPr/>
           <a:lstStyle/>
           <a:p>
-            <a:endParaRPr lang="en-CA"/>
+            <a:r>
+              <a:rPr lang="pl-PL" dirty="0"/>
+              <a:t>For string </a:t>
+            </a:r>
+          </a:p>
+          <a:p>
+            <a:r>
+              <a:rPr lang="pl-PL" sz="2000" dirty="0"/>
+              <a:t>PrimaryCity == „Miami”</a:t>
+            </a:r>
+            <a:endParaRPr lang="en-CA" sz="2000" dirty="0"/>
+          </a:p>
+          <a:p>
+            <a:endParaRPr lang="en-CA" dirty="0"/>
           </a:p>
         </p:txBody>
       </p:sp>
@@ -19914,16 +22166,10 @@
           <a:lstStyle/>
           <a:p>
             <a:r>
-              <a:rPr lang="pl-PL" dirty="0" smtClean="0"/>
-              <a:t>For string </a:t>
+              <a:rPr lang="pl-PL" dirty="0"/>
+              <a:t>Try other conditions</a:t>
             </a:r>
-          </a:p>
-          <a:p>
-            <a:r>
-              <a:rPr lang="pl-PL" sz="2000" dirty="0" smtClean="0"/>
-              <a:t>PrimaryCity == „Miami”</a:t>
-            </a:r>
-            <a:endParaRPr lang="en-CA" sz="2000" dirty="0"/>
+            <a:endParaRPr lang="en-CA" dirty="0"/>
           </a:p>
         </p:txBody>
       </p:sp>
@@ -19954,7 +22200,7 @@
         </p:blipFill>
         <p:spPr bwMode="auto">
           <a:xfrm>
-            <a:off x="323528" y="4941168"/>
+            <a:off x="323528" y="4644508"/>
             <a:ext cx="8691693" cy="1123181"/>
           </a:xfrm>
           <a:prstGeom prst="rect">
@@ -20124,7 +22370,7 @@
 </p:sld>
 </file>
 
-<file path=ppt/slides/slide32.xml><?xml version="1.0" encoding="utf-8"?>
+<file path=ppt/slides/slide37.xml><?xml version="1.0" encoding="utf-8"?>
 <p:sld xmlns:a="http://schemas.openxmlformats.org/drawingml/2006/main" xmlns:r="http://schemas.openxmlformats.org/officeDocument/2006/relationships" xmlns:p="http://schemas.openxmlformats.org/presentationml/2006/main">
   <p:cSld>
     <p:spTree>
@@ -20186,10 +22432,10 @@
           <a:lstStyle/>
           <a:p>
             <a:r>
-              <a:rPr lang="pl-PL" dirty="0" smtClean="0"/>
-              <a:t>Create another controller action</a:t>
+              <a:rPr lang="pl-PL" sz="2800" dirty="0" smtClean="0"/>
+              <a:t>Move to IndexMulti method</a:t>
             </a:r>
-            <a:endParaRPr lang="en-CA" dirty="0"/>
+            <a:endParaRPr lang="en-CA" sz="2800" dirty="0"/>
           </a:p>
         </p:txBody>
       </p:sp>
@@ -20213,51 +22459,7 @@
           <a:p>
             <a:r>
               <a:rPr lang="pl-PL" sz="2400" dirty="0" smtClean="0"/>
-              <a:t>Search for NY: </a:t>
-            </a:r>
-            <a:r>
-              <a:rPr lang="el-GR" sz="2400" dirty="0" smtClean="0">
-                <a:cs typeface="Times New Roman"/>
-              </a:rPr>
-              <a:t>φ</a:t>
-            </a:r>
-            <a:r>
-              <a:rPr lang="pl-PL" sz="2400" dirty="0" smtClean="0">
-                <a:cs typeface="Times New Roman"/>
-              </a:rPr>
-              <a:t>=40.75, </a:t>
-            </a:r>
-            <a:r>
-              <a:rPr lang="el-GR" sz="2400" dirty="0" smtClean="0">
-                <a:cs typeface="Times New Roman"/>
-              </a:rPr>
-              <a:t>λ</a:t>
-            </a:r>
-            <a:r>
-              <a:rPr lang="pl-PL" sz="2400" dirty="0" smtClean="0">
-                <a:cs typeface="Times New Roman"/>
-              </a:rPr>
-              <a:t>=</a:t>
-            </a:r>
-            <a:r>
-              <a:rPr lang="pl-PL" sz="2400" dirty="0" smtClean="0">
-                <a:ea typeface="Segoe UI"/>
-                <a:cs typeface="Segoe UI"/>
-              </a:rPr>
-              <a:t>-74</a:t>
-            </a:r>
-          </a:p>
-          <a:p>
-            <a:r>
-              <a:rPr lang="pl-PL" sz="2400" dirty="0" smtClean="0">
-                <a:ea typeface="Segoe UI"/>
-                <a:cs typeface="Segoe UI"/>
-              </a:rPr>
-              <a:t>r=1 [km]</a:t>
-            </a:r>
-            <a:r>
-              <a:rPr lang="pl-PL" sz="2400" dirty="0" smtClean="0"/>
-              <a:t> </a:t>
+              <a:t>Use FindAreaByRadius method on DataAccess</a:t>
             </a:r>
             <a:endParaRPr lang="en-CA" sz="2400" dirty="0"/>
           </a:p>
@@ -20283,7 +22485,7 @@
           <a:p>
             <a:r>
               <a:rPr lang="pl-PL" dirty="0" smtClean="0"/>
-              <a:t>Print a number of shops</a:t>
+              <a:t>As a result you get an array</a:t>
             </a:r>
             <a:endParaRPr lang="en-CA" dirty="0"/>
           </a:p>
@@ -20307,6 +22509,18 @@
           <a:bodyPr/>
           <a:lstStyle/>
           <a:p>
+            <a:r>
+              <a:rPr lang="pl-PL" sz="2400" dirty="0"/>
+              <a:t>Call it with .../IndexMulti/?lat=...</a:t>
+            </a:r>
+          </a:p>
+          <a:p>
+            <a:r>
+              <a:rPr lang="pl-PL" sz="2400" dirty="0"/>
+              <a:t>&amp;lon=...&amp;r=...</a:t>
+            </a:r>
+          </a:p>
+          <a:p>
             <a:endParaRPr lang="pl-PL" sz="2400" dirty="0" smtClean="0"/>
           </a:p>
         </p:txBody>
@@ -20329,7 +22543,31 @@
           <a:bodyPr/>
           <a:lstStyle/>
           <a:p>
-            <a:endParaRPr lang="en-CA"/>
+            <a:r>
+              <a:rPr lang="pl-PL" dirty="0" smtClean="0"/>
+              <a:t>Use </a:t>
+            </a:r>
+            <a:r>
+              <a:rPr lang="el-GR" dirty="0" smtClean="0"/>
+              <a:t>φ</a:t>
+            </a:r>
+            <a:r>
+              <a:rPr lang="pl-PL" dirty="0" smtClean="0"/>
+              <a:t>=40.75, </a:t>
+            </a:r>
+            <a:r>
+              <a:rPr lang="el-GR" dirty="0" smtClean="0"/>
+              <a:t>λ</a:t>
+            </a:r>
+            <a:r>
+              <a:rPr lang="pl-PL" dirty="0" smtClean="0"/>
+              <a:t>=-74, r=1</a:t>
+            </a:r>
+            <a:r>
+              <a:rPr lang="pl-PL" dirty="0" smtClean="0"/>
+              <a:t> </a:t>
+            </a:r>
+            <a:endParaRPr lang="en-CA" dirty="0"/>
           </a:p>
         </p:txBody>
       </p:sp>
@@ -20353,7 +22591,11 @@
           <a:p>
             <a:r>
               <a:rPr lang="pl-PL" dirty="0" smtClean="0"/>
-              <a:t>Use array’s method Length</a:t>
+              <a:t>Use array’s </a:t>
+            </a:r>
+            <a:r>
+              <a:rPr lang="pl-PL" dirty="0" smtClean="0"/>
+              <a:t>proprerty Length</a:t>
             </a:r>
             <a:endParaRPr lang="en-CA" dirty="0"/>
           </a:p>
@@ -20361,18 +22603,14 @@
       </p:sp>
       <p:pic>
         <p:nvPicPr>
-          <p:cNvPr id="9" name="Picture 3"/>
+          <p:cNvPr id="5122" name="Picture 2"/>
           <p:cNvPicPr>
             <a:picLocks noChangeAspect="1" noChangeArrowheads="1"/>
           </p:cNvPicPr>
-          <p:nvPr>
-            <p:custDataLst>
-              <p:tags r:id="rId9"/>
-            </p:custDataLst>
-          </p:nvPr>
+          <p:nvPr/>
         </p:nvPicPr>
         <p:blipFill>
-          <a:blip r:embed="rId11">
+          <a:blip r:embed="rId10">
             <a:extLst>
               <a:ext uri="{28A0092B-C50C-407E-A947-70E740481C1C}">
                 <a14:useLocalDpi xmlns:a14="http://schemas.microsoft.com/office/drawing/2010/main" val="0"/>
@@ -20386,8 +22624,8 @@
         </p:blipFill>
         <p:spPr bwMode="auto">
           <a:xfrm>
-            <a:off x="333131" y="4293096"/>
-            <a:ext cx="7586137" cy="1752972"/>
+            <a:off x="323528" y="3140968"/>
+            <a:ext cx="7903194" cy="1656184"/>
           </a:xfrm>
           <a:prstGeom prst="rect">
             <a:avLst/>
@@ -20482,7 +22720,7 @@
                                           </p:stCondLst>
                                         </p:cTn>
                                         <p:tgtEl>
-                                          <p:spTgt spid="9"/>
+                                          <p:spTgt spid="5122"/>
                                         </p:tgtEl>
                                         <p:attrNameLst>
                                           <p:attrName>style.visibility</p:attrName>
@@ -20496,7 +22734,7 @@
                                       <p:cBhvr>
                                         <p:cTn id="7" dur="500"/>
                                         <p:tgtEl>
-                                          <p:spTgt spid="9"/>
+                                          <p:spTgt spid="5122"/>
                                         </p:tgtEl>
                                       </p:cBhvr>
                                     </p:animEffect>
@@ -20513,7 +22751,7 @@
                                       <p:cBhvr>
                                         <p:cTn id="9" dur="2000" fill="hold"/>
                                         <p:tgtEl>
-                                          <p:spTgt spid="9"/>
+                                          <p:spTgt spid="5122"/>
                                         </p:tgtEl>
                                         <p:attrNameLst>
                                           <p:attrName>ppt_x</p:attrName>
@@ -20556,7 +22794,7 @@
 </p:sld>
 </file>
 
-<file path=ppt/slides/slide33.xml><?xml version="1.0" encoding="utf-8"?>
+<file path=ppt/slides/slide38.xml><?xml version="1.0" encoding="utf-8"?>
 <p:sld xmlns:a="http://schemas.openxmlformats.org/drawingml/2006/main" xmlns:r="http://schemas.openxmlformats.org/officeDocument/2006/relationships" xmlns:p="http://schemas.openxmlformats.org/presentationml/2006/main">
   <p:cSld>
     <p:spTree>
@@ -20586,14 +22824,19 @@
             </p:custDataLst>
           </p:nvPr>
         </p:nvSpPr>
-        <p:spPr/>
+        <p:spPr>
+          <a:xfrm>
+            <a:off x="323528" y="260648"/>
+            <a:ext cx="7200800" cy="778098"/>
+          </a:xfrm>
+        </p:spPr>
         <p:txBody>
           <a:bodyPr/>
           <a:lstStyle/>
           <a:p>
             <a:r>
               <a:rPr lang="pl-PL" dirty="0" smtClean="0"/>
-              <a:t>Task 4.1 – Involve a user</a:t>
+              <a:t>Task 4.2 – Prepare to print all the records</a:t>
             </a:r>
             <a:endParaRPr lang="en-CA" dirty="0"/>
           </a:p>
@@ -20619,7 +22862,7 @@
           <a:p>
             <a:r>
               <a:rPr lang="pl-PL" dirty="0" smtClean="0"/>
-              <a:t>Modify your controller action</a:t>
+              <a:t>Add a new folder: Helpers</a:t>
             </a:r>
             <a:endParaRPr lang="en-CA" dirty="0"/>
           </a:p>
@@ -20645,7 +22888,7 @@
           <a:p>
             <a:r>
               <a:rPr lang="pl-PL" sz="2800" dirty="0" smtClean="0"/>
-              <a:t>Enable taking parameters from users</a:t>
+              <a:t>Create a new class: PrinterHelper</a:t>
             </a:r>
             <a:endParaRPr lang="en-CA" sz="2800" dirty="0"/>
           </a:p>
@@ -20671,7 +22914,7 @@
           <a:p>
             <a:r>
               <a:rPr lang="pl-PL" dirty="0" smtClean="0"/>
-              <a:t>Add parameters to the method</a:t>
+              <a:t>Create a method Print</a:t>
             </a:r>
             <a:endParaRPr lang="en-CA" dirty="0"/>
           </a:p>
@@ -20695,7 +22938,11 @@
           <a:bodyPr/>
           <a:lstStyle/>
           <a:p>
-            <a:endParaRPr lang="en-CA"/>
+            <a:r>
+              <a:rPr lang="pl-PL" dirty="0" smtClean="0"/>
+              <a:t>and return string</a:t>
+            </a:r>
+            <a:endParaRPr lang="en-CA" dirty="0"/>
           </a:p>
         </p:txBody>
       </p:sp>
@@ -20717,7 +22964,11 @@
           <a:bodyPr/>
           <a:lstStyle/>
           <a:p>
-            <a:endParaRPr lang="en-CA"/>
+            <a:r>
+              <a:rPr lang="pl-PL" dirty="0" smtClean="0"/>
+              <a:t>Move counting logic there</a:t>
+            </a:r>
+            <a:endParaRPr lang="en-CA" dirty="0"/>
           </a:p>
         </p:txBody>
       </p:sp>
@@ -20740,32 +22991,23 @@
           <a:lstStyle/>
           <a:p>
             <a:r>
-              <a:rPr lang="pl-PL" sz="2400" dirty="0" smtClean="0"/>
-              <a:t>Call it with .../IndexMulti/?lat=...</a:t>
+              <a:rPr lang="pl-PL" dirty="0" smtClean="0"/>
+              <a:t>It should accept CoffeeShop[]</a:t>
             </a:r>
-          </a:p>
-          <a:p>
-            <a:r>
-              <a:rPr lang="pl-PL" sz="2400" dirty="0" smtClean="0"/>
-              <a:t>&amp;lon=...&amp;r=...</a:t>
-            </a:r>
+            <a:endParaRPr lang="en-CA" dirty="0"/>
           </a:p>
         </p:txBody>
       </p:sp>
       <p:pic>
         <p:nvPicPr>
-          <p:cNvPr id="8194" name="Picture 2"/>
+          <p:cNvPr id="6146" name="Picture 2"/>
           <p:cNvPicPr>
             <a:picLocks noChangeAspect="1" noChangeArrowheads="1"/>
           </p:cNvPicPr>
-          <p:nvPr>
-            <p:custDataLst>
-              <p:tags r:id="rId9"/>
-            </p:custDataLst>
-          </p:nvPr>
+          <p:nvPr/>
         </p:nvPicPr>
         <p:blipFill>
-          <a:blip r:embed="rId11">
+          <a:blip r:embed="rId10">
             <a:extLst>
               <a:ext uri="{28A0092B-C50C-407E-A947-70E740481C1C}">
                 <a14:useLocalDpi xmlns:a14="http://schemas.microsoft.com/office/drawing/2010/main" val="0"/>
@@ -20779,411 +23021,8 @@
         </p:blipFill>
         <p:spPr bwMode="auto">
           <a:xfrm>
-            <a:off x="354547" y="4221088"/>
-            <a:ext cx="7904679" cy="1781547"/>
-          </a:xfrm>
-          <a:prstGeom prst="rect">
-            <a:avLst/>
-          </a:prstGeom>
-          <a:noFill/>
-          <a:ln>
-            <a:noFill/>
-          </a:ln>
-          <a:effectLst/>
-          <a:extLst>
-            <a:ext uri="{909E8E84-426E-40DD-AFC4-6F175D3DCCD1}">
-              <a14:hiddenFill xmlns:a14="http://schemas.microsoft.com/office/drawing/2010/main">
-                <a:solidFill>
-                  <a:schemeClr val="accent1"/>
-                </a:solidFill>
-              </a14:hiddenFill>
-            </a:ext>
-            <a:ext uri="{91240B29-F687-4F45-9708-019B960494DF}">
-              <a14:hiddenLine xmlns:a14="http://schemas.microsoft.com/office/drawing/2010/main" w="9525">
-                <a:solidFill>
-                  <a:schemeClr val="tx1"/>
-                </a:solidFill>
-                <a:miter lim="800000"/>
-                <a:headEnd/>
-                <a:tailEnd/>
-              </a14:hiddenLine>
-            </a:ext>
-            <a:ext uri="{AF507438-7753-43E0-B8FC-AC1667EBCBE1}">
-              <a14:hiddenEffects xmlns:a14="http://schemas.microsoft.com/office/drawing/2010/main">
-                <a:effectLst>
-                  <a:outerShdw dist="35921" dir="2700000" algn="ctr" rotWithShape="0">
-                    <a:schemeClr val="bg2"/>
-                  </a:outerShdw>
-                </a:effectLst>
-              </a14:hiddenEffects>
-            </a:ext>
-          </a:extLst>
-        </p:spPr>
-      </p:pic>
-    </p:spTree>
-    <p:custDataLst>
-      <p:tags r:id="rId1"/>
-    </p:custDataLst>
-    <p:extLst>
-      <p:ext uri="{BB962C8B-B14F-4D97-AF65-F5344CB8AC3E}">
-        <p14:creationId xmlns:p14="http://schemas.microsoft.com/office/powerpoint/2010/main" val="3505318974"/>
-      </p:ext>
-    </p:extLst>
-  </p:cSld>
-  <p:clrMapOvr>
-    <a:masterClrMapping/>
-  </p:clrMapOvr>
-  <mc:AlternateContent xmlns:mc="http://schemas.openxmlformats.org/markup-compatibility/2006" xmlns:p14="http://schemas.microsoft.com/office/powerpoint/2010/main">
-    <mc:Choice Requires="p14">
-      <p:transition spd="slow" p14:dur="2000"/>
-    </mc:Choice>
-    <mc:Fallback xmlns="">
-      <p:transition spd="slow"/>
-    </mc:Fallback>
-  </mc:AlternateContent>
-  <p:timing>
-    <p:tnLst>
-      <p:par>
-        <p:cTn id="1" dur="indefinite" restart="never" nodeType="tmRoot">
-          <p:childTnLst>
-            <p:seq concurrent="1" nextAc="seek">
-              <p:cTn id="2" dur="indefinite" nodeType="mainSeq">
-                <p:childTnLst>
-                  <p:par>
-                    <p:cTn id="3" fill="hold">
-                      <p:stCondLst>
-                        <p:cond delay="indefinite"/>
-                      </p:stCondLst>
-                      <p:childTnLst>
-                        <p:par>
-                          <p:cTn id="4" fill="hold">
-                            <p:stCondLst>
-                              <p:cond delay="0"/>
-                            </p:stCondLst>
-                            <p:childTnLst>
-                              <p:par>
-                                <p:cTn id="5" presetID="10" presetClass="entr" presetSubtype="0" fill="hold" nodeType="clickEffect">
-                                  <p:stCondLst>
-                                    <p:cond delay="0"/>
-                                  </p:stCondLst>
-                                  <p:childTnLst>
-                                    <p:set>
-                                      <p:cBhvr>
-                                        <p:cTn id="6" dur="1" fill="hold">
-                                          <p:stCondLst>
-                                            <p:cond delay="0"/>
-                                          </p:stCondLst>
-                                        </p:cTn>
-                                        <p:tgtEl>
-                                          <p:spTgt spid="8194"/>
-                                        </p:tgtEl>
-                                        <p:attrNameLst>
-                                          <p:attrName>style.visibility</p:attrName>
-                                        </p:attrNameLst>
-                                      </p:cBhvr>
-                                      <p:to>
-                                        <p:strVal val="visible"/>
-                                      </p:to>
-                                    </p:set>
-                                    <p:animEffect transition="in" filter="fade">
-                                      <p:cBhvr>
-                                        <p:cTn id="7" dur="500"/>
-                                        <p:tgtEl>
-                                          <p:spTgt spid="8194"/>
-                                        </p:tgtEl>
-                                      </p:cBhvr>
-                                    </p:animEffect>
-                                  </p:childTnLst>
-                                </p:cTn>
-                              </p:par>
-                              <p:par>
-                                <p:cTn id="8" presetID="35" presetClass="path" presetSubtype="0" accel="50000" decel="50000" fill="hold" nodeType="withEffect">
-                                  <p:stCondLst>
-                                    <p:cond delay="0"/>
-                                  </p:stCondLst>
-                                  <p:childTnLst>
-                                    <p:animMotion origin="layout" path="M 0.04809 1.11111E-6 L -3.88889E-6 1.11111E-6 " pathEditMode="relative" rAng="0" ptsTypes="AA">
-                                      <p:cBhvr>
-                                        <p:cTn id="9" dur="2000" fill="hold"/>
-                                        <p:tgtEl>
-                                          <p:spTgt spid="8194"/>
-                                        </p:tgtEl>
-                                        <p:attrNameLst>
-                                          <p:attrName>ppt_x</p:attrName>
-                                          <p:attrName>ppt_y</p:attrName>
-                                        </p:attrNameLst>
-                                      </p:cBhvr>
-                                      <p:rCtr x="-2413" y="0"/>
-                                    </p:animMotion>
-                                  </p:childTnLst>
-                                </p:cTn>
-                              </p:par>
-                            </p:childTnLst>
-                          </p:cTn>
-                        </p:par>
-                      </p:childTnLst>
-                    </p:cTn>
-                  </p:par>
-                </p:childTnLst>
-              </p:cTn>
-              <p:prevCondLst>
-                <p:cond evt="onPrev" delay="0">
-                  <p:tgtEl>
-                    <p:sldTgt/>
-                  </p:tgtEl>
-                </p:cond>
-              </p:prevCondLst>
-              <p:nextCondLst>
-                <p:cond evt="onNext" delay="0">
-                  <p:tgtEl>
-                    <p:sldTgt/>
-                  </p:tgtEl>
-                </p:cond>
-              </p:nextCondLst>
-            </p:seq>
-          </p:childTnLst>
-        </p:cTn>
-      </p:par>
-    </p:tnLst>
-  </p:timing>
-</p:sld>
-</file>
-
-<file path=ppt/slides/slide34.xml><?xml version="1.0" encoding="utf-8"?>
-<p:sld xmlns:a="http://schemas.openxmlformats.org/drawingml/2006/main" xmlns:r="http://schemas.openxmlformats.org/officeDocument/2006/relationships" xmlns:p="http://schemas.openxmlformats.org/presentationml/2006/main">
-  <p:cSld>
-    <p:spTree>
-      <p:nvGrpSpPr>
-        <p:cNvPr id="1" name=""/>
-        <p:cNvGrpSpPr/>
-        <p:nvPr/>
-      </p:nvGrpSpPr>
-      <p:grpSpPr>
-        <a:xfrm>
-          <a:off x="0" y="0"/>
-          <a:ext cx="0" cy="0"/>
-          <a:chOff x="0" y="0"/>
-          <a:chExt cx="0" cy="0"/>
-        </a:xfrm>
-      </p:grpSpPr>
-      <p:sp>
-        <p:nvSpPr>
-          <p:cNvPr id="2" name="Title 1"/>
-          <p:cNvSpPr>
-            <a:spLocks noGrp="1"/>
-          </p:cNvSpPr>
-          <p:nvPr>
-            <p:ph type="title"/>
-            <p:custDataLst>
-              <p:tags r:id="rId2"/>
-            </p:custDataLst>
-          </p:nvPr>
-        </p:nvSpPr>
-        <p:spPr>
-          <a:xfrm>
-            <a:off x="323528" y="260648"/>
-            <a:ext cx="7200800" cy="778098"/>
-          </a:xfrm>
-        </p:spPr>
-        <p:txBody>
-          <a:bodyPr/>
-          <a:lstStyle/>
-          <a:p>
-            <a:r>
-              <a:rPr lang="pl-PL" dirty="0" smtClean="0"/>
-              <a:t>Task 4.2 – Prepare to print all the records</a:t>
-            </a:r>
-            <a:endParaRPr lang="en-CA" dirty="0"/>
-          </a:p>
-        </p:txBody>
-      </p:sp>
-      <p:sp>
-        <p:nvSpPr>
-          <p:cNvPr id="3" name="Content Placeholder 2"/>
-          <p:cNvSpPr>
-            <a:spLocks noGrp="1"/>
-          </p:cNvSpPr>
-          <p:nvPr>
-            <p:ph sz="quarter" idx="10"/>
-            <p:custDataLst>
-              <p:tags r:id="rId3"/>
-            </p:custDataLst>
-          </p:nvPr>
-        </p:nvSpPr>
-        <p:spPr/>
-        <p:txBody>
-          <a:bodyPr/>
-          <a:lstStyle/>
-          <a:p>
-            <a:r>
-              <a:rPr lang="pl-PL" dirty="0" smtClean="0"/>
-              <a:t>Add a new folder: Helpers</a:t>
-            </a:r>
-            <a:endParaRPr lang="en-CA" dirty="0"/>
-          </a:p>
-        </p:txBody>
-      </p:sp>
-      <p:sp>
-        <p:nvSpPr>
-          <p:cNvPr id="4" name="Content Placeholder 3"/>
-          <p:cNvSpPr>
-            <a:spLocks noGrp="1"/>
-          </p:cNvSpPr>
-          <p:nvPr>
-            <p:ph sz="quarter" idx="11"/>
-            <p:custDataLst>
-              <p:tags r:id="rId4"/>
-            </p:custDataLst>
-          </p:nvPr>
-        </p:nvSpPr>
-        <p:spPr/>
-        <p:txBody>
-          <a:bodyPr/>
-          <a:lstStyle/>
-          <a:p>
-            <a:r>
-              <a:rPr lang="pl-PL" sz="2800" dirty="0" smtClean="0"/>
-              <a:t>Create a new class: PrinterHelper</a:t>
-            </a:r>
-            <a:endParaRPr lang="en-CA" sz="2800" dirty="0"/>
-          </a:p>
-        </p:txBody>
-      </p:sp>
-      <p:sp>
-        <p:nvSpPr>
-          <p:cNvPr id="5" name="Content Placeholder 4"/>
-          <p:cNvSpPr>
-            <a:spLocks noGrp="1"/>
-          </p:cNvSpPr>
-          <p:nvPr>
-            <p:ph sz="quarter" idx="12"/>
-            <p:custDataLst>
-              <p:tags r:id="rId5"/>
-            </p:custDataLst>
-          </p:nvPr>
-        </p:nvSpPr>
-        <p:spPr/>
-        <p:txBody>
-          <a:bodyPr/>
-          <a:lstStyle/>
-          <a:p>
-            <a:r>
-              <a:rPr lang="pl-PL" dirty="0" smtClean="0"/>
-              <a:t>Use StringBuilder</a:t>
-            </a:r>
-            <a:endParaRPr lang="en-CA" dirty="0"/>
-          </a:p>
-        </p:txBody>
-      </p:sp>
-      <p:sp>
-        <p:nvSpPr>
-          <p:cNvPr id="6" name="Content Placeholder 5"/>
-          <p:cNvSpPr>
-            <a:spLocks noGrp="1"/>
-          </p:cNvSpPr>
-          <p:nvPr>
-            <p:ph sz="quarter" idx="13"/>
-            <p:custDataLst>
-              <p:tags r:id="rId6"/>
-            </p:custDataLst>
-          </p:nvPr>
-        </p:nvSpPr>
-        <p:spPr/>
-        <p:txBody>
-          <a:bodyPr/>
-          <a:lstStyle/>
-          <a:p>
-            <a:r>
-              <a:rPr lang="pl-PL" dirty="0" smtClean="0"/>
-              <a:t>Add </a:t>
-            </a:r>
-          </a:p>
-          <a:p>
-            <a:r>
-              <a:rPr lang="pl-PL" sz="2800" dirty="0" smtClean="0"/>
-              <a:t>using System.Text;</a:t>
-            </a:r>
-            <a:endParaRPr lang="en-CA" sz="2800" dirty="0"/>
-          </a:p>
-        </p:txBody>
-      </p:sp>
-      <p:sp>
-        <p:nvSpPr>
-          <p:cNvPr id="7" name="Content Placeholder 6"/>
-          <p:cNvSpPr>
-            <a:spLocks noGrp="1"/>
-          </p:cNvSpPr>
-          <p:nvPr>
-            <p:ph sz="quarter" idx="14"/>
-            <p:custDataLst>
-              <p:tags r:id="rId7"/>
-            </p:custDataLst>
-          </p:nvPr>
-        </p:nvSpPr>
-        <p:spPr/>
-        <p:txBody>
-          <a:bodyPr/>
-          <a:lstStyle/>
-          <a:p>
-            <a:endParaRPr lang="en-CA"/>
-          </a:p>
-        </p:txBody>
-      </p:sp>
-      <p:sp>
-        <p:nvSpPr>
-          <p:cNvPr id="8" name="Content Placeholder 7"/>
-          <p:cNvSpPr>
-            <a:spLocks noGrp="1"/>
-          </p:cNvSpPr>
-          <p:nvPr>
-            <p:ph sz="quarter" idx="15"/>
-            <p:custDataLst>
-              <p:tags r:id="rId8"/>
-            </p:custDataLst>
-          </p:nvPr>
-        </p:nvSpPr>
-        <p:spPr/>
-        <p:txBody>
-          <a:bodyPr/>
-          <a:lstStyle/>
-          <a:p>
-            <a:r>
-              <a:rPr lang="pl-PL" dirty="0" smtClean="0"/>
-              <a:t>Move counting logic there</a:t>
-            </a:r>
-            <a:endParaRPr lang="en-CA" dirty="0"/>
-          </a:p>
-        </p:txBody>
-      </p:sp>
-      <p:pic>
-        <p:nvPicPr>
-          <p:cNvPr id="9218" name="Picture 2"/>
-          <p:cNvPicPr>
-            <a:picLocks noChangeAspect="1" noChangeArrowheads="1"/>
-          </p:cNvPicPr>
-          <p:nvPr>
-            <p:custDataLst>
-              <p:tags r:id="rId9"/>
-            </p:custDataLst>
-          </p:nvPr>
-        </p:nvPicPr>
-        <p:blipFill>
-          <a:blip r:embed="rId12">
-            <a:extLst>
-              <a:ext uri="{28A0092B-C50C-407E-A947-70E740481C1C}">
-                <a14:useLocalDpi xmlns:a14="http://schemas.microsoft.com/office/drawing/2010/main" val="0"/>
-              </a:ext>
-            </a:extLst>
-          </a:blip>
-          <a:srcRect/>
-          <a:stretch>
-            <a:fillRect/>
-          </a:stretch>
-        </p:blipFill>
-        <p:spPr bwMode="auto">
-          <a:xfrm>
-            <a:off x="323528" y="1628800"/>
-            <a:ext cx="7941944" cy="2232248"/>
+            <a:off x="334599" y="1628800"/>
+            <a:ext cx="6386965" cy="2304256"/>
           </a:xfrm>
           <a:prstGeom prst="rect">
             <a:avLst/>
@@ -21225,18 +23064,14 @@
       </p:pic>
       <p:pic>
         <p:nvPicPr>
-          <p:cNvPr id="9" name="Picture 3"/>
+          <p:cNvPr id="6147" name="Picture 3"/>
           <p:cNvPicPr>
             <a:picLocks noChangeAspect="1" noChangeArrowheads="1"/>
           </p:cNvPicPr>
-          <p:nvPr>
-            <p:custDataLst>
-              <p:tags r:id="rId10"/>
-            </p:custDataLst>
-          </p:nvPr>
+          <p:nvPr/>
         </p:nvPicPr>
         <p:blipFill>
-          <a:blip r:embed="rId13">
+          <a:blip r:embed="rId11">
             <a:extLst>
               <a:ext uri="{28A0092B-C50C-407E-A947-70E740481C1C}">
                 <a14:useLocalDpi xmlns:a14="http://schemas.microsoft.com/office/drawing/2010/main" val="0"/>
@@ -21250,8 +23085,8 @@
         </p:blipFill>
         <p:spPr bwMode="auto">
           <a:xfrm>
-            <a:off x="334599" y="4005064"/>
-            <a:ext cx="8053825" cy="917293"/>
+            <a:off x="334599" y="4032360"/>
+            <a:ext cx="7393416" cy="1844912"/>
           </a:xfrm>
           <a:prstGeom prst="rect">
             <a:avLst/>
@@ -21346,7 +23181,7 @@
                                           </p:stCondLst>
                                         </p:cTn>
                                         <p:tgtEl>
-                                          <p:spTgt spid="9218"/>
+                                          <p:spTgt spid="6146"/>
                                         </p:tgtEl>
                                         <p:attrNameLst>
                                           <p:attrName>style.visibility</p:attrName>
@@ -21360,7 +23195,7 @@
                                       <p:cBhvr>
                                         <p:cTn id="7" dur="500"/>
                                         <p:tgtEl>
-                                          <p:spTgt spid="9218"/>
+                                          <p:spTgt spid="6146"/>
                                         </p:tgtEl>
                                       </p:cBhvr>
                                     </p:animEffect>
@@ -21377,7 +23212,7 @@
                                       <p:cBhvr>
                                         <p:cTn id="9" dur="2000" fill="hold"/>
                                         <p:tgtEl>
-                                          <p:spTgt spid="9218"/>
+                                          <p:spTgt spid="6146"/>
                                         </p:tgtEl>
                                         <p:attrNameLst>
                                           <p:attrName>ppt_x</p:attrName>
@@ -21412,7 +23247,7 @@
                                           </p:stCondLst>
                                         </p:cTn>
                                         <p:tgtEl>
-                                          <p:spTgt spid="9"/>
+                                          <p:spTgt spid="6147"/>
                                         </p:tgtEl>
                                         <p:attrNameLst>
                                           <p:attrName>style.visibility</p:attrName>
@@ -21426,7 +23261,7 @@
                                       <p:cBhvr>
                                         <p:cTn id="13" dur="500"/>
                                         <p:tgtEl>
-                                          <p:spTgt spid="9"/>
+                                          <p:spTgt spid="6147"/>
                                         </p:tgtEl>
                                       </p:cBhvr>
                                     </p:animEffect>
@@ -21443,7 +23278,7 @@
                                       <p:cBhvr>
                                         <p:cTn id="15" dur="2000" fill="hold"/>
                                         <p:tgtEl>
-                                          <p:spTgt spid="9"/>
+                                          <p:spTgt spid="6147"/>
                                         </p:tgtEl>
                                         <p:attrNameLst>
                                           <p:attrName>ppt_x</p:attrName>
@@ -21486,7 +23321,7 @@
 </p:sld>
 </file>
 
-<file path=ppt/slides/slide35.xml><?xml version="1.0" encoding="utf-8"?>
+<file path=ppt/slides/slide39.xml><?xml version="1.0" encoding="utf-8"?>
 <p:sld xmlns:a="http://schemas.openxmlformats.org/drawingml/2006/main" xmlns:r="http://schemas.openxmlformats.org/officeDocument/2006/relationships" xmlns:p="http://schemas.openxmlformats.org/presentationml/2006/main">
   <p:cSld>
     <p:spTree>
@@ -21574,10 +23409,10 @@
           <a:lstStyle/>
           <a:p>
             <a:r>
-              <a:rPr lang="pl-PL" sz="2400" dirty="0"/>
+              <a:rPr lang="pl-PL" sz="2000" dirty="0"/>
               <a:t>Foreach – goes through every member of a collection</a:t>
             </a:r>
-            <a:endParaRPr lang="en-CA" sz="2400" dirty="0"/>
+            <a:endParaRPr lang="en-CA" sz="2000" dirty="0"/>
           </a:p>
         </p:txBody>
       </p:sp>
@@ -21601,7 +23436,15 @@
           <a:p>
             <a:r>
               <a:rPr lang="pl-PL" dirty="0"/>
-              <a:t>Construct HTML’s table</a:t>
+              <a:t>Construct </a:t>
+            </a:r>
+            <a:r>
+              <a:rPr lang="pl-PL" dirty="0" smtClean="0"/>
+              <a:t>HTML </a:t>
+            </a:r>
+            <a:r>
+              <a:rPr lang="pl-PL" dirty="0"/>
+              <a:t>table</a:t>
             </a:r>
             <a:endParaRPr lang="en-CA" dirty="0"/>
           </a:p>
@@ -21690,7 +23533,7 @@
           </p:nvPr>
         </p:nvPicPr>
         <p:blipFill>
-          <a:blip r:embed="rId12">
+          <a:blip r:embed="rId11">
             <a:extLst>
               <a:ext uri="{28A0092B-C50C-407E-A947-70E740481C1C}">
                 <a14:useLocalDpi xmlns:a14="http://schemas.microsoft.com/office/drawing/2010/main" val="0"/>
@@ -21747,18 +23590,14 @@
       </p:pic>
       <p:pic>
         <p:nvPicPr>
-          <p:cNvPr id="1026" name="Picture 2"/>
+          <p:cNvPr id="7170" name="Picture 2"/>
           <p:cNvPicPr>
             <a:picLocks noChangeAspect="1" noChangeArrowheads="1"/>
           </p:cNvPicPr>
-          <p:nvPr>
-            <p:custDataLst>
-              <p:tags r:id="rId10"/>
-            </p:custDataLst>
-          </p:nvPr>
+          <p:nvPr/>
         </p:nvPicPr>
         <p:blipFill>
-          <a:blip r:embed="rId13">
+          <a:blip r:embed="rId12">
             <a:extLst>
               <a:ext uri="{28A0092B-C50C-407E-A947-70E740481C1C}">
                 <a14:useLocalDpi xmlns:a14="http://schemas.microsoft.com/office/drawing/2010/main" val="0"/>
@@ -21772,8 +23611,8 @@
         </p:blipFill>
         <p:spPr bwMode="auto">
           <a:xfrm>
-            <a:off x="323528" y="4753119"/>
-            <a:ext cx="8689800" cy="1296144"/>
+            <a:off x="323528" y="3501008"/>
+            <a:ext cx="7278392" cy="2952328"/>
           </a:xfrm>
           <a:prstGeom prst="rect">
             <a:avLst/>
@@ -21943,7 +23782,7 @@
                                           </p:stCondLst>
                                         </p:cTn>
                                         <p:tgtEl>
-                                          <p:spTgt spid="1026"/>
+                                          <p:spTgt spid="7170"/>
                                         </p:tgtEl>
                                         <p:attrNameLst>
                                           <p:attrName>style.visibility</p:attrName>
@@ -21957,7 +23796,7 @@
                                       <p:cBhvr>
                                         <p:cTn id="14" dur="500"/>
                                         <p:tgtEl>
-                                          <p:spTgt spid="1026"/>
+                                          <p:spTgt spid="7170"/>
                                         </p:tgtEl>
                                       </p:cBhvr>
                                     </p:animEffect>
@@ -21974,7 +23813,7 @@
                                       <p:cBhvr>
                                         <p:cTn id="16" dur="2000" fill="hold"/>
                                         <p:tgtEl>
-                                          <p:spTgt spid="1026"/>
+                                          <p:spTgt spid="7170"/>
                                         </p:tgtEl>
                                         <p:attrNameLst>
                                           <p:attrName>ppt_x</p:attrName>
@@ -22017,7 +23856,7 @@
 </p:sld>
 </file>
 
-<file path=ppt/slides/slide36.xml><?xml version="1.0" encoding="utf-8"?>
+<file path=ppt/slides/slide4.xml><?xml version="1.0" encoding="utf-8"?>
 <p:sld xmlns:a="http://schemas.openxmlformats.org/drawingml/2006/main" xmlns:r="http://schemas.openxmlformats.org/officeDocument/2006/relationships" xmlns:p="http://schemas.openxmlformats.org/presentationml/2006/main">
   <p:cSld>
     <p:spTree>
@@ -22047,6 +23886,210 @@
             </p:custDataLst>
           </p:nvPr>
         </p:nvSpPr>
+        <p:spPr/>
+        <p:txBody>
+          <a:bodyPr/>
+          <a:lstStyle/>
+          <a:p>
+            <a:r>
+              <a:rPr lang="pl-PL" dirty="0" smtClean="0"/>
+              <a:t>Agenda</a:t>
+            </a:r>
+            <a:endParaRPr lang="en-CA" dirty="0"/>
+          </a:p>
+        </p:txBody>
+      </p:sp>
+      <p:sp>
+        <p:nvSpPr>
+          <p:cNvPr id="3" name="Content Placeholder 2"/>
+          <p:cNvSpPr>
+            <a:spLocks noGrp="1"/>
+          </p:cNvSpPr>
+          <p:nvPr>
+            <p:ph sz="quarter" idx="10"/>
+            <p:custDataLst>
+              <p:tags r:id="rId3"/>
+            </p:custDataLst>
+          </p:nvPr>
+        </p:nvSpPr>
+        <p:spPr/>
+        <p:txBody>
+          <a:bodyPr/>
+          <a:lstStyle/>
+          <a:p>
+            <a:r>
+              <a:rPr lang="pl-PL" dirty="0" smtClean="0"/>
+              <a:t>Programming in general</a:t>
+            </a:r>
+            <a:endParaRPr lang="en-CA" dirty="0"/>
+          </a:p>
+        </p:txBody>
+      </p:sp>
+      <p:sp>
+        <p:nvSpPr>
+          <p:cNvPr id="4" name="Content Placeholder 3"/>
+          <p:cNvSpPr>
+            <a:spLocks noGrp="1"/>
+          </p:cNvSpPr>
+          <p:nvPr>
+            <p:ph sz="quarter" idx="11"/>
+            <p:custDataLst>
+              <p:tags r:id="rId4"/>
+            </p:custDataLst>
+          </p:nvPr>
+        </p:nvSpPr>
+        <p:spPr/>
+        <p:txBody>
+          <a:bodyPr/>
+          <a:lstStyle/>
+          <a:p>
+            <a:r>
+              <a:rPr lang="pl-PL" dirty="0" smtClean="0"/>
+              <a:t>Different techs and languages</a:t>
+            </a:r>
+            <a:endParaRPr lang="en-CA" dirty="0"/>
+          </a:p>
+        </p:txBody>
+      </p:sp>
+      <p:sp>
+        <p:nvSpPr>
+          <p:cNvPr id="5" name="Content Placeholder 4"/>
+          <p:cNvSpPr>
+            <a:spLocks noGrp="1"/>
+          </p:cNvSpPr>
+          <p:nvPr>
+            <p:ph sz="quarter" idx="12"/>
+            <p:custDataLst>
+              <p:tags r:id="rId5"/>
+            </p:custDataLst>
+          </p:nvPr>
+        </p:nvSpPr>
+        <p:spPr/>
+        <p:txBody>
+          <a:bodyPr/>
+          <a:lstStyle/>
+          <a:p>
+            <a:r>
+              <a:rPr lang="pl-PL" dirty="0" smtClean="0"/>
+              <a:t>Programming for the Web</a:t>
+            </a:r>
+            <a:endParaRPr lang="en-CA" dirty="0"/>
+          </a:p>
+        </p:txBody>
+      </p:sp>
+      <p:sp>
+        <p:nvSpPr>
+          <p:cNvPr id="6" name="Content Placeholder 5"/>
+          <p:cNvSpPr>
+            <a:spLocks noGrp="1"/>
+          </p:cNvSpPr>
+          <p:nvPr>
+            <p:ph sz="quarter" idx="13"/>
+            <p:custDataLst>
+              <p:tags r:id="rId6"/>
+            </p:custDataLst>
+          </p:nvPr>
+        </p:nvSpPr>
+        <p:spPr/>
+        <p:txBody>
+          <a:bodyPr/>
+          <a:lstStyle/>
+          <a:p>
+            <a:r>
+              <a:rPr lang="pl-PL" dirty="0" smtClean="0"/>
+              <a:t>Hands On Lab</a:t>
+            </a:r>
+            <a:endParaRPr lang="en-CA" dirty="0"/>
+          </a:p>
+        </p:txBody>
+      </p:sp>
+      <p:sp>
+        <p:nvSpPr>
+          <p:cNvPr id="8" name="Content Placeholder 7"/>
+          <p:cNvSpPr>
+            <a:spLocks noGrp="1"/>
+          </p:cNvSpPr>
+          <p:nvPr>
+            <p:ph sz="quarter" idx="15"/>
+            <p:custDataLst>
+              <p:tags r:id="rId7"/>
+            </p:custDataLst>
+          </p:nvPr>
+        </p:nvSpPr>
+        <p:spPr/>
+        <p:txBody>
+          <a:bodyPr/>
+          <a:lstStyle/>
+          <a:p>
+            <a:r>
+              <a:rPr lang="pl-PL" dirty="0" smtClean="0"/>
+              <a:t>Introduction to OOP</a:t>
+            </a:r>
+            <a:endParaRPr lang="en-CA" dirty="0"/>
+          </a:p>
+        </p:txBody>
+      </p:sp>
+    </p:spTree>
+    <p:custDataLst>
+      <p:tags r:id="rId1"/>
+    </p:custDataLst>
+    <p:extLst>
+      <p:ext uri="{BB962C8B-B14F-4D97-AF65-F5344CB8AC3E}">
+        <p14:creationId xmlns:p14="http://schemas.microsoft.com/office/powerpoint/2010/main" val="1702833156"/>
+      </p:ext>
+    </p:extLst>
+  </p:cSld>
+  <p:clrMapOvr>
+    <a:masterClrMapping/>
+  </p:clrMapOvr>
+  <mc:AlternateContent xmlns:mc="http://schemas.openxmlformats.org/markup-compatibility/2006" xmlns:p14="http://schemas.microsoft.com/office/powerpoint/2010/main">
+    <mc:Choice Requires="p14">
+      <p:transition spd="slow" p14:dur="2000"/>
+    </mc:Choice>
+    <mc:Fallback xmlns="">
+      <p:transition spd="slow"/>
+    </mc:Fallback>
+  </mc:AlternateContent>
+  <p:timing>
+    <p:tnLst>
+      <p:par>
+        <p:cTn id="1" dur="indefinite" restart="never" nodeType="tmRoot"/>
+      </p:par>
+    </p:tnLst>
+  </p:timing>
+</p:sld>
+</file>
+
+<file path=ppt/slides/slide40.xml><?xml version="1.0" encoding="utf-8"?>
+<p:sld xmlns:a="http://schemas.openxmlformats.org/drawingml/2006/main" xmlns:r="http://schemas.openxmlformats.org/officeDocument/2006/relationships" xmlns:p="http://schemas.openxmlformats.org/presentationml/2006/main">
+  <p:cSld>
+    <p:spTree>
+      <p:nvGrpSpPr>
+        <p:cNvPr id="1" name=""/>
+        <p:cNvGrpSpPr/>
+        <p:nvPr/>
+      </p:nvGrpSpPr>
+      <p:grpSpPr>
+        <a:xfrm>
+          <a:off x="0" y="0"/>
+          <a:ext cx="0" cy="0"/>
+          <a:chOff x="0" y="0"/>
+          <a:chExt cx="0" cy="0"/>
+        </a:xfrm>
+      </p:grpSpPr>
+      <p:sp>
+        <p:nvSpPr>
+          <p:cNvPr id="2" name="Title 1"/>
+          <p:cNvSpPr>
+            <a:spLocks noGrp="1"/>
+          </p:cNvSpPr>
+          <p:nvPr>
+            <p:ph type="title"/>
+            <p:custDataLst>
+              <p:tags r:id="rId2"/>
+            </p:custDataLst>
+          </p:nvPr>
+        </p:nvSpPr>
         <p:spPr>
           <a:xfrm>
             <a:off x="323528" y="260648"/>
@@ -22135,7 +24178,7 @@
           <a:bodyPr/>
           <a:lstStyle/>
           <a:p>
-            <a:endParaRPr lang="en-CA"/>
+            <a:endParaRPr lang="en-CA" dirty="0"/>
           </a:p>
         </p:txBody>
       </p:sp>
@@ -22207,18 +24250,14 @@
       </p:sp>
       <p:pic>
         <p:nvPicPr>
-          <p:cNvPr id="2050" name="Picture 2"/>
+          <p:cNvPr id="8194" name="Picture 2"/>
           <p:cNvPicPr>
             <a:picLocks noChangeAspect="1" noChangeArrowheads="1"/>
           </p:cNvPicPr>
-          <p:nvPr>
-            <p:custDataLst>
-              <p:tags r:id="rId9"/>
-            </p:custDataLst>
-          </p:nvPr>
+          <p:nvPr/>
         </p:nvPicPr>
         <p:blipFill>
-          <a:blip r:embed="rId11">
+          <a:blip r:embed="rId10">
             <a:extLst>
               <a:ext uri="{28A0092B-C50C-407E-A947-70E740481C1C}">
                 <a14:useLocalDpi xmlns:a14="http://schemas.microsoft.com/office/drawing/2010/main" val="0"/>
@@ -22233,7 +24272,7 @@
         <p:spPr bwMode="auto">
           <a:xfrm>
             <a:off x="323528" y="3140968"/>
-            <a:ext cx="8418216" cy="2882255"/>
+            <a:ext cx="6900424" cy="3096344"/>
           </a:xfrm>
           <a:prstGeom prst="rect">
             <a:avLst/>
@@ -22328,7 +24367,7 @@
                                           </p:stCondLst>
                                         </p:cTn>
                                         <p:tgtEl>
-                                          <p:spTgt spid="2050"/>
+                                          <p:spTgt spid="8194"/>
                                         </p:tgtEl>
                                         <p:attrNameLst>
                                           <p:attrName>style.visibility</p:attrName>
@@ -22342,7 +24381,7 @@
                                       <p:cBhvr>
                                         <p:cTn id="7" dur="500"/>
                                         <p:tgtEl>
-                                          <p:spTgt spid="2050"/>
+                                          <p:spTgt spid="8194"/>
                                         </p:tgtEl>
                                       </p:cBhvr>
                                     </p:animEffect>
@@ -22359,7 +24398,7 @@
                                       <p:cBhvr>
                                         <p:cTn id="9" dur="2000" fill="hold"/>
                                         <p:tgtEl>
-                                          <p:spTgt spid="2050"/>
+                                          <p:spTgt spid="8194"/>
                                         </p:tgtEl>
                                         <p:attrNameLst>
                                           <p:attrName>ppt_x</p:attrName>
@@ -22402,7 +24441,7 @@
 </p:sld>
 </file>
 
-<file path=ppt/slides/slide37.xml><?xml version="1.0" encoding="utf-8"?>
+<file path=ppt/slides/slide41.xml><?xml version="1.0" encoding="utf-8"?>
 <p:sld xmlns:a="http://schemas.openxmlformats.org/drawingml/2006/main" xmlns:r="http://schemas.openxmlformats.org/officeDocument/2006/relationships" xmlns:p="http://schemas.openxmlformats.org/presentationml/2006/main">
   <p:cSld>
     <p:spTree>
@@ -22685,7 +24724,7 @@
         </p:blipFill>
         <p:spPr bwMode="auto">
           <a:xfrm>
-            <a:off x="323528" y="1663358"/>
+            <a:off x="323528" y="1648836"/>
             <a:ext cx="5688632" cy="4363685"/>
           </a:xfrm>
           <a:prstGeom prst="rect">
@@ -22996,8 +25035,8 @@
 </p:sld>
 </file>
 
-<file path=ppt/slides/slide38.xml><?xml version="1.0" encoding="utf-8"?>
-<p:sld xmlns:a="http://schemas.openxmlformats.org/drawingml/2006/main" xmlns:r="http://schemas.openxmlformats.org/officeDocument/2006/relationships" xmlns:p="http://schemas.openxmlformats.org/presentationml/2006/main">
+<file path=ppt/slides/slide42.xml><?xml version="1.0" encoding="utf-8"?>
+<p:sld xmlns:a="http://schemas.openxmlformats.org/drawingml/2006/main" xmlns:r="http://schemas.openxmlformats.org/officeDocument/2006/relationships" xmlns:p="http://schemas.openxmlformats.org/presentationml/2006/main" show="0">
   <p:cSld>
     <p:spTree>
       <p:nvGrpSpPr>
@@ -23328,11 +25367,11 @@
   <p:clrMapOvr>
     <a:masterClrMapping/>
   </p:clrMapOvr>
-  <mc:AlternateContent xmlns:mc="http://schemas.openxmlformats.org/markup-compatibility/2006" xmlns:p14="http://schemas.microsoft.com/office/powerpoint/2010/main">
-    <mc:Choice Requires="p14">
+  <mc:AlternateContent xmlns:mc="http://schemas.openxmlformats.org/markup-compatibility/2006">
+    <mc:Choice xmlns:p14="http://schemas.microsoft.com/office/powerpoint/2010/main" Requires="p14">
       <p:transition spd="slow" p14:dur="2000"/>
     </mc:Choice>
-    <mc:Fallback xmlns="">
+    <mc:Fallback>
       <p:transition spd="slow"/>
     </mc:Fallback>
   </mc:AlternateContent>
@@ -23585,8 +25624,8 @@
 </p:sld>
 </file>
 
-<file path=ppt/slides/slide39.xml><?xml version="1.0" encoding="utf-8"?>
-<p:sld xmlns:a="http://schemas.openxmlformats.org/drawingml/2006/main" xmlns:r="http://schemas.openxmlformats.org/officeDocument/2006/relationships" xmlns:p="http://schemas.openxmlformats.org/presentationml/2006/main">
+<file path=ppt/slides/slide43.xml><?xml version="1.0" encoding="utf-8"?>
+<p:sld xmlns:a="http://schemas.openxmlformats.org/drawingml/2006/main" xmlns:r="http://schemas.openxmlformats.org/officeDocument/2006/relationships" xmlns:p="http://schemas.openxmlformats.org/presentationml/2006/main" show="0">
   <p:cSld>
     <p:spTree>
       <p:nvGrpSpPr>
@@ -23933,11 +25972,11 @@
   <p:clrMapOvr>
     <a:masterClrMapping/>
   </p:clrMapOvr>
-  <mc:AlternateContent xmlns:mc="http://schemas.openxmlformats.org/markup-compatibility/2006" xmlns:p14="http://schemas.microsoft.com/office/powerpoint/2010/main">
-    <mc:Choice Requires="p14">
+  <mc:AlternateContent xmlns:mc="http://schemas.openxmlformats.org/markup-compatibility/2006">
+    <mc:Choice xmlns:p14="http://schemas.microsoft.com/office/powerpoint/2010/main" Requires="p14">
       <p:transition spd="slow" p14:dur="2000"/>
     </mc:Choice>
-    <mc:Fallback xmlns="">
+    <mc:Fallback>
       <p:transition spd="slow"/>
     </mc:Fallback>
   </mc:AlternateContent>
@@ -24190,210 +26229,6 @@
 </p:sld>
 </file>
 
-<file path=ppt/slides/slide4.xml><?xml version="1.0" encoding="utf-8"?>
-<p:sld xmlns:a="http://schemas.openxmlformats.org/drawingml/2006/main" xmlns:r="http://schemas.openxmlformats.org/officeDocument/2006/relationships" xmlns:p="http://schemas.openxmlformats.org/presentationml/2006/main">
-  <p:cSld>
-    <p:spTree>
-      <p:nvGrpSpPr>
-        <p:cNvPr id="1" name=""/>
-        <p:cNvGrpSpPr/>
-        <p:nvPr/>
-      </p:nvGrpSpPr>
-      <p:grpSpPr>
-        <a:xfrm>
-          <a:off x="0" y="0"/>
-          <a:ext cx="0" cy="0"/>
-          <a:chOff x="0" y="0"/>
-          <a:chExt cx="0" cy="0"/>
-        </a:xfrm>
-      </p:grpSpPr>
-      <p:sp>
-        <p:nvSpPr>
-          <p:cNvPr id="2" name="Title 1"/>
-          <p:cNvSpPr>
-            <a:spLocks noGrp="1"/>
-          </p:cNvSpPr>
-          <p:nvPr>
-            <p:ph type="title"/>
-            <p:custDataLst>
-              <p:tags r:id="rId2"/>
-            </p:custDataLst>
-          </p:nvPr>
-        </p:nvSpPr>
-        <p:spPr/>
-        <p:txBody>
-          <a:bodyPr/>
-          <a:lstStyle/>
-          <a:p>
-            <a:r>
-              <a:rPr lang="pl-PL" dirty="0" smtClean="0"/>
-              <a:t>Agenda</a:t>
-            </a:r>
-            <a:endParaRPr lang="en-CA" dirty="0"/>
-          </a:p>
-        </p:txBody>
-      </p:sp>
-      <p:sp>
-        <p:nvSpPr>
-          <p:cNvPr id="3" name="Content Placeholder 2"/>
-          <p:cNvSpPr>
-            <a:spLocks noGrp="1"/>
-          </p:cNvSpPr>
-          <p:nvPr>
-            <p:ph sz="quarter" idx="10"/>
-            <p:custDataLst>
-              <p:tags r:id="rId3"/>
-            </p:custDataLst>
-          </p:nvPr>
-        </p:nvSpPr>
-        <p:spPr/>
-        <p:txBody>
-          <a:bodyPr/>
-          <a:lstStyle/>
-          <a:p>
-            <a:r>
-              <a:rPr lang="pl-PL" dirty="0" smtClean="0"/>
-              <a:t>Programming in general</a:t>
-            </a:r>
-            <a:endParaRPr lang="en-CA" dirty="0"/>
-          </a:p>
-        </p:txBody>
-      </p:sp>
-      <p:sp>
-        <p:nvSpPr>
-          <p:cNvPr id="4" name="Content Placeholder 3"/>
-          <p:cNvSpPr>
-            <a:spLocks noGrp="1"/>
-          </p:cNvSpPr>
-          <p:nvPr>
-            <p:ph sz="quarter" idx="11"/>
-            <p:custDataLst>
-              <p:tags r:id="rId4"/>
-            </p:custDataLst>
-          </p:nvPr>
-        </p:nvSpPr>
-        <p:spPr/>
-        <p:txBody>
-          <a:bodyPr/>
-          <a:lstStyle/>
-          <a:p>
-            <a:r>
-              <a:rPr lang="pl-PL" dirty="0" smtClean="0"/>
-              <a:t>Different techs and languages</a:t>
-            </a:r>
-            <a:endParaRPr lang="en-CA" dirty="0"/>
-          </a:p>
-        </p:txBody>
-      </p:sp>
-      <p:sp>
-        <p:nvSpPr>
-          <p:cNvPr id="5" name="Content Placeholder 4"/>
-          <p:cNvSpPr>
-            <a:spLocks noGrp="1"/>
-          </p:cNvSpPr>
-          <p:nvPr>
-            <p:ph sz="quarter" idx="12"/>
-            <p:custDataLst>
-              <p:tags r:id="rId5"/>
-            </p:custDataLst>
-          </p:nvPr>
-        </p:nvSpPr>
-        <p:spPr/>
-        <p:txBody>
-          <a:bodyPr/>
-          <a:lstStyle/>
-          <a:p>
-            <a:r>
-              <a:rPr lang="pl-PL" dirty="0" smtClean="0"/>
-              <a:t>Programming for the Web</a:t>
-            </a:r>
-            <a:endParaRPr lang="en-CA" dirty="0"/>
-          </a:p>
-        </p:txBody>
-      </p:sp>
-      <p:sp>
-        <p:nvSpPr>
-          <p:cNvPr id="6" name="Content Placeholder 5"/>
-          <p:cNvSpPr>
-            <a:spLocks noGrp="1"/>
-          </p:cNvSpPr>
-          <p:nvPr>
-            <p:ph sz="quarter" idx="13"/>
-            <p:custDataLst>
-              <p:tags r:id="rId6"/>
-            </p:custDataLst>
-          </p:nvPr>
-        </p:nvSpPr>
-        <p:spPr/>
-        <p:txBody>
-          <a:bodyPr/>
-          <a:lstStyle/>
-          <a:p>
-            <a:r>
-              <a:rPr lang="pl-PL" dirty="0" smtClean="0"/>
-              <a:t>Hands On Lab</a:t>
-            </a:r>
-            <a:endParaRPr lang="en-CA" dirty="0"/>
-          </a:p>
-        </p:txBody>
-      </p:sp>
-      <p:sp>
-        <p:nvSpPr>
-          <p:cNvPr id="8" name="Content Placeholder 7"/>
-          <p:cNvSpPr>
-            <a:spLocks noGrp="1"/>
-          </p:cNvSpPr>
-          <p:nvPr>
-            <p:ph sz="quarter" idx="15"/>
-            <p:custDataLst>
-              <p:tags r:id="rId7"/>
-            </p:custDataLst>
-          </p:nvPr>
-        </p:nvSpPr>
-        <p:spPr/>
-        <p:txBody>
-          <a:bodyPr/>
-          <a:lstStyle/>
-          <a:p>
-            <a:r>
-              <a:rPr lang="pl-PL" dirty="0" smtClean="0"/>
-              <a:t>Introduction to OOP</a:t>
-            </a:r>
-            <a:endParaRPr lang="en-CA" dirty="0"/>
-          </a:p>
-        </p:txBody>
-      </p:sp>
-    </p:spTree>
-    <p:custDataLst>
-      <p:tags r:id="rId1"/>
-    </p:custDataLst>
-    <p:extLst>
-      <p:ext uri="{BB962C8B-B14F-4D97-AF65-F5344CB8AC3E}">
-        <p14:creationId xmlns:p14="http://schemas.microsoft.com/office/powerpoint/2010/main" val="1702833156"/>
-      </p:ext>
-    </p:extLst>
-  </p:cSld>
-  <p:clrMapOvr>
-    <a:masterClrMapping/>
-  </p:clrMapOvr>
-  <mc:AlternateContent xmlns:mc="http://schemas.openxmlformats.org/markup-compatibility/2006" xmlns:p14="http://schemas.microsoft.com/office/powerpoint/2010/main">
-    <mc:Choice Requires="p14">
-      <p:transition spd="slow" p14:dur="2000"/>
-    </mc:Choice>
-    <mc:Fallback xmlns="">
-      <p:transition spd="slow"/>
-    </mc:Fallback>
-  </mc:AlternateContent>
-  <p:timing>
-    <p:tnLst>
-      <p:par>
-        <p:cTn id="1" dur="indefinite" restart="never" nodeType="tmRoot"/>
-      </p:par>
-    </p:tnLst>
-  </p:timing>
-</p:sld>
-</file>
-
 <file path=ppt/slides/slide5.xml><?xml version="1.0" encoding="utf-8"?>
 <p:sld xmlns:a="http://schemas.openxmlformats.org/drawingml/2006/main" xmlns:r="http://schemas.openxmlformats.org/officeDocument/2006/relationships" xmlns:p="http://schemas.openxmlformats.org/presentationml/2006/main">
   <p:cSld>
@@ -25896,25 +27731,25 @@
 
 <file path=ppt/tags/tag196.xml><?xml version="1.0" encoding="utf-8"?>
 <p:tagLst xmlns:a="http://schemas.openxmlformats.org/drawingml/2006/main" xmlns:r="http://schemas.openxmlformats.org/officeDocument/2006/relationships" xmlns:p="http://schemas.openxmlformats.org/presentationml/2006/main">
-  <p:tag name="DVSHAPEID" val="lUk3IowBLFd79kJZ04KvoQ"/>
+  <p:tag name="DVSECTIONID" val="QOcvfGV3NGIYhBe5jmuWXy"/>
 </p:tagLst>
 </file>
 
 <file path=ppt/tags/tag197.xml><?xml version="1.0" encoding="utf-8"?>
 <p:tagLst xmlns:a="http://schemas.openxmlformats.org/drawingml/2006/main" xmlns:r="http://schemas.openxmlformats.org/officeDocument/2006/relationships" xmlns:p="http://schemas.openxmlformats.org/presentationml/2006/main">
-  <p:tag name="DVSECTIONID" val="QOcvfGV3NGIYhBe5jmuWXy"/>
+  <p:tag name="DVSHAPEID" val="GqgXuzIKrgDCjHn5WP247i"/>
 </p:tagLst>
 </file>
 
 <file path=ppt/tags/tag198.xml><?xml version="1.0" encoding="utf-8"?>
 <p:tagLst xmlns:a="http://schemas.openxmlformats.org/drawingml/2006/main" xmlns:r="http://schemas.openxmlformats.org/officeDocument/2006/relationships" xmlns:p="http://schemas.openxmlformats.org/presentationml/2006/main">
-  <p:tag name="DVSHAPEID" val="GqgXuzIKrgDCjHn5WP247i"/>
+  <p:tag name="DVSHAPEID" val="3kETWigH4Muu67OETLqJ7d"/>
 </p:tagLst>
 </file>
 
 <file path=ppt/tags/tag199.xml><?xml version="1.0" encoding="utf-8"?>
 <p:tagLst xmlns:a="http://schemas.openxmlformats.org/drawingml/2006/main" xmlns:r="http://schemas.openxmlformats.org/officeDocument/2006/relationships" xmlns:p="http://schemas.openxmlformats.org/presentationml/2006/main">
-  <p:tag name="DVSHAPEID" val="3kETWigH4Muu67OETLqJ7d"/>
+  <p:tag name="DVSHAPEID" val="cjHUSUUKuCCnmVjBCquKcR"/>
 </p:tagLst>
 </file>
 
@@ -25932,61 +27767,61 @@
 
 <file path=ppt/tags/tag200.xml><?xml version="1.0" encoding="utf-8"?>
 <p:tagLst xmlns:a="http://schemas.openxmlformats.org/drawingml/2006/main" xmlns:r="http://schemas.openxmlformats.org/officeDocument/2006/relationships" xmlns:p="http://schemas.openxmlformats.org/presentationml/2006/main">
-  <p:tag name="DVSHAPEID" val="cjHUSUUKuCCnmVjBCquKcR"/>
+  <p:tag name="DVSHAPEID" val="8OBfghVhDnbQ8lb2qlMkhR"/>
 </p:tagLst>
 </file>
 
 <file path=ppt/tags/tag201.xml><?xml version="1.0" encoding="utf-8"?>
 <p:tagLst xmlns:a="http://schemas.openxmlformats.org/drawingml/2006/main" xmlns:r="http://schemas.openxmlformats.org/officeDocument/2006/relationships" xmlns:p="http://schemas.openxmlformats.org/presentationml/2006/main">
-  <p:tag name="DVSHAPEID" val="8OBfghVhDnbQ8lb2qlMkhR"/>
+  <p:tag name="DVSHAPEID" val="SILTli90fm0kaTjCDCOdYe"/>
 </p:tagLst>
 </file>
 
 <file path=ppt/tags/tag202.xml><?xml version="1.0" encoding="utf-8"?>
 <p:tagLst xmlns:a="http://schemas.openxmlformats.org/drawingml/2006/main" xmlns:r="http://schemas.openxmlformats.org/officeDocument/2006/relationships" xmlns:p="http://schemas.openxmlformats.org/presentationml/2006/main">
-  <p:tag name="DVSHAPEID" val="SILTli90fm0kaTjCDCOdYe"/>
+  <p:tag name="DVSHAPEID" val="cvMXpAZ8XSzgWStnWD7D8O"/>
 </p:tagLst>
 </file>
 
 <file path=ppt/tags/tag203.xml><?xml version="1.0" encoding="utf-8"?>
 <p:tagLst xmlns:a="http://schemas.openxmlformats.org/drawingml/2006/main" xmlns:r="http://schemas.openxmlformats.org/officeDocument/2006/relationships" xmlns:p="http://schemas.openxmlformats.org/presentationml/2006/main">
-  <p:tag name="DVSHAPEID" val="cvMXpAZ8XSzgWStnWD7D8O"/>
+  <p:tag name="DVSHAPEID" val="PNaiINH9v4TDvg6nSz06o8"/>
 </p:tagLst>
 </file>
 
 <file path=ppt/tags/tag204.xml><?xml version="1.0" encoding="utf-8"?>
 <p:tagLst xmlns:a="http://schemas.openxmlformats.org/drawingml/2006/main" xmlns:r="http://schemas.openxmlformats.org/officeDocument/2006/relationships" xmlns:p="http://schemas.openxmlformats.org/presentationml/2006/main">
-  <p:tag name="DVSHAPEID" val="PNaiINH9v4TDvg6nSz06o8"/>
+  <p:tag name="DVSECTIONID" val="GTOFwjZJaMBbc8DayLEsuS"/>
 </p:tagLst>
 </file>
 
 <file path=ppt/tags/tag205.xml><?xml version="1.0" encoding="utf-8"?>
 <p:tagLst xmlns:a="http://schemas.openxmlformats.org/drawingml/2006/main" xmlns:r="http://schemas.openxmlformats.org/officeDocument/2006/relationships" xmlns:p="http://schemas.openxmlformats.org/presentationml/2006/main">
-  <p:tag name="DVSHAPEID" val="MGHZtEyWuJxYyp8ylW5Rn8"/>
+  <p:tag name="DVSHAPEID" val="nindgyKyC1pG3hliFqtkYy"/>
 </p:tagLst>
 </file>
 
 <file path=ppt/tags/tag206.xml><?xml version="1.0" encoding="utf-8"?>
 <p:tagLst xmlns:a="http://schemas.openxmlformats.org/drawingml/2006/main" xmlns:r="http://schemas.openxmlformats.org/officeDocument/2006/relationships" xmlns:p="http://schemas.openxmlformats.org/presentationml/2006/main">
-  <p:tag name="DVSECTIONID" val="GTOFwjZJaMBbc8DayLEsuS"/>
+  <p:tag name="DVSHAPEID" val="w7z7ALHOFALfwE3V08qwH5"/>
 </p:tagLst>
 </file>
 
 <file path=ppt/tags/tag207.xml><?xml version="1.0" encoding="utf-8"?>
 <p:tagLst xmlns:a="http://schemas.openxmlformats.org/drawingml/2006/main" xmlns:r="http://schemas.openxmlformats.org/officeDocument/2006/relationships" xmlns:p="http://schemas.openxmlformats.org/presentationml/2006/main">
-  <p:tag name="DVSHAPEID" val="nindgyKyC1pG3hliFqtkYy"/>
+  <p:tag name="DVSHAPEID" val="YZVvLyw0k2wOMfD8XYQOmP"/>
 </p:tagLst>
 </file>
 
 <file path=ppt/tags/tag208.xml><?xml version="1.0" encoding="utf-8"?>
 <p:tagLst xmlns:a="http://schemas.openxmlformats.org/drawingml/2006/main" xmlns:r="http://schemas.openxmlformats.org/officeDocument/2006/relationships" xmlns:p="http://schemas.openxmlformats.org/presentationml/2006/main">
-  <p:tag name="DVSHAPEID" val="w7z7ALHOFALfwE3V08qwH5"/>
+  <p:tag name="DVSHAPEID" val="UOLHfKqlTrRr9Ab409iEfJ"/>
 </p:tagLst>
 </file>
 
 <file path=ppt/tags/tag209.xml><?xml version="1.0" encoding="utf-8"?>
 <p:tagLst xmlns:a="http://schemas.openxmlformats.org/drawingml/2006/main" xmlns:r="http://schemas.openxmlformats.org/officeDocument/2006/relationships" xmlns:p="http://schemas.openxmlformats.org/presentationml/2006/main">
-  <p:tag name="DVSHAPEID" val="YZVvLyw0k2wOMfD8XYQOmP"/>
+  <p:tag name="DVSHAPEID" val="IIRNhRasGTJ847K4jMAZ84"/>
 </p:tagLst>
 </file>
 
@@ -25998,61 +27833,61 @@
 
 <file path=ppt/tags/tag210.xml><?xml version="1.0" encoding="utf-8"?>
 <p:tagLst xmlns:a="http://schemas.openxmlformats.org/drawingml/2006/main" xmlns:r="http://schemas.openxmlformats.org/officeDocument/2006/relationships" xmlns:p="http://schemas.openxmlformats.org/presentationml/2006/main">
-  <p:tag name="DVSHAPEID" val="UOLHfKqlTrRr9Ab409iEfJ"/>
+  <p:tag name="DVSHAPEID" val="Xl53WTYHvHzb53PrsybrLX"/>
 </p:tagLst>
 </file>
 
 <file path=ppt/tags/tag211.xml><?xml version="1.0" encoding="utf-8"?>
 <p:tagLst xmlns:a="http://schemas.openxmlformats.org/drawingml/2006/main" xmlns:r="http://schemas.openxmlformats.org/officeDocument/2006/relationships" xmlns:p="http://schemas.openxmlformats.org/presentationml/2006/main">
-  <p:tag name="DVSHAPEID" val="IIRNhRasGTJ847K4jMAZ84"/>
+  <p:tag name="DVSHAPEID" val="I0w4kWPv3fADLwHdUhuYo1"/>
 </p:tagLst>
 </file>
 
 <file path=ppt/tags/tag212.xml><?xml version="1.0" encoding="utf-8"?>
 <p:tagLst xmlns:a="http://schemas.openxmlformats.org/drawingml/2006/main" xmlns:r="http://schemas.openxmlformats.org/officeDocument/2006/relationships" xmlns:p="http://schemas.openxmlformats.org/presentationml/2006/main">
-  <p:tag name="DVSHAPEID" val="Xl53WTYHvHzb53PrsybrLX"/>
+  <p:tag name="DVSECTIONID" val="ziZbKx9RGI3h7jHz9C34vV"/>
 </p:tagLst>
 </file>
 
 <file path=ppt/tags/tag213.xml><?xml version="1.0" encoding="utf-8"?>
 <p:tagLst xmlns:a="http://schemas.openxmlformats.org/drawingml/2006/main" xmlns:r="http://schemas.openxmlformats.org/officeDocument/2006/relationships" xmlns:p="http://schemas.openxmlformats.org/presentationml/2006/main">
-  <p:tag name="DVSHAPEID" val="I0w4kWPv3fADLwHdUhuYo1"/>
+  <p:tag name="DVSHAPEID" val="BsiiJfEUXNzGrD2CHXc1rS"/>
 </p:tagLst>
 </file>
 
 <file path=ppt/tags/tag214.xml><?xml version="1.0" encoding="utf-8"?>
 <p:tagLst xmlns:a="http://schemas.openxmlformats.org/drawingml/2006/main" xmlns:r="http://schemas.openxmlformats.org/officeDocument/2006/relationships" xmlns:p="http://schemas.openxmlformats.org/presentationml/2006/main">
-  <p:tag name="DVSHAPEID" val="UNrfIa1mOI6u8EmJVS3Pbt"/>
+  <p:tag name="DVSHAPEID" val="kLTCG2Is6onfhzpW84oUKv"/>
 </p:tagLst>
 </file>
 
 <file path=ppt/tags/tag215.xml><?xml version="1.0" encoding="utf-8"?>
 <p:tagLst xmlns:a="http://schemas.openxmlformats.org/drawingml/2006/main" xmlns:r="http://schemas.openxmlformats.org/officeDocument/2006/relationships" xmlns:p="http://schemas.openxmlformats.org/presentationml/2006/main">
-  <p:tag name="DVSECTIONID" val="ziZbKx9RGI3h7jHz9C34vV"/>
+  <p:tag name="DVSHAPEID" val="pWEUPWkUNCSI7wo7yBcuGb"/>
 </p:tagLst>
 </file>
 
 <file path=ppt/tags/tag216.xml><?xml version="1.0" encoding="utf-8"?>
 <p:tagLst xmlns:a="http://schemas.openxmlformats.org/drawingml/2006/main" xmlns:r="http://schemas.openxmlformats.org/officeDocument/2006/relationships" xmlns:p="http://schemas.openxmlformats.org/presentationml/2006/main">
-  <p:tag name="DVSHAPEID" val="BsiiJfEUXNzGrD2CHXc1rS"/>
+  <p:tag name="DVSHAPEID" val="ibltcKO7Dw8OlXYMcL7bBL"/>
 </p:tagLst>
 </file>
 
 <file path=ppt/tags/tag217.xml><?xml version="1.0" encoding="utf-8"?>
 <p:tagLst xmlns:a="http://schemas.openxmlformats.org/drawingml/2006/main" xmlns:r="http://schemas.openxmlformats.org/officeDocument/2006/relationships" xmlns:p="http://schemas.openxmlformats.org/presentationml/2006/main">
-  <p:tag name="DVSHAPEID" val="kLTCG2Is6onfhzpW84oUKv"/>
+  <p:tag name="DVSHAPEID" val="nzrTx1vMIfOeEsymJA5FYl"/>
 </p:tagLst>
 </file>
 
 <file path=ppt/tags/tag218.xml><?xml version="1.0" encoding="utf-8"?>
 <p:tagLst xmlns:a="http://schemas.openxmlformats.org/drawingml/2006/main" xmlns:r="http://schemas.openxmlformats.org/officeDocument/2006/relationships" xmlns:p="http://schemas.openxmlformats.org/presentationml/2006/main">
-  <p:tag name="DVSHAPEID" val="pWEUPWkUNCSI7wo7yBcuGb"/>
+  <p:tag name="DVSHAPEID" val="Ajar8MpqnvzwNL1jcNBROS"/>
 </p:tagLst>
 </file>
 
 <file path=ppt/tags/tag219.xml><?xml version="1.0" encoding="utf-8"?>
 <p:tagLst xmlns:a="http://schemas.openxmlformats.org/drawingml/2006/main" xmlns:r="http://schemas.openxmlformats.org/officeDocument/2006/relationships" xmlns:p="http://schemas.openxmlformats.org/presentationml/2006/main">
-  <p:tag name="DVSHAPEID" val="ibltcKO7Dw8OlXYMcL7bBL"/>
+  <p:tag name="DVSHAPEID" val="Z6jvdP1x5VN1Z8I6TJmiSj"/>
 </p:tagLst>
 </file>
 
@@ -26064,61 +27899,61 @@
 
 <file path=ppt/tags/tag220.xml><?xml version="1.0" encoding="utf-8"?>
 <p:tagLst xmlns:a="http://schemas.openxmlformats.org/drawingml/2006/main" xmlns:r="http://schemas.openxmlformats.org/officeDocument/2006/relationships" xmlns:p="http://schemas.openxmlformats.org/presentationml/2006/main">
-  <p:tag name="DVSHAPEID" val="nzrTx1vMIfOeEsymJA5FYl"/>
+  <p:tag name="DVSECTIONID" val="n5o6s8NJhu4OkvGlzsAj5T"/>
 </p:tagLst>
 </file>
 
 <file path=ppt/tags/tag221.xml><?xml version="1.0" encoding="utf-8"?>
 <p:tagLst xmlns:a="http://schemas.openxmlformats.org/drawingml/2006/main" xmlns:r="http://schemas.openxmlformats.org/officeDocument/2006/relationships" xmlns:p="http://schemas.openxmlformats.org/presentationml/2006/main">
-  <p:tag name="DVSHAPEID" val="Ajar8MpqnvzwNL1jcNBROS"/>
+  <p:tag name="DVSHAPEID" val="IEBWL85NGCM3iv5W7DIICW"/>
 </p:tagLst>
 </file>
 
 <file path=ppt/tags/tag222.xml><?xml version="1.0" encoding="utf-8"?>
 <p:tagLst xmlns:a="http://schemas.openxmlformats.org/drawingml/2006/main" xmlns:r="http://schemas.openxmlformats.org/officeDocument/2006/relationships" xmlns:p="http://schemas.openxmlformats.org/presentationml/2006/main">
-  <p:tag name="DVSHAPEID" val="Z6jvdP1x5VN1Z8I6TJmiSj"/>
+  <p:tag name="DVSHAPEID" val="LrOYq2MSoH3sxa22v1G6mh"/>
 </p:tagLst>
 </file>
 
 <file path=ppt/tags/tag223.xml><?xml version="1.0" encoding="utf-8"?>
 <p:tagLst xmlns:a="http://schemas.openxmlformats.org/drawingml/2006/main" xmlns:r="http://schemas.openxmlformats.org/officeDocument/2006/relationships" xmlns:p="http://schemas.openxmlformats.org/presentationml/2006/main">
-  <p:tag name="DVSHAPEID" val="JMMTB6USvvZFsbRquB9NSF"/>
+  <p:tag name="DVSHAPEID" val="ejAumS9KsTpMSa7MI20Nd4"/>
 </p:tagLst>
 </file>
 
 <file path=ppt/tags/tag224.xml><?xml version="1.0" encoding="utf-8"?>
 <p:tagLst xmlns:a="http://schemas.openxmlformats.org/drawingml/2006/main" xmlns:r="http://schemas.openxmlformats.org/officeDocument/2006/relationships" xmlns:p="http://schemas.openxmlformats.org/presentationml/2006/main">
-  <p:tag name="DVSHAPEID" val="ugOEYgaMT2U0nS0rOhoaC1"/>
+  <p:tag name="DVSHAPEID" val="0PYVU58G2wztdvoWGUIEea"/>
 </p:tagLst>
 </file>
 
 <file path=ppt/tags/tag225.xml><?xml version="1.0" encoding="utf-8"?>
 <p:tagLst xmlns:a="http://schemas.openxmlformats.org/drawingml/2006/main" xmlns:r="http://schemas.openxmlformats.org/officeDocument/2006/relationships" xmlns:p="http://schemas.openxmlformats.org/presentationml/2006/main">
-  <p:tag name="DVSHAPEID" val="AaLjRsJOqwsELTxeVnU8VP"/>
+  <p:tag name="DVSHAPEID" val="3LhSUIjD6z49jKvqX3BLQS"/>
 </p:tagLst>
 </file>
 
 <file path=ppt/tags/tag226.xml><?xml version="1.0" encoding="utf-8"?>
 <p:tagLst xmlns:a="http://schemas.openxmlformats.org/drawingml/2006/main" xmlns:r="http://schemas.openxmlformats.org/officeDocument/2006/relationships" xmlns:p="http://schemas.openxmlformats.org/presentationml/2006/main">
-  <p:tag name="DVSECTIONID" val="n5o6s8NJhu4OkvGlzsAj5T"/>
+  <p:tag name="DVSHAPEID" val="doXCnLm54yPPMcD1bpnpq0"/>
 </p:tagLst>
 </file>
 
 <file path=ppt/tags/tag227.xml><?xml version="1.0" encoding="utf-8"?>
 <p:tagLst xmlns:a="http://schemas.openxmlformats.org/drawingml/2006/main" xmlns:r="http://schemas.openxmlformats.org/officeDocument/2006/relationships" xmlns:p="http://schemas.openxmlformats.org/presentationml/2006/main">
-  <p:tag name="DVSHAPEID" val="IEBWL85NGCM3iv5W7DIICW"/>
+  <p:tag name="DVSHAPEID" val="p3bDqgWE2sjaxSVhkxh0uv"/>
 </p:tagLst>
 </file>
 
 <file path=ppt/tags/tag228.xml><?xml version="1.0" encoding="utf-8"?>
 <p:tagLst xmlns:a="http://schemas.openxmlformats.org/drawingml/2006/main" xmlns:r="http://schemas.openxmlformats.org/officeDocument/2006/relationships" xmlns:p="http://schemas.openxmlformats.org/presentationml/2006/main">
-  <p:tag name="DVSHAPEID" val="LrOYq2MSoH3sxa22v1G6mh"/>
+  <p:tag name="DVSHAPEID" val="R3htbC1cOyXqdhtpjzC0iA"/>
 </p:tagLst>
 </file>
 
 <file path=ppt/tags/tag229.xml><?xml version="1.0" encoding="utf-8"?>
 <p:tagLst xmlns:a="http://schemas.openxmlformats.org/drawingml/2006/main" xmlns:r="http://schemas.openxmlformats.org/officeDocument/2006/relationships" xmlns:p="http://schemas.openxmlformats.org/presentationml/2006/main">
-  <p:tag name="DVSHAPEID" val="ejAumS9KsTpMSa7MI20Nd4"/>
+  <p:tag name="DVSECTIONID" val="7V1jtYB2oqnDVTMD504Xqz"/>
 </p:tagLst>
 </file>
 
@@ -26130,61 +27965,61 @@
 
 <file path=ppt/tags/tag230.xml><?xml version="1.0" encoding="utf-8"?>
 <p:tagLst xmlns:a="http://schemas.openxmlformats.org/drawingml/2006/main" xmlns:r="http://schemas.openxmlformats.org/officeDocument/2006/relationships" xmlns:p="http://schemas.openxmlformats.org/presentationml/2006/main">
-  <p:tag name="DVSHAPEID" val="0PYVU58G2wztdvoWGUIEea"/>
+  <p:tag name="DVSHAPEID" val="vBEL6T4Q8pvTJHF7t0MQ4T"/>
 </p:tagLst>
 </file>
 
 <file path=ppt/tags/tag231.xml><?xml version="1.0" encoding="utf-8"?>
 <p:tagLst xmlns:a="http://schemas.openxmlformats.org/drawingml/2006/main" xmlns:r="http://schemas.openxmlformats.org/officeDocument/2006/relationships" xmlns:p="http://schemas.openxmlformats.org/presentationml/2006/main">
-  <p:tag name="DVSHAPEID" val="3LhSUIjD6z49jKvqX3BLQS"/>
+  <p:tag name="DVSHAPEID" val="HkS1QAbbR4ZWYmE1PZ7yi2"/>
 </p:tagLst>
 </file>
 
 <file path=ppt/tags/tag232.xml><?xml version="1.0" encoding="utf-8"?>
 <p:tagLst xmlns:a="http://schemas.openxmlformats.org/drawingml/2006/main" xmlns:r="http://schemas.openxmlformats.org/officeDocument/2006/relationships" xmlns:p="http://schemas.openxmlformats.org/presentationml/2006/main">
-  <p:tag name="DVSHAPEID" val="doXCnLm54yPPMcD1bpnpq0"/>
+  <p:tag name="DVSHAPEID" val="H6aJ4eC8DFiCUkS52tEXyq"/>
 </p:tagLst>
 </file>
 
 <file path=ppt/tags/tag233.xml><?xml version="1.0" encoding="utf-8"?>
 <p:tagLst xmlns:a="http://schemas.openxmlformats.org/drawingml/2006/main" xmlns:r="http://schemas.openxmlformats.org/officeDocument/2006/relationships" xmlns:p="http://schemas.openxmlformats.org/presentationml/2006/main">
-  <p:tag name="DVSHAPEID" val="p3bDqgWE2sjaxSVhkxh0uv"/>
+  <p:tag name="DVSHAPEID" val="TMJitrbNJwAECLR7vXyIqk"/>
 </p:tagLst>
 </file>
 
 <file path=ppt/tags/tag234.xml><?xml version="1.0" encoding="utf-8"?>
 <p:tagLst xmlns:a="http://schemas.openxmlformats.org/drawingml/2006/main" xmlns:r="http://schemas.openxmlformats.org/officeDocument/2006/relationships" xmlns:p="http://schemas.openxmlformats.org/presentationml/2006/main">
-  <p:tag name="DVSHAPEID" val="R3htbC1cOyXqdhtpjzC0iA"/>
+  <p:tag name="DVSHAPEID" val="Elsk8KWDTlugdnZMLbXQVL"/>
 </p:tagLst>
 </file>
 
 <file path=ppt/tags/tag235.xml><?xml version="1.0" encoding="utf-8"?>
 <p:tagLst xmlns:a="http://schemas.openxmlformats.org/drawingml/2006/main" xmlns:r="http://schemas.openxmlformats.org/officeDocument/2006/relationships" xmlns:p="http://schemas.openxmlformats.org/presentationml/2006/main">
-  <p:tag name="DVSECTIONID" val="7V1jtYB2oqnDVTMD504Xqz"/>
+  <p:tag name="DVSHAPEID" val="2fH7eUYGpP0z8oQ8jrQ6Cf"/>
 </p:tagLst>
 </file>
 
 <file path=ppt/tags/tag236.xml><?xml version="1.0" encoding="utf-8"?>
 <p:tagLst xmlns:a="http://schemas.openxmlformats.org/drawingml/2006/main" xmlns:r="http://schemas.openxmlformats.org/officeDocument/2006/relationships" xmlns:p="http://schemas.openxmlformats.org/presentationml/2006/main">
-  <p:tag name="DVSHAPEID" val="vBEL6T4Q8pvTJHF7t0MQ4T"/>
+  <p:tag name="DVSHAPEID" val="amyu8JcmLAoSjcD1v1FdVF"/>
 </p:tagLst>
 </file>
 
 <file path=ppt/tags/tag237.xml><?xml version="1.0" encoding="utf-8"?>
 <p:tagLst xmlns:a="http://schemas.openxmlformats.org/drawingml/2006/main" xmlns:r="http://schemas.openxmlformats.org/officeDocument/2006/relationships" xmlns:p="http://schemas.openxmlformats.org/presentationml/2006/main">
-  <p:tag name="DVSHAPEID" val="HkS1QAbbR4ZWYmE1PZ7yi2"/>
+  <p:tag name="DVSHAPEID" val="1tSscHXGU2yKiH1ng7NdIT"/>
 </p:tagLst>
 </file>
 
 <file path=ppt/tags/tag238.xml><?xml version="1.0" encoding="utf-8"?>
 <p:tagLst xmlns:a="http://schemas.openxmlformats.org/drawingml/2006/main" xmlns:r="http://schemas.openxmlformats.org/officeDocument/2006/relationships" xmlns:p="http://schemas.openxmlformats.org/presentationml/2006/main">
-  <p:tag name="DVSHAPEID" val="H6aJ4eC8DFiCUkS52tEXyq"/>
+  <p:tag name="DVSECTIONID" val="ciZbTN2BtcPtYt48FO7f6E"/>
 </p:tagLst>
 </file>
 
 <file path=ppt/tags/tag239.xml><?xml version="1.0" encoding="utf-8"?>
 <p:tagLst xmlns:a="http://schemas.openxmlformats.org/drawingml/2006/main" xmlns:r="http://schemas.openxmlformats.org/officeDocument/2006/relationships" xmlns:p="http://schemas.openxmlformats.org/presentationml/2006/main">
-  <p:tag name="DVSHAPEID" val="TMJitrbNJwAECLR7vXyIqk"/>
+  <p:tag name="DVSHAPEID" val="af4DvhVPqpjv5UfxNAufAy"/>
 </p:tagLst>
 </file>
 
@@ -26196,61 +28031,61 @@
 
 <file path=ppt/tags/tag240.xml><?xml version="1.0" encoding="utf-8"?>
 <p:tagLst xmlns:a="http://schemas.openxmlformats.org/drawingml/2006/main" xmlns:r="http://schemas.openxmlformats.org/officeDocument/2006/relationships" xmlns:p="http://schemas.openxmlformats.org/presentationml/2006/main">
-  <p:tag name="DVSHAPEID" val="Elsk8KWDTlugdnZMLbXQVL"/>
+  <p:tag name="DVSHAPEID" val="Kw7hsMfqJTBQtZwi6ABaoJ"/>
 </p:tagLst>
 </file>
 
 <file path=ppt/tags/tag241.xml><?xml version="1.0" encoding="utf-8"?>
 <p:tagLst xmlns:a="http://schemas.openxmlformats.org/drawingml/2006/main" xmlns:r="http://schemas.openxmlformats.org/officeDocument/2006/relationships" xmlns:p="http://schemas.openxmlformats.org/presentationml/2006/main">
-  <p:tag name="DVSHAPEID" val="2fH7eUYGpP0z8oQ8jrQ6Cf"/>
+  <p:tag name="DVSHAPEID" val="sAfEueqTxOPCvywdP9z0Fq"/>
 </p:tagLst>
 </file>
 
 <file path=ppt/tags/tag242.xml><?xml version="1.0" encoding="utf-8"?>
 <p:tagLst xmlns:a="http://schemas.openxmlformats.org/drawingml/2006/main" xmlns:r="http://schemas.openxmlformats.org/officeDocument/2006/relationships" xmlns:p="http://schemas.openxmlformats.org/presentationml/2006/main">
-  <p:tag name="DVSHAPEID" val="amyu8JcmLAoSjcD1v1FdVF"/>
+  <p:tag name="DVSHAPEID" val="Uerf1vtUDp903x2Oh0ZQmM"/>
 </p:tagLst>
 </file>
 
 <file path=ppt/tags/tag243.xml><?xml version="1.0" encoding="utf-8"?>
 <p:tagLst xmlns:a="http://schemas.openxmlformats.org/drawingml/2006/main" xmlns:r="http://schemas.openxmlformats.org/officeDocument/2006/relationships" xmlns:p="http://schemas.openxmlformats.org/presentationml/2006/main">
-  <p:tag name="DVSHAPEID" val="1tSscHXGU2yKiH1ng7NdIT"/>
+  <p:tag name="DVSHAPEID" val="1QuYMSLsBo32G1dedVpCap"/>
 </p:tagLst>
 </file>
 
 <file path=ppt/tags/tag244.xml><?xml version="1.0" encoding="utf-8"?>
 <p:tagLst xmlns:a="http://schemas.openxmlformats.org/drawingml/2006/main" xmlns:r="http://schemas.openxmlformats.org/officeDocument/2006/relationships" xmlns:p="http://schemas.openxmlformats.org/presentationml/2006/main">
-  <p:tag name="DVSECTIONID" val="ciZbTN2BtcPtYt48FO7f6E"/>
+  <p:tag name="DVSHAPEID" val="suuZb0Ry0P47cAL2JB9bOL"/>
 </p:tagLst>
 </file>
 
 <file path=ppt/tags/tag245.xml><?xml version="1.0" encoding="utf-8"?>
 <p:tagLst xmlns:a="http://schemas.openxmlformats.org/drawingml/2006/main" xmlns:r="http://schemas.openxmlformats.org/officeDocument/2006/relationships" xmlns:p="http://schemas.openxmlformats.org/presentationml/2006/main">
-  <p:tag name="DVSHAPEID" val="af4DvhVPqpjv5UfxNAufAy"/>
+  <p:tag name="DVSHAPEID" val="W1Q0B2M4qJBCoZtNGKA2oe"/>
 </p:tagLst>
 </file>
 
 <file path=ppt/tags/tag246.xml><?xml version="1.0" encoding="utf-8"?>
 <p:tagLst xmlns:a="http://schemas.openxmlformats.org/drawingml/2006/main" xmlns:r="http://schemas.openxmlformats.org/officeDocument/2006/relationships" xmlns:p="http://schemas.openxmlformats.org/presentationml/2006/main">
-  <p:tag name="DVSHAPEID" val="Kw7hsMfqJTBQtZwi6ABaoJ"/>
+  <p:tag name="DVSECTIONID" val="OrVjzXkfPbsyRjB5f7eUXH"/>
 </p:tagLst>
 </file>
 
 <file path=ppt/tags/tag247.xml><?xml version="1.0" encoding="utf-8"?>
 <p:tagLst xmlns:a="http://schemas.openxmlformats.org/drawingml/2006/main" xmlns:r="http://schemas.openxmlformats.org/officeDocument/2006/relationships" xmlns:p="http://schemas.openxmlformats.org/presentationml/2006/main">
-  <p:tag name="DVSHAPEID" val="sAfEueqTxOPCvywdP9z0Fq"/>
+  <p:tag name="DVSHAPEID" val="M7HWRXR4Bsp24xmRKHrI1d"/>
 </p:tagLst>
 </file>
 
 <file path=ppt/tags/tag248.xml><?xml version="1.0" encoding="utf-8"?>
 <p:tagLst xmlns:a="http://schemas.openxmlformats.org/drawingml/2006/main" xmlns:r="http://schemas.openxmlformats.org/officeDocument/2006/relationships" xmlns:p="http://schemas.openxmlformats.org/presentationml/2006/main">
-  <p:tag name="DVSHAPEID" val="Uerf1vtUDp903x2Oh0ZQmM"/>
+  <p:tag name="DVSHAPEID" val="5sVxyEmfzbqdl3IOqNmOda"/>
 </p:tagLst>
 </file>
 
 <file path=ppt/tags/tag249.xml><?xml version="1.0" encoding="utf-8"?>
 <p:tagLst xmlns:a="http://schemas.openxmlformats.org/drawingml/2006/main" xmlns:r="http://schemas.openxmlformats.org/officeDocument/2006/relationships" xmlns:p="http://schemas.openxmlformats.org/presentationml/2006/main">
-  <p:tag name="DVSHAPEID" val="1QuYMSLsBo32G1dedVpCap"/>
+  <p:tag name="DVSHAPEID" val="zn9v3kDvDKCz2e0kodHlSe"/>
 </p:tagLst>
 </file>
 
@@ -26262,61 +28097,61 @@
 
 <file path=ppt/tags/tag250.xml><?xml version="1.0" encoding="utf-8"?>
 <p:tagLst xmlns:a="http://schemas.openxmlformats.org/drawingml/2006/main" xmlns:r="http://schemas.openxmlformats.org/officeDocument/2006/relationships" xmlns:p="http://schemas.openxmlformats.org/presentationml/2006/main">
-  <p:tag name="DVSHAPEID" val="suuZb0Ry0P47cAL2JB9bOL"/>
+  <p:tag name="DVSHAPEID" val="BQbi9VgEmdZUSxn2A2B3yG"/>
 </p:tagLst>
 </file>
 
 <file path=ppt/tags/tag251.xml><?xml version="1.0" encoding="utf-8"?>
 <p:tagLst xmlns:a="http://schemas.openxmlformats.org/drawingml/2006/main" xmlns:r="http://schemas.openxmlformats.org/officeDocument/2006/relationships" xmlns:p="http://schemas.openxmlformats.org/presentationml/2006/main">
-  <p:tag name="DVSHAPEID" val="W1Q0B2M4qJBCoZtNGKA2oe"/>
+  <p:tag name="DVSHAPEID" val="AM1tN6o86RhlLjkLbHfYnp"/>
 </p:tagLst>
 </file>
 
 <file path=ppt/tags/tag252.xml><?xml version="1.0" encoding="utf-8"?>
 <p:tagLst xmlns:a="http://schemas.openxmlformats.org/drawingml/2006/main" xmlns:r="http://schemas.openxmlformats.org/officeDocument/2006/relationships" xmlns:p="http://schemas.openxmlformats.org/presentationml/2006/main">
-  <p:tag name="DVSHAPEID" val="pT23XtmOw4mefW69aLNK6h"/>
+  <p:tag name="DVSHAPEID" val="A7mtWmCFJPFVgphF8afe77"/>
 </p:tagLst>
 </file>
 
 <file path=ppt/tags/tag253.xml><?xml version="1.0" encoding="utf-8"?>
 <p:tagLst xmlns:a="http://schemas.openxmlformats.org/drawingml/2006/main" xmlns:r="http://schemas.openxmlformats.org/officeDocument/2006/relationships" xmlns:p="http://schemas.openxmlformats.org/presentationml/2006/main">
-  <p:tag name="DVSECTIONID" val="rGANyVmze8syIIkh5O0NWa"/>
+  <p:tag name="DVSHAPEID" val="DwL4IPRUOzibcT7k92wq8s"/>
 </p:tagLst>
 </file>
 
 <file path=ppt/tags/tag254.xml><?xml version="1.0" encoding="utf-8"?>
 <p:tagLst xmlns:a="http://schemas.openxmlformats.org/drawingml/2006/main" xmlns:r="http://schemas.openxmlformats.org/officeDocument/2006/relationships" xmlns:p="http://schemas.openxmlformats.org/presentationml/2006/main">
-  <p:tag name="DVSHAPEID" val="wAcMyWUpBMmI2ibYABRCgC"/>
+  <p:tag name="DVSECTIONID" val="1pLmOnIjfiIgS8SfmpeZih"/>
 </p:tagLst>
 </file>
 
 <file path=ppt/tags/tag255.xml><?xml version="1.0" encoding="utf-8"?>
 <p:tagLst xmlns:a="http://schemas.openxmlformats.org/drawingml/2006/main" xmlns:r="http://schemas.openxmlformats.org/officeDocument/2006/relationships" xmlns:p="http://schemas.openxmlformats.org/presentationml/2006/main">
-  <p:tag name="DVSHAPEID" val="1Gr0EvkLgrPD1eqGBgT3nO"/>
+  <p:tag name="DVSHAPEID" val="SJphCgoICirAdXH6WL3vrC"/>
 </p:tagLst>
 </file>
 
 <file path=ppt/tags/tag256.xml><?xml version="1.0" encoding="utf-8"?>
 <p:tagLst xmlns:a="http://schemas.openxmlformats.org/drawingml/2006/main" xmlns:r="http://schemas.openxmlformats.org/officeDocument/2006/relationships" xmlns:p="http://schemas.openxmlformats.org/presentationml/2006/main">
-  <p:tag name="DVSHAPEID" val="kPqPZre94L4Uyvlyho4PvV"/>
+  <p:tag name="DVSHAPEID" val="tjZMRQssvgftctXgbKOZ3G"/>
 </p:tagLst>
 </file>
 
 <file path=ppt/tags/tag257.xml><?xml version="1.0" encoding="utf-8"?>
 <p:tagLst xmlns:a="http://schemas.openxmlformats.org/drawingml/2006/main" xmlns:r="http://schemas.openxmlformats.org/officeDocument/2006/relationships" xmlns:p="http://schemas.openxmlformats.org/presentationml/2006/main">
-  <p:tag name="DVSHAPEID" val="SpgXxUZBJdedlCzPwSx6n4"/>
+  <p:tag name="DVSHAPEID" val="JfH35eoyGkIgg6iQpyg9Nb"/>
 </p:tagLst>
 </file>
 
 <file path=ppt/tags/tag258.xml><?xml version="1.0" encoding="utf-8"?>
 <p:tagLst xmlns:a="http://schemas.openxmlformats.org/drawingml/2006/main" xmlns:r="http://schemas.openxmlformats.org/officeDocument/2006/relationships" xmlns:p="http://schemas.openxmlformats.org/presentationml/2006/main">
-  <p:tag name="DVSHAPEID" val="z7GVk3ZvYyipW1y1Ukat2R"/>
+  <p:tag name="DVSHAPEID" val="lKLd8FAjHsyMAJ4NKd3WzU"/>
 </p:tagLst>
 </file>
 
 <file path=ppt/tags/tag259.xml><?xml version="1.0" encoding="utf-8"?>
 <p:tagLst xmlns:a="http://schemas.openxmlformats.org/drawingml/2006/main" xmlns:r="http://schemas.openxmlformats.org/officeDocument/2006/relationships" xmlns:p="http://schemas.openxmlformats.org/presentationml/2006/main">
-  <p:tag name="DVSHAPEID" val="Fk9IYrSbhpxOP9hCzWBdeG"/>
+  <p:tag name="DVSHAPEID" val="KVdRYlkfITTxUXhR6IXnDg"/>
 </p:tagLst>
 </file>
 
@@ -26328,61 +28163,61 @@
 
 <file path=ppt/tags/tag260.xml><?xml version="1.0" encoding="utf-8"?>
 <p:tagLst xmlns:a="http://schemas.openxmlformats.org/drawingml/2006/main" xmlns:r="http://schemas.openxmlformats.org/officeDocument/2006/relationships" xmlns:p="http://schemas.openxmlformats.org/presentationml/2006/main">
-  <p:tag name="DVSHAPEID" val="VWFyguYcWT1HslLB4xCMgT"/>
+  <p:tag name="DVSHAPEID" val="HtwyLBO36RBrZP0gHfYrJE"/>
 </p:tagLst>
 </file>
 
 <file path=ppt/tags/tag261.xml><?xml version="1.0" encoding="utf-8"?>
 <p:tagLst xmlns:a="http://schemas.openxmlformats.org/drawingml/2006/main" xmlns:r="http://schemas.openxmlformats.org/officeDocument/2006/relationships" xmlns:p="http://schemas.openxmlformats.org/presentationml/2006/main">
-  <p:tag name="DVSHAPEID" val="SY5xEZitxxXKBLbIAd794a"/>
+  <p:tag name="DVSHAPEID" val="T2O6vS6lYcgueJlpzIrFN1"/>
 </p:tagLst>
 </file>
 
 <file path=ppt/tags/tag262.xml><?xml version="1.0" encoding="utf-8"?>
 <p:tagLst xmlns:a="http://schemas.openxmlformats.org/drawingml/2006/main" xmlns:r="http://schemas.openxmlformats.org/officeDocument/2006/relationships" xmlns:p="http://schemas.openxmlformats.org/presentationml/2006/main">
-  <p:tag name="DVSECTIONID" val="OrVjzXkfPbsyRjB5f7eUXH"/>
+  <p:tag name="DVSHAPEID" val="auBhUhFg04RR5l831gjgN5"/>
 </p:tagLst>
 </file>
 
 <file path=ppt/tags/tag263.xml><?xml version="1.0" encoding="utf-8"?>
 <p:tagLst xmlns:a="http://schemas.openxmlformats.org/drawingml/2006/main" xmlns:r="http://schemas.openxmlformats.org/officeDocument/2006/relationships" xmlns:p="http://schemas.openxmlformats.org/presentationml/2006/main">
-  <p:tag name="DVSHAPEID" val="M7HWRXR4Bsp24xmRKHrI1d"/>
+  <p:tag name="DVSECTIONID" val="5aQ0G0ySy2d6qvyd9WwvWa"/>
 </p:tagLst>
 </file>
 
 <file path=ppt/tags/tag264.xml><?xml version="1.0" encoding="utf-8"?>
 <p:tagLst xmlns:a="http://schemas.openxmlformats.org/drawingml/2006/main" xmlns:r="http://schemas.openxmlformats.org/officeDocument/2006/relationships" xmlns:p="http://schemas.openxmlformats.org/presentationml/2006/main">
-  <p:tag name="DVSHAPEID" val="5sVxyEmfzbqdl3IOqNmOda"/>
+  <p:tag name="DVSHAPEID" val="Xb9RFVCvI28xitQzUK28bs"/>
 </p:tagLst>
 </file>
 
 <file path=ppt/tags/tag265.xml><?xml version="1.0" encoding="utf-8"?>
 <p:tagLst xmlns:a="http://schemas.openxmlformats.org/drawingml/2006/main" xmlns:r="http://schemas.openxmlformats.org/officeDocument/2006/relationships" xmlns:p="http://schemas.openxmlformats.org/presentationml/2006/main">
-  <p:tag name="DVSHAPEID" val="zn9v3kDvDKCz2e0kodHlSe"/>
+  <p:tag name="DVSHAPEID" val="bIoov2UGrCB5wq83BKDulO"/>
 </p:tagLst>
 </file>
 
 <file path=ppt/tags/tag266.xml><?xml version="1.0" encoding="utf-8"?>
 <p:tagLst xmlns:a="http://schemas.openxmlformats.org/drawingml/2006/main" xmlns:r="http://schemas.openxmlformats.org/officeDocument/2006/relationships" xmlns:p="http://schemas.openxmlformats.org/presentationml/2006/main">
-  <p:tag name="DVSHAPEID" val="BQbi9VgEmdZUSxn2A2B3yG"/>
+  <p:tag name="DVSHAPEID" val="Iy2FcrlzdETvZqthpAA2Bw"/>
 </p:tagLst>
 </file>
 
 <file path=ppt/tags/tag267.xml><?xml version="1.0" encoding="utf-8"?>
 <p:tagLst xmlns:a="http://schemas.openxmlformats.org/drawingml/2006/main" xmlns:r="http://schemas.openxmlformats.org/officeDocument/2006/relationships" xmlns:p="http://schemas.openxmlformats.org/presentationml/2006/main">
-  <p:tag name="DVSHAPEID" val="AM1tN6o86RhlLjkLbHfYnp"/>
+  <p:tag name="DVSHAPEID" val="WdWqrR8hvG7n0QlQPtkSpW"/>
 </p:tagLst>
 </file>
 
 <file path=ppt/tags/tag268.xml><?xml version="1.0" encoding="utf-8"?>
 <p:tagLst xmlns:a="http://schemas.openxmlformats.org/drawingml/2006/main" xmlns:r="http://schemas.openxmlformats.org/officeDocument/2006/relationships" xmlns:p="http://schemas.openxmlformats.org/presentationml/2006/main">
-  <p:tag name="DVSHAPEID" val="A7mtWmCFJPFVgphF8afe77"/>
+  <p:tag name="DVSHAPEID" val="b1rHzkl2TjdcBPIMZtrV9d"/>
 </p:tagLst>
 </file>
 
 <file path=ppt/tags/tag269.xml><?xml version="1.0" encoding="utf-8"?>
 <p:tagLst xmlns:a="http://schemas.openxmlformats.org/drawingml/2006/main" xmlns:r="http://schemas.openxmlformats.org/officeDocument/2006/relationships" xmlns:p="http://schemas.openxmlformats.org/presentationml/2006/main">
-  <p:tag name="DVSHAPEID" val="DwL4IPRUOzibcT7k92wq8s"/>
+  <p:tag name="DVSHAPEID" val="oCqDVyL7IJ6Z1UZJiNWsNN"/>
 </p:tagLst>
 </file>
 
@@ -26394,61 +28229,61 @@
 
 <file path=ppt/tags/tag270.xml><?xml version="1.0" encoding="utf-8"?>
 <p:tagLst xmlns:a="http://schemas.openxmlformats.org/drawingml/2006/main" xmlns:r="http://schemas.openxmlformats.org/officeDocument/2006/relationships" xmlns:p="http://schemas.openxmlformats.org/presentationml/2006/main">
-  <p:tag name="DVSHAPEID" val="huklYrbACXdHySyj8jvhl0"/>
+  <p:tag name="DVSHAPEID" val="9New72tQqtNYDOhVpMhMBu"/>
 </p:tagLst>
 </file>
 
 <file path=ppt/tags/tag271.xml><?xml version="1.0" encoding="utf-8"?>
 <p:tagLst xmlns:a="http://schemas.openxmlformats.org/drawingml/2006/main" xmlns:r="http://schemas.openxmlformats.org/officeDocument/2006/relationships" xmlns:p="http://schemas.openxmlformats.org/presentationml/2006/main">
-  <p:tag name="DVSHAPEID" val="puK7LaoKD1DBVu0v0w5Cjo"/>
+  <p:tag name="DVSECTIONID" val="QBqscZLPFYoJjAvNHIKmKF"/>
 </p:tagLst>
 </file>
 
 <file path=ppt/tags/tag272.xml><?xml version="1.0" encoding="utf-8"?>
 <p:tagLst xmlns:a="http://schemas.openxmlformats.org/drawingml/2006/main" xmlns:r="http://schemas.openxmlformats.org/officeDocument/2006/relationships" xmlns:p="http://schemas.openxmlformats.org/presentationml/2006/main">
-  <p:tag name="DVSECTIONID" val="1pLmOnIjfiIgS8SfmpeZih"/>
+  <p:tag name="DVSHAPEID" val="b3hasmoaa0cEIBJjfdENu6"/>
 </p:tagLst>
 </file>
 
 <file path=ppt/tags/tag273.xml><?xml version="1.0" encoding="utf-8"?>
 <p:tagLst xmlns:a="http://schemas.openxmlformats.org/drawingml/2006/main" xmlns:r="http://schemas.openxmlformats.org/officeDocument/2006/relationships" xmlns:p="http://schemas.openxmlformats.org/presentationml/2006/main">
-  <p:tag name="DVSHAPEID" val="SJphCgoICirAdXH6WL3vrC"/>
+  <p:tag name="DVSHAPEID" val="y3lEw1lz8JcsqJwCNOfOwp"/>
 </p:tagLst>
 </file>
 
 <file path=ppt/tags/tag274.xml><?xml version="1.0" encoding="utf-8"?>
 <p:tagLst xmlns:a="http://schemas.openxmlformats.org/drawingml/2006/main" xmlns:r="http://schemas.openxmlformats.org/officeDocument/2006/relationships" xmlns:p="http://schemas.openxmlformats.org/presentationml/2006/main">
-  <p:tag name="DVSHAPEID" val="tjZMRQssvgftctXgbKOZ3G"/>
+  <p:tag name="DVSHAPEID" val="nNUNE7sqcu85udONQmOASt"/>
 </p:tagLst>
 </file>
 
 <file path=ppt/tags/tag275.xml><?xml version="1.0" encoding="utf-8"?>
 <p:tagLst xmlns:a="http://schemas.openxmlformats.org/drawingml/2006/main" xmlns:r="http://schemas.openxmlformats.org/officeDocument/2006/relationships" xmlns:p="http://schemas.openxmlformats.org/presentationml/2006/main">
-  <p:tag name="DVSHAPEID" val="JfH35eoyGkIgg6iQpyg9Nb"/>
+  <p:tag name="DVSHAPEID" val="sfaZMDpQyGA9FyKIme7IwH"/>
 </p:tagLst>
 </file>
 
 <file path=ppt/tags/tag276.xml><?xml version="1.0" encoding="utf-8"?>
 <p:tagLst xmlns:a="http://schemas.openxmlformats.org/drawingml/2006/main" xmlns:r="http://schemas.openxmlformats.org/officeDocument/2006/relationships" xmlns:p="http://schemas.openxmlformats.org/presentationml/2006/main">
-  <p:tag name="DVSHAPEID" val="lKLd8FAjHsyMAJ4NKd3WzU"/>
+  <p:tag name="DVSHAPEID" val="jlfiN0YSZVwUlEDEkP0mWr"/>
 </p:tagLst>
 </file>
 
 <file path=ppt/tags/tag277.xml><?xml version="1.0" encoding="utf-8"?>
 <p:tagLst xmlns:a="http://schemas.openxmlformats.org/drawingml/2006/main" xmlns:r="http://schemas.openxmlformats.org/officeDocument/2006/relationships" xmlns:p="http://schemas.openxmlformats.org/presentationml/2006/main">
-  <p:tag name="DVSHAPEID" val="KVdRYlkfITTxUXhR6IXnDg"/>
+  <p:tag name="DVSHAPEID" val="ulyg380AtaWKWOKtPpSGGE"/>
 </p:tagLst>
 </file>
 
 <file path=ppt/tags/tag278.xml><?xml version="1.0" encoding="utf-8"?>
 <p:tagLst xmlns:a="http://schemas.openxmlformats.org/drawingml/2006/main" xmlns:r="http://schemas.openxmlformats.org/officeDocument/2006/relationships" xmlns:p="http://schemas.openxmlformats.org/presentationml/2006/main">
-  <p:tag name="DVSHAPEID" val="HtwyLBO36RBrZP0gHfYrJE"/>
+  <p:tag name="DVSHAPEID" val="DLc55HUiHaLSRTKwWPRpsl"/>
 </p:tagLst>
 </file>
 
 <file path=ppt/tags/tag279.xml><?xml version="1.0" encoding="utf-8"?>
 <p:tagLst xmlns:a="http://schemas.openxmlformats.org/drawingml/2006/main" xmlns:r="http://schemas.openxmlformats.org/officeDocument/2006/relationships" xmlns:p="http://schemas.openxmlformats.org/presentationml/2006/main">
-  <p:tag name="DVSHAPEID" val="T2O6vS6lYcgueJlpzIrFN1"/>
+  <p:tag name="DVSHAPEID" val="XAIOUQZAugLQIN4Y3iGbsM"/>
 </p:tagLst>
 </file>
 
@@ -26460,61 +28295,61 @@
 
 <file path=ppt/tags/tag280.xml><?xml version="1.0" encoding="utf-8"?>
 <p:tagLst xmlns:a="http://schemas.openxmlformats.org/drawingml/2006/main" xmlns:r="http://schemas.openxmlformats.org/officeDocument/2006/relationships" xmlns:p="http://schemas.openxmlformats.org/presentationml/2006/main">
-  <p:tag name="DVSHAPEID" val="auBhUhFg04RR5l831gjgN5"/>
+  <p:tag name="DVSHAPEID" val="6OTfXl5rEzMYkHPA94tOmn"/>
 </p:tagLst>
 </file>
 
 <file path=ppt/tags/tag281.xml><?xml version="1.0" encoding="utf-8"?>
 <p:tagLst xmlns:a="http://schemas.openxmlformats.org/drawingml/2006/main" xmlns:r="http://schemas.openxmlformats.org/officeDocument/2006/relationships" xmlns:p="http://schemas.openxmlformats.org/presentationml/2006/main">
-  <p:tag name="DVSHAPEID" val="b1LwVEwaYQW4kJaPny9D1d"/>
+  <p:tag name="DVSECTIONID" val="3LHmH9gisNlVkfzdNy7Jne"/>
 </p:tagLst>
 </file>
 
 <file path=ppt/tags/tag282.xml><?xml version="1.0" encoding="utf-8"?>
 <p:tagLst xmlns:a="http://schemas.openxmlformats.org/drawingml/2006/main" xmlns:r="http://schemas.openxmlformats.org/officeDocument/2006/relationships" xmlns:p="http://schemas.openxmlformats.org/presentationml/2006/main">
-  <p:tag name="DVSECTIONID" val="5aQ0G0ySy2d6qvyd9WwvWa"/>
+  <p:tag name="DVSHAPEID" val="60bXsYMzJhSbBEQ36H7rst"/>
 </p:tagLst>
 </file>
 
 <file path=ppt/tags/tag283.xml><?xml version="1.0" encoding="utf-8"?>
 <p:tagLst xmlns:a="http://schemas.openxmlformats.org/drawingml/2006/main" xmlns:r="http://schemas.openxmlformats.org/officeDocument/2006/relationships" xmlns:p="http://schemas.openxmlformats.org/presentationml/2006/main">
-  <p:tag name="DVSHAPEID" val="Xb9RFVCvI28xitQzUK28bs"/>
+  <p:tag name="DVSHAPEID" val="Dr0rBMuCSl5tXWFMPtfeyU"/>
 </p:tagLst>
 </file>
 
 <file path=ppt/tags/tag284.xml><?xml version="1.0" encoding="utf-8"?>
 <p:tagLst xmlns:a="http://schemas.openxmlformats.org/drawingml/2006/main" xmlns:r="http://schemas.openxmlformats.org/officeDocument/2006/relationships" xmlns:p="http://schemas.openxmlformats.org/presentationml/2006/main">
-  <p:tag name="DVSHAPEID" val="bIoov2UGrCB5wq83BKDulO"/>
+  <p:tag name="DVSHAPEID" val="oB0HpKWBZe3DnKX0n046ox"/>
 </p:tagLst>
 </file>
 
 <file path=ppt/tags/tag285.xml><?xml version="1.0" encoding="utf-8"?>
 <p:tagLst xmlns:a="http://schemas.openxmlformats.org/drawingml/2006/main" xmlns:r="http://schemas.openxmlformats.org/officeDocument/2006/relationships" xmlns:p="http://schemas.openxmlformats.org/presentationml/2006/main">
-  <p:tag name="DVSHAPEID" val="Iy2FcrlzdETvZqthpAA2Bw"/>
+  <p:tag name="DVSHAPEID" val="68HUnkREcdVJ2orTmJFhmR"/>
 </p:tagLst>
 </file>
 
 <file path=ppt/tags/tag286.xml><?xml version="1.0" encoding="utf-8"?>
 <p:tagLst xmlns:a="http://schemas.openxmlformats.org/drawingml/2006/main" xmlns:r="http://schemas.openxmlformats.org/officeDocument/2006/relationships" xmlns:p="http://schemas.openxmlformats.org/presentationml/2006/main">
-  <p:tag name="DVSHAPEID" val="WdWqrR8hvG7n0QlQPtkSpW"/>
+  <p:tag name="DVSHAPEID" val="qkzVPO6f9rvRvS0vnCJl2P"/>
 </p:tagLst>
 </file>
 
 <file path=ppt/tags/tag287.xml><?xml version="1.0" encoding="utf-8"?>
 <p:tagLst xmlns:a="http://schemas.openxmlformats.org/drawingml/2006/main" xmlns:r="http://schemas.openxmlformats.org/officeDocument/2006/relationships" xmlns:p="http://schemas.openxmlformats.org/presentationml/2006/main">
-  <p:tag name="DVSHAPEID" val="b1rHzkl2TjdcBPIMZtrV9d"/>
+  <p:tag name="DVSHAPEID" val="HDHyztDlr7afInksv2xW3u"/>
 </p:tagLst>
 </file>
 
 <file path=ppt/tags/tag288.xml><?xml version="1.0" encoding="utf-8"?>
 <p:tagLst xmlns:a="http://schemas.openxmlformats.org/drawingml/2006/main" xmlns:r="http://schemas.openxmlformats.org/officeDocument/2006/relationships" xmlns:p="http://schemas.openxmlformats.org/presentationml/2006/main">
-  <p:tag name="DVSHAPEID" val="oCqDVyL7IJ6Z1UZJiNWsNN"/>
+  <p:tag name="DVSHAPEID" val="dbTzTRm3x1OACVdgfDBOZo"/>
 </p:tagLst>
 </file>
 
 <file path=ppt/tags/tag289.xml><?xml version="1.0" encoding="utf-8"?>
 <p:tagLst xmlns:a="http://schemas.openxmlformats.org/drawingml/2006/main" xmlns:r="http://schemas.openxmlformats.org/officeDocument/2006/relationships" xmlns:p="http://schemas.openxmlformats.org/presentationml/2006/main">
-  <p:tag name="DVSHAPEID" val="9New72tQqtNYDOhVpMhMBu"/>
+  <p:tag name="DVSHAPEID" val="GgaCbU6GN5McqwF0zMYoz9"/>
 </p:tagLst>
 </file>
 
@@ -26526,61 +28361,61 @@
 
 <file path=ppt/tags/tag290.xml><?xml version="1.0" encoding="utf-8"?>
 <p:tagLst xmlns:a="http://schemas.openxmlformats.org/drawingml/2006/main" xmlns:r="http://schemas.openxmlformats.org/officeDocument/2006/relationships" xmlns:p="http://schemas.openxmlformats.org/presentationml/2006/main">
-  <p:tag name="DVSHAPEID" val="H4GkvrH9ty4Go0LQIQiw9H"/>
+  <p:tag name="DVSHAPEID" val="TpF307He2klJNfUNhyBleg"/>
 </p:tagLst>
 </file>
 
 <file path=ppt/tags/tag291.xml><?xml version="1.0" encoding="utf-8"?>
 <p:tagLst xmlns:a="http://schemas.openxmlformats.org/drawingml/2006/main" xmlns:r="http://schemas.openxmlformats.org/officeDocument/2006/relationships" xmlns:p="http://schemas.openxmlformats.org/presentationml/2006/main">
-  <p:tag name="DVSECTIONID" val="QBqscZLPFYoJjAvNHIKmKF"/>
+  <p:tag name="DVSECTIONID" val="IHcXHlfOKAqaxFKQiBzmwB"/>
 </p:tagLst>
 </file>
 
 <file path=ppt/tags/tag292.xml><?xml version="1.0" encoding="utf-8"?>
 <p:tagLst xmlns:a="http://schemas.openxmlformats.org/drawingml/2006/main" xmlns:r="http://schemas.openxmlformats.org/officeDocument/2006/relationships" xmlns:p="http://schemas.openxmlformats.org/presentationml/2006/main">
-  <p:tag name="DVSHAPEID" val="b3hasmoaa0cEIBJjfdENu6"/>
+  <p:tag name="DVSHAPEID" val="NqvGBe3PQBPxP1RMFRSTKw"/>
 </p:tagLst>
 </file>
 
 <file path=ppt/tags/tag293.xml><?xml version="1.0" encoding="utf-8"?>
 <p:tagLst xmlns:a="http://schemas.openxmlformats.org/drawingml/2006/main" xmlns:r="http://schemas.openxmlformats.org/officeDocument/2006/relationships" xmlns:p="http://schemas.openxmlformats.org/presentationml/2006/main">
-  <p:tag name="DVSHAPEID" val="y3lEw1lz8JcsqJwCNOfOwp"/>
+  <p:tag name="DVSHAPEID" val="HB11Bi5wrIVGkkTxDyRvpT"/>
 </p:tagLst>
 </file>
 
 <file path=ppt/tags/tag294.xml><?xml version="1.0" encoding="utf-8"?>
 <p:tagLst xmlns:a="http://schemas.openxmlformats.org/drawingml/2006/main" xmlns:r="http://schemas.openxmlformats.org/officeDocument/2006/relationships" xmlns:p="http://schemas.openxmlformats.org/presentationml/2006/main">
-  <p:tag name="DVSHAPEID" val="nNUNE7sqcu85udONQmOASt"/>
+  <p:tag name="DVSHAPEID" val="ZXNnpTL4YkZhITFzDLKj97"/>
 </p:tagLst>
 </file>
 
 <file path=ppt/tags/tag295.xml><?xml version="1.0" encoding="utf-8"?>
 <p:tagLst xmlns:a="http://schemas.openxmlformats.org/drawingml/2006/main" xmlns:r="http://schemas.openxmlformats.org/officeDocument/2006/relationships" xmlns:p="http://schemas.openxmlformats.org/presentationml/2006/main">
-  <p:tag name="DVSHAPEID" val="sfaZMDpQyGA9FyKIme7IwH"/>
+  <p:tag name="DVSHAPEID" val="B9HxT8dj1f7OC4edScKmJB"/>
 </p:tagLst>
 </file>
 
 <file path=ppt/tags/tag296.xml><?xml version="1.0" encoding="utf-8"?>
 <p:tagLst xmlns:a="http://schemas.openxmlformats.org/drawingml/2006/main" xmlns:r="http://schemas.openxmlformats.org/officeDocument/2006/relationships" xmlns:p="http://schemas.openxmlformats.org/presentationml/2006/main">
-  <p:tag name="DVSHAPEID" val="jlfiN0YSZVwUlEDEkP0mWr"/>
+  <p:tag name="DVSHAPEID" val="G3BZS3U6L5JSlDFS0DREiK"/>
 </p:tagLst>
 </file>
 
 <file path=ppt/tags/tag297.xml><?xml version="1.0" encoding="utf-8"?>
 <p:tagLst xmlns:a="http://schemas.openxmlformats.org/drawingml/2006/main" xmlns:r="http://schemas.openxmlformats.org/officeDocument/2006/relationships" xmlns:p="http://schemas.openxmlformats.org/presentationml/2006/main">
-  <p:tag name="DVSHAPEID" val="ulyg380AtaWKWOKtPpSGGE"/>
+  <p:tag name="DVSHAPEID" val="9UgAlpSxzMn0tEVTfapVu2"/>
 </p:tagLst>
 </file>
 
 <file path=ppt/tags/tag298.xml><?xml version="1.0" encoding="utf-8"?>
 <p:tagLst xmlns:a="http://schemas.openxmlformats.org/drawingml/2006/main" xmlns:r="http://schemas.openxmlformats.org/officeDocument/2006/relationships" xmlns:p="http://schemas.openxmlformats.org/presentationml/2006/main">
-  <p:tag name="DVSHAPEID" val="DLc55HUiHaLSRTKwWPRpsl"/>
+  <p:tag name="DVSHAPEID" val="4KIAy0b6v5iWTHIiIvddwW"/>
 </p:tagLst>
 </file>
 
 <file path=ppt/tags/tag299.xml><?xml version="1.0" encoding="utf-8"?>
 <p:tagLst xmlns:a="http://schemas.openxmlformats.org/drawingml/2006/main" xmlns:r="http://schemas.openxmlformats.org/officeDocument/2006/relationships" xmlns:p="http://schemas.openxmlformats.org/presentationml/2006/main">
-  <p:tag name="DVSHAPEID" val="XAIOUQZAugLQIN4Y3iGbsM"/>
+  <p:tag name="DVSHAPEID" val="ula0X6oHfmg7PwSLRSmsgi"/>
 </p:tagLst>
 </file>
 
@@ -26598,61 +28433,7 @@
 
 <file path=ppt/tags/tag300.xml><?xml version="1.0" encoding="utf-8"?>
 <p:tagLst xmlns:a="http://schemas.openxmlformats.org/drawingml/2006/main" xmlns:r="http://schemas.openxmlformats.org/officeDocument/2006/relationships" xmlns:p="http://schemas.openxmlformats.org/presentationml/2006/main">
-  <p:tag name="DVSHAPEID" val="6OTfXl5rEzMYkHPA94tOmn"/>
-</p:tagLst>
-</file>
-
-<file path=ppt/tags/tag301.xml><?xml version="1.0" encoding="utf-8"?>
-<p:tagLst xmlns:a="http://schemas.openxmlformats.org/drawingml/2006/main" xmlns:r="http://schemas.openxmlformats.org/officeDocument/2006/relationships" xmlns:p="http://schemas.openxmlformats.org/presentationml/2006/main">
-  <p:tag name="DVSECTIONID" val="3LHmH9gisNlVkfzdNy7Jne"/>
-</p:tagLst>
-</file>
-
-<file path=ppt/tags/tag302.xml><?xml version="1.0" encoding="utf-8"?>
-<p:tagLst xmlns:a="http://schemas.openxmlformats.org/drawingml/2006/main" xmlns:r="http://schemas.openxmlformats.org/officeDocument/2006/relationships" xmlns:p="http://schemas.openxmlformats.org/presentationml/2006/main">
-  <p:tag name="DVSHAPEID" val="60bXsYMzJhSbBEQ36H7rst"/>
-</p:tagLst>
-</file>
-
-<file path=ppt/tags/tag303.xml><?xml version="1.0" encoding="utf-8"?>
-<p:tagLst xmlns:a="http://schemas.openxmlformats.org/drawingml/2006/main" xmlns:r="http://schemas.openxmlformats.org/officeDocument/2006/relationships" xmlns:p="http://schemas.openxmlformats.org/presentationml/2006/main">
-  <p:tag name="DVSHAPEID" val="Dr0rBMuCSl5tXWFMPtfeyU"/>
-</p:tagLst>
-</file>
-
-<file path=ppt/tags/tag304.xml><?xml version="1.0" encoding="utf-8"?>
-<p:tagLst xmlns:a="http://schemas.openxmlformats.org/drawingml/2006/main" xmlns:r="http://schemas.openxmlformats.org/officeDocument/2006/relationships" xmlns:p="http://schemas.openxmlformats.org/presentationml/2006/main">
-  <p:tag name="DVSHAPEID" val="oB0HpKWBZe3DnKX0n046ox"/>
-</p:tagLst>
-</file>
-
-<file path=ppt/tags/tag305.xml><?xml version="1.0" encoding="utf-8"?>
-<p:tagLst xmlns:a="http://schemas.openxmlformats.org/drawingml/2006/main" xmlns:r="http://schemas.openxmlformats.org/officeDocument/2006/relationships" xmlns:p="http://schemas.openxmlformats.org/presentationml/2006/main">
-  <p:tag name="DVSHAPEID" val="68HUnkREcdVJ2orTmJFhmR"/>
-</p:tagLst>
-</file>
-
-<file path=ppt/tags/tag306.xml><?xml version="1.0" encoding="utf-8"?>
-<p:tagLst xmlns:a="http://schemas.openxmlformats.org/drawingml/2006/main" xmlns:r="http://schemas.openxmlformats.org/officeDocument/2006/relationships" xmlns:p="http://schemas.openxmlformats.org/presentationml/2006/main">
-  <p:tag name="DVSHAPEID" val="qkzVPO6f9rvRvS0vnCJl2P"/>
-</p:tagLst>
-</file>
-
-<file path=ppt/tags/tag307.xml><?xml version="1.0" encoding="utf-8"?>
-<p:tagLst xmlns:a="http://schemas.openxmlformats.org/drawingml/2006/main" xmlns:r="http://schemas.openxmlformats.org/officeDocument/2006/relationships" xmlns:p="http://schemas.openxmlformats.org/presentationml/2006/main">
-  <p:tag name="DVSHAPEID" val="HDHyztDlr7afInksv2xW3u"/>
-</p:tagLst>
-</file>
-
-<file path=ppt/tags/tag308.xml><?xml version="1.0" encoding="utf-8"?>
-<p:tagLst xmlns:a="http://schemas.openxmlformats.org/drawingml/2006/main" xmlns:r="http://schemas.openxmlformats.org/officeDocument/2006/relationships" xmlns:p="http://schemas.openxmlformats.org/presentationml/2006/main">
-  <p:tag name="DVSHAPEID" val="dbTzTRm3x1OACVdgfDBOZo"/>
-</p:tagLst>
-</file>
-
-<file path=ppt/tags/tag309.xml><?xml version="1.0" encoding="utf-8"?>
-<p:tagLst xmlns:a="http://schemas.openxmlformats.org/drawingml/2006/main" xmlns:r="http://schemas.openxmlformats.org/officeDocument/2006/relationships" xmlns:p="http://schemas.openxmlformats.org/presentationml/2006/main">
-  <p:tag name="DVSHAPEID" val="GgaCbU6GN5McqwF0zMYoz9"/>
+  <p:tag name="DVSHAPEID" val="De4blH4vrxgCtkk3XNEVz1"/>
 </p:tagLst>
 </file>
 
@@ -26662,75 +28443,9 @@
 </p:tagLst>
 </file>
 
-<file path=ppt/tags/tag310.xml><?xml version="1.0" encoding="utf-8"?>
-<p:tagLst xmlns:a="http://schemas.openxmlformats.org/drawingml/2006/main" xmlns:r="http://schemas.openxmlformats.org/officeDocument/2006/relationships" xmlns:p="http://schemas.openxmlformats.org/presentationml/2006/main">
-  <p:tag name="DVSHAPEID" val="TpF307He2klJNfUNhyBleg"/>
-</p:tagLst>
-</file>
-
-<file path=ppt/tags/tag311.xml><?xml version="1.0" encoding="utf-8"?>
-<p:tagLst xmlns:a="http://schemas.openxmlformats.org/drawingml/2006/main" xmlns:r="http://schemas.openxmlformats.org/officeDocument/2006/relationships" xmlns:p="http://schemas.openxmlformats.org/presentationml/2006/main">
-  <p:tag name="DVSECTIONID" val="IHcXHlfOKAqaxFKQiBzmwB"/>
-</p:tagLst>
-</file>
-
-<file path=ppt/tags/tag312.xml><?xml version="1.0" encoding="utf-8"?>
-<p:tagLst xmlns:a="http://schemas.openxmlformats.org/drawingml/2006/main" xmlns:r="http://schemas.openxmlformats.org/officeDocument/2006/relationships" xmlns:p="http://schemas.openxmlformats.org/presentationml/2006/main">
-  <p:tag name="DVSHAPEID" val="NqvGBe3PQBPxP1RMFRSTKw"/>
-</p:tagLst>
-</file>
-
-<file path=ppt/tags/tag313.xml><?xml version="1.0" encoding="utf-8"?>
-<p:tagLst xmlns:a="http://schemas.openxmlformats.org/drawingml/2006/main" xmlns:r="http://schemas.openxmlformats.org/officeDocument/2006/relationships" xmlns:p="http://schemas.openxmlformats.org/presentationml/2006/main">
-  <p:tag name="DVSHAPEID" val="HB11Bi5wrIVGkkTxDyRvpT"/>
-</p:tagLst>
-</file>
-
-<file path=ppt/tags/tag314.xml><?xml version="1.0" encoding="utf-8"?>
-<p:tagLst xmlns:a="http://schemas.openxmlformats.org/drawingml/2006/main" xmlns:r="http://schemas.openxmlformats.org/officeDocument/2006/relationships" xmlns:p="http://schemas.openxmlformats.org/presentationml/2006/main">
-  <p:tag name="DVSHAPEID" val="ZXNnpTL4YkZhITFzDLKj97"/>
-</p:tagLst>
-</file>
-
-<file path=ppt/tags/tag315.xml><?xml version="1.0" encoding="utf-8"?>
-<p:tagLst xmlns:a="http://schemas.openxmlformats.org/drawingml/2006/main" xmlns:r="http://schemas.openxmlformats.org/officeDocument/2006/relationships" xmlns:p="http://schemas.openxmlformats.org/presentationml/2006/main">
-  <p:tag name="DVSHAPEID" val="B9HxT8dj1f7OC4edScKmJB"/>
-</p:tagLst>
-</file>
-
-<file path=ppt/tags/tag316.xml><?xml version="1.0" encoding="utf-8"?>
-<p:tagLst xmlns:a="http://schemas.openxmlformats.org/drawingml/2006/main" xmlns:r="http://schemas.openxmlformats.org/officeDocument/2006/relationships" xmlns:p="http://schemas.openxmlformats.org/presentationml/2006/main">
-  <p:tag name="DVSHAPEID" val="G3BZS3U6L5JSlDFS0DREiK"/>
-</p:tagLst>
-</file>
-
-<file path=ppt/tags/tag317.xml><?xml version="1.0" encoding="utf-8"?>
-<p:tagLst xmlns:a="http://schemas.openxmlformats.org/drawingml/2006/main" xmlns:r="http://schemas.openxmlformats.org/officeDocument/2006/relationships" xmlns:p="http://schemas.openxmlformats.org/presentationml/2006/main">
-  <p:tag name="DVSHAPEID" val="9UgAlpSxzMn0tEVTfapVu2"/>
-</p:tagLst>
-</file>
-
-<file path=ppt/tags/tag318.xml><?xml version="1.0" encoding="utf-8"?>
-<p:tagLst xmlns:a="http://schemas.openxmlformats.org/drawingml/2006/main" xmlns:r="http://schemas.openxmlformats.org/officeDocument/2006/relationships" xmlns:p="http://schemas.openxmlformats.org/presentationml/2006/main">
-  <p:tag name="DVSHAPEID" val="4KIAy0b6v5iWTHIiIvddwW"/>
-</p:tagLst>
-</file>
-
-<file path=ppt/tags/tag319.xml><?xml version="1.0" encoding="utf-8"?>
-<p:tagLst xmlns:a="http://schemas.openxmlformats.org/drawingml/2006/main" xmlns:r="http://schemas.openxmlformats.org/officeDocument/2006/relationships" xmlns:p="http://schemas.openxmlformats.org/presentationml/2006/main">
-  <p:tag name="DVSHAPEID" val="ula0X6oHfmg7PwSLRSmsgi"/>
-</p:tagLst>
-</file>
-
 <file path=ppt/tags/tag32.xml><?xml version="1.0" encoding="utf-8"?>
 <p:tagLst xmlns:a="http://schemas.openxmlformats.org/drawingml/2006/main" xmlns:r="http://schemas.openxmlformats.org/officeDocument/2006/relationships" xmlns:p="http://schemas.openxmlformats.org/presentationml/2006/main">
   <p:tag name="DVSHAPEID" val="d1ciNCD7K9AGhHvu35Ea5c"/>
-</p:tagLst>
-</file>
-
-<file path=ppt/tags/tag320.xml><?xml version="1.0" encoding="utf-8"?>
-<p:tagLst xmlns:a="http://schemas.openxmlformats.org/drawingml/2006/main" xmlns:r="http://schemas.openxmlformats.org/officeDocument/2006/relationships" xmlns:p="http://schemas.openxmlformats.org/presentationml/2006/main">
-  <p:tag name="DVSHAPEID" val="De4blH4vrxgCtkk3XNEVz1"/>
 </p:tagLst>
 </file>
 
